--- a/Async and await presentation.pptx
+++ b/Async and await presentation.pptx
@@ -6609,7 +6609,7 @@
         <p:spPr>
           <a:xfrm>
             <a:off x="145775" y="132522"/>
-            <a:ext cx="11781182" cy="6124754"/>
+            <a:ext cx="11781182" cy="6555641"/>
           </a:xfrm>
           <a:prstGeom prst="rect">
             <a:avLst/>
@@ -6645,6 +6645,13 @@
               <a:buFont typeface="Arial" panose="020B0604020202020204" pitchFamily="34" charset="0"/>
               <a:buChar char="•"/>
             </a:pPr>
+            <a:endParaRPr lang="en-GB" sz="2800" dirty="0"/>
+          </a:p>
+          <a:p>
+            <a:pPr marL="457200" indent="-457200">
+              <a:buFont typeface="Arial" panose="020B0604020202020204" pitchFamily="34" charset="0"/>
+              <a:buChar char="•"/>
+            </a:pPr>
             <a:r>
               <a:rPr lang="en-GB" sz="2800" dirty="0"/>
               <a:t>Synchronous operations can be performed sequentially, or simultaneously. </a:t>
@@ -6672,6 +6679,13 @@
               <a:buFont typeface="Arial" panose="020B0604020202020204" pitchFamily="34" charset="0"/>
               <a:buChar char="•"/>
             </a:pPr>
+            <a:endParaRPr lang="en-GB" sz="2800" dirty="0"/>
+          </a:p>
+          <a:p>
+            <a:pPr marL="457200" indent="-457200">
+              <a:buFont typeface="Arial" panose="020B0604020202020204" pitchFamily="34" charset="0"/>
+              <a:buChar char="•"/>
+            </a:pPr>
             <a:r>
               <a:rPr lang="en-GB" sz="2800" dirty="0"/>
               <a:t>Asynchronous operations can be just scheduled but never guaranteed to run at a certain time. </a:t>
@@ -6685,9 +6699,6 @@
               <a:rPr lang="en-GB" sz="2800" dirty="0"/>
               <a:t>Asynchrony has nothing to do with “other threads”, “background”, “simultaneous”, or “concurrent”. All of those things are irrelevant. </a:t>
             </a:r>
-          </a:p>
-          <a:p>
-            <a:endParaRPr lang="en-GB" sz="2800" dirty="0"/>
           </a:p>
           <a:p>
             <a:r>

--- a/Async and await presentation.pptx
+++ b/Async and await presentation.pptx
@@ -21,6 +21,7 @@
     <p:sldId id="270" r:id="rId15"/>
     <p:sldId id="271" r:id="rId16"/>
     <p:sldId id="272" r:id="rId17"/>
+    <p:sldId id="273" r:id="rId18"/>
   </p:sldIdLst>
   <p:sldSz cx="12192000" cy="6858000"/>
   <p:notesSz cx="6858000" cy="9144000"/>
@@ -5754,6 +5755,179 @@
 </p:sld>
 </file>
 
+<file path=ppt/slides/slide17.xml><?xml version="1.0" encoding="utf-8"?>
+<p:sld xmlns:a="http://schemas.openxmlformats.org/drawingml/2006/main" xmlns:r="http://schemas.openxmlformats.org/officeDocument/2006/relationships" xmlns:p="http://schemas.openxmlformats.org/presentationml/2006/main">
+  <p:cSld>
+    <p:spTree>
+      <p:nvGrpSpPr>
+        <p:cNvPr id="1" name=""/>
+        <p:cNvGrpSpPr/>
+        <p:nvPr/>
+      </p:nvGrpSpPr>
+      <p:grpSpPr>
+        <a:xfrm>
+          <a:off x="0" y="0"/>
+          <a:ext cx="0" cy="0"/>
+          <a:chOff x="0" y="0"/>
+          <a:chExt cx="0" cy="0"/>
+        </a:xfrm>
+      </p:grpSpPr>
+      <p:sp>
+        <p:nvSpPr>
+          <p:cNvPr id="4" name="TextBox 3">
+            <a:extLst>
+              <a:ext uri="{FF2B5EF4-FFF2-40B4-BE49-F238E27FC236}">
+                <a16:creationId xmlns:a16="http://schemas.microsoft.com/office/drawing/2014/main" id="{18767206-9205-42D0-A2AE-5A1017D4CB08}"/>
+              </a:ext>
+            </a:extLst>
+          </p:cNvPr>
+          <p:cNvSpPr txBox="1"/>
+          <p:nvPr/>
+        </p:nvSpPr>
+        <p:spPr>
+          <a:xfrm>
+            <a:off x="291549" y="384313"/>
+            <a:ext cx="11781182" cy="5847755"/>
+          </a:xfrm>
+          <a:prstGeom prst="rect">
+            <a:avLst/>
+          </a:prstGeom>
+          <a:noFill/>
+        </p:spPr>
+        <p:txBody>
+          <a:bodyPr wrap="square" rtlCol="0">
+            <a:spAutoFit/>
+          </a:bodyPr>
+          <a:lstStyle/>
+          <a:p>
+            <a:r>
+              <a:rPr lang="en-GB" sz="2200" b="1" dirty="0"/>
+              <a:t>Some easy rules to follow for some common questions</a:t>
+            </a:r>
+          </a:p>
+          <a:p>
+            <a:endParaRPr lang="en-GB" sz="2200" b="1" dirty="0"/>
+          </a:p>
+          <a:p>
+            <a:r>
+              <a:rPr lang="en-GB" sz="2200" b="1" dirty="0"/>
+              <a:t>Should I be using multiple threads? </a:t>
+            </a:r>
+          </a:p>
+          <a:p>
+            <a:r>
+              <a:rPr lang="en-GB" sz="2200" dirty="0"/>
+              <a:t>If there is a performance bottleneck caused by CPU-bound work which can be run in parallel, go for it, </a:t>
+            </a:r>
+            <a:r>
+              <a:rPr lang="en-GB" sz="2200" b="1" dirty="0"/>
+              <a:t>unless you’re using ASP.NET</a:t>
+            </a:r>
+            <a:r>
+              <a:rPr lang="en-GB" sz="2200" dirty="0"/>
+              <a:t> (more on this later). </a:t>
+            </a:r>
+          </a:p>
+          <a:p>
+            <a:r>
+              <a:rPr lang="en-GB" sz="2200" dirty="0"/>
+              <a:t>If the performance bottleneck isn’t CPU-bound (i.e. disk I/O, network I/O) or it’s CPU-bound and can’t be run in parallel, there is no benefit and it can be detrimental to performance/resource usage. </a:t>
+            </a:r>
+          </a:p>
+          <a:p>
+            <a:endParaRPr lang="en-GB" sz="2200" dirty="0"/>
+          </a:p>
+          <a:p>
+            <a:r>
+              <a:rPr lang="en-GB" sz="2200" b="1" dirty="0"/>
+              <a:t>Should I be using asynchronous code? </a:t>
+            </a:r>
+          </a:p>
+          <a:p>
+            <a:r>
+              <a:rPr lang="en-GB" sz="2200" dirty="0"/>
+              <a:t>Ideally you should use it everywhere you’re dealing with high-latency, non-CPU-bound tasks (i.e. disk I/O, network I/O). CPU-bound work shouldn’t be </a:t>
+            </a:r>
+            <a:r>
+              <a:rPr lang="en-GB" sz="2200" dirty="0" err="1"/>
+              <a:t>async</a:t>
+            </a:r>
+            <a:r>
+              <a:rPr lang="en-GB" sz="2200" dirty="0"/>
+              <a:t> as there’s no point. </a:t>
+            </a:r>
+          </a:p>
+          <a:p>
+            <a:r>
+              <a:rPr lang="en-GB" sz="2200" dirty="0"/>
+              <a:t>Method with names such as </a:t>
+            </a:r>
+            <a:r>
+              <a:rPr lang="en-GB" sz="2200" b="1" dirty="0" err="1"/>
+              <a:t>DownloadStringAsync</a:t>
+            </a:r>
+            <a:r>
+              <a:rPr lang="en-GB" sz="2200" dirty="0"/>
+              <a:t> implies there is some form of network I/O which can be run asynchronously. </a:t>
+            </a:r>
+          </a:p>
+          <a:p>
+            <a:endParaRPr lang="en-GB" sz="2200" dirty="0"/>
+          </a:p>
+          <a:p>
+            <a:r>
+              <a:rPr lang="en-GB" sz="2200" b="1" dirty="0"/>
+              <a:t>Should I be using synchronous code? </a:t>
+            </a:r>
+          </a:p>
+          <a:p>
+            <a:r>
+              <a:rPr lang="en-GB" sz="2200" dirty="0"/>
+              <a:t>For CPU-bound work, yes. For non-CPU-bound work, no. </a:t>
+            </a:r>
+          </a:p>
+          <a:p>
+            <a:r>
+              <a:rPr lang="en-GB" sz="2200" dirty="0"/>
+              <a:t>C# Methods such as </a:t>
+            </a:r>
+            <a:r>
+              <a:rPr lang="en-GB" sz="2200" b="1" dirty="0" err="1"/>
+              <a:t>Math.Sqrt</a:t>
+            </a:r>
+            <a:r>
+              <a:rPr lang="en-GB" sz="2200" b="1" dirty="0"/>
+              <a:t> </a:t>
+            </a:r>
+            <a:r>
+              <a:rPr lang="en-GB" sz="2200" dirty="0"/>
+              <a:t>wouldn’t make much sense as </a:t>
+            </a:r>
+            <a:r>
+              <a:rPr lang="en-GB" sz="2200" b="1" dirty="0" err="1"/>
+              <a:t>Math.SqrtAsync</a:t>
+            </a:r>
+            <a:r>
+              <a:rPr lang="en-GB" sz="2200" dirty="0"/>
+              <a:t>. </a:t>
+            </a:r>
+            <a:endParaRPr lang="en-GB" sz="2200" b="1" dirty="0"/>
+          </a:p>
+        </p:txBody>
+      </p:sp>
+    </p:spTree>
+    <p:extLst>
+      <p:ext uri="{BB962C8B-B14F-4D97-AF65-F5344CB8AC3E}">
+        <p14:creationId xmlns:p14="http://schemas.microsoft.com/office/powerpoint/2010/main" val="1255030325"/>
+      </p:ext>
+    </p:extLst>
+  </p:cSld>
+  <p:clrMapOvr>
+    <a:masterClrMapping/>
+  </p:clrMapOvr>
+</p:sld>
+</file>
+
 <file path=ppt/slides/slide2.xml><?xml version="1.0" encoding="utf-8"?>
 <p:sld xmlns:a="http://schemas.openxmlformats.org/drawingml/2006/main" xmlns:r="http://schemas.openxmlformats.org/officeDocument/2006/relationships" xmlns:p="http://schemas.openxmlformats.org/presentationml/2006/main">
   <p:cSld>

--- a/Async and await presentation.pptx
+++ b/Async and await presentation.pptx
@@ -19,7 +19,7 @@
     <p:sldId id="268" r:id="rId13"/>
     <p:sldId id="269" r:id="rId14"/>
     <p:sldId id="270" r:id="rId15"/>
-    <p:sldId id="271" r:id="rId16"/>
+    <p:sldId id="274" r:id="rId16"/>
     <p:sldId id="272" r:id="rId17"/>
     <p:sldId id="273" r:id="rId18"/>
   </p:sldIdLst>
@@ -120,6 +120,11 @@
       </a:defRPr>
     </a:lvl9pPr>
   </p:defaultTextStyle>
+  <p:extLst>
+    <p:ext uri="{EFAFB233-063F-42B5-8137-9DF3F51BA10A}">
+      <p15:sldGuideLst xmlns:p15="http://schemas.microsoft.com/office/powerpoint/2012/main"/>
+    </p:ext>
+  </p:extLst>
 </p:presentation>
 </file>
 
@@ -3467,7 +3472,7 @@
         <p:spPr>
           <a:xfrm>
             <a:off x="145775" y="132522"/>
-            <a:ext cx="11781182" cy="6555641"/>
+            <a:ext cx="11781182" cy="6986528"/>
           </a:xfrm>
           <a:prstGeom prst="rect">
             <a:avLst/>
@@ -3491,7 +3496,7 @@
           <a:p>
             <a:r>
               <a:rPr lang="en-GB" sz="2800" dirty="0"/>
-              <a:t>You’re in your kitchen at home, making a pasta bake.</a:t>
+              <a:t>You’re in your kitchen at home, making a pasta dish and a dessert.</a:t>
             </a:r>
           </a:p>
           <a:p>
@@ -3500,11 +3505,8 @@
           <a:p>
             <a:r>
               <a:rPr lang="en-GB" sz="2800" dirty="0"/>
-              <a:t>The recipe is simple:</a:t>
-            </a:r>
-          </a:p>
-          <a:p>
-            <a:endParaRPr lang="en-GB" sz="2800" dirty="0"/>
+              <a:t>The steps are simple:</a:t>
+            </a:r>
           </a:p>
           <a:p>
             <a:pPr marL="457200" indent="-457200">
@@ -3513,7 +3515,7 @@
             </a:pPr>
             <a:r>
               <a:rPr lang="en-GB" sz="2800" dirty="0"/>
-              <a:t>Heat a saucepan of water until it starts boiling (takes around 5 mins)</a:t>
+              <a:t>Heat a saucepan of water until it starts boiling (takes 5 mins)</a:t>
             </a:r>
           </a:p>
           <a:p>
@@ -3523,7 +3525,7 @@
             </a:pPr>
             <a:r>
               <a:rPr lang="en-GB" sz="2800" dirty="0"/>
-              <a:t>Cook fresh pasta (takes around 5 mins)</a:t>
+              <a:t>Cook fresh pasta (5 mins)</a:t>
             </a:r>
           </a:p>
           <a:p>
@@ -3533,7 +3535,7 @@
             </a:pPr>
             <a:r>
               <a:rPr lang="en-GB" sz="2800" dirty="0"/>
-              <a:t>Drain the water from the pasta (takes around 30 seconds)</a:t>
+              <a:t>Drain the water from the pasta (1 min)</a:t>
             </a:r>
           </a:p>
           <a:p>
@@ -3543,7 +3545,7 @@
             </a:pPr>
             <a:r>
               <a:rPr lang="en-GB" sz="2800" dirty="0"/>
-              <a:t>Place pasta in a dish and add sauce (takes around 1 minute)</a:t>
+              <a:t>Place pasta in a dish and add sauce (1 min)</a:t>
             </a:r>
           </a:p>
           <a:p>
@@ -3553,7 +3555,7 @@
             </a:pPr>
             <a:r>
               <a:rPr lang="en-GB" sz="2800" dirty="0"/>
-              <a:t>Grate cheese (takes around 1 minute)</a:t>
+              <a:t>Grate cheese (2 mins)</a:t>
             </a:r>
           </a:p>
           <a:p>
@@ -3563,7 +3565,7 @@
             </a:pPr>
             <a:r>
               <a:rPr lang="en-GB" sz="2800" dirty="0"/>
-              <a:t>Add cheese to pasta (takes around 30 seconds)</a:t>
+              <a:t>Add cheese to pasta (1 min)</a:t>
             </a:r>
           </a:p>
           <a:p>
@@ -3573,7 +3575,7 @@
             </a:pPr>
             <a:r>
               <a:rPr lang="en-GB" sz="2800" dirty="0"/>
-              <a:t>Pre-heat oven to 200°C (takes around 15 mins) </a:t>
+              <a:t>Pre-heat oven to 200°C (15 mins) </a:t>
             </a:r>
           </a:p>
           <a:p>
@@ -3583,8 +3585,25 @@
             </a:pPr>
             <a:r>
               <a:rPr lang="en-GB" sz="2800" dirty="0"/>
-              <a:t>Place dish in oven and bake (takes around 15 mins)</a:t>
-            </a:r>
+              <a:t>Place dish in oven and bake (15 mins)</a:t>
+            </a:r>
+          </a:p>
+          <a:p>
+            <a:pPr marL="457200" indent="-457200">
+              <a:buFont typeface="Arial" panose="020B0604020202020204" pitchFamily="34" charset="0"/>
+              <a:buChar char="•"/>
+            </a:pPr>
+            <a:r>
+              <a:rPr lang="en-GB" sz="2800" dirty="0"/>
+              <a:t>Prepare the dessert (20 mins)</a:t>
+            </a:r>
+          </a:p>
+          <a:p>
+            <a:pPr marL="457200" indent="-457200">
+              <a:buFont typeface="Arial" panose="020B0604020202020204" pitchFamily="34" charset="0"/>
+              <a:buChar char="•"/>
+            </a:pPr>
+            <a:endParaRPr lang="en-GB" sz="2800" dirty="0"/>
           </a:p>
           <a:p>
             <a:pPr marL="457200" indent="-457200">
@@ -3640,7 +3659,7 @@
         <p:spPr>
           <a:xfrm>
             <a:off x="145775" y="132522"/>
-            <a:ext cx="11781182" cy="5693866"/>
+            <a:ext cx="11781182" cy="6124754"/>
           </a:xfrm>
           <a:prstGeom prst="rect">
             <a:avLst/>
@@ -3688,8 +3707,9 @@
               <a:rPr lang="en-GB" sz="2800" dirty="0"/>
               <a:t> steps are ones which are out of your control once started</a:t>
             </a:r>
-          </a:p>
-          <a:p>
+            <a:br>
+              <a:rPr lang="en-GB" sz="2800" dirty="0"/>
+            </a:br>
             <a:endParaRPr lang="en-GB" sz="2800" dirty="0"/>
           </a:p>
           <a:p>
@@ -3707,7 +3727,7 @@
             </a:r>
             <a:r>
               <a:rPr lang="en-GB" sz="2800" dirty="0"/>
-              <a:t>(takes around 5 mins)</a:t>
+              <a:t>(5 mins)</a:t>
             </a:r>
           </a:p>
           <a:p>
@@ -3725,7 +3745,7 @@
             </a:r>
             <a:r>
               <a:rPr lang="en-GB" sz="2800" dirty="0"/>
-              <a:t>(takes around 5 mins)</a:t>
+              <a:t>(5 mins)</a:t>
             </a:r>
           </a:p>
           <a:p>
@@ -3743,7 +3763,7 @@
             </a:r>
             <a:r>
               <a:rPr lang="en-GB" sz="2800" dirty="0"/>
-              <a:t>(takes around 30 seconds)</a:t>
+              <a:t>(1 min)</a:t>
             </a:r>
           </a:p>
           <a:p>
@@ -3761,7 +3781,7 @@
             </a:r>
             <a:r>
               <a:rPr lang="en-GB" sz="2800" dirty="0"/>
-              <a:t>(takes around 1 minute)</a:t>
+              <a:t>(1 min)</a:t>
             </a:r>
           </a:p>
           <a:p>
@@ -3779,7 +3799,7 @@
             </a:r>
             <a:r>
               <a:rPr lang="en-GB" sz="2800" dirty="0"/>
-              <a:t>(takes around 1 minute)</a:t>
+              <a:t>(2 mins)</a:t>
             </a:r>
           </a:p>
           <a:p>
@@ -3797,7 +3817,7 @@
             </a:r>
             <a:r>
               <a:rPr lang="en-GB" sz="2800" dirty="0"/>
-              <a:t>(takes around 30 seconds)</a:t>
+              <a:t>(1 min)</a:t>
             </a:r>
           </a:p>
           <a:p>
@@ -3815,7 +3835,25 @@
             </a:r>
             <a:r>
               <a:rPr lang="en-GB" sz="2800" dirty="0"/>
-              <a:t>(takes around 15 mins) </a:t>
+              <a:t>(15 mins) </a:t>
+            </a:r>
+          </a:p>
+          <a:p>
+            <a:pPr marL="457200" indent="-457200">
+              <a:buFont typeface="Arial" panose="020B0604020202020204" pitchFamily="34" charset="0"/>
+              <a:buChar char="•"/>
+            </a:pPr>
+            <a:r>
+              <a:rPr lang="en-GB" sz="2800" b="1" dirty="0">
+                <a:solidFill>
+                  <a:schemeClr val="accent2"/>
+                </a:solidFill>
+              </a:rPr>
+              <a:t>Place dish in oven and bake </a:t>
+            </a:r>
+            <a:r>
+              <a:rPr lang="en-GB" sz="2800" dirty="0"/>
+              <a:t>(15 mins)</a:t>
             </a:r>
           </a:p>
           <a:p>
@@ -3829,11 +3867,11 @@
                   <a:srgbClr val="00B050"/>
                 </a:solidFill>
               </a:rPr>
-              <a:t>Place dish in oven and bake </a:t>
+              <a:t>Prepare the dessert </a:t>
             </a:r>
             <a:r>
               <a:rPr lang="en-GB" sz="2800" dirty="0"/>
-              <a:t>(takes around 15 mins)</a:t>
+              <a:t>(20 mins)</a:t>
             </a:r>
           </a:p>
         </p:txBody>
@@ -3883,7 +3921,7 @@
         <p:spPr>
           <a:xfrm>
             <a:off x="145775" y="132522"/>
-            <a:ext cx="11781182" cy="7109639"/>
+            <a:ext cx="11781182" cy="6555641"/>
           </a:xfrm>
           <a:prstGeom prst="rect">
             <a:avLst/>
@@ -3919,7 +3957,7 @@
               <a:buChar char="•"/>
             </a:pPr>
             <a:r>
-              <a:rPr lang="en-GB" sz="2400" b="1" dirty="0">
+              <a:rPr lang="en-GB" sz="2000" b="1" dirty="0">
                 <a:solidFill>
                   <a:schemeClr val="accent2"/>
                 </a:solidFill>
@@ -3927,8 +3965,8 @@
               <a:t>Heat a saucepan of water until it starts boiling </a:t>
             </a:r>
             <a:r>
-              <a:rPr lang="en-GB" sz="2400" dirty="0"/>
-              <a:t>(takes around 5 mins)</a:t>
+              <a:rPr lang="en-GB" sz="2000" dirty="0"/>
+              <a:t>(5 mins)</a:t>
             </a:r>
           </a:p>
           <a:p>
@@ -3937,7 +3975,7 @@
               <a:buChar char="•"/>
             </a:pPr>
             <a:r>
-              <a:rPr lang="en-GB" sz="2400" b="1" dirty="0">
+              <a:rPr lang="en-GB" sz="2000" b="1" dirty="0">
                 <a:solidFill>
                   <a:srgbClr val="00B050"/>
                 </a:solidFill>
@@ -3945,8 +3983,8 @@
               <a:t>Cook fresh pasta </a:t>
             </a:r>
             <a:r>
-              <a:rPr lang="en-GB" sz="2400" dirty="0"/>
-              <a:t>(takes around 5 mins)</a:t>
+              <a:rPr lang="en-GB" sz="2000" dirty="0"/>
+              <a:t>(5 mins)</a:t>
             </a:r>
           </a:p>
           <a:p>
@@ -3955,7 +3993,7 @@
               <a:buChar char="•"/>
             </a:pPr>
             <a:r>
-              <a:rPr lang="en-GB" sz="2400" b="1" dirty="0">
+              <a:rPr lang="en-GB" sz="2000" b="1" dirty="0">
                 <a:solidFill>
                   <a:srgbClr val="00B050"/>
                 </a:solidFill>
@@ -3963,8 +4001,8 @@
               <a:t>Drain the water from the pasta </a:t>
             </a:r>
             <a:r>
-              <a:rPr lang="en-GB" sz="2400" dirty="0"/>
-              <a:t>(takes around 30 seconds)</a:t>
+              <a:rPr lang="en-GB" sz="2000" dirty="0"/>
+              <a:t>(1 min)</a:t>
             </a:r>
           </a:p>
           <a:p>
@@ -3973,7 +4011,7 @@
               <a:buChar char="•"/>
             </a:pPr>
             <a:r>
-              <a:rPr lang="en-GB" sz="2400" b="1" dirty="0">
+              <a:rPr lang="en-GB" sz="2000" b="1" dirty="0">
                 <a:solidFill>
                   <a:srgbClr val="00B050"/>
                 </a:solidFill>
@@ -3981,8 +4019,8 @@
               <a:t>Place pasta in a dish and add sauce </a:t>
             </a:r>
             <a:r>
-              <a:rPr lang="en-GB" sz="2400" dirty="0"/>
-              <a:t>(takes around 1 minute)</a:t>
+              <a:rPr lang="en-GB" sz="2000" dirty="0"/>
+              <a:t>(1 min)</a:t>
             </a:r>
           </a:p>
           <a:p>
@@ -3991,7 +4029,7 @@
               <a:buChar char="•"/>
             </a:pPr>
             <a:r>
-              <a:rPr lang="en-GB" sz="2400" b="1" dirty="0">
+              <a:rPr lang="en-GB" sz="2000" b="1" dirty="0">
                 <a:solidFill>
                   <a:srgbClr val="00B050"/>
                 </a:solidFill>
@@ -3999,8 +4037,8 @@
               <a:t>Grate cheese </a:t>
             </a:r>
             <a:r>
-              <a:rPr lang="en-GB" sz="2400" dirty="0"/>
-              <a:t>(takes around 1 minute)</a:t>
+              <a:rPr lang="en-GB" sz="2000" dirty="0"/>
+              <a:t>(2 mins)</a:t>
             </a:r>
           </a:p>
           <a:p>
@@ -4009,7 +4047,7 @@
               <a:buChar char="•"/>
             </a:pPr>
             <a:r>
-              <a:rPr lang="en-GB" sz="2400" b="1" dirty="0">
+              <a:rPr lang="en-GB" sz="2000" b="1" dirty="0">
                 <a:solidFill>
                   <a:srgbClr val="00B050"/>
                 </a:solidFill>
@@ -4017,8 +4055,8 @@
               <a:t>Add cheese to pasta </a:t>
             </a:r>
             <a:r>
-              <a:rPr lang="en-GB" sz="2400" dirty="0"/>
-              <a:t>(takes around 30 seconds)</a:t>
+              <a:rPr lang="en-GB" sz="2000" dirty="0"/>
+              <a:t>(1 min)</a:t>
             </a:r>
           </a:p>
           <a:p>
@@ -4027,7 +4065,7 @@
               <a:buChar char="•"/>
             </a:pPr>
             <a:r>
-              <a:rPr lang="en-GB" sz="2400" b="1" dirty="0">
+              <a:rPr lang="en-GB" sz="2000" b="1" dirty="0">
                 <a:solidFill>
                   <a:schemeClr val="accent2"/>
                 </a:solidFill>
@@ -4035,8 +4073,8 @@
               <a:t>Pre-heat oven to 200°C </a:t>
             </a:r>
             <a:r>
-              <a:rPr lang="en-GB" sz="2400" dirty="0"/>
-              <a:t>(takes around 15 mins) </a:t>
+              <a:rPr lang="en-GB" sz="2000" dirty="0"/>
+              <a:t>(15 mins) </a:t>
             </a:r>
           </a:p>
           <a:p>
@@ -4045,37 +4083,44 @@
               <a:buChar char="•"/>
             </a:pPr>
             <a:r>
-              <a:rPr lang="en-GB" sz="2400" b="1" dirty="0">
+              <a:rPr lang="en-GB" sz="2000" b="1" dirty="0">
+                <a:solidFill>
+                  <a:schemeClr val="accent2"/>
+                </a:solidFill>
+              </a:rPr>
+              <a:t>Place dish in oven and bake </a:t>
+            </a:r>
+            <a:r>
+              <a:rPr lang="en-GB" sz="2000" dirty="0"/>
+              <a:t>(15 mins)</a:t>
+            </a:r>
+          </a:p>
+          <a:p>
+            <a:pPr marL="457200" indent="-457200">
+              <a:buFont typeface="Arial" panose="020B0604020202020204" pitchFamily="34" charset="0"/>
+              <a:buChar char="•"/>
+            </a:pPr>
+            <a:r>
+              <a:rPr lang="en-GB" sz="2000" b="1" dirty="0">
                 <a:solidFill>
                   <a:srgbClr val="00B050"/>
                 </a:solidFill>
               </a:rPr>
-              <a:t>Place dish in oven and bake </a:t>
-            </a:r>
+              <a:t>Prepare the dessert </a:t>
+            </a:r>
+            <a:r>
+              <a:rPr lang="en-GB" sz="2000" dirty="0"/>
+              <a:t>(20 mins)</a:t>
+            </a:r>
+          </a:p>
+          <a:p>
+            <a:endParaRPr lang="en-GB" sz="2400" dirty="0"/>
+          </a:p>
+          <a:p>
             <a:r>
               <a:rPr lang="en-GB" sz="2400" dirty="0"/>
-              <a:t>(takes around 15 mins)</a:t>
-            </a:r>
-          </a:p>
-          <a:p>
-            <a:pPr marL="457200" indent="-457200">
-              <a:buFont typeface="Arial" panose="020B0604020202020204" pitchFamily="34" charset="0"/>
-              <a:buChar char="•"/>
-            </a:pPr>
-            <a:endParaRPr lang="en-GB" sz="2400" dirty="0"/>
-          </a:p>
-          <a:p>
-            <a:r>
-              <a:rPr lang="en-GB" sz="2400" dirty="0"/>
-              <a:t>Total time taken is 43 minutes. Far too long for a simple recipe!</a:t>
-            </a:r>
-          </a:p>
-          <a:p>
-            <a:pPr marL="457200" indent="-457200">
-              <a:buFont typeface="Arial" panose="020B0604020202020204" pitchFamily="34" charset="0"/>
-              <a:buChar char="•"/>
-            </a:pPr>
-            <a:endParaRPr lang="en-GB" sz="2400" dirty="0"/>
+              <a:t>Total time taken is 65 minutes. Far too long!</a:t>
+            </a:r>
           </a:p>
         </p:txBody>
       </p:sp>
@@ -4124,7 +4169,7 @@
         <p:spPr>
           <a:xfrm>
             <a:off x="145775" y="132522"/>
-            <a:ext cx="11781182" cy="6370975"/>
+            <a:ext cx="11781182" cy="6586418"/>
           </a:xfrm>
           <a:prstGeom prst="rect">
             <a:avLst/>
@@ -4147,13 +4192,13 @@
           </a:p>
           <a:p>
             <a:r>
-              <a:rPr lang="en-GB" sz="2400" dirty="0"/>
+              <a:rPr lang="en-GB" sz="2200" dirty="0"/>
               <a:t>Let’s introduce the concept of starting a task which will complete by itself, then continuing with other work until we need the result of that task. </a:t>
             </a:r>
             <a:br>
-              <a:rPr lang="en-GB" sz="2400" dirty="0"/>
+              <a:rPr lang="en-GB" sz="2200" dirty="0"/>
             </a:br>
-            <a:endParaRPr lang="en-GB" sz="2400" dirty="0"/>
+            <a:endParaRPr lang="en-GB" sz="2200" dirty="0"/>
           </a:p>
           <a:p>
             <a:pPr marL="457200" indent="-457200">
@@ -4161,7 +4206,7 @@
               <a:buChar char="•"/>
             </a:pPr>
             <a:r>
-              <a:rPr lang="en-GB" sz="2400" b="1" dirty="0">
+              <a:rPr lang="en-GB" sz="2200" b="1" dirty="0">
                 <a:solidFill>
                   <a:schemeClr val="accent2"/>
                 </a:solidFill>
@@ -4175,7 +4220,7 @@
               <a:buChar char="•"/>
             </a:pPr>
             <a:r>
-              <a:rPr lang="en-GB" sz="2400" b="1" dirty="0">
+              <a:rPr lang="en-GB" sz="2200" b="1" dirty="0">
                 <a:solidFill>
                   <a:schemeClr val="accent2"/>
                 </a:solidFill>
@@ -4189,7 +4234,7 @@
               <a:buChar char="•"/>
             </a:pPr>
             <a:r>
-              <a:rPr lang="en-GB" sz="2400" b="1" dirty="0">
+              <a:rPr lang="en-GB" sz="2200" b="1" dirty="0">
                 <a:solidFill>
                   <a:srgbClr val="00B050"/>
                 </a:solidFill>
@@ -4197,8 +4242,8 @@
               <a:t>Grate cheese </a:t>
             </a:r>
             <a:r>
-              <a:rPr lang="en-GB" sz="2400" dirty="0"/>
-              <a:t>(takes around 1 minute)</a:t>
+              <a:rPr lang="en-GB" sz="2200" dirty="0"/>
+              <a:t>(2 mins)</a:t>
             </a:r>
           </a:p>
           <a:p>
@@ -4207,8 +4252,12 @@
               <a:buChar char="•"/>
             </a:pPr>
             <a:r>
-              <a:rPr lang="en-GB" sz="2400" dirty="0"/>
-              <a:t>Wait for the water to finish boiling (takes around 4 minutes)</a:t>
+              <a:rPr lang="en-GB" sz="2200" b="1" dirty="0"/>
+              <a:t>Wait for the water to finish boiling </a:t>
+            </a:r>
+            <a:r>
+              <a:rPr lang="en-GB" sz="2200" dirty="0"/>
+              <a:t>(3 mins)</a:t>
             </a:r>
           </a:p>
           <a:p>
@@ -4217,7 +4266,7 @@
               <a:buChar char="•"/>
             </a:pPr>
             <a:r>
-              <a:rPr lang="en-GB" sz="2400" b="1" dirty="0">
+              <a:rPr lang="en-GB" sz="2200" b="1" dirty="0">
                 <a:solidFill>
                   <a:srgbClr val="00B050"/>
                 </a:solidFill>
@@ -4225,11 +4274,11 @@
               <a:t>Cook fresh pasta </a:t>
             </a:r>
             <a:r>
-              <a:rPr lang="en-GB" sz="2400" dirty="0"/>
-              <a:t>(takes around 5 mins) </a:t>
-            </a:r>
-            <a:r>
-              <a:rPr lang="en-GB" sz="2400" b="1" dirty="0">
+              <a:rPr lang="en-GB" sz="2200" dirty="0"/>
+              <a:t>(5 mins) </a:t>
+            </a:r>
+            <a:r>
+              <a:rPr lang="en-GB" sz="2200" b="1" dirty="0">
                 <a:solidFill>
                   <a:srgbClr val="FF0000"/>
                 </a:solidFill>
@@ -4243,7 +4292,7 @@
               <a:buChar char="•"/>
             </a:pPr>
             <a:r>
-              <a:rPr lang="en-GB" sz="2400" b="1" dirty="0">
+              <a:rPr lang="en-GB" sz="2200" b="1" dirty="0">
                 <a:solidFill>
                   <a:srgbClr val="00B050"/>
                 </a:solidFill>
@@ -4251,8 +4300,8 @@
               <a:t>Drain the water from the pasta </a:t>
             </a:r>
             <a:r>
-              <a:rPr lang="en-GB" sz="2400" dirty="0"/>
-              <a:t>(takes around 30 seconds) </a:t>
+              <a:rPr lang="en-GB" sz="2200" dirty="0"/>
+              <a:t>(1 min) </a:t>
             </a:r>
           </a:p>
           <a:p>
@@ -4261,7 +4310,7 @@
               <a:buChar char="•"/>
             </a:pPr>
             <a:r>
-              <a:rPr lang="en-GB" sz="2400" b="1" dirty="0">
+              <a:rPr lang="en-GB" sz="2200" b="1" dirty="0">
                 <a:solidFill>
                   <a:srgbClr val="00B050"/>
                 </a:solidFill>
@@ -4269,8 +4318,8 @@
               <a:t>Place pasta in a dish and add sauce </a:t>
             </a:r>
             <a:r>
-              <a:rPr lang="en-GB" sz="2400" dirty="0"/>
-              <a:t>(takes around 1 minute)</a:t>
+              <a:rPr lang="en-GB" sz="2200" dirty="0"/>
+              <a:t>(1 min)</a:t>
             </a:r>
           </a:p>
           <a:p>
@@ -4279,7 +4328,7 @@
               <a:buChar char="•"/>
             </a:pPr>
             <a:r>
-              <a:rPr lang="en-GB" sz="2400" b="1" dirty="0">
+              <a:rPr lang="en-GB" sz="2200" b="1" dirty="0">
                 <a:solidFill>
                   <a:srgbClr val="00B050"/>
                 </a:solidFill>
@@ -4287,8 +4336,8 @@
               <a:t>Add cheese to pasta </a:t>
             </a:r>
             <a:r>
-              <a:rPr lang="en-GB" sz="2400" dirty="0"/>
-              <a:t>(takes around 30 seconds) </a:t>
+              <a:rPr lang="en-GB" sz="2200" dirty="0"/>
+              <a:t>(1 min) </a:t>
             </a:r>
           </a:p>
           <a:p>
@@ -4297,8 +4346,12 @@
               <a:buChar char="•"/>
             </a:pPr>
             <a:r>
-              <a:rPr lang="en-GB" sz="2400" dirty="0"/>
-              <a:t>Wait for the oven to finish pre-heating (takes around 3 minutes)</a:t>
+              <a:rPr lang="en-GB" sz="2200" b="1" dirty="0"/>
+              <a:t>Wait for the oven to finish pre-heating </a:t>
+            </a:r>
+            <a:r>
+              <a:rPr lang="en-GB" sz="2200" dirty="0"/>
+              <a:t>(2 mins)</a:t>
             </a:r>
           </a:p>
           <a:p>
@@ -4307,19 +4360,23 @@
               <a:buChar char="•"/>
             </a:pPr>
             <a:r>
-              <a:rPr lang="en-GB" sz="2400" b="1" dirty="0">
+              <a:rPr lang="en-GB" sz="2200" b="1" dirty="0">
                 <a:solidFill>
-                  <a:srgbClr val="00B050"/>
+                  <a:schemeClr val="accent2"/>
                 </a:solidFill>
               </a:rPr>
-              <a:t>Place dish in oven and bake </a:t>
-            </a:r>
-            <a:r>
-              <a:rPr lang="en-GB" sz="2400" dirty="0"/>
-              <a:t>(takes around 15 mins) </a:t>
-            </a:r>
-            <a:r>
-              <a:rPr lang="en-GB" sz="2400" b="1" dirty="0">
+              <a:t>Put dish in oven and start baking</a:t>
+            </a:r>
+            <a:r>
+              <a:rPr lang="en-GB" sz="2200" dirty="0">
+                <a:solidFill>
+                  <a:schemeClr val="accent2"/>
+                </a:solidFill>
+              </a:rPr>
+              <a:t> </a:t>
+            </a:r>
+            <a:r>
+              <a:rPr lang="en-GB" sz="2200" b="1" dirty="0">
                 <a:solidFill>
                   <a:srgbClr val="FF0000"/>
                 </a:solidFill>
@@ -4332,7 +4389,35 @@
               <a:buFont typeface="Arial" panose="020B0604020202020204" pitchFamily="34" charset="0"/>
               <a:buChar char="•"/>
             </a:pPr>
-            <a:endParaRPr lang="en-GB" sz="2400" b="1" dirty="0">
+            <a:r>
+              <a:rPr lang="en-GB" sz="2200" b="1" dirty="0">
+                <a:solidFill>
+                  <a:srgbClr val="00B050"/>
+                </a:solidFill>
+              </a:rPr>
+              <a:t>Prepare the dessert </a:t>
+            </a:r>
+            <a:r>
+              <a:rPr lang="en-GB" sz="2200" dirty="0"/>
+              <a:t>(20 mins)</a:t>
+            </a:r>
+          </a:p>
+          <a:p>
+            <a:pPr marL="457200" indent="-457200">
+              <a:buFont typeface="Arial" panose="020B0604020202020204" pitchFamily="34" charset="0"/>
+              <a:buChar char="•"/>
+            </a:pPr>
+            <a:r>
+              <a:rPr lang="en-GB" sz="2200" b="1" dirty="0"/>
+              <a:t>Retrieve finished pasta from oven </a:t>
+            </a:r>
+            <a:r>
+              <a:rPr lang="en-GB" sz="2200" dirty="0"/>
+              <a:t>(0 mins)</a:t>
+            </a:r>
+          </a:p>
+          <a:p>
+            <a:endParaRPr lang="en-GB" sz="2200" b="1" dirty="0">
               <a:solidFill>
                 <a:srgbClr val="FF0000"/>
               </a:solidFill>
@@ -4340,10 +4425,10 @@
           </a:p>
           <a:p>
             <a:r>
-              <a:rPr lang="en-GB" sz="2400" dirty="0"/>
-              <a:t>Total time taken is 30 minutes. We saved 13 minutes just from doing things asynchronously!</a:t>
-            </a:r>
-            <a:endParaRPr lang="en-GB" sz="2400" b="1" dirty="0">
+              <a:rPr lang="en-GB" sz="2200" dirty="0"/>
+              <a:t>Total time taken is 35 minutes. We saved 30 minutes just from doing things asynchronously!</a:t>
+            </a:r>
+            <a:endParaRPr lang="en-GB" sz="2200" b="1" dirty="0">
               <a:solidFill>
                 <a:srgbClr val="FF0000"/>
               </a:solidFill>
@@ -4411,13 +4496,13 @@
           <a:p>
             <a:r>
               <a:rPr lang="en-GB" sz="2400" b="1" dirty="0"/>
-              <a:t>What about synchronously with multiple threads? (another person cooking) </a:t>
+              <a:t>What about synchronously with multiple threads? (other people cooking) </a:t>
             </a:r>
           </a:p>
           <a:p>
             <a:r>
               <a:rPr lang="en-GB" sz="2400" dirty="0"/>
-              <a:t>If someone helps you cook, but you both perform synchronously, it helps a bit. </a:t>
+              <a:t>If other people help you cook, but you all perform synchronously, it helps a lot. </a:t>
             </a:r>
           </a:p>
         </p:txBody>
@@ -4437,14 +4522,14 @@
           <p:nvPr>
             <p:extLst>
               <p:ext uri="{D42A27DB-BD31-4B8C-83A1-F6EECF244321}">
-                <p14:modId xmlns:p14="http://schemas.microsoft.com/office/powerpoint/2010/main" val="4083701413"/>
+                <p14:modId xmlns:p14="http://schemas.microsoft.com/office/powerpoint/2010/main" val="3928103089"/>
               </p:ext>
             </p:extLst>
           </p:nvPr>
         </p:nvGraphicFramePr>
         <p:xfrm>
-          <a:off x="198783" y="963519"/>
-          <a:ext cx="11781182" cy="4114800"/>
+          <a:off x="198782" y="963519"/>
+          <a:ext cx="11570971" cy="4206240"/>
         </p:xfrm>
         <a:graphic>
           <a:graphicData uri="http://schemas.openxmlformats.org/drawingml/2006/table">
@@ -4453,41 +4538,74 @@
                 <a:tableStyleId>{5C22544A-7EE6-4342-B048-85BDC9FD1C3A}</a:tableStyleId>
               </a:tblPr>
               <a:tblGrid>
-                <a:gridCol w="5890591">
+                <a:gridCol w="4448719">
                   <a:extLst>
                     <a:ext uri="{9D8B030D-6E8A-4147-A177-3AD203B41FA5}">
                       <a16:colId xmlns:a16="http://schemas.microsoft.com/office/drawing/2014/main" val="120516076"/>
                     </a:ext>
                   </a:extLst>
                 </a:gridCol>
-                <a:gridCol w="5890591">
+                <a:gridCol w="2147582">
                   <a:extLst>
                     <a:ext uri="{9D8B030D-6E8A-4147-A177-3AD203B41FA5}">
                       <a16:colId xmlns:a16="http://schemas.microsoft.com/office/drawing/2014/main" val="719413782"/>
                     </a:ext>
                   </a:extLst>
                 </a:gridCol>
+                <a:gridCol w="2323750">
+                  <a:extLst>
+                    <a:ext uri="{9D8B030D-6E8A-4147-A177-3AD203B41FA5}">
+                      <a16:colId xmlns:a16="http://schemas.microsoft.com/office/drawing/2014/main" val="2545984418"/>
+                    </a:ext>
+                  </a:extLst>
+                </a:gridCol>
+                <a:gridCol w="2650920">
+                  <a:extLst>
+                    <a:ext uri="{9D8B030D-6E8A-4147-A177-3AD203B41FA5}">
+                      <a16:colId xmlns:a16="http://schemas.microsoft.com/office/drawing/2014/main" val="3872910469"/>
+                    </a:ext>
+                  </a:extLst>
+                </a:gridCol>
               </a:tblGrid>
-              <a:tr h="2591520">
+              <a:tr h="4011153">
                 <a:tc>
                   <a:txBody>
                     <a:bodyPr/>
                     <a:lstStyle/>
+                    <a:p>
+                      <a:pPr marL="0" indent="0">
+                        <a:buFont typeface="Arial" panose="020B0604020202020204" pitchFamily="34" charset="0"/>
+                        <a:buNone/>
+                      </a:pPr>
+                      <a:r>
+                        <a:rPr lang="en-GB" sz="1800" b="1" u="sng" dirty="0">
+                          <a:solidFill>
+                            <a:schemeClr val="tx1"/>
+                          </a:solidFill>
+                        </a:rPr>
+                        <a:t>Thread 1 </a:t>
+                      </a:r>
+                      <a:endParaRPr lang="en-GB" sz="1600" b="1" u="sng" dirty="0">
+                        <a:solidFill>
+                          <a:schemeClr val="tx1"/>
+                        </a:solidFill>
+                      </a:endParaRPr>
+                    </a:p>
                     <a:p>
                       <a:pPr marL="342900" indent="-342900">
                         <a:buFont typeface="Arial" panose="020B0604020202020204" pitchFamily="34" charset="0"/>
                         <a:buChar char="•"/>
                       </a:pPr>
                       <a:r>
-                        <a:rPr lang="en-GB" sz="2200" b="1">
+                        <a:rPr lang="en-GB" sz="1800" b="1" dirty="0">
                           <a:solidFill>
                             <a:schemeClr val="accent2"/>
                           </a:solidFill>
                         </a:rPr>
-                        <a:t> Heat a saucepan of water until it starts boiling </a:t>
+                        <a:t>Heat a saucepan of water until it starts boiling   </a:t>
                       </a:r>
                       <a:r>
-                        <a:rPr lang="en-GB" sz="2200" b="0">
+                        <a:rPr lang="en-GB" sz="1800" b="0" dirty="0">
                           <a:solidFill>
                             <a:schemeClr val="tx1"/>
                           </a:solidFill>
@@ -4496,95 +4614,7 @@
                       </a:r>
                     </a:p>
                     <a:p>
-                      <a:pPr marL="457200" indent="-457200">
-                        <a:buFont typeface="Arial" panose="020B0604020202020204" pitchFamily="34" charset="0"/>
-                        <a:buChar char="•"/>
-                      </a:pPr>
-                      <a:r>
-                        <a:rPr lang="en-GB" sz="2200" b="1">
-                          <a:solidFill>
-                            <a:srgbClr val="00B050"/>
-                          </a:solidFill>
-                        </a:rPr>
-                        <a:t>Cook fresh pasta</a:t>
-                      </a:r>
-                      <a:r>
-                        <a:rPr lang="en-GB" sz="2200" b="0">
-                          <a:solidFill>
-                            <a:schemeClr val="tx1"/>
-                          </a:solidFill>
-                        </a:rPr>
-                        <a:t> (5 mins)</a:t>
-                      </a:r>
-                    </a:p>
-                    <a:p>
-                      <a:pPr marL="457200" indent="-457200">
-                        <a:buFont typeface="Arial" panose="020B0604020202020204" pitchFamily="34" charset="0"/>
-                        <a:buChar char="•"/>
-                      </a:pPr>
-                      <a:r>
-                        <a:rPr lang="en-GB" sz="2200" b="1">
-                          <a:solidFill>
-                            <a:srgbClr val="00B050"/>
-                          </a:solidFill>
-                        </a:rPr>
-                        <a:t>Drain the water from the pasta </a:t>
-                      </a:r>
-                      <a:r>
-                        <a:rPr lang="en-GB" sz="2200" b="0">
-                          <a:solidFill>
-                            <a:schemeClr val="tx1"/>
-                          </a:solidFill>
-                        </a:rPr>
-                        <a:t>(30 secs)</a:t>
-                      </a:r>
-                    </a:p>
-                    <a:p>
-                      <a:pPr marL="457200" indent="-457200">
-                        <a:buFont typeface="Arial" panose="020B0604020202020204" pitchFamily="34" charset="0"/>
-                        <a:buChar char="•"/>
-                      </a:pPr>
-                      <a:r>
-                        <a:rPr lang="en-GB" sz="2200" b="1">
-                          <a:solidFill>
-                            <a:srgbClr val="00B050"/>
-                          </a:solidFill>
-                        </a:rPr>
-                        <a:t>Place pasta in a dish and add sauce </a:t>
-                      </a:r>
-                      <a:r>
-                        <a:rPr lang="en-GB" sz="2200" b="0">
-                          <a:solidFill>
-                            <a:schemeClr val="tx1"/>
-                          </a:solidFill>
-                        </a:rPr>
-                        <a:t>(1 min)</a:t>
-                      </a:r>
-                    </a:p>
-                    <a:p>
-                      <a:pPr marL="457200" indent="-457200">
-                        <a:buFont typeface="Arial" panose="020B0604020202020204" pitchFamily="34" charset="0"/>
-                        <a:buChar char="•"/>
-                      </a:pPr>
-                      <a:r>
-                        <a:rPr lang="en-GB" sz="2200" b="1">
-                          <a:solidFill>
-                            <a:srgbClr val="00B050"/>
-                          </a:solidFill>
-                        </a:rPr>
-                        <a:t>Add cheese to pasta</a:t>
-                      </a:r>
-                      <a:r>
-                        <a:rPr lang="en-GB" sz="2200" b="0">
-                          <a:solidFill>
-                            <a:schemeClr val="tx1"/>
-                          </a:solidFill>
-                        </a:rPr>
-                        <a:t> (30 secs)</a:t>
-                      </a:r>
-                    </a:p>
-                    <a:p>
-                      <a:pPr marL="457200" marR="0" lvl="0" indent="-457200" algn="l" defTabSz="914400" rtl="0" eaLnBrk="1" fontAlgn="auto" latinLnBrk="0" hangingPunct="1">
+                      <a:pPr marL="342900" marR="0" lvl="0" indent="-342900" algn="l" defTabSz="914400" rtl="0" eaLnBrk="1" fontAlgn="auto" latinLnBrk="0" hangingPunct="1">
                         <a:lnSpc>
                           <a:spcPct val="100000"/>
                         </a:lnSpc>
@@ -4602,34 +4632,225 @@
                         <a:defRPr/>
                       </a:pPr>
                       <a:r>
-                        <a:rPr lang="en-GB" sz="2200">
+                        <a:rPr lang="en-GB" sz="1800" b="1" dirty="0">
+                          <a:solidFill>
+                            <a:srgbClr val="00B050"/>
+                          </a:solidFill>
+                        </a:rPr>
+                        <a:t>Cook fresh pasta</a:t>
+                      </a:r>
+                      <a:r>
+                        <a:rPr lang="en-GB" sz="1800" b="0" dirty="0">
                           <a:solidFill>
                             <a:schemeClr val="tx1"/>
                           </a:solidFill>
                         </a:rPr>
-                        <a:t>Wait for the oven to finish pre-heating (3 mins)</a:t>
+                        <a:t> (5 mins)</a:t>
                       </a:r>
-                      <a:endParaRPr lang="en-GB" sz="2200" b="0">
-                        <a:solidFill>
-                          <a:schemeClr val="tx1"/>
-                        </a:solidFill>
-                      </a:endParaRPr>
                     </a:p>
                     <a:p>
-                      <a:pPr marL="457200" indent="-457200">
+                      <a:pPr marL="342900" marR="0" lvl="0" indent="-342900" algn="l" defTabSz="914400" rtl="0" eaLnBrk="1" fontAlgn="auto" latinLnBrk="0" hangingPunct="1">
+                        <a:lnSpc>
+                          <a:spcPct val="100000"/>
+                        </a:lnSpc>
+                        <a:spcBef>
+                          <a:spcPts val="0"/>
+                        </a:spcBef>
+                        <a:spcAft>
+                          <a:spcPts val="0"/>
+                        </a:spcAft>
+                        <a:buClrTx/>
+                        <a:buSzTx/>
                         <a:buFont typeface="Arial" panose="020B0604020202020204" pitchFamily="34" charset="0"/>
                         <a:buChar char="•"/>
+                        <a:tabLst/>
+                        <a:defRPr/>
                       </a:pPr>
                       <a:r>
-                        <a:rPr lang="en-GB" sz="2200" b="1">
+                        <a:rPr lang="en-GB" sz="1800" b="1" dirty="0">
                           <a:solidFill>
                             <a:srgbClr val="00B050"/>
+                          </a:solidFill>
+                        </a:rPr>
+                        <a:t>Drain the water from the pasta </a:t>
+                      </a:r>
+                      <a:r>
+                        <a:rPr lang="en-GB" sz="1800" b="0" dirty="0">
+                          <a:solidFill>
+                            <a:schemeClr val="tx1"/>
+                          </a:solidFill>
+                        </a:rPr>
+                        <a:t>(1 min)</a:t>
+                      </a:r>
+                    </a:p>
+                    <a:p>
+                      <a:pPr marL="342900" marR="0" lvl="0" indent="-342900" algn="l" defTabSz="914400" rtl="0" eaLnBrk="1" fontAlgn="auto" latinLnBrk="0" hangingPunct="1">
+                        <a:lnSpc>
+                          <a:spcPct val="100000"/>
+                        </a:lnSpc>
+                        <a:spcBef>
+                          <a:spcPts val="0"/>
+                        </a:spcBef>
+                        <a:spcAft>
+                          <a:spcPts val="0"/>
+                        </a:spcAft>
+                        <a:buClrTx/>
+                        <a:buSzTx/>
+                        <a:buFont typeface="Arial" panose="020B0604020202020204" pitchFamily="34" charset="0"/>
+                        <a:buChar char="•"/>
+                        <a:tabLst/>
+                        <a:defRPr/>
+                      </a:pPr>
+                      <a:r>
+                        <a:rPr lang="en-GB" sz="1800" b="1" dirty="0">
+                          <a:solidFill>
+                            <a:srgbClr val="00B050"/>
+                          </a:solidFill>
+                        </a:rPr>
+                        <a:t>Place pasta in a dish and add sauce </a:t>
+                      </a:r>
+                      <a:r>
+                        <a:rPr lang="en-GB" sz="1800" b="0" dirty="0">
+                          <a:solidFill>
+                            <a:schemeClr val="tx1"/>
+                          </a:solidFill>
+                        </a:rPr>
+                        <a:t>(1 min)</a:t>
+                      </a:r>
+                    </a:p>
+                    <a:p>
+                      <a:pPr marL="342900" marR="0" lvl="0" indent="-342900" algn="l" defTabSz="914400" rtl="0" eaLnBrk="1" fontAlgn="auto" latinLnBrk="0" hangingPunct="1">
+                        <a:lnSpc>
+                          <a:spcPct val="100000"/>
+                        </a:lnSpc>
+                        <a:spcBef>
+                          <a:spcPts val="0"/>
+                        </a:spcBef>
+                        <a:spcAft>
+                          <a:spcPts val="0"/>
+                        </a:spcAft>
+                        <a:buClrTx/>
+                        <a:buSzTx/>
+                        <a:buFont typeface="Arial" panose="020B0604020202020204" pitchFamily="34" charset="0"/>
+                        <a:buChar char="•"/>
+                        <a:tabLst/>
+                        <a:defRPr/>
+                      </a:pPr>
+                      <a:r>
+                        <a:rPr lang="en-GB" sz="1800" b="1" dirty="0">
+                          <a:solidFill>
+                            <a:schemeClr val="tx1"/>
+                          </a:solidFill>
+                        </a:rPr>
+                        <a:t>Wait for thread 4 to finished grating cheese </a:t>
+                      </a:r>
+                      <a:r>
+                        <a:rPr lang="en-GB" sz="1800" b="0" dirty="0">
+                          <a:solidFill>
+                            <a:schemeClr val="tx1"/>
+                          </a:solidFill>
+                        </a:rPr>
+                        <a:t>(0 mins)</a:t>
+                      </a:r>
+                    </a:p>
+                    <a:p>
+                      <a:pPr marL="342900" marR="0" lvl="0" indent="-342900" algn="l" defTabSz="914400" rtl="0" eaLnBrk="1" fontAlgn="auto" latinLnBrk="0" hangingPunct="1">
+                        <a:lnSpc>
+                          <a:spcPct val="100000"/>
+                        </a:lnSpc>
+                        <a:spcBef>
+                          <a:spcPts val="0"/>
+                        </a:spcBef>
+                        <a:spcAft>
+                          <a:spcPts val="0"/>
+                        </a:spcAft>
+                        <a:buClrTx/>
+                        <a:buSzTx/>
+                        <a:buFont typeface="Arial" panose="020B0604020202020204" pitchFamily="34" charset="0"/>
+                        <a:buChar char="•"/>
+                        <a:tabLst/>
+                        <a:defRPr/>
+                      </a:pPr>
+                      <a:r>
+                        <a:rPr lang="en-GB" sz="1800" b="1" dirty="0">
+                          <a:solidFill>
+                            <a:srgbClr val="00B050"/>
+                          </a:solidFill>
+                        </a:rPr>
+                        <a:t>Add cheese to pasta</a:t>
+                      </a:r>
+                      <a:r>
+                        <a:rPr lang="en-GB" sz="1800" b="0" dirty="0">
+                          <a:solidFill>
+                            <a:schemeClr val="tx1"/>
+                          </a:solidFill>
+                        </a:rPr>
+                        <a:t> (1 min)</a:t>
+                      </a:r>
+                    </a:p>
+                    <a:p>
+                      <a:pPr marL="342900" marR="0" lvl="0" indent="-342900" algn="l" defTabSz="914400" rtl="0" eaLnBrk="1" fontAlgn="auto" latinLnBrk="0" hangingPunct="1">
+                        <a:lnSpc>
+                          <a:spcPct val="100000"/>
+                        </a:lnSpc>
+                        <a:spcBef>
+                          <a:spcPts val="0"/>
+                        </a:spcBef>
+                        <a:spcAft>
+                          <a:spcPts val="0"/>
+                        </a:spcAft>
+                        <a:buClrTx/>
+                        <a:buSzTx/>
+                        <a:buFont typeface="Arial" panose="020B0604020202020204" pitchFamily="34" charset="0"/>
+                        <a:buChar char="•"/>
+                        <a:tabLst/>
+                        <a:defRPr/>
+                      </a:pPr>
+                      <a:r>
+                        <a:rPr lang="en-GB" sz="1800" b="1" dirty="0">
+                          <a:solidFill>
+                            <a:schemeClr val="tx1"/>
+                          </a:solidFill>
+                        </a:rPr>
+                        <a:t>Wait for thread 2 to finished pre-heating oven </a:t>
+                      </a:r>
+                      <a:r>
+                        <a:rPr lang="en-GB" sz="1800" b="0" dirty="0">
+                          <a:solidFill>
+                            <a:schemeClr val="tx1"/>
+                          </a:solidFill>
+                        </a:rPr>
+                        <a:t>(0 mins)</a:t>
+                      </a:r>
+                    </a:p>
+                    <a:p>
+                      <a:pPr marL="342900" marR="0" lvl="0" indent="-342900" algn="l" defTabSz="914400" rtl="0" eaLnBrk="1" fontAlgn="auto" latinLnBrk="0" hangingPunct="1">
+                        <a:lnSpc>
+                          <a:spcPct val="100000"/>
+                        </a:lnSpc>
+                        <a:spcBef>
+                          <a:spcPts val="0"/>
+                        </a:spcBef>
+                        <a:spcAft>
+                          <a:spcPts val="0"/>
+                        </a:spcAft>
+                        <a:buClrTx/>
+                        <a:buSzTx/>
+                        <a:buFont typeface="Arial" panose="020B0604020202020204" pitchFamily="34" charset="0"/>
+                        <a:buChar char="•"/>
+                        <a:tabLst/>
+                        <a:defRPr/>
+                      </a:pPr>
+                      <a:r>
+                        <a:rPr lang="en-GB" sz="1800" b="1" dirty="0">
+                          <a:solidFill>
+                            <a:schemeClr val="accent2"/>
                           </a:solidFill>
                         </a:rPr>
                         <a:t>Place dish in oven and bake </a:t>
                       </a:r>
                       <a:r>
-                        <a:rPr lang="en-GB" sz="2200" b="0">
+                        <a:rPr lang="en-GB" sz="1800" b="0" dirty="0">
                           <a:solidFill>
                             <a:schemeClr val="tx1"/>
                           </a:solidFill>
@@ -4638,11 +4859,186 @@
                       </a:r>
                     </a:p>
                     <a:p>
-                      <a:pPr marL="457200" indent="-457200">
+                      <a:pPr marL="0" indent="0">
+                        <a:buFont typeface="Arial" panose="020B0604020202020204" pitchFamily="34" charset="0"/>
+                        <a:buNone/>
+                      </a:pPr>
+                      <a:endParaRPr lang="en-GB" sz="1800" b="0" dirty="0">
+                        <a:solidFill>
+                          <a:schemeClr val="tx1"/>
+                        </a:solidFill>
+                      </a:endParaRPr>
+                    </a:p>
+                    <a:p>
+                      <a:pPr marL="0" indent="0">
+                        <a:buFont typeface="Arial" panose="020B0604020202020204" pitchFamily="34" charset="0"/>
+                        <a:buNone/>
+                      </a:pPr>
+                      <a:r>
+                        <a:rPr lang="en-GB" sz="1800" b="0" dirty="0">
+                          <a:solidFill>
+                            <a:schemeClr val="tx1"/>
+                          </a:solidFill>
+                        </a:rPr>
+                        <a:t>Time taken for thread 1: </a:t>
+                      </a:r>
+                      <a:r>
+                        <a:rPr lang="en-GB" sz="1800" b="1" dirty="0">
+                          <a:solidFill>
+                            <a:schemeClr val="tx1"/>
+                          </a:solidFill>
+                        </a:rPr>
+                        <a:t>28 mins</a:t>
+                      </a:r>
+                    </a:p>
+                  </a:txBody>
+                  <a:tcPr>
+                    <a:lnR w="12700" cmpd="sng">
+                      <a:noFill/>
+                    </a:lnR>
+                    <a:solidFill>
+                      <a:schemeClr val="bg1"/>
+                    </a:solidFill>
+                  </a:tcPr>
+                </a:tc>
+                <a:tc>
+                  <a:txBody>
+                    <a:bodyPr/>
+                    <a:lstStyle/>
+                    <a:p>
+                      <a:pPr marL="0" marR="0" lvl="0" indent="0" algn="l" defTabSz="914400" rtl="0" eaLnBrk="1" fontAlgn="auto" latinLnBrk="0" hangingPunct="1">
+                        <a:lnSpc>
+                          <a:spcPct val="100000"/>
+                        </a:lnSpc>
+                        <a:spcBef>
+                          <a:spcPts val="0"/>
+                        </a:spcBef>
+                        <a:spcAft>
+                          <a:spcPts val="0"/>
+                        </a:spcAft>
+                        <a:buClrTx/>
+                        <a:buSzTx/>
+                        <a:buFont typeface="Arial" panose="020B0604020202020204" pitchFamily="34" charset="0"/>
+                        <a:buNone/>
+                        <a:tabLst/>
+                        <a:defRPr/>
+                      </a:pPr>
+                      <a:r>
+                        <a:rPr lang="en-GB" sz="1800" b="1" i="0" u="sng" dirty="0">
+                          <a:solidFill>
+                            <a:schemeClr val="tx1"/>
+                          </a:solidFill>
+                        </a:rPr>
+                        <a:t>Thread 2</a:t>
+                      </a:r>
+                    </a:p>
+                    <a:p>
+                      <a:pPr marL="342900" marR="0" lvl="0" indent="-342900" algn="l" defTabSz="914400" rtl="0" eaLnBrk="1" fontAlgn="auto" latinLnBrk="0" hangingPunct="1">
+                        <a:lnSpc>
+                          <a:spcPct val="100000"/>
+                        </a:lnSpc>
+                        <a:spcBef>
+                          <a:spcPts val="0"/>
+                        </a:spcBef>
+                        <a:spcAft>
+                          <a:spcPts val="0"/>
+                        </a:spcAft>
+                        <a:buClrTx/>
+                        <a:buSzTx/>
                         <a:buFont typeface="Arial" panose="020B0604020202020204" pitchFamily="34" charset="0"/>
                         <a:buChar char="•"/>
+                        <a:tabLst/>
+                        <a:defRPr/>
                       </a:pPr>
-                      <a:endParaRPr lang="en-GB" sz="2200" b="0">
+                      <a:r>
+                        <a:rPr lang="en-GB" sz="1800" b="1" dirty="0">
+                          <a:solidFill>
+                            <a:schemeClr val="accent2"/>
+                          </a:solidFill>
+                        </a:rPr>
+                        <a:t>Pre-heat oven to 200°C </a:t>
+                      </a:r>
+                      <a:r>
+                        <a:rPr lang="en-GB" sz="1800" b="0" dirty="0">
+                          <a:solidFill>
+                            <a:schemeClr val="tx1"/>
+                          </a:solidFill>
+                        </a:rPr>
+                        <a:t>(15 mins) </a:t>
+                      </a:r>
+                      <a:endParaRPr lang="en-GB" sz="1800" b="0" dirty="0">
+                        <a:solidFill>
+                          <a:schemeClr val="lt1"/>
+                        </a:solidFill>
+                      </a:endParaRPr>
+                    </a:p>
+                    <a:p>
+                      <a:pPr marL="0" marR="0" lvl="0" indent="0" algn="l" defTabSz="914400" rtl="0" eaLnBrk="1" fontAlgn="auto" latinLnBrk="0" hangingPunct="1">
+                        <a:lnSpc>
+                          <a:spcPct val="100000"/>
+                        </a:lnSpc>
+                        <a:spcBef>
+                          <a:spcPts val="0"/>
+                        </a:spcBef>
+                        <a:spcAft>
+                          <a:spcPts val="0"/>
+                        </a:spcAft>
+                        <a:buClrTx/>
+                        <a:buSzTx/>
+                        <a:buFontTx/>
+                        <a:buNone/>
+                        <a:tabLst/>
+                        <a:defRPr/>
+                      </a:pPr>
+                      <a:endParaRPr lang="en-GB" sz="1800" b="0" dirty="0">
+                        <a:solidFill>
+                          <a:schemeClr val="lt1"/>
+                        </a:solidFill>
+                      </a:endParaRPr>
+                    </a:p>
+                    <a:p>
+                      <a:pPr marL="0" marR="0" lvl="0" indent="0" algn="l" defTabSz="914400" rtl="0" eaLnBrk="1" fontAlgn="auto" latinLnBrk="0" hangingPunct="1">
+                        <a:lnSpc>
+                          <a:spcPct val="100000"/>
+                        </a:lnSpc>
+                        <a:spcBef>
+                          <a:spcPts val="0"/>
+                        </a:spcBef>
+                        <a:spcAft>
+                          <a:spcPts val="0"/>
+                        </a:spcAft>
+                        <a:buClrTx/>
+                        <a:buSzTx/>
+                        <a:buFontTx/>
+                        <a:buNone/>
+                        <a:tabLst/>
+                        <a:defRPr/>
+                      </a:pPr>
+                      <a:endParaRPr lang="en-GB" sz="1800" b="0" dirty="0">
+                        <a:solidFill>
+                          <a:schemeClr val="lt1"/>
+                        </a:solidFill>
+                      </a:endParaRPr>
+                    </a:p>
+                    <a:p>
+                      <a:pPr marL="0" marR="0" lvl="0" indent="0" algn="l" defTabSz="914400" rtl="0" eaLnBrk="1" fontAlgn="auto" latinLnBrk="0" hangingPunct="1">
+                        <a:lnSpc>
+                          <a:spcPct val="100000"/>
+                        </a:lnSpc>
+                        <a:spcBef>
+                          <a:spcPts val="0"/>
+                        </a:spcBef>
+                        <a:spcAft>
+                          <a:spcPts val="0"/>
+                        </a:spcAft>
+                        <a:buClrTx/>
+                        <a:buSzTx/>
+                        <a:buFontTx/>
+                        <a:buNone/>
+                        <a:tabLst/>
+                        <a:defRPr/>
+                      </a:pPr>
+                      <a:endParaRPr lang="en-GB" sz="1800" b="0" dirty="0">
                         <a:solidFill>
                           <a:schemeClr val="tx1"/>
                         </a:solidFill>
@@ -4661,33 +5057,201 @@
                         </a:spcAft>
                         <a:buClrTx/>
                         <a:buSzTx/>
-                        <a:buFont typeface="Arial" panose="020B0604020202020204" pitchFamily="34" charset="0"/>
+                        <a:buFontTx/>
                         <a:buNone/>
                         <a:tabLst/>
                         <a:defRPr/>
                       </a:pPr>
-                      <a:r>
-                        <a:rPr lang="en-GB" sz="2200">
-                          <a:solidFill>
-                            <a:schemeClr val="tx1"/>
-                          </a:solidFill>
-                        </a:rPr>
-                        <a:t>Total time taken is 30 minutes. </a:t>
-                      </a:r>
-                    </a:p>
-                    <a:p>
-                      <a:pPr marL="457200" indent="-457200">
-                        <a:buFont typeface="Arial" panose="020B0604020202020204" pitchFamily="34" charset="0"/>
-                        <a:buChar char="•"/>
-                      </a:pPr>
-                      <a:endParaRPr lang="en-GB" sz="2200" b="0">
+                      <a:endParaRPr lang="en-GB" sz="1800" b="0" dirty="0">
                         <a:solidFill>
                           <a:schemeClr val="tx1"/>
                         </a:solidFill>
                       </a:endParaRPr>
                     </a:p>
+                    <a:p>
+                      <a:pPr marL="0" marR="0" lvl="0" indent="0" algn="l" defTabSz="914400" rtl="0" eaLnBrk="1" fontAlgn="auto" latinLnBrk="0" hangingPunct="1">
+                        <a:lnSpc>
+                          <a:spcPct val="100000"/>
+                        </a:lnSpc>
+                        <a:spcBef>
+                          <a:spcPts val="0"/>
+                        </a:spcBef>
+                        <a:spcAft>
+                          <a:spcPts val="0"/>
+                        </a:spcAft>
+                        <a:buClrTx/>
+                        <a:buSzTx/>
+                        <a:buFontTx/>
+                        <a:buNone/>
+                        <a:tabLst/>
+                        <a:defRPr/>
+                      </a:pPr>
+                      <a:endParaRPr lang="en-GB" sz="1800" b="0" dirty="0">
+                        <a:solidFill>
+                          <a:schemeClr val="tx1"/>
+                        </a:solidFill>
+                      </a:endParaRPr>
+                    </a:p>
+                    <a:p>
+                      <a:pPr marL="0" marR="0" lvl="0" indent="0" algn="l" defTabSz="914400" rtl="0" eaLnBrk="1" fontAlgn="auto" latinLnBrk="0" hangingPunct="1">
+                        <a:lnSpc>
+                          <a:spcPct val="100000"/>
+                        </a:lnSpc>
+                        <a:spcBef>
+                          <a:spcPts val="0"/>
+                        </a:spcBef>
+                        <a:spcAft>
+                          <a:spcPts val="0"/>
+                        </a:spcAft>
+                        <a:buClrTx/>
+                        <a:buSzTx/>
+                        <a:buFontTx/>
+                        <a:buNone/>
+                        <a:tabLst/>
+                        <a:defRPr/>
+                      </a:pPr>
+                      <a:endParaRPr lang="en-GB" sz="1800" b="0" dirty="0">
+                        <a:solidFill>
+                          <a:schemeClr val="tx1"/>
+                        </a:solidFill>
+                      </a:endParaRPr>
+                    </a:p>
+                    <a:p>
+                      <a:pPr marL="0" marR="0" lvl="0" indent="0" algn="l" defTabSz="914400" rtl="0" eaLnBrk="1" fontAlgn="auto" latinLnBrk="0" hangingPunct="1">
+                        <a:lnSpc>
+                          <a:spcPct val="100000"/>
+                        </a:lnSpc>
+                        <a:spcBef>
+                          <a:spcPts val="0"/>
+                        </a:spcBef>
+                        <a:spcAft>
+                          <a:spcPts val="0"/>
+                        </a:spcAft>
+                        <a:buClrTx/>
+                        <a:buSzTx/>
+                        <a:buFontTx/>
+                        <a:buNone/>
+                        <a:tabLst/>
+                        <a:defRPr/>
+                      </a:pPr>
+                      <a:endParaRPr lang="en-GB" sz="1800" b="0" dirty="0">
+                        <a:solidFill>
+                          <a:schemeClr val="tx1"/>
+                        </a:solidFill>
+                      </a:endParaRPr>
+                    </a:p>
+                    <a:p>
+                      <a:pPr marL="0" marR="0" lvl="0" indent="0" algn="l" defTabSz="914400" rtl="0" eaLnBrk="1" fontAlgn="auto" latinLnBrk="0" hangingPunct="1">
+                        <a:lnSpc>
+                          <a:spcPct val="100000"/>
+                        </a:lnSpc>
+                        <a:spcBef>
+                          <a:spcPts val="0"/>
+                        </a:spcBef>
+                        <a:spcAft>
+                          <a:spcPts val="0"/>
+                        </a:spcAft>
+                        <a:buClrTx/>
+                        <a:buSzTx/>
+                        <a:buFontTx/>
+                        <a:buNone/>
+                        <a:tabLst/>
+                        <a:defRPr/>
+                      </a:pPr>
+                      <a:endParaRPr lang="en-GB" sz="1800" b="0" dirty="0">
+                        <a:solidFill>
+                          <a:schemeClr val="tx1"/>
+                        </a:solidFill>
+                      </a:endParaRPr>
+                    </a:p>
+                    <a:p>
+                      <a:pPr marL="0" marR="0" lvl="0" indent="0" algn="l" defTabSz="914400" rtl="0" eaLnBrk="1" fontAlgn="auto" latinLnBrk="0" hangingPunct="1">
+                        <a:lnSpc>
+                          <a:spcPct val="100000"/>
+                        </a:lnSpc>
+                        <a:spcBef>
+                          <a:spcPts val="0"/>
+                        </a:spcBef>
+                        <a:spcAft>
+                          <a:spcPts val="0"/>
+                        </a:spcAft>
+                        <a:buClrTx/>
+                        <a:buSzTx/>
+                        <a:buFontTx/>
+                        <a:buNone/>
+                        <a:tabLst/>
+                        <a:defRPr/>
+                      </a:pPr>
+                      <a:endParaRPr lang="en-GB" sz="1800" b="0" dirty="0">
+                        <a:solidFill>
+                          <a:schemeClr val="tx1"/>
+                        </a:solidFill>
+                      </a:endParaRPr>
+                    </a:p>
+                    <a:p>
+                      <a:pPr marL="0" marR="0" lvl="0" indent="0" algn="l" defTabSz="914400" rtl="0" eaLnBrk="1" fontAlgn="auto" latinLnBrk="0" hangingPunct="1">
+                        <a:lnSpc>
+                          <a:spcPct val="100000"/>
+                        </a:lnSpc>
+                        <a:spcBef>
+                          <a:spcPts val="0"/>
+                        </a:spcBef>
+                        <a:spcAft>
+                          <a:spcPts val="0"/>
+                        </a:spcAft>
+                        <a:buClrTx/>
+                        <a:buSzTx/>
+                        <a:buFontTx/>
+                        <a:buNone/>
+                        <a:tabLst/>
+                        <a:defRPr/>
+                      </a:pPr>
+                      <a:br>
+                        <a:rPr lang="en-GB" sz="1800" b="0" dirty="0">
+                          <a:solidFill>
+                            <a:schemeClr val="tx1"/>
+                          </a:solidFill>
+                        </a:rPr>
+                      </a:br>
+                      <a:r>
+                        <a:rPr lang="en-GB" sz="1800" b="0" dirty="0">
+                          <a:solidFill>
+                            <a:schemeClr val="tx1"/>
+                          </a:solidFill>
+                        </a:rPr>
+                        <a:t>Time taken for thread 2: </a:t>
+                      </a:r>
+                      <a:r>
+                        <a:rPr lang="en-GB" sz="1800" b="1" dirty="0">
+                          <a:solidFill>
+                            <a:schemeClr val="tx1"/>
+                          </a:solidFill>
+                        </a:rPr>
+                        <a:t>15 mins</a:t>
+                      </a:r>
+                    </a:p>
                   </a:txBody>
                   <a:tcPr>
+                    <a:lnL w="12700" cmpd="sng">
+                      <a:noFill/>
+                    </a:lnL>
+                    <a:lnR w="12700" cmpd="sng">
+                      <a:noFill/>
+                    </a:lnR>
+                    <a:lnT w="12700" cmpd="sng">
+                      <a:noFill/>
+                    </a:lnT>
+                    <a:lnB w="38100" cmpd="sng">
+                      <a:noFill/>
+                    </a:lnB>
+                    <a:lnTlToBr w="12700" cmpd="sng">
+                      <a:noFill/>
+                      <a:prstDash val="solid"/>
+                    </a:lnTlToBr>
+                    <a:lnBlToTr w="12700" cmpd="sng">
+                      <a:noFill/>
+                      <a:prstDash val="solid"/>
+                    </a:lnBlToTr>
                     <a:solidFill>
                       <a:schemeClr val="bg1"/>
                     </a:solidFill>
@@ -4698,7 +5262,34 @@
                     <a:bodyPr/>
                     <a:lstStyle/>
                     <a:p>
-                      <a:pPr marL="342900" marR="0" lvl="0" indent="-342900" algn="l" defTabSz="914400" rtl="0" eaLnBrk="1" fontAlgn="auto" latinLnBrk="0" hangingPunct="1">
+                      <a:pPr marL="0" marR="0" lvl="0" indent="0" algn="l" defTabSz="914400" rtl="0" eaLnBrk="1" fontAlgn="auto" latinLnBrk="0" hangingPunct="1">
+                        <a:lnSpc>
+                          <a:spcPct val="100000"/>
+                        </a:lnSpc>
+                        <a:spcBef>
+                          <a:spcPts val="0"/>
+                        </a:spcBef>
+                        <a:spcAft>
+                          <a:spcPts val="0"/>
+                        </a:spcAft>
+                        <a:buClrTx/>
+                        <a:buSzTx/>
+                        <a:buFontTx/>
+                        <a:buNone/>
+                        <a:tabLst/>
+                        <a:defRPr/>
+                      </a:pPr>
+                      <a:r>
+                        <a:rPr lang="en-GB" sz="1800" b="1" u="sng" dirty="0">
+                          <a:solidFill>
+                            <a:schemeClr val="tx1"/>
+                          </a:solidFill>
+                        </a:rPr>
+                        <a:t>Thread 3</a:t>
+                      </a:r>
+                    </a:p>
+                    <a:p>
+                      <a:pPr marL="285750" marR="0" lvl="0" indent="-285750" algn="l" defTabSz="914400" rtl="0" eaLnBrk="1" fontAlgn="auto" latinLnBrk="0" hangingPunct="1">
                         <a:lnSpc>
                           <a:spcPct val="100000"/>
                         </a:lnSpc>
@@ -4716,22 +5307,354 @@
                         <a:defRPr/>
                       </a:pPr>
                       <a:r>
-                        <a:rPr lang="en-GB" sz="2200" b="1">
+                        <a:rPr lang="en-GB" sz="1800" b="1" dirty="0">
                           <a:solidFill>
-                            <a:schemeClr val="accent2"/>
+                            <a:srgbClr val="00B050"/>
                           </a:solidFill>
                         </a:rPr>
-                        <a:t>Pre-heat oven to 200°C </a:t>
+                        <a:t>Prepare the dessert </a:t>
                       </a:r>
                       <a:r>
-                        <a:rPr lang="en-GB" sz="2200" b="0">
+                        <a:rPr lang="en-GB" sz="1800" b="0" dirty="0">
                           <a:solidFill>
                             <a:schemeClr val="tx1"/>
                           </a:solidFill>
                         </a:rPr>
-                        <a:t>(15 mins) </a:t>
+                        <a:t>(20 mins)</a:t>
                       </a:r>
-                      <a:endParaRPr lang="en-GB" sz="2200"/>
+                    </a:p>
+                    <a:p>
+                      <a:pPr marL="0" marR="0" lvl="0" indent="0" algn="l" defTabSz="914400" rtl="0" eaLnBrk="1" fontAlgn="auto" latinLnBrk="0" hangingPunct="1">
+                        <a:lnSpc>
+                          <a:spcPct val="100000"/>
+                        </a:lnSpc>
+                        <a:spcBef>
+                          <a:spcPts val="0"/>
+                        </a:spcBef>
+                        <a:spcAft>
+                          <a:spcPts val="0"/>
+                        </a:spcAft>
+                        <a:buClrTx/>
+                        <a:buSzTx/>
+                        <a:buFontTx/>
+                        <a:buNone/>
+                        <a:tabLst/>
+                        <a:defRPr/>
+                      </a:pPr>
+                      <a:endParaRPr lang="en-GB" sz="1800" b="0" dirty="0">
+                        <a:solidFill>
+                          <a:schemeClr val="tx1"/>
+                        </a:solidFill>
+                      </a:endParaRPr>
+                    </a:p>
+                    <a:p>
+                      <a:pPr marL="0" marR="0" lvl="0" indent="0" algn="l" defTabSz="914400" rtl="0" eaLnBrk="1" fontAlgn="auto" latinLnBrk="0" hangingPunct="1">
+                        <a:lnSpc>
+                          <a:spcPct val="100000"/>
+                        </a:lnSpc>
+                        <a:spcBef>
+                          <a:spcPts val="0"/>
+                        </a:spcBef>
+                        <a:spcAft>
+                          <a:spcPts val="0"/>
+                        </a:spcAft>
+                        <a:buClrTx/>
+                        <a:buSzTx/>
+                        <a:buFontTx/>
+                        <a:buNone/>
+                        <a:tabLst/>
+                        <a:defRPr/>
+                      </a:pPr>
+                      <a:endParaRPr lang="en-GB" sz="1800" b="0" dirty="0">
+                        <a:solidFill>
+                          <a:schemeClr val="tx1"/>
+                        </a:solidFill>
+                      </a:endParaRPr>
+                    </a:p>
+                    <a:p>
+                      <a:pPr marL="0" marR="0" lvl="0" indent="0" algn="l" defTabSz="914400" rtl="0" eaLnBrk="1" fontAlgn="auto" latinLnBrk="0" hangingPunct="1">
+                        <a:lnSpc>
+                          <a:spcPct val="100000"/>
+                        </a:lnSpc>
+                        <a:spcBef>
+                          <a:spcPts val="0"/>
+                        </a:spcBef>
+                        <a:spcAft>
+                          <a:spcPts val="0"/>
+                        </a:spcAft>
+                        <a:buClrTx/>
+                        <a:buSzTx/>
+                        <a:buFontTx/>
+                        <a:buNone/>
+                        <a:tabLst/>
+                        <a:defRPr/>
+                      </a:pPr>
+                      <a:endParaRPr lang="en-GB" sz="1800" b="0" dirty="0">
+                        <a:solidFill>
+                          <a:schemeClr val="tx1"/>
+                        </a:solidFill>
+                      </a:endParaRPr>
+                    </a:p>
+                    <a:p>
+                      <a:pPr marL="0" marR="0" lvl="0" indent="0" algn="l" defTabSz="914400" rtl="0" eaLnBrk="1" fontAlgn="auto" latinLnBrk="0" hangingPunct="1">
+                        <a:lnSpc>
+                          <a:spcPct val="100000"/>
+                        </a:lnSpc>
+                        <a:spcBef>
+                          <a:spcPts val="0"/>
+                        </a:spcBef>
+                        <a:spcAft>
+                          <a:spcPts val="0"/>
+                        </a:spcAft>
+                        <a:buClrTx/>
+                        <a:buSzTx/>
+                        <a:buFontTx/>
+                        <a:buNone/>
+                        <a:tabLst/>
+                        <a:defRPr/>
+                      </a:pPr>
+                      <a:endParaRPr lang="en-GB" sz="1800" b="0" dirty="0">
+                        <a:solidFill>
+                          <a:schemeClr val="tx1"/>
+                        </a:solidFill>
+                      </a:endParaRPr>
+                    </a:p>
+                    <a:p>
+                      <a:pPr marL="0" marR="0" lvl="0" indent="0" algn="l" defTabSz="914400" rtl="0" eaLnBrk="1" fontAlgn="auto" latinLnBrk="0" hangingPunct="1">
+                        <a:lnSpc>
+                          <a:spcPct val="100000"/>
+                        </a:lnSpc>
+                        <a:spcBef>
+                          <a:spcPts val="0"/>
+                        </a:spcBef>
+                        <a:spcAft>
+                          <a:spcPts val="0"/>
+                        </a:spcAft>
+                        <a:buClrTx/>
+                        <a:buSzTx/>
+                        <a:buFontTx/>
+                        <a:buNone/>
+                        <a:tabLst/>
+                        <a:defRPr/>
+                      </a:pPr>
+                      <a:endParaRPr lang="en-GB" sz="1800" b="0" dirty="0">
+                        <a:solidFill>
+                          <a:schemeClr val="tx1"/>
+                        </a:solidFill>
+                      </a:endParaRPr>
+                    </a:p>
+                    <a:p>
+                      <a:pPr marL="0" marR="0" lvl="0" indent="0" algn="l" defTabSz="914400" rtl="0" eaLnBrk="1" fontAlgn="auto" latinLnBrk="0" hangingPunct="1">
+                        <a:lnSpc>
+                          <a:spcPct val="100000"/>
+                        </a:lnSpc>
+                        <a:spcBef>
+                          <a:spcPts val="0"/>
+                        </a:spcBef>
+                        <a:spcAft>
+                          <a:spcPts val="0"/>
+                        </a:spcAft>
+                        <a:buClrTx/>
+                        <a:buSzTx/>
+                        <a:buFontTx/>
+                        <a:buNone/>
+                        <a:tabLst/>
+                        <a:defRPr/>
+                      </a:pPr>
+                      <a:endParaRPr lang="en-GB" sz="1800" b="0" dirty="0">
+                        <a:solidFill>
+                          <a:schemeClr val="tx1"/>
+                        </a:solidFill>
+                      </a:endParaRPr>
+                    </a:p>
+                    <a:p>
+                      <a:pPr marL="0" marR="0" lvl="0" indent="0" algn="l" defTabSz="914400" rtl="0" eaLnBrk="1" fontAlgn="auto" latinLnBrk="0" hangingPunct="1">
+                        <a:lnSpc>
+                          <a:spcPct val="100000"/>
+                        </a:lnSpc>
+                        <a:spcBef>
+                          <a:spcPts val="0"/>
+                        </a:spcBef>
+                        <a:spcAft>
+                          <a:spcPts val="0"/>
+                        </a:spcAft>
+                        <a:buClrTx/>
+                        <a:buSzTx/>
+                        <a:buFontTx/>
+                        <a:buNone/>
+                        <a:tabLst/>
+                        <a:defRPr/>
+                      </a:pPr>
+                      <a:endParaRPr lang="en-GB" sz="1800" b="0" dirty="0">
+                        <a:solidFill>
+                          <a:schemeClr val="tx1"/>
+                        </a:solidFill>
+                      </a:endParaRPr>
+                    </a:p>
+                    <a:p>
+                      <a:pPr marL="0" marR="0" lvl="0" indent="0" algn="l" defTabSz="914400" rtl="0" eaLnBrk="1" fontAlgn="auto" latinLnBrk="0" hangingPunct="1">
+                        <a:lnSpc>
+                          <a:spcPct val="100000"/>
+                        </a:lnSpc>
+                        <a:spcBef>
+                          <a:spcPts val="0"/>
+                        </a:spcBef>
+                        <a:spcAft>
+                          <a:spcPts val="0"/>
+                        </a:spcAft>
+                        <a:buClrTx/>
+                        <a:buSzTx/>
+                        <a:buFontTx/>
+                        <a:buNone/>
+                        <a:tabLst/>
+                        <a:defRPr/>
+                      </a:pPr>
+                      <a:endParaRPr lang="en-GB" sz="1800" b="0" dirty="0">
+                        <a:solidFill>
+                          <a:schemeClr val="tx1"/>
+                        </a:solidFill>
+                      </a:endParaRPr>
+                    </a:p>
+                    <a:p>
+                      <a:pPr marL="0" marR="0" lvl="0" indent="0" algn="l" defTabSz="914400" rtl="0" eaLnBrk="1" fontAlgn="auto" latinLnBrk="0" hangingPunct="1">
+                        <a:lnSpc>
+                          <a:spcPct val="100000"/>
+                        </a:lnSpc>
+                        <a:spcBef>
+                          <a:spcPts val="0"/>
+                        </a:spcBef>
+                        <a:spcAft>
+                          <a:spcPts val="0"/>
+                        </a:spcAft>
+                        <a:buClrTx/>
+                        <a:buSzTx/>
+                        <a:buFontTx/>
+                        <a:buNone/>
+                        <a:tabLst/>
+                        <a:defRPr/>
+                      </a:pPr>
+                      <a:endParaRPr lang="en-GB" sz="1800" b="0" dirty="0">
+                        <a:solidFill>
+                          <a:schemeClr val="tx1"/>
+                        </a:solidFill>
+                      </a:endParaRPr>
+                    </a:p>
+                    <a:p>
+                      <a:pPr marL="0" marR="0" lvl="0" indent="0" algn="l" defTabSz="914400" rtl="0" eaLnBrk="1" fontAlgn="auto" latinLnBrk="0" hangingPunct="1">
+                        <a:lnSpc>
+                          <a:spcPct val="100000"/>
+                        </a:lnSpc>
+                        <a:spcBef>
+                          <a:spcPts val="0"/>
+                        </a:spcBef>
+                        <a:spcAft>
+                          <a:spcPts val="0"/>
+                        </a:spcAft>
+                        <a:buClrTx/>
+                        <a:buSzTx/>
+                        <a:buFontTx/>
+                        <a:buNone/>
+                        <a:tabLst/>
+                        <a:defRPr/>
+                      </a:pPr>
+                      <a:endParaRPr lang="en-GB" sz="1800" b="0" dirty="0">
+                        <a:solidFill>
+                          <a:schemeClr val="tx1"/>
+                        </a:solidFill>
+                      </a:endParaRPr>
+                    </a:p>
+                    <a:p>
+                      <a:pPr marL="0" marR="0" lvl="0" indent="0" algn="l" defTabSz="914400" rtl="0" eaLnBrk="1" fontAlgn="auto" latinLnBrk="0" hangingPunct="1">
+                        <a:lnSpc>
+                          <a:spcPct val="100000"/>
+                        </a:lnSpc>
+                        <a:spcBef>
+                          <a:spcPts val="0"/>
+                        </a:spcBef>
+                        <a:spcAft>
+                          <a:spcPts val="0"/>
+                        </a:spcAft>
+                        <a:buClrTx/>
+                        <a:buSzTx/>
+                        <a:buFontTx/>
+                        <a:buNone/>
+                        <a:tabLst/>
+                        <a:defRPr/>
+                      </a:pPr>
+                      <a:r>
+                        <a:rPr lang="en-GB" sz="1800" b="0" dirty="0">
+                          <a:solidFill>
+                            <a:schemeClr val="tx1"/>
+                          </a:solidFill>
+                        </a:rPr>
+                        <a:t>Time taken for thread 3: </a:t>
+                      </a:r>
+                      <a:r>
+                        <a:rPr lang="en-GB" sz="1800" b="1" dirty="0">
+                          <a:solidFill>
+                            <a:schemeClr val="tx1"/>
+                          </a:solidFill>
+                        </a:rPr>
+                        <a:t>20 mins</a:t>
+                      </a:r>
+                    </a:p>
+                  </a:txBody>
+                  <a:tcPr>
+                    <a:lnL w="12700" cmpd="sng">
+                      <a:noFill/>
+                    </a:lnL>
+                    <a:lnR w="12700" cmpd="sng">
+                      <a:noFill/>
+                    </a:lnR>
+                    <a:lnT w="12700" cmpd="sng">
+                      <a:noFill/>
+                    </a:lnT>
+                    <a:lnB w="38100" cmpd="sng">
+                      <a:noFill/>
+                    </a:lnB>
+                    <a:lnTlToBr w="12700" cmpd="sng">
+                      <a:noFill/>
+                      <a:prstDash val="solid"/>
+                    </a:lnTlToBr>
+                    <a:lnBlToTr w="12700" cmpd="sng">
+                      <a:noFill/>
+                      <a:prstDash val="solid"/>
+                    </a:lnBlToTr>
+                    <a:solidFill>
+                      <a:schemeClr val="bg1"/>
+                    </a:solidFill>
+                  </a:tcPr>
+                </a:tc>
+                <a:tc>
+                  <a:txBody>
+                    <a:bodyPr/>
+                    <a:lstStyle/>
+                    <a:p>
+                      <a:pPr marL="0" marR="0" lvl="0" indent="0" algn="l" defTabSz="914400" rtl="0" eaLnBrk="1" fontAlgn="auto" latinLnBrk="0" hangingPunct="1">
+                        <a:lnSpc>
+                          <a:spcPct val="100000"/>
+                        </a:lnSpc>
+                        <a:spcBef>
+                          <a:spcPts val="0"/>
+                        </a:spcBef>
+                        <a:spcAft>
+                          <a:spcPts val="0"/>
+                        </a:spcAft>
+                        <a:buClrTx/>
+                        <a:buSzTx/>
+                        <a:buFontTx/>
+                        <a:buNone/>
+                        <a:tabLst/>
+                        <a:defRPr/>
+                      </a:pPr>
+                      <a:r>
+                        <a:rPr lang="en-GB" sz="1800" b="1" u="sng" dirty="0">
+                          <a:solidFill>
+                            <a:schemeClr val="tx1"/>
+                          </a:solidFill>
+                        </a:rPr>
+                        <a:t>Thread 4</a:t>
+                      </a:r>
                     </a:p>
                     <a:p>
                       <a:pPr marL="285750" marR="0" lvl="0" indent="-285750" algn="l" defTabSz="914400" rtl="0" eaLnBrk="1" fontAlgn="auto" latinLnBrk="0" hangingPunct="1">
@@ -4752,7 +5675,7 @@
                         <a:defRPr/>
                       </a:pPr>
                       <a:r>
-                        <a:rPr lang="en-GB" sz="2200" b="1">
+                        <a:rPr lang="en-GB" sz="1800" b="1" dirty="0">
                           <a:solidFill>
                             <a:srgbClr val="00B050"/>
                           </a:solidFill>
@@ -4760,16 +5683,251 @@
                         <a:t>Grate cheese </a:t>
                       </a:r>
                       <a:r>
-                        <a:rPr lang="en-GB" sz="2200" b="0">
+                        <a:rPr lang="en-GB" sz="1800" b="0" dirty="0">
                           <a:solidFill>
                             <a:schemeClr val="tx1"/>
                           </a:solidFill>
                         </a:rPr>
-                        <a:t>(1 min)</a:t>
+                        <a:t>(2 mins)</a:t>
                       </a:r>
-                      <a:endParaRPr lang="en-GB" sz="2200" b="0">
+                    </a:p>
+                    <a:p>
+                      <a:pPr marL="285750" marR="0" lvl="0" indent="-285750" algn="l" defTabSz="914400" rtl="0" eaLnBrk="1" fontAlgn="auto" latinLnBrk="0" hangingPunct="1">
+                        <a:lnSpc>
+                          <a:spcPct val="100000"/>
+                        </a:lnSpc>
+                        <a:spcBef>
+                          <a:spcPts val="0"/>
+                        </a:spcBef>
+                        <a:spcAft>
+                          <a:spcPts val="0"/>
+                        </a:spcAft>
+                        <a:buClrTx/>
+                        <a:buSzTx/>
+                        <a:buFont typeface="Arial" panose="020B0604020202020204" pitchFamily="34" charset="0"/>
+                        <a:buChar char="•"/>
+                        <a:tabLst/>
+                        <a:defRPr/>
+                      </a:pPr>
+                      <a:endParaRPr lang="en-GB" sz="1800" b="0" dirty="0">
                         <a:solidFill>
-                          <a:schemeClr val="lt1"/>
+                          <a:schemeClr val="tx1"/>
+                        </a:solidFill>
+                      </a:endParaRPr>
+                    </a:p>
+                    <a:p>
+                      <a:pPr marL="285750" marR="0" lvl="0" indent="-285750" algn="l" defTabSz="914400" rtl="0" eaLnBrk="1" fontAlgn="auto" latinLnBrk="0" hangingPunct="1">
+                        <a:lnSpc>
+                          <a:spcPct val="100000"/>
+                        </a:lnSpc>
+                        <a:spcBef>
+                          <a:spcPts val="0"/>
+                        </a:spcBef>
+                        <a:spcAft>
+                          <a:spcPts val="0"/>
+                        </a:spcAft>
+                        <a:buClrTx/>
+                        <a:buSzTx/>
+                        <a:buFont typeface="Arial" panose="020B0604020202020204" pitchFamily="34" charset="0"/>
+                        <a:buChar char="•"/>
+                        <a:tabLst/>
+                        <a:defRPr/>
+                      </a:pPr>
+                      <a:endParaRPr lang="en-GB" sz="1800" b="0" dirty="0">
+                        <a:solidFill>
+                          <a:schemeClr val="tx1"/>
+                        </a:solidFill>
+                      </a:endParaRPr>
+                    </a:p>
+                    <a:p>
+                      <a:pPr marL="285750" marR="0" lvl="0" indent="-285750" algn="l" defTabSz="914400" rtl="0" eaLnBrk="1" fontAlgn="auto" latinLnBrk="0" hangingPunct="1">
+                        <a:lnSpc>
+                          <a:spcPct val="100000"/>
+                        </a:lnSpc>
+                        <a:spcBef>
+                          <a:spcPts val="0"/>
+                        </a:spcBef>
+                        <a:spcAft>
+                          <a:spcPts val="0"/>
+                        </a:spcAft>
+                        <a:buClrTx/>
+                        <a:buSzTx/>
+                        <a:buFont typeface="Arial" panose="020B0604020202020204" pitchFamily="34" charset="0"/>
+                        <a:buChar char="•"/>
+                        <a:tabLst/>
+                        <a:defRPr/>
+                      </a:pPr>
+                      <a:endParaRPr lang="en-GB" sz="1800" b="0" dirty="0">
+                        <a:solidFill>
+                          <a:schemeClr val="tx1"/>
+                        </a:solidFill>
+                      </a:endParaRPr>
+                    </a:p>
+                    <a:p>
+                      <a:pPr marL="285750" marR="0" lvl="0" indent="-285750" algn="l" defTabSz="914400" rtl="0" eaLnBrk="1" fontAlgn="auto" latinLnBrk="0" hangingPunct="1">
+                        <a:lnSpc>
+                          <a:spcPct val="100000"/>
+                        </a:lnSpc>
+                        <a:spcBef>
+                          <a:spcPts val="0"/>
+                        </a:spcBef>
+                        <a:spcAft>
+                          <a:spcPts val="0"/>
+                        </a:spcAft>
+                        <a:buClrTx/>
+                        <a:buSzTx/>
+                        <a:buFont typeface="Arial" panose="020B0604020202020204" pitchFamily="34" charset="0"/>
+                        <a:buChar char="•"/>
+                        <a:tabLst/>
+                        <a:defRPr/>
+                      </a:pPr>
+                      <a:endParaRPr lang="en-GB" sz="1800" b="0" dirty="0">
+                        <a:solidFill>
+                          <a:schemeClr val="tx1"/>
+                        </a:solidFill>
+                      </a:endParaRPr>
+                    </a:p>
+                    <a:p>
+                      <a:pPr marL="285750" marR="0" lvl="0" indent="-285750" algn="l" defTabSz="914400" rtl="0" eaLnBrk="1" fontAlgn="auto" latinLnBrk="0" hangingPunct="1">
+                        <a:lnSpc>
+                          <a:spcPct val="100000"/>
+                        </a:lnSpc>
+                        <a:spcBef>
+                          <a:spcPts val="0"/>
+                        </a:spcBef>
+                        <a:spcAft>
+                          <a:spcPts val="0"/>
+                        </a:spcAft>
+                        <a:buClrTx/>
+                        <a:buSzTx/>
+                        <a:buFont typeface="Arial" panose="020B0604020202020204" pitchFamily="34" charset="0"/>
+                        <a:buChar char="•"/>
+                        <a:tabLst/>
+                        <a:defRPr/>
+                      </a:pPr>
+                      <a:endParaRPr lang="en-GB" sz="1800" b="0" dirty="0">
+                        <a:solidFill>
+                          <a:schemeClr val="tx1"/>
+                        </a:solidFill>
+                      </a:endParaRPr>
+                    </a:p>
+                    <a:p>
+                      <a:pPr marL="285750" marR="0" lvl="0" indent="-285750" algn="l" defTabSz="914400" rtl="0" eaLnBrk="1" fontAlgn="auto" latinLnBrk="0" hangingPunct="1">
+                        <a:lnSpc>
+                          <a:spcPct val="100000"/>
+                        </a:lnSpc>
+                        <a:spcBef>
+                          <a:spcPts val="0"/>
+                        </a:spcBef>
+                        <a:spcAft>
+                          <a:spcPts val="0"/>
+                        </a:spcAft>
+                        <a:buClrTx/>
+                        <a:buSzTx/>
+                        <a:buFont typeface="Arial" panose="020B0604020202020204" pitchFamily="34" charset="0"/>
+                        <a:buChar char="•"/>
+                        <a:tabLst/>
+                        <a:defRPr/>
+                      </a:pPr>
+                      <a:endParaRPr lang="en-GB" sz="1800" b="0" dirty="0">
+                        <a:solidFill>
+                          <a:schemeClr val="tx1"/>
+                        </a:solidFill>
+                      </a:endParaRPr>
+                    </a:p>
+                    <a:p>
+                      <a:pPr marL="285750" marR="0" lvl="0" indent="-285750" algn="l" defTabSz="914400" rtl="0" eaLnBrk="1" fontAlgn="auto" latinLnBrk="0" hangingPunct="1">
+                        <a:lnSpc>
+                          <a:spcPct val="100000"/>
+                        </a:lnSpc>
+                        <a:spcBef>
+                          <a:spcPts val="0"/>
+                        </a:spcBef>
+                        <a:spcAft>
+                          <a:spcPts val="0"/>
+                        </a:spcAft>
+                        <a:buClrTx/>
+                        <a:buSzTx/>
+                        <a:buFont typeface="Arial" panose="020B0604020202020204" pitchFamily="34" charset="0"/>
+                        <a:buChar char="•"/>
+                        <a:tabLst/>
+                        <a:defRPr/>
+                      </a:pPr>
+                      <a:endParaRPr lang="en-GB" sz="1800" b="0" dirty="0">
+                        <a:solidFill>
+                          <a:schemeClr val="tx1"/>
+                        </a:solidFill>
+                      </a:endParaRPr>
+                    </a:p>
+                    <a:p>
+                      <a:pPr marL="285750" marR="0" lvl="0" indent="-285750" algn="l" defTabSz="914400" rtl="0" eaLnBrk="1" fontAlgn="auto" latinLnBrk="0" hangingPunct="1">
+                        <a:lnSpc>
+                          <a:spcPct val="100000"/>
+                        </a:lnSpc>
+                        <a:spcBef>
+                          <a:spcPts val="0"/>
+                        </a:spcBef>
+                        <a:spcAft>
+                          <a:spcPts val="0"/>
+                        </a:spcAft>
+                        <a:buClrTx/>
+                        <a:buSzTx/>
+                        <a:buFont typeface="Arial" panose="020B0604020202020204" pitchFamily="34" charset="0"/>
+                        <a:buChar char="•"/>
+                        <a:tabLst/>
+                        <a:defRPr/>
+                      </a:pPr>
+                      <a:endParaRPr lang="en-GB" sz="1800" b="0" dirty="0">
+                        <a:solidFill>
+                          <a:schemeClr val="tx1"/>
+                        </a:solidFill>
+                      </a:endParaRPr>
+                    </a:p>
+                    <a:p>
+                      <a:pPr marL="285750" marR="0" lvl="0" indent="-285750" algn="l" defTabSz="914400" rtl="0" eaLnBrk="1" fontAlgn="auto" latinLnBrk="0" hangingPunct="1">
+                        <a:lnSpc>
+                          <a:spcPct val="100000"/>
+                        </a:lnSpc>
+                        <a:spcBef>
+                          <a:spcPts val="0"/>
+                        </a:spcBef>
+                        <a:spcAft>
+                          <a:spcPts val="0"/>
+                        </a:spcAft>
+                        <a:buClrTx/>
+                        <a:buSzTx/>
+                        <a:buFont typeface="Arial" panose="020B0604020202020204" pitchFamily="34" charset="0"/>
+                        <a:buChar char="•"/>
+                        <a:tabLst/>
+                        <a:defRPr/>
+                      </a:pPr>
+                      <a:endParaRPr lang="en-GB" sz="1800" b="0" dirty="0">
+                        <a:solidFill>
+                          <a:schemeClr val="tx1"/>
+                        </a:solidFill>
+                      </a:endParaRPr>
+                    </a:p>
+                    <a:p>
+                      <a:pPr marL="285750" marR="0" lvl="0" indent="-285750" algn="l" defTabSz="914400" rtl="0" eaLnBrk="1" fontAlgn="auto" latinLnBrk="0" hangingPunct="1">
+                        <a:lnSpc>
+                          <a:spcPct val="100000"/>
+                        </a:lnSpc>
+                        <a:spcBef>
+                          <a:spcPts val="0"/>
+                        </a:spcBef>
+                        <a:spcAft>
+                          <a:spcPts val="0"/>
+                        </a:spcAft>
+                        <a:buClrTx/>
+                        <a:buSzTx/>
+                        <a:buFont typeface="Arial" panose="020B0604020202020204" pitchFamily="34" charset="0"/>
+                        <a:buChar char="•"/>
+                        <a:tabLst/>
+                        <a:defRPr/>
+                      </a:pPr>
+                      <a:endParaRPr lang="en-GB" sz="1800" b="0" dirty="0">
+                        <a:solidFill>
+                          <a:schemeClr val="tx1"/>
                         </a:solidFill>
                       </a:endParaRPr>
                     </a:p>
@@ -4786,14 +5944,14 @@
                         </a:spcAft>
                         <a:buClrTx/>
                         <a:buSzTx/>
-                        <a:buFontTx/>
+                        <a:buFont typeface="Arial" panose="020B0604020202020204" pitchFamily="34" charset="0"/>
                         <a:buNone/>
                         <a:tabLst/>
                         <a:defRPr/>
                       </a:pPr>
-                      <a:endParaRPr lang="en-GB" sz="2200" b="0">
+                      <a:endParaRPr lang="en-GB" sz="1800" b="0" dirty="0">
                         <a:solidFill>
-                          <a:schemeClr val="lt1"/>
+                          <a:schemeClr val="tx1"/>
                         </a:solidFill>
                       </a:endParaRPr>
                     </a:p>
@@ -4810,16 +5968,19 @@
                         </a:spcAft>
                         <a:buClrTx/>
                         <a:buSzTx/>
-                        <a:buFontTx/>
+                        <a:buFont typeface="Arial" panose="020B0604020202020204" pitchFamily="34" charset="0"/>
                         <a:buNone/>
                         <a:tabLst/>
                         <a:defRPr/>
                       </a:pPr>
-                      <a:endParaRPr lang="en-GB" sz="2200" b="0">
-                        <a:solidFill>
-                          <a:schemeClr val="lt1"/>
-                        </a:solidFill>
-                      </a:endParaRPr>
+                      <a:r>
+                        <a:rPr lang="en-GB" sz="1800" b="0" dirty="0">
+                          <a:solidFill>
+                            <a:schemeClr val="tx1"/>
+                          </a:solidFill>
+                        </a:rPr>
+                        <a:t>Time taken for thread 4: </a:t>
+                      </a:r>
                     </a:p>
                     <a:p>
                       <a:pPr marL="0" marR="0" lvl="0" indent="0" algn="l" defTabSz="914400" rtl="0" eaLnBrk="1" fontAlgn="auto" latinLnBrk="0" hangingPunct="1">
@@ -4834,91 +5995,42 @@
                         </a:spcAft>
                         <a:buClrTx/>
                         <a:buSzTx/>
-                        <a:buFontTx/>
+                        <a:buFont typeface="Arial" panose="020B0604020202020204" pitchFamily="34" charset="0"/>
                         <a:buNone/>
                         <a:tabLst/>
                         <a:defRPr/>
                       </a:pPr>
-                      <a:endParaRPr lang="en-GB" sz="2200" b="0">
-                        <a:solidFill>
-                          <a:schemeClr val="lt1"/>
-                        </a:solidFill>
-                      </a:endParaRPr>
-                    </a:p>
-                    <a:p>
-                      <a:pPr marL="0" marR="0" lvl="0" indent="0" algn="l" defTabSz="914400" rtl="0" eaLnBrk="1" fontAlgn="auto" latinLnBrk="0" hangingPunct="1">
-                        <a:lnSpc>
-                          <a:spcPct val="100000"/>
-                        </a:lnSpc>
-                        <a:spcBef>
-                          <a:spcPts val="0"/>
-                        </a:spcBef>
-                        <a:spcAft>
-                          <a:spcPts val="0"/>
-                        </a:spcAft>
-                        <a:buClrTx/>
-                        <a:buSzTx/>
-                        <a:buFontTx/>
-                        <a:buNone/>
-                        <a:tabLst/>
-                        <a:defRPr/>
-                      </a:pPr>
-                      <a:endParaRPr lang="en-GB" sz="2200" b="0">
-                        <a:solidFill>
-                          <a:schemeClr val="lt1"/>
-                        </a:solidFill>
-                      </a:endParaRPr>
-                    </a:p>
-                    <a:p>
-                      <a:pPr marL="0" marR="0" lvl="0" indent="0" algn="l" defTabSz="914400" rtl="0" eaLnBrk="1" fontAlgn="auto" latinLnBrk="0" hangingPunct="1">
-                        <a:lnSpc>
-                          <a:spcPct val="100000"/>
-                        </a:lnSpc>
-                        <a:spcBef>
-                          <a:spcPts val="0"/>
-                        </a:spcBef>
-                        <a:spcAft>
-                          <a:spcPts val="0"/>
-                        </a:spcAft>
-                        <a:buClrTx/>
-                        <a:buSzTx/>
-                        <a:buFontTx/>
-                        <a:buNone/>
-                        <a:tabLst/>
-                        <a:defRPr/>
-                      </a:pPr>
-                      <a:endParaRPr lang="en-GB" sz="2200" b="0">
-                        <a:solidFill>
-                          <a:schemeClr val="lt1"/>
-                        </a:solidFill>
-                      </a:endParaRPr>
-                    </a:p>
-                    <a:p>
-                      <a:pPr marL="0" marR="0" lvl="0" indent="0" algn="l" defTabSz="914400" rtl="0" eaLnBrk="1" fontAlgn="auto" latinLnBrk="0" hangingPunct="1">
-                        <a:lnSpc>
-                          <a:spcPct val="100000"/>
-                        </a:lnSpc>
-                        <a:spcBef>
-                          <a:spcPts val="0"/>
-                        </a:spcBef>
-                        <a:spcAft>
-                          <a:spcPts val="0"/>
-                        </a:spcAft>
-                        <a:buClrTx/>
-                        <a:buSzTx/>
-                        <a:buFontTx/>
-                        <a:buNone/>
-                        <a:tabLst/>
-                        <a:defRPr/>
-                      </a:pPr>
-                      <a:endParaRPr lang="en-GB" sz="2200" b="0">
-                        <a:solidFill>
-                          <a:schemeClr val="lt1"/>
-                        </a:solidFill>
-                      </a:endParaRPr>
+                      <a:r>
+                        <a:rPr lang="en-GB" sz="1800" b="1" dirty="0">
+                          <a:solidFill>
+                            <a:schemeClr val="tx1"/>
+                          </a:solidFill>
+                        </a:rPr>
+                        <a:t>2 mins</a:t>
+                      </a:r>
                     </a:p>
                   </a:txBody>
                   <a:tcPr>
+                    <a:lnL w="12700" cmpd="sng">
+                      <a:noFill/>
+                    </a:lnL>
+                    <a:lnR w="12700" cmpd="sng">
+                      <a:noFill/>
+                    </a:lnR>
+                    <a:lnT w="12700" cmpd="sng">
+                      <a:noFill/>
+                    </a:lnT>
+                    <a:lnB w="38100" cmpd="sng">
+                      <a:noFill/>
+                    </a:lnB>
+                    <a:lnTlToBr w="12700" cmpd="sng">
+                      <a:noFill/>
+                      <a:prstDash val="solid"/>
+                    </a:lnTlToBr>
+                    <a:lnBlToTr w="12700" cmpd="sng">
+                      <a:noFill/>
+                      <a:prstDash val="solid"/>
+                    </a:lnBlToTr>
                     <a:solidFill>
                       <a:schemeClr val="bg1"/>
                     </a:solidFill>
@@ -4936,10 +6048,10 @@
       </p:graphicFrame>
       <p:sp>
         <p:nvSpPr>
-          <p:cNvPr id="5" name="TextBox 4">
+          <p:cNvPr id="6" name="TextBox 5">
             <a:extLst>
               <a:ext uri="{FF2B5EF4-FFF2-40B4-BE49-F238E27FC236}">
-                <a16:creationId xmlns:a16="http://schemas.microsoft.com/office/drawing/2014/main" id="{03D3AED8-686C-4B39-B1EE-959DC56A589E}"/>
+                <a16:creationId xmlns:a16="http://schemas.microsoft.com/office/drawing/2014/main" id="{0BA761E6-8840-4309-94D4-DA7536845994}"/>
               </a:ext>
             </a:extLst>
           </p:cNvPr>
@@ -4948,8 +6060,8 @@
         </p:nvSpPr>
         <p:spPr>
           <a:xfrm>
-            <a:off x="198783" y="4815120"/>
-            <a:ext cx="11675166" cy="1938992"/>
+            <a:off x="285226" y="5176007"/>
+            <a:ext cx="11641731" cy="1354217"/>
           </a:xfrm>
           <a:prstGeom prst="rect">
             <a:avLst/>
@@ -4962,15 +6074,101 @@
           </a:bodyPr>
           <a:lstStyle/>
           <a:p>
-            <a:r>
-              <a:rPr lang="en-GB" sz="2000" dirty="0"/>
-              <a:t>Adding a second cook (another thread) decreases the time taken but all that person does is switch on the oven, wait around for 15 minutes doing nothing and then grate the cheese. Grating the cheese is a task which takes 1 minute and is minor. Hardly a reason to get someone else involved! They could be doing something else, like cleaning and tidying!</a:t>
-            </a:r>
-          </a:p>
-          <a:p>
-            <a:r>
-              <a:rPr lang="en-GB" sz="2000" dirty="0"/>
-              <a:t>There isn’t much else they can do in the kitchen, as everything else has to be done in order and is best done by one person, otherwise there is time wasted by context switching between cooks. </a:t>
+            <a:pPr marL="285750" indent="-285750">
+              <a:buFont typeface="Arial" panose="020B0604020202020204" pitchFamily="34" charset="0"/>
+              <a:buChar char="•"/>
+            </a:pPr>
+            <a:r>
+              <a:rPr lang="en-GB" sz="1600" dirty="0"/>
+              <a:t>The total time taken is </a:t>
+            </a:r>
+            <a:r>
+              <a:rPr lang="en-GB" sz="1600" b="1" dirty="0"/>
+              <a:t>28 mins</a:t>
+            </a:r>
+            <a:r>
+              <a:rPr lang="en-GB" sz="1600" dirty="0"/>
+              <a:t>, as that’s how long the longest running thread takes. </a:t>
+            </a:r>
+            <a:r>
+              <a:rPr lang="en-GB" sz="1600" b="1" dirty="0"/>
+              <a:t>We’ve saved 37 minutes</a:t>
+            </a:r>
+            <a:r>
+              <a:rPr lang="en-GB" sz="1600" dirty="0"/>
+              <a:t>!</a:t>
+            </a:r>
+          </a:p>
+          <a:p>
+            <a:pPr marL="285750" indent="-285750">
+              <a:buFont typeface="Arial" panose="020B0604020202020204" pitchFamily="34" charset="0"/>
+              <a:buChar char="•"/>
+            </a:pPr>
+            <a:r>
+              <a:rPr lang="en-GB" sz="1600" dirty="0"/>
+              <a:t>Thread 2 doesn’t do much. It starts to pre-heat the oven, then waits 15 minutes. This is not good use of resources.</a:t>
+            </a:r>
+          </a:p>
+          <a:p>
+            <a:pPr marL="285750" indent="-285750">
+              <a:buFont typeface="Arial" panose="020B0604020202020204" pitchFamily="34" charset="0"/>
+              <a:buChar char="•"/>
+            </a:pPr>
+            <a:r>
+              <a:rPr lang="en-GB" sz="1600" dirty="0"/>
+              <a:t>Thread 3 prepares the dessert, as it’s a major </a:t>
+            </a:r>
+            <a:r>
+              <a:rPr lang="en-GB" sz="1600" b="1" dirty="0"/>
+              <a:t>“CPU-bound” </a:t>
+            </a:r>
+            <a:r>
+              <a:rPr lang="en-GB" sz="1600" dirty="0"/>
+              <a:t>step it can do in parallel to Threads 1 and 4. </a:t>
+            </a:r>
+          </a:p>
+          <a:p>
+            <a:pPr marL="285750" indent="-285750">
+              <a:buFont typeface="Arial" panose="020B0604020202020204" pitchFamily="34" charset="0"/>
+              <a:buChar char="•"/>
+            </a:pPr>
+            <a:r>
+              <a:rPr lang="en-GB" sz="1600" dirty="0"/>
+              <a:t>Thread 4 only grates the cheese, a minor CPU-bound task which it complete in parallel to Threads 1 and 3.</a:t>
+            </a:r>
+          </a:p>
+          <a:p>
+            <a:r>
+              <a:rPr lang="en-GB" dirty="0"/>
+              <a:t>Compared to using a single asynchronous thread, we’ve saved </a:t>
+            </a:r>
+            <a:r>
+              <a:rPr lang="en-GB" b="1" dirty="0"/>
+              <a:t>7 minutes</a:t>
+            </a:r>
+            <a:r>
+              <a:rPr lang="en-GB" dirty="0"/>
+              <a:t>, or </a:t>
+            </a:r>
+            <a:r>
+              <a:rPr lang="en-GB" b="1" dirty="0"/>
+              <a:t>1/5</a:t>
+            </a:r>
+            <a:r>
+              <a:rPr lang="en-GB" b="1" baseline="30000" dirty="0"/>
+              <a:t>th</a:t>
+            </a:r>
+            <a:r>
+              <a:rPr lang="en-GB" dirty="0"/>
+              <a:t> of the time. </a:t>
+            </a:r>
+            <a:r>
+              <a:rPr lang="en-GB" b="1" dirty="0"/>
+              <a:t>At a huge cost though</a:t>
+            </a:r>
+            <a:r>
+              <a:rPr lang="en-GB" dirty="0"/>
+              <a:t>!</a:t>
             </a:r>
           </a:p>
         </p:txBody>
@@ -5035,13 +6233,13 @@
           <a:p>
             <a:r>
               <a:rPr lang="en-GB" sz="2400" b="1" dirty="0"/>
-              <a:t>What about asynchronously with multiple threads? </a:t>
+              <a:t>What about asynchronously with multiple threads?</a:t>
             </a:r>
           </a:p>
           <a:p>
             <a:r>
               <a:rPr lang="en-GB" sz="2400" dirty="0"/>
-              <a:t>If someone helps you cook and you both perform asynchronously, it helps a bit more. </a:t>
+              <a:t>If other people help you cook, and you all perform asynchronously, it helps a lot more. </a:t>
             </a:r>
           </a:p>
         </p:txBody>
@@ -5061,14 +6259,14 @@
           <p:nvPr>
             <p:extLst>
               <p:ext uri="{D42A27DB-BD31-4B8C-83A1-F6EECF244321}">
-                <p14:modId xmlns:p14="http://schemas.microsoft.com/office/powerpoint/2010/main" val="1275719224"/>
+                <p14:modId xmlns:p14="http://schemas.microsoft.com/office/powerpoint/2010/main" val="3280481250"/>
               </p:ext>
             </p:extLst>
           </p:nvPr>
         </p:nvGraphicFramePr>
         <p:xfrm>
-          <a:off x="145775" y="1092583"/>
-          <a:ext cx="11781182" cy="4114800"/>
+          <a:off x="198782" y="963519"/>
+          <a:ext cx="11470305" cy="3931920"/>
         </p:xfrm>
         <a:graphic>
           <a:graphicData uri="http://schemas.openxmlformats.org/drawingml/2006/table">
@@ -5077,26 +6275,80 @@
                 <a:tableStyleId>{5C22544A-7EE6-4342-B048-85BDC9FD1C3A}</a:tableStyleId>
               </a:tblPr>
               <a:tblGrid>
-                <a:gridCol w="5890591">
+                <a:gridCol w="5941959">
                   <a:extLst>
                     <a:ext uri="{9D8B030D-6E8A-4147-A177-3AD203B41FA5}">
                       <a16:colId xmlns:a16="http://schemas.microsoft.com/office/drawing/2014/main" val="120516076"/>
                     </a:ext>
                   </a:extLst>
                 </a:gridCol>
-                <a:gridCol w="5890591">
+                <a:gridCol w="2810312">
                   <a:extLst>
                     <a:ext uri="{9D8B030D-6E8A-4147-A177-3AD203B41FA5}">
                       <a16:colId xmlns:a16="http://schemas.microsoft.com/office/drawing/2014/main" val="719413782"/>
                     </a:ext>
                   </a:extLst>
                 </a:gridCol>
+                <a:gridCol w="2718034">
+                  <a:extLst>
+                    <a:ext uri="{9D8B030D-6E8A-4147-A177-3AD203B41FA5}">
+                      <a16:colId xmlns:a16="http://schemas.microsoft.com/office/drawing/2014/main" val="4263234382"/>
+                    </a:ext>
+                  </a:extLst>
+                </a:gridCol>
               </a:tblGrid>
-              <a:tr h="2909574">
+              <a:tr h="3918874">
                 <a:tc>
                   <a:txBody>
                     <a:bodyPr/>
                     <a:lstStyle/>
+                    <a:p>
+                      <a:pPr marL="0" indent="0">
+                        <a:buFont typeface="Arial" panose="020B0604020202020204" pitchFamily="34" charset="0"/>
+                        <a:buNone/>
+                      </a:pPr>
+                      <a:r>
+                        <a:rPr lang="en-GB" sz="1800" b="1" u="sng" dirty="0">
+                          <a:solidFill>
+                            <a:schemeClr val="tx1"/>
+                          </a:solidFill>
+                        </a:rPr>
+                        <a:t>Thread 1 </a:t>
+                      </a:r>
+                    </a:p>
+                    <a:p>
+                      <a:pPr marL="342900" indent="-342900">
+                        <a:buFont typeface="Arial" panose="020B0604020202020204" pitchFamily="34" charset="0"/>
+                        <a:buChar char="•"/>
+                      </a:pPr>
+                      <a:r>
+                        <a:rPr lang="en-GB" sz="1800" b="1" dirty="0">
+                          <a:solidFill>
+                            <a:schemeClr val="accent2"/>
+                          </a:solidFill>
+                        </a:rPr>
+                        <a:t>Start heating a saucepan of water </a:t>
+                      </a:r>
+                    </a:p>
+                    <a:p>
+                      <a:pPr marL="342900" indent="-342900">
+                        <a:buFont typeface="Arial" panose="020B0604020202020204" pitchFamily="34" charset="0"/>
+                        <a:buChar char="•"/>
+                      </a:pPr>
+                      <a:r>
+                        <a:rPr lang="en-GB" sz="1800" b="1" dirty="0">
+                          <a:solidFill>
+                            <a:schemeClr val="accent2"/>
+                          </a:solidFill>
+                        </a:rPr>
+                        <a:t>Start pre-heating oven</a:t>
+                      </a:r>
+                      <a:endParaRPr lang="en-GB" sz="1800" b="0" dirty="0">
+                        <a:solidFill>
+                          <a:schemeClr val="tx1"/>
+                        </a:solidFill>
+                      </a:endParaRPr>
+                    </a:p>
                     <a:p>
                       <a:pPr marL="342900" marR="0" lvl="0" indent="-342900" algn="l" defTabSz="914400" rtl="0" eaLnBrk="1" fontAlgn="auto" latinLnBrk="0" hangingPunct="1">
                         <a:lnSpc>
@@ -5116,12 +6368,20 @@
                         <a:defRPr/>
                       </a:pPr>
                       <a:r>
-                        <a:rPr lang="en-GB" sz="2200" b="1" dirty="0">
+                        <a:rPr lang="en-GB" sz="1800" b="1" dirty="0">
                           <a:solidFill>
-                            <a:schemeClr val="accent2"/>
+                            <a:schemeClr val="tx1"/>
                           </a:solidFill>
                         </a:rPr>
-                        <a:t>Start heating a saucepan of water </a:t>
+                        <a:t>Wait for the water to finish boiling   </a:t>
+                      </a:r>
+                      <a:r>
+                        <a:rPr lang="en-GB" sz="1800" b="0" dirty="0">
+                          <a:solidFill>
+                            <a:schemeClr val="tx1"/>
+                          </a:solidFill>
+                        </a:rPr>
+                        <a:t>(3 mins)</a:t>
                       </a:r>
                     </a:p>
                     <a:p>
@@ -5143,26 +6403,7 @@
                         <a:defRPr/>
                       </a:pPr>
                       <a:r>
-                        <a:rPr lang="en-GB" sz="2200" dirty="0">
-                          <a:solidFill>
-                            <a:schemeClr val="tx1"/>
-                          </a:solidFill>
-                        </a:rPr>
-                        <a:t>Wait for the water to finish boiling (5 mins)</a:t>
-                      </a:r>
-                      <a:endParaRPr lang="en-GB" sz="2200" b="1" dirty="0">
-                        <a:solidFill>
-                          <a:schemeClr val="accent2"/>
-                        </a:solidFill>
-                      </a:endParaRPr>
-                    </a:p>
-                    <a:p>
-                      <a:pPr marL="457200" indent="-457200">
-                        <a:buFont typeface="Arial" panose="020B0604020202020204" pitchFamily="34" charset="0"/>
-                        <a:buChar char="•"/>
-                      </a:pPr>
-                      <a:r>
-                        <a:rPr lang="en-GB" sz="2200" b="1" dirty="0">
+                        <a:rPr lang="en-GB" sz="1800" b="1" dirty="0">
                           <a:solidFill>
                             <a:srgbClr val="00B050"/>
                           </a:solidFill>
@@ -5170,82 +6411,16 @@
                         <a:t>Cook fresh pasta</a:t>
                       </a:r>
                       <a:r>
-                        <a:rPr lang="en-GB" sz="2200" b="0" dirty="0">
+                        <a:rPr lang="en-GB" sz="1800" b="0" dirty="0">
                           <a:solidFill>
                             <a:schemeClr val="tx1"/>
                           </a:solidFill>
                         </a:rPr>
-                        <a:t> (takes around 5 mins)</a:t>
+                        <a:t> (5 mins)</a:t>
                       </a:r>
                     </a:p>
                     <a:p>
-                      <a:pPr marL="457200" indent="-457200">
-                        <a:buFont typeface="Arial" panose="020B0604020202020204" pitchFamily="34" charset="0"/>
-                        <a:buChar char="•"/>
-                      </a:pPr>
-                      <a:r>
-                        <a:rPr lang="en-GB" sz="2200" b="1" dirty="0">
-                          <a:solidFill>
-                            <a:srgbClr val="00B050"/>
-                          </a:solidFill>
-                        </a:rPr>
-                        <a:t>Drain the water from the pasta </a:t>
-                      </a:r>
-                      <a:r>
-                        <a:rPr lang="en-GB" sz="2200" b="0" dirty="0">
-                          <a:solidFill>
-                            <a:schemeClr val="tx1"/>
-                          </a:solidFill>
-                        </a:rPr>
-                        <a:t>(30 secs)</a:t>
-                      </a:r>
-                    </a:p>
-                    <a:p>
-                      <a:pPr marL="457200" indent="-457200">
-                        <a:buFont typeface="Arial" panose="020B0604020202020204" pitchFamily="34" charset="0"/>
-                        <a:buChar char="•"/>
-                      </a:pPr>
-                      <a:r>
-                        <a:rPr lang="en-GB" sz="2200" b="1" dirty="0">
-                          <a:solidFill>
-                            <a:srgbClr val="00B050"/>
-                          </a:solidFill>
-                        </a:rPr>
-                        <a:t>Place pasta in a dish and add sauce </a:t>
-                      </a:r>
-                      <a:r>
-                        <a:rPr lang="en-GB" sz="2200" b="0" dirty="0">
-                          <a:solidFill>
-                            <a:schemeClr val="tx1"/>
-                          </a:solidFill>
-                        </a:rPr>
-                        <a:t>(1 min)</a:t>
-                      </a:r>
-                    </a:p>
-                    <a:p>
-                      <a:pPr marL="457200" indent="-457200">
-                        <a:buFont typeface="Arial" panose="020B0604020202020204" pitchFamily="34" charset="0"/>
-                        <a:buChar char="•"/>
-                      </a:pPr>
-                      <a:r>
-                        <a:rPr lang="en-GB" sz="2200" b="1" dirty="0">
-                          <a:solidFill>
-                            <a:srgbClr val="00B050"/>
-                          </a:solidFill>
-                        </a:rPr>
-                        <a:t>Add cheese to pasta</a:t>
-                      </a:r>
-                      <a:r>
-                        <a:rPr lang="en-GB" sz="2200" b="0" dirty="0">
-                          <a:solidFill>
-                            <a:schemeClr val="tx1"/>
-                          </a:solidFill>
-                        </a:rPr>
-                        <a:t> (30 secs)</a:t>
-                      </a:r>
-                    </a:p>
-                    <a:p>
-                      <a:pPr marL="457200" marR="0" lvl="0" indent="-457200" algn="l" defTabSz="914400" rtl="0" eaLnBrk="1" fontAlgn="auto" latinLnBrk="0" hangingPunct="1">
+                      <a:pPr marL="342900" marR="0" lvl="0" indent="-342900" algn="l" defTabSz="914400" rtl="0" eaLnBrk="1" fontAlgn="auto" latinLnBrk="0" hangingPunct="1">
                         <a:lnSpc>
                           <a:spcPct val="100000"/>
                         </a:lnSpc>
@@ -5263,21 +6438,24 @@
                         <a:defRPr/>
                       </a:pPr>
                       <a:r>
-                        <a:rPr lang="en-GB" sz="2200" dirty="0">
+                        <a:rPr lang="en-GB" sz="1800" b="1" dirty="0">
+                          <a:solidFill>
+                            <a:srgbClr val="00B050"/>
+                          </a:solidFill>
+                        </a:rPr>
+                        <a:t>Drain the water from the pasta </a:t>
+                      </a:r>
+                      <a:r>
+                        <a:rPr lang="en-GB" sz="1800" b="0" dirty="0">
                           <a:solidFill>
                             <a:schemeClr val="tx1"/>
                           </a:solidFill>
                         </a:rPr>
-                        <a:t>Wait for the oven to finish pre-heating (3 mins)</a:t>
+                        <a:t>(1 min)</a:t>
                       </a:r>
-                      <a:endParaRPr lang="en-GB" sz="2200" b="0" dirty="0">
-                        <a:solidFill>
-                          <a:schemeClr val="tx1"/>
-                        </a:solidFill>
-                      </a:endParaRPr>
                     </a:p>
                     <a:p>
-                      <a:pPr marL="457200" marR="0" lvl="0" indent="-457200" algn="l" defTabSz="914400" rtl="0" eaLnBrk="1" fontAlgn="auto" latinLnBrk="0" hangingPunct="1">
+                      <a:pPr marL="342900" marR="0" lvl="0" indent="-342900" algn="l" defTabSz="914400" rtl="0" eaLnBrk="1" fontAlgn="auto" latinLnBrk="0" hangingPunct="1">
                         <a:lnSpc>
                           <a:spcPct val="100000"/>
                         </a:lnSpc>
@@ -5295,15 +6473,147 @@
                         <a:defRPr/>
                       </a:pPr>
                       <a:r>
-                        <a:rPr lang="en-GB" sz="2200" b="1" dirty="0">
+                        <a:rPr lang="en-GB" sz="1800" b="1" dirty="0">
                           <a:solidFill>
                             <a:srgbClr val="00B050"/>
                           </a:solidFill>
                         </a:rPr>
-                        <a:t>Place dish in oven and bake </a:t>
+                        <a:t>Place pasta in a dish and add sauce </a:t>
                       </a:r>
                       <a:r>
-                        <a:rPr lang="en-GB" sz="2200" b="0" dirty="0">
+                        <a:rPr lang="en-GB" sz="1800" b="0" dirty="0">
+                          <a:solidFill>
+                            <a:schemeClr val="tx1"/>
+                          </a:solidFill>
+                        </a:rPr>
+                        <a:t>(1 min)</a:t>
+                      </a:r>
+                    </a:p>
+                    <a:p>
+                      <a:pPr marL="342900" marR="0" lvl="0" indent="-342900" algn="l" defTabSz="914400" rtl="0" eaLnBrk="1" fontAlgn="auto" latinLnBrk="0" hangingPunct="1">
+                        <a:lnSpc>
+                          <a:spcPct val="100000"/>
+                        </a:lnSpc>
+                        <a:spcBef>
+                          <a:spcPts val="0"/>
+                        </a:spcBef>
+                        <a:spcAft>
+                          <a:spcPts val="0"/>
+                        </a:spcAft>
+                        <a:buClrTx/>
+                        <a:buSzTx/>
+                        <a:buFont typeface="Arial" panose="020B0604020202020204" pitchFamily="34" charset="0"/>
+                        <a:buChar char="•"/>
+                        <a:tabLst/>
+                        <a:defRPr/>
+                      </a:pPr>
+                      <a:r>
+                        <a:rPr lang="en-GB" sz="1800" b="1" dirty="0">
+                          <a:solidFill>
+                            <a:srgbClr val="00B050"/>
+                          </a:solidFill>
+                        </a:rPr>
+                        <a:t>Add cheese to pasta</a:t>
+                      </a:r>
+                      <a:r>
+                        <a:rPr lang="en-GB" sz="1800" b="0" dirty="0">
+                          <a:solidFill>
+                            <a:schemeClr val="tx1"/>
+                          </a:solidFill>
+                        </a:rPr>
+                        <a:t> (1 min)</a:t>
+                      </a:r>
+                    </a:p>
+                    <a:p>
+                      <a:pPr marL="342900" marR="0" lvl="0" indent="-342900" algn="l" defTabSz="914400" rtl="0" eaLnBrk="1" fontAlgn="auto" latinLnBrk="0" hangingPunct="1">
+                        <a:lnSpc>
+                          <a:spcPct val="100000"/>
+                        </a:lnSpc>
+                        <a:spcBef>
+                          <a:spcPts val="0"/>
+                        </a:spcBef>
+                        <a:spcAft>
+                          <a:spcPts val="0"/>
+                        </a:spcAft>
+                        <a:buClrTx/>
+                        <a:buSzTx/>
+                        <a:buFont typeface="Arial" panose="020B0604020202020204" pitchFamily="34" charset="0"/>
+                        <a:buChar char="•"/>
+                        <a:tabLst/>
+                        <a:defRPr/>
+                      </a:pPr>
+                      <a:r>
+                        <a:rPr lang="en-GB" sz="1800" b="1" dirty="0">
+                          <a:solidFill>
+                            <a:schemeClr val="tx1"/>
+                          </a:solidFill>
+                        </a:rPr>
+                        <a:t>Wait for thread 2 to finished pre-heating oven </a:t>
+                      </a:r>
+                      <a:r>
+                        <a:rPr lang="en-GB" sz="1800" b="0" dirty="0">
+                          <a:solidFill>
+                            <a:schemeClr val="tx1"/>
+                          </a:solidFill>
+                        </a:rPr>
+                        <a:t>(2 mins)</a:t>
+                      </a:r>
+                    </a:p>
+                    <a:p>
+                      <a:pPr marL="342900" marR="0" lvl="0" indent="-342900" algn="l" defTabSz="914400" rtl="0" eaLnBrk="1" fontAlgn="auto" latinLnBrk="0" hangingPunct="1">
+                        <a:lnSpc>
+                          <a:spcPct val="100000"/>
+                        </a:lnSpc>
+                        <a:spcBef>
+                          <a:spcPts val="0"/>
+                        </a:spcBef>
+                        <a:spcAft>
+                          <a:spcPts val="0"/>
+                        </a:spcAft>
+                        <a:buClrTx/>
+                        <a:buSzTx/>
+                        <a:buFont typeface="Arial" panose="020B0604020202020204" pitchFamily="34" charset="0"/>
+                        <a:buChar char="•"/>
+                        <a:tabLst/>
+                        <a:defRPr/>
+                      </a:pPr>
+                      <a:r>
+                        <a:rPr lang="en-GB" sz="1800" b="1" dirty="0">
+                          <a:solidFill>
+                            <a:schemeClr val="accent2"/>
+                          </a:solidFill>
+                        </a:rPr>
+                        <a:t>Place dish in oven and bake</a:t>
+                      </a:r>
+                    </a:p>
+                    <a:p>
+                      <a:pPr marL="342900" marR="0" lvl="0" indent="-342900" algn="l" defTabSz="914400" rtl="0" eaLnBrk="1" fontAlgn="auto" latinLnBrk="0" hangingPunct="1">
+                        <a:lnSpc>
+                          <a:spcPct val="100000"/>
+                        </a:lnSpc>
+                        <a:spcBef>
+                          <a:spcPts val="0"/>
+                        </a:spcBef>
+                        <a:spcAft>
+                          <a:spcPts val="0"/>
+                        </a:spcAft>
+                        <a:buClrTx/>
+                        <a:buSzTx/>
+                        <a:buFont typeface="Arial" panose="020B0604020202020204" pitchFamily="34" charset="0"/>
+                        <a:buChar char="•"/>
+                        <a:tabLst/>
+                        <a:defRPr/>
+                      </a:pPr>
+                      <a:r>
+                        <a:rPr lang="en-GB" sz="1800" b="1" dirty="0">
+                          <a:solidFill>
+                            <a:schemeClr val="tx1"/>
+                          </a:solidFill>
+                        </a:rPr>
+                        <a:t>Wait for the pasta to finish baking </a:t>
+                      </a:r>
+                      <a:r>
+                        <a:rPr lang="en-GB" sz="1800" b="0" dirty="0">
                           <a:solidFill>
                             <a:schemeClr val="tx1"/>
                           </a:solidFill>
@@ -5312,7 +6622,54 @@
                       </a:r>
                     </a:p>
                     <a:p>
-                      <a:pPr marL="457200" marR="0" lvl="0" indent="-457200" algn="l" defTabSz="914400" rtl="0" eaLnBrk="1" fontAlgn="auto" latinLnBrk="0" hangingPunct="1">
+                      <a:pPr marL="0" indent="0">
+                        <a:buFont typeface="Arial" panose="020B0604020202020204" pitchFamily="34" charset="0"/>
+                        <a:buNone/>
+                      </a:pPr>
+                      <a:endParaRPr lang="en-GB" sz="1800" b="0" dirty="0">
+                        <a:solidFill>
+                          <a:schemeClr val="tx1"/>
+                        </a:solidFill>
+                      </a:endParaRPr>
+                    </a:p>
+                    <a:p>
+                      <a:pPr marL="0" indent="0">
+                        <a:buFont typeface="Arial" panose="020B0604020202020204" pitchFamily="34" charset="0"/>
+                        <a:buNone/>
+                      </a:pPr>
+                      <a:r>
+                        <a:rPr lang="en-GB" sz="1800" b="0" dirty="0">
+                          <a:solidFill>
+                            <a:schemeClr val="tx1"/>
+                          </a:solidFill>
+                        </a:rPr>
+                        <a:t>Time taken for thread 1: </a:t>
+                      </a:r>
+                      <a:r>
+                        <a:rPr lang="en-GB" sz="1800" b="1" dirty="0">
+                          <a:solidFill>
+                            <a:schemeClr val="tx1"/>
+                          </a:solidFill>
+                        </a:rPr>
+                        <a:t>28 mins</a:t>
+                      </a:r>
+                    </a:p>
+                  </a:txBody>
+                  <a:tcPr>
+                    <a:lnR w="12700" cmpd="sng">
+                      <a:noFill/>
+                    </a:lnR>
+                    <a:solidFill>
+                      <a:schemeClr val="bg1"/>
+                    </a:solidFill>
+                  </a:tcPr>
+                </a:tc>
+                <a:tc>
+                  <a:txBody>
+                    <a:bodyPr/>
+                    <a:lstStyle/>
+                    <a:p>
+                      <a:pPr marL="0" marR="0" lvl="0" indent="0" algn="l" defTabSz="914400" rtl="0" eaLnBrk="1" fontAlgn="auto" latinLnBrk="0" hangingPunct="1">
                         <a:lnSpc>
                           <a:spcPct val="100000"/>
                         </a:lnSpc>
@@ -5325,11 +6682,102 @@
                         <a:buClrTx/>
                         <a:buSzTx/>
                         <a:buFont typeface="Arial" panose="020B0604020202020204" pitchFamily="34" charset="0"/>
-                        <a:buChar char="•"/>
+                        <a:buNone/>
                         <a:tabLst/>
                         <a:defRPr/>
                       </a:pPr>
-                      <a:endParaRPr lang="en-GB" sz="2200" b="0" dirty="0">
+                      <a:r>
+                        <a:rPr lang="en-GB" sz="1800" b="1" i="0" u="sng" dirty="0">
+                          <a:solidFill>
+                            <a:schemeClr val="tx1"/>
+                          </a:solidFill>
+                        </a:rPr>
+                        <a:t>Thread 2</a:t>
+                      </a:r>
+                    </a:p>
+                    <a:p>
+                      <a:pPr marL="0" marR="0" lvl="0" indent="0" algn="l" defTabSz="914400" rtl="0" eaLnBrk="1" fontAlgn="auto" latinLnBrk="0" hangingPunct="1">
+                        <a:lnSpc>
+                          <a:spcPct val="100000"/>
+                        </a:lnSpc>
+                        <a:spcBef>
+                          <a:spcPts val="0"/>
+                        </a:spcBef>
+                        <a:spcAft>
+                          <a:spcPts val="0"/>
+                        </a:spcAft>
+                        <a:buClrTx/>
+                        <a:buSzTx/>
+                        <a:buFontTx/>
+                        <a:buNone/>
+                        <a:tabLst/>
+                        <a:defRPr/>
+                      </a:pPr>
+                      <a:r>
+                        <a:rPr lang="en-GB" sz="1800" b="1" dirty="0">
+                          <a:solidFill>
+                            <a:srgbClr val="00B050"/>
+                          </a:solidFill>
+                        </a:rPr>
+                        <a:t>Prepare the dessert </a:t>
+                      </a:r>
+                      <a:r>
+                        <a:rPr lang="en-GB" sz="1800" b="0" dirty="0">
+                          <a:solidFill>
+                            <a:schemeClr val="tx1"/>
+                          </a:solidFill>
+                        </a:rPr>
+                        <a:t>(20 mins)</a:t>
+                      </a:r>
+                      <a:endParaRPr lang="en-GB" sz="1800" b="0" dirty="0">
+                        <a:solidFill>
+                          <a:schemeClr val="lt1"/>
+                        </a:solidFill>
+                      </a:endParaRPr>
+                    </a:p>
+                    <a:p>
+                      <a:pPr marL="0" marR="0" lvl="0" indent="0" algn="l" defTabSz="914400" rtl="0" eaLnBrk="1" fontAlgn="auto" latinLnBrk="0" hangingPunct="1">
+                        <a:lnSpc>
+                          <a:spcPct val="100000"/>
+                        </a:lnSpc>
+                        <a:spcBef>
+                          <a:spcPts val="0"/>
+                        </a:spcBef>
+                        <a:spcAft>
+                          <a:spcPts val="0"/>
+                        </a:spcAft>
+                        <a:buClrTx/>
+                        <a:buSzTx/>
+                        <a:buFontTx/>
+                        <a:buNone/>
+                        <a:tabLst/>
+                        <a:defRPr/>
+                      </a:pPr>
+                      <a:endParaRPr lang="en-GB" sz="1800" b="0" dirty="0">
+                        <a:solidFill>
+                          <a:schemeClr val="lt1"/>
+                        </a:solidFill>
+                      </a:endParaRPr>
+                    </a:p>
+                    <a:p>
+                      <a:pPr marL="0" marR="0" lvl="0" indent="0" algn="l" defTabSz="914400" rtl="0" eaLnBrk="1" fontAlgn="auto" latinLnBrk="0" hangingPunct="1">
+                        <a:lnSpc>
+                          <a:spcPct val="100000"/>
+                        </a:lnSpc>
+                        <a:spcBef>
+                          <a:spcPts val="0"/>
+                        </a:spcBef>
+                        <a:spcAft>
+                          <a:spcPts val="0"/>
+                        </a:spcAft>
+                        <a:buClrTx/>
+                        <a:buSzTx/>
+                        <a:buFontTx/>
+                        <a:buNone/>
+                        <a:tabLst/>
+                        <a:defRPr/>
+                      </a:pPr>
+                      <a:endParaRPr lang="en-GB" sz="1800" b="0" dirty="0">
                         <a:solidFill>
                           <a:schemeClr val="tx1"/>
                         </a:solidFill>
@@ -5348,144 +6796,12 @@
                         </a:spcAft>
                         <a:buClrTx/>
                         <a:buSzTx/>
-                        <a:buFont typeface="Arial" panose="020B0604020202020204" pitchFamily="34" charset="0"/>
-                        <a:buNone/>
-                        <a:tabLst/>
-                        <a:defRPr/>
-                      </a:pPr>
-                      <a:r>
-                        <a:rPr lang="en-GB" sz="2200" dirty="0">
-                          <a:solidFill>
-                            <a:schemeClr val="tx1"/>
-                          </a:solidFill>
-                        </a:rPr>
-                        <a:t>Total time taken is 30 minutes. </a:t>
-                      </a:r>
-                    </a:p>
-                    <a:p>
-                      <a:pPr marL="457200" indent="-457200">
-                        <a:buFont typeface="Arial" panose="020B0604020202020204" pitchFamily="34" charset="0"/>
-                        <a:buChar char="•"/>
-                      </a:pPr>
-                      <a:endParaRPr lang="en-GB" sz="2200" b="0" dirty="0">
-                        <a:solidFill>
-                          <a:schemeClr val="tx1"/>
-                        </a:solidFill>
-                      </a:endParaRPr>
-                    </a:p>
-                  </a:txBody>
-                  <a:tcPr>
-                    <a:solidFill>
-                      <a:schemeClr val="bg1"/>
-                    </a:solidFill>
-                  </a:tcPr>
-                </a:tc>
-                <a:tc>
-                  <a:txBody>
-                    <a:bodyPr/>
-                    <a:lstStyle/>
-                    <a:p>
-                      <a:pPr marL="342900" marR="0" lvl="0" indent="-342900" algn="l" defTabSz="914400" rtl="0" eaLnBrk="1" fontAlgn="auto" latinLnBrk="0" hangingPunct="1">
-                        <a:lnSpc>
-                          <a:spcPct val="100000"/>
-                        </a:lnSpc>
-                        <a:spcBef>
-                          <a:spcPts val="0"/>
-                        </a:spcBef>
-                        <a:spcAft>
-                          <a:spcPts val="0"/>
-                        </a:spcAft>
-                        <a:buClrTx/>
-                        <a:buSzTx/>
-                        <a:buFont typeface="Arial" panose="020B0604020202020204" pitchFamily="34" charset="0"/>
-                        <a:buChar char="•"/>
-                        <a:tabLst/>
-                        <a:defRPr/>
-                      </a:pPr>
-                      <a:r>
-                        <a:rPr lang="en-GB" sz="2200" b="1" dirty="0">
-                          <a:solidFill>
-                            <a:schemeClr val="accent2"/>
-                          </a:solidFill>
-                        </a:rPr>
-                        <a:t>Switch on oven so it can pre-heat </a:t>
-                      </a:r>
-                    </a:p>
-                    <a:p>
-                      <a:pPr marL="285750" marR="0" lvl="0" indent="-285750" algn="l" defTabSz="914400" rtl="0" eaLnBrk="1" fontAlgn="auto" latinLnBrk="0" hangingPunct="1">
-                        <a:lnSpc>
-                          <a:spcPct val="100000"/>
-                        </a:lnSpc>
-                        <a:spcBef>
-                          <a:spcPts val="0"/>
-                        </a:spcBef>
-                        <a:spcAft>
-                          <a:spcPts val="0"/>
-                        </a:spcAft>
-                        <a:buClrTx/>
-                        <a:buSzTx/>
-                        <a:buFont typeface="Arial" panose="020B0604020202020204" pitchFamily="34" charset="0"/>
-                        <a:buChar char="•"/>
-                        <a:tabLst/>
-                        <a:defRPr/>
-                      </a:pPr>
-                      <a:r>
-                        <a:rPr lang="en-GB" sz="2200" b="1" dirty="0">
-                          <a:solidFill>
-                            <a:srgbClr val="00B050"/>
-                          </a:solidFill>
-                        </a:rPr>
-                        <a:t> Grate cheese </a:t>
-                      </a:r>
-                      <a:r>
-                        <a:rPr lang="en-GB" sz="2200" b="0" dirty="0">
-                          <a:solidFill>
-                            <a:schemeClr val="tx1"/>
-                          </a:solidFill>
-                        </a:rPr>
-                        <a:t>(1 min)</a:t>
-                      </a:r>
-                    </a:p>
-                    <a:p>
-                      <a:endParaRPr lang="en-GB" sz="2200" dirty="0"/>
-                    </a:p>
-                    <a:p>
-                      <a:endParaRPr lang="en-GB" sz="2200" dirty="0"/>
-                    </a:p>
-                    <a:p>
-                      <a:endParaRPr lang="en-GB" sz="2200" dirty="0"/>
-                    </a:p>
-                    <a:p>
-                      <a:endParaRPr lang="en-GB" sz="2200" dirty="0"/>
-                    </a:p>
-                    <a:p>
-                      <a:endParaRPr lang="en-GB" sz="2200" dirty="0"/>
-                    </a:p>
-                    <a:p>
-                      <a:endParaRPr lang="en-GB" sz="2200" dirty="0"/>
-                    </a:p>
-                    <a:p>
-                      <a:endParaRPr lang="en-GB" sz="2200" dirty="0"/>
-                    </a:p>
-                    <a:p>
-                      <a:pPr marL="0" marR="0" lvl="0" indent="0" algn="l" defTabSz="914400" rtl="0" eaLnBrk="1" fontAlgn="auto" latinLnBrk="0" hangingPunct="1">
-                        <a:lnSpc>
-                          <a:spcPct val="100000"/>
-                        </a:lnSpc>
-                        <a:spcBef>
-                          <a:spcPts val="0"/>
-                        </a:spcBef>
-                        <a:spcAft>
-                          <a:spcPts val="0"/>
-                        </a:spcAft>
-                        <a:buClrTx/>
-                        <a:buSzTx/>
                         <a:buFontTx/>
                         <a:buNone/>
                         <a:tabLst/>
                         <a:defRPr/>
                       </a:pPr>
-                      <a:endParaRPr lang="en-GB" sz="2200" dirty="0">
+                      <a:endParaRPr lang="en-GB" sz="1800" b="0" dirty="0">
                         <a:solidFill>
                           <a:schemeClr val="tx1"/>
                         </a:solidFill>
@@ -5509,17 +6825,583 @@
                         <a:tabLst/>
                         <a:defRPr/>
                       </a:pPr>
-                      <a:endParaRPr lang="en-GB" sz="2200" dirty="0">
+                      <a:endParaRPr lang="en-GB" sz="1800" b="0" dirty="0">
                         <a:solidFill>
                           <a:schemeClr val="tx1"/>
                         </a:solidFill>
                       </a:endParaRPr>
                     </a:p>
                     <a:p>
-                      <a:endParaRPr lang="en-GB" sz="2200" dirty="0"/>
+                      <a:pPr marL="0" marR="0" lvl="0" indent="0" algn="l" defTabSz="914400" rtl="0" eaLnBrk="1" fontAlgn="auto" latinLnBrk="0" hangingPunct="1">
+                        <a:lnSpc>
+                          <a:spcPct val="100000"/>
+                        </a:lnSpc>
+                        <a:spcBef>
+                          <a:spcPts val="0"/>
+                        </a:spcBef>
+                        <a:spcAft>
+                          <a:spcPts val="0"/>
+                        </a:spcAft>
+                        <a:buClrTx/>
+                        <a:buSzTx/>
+                        <a:buFontTx/>
+                        <a:buNone/>
+                        <a:tabLst/>
+                        <a:defRPr/>
+                      </a:pPr>
+                      <a:endParaRPr lang="en-GB" sz="1800" b="0" dirty="0">
+                        <a:solidFill>
+                          <a:schemeClr val="tx1"/>
+                        </a:solidFill>
+                      </a:endParaRPr>
+                    </a:p>
+                    <a:p>
+                      <a:pPr marL="0" marR="0" lvl="0" indent="0" algn="l" defTabSz="914400" rtl="0" eaLnBrk="1" fontAlgn="auto" latinLnBrk="0" hangingPunct="1">
+                        <a:lnSpc>
+                          <a:spcPct val="100000"/>
+                        </a:lnSpc>
+                        <a:spcBef>
+                          <a:spcPts val="0"/>
+                        </a:spcBef>
+                        <a:spcAft>
+                          <a:spcPts val="0"/>
+                        </a:spcAft>
+                        <a:buClrTx/>
+                        <a:buSzTx/>
+                        <a:buFontTx/>
+                        <a:buNone/>
+                        <a:tabLst/>
+                        <a:defRPr/>
+                      </a:pPr>
+                      <a:endParaRPr lang="en-GB" sz="1800" b="0" dirty="0">
+                        <a:solidFill>
+                          <a:schemeClr val="tx1"/>
+                        </a:solidFill>
+                      </a:endParaRPr>
+                    </a:p>
+                    <a:p>
+                      <a:pPr marL="0" marR="0" lvl="0" indent="0" algn="l" defTabSz="914400" rtl="0" eaLnBrk="1" fontAlgn="auto" latinLnBrk="0" hangingPunct="1">
+                        <a:lnSpc>
+                          <a:spcPct val="100000"/>
+                        </a:lnSpc>
+                        <a:spcBef>
+                          <a:spcPts val="0"/>
+                        </a:spcBef>
+                        <a:spcAft>
+                          <a:spcPts val="0"/>
+                        </a:spcAft>
+                        <a:buClrTx/>
+                        <a:buSzTx/>
+                        <a:buFontTx/>
+                        <a:buNone/>
+                        <a:tabLst/>
+                        <a:defRPr/>
+                      </a:pPr>
+                      <a:endParaRPr lang="en-GB" sz="1800" b="0" dirty="0">
+                        <a:solidFill>
+                          <a:schemeClr val="tx1"/>
+                        </a:solidFill>
+                      </a:endParaRPr>
+                    </a:p>
+                    <a:p>
+                      <a:pPr marL="0" marR="0" lvl="0" indent="0" algn="l" defTabSz="914400" rtl="0" eaLnBrk="1" fontAlgn="auto" latinLnBrk="0" hangingPunct="1">
+                        <a:lnSpc>
+                          <a:spcPct val="100000"/>
+                        </a:lnSpc>
+                        <a:spcBef>
+                          <a:spcPts val="0"/>
+                        </a:spcBef>
+                        <a:spcAft>
+                          <a:spcPts val="0"/>
+                        </a:spcAft>
+                        <a:buClrTx/>
+                        <a:buSzTx/>
+                        <a:buFontTx/>
+                        <a:buNone/>
+                        <a:tabLst/>
+                        <a:defRPr/>
+                      </a:pPr>
+                      <a:endParaRPr lang="en-GB" sz="1800" b="0" dirty="0">
+                        <a:solidFill>
+                          <a:schemeClr val="tx1"/>
+                        </a:solidFill>
+                      </a:endParaRPr>
+                    </a:p>
+                    <a:p>
+                      <a:pPr marL="0" marR="0" lvl="0" indent="0" algn="l" defTabSz="914400" rtl="0" eaLnBrk="1" fontAlgn="auto" latinLnBrk="0" hangingPunct="1">
+                        <a:lnSpc>
+                          <a:spcPct val="100000"/>
+                        </a:lnSpc>
+                        <a:spcBef>
+                          <a:spcPts val="0"/>
+                        </a:spcBef>
+                        <a:spcAft>
+                          <a:spcPts val="0"/>
+                        </a:spcAft>
+                        <a:buClrTx/>
+                        <a:buSzTx/>
+                        <a:buFontTx/>
+                        <a:buNone/>
+                        <a:tabLst/>
+                        <a:defRPr/>
+                      </a:pPr>
+                      <a:endParaRPr lang="en-GB" sz="1800" b="0" dirty="0">
+                        <a:solidFill>
+                          <a:schemeClr val="tx1"/>
+                        </a:solidFill>
+                      </a:endParaRPr>
+                    </a:p>
+                    <a:p>
+                      <a:pPr marL="0" marR="0" lvl="0" indent="0" algn="l" defTabSz="914400" rtl="0" eaLnBrk="1" fontAlgn="auto" latinLnBrk="0" hangingPunct="1">
+                        <a:lnSpc>
+                          <a:spcPct val="100000"/>
+                        </a:lnSpc>
+                        <a:spcBef>
+                          <a:spcPts val="0"/>
+                        </a:spcBef>
+                        <a:spcAft>
+                          <a:spcPts val="0"/>
+                        </a:spcAft>
+                        <a:buClrTx/>
+                        <a:buSzTx/>
+                        <a:buFontTx/>
+                        <a:buNone/>
+                        <a:tabLst/>
+                        <a:defRPr/>
+                      </a:pPr>
+                      <a:r>
+                        <a:rPr lang="en-GB" sz="1800" b="0" dirty="0">
+                          <a:solidFill>
+                            <a:schemeClr val="tx1"/>
+                          </a:solidFill>
+                        </a:rPr>
+                        <a:t>Time taken for thread 2: </a:t>
+                      </a:r>
+                      <a:br>
+                        <a:rPr lang="en-GB" sz="1800" b="0" dirty="0">
+                          <a:solidFill>
+                            <a:schemeClr val="tx1"/>
+                          </a:solidFill>
+                        </a:rPr>
+                      </a:br>
+                      <a:r>
+                        <a:rPr lang="en-GB" sz="1800" b="1" dirty="0">
+                          <a:solidFill>
+                            <a:schemeClr val="tx1"/>
+                          </a:solidFill>
+                        </a:rPr>
+                        <a:t>20 mins</a:t>
+                      </a:r>
                     </a:p>
                   </a:txBody>
                   <a:tcPr>
+                    <a:lnL w="12700" cmpd="sng">
+                      <a:noFill/>
+                    </a:lnL>
+                    <a:lnR w="12700" cmpd="sng">
+                      <a:noFill/>
+                    </a:lnR>
+                    <a:lnT w="12700" cmpd="sng">
+                      <a:noFill/>
+                    </a:lnT>
+                    <a:lnB w="38100" cmpd="sng">
+                      <a:noFill/>
+                    </a:lnB>
+                    <a:lnTlToBr w="12700" cmpd="sng">
+                      <a:noFill/>
+                      <a:prstDash val="solid"/>
+                    </a:lnTlToBr>
+                    <a:lnBlToTr w="12700" cmpd="sng">
+                      <a:noFill/>
+                      <a:prstDash val="solid"/>
+                    </a:lnBlToTr>
+                    <a:solidFill>
+                      <a:schemeClr val="bg1"/>
+                    </a:solidFill>
+                  </a:tcPr>
+                </a:tc>
+                <a:tc>
+                  <a:txBody>
+                    <a:bodyPr/>
+                    <a:lstStyle/>
+                    <a:p>
+                      <a:pPr marL="0" marR="0" lvl="0" indent="0" algn="l" defTabSz="914400" rtl="0" eaLnBrk="1" fontAlgn="auto" latinLnBrk="0" hangingPunct="1">
+                        <a:lnSpc>
+                          <a:spcPct val="100000"/>
+                        </a:lnSpc>
+                        <a:spcBef>
+                          <a:spcPts val="0"/>
+                        </a:spcBef>
+                        <a:spcAft>
+                          <a:spcPts val="0"/>
+                        </a:spcAft>
+                        <a:buClrTx/>
+                        <a:buSzTx/>
+                        <a:buFontTx/>
+                        <a:buNone/>
+                        <a:tabLst/>
+                        <a:defRPr/>
+                      </a:pPr>
+                      <a:r>
+                        <a:rPr lang="en-GB" sz="1800" b="1" u="sng" dirty="0">
+                          <a:solidFill>
+                            <a:schemeClr val="tx1"/>
+                          </a:solidFill>
+                        </a:rPr>
+                        <a:t>Thread 3</a:t>
+                      </a:r>
+                    </a:p>
+                    <a:p>
+                      <a:pPr marL="285750" marR="0" lvl="0" indent="-285750" algn="l" defTabSz="914400" rtl="0" eaLnBrk="1" fontAlgn="auto" latinLnBrk="0" hangingPunct="1">
+                        <a:lnSpc>
+                          <a:spcPct val="100000"/>
+                        </a:lnSpc>
+                        <a:spcBef>
+                          <a:spcPts val="0"/>
+                        </a:spcBef>
+                        <a:spcAft>
+                          <a:spcPts val="0"/>
+                        </a:spcAft>
+                        <a:buClrTx/>
+                        <a:buSzTx/>
+                        <a:buFont typeface="Arial" panose="020B0604020202020204" pitchFamily="34" charset="0"/>
+                        <a:buChar char="•"/>
+                        <a:tabLst/>
+                        <a:defRPr/>
+                      </a:pPr>
+                      <a:r>
+                        <a:rPr lang="en-GB" sz="1800" b="1" dirty="0">
+                          <a:solidFill>
+                            <a:srgbClr val="00B050"/>
+                          </a:solidFill>
+                        </a:rPr>
+                        <a:t>Grate cheese </a:t>
+                      </a:r>
+                      <a:r>
+                        <a:rPr lang="en-GB" sz="1800" b="0" dirty="0">
+                          <a:solidFill>
+                            <a:schemeClr val="tx1"/>
+                          </a:solidFill>
+                        </a:rPr>
+                        <a:t>(2 mins)</a:t>
+                      </a:r>
+                    </a:p>
+                    <a:p>
+                      <a:pPr marL="0" marR="0" lvl="0" indent="0" algn="l" defTabSz="914400" rtl="0" eaLnBrk="1" fontAlgn="auto" latinLnBrk="0" hangingPunct="1">
+                        <a:lnSpc>
+                          <a:spcPct val="100000"/>
+                        </a:lnSpc>
+                        <a:spcBef>
+                          <a:spcPts val="0"/>
+                        </a:spcBef>
+                        <a:spcAft>
+                          <a:spcPts val="0"/>
+                        </a:spcAft>
+                        <a:buClrTx/>
+                        <a:buSzTx/>
+                        <a:buFontTx/>
+                        <a:buNone/>
+                        <a:tabLst/>
+                        <a:defRPr/>
+                      </a:pPr>
+                      <a:endParaRPr lang="en-GB" sz="1800" b="1" u="sng" dirty="0">
+                        <a:solidFill>
+                          <a:schemeClr val="tx1"/>
+                        </a:solidFill>
+                      </a:endParaRPr>
+                    </a:p>
+                    <a:p>
+                      <a:pPr marL="0" marR="0" lvl="0" indent="0" algn="l" defTabSz="914400" rtl="0" eaLnBrk="1" fontAlgn="auto" latinLnBrk="0" hangingPunct="1">
+                        <a:lnSpc>
+                          <a:spcPct val="100000"/>
+                        </a:lnSpc>
+                        <a:spcBef>
+                          <a:spcPts val="0"/>
+                        </a:spcBef>
+                        <a:spcAft>
+                          <a:spcPts val="0"/>
+                        </a:spcAft>
+                        <a:buClrTx/>
+                        <a:buSzTx/>
+                        <a:buFontTx/>
+                        <a:buNone/>
+                        <a:tabLst/>
+                        <a:defRPr/>
+                      </a:pPr>
+                      <a:endParaRPr lang="en-GB" sz="1800" b="1" u="sng" dirty="0">
+                        <a:solidFill>
+                          <a:schemeClr val="tx1"/>
+                        </a:solidFill>
+                      </a:endParaRPr>
+                    </a:p>
+                    <a:p>
+                      <a:pPr marL="0" marR="0" lvl="0" indent="0" algn="l" defTabSz="914400" rtl="0" eaLnBrk="1" fontAlgn="auto" latinLnBrk="0" hangingPunct="1">
+                        <a:lnSpc>
+                          <a:spcPct val="100000"/>
+                        </a:lnSpc>
+                        <a:spcBef>
+                          <a:spcPts val="0"/>
+                        </a:spcBef>
+                        <a:spcAft>
+                          <a:spcPts val="0"/>
+                        </a:spcAft>
+                        <a:buClrTx/>
+                        <a:buSzTx/>
+                        <a:buFontTx/>
+                        <a:buNone/>
+                        <a:tabLst/>
+                        <a:defRPr/>
+                      </a:pPr>
+                      <a:endParaRPr lang="en-GB" sz="1800" b="1" u="sng" dirty="0">
+                        <a:solidFill>
+                          <a:schemeClr val="tx1"/>
+                        </a:solidFill>
+                      </a:endParaRPr>
+                    </a:p>
+                    <a:p>
+                      <a:pPr marL="0" marR="0" lvl="0" indent="0" algn="l" defTabSz="914400" rtl="0" eaLnBrk="1" fontAlgn="auto" latinLnBrk="0" hangingPunct="1">
+                        <a:lnSpc>
+                          <a:spcPct val="100000"/>
+                        </a:lnSpc>
+                        <a:spcBef>
+                          <a:spcPts val="0"/>
+                        </a:spcBef>
+                        <a:spcAft>
+                          <a:spcPts val="0"/>
+                        </a:spcAft>
+                        <a:buClrTx/>
+                        <a:buSzTx/>
+                        <a:buFontTx/>
+                        <a:buNone/>
+                        <a:tabLst/>
+                        <a:defRPr/>
+                      </a:pPr>
+                      <a:endParaRPr lang="en-GB" sz="1800" b="1" u="sng" dirty="0">
+                        <a:solidFill>
+                          <a:schemeClr val="tx1"/>
+                        </a:solidFill>
+                      </a:endParaRPr>
+                    </a:p>
+                    <a:p>
+                      <a:pPr marL="0" marR="0" lvl="0" indent="0" algn="l" defTabSz="914400" rtl="0" eaLnBrk="1" fontAlgn="auto" latinLnBrk="0" hangingPunct="1">
+                        <a:lnSpc>
+                          <a:spcPct val="100000"/>
+                        </a:lnSpc>
+                        <a:spcBef>
+                          <a:spcPts val="0"/>
+                        </a:spcBef>
+                        <a:spcAft>
+                          <a:spcPts val="0"/>
+                        </a:spcAft>
+                        <a:buClrTx/>
+                        <a:buSzTx/>
+                        <a:buFontTx/>
+                        <a:buNone/>
+                        <a:tabLst/>
+                        <a:defRPr/>
+                      </a:pPr>
+                      <a:endParaRPr lang="en-GB" sz="1800" b="1" u="sng" dirty="0">
+                        <a:solidFill>
+                          <a:schemeClr val="tx1"/>
+                        </a:solidFill>
+                      </a:endParaRPr>
+                    </a:p>
+                    <a:p>
+                      <a:pPr marL="0" marR="0" lvl="0" indent="0" algn="l" defTabSz="914400" rtl="0" eaLnBrk="1" fontAlgn="auto" latinLnBrk="0" hangingPunct="1">
+                        <a:lnSpc>
+                          <a:spcPct val="100000"/>
+                        </a:lnSpc>
+                        <a:spcBef>
+                          <a:spcPts val="0"/>
+                        </a:spcBef>
+                        <a:spcAft>
+                          <a:spcPts val="0"/>
+                        </a:spcAft>
+                        <a:buClrTx/>
+                        <a:buSzTx/>
+                        <a:buFontTx/>
+                        <a:buNone/>
+                        <a:tabLst/>
+                        <a:defRPr/>
+                      </a:pPr>
+                      <a:endParaRPr lang="en-GB" sz="1800" b="1" u="sng" dirty="0">
+                        <a:solidFill>
+                          <a:schemeClr val="tx1"/>
+                        </a:solidFill>
+                      </a:endParaRPr>
+                    </a:p>
+                    <a:p>
+                      <a:pPr marL="0" marR="0" lvl="0" indent="0" algn="l" defTabSz="914400" rtl="0" eaLnBrk="1" fontAlgn="auto" latinLnBrk="0" hangingPunct="1">
+                        <a:lnSpc>
+                          <a:spcPct val="100000"/>
+                        </a:lnSpc>
+                        <a:spcBef>
+                          <a:spcPts val="0"/>
+                        </a:spcBef>
+                        <a:spcAft>
+                          <a:spcPts val="0"/>
+                        </a:spcAft>
+                        <a:buClrTx/>
+                        <a:buSzTx/>
+                        <a:buFontTx/>
+                        <a:buNone/>
+                        <a:tabLst/>
+                        <a:defRPr/>
+                      </a:pPr>
+                      <a:endParaRPr lang="en-GB" sz="1800" b="1" u="sng" dirty="0">
+                        <a:solidFill>
+                          <a:schemeClr val="tx1"/>
+                        </a:solidFill>
+                      </a:endParaRPr>
+                    </a:p>
+                    <a:p>
+                      <a:pPr marL="0" marR="0" lvl="0" indent="0" algn="l" defTabSz="914400" rtl="0" eaLnBrk="1" fontAlgn="auto" latinLnBrk="0" hangingPunct="1">
+                        <a:lnSpc>
+                          <a:spcPct val="100000"/>
+                        </a:lnSpc>
+                        <a:spcBef>
+                          <a:spcPts val="0"/>
+                        </a:spcBef>
+                        <a:spcAft>
+                          <a:spcPts val="0"/>
+                        </a:spcAft>
+                        <a:buClrTx/>
+                        <a:buSzTx/>
+                        <a:buFontTx/>
+                        <a:buNone/>
+                        <a:tabLst/>
+                        <a:defRPr/>
+                      </a:pPr>
+                      <a:endParaRPr lang="en-GB" sz="1800" b="1" u="sng" dirty="0">
+                        <a:solidFill>
+                          <a:schemeClr val="tx1"/>
+                        </a:solidFill>
+                      </a:endParaRPr>
+                    </a:p>
+                    <a:p>
+                      <a:pPr marL="0" marR="0" lvl="0" indent="0" algn="l" defTabSz="914400" rtl="0" eaLnBrk="1" fontAlgn="auto" latinLnBrk="0" hangingPunct="1">
+                        <a:lnSpc>
+                          <a:spcPct val="100000"/>
+                        </a:lnSpc>
+                        <a:spcBef>
+                          <a:spcPts val="0"/>
+                        </a:spcBef>
+                        <a:spcAft>
+                          <a:spcPts val="0"/>
+                        </a:spcAft>
+                        <a:buClrTx/>
+                        <a:buSzTx/>
+                        <a:buFontTx/>
+                        <a:buNone/>
+                        <a:tabLst/>
+                        <a:defRPr/>
+                      </a:pPr>
+                      <a:endParaRPr lang="en-GB" sz="1800" b="1" u="sng" dirty="0">
+                        <a:solidFill>
+                          <a:schemeClr val="tx1"/>
+                        </a:solidFill>
+                      </a:endParaRPr>
+                    </a:p>
+                    <a:p>
+                      <a:pPr marL="0" marR="0" lvl="0" indent="0" algn="l" defTabSz="914400" rtl="0" eaLnBrk="1" fontAlgn="auto" latinLnBrk="0" hangingPunct="1">
+                        <a:lnSpc>
+                          <a:spcPct val="100000"/>
+                        </a:lnSpc>
+                        <a:spcBef>
+                          <a:spcPts val="0"/>
+                        </a:spcBef>
+                        <a:spcAft>
+                          <a:spcPts val="0"/>
+                        </a:spcAft>
+                        <a:buClrTx/>
+                        <a:buSzTx/>
+                        <a:buFontTx/>
+                        <a:buNone/>
+                        <a:tabLst/>
+                        <a:defRPr/>
+                      </a:pPr>
+                      <a:endParaRPr lang="en-GB" sz="1800" b="0" u="none" dirty="0">
+                        <a:solidFill>
+                          <a:schemeClr val="tx1"/>
+                        </a:solidFill>
+                      </a:endParaRPr>
+                    </a:p>
+                    <a:p>
+                      <a:pPr marL="0" marR="0" lvl="0" indent="0" algn="l" defTabSz="914400" rtl="0" eaLnBrk="1" fontAlgn="auto" latinLnBrk="0" hangingPunct="1">
+                        <a:lnSpc>
+                          <a:spcPct val="100000"/>
+                        </a:lnSpc>
+                        <a:spcBef>
+                          <a:spcPts val="0"/>
+                        </a:spcBef>
+                        <a:spcAft>
+                          <a:spcPts val="0"/>
+                        </a:spcAft>
+                        <a:buClrTx/>
+                        <a:buSzTx/>
+                        <a:buFontTx/>
+                        <a:buNone/>
+                        <a:tabLst/>
+                        <a:defRPr/>
+                      </a:pPr>
+                      <a:r>
+                        <a:rPr lang="en-GB" sz="1800" b="0" u="none" dirty="0">
+                          <a:solidFill>
+                            <a:schemeClr val="tx1"/>
+                          </a:solidFill>
+                        </a:rPr>
+                        <a:t>Time taken for thread 3: </a:t>
+                      </a:r>
+                    </a:p>
+                    <a:p>
+                      <a:pPr marL="0" marR="0" lvl="0" indent="0" algn="l" defTabSz="914400" rtl="0" eaLnBrk="1" fontAlgn="auto" latinLnBrk="0" hangingPunct="1">
+                        <a:lnSpc>
+                          <a:spcPct val="100000"/>
+                        </a:lnSpc>
+                        <a:spcBef>
+                          <a:spcPts val="0"/>
+                        </a:spcBef>
+                        <a:spcAft>
+                          <a:spcPts val="0"/>
+                        </a:spcAft>
+                        <a:buClrTx/>
+                        <a:buSzTx/>
+                        <a:buFontTx/>
+                        <a:buNone/>
+                        <a:tabLst/>
+                        <a:defRPr/>
+                      </a:pPr>
+                      <a:r>
+                        <a:rPr lang="en-GB" sz="1800" b="1" u="none" dirty="0">
+                          <a:solidFill>
+                            <a:schemeClr val="tx1"/>
+                          </a:solidFill>
+                        </a:rPr>
+                        <a:t>2 mins</a:t>
+                      </a:r>
+                    </a:p>
+                  </a:txBody>
+                  <a:tcPr>
+                    <a:lnL w="12700" cmpd="sng">
+                      <a:noFill/>
+                    </a:lnL>
+                    <a:lnR w="12700" cmpd="sng">
+                      <a:noFill/>
+                    </a:lnR>
+                    <a:lnT w="12700" cmpd="sng">
+                      <a:noFill/>
+                    </a:lnT>
+                    <a:lnB w="38100" cmpd="sng">
+                      <a:noFill/>
+                    </a:lnB>
+                    <a:lnTlToBr w="12700" cmpd="sng">
+                      <a:noFill/>
+                      <a:prstDash val="solid"/>
+                    </a:lnTlToBr>
+                    <a:lnBlToTr w="12700" cmpd="sng">
+                      <a:noFill/>
+                      <a:prstDash val="solid"/>
+                    </a:lnBlToTr>
                     <a:solidFill>
                       <a:schemeClr val="bg1"/>
                     </a:solidFill>
@@ -5537,10 +7419,10 @@
       </p:graphicFrame>
       <p:sp>
         <p:nvSpPr>
-          <p:cNvPr id="5" name="TextBox 4">
+          <p:cNvPr id="6" name="TextBox 5">
             <a:extLst>
               <a:ext uri="{FF2B5EF4-FFF2-40B4-BE49-F238E27FC236}">
-                <a16:creationId xmlns:a16="http://schemas.microsoft.com/office/drawing/2014/main" id="{03D3AED8-686C-4B39-B1EE-959DC56A589E}"/>
+                <a16:creationId xmlns:a16="http://schemas.microsoft.com/office/drawing/2014/main" id="{0BA761E6-8840-4309-94D4-DA7536845994}"/>
               </a:ext>
             </a:extLst>
           </p:cNvPr>
@@ -5549,8 +7431,8 @@
         </p:nvSpPr>
         <p:spPr>
           <a:xfrm>
-            <a:off x="251791" y="4936337"/>
-            <a:ext cx="11675166" cy="1323439"/>
+            <a:off x="275134" y="4971151"/>
+            <a:ext cx="11641731" cy="1200329"/>
           </a:xfrm>
           <a:prstGeom prst="rect">
             <a:avLst/>
@@ -5563,17 +7445,57 @@
           </a:bodyPr>
           <a:lstStyle/>
           <a:p>
-            <a:r>
-              <a:rPr lang="en-GB" sz="2000" dirty="0"/>
-              <a:t>Using multiple threads asynchronously takes the same amount of time as using multiple threads synchronously, or a single thread asynchronously. This is because </a:t>
-            </a:r>
-            <a:r>
-              <a:rPr lang="en-GB" sz="2000" b="1" dirty="0"/>
-              <a:t>it offers no performance benefit having another thread start one of the tasks which are not CPU-bound</a:t>
-            </a:r>
-            <a:r>
-              <a:rPr lang="en-GB" sz="2000" dirty="0"/>
-              <a:t>. The rest of the work is CPU-bound, but can not be divided between the two threads in such a way that it would improve performance. In fact, it might reduce it. </a:t>
+            <a:pPr marL="285750" indent="-285750">
+              <a:buFont typeface="Arial" panose="020B0604020202020204" pitchFamily="34" charset="0"/>
+              <a:buChar char="•"/>
+            </a:pPr>
+            <a:r>
+              <a:rPr lang="en-GB" dirty="0"/>
+              <a:t>The total time taken is </a:t>
+            </a:r>
+            <a:r>
+              <a:rPr lang="en-GB" b="1" dirty="0"/>
+              <a:t>28 mins</a:t>
+            </a:r>
+            <a:r>
+              <a:rPr lang="en-GB" dirty="0"/>
+              <a:t>. We’re </a:t>
+            </a:r>
+            <a:r>
+              <a:rPr lang="en-GB" b="1" dirty="0"/>
+              <a:t>still saving 35 mins</a:t>
+            </a:r>
+            <a:r>
+              <a:rPr lang="en-GB" dirty="0"/>
+              <a:t>, like synchronous multithreading. </a:t>
+            </a:r>
+          </a:p>
+          <a:p>
+            <a:pPr marL="285750" indent="-285750">
+              <a:buFont typeface="Arial" panose="020B0604020202020204" pitchFamily="34" charset="0"/>
+              <a:buChar char="•"/>
+            </a:pPr>
+            <a:r>
+              <a:rPr lang="en-GB" dirty="0"/>
+              <a:t>Thread 4 is no longer needed. We can now accomplish the same amount of work, in the same time, </a:t>
+            </a:r>
+            <a:r>
+              <a:rPr lang="en-GB" b="1" dirty="0"/>
+              <a:t>using just 3 threads</a:t>
+            </a:r>
+            <a:r>
+              <a:rPr lang="en-GB" dirty="0"/>
+              <a:t>.</a:t>
+            </a:r>
+          </a:p>
+          <a:p>
+            <a:pPr marL="285750" indent="-285750">
+              <a:buFont typeface="Arial" panose="020B0604020202020204" pitchFamily="34" charset="0"/>
+              <a:buChar char="•"/>
+            </a:pPr>
+            <a:r>
+              <a:rPr lang="en-GB" dirty="0"/>
+              <a:t>This is considerably better for us as it uses less resources. Thread 4 could now be potentially used for a different task. </a:t>
             </a:r>
           </a:p>
         </p:txBody>
@@ -5581,7 +7503,7 @@
     </p:spTree>
     <p:extLst>
       <p:ext uri="{BB962C8B-B14F-4D97-AF65-F5344CB8AC3E}">
-        <p14:creationId xmlns:p14="http://schemas.microsoft.com/office/powerpoint/2010/main" val="3265506738"/>
+        <p14:creationId xmlns:p14="http://schemas.microsoft.com/office/powerpoint/2010/main" val="4223727681"/>
       </p:ext>
     </p:extLst>
   </p:cSld>
@@ -5658,7 +7580,7 @@
         <p:spPr>
           <a:xfrm>
             <a:off x="291549" y="845978"/>
-            <a:ext cx="11421117" cy="5847755"/>
+            <a:ext cx="11421117" cy="5509200"/>
           </a:xfrm>
           <a:prstGeom prst="rect">
             <a:avLst/>
@@ -5707,7 +7629,7 @@
             </a:pPr>
             <a:r>
               <a:rPr lang="en-GB" sz="2200" dirty="0"/>
-              <a:t>Grating the cheese could be performed simultaneously with another operation, provided it’s completed before the cheese is needed for the pasta. </a:t>
+              <a:t>Preparing the dessert could be performed simultaneously with the pasta. </a:t>
             </a:r>
           </a:p>
           <a:p>
@@ -5737,7 +7659,7 @@
           <a:p>
             <a:r>
               <a:rPr lang="en-GB" sz="2200" dirty="0"/>
-              <a:t>In reality you might decide to switch on the oven before starting to heat the saucepan of water, or the other way around. It would probably depend on which task can be started quickest, depending on where you are in your kitchen. There’s no real guarantee that one task will be started before the other and it doesn’t really matter. All that matters is that they are executed at some point and will be finished later on.</a:t>
+              <a:t>In reality you might decide to switch on the oven before starting to heat the saucepan of water, or the other way around. It would probably depend on which task can be started quickest, depending on where you are in your kitchen. There’s no real guarantee that one task will be started before the other and it doesn’t really matter. All that matters is that they are executed at some point and will be finished later on. </a:t>
             </a:r>
           </a:p>
         </p:txBody>
@@ -5787,7 +7709,7 @@
         <p:spPr>
           <a:xfrm>
             <a:off x="291549" y="384313"/>
-            <a:ext cx="11781182" cy="5847755"/>
+            <a:ext cx="11781182" cy="6524863"/>
           </a:xfrm>
           <a:prstGeom prst="rect">
             <a:avLst/>
@@ -5860,7 +7782,7 @@
           <a:p>
             <a:r>
               <a:rPr lang="en-GB" sz="2200" dirty="0"/>
-              <a:t>Method with names such as </a:t>
+              <a:t>Methods with names such as </a:t>
             </a:r>
             <a:r>
               <a:rPr lang="en-GB" sz="2200" b="1" dirty="0" err="1"/>
@@ -5911,7 +7833,20 @@
               <a:rPr lang="en-GB" sz="2200" dirty="0"/>
               <a:t>. </a:t>
             </a:r>
-            <a:endParaRPr lang="en-GB" sz="2200" b="1" dirty="0"/>
+          </a:p>
+          <a:p>
+            <a:pPr algn="ctr"/>
+            <a:br>
+              <a:rPr lang="en-GB" sz="2200" b="1" dirty="0"/>
+            </a:br>
+            <a:r>
+              <a:rPr lang="en-GB" sz="2200" b="1" dirty="0">
+                <a:solidFill>
+                  <a:srgbClr val="FF0000"/>
+                </a:solidFill>
+              </a:rPr>
+              <a:t>It isn’t about picking one over the other. It’s about leveraging the two techniques where possible.</a:t>
+            </a:r>
           </a:p>
         </p:txBody>
       </p:sp>

--- a/Async and await presentation.pptx
+++ b/Async and await presentation.pptx
@@ -4522,14 +4522,14 @@
           <p:nvPr>
             <p:extLst>
               <p:ext uri="{D42A27DB-BD31-4B8C-83A1-F6EECF244321}">
-                <p14:modId xmlns:p14="http://schemas.microsoft.com/office/powerpoint/2010/main" val="3928103089"/>
+                <p14:modId xmlns:p14="http://schemas.microsoft.com/office/powerpoint/2010/main" val="4114786290"/>
               </p:ext>
             </p:extLst>
           </p:nvPr>
         </p:nvGraphicFramePr>
         <p:xfrm>
           <a:off x="198782" y="963519"/>
-          <a:ext cx="11570971" cy="4206240"/>
+          <a:ext cx="11570971" cy="4011153"/>
         </p:xfrm>
         <a:graphic>
           <a:graphicData uri="http://schemas.openxmlformats.org/drawingml/2006/table">
@@ -4578,18 +4578,13 @@
                         <a:buNone/>
                       </a:pPr>
                       <a:r>
-                        <a:rPr lang="en-GB" sz="1800" b="1" u="sng" dirty="0">
+                        <a:rPr lang="en-GB" sz="1400" b="1" u="sng" dirty="0">
                           <a:solidFill>
                             <a:schemeClr val="tx1"/>
                           </a:solidFill>
                         </a:rPr>
                         <a:t>Thread 1 </a:t>
                       </a:r>
-                      <a:endParaRPr lang="en-GB" sz="1600" b="1" u="sng" dirty="0">
-                        <a:solidFill>
-                          <a:schemeClr val="tx1"/>
-                        </a:solidFill>
-                      </a:endParaRPr>
                     </a:p>
                     <a:p>
                       <a:pPr marL="342900" indent="-342900">
@@ -4597,7 +4592,7 @@
                         <a:buChar char="•"/>
                       </a:pPr>
                       <a:r>
-                        <a:rPr lang="en-GB" sz="1800" b="1" dirty="0">
+                        <a:rPr lang="en-GB" sz="1400" b="1" dirty="0">
                           <a:solidFill>
                             <a:schemeClr val="accent2"/>
                           </a:solidFill>
@@ -4605,7 +4600,7 @@
                         <a:t>Heat a saucepan of water until it starts boiling   </a:t>
                       </a:r>
                       <a:r>
-                        <a:rPr lang="en-GB" sz="1800" b="0" dirty="0">
+                        <a:rPr lang="en-GB" sz="1400" b="0" dirty="0">
                           <a:solidFill>
                             <a:schemeClr val="tx1"/>
                           </a:solidFill>
@@ -4632,7 +4627,7 @@
                         <a:defRPr/>
                       </a:pPr>
                       <a:r>
-                        <a:rPr lang="en-GB" sz="1800" b="1" dirty="0">
+                        <a:rPr lang="en-GB" sz="1400" b="1" dirty="0">
                           <a:solidFill>
                             <a:srgbClr val="00B050"/>
                           </a:solidFill>
@@ -4640,7 +4635,7 @@
                         <a:t>Cook fresh pasta</a:t>
                       </a:r>
                       <a:r>
-                        <a:rPr lang="en-GB" sz="1800" b="0" dirty="0">
+                        <a:rPr lang="en-GB" sz="1400" b="0" dirty="0">
                           <a:solidFill>
                             <a:schemeClr val="tx1"/>
                           </a:solidFill>
@@ -4667,7 +4662,7 @@
                         <a:defRPr/>
                       </a:pPr>
                       <a:r>
-                        <a:rPr lang="en-GB" sz="1800" b="1" dirty="0">
+                        <a:rPr lang="en-GB" sz="1400" b="1" dirty="0">
                           <a:solidFill>
                             <a:srgbClr val="00B050"/>
                           </a:solidFill>
@@ -4675,7 +4670,7 @@
                         <a:t>Drain the water from the pasta </a:t>
                       </a:r>
                       <a:r>
-                        <a:rPr lang="en-GB" sz="1800" b="0" dirty="0">
+                        <a:rPr lang="en-GB" sz="1400" b="0" dirty="0">
                           <a:solidFill>
                             <a:schemeClr val="tx1"/>
                           </a:solidFill>
@@ -4702,7 +4697,7 @@
                         <a:defRPr/>
                       </a:pPr>
                       <a:r>
-                        <a:rPr lang="en-GB" sz="1800" b="1" dirty="0">
+                        <a:rPr lang="en-GB" sz="1400" b="1" dirty="0">
                           <a:solidFill>
                             <a:srgbClr val="00B050"/>
                           </a:solidFill>
@@ -4710,7 +4705,7 @@
                         <a:t>Place pasta in a dish and add sauce </a:t>
                       </a:r>
                       <a:r>
-                        <a:rPr lang="en-GB" sz="1800" b="0" dirty="0">
+                        <a:rPr lang="en-GB" sz="1400" b="0" dirty="0">
                           <a:solidFill>
                             <a:schemeClr val="tx1"/>
                           </a:solidFill>
@@ -4737,7 +4732,7 @@
                         <a:defRPr/>
                       </a:pPr>
                       <a:r>
-                        <a:rPr lang="en-GB" sz="1800" b="1" dirty="0">
+                        <a:rPr lang="en-GB" sz="1400" b="1" dirty="0">
                           <a:solidFill>
                             <a:schemeClr val="tx1"/>
                           </a:solidFill>
@@ -4745,7 +4740,7 @@
                         <a:t>Wait for thread 4 to finished grating cheese </a:t>
                       </a:r>
                       <a:r>
-                        <a:rPr lang="en-GB" sz="1800" b="0" dirty="0">
+                        <a:rPr lang="en-GB" sz="1400" b="0" dirty="0">
                           <a:solidFill>
                             <a:schemeClr val="tx1"/>
                           </a:solidFill>
@@ -4772,7 +4767,7 @@
                         <a:defRPr/>
                       </a:pPr>
                       <a:r>
-                        <a:rPr lang="en-GB" sz="1800" b="1" dirty="0">
+                        <a:rPr lang="en-GB" sz="1400" b="1" dirty="0">
                           <a:solidFill>
                             <a:srgbClr val="00B050"/>
                           </a:solidFill>
@@ -4780,7 +4775,7 @@
                         <a:t>Add cheese to pasta</a:t>
                       </a:r>
                       <a:r>
-                        <a:rPr lang="en-GB" sz="1800" b="0" dirty="0">
+                        <a:rPr lang="en-GB" sz="1400" b="0" dirty="0">
                           <a:solidFill>
                             <a:schemeClr val="tx1"/>
                           </a:solidFill>
@@ -4807,7 +4802,7 @@
                         <a:defRPr/>
                       </a:pPr>
                       <a:r>
-                        <a:rPr lang="en-GB" sz="1800" b="1" dirty="0">
+                        <a:rPr lang="en-GB" sz="1400" b="1" dirty="0">
                           <a:solidFill>
                             <a:schemeClr val="tx1"/>
                           </a:solidFill>
@@ -4815,7 +4810,7 @@
                         <a:t>Wait for thread 2 to finished pre-heating oven </a:t>
                       </a:r>
                       <a:r>
-                        <a:rPr lang="en-GB" sz="1800" b="0" dirty="0">
+                        <a:rPr lang="en-GB" sz="1400" b="0" dirty="0">
                           <a:solidFill>
                             <a:schemeClr val="tx1"/>
                           </a:solidFill>
@@ -4842,7 +4837,7 @@
                         <a:defRPr/>
                       </a:pPr>
                       <a:r>
-                        <a:rPr lang="en-GB" sz="1800" b="1" dirty="0">
+                        <a:rPr lang="en-GB" sz="1400" b="1" dirty="0">
                           <a:solidFill>
                             <a:schemeClr val="accent2"/>
                           </a:solidFill>
@@ -4850,7 +4845,7 @@
                         <a:t>Place dish in oven and bake </a:t>
                       </a:r>
                       <a:r>
-                        <a:rPr lang="en-GB" sz="1800" b="0" dirty="0">
+                        <a:rPr lang="en-GB" sz="1400" b="0" dirty="0">
                           <a:solidFill>
                             <a:schemeClr val="tx1"/>
                           </a:solidFill>
@@ -4859,11 +4854,86 @@
                       </a:r>
                     </a:p>
                     <a:p>
+                      <a:pPr marL="342900" marR="0" lvl="0" indent="-342900" algn="l" defTabSz="914400" rtl="0" eaLnBrk="1" fontAlgn="auto" latinLnBrk="0" hangingPunct="1">
+                        <a:lnSpc>
+                          <a:spcPct val="100000"/>
+                        </a:lnSpc>
+                        <a:spcBef>
+                          <a:spcPts val="0"/>
+                        </a:spcBef>
+                        <a:spcAft>
+                          <a:spcPts val="0"/>
+                        </a:spcAft>
+                        <a:buClrTx/>
+                        <a:buSzTx/>
+                        <a:buFont typeface="Arial" panose="020B0604020202020204" pitchFamily="34" charset="0"/>
+                        <a:buChar char="•"/>
+                        <a:tabLst/>
+                        <a:defRPr/>
+                      </a:pPr>
+                      <a:r>
+                        <a:rPr lang="en-GB" sz="1400" b="1" dirty="0">
+                          <a:solidFill>
+                            <a:schemeClr val="tx1"/>
+                          </a:solidFill>
+                        </a:rPr>
+                        <a:t>Wait for thread 3 </a:t>
+                      </a:r>
+                      <a:r>
+                        <a:rPr lang="en-GB" sz="1400" b="1">
+                          <a:solidFill>
+                            <a:schemeClr val="tx1"/>
+                          </a:solidFill>
+                        </a:rPr>
+                        <a:t>to finish </a:t>
+                      </a:r>
+                      <a:r>
+                        <a:rPr lang="en-GB" sz="1400" b="1" dirty="0">
+                          <a:solidFill>
+                            <a:schemeClr val="tx1"/>
+                          </a:solidFill>
+                        </a:rPr>
+                        <a:t>dessert </a:t>
+                      </a:r>
+                      <a:r>
+                        <a:rPr lang="en-GB" sz="1400" b="0" dirty="0">
+                          <a:solidFill>
+                            <a:schemeClr val="tx1"/>
+                          </a:solidFill>
+                        </a:rPr>
+                        <a:t>(0 mins)</a:t>
+                      </a:r>
+                    </a:p>
+                    <a:p>
+                      <a:pPr marL="342900" marR="0" lvl="0" indent="-342900" algn="l" defTabSz="914400" rtl="0" eaLnBrk="1" fontAlgn="auto" latinLnBrk="0" hangingPunct="1">
+                        <a:lnSpc>
+                          <a:spcPct val="100000"/>
+                        </a:lnSpc>
+                        <a:spcBef>
+                          <a:spcPts val="0"/>
+                        </a:spcBef>
+                        <a:spcAft>
+                          <a:spcPts val="0"/>
+                        </a:spcAft>
+                        <a:buClrTx/>
+                        <a:buSzTx/>
+                        <a:buFont typeface="Arial" panose="020B0604020202020204" pitchFamily="34" charset="0"/>
+                        <a:buChar char="•"/>
+                        <a:tabLst/>
+                        <a:defRPr/>
+                      </a:pPr>
+                      <a:endParaRPr lang="en-GB" sz="1400" b="0" dirty="0">
+                        <a:solidFill>
+                          <a:schemeClr val="tx1"/>
+                        </a:solidFill>
+                      </a:endParaRPr>
+                    </a:p>
+                    <a:p>
                       <a:pPr marL="0" indent="0">
                         <a:buFont typeface="Arial" panose="020B0604020202020204" pitchFamily="34" charset="0"/>
                         <a:buNone/>
                       </a:pPr>
-                      <a:endParaRPr lang="en-GB" sz="1800" b="0" dirty="0">
+                      <a:endParaRPr lang="en-GB" sz="1400" b="0" dirty="0">
                         <a:solidFill>
                           <a:schemeClr val="tx1"/>
                         </a:solidFill>
@@ -4875,7 +4945,7 @@
                         <a:buNone/>
                       </a:pPr>
                       <a:r>
-                        <a:rPr lang="en-GB" sz="1800" b="0" dirty="0">
+                        <a:rPr lang="en-GB" sz="1400" b="0" dirty="0">
                           <a:solidFill>
                             <a:schemeClr val="tx1"/>
                           </a:solidFill>
@@ -4883,7 +4953,7 @@
                         <a:t>Time taken for thread 1: </a:t>
                       </a:r>
                       <a:r>
-                        <a:rPr lang="en-GB" sz="1800" b="1" dirty="0">
+                        <a:rPr lang="en-GB" sz="1400" b="1" dirty="0">
                           <a:solidFill>
                             <a:schemeClr val="tx1"/>
                           </a:solidFill>
@@ -4924,7 +4994,7 @@
                         <a:defRPr/>
                       </a:pPr>
                       <a:r>
-                        <a:rPr lang="en-GB" sz="1800" b="1" i="0" u="sng" dirty="0">
+                        <a:rPr lang="en-GB" sz="1400" b="1" i="0" u="sng" dirty="0">
                           <a:solidFill>
                             <a:schemeClr val="tx1"/>
                           </a:solidFill>
@@ -4951,7 +5021,7 @@
                         <a:defRPr/>
                       </a:pPr>
                       <a:r>
-                        <a:rPr lang="en-GB" sz="1800" b="1" dirty="0">
+                        <a:rPr lang="en-GB" sz="1400" b="1" dirty="0">
                           <a:solidFill>
                             <a:schemeClr val="accent2"/>
                           </a:solidFill>
@@ -4959,14 +5029,14 @@
                         <a:t>Pre-heat oven to 200°C </a:t>
                       </a:r>
                       <a:r>
-                        <a:rPr lang="en-GB" sz="1800" b="0" dirty="0">
+                        <a:rPr lang="en-GB" sz="1400" b="0" dirty="0">
                           <a:solidFill>
                             <a:schemeClr val="tx1"/>
                           </a:solidFill>
                         </a:rPr>
                         <a:t>(15 mins) </a:t>
                       </a:r>
-                      <a:endParaRPr lang="en-GB" sz="1800" b="0" dirty="0">
+                      <a:endParaRPr lang="en-GB" sz="1400" b="0" dirty="0">
                         <a:solidFill>
                           <a:schemeClr val="lt1"/>
                         </a:solidFill>
@@ -4990,7 +5060,7 @@
                         <a:tabLst/>
                         <a:defRPr/>
                       </a:pPr>
-                      <a:endParaRPr lang="en-GB" sz="1800" b="0" dirty="0">
+                      <a:endParaRPr lang="en-GB" sz="1400" b="0" dirty="0">
                         <a:solidFill>
                           <a:schemeClr val="lt1"/>
                         </a:solidFill>
@@ -5014,7 +5084,7 @@
                         <a:tabLst/>
                         <a:defRPr/>
                       </a:pPr>
-                      <a:endParaRPr lang="en-GB" sz="1800" b="0" dirty="0">
+                      <a:endParaRPr lang="en-GB" sz="1400" b="0" dirty="0">
                         <a:solidFill>
                           <a:schemeClr val="lt1"/>
                         </a:solidFill>
@@ -5038,7 +5108,7 @@
                         <a:tabLst/>
                         <a:defRPr/>
                       </a:pPr>
-                      <a:endParaRPr lang="en-GB" sz="1800" b="0" dirty="0">
+                      <a:endParaRPr lang="en-GB" sz="1400" b="0" dirty="0">
                         <a:solidFill>
                           <a:schemeClr val="tx1"/>
                         </a:solidFill>
@@ -5062,7 +5132,7 @@
                         <a:tabLst/>
                         <a:defRPr/>
                       </a:pPr>
-                      <a:endParaRPr lang="en-GB" sz="1800" b="0" dirty="0">
+                      <a:endParaRPr lang="en-GB" sz="1400" b="0" dirty="0">
                         <a:solidFill>
                           <a:schemeClr val="tx1"/>
                         </a:solidFill>
@@ -5086,7 +5156,7 @@
                         <a:tabLst/>
                         <a:defRPr/>
                       </a:pPr>
-                      <a:endParaRPr lang="en-GB" sz="1800" b="0" dirty="0">
+                      <a:endParaRPr lang="en-GB" sz="1400" b="0" dirty="0">
                         <a:solidFill>
                           <a:schemeClr val="tx1"/>
                         </a:solidFill>
@@ -5110,7 +5180,7 @@
                         <a:tabLst/>
                         <a:defRPr/>
                       </a:pPr>
-                      <a:endParaRPr lang="en-GB" sz="1800" b="0" dirty="0">
+                      <a:endParaRPr lang="en-GB" sz="1400" b="0" dirty="0">
                         <a:solidFill>
                           <a:schemeClr val="tx1"/>
                         </a:solidFill>
@@ -5134,7 +5204,7 @@
                         <a:tabLst/>
                         <a:defRPr/>
                       </a:pPr>
-                      <a:endParaRPr lang="en-GB" sz="1800" b="0" dirty="0">
+                      <a:endParaRPr lang="en-GB" sz="1400" b="0" dirty="0">
                         <a:solidFill>
                           <a:schemeClr val="tx1"/>
                         </a:solidFill>
@@ -5158,7 +5228,7 @@
                         <a:tabLst/>
                         <a:defRPr/>
                       </a:pPr>
-                      <a:endParaRPr lang="en-GB" sz="1800" b="0" dirty="0">
+                      <a:endParaRPr lang="en-GB" sz="1400" b="0" dirty="0">
                         <a:solidFill>
                           <a:schemeClr val="tx1"/>
                         </a:solidFill>
@@ -5182,7 +5252,7 @@
                         <a:tabLst/>
                         <a:defRPr/>
                       </a:pPr>
-                      <a:endParaRPr lang="en-GB" sz="1800" b="0" dirty="0">
+                      <a:endParaRPr lang="en-GB" sz="1400" b="0" dirty="0">
                         <a:solidFill>
                           <a:schemeClr val="tx1"/>
                         </a:solidFill>
@@ -5207,14 +5277,14 @@
                         <a:defRPr/>
                       </a:pPr>
                       <a:br>
-                        <a:rPr lang="en-GB" sz="1800" b="0" dirty="0">
+                        <a:rPr lang="en-GB" sz="1400" b="0" dirty="0">
                           <a:solidFill>
                             <a:schemeClr val="tx1"/>
                           </a:solidFill>
                         </a:rPr>
                       </a:br>
                       <a:r>
-                        <a:rPr lang="en-GB" sz="1800" b="0" dirty="0">
+                        <a:rPr lang="en-GB" sz="1400" b="0" dirty="0">
                           <a:solidFill>
                             <a:schemeClr val="tx1"/>
                           </a:solidFill>
@@ -5222,7 +5292,7 @@
                         <a:t>Time taken for thread 2: </a:t>
                       </a:r>
                       <a:r>
-                        <a:rPr lang="en-GB" sz="1800" b="1" dirty="0">
+                        <a:rPr lang="en-GB" sz="1400" b="1" dirty="0">
                           <a:solidFill>
                             <a:schemeClr val="tx1"/>
                           </a:solidFill>
@@ -5280,7 +5350,7 @@
                         <a:defRPr/>
                       </a:pPr>
                       <a:r>
-                        <a:rPr lang="en-GB" sz="1800" b="1" u="sng" dirty="0">
+                        <a:rPr lang="en-GB" sz="1400" b="1" u="sng" dirty="0">
                           <a:solidFill>
                             <a:schemeClr val="tx1"/>
                           </a:solidFill>
@@ -5307,7 +5377,7 @@
                         <a:defRPr/>
                       </a:pPr>
                       <a:r>
-                        <a:rPr lang="en-GB" sz="1800" b="1" dirty="0">
+                        <a:rPr lang="en-GB" sz="1400" b="1" dirty="0">
                           <a:solidFill>
                             <a:srgbClr val="00B050"/>
                           </a:solidFill>
@@ -5315,7 +5385,7 @@
                         <a:t>Prepare the dessert </a:t>
                       </a:r>
                       <a:r>
-                        <a:rPr lang="en-GB" sz="1800" b="0" dirty="0">
+                        <a:rPr lang="en-GB" sz="1400" b="0" dirty="0">
                           <a:solidFill>
                             <a:schemeClr val="tx1"/>
                           </a:solidFill>
@@ -5341,7 +5411,7 @@
                         <a:tabLst/>
                         <a:defRPr/>
                       </a:pPr>
-                      <a:endParaRPr lang="en-GB" sz="1800" b="0" dirty="0">
+                      <a:endParaRPr lang="en-GB" sz="1400" b="0" dirty="0">
                         <a:solidFill>
                           <a:schemeClr val="tx1"/>
                         </a:solidFill>
@@ -5365,7 +5435,7 @@
                         <a:tabLst/>
                         <a:defRPr/>
                       </a:pPr>
-                      <a:endParaRPr lang="en-GB" sz="1800" b="0" dirty="0">
+                      <a:endParaRPr lang="en-GB" sz="1400" b="0" dirty="0">
                         <a:solidFill>
                           <a:schemeClr val="tx1"/>
                         </a:solidFill>
@@ -5389,7 +5459,7 @@
                         <a:tabLst/>
                         <a:defRPr/>
                       </a:pPr>
-                      <a:endParaRPr lang="en-GB" sz="1800" b="0" dirty="0">
+                      <a:endParaRPr lang="en-GB" sz="1400" b="0" dirty="0">
                         <a:solidFill>
                           <a:schemeClr val="tx1"/>
                         </a:solidFill>
@@ -5413,7 +5483,7 @@
                         <a:tabLst/>
                         <a:defRPr/>
                       </a:pPr>
-                      <a:endParaRPr lang="en-GB" sz="1800" b="0" dirty="0">
+                      <a:endParaRPr lang="en-GB" sz="1400" b="0" dirty="0">
                         <a:solidFill>
                           <a:schemeClr val="tx1"/>
                         </a:solidFill>
@@ -5437,7 +5507,7 @@
                         <a:tabLst/>
                         <a:defRPr/>
                       </a:pPr>
-                      <a:endParaRPr lang="en-GB" sz="1800" b="0" dirty="0">
+                      <a:endParaRPr lang="en-GB" sz="1400" b="0" dirty="0">
                         <a:solidFill>
                           <a:schemeClr val="tx1"/>
                         </a:solidFill>
@@ -5461,7 +5531,7 @@
                         <a:tabLst/>
                         <a:defRPr/>
                       </a:pPr>
-                      <a:endParaRPr lang="en-GB" sz="1800" b="0" dirty="0">
+                      <a:endParaRPr lang="en-GB" sz="1400" b="0" dirty="0">
                         <a:solidFill>
                           <a:schemeClr val="tx1"/>
                         </a:solidFill>
@@ -5485,7 +5555,7 @@
                         <a:tabLst/>
                         <a:defRPr/>
                       </a:pPr>
-                      <a:endParaRPr lang="en-GB" sz="1800" b="0" dirty="0">
+                      <a:endParaRPr lang="en-GB" sz="1400" b="0" dirty="0">
                         <a:solidFill>
                           <a:schemeClr val="tx1"/>
                         </a:solidFill>
@@ -5509,7 +5579,7 @@
                         <a:tabLst/>
                         <a:defRPr/>
                       </a:pPr>
-                      <a:endParaRPr lang="en-GB" sz="1800" b="0" dirty="0">
+                      <a:endParaRPr lang="en-GB" sz="1400" b="0" dirty="0">
                         <a:solidFill>
                           <a:schemeClr val="tx1"/>
                         </a:solidFill>
@@ -5533,7 +5603,7 @@
                         <a:tabLst/>
                         <a:defRPr/>
                       </a:pPr>
-                      <a:endParaRPr lang="en-GB" sz="1800" b="0" dirty="0">
+                      <a:endParaRPr lang="en-GB" sz="1400" b="0" dirty="0">
                         <a:solidFill>
                           <a:schemeClr val="tx1"/>
                         </a:solidFill>
@@ -5557,7 +5627,7 @@
                         <a:tabLst/>
                         <a:defRPr/>
                       </a:pPr>
-                      <a:endParaRPr lang="en-GB" sz="1800" b="0" dirty="0">
+                      <a:endParaRPr lang="en-GB" sz="1400" b="0" dirty="0">
                         <a:solidFill>
                           <a:schemeClr val="tx1"/>
                         </a:solidFill>
@@ -5582,7 +5652,7 @@
                         <a:defRPr/>
                       </a:pPr>
                       <a:r>
-                        <a:rPr lang="en-GB" sz="1800" b="0" dirty="0">
+                        <a:rPr lang="en-GB" sz="1400" b="0" dirty="0">
                           <a:solidFill>
                             <a:schemeClr val="tx1"/>
                           </a:solidFill>
@@ -5590,7 +5660,7 @@
                         <a:t>Time taken for thread 3: </a:t>
                       </a:r>
                       <a:r>
-                        <a:rPr lang="en-GB" sz="1800" b="1" dirty="0">
+                        <a:rPr lang="en-GB" sz="1400" b="1" dirty="0">
                           <a:solidFill>
                             <a:schemeClr val="tx1"/>
                           </a:solidFill>
@@ -5648,7 +5718,7 @@
                         <a:defRPr/>
                       </a:pPr>
                       <a:r>
-                        <a:rPr lang="en-GB" sz="1800" b="1" u="sng" dirty="0">
+                        <a:rPr lang="en-GB" sz="1400" b="1" u="sng" dirty="0">
                           <a:solidFill>
                             <a:schemeClr val="tx1"/>
                           </a:solidFill>
@@ -5675,7 +5745,7 @@
                         <a:defRPr/>
                       </a:pPr>
                       <a:r>
-                        <a:rPr lang="en-GB" sz="1800" b="1" dirty="0">
+                        <a:rPr lang="en-GB" sz="1400" b="1" dirty="0">
                           <a:solidFill>
                             <a:srgbClr val="00B050"/>
                           </a:solidFill>
@@ -5683,7 +5753,7 @@
                         <a:t>Grate cheese </a:t>
                       </a:r>
                       <a:r>
-                        <a:rPr lang="en-GB" sz="1800" b="0" dirty="0">
+                        <a:rPr lang="en-GB" sz="1400" b="0" dirty="0">
                           <a:solidFill>
                             <a:schemeClr val="tx1"/>
                           </a:solidFill>
@@ -5709,7 +5779,7 @@
                         <a:tabLst/>
                         <a:defRPr/>
                       </a:pPr>
-                      <a:endParaRPr lang="en-GB" sz="1800" b="0" dirty="0">
+                      <a:endParaRPr lang="en-GB" sz="1400" b="0" dirty="0">
                         <a:solidFill>
                           <a:schemeClr val="tx1"/>
                         </a:solidFill>
@@ -5733,7 +5803,7 @@
                         <a:tabLst/>
                         <a:defRPr/>
                       </a:pPr>
-                      <a:endParaRPr lang="en-GB" sz="1800" b="0" dirty="0">
+                      <a:endParaRPr lang="en-GB" sz="1400" b="0" dirty="0">
                         <a:solidFill>
                           <a:schemeClr val="tx1"/>
                         </a:solidFill>
@@ -5757,7 +5827,7 @@
                         <a:tabLst/>
                         <a:defRPr/>
                       </a:pPr>
-                      <a:endParaRPr lang="en-GB" sz="1800" b="0" dirty="0">
+                      <a:endParaRPr lang="en-GB" sz="1400" b="0" dirty="0">
                         <a:solidFill>
                           <a:schemeClr val="tx1"/>
                         </a:solidFill>
@@ -5781,7 +5851,7 @@
                         <a:tabLst/>
                         <a:defRPr/>
                       </a:pPr>
-                      <a:endParaRPr lang="en-GB" sz="1800" b="0" dirty="0">
+                      <a:endParaRPr lang="en-GB" sz="1400" b="0" dirty="0">
                         <a:solidFill>
                           <a:schemeClr val="tx1"/>
                         </a:solidFill>
@@ -5805,7 +5875,7 @@
                         <a:tabLst/>
                         <a:defRPr/>
                       </a:pPr>
-                      <a:endParaRPr lang="en-GB" sz="1800" b="0" dirty="0">
+                      <a:endParaRPr lang="en-GB" sz="1400" b="0" dirty="0">
                         <a:solidFill>
                           <a:schemeClr val="tx1"/>
                         </a:solidFill>
@@ -5829,7 +5899,7 @@
                         <a:tabLst/>
                         <a:defRPr/>
                       </a:pPr>
-                      <a:endParaRPr lang="en-GB" sz="1800" b="0" dirty="0">
+                      <a:endParaRPr lang="en-GB" sz="1400" b="0" dirty="0">
                         <a:solidFill>
                           <a:schemeClr val="tx1"/>
                         </a:solidFill>
@@ -5853,7 +5923,7 @@
                         <a:tabLst/>
                         <a:defRPr/>
                       </a:pPr>
-                      <a:endParaRPr lang="en-GB" sz="1800" b="0" dirty="0">
+                      <a:endParaRPr lang="en-GB" sz="1400" b="0" dirty="0">
                         <a:solidFill>
                           <a:schemeClr val="tx1"/>
                         </a:solidFill>
@@ -5877,7 +5947,7 @@
                         <a:tabLst/>
                         <a:defRPr/>
                       </a:pPr>
-                      <a:endParaRPr lang="en-GB" sz="1800" b="0" dirty="0">
+                      <a:endParaRPr lang="en-GB" sz="1400" b="0" dirty="0">
                         <a:solidFill>
                           <a:schemeClr val="tx1"/>
                         </a:solidFill>
@@ -5901,7 +5971,7 @@
                         <a:tabLst/>
                         <a:defRPr/>
                       </a:pPr>
-                      <a:endParaRPr lang="en-GB" sz="1800" b="0" dirty="0">
+                      <a:endParaRPr lang="en-GB" sz="1400" b="0" dirty="0">
                         <a:solidFill>
                           <a:schemeClr val="tx1"/>
                         </a:solidFill>
@@ -5925,7 +5995,7 @@
                         <a:tabLst/>
                         <a:defRPr/>
                       </a:pPr>
-                      <a:endParaRPr lang="en-GB" sz="1800" b="0" dirty="0">
+                      <a:endParaRPr lang="en-GB" sz="1400" b="0" dirty="0">
                         <a:solidFill>
                           <a:schemeClr val="tx1"/>
                         </a:solidFill>
@@ -5949,7 +6019,7 @@
                         <a:tabLst/>
                         <a:defRPr/>
                       </a:pPr>
-                      <a:endParaRPr lang="en-GB" sz="1800" b="0" dirty="0">
+                      <a:endParaRPr lang="en-GB" sz="1400" b="0" dirty="0">
                         <a:solidFill>
                           <a:schemeClr val="tx1"/>
                         </a:solidFill>
@@ -5974,7 +6044,7 @@
                         <a:defRPr/>
                       </a:pPr>
                       <a:r>
-                        <a:rPr lang="en-GB" sz="1800" b="0" dirty="0">
+                        <a:rPr lang="en-GB" sz="1400" b="0" dirty="0">
                           <a:solidFill>
                             <a:schemeClr val="tx1"/>
                           </a:solidFill>
@@ -6001,7 +6071,7 @@
                         <a:defRPr/>
                       </a:pPr>
                       <a:r>
-                        <a:rPr lang="en-GB" sz="1800" b="1" dirty="0">
+                        <a:rPr lang="en-GB" sz="1400" b="1" dirty="0">
                           <a:solidFill>
                             <a:schemeClr val="tx1"/>
                           </a:solidFill>
@@ -6259,7 +6329,7 @@
           <p:nvPr>
             <p:extLst>
               <p:ext uri="{D42A27DB-BD31-4B8C-83A1-F6EECF244321}">
-                <p14:modId xmlns:p14="http://schemas.microsoft.com/office/powerpoint/2010/main" val="3280481250"/>
+                <p14:modId xmlns:p14="http://schemas.microsoft.com/office/powerpoint/2010/main" val="1462535844"/>
               </p:ext>
             </p:extLst>
           </p:nvPr>
@@ -6619,6 +6689,41 @@
                           </a:solidFill>
                         </a:rPr>
                         <a:t>(15 mins)</a:t>
+                      </a:r>
+                    </a:p>
+                    <a:p>
+                      <a:pPr marL="342900" marR="0" lvl="0" indent="-342900" algn="l" defTabSz="914400" rtl="0" eaLnBrk="1" fontAlgn="auto" latinLnBrk="0" hangingPunct="1">
+                        <a:lnSpc>
+                          <a:spcPct val="100000"/>
+                        </a:lnSpc>
+                        <a:spcBef>
+                          <a:spcPts val="0"/>
+                        </a:spcBef>
+                        <a:spcAft>
+                          <a:spcPts val="0"/>
+                        </a:spcAft>
+                        <a:buClrTx/>
+                        <a:buSzTx/>
+                        <a:buFont typeface="Arial" panose="020B0604020202020204" pitchFamily="34" charset="0"/>
+                        <a:buChar char="•"/>
+                        <a:tabLst/>
+                        <a:defRPr/>
+                      </a:pPr>
+                      <a:r>
+                        <a:rPr lang="en-GB" sz="1800" b="1" dirty="0">
+                          <a:solidFill>
+                            <a:schemeClr val="tx1"/>
+                          </a:solidFill>
+                        </a:rPr>
+                        <a:t>Wait for thread 2 to finish dessert </a:t>
+                      </a:r>
+                      <a:r>
+                        <a:rPr lang="en-GB" sz="1800" b="0" dirty="0">
+                          <a:solidFill>
+                            <a:schemeClr val="tx1"/>
+                          </a:solidFill>
+                        </a:rPr>
+                        <a:t>(0 mins)</a:t>
                       </a:r>
                     </a:p>
                     <a:p>

--- a/Async and await presentation.pptx
+++ b/Async and await presentation.pptx
@@ -4877,23 +4877,7 @@
                             <a:schemeClr val="tx1"/>
                           </a:solidFill>
                         </a:rPr>
-                        <a:t>Wait for thread 3 </a:t>
-                      </a:r>
-                      <a:r>
-                        <a:rPr lang="en-GB" sz="1400" b="1">
-                          <a:solidFill>
-                            <a:schemeClr val="tx1"/>
-                          </a:solidFill>
-                        </a:rPr>
-                        <a:t>to finish </a:t>
-                      </a:r>
-                      <a:r>
-                        <a:rPr lang="en-GB" sz="1400" b="1" dirty="0">
-                          <a:solidFill>
-                            <a:schemeClr val="tx1"/>
-                          </a:solidFill>
-                        </a:rPr>
-                        <a:t>dessert </a:t>
+                        <a:t>Wait for thread 3 to finish dessert </a:t>
                       </a:r>
                       <a:r>
                         <a:rPr lang="en-GB" sz="1400" b="0" dirty="0">
@@ -6130,8 +6114,8 @@
         </p:nvSpPr>
         <p:spPr>
           <a:xfrm>
-            <a:off x="285226" y="5176007"/>
-            <a:ext cx="11641731" cy="1354217"/>
+            <a:off x="285226" y="4540264"/>
+            <a:ext cx="11641731" cy="1631216"/>
           </a:xfrm>
           <a:prstGeom prst="rect">
             <a:avLst/>
@@ -6206,6 +6190,9 @@
               <a:rPr lang="en-GB" sz="1600" dirty="0"/>
               <a:t>Thread 4 only grates the cheese, a minor CPU-bound task which it complete in parallel to Threads 1 and 3.</a:t>
             </a:r>
+          </a:p>
+          <a:p>
+            <a:endParaRPr lang="en-GB" dirty="0"/>
           </a:p>
           <a:p>
             <a:r>
@@ -7568,7 +7555,7 @@
             </a:r>
             <a:r>
               <a:rPr lang="en-GB" b="1" dirty="0"/>
-              <a:t>still saving 35 mins</a:t>
+              <a:t>still saving 37 mins</a:t>
             </a:r>
             <a:r>
               <a:rPr lang="en-GB" dirty="0"/>

--- a/Async and await presentation.pptx
+++ b/Async and await presentation.pptx
@@ -22,6 +22,8 @@
     <p:sldId id="274" r:id="rId16"/>
     <p:sldId id="272" r:id="rId17"/>
     <p:sldId id="273" r:id="rId18"/>
+    <p:sldId id="275" r:id="rId19"/>
+    <p:sldId id="276" r:id="rId20"/>
   </p:sldIdLst>
   <p:sldSz cx="12192000" cy="6858000"/>
   <p:notesSz cx="6858000" cy="9144000"/>
@@ -128,6 +130,10 @@
 </p:presentation>
 </file>
 
+<file path=ppt/revisionInfo.xml><?xml version="1.0" encoding="utf-8"?>
+<p1510:revInfo xmlns:a="http://schemas.openxmlformats.org/drawingml/2006/main" xmlns:r="http://schemas.openxmlformats.org/officeDocument/2006/relationships" xmlns:p1510="http://schemas.microsoft.com/office/powerpoint/2015/10/main"/>
+</file>
+
 <file path=ppt/slideLayouts/slideLayout1.xml><?xml version="1.0" encoding="utf-8"?>
 <p:sldLayout xmlns:a="http://schemas.openxmlformats.org/drawingml/2006/main" xmlns:r="http://schemas.openxmlformats.org/officeDocument/2006/relationships" xmlns:p="http://schemas.openxmlformats.org/presentationml/2006/main" type="title" preserve="1">
   <p:cSld name="Title Slide">
@@ -277,7 +283,7 @@
           <a:p>
             <a:fld id="{BFEF692B-FC3E-4552-B87F-4B5A00EB12B2}" type="datetimeFigureOut">
               <a:rPr lang="en-GB" smtClean="0"/>
-              <a:t>19/11/2018</a:t>
+              <a:t>20/11/2018</a:t>
             </a:fld>
             <a:endParaRPr lang="en-GB"/>
           </a:p>
@@ -477,7 +483,7 @@
           <a:p>
             <a:fld id="{BFEF692B-FC3E-4552-B87F-4B5A00EB12B2}" type="datetimeFigureOut">
               <a:rPr lang="en-GB" smtClean="0"/>
-              <a:t>19/11/2018</a:t>
+              <a:t>20/11/2018</a:t>
             </a:fld>
             <a:endParaRPr lang="en-GB"/>
           </a:p>
@@ -687,7 +693,7 @@
           <a:p>
             <a:fld id="{BFEF692B-FC3E-4552-B87F-4B5A00EB12B2}" type="datetimeFigureOut">
               <a:rPr lang="en-GB" smtClean="0"/>
-              <a:t>19/11/2018</a:t>
+              <a:t>20/11/2018</a:t>
             </a:fld>
             <a:endParaRPr lang="en-GB"/>
           </a:p>
@@ -887,7 +893,7 @@
           <a:p>
             <a:fld id="{BFEF692B-FC3E-4552-B87F-4B5A00EB12B2}" type="datetimeFigureOut">
               <a:rPr lang="en-GB" smtClean="0"/>
-              <a:t>19/11/2018</a:t>
+              <a:t>20/11/2018</a:t>
             </a:fld>
             <a:endParaRPr lang="en-GB"/>
           </a:p>
@@ -1163,7 +1169,7 @@
           <a:p>
             <a:fld id="{BFEF692B-FC3E-4552-B87F-4B5A00EB12B2}" type="datetimeFigureOut">
               <a:rPr lang="en-GB" smtClean="0"/>
-              <a:t>19/11/2018</a:t>
+              <a:t>20/11/2018</a:t>
             </a:fld>
             <a:endParaRPr lang="en-GB"/>
           </a:p>
@@ -1431,7 +1437,7 @@
           <a:p>
             <a:fld id="{BFEF692B-FC3E-4552-B87F-4B5A00EB12B2}" type="datetimeFigureOut">
               <a:rPr lang="en-GB" smtClean="0"/>
-              <a:t>19/11/2018</a:t>
+              <a:t>20/11/2018</a:t>
             </a:fld>
             <a:endParaRPr lang="en-GB"/>
           </a:p>
@@ -1846,7 +1852,7 @@
           <a:p>
             <a:fld id="{BFEF692B-FC3E-4552-B87F-4B5A00EB12B2}" type="datetimeFigureOut">
               <a:rPr lang="en-GB" smtClean="0"/>
-              <a:t>19/11/2018</a:t>
+              <a:t>20/11/2018</a:t>
             </a:fld>
             <a:endParaRPr lang="en-GB"/>
           </a:p>
@@ -1988,7 +1994,7 @@
           <a:p>
             <a:fld id="{BFEF692B-FC3E-4552-B87F-4B5A00EB12B2}" type="datetimeFigureOut">
               <a:rPr lang="en-GB" smtClean="0"/>
-              <a:t>19/11/2018</a:t>
+              <a:t>20/11/2018</a:t>
             </a:fld>
             <a:endParaRPr lang="en-GB"/>
           </a:p>
@@ -2101,7 +2107,7 @@
           <a:p>
             <a:fld id="{BFEF692B-FC3E-4552-B87F-4B5A00EB12B2}" type="datetimeFigureOut">
               <a:rPr lang="en-GB" smtClean="0"/>
-              <a:t>19/11/2018</a:t>
+              <a:t>20/11/2018</a:t>
             </a:fld>
             <a:endParaRPr lang="en-GB"/>
           </a:p>
@@ -2414,7 +2420,7 @@
           <a:p>
             <a:fld id="{BFEF692B-FC3E-4552-B87F-4B5A00EB12B2}" type="datetimeFigureOut">
               <a:rPr lang="en-GB" smtClean="0"/>
-              <a:t>19/11/2018</a:t>
+              <a:t>20/11/2018</a:t>
             </a:fld>
             <a:endParaRPr lang="en-GB"/>
           </a:p>
@@ -2703,7 +2709,7 @@
           <a:p>
             <a:fld id="{BFEF692B-FC3E-4552-B87F-4B5A00EB12B2}" type="datetimeFigureOut">
               <a:rPr lang="en-GB" smtClean="0"/>
-              <a:t>19/11/2018</a:t>
+              <a:t>20/11/2018</a:t>
             </a:fld>
             <a:endParaRPr lang="en-GB"/>
           </a:p>
@@ -2946,7 +2952,7 @@
           <a:p>
             <a:fld id="{BFEF692B-FC3E-4552-B87F-4B5A00EB12B2}" type="datetimeFigureOut">
               <a:rPr lang="en-GB" smtClean="0"/>
-              <a:t>19/11/2018</a:t>
+              <a:t>20/11/2018</a:t>
             </a:fld>
             <a:endParaRPr lang="en-GB"/>
           </a:p>
@@ -7801,7 +7807,7 @@
         <p:spPr>
           <a:xfrm>
             <a:off x="291549" y="384313"/>
-            <a:ext cx="11781182" cy="6524863"/>
+            <a:ext cx="11781182" cy="5847755"/>
           </a:xfrm>
           <a:prstGeom prst="rect">
             <a:avLst/>
@@ -7923,21 +7929,7 @@
             </a:r>
             <a:r>
               <a:rPr lang="en-GB" sz="2200" dirty="0"/>
-              <a:t>. </a:t>
-            </a:r>
-          </a:p>
-          <a:p>
-            <a:pPr algn="ctr"/>
-            <a:br>
-              <a:rPr lang="en-GB" sz="2200" b="1" dirty="0"/>
-            </a:br>
-            <a:r>
-              <a:rPr lang="en-GB" sz="2200" b="1" dirty="0">
-                <a:solidFill>
-                  <a:srgbClr val="FF0000"/>
-                </a:solidFill>
-              </a:rPr>
-              <a:t>It isn’t about picking one over the other. It’s about leveraging the two techniques where possible.</a:t>
+              <a:t>.</a:t>
             </a:r>
           </a:p>
         </p:txBody>
@@ -7946,6 +7938,1319 @@
     <p:extLst>
       <p:ext uri="{BB962C8B-B14F-4D97-AF65-F5344CB8AC3E}">
         <p14:creationId xmlns:p14="http://schemas.microsoft.com/office/powerpoint/2010/main" val="1255030325"/>
+      </p:ext>
+    </p:extLst>
+  </p:cSld>
+  <p:clrMapOvr>
+    <a:masterClrMapping/>
+  </p:clrMapOvr>
+</p:sld>
+</file>
+
+<file path=ppt/slides/slide18.xml><?xml version="1.0" encoding="utf-8"?>
+<p:sld xmlns:a="http://schemas.openxmlformats.org/drawingml/2006/main" xmlns:r="http://schemas.openxmlformats.org/officeDocument/2006/relationships" xmlns:p="http://schemas.openxmlformats.org/presentationml/2006/main">
+  <p:cSld>
+    <p:spTree>
+      <p:nvGrpSpPr>
+        <p:cNvPr id="1" name=""/>
+        <p:cNvGrpSpPr/>
+        <p:nvPr/>
+      </p:nvGrpSpPr>
+      <p:grpSpPr>
+        <a:xfrm>
+          <a:off x="0" y="0"/>
+          <a:ext cx="0" cy="0"/>
+          <a:chOff x="0" y="0"/>
+          <a:chExt cx="0" cy="0"/>
+        </a:xfrm>
+      </p:grpSpPr>
+      <p:sp>
+        <p:nvSpPr>
+          <p:cNvPr id="4" name="TextBox 3">
+            <a:extLst>
+              <a:ext uri="{FF2B5EF4-FFF2-40B4-BE49-F238E27FC236}">
+                <a16:creationId xmlns:a16="http://schemas.microsoft.com/office/drawing/2014/main" id="{18767206-9205-42D0-A2AE-5A1017D4CB08}"/>
+              </a:ext>
+            </a:extLst>
+          </p:cNvPr>
+          <p:cNvSpPr txBox="1"/>
+          <p:nvPr/>
+        </p:nvSpPr>
+        <p:spPr>
+          <a:xfrm>
+            <a:off x="291549" y="384313"/>
+            <a:ext cx="11781182" cy="769441"/>
+          </a:xfrm>
+          <a:prstGeom prst="rect">
+            <a:avLst/>
+          </a:prstGeom>
+          <a:noFill/>
+        </p:spPr>
+        <p:txBody>
+          <a:bodyPr wrap="square" rtlCol="0">
+            <a:spAutoFit/>
+          </a:bodyPr>
+          <a:lstStyle/>
+          <a:p>
+            <a:r>
+              <a:rPr lang="en-GB" sz="2200" b="1" dirty="0"/>
+              <a:t>It’s really about finding a compromise between performance and scalability</a:t>
+            </a:r>
+          </a:p>
+          <a:p>
+            <a:endParaRPr lang="en-GB" sz="2200" b="1" dirty="0"/>
+          </a:p>
+        </p:txBody>
+      </p:sp>
+      <p:sp>
+        <p:nvSpPr>
+          <p:cNvPr id="3" name="TextBox 2">
+            <a:extLst>
+              <a:ext uri="{FF2B5EF4-FFF2-40B4-BE49-F238E27FC236}">
+                <a16:creationId xmlns:a16="http://schemas.microsoft.com/office/drawing/2014/main" id="{E4350588-C1DE-43F9-8220-56A66B7D5712}"/>
+              </a:ext>
+            </a:extLst>
+          </p:cNvPr>
+          <p:cNvSpPr txBox="1"/>
+          <p:nvPr/>
+        </p:nvSpPr>
+        <p:spPr>
+          <a:xfrm>
+            <a:off x="291549" y="888710"/>
+            <a:ext cx="11489634" cy="5632311"/>
+          </a:xfrm>
+          <a:prstGeom prst="rect">
+            <a:avLst/>
+          </a:prstGeom>
+          <a:noFill/>
+        </p:spPr>
+        <p:txBody>
+          <a:bodyPr wrap="square" rtlCol="0">
+            <a:spAutoFit/>
+          </a:bodyPr>
+          <a:lstStyle/>
+          <a:p>
+            <a:r>
+              <a:rPr lang="en-GB" sz="2000" b="1" dirty="0"/>
+              <a:t>Performance</a:t>
+            </a:r>
+          </a:p>
+          <a:p>
+            <a:r>
+              <a:rPr lang="en-GB" sz="2000" dirty="0"/>
+              <a:t>A measure of how fast an operation can be completed.</a:t>
+            </a:r>
+          </a:p>
+          <a:p>
+            <a:endParaRPr lang="en-GB" sz="2000" dirty="0"/>
+          </a:p>
+          <a:p>
+            <a:r>
+              <a:rPr lang="en-GB" sz="2000" b="1" dirty="0"/>
+              <a:t>Throughput</a:t>
+            </a:r>
+          </a:p>
+          <a:p>
+            <a:r>
+              <a:rPr lang="en-GB" sz="2000" dirty="0"/>
+              <a:t>A measure of the number of operations which can be completed in a given amount of time. </a:t>
+            </a:r>
+          </a:p>
+          <a:p>
+            <a:endParaRPr lang="en-GB" sz="2000" dirty="0"/>
+          </a:p>
+          <a:p>
+            <a:r>
+              <a:rPr lang="en-GB" sz="2000" b="1" dirty="0"/>
+              <a:t>Efficiency </a:t>
+            </a:r>
+          </a:p>
+          <a:p>
+            <a:r>
+              <a:rPr lang="en-GB" sz="2000" dirty="0"/>
+              <a:t>A measure of an operation’s resource usage. </a:t>
+            </a:r>
+          </a:p>
+          <a:p>
+            <a:endParaRPr lang="en-GB" sz="2000" dirty="0"/>
+          </a:p>
+          <a:p>
+            <a:r>
+              <a:rPr lang="en-GB" sz="2000" b="1" dirty="0"/>
+              <a:t>Scalability</a:t>
+            </a:r>
+          </a:p>
+          <a:p>
+            <a:r>
+              <a:rPr lang="en-GB" sz="2000" dirty="0"/>
+              <a:t>A measure of how readily a system, network, or process can handle a growing amount of work, or its potential to be enlarged to accommodate that growth. </a:t>
+            </a:r>
+          </a:p>
+          <a:p>
+            <a:endParaRPr lang="en-GB" sz="2000" dirty="0"/>
+          </a:p>
+          <a:p>
+            <a:r>
+              <a:rPr lang="en-GB" sz="2000" dirty="0"/>
+              <a:t>A system is considered scalable if it is capable of </a:t>
+            </a:r>
+            <a:r>
+              <a:rPr lang="en-GB" sz="2000" b="1" dirty="0"/>
+              <a:t>increasing its throughput </a:t>
+            </a:r>
+            <a:r>
+              <a:rPr lang="en-GB" sz="2000" dirty="0"/>
+              <a:t>under an </a:t>
+            </a:r>
+            <a:r>
+              <a:rPr lang="en-GB" sz="2000" b="1" dirty="0"/>
+              <a:t>increased load </a:t>
+            </a:r>
+            <a:r>
+              <a:rPr lang="en-GB" sz="2000" dirty="0"/>
+              <a:t>when </a:t>
+            </a:r>
+            <a:r>
+              <a:rPr lang="en-GB" sz="2000" b="1" dirty="0"/>
+              <a:t>resources (typically hardware)</a:t>
+            </a:r>
+            <a:r>
+              <a:rPr lang="en-GB" sz="2000" dirty="0"/>
+              <a:t> are added</a:t>
+            </a:r>
+          </a:p>
+          <a:p>
+            <a:endParaRPr lang="en-GB" sz="2000" dirty="0"/>
+          </a:p>
+          <a:p>
+            <a:r>
+              <a:rPr lang="en-GB" sz="2000" dirty="0"/>
+              <a:t>So going back to our kitchen analogy, we already know the </a:t>
+            </a:r>
+            <a:r>
+              <a:rPr lang="en-GB" sz="2000" b="1" dirty="0"/>
+              <a:t>performance</a:t>
+            </a:r>
+            <a:r>
+              <a:rPr lang="en-GB" sz="2000" dirty="0"/>
+              <a:t> is vastly improved by using asynchronous operations and multithreading. But what about </a:t>
+            </a:r>
+            <a:r>
+              <a:rPr lang="en-GB" sz="2000" b="1" dirty="0"/>
+              <a:t>scalability</a:t>
+            </a:r>
+            <a:r>
+              <a:rPr lang="en-GB" sz="2000" dirty="0"/>
+              <a:t>? </a:t>
+            </a:r>
+          </a:p>
+        </p:txBody>
+      </p:sp>
+    </p:spTree>
+    <p:extLst>
+      <p:ext uri="{BB962C8B-B14F-4D97-AF65-F5344CB8AC3E}">
+        <p14:creationId xmlns:p14="http://schemas.microsoft.com/office/powerpoint/2010/main" val="1514880612"/>
+      </p:ext>
+    </p:extLst>
+  </p:cSld>
+  <p:clrMapOvr>
+    <a:masterClrMapping/>
+  </p:clrMapOvr>
+</p:sld>
+</file>
+
+<file path=ppt/slides/slide19.xml><?xml version="1.0" encoding="utf-8"?>
+<p:sld xmlns:a="http://schemas.openxmlformats.org/drawingml/2006/main" xmlns:r="http://schemas.openxmlformats.org/officeDocument/2006/relationships" xmlns:p="http://schemas.openxmlformats.org/presentationml/2006/main">
+  <p:cSld>
+    <p:spTree>
+      <p:nvGrpSpPr>
+        <p:cNvPr id="1" name=""/>
+        <p:cNvGrpSpPr/>
+        <p:nvPr/>
+      </p:nvGrpSpPr>
+      <p:grpSpPr>
+        <a:xfrm>
+          <a:off x="0" y="0"/>
+          <a:ext cx="0" cy="0"/>
+          <a:chOff x="0" y="0"/>
+          <a:chExt cx="0" cy="0"/>
+        </a:xfrm>
+      </p:grpSpPr>
+      <p:graphicFrame>
+        <p:nvGraphicFramePr>
+          <p:cNvPr id="2" name="Table 1">
+            <a:extLst>
+              <a:ext uri="{FF2B5EF4-FFF2-40B4-BE49-F238E27FC236}">
+                <a16:creationId xmlns:a16="http://schemas.microsoft.com/office/drawing/2014/main" id="{70BF8175-A5EA-488E-BBEA-E928E0E6AD97}"/>
+              </a:ext>
+            </a:extLst>
+          </p:cNvPr>
+          <p:cNvGraphicFramePr>
+            <a:graphicFrameLocks noGrp="1"/>
+          </p:cNvGraphicFramePr>
+          <p:nvPr>
+            <p:extLst>
+              <p:ext uri="{D42A27DB-BD31-4B8C-83A1-F6EECF244321}">
+                <p14:modId xmlns:p14="http://schemas.microsoft.com/office/powerpoint/2010/main" val="3686076198"/>
+              </p:ext>
+            </p:extLst>
+          </p:nvPr>
+        </p:nvGraphicFramePr>
+        <p:xfrm>
+          <a:off x="198782" y="167754"/>
+          <a:ext cx="11807688" cy="3147719"/>
+        </p:xfrm>
+        <a:graphic>
+          <a:graphicData uri="http://schemas.openxmlformats.org/drawingml/2006/table">
+            <a:tbl>
+              <a:tblPr firstRow="1" bandRow="1">
+                <a:tableStyleId>{5C22544A-7EE6-4342-B048-85BDC9FD1C3A}</a:tableStyleId>
+              </a:tblPr>
+              <a:tblGrid>
+                <a:gridCol w="1590815">
+                  <a:extLst>
+                    <a:ext uri="{9D8B030D-6E8A-4147-A177-3AD203B41FA5}">
+                      <a16:colId xmlns:a16="http://schemas.microsoft.com/office/drawing/2014/main" val="4042462466"/>
+                    </a:ext>
+                  </a:extLst>
+                </a:gridCol>
+                <a:gridCol w="1289109">
+                  <a:extLst>
+                    <a:ext uri="{9D8B030D-6E8A-4147-A177-3AD203B41FA5}">
+                      <a16:colId xmlns:a16="http://schemas.microsoft.com/office/drawing/2014/main" val="228284283"/>
+                    </a:ext>
+                  </a:extLst>
+                </a:gridCol>
+                <a:gridCol w="1330251">
+                  <a:extLst>
+                    <a:ext uri="{9D8B030D-6E8A-4147-A177-3AD203B41FA5}">
+                      <a16:colId xmlns:a16="http://schemas.microsoft.com/office/drawing/2014/main" val="1399797011"/>
+                    </a:ext>
+                  </a:extLst>
+                </a:gridCol>
+                <a:gridCol w="1371392">
+                  <a:extLst>
+                    <a:ext uri="{9D8B030D-6E8A-4147-A177-3AD203B41FA5}">
+                      <a16:colId xmlns:a16="http://schemas.microsoft.com/office/drawing/2014/main" val="1808400094"/>
+                    </a:ext>
+                  </a:extLst>
+                </a:gridCol>
+                <a:gridCol w="1637013">
+                  <a:extLst>
+                    <a:ext uri="{9D8B030D-6E8A-4147-A177-3AD203B41FA5}">
+                      <a16:colId xmlns:a16="http://schemas.microsoft.com/office/drawing/2014/main" val="2641393939"/>
+                    </a:ext>
+                  </a:extLst>
+                </a:gridCol>
+                <a:gridCol w="1408586">
+                  <a:extLst>
+                    <a:ext uri="{9D8B030D-6E8A-4147-A177-3AD203B41FA5}">
+                      <a16:colId xmlns:a16="http://schemas.microsoft.com/office/drawing/2014/main" val="3564907150"/>
+                    </a:ext>
+                  </a:extLst>
+                </a:gridCol>
+                <a:gridCol w="1453878">
+                  <a:extLst>
+                    <a:ext uri="{9D8B030D-6E8A-4147-A177-3AD203B41FA5}">
+                      <a16:colId xmlns:a16="http://schemas.microsoft.com/office/drawing/2014/main" val="3756851218"/>
+                    </a:ext>
+                  </a:extLst>
+                </a:gridCol>
+                <a:gridCol w="1726644">
+                  <a:extLst>
+                    <a:ext uri="{9D8B030D-6E8A-4147-A177-3AD203B41FA5}">
+                      <a16:colId xmlns:a16="http://schemas.microsoft.com/office/drawing/2014/main" val="1386164727"/>
+                    </a:ext>
+                  </a:extLst>
+                </a:gridCol>
+              </a:tblGrid>
+              <a:tr h="0">
+                <a:tc>
+                  <a:txBody>
+                    <a:bodyPr/>
+                    <a:lstStyle/>
+                    <a:p>
+                      <a:r>
+                        <a:rPr lang="en-GB" sz="1800" b="1" kern="1200" dirty="0">
+                          <a:solidFill>
+                            <a:schemeClr val="lt1"/>
+                          </a:solidFill>
+                          <a:latin typeface="+mn-lt"/>
+                          <a:ea typeface="+mn-ea"/>
+                          <a:cs typeface="+mn-cs"/>
+                        </a:rPr>
+                        <a:t>Scheduling</a:t>
+                      </a:r>
+                    </a:p>
+                  </a:txBody>
+                  <a:tcPr/>
+                </a:tc>
+                <a:tc>
+                  <a:txBody>
+                    <a:bodyPr/>
+                    <a:lstStyle/>
+                    <a:p>
+                      <a:r>
+                        <a:rPr lang="en-GB" dirty="0"/>
+                        <a:t>Resources (threads)</a:t>
+                      </a:r>
+                    </a:p>
+                  </a:txBody>
+                  <a:tcPr/>
+                </a:tc>
+                <a:tc>
+                  <a:txBody>
+                    <a:bodyPr/>
+                    <a:lstStyle/>
+                    <a:p>
+                      <a:r>
+                        <a:rPr lang="en-GB" dirty="0"/>
+                        <a:t>Time taken (minutes)</a:t>
+                      </a:r>
+                    </a:p>
+                  </a:txBody>
+                  <a:tcPr/>
+                </a:tc>
+                <a:tc>
+                  <a:txBody>
+                    <a:bodyPr/>
+                    <a:lstStyle/>
+                    <a:p>
+                      <a:r>
+                        <a:rPr lang="en-GB" dirty="0"/>
+                        <a:t>Throughput (meals/hr)</a:t>
+                      </a:r>
+                    </a:p>
+                  </a:txBody>
+                  <a:tcPr/>
+                </a:tc>
+                <a:tc>
+                  <a:txBody>
+                    <a:bodyPr/>
+                    <a:lstStyle/>
+                    <a:p>
+                      <a:r>
+                        <a:rPr lang="en-GB" dirty="0"/>
+                        <a:t>Efficiency</a:t>
+                      </a:r>
+                    </a:p>
+                    <a:p>
+                      <a:r>
+                        <a:rPr lang="en-GB" dirty="0"/>
+                        <a:t>(Throughput/Resources) </a:t>
+                      </a:r>
+                    </a:p>
+                  </a:txBody>
+                  <a:tcPr/>
+                </a:tc>
+                <a:tc>
+                  <a:txBody>
+                    <a:bodyPr/>
+                    <a:lstStyle/>
+                    <a:p>
+                      <a:r>
+                        <a:rPr lang="en-GB" dirty="0"/>
+                        <a:t>Performance Rating (1-4)</a:t>
+                      </a:r>
+                    </a:p>
+                  </a:txBody>
+                  <a:tcPr/>
+                </a:tc>
+                <a:tc>
+                  <a:txBody>
+                    <a:bodyPr/>
+                    <a:lstStyle/>
+                    <a:p>
+                      <a:r>
+                        <a:rPr lang="en-GB" dirty="0"/>
+                        <a:t>Scalability Rating (1-4)</a:t>
+                      </a:r>
+                    </a:p>
+                  </a:txBody>
+                  <a:tcPr/>
+                </a:tc>
+                <a:tc>
+                  <a:txBody>
+                    <a:bodyPr/>
+                    <a:lstStyle/>
+                    <a:p>
+                      <a:r>
+                        <a:rPr lang="en-GB" dirty="0"/>
+                        <a:t>Overall Rating</a:t>
+                      </a:r>
+                    </a:p>
+                  </a:txBody>
+                  <a:tcPr/>
+                </a:tc>
+                <a:extLst>
+                  <a:ext uri="{0D108BD9-81ED-4DB2-BD59-A6C34878D82A}">
+                    <a16:rowId xmlns:a16="http://schemas.microsoft.com/office/drawing/2014/main" val="1285864938"/>
+                  </a:ext>
+                </a:extLst>
+              </a:tr>
+              <a:tr h="656310">
+                <a:tc>
+                  <a:txBody>
+                    <a:bodyPr/>
+                    <a:lstStyle/>
+                    <a:p>
+                      <a:r>
+                        <a:rPr lang="en-GB" dirty="0"/>
+                        <a:t>Asynchronous</a:t>
+                      </a:r>
+                    </a:p>
+                  </a:txBody>
+                  <a:tcPr/>
+                </a:tc>
+                <a:tc>
+                  <a:txBody>
+                    <a:bodyPr/>
+                    <a:lstStyle/>
+                    <a:p>
+                      <a:r>
+                        <a:rPr lang="en-GB" dirty="0"/>
+                        <a:t>3</a:t>
+                      </a:r>
+                    </a:p>
+                  </a:txBody>
+                  <a:tcPr/>
+                </a:tc>
+                <a:tc>
+                  <a:txBody>
+                    <a:bodyPr/>
+                    <a:lstStyle/>
+                    <a:p>
+                      <a:r>
+                        <a:rPr lang="en-GB" dirty="0"/>
+                        <a:t>28</a:t>
+                      </a:r>
+                    </a:p>
+                  </a:txBody>
+                  <a:tcPr/>
+                </a:tc>
+                <a:tc>
+                  <a:txBody>
+                    <a:bodyPr/>
+                    <a:lstStyle/>
+                    <a:p>
+                      <a:r>
+                        <a:rPr lang="en-GB" b="0" dirty="0">
+                          <a:solidFill>
+                            <a:schemeClr val="tx1"/>
+                          </a:solidFill>
+                        </a:rPr>
+                        <a:t>2.14</a:t>
+                      </a:r>
+                      <a:endParaRPr lang="en-GB" b="0" dirty="0">
+                        <a:solidFill>
+                          <a:srgbClr val="00B050"/>
+                        </a:solidFill>
+                      </a:endParaRPr>
+                    </a:p>
+                  </a:txBody>
+                  <a:tcPr/>
+                </a:tc>
+                <a:tc>
+                  <a:txBody>
+                    <a:bodyPr/>
+                    <a:lstStyle/>
+                    <a:p>
+                      <a:r>
+                        <a:rPr lang="en-GB" b="0" dirty="0">
+                          <a:solidFill>
+                            <a:schemeClr val="tx1"/>
+                          </a:solidFill>
+                        </a:rPr>
+                        <a:t>0.71</a:t>
+                      </a:r>
+                    </a:p>
+                  </a:txBody>
+                  <a:tcPr/>
+                </a:tc>
+                <a:tc>
+                  <a:txBody>
+                    <a:bodyPr/>
+                    <a:lstStyle/>
+                    <a:p>
+                      <a:r>
+                        <a:rPr lang="en-GB" b="1" dirty="0">
+                          <a:solidFill>
+                            <a:srgbClr val="00B050"/>
+                          </a:solidFill>
+                        </a:rPr>
+                        <a:t>1</a:t>
+                      </a:r>
+                    </a:p>
+                  </a:txBody>
+                  <a:tcPr/>
+                </a:tc>
+                <a:tc>
+                  <a:txBody>
+                    <a:bodyPr/>
+                    <a:lstStyle/>
+                    <a:p>
+                      <a:r>
+                        <a:rPr lang="en-GB" b="1" dirty="0">
+                          <a:solidFill>
+                            <a:schemeClr val="accent4"/>
+                          </a:solidFill>
+                        </a:rPr>
+                        <a:t>3</a:t>
+                      </a:r>
+                    </a:p>
+                  </a:txBody>
+                  <a:tcPr/>
+                </a:tc>
+                <a:tc>
+                  <a:txBody>
+                    <a:bodyPr/>
+                    <a:lstStyle/>
+                    <a:p>
+                      <a:r>
+                        <a:rPr lang="en-GB" b="1" dirty="0">
+                          <a:solidFill>
+                            <a:schemeClr val="accent4"/>
+                          </a:solidFill>
+                        </a:rPr>
+                        <a:t>2</a:t>
+                      </a:r>
+                    </a:p>
+                  </a:txBody>
+                  <a:tcPr/>
+                </a:tc>
+                <a:extLst>
+                  <a:ext uri="{0D108BD9-81ED-4DB2-BD59-A6C34878D82A}">
+                    <a16:rowId xmlns:a16="http://schemas.microsoft.com/office/drawing/2014/main" val="2572328427"/>
+                  </a:ext>
+                </a:extLst>
+              </a:tr>
+              <a:tr h="543340">
+                <a:tc>
+                  <a:txBody>
+                    <a:bodyPr/>
+                    <a:lstStyle/>
+                    <a:p>
+                      <a:r>
+                        <a:rPr lang="en-GB" dirty="0"/>
+                        <a:t>Synchronous</a:t>
+                      </a:r>
+                    </a:p>
+                  </a:txBody>
+                  <a:tcPr/>
+                </a:tc>
+                <a:tc>
+                  <a:txBody>
+                    <a:bodyPr/>
+                    <a:lstStyle/>
+                    <a:p>
+                      <a:r>
+                        <a:rPr lang="en-GB" dirty="0"/>
+                        <a:t>4</a:t>
+                      </a:r>
+                    </a:p>
+                  </a:txBody>
+                  <a:tcPr/>
+                </a:tc>
+                <a:tc>
+                  <a:txBody>
+                    <a:bodyPr/>
+                    <a:lstStyle/>
+                    <a:p>
+                      <a:pPr marL="0" marR="0" lvl="0" indent="0" algn="l" defTabSz="914400" rtl="0" eaLnBrk="1" fontAlgn="auto" latinLnBrk="0" hangingPunct="1">
+                        <a:lnSpc>
+                          <a:spcPct val="100000"/>
+                        </a:lnSpc>
+                        <a:spcBef>
+                          <a:spcPts val="0"/>
+                        </a:spcBef>
+                        <a:spcAft>
+                          <a:spcPts val="0"/>
+                        </a:spcAft>
+                        <a:buClrTx/>
+                        <a:buSzTx/>
+                        <a:buFontTx/>
+                        <a:buNone/>
+                        <a:tabLst/>
+                        <a:defRPr/>
+                      </a:pPr>
+                      <a:r>
+                        <a:rPr lang="en-GB" dirty="0"/>
+                        <a:t>28</a:t>
+                      </a:r>
+                    </a:p>
+                  </a:txBody>
+                  <a:tcPr/>
+                </a:tc>
+                <a:tc>
+                  <a:txBody>
+                    <a:bodyPr/>
+                    <a:lstStyle/>
+                    <a:p>
+                      <a:pPr marL="0" marR="0" lvl="0" indent="0" algn="l" defTabSz="914400" rtl="0" eaLnBrk="1" fontAlgn="auto" latinLnBrk="0" hangingPunct="1">
+                        <a:lnSpc>
+                          <a:spcPct val="100000"/>
+                        </a:lnSpc>
+                        <a:spcBef>
+                          <a:spcPts val="0"/>
+                        </a:spcBef>
+                        <a:spcAft>
+                          <a:spcPts val="0"/>
+                        </a:spcAft>
+                        <a:buClrTx/>
+                        <a:buSzTx/>
+                        <a:buFontTx/>
+                        <a:buNone/>
+                        <a:tabLst/>
+                        <a:defRPr/>
+                      </a:pPr>
+                      <a:r>
+                        <a:rPr lang="en-GB" dirty="0"/>
+                        <a:t>2.14</a:t>
+                      </a:r>
+                    </a:p>
+                  </a:txBody>
+                  <a:tcPr/>
+                </a:tc>
+                <a:tc>
+                  <a:txBody>
+                    <a:bodyPr/>
+                    <a:lstStyle/>
+                    <a:p>
+                      <a:pPr marL="0" marR="0" lvl="0" indent="0" algn="l" defTabSz="914400" rtl="0" eaLnBrk="1" fontAlgn="auto" latinLnBrk="0" hangingPunct="1">
+                        <a:lnSpc>
+                          <a:spcPct val="100000"/>
+                        </a:lnSpc>
+                        <a:spcBef>
+                          <a:spcPts val="0"/>
+                        </a:spcBef>
+                        <a:spcAft>
+                          <a:spcPts val="0"/>
+                        </a:spcAft>
+                        <a:buClrTx/>
+                        <a:buSzTx/>
+                        <a:buFontTx/>
+                        <a:buNone/>
+                        <a:tabLst/>
+                        <a:defRPr/>
+                      </a:pPr>
+                      <a:r>
+                        <a:rPr lang="en-GB" dirty="0"/>
+                        <a:t>0.54</a:t>
+                      </a:r>
+                    </a:p>
+                  </a:txBody>
+                  <a:tcPr/>
+                </a:tc>
+                <a:tc>
+                  <a:txBody>
+                    <a:bodyPr/>
+                    <a:lstStyle/>
+                    <a:p>
+                      <a:pPr marL="0" marR="0" lvl="0" indent="0" algn="l" defTabSz="914400" rtl="0" eaLnBrk="1" fontAlgn="auto" latinLnBrk="0" hangingPunct="1">
+                        <a:lnSpc>
+                          <a:spcPct val="100000"/>
+                        </a:lnSpc>
+                        <a:spcBef>
+                          <a:spcPts val="0"/>
+                        </a:spcBef>
+                        <a:spcAft>
+                          <a:spcPts val="0"/>
+                        </a:spcAft>
+                        <a:buClrTx/>
+                        <a:buSzTx/>
+                        <a:buFontTx/>
+                        <a:buNone/>
+                        <a:tabLst/>
+                        <a:defRPr/>
+                      </a:pPr>
+                      <a:r>
+                        <a:rPr lang="en-GB" b="1" dirty="0">
+                          <a:solidFill>
+                            <a:srgbClr val="00B050"/>
+                          </a:solidFill>
+                        </a:rPr>
+                        <a:t>1</a:t>
+                      </a:r>
+                      <a:endParaRPr lang="en-GB" dirty="0"/>
+                    </a:p>
+                  </a:txBody>
+                  <a:tcPr/>
+                </a:tc>
+                <a:tc>
+                  <a:txBody>
+                    <a:bodyPr/>
+                    <a:lstStyle/>
+                    <a:p>
+                      <a:pPr marL="0" marR="0" lvl="0" indent="0" algn="l" defTabSz="914400" rtl="0" eaLnBrk="1" fontAlgn="auto" latinLnBrk="0" hangingPunct="1">
+                        <a:lnSpc>
+                          <a:spcPct val="100000"/>
+                        </a:lnSpc>
+                        <a:spcBef>
+                          <a:spcPts val="0"/>
+                        </a:spcBef>
+                        <a:spcAft>
+                          <a:spcPts val="0"/>
+                        </a:spcAft>
+                        <a:buClrTx/>
+                        <a:buSzTx/>
+                        <a:buFontTx/>
+                        <a:buNone/>
+                        <a:tabLst/>
+                        <a:defRPr/>
+                      </a:pPr>
+                      <a:r>
+                        <a:rPr lang="en-GB" b="1" dirty="0">
+                          <a:solidFill>
+                            <a:srgbClr val="FF0000"/>
+                          </a:solidFill>
+                        </a:rPr>
+                        <a:t>4</a:t>
+                      </a:r>
+                    </a:p>
+                  </a:txBody>
+                  <a:tcPr/>
+                </a:tc>
+                <a:tc>
+                  <a:txBody>
+                    <a:bodyPr/>
+                    <a:lstStyle/>
+                    <a:p>
+                      <a:pPr marL="0" marR="0" lvl="0" indent="0" algn="l" defTabSz="914400" rtl="0" eaLnBrk="1" fontAlgn="auto" latinLnBrk="0" hangingPunct="1">
+                        <a:lnSpc>
+                          <a:spcPct val="100000"/>
+                        </a:lnSpc>
+                        <a:spcBef>
+                          <a:spcPts val="0"/>
+                        </a:spcBef>
+                        <a:spcAft>
+                          <a:spcPts val="0"/>
+                        </a:spcAft>
+                        <a:buClrTx/>
+                        <a:buSzTx/>
+                        <a:buFontTx/>
+                        <a:buNone/>
+                        <a:tabLst/>
+                        <a:defRPr/>
+                      </a:pPr>
+                      <a:r>
+                        <a:rPr lang="en-GB" b="1" dirty="0">
+                          <a:solidFill>
+                            <a:srgbClr val="FF0000"/>
+                          </a:solidFill>
+                        </a:rPr>
+                        <a:t>3</a:t>
+                      </a:r>
+                    </a:p>
+                  </a:txBody>
+                  <a:tcPr/>
+                </a:tc>
+                <a:extLst>
+                  <a:ext uri="{0D108BD9-81ED-4DB2-BD59-A6C34878D82A}">
+                    <a16:rowId xmlns:a16="http://schemas.microsoft.com/office/drawing/2014/main" val="3033999082"/>
+                  </a:ext>
+                </a:extLst>
+              </a:tr>
+              <a:tr h="503582">
+                <a:tc>
+                  <a:txBody>
+                    <a:bodyPr/>
+                    <a:lstStyle/>
+                    <a:p>
+                      <a:r>
+                        <a:rPr lang="en-GB" dirty="0"/>
+                        <a:t>Asynchronous</a:t>
+                      </a:r>
+                    </a:p>
+                  </a:txBody>
+                  <a:tcPr/>
+                </a:tc>
+                <a:tc>
+                  <a:txBody>
+                    <a:bodyPr/>
+                    <a:lstStyle/>
+                    <a:p>
+                      <a:r>
+                        <a:rPr lang="en-GB" dirty="0"/>
+                        <a:t>1</a:t>
+                      </a:r>
+                    </a:p>
+                  </a:txBody>
+                  <a:tcPr/>
+                </a:tc>
+                <a:tc>
+                  <a:txBody>
+                    <a:bodyPr/>
+                    <a:lstStyle/>
+                    <a:p>
+                      <a:r>
+                        <a:rPr lang="en-GB" b="0" dirty="0">
+                          <a:solidFill>
+                            <a:schemeClr val="tx1"/>
+                          </a:solidFill>
+                        </a:rPr>
+                        <a:t>35</a:t>
+                      </a:r>
+                    </a:p>
+                  </a:txBody>
+                  <a:tcPr/>
+                </a:tc>
+                <a:tc>
+                  <a:txBody>
+                    <a:bodyPr/>
+                    <a:lstStyle/>
+                    <a:p>
+                      <a:r>
+                        <a:rPr lang="en-GB" b="0" dirty="0">
+                          <a:solidFill>
+                            <a:schemeClr val="tx1"/>
+                          </a:solidFill>
+                        </a:rPr>
+                        <a:t>1.71</a:t>
+                      </a:r>
+                    </a:p>
+                  </a:txBody>
+                  <a:tcPr/>
+                </a:tc>
+                <a:tc>
+                  <a:txBody>
+                    <a:bodyPr/>
+                    <a:lstStyle/>
+                    <a:p>
+                      <a:r>
+                        <a:rPr lang="en-GB" b="0" dirty="0">
+                          <a:solidFill>
+                            <a:schemeClr val="tx1"/>
+                          </a:solidFill>
+                        </a:rPr>
+                        <a:t>1.71</a:t>
+                      </a:r>
+                    </a:p>
+                  </a:txBody>
+                  <a:tcPr/>
+                </a:tc>
+                <a:tc>
+                  <a:txBody>
+                    <a:bodyPr/>
+                    <a:lstStyle/>
+                    <a:p>
+                      <a:r>
+                        <a:rPr lang="en-GB" b="1" dirty="0">
+                          <a:solidFill>
+                            <a:srgbClr val="FFC000"/>
+                          </a:solidFill>
+                        </a:rPr>
+                        <a:t>2</a:t>
+                      </a:r>
+                      <a:endParaRPr lang="en-GB" b="0" dirty="0">
+                        <a:solidFill>
+                          <a:srgbClr val="FFC000"/>
+                        </a:solidFill>
+                      </a:endParaRPr>
+                    </a:p>
+                  </a:txBody>
+                  <a:tcPr/>
+                </a:tc>
+                <a:tc>
+                  <a:txBody>
+                    <a:bodyPr/>
+                    <a:lstStyle/>
+                    <a:p>
+                      <a:r>
+                        <a:rPr lang="en-GB" b="1" dirty="0">
+                          <a:solidFill>
+                            <a:srgbClr val="00B050"/>
+                          </a:solidFill>
+                        </a:rPr>
+                        <a:t>1</a:t>
+                      </a:r>
+                    </a:p>
+                  </a:txBody>
+                  <a:tcPr/>
+                </a:tc>
+                <a:tc>
+                  <a:txBody>
+                    <a:bodyPr/>
+                    <a:lstStyle/>
+                    <a:p>
+                      <a:r>
+                        <a:rPr lang="en-GB" b="1" dirty="0">
+                          <a:solidFill>
+                            <a:srgbClr val="00B050"/>
+                          </a:solidFill>
+                        </a:rPr>
+                        <a:t>1</a:t>
+                      </a:r>
+                    </a:p>
+                  </a:txBody>
+                  <a:tcPr/>
+                </a:tc>
+                <a:extLst>
+                  <a:ext uri="{0D108BD9-81ED-4DB2-BD59-A6C34878D82A}">
+                    <a16:rowId xmlns:a16="http://schemas.microsoft.com/office/drawing/2014/main" val="166588362"/>
+                  </a:ext>
+                </a:extLst>
+              </a:tr>
+              <a:tr h="530087">
+                <a:tc>
+                  <a:txBody>
+                    <a:bodyPr/>
+                    <a:lstStyle/>
+                    <a:p>
+                      <a:r>
+                        <a:rPr lang="en-GB" dirty="0"/>
+                        <a:t>Synchronous</a:t>
+                      </a:r>
+                    </a:p>
+                  </a:txBody>
+                  <a:tcPr/>
+                </a:tc>
+                <a:tc>
+                  <a:txBody>
+                    <a:bodyPr/>
+                    <a:lstStyle/>
+                    <a:p>
+                      <a:r>
+                        <a:rPr lang="en-GB" dirty="0"/>
+                        <a:t>1</a:t>
+                      </a:r>
+                    </a:p>
+                  </a:txBody>
+                  <a:tcPr/>
+                </a:tc>
+                <a:tc>
+                  <a:txBody>
+                    <a:bodyPr/>
+                    <a:lstStyle/>
+                    <a:p>
+                      <a:r>
+                        <a:rPr lang="en-GB" b="0" dirty="0">
+                          <a:solidFill>
+                            <a:schemeClr val="tx1"/>
+                          </a:solidFill>
+                        </a:rPr>
+                        <a:t>65</a:t>
+                      </a:r>
+                    </a:p>
+                  </a:txBody>
+                  <a:tcPr/>
+                </a:tc>
+                <a:tc>
+                  <a:txBody>
+                    <a:bodyPr/>
+                    <a:lstStyle/>
+                    <a:p>
+                      <a:r>
+                        <a:rPr lang="en-GB" b="0" dirty="0">
+                          <a:solidFill>
+                            <a:schemeClr val="tx1"/>
+                          </a:solidFill>
+                        </a:rPr>
+                        <a:t>0.92</a:t>
+                      </a:r>
+                    </a:p>
+                  </a:txBody>
+                  <a:tcPr/>
+                </a:tc>
+                <a:tc>
+                  <a:txBody>
+                    <a:bodyPr/>
+                    <a:lstStyle/>
+                    <a:p>
+                      <a:r>
+                        <a:rPr lang="en-GB" b="0" dirty="0">
+                          <a:solidFill>
+                            <a:schemeClr val="tx1"/>
+                          </a:solidFill>
+                        </a:rPr>
+                        <a:t>0.92</a:t>
+                      </a:r>
+                    </a:p>
+                  </a:txBody>
+                  <a:tcPr/>
+                </a:tc>
+                <a:tc>
+                  <a:txBody>
+                    <a:bodyPr/>
+                    <a:lstStyle/>
+                    <a:p>
+                      <a:r>
+                        <a:rPr lang="en-GB" b="1" dirty="0">
+                          <a:solidFill>
+                            <a:srgbClr val="FF0000"/>
+                          </a:solidFill>
+                        </a:rPr>
+                        <a:t>3</a:t>
+                      </a:r>
+                    </a:p>
+                  </a:txBody>
+                  <a:tcPr/>
+                </a:tc>
+                <a:tc>
+                  <a:txBody>
+                    <a:bodyPr/>
+                    <a:lstStyle/>
+                    <a:p>
+                      <a:r>
+                        <a:rPr lang="en-GB" b="1" dirty="0">
+                          <a:solidFill>
+                            <a:schemeClr val="accent4"/>
+                          </a:solidFill>
+                        </a:rPr>
+                        <a:t>2</a:t>
+                      </a:r>
+                    </a:p>
+                  </a:txBody>
+                  <a:tcPr/>
+                </a:tc>
+                <a:tc>
+                  <a:txBody>
+                    <a:bodyPr/>
+                    <a:lstStyle/>
+                    <a:p>
+                      <a:r>
+                        <a:rPr lang="en-GB" b="1" dirty="0">
+                          <a:solidFill>
+                            <a:srgbClr val="FF0000"/>
+                          </a:solidFill>
+                        </a:rPr>
+                        <a:t>3</a:t>
+                      </a:r>
+                    </a:p>
+                  </a:txBody>
+                  <a:tcPr/>
+                </a:tc>
+                <a:extLst>
+                  <a:ext uri="{0D108BD9-81ED-4DB2-BD59-A6C34878D82A}">
+                    <a16:rowId xmlns:a16="http://schemas.microsoft.com/office/drawing/2014/main" val="1530862829"/>
+                  </a:ext>
+                </a:extLst>
+              </a:tr>
+            </a:tbl>
+          </a:graphicData>
+        </a:graphic>
+      </p:graphicFrame>
+      <p:sp>
+        <p:nvSpPr>
+          <p:cNvPr id="7" name="TextBox 6">
+            <a:extLst>
+              <a:ext uri="{FF2B5EF4-FFF2-40B4-BE49-F238E27FC236}">
+                <a16:creationId xmlns:a16="http://schemas.microsoft.com/office/drawing/2014/main" id="{28B2DE9C-FB97-4612-8A68-18CF0275EB5A}"/>
+              </a:ext>
+            </a:extLst>
+          </p:cNvPr>
+          <p:cNvSpPr txBox="1"/>
+          <p:nvPr/>
+        </p:nvSpPr>
+        <p:spPr>
+          <a:xfrm>
+            <a:off x="198782" y="3466876"/>
+            <a:ext cx="11807688" cy="3693319"/>
+          </a:xfrm>
+          <a:prstGeom prst="rect">
+            <a:avLst/>
+          </a:prstGeom>
+          <a:noFill/>
+        </p:spPr>
+        <p:txBody>
+          <a:bodyPr wrap="square" rtlCol="0">
+            <a:spAutoFit/>
+          </a:bodyPr>
+          <a:lstStyle/>
+          <a:p>
+            <a:r>
+              <a:rPr lang="en-GB" b="1" dirty="0"/>
+              <a:t>What do we know from these results?</a:t>
+            </a:r>
+          </a:p>
+          <a:p>
+            <a:endParaRPr lang="en-GB" b="1" dirty="0"/>
+          </a:p>
+          <a:p>
+            <a:pPr marL="285750" indent="-285750">
+              <a:buFont typeface="Arial" panose="020B0604020202020204" pitchFamily="34" charset="0"/>
+              <a:buChar char="•"/>
+            </a:pPr>
+            <a:r>
+              <a:rPr lang="en-GB" dirty="0"/>
+              <a:t>If you want the perfect compromise between </a:t>
+            </a:r>
+            <a:r>
+              <a:rPr lang="en-GB" b="1" dirty="0"/>
+              <a:t>performance</a:t>
+            </a:r>
+            <a:r>
+              <a:rPr lang="en-GB" dirty="0"/>
+              <a:t> and </a:t>
+            </a:r>
+            <a:r>
+              <a:rPr lang="en-GB" b="1" dirty="0"/>
+              <a:t>scalability</a:t>
+            </a:r>
+            <a:r>
+              <a:rPr lang="en-GB" dirty="0"/>
+              <a:t>, use a </a:t>
+            </a:r>
+            <a:r>
+              <a:rPr lang="en-GB" b="1" dirty="0">
+                <a:solidFill>
+                  <a:srgbClr val="00B050"/>
+                </a:solidFill>
+              </a:rPr>
+              <a:t>single asynchronous thread</a:t>
+            </a:r>
+            <a:r>
+              <a:rPr lang="en-GB" dirty="0"/>
+              <a:t>. This is the </a:t>
+            </a:r>
+            <a:r>
+              <a:rPr lang="en-GB" b="1" dirty="0"/>
+              <a:t>cheapest</a:t>
+            </a:r>
+            <a:r>
+              <a:rPr lang="en-GB" dirty="0"/>
+              <a:t> solution for </a:t>
+            </a:r>
+            <a:r>
+              <a:rPr lang="en-GB" b="1" dirty="0"/>
+              <a:t>scaling</a:t>
+            </a:r>
+            <a:r>
+              <a:rPr lang="en-GB" dirty="0"/>
+              <a:t> for large demand, whilst offering </a:t>
+            </a:r>
+            <a:r>
+              <a:rPr lang="en-GB" b="1" dirty="0">
+                <a:solidFill>
+                  <a:schemeClr val="tx1">
+                    <a:lumMod val="95000"/>
+                    <a:lumOff val="5000"/>
+                  </a:schemeClr>
+                </a:solidFill>
+              </a:rPr>
+              <a:t>excellent performance</a:t>
+            </a:r>
+            <a:r>
+              <a:rPr lang="en-GB" dirty="0"/>
+              <a:t>.  Ideal for a </a:t>
+            </a:r>
+            <a:r>
+              <a:rPr lang="en-GB" b="1" dirty="0"/>
+              <a:t>web application</a:t>
+            </a:r>
+            <a:r>
+              <a:rPr lang="en-GB" dirty="0"/>
+              <a:t>.</a:t>
+            </a:r>
+            <a:br>
+              <a:rPr lang="en-GB" dirty="0"/>
+            </a:br>
+            <a:endParaRPr lang="en-GB" dirty="0"/>
+          </a:p>
+          <a:p>
+            <a:pPr marL="285750" indent="-285750">
+              <a:buFont typeface="Arial" panose="020B0604020202020204" pitchFamily="34" charset="0"/>
+              <a:buChar char="•"/>
+            </a:pPr>
+            <a:r>
+              <a:rPr lang="en-GB" dirty="0"/>
+              <a:t>If you want the </a:t>
+            </a:r>
+            <a:r>
+              <a:rPr lang="en-GB" b="1" dirty="0"/>
+              <a:t>greatest performance </a:t>
+            </a:r>
+            <a:r>
+              <a:rPr lang="en-GB" dirty="0"/>
+              <a:t>and don’t need to worry about scalability, you can also go for </a:t>
+            </a:r>
+            <a:r>
+              <a:rPr lang="en-GB" b="1" dirty="0">
+                <a:solidFill>
+                  <a:srgbClr val="00B050"/>
+                </a:solidFill>
+              </a:rPr>
+              <a:t>multiple asynchronous threads</a:t>
+            </a:r>
+            <a:r>
+              <a:rPr lang="en-GB" dirty="0"/>
+              <a:t>. This is ideal for native applications such as a </a:t>
+            </a:r>
+            <a:r>
+              <a:rPr lang="en-GB" b="1" dirty="0"/>
+              <a:t>desktop</a:t>
+            </a:r>
+            <a:r>
+              <a:rPr lang="en-GB" dirty="0"/>
+              <a:t> or </a:t>
+            </a:r>
+            <a:r>
+              <a:rPr lang="en-GB" b="1" dirty="0"/>
+              <a:t>mobile application</a:t>
+            </a:r>
+            <a:r>
+              <a:rPr lang="en-GB" dirty="0"/>
+              <a:t>. </a:t>
+            </a:r>
+          </a:p>
+          <a:p>
+            <a:pPr marL="285750" indent="-285750">
+              <a:buFont typeface="Arial" panose="020B0604020202020204" pitchFamily="34" charset="0"/>
+              <a:buChar char="•"/>
+            </a:pPr>
+            <a:endParaRPr lang="en-GB" b="1" dirty="0">
+              <a:solidFill>
+                <a:srgbClr val="FF0000"/>
+              </a:solidFill>
+            </a:endParaRPr>
+          </a:p>
+          <a:p>
+            <a:pPr marL="285750" indent="-285750">
+              <a:buFont typeface="Arial" panose="020B0604020202020204" pitchFamily="34" charset="0"/>
+              <a:buChar char="•"/>
+            </a:pPr>
+            <a:r>
+              <a:rPr lang="en-GB" b="1" dirty="0">
+                <a:solidFill>
+                  <a:srgbClr val="FF0000"/>
+                </a:solidFill>
+              </a:rPr>
+              <a:t>You should avoid anything synchronous whenever possible</a:t>
+            </a:r>
+            <a:r>
+              <a:rPr lang="en-GB" dirty="0"/>
+              <a:t>. </a:t>
+            </a:r>
+          </a:p>
+          <a:p>
+            <a:pPr marL="285750" indent="-285750">
+              <a:buFont typeface="Arial" panose="020B0604020202020204" pitchFamily="34" charset="0"/>
+              <a:buChar char="•"/>
+            </a:pPr>
+            <a:endParaRPr lang="en-GB" dirty="0"/>
+          </a:p>
+          <a:p>
+            <a:pPr marL="285750" indent="-285750">
+              <a:buFont typeface="Arial" panose="020B0604020202020204" pitchFamily="34" charset="0"/>
+              <a:buChar char="•"/>
+            </a:pPr>
+            <a:r>
+              <a:rPr lang="en-GB" dirty="0"/>
+              <a:t>If you are forced to use synchronous scheduling, it’s best to use multiple threads but only if you have the resources available (i.e. it’s something like a native application and not a web application). </a:t>
+            </a:r>
+          </a:p>
+          <a:p>
+            <a:pPr marL="285750" indent="-285750">
+              <a:buFont typeface="Arial" panose="020B0604020202020204" pitchFamily="34" charset="0"/>
+              <a:buChar char="•"/>
+            </a:pPr>
+            <a:endParaRPr lang="en-GB" dirty="0"/>
+          </a:p>
+        </p:txBody>
+      </p:sp>
+    </p:spTree>
+    <p:extLst>
+      <p:ext uri="{BB962C8B-B14F-4D97-AF65-F5344CB8AC3E}">
+        <p14:creationId xmlns:p14="http://schemas.microsoft.com/office/powerpoint/2010/main" val="668447949"/>
       </p:ext>
     </p:extLst>
   </p:cSld>

--- a/Async and await presentation.pptx
+++ b/Async and await presentation.pptx
@@ -17,13 +17,22 @@
     <p:sldId id="265" r:id="rId11"/>
     <p:sldId id="267" r:id="rId12"/>
     <p:sldId id="268" r:id="rId13"/>
-    <p:sldId id="269" r:id="rId14"/>
-    <p:sldId id="270" r:id="rId15"/>
-    <p:sldId id="274" r:id="rId16"/>
-    <p:sldId id="272" r:id="rId17"/>
-    <p:sldId id="273" r:id="rId18"/>
-    <p:sldId id="275" r:id="rId19"/>
-    <p:sldId id="276" r:id="rId20"/>
+    <p:sldId id="278" r:id="rId14"/>
+    <p:sldId id="279" r:id="rId15"/>
+    <p:sldId id="269" r:id="rId16"/>
+    <p:sldId id="280" r:id="rId17"/>
+    <p:sldId id="281" r:id="rId18"/>
+    <p:sldId id="270" r:id="rId19"/>
+    <p:sldId id="282" r:id="rId20"/>
+    <p:sldId id="283" r:id="rId21"/>
+    <p:sldId id="274" r:id="rId22"/>
+    <p:sldId id="284" r:id="rId23"/>
+    <p:sldId id="285" r:id="rId24"/>
+    <p:sldId id="272" r:id="rId25"/>
+    <p:sldId id="273" r:id="rId26"/>
+    <p:sldId id="275" r:id="rId27"/>
+    <p:sldId id="276" r:id="rId28"/>
+    <p:sldId id="277" r:id="rId29"/>
   </p:sldIdLst>
   <p:sldSz cx="12192000" cy="6858000"/>
   <p:notesSz cx="6858000" cy="9144000"/>
@@ -4174,6 +4183,198 @@
         </p:nvSpPr>
         <p:spPr>
           <a:xfrm>
+            <a:off x="92766" y="0"/>
+            <a:ext cx="11781182" cy="461665"/>
+          </a:xfrm>
+          <a:prstGeom prst="rect">
+            <a:avLst/>
+          </a:prstGeom>
+          <a:noFill/>
+        </p:spPr>
+        <p:txBody>
+          <a:bodyPr wrap="square" rtlCol="0">
+            <a:spAutoFit/>
+          </a:bodyPr>
+          <a:lstStyle/>
+          <a:p>
+            <a:r>
+              <a:rPr lang="en-GB" sz="2400" b="1" dirty="0"/>
+              <a:t>C# code</a:t>
+            </a:r>
+            <a:endParaRPr lang="en-GB" sz="2400" dirty="0"/>
+          </a:p>
+        </p:txBody>
+      </p:sp>
+      <p:pic>
+        <p:nvPicPr>
+          <p:cNvPr id="2" name="Picture 1">
+            <a:extLst>
+              <a:ext uri="{FF2B5EF4-FFF2-40B4-BE49-F238E27FC236}">
+                <a16:creationId xmlns:a16="http://schemas.microsoft.com/office/drawing/2014/main" id="{F0E53A2A-621B-4FCE-9DF0-AB7FF5FFC932}"/>
+              </a:ext>
+            </a:extLst>
+          </p:cNvPr>
+          <p:cNvPicPr>
+            <a:picLocks noChangeAspect="1"/>
+          </p:cNvPicPr>
+          <p:nvPr/>
+        </p:nvPicPr>
+        <p:blipFill>
+          <a:blip r:embed="rId2"/>
+          <a:stretch>
+            <a:fillRect/>
+          </a:stretch>
+        </p:blipFill>
+        <p:spPr>
+          <a:xfrm>
+            <a:off x="92766" y="1128887"/>
+            <a:ext cx="12099234" cy="3795243"/>
+          </a:xfrm>
+          <a:prstGeom prst="rect">
+            <a:avLst/>
+          </a:prstGeom>
+        </p:spPr>
+      </p:pic>
+    </p:spTree>
+    <p:extLst>
+      <p:ext uri="{BB962C8B-B14F-4D97-AF65-F5344CB8AC3E}">
+        <p14:creationId xmlns:p14="http://schemas.microsoft.com/office/powerpoint/2010/main" val="958901359"/>
+      </p:ext>
+    </p:extLst>
+  </p:cSld>
+  <p:clrMapOvr>
+    <a:masterClrMapping/>
+  </p:clrMapOvr>
+</p:sld>
+</file>
+
+<file path=ppt/slides/slide14.xml><?xml version="1.0" encoding="utf-8"?>
+<p:sld xmlns:a="http://schemas.openxmlformats.org/drawingml/2006/main" xmlns:r="http://schemas.openxmlformats.org/officeDocument/2006/relationships" xmlns:p="http://schemas.openxmlformats.org/presentationml/2006/main">
+  <p:cSld>
+    <p:spTree>
+      <p:nvGrpSpPr>
+        <p:cNvPr id="1" name=""/>
+        <p:cNvGrpSpPr/>
+        <p:nvPr/>
+      </p:nvGrpSpPr>
+      <p:grpSpPr>
+        <a:xfrm>
+          <a:off x="0" y="0"/>
+          <a:ext cx="0" cy="0"/>
+          <a:chOff x="0" y="0"/>
+          <a:chExt cx="0" cy="0"/>
+        </a:xfrm>
+      </p:grpSpPr>
+      <p:sp>
+        <p:nvSpPr>
+          <p:cNvPr id="4" name="TextBox 3">
+            <a:extLst>
+              <a:ext uri="{FF2B5EF4-FFF2-40B4-BE49-F238E27FC236}">
+                <a16:creationId xmlns:a16="http://schemas.microsoft.com/office/drawing/2014/main" id="{18767206-9205-42D0-A2AE-5A1017D4CB08}"/>
+              </a:ext>
+            </a:extLst>
+          </p:cNvPr>
+          <p:cNvSpPr txBox="1"/>
+          <p:nvPr/>
+        </p:nvSpPr>
+        <p:spPr>
+          <a:xfrm>
+            <a:off x="92766" y="0"/>
+            <a:ext cx="11781182" cy="461665"/>
+          </a:xfrm>
+          <a:prstGeom prst="rect">
+            <a:avLst/>
+          </a:prstGeom>
+          <a:noFill/>
+        </p:spPr>
+        <p:txBody>
+          <a:bodyPr wrap="square" rtlCol="0">
+            <a:spAutoFit/>
+          </a:bodyPr>
+          <a:lstStyle/>
+          <a:p>
+            <a:r>
+              <a:rPr lang="en-GB" sz="2400" b="1" dirty="0"/>
+              <a:t>Console output (it’s ridiculous)</a:t>
+            </a:r>
+            <a:endParaRPr lang="en-GB" sz="2400" dirty="0"/>
+          </a:p>
+        </p:txBody>
+      </p:sp>
+      <p:pic>
+        <p:nvPicPr>
+          <p:cNvPr id="3" name="Picture 2">
+            <a:extLst>
+              <a:ext uri="{FF2B5EF4-FFF2-40B4-BE49-F238E27FC236}">
+                <a16:creationId xmlns:a16="http://schemas.microsoft.com/office/drawing/2014/main" id="{E1D53F19-A8EF-4396-8991-47377EBD5ECE}"/>
+              </a:ext>
+            </a:extLst>
+          </p:cNvPr>
+          <p:cNvPicPr>
+            <a:picLocks noChangeAspect="1"/>
+          </p:cNvPicPr>
+          <p:nvPr/>
+        </p:nvPicPr>
+        <p:blipFill>
+          <a:blip r:embed="rId2"/>
+          <a:stretch>
+            <a:fillRect/>
+          </a:stretch>
+        </p:blipFill>
+        <p:spPr>
+          <a:xfrm>
+            <a:off x="92766" y="461664"/>
+            <a:ext cx="10590076" cy="6396335"/>
+          </a:xfrm>
+          <a:prstGeom prst="rect">
+            <a:avLst/>
+          </a:prstGeom>
+        </p:spPr>
+      </p:pic>
+    </p:spTree>
+    <p:extLst>
+      <p:ext uri="{BB962C8B-B14F-4D97-AF65-F5344CB8AC3E}">
+        <p14:creationId xmlns:p14="http://schemas.microsoft.com/office/powerpoint/2010/main" val="3830813071"/>
+      </p:ext>
+    </p:extLst>
+  </p:cSld>
+  <p:clrMapOvr>
+    <a:masterClrMapping/>
+  </p:clrMapOvr>
+</p:sld>
+</file>
+
+<file path=ppt/slides/slide15.xml><?xml version="1.0" encoding="utf-8"?>
+<p:sld xmlns:a="http://schemas.openxmlformats.org/drawingml/2006/main" xmlns:r="http://schemas.openxmlformats.org/officeDocument/2006/relationships" xmlns:p="http://schemas.openxmlformats.org/presentationml/2006/main">
+  <p:cSld>
+    <p:spTree>
+      <p:nvGrpSpPr>
+        <p:cNvPr id="1" name=""/>
+        <p:cNvGrpSpPr/>
+        <p:nvPr/>
+      </p:nvGrpSpPr>
+      <p:grpSpPr>
+        <a:xfrm>
+          <a:off x="0" y="0"/>
+          <a:ext cx="0" cy="0"/>
+          <a:chOff x="0" y="0"/>
+          <a:chExt cx="0" cy="0"/>
+        </a:xfrm>
+      </p:grpSpPr>
+      <p:sp>
+        <p:nvSpPr>
+          <p:cNvPr id="4" name="TextBox 3">
+            <a:extLst>
+              <a:ext uri="{FF2B5EF4-FFF2-40B4-BE49-F238E27FC236}">
+                <a16:creationId xmlns:a16="http://schemas.microsoft.com/office/drawing/2014/main" id="{18767206-9205-42D0-A2AE-5A1017D4CB08}"/>
+              </a:ext>
+            </a:extLst>
+          </p:cNvPr>
+          <p:cNvSpPr txBox="1"/>
+          <p:nvPr/>
+        </p:nvSpPr>
+        <p:spPr>
+          <a:xfrm>
             <a:off x="145775" y="132522"/>
             <a:ext cx="11781182" cy="6586418"/>
           </a:xfrm>
@@ -4455,7 +4656,199 @@
 </p:sld>
 </file>
 
-<file path=ppt/slides/slide14.xml><?xml version="1.0" encoding="utf-8"?>
+<file path=ppt/slides/slide16.xml><?xml version="1.0" encoding="utf-8"?>
+<p:sld xmlns:a="http://schemas.openxmlformats.org/drawingml/2006/main" xmlns:r="http://schemas.openxmlformats.org/officeDocument/2006/relationships" xmlns:p="http://schemas.openxmlformats.org/presentationml/2006/main">
+  <p:cSld>
+    <p:spTree>
+      <p:nvGrpSpPr>
+        <p:cNvPr id="1" name=""/>
+        <p:cNvGrpSpPr/>
+        <p:nvPr/>
+      </p:nvGrpSpPr>
+      <p:grpSpPr>
+        <a:xfrm>
+          <a:off x="0" y="0"/>
+          <a:ext cx="0" cy="0"/>
+          <a:chOff x="0" y="0"/>
+          <a:chExt cx="0" cy="0"/>
+        </a:xfrm>
+      </p:grpSpPr>
+      <p:sp>
+        <p:nvSpPr>
+          <p:cNvPr id="4" name="TextBox 3">
+            <a:extLst>
+              <a:ext uri="{FF2B5EF4-FFF2-40B4-BE49-F238E27FC236}">
+                <a16:creationId xmlns:a16="http://schemas.microsoft.com/office/drawing/2014/main" id="{18767206-9205-42D0-A2AE-5A1017D4CB08}"/>
+              </a:ext>
+            </a:extLst>
+          </p:cNvPr>
+          <p:cNvSpPr txBox="1"/>
+          <p:nvPr/>
+        </p:nvSpPr>
+        <p:spPr>
+          <a:xfrm>
+            <a:off x="92766" y="0"/>
+            <a:ext cx="11781182" cy="461665"/>
+          </a:xfrm>
+          <a:prstGeom prst="rect">
+            <a:avLst/>
+          </a:prstGeom>
+          <a:noFill/>
+        </p:spPr>
+        <p:txBody>
+          <a:bodyPr wrap="square" rtlCol="0">
+            <a:spAutoFit/>
+          </a:bodyPr>
+          <a:lstStyle/>
+          <a:p>
+            <a:r>
+              <a:rPr lang="en-GB" sz="2400" b="1" dirty="0"/>
+              <a:t>C# code</a:t>
+            </a:r>
+            <a:endParaRPr lang="en-GB" sz="2400" dirty="0"/>
+          </a:p>
+        </p:txBody>
+      </p:sp>
+      <p:pic>
+        <p:nvPicPr>
+          <p:cNvPr id="3" name="Picture 2">
+            <a:extLst>
+              <a:ext uri="{FF2B5EF4-FFF2-40B4-BE49-F238E27FC236}">
+                <a16:creationId xmlns:a16="http://schemas.microsoft.com/office/drawing/2014/main" id="{B97CC702-914B-4F62-B18E-EF99143E2B1F}"/>
+              </a:ext>
+            </a:extLst>
+          </p:cNvPr>
+          <p:cNvPicPr>
+            <a:picLocks noChangeAspect="1"/>
+          </p:cNvPicPr>
+          <p:nvPr/>
+        </p:nvPicPr>
+        <p:blipFill>
+          <a:blip r:embed="rId2"/>
+          <a:stretch>
+            <a:fillRect/>
+          </a:stretch>
+        </p:blipFill>
+        <p:spPr>
+          <a:xfrm>
+            <a:off x="55303" y="604539"/>
+            <a:ext cx="12136697" cy="4867573"/>
+          </a:xfrm>
+          <a:prstGeom prst="rect">
+            <a:avLst/>
+          </a:prstGeom>
+        </p:spPr>
+      </p:pic>
+    </p:spTree>
+    <p:extLst>
+      <p:ext uri="{BB962C8B-B14F-4D97-AF65-F5344CB8AC3E}">
+        <p14:creationId xmlns:p14="http://schemas.microsoft.com/office/powerpoint/2010/main" val="4254138918"/>
+      </p:ext>
+    </p:extLst>
+  </p:cSld>
+  <p:clrMapOvr>
+    <a:masterClrMapping/>
+  </p:clrMapOvr>
+</p:sld>
+</file>
+
+<file path=ppt/slides/slide17.xml><?xml version="1.0" encoding="utf-8"?>
+<p:sld xmlns:a="http://schemas.openxmlformats.org/drawingml/2006/main" xmlns:r="http://schemas.openxmlformats.org/officeDocument/2006/relationships" xmlns:p="http://schemas.openxmlformats.org/presentationml/2006/main">
+  <p:cSld>
+    <p:spTree>
+      <p:nvGrpSpPr>
+        <p:cNvPr id="1" name=""/>
+        <p:cNvGrpSpPr/>
+        <p:nvPr/>
+      </p:nvGrpSpPr>
+      <p:grpSpPr>
+        <a:xfrm>
+          <a:off x="0" y="0"/>
+          <a:ext cx="0" cy="0"/>
+          <a:chOff x="0" y="0"/>
+          <a:chExt cx="0" cy="0"/>
+        </a:xfrm>
+      </p:grpSpPr>
+      <p:sp>
+        <p:nvSpPr>
+          <p:cNvPr id="4" name="TextBox 3">
+            <a:extLst>
+              <a:ext uri="{FF2B5EF4-FFF2-40B4-BE49-F238E27FC236}">
+                <a16:creationId xmlns:a16="http://schemas.microsoft.com/office/drawing/2014/main" id="{18767206-9205-42D0-A2AE-5A1017D4CB08}"/>
+              </a:ext>
+            </a:extLst>
+          </p:cNvPr>
+          <p:cNvSpPr txBox="1"/>
+          <p:nvPr/>
+        </p:nvSpPr>
+        <p:spPr>
+          <a:xfrm>
+            <a:off x="92766" y="0"/>
+            <a:ext cx="11781182" cy="461665"/>
+          </a:xfrm>
+          <a:prstGeom prst="rect">
+            <a:avLst/>
+          </a:prstGeom>
+          <a:noFill/>
+        </p:spPr>
+        <p:txBody>
+          <a:bodyPr wrap="square" rtlCol="0">
+            <a:spAutoFit/>
+          </a:bodyPr>
+          <a:lstStyle/>
+          <a:p>
+            <a:r>
+              <a:rPr lang="en-GB" sz="2400" b="1" dirty="0"/>
+              <a:t>Console output (much better!)</a:t>
+            </a:r>
+            <a:endParaRPr lang="en-GB" sz="2400" dirty="0"/>
+          </a:p>
+        </p:txBody>
+      </p:sp>
+      <p:pic>
+        <p:nvPicPr>
+          <p:cNvPr id="2" name="Picture 1">
+            <a:extLst>
+              <a:ext uri="{FF2B5EF4-FFF2-40B4-BE49-F238E27FC236}">
+                <a16:creationId xmlns:a16="http://schemas.microsoft.com/office/drawing/2014/main" id="{7D32DCD1-FC14-4C9E-BBB2-C07C0D1D088C}"/>
+              </a:ext>
+            </a:extLst>
+          </p:cNvPr>
+          <p:cNvPicPr>
+            <a:picLocks noChangeAspect="1"/>
+          </p:cNvPicPr>
+          <p:nvPr/>
+        </p:nvPicPr>
+        <p:blipFill>
+          <a:blip r:embed="rId2"/>
+          <a:stretch>
+            <a:fillRect/>
+          </a:stretch>
+        </p:blipFill>
+        <p:spPr>
+          <a:xfrm>
+            <a:off x="92766" y="461665"/>
+            <a:ext cx="10403447" cy="6293656"/>
+          </a:xfrm>
+          <a:prstGeom prst="rect">
+            <a:avLst/>
+          </a:prstGeom>
+        </p:spPr>
+      </p:pic>
+    </p:spTree>
+    <p:extLst>
+      <p:ext uri="{BB962C8B-B14F-4D97-AF65-F5344CB8AC3E}">
+        <p14:creationId xmlns:p14="http://schemas.microsoft.com/office/powerpoint/2010/main" val="853559864"/>
+      </p:ext>
+    </p:extLst>
+  </p:cSld>
+  <p:clrMapOvr>
+    <a:masterClrMapping/>
+  </p:clrMapOvr>
+</p:sld>
+</file>
+
+<file path=ppt/slides/slide18.xml><?xml version="1.0" encoding="utf-8"?>
 <p:sld xmlns:a="http://schemas.openxmlformats.org/drawingml/2006/main" xmlns:r="http://schemas.openxmlformats.org/officeDocument/2006/relationships" xmlns:p="http://schemas.openxmlformats.org/presentationml/2006/main">
   <p:cSld>
     <p:spTree>
@@ -6249,7 +6642,265 @@
 </p:sld>
 </file>
 
-<file path=ppt/slides/slide15.xml><?xml version="1.0" encoding="utf-8"?>
+<file path=ppt/slides/slide19.xml><?xml version="1.0" encoding="utf-8"?>
+<p:sld xmlns:a="http://schemas.openxmlformats.org/drawingml/2006/main" xmlns:r="http://schemas.openxmlformats.org/officeDocument/2006/relationships" xmlns:p="http://schemas.openxmlformats.org/presentationml/2006/main">
+  <p:cSld>
+    <p:spTree>
+      <p:nvGrpSpPr>
+        <p:cNvPr id="1" name=""/>
+        <p:cNvGrpSpPr/>
+        <p:nvPr/>
+      </p:nvGrpSpPr>
+      <p:grpSpPr>
+        <a:xfrm>
+          <a:off x="0" y="0"/>
+          <a:ext cx="0" cy="0"/>
+          <a:chOff x="0" y="0"/>
+          <a:chExt cx="0" cy="0"/>
+        </a:xfrm>
+      </p:grpSpPr>
+      <p:sp>
+        <p:nvSpPr>
+          <p:cNvPr id="4" name="TextBox 3">
+            <a:extLst>
+              <a:ext uri="{FF2B5EF4-FFF2-40B4-BE49-F238E27FC236}">
+                <a16:creationId xmlns:a16="http://schemas.microsoft.com/office/drawing/2014/main" id="{18767206-9205-42D0-A2AE-5A1017D4CB08}"/>
+              </a:ext>
+            </a:extLst>
+          </p:cNvPr>
+          <p:cNvSpPr txBox="1"/>
+          <p:nvPr/>
+        </p:nvSpPr>
+        <p:spPr>
+          <a:xfrm>
+            <a:off x="92766" y="0"/>
+            <a:ext cx="11781182" cy="461665"/>
+          </a:xfrm>
+          <a:prstGeom prst="rect">
+            <a:avLst/>
+          </a:prstGeom>
+          <a:noFill/>
+        </p:spPr>
+        <p:txBody>
+          <a:bodyPr wrap="square" rtlCol="0">
+            <a:spAutoFit/>
+          </a:bodyPr>
+          <a:lstStyle/>
+          <a:p>
+            <a:r>
+              <a:rPr lang="en-GB" sz="2400" b="1" dirty="0"/>
+              <a:t>C# code</a:t>
+            </a:r>
+            <a:endParaRPr lang="en-GB" sz="2400" dirty="0"/>
+          </a:p>
+        </p:txBody>
+      </p:sp>
+      <p:pic>
+        <p:nvPicPr>
+          <p:cNvPr id="2" name="Picture 1">
+            <a:extLst>
+              <a:ext uri="{FF2B5EF4-FFF2-40B4-BE49-F238E27FC236}">
+                <a16:creationId xmlns:a16="http://schemas.microsoft.com/office/drawing/2014/main" id="{471C1663-CEED-4B2D-BE1A-673138594107}"/>
+              </a:ext>
+            </a:extLst>
+          </p:cNvPr>
+          <p:cNvPicPr>
+            <a:picLocks noChangeAspect="1"/>
+          </p:cNvPicPr>
+          <p:nvPr/>
+        </p:nvPicPr>
+        <p:blipFill>
+          <a:blip r:embed="rId2"/>
+          <a:stretch>
+            <a:fillRect/>
+          </a:stretch>
+        </p:blipFill>
+        <p:spPr>
+          <a:xfrm>
+            <a:off x="-1" y="561678"/>
+            <a:ext cx="12176261" cy="4696121"/>
+          </a:xfrm>
+          <a:prstGeom prst="rect">
+            <a:avLst/>
+          </a:prstGeom>
+        </p:spPr>
+      </p:pic>
+    </p:spTree>
+    <p:extLst>
+      <p:ext uri="{BB962C8B-B14F-4D97-AF65-F5344CB8AC3E}">
+        <p14:creationId xmlns:p14="http://schemas.microsoft.com/office/powerpoint/2010/main" val="1810673536"/>
+      </p:ext>
+    </p:extLst>
+  </p:cSld>
+  <p:clrMapOvr>
+    <a:masterClrMapping/>
+  </p:clrMapOvr>
+</p:sld>
+</file>
+
+<file path=ppt/slides/slide2.xml><?xml version="1.0" encoding="utf-8"?>
+<p:sld xmlns:a="http://schemas.openxmlformats.org/drawingml/2006/main" xmlns:r="http://schemas.openxmlformats.org/officeDocument/2006/relationships" xmlns:p="http://schemas.openxmlformats.org/presentationml/2006/main">
+  <p:cSld>
+    <p:spTree>
+      <p:nvGrpSpPr>
+        <p:cNvPr id="1" name=""/>
+        <p:cNvGrpSpPr/>
+        <p:nvPr/>
+      </p:nvGrpSpPr>
+      <p:grpSpPr>
+        <a:xfrm>
+          <a:off x="0" y="0"/>
+          <a:ext cx="0" cy="0"/>
+          <a:chOff x="0" y="0"/>
+          <a:chExt cx="0" cy="0"/>
+        </a:xfrm>
+      </p:grpSpPr>
+      <p:sp>
+        <p:nvSpPr>
+          <p:cNvPr id="2" name="Title 1">
+            <a:extLst>
+              <a:ext uri="{FF2B5EF4-FFF2-40B4-BE49-F238E27FC236}">
+                <a16:creationId xmlns:a16="http://schemas.microsoft.com/office/drawing/2014/main" id="{267862F2-D4D4-4F5B-B69F-65226C837768}"/>
+              </a:ext>
+            </a:extLst>
+          </p:cNvPr>
+          <p:cNvSpPr>
+            <a:spLocks noGrp="1"/>
+          </p:cNvSpPr>
+          <p:nvPr>
+            <p:ph type="ctrTitle"/>
+          </p:nvPr>
+        </p:nvSpPr>
+        <p:spPr/>
+        <p:txBody>
+          <a:bodyPr/>
+          <a:lstStyle/>
+          <a:p>
+            <a:r>
+              <a:rPr lang="en-GB" dirty="0"/>
+              <a:t>Task, Task&lt;T&gt;, Thread and </a:t>
+            </a:r>
+            <a:r>
+              <a:rPr lang="en-GB" dirty="0" err="1"/>
+              <a:t>ThreadPool</a:t>
+            </a:r>
+            <a:r>
+              <a:rPr lang="en-GB" dirty="0"/>
+              <a:t> classes in C#</a:t>
+            </a:r>
+          </a:p>
+        </p:txBody>
+      </p:sp>
+    </p:spTree>
+    <p:extLst>
+      <p:ext uri="{BB962C8B-B14F-4D97-AF65-F5344CB8AC3E}">
+        <p14:creationId xmlns:p14="http://schemas.microsoft.com/office/powerpoint/2010/main" val="2052231843"/>
+      </p:ext>
+    </p:extLst>
+  </p:cSld>
+  <p:clrMapOvr>
+    <a:masterClrMapping/>
+  </p:clrMapOvr>
+</p:sld>
+</file>
+
+<file path=ppt/slides/slide20.xml><?xml version="1.0" encoding="utf-8"?>
+<p:sld xmlns:a="http://schemas.openxmlformats.org/drawingml/2006/main" xmlns:r="http://schemas.openxmlformats.org/officeDocument/2006/relationships" xmlns:p="http://schemas.openxmlformats.org/presentationml/2006/main">
+  <p:cSld>
+    <p:spTree>
+      <p:nvGrpSpPr>
+        <p:cNvPr id="1" name=""/>
+        <p:cNvGrpSpPr/>
+        <p:nvPr/>
+      </p:nvGrpSpPr>
+      <p:grpSpPr>
+        <a:xfrm>
+          <a:off x="0" y="0"/>
+          <a:ext cx="0" cy="0"/>
+          <a:chOff x="0" y="0"/>
+          <a:chExt cx="0" cy="0"/>
+        </a:xfrm>
+      </p:grpSpPr>
+      <p:sp>
+        <p:nvSpPr>
+          <p:cNvPr id="4" name="TextBox 3">
+            <a:extLst>
+              <a:ext uri="{FF2B5EF4-FFF2-40B4-BE49-F238E27FC236}">
+                <a16:creationId xmlns:a16="http://schemas.microsoft.com/office/drawing/2014/main" id="{18767206-9205-42D0-A2AE-5A1017D4CB08}"/>
+              </a:ext>
+            </a:extLst>
+          </p:cNvPr>
+          <p:cNvSpPr txBox="1"/>
+          <p:nvPr/>
+        </p:nvSpPr>
+        <p:spPr>
+          <a:xfrm>
+            <a:off x="92766" y="0"/>
+            <a:ext cx="11781182" cy="461665"/>
+          </a:xfrm>
+          <a:prstGeom prst="rect">
+            <a:avLst/>
+          </a:prstGeom>
+          <a:noFill/>
+        </p:spPr>
+        <p:txBody>
+          <a:bodyPr wrap="square" rtlCol="0">
+            <a:spAutoFit/>
+          </a:bodyPr>
+          <a:lstStyle/>
+          <a:p>
+            <a:r>
+              <a:rPr lang="en-GB" sz="2400" b="1" dirty="0"/>
+              <a:t>Console output</a:t>
+            </a:r>
+            <a:endParaRPr lang="en-GB" sz="2400" dirty="0"/>
+          </a:p>
+        </p:txBody>
+      </p:sp>
+      <p:pic>
+        <p:nvPicPr>
+          <p:cNvPr id="3" name="Picture 2">
+            <a:extLst>
+              <a:ext uri="{FF2B5EF4-FFF2-40B4-BE49-F238E27FC236}">
+                <a16:creationId xmlns:a16="http://schemas.microsoft.com/office/drawing/2014/main" id="{0E9AC200-3883-4BCC-B509-915A2D9FA9DB}"/>
+              </a:ext>
+            </a:extLst>
+          </p:cNvPr>
+          <p:cNvPicPr>
+            <a:picLocks noChangeAspect="1"/>
+          </p:cNvPicPr>
+          <p:nvPr/>
+        </p:nvPicPr>
+        <p:blipFill>
+          <a:blip r:embed="rId2"/>
+          <a:stretch>
+            <a:fillRect/>
+          </a:stretch>
+        </p:blipFill>
+        <p:spPr>
+          <a:xfrm>
+            <a:off x="92766" y="461665"/>
+            <a:ext cx="10572750" cy="6389162"/>
+          </a:xfrm>
+          <a:prstGeom prst="rect">
+            <a:avLst/>
+          </a:prstGeom>
+        </p:spPr>
+      </p:pic>
+    </p:spTree>
+    <p:extLst>
+      <p:ext uri="{BB962C8B-B14F-4D97-AF65-F5344CB8AC3E}">
+        <p14:creationId xmlns:p14="http://schemas.microsoft.com/office/powerpoint/2010/main" val="1766141593"/>
+      </p:ext>
+    </p:extLst>
+  </p:cSld>
+  <p:clrMapOvr>
+    <a:masterClrMapping/>
+  </p:clrMapOvr>
+</p:sld>
+</file>
+
+<file path=ppt/slides/slide21.xml><?xml version="1.0" encoding="utf-8"?>
 <p:sld xmlns:a="http://schemas.openxmlformats.org/drawingml/2006/main" xmlns:r="http://schemas.openxmlformats.org/officeDocument/2006/relationships" xmlns:p="http://schemas.openxmlformats.org/presentationml/2006/main">
   <p:cSld>
     <p:spTree>
@@ -7611,7 +8262,199 @@
 </p:sld>
 </file>
 
-<file path=ppt/slides/slide16.xml><?xml version="1.0" encoding="utf-8"?>
+<file path=ppt/slides/slide22.xml><?xml version="1.0" encoding="utf-8"?>
+<p:sld xmlns:a="http://schemas.openxmlformats.org/drawingml/2006/main" xmlns:r="http://schemas.openxmlformats.org/officeDocument/2006/relationships" xmlns:p="http://schemas.openxmlformats.org/presentationml/2006/main">
+  <p:cSld>
+    <p:spTree>
+      <p:nvGrpSpPr>
+        <p:cNvPr id="1" name=""/>
+        <p:cNvGrpSpPr/>
+        <p:nvPr/>
+      </p:nvGrpSpPr>
+      <p:grpSpPr>
+        <a:xfrm>
+          <a:off x="0" y="0"/>
+          <a:ext cx="0" cy="0"/>
+          <a:chOff x="0" y="0"/>
+          <a:chExt cx="0" cy="0"/>
+        </a:xfrm>
+      </p:grpSpPr>
+      <p:sp>
+        <p:nvSpPr>
+          <p:cNvPr id="4" name="TextBox 3">
+            <a:extLst>
+              <a:ext uri="{FF2B5EF4-FFF2-40B4-BE49-F238E27FC236}">
+                <a16:creationId xmlns:a16="http://schemas.microsoft.com/office/drawing/2014/main" id="{18767206-9205-42D0-A2AE-5A1017D4CB08}"/>
+              </a:ext>
+            </a:extLst>
+          </p:cNvPr>
+          <p:cNvSpPr txBox="1"/>
+          <p:nvPr/>
+        </p:nvSpPr>
+        <p:spPr>
+          <a:xfrm>
+            <a:off x="92766" y="0"/>
+            <a:ext cx="11781182" cy="461665"/>
+          </a:xfrm>
+          <a:prstGeom prst="rect">
+            <a:avLst/>
+          </a:prstGeom>
+          <a:noFill/>
+        </p:spPr>
+        <p:txBody>
+          <a:bodyPr wrap="square" rtlCol="0">
+            <a:spAutoFit/>
+          </a:bodyPr>
+          <a:lstStyle/>
+          <a:p>
+            <a:r>
+              <a:rPr lang="en-GB" sz="2400" b="1" dirty="0"/>
+              <a:t>C# code</a:t>
+            </a:r>
+            <a:endParaRPr lang="en-GB" sz="2400" dirty="0"/>
+          </a:p>
+        </p:txBody>
+      </p:sp>
+      <p:pic>
+        <p:nvPicPr>
+          <p:cNvPr id="3" name="Picture 2">
+            <a:extLst>
+              <a:ext uri="{FF2B5EF4-FFF2-40B4-BE49-F238E27FC236}">
+                <a16:creationId xmlns:a16="http://schemas.microsoft.com/office/drawing/2014/main" id="{7F4ECC8A-89E9-42B0-8371-B0001F0B7FA5}"/>
+              </a:ext>
+            </a:extLst>
+          </p:cNvPr>
+          <p:cNvPicPr>
+            <a:picLocks noChangeAspect="1"/>
+          </p:cNvPicPr>
+          <p:nvPr/>
+        </p:nvPicPr>
+        <p:blipFill>
+          <a:blip r:embed="rId2"/>
+          <a:stretch>
+            <a:fillRect/>
+          </a:stretch>
+        </p:blipFill>
+        <p:spPr>
+          <a:xfrm>
+            <a:off x="92766" y="461665"/>
+            <a:ext cx="12099234" cy="5251191"/>
+          </a:xfrm>
+          <a:prstGeom prst="rect">
+            <a:avLst/>
+          </a:prstGeom>
+        </p:spPr>
+      </p:pic>
+    </p:spTree>
+    <p:extLst>
+      <p:ext uri="{BB962C8B-B14F-4D97-AF65-F5344CB8AC3E}">
+        <p14:creationId xmlns:p14="http://schemas.microsoft.com/office/powerpoint/2010/main" val="3741628391"/>
+      </p:ext>
+    </p:extLst>
+  </p:cSld>
+  <p:clrMapOvr>
+    <a:masterClrMapping/>
+  </p:clrMapOvr>
+</p:sld>
+</file>
+
+<file path=ppt/slides/slide23.xml><?xml version="1.0" encoding="utf-8"?>
+<p:sld xmlns:a="http://schemas.openxmlformats.org/drawingml/2006/main" xmlns:r="http://schemas.openxmlformats.org/officeDocument/2006/relationships" xmlns:p="http://schemas.openxmlformats.org/presentationml/2006/main">
+  <p:cSld>
+    <p:spTree>
+      <p:nvGrpSpPr>
+        <p:cNvPr id="1" name=""/>
+        <p:cNvGrpSpPr/>
+        <p:nvPr/>
+      </p:nvGrpSpPr>
+      <p:grpSpPr>
+        <a:xfrm>
+          <a:off x="0" y="0"/>
+          <a:ext cx="0" cy="0"/>
+          <a:chOff x="0" y="0"/>
+          <a:chExt cx="0" cy="0"/>
+        </a:xfrm>
+      </p:grpSpPr>
+      <p:sp>
+        <p:nvSpPr>
+          <p:cNvPr id="4" name="TextBox 3">
+            <a:extLst>
+              <a:ext uri="{FF2B5EF4-FFF2-40B4-BE49-F238E27FC236}">
+                <a16:creationId xmlns:a16="http://schemas.microsoft.com/office/drawing/2014/main" id="{18767206-9205-42D0-A2AE-5A1017D4CB08}"/>
+              </a:ext>
+            </a:extLst>
+          </p:cNvPr>
+          <p:cNvSpPr txBox="1"/>
+          <p:nvPr/>
+        </p:nvSpPr>
+        <p:spPr>
+          <a:xfrm>
+            <a:off x="92766" y="0"/>
+            <a:ext cx="11781182" cy="461665"/>
+          </a:xfrm>
+          <a:prstGeom prst="rect">
+            <a:avLst/>
+          </a:prstGeom>
+          <a:noFill/>
+        </p:spPr>
+        <p:txBody>
+          <a:bodyPr wrap="square" rtlCol="0">
+            <a:spAutoFit/>
+          </a:bodyPr>
+          <a:lstStyle/>
+          <a:p>
+            <a:r>
+              <a:rPr lang="en-GB" sz="2400" b="1" dirty="0"/>
+              <a:t>Console output</a:t>
+            </a:r>
+            <a:endParaRPr lang="en-GB" sz="2400" dirty="0"/>
+          </a:p>
+        </p:txBody>
+      </p:sp>
+      <p:pic>
+        <p:nvPicPr>
+          <p:cNvPr id="2" name="Picture 1">
+            <a:extLst>
+              <a:ext uri="{FF2B5EF4-FFF2-40B4-BE49-F238E27FC236}">
+                <a16:creationId xmlns:a16="http://schemas.microsoft.com/office/drawing/2014/main" id="{ADE4BFCB-E35D-465C-8495-BF8ACF04310A}"/>
+              </a:ext>
+            </a:extLst>
+          </p:cNvPr>
+          <p:cNvPicPr>
+            <a:picLocks noChangeAspect="1"/>
+          </p:cNvPicPr>
+          <p:nvPr/>
+        </p:nvPicPr>
+        <p:blipFill>
+          <a:blip r:embed="rId2"/>
+          <a:stretch>
+            <a:fillRect/>
+          </a:stretch>
+        </p:blipFill>
+        <p:spPr>
+          <a:xfrm>
+            <a:off x="92766" y="461664"/>
+            <a:ext cx="10465697" cy="6341797"/>
+          </a:xfrm>
+          <a:prstGeom prst="rect">
+            <a:avLst/>
+          </a:prstGeom>
+        </p:spPr>
+      </p:pic>
+    </p:spTree>
+    <p:extLst>
+      <p:ext uri="{BB962C8B-B14F-4D97-AF65-F5344CB8AC3E}">
+        <p14:creationId xmlns:p14="http://schemas.microsoft.com/office/powerpoint/2010/main" val="3178368922"/>
+      </p:ext>
+    </p:extLst>
+  </p:cSld>
+  <p:clrMapOvr>
+    <a:masterClrMapping/>
+  </p:clrMapOvr>
+</p:sld>
+</file>
+
+<file path=ppt/slides/slide24.xml><?xml version="1.0" encoding="utf-8"?>
 <p:sld xmlns:a="http://schemas.openxmlformats.org/drawingml/2006/main" xmlns:r="http://schemas.openxmlformats.org/officeDocument/2006/relationships" xmlns:p="http://schemas.openxmlformats.org/presentationml/2006/main">
   <p:cSld>
     <p:spTree>
@@ -7775,7 +8618,7 @@
 </p:sld>
 </file>
 
-<file path=ppt/slides/slide17.xml><?xml version="1.0" encoding="utf-8"?>
+<file path=ppt/slides/slide25.xml><?xml version="1.0" encoding="utf-8"?>
 <p:sld xmlns:a="http://schemas.openxmlformats.org/drawingml/2006/main" xmlns:r="http://schemas.openxmlformats.org/officeDocument/2006/relationships" xmlns:p="http://schemas.openxmlformats.org/presentationml/2006/main">
   <p:cSld>
     <p:spTree>
@@ -7841,11 +8684,11 @@
             </a:r>
             <a:r>
               <a:rPr lang="en-GB" sz="2200" b="1" dirty="0"/>
-              <a:t>unless you’re using ASP.NET</a:t>
+              <a:t>unless you’re using building a web application </a:t>
             </a:r>
             <a:r>
               <a:rPr lang="en-GB" sz="2200" dirty="0"/>
-              <a:t> (more on this later). </a:t>
+              <a:t>(more on this later). </a:t>
             </a:r>
           </a:p>
           <a:p>
@@ -7947,7 +8790,7 @@
 </p:sld>
 </file>
 
-<file path=ppt/slides/slide18.xml><?xml version="1.0" encoding="utf-8"?>
+<file path=ppt/slides/slide26.xml><?xml version="1.0" encoding="utf-8"?>
 <p:sld xmlns:a="http://schemas.openxmlformats.org/drawingml/2006/main" xmlns:r="http://schemas.openxmlformats.org/officeDocument/2006/relationships" xmlns:p="http://schemas.openxmlformats.org/presentationml/2006/main">
   <p:cSld>
     <p:spTree>
@@ -8159,7 +9002,7 @@
 </p:sld>
 </file>
 
-<file path=ppt/slides/slide19.xml><?xml version="1.0" encoding="utf-8"?>
+<file path=ppt/slides/slide27.xml><?xml version="1.0" encoding="utf-8"?>
 <p:sld xmlns:a="http://schemas.openxmlformats.org/drawingml/2006/main" xmlns:r="http://schemas.openxmlformats.org/officeDocument/2006/relationships" xmlns:p="http://schemas.openxmlformats.org/presentationml/2006/main">
   <p:cSld>
     <p:spTree>
@@ -9260,7 +10103,7 @@
 </p:sld>
 </file>
 
-<file path=ppt/slides/slide2.xml><?xml version="1.0" encoding="utf-8"?>
+<file path=ppt/slides/slide28.xml><?xml version="1.0" encoding="utf-8"?>
 <p:sld xmlns:a="http://schemas.openxmlformats.org/drawingml/2006/main" xmlns:r="http://schemas.openxmlformats.org/officeDocument/2006/relationships" xmlns:p="http://schemas.openxmlformats.org/presentationml/2006/main">
   <p:cSld>
     <p:spTree>
@@ -9279,36 +10122,141 @@
       </p:grpSpPr>
       <p:sp>
         <p:nvSpPr>
-          <p:cNvPr id="2" name="Title 1">
+          <p:cNvPr id="4" name="TextBox 3">
             <a:extLst>
               <a:ext uri="{FF2B5EF4-FFF2-40B4-BE49-F238E27FC236}">
-                <a16:creationId xmlns:a16="http://schemas.microsoft.com/office/drawing/2014/main" id="{267862F2-D4D4-4F5B-B69F-65226C837768}"/>
+                <a16:creationId xmlns:a16="http://schemas.microsoft.com/office/drawing/2014/main" id="{18767206-9205-42D0-A2AE-5A1017D4CB08}"/>
               </a:ext>
             </a:extLst>
           </p:cNvPr>
-          <p:cNvSpPr>
-            <a:spLocks noGrp="1"/>
-          </p:cNvSpPr>
-          <p:nvPr>
-            <p:ph type="ctrTitle"/>
-          </p:nvPr>
+          <p:cNvSpPr txBox="1"/>
+          <p:nvPr/>
         </p:nvSpPr>
-        <p:spPr/>
+        <p:spPr>
+          <a:xfrm>
+            <a:off x="278297" y="212034"/>
+            <a:ext cx="11781182" cy="6524863"/>
+          </a:xfrm>
+          <a:prstGeom prst="rect">
+            <a:avLst/>
+          </a:prstGeom>
+          <a:noFill/>
+        </p:spPr>
         <p:txBody>
-          <a:bodyPr/>
+          <a:bodyPr wrap="square" rtlCol="0">
+            <a:spAutoFit/>
+          </a:bodyPr>
           <a:lstStyle/>
           <a:p>
             <a:r>
-              <a:rPr lang="en-GB" dirty="0"/>
-              <a:t>Task, Task&lt;T&gt;, Thread and </a:t>
-            </a:r>
-            <a:r>
-              <a:rPr lang="en-GB" dirty="0" err="1"/>
-              <a:t>ThreadPool</a:t>
-            </a:r>
-            <a:r>
-              <a:rPr lang="en-GB" dirty="0"/>
-              <a:t> classes in C#</a:t>
+              <a:rPr lang="en-GB" sz="2200" b="1" dirty="0"/>
+              <a:t>Multithreading is not for everyone</a:t>
+            </a:r>
+          </a:p>
+          <a:p>
+            <a:endParaRPr lang="en-GB" sz="2200" b="1" dirty="0"/>
+          </a:p>
+          <a:p>
+            <a:r>
+              <a:rPr lang="en-GB" sz="2200" b="1" dirty="0"/>
+              <a:t>Native applications love multithreading</a:t>
+            </a:r>
+          </a:p>
+          <a:p>
+            <a:pPr marL="342900" indent="-342900">
+              <a:buFont typeface="Arial" panose="020B0604020202020204" pitchFamily="34" charset="0"/>
+              <a:buChar char="•"/>
+            </a:pPr>
+            <a:r>
+              <a:rPr lang="en-GB" sz="2200" dirty="0"/>
+              <a:t>Native applications (i.e. desktop and mobile applications) only have one user at a time. As a result, you can essentially throw threads at a problem in order to provide the best performance. This particular user having the best performance won’t affect other users. </a:t>
+            </a:r>
+          </a:p>
+          <a:p>
+            <a:pPr marL="342900" indent="-342900">
+              <a:buFont typeface="Arial" panose="020B0604020202020204" pitchFamily="34" charset="0"/>
+              <a:buChar char="•"/>
+            </a:pPr>
+            <a:r>
+              <a:rPr lang="en-GB" sz="2200" dirty="0"/>
+              <a:t>Horizontal scaling (running the application across multiple devices) is not a concept which applies here. </a:t>
+            </a:r>
+          </a:p>
+          <a:p>
+            <a:pPr marL="342900" indent="-342900">
+              <a:buFont typeface="Arial" panose="020B0604020202020204" pitchFamily="34" charset="0"/>
+              <a:buChar char="•"/>
+            </a:pPr>
+            <a:r>
+              <a:rPr lang="en-GB" sz="2200" dirty="0"/>
+              <a:t>Vertical scaling (providing greater performance when given a more powerful device) applies but isn’t going to happen unless the user themselves physically switches to a better machine. It isn’t an area to focus on.</a:t>
+            </a:r>
+          </a:p>
+          <a:p>
+            <a:pPr marL="342900" indent="-342900">
+              <a:buFont typeface="Arial" panose="020B0604020202020204" pitchFamily="34" charset="0"/>
+              <a:buChar char="•"/>
+            </a:pPr>
+            <a:endParaRPr lang="en-GB" sz="2200" dirty="0"/>
+          </a:p>
+          <a:p>
+            <a:r>
+              <a:rPr lang="en-GB" sz="2200" b="1" dirty="0"/>
+              <a:t>Multithreading will kill your web application </a:t>
+            </a:r>
+          </a:p>
+          <a:p>
+            <a:pPr marL="342900" indent="-342900">
+              <a:buFont typeface="Arial" panose="020B0604020202020204" pitchFamily="34" charset="0"/>
+              <a:buChar char="•"/>
+            </a:pPr>
+            <a:r>
+              <a:rPr lang="en-GB" sz="2200" dirty="0"/>
+              <a:t>Web applications (e.g. ASP.NET MVC / </a:t>
+            </a:r>
+            <a:r>
+              <a:rPr lang="en-GB" sz="2200" dirty="0" err="1"/>
+              <a:t>WebAPI</a:t>
+            </a:r>
+            <a:r>
+              <a:rPr lang="en-GB" sz="2200" dirty="0"/>
+              <a:t> project) need to respond to HTTP requests. </a:t>
+            </a:r>
+            <a:r>
+              <a:rPr lang="en-GB" sz="2200" b="1" dirty="0"/>
+              <a:t>Each HTTP request requires its own thread</a:t>
+            </a:r>
+            <a:r>
+              <a:rPr lang="en-GB" sz="2200" dirty="0"/>
+              <a:t>. As a result, </a:t>
+            </a:r>
+            <a:r>
+              <a:rPr lang="en-GB" sz="2200" b="1" dirty="0"/>
+              <a:t>you must only use them for handling requests</a:t>
+            </a:r>
+            <a:r>
+              <a:rPr lang="en-GB" sz="2200" dirty="0"/>
+              <a:t>.</a:t>
+            </a:r>
+          </a:p>
+          <a:p>
+            <a:pPr marL="342900" indent="-342900">
+              <a:buFont typeface="Arial" panose="020B0604020202020204" pitchFamily="34" charset="0"/>
+              <a:buChar char="•"/>
+            </a:pPr>
+            <a:r>
+              <a:rPr lang="en-GB" sz="2200" dirty="0"/>
+              <a:t>Horizontal scaling is critical to web applications. Each node in your cluster must be able to respond to as many requests as possible.</a:t>
+            </a:r>
+          </a:p>
+          <a:p>
+            <a:pPr marL="342900" indent="-342900">
+              <a:buFont typeface="Arial" panose="020B0604020202020204" pitchFamily="34" charset="0"/>
+              <a:buChar char="•"/>
+            </a:pPr>
+            <a:r>
+              <a:rPr lang="en-GB" sz="2200" dirty="0"/>
+              <a:t>Vertical scaling is expensive so you must make sure you serve the most requests possible out of your new expensive servers. </a:t>
             </a:r>
           </a:p>
         </p:txBody>
@@ -9316,7 +10264,7 @@
     </p:spTree>
     <p:extLst>
       <p:ext uri="{BB962C8B-B14F-4D97-AF65-F5344CB8AC3E}">
-        <p14:creationId xmlns:p14="http://schemas.microsoft.com/office/powerpoint/2010/main" val="2052231843"/>
+        <p14:creationId xmlns:p14="http://schemas.microsoft.com/office/powerpoint/2010/main" val="1919573543"/>
       </p:ext>
     </p:extLst>
   </p:cSld>

--- a/Async and await presentation.pptx
+++ b/Async and await presentation.pptx
@@ -33,6 +33,7 @@
     <p:sldId id="275" r:id="rId27"/>
     <p:sldId id="276" r:id="rId28"/>
     <p:sldId id="277" r:id="rId29"/>
+    <p:sldId id="286" r:id="rId30"/>
   </p:sldIdLst>
   <p:sldSz cx="12192000" cy="6858000"/>
   <p:notesSz cx="6858000" cy="9144000"/>
@@ -10274,6 +10275,230 @@
 </p:sld>
 </file>
 
+<file path=ppt/slides/slide29.xml><?xml version="1.0" encoding="utf-8"?>
+<p:sld xmlns:a="http://schemas.openxmlformats.org/drawingml/2006/main" xmlns:r="http://schemas.openxmlformats.org/officeDocument/2006/relationships" xmlns:p="http://schemas.openxmlformats.org/presentationml/2006/main">
+  <p:cSld>
+    <p:spTree>
+      <p:nvGrpSpPr>
+        <p:cNvPr id="1" name=""/>
+        <p:cNvGrpSpPr/>
+        <p:nvPr/>
+      </p:nvGrpSpPr>
+      <p:grpSpPr>
+        <a:xfrm>
+          <a:off x="0" y="0"/>
+          <a:ext cx="0" cy="0"/>
+          <a:chOff x="0" y="0"/>
+          <a:chExt cx="0" cy="0"/>
+        </a:xfrm>
+      </p:grpSpPr>
+      <p:sp>
+        <p:nvSpPr>
+          <p:cNvPr id="4" name="TextBox 3">
+            <a:extLst>
+              <a:ext uri="{FF2B5EF4-FFF2-40B4-BE49-F238E27FC236}">
+                <a16:creationId xmlns:a16="http://schemas.microsoft.com/office/drawing/2014/main" id="{18767206-9205-42D0-A2AE-5A1017D4CB08}"/>
+              </a:ext>
+            </a:extLst>
+          </p:cNvPr>
+          <p:cNvSpPr txBox="1"/>
+          <p:nvPr/>
+        </p:nvSpPr>
+        <p:spPr>
+          <a:xfrm>
+            <a:off x="278297" y="212034"/>
+            <a:ext cx="11781182" cy="1785104"/>
+          </a:xfrm>
+          <a:prstGeom prst="rect">
+            <a:avLst/>
+          </a:prstGeom>
+          <a:noFill/>
+        </p:spPr>
+        <p:txBody>
+          <a:bodyPr wrap="square" rtlCol="0">
+            <a:spAutoFit/>
+          </a:bodyPr>
+          <a:lstStyle/>
+          <a:p>
+            <a:r>
+              <a:rPr lang="en-GB" sz="2200" b="1" dirty="0"/>
+              <a:t>How to use multiple threads</a:t>
+            </a:r>
+          </a:p>
+          <a:p>
+            <a:endParaRPr lang="en-GB" sz="2200" b="1" dirty="0"/>
+          </a:p>
+          <a:p>
+            <a:pPr marL="342900" indent="-342900">
+              <a:buFont typeface="Arial" panose="020B0604020202020204" pitchFamily="34" charset="0"/>
+              <a:buChar char="•"/>
+            </a:pPr>
+            <a:r>
+              <a:rPr lang="en-GB" sz="2200" b="1" dirty="0"/>
+              <a:t>Use </a:t>
+            </a:r>
+            <a:r>
+              <a:rPr lang="en-GB" sz="2200" b="1" dirty="0" err="1"/>
+              <a:t>Task.Run</a:t>
+            </a:r>
+            <a:r>
+              <a:rPr lang="en-GB" sz="2200" b="1" dirty="0"/>
+              <a:t>(</a:t>
+            </a:r>
+            <a:r>
+              <a:rPr lang="en-GB" sz="2200" b="1" dirty="0" err="1"/>
+              <a:t>someAction</a:t>
+            </a:r>
+            <a:r>
+              <a:rPr lang="en-GB" sz="2200" b="1" dirty="0"/>
+              <a:t>) to start a new thread, instead of </a:t>
+            </a:r>
+            <a:r>
+              <a:rPr lang="en-GB" sz="2200" b="1" dirty="0" err="1"/>
+              <a:t>Task.Factory.StartNew</a:t>
+            </a:r>
+            <a:endParaRPr lang="en-GB" sz="2200" b="1" dirty="0"/>
+          </a:p>
+          <a:p>
+            <a:endParaRPr lang="en-GB" sz="2200" b="1" dirty="0"/>
+          </a:p>
+          <a:p>
+            <a:endParaRPr lang="en-GB" sz="2200" b="1" dirty="0"/>
+          </a:p>
+        </p:txBody>
+      </p:sp>
+      <p:pic>
+        <p:nvPicPr>
+          <p:cNvPr id="2" name="Picture 1">
+            <a:extLst>
+              <a:ext uri="{FF2B5EF4-FFF2-40B4-BE49-F238E27FC236}">
+                <a16:creationId xmlns:a16="http://schemas.microsoft.com/office/drawing/2014/main" id="{EFE675F1-AB99-4EF8-96A7-A3D3924385C8}"/>
+              </a:ext>
+            </a:extLst>
+          </p:cNvPr>
+          <p:cNvPicPr>
+            <a:picLocks noChangeAspect="1"/>
+          </p:cNvPicPr>
+          <p:nvPr/>
+        </p:nvPicPr>
+        <p:blipFill>
+          <a:blip r:embed="rId2"/>
+          <a:stretch>
+            <a:fillRect/>
+          </a:stretch>
+        </p:blipFill>
+        <p:spPr>
+          <a:xfrm>
+            <a:off x="278297" y="1783520"/>
+            <a:ext cx="10480191" cy="1051915"/>
+          </a:xfrm>
+          <a:prstGeom prst="rect">
+            <a:avLst/>
+          </a:prstGeom>
+        </p:spPr>
+      </p:pic>
+      <p:pic>
+        <p:nvPicPr>
+          <p:cNvPr id="3" name="Picture 2">
+            <a:extLst>
+              <a:ext uri="{FF2B5EF4-FFF2-40B4-BE49-F238E27FC236}">
+                <a16:creationId xmlns:a16="http://schemas.microsoft.com/office/drawing/2014/main" id="{C45DBEAE-FD4B-4276-BDD5-14BEF30E036F}"/>
+              </a:ext>
+            </a:extLst>
+          </p:cNvPr>
+          <p:cNvPicPr>
+            <a:picLocks noChangeAspect="1"/>
+          </p:cNvPicPr>
+          <p:nvPr/>
+        </p:nvPicPr>
+        <p:blipFill>
+          <a:blip r:embed="rId3"/>
+          <a:stretch>
+            <a:fillRect/>
+          </a:stretch>
+        </p:blipFill>
+        <p:spPr>
+          <a:xfrm>
+            <a:off x="278297" y="3362938"/>
+            <a:ext cx="11781182" cy="1088479"/>
+          </a:xfrm>
+          <a:prstGeom prst="rect">
+            <a:avLst/>
+          </a:prstGeom>
+        </p:spPr>
+      </p:pic>
+      <p:sp>
+        <p:nvSpPr>
+          <p:cNvPr id="7" name="TextBox 6">
+            <a:extLst>
+              <a:ext uri="{FF2B5EF4-FFF2-40B4-BE49-F238E27FC236}">
+                <a16:creationId xmlns:a16="http://schemas.microsoft.com/office/drawing/2014/main" id="{9CDC222A-52D0-42C6-B6D7-03797FBE8AA1}"/>
+              </a:ext>
+            </a:extLst>
+          </p:cNvPr>
+          <p:cNvSpPr txBox="1"/>
+          <p:nvPr/>
+        </p:nvSpPr>
+        <p:spPr>
+          <a:xfrm>
+            <a:off x="278297" y="4797287"/>
+            <a:ext cx="11569146" cy="2123658"/>
+          </a:xfrm>
+          <a:prstGeom prst="rect">
+            <a:avLst/>
+          </a:prstGeom>
+          <a:noFill/>
+        </p:spPr>
+        <p:txBody>
+          <a:bodyPr wrap="square" rtlCol="0">
+            <a:spAutoFit/>
+          </a:bodyPr>
+          <a:lstStyle/>
+          <a:p>
+            <a:pPr marL="342900" indent="-342900">
+              <a:buFont typeface="Arial" panose="020B0604020202020204" pitchFamily="34" charset="0"/>
+              <a:buChar char="•"/>
+            </a:pPr>
+            <a:r>
+              <a:rPr lang="en-GB" sz="2200" b="1" dirty="0"/>
+              <a:t>You can do this in a web application, but you really shouldn’t</a:t>
+            </a:r>
+          </a:p>
+          <a:p>
+            <a:r>
+              <a:rPr lang="en-GB" sz="2200" dirty="0"/>
+              <a:t>If you absolutely must use multiple threads then you can, but you will starve your </a:t>
+            </a:r>
+            <a:r>
+              <a:rPr lang="en-GB" sz="2200" dirty="0" err="1"/>
+              <a:t>ThreadPool</a:t>
+            </a:r>
+            <a:r>
+              <a:rPr lang="en-GB" sz="2200" dirty="0"/>
+              <a:t> and reduce the number of requests you can receive. “fire and forget” methods are also dangerous as you have no guarantee your thread will survive after the HTTP request thread has finished. </a:t>
+            </a:r>
+          </a:p>
+          <a:p>
+            <a:r>
+              <a:rPr lang="en-GB" sz="2200" b="1" dirty="0"/>
+              <a:t> Best practice is to use one of various other techniques which allow you to schedule reliable background tasks in ASP.NET</a:t>
+            </a:r>
+          </a:p>
+        </p:txBody>
+      </p:sp>
+    </p:spTree>
+    <p:extLst>
+      <p:ext uri="{BB962C8B-B14F-4D97-AF65-F5344CB8AC3E}">
+        <p14:creationId xmlns:p14="http://schemas.microsoft.com/office/powerpoint/2010/main" val="274551446"/>
+      </p:ext>
+    </p:extLst>
+  </p:cSld>
+  <p:clrMapOvr>
+    <a:masterClrMapping/>
+  </p:clrMapOvr>
+</p:sld>
+</file>
+
 <file path=ppt/slides/slide3.xml><?xml version="1.0" encoding="utf-8"?>
 <p:sld xmlns:a="http://schemas.openxmlformats.org/drawingml/2006/main" xmlns:r="http://schemas.openxmlformats.org/officeDocument/2006/relationships" xmlns:p="http://schemas.openxmlformats.org/presentationml/2006/main">
   <p:cSld>

--- a/Async and await presentation.pptx
+++ b/Async and await presentation.pptx
@@ -32,8 +32,11 @@
     <p:sldId id="273" r:id="rId26"/>
     <p:sldId id="275" r:id="rId27"/>
     <p:sldId id="276" r:id="rId28"/>
-    <p:sldId id="277" r:id="rId29"/>
-    <p:sldId id="286" r:id="rId30"/>
+    <p:sldId id="286" r:id="rId29"/>
+    <p:sldId id="277" r:id="rId30"/>
+    <p:sldId id="287" r:id="rId31"/>
+    <p:sldId id="288" r:id="rId32"/>
+    <p:sldId id="289" r:id="rId33"/>
   </p:sldIdLst>
   <p:sldSz cx="12192000" cy="6858000"/>
   <p:notesSz cx="6858000" cy="9144000"/>
@@ -293,7 +296,7 @@
           <a:p>
             <a:fld id="{BFEF692B-FC3E-4552-B87F-4B5A00EB12B2}" type="datetimeFigureOut">
               <a:rPr lang="en-GB" smtClean="0"/>
-              <a:t>20/11/2018</a:t>
+              <a:t>26/11/2018</a:t>
             </a:fld>
             <a:endParaRPr lang="en-GB"/>
           </a:p>
@@ -493,7 +496,7 @@
           <a:p>
             <a:fld id="{BFEF692B-FC3E-4552-B87F-4B5A00EB12B2}" type="datetimeFigureOut">
               <a:rPr lang="en-GB" smtClean="0"/>
-              <a:t>20/11/2018</a:t>
+              <a:t>26/11/2018</a:t>
             </a:fld>
             <a:endParaRPr lang="en-GB"/>
           </a:p>
@@ -703,7 +706,7 @@
           <a:p>
             <a:fld id="{BFEF692B-FC3E-4552-B87F-4B5A00EB12B2}" type="datetimeFigureOut">
               <a:rPr lang="en-GB" smtClean="0"/>
-              <a:t>20/11/2018</a:t>
+              <a:t>26/11/2018</a:t>
             </a:fld>
             <a:endParaRPr lang="en-GB"/>
           </a:p>
@@ -903,7 +906,7 @@
           <a:p>
             <a:fld id="{BFEF692B-FC3E-4552-B87F-4B5A00EB12B2}" type="datetimeFigureOut">
               <a:rPr lang="en-GB" smtClean="0"/>
-              <a:t>20/11/2018</a:t>
+              <a:t>26/11/2018</a:t>
             </a:fld>
             <a:endParaRPr lang="en-GB"/>
           </a:p>
@@ -1179,7 +1182,7 @@
           <a:p>
             <a:fld id="{BFEF692B-FC3E-4552-B87F-4B5A00EB12B2}" type="datetimeFigureOut">
               <a:rPr lang="en-GB" smtClean="0"/>
-              <a:t>20/11/2018</a:t>
+              <a:t>26/11/2018</a:t>
             </a:fld>
             <a:endParaRPr lang="en-GB"/>
           </a:p>
@@ -1447,7 +1450,7 @@
           <a:p>
             <a:fld id="{BFEF692B-FC3E-4552-B87F-4B5A00EB12B2}" type="datetimeFigureOut">
               <a:rPr lang="en-GB" smtClean="0"/>
-              <a:t>20/11/2018</a:t>
+              <a:t>26/11/2018</a:t>
             </a:fld>
             <a:endParaRPr lang="en-GB"/>
           </a:p>
@@ -1862,7 +1865,7 @@
           <a:p>
             <a:fld id="{BFEF692B-FC3E-4552-B87F-4B5A00EB12B2}" type="datetimeFigureOut">
               <a:rPr lang="en-GB" smtClean="0"/>
-              <a:t>20/11/2018</a:t>
+              <a:t>26/11/2018</a:t>
             </a:fld>
             <a:endParaRPr lang="en-GB"/>
           </a:p>
@@ -2004,7 +2007,7 @@
           <a:p>
             <a:fld id="{BFEF692B-FC3E-4552-B87F-4B5A00EB12B2}" type="datetimeFigureOut">
               <a:rPr lang="en-GB" smtClean="0"/>
-              <a:t>20/11/2018</a:t>
+              <a:t>26/11/2018</a:t>
             </a:fld>
             <a:endParaRPr lang="en-GB"/>
           </a:p>
@@ -2117,7 +2120,7 @@
           <a:p>
             <a:fld id="{BFEF692B-FC3E-4552-B87F-4B5A00EB12B2}" type="datetimeFigureOut">
               <a:rPr lang="en-GB" smtClean="0"/>
-              <a:t>20/11/2018</a:t>
+              <a:t>26/11/2018</a:t>
             </a:fld>
             <a:endParaRPr lang="en-GB"/>
           </a:p>
@@ -2430,7 +2433,7 @@
           <a:p>
             <a:fld id="{BFEF692B-FC3E-4552-B87F-4B5A00EB12B2}" type="datetimeFigureOut">
               <a:rPr lang="en-GB" smtClean="0"/>
-              <a:t>20/11/2018</a:t>
+              <a:t>26/11/2018</a:t>
             </a:fld>
             <a:endParaRPr lang="en-GB"/>
           </a:p>
@@ -2719,7 +2722,7 @@
           <a:p>
             <a:fld id="{BFEF692B-FC3E-4552-B87F-4B5A00EB12B2}" type="datetimeFigureOut">
               <a:rPr lang="en-GB" smtClean="0"/>
-              <a:t>20/11/2018</a:t>
+              <a:t>26/11/2018</a:t>
             </a:fld>
             <a:endParaRPr lang="en-GB"/>
           </a:p>
@@ -2962,7 +2965,7 @@
           <a:p>
             <a:fld id="{BFEF692B-FC3E-4552-B87F-4B5A00EB12B2}" type="datetimeFigureOut">
               <a:rPr lang="en-GB" smtClean="0"/>
-              <a:t>20/11/2018</a:t>
+              <a:t>26/11/2018</a:t>
             </a:fld>
             <a:endParaRPr lang="en-GB"/>
           </a:p>
@@ -9916,7 +9919,7 @@
             </a:pPr>
             <a:r>
               <a:rPr lang="en-GB" dirty="0"/>
-              <a:t>If you want the perfect compromise between </a:t>
+              <a:t>If you want a balance between </a:t>
             </a:r>
             <a:r>
               <a:rPr lang="en-GB" b="1" dirty="0"/>
@@ -10105,177 +10108,6 @@
 </file>
 
 <file path=ppt/slides/slide28.xml><?xml version="1.0" encoding="utf-8"?>
-<p:sld xmlns:a="http://schemas.openxmlformats.org/drawingml/2006/main" xmlns:r="http://schemas.openxmlformats.org/officeDocument/2006/relationships" xmlns:p="http://schemas.openxmlformats.org/presentationml/2006/main">
-  <p:cSld>
-    <p:spTree>
-      <p:nvGrpSpPr>
-        <p:cNvPr id="1" name=""/>
-        <p:cNvGrpSpPr/>
-        <p:nvPr/>
-      </p:nvGrpSpPr>
-      <p:grpSpPr>
-        <a:xfrm>
-          <a:off x="0" y="0"/>
-          <a:ext cx="0" cy="0"/>
-          <a:chOff x="0" y="0"/>
-          <a:chExt cx="0" cy="0"/>
-        </a:xfrm>
-      </p:grpSpPr>
-      <p:sp>
-        <p:nvSpPr>
-          <p:cNvPr id="4" name="TextBox 3">
-            <a:extLst>
-              <a:ext uri="{FF2B5EF4-FFF2-40B4-BE49-F238E27FC236}">
-                <a16:creationId xmlns:a16="http://schemas.microsoft.com/office/drawing/2014/main" id="{18767206-9205-42D0-A2AE-5A1017D4CB08}"/>
-              </a:ext>
-            </a:extLst>
-          </p:cNvPr>
-          <p:cNvSpPr txBox="1"/>
-          <p:nvPr/>
-        </p:nvSpPr>
-        <p:spPr>
-          <a:xfrm>
-            <a:off x="278297" y="212034"/>
-            <a:ext cx="11781182" cy="6524863"/>
-          </a:xfrm>
-          <a:prstGeom prst="rect">
-            <a:avLst/>
-          </a:prstGeom>
-          <a:noFill/>
-        </p:spPr>
-        <p:txBody>
-          <a:bodyPr wrap="square" rtlCol="0">
-            <a:spAutoFit/>
-          </a:bodyPr>
-          <a:lstStyle/>
-          <a:p>
-            <a:r>
-              <a:rPr lang="en-GB" sz="2200" b="1" dirty="0"/>
-              <a:t>Multithreading is not for everyone</a:t>
-            </a:r>
-          </a:p>
-          <a:p>
-            <a:endParaRPr lang="en-GB" sz="2200" b="1" dirty="0"/>
-          </a:p>
-          <a:p>
-            <a:r>
-              <a:rPr lang="en-GB" sz="2200" b="1" dirty="0"/>
-              <a:t>Native applications love multithreading</a:t>
-            </a:r>
-          </a:p>
-          <a:p>
-            <a:pPr marL="342900" indent="-342900">
-              <a:buFont typeface="Arial" panose="020B0604020202020204" pitchFamily="34" charset="0"/>
-              <a:buChar char="•"/>
-            </a:pPr>
-            <a:r>
-              <a:rPr lang="en-GB" sz="2200" dirty="0"/>
-              <a:t>Native applications (i.e. desktop and mobile applications) only have one user at a time. As a result, you can essentially throw threads at a problem in order to provide the best performance. This particular user having the best performance won’t affect other users. </a:t>
-            </a:r>
-          </a:p>
-          <a:p>
-            <a:pPr marL="342900" indent="-342900">
-              <a:buFont typeface="Arial" panose="020B0604020202020204" pitchFamily="34" charset="0"/>
-              <a:buChar char="•"/>
-            </a:pPr>
-            <a:r>
-              <a:rPr lang="en-GB" sz="2200" dirty="0"/>
-              <a:t>Horizontal scaling (running the application across multiple devices) is not a concept which applies here. </a:t>
-            </a:r>
-          </a:p>
-          <a:p>
-            <a:pPr marL="342900" indent="-342900">
-              <a:buFont typeface="Arial" panose="020B0604020202020204" pitchFamily="34" charset="0"/>
-              <a:buChar char="•"/>
-            </a:pPr>
-            <a:r>
-              <a:rPr lang="en-GB" sz="2200" dirty="0"/>
-              <a:t>Vertical scaling (providing greater performance when given a more powerful device) applies but isn’t going to happen unless the user themselves physically switches to a better machine. It isn’t an area to focus on.</a:t>
-            </a:r>
-          </a:p>
-          <a:p>
-            <a:pPr marL="342900" indent="-342900">
-              <a:buFont typeface="Arial" panose="020B0604020202020204" pitchFamily="34" charset="0"/>
-              <a:buChar char="•"/>
-            </a:pPr>
-            <a:endParaRPr lang="en-GB" sz="2200" dirty="0"/>
-          </a:p>
-          <a:p>
-            <a:r>
-              <a:rPr lang="en-GB" sz="2200" b="1" dirty="0"/>
-              <a:t>Multithreading will kill your web application </a:t>
-            </a:r>
-          </a:p>
-          <a:p>
-            <a:pPr marL="342900" indent="-342900">
-              <a:buFont typeface="Arial" panose="020B0604020202020204" pitchFamily="34" charset="0"/>
-              <a:buChar char="•"/>
-            </a:pPr>
-            <a:r>
-              <a:rPr lang="en-GB" sz="2200" dirty="0"/>
-              <a:t>Web applications (e.g. ASP.NET MVC / </a:t>
-            </a:r>
-            <a:r>
-              <a:rPr lang="en-GB" sz="2200" dirty="0" err="1"/>
-              <a:t>WebAPI</a:t>
-            </a:r>
-            <a:r>
-              <a:rPr lang="en-GB" sz="2200" dirty="0"/>
-              <a:t> project) need to respond to HTTP requests. </a:t>
-            </a:r>
-            <a:r>
-              <a:rPr lang="en-GB" sz="2200" b="1" dirty="0"/>
-              <a:t>Each HTTP request requires its own thread</a:t>
-            </a:r>
-            <a:r>
-              <a:rPr lang="en-GB" sz="2200" dirty="0"/>
-              <a:t>. As a result, </a:t>
-            </a:r>
-            <a:r>
-              <a:rPr lang="en-GB" sz="2200" b="1" dirty="0"/>
-              <a:t>you must only use them for handling requests</a:t>
-            </a:r>
-            <a:r>
-              <a:rPr lang="en-GB" sz="2200" dirty="0"/>
-              <a:t>.</a:t>
-            </a:r>
-          </a:p>
-          <a:p>
-            <a:pPr marL="342900" indent="-342900">
-              <a:buFont typeface="Arial" panose="020B0604020202020204" pitchFamily="34" charset="0"/>
-              <a:buChar char="•"/>
-            </a:pPr>
-            <a:r>
-              <a:rPr lang="en-GB" sz="2200" dirty="0"/>
-              <a:t>Horizontal scaling is critical to web applications. Each node in your cluster must be able to respond to as many requests as possible.</a:t>
-            </a:r>
-          </a:p>
-          <a:p>
-            <a:pPr marL="342900" indent="-342900">
-              <a:buFont typeface="Arial" panose="020B0604020202020204" pitchFamily="34" charset="0"/>
-              <a:buChar char="•"/>
-            </a:pPr>
-            <a:r>
-              <a:rPr lang="en-GB" sz="2200" dirty="0"/>
-              <a:t>Vertical scaling is expensive so you must make sure you serve the most requests possible out of your new expensive servers. </a:t>
-            </a:r>
-          </a:p>
-        </p:txBody>
-      </p:sp>
-    </p:spTree>
-    <p:extLst>
-      <p:ext uri="{BB962C8B-B14F-4D97-AF65-F5344CB8AC3E}">
-        <p14:creationId xmlns:p14="http://schemas.microsoft.com/office/powerpoint/2010/main" val="1919573543"/>
-      </p:ext>
-    </p:extLst>
-  </p:cSld>
-  <p:clrMapOvr>
-    <a:masterClrMapping/>
-  </p:clrMapOvr>
-</p:sld>
-</file>
-
-<file path=ppt/slides/slide29.xml><?xml version="1.0" encoding="utf-8"?>
 <p:sld xmlns:a="http://schemas.openxmlformats.org/drawingml/2006/main" xmlns:r="http://schemas.openxmlformats.org/officeDocument/2006/relationships" xmlns:p="http://schemas.openxmlformats.org/presentationml/2006/main">
   <p:cSld>
     <p:spTree>
@@ -10499,6 +10331,177 @@
 </p:sld>
 </file>
 
+<file path=ppt/slides/slide29.xml><?xml version="1.0" encoding="utf-8"?>
+<p:sld xmlns:a="http://schemas.openxmlformats.org/drawingml/2006/main" xmlns:r="http://schemas.openxmlformats.org/officeDocument/2006/relationships" xmlns:p="http://schemas.openxmlformats.org/presentationml/2006/main">
+  <p:cSld>
+    <p:spTree>
+      <p:nvGrpSpPr>
+        <p:cNvPr id="1" name=""/>
+        <p:cNvGrpSpPr/>
+        <p:nvPr/>
+      </p:nvGrpSpPr>
+      <p:grpSpPr>
+        <a:xfrm>
+          <a:off x="0" y="0"/>
+          <a:ext cx="0" cy="0"/>
+          <a:chOff x="0" y="0"/>
+          <a:chExt cx="0" cy="0"/>
+        </a:xfrm>
+      </p:grpSpPr>
+      <p:sp>
+        <p:nvSpPr>
+          <p:cNvPr id="4" name="TextBox 3">
+            <a:extLst>
+              <a:ext uri="{FF2B5EF4-FFF2-40B4-BE49-F238E27FC236}">
+                <a16:creationId xmlns:a16="http://schemas.microsoft.com/office/drawing/2014/main" id="{18767206-9205-42D0-A2AE-5A1017D4CB08}"/>
+              </a:ext>
+            </a:extLst>
+          </p:cNvPr>
+          <p:cNvSpPr txBox="1"/>
+          <p:nvPr/>
+        </p:nvSpPr>
+        <p:spPr>
+          <a:xfrm>
+            <a:off x="278297" y="212034"/>
+            <a:ext cx="11781182" cy="6524863"/>
+          </a:xfrm>
+          <a:prstGeom prst="rect">
+            <a:avLst/>
+          </a:prstGeom>
+          <a:noFill/>
+        </p:spPr>
+        <p:txBody>
+          <a:bodyPr wrap="square" rtlCol="0">
+            <a:spAutoFit/>
+          </a:bodyPr>
+          <a:lstStyle/>
+          <a:p>
+            <a:r>
+              <a:rPr lang="en-GB" sz="2200" b="1" dirty="0"/>
+              <a:t>Multithreading is not for everyone</a:t>
+            </a:r>
+          </a:p>
+          <a:p>
+            <a:endParaRPr lang="en-GB" sz="2200" b="1" dirty="0"/>
+          </a:p>
+          <a:p>
+            <a:r>
+              <a:rPr lang="en-GB" sz="2200" b="1" dirty="0"/>
+              <a:t>Native applications love multithreading</a:t>
+            </a:r>
+          </a:p>
+          <a:p>
+            <a:pPr marL="342900" indent="-342900">
+              <a:buFont typeface="Arial" panose="020B0604020202020204" pitchFamily="34" charset="0"/>
+              <a:buChar char="•"/>
+            </a:pPr>
+            <a:r>
+              <a:rPr lang="en-GB" sz="2200" dirty="0"/>
+              <a:t>Native applications (i.e. desktop and mobile applications) only have one user at a time. As a result, you can essentially throw threads at a problem in order to provide the best performance. This particular user having the best performance won’t affect other users. </a:t>
+            </a:r>
+          </a:p>
+          <a:p>
+            <a:pPr marL="342900" indent="-342900">
+              <a:buFont typeface="Arial" panose="020B0604020202020204" pitchFamily="34" charset="0"/>
+              <a:buChar char="•"/>
+            </a:pPr>
+            <a:r>
+              <a:rPr lang="en-GB" sz="2200" dirty="0"/>
+              <a:t>Horizontal scaling (running the application across multiple devices) is not a concept which applies here. </a:t>
+            </a:r>
+          </a:p>
+          <a:p>
+            <a:pPr marL="342900" indent="-342900">
+              <a:buFont typeface="Arial" panose="020B0604020202020204" pitchFamily="34" charset="0"/>
+              <a:buChar char="•"/>
+            </a:pPr>
+            <a:r>
+              <a:rPr lang="en-GB" sz="2200" dirty="0"/>
+              <a:t>Vertical scaling (providing greater performance when given a more powerful device) applies but isn’t going to happen unless the user themselves physically switches to a better machine. It isn’t an area to focus on.</a:t>
+            </a:r>
+          </a:p>
+          <a:p>
+            <a:pPr marL="342900" indent="-342900">
+              <a:buFont typeface="Arial" panose="020B0604020202020204" pitchFamily="34" charset="0"/>
+              <a:buChar char="•"/>
+            </a:pPr>
+            <a:endParaRPr lang="en-GB" sz="2200" dirty="0"/>
+          </a:p>
+          <a:p>
+            <a:r>
+              <a:rPr lang="en-GB" sz="2200" b="1" dirty="0"/>
+              <a:t>Multithreading will kill your web application </a:t>
+            </a:r>
+          </a:p>
+          <a:p>
+            <a:pPr marL="342900" indent="-342900">
+              <a:buFont typeface="Arial" panose="020B0604020202020204" pitchFamily="34" charset="0"/>
+              <a:buChar char="•"/>
+            </a:pPr>
+            <a:r>
+              <a:rPr lang="en-GB" sz="2200" dirty="0"/>
+              <a:t>Web applications (e.g. ASP.NET MVC / </a:t>
+            </a:r>
+            <a:r>
+              <a:rPr lang="en-GB" sz="2200" dirty="0" err="1"/>
+              <a:t>WebAPI</a:t>
+            </a:r>
+            <a:r>
+              <a:rPr lang="en-GB" sz="2200" dirty="0"/>
+              <a:t> project) need to respond to HTTP requests. </a:t>
+            </a:r>
+            <a:r>
+              <a:rPr lang="en-GB" sz="2200" b="1" dirty="0"/>
+              <a:t>Each HTTP request requires its own thread</a:t>
+            </a:r>
+            <a:r>
+              <a:rPr lang="en-GB" sz="2200" dirty="0"/>
+              <a:t>. As a result, </a:t>
+            </a:r>
+            <a:r>
+              <a:rPr lang="en-GB" sz="2200" b="1" dirty="0"/>
+              <a:t>you must only use them for handling requests</a:t>
+            </a:r>
+            <a:r>
+              <a:rPr lang="en-GB" sz="2200" dirty="0"/>
+              <a:t>.</a:t>
+            </a:r>
+          </a:p>
+          <a:p>
+            <a:pPr marL="342900" indent="-342900">
+              <a:buFont typeface="Arial" panose="020B0604020202020204" pitchFamily="34" charset="0"/>
+              <a:buChar char="•"/>
+            </a:pPr>
+            <a:r>
+              <a:rPr lang="en-GB" sz="2200" dirty="0"/>
+              <a:t>Horizontal scaling is critical to web applications. Each node in your cluster must be able to respond to as many requests as possible.</a:t>
+            </a:r>
+          </a:p>
+          <a:p>
+            <a:pPr marL="342900" indent="-342900">
+              <a:buFont typeface="Arial" panose="020B0604020202020204" pitchFamily="34" charset="0"/>
+              <a:buChar char="•"/>
+            </a:pPr>
+            <a:r>
+              <a:rPr lang="en-GB" sz="2200" dirty="0"/>
+              <a:t>Vertical scaling is expensive so you must make sure you serve the most requests possible out of your new expensive servers. </a:t>
+            </a:r>
+          </a:p>
+        </p:txBody>
+      </p:sp>
+    </p:spTree>
+    <p:extLst>
+      <p:ext uri="{BB962C8B-B14F-4D97-AF65-F5344CB8AC3E}">
+        <p14:creationId xmlns:p14="http://schemas.microsoft.com/office/powerpoint/2010/main" val="1919573543"/>
+      </p:ext>
+    </p:extLst>
+  </p:cSld>
+  <p:clrMapOvr>
+    <a:masterClrMapping/>
+  </p:clrMapOvr>
+</p:sld>
+</file>
+
 <file path=ppt/slides/slide3.xml><?xml version="1.0" encoding="utf-8"?>
 <p:sld xmlns:a="http://schemas.openxmlformats.org/drawingml/2006/main" xmlns:r="http://schemas.openxmlformats.org/officeDocument/2006/relationships" xmlns:p="http://schemas.openxmlformats.org/presentationml/2006/main">
   <p:cSld>
@@ -10566,7 +10569,7 @@
             </a:pPr>
             <a:r>
               <a:rPr lang="en-GB" sz="3200" dirty="0"/>
-              <a:t>Allows the highest degree of control; you can Abort(), Suspect(), or Resume() a thread. You can also observe its state and set its properties such as its stack size. </a:t>
+              <a:t>Allows the highest degree of control; you can Abort(), Suspend(), or Resume() a thread. You can also observe its state and set its properties such as its stack size. </a:t>
             </a:r>
           </a:p>
           <a:p>
@@ -10602,6 +10605,566 @@
     <p:extLst>
       <p:ext uri="{BB962C8B-B14F-4D97-AF65-F5344CB8AC3E}">
         <p14:creationId xmlns:p14="http://schemas.microsoft.com/office/powerpoint/2010/main" val="1487075976"/>
+      </p:ext>
+    </p:extLst>
+  </p:cSld>
+  <p:clrMapOvr>
+    <a:masterClrMapping/>
+  </p:clrMapOvr>
+</p:sld>
+</file>
+
+<file path=ppt/slides/slide30.xml><?xml version="1.0" encoding="utf-8"?>
+<p:sld xmlns:a="http://schemas.openxmlformats.org/drawingml/2006/main" xmlns:r="http://schemas.openxmlformats.org/officeDocument/2006/relationships" xmlns:p="http://schemas.openxmlformats.org/presentationml/2006/main">
+  <p:cSld>
+    <p:spTree>
+      <p:nvGrpSpPr>
+        <p:cNvPr id="1" name=""/>
+        <p:cNvGrpSpPr/>
+        <p:nvPr/>
+      </p:nvGrpSpPr>
+      <p:grpSpPr>
+        <a:xfrm>
+          <a:off x="0" y="0"/>
+          <a:ext cx="0" cy="0"/>
+          <a:chOff x="0" y="0"/>
+          <a:chExt cx="0" cy="0"/>
+        </a:xfrm>
+      </p:grpSpPr>
+      <p:sp>
+        <p:nvSpPr>
+          <p:cNvPr id="4" name="TextBox 3">
+            <a:extLst>
+              <a:ext uri="{FF2B5EF4-FFF2-40B4-BE49-F238E27FC236}">
+                <a16:creationId xmlns:a16="http://schemas.microsoft.com/office/drawing/2014/main" id="{18767206-9205-42D0-A2AE-5A1017D4CB08}"/>
+              </a:ext>
+            </a:extLst>
+          </p:cNvPr>
+          <p:cNvSpPr txBox="1"/>
+          <p:nvPr/>
+        </p:nvSpPr>
+        <p:spPr>
+          <a:xfrm>
+            <a:off x="278297" y="212034"/>
+            <a:ext cx="11781182" cy="6186309"/>
+          </a:xfrm>
+          <a:prstGeom prst="rect">
+            <a:avLst/>
+          </a:prstGeom>
+          <a:noFill/>
+        </p:spPr>
+        <p:txBody>
+          <a:bodyPr wrap="square" rtlCol="0">
+            <a:spAutoFit/>
+          </a:bodyPr>
+          <a:lstStyle/>
+          <a:p>
+            <a:r>
+              <a:rPr lang="en-GB" sz="2200" b="1" dirty="0"/>
+              <a:t>The problem with background tasks in ASP.NET / ASP.NET Core</a:t>
+            </a:r>
+          </a:p>
+          <a:p>
+            <a:endParaRPr lang="en-GB" sz="2200" b="1" dirty="0"/>
+          </a:p>
+          <a:p>
+            <a:pPr marL="342900" indent="-342900">
+              <a:buFont typeface="Arial" panose="020B0604020202020204" pitchFamily="34" charset="0"/>
+              <a:buChar char="•"/>
+            </a:pPr>
+            <a:r>
+              <a:rPr lang="en-GB" sz="2200" dirty="0"/>
+              <a:t>Web applications run on a server within an </a:t>
+            </a:r>
+            <a:r>
+              <a:rPr lang="en-GB" sz="2200" b="1" dirty="0"/>
+              <a:t>application pool </a:t>
+            </a:r>
+            <a:r>
+              <a:rPr lang="en-GB" sz="2200" dirty="0"/>
+              <a:t>(a way of segregating applications for security and allowing different configurations and resource usages for each one) </a:t>
+            </a:r>
+          </a:p>
+          <a:p>
+            <a:endParaRPr lang="en-GB" sz="2200" b="1" dirty="0"/>
+          </a:p>
+          <a:p>
+            <a:pPr marL="342900" indent="-342900">
+              <a:buFont typeface="Arial" panose="020B0604020202020204" pitchFamily="34" charset="0"/>
+              <a:buChar char="•"/>
+            </a:pPr>
+            <a:r>
+              <a:rPr lang="en-GB" sz="2200" dirty="0"/>
+              <a:t>Each application pool corresponds to a single </a:t>
+            </a:r>
+            <a:r>
+              <a:rPr lang="en-GB" sz="2200" b="1" dirty="0"/>
+              <a:t>worker process</a:t>
+            </a:r>
+            <a:r>
+              <a:rPr lang="en-GB" sz="2200" dirty="0"/>
+              <a:t>. This is a process responsible for handling requests sent to a server for a specific application pool. </a:t>
+            </a:r>
+          </a:p>
+          <a:p>
+            <a:pPr marL="342900" indent="-342900">
+              <a:buFont typeface="Arial" panose="020B0604020202020204" pitchFamily="34" charset="0"/>
+              <a:buChar char="•"/>
+            </a:pPr>
+            <a:endParaRPr lang="en-GB" sz="2200" b="1" dirty="0"/>
+          </a:p>
+          <a:p>
+            <a:pPr marL="342900" indent="-342900">
+              <a:buFont typeface="Arial" panose="020B0604020202020204" pitchFamily="34" charset="0"/>
+              <a:buChar char="•"/>
+            </a:pPr>
+            <a:r>
+              <a:rPr lang="en-GB" sz="2200" dirty="0"/>
+              <a:t>Each worker process is periodically terminated and a new process is started. This is called </a:t>
+            </a:r>
+            <a:r>
+              <a:rPr lang="en-GB" sz="2200" b="1" dirty="0"/>
+              <a:t>Application Pool Recycling</a:t>
+            </a:r>
+            <a:r>
+              <a:rPr lang="en-GB" sz="2200" dirty="0"/>
+              <a:t> and is done to avoid unstable states that can lead to application crashes, memory leaks, etc. </a:t>
+            </a:r>
+          </a:p>
+          <a:p>
+            <a:pPr marL="342900" indent="-342900">
+              <a:buFont typeface="Arial" panose="020B0604020202020204" pitchFamily="34" charset="0"/>
+              <a:buChar char="•"/>
+            </a:pPr>
+            <a:endParaRPr lang="en-GB" sz="2200" dirty="0"/>
+          </a:p>
+          <a:p>
+            <a:pPr marL="342900" indent="-342900">
+              <a:buFont typeface="Arial" panose="020B0604020202020204" pitchFamily="34" charset="0"/>
+              <a:buChar char="•"/>
+            </a:pPr>
+            <a:r>
+              <a:rPr lang="en-GB" sz="2200" dirty="0"/>
+              <a:t>An overlapping recycle method is used, which keeps the old process up until the </a:t>
+            </a:r>
+            <a:r>
+              <a:rPr lang="en-GB" sz="2200" b="1" dirty="0"/>
+              <a:t>current requests are finished processing </a:t>
+            </a:r>
+            <a:r>
+              <a:rPr lang="en-GB" sz="2200" dirty="0"/>
+              <a:t>(or a set timeout elapses) while the new process handles new requests. This ensures service continuity so that you usually do not notice a recycle.</a:t>
+            </a:r>
+          </a:p>
+          <a:p>
+            <a:pPr marL="342900" indent="-342900">
+              <a:buFont typeface="Arial" panose="020B0604020202020204" pitchFamily="34" charset="0"/>
+              <a:buChar char="•"/>
+            </a:pPr>
+            <a:endParaRPr lang="en-GB" sz="2200" dirty="0"/>
+          </a:p>
+          <a:p>
+            <a:pPr marL="342900" indent="-342900">
+              <a:buFont typeface="Arial" panose="020B0604020202020204" pitchFamily="34" charset="0"/>
+              <a:buChar char="•"/>
+            </a:pPr>
+            <a:r>
+              <a:rPr lang="en-GB" sz="2200" b="1" dirty="0"/>
+              <a:t>Creating new threads manually</a:t>
+            </a:r>
+            <a:r>
+              <a:rPr lang="en-GB" sz="2200" dirty="0"/>
+              <a:t>, either on the Thread Pool or not, </a:t>
+            </a:r>
+            <a:r>
+              <a:rPr lang="en-GB" sz="2200" b="1" dirty="0"/>
+              <a:t>will not be registered with the server</a:t>
+            </a:r>
+            <a:r>
+              <a:rPr lang="en-GB" sz="2200" dirty="0"/>
+              <a:t>, so the application pool may be recycled before these background tasks are complete.</a:t>
+            </a:r>
+          </a:p>
+        </p:txBody>
+      </p:sp>
+    </p:spTree>
+    <p:extLst>
+      <p:ext uri="{BB962C8B-B14F-4D97-AF65-F5344CB8AC3E}">
+        <p14:creationId xmlns:p14="http://schemas.microsoft.com/office/powerpoint/2010/main" val="2752258754"/>
+      </p:ext>
+    </p:extLst>
+  </p:cSld>
+  <p:clrMapOvr>
+    <a:masterClrMapping/>
+  </p:clrMapOvr>
+</p:sld>
+</file>
+
+<file path=ppt/slides/slide31.xml><?xml version="1.0" encoding="utf-8"?>
+<p:sld xmlns:a="http://schemas.openxmlformats.org/drawingml/2006/main" xmlns:r="http://schemas.openxmlformats.org/officeDocument/2006/relationships" xmlns:p="http://schemas.openxmlformats.org/presentationml/2006/main">
+  <p:cSld>
+    <p:spTree>
+      <p:nvGrpSpPr>
+        <p:cNvPr id="1" name=""/>
+        <p:cNvGrpSpPr/>
+        <p:nvPr/>
+      </p:nvGrpSpPr>
+      <p:grpSpPr>
+        <a:xfrm>
+          <a:off x="0" y="0"/>
+          <a:ext cx="0" cy="0"/>
+          <a:chOff x="0" y="0"/>
+          <a:chExt cx="0" cy="0"/>
+        </a:xfrm>
+      </p:grpSpPr>
+      <p:sp>
+        <p:nvSpPr>
+          <p:cNvPr id="4" name="TextBox 3">
+            <a:extLst>
+              <a:ext uri="{FF2B5EF4-FFF2-40B4-BE49-F238E27FC236}">
+                <a16:creationId xmlns:a16="http://schemas.microsoft.com/office/drawing/2014/main" id="{18767206-9205-42D0-A2AE-5A1017D4CB08}"/>
+              </a:ext>
+            </a:extLst>
+          </p:cNvPr>
+          <p:cNvSpPr txBox="1"/>
+          <p:nvPr/>
+        </p:nvSpPr>
+        <p:spPr>
+          <a:xfrm>
+            <a:off x="278297" y="212034"/>
+            <a:ext cx="11781182" cy="6186309"/>
+          </a:xfrm>
+          <a:prstGeom prst="rect">
+            <a:avLst/>
+          </a:prstGeom>
+          <a:noFill/>
+        </p:spPr>
+        <p:txBody>
+          <a:bodyPr wrap="square" rtlCol="0">
+            <a:spAutoFit/>
+          </a:bodyPr>
+          <a:lstStyle/>
+          <a:p>
+            <a:r>
+              <a:rPr lang="en-GB" sz="2200" b="1" dirty="0"/>
+              <a:t>The solution</a:t>
+            </a:r>
+          </a:p>
+          <a:p>
+            <a:endParaRPr lang="en-GB" sz="2200" b="1" dirty="0"/>
+          </a:p>
+          <a:p>
+            <a:r>
+              <a:rPr lang="en-GB" sz="2200" dirty="0"/>
+              <a:t>ASP.NET has the </a:t>
+            </a:r>
+            <a:r>
+              <a:rPr lang="en-GB" sz="2200" dirty="0" err="1"/>
+              <a:t>HostingEnvironment.QueueBackgroundWorkItem</a:t>
+            </a:r>
+            <a:r>
+              <a:rPr lang="en-GB" sz="2200" dirty="0"/>
+              <a:t> method. From MSDN:</a:t>
+            </a:r>
+            <a:br>
+              <a:rPr lang="en-GB" sz="2200" dirty="0"/>
+            </a:br>
+            <a:br>
+              <a:rPr lang="en-GB" sz="2200" dirty="0"/>
+            </a:br>
+            <a:endParaRPr lang="en-GB" sz="2200" b="1" dirty="0"/>
+          </a:p>
+          <a:p>
+            <a:endParaRPr lang="en-GB" sz="2200" dirty="0"/>
+          </a:p>
+          <a:p>
+            <a:endParaRPr lang="en-GB" sz="2200" b="1" dirty="0"/>
+          </a:p>
+          <a:p>
+            <a:endParaRPr lang="en-GB" sz="2200" dirty="0"/>
+          </a:p>
+          <a:p>
+            <a:r>
+              <a:rPr lang="en-GB" sz="2200" b="1" dirty="0"/>
+              <a:t>Remarks</a:t>
+            </a:r>
+          </a:p>
+          <a:p>
+            <a:endParaRPr lang="en-GB" sz="2200" b="1" dirty="0"/>
+          </a:p>
+          <a:p>
+            <a:r>
+              <a:rPr lang="en-GB" sz="2200" dirty="0"/>
+              <a:t>Differs from a normal </a:t>
+            </a:r>
+            <a:r>
+              <a:rPr lang="en-GB" sz="2200" dirty="0" err="1"/>
+              <a:t>ThreadPool</a:t>
+            </a:r>
+            <a:r>
+              <a:rPr lang="en-GB" sz="2200" dirty="0"/>
+              <a:t> work item in that ASP.NET can keep track of how many work items registered through this API are currently running, and the ASP.NET runtime will try to delay </a:t>
+            </a:r>
+            <a:r>
+              <a:rPr lang="en-GB" sz="2200" dirty="0" err="1"/>
+              <a:t>AppDomain</a:t>
+            </a:r>
+            <a:r>
+              <a:rPr lang="en-GB" sz="2200" dirty="0"/>
+              <a:t> shutdown until these work items have finished executing. This API cannot be called outside of an ASP.NET-managed </a:t>
+            </a:r>
+            <a:r>
+              <a:rPr lang="en-GB" sz="2200" dirty="0" err="1"/>
+              <a:t>AppDomain</a:t>
+            </a:r>
+            <a:r>
+              <a:rPr lang="en-GB" sz="2200" dirty="0"/>
+              <a:t>. The provided </a:t>
+            </a:r>
+            <a:r>
+              <a:rPr lang="en-GB" sz="2200" dirty="0" err="1"/>
+              <a:t>CancellationToken</a:t>
+            </a:r>
+            <a:r>
+              <a:rPr lang="en-GB" sz="2200" dirty="0"/>
+              <a:t> will be </a:t>
+            </a:r>
+            <a:r>
+              <a:rPr lang="en-GB" sz="2200" dirty="0" err="1"/>
+              <a:t>signaled</a:t>
+            </a:r>
+            <a:r>
+              <a:rPr lang="en-GB" sz="2200" dirty="0"/>
+              <a:t> when the application is shutting down.</a:t>
+            </a:r>
+          </a:p>
+          <a:p>
+            <a:endParaRPr lang="en-GB" sz="2200" dirty="0"/>
+          </a:p>
+          <a:p>
+            <a:r>
+              <a:rPr lang="en-GB" sz="2200" b="1" dirty="0" err="1"/>
+              <a:t>QueueBackgroundWorkItem</a:t>
+            </a:r>
+            <a:r>
+              <a:rPr lang="en-GB" sz="2200" dirty="0"/>
+              <a:t> takes a Task-returning </a:t>
+            </a:r>
+            <a:r>
+              <a:rPr lang="en-GB" sz="2200" dirty="0" err="1"/>
+              <a:t>callback</a:t>
+            </a:r>
+            <a:r>
+              <a:rPr lang="en-GB" sz="2200" dirty="0"/>
+              <a:t>; the work item will be considered finished when the </a:t>
+            </a:r>
+            <a:r>
+              <a:rPr lang="en-GB" sz="2200" dirty="0" err="1"/>
+              <a:t>callback</a:t>
+            </a:r>
+            <a:r>
+              <a:rPr lang="en-GB" sz="2200" dirty="0"/>
+              <a:t> returns.</a:t>
+            </a:r>
+          </a:p>
+        </p:txBody>
+      </p:sp>
+      <p:pic>
+        <p:nvPicPr>
+          <p:cNvPr id="5" name="Picture 4">
+            <a:extLst>
+              <a:ext uri="{FF2B5EF4-FFF2-40B4-BE49-F238E27FC236}">
+                <a16:creationId xmlns:a16="http://schemas.microsoft.com/office/drawing/2014/main" id="{C3845A14-CEA6-4DB0-9140-AD4FE5C2185B}"/>
+              </a:ext>
+            </a:extLst>
+          </p:cNvPr>
+          <p:cNvPicPr>
+            <a:picLocks noChangeAspect="1"/>
+          </p:cNvPicPr>
+          <p:nvPr/>
+        </p:nvPicPr>
+        <p:blipFill>
+          <a:blip r:embed="rId2"/>
+          <a:stretch>
+            <a:fillRect/>
+          </a:stretch>
+        </p:blipFill>
+        <p:spPr>
+          <a:xfrm>
+            <a:off x="278297" y="1612417"/>
+            <a:ext cx="9832932" cy="985640"/>
+          </a:xfrm>
+          <a:prstGeom prst="rect">
+            <a:avLst/>
+          </a:prstGeom>
+        </p:spPr>
+      </p:pic>
+    </p:spTree>
+    <p:extLst>
+      <p:ext uri="{BB962C8B-B14F-4D97-AF65-F5344CB8AC3E}">
+        <p14:creationId xmlns:p14="http://schemas.microsoft.com/office/powerpoint/2010/main" val="121719087"/>
+      </p:ext>
+    </p:extLst>
+  </p:cSld>
+  <p:clrMapOvr>
+    <a:masterClrMapping/>
+  </p:clrMapOvr>
+</p:sld>
+</file>
+
+<file path=ppt/slides/slide32.xml><?xml version="1.0" encoding="utf-8"?>
+<p:sld xmlns:a="http://schemas.openxmlformats.org/drawingml/2006/main" xmlns:r="http://schemas.openxmlformats.org/officeDocument/2006/relationships" xmlns:p="http://schemas.openxmlformats.org/presentationml/2006/main">
+  <p:cSld>
+    <p:spTree>
+      <p:nvGrpSpPr>
+        <p:cNvPr id="1" name=""/>
+        <p:cNvGrpSpPr/>
+        <p:nvPr/>
+      </p:nvGrpSpPr>
+      <p:grpSpPr>
+        <a:xfrm>
+          <a:off x="0" y="0"/>
+          <a:ext cx="0" cy="0"/>
+          <a:chOff x="0" y="0"/>
+          <a:chExt cx="0" cy="0"/>
+        </a:xfrm>
+      </p:grpSpPr>
+      <p:sp>
+        <p:nvSpPr>
+          <p:cNvPr id="4" name="TextBox 3">
+            <a:extLst>
+              <a:ext uri="{FF2B5EF4-FFF2-40B4-BE49-F238E27FC236}">
+                <a16:creationId xmlns:a16="http://schemas.microsoft.com/office/drawing/2014/main" id="{18767206-9205-42D0-A2AE-5A1017D4CB08}"/>
+              </a:ext>
+            </a:extLst>
+          </p:cNvPr>
+          <p:cNvSpPr txBox="1"/>
+          <p:nvPr/>
+        </p:nvSpPr>
+        <p:spPr>
+          <a:xfrm>
+            <a:off x="278297" y="212034"/>
+            <a:ext cx="11781182" cy="5509200"/>
+          </a:xfrm>
+          <a:prstGeom prst="rect">
+            <a:avLst/>
+          </a:prstGeom>
+          <a:noFill/>
+        </p:spPr>
+        <p:txBody>
+          <a:bodyPr wrap="square" rtlCol="0">
+            <a:spAutoFit/>
+          </a:bodyPr>
+          <a:lstStyle/>
+          <a:p>
+            <a:r>
+              <a:rPr lang="en-GB" sz="2200" b="1" dirty="0"/>
+              <a:t>The solution</a:t>
+            </a:r>
+          </a:p>
+          <a:p>
+            <a:endParaRPr lang="en-GB" sz="2200" b="1" dirty="0"/>
+          </a:p>
+          <a:p>
+            <a:r>
+              <a:rPr lang="en-GB" sz="2200" dirty="0"/>
+              <a:t> In ASP.NET Core, background tasks can be implemented as hosted services. A hosted service is a class with background task logic that implements the </a:t>
+            </a:r>
+            <a:r>
+              <a:rPr lang="en-GB" sz="2200" dirty="0" err="1"/>
+              <a:t>IHostedService</a:t>
+            </a:r>
+            <a:r>
+              <a:rPr lang="en-GB" sz="2200" dirty="0"/>
+              <a:t> interface. It has support for: </a:t>
+            </a:r>
+          </a:p>
+          <a:p>
+            <a:endParaRPr lang="en-GB" sz="2200" dirty="0"/>
+          </a:p>
+          <a:p>
+            <a:pPr marL="342900" indent="-342900">
+              <a:buFont typeface="Arial" panose="020B0604020202020204" pitchFamily="34" charset="0"/>
+              <a:buChar char="•"/>
+            </a:pPr>
+            <a:r>
+              <a:rPr lang="en-GB" sz="2200" dirty="0"/>
+              <a:t>Background tasks that run on a timer.</a:t>
+            </a:r>
+          </a:p>
+          <a:p>
+            <a:pPr marL="342900" indent="-342900">
+              <a:buFont typeface="Arial" panose="020B0604020202020204" pitchFamily="34" charset="0"/>
+              <a:buChar char="•"/>
+            </a:pPr>
+            <a:r>
+              <a:rPr lang="en-GB" sz="2200" dirty="0"/>
+              <a:t>Hosted service that activates a scoped service. The scoped service can use dependency injection.</a:t>
+            </a:r>
+          </a:p>
+          <a:p>
+            <a:pPr marL="342900" indent="-342900">
+              <a:buFont typeface="Arial" panose="020B0604020202020204" pitchFamily="34" charset="0"/>
+              <a:buChar char="•"/>
+            </a:pPr>
+            <a:r>
+              <a:rPr lang="en-GB" sz="2200" dirty="0"/>
+              <a:t>Queued background tasks that run sequentially. </a:t>
+            </a:r>
+          </a:p>
+          <a:p>
+            <a:endParaRPr lang="en-GB" sz="2200" b="1" dirty="0"/>
+          </a:p>
+          <a:p>
+            <a:r>
+              <a:rPr lang="en-GB" sz="2200" dirty="0"/>
+              <a:t>The hosted service is activated once at app </a:t>
+            </a:r>
+            <a:r>
+              <a:rPr lang="en-GB" sz="2200" dirty="0" err="1"/>
+              <a:t>startup</a:t>
+            </a:r>
+            <a:r>
+              <a:rPr lang="en-GB" sz="2200" dirty="0"/>
+              <a:t> and gracefully shut down at app shutdown. If an error is thrown during background task execution, Dispose should be called even if </a:t>
+            </a:r>
+            <a:r>
+              <a:rPr lang="en-GB" sz="2200" dirty="0" err="1"/>
+              <a:t>StopAsync</a:t>
+            </a:r>
+            <a:r>
+              <a:rPr lang="en-GB" sz="2200" dirty="0"/>
+              <a:t> isn't called.</a:t>
+            </a:r>
+          </a:p>
+          <a:p>
+            <a:endParaRPr lang="en-GB" sz="2200" dirty="0"/>
+          </a:p>
+          <a:p>
+            <a:r>
+              <a:rPr lang="en-GB" sz="2200" dirty="0"/>
+              <a:t>Fairly simply to implement and Microsoft has excellent documentation on it: </a:t>
+            </a:r>
+            <a:br>
+              <a:rPr lang="en-GB" sz="2200" dirty="0"/>
+            </a:br>
+            <a:r>
+              <a:rPr lang="en-GB" sz="2200" dirty="0">
+                <a:hlinkClick r:id="rId2"/>
+              </a:rPr>
+              <a:t>https://docs.microsoft.com/en-us/aspnet/core/fundamentals/host/hosted-services?view=aspnetcore-2.1#queued-background-tasks</a:t>
+            </a:r>
+            <a:r>
+              <a:rPr lang="en-GB" sz="2200" dirty="0"/>
+              <a:t> </a:t>
+            </a:r>
+          </a:p>
+        </p:txBody>
+      </p:sp>
+    </p:spTree>
+    <p:extLst>
+      <p:ext uri="{BB962C8B-B14F-4D97-AF65-F5344CB8AC3E}">
+        <p14:creationId xmlns:p14="http://schemas.microsoft.com/office/powerpoint/2010/main" val="2054950243"/>
       </p:ext>
     </p:extLst>
   </p:cSld>

--- a/Async and await presentation.pptx
+++ b/Async and await presentation.pptx
@@ -22,21 +22,28 @@
     <p:sldId id="269" r:id="rId16"/>
     <p:sldId id="280" r:id="rId17"/>
     <p:sldId id="281" r:id="rId18"/>
-    <p:sldId id="270" r:id="rId19"/>
-    <p:sldId id="282" r:id="rId20"/>
-    <p:sldId id="283" r:id="rId21"/>
-    <p:sldId id="274" r:id="rId22"/>
-    <p:sldId id="284" r:id="rId23"/>
-    <p:sldId id="285" r:id="rId24"/>
-    <p:sldId id="272" r:id="rId25"/>
-    <p:sldId id="273" r:id="rId26"/>
-    <p:sldId id="275" r:id="rId27"/>
-    <p:sldId id="276" r:id="rId28"/>
-    <p:sldId id="286" r:id="rId29"/>
-    <p:sldId id="277" r:id="rId30"/>
-    <p:sldId id="287" r:id="rId31"/>
-    <p:sldId id="288" r:id="rId32"/>
-    <p:sldId id="289" r:id="rId33"/>
+    <p:sldId id="295" r:id="rId19"/>
+    <p:sldId id="270" r:id="rId20"/>
+    <p:sldId id="282" r:id="rId21"/>
+    <p:sldId id="283" r:id="rId22"/>
+    <p:sldId id="274" r:id="rId23"/>
+    <p:sldId id="284" r:id="rId24"/>
+    <p:sldId id="285" r:id="rId25"/>
+    <p:sldId id="272" r:id="rId26"/>
+    <p:sldId id="273" r:id="rId27"/>
+    <p:sldId id="275" r:id="rId28"/>
+    <p:sldId id="276" r:id="rId29"/>
+    <p:sldId id="286" r:id="rId30"/>
+    <p:sldId id="290" r:id="rId31"/>
+    <p:sldId id="277" r:id="rId32"/>
+    <p:sldId id="287" r:id="rId33"/>
+    <p:sldId id="288" r:id="rId34"/>
+    <p:sldId id="289" r:id="rId35"/>
+    <p:sldId id="293" r:id="rId36"/>
+    <p:sldId id="292" r:id="rId37"/>
+    <p:sldId id="294" r:id="rId38"/>
+    <p:sldId id="296" r:id="rId39"/>
+    <p:sldId id="297" r:id="rId40"/>
   </p:sldIdLst>
   <p:sldSz cx="12192000" cy="6858000"/>
   <p:notesSz cx="6858000" cy="9144000"/>
@@ -143,10 +150,6 @@
 </p:presentation>
 </file>
 
-<file path=ppt/revisionInfo.xml><?xml version="1.0" encoding="utf-8"?>
-<p1510:revInfo xmlns:a="http://schemas.openxmlformats.org/drawingml/2006/main" xmlns:r="http://schemas.openxmlformats.org/officeDocument/2006/relationships" xmlns:p1510="http://schemas.microsoft.com/office/powerpoint/2015/10/main"/>
-</file>
-
 <file path=ppt/slideLayouts/slideLayout1.xml><?xml version="1.0" encoding="utf-8"?>
 <p:sldLayout xmlns:a="http://schemas.openxmlformats.org/drawingml/2006/main" xmlns:r="http://schemas.openxmlformats.org/officeDocument/2006/relationships" xmlns:p="http://schemas.openxmlformats.org/presentationml/2006/main" type="title" preserve="1">
   <p:cSld name="Title Slide">
@@ -296,7 +299,7 @@
           <a:p>
             <a:fld id="{BFEF692B-FC3E-4552-B87F-4B5A00EB12B2}" type="datetimeFigureOut">
               <a:rPr lang="en-GB" smtClean="0"/>
-              <a:t>26/11/2018</a:t>
+              <a:t>29/11/2018</a:t>
             </a:fld>
             <a:endParaRPr lang="en-GB"/>
           </a:p>
@@ -496,7 +499,7 @@
           <a:p>
             <a:fld id="{BFEF692B-FC3E-4552-B87F-4B5A00EB12B2}" type="datetimeFigureOut">
               <a:rPr lang="en-GB" smtClean="0"/>
-              <a:t>26/11/2018</a:t>
+              <a:t>29/11/2018</a:t>
             </a:fld>
             <a:endParaRPr lang="en-GB"/>
           </a:p>
@@ -706,7 +709,7 @@
           <a:p>
             <a:fld id="{BFEF692B-FC3E-4552-B87F-4B5A00EB12B2}" type="datetimeFigureOut">
               <a:rPr lang="en-GB" smtClean="0"/>
-              <a:t>26/11/2018</a:t>
+              <a:t>29/11/2018</a:t>
             </a:fld>
             <a:endParaRPr lang="en-GB"/>
           </a:p>
@@ -906,7 +909,7 @@
           <a:p>
             <a:fld id="{BFEF692B-FC3E-4552-B87F-4B5A00EB12B2}" type="datetimeFigureOut">
               <a:rPr lang="en-GB" smtClean="0"/>
-              <a:t>26/11/2018</a:t>
+              <a:t>29/11/2018</a:t>
             </a:fld>
             <a:endParaRPr lang="en-GB"/>
           </a:p>
@@ -1182,7 +1185,7 @@
           <a:p>
             <a:fld id="{BFEF692B-FC3E-4552-B87F-4B5A00EB12B2}" type="datetimeFigureOut">
               <a:rPr lang="en-GB" smtClean="0"/>
-              <a:t>26/11/2018</a:t>
+              <a:t>29/11/2018</a:t>
             </a:fld>
             <a:endParaRPr lang="en-GB"/>
           </a:p>
@@ -1450,7 +1453,7 @@
           <a:p>
             <a:fld id="{BFEF692B-FC3E-4552-B87F-4B5A00EB12B2}" type="datetimeFigureOut">
               <a:rPr lang="en-GB" smtClean="0"/>
-              <a:t>26/11/2018</a:t>
+              <a:t>29/11/2018</a:t>
             </a:fld>
             <a:endParaRPr lang="en-GB"/>
           </a:p>
@@ -1865,7 +1868,7 @@
           <a:p>
             <a:fld id="{BFEF692B-FC3E-4552-B87F-4B5A00EB12B2}" type="datetimeFigureOut">
               <a:rPr lang="en-GB" smtClean="0"/>
-              <a:t>26/11/2018</a:t>
+              <a:t>29/11/2018</a:t>
             </a:fld>
             <a:endParaRPr lang="en-GB"/>
           </a:p>
@@ -2007,7 +2010,7 @@
           <a:p>
             <a:fld id="{BFEF692B-FC3E-4552-B87F-4B5A00EB12B2}" type="datetimeFigureOut">
               <a:rPr lang="en-GB" smtClean="0"/>
-              <a:t>26/11/2018</a:t>
+              <a:t>29/11/2018</a:t>
             </a:fld>
             <a:endParaRPr lang="en-GB"/>
           </a:p>
@@ -2120,7 +2123,7 @@
           <a:p>
             <a:fld id="{BFEF692B-FC3E-4552-B87F-4B5A00EB12B2}" type="datetimeFigureOut">
               <a:rPr lang="en-GB" smtClean="0"/>
-              <a:t>26/11/2018</a:t>
+              <a:t>29/11/2018</a:t>
             </a:fld>
             <a:endParaRPr lang="en-GB"/>
           </a:p>
@@ -2433,7 +2436,7 @@
           <a:p>
             <a:fld id="{BFEF692B-FC3E-4552-B87F-4B5A00EB12B2}" type="datetimeFigureOut">
               <a:rPr lang="en-GB" smtClean="0"/>
-              <a:t>26/11/2018</a:t>
+              <a:t>29/11/2018</a:t>
             </a:fld>
             <a:endParaRPr lang="en-GB"/>
           </a:p>
@@ -2722,7 +2725,7 @@
           <a:p>
             <a:fld id="{BFEF692B-FC3E-4552-B87F-4B5A00EB12B2}" type="datetimeFigureOut">
               <a:rPr lang="en-GB" smtClean="0"/>
-              <a:t>26/11/2018</a:t>
+              <a:t>29/11/2018</a:t>
             </a:fld>
             <a:endParaRPr lang="en-GB"/>
           </a:p>
@@ -2965,7 +2968,7 @@
           <a:p>
             <a:fld id="{BFEF692B-FC3E-4552-B87F-4B5A00EB12B2}" type="datetimeFigureOut">
               <a:rPr lang="en-GB" smtClean="0"/>
-              <a:t>26/11/2018</a:t>
+              <a:t>29/11/2018</a:t>
             </a:fld>
             <a:endParaRPr lang="en-GB"/>
           </a:p>
@@ -4871,6 +4874,71 @@
       </p:grpSpPr>
       <p:sp>
         <p:nvSpPr>
+          <p:cNvPr id="2" name="Title 1">
+            <a:extLst>
+              <a:ext uri="{FF2B5EF4-FFF2-40B4-BE49-F238E27FC236}">
+                <a16:creationId xmlns:a16="http://schemas.microsoft.com/office/drawing/2014/main" id="{267862F2-D4D4-4F5B-B69F-65226C837768}"/>
+              </a:ext>
+            </a:extLst>
+          </p:cNvPr>
+          <p:cNvSpPr>
+            <a:spLocks noGrp="1"/>
+          </p:cNvSpPr>
+          <p:nvPr>
+            <p:ph type="ctrTitle"/>
+          </p:nvPr>
+        </p:nvSpPr>
+        <p:spPr>
+          <a:xfrm>
+            <a:off x="1524000" y="1122363"/>
+            <a:ext cx="9144000" cy="1991898"/>
+          </a:xfrm>
+        </p:spPr>
+        <p:txBody>
+          <a:bodyPr>
+            <a:normAutofit/>
+          </a:bodyPr>
+          <a:lstStyle/>
+          <a:p>
+            <a:r>
+              <a:rPr lang="en-GB" dirty="0"/>
+              <a:t>How does multithreading fit into this?</a:t>
+            </a:r>
+          </a:p>
+        </p:txBody>
+      </p:sp>
+    </p:spTree>
+    <p:extLst>
+      <p:ext uri="{BB962C8B-B14F-4D97-AF65-F5344CB8AC3E}">
+        <p14:creationId xmlns:p14="http://schemas.microsoft.com/office/powerpoint/2010/main" val="3211782034"/>
+      </p:ext>
+    </p:extLst>
+  </p:cSld>
+  <p:clrMapOvr>
+    <a:masterClrMapping/>
+  </p:clrMapOvr>
+</p:sld>
+</file>
+
+<file path=ppt/slides/slide19.xml><?xml version="1.0" encoding="utf-8"?>
+<p:sld xmlns:a="http://schemas.openxmlformats.org/drawingml/2006/main" xmlns:r="http://schemas.openxmlformats.org/officeDocument/2006/relationships" xmlns:p="http://schemas.openxmlformats.org/presentationml/2006/main">
+  <p:cSld>
+    <p:spTree>
+      <p:nvGrpSpPr>
+        <p:cNvPr id="1" name=""/>
+        <p:cNvGrpSpPr/>
+        <p:nvPr/>
+      </p:nvGrpSpPr>
+      <p:grpSpPr>
+        <a:xfrm>
+          <a:off x="0" y="0"/>
+          <a:ext cx="0" cy="0"/>
+          <a:chOff x="0" y="0"/>
+          <a:chExt cx="0" cy="0"/>
+        </a:xfrm>
+      </p:grpSpPr>
+      <p:sp>
+        <p:nvSpPr>
           <p:cNvPr id="4" name="TextBox 3">
             <a:extLst>
               <a:ext uri="{FF2B5EF4-FFF2-40B4-BE49-F238E27FC236}">
@@ -6646,102 +6714,6 @@
 </p:sld>
 </file>
 
-<file path=ppt/slides/slide19.xml><?xml version="1.0" encoding="utf-8"?>
-<p:sld xmlns:a="http://schemas.openxmlformats.org/drawingml/2006/main" xmlns:r="http://schemas.openxmlformats.org/officeDocument/2006/relationships" xmlns:p="http://schemas.openxmlformats.org/presentationml/2006/main">
-  <p:cSld>
-    <p:spTree>
-      <p:nvGrpSpPr>
-        <p:cNvPr id="1" name=""/>
-        <p:cNvGrpSpPr/>
-        <p:nvPr/>
-      </p:nvGrpSpPr>
-      <p:grpSpPr>
-        <a:xfrm>
-          <a:off x="0" y="0"/>
-          <a:ext cx="0" cy="0"/>
-          <a:chOff x="0" y="0"/>
-          <a:chExt cx="0" cy="0"/>
-        </a:xfrm>
-      </p:grpSpPr>
-      <p:sp>
-        <p:nvSpPr>
-          <p:cNvPr id="4" name="TextBox 3">
-            <a:extLst>
-              <a:ext uri="{FF2B5EF4-FFF2-40B4-BE49-F238E27FC236}">
-                <a16:creationId xmlns:a16="http://schemas.microsoft.com/office/drawing/2014/main" id="{18767206-9205-42D0-A2AE-5A1017D4CB08}"/>
-              </a:ext>
-            </a:extLst>
-          </p:cNvPr>
-          <p:cNvSpPr txBox="1"/>
-          <p:nvPr/>
-        </p:nvSpPr>
-        <p:spPr>
-          <a:xfrm>
-            <a:off x="92766" y="0"/>
-            <a:ext cx="11781182" cy="461665"/>
-          </a:xfrm>
-          <a:prstGeom prst="rect">
-            <a:avLst/>
-          </a:prstGeom>
-          <a:noFill/>
-        </p:spPr>
-        <p:txBody>
-          <a:bodyPr wrap="square" rtlCol="0">
-            <a:spAutoFit/>
-          </a:bodyPr>
-          <a:lstStyle/>
-          <a:p>
-            <a:r>
-              <a:rPr lang="en-GB" sz="2400" b="1" dirty="0"/>
-              <a:t>C# code</a:t>
-            </a:r>
-            <a:endParaRPr lang="en-GB" sz="2400" dirty="0"/>
-          </a:p>
-        </p:txBody>
-      </p:sp>
-      <p:pic>
-        <p:nvPicPr>
-          <p:cNvPr id="2" name="Picture 1">
-            <a:extLst>
-              <a:ext uri="{FF2B5EF4-FFF2-40B4-BE49-F238E27FC236}">
-                <a16:creationId xmlns:a16="http://schemas.microsoft.com/office/drawing/2014/main" id="{471C1663-CEED-4B2D-BE1A-673138594107}"/>
-              </a:ext>
-            </a:extLst>
-          </p:cNvPr>
-          <p:cNvPicPr>
-            <a:picLocks noChangeAspect="1"/>
-          </p:cNvPicPr>
-          <p:nvPr/>
-        </p:nvPicPr>
-        <p:blipFill>
-          <a:blip r:embed="rId2"/>
-          <a:stretch>
-            <a:fillRect/>
-          </a:stretch>
-        </p:blipFill>
-        <p:spPr>
-          <a:xfrm>
-            <a:off x="-1" y="561678"/>
-            <a:ext cx="12176261" cy="4696121"/>
-          </a:xfrm>
-          <a:prstGeom prst="rect">
-            <a:avLst/>
-          </a:prstGeom>
-        </p:spPr>
-      </p:pic>
-    </p:spTree>
-    <p:extLst>
-      <p:ext uri="{BB962C8B-B14F-4D97-AF65-F5344CB8AC3E}">
-        <p14:creationId xmlns:p14="http://schemas.microsoft.com/office/powerpoint/2010/main" val="1810673536"/>
-      </p:ext>
-    </p:extLst>
-  </p:cSld>
-  <p:clrMapOvr>
-    <a:masterClrMapping/>
-  </p:clrMapOvr>
-</p:sld>
-</file>
-
 <file path=ppt/slides/slide2.xml><?xml version="1.0" encoding="utf-8"?>
 <p:sld xmlns:a="http://schemas.openxmlformats.org/drawingml/2006/main" xmlns:r="http://schemas.openxmlformats.org/officeDocument/2006/relationships" xmlns:p="http://schemas.openxmlformats.org/presentationml/2006/main">
   <p:cSld>
@@ -6855,6 +6827,102 @@
           <a:p>
             <a:r>
               <a:rPr lang="en-GB" sz="2400" b="1" dirty="0"/>
+              <a:t>C# code</a:t>
+            </a:r>
+            <a:endParaRPr lang="en-GB" sz="2400" dirty="0"/>
+          </a:p>
+        </p:txBody>
+      </p:sp>
+      <p:pic>
+        <p:nvPicPr>
+          <p:cNvPr id="2" name="Picture 1">
+            <a:extLst>
+              <a:ext uri="{FF2B5EF4-FFF2-40B4-BE49-F238E27FC236}">
+                <a16:creationId xmlns:a16="http://schemas.microsoft.com/office/drawing/2014/main" id="{471C1663-CEED-4B2D-BE1A-673138594107}"/>
+              </a:ext>
+            </a:extLst>
+          </p:cNvPr>
+          <p:cNvPicPr>
+            <a:picLocks noChangeAspect="1"/>
+          </p:cNvPicPr>
+          <p:nvPr/>
+        </p:nvPicPr>
+        <p:blipFill>
+          <a:blip r:embed="rId2"/>
+          <a:stretch>
+            <a:fillRect/>
+          </a:stretch>
+        </p:blipFill>
+        <p:spPr>
+          <a:xfrm>
+            <a:off x="-1" y="561678"/>
+            <a:ext cx="12176261" cy="4696121"/>
+          </a:xfrm>
+          <a:prstGeom prst="rect">
+            <a:avLst/>
+          </a:prstGeom>
+        </p:spPr>
+      </p:pic>
+    </p:spTree>
+    <p:extLst>
+      <p:ext uri="{BB962C8B-B14F-4D97-AF65-F5344CB8AC3E}">
+        <p14:creationId xmlns:p14="http://schemas.microsoft.com/office/powerpoint/2010/main" val="1810673536"/>
+      </p:ext>
+    </p:extLst>
+  </p:cSld>
+  <p:clrMapOvr>
+    <a:masterClrMapping/>
+  </p:clrMapOvr>
+</p:sld>
+</file>
+
+<file path=ppt/slides/slide21.xml><?xml version="1.0" encoding="utf-8"?>
+<p:sld xmlns:a="http://schemas.openxmlformats.org/drawingml/2006/main" xmlns:r="http://schemas.openxmlformats.org/officeDocument/2006/relationships" xmlns:p="http://schemas.openxmlformats.org/presentationml/2006/main">
+  <p:cSld>
+    <p:spTree>
+      <p:nvGrpSpPr>
+        <p:cNvPr id="1" name=""/>
+        <p:cNvGrpSpPr/>
+        <p:nvPr/>
+      </p:nvGrpSpPr>
+      <p:grpSpPr>
+        <a:xfrm>
+          <a:off x="0" y="0"/>
+          <a:ext cx="0" cy="0"/>
+          <a:chOff x="0" y="0"/>
+          <a:chExt cx="0" cy="0"/>
+        </a:xfrm>
+      </p:grpSpPr>
+      <p:sp>
+        <p:nvSpPr>
+          <p:cNvPr id="4" name="TextBox 3">
+            <a:extLst>
+              <a:ext uri="{FF2B5EF4-FFF2-40B4-BE49-F238E27FC236}">
+                <a16:creationId xmlns:a16="http://schemas.microsoft.com/office/drawing/2014/main" id="{18767206-9205-42D0-A2AE-5A1017D4CB08}"/>
+              </a:ext>
+            </a:extLst>
+          </p:cNvPr>
+          <p:cNvSpPr txBox="1"/>
+          <p:nvPr/>
+        </p:nvSpPr>
+        <p:spPr>
+          <a:xfrm>
+            <a:off x="92766" y="0"/>
+            <a:ext cx="11781182" cy="461665"/>
+          </a:xfrm>
+          <a:prstGeom prst="rect">
+            <a:avLst/>
+          </a:prstGeom>
+          <a:noFill/>
+        </p:spPr>
+        <p:txBody>
+          <a:bodyPr wrap="square" rtlCol="0">
+            <a:spAutoFit/>
+          </a:bodyPr>
+          <a:lstStyle/>
+          <a:p>
+            <a:r>
+              <a:rPr lang="en-GB" sz="2400" b="1" dirty="0"/>
               <a:t>Console output</a:t>
             </a:r>
             <a:endParaRPr lang="en-GB" sz="2400" dirty="0"/>
@@ -6904,7 +6972,7 @@
 </p:sld>
 </file>
 
-<file path=ppt/slides/slide21.xml><?xml version="1.0" encoding="utf-8"?>
+<file path=ppt/slides/slide22.xml><?xml version="1.0" encoding="utf-8"?>
 <p:sld xmlns:a="http://schemas.openxmlformats.org/drawingml/2006/main" xmlns:r="http://schemas.openxmlformats.org/officeDocument/2006/relationships" xmlns:p="http://schemas.openxmlformats.org/presentationml/2006/main">
   <p:cSld>
     <p:spTree>
@@ -8266,7 +8334,7 @@
 </p:sld>
 </file>
 
-<file path=ppt/slides/slide22.xml><?xml version="1.0" encoding="utf-8"?>
+<file path=ppt/slides/slide23.xml><?xml version="1.0" encoding="utf-8"?>
 <p:sld xmlns:a="http://schemas.openxmlformats.org/drawingml/2006/main" xmlns:r="http://schemas.openxmlformats.org/officeDocument/2006/relationships" xmlns:p="http://schemas.openxmlformats.org/presentationml/2006/main">
   <p:cSld>
     <p:spTree>
@@ -8362,7 +8430,7 @@
 </p:sld>
 </file>
 
-<file path=ppt/slides/slide23.xml><?xml version="1.0" encoding="utf-8"?>
+<file path=ppt/slides/slide24.xml><?xml version="1.0" encoding="utf-8"?>
 <p:sld xmlns:a="http://schemas.openxmlformats.org/drawingml/2006/main" xmlns:r="http://schemas.openxmlformats.org/officeDocument/2006/relationships" xmlns:p="http://schemas.openxmlformats.org/presentationml/2006/main">
   <p:cSld>
     <p:spTree>
@@ -8458,7 +8526,7 @@
 </p:sld>
 </file>
 
-<file path=ppt/slides/slide24.xml><?xml version="1.0" encoding="utf-8"?>
+<file path=ppt/slides/slide25.xml><?xml version="1.0" encoding="utf-8"?>
 <p:sld xmlns:a="http://schemas.openxmlformats.org/drawingml/2006/main" xmlns:r="http://schemas.openxmlformats.org/officeDocument/2006/relationships" xmlns:p="http://schemas.openxmlformats.org/presentationml/2006/main">
   <p:cSld>
     <p:spTree>
@@ -8622,7 +8690,7 @@
 </p:sld>
 </file>
 
-<file path=ppt/slides/slide25.xml><?xml version="1.0" encoding="utf-8"?>
+<file path=ppt/slides/slide26.xml><?xml version="1.0" encoding="utf-8"?>
 <p:sld xmlns:a="http://schemas.openxmlformats.org/drawingml/2006/main" xmlns:r="http://schemas.openxmlformats.org/officeDocument/2006/relationships" xmlns:p="http://schemas.openxmlformats.org/presentationml/2006/main">
   <p:cSld>
     <p:spTree>
@@ -8794,7 +8862,7 @@
 </p:sld>
 </file>
 
-<file path=ppt/slides/slide26.xml><?xml version="1.0" encoding="utf-8"?>
+<file path=ppt/slides/slide27.xml><?xml version="1.0" encoding="utf-8"?>
 <p:sld xmlns:a="http://schemas.openxmlformats.org/drawingml/2006/main" xmlns:r="http://schemas.openxmlformats.org/officeDocument/2006/relationships" xmlns:p="http://schemas.openxmlformats.org/presentationml/2006/main">
   <p:cSld>
     <p:spTree>
@@ -9006,7 +9074,7 @@
 </p:sld>
 </file>
 
-<file path=ppt/slides/slide27.xml><?xml version="1.0" encoding="utf-8"?>
+<file path=ppt/slides/slide28.xml><?xml version="1.0" encoding="utf-8"?>
 <p:sld xmlns:a="http://schemas.openxmlformats.org/drawingml/2006/main" xmlns:r="http://schemas.openxmlformats.org/officeDocument/2006/relationships" xmlns:p="http://schemas.openxmlformats.org/presentationml/2006/main">
   <p:cSld>
     <p:spTree>
@@ -9974,7 +10042,18 @@
                   </a:schemeClr>
                 </a:solidFill>
               </a:rPr>
-              <a:t>excellent performance</a:t>
+              <a:t>performance</a:t>
+            </a:r>
+            <a:r>
+              <a:rPr lang="en-GB" dirty="0">
+                <a:solidFill>
+                  <a:schemeClr val="tx1">
+                    <a:lumMod val="95000"/>
+                    <a:lumOff val="5000"/>
+                  </a:schemeClr>
+                </a:solidFill>
+              </a:rPr>
+              <a:t> benefits</a:t>
             </a:r>
             <a:r>
               <a:rPr lang="en-GB" dirty="0"/>
@@ -10061,28 +10140,25 @@
                   <a:srgbClr val="FF0000"/>
                 </a:solidFill>
               </a:rPr>
-              <a:t>You should avoid anything synchronous whenever possible</a:t>
-            </a:r>
-            <a:r>
-              <a:rPr lang="en-GB" dirty="0"/>
-              <a:t>. </a:t>
-            </a:r>
+              <a:t>You should avoid synchronous scheduling when possible as it blocks threads.</a:t>
+            </a:r>
+            <a:br>
+              <a:rPr lang="en-GB" b="1" dirty="0">
+                <a:solidFill>
+                  <a:srgbClr val="FF0000"/>
+                </a:solidFill>
+              </a:rPr>
+            </a:br>
+            <a:endParaRPr lang="en-GB" dirty="0"/>
           </a:p>
           <a:p>
             <a:pPr marL="285750" indent="-285750">
               <a:buFont typeface="Arial" panose="020B0604020202020204" pitchFamily="34" charset="0"/>
               <a:buChar char="•"/>
             </a:pPr>
-            <a:endParaRPr lang="en-GB" dirty="0"/>
-          </a:p>
-          <a:p>
-            <a:pPr marL="285750" indent="-285750">
-              <a:buFont typeface="Arial" panose="020B0604020202020204" pitchFamily="34" charset="0"/>
-              <a:buChar char="•"/>
-            </a:pPr>
             <a:r>
               <a:rPr lang="en-GB" dirty="0"/>
-              <a:t>If you are forced to use synchronous scheduling, it’s best to use multiple threads but only if you have the resources available (i.e. it’s something like a native application and not a web application). </a:t>
+              <a:t>If you are forced to use synchronous scheduling, it’s best to use multiple threads but only if you have the resources available on the platform you’re running the application on. </a:t>
             </a:r>
           </a:p>
           <a:p>
@@ -10107,7 +10183,7 @@
 </p:sld>
 </file>
 
-<file path=ppt/slides/slide28.xml><?xml version="1.0" encoding="utf-8"?>
+<file path=ppt/slides/slide29.xml><?xml version="1.0" encoding="utf-8"?>
 <p:sld xmlns:a="http://schemas.openxmlformats.org/drawingml/2006/main" xmlns:r="http://schemas.openxmlformats.org/officeDocument/2006/relationships" xmlns:p="http://schemas.openxmlformats.org/presentationml/2006/main">
   <p:cSld>
     <p:spTree>
@@ -10161,35 +10237,31 @@
             <a:endParaRPr lang="en-GB" sz="2200" b="1" dirty="0"/>
           </a:p>
           <a:p>
-            <a:pPr marL="342900" indent="-342900">
-              <a:buFont typeface="Arial" panose="020B0604020202020204" pitchFamily="34" charset="0"/>
-              <a:buChar char="•"/>
-            </a:pPr>
-            <a:r>
-              <a:rPr lang="en-GB" sz="2200" b="1" dirty="0"/>
+            <a:r>
+              <a:rPr lang="en-GB" sz="2200" dirty="0"/>
               <a:t>Use </a:t>
             </a:r>
             <a:r>
-              <a:rPr lang="en-GB" sz="2200" b="1" dirty="0" err="1"/>
+              <a:rPr lang="en-GB" sz="2200" dirty="0" err="1"/>
               <a:t>Task.Run</a:t>
             </a:r>
             <a:r>
-              <a:rPr lang="en-GB" sz="2200" b="1" dirty="0"/>
+              <a:rPr lang="en-GB" sz="2200" dirty="0"/>
               <a:t>(</a:t>
             </a:r>
             <a:r>
-              <a:rPr lang="en-GB" sz="2200" b="1" dirty="0" err="1"/>
+              <a:rPr lang="en-GB" sz="2200" dirty="0" err="1"/>
               <a:t>someAction</a:t>
             </a:r>
             <a:r>
-              <a:rPr lang="en-GB" sz="2200" b="1" dirty="0"/>
-              <a:t>) to start a new thread, instead of </a:t>
-            </a:r>
-            <a:r>
-              <a:rPr lang="en-GB" sz="2200" b="1" dirty="0" err="1"/>
+              <a:rPr lang="en-GB" sz="2200" dirty="0"/>
+              <a:t>) to queue a task to run on a new thread, instead of </a:t>
+            </a:r>
+            <a:r>
+              <a:rPr lang="en-GB" sz="2200" dirty="0" err="1"/>
               <a:t>Task.Factory.StartNew</a:t>
             </a:r>
-            <a:endParaRPr lang="en-GB" sz="2200" b="1" dirty="0"/>
+            <a:endParaRPr lang="en-GB" sz="2200" dirty="0"/>
           </a:p>
           <a:p>
             <a:endParaRPr lang="en-GB" sz="2200" b="1" dirty="0"/>
@@ -10251,7 +10323,7 @@
         </p:blipFill>
         <p:spPr>
           <a:xfrm>
-            <a:off x="278297" y="3362938"/>
+            <a:off x="278297" y="2835435"/>
             <a:ext cx="11781182" cy="1088479"/>
           </a:xfrm>
           <a:prstGeom prst="rect">
@@ -10261,10 +10333,10 @@
       </p:pic>
       <p:sp>
         <p:nvSpPr>
-          <p:cNvPr id="7" name="TextBox 6">
+          <p:cNvPr id="5" name="TextBox 4">
             <a:extLst>
               <a:ext uri="{FF2B5EF4-FFF2-40B4-BE49-F238E27FC236}">
-                <a16:creationId xmlns:a16="http://schemas.microsoft.com/office/drawing/2014/main" id="{9CDC222A-52D0-42C6-B6D7-03797FBE8AA1}"/>
+                <a16:creationId xmlns:a16="http://schemas.microsoft.com/office/drawing/2014/main" id="{C79DC702-E82F-4CAC-8C0A-7048DFCCE463}"/>
               </a:ext>
             </a:extLst>
           </p:cNvPr>
@@ -10273,8 +10345,8 @@
         </p:nvSpPr>
         <p:spPr>
           <a:xfrm>
-            <a:off x="278297" y="4797287"/>
-            <a:ext cx="11569146" cy="2123658"/>
+            <a:off x="307596" y="5114321"/>
+            <a:ext cx="11576807" cy="430887"/>
           </a:xfrm>
           <a:prstGeom prst="rect">
             <a:avLst/>
@@ -10287,33 +10359,10 @@
           </a:bodyPr>
           <a:lstStyle/>
           <a:p>
-            <a:pPr marL="342900" indent="-342900">
-              <a:buFont typeface="Arial" panose="020B0604020202020204" pitchFamily="34" charset="0"/>
-              <a:buChar char="•"/>
-            </a:pPr>
-            <a:r>
-              <a:rPr lang="en-GB" sz="2200" b="1" dirty="0"/>
-              <a:t>You can do this in a web application, but you really shouldn’t</a:t>
-            </a:r>
-          </a:p>
-          <a:p>
+            <a:pPr algn="ctr"/>
             <a:r>
               <a:rPr lang="en-GB" sz="2200" dirty="0"/>
-              <a:t>If you absolutely must use multiple threads then you can, but you will starve your </a:t>
-            </a:r>
-            <a:r>
-              <a:rPr lang="en-GB" sz="2200" dirty="0" err="1"/>
-              <a:t>ThreadPool</a:t>
-            </a:r>
-            <a:r>
-              <a:rPr lang="en-GB" sz="2200" dirty="0"/>
-              <a:t> and reduce the number of requests you can receive. “fire and forget” methods are also dangerous as you have no guarantee your thread will survive after the HTTP request thread has finished. </a:t>
-            </a:r>
-          </a:p>
-          <a:p>
-            <a:r>
-              <a:rPr lang="en-GB" sz="2200" b="1" dirty="0"/>
-              <a:t> Best practice is to use one of various other techniques which allow you to schedule reliable background tasks in ASP.NET</a:t>
+              <a:t>Queueing a task to run on a new thread is easy…but should you really be doing it? </a:t>
             </a:r>
           </a:p>
         </p:txBody>
@@ -10322,177 +10371,6 @@
     <p:extLst>
       <p:ext uri="{BB962C8B-B14F-4D97-AF65-F5344CB8AC3E}">
         <p14:creationId xmlns:p14="http://schemas.microsoft.com/office/powerpoint/2010/main" val="274551446"/>
-      </p:ext>
-    </p:extLst>
-  </p:cSld>
-  <p:clrMapOvr>
-    <a:masterClrMapping/>
-  </p:clrMapOvr>
-</p:sld>
-</file>
-
-<file path=ppt/slides/slide29.xml><?xml version="1.0" encoding="utf-8"?>
-<p:sld xmlns:a="http://schemas.openxmlformats.org/drawingml/2006/main" xmlns:r="http://schemas.openxmlformats.org/officeDocument/2006/relationships" xmlns:p="http://schemas.openxmlformats.org/presentationml/2006/main">
-  <p:cSld>
-    <p:spTree>
-      <p:nvGrpSpPr>
-        <p:cNvPr id="1" name=""/>
-        <p:cNvGrpSpPr/>
-        <p:nvPr/>
-      </p:nvGrpSpPr>
-      <p:grpSpPr>
-        <a:xfrm>
-          <a:off x="0" y="0"/>
-          <a:ext cx="0" cy="0"/>
-          <a:chOff x="0" y="0"/>
-          <a:chExt cx="0" cy="0"/>
-        </a:xfrm>
-      </p:grpSpPr>
-      <p:sp>
-        <p:nvSpPr>
-          <p:cNvPr id="4" name="TextBox 3">
-            <a:extLst>
-              <a:ext uri="{FF2B5EF4-FFF2-40B4-BE49-F238E27FC236}">
-                <a16:creationId xmlns:a16="http://schemas.microsoft.com/office/drawing/2014/main" id="{18767206-9205-42D0-A2AE-5A1017D4CB08}"/>
-              </a:ext>
-            </a:extLst>
-          </p:cNvPr>
-          <p:cNvSpPr txBox="1"/>
-          <p:nvPr/>
-        </p:nvSpPr>
-        <p:spPr>
-          <a:xfrm>
-            <a:off x="278297" y="212034"/>
-            <a:ext cx="11781182" cy="6524863"/>
-          </a:xfrm>
-          <a:prstGeom prst="rect">
-            <a:avLst/>
-          </a:prstGeom>
-          <a:noFill/>
-        </p:spPr>
-        <p:txBody>
-          <a:bodyPr wrap="square" rtlCol="0">
-            <a:spAutoFit/>
-          </a:bodyPr>
-          <a:lstStyle/>
-          <a:p>
-            <a:r>
-              <a:rPr lang="en-GB" sz="2200" b="1" dirty="0"/>
-              <a:t>Multithreading is not for everyone</a:t>
-            </a:r>
-          </a:p>
-          <a:p>
-            <a:endParaRPr lang="en-GB" sz="2200" b="1" dirty="0"/>
-          </a:p>
-          <a:p>
-            <a:r>
-              <a:rPr lang="en-GB" sz="2200" b="1" dirty="0"/>
-              <a:t>Native applications love multithreading</a:t>
-            </a:r>
-          </a:p>
-          <a:p>
-            <a:pPr marL="342900" indent="-342900">
-              <a:buFont typeface="Arial" panose="020B0604020202020204" pitchFamily="34" charset="0"/>
-              <a:buChar char="•"/>
-            </a:pPr>
-            <a:r>
-              <a:rPr lang="en-GB" sz="2200" dirty="0"/>
-              <a:t>Native applications (i.e. desktop and mobile applications) only have one user at a time. As a result, you can essentially throw threads at a problem in order to provide the best performance. This particular user having the best performance won’t affect other users. </a:t>
-            </a:r>
-          </a:p>
-          <a:p>
-            <a:pPr marL="342900" indent="-342900">
-              <a:buFont typeface="Arial" panose="020B0604020202020204" pitchFamily="34" charset="0"/>
-              <a:buChar char="•"/>
-            </a:pPr>
-            <a:r>
-              <a:rPr lang="en-GB" sz="2200" dirty="0"/>
-              <a:t>Horizontal scaling (running the application across multiple devices) is not a concept which applies here. </a:t>
-            </a:r>
-          </a:p>
-          <a:p>
-            <a:pPr marL="342900" indent="-342900">
-              <a:buFont typeface="Arial" panose="020B0604020202020204" pitchFamily="34" charset="0"/>
-              <a:buChar char="•"/>
-            </a:pPr>
-            <a:r>
-              <a:rPr lang="en-GB" sz="2200" dirty="0"/>
-              <a:t>Vertical scaling (providing greater performance when given a more powerful device) applies but isn’t going to happen unless the user themselves physically switches to a better machine. It isn’t an area to focus on.</a:t>
-            </a:r>
-          </a:p>
-          <a:p>
-            <a:pPr marL="342900" indent="-342900">
-              <a:buFont typeface="Arial" panose="020B0604020202020204" pitchFamily="34" charset="0"/>
-              <a:buChar char="•"/>
-            </a:pPr>
-            <a:endParaRPr lang="en-GB" sz="2200" dirty="0"/>
-          </a:p>
-          <a:p>
-            <a:r>
-              <a:rPr lang="en-GB" sz="2200" b="1" dirty="0"/>
-              <a:t>Multithreading will kill your web application </a:t>
-            </a:r>
-          </a:p>
-          <a:p>
-            <a:pPr marL="342900" indent="-342900">
-              <a:buFont typeface="Arial" panose="020B0604020202020204" pitchFamily="34" charset="0"/>
-              <a:buChar char="•"/>
-            </a:pPr>
-            <a:r>
-              <a:rPr lang="en-GB" sz="2200" dirty="0"/>
-              <a:t>Web applications (e.g. ASP.NET MVC / </a:t>
-            </a:r>
-            <a:r>
-              <a:rPr lang="en-GB" sz="2200" dirty="0" err="1"/>
-              <a:t>WebAPI</a:t>
-            </a:r>
-            <a:r>
-              <a:rPr lang="en-GB" sz="2200" dirty="0"/>
-              <a:t> project) need to respond to HTTP requests. </a:t>
-            </a:r>
-            <a:r>
-              <a:rPr lang="en-GB" sz="2200" b="1" dirty="0"/>
-              <a:t>Each HTTP request requires its own thread</a:t>
-            </a:r>
-            <a:r>
-              <a:rPr lang="en-GB" sz="2200" dirty="0"/>
-              <a:t>. As a result, </a:t>
-            </a:r>
-            <a:r>
-              <a:rPr lang="en-GB" sz="2200" b="1" dirty="0"/>
-              <a:t>you must only use them for handling requests</a:t>
-            </a:r>
-            <a:r>
-              <a:rPr lang="en-GB" sz="2200" dirty="0"/>
-              <a:t>.</a:t>
-            </a:r>
-          </a:p>
-          <a:p>
-            <a:pPr marL="342900" indent="-342900">
-              <a:buFont typeface="Arial" panose="020B0604020202020204" pitchFamily="34" charset="0"/>
-              <a:buChar char="•"/>
-            </a:pPr>
-            <a:r>
-              <a:rPr lang="en-GB" sz="2200" dirty="0"/>
-              <a:t>Horizontal scaling is critical to web applications. Each node in your cluster must be able to respond to as many requests as possible.</a:t>
-            </a:r>
-          </a:p>
-          <a:p>
-            <a:pPr marL="342900" indent="-342900">
-              <a:buFont typeface="Arial" panose="020B0604020202020204" pitchFamily="34" charset="0"/>
-              <a:buChar char="•"/>
-            </a:pPr>
-            <a:r>
-              <a:rPr lang="en-GB" sz="2200" dirty="0"/>
-              <a:t>Vertical scaling is expensive so you must make sure you serve the most requests possible out of your new expensive servers. </a:t>
-            </a:r>
-          </a:p>
-        </p:txBody>
-      </p:sp>
-    </p:spTree>
-    <p:extLst>
-      <p:ext uri="{BB962C8B-B14F-4D97-AF65-F5344CB8AC3E}">
-        <p14:creationId xmlns:p14="http://schemas.microsoft.com/office/powerpoint/2010/main" val="1919573543"/>
       </p:ext>
     </p:extLst>
   </p:cSld>
@@ -10646,6 +10524,279 @@
         <p:spPr>
           <a:xfrm>
             <a:off x="278297" y="212034"/>
+            <a:ext cx="11781182" cy="4493538"/>
+          </a:xfrm>
+          <a:prstGeom prst="rect">
+            <a:avLst/>
+          </a:prstGeom>
+          <a:noFill/>
+        </p:spPr>
+        <p:txBody>
+          <a:bodyPr wrap="square" rtlCol="0">
+            <a:spAutoFit/>
+          </a:bodyPr>
+          <a:lstStyle/>
+          <a:p>
+            <a:r>
+              <a:rPr lang="en-GB" sz="2200" b="1" dirty="0"/>
+              <a:t>Desktop and mobile applications love multithreading</a:t>
+            </a:r>
+          </a:p>
+          <a:p>
+            <a:endParaRPr lang="en-GB" sz="2200" b="1" dirty="0"/>
+          </a:p>
+          <a:p>
+            <a:pPr marL="342900" indent="-342900">
+              <a:buFont typeface="Arial" panose="020B0604020202020204" pitchFamily="34" charset="0"/>
+              <a:buChar char="•"/>
+            </a:pPr>
+            <a:r>
+              <a:rPr lang="en-GB" sz="2200" dirty="0"/>
+              <a:t>Applications like this only have one user at a time. As a result, you can essentially throw threads at a problem in order to provide the best performance. This particular user having the best performance won’t affect other users. </a:t>
+            </a:r>
+          </a:p>
+          <a:p>
+            <a:endParaRPr lang="en-GB" sz="2200" dirty="0"/>
+          </a:p>
+          <a:p>
+            <a:pPr marL="342900" indent="-342900">
+              <a:buFont typeface="Arial" panose="020B0604020202020204" pitchFamily="34" charset="0"/>
+              <a:buChar char="•"/>
+            </a:pPr>
+            <a:r>
+              <a:rPr lang="en-GB" sz="2200" dirty="0"/>
+              <a:t>Horizontal scaling (running the application across multiple devices) is not a concept which applies here. The user is only using a single device (i.e. their mobile phone). </a:t>
+            </a:r>
+          </a:p>
+          <a:p>
+            <a:endParaRPr lang="en-GB" sz="2200" dirty="0"/>
+          </a:p>
+          <a:p>
+            <a:pPr marL="342900" indent="-342900">
+              <a:buFont typeface="Arial" panose="020B0604020202020204" pitchFamily="34" charset="0"/>
+              <a:buChar char="•"/>
+            </a:pPr>
+            <a:r>
+              <a:rPr lang="en-GB" sz="2200" dirty="0"/>
+              <a:t>Vertical scaling (providing greater performance when given a more powerful device) applies but isn’t going to happen unless the user themselves physically switches to a better machine. It isn’t an area to focus on. Writing your code so you use threads efficiently is advised but not critical.</a:t>
+            </a:r>
+          </a:p>
+          <a:p>
+            <a:endParaRPr lang="en-GB" sz="2200" dirty="0"/>
+          </a:p>
+        </p:txBody>
+      </p:sp>
+    </p:spTree>
+    <p:extLst>
+      <p:ext uri="{BB962C8B-B14F-4D97-AF65-F5344CB8AC3E}">
+        <p14:creationId xmlns:p14="http://schemas.microsoft.com/office/powerpoint/2010/main" val="1813038530"/>
+      </p:ext>
+    </p:extLst>
+  </p:cSld>
+  <p:clrMapOvr>
+    <a:masterClrMapping/>
+  </p:clrMapOvr>
+</p:sld>
+</file>
+
+<file path=ppt/slides/slide31.xml><?xml version="1.0" encoding="utf-8"?>
+<p:sld xmlns:a="http://schemas.openxmlformats.org/drawingml/2006/main" xmlns:r="http://schemas.openxmlformats.org/officeDocument/2006/relationships" xmlns:p="http://schemas.openxmlformats.org/presentationml/2006/main">
+  <p:cSld>
+    <p:spTree>
+      <p:nvGrpSpPr>
+        <p:cNvPr id="1" name=""/>
+        <p:cNvGrpSpPr/>
+        <p:nvPr/>
+      </p:nvGrpSpPr>
+      <p:grpSpPr>
+        <a:xfrm>
+          <a:off x="0" y="0"/>
+          <a:ext cx="0" cy="0"/>
+          <a:chOff x="0" y="0"/>
+          <a:chExt cx="0" cy="0"/>
+        </a:xfrm>
+      </p:grpSpPr>
+      <p:sp>
+        <p:nvSpPr>
+          <p:cNvPr id="4" name="TextBox 3">
+            <a:extLst>
+              <a:ext uri="{FF2B5EF4-FFF2-40B4-BE49-F238E27FC236}">
+                <a16:creationId xmlns:a16="http://schemas.microsoft.com/office/drawing/2014/main" id="{18767206-9205-42D0-A2AE-5A1017D4CB08}"/>
+              </a:ext>
+            </a:extLst>
+          </p:cNvPr>
+          <p:cNvSpPr txBox="1"/>
+          <p:nvPr/>
+        </p:nvSpPr>
+        <p:spPr>
+          <a:xfrm>
+            <a:off x="278297" y="212034"/>
+            <a:ext cx="11781182" cy="4493538"/>
+          </a:xfrm>
+          <a:prstGeom prst="rect">
+            <a:avLst/>
+          </a:prstGeom>
+          <a:noFill/>
+        </p:spPr>
+        <p:txBody>
+          <a:bodyPr wrap="square" rtlCol="0">
+            <a:spAutoFit/>
+          </a:bodyPr>
+          <a:lstStyle/>
+          <a:p>
+            <a:r>
+              <a:rPr lang="en-GB" sz="2200" b="1" dirty="0"/>
+              <a:t>Multithreading can kill your web application </a:t>
+            </a:r>
+          </a:p>
+          <a:p>
+            <a:endParaRPr lang="en-GB" sz="2200" b="1" dirty="0"/>
+          </a:p>
+          <a:p>
+            <a:pPr marL="342900" indent="-342900">
+              <a:buFont typeface="Arial" panose="020B0604020202020204" pitchFamily="34" charset="0"/>
+              <a:buChar char="•"/>
+            </a:pPr>
+            <a:r>
+              <a:rPr lang="en-GB" sz="2200" dirty="0"/>
+              <a:t>Web applications (e.g. ASP.NET MVC / </a:t>
+            </a:r>
+            <a:r>
+              <a:rPr lang="en-GB" sz="2200" dirty="0" err="1"/>
+              <a:t>WebAPI</a:t>
+            </a:r>
+            <a:r>
+              <a:rPr lang="en-GB" sz="2200" dirty="0"/>
+              <a:t> project) need to respond to HTTP requests. </a:t>
+            </a:r>
+            <a:r>
+              <a:rPr lang="en-GB" sz="2200" b="1" dirty="0"/>
+              <a:t>Each HTTP request requires its own thread from the thread pool</a:t>
+            </a:r>
+            <a:r>
+              <a:rPr lang="en-GB" sz="2200" dirty="0"/>
+              <a:t>. As a result, </a:t>
+            </a:r>
+            <a:r>
+              <a:rPr lang="en-GB" sz="2200" b="1" dirty="0"/>
+              <a:t>you should preserve your thread pool threads for handling requests</a:t>
+            </a:r>
+            <a:r>
+              <a:rPr lang="en-GB" sz="2200" dirty="0"/>
+              <a:t>. Using too many threads for improving performance for a single user would mean less users can be served on the same instance of your application.</a:t>
+            </a:r>
+          </a:p>
+          <a:p>
+            <a:endParaRPr lang="en-GB" sz="2200" dirty="0"/>
+          </a:p>
+          <a:p>
+            <a:pPr marL="342900" indent="-342900">
+              <a:buFont typeface="Arial" panose="020B0604020202020204" pitchFamily="34" charset="0"/>
+              <a:buChar char="•"/>
+            </a:pPr>
+            <a:r>
+              <a:rPr lang="en-GB" sz="2200" dirty="0"/>
+              <a:t>Horizontal scaling is critical to web applications. Each node in your cluster must be able to respond to as many requests as possible. Efficient use of threads will mean more users can use the application deployed on each node. </a:t>
+            </a:r>
+            <a:br>
+              <a:rPr lang="en-GB" sz="2200" dirty="0"/>
+            </a:br>
+            <a:endParaRPr lang="en-GB" sz="2200" dirty="0"/>
+          </a:p>
+          <a:p>
+            <a:pPr marL="342900" indent="-342900">
+              <a:buFont typeface="Arial" panose="020B0604020202020204" pitchFamily="34" charset="0"/>
+              <a:buChar char="•"/>
+            </a:pPr>
+            <a:r>
+              <a:rPr lang="en-GB" sz="2200" dirty="0"/>
+              <a:t>Vertical scaling is expensive so you must make sure you serve the most requests possible out of your new and more expensive hardware. </a:t>
+            </a:r>
+          </a:p>
+        </p:txBody>
+      </p:sp>
+      <p:sp>
+        <p:nvSpPr>
+          <p:cNvPr id="5" name="TextBox 4">
+            <a:extLst>
+              <a:ext uri="{FF2B5EF4-FFF2-40B4-BE49-F238E27FC236}">
+                <a16:creationId xmlns:a16="http://schemas.microsoft.com/office/drawing/2014/main" id="{CCCF3874-E9C8-4F70-8886-328893DB9238}"/>
+              </a:ext>
+            </a:extLst>
+          </p:cNvPr>
+          <p:cNvSpPr txBox="1"/>
+          <p:nvPr/>
+        </p:nvSpPr>
+        <p:spPr>
+          <a:xfrm>
+            <a:off x="205409" y="5391321"/>
+            <a:ext cx="11781182" cy="430887"/>
+          </a:xfrm>
+          <a:prstGeom prst="rect">
+            <a:avLst/>
+          </a:prstGeom>
+          <a:noFill/>
+        </p:spPr>
+        <p:txBody>
+          <a:bodyPr wrap="square" rtlCol="0">
+            <a:spAutoFit/>
+          </a:bodyPr>
+          <a:lstStyle/>
+          <a:p>
+            <a:pPr algn="ctr"/>
+            <a:r>
+              <a:rPr lang="en-GB" sz="2200" b="1" dirty="0"/>
+              <a:t>But what if you want to execute an asynchronous task without waiting for? </a:t>
+            </a:r>
+            <a:endParaRPr lang="en-GB" sz="2200" dirty="0"/>
+          </a:p>
+        </p:txBody>
+      </p:sp>
+    </p:spTree>
+    <p:extLst>
+      <p:ext uri="{BB962C8B-B14F-4D97-AF65-F5344CB8AC3E}">
+        <p14:creationId xmlns:p14="http://schemas.microsoft.com/office/powerpoint/2010/main" val="1919573543"/>
+      </p:ext>
+    </p:extLst>
+  </p:cSld>
+  <p:clrMapOvr>
+    <a:masterClrMapping/>
+  </p:clrMapOvr>
+</p:sld>
+</file>
+
+<file path=ppt/slides/slide32.xml><?xml version="1.0" encoding="utf-8"?>
+<p:sld xmlns:a="http://schemas.openxmlformats.org/drawingml/2006/main" xmlns:r="http://schemas.openxmlformats.org/officeDocument/2006/relationships" xmlns:p="http://schemas.openxmlformats.org/presentationml/2006/main">
+  <p:cSld>
+    <p:spTree>
+      <p:nvGrpSpPr>
+        <p:cNvPr id="1" name=""/>
+        <p:cNvGrpSpPr/>
+        <p:nvPr/>
+      </p:nvGrpSpPr>
+      <p:grpSpPr>
+        <a:xfrm>
+          <a:off x="0" y="0"/>
+          <a:ext cx="0" cy="0"/>
+          <a:chOff x="0" y="0"/>
+          <a:chExt cx="0" cy="0"/>
+        </a:xfrm>
+      </p:grpSpPr>
+      <p:sp>
+        <p:nvSpPr>
+          <p:cNvPr id="4" name="TextBox 3">
+            <a:extLst>
+              <a:ext uri="{FF2B5EF4-FFF2-40B4-BE49-F238E27FC236}">
+                <a16:creationId xmlns:a16="http://schemas.microsoft.com/office/drawing/2014/main" id="{18767206-9205-42D0-A2AE-5A1017D4CB08}"/>
+              </a:ext>
+            </a:extLst>
+          </p:cNvPr>
+          <p:cNvSpPr txBox="1"/>
+          <p:nvPr/>
+        </p:nvSpPr>
+        <p:spPr>
+          <a:xfrm>
+            <a:off x="278297" y="212034"/>
             <a:ext cx="11781182" cy="6186309"/>
           </a:xfrm>
           <a:prstGeom prst="rect">
@@ -10661,7 +10812,7 @@
           <a:p>
             <a:r>
               <a:rPr lang="en-GB" sz="2200" b="1" dirty="0"/>
-              <a:t>The problem with background tasks in ASP.NET / ASP.NET Core</a:t>
+              <a:t>The problem with background (“fire and forget”) tasks in ASP.NET / ASP.NET Core</a:t>
             </a:r>
           </a:p>
           <a:p>
@@ -10778,7 +10929,7 @@
             </a:r>
             <a:r>
               <a:rPr lang="en-GB" sz="2200" b="1" dirty="0"/>
-              <a:t>will not be registered with the server</a:t>
+              <a:t>will not be registered with the runtime</a:t>
             </a:r>
             <a:r>
               <a:rPr lang="en-GB" sz="2200" dirty="0"/>
@@ -10800,7 +10951,7 @@
 </p:sld>
 </file>
 
-<file path=ppt/slides/slide31.xml><?xml version="1.0" encoding="utf-8"?>
+<file path=ppt/slides/slide33.xml><?xml version="1.0" encoding="utf-8"?>
 <p:sld xmlns:a="http://schemas.openxmlformats.org/drawingml/2006/main" xmlns:r="http://schemas.openxmlformats.org/officeDocument/2006/relationships" xmlns:p="http://schemas.openxmlformats.org/presentationml/2006/main">
   <p:cSld>
     <p:spTree>
@@ -11012,7 +11163,7 @@
 </p:sld>
 </file>
 
-<file path=ppt/slides/slide32.xml><?xml version="1.0" encoding="utf-8"?>
+<file path=ppt/slides/slide34.xml><?xml version="1.0" encoding="utf-8"?>
 <p:sld xmlns:a="http://schemas.openxmlformats.org/drawingml/2006/main" xmlns:r="http://schemas.openxmlformats.org/officeDocument/2006/relationships" xmlns:p="http://schemas.openxmlformats.org/presentationml/2006/main">
   <p:cSld>
     <p:spTree>
@@ -11076,7 +11227,7 @@
             </a:r>
             <a:r>
               <a:rPr lang="en-GB" sz="2200" dirty="0"/>
-              <a:t> interface. It has support for: </a:t>
+              <a:t> interface. You can host things such as: </a:t>
             </a:r>
           </a:p>
           <a:p>
@@ -11165,6 +11316,714 @@
     <p:extLst>
       <p:ext uri="{BB962C8B-B14F-4D97-AF65-F5344CB8AC3E}">
         <p14:creationId xmlns:p14="http://schemas.microsoft.com/office/powerpoint/2010/main" val="2054950243"/>
+      </p:ext>
+    </p:extLst>
+  </p:cSld>
+  <p:clrMapOvr>
+    <a:masterClrMapping/>
+  </p:clrMapOvr>
+</p:sld>
+</file>
+
+<file path=ppt/slides/slide35.xml><?xml version="1.0" encoding="utf-8"?>
+<p:sld xmlns:a="http://schemas.openxmlformats.org/drawingml/2006/main" xmlns:r="http://schemas.openxmlformats.org/officeDocument/2006/relationships" xmlns:p="http://schemas.openxmlformats.org/presentationml/2006/main">
+  <p:cSld>
+    <p:spTree>
+      <p:nvGrpSpPr>
+        <p:cNvPr id="1" name=""/>
+        <p:cNvGrpSpPr/>
+        <p:nvPr/>
+      </p:nvGrpSpPr>
+      <p:grpSpPr>
+        <a:xfrm>
+          <a:off x="0" y="0"/>
+          <a:ext cx="0" cy="0"/>
+          <a:chOff x="0" y="0"/>
+          <a:chExt cx="0" cy="0"/>
+        </a:xfrm>
+      </p:grpSpPr>
+      <p:sp>
+        <p:nvSpPr>
+          <p:cNvPr id="4" name="TextBox 3">
+            <a:extLst>
+              <a:ext uri="{FF2B5EF4-FFF2-40B4-BE49-F238E27FC236}">
+                <a16:creationId xmlns:a16="http://schemas.microsoft.com/office/drawing/2014/main" id="{18767206-9205-42D0-A2AE-5A1017D4CB08}"/>
+              </a:ext>
+            </a:extLst>
+          </p:cNvPr>
+          <p:cNvSpPr txBox="1"/>
+          <p:nvPr/>
+        </p:nvSpPr>
+        <p:spPr>
+          <a:xfrm>
+            <a:off x="278297" y="212034"/>
+            <a:ext cx="11781182" cy="4832092"/>
+          </a:xfrm>
+          <a:prstGeom prst="rect">
+            <a:avLst/>
+          </a:prstGeom>
+          <a:noFill/>
+        </p:spPr>
+        <p:txBody>
+          <a:bodyPr wrap="square" rtlCol="0">
+            <a:spAutoFit/>
+          </a:bodyPr>
+          <a:lstStyle/>
+          <a:p>
+            <a:r>
+              <a:rPr lang="en-GB" sz="2200" b="1" dirty="0"/>
+              <a:t>The solution</a:t>
+            </a:r>
+          </a:p>
+          <a:p>
+            <a:endParaRPr lang="en-GB" sz="2200" b="1" dirty="0"/>
+          </a:p>
+          <a:p>
+            <a:r>
+              <a:rPr lang="en-GB" sz="2200" dirty="0"/>
+              <a:t>Other solutions include:</a:t>
+            </a:r>
+          </a:p>
+          <a:p>
+            <a:endParaRPr lang="en-GB" sz="2200" dirty="0"/>
+          </a:p>
+          <a:p>
+            <a:pPr marL="342900" indent="-342900">
+              <a:buFont typeface="Arial" panose="020B0604020202020204" pitchFamily="34" charset="0"/>
+              <a:buChar char="•"/>
+            </a:pPr>
+            <a:r>
+              <a:rPr lang="en-GB" sz="2200" dirty="0"/>
+              <a:t>Using a library like </a:t>
+            </a:r>
+            <a:r>
+              <a:rPr lang="en-GB" sz="2200" dirty="0" err="1"/>
+              <a:t>Hangfire</a:t>
+            </a:r>
+            <a:r>
+              <a:rPr lang="en-GB" sz="2200" dirty="0"/>
+              <a:t> which has a persistence layer for storing your tasks to be executed reliably. </a:t>
+            </a:r>
+          </a:p>
+          <a:p>
+            <a:pPr marL="342900" indent="-342900">
+              <a:buFont typeface="Arial" panose="020B0604020202020204" pitchFamily="34" charset="0"/>
+              <a:buChar char="•"/>
+            </a:pPr>
+            <a:endParaRPr lang="en-GB" sz="2200" dirty="0"/>
+          </a:p>
+          <a:p>
+            <a:pPr marL="342900" indent="-342900">
+              <a:buFont typeface="Arial" panose="020B0604020202020204" pitchFamily="34" charset="0"/>
+              <a:buChar char="•"/>
+            </a:pPr>
+            <a:r>
+              <a:rPr lang="en-GB" sz="2200" dirty="0"/>
+              <a:t>Using Azure Service Fabric actors to do this work instead. </a:t>
+            </a:r>
+          </a:p>
+          <a:p>
+            <a:pPr marL="342900" indent="-342900">
+              <a:buFont typeface="Arial" panose="020B0604020202020204" pitchFamily="34" charset="0"/>
+              <a:buChar char="•"/>
+            </a:pPr>
+            <a:endParaRPr lang="en-GB" sz="2200" dirty="0"/>
+          </a:p>
+          <a:p>
+            <a:pPr marL="342900" indent="-342900">
+              <a:buFont typeface="Arial" panose="020B0604020202020204" pitchFamily="34" charset="0"/>
+              <a:buChar char="•"/>
+            </a:pPr>
+            <a:r>
+              <a:rPr lang="en-GB" sz="2200" dirty="0"/>
+              <a:t>Using some other way of persisting the tasks in some way to a queue and processing them with a different system. </a:t>
+            </a:r>
+            <a:br>
+              <a:rPr lang="en-GB" sz="2200" dirty="0"/>
+            </a:br>
+            <a:r>
+              <a:rPr lang="en-GB" sz="2200" dirty="0"/>
+              <a:t>E.g.  using an Azure Storage Queue to store messages temporarily, then using an Azure Function to process messages in order from the queue. </a:t>
+            </a:r>
+          </a:p>
+          <a:p>
+            <a:endParaRPr lang="en-GB" sz="2200" b="1" dirty="0"/>
+          </a:p>
+        </p:txBody>
+      </p:sp>
+    </p:spTree>
+    <p:extLst>
+      <p:ext uri="{BB962C8B-B14F-4D97-AF65-F5344CB8AC3E}">
+        <p14:creationId xmlns:p14="http://schemas.microsoft.com/office/powerpoint/2010/main" val="2683058289"/>
+      </p:ext>
+    </p:extLst>
+  </p:cSld>
+  <p:clrMapOvr>
+    <a:masterClrMapping/>
+  </p:clrMapOvr>
+</p:sld>
+</file>
+
+<file path=ppt/slides/slide36.xml><?xml version="1.0" encoding="utf-8"?>
+<p:sld xmlns:a="http://schemas.openxmlformats.org/drawingml/2006/main" xmlns:r="http://schemas.openxmlformats.org/officeDocument/2006/relationships" xmlns:p="http://schemas.openxmlformats.org/presentationml/2006/main">
+  <p:cSld>
+    <p:spTree>
+      <p:nvGrpSpPr>
+        <p:cNvPr id="1" name=""/>
+        <p:cNvGrpSpPr/>
+        <p:nvPr/>
+      </p:nvGrpSpPr>
+      <p:grpSpPr>
+        <a:xfrm>
+          <a:off x="0" y="0"/>
+          <a:ext cx="0" cy="0"/>
+          <a:chOff x="0" y="0"/>
+          <a:chExt cx="0" cy="0"/>
+        </a:xfrm>
+      </p:grpSpPr>
+      <p:sp>
+        <p:nvSpPr>
+          <p:cNvPr id="4" name="TextBox 3">
+            <a:extLst>
+              <a:ext uri="{FF2B5EF4-FFF2-40B4-BE49-F238E27FC236}">
+                <a16:creationId xmlns:a16="http://schemas.microsoft.com/office/drawing/2014/main" id="{18767206-9205-42D0-A2AE-5A1017D4CB08}"/>
+              </a:ext>
+            </a:extLst>
+          </p:cNvPr>
+          <p:cNvSpPr txBox="1"/>
+          <p:nvPr/>
+        </p:nvSpPr>
+        <p:spPr>
+          <a:xfrm>
+            <a:off x="278297" y="212034"/>
+            <a:ext cx="11781182" cy="6063198"/>
+          </a:xfrm>
+          <a:prstGeom prst="rect">
+            <a:avLst/>
+          </a:prstGeom>
+          <a:noFill/>
+        </p:spPr>
+        <p:txBody>
+          <a:bodyPr wrap="square" rtlCol="0">
+            <a:spAutoFit/>
+          </a:bodyPr>
+          <a:lstStyle/>
+          <a:p>
+            <a:r>
+              <a:rPr lang="en-GB" sz="2200" b="1" dirty="0"/>
+              <a:t>Multithreading can kill your Azure Service Fabric actors</a:t>
+            </a:r>
+          </a:p>
+          <a:p>
+            <a:endParaRPr lang="en-GB" sz="2200" b="1" dirty="0"/>
+          </a:p>
+          <a:p>
+            <a:r>
+              <a:rPr lang="en-GB" sz="2200" dirty="0"/>
+              <a:t>From the </a:t>
+            </a:r>
+            <a:r>
+              <a:rPr lang="en-GB" sz="2200" dirty="0" err="1"/>
+              <a:t>the</a:t>
+            </a:r>
+            <a:r>
+              <a:rPr lang="en-GB" sz="2200" dirty="0"/>
+              <a:t> MSDN page for Service Fabric Reliable Actors:</a:t>
+            </a:r>
+          </a:p>
+          <a:p>
+            <a:endParaRPr lang="en-GB" sz="2200" dirty="0"/>
+          </a:p>
+          <a:p>
+            <a:r>
+              <a:rPr lang="en-GB" sz="2200" dirty="0"/>
+              <a:t>“</a:t>
+            </a:r>
+            <a:r>
+              <a:rPr lang="en-GB" dirty="0"/>
+              <a:t>The Reliable Actors API provides a single-threaded programming model built on the scalability and reliability guarantees provided by Service Fabric.”</a:t>
+            </a:r>
+            <a:endParaRPr lang="en-GB" sz="2200" dirty="0"/>
+          </a:p>
+          <a:p>
+            <a:endParaRPr lang="en-GB" sz="2200" dirty="0"/>
+          </a:p>
+          <a:p>
+            <a:r>
+              <a:rPr lang="en-GB" dirty="0"/>
+              <a:t>“An actor is an isolated, independent unit of compute and state with </a:t>
+            </a:r>
+            <a:r>
+              <a:rPr lang="en-GB" b="1" dirty="0"/>
+              <a:t>single-threaded execution</a:t>
+            </a:r>
+            <a:r>
+              <a:rPr lang="en-GB" dirty="0"/>
+              <a:t>.”</a:t>
+            </a:r>
+            <a:endParaRPr lang="en-GB" sz="2200" dirty="0"/>
+          </a:p>
+          <a:p>
+            <a:endParaRPr lang="en-GB" sz="2200" dirty="0"/>
+          </a:p>
+          <a:p>
+            <a:pPr marL="342900" indent="-342900">
+              <a:buFont typeface="Arial" panose="020B0604020202020204" pitchFamily="34" charset="0"/>
+              <a:buChar char="•"/>
+            </a:pPr>
+            <a:r>
+              <a:rPr lang="en-GB" sz="2200" dirty="0"/>
+              <a:t>Actors are activated on a thread when a request is made to them. </a:t>
+            </a:r>
+          </a:p>
+          <a:p>
+            <a:endParaRPr lang="en-GB" sz="2200" dirty="0"/>
+          </a:p>
+          <a:p>
+            <a:pPr marL="342900" indent="-342900">
+              <a:buFont typeface="Arial" panose="020B0604020202020204" pitchFamily="34" charset="0"/>
+              <a:buChar char="•"/>
+            </a:pPr>
+            <a:r>
+              <a:rPr lang="en-GB" sz="2200" dirty="0"/>
+              <a:t>An actor is deactivated and garbage collected when it hasn’t been used in some time. “Using” an actor involves either making a request or a reminder has been triggered. </a:t>
+            </a:r>
+          </a:p>
+          <a:p>
+            <a:pPr marL="342900" indent="-342900">
+              <a:buFont typeface="Arial" panose="020B0604020202020204" pitchFamily="34" charset="0"/>
+              <a:buChar char="•"/>
+            </a:pPr>
+            <a:endParaRPr lang="en-GB" sz="2200" dirty="0"/>
+          </a:p>
+          <a:p>
+            <a:pPr marL="342900" indent="-342900">
+              <a:buFont typeface="Arial" panose="020B0604020202020204" pitchFamily="34" charset="0"/>
+              <a:buChar char="•"/>
+            </a:pPr>
+            <a:r>
+              <a:rPr lang="en-GB" sz="2200" dirty="0"/>
+              <a:t>Creating another thread within the then means there is one less thread available to activate another actor. The actor runtime also has no knowledge of this thread. Not waiting for it to finish (fire and forget) is dangerous as the actor can be deactivated and even moved to another node, so your other thread can be killed without warning. </a:t>
+            </a:r>
+          </a:p>
+        </p:txBody>
+      </p:sp>
+    </p:spTree>
+    <p:extLst>
+      <p:ext uri="{BB962C8B-B14F-4D97-AF65-F5344CB8AC3E}">
+        <p14:creationId xmlns:p14="http://schemas.microsoft.com/office/powerpoint/2010/main" val="4147862038"/>
+      </p:ext>
+    </p:extLst>
+  </p:cSld>
+  <p:clrMapOvr>
+    <a:masterClrMapping/>
+  </p:clrMapOvr>
+</p:sld>
+</file>
+
+<file path=ppt/slides/slide37.xml><?xml version="1.0" encoding="utf-8"?>
+<p:sld xmlns:a="http://schemas.openxmlformats.org/drawingml/2006/main" xmlns:r="http://schemas.openxmlformats.org/officeDocument/2006/relationships" xmlns:p="http://schemas.openxmlformats.org/presentationml/2006/main">
+  <p:cSld>
+    <p:spTree>
+      <p:nvGrpSpPr>
+        <p:cNvPr id="1" name=""/>
+        <p:cNvGrpSpPr/>
+        <p:nvPr/>
+      </p:nvGrpSpPr>
+      <p:grpSpPr>
+        <a:xfrm>
+          <a:off x="0" y="0"/>
+          <a:ext cx="0" cy="0"/>
+          <a:chOff x="0" y="0"/>
+          <a:chExt cx="0" cy="0"/>
+        </a:xfrm>
+      </p:grpSpPr>
+      <p:sp>
+        <p:nvSpPr>
+          <p:cNvPr id="4" name="TextBox 3">
+            <a:extLst>
+              <a:ext uri="{FF2B5EF4-FFF2-40B4-BE49-F238E27FC236}">
+                <a16:creationId xmlns:a16="http://schemas.microsoft.com/office/drawing/2014/main" id="{18767206-9205-42D0-A2AE-5A1017D4CB08}"/>
+              </a:ext>
+            </a:extLst>
+          </p:cNvPr>
+          <p:cNvSpPr txBox="1"/>
+          <p:nvPr/>
+        </p:nvSpPr>
+        <p:spPr>
+          <a:xfrm>
+            <a:off x="278297" y="212034"/>
+            <a:ext cx="11781182" cy="4493538"/>
+          </a:xfrm>
+          <a:prstGeom prst="rect">
+            <a:avLst/>
+          </a:prstGeom>
+          <a:noFill/>
+        </p:spPr>
+        <p:txBody>
+          <a:bodyPr wrap="square" rtlCol="0">
+            <a:spAutoFit/>
+          </a:bodyPr>
+          <a:lstStyle/>
+          <a:p>
+            <a:r>
+              <a:rPr lang="en-GB" sz="2200" b="1" dirty="0"/>
+              <a:t>The solution</a:t>
+            </a:r>
+          </a:p>
+          <a:p>
+            <a:endParaRPr lang="en-GB" sz="2200" b="1" dirty="0"/>
+          </a:p>
+          <a:p>
+            <a:r>
+              <a:rPr lang="en-GB" sz="2200" dirty="0"/>
+              <a:t>Here are some alternatives to using multiple threads in your actors:</a:t>
+            </a:r>
+          </a:p>
+          <a:p>
+            <a:endParaRPr lang="en-GB" sz="2200" dirty="0"/>
+          </a:p>
+          <a:p>
+            <a:pPr marL="342900" indent="-342900">
+              <a:buFont typeface="Arial" panose="020B0604020202020204" pitchFamily="34" charset="0"/>
+              <a:buChar char="•"/>
+            </a:pPr>
+            <a:r>
+              <a:rPr lang="en-GB" sz="2200" dirty="0"/>
+              <a:t>Split the work amongst multiple actors. It’s worth remembering as well that an actor can create and communicate with other actors.</a:t>
+            </a:r>
+          </a:p>
+          <a:p>
+            <a:pPr marL="342900" indent="-342900">
+              <a:buFont typeface="Arial" panose="020B0604020202020204" pitchFamily="34" charset="0"/>
+              <a:buChar char="•"/>
+            </a:pPr>
+            <a:endParaRPr lang="en-GB" sz="2200" dirty="0"/>
+          </a:p>
+          <a:p>
+            <a:pPr marL="342900" indent="-342900">
+              <a:buFont typeface="Arial" panose="020B0604020202020204" pitchFamily="34" charset="0"/>
+              <a:buChar char="•"/>
+            </a:pPr>
+            <a:r>
+              <a:rPr lang="en-GB" sz="2200" dirty="0"/>
+              <a:t>Add a message to a queue to be processed by some other service. </a:t>
+            </a:r>
+          </a:p>
+          <a:p>
+            <a:pPr marL="342900" indent="-342900">
+              <a:buFont typeface="Arial" panose="020B0604020202020204" pitchFamily="34" charset="0"/>
+              <a:buChar char="•"/>
+            </a:pPr>
+            <a:endParaRPr lang="en-GB" sz="2200" dirty="0"/>
+          </a:p>
+          <a:p>
+            <a:pPr marL="342900" indent="-342900">
+              <a:buFont typeface="Arial" panose="020B0604020202020204" pitchFamily="34" charset="0"/>
+              <a:buChar char="•"/>
+            </a:pPr>
+            <a:r>
+              <a:rPr lang="en-GB" sz="2200" b="1" dirty="0"/>
+              <a:t>Why not just get the actor to do all the long-running work anyway?</a:t>
+            </a:r>
+            <a:br>
+              <a:rPr lang="en-GB" sz="2200" b="1" dirty="0"/>
+            </a:br>
+            <a:r>
+              <a:rPr lang="en-GB" sz="2200" dirty="0"/>
+              <a:t>If it’s a fire-and-forget task where performance isn’t a factor, you might as well just run it for as long as it needs to run. If performance is an issue, then consider another option.</a:t>
+            </a:r>
+            <a:br>
+              <a:rPr lang="en-GB" sz="2200" b="1" dirty="0"/>
+            </a:br>
+            <a:endParaRPr lang="en-GB" sz="2200" b="1" dirty="0"/>
+          </a:p>
+        </p:txBody>
+      </p:sp>
+    </p:spTree>
+    <p:extLst>
+      <p:ext uri="{BB962C8B-B14F-4D97-AF65-F5344CB8AC3E}">
+        <p14:creationId xmlns:p14="http://schemas.microsoft.com/office/powerpoint/2010/main" val="3980841386"/>
+      </p:ext>
+    </p:extLst>
+  </p:cSld>
+  <p:clrMapOvr>
+    <a:masterClrMapping/>
+  </p:clrMapOvr>
+</p:sld>
+</file>
+
+<file path=ppt/slides/slide38.xml><?xml version="1.0" encoding="utf-8"?>
+<p:sld xmlns:a="http://schemas.openxmlformats.org/drawingml/2006/main" xmlns:r="http://schemas.openxmlformats.org/officeDocument/2006/relationships" xmlns:p="http://schemas.openxmlformats.org/presentationml/2006/main">
+  <p:cSld>
+    <p:spTree>
+      <p:nvGrpSpPr>
+        <p:cNvPr id="1" name=""/>
+        <p:cNvGrpSpPr/>
+        <p:nvPr/>
+      </p:nvGrpSpPr>
+      <p:grpSpPr>
+        <a:xfrm>
+          <a:off x="0" y="0"/>
+          <a:ext cx="0" cy="0"/>
+          <a:chOff x="0" y="0"/>
+          <a:chExt cx="0" cy="0"/>
+        </a:xfrm>
+      </p:grpSpPr>
+      <p:sp>
+        <p:nvSpPr>
+          <p:cNvPr id="2" name="Title 1">
+            <a:extLst>
+              <a:ext uri="{FF2B5EF4-FFF2-40B4-BE49-F238E27FC236}">
+                <a16:creationId xmlns:a16="http://schemas.microsoft.com/office/drawing/2014/main" id="{267862F2-D4D4-4F5B-B69F-65226C837768}"/>
+              </a:ext>
+            </a:extLst>
+          </p:cNvPr>
+          <p:cNvSpPr>
+            <a:spLocks noGrp="1"/>
+          </p:cNvSpPr>
+          <p:nvPr>
+            <p:ph type="ctrTitle"/>
+          </p:nvPr>
+        </p:nvSpPr>
+        <p:spPr>
+          <a:xfrm>
+            <a:off x="1524000" y="1122363"/>
+            <a:ext cx="9144000" cy="1991898"/>
+          </a:xfrm>
+        </p:spPr>
+        <p:txBody>
+          <a:bodyPr>
+            <a:normAutofit/>
+          </a:bodyPr>
+          <a:lstStyle/>
+          <a:p>
+            <a:r>
+              <a:rPr lang="en-GB" dirty="0"/>
+              <a:t>What happens when something goes wrong?</a:t>
+            </a:r>
+          </a:p>
+        </p:txBody>
+      </p:sp>
+    </p:spTree>
+    <p:extLst>
+      <p:ext uri="{BB962C8B-B14F-4D97-AF65-F5344CB8AC3E}">
+        <p14:creationId xmlns:p14="http://schemas.microsoft.com/office/powerpoint/2010/main" val="3154203515"/>
+      </p:ext>
+    </p:extLst>
+  </p:cSld>
+  <p:clrMapOvr>
+    <a:masterClrMapping/>
+  </p:clrMapOvr>
+</p:sld>
+</file>
+
+<file path=ppt/slides/slide39.xml><?xml version="1.0" encoding="utf-8"?>
+<p:sld xmlns:a="http://schemas.openxmlformats.org/drawingml/2006/main" xmlns:r="http://schemas.openxmlformats.org/officeDocument/2006/relationships" xmlns:p="http://schemas.openxmlformats.org/presentationml/2006/main">
+  <p:cSld>
+    <p:spTree>
+      <p:nvGrpSpPr>
+        <p:cNvPr id="1" name=""/>
+        <p:cNvGrpSpPr/>
+        <p:nvPr/>
+      </p:nvGrpSpPr>
+      <p:grpSpPr>
+        <a:xfrm>
+          <a:off x="0" y="0"/>
+          <a:ext cx="0" cy="0"/>
+          <a:chOff x="0" y="0"/>
+          <a:chExt cx="0" cy="0"/>
+        </a:xfrm>
+      </p:grpSpPr>
+      <p:sp>
+        <p:nvSpPr>
+          <p:cNvPr id="4" name="TextBox 3">
+            <a:extLst>
+              <a:ext uri="{FF2B5EF4-FFF2-40B4-BE49-F238E27FC236}">
+                <a16:creationId xmlns:a16="http://schemas.microsoft.com/office/drawing/2014/main" id="{18767206-9205-42D0-A2AE-5A1017D4CB08}"/>
+              </a:ext>
+            </a:extLst>
+          </p:cNvPr>
+          <p:cNvSpPr txBox="1"/>
+          <p:nvPr/>
+        </p:nvSpPr>
+        <p:spPr>
+          <a:xfrm>
+            <a:off x="278297" y="212034"/>
+            <a:ext cx="11781182" cy="6186309"/>
+          </a:xfrm>
+          <a:prstGeom prst="rect">
+            <a:avLst/>
+          </a:prstGeom>
+          <a:noFill/>
+        </p:spPr>
+        <p:txBody>
+          <a:bodyPr wrap="square" rtlCol="0">
+            <a:spAutoFit/>
+          </a:bodyPr>
+          <a:lstStyle/>
+          <a:p>
+            <a:r>
+              <a:rPr lang="en-GB" sz="2200" b="1" dirty="0"/>
+              <a:t>Dealing with exceptions</a:t>
+            </a:r>
+          </a:p>
+          <a:p>
+            <a:endParaRPr lang="en-GB" sz="2200" b="1" dirty="0"/>
+          </a:p>
+          <a:p>
+            <a:pPr marL="342900" indent="-342900">
+              <a:buFont typeface="Arial" panose="020B0604020202020204" pitchFamily="34" charset="0"/>
+              <a:buChar char="•"/>
+            </a:pPr>
+            <a:r>
+              <a:rPr lang="en-GB" sz="2200" dirty="0"/>
+              <a:t>If a task is the parent of attached child tasks, or if you are waiting on multiple tasks, multiple exceptions could be thrown. </a:t>
+            </a:r>
+          </a:p>
+          <a:p>
+            <a:endParaRPr lang="en-GB" sz="2200" b="1" dirty="0"/>
+          </a:p>
+          <a:p>
+            <a:pPr marL="342900" indent="-342900">
+              <a:buFont typeface="Arial" panose="020B0604020202020204" pitchFamily="34" charset="0"/>
+              <a:buChar char="•"/>
+            </a:pPr>
+            <a:r>
+              <a:rPr lang="en-GB" sz="2200" dirty="0"/>
+              <a:t>Exceptions thrown within a task are always accessible from the Task’s </a:t>
+            </a:r>
+            <a:r>
+              <a:rPr lang="en-GB" sz="2200" b="1" dirty="0"/>
+              <a:t>Exception property</a:t>
+            </a:r>
+            <a:r>
+              <a:rPr lang="en-GB" sz="2200" dirty="0"/>
+              <a:t>. This is of type </a:t>
+            </a:r>
+            <a:r>
+              <a:rPr lang="en-GB" sz="2200" b="1" dirty="0" err="1"/>
+              <a:t>AggregateException</a:t>
+            </a:r>
+            <a:r>
+              <a:rPr lang="en-GB" sz="2200" dirty="0"/>
+              <a:t>. This is so multiple exceptions can be aggregated and propagated. </a:t>
+            </a:r>
+          </a:p>
+          <a:p>
+            <a:endParaRPr lang="en-GB" sz="2200" dirty="0"/>
+          </a:p>
+          <a:p>
+            <a:pPr marL="342900" indent="-342900">
+              <a:buFont typeface="Arial" panose="020B0604020202020204" pitchFamily="34" charset="0"/>
+              <a:buChar char="•"/>
+            </a:pPr>
+            <a:r>
+              <a:rPr lang="en-GB" sz="2200" dirty="0"/>
+              <a:t>Observing the completion of a task by using </a:t>
+            </a:r>
+            <a:r>
+              <a:rPr lang="en-GB" sz="2200" b="1" dirty="0"/>
+              <a:t>Wait()</a:t>
+            </a:r>
+            <a:r>
+              <a:rPr lang="en-GB" sz="2200" dirty="0"/>
+              <a:t>,</a:t>
+            </a:r>
+            <a:r>
+              <a:rPr lang="en-GB" sz="2200" b="1" dirty="0"/>
+              <a:t> Result</a:t>
+            </a:r>
+            <a:r>
+              <a:rPr lang="en-GB" sz="2200" dirty="0"/>
+              <a:t> or </a:t>
+            </a:r>
+            <a:r>
+              <a:rPr lang="en-GB" sz="2200" b="1" dirty="0"/>
+              <a:t>await</a:t>
+            </a:r>
+            <a:r>
+              <a:rPr lang="en-GB" sz="2200" dirty="0"/>
+              <a:t> will propagate the exception. At this point, you need to handle it with a try/catch block. </a:t>
+            </a:r>
+          </a:p>
+          <a:p>
+            <a:endParaRPr lang="en-GB" sz="2200" b="1" dirty="0"/>
+          </a:p>
+          <a:p>
+            <a:pPr marL="342900" indent="-342900">
+              <a:buFont typeface="Arial" panose="020B0604020202020204" pitchFamily="34" charset="0"/>
+              <a:buChar char="•"/>
+            </a:pPr>
+            <a:r>
+              <a:rPr lang="en-GB" sz="2200" b="1" dirty="0"/>
+              <a:t>Using await will not throw an </a:t>
+            </a:r>
+            <a:r>
+              <a:rPr lang="en-GB" sz="2200" b="1" dirty="0" err="1"/>
+              <a:t>AggregateException</a:t>
+            </a:r>
+            <a:r>
+              <a:rPr lang="en-GB" sz="2200" dirty="0"/>
+              <a:t>. It will instead propagate the first exception which was thrown, just like when writing synchronous code. This is another key benefit to using async/await. You don’t have to worry about </a:t>
+            </a:r>
+            <a:r>
+              <a:rPr lang="en-GB" sz="2200" dirty="0" err="1"/>
+              <a:t>AggregateExceptions</a:t>
+            </a:r>
+            <a:r>
+              <a:rPr lang="en-GB" sz="2200" dirty="0"/>
+              <a:t>!</a:t>
+            </a:r>
+          </a:p>
+          <a:p>
+            <a:pPr marL="342900" indent="-342900">
+              <a:buFont typeface="Arial" panose="020B0604020202020204" pitchFamily="34" charset="0"/>
+              <a:buChar char="•"/>
+            </a:pPr>
+            <a:endParaRPr lang="en-GB" sz="2200" dirty="0"/>
+          </a:p>
+          <a:p>
+            <a:pPr marL="342900" indent="-342900">
+              <a:buFont typeface="Arial" panose="020B0604020202020204" pitchFamily="34" charset="0"/>
+              <a:buChar char="•"/>
+            </a:pPr>
+            <a:r>
+              <a:rPr lang="en-GB" sz="2200" dirty="0"/>
+              <a:t>If you don’t observe the completion of a task which has thrown an exception, the garbage collector will trigger the </a:t>
+            </a:r>
+            <a:r>
+              <a:rPr lang="en-GB" sz="2200" b="1" dirty="0" err="1"/>
+              <a:t>UnobservedTaskException</a:t>
+            </a:r>
+            <a:r>
+              <a:rPr lang="en-GB" sz="2200" dirty="0"/>
+              <a:t> event on the </a:t>
+            </a:r>
+            <a:r>
+              <a:rPr lang="en-GB" sz="2200" b="1" dirty="0" err="1"/>
+              <a:t>TaskScheduler</a:t>
+            </a:r>
+            <a:r>
+              <a:rPr lang="en-GB" sz="2200" dirty="0"/>
+              <a:t>, which by default will </a:t>
+            </a:r>
+            <a:r>
+              <a:rPr lang="en-GB" sz="2200" b="1" dirty="0"/>
+              <a:t>completely terminate your process</a:t>
+            </a:r>
+            <a:r>
+              <a:rPr lang="en-GB" sz="2200" dirty="0"/>
+              <a:t>. This default behaviour can be overridden however. </a:t>
+            </a:r>
+            <a:endParaRPr lang="en-GB" sz="2200" b="1" dirty="0"/>
+          </a:p>
+        </p:txBody>
+      </p:sp>
+    </p:spTree>
+    <p:extLst>
+      <p:ext uri="{BB962C8B-B14F-4D97-AF65-F5344CB8AC3E}">
+        <p14:creationId xmlns:p14="http://schemas.microsoft.com/office/powerpoint/2010/main" val="25185311"/>
       </p:ext>
     </p:extLst>
   </p:cSld>

--- a/Async and await presentation.pptx
+++ b/Async and await presentation.pptx
@@ -11850,7 +11850,7 @@
         <p:spPr>
           <a:xfrm>
             <a:off x="278297" y="212034"/>
-            <a:ext cx="11781182" cy="6186309"/>
+            <a:ext cx="11781182" cy="6524863"/>
           </a:xfrm>
           <a:prstGeom prst="rect">
             <a:avLst/>
@@ -11878,39 +11878,50 @@
             </a:pPr>
             <a:r>
               <a:rPr lang="en-GB" sz="2200" dirty="0"/>
-              <a:t>If a task is the parent of attached child tasks, or if you are waiting on multiple tasks, multiple exceptions could be thrown. </a:t>
-            </a:r>
-          </a:p>
-          <a:p>
-            <a:endParaRPr lang="en-GB" sz="2200" b="1" dirty="0"/>
+              <a:t>Observing the completion of a failed task by using </a:t>
+            </a:r>
+            <a:r>
+              <a:rPr lang="en-GB" sz="2200" b="1" dirty="0"/>
+              <a:t>Wait()</a:t>
+            </a:r>
+            <a:r>
+              <a:rPr lang="en-GB" sz="2200" dirty="0"/>
+              <a:t>,</a:t>
+            </a:r>
+            <a:r>
+              <a:rPr lang="en-GB" sz="2200" b="1" dirty="0"/>
+              <a:t> Result, await </a:t>
+            </a:r>
+            <a:r>
+              <a:rPr lang="en-GB" sz="2200" dirty="0"/>
+              <a:t>or </a:t>
+            </a:r>
+            <a:r>
+              <a:rPr lang="en-GB" sz="2200" b="1" dirty="0" err="1"/>
+              <a:t>GetAwaiter</a:t>
+            </a:r>
+            <a:r>
+              <a:rPr lang="en-GB" sz="2200" b="1" dirty="0"/>
+              <a:t>().</a:t>
+            </a:r>
+            <a:r>
+              <a:rPr lang="en-GB" sz="2200" b="1" dirty="0" err="1"/>
+              <a:t>GetResult</a:t>
+            </a:r>
+            <a:r>
+              <a:rPr lang="en-GB" sz="2200" b="1" dirty="0"/>
+              <a:t>() </a:t>
+            </a:r>
+            <a:r>
+              <a:rPr lang="en-GB" sz="2200" dirty="0"/>
+              <a:t>will propagate its exception. At this point, you need to handle it with a try/catch block. </a:t>
+            </a:r>
           </a:p>
           <a:p>
             <a:pPr marL="342900" indent="-342900">
               <a:buFont typeface="Arial" panose="020B0604020202020204" pitchFamily="34" charset="0"/>
               <a:buChar char="•"/>
             </a:pPr>
-            <a:r>
-              <a:rPr lang="en-GB" sz="2200" dirty="0"/>
-              <a:t>Exceptions thrown within a task are always accessible from the Task’s </a:t>
-            </a:r>
-            <a:r>
-              <a:rPr lang="en-GB" sz="2200" b="1" dirty="0"/>
-              <a:t>Exception property</a:t>
-            </a:r>
-            <a:r>
-              <a:rPr lang="en-GB" sz="2200" dirty="0"/>
-              <a:t>. This is of type </a:t>
-            </a:r>
-            <a:r>
-              <a:rPr lang="en-GB" sz="2200" b="1" dirty="0" err="1"/>
-              <a:t>AggregateException</a:t>
-            </a:r>
-            <a:r>
-              <a:rPr lang="en-GB" sz="2200" dirty="0"/>
-              <a:t>. This is so multiple exceptions can be aggregated and propagated. </a:t>
-            </a:r>
-          </a:p>
-          <a:p>
             <a:endParaRPr lang="en-GB" sz="2200" dirty="0"/>
           </a:p>
           <a:p>
@@ -11920,31 +11931,15 @@
             </a:pPr>
             <a:r>
               <a:rPr lang="en-GB" sz="2200" dirty="0"/>
-              <a:t>Observing the completion of a task by using </a:t>
-            </a:r>
-            <a:r>
-              <a:rPr lang="en-GB" sz="2200" b="1" dirty="0"/>
-              <a:t>Wait()</a:t>
+              <a:t>If a task is the parent of attached child tasks, or if you are waiting on multiple tasks, multiple exceptions could be thrown. These are grouped as a single </a:t>
+            </a:r>
+            <a:r>
+              <a:rPr lang="en-GB" sz="2200" b="1" dirty="0" err="1"/>
+              <a:t>AggregateException</a:t>
             </a:r>
             <a:r>
               <a:rPr lang="en-GB" sz="2200" dirty="0"/>
-              <a:t>,</a:t>
-            </a:r>
-            <a:r>
-              <a:rPr lang="en-GB" sz="2200" b="1" dirty="0"/>
-              <a:t> Result</a:t>
-            </a:r>
-            <a:r>
-              <a:rPr lang="en-GB" sz="2200" dirty="0"/>
-              <a:t> or </a:t>
-            </a:r>
-            <a:r>
-              <a:rPr lang="en-GB" sz="2200" b="1" dirty="0"/>
-              <a:t>await</a:t>
-            </a:r>
-            <a:r>
-              <a:rPr lang="en-GB" sz="2200" dirty="0"/>
-              <a:t> will propagate the exception. At this point, you need to handle it with a try/catch block. </a:t>
+              <a:t>.</a:t>
             </a:r>
           </a:p>
           <a:p>
@@ -11956,8 +11951,57 @@
               <a:buChar char="•"/>
             </a:pPr>
             <a:r>
+              <a:rPr lang="en-GB" sz="2200" dirty="0"/>
+              <a:t>Exceptions thrown within a task are always accessible from the </a:t>
+            </a:r>
+            <a:r>
               <a:rPr lang="en-GB" sz="2200" b="1" dirty="0"/>
-              <a:t>Using await will not throw an </a:t>
+              <a:t>Exception property</a:t>
+            </a:r>
+            <a:r>
+              <a:rPr lang="en-GB" sz="2200" dirty="0"/>
+              <a:t>. This is of type </a:t>
+            </a:r>
+            <a:r>
+              <a:rPr lang="en-GB" sz="2200" b="1" dirty="0" err="1"/>
+              <a:t>AggregateException</a:t>
+            </a:r>
+            <a:r>
+              <a:rPr lang="en-GB" sz="2200" dirty="0"/>
+              <a:t>. </a:t>
+            </a:r>
+          </a:p>
+          <a:p>
+            <a:endParaRPr lang="en-GB" sz="2200" b="1" dirty="0"/>
+          </a:p>
+          <a:p>
+            <a:pPr marL="342900" indent="-342900">
+              <a:buFont typeface="Arial" panose="020B0604020202020204" pitchFamily="34" charset="0"/>
+              <a:buChar char="•"/>
+            </a:pPr>
+            <a:r>
+              <a:rPr lang="en-GB" sz="2200" b="1" dirty="0"/>
+              <a:t>Using await or </a:t>
+            </a:r>
+            <a:r>
+              <a:rPr lang="en-GB" sz="2200" b="1" dirty="0" err="1"/>
+              <a:t>GetAwaiter</a:t>
+            </a:r>
+            <a:r>
+              <a:rPr lang="en-GB" sz="2200" b="1" dirty="0"/>
+              <a:t>().</a:t>
+            </a:r>
+            <a:r>
+              <a:rPr lang="en-GB" sz="2200" b="1" dirty="0" err="1"/>
+              <a:t>GetResult</a:t>
+            </a:r>
+            <a:r>
+              <a:rPr lang="en-GB" sz="2200" b="1"/>
+              <a:t>() </a:t>
+            </a:r>
+            <a:r>
+              <a:rPr lang="en-GB" sz="2200" b="1" dirty="0"/>
+              <a:t>will not throw an </a:t>
             </a:r>
             <a:r>
               <a:rPr lang="en-GB" sz="2200" b="1" dirty="0" err="1"/>

--- a/Async and await presentation.pptx
+++ b/Async and await presentation.pptx
@@ -11996,12 +11996,8 @@
               <a:t>GetResult</a:t>
             </a:r>
             <a:r>
-              <a:rPr lang="en-GB" sz="2200" b="1"/>
-              <a:t>() </a:t>
-            </a:r>
-            <a:r>
               <a:rPr lang="en-GB" sz="2200" b="1" dirty="0"/>
-              <a:t>will not throw an </a:t>
+              <a:t>() will not throw an </a:t>
             </a:r>
             <a:r>
               <a:rPr lang="en-GB" sz="2200" b="1" dirty="0" err="1"/>

--- a/Async and await presentation.pptx
+++ b/Async and await presentation.pptx
@@ -43,7 +43,25 @@
     <p:sldId id="292" r:id="rId37"/>
     <p:sldId id="294" r:id="rId38"/>
     <p:sldId id="296" r:id="rId39"/>
-    <p:sldId id="297" r:id="rId40"/>
+    <p:sldId id="304" r:id="rId40"/>
+    <p:sldId id="298" r:id="rId41"/>
+    <p:sldId id="308" r:id="rId42"/>
+    <p:sldId id="299" r:id="rId43"/>
+    <p:sldId id="309" r:id="rId44"/>
+    <p:sldId id="300" r:id="rId45"/>
+    <p:sldId id="301" r:id="rId46"/>
+    <p:sldId id="310" r:id="rId47"/>
+    <p:sldId id="302" r:id="rId48"/>
+    <p:sldId id="311" r:id="rId49"/>
+    <p:sldId id="303" r:id="rId50"/>
+    <p:sldId id="312" r:id="rId51"/>
+    <p:sldId id="305" r:id="rId52"/>
+    <p:sldId id="313" r:id="rId53"/>
+    <p:sldId id="306" r:id="rId54"/>
+    <p:sldId id="314" r:id="rId55"/>
+    <p:sldId id="307" r:id="rId56"/>
+    <p:sldId id="315" r:id="rId57"/>
+    <p:sldId id="297" r:id="rId58"/>
   </p:sldIdLst>
   <p:sldSz cx="12192000" cy="6858000"/>
   <p:notesSz cx="6858000" cy="9144000"/>
@@ -150,6 +168,10 @@
 </p:presentation>
 </file>
 
+<file path=ppt/revisionInfo.xml><?xml version="1.0" encoding="utf-8"?>
+<p1510:revInfo xmlns:a="http://schemas.openxmlformats.org/drawingml/2006/main" xmlns:r="http://schemas.openxmlformats.org/officeDocument/2006/relationships" xmlns:p1510="http://schemas.microsoft.com/office/powerpoint/2015/10/main"/>
+</file>
+
 <file path=ppt/slideLayouts/slideLayout1.xml><?xml version="1.0" encoding="utf-8"?>
 <p:sldLayout xmlns:a="http://schemas.openxmlformats.org/drawingml/2006/main" xmlns:r="http://schemas.openxmlformats.org/officeDocument/2006/relationships" xmlns:p="http://schemas.openxmlformats.org/presentationml/2006/main" type="title" preserve="1">
   <p:cSld name="Title Slide">
@@ -299,7 +321,7 @@
           <a:p>
             <a:fld id="{BFEF692B-FC3E-4552-B87F-4B5A00EB12B2}" type="datetimeFigureOut">
               <a:rPr lang="en-GB" smtClean="0"/>
-              <a:t>29/11/2018</a:t>
+              <a:t>30/11/2018</a:t>
             </a:fld>
             <a:endParaRPr lang="en-GB"/>
           </a:p>
@@ -499,7 +521,7 @@
           <a:p>
             <a:fld id="{BFEF692B-FC3E-4552-B87F-4B5A00EB12B2}" type="datetimeFigureOut">
               <a:rPr lang="en-GB" smtClean="0"/>
-              <a:t>29/11/2018</a:t>
+              <a:t>30/11/2018</a:t>
             </a:fld>
             <a:endParaRPr lang="en-GB"/>
           </a:p>
@@ -709,7 +731,7 @@
           <a:p>
             <a:fld id="{BFEF692B-FC3E-4552-B87F-4B5A00EB12B2}" type="datetimeFigureOut">
               <a:rPr lang="en-GB" smtClean="0"/>
-              <a:t>29/11/2018</a:t>
+              <a:t>30/11/2018</a:t>
             </a:fld>
             <a:endParaRPr lang="en-GB"/>
           </a:p>
@@ -909,7 +931,7 @@
           <a:p>
             <a:fld id="{BFEF692B-FC3E-4552-B87F-4B5A00EB12B2}" type="datetimeFigureOut">
               <a:rPr lang="en-GB" smtClean="0"/>
-              <a:t>29/11/2018</a:t>
+              <a:t>30/11/2018</a:t>
             </a:fld>
             <a:endParaRPr lang="en-GB"/>
           </a:p>
@@ -1185,7 +1207,7 @@
           <a:p>
             <a:fld id="{BFEF692B-FC3E-4552-B87F-4B5A00EB12B2}" type="datetimeFigureOut">
               <a:rPr lang="en-GB" smtClean="0"/>
-              <a:t>29/11/2018</a:t>
+              <a:t>30/11/2018</a:t>
             </a:fld>
             <a:endParaRPr lang="en-GB"/>
           </a:p>
@@ -1453,7 +1475,7 @@
           <a:p>
             <a:fld id="{BFEF692B-FC3E-4552-B87F-4B5A00EB12B2}" type="datetimeFigureOut">
               <a:rPr lang="en-GB" smtClean="0"/>
-              <a:t>29/11/2018</a:t>
+              <a:t>30/11/2018</a:t>
             </a:fld>
             <a:endParaRPr lang="en-GB"/>
           </a:p>
@@ -1868,7 +1890,7 @@
           <a:p>
             <a:fld id="{BFEF692B-FC3E-4552-B87F-4B5A00EB12B2}" type="datetimeFigureOut">
               <a:rPr lang="en-GB" smtClean="0"/>
-              <a:t>29/11/2018</a:t>
+              <a:t>30/11/2018</a:t>
             </a:fld>
             <a:endParaRPr lang="en-GB"/>
           </a:p>
@@ -2010,7 +2032,7 @@
           <a:p>
             <a:fld id="{BFEF692B-FC3E-4552-B87F-4B5A00EB12B2}" type="datetimeFigureOut">
               <a:rPr lang="en-GB" smtClean="0"/>
-              <a:t>29/11/2018</a:t>
+              <a:t>30/11/2018</a:t>
             </a:fld>
             <a:endParaRPr lang="en-GB"/>
           </a:p>
@@ -2123,7 +2145,7 @@
           <a:p>
             <a:fld id="{BFEF692B-FC3E-4552-B87F-4B5A00EB12B2}" type="datetimeFigureOut">
               <a:rPr lang="en-GB" smtClean="0"/>
-              <a:t>29/11/2018</a:t>
+              <a:t>30/11/2018</a:t>
             </a:fld>
             <a:endParaRPr lang="en-GB"/>
           </a:p>
@@ -2436,7 +2458,7 @@
           <a:p>
             <a:fld id="{BFEF692B-FC3E-4552-B87F-4B5A00EB12B2}" type="datetimeFigureOut">
               <a:rPr lang="en-GB" smtClean="0"/>
-              <a:t>29/11/2018</a:t>
+              <a:t>30/11/2018</a:t>
             </a:fld>
             <a:endParaRPr lang="en-GB"/>
           </a:p>
@@ -2725,7 +2747,7 @@
           <a:p>
             <a:fld id="{BFEF692B-FC3E-4552-B87F-4B5A00EB12B2}" type="datetimeFigureOut">
               <a:rPr lang="en-GB" smtClean="0"/>
-              <a:t>29/11/2018</a:t>
+              <a:t>30/11/2018</a:t>
             </a:fld>
             <a:endParaRPr lang="en-GB"/>
           </a:p>
@@ -2968,7 +2990,7 @@
           <a:p>
             <a:fld id="{BFEF692B-FC3E-4552-B87F-4B5A00EB12B2}" type="datetimeFigureOut">
               <a:rPr lang="en-GB" smtClean="0"/>
-              <a:t>29/11/2018</a:t>
+              <a:t>30/11/2018</a:t>
             </a:fld>
             <a:endParaRPr lang="en-GB"/>
           </a:p>
@@ -11821,6 +11843,14 @@
 <file path=ppt/slides/slide39.xml><?xml version="1.0" encoding="utf-8"?>
 <p:sld xmlns:a="http://schemas.openxmlformats.org/drawingml/2006/main" xmlns:r="http://schemas.openxmlformats.org/officeDocument/2006/relationships" xmlns:p="http://schemas.openxmlformats.org/presentationml/2006/main">
   <p:cSld>
+    <p:bg>
+      <p:bgPr>
+        <a:solidFill>
+          <a:srgbClr val="1E1E1E"/>
+        </a:solidFill>
+        <a:effectLst/>
+      </p:bgPr>
+    </p:bg>
     <p:spTree>
       <p:nvGrpSpPr>
         <p:cNvPr id="1" name=""/>
@@ -11837,10 +11867,10 @@
       </p:grpSpPr>
       <p:sp>
         <p:nvSpPr>
-          <p:cNvPr id="4" name="TextBox 3">
-            <a:extLst>
-              <a:ext uri="{FF2B5EF4-FFF2-40B4-BE49-F238E27FC236}">
-                <a16:creationId xmlns:a16="http://schemas.microsoft.com/office/drawing/2014/main" id="{18767206-9205-42D0-A2AE-5A1017D4CB08}"/>
+          <p:cNvPr id="6" name="TextBox 5">
+            <a:extLst>
+              <a:ext uri="{FF2B5EF4-FFF2-40B4-BE49-F238E27FC236}">
+                <a16:creationId xmlns:a16="http://schemas.microsoft.com/office/drawing/2014/main" id="{2CDFC944-8A12-42CA-B4D7-7CEF50C368ED}"/>
               </a:ext>
             </a:extLst>
           </p:cNvPr>
@@ -11849,8 +11879,8 @@
         </p:nvSpPr>
         <p:spPr>
           <a:xfrm>
-            <a:off x="278297" y="212034"/>
-            <a:ext cx="11781182" cy="6524863"/>
+            <a:off x="624957" y="242596"/>
+            <a:ext cx="11364880" cy="400110"/>
           </a:xfrm>
           <a:prstGeom prst="rect">
             <a:avLst/>
@@ -11864,206 +11894,106 @@
           <a:lstStyle/>
           <a:p>
             <a:r>
-              <a:rPr lang="en-GB" sz="2200" b="1" dirty="0"/>
-              <a:t>Dealing with exceptions</a:t>
-            </a:r>
-          </a:p>
-          <a:p>
-            <a:endParaRPr lang="en-GB" sz="2200" b="1" dirty="0"/>
-          </a:p>
-          <a:p>
-            <a:pPr marL="342900" indent="-342900">
-              <a:buFont typeface="Arial" panose="020B0604020202020204" pitchFamily="34" charset="0"/>
-              <a:buChar char="•"/>
-            </a:pPr>
-            <a:r>
-              <a:rPr lang="en-GB" sz="2200" dirty="0"/>
-              <a:t>Observing the completion of a failed task by using </a:t>
-            </a:r>
-            <a:r>
-              <a:rPr lang="en-GB" sz="2200" b="1" dirty="0"/>
-              <a:t>Wait()</a:t>
-            </a:r>
-            <a:r>
-              <a:rPr lang="en-GB" sz="2200" dirty="0"/>
-              <a:t>,</a:t>
-            </a:r>
-            <a:r>
-              <a:rPr lang="en-GB" sz="2200" b="1" dirty="0"/>
-              <a:t> Result, await </a:t>
-            </a:r>
-            <a:r>
-              <a:rPr lang="en-GB" sz="2200" dirty="0"/>
-              <a:t>or </a:t>
-            </a:r>
-            <a:r>
-              <a:rPr lang="en-GB" sz="2200" b="1" dirty="0" err="1"/>
-              <a:t>GetAwaiter</a:t>
-            </a:r>
-            <a:r>
-              <a:rPr lang="en-GB" sz="2200" b="1" dirty="0"/>
-              <a:t>().</a:t>
-            </a:r>
-            <a:r>
-              <a:rPr lang="en-GB" sz="2200" b="1" dirty="0" err="1"/>
-              <a:t>GetResult</a:t>
-            </a:r>
-            <a:r>
-              <a:rPr lang="en-GB" sz="2200" b="1" dirty="0"/>
-              <a:t>() </a:t>
-            </a:r>
-            <a:r>
-              <a:rPr lang="en-GB" sz="2200" dirty="0"/>
-              <a:t>will propagate its exception. At this point, you need to handle it with a try/catch block. </a:t>
-            </a:r>
-          </a:p>
-          <a:p>
-            <a:pPr marL="342900" indent="-342900">
-              <a:buFont typeface="Arial" panose="020B0604020202020204" pitchFamily="34" charset="0"/>
-              <a:buChar char="•"/>
-            </a:pPr>
-            <a:endParaRPr lang="en-GB" sz="2200" dirty="0"/>
-          </a:p>
-          <a:p>
-            <a:pPr marL="342900" indent="-342900">
-              <a:buFont typeface="Arial" panose="020B0604020202020204" pitchFamily="34" charset="0"/>
-              <a:buChar char="•"/>
-            </a:pPr>
-            <a:r>
-              <a:rPr lang="en-GB" sz="2200" dirty="0"/>
-              <a:t>If a task is the parent of attached child tasks, or if you are waiting on multiple tasks, multiple exceptions could be thrown. These are grouped as a single </a:t>
-            </a:r>
-            <a:r>
-              <a:rPr lang="en-GB" sz="2200" b="1" dirty="0" err="1"/>
-              <a:t>AggregateException</a:t>
-            </a:r>
-            <a:r>
-              <a:rPr lang="en-GB" sz="2200" dirty="0"/>
-              <a:t>.</a:t>
-            </a:r>
-          </a:p>
-          <a:p>
-            <a:endParaRPr lang="en-GB" sz="2200" b="1" dirty="0"/>
-          </a:p>
-          <a:p>
-            <a:pPr marL="342900" indent="-342900">
-              <a:buFont typeface="Arial" panose="020B0604020202020204" pitchFamily="34" charset="0"/>
-              <a:buChar char="•"/>
-            </a:pPr>
-            <a:r>
-              <a:rPr lang="en-GB" sz="2200" dirty="0"/>
-              <a:t>Exceptions thrown within a task are always accessible from the </a:t>
-            </a:r>
-            <a:r>
-              <a:rPr lang="en-GB" sz="2200" b="1" dirty="0"/>
-              <a:t>Exception property</a:t>
-            </a:r>
-            <a:r>
-              <a:rPr lang="en-GB" sz="2200" dirty="0"/>
-              <a:t>. This is of type </a:t>
-            </a:r>
-            <a:r>
-              <a:rPr lang="en-GB" sz="2200" b="1" dirty="0" err="1"/>
-              <a:t>AggregateException</a:t>
-            </a:r>
-            <a:r>
-              <a:rPr lang="en-GB" sz="2200" dirty="0"/>
-              <a:t>. </a:t>
-            </a:r>
-          </a:p>
-          <a:p>
-            <a:endParaRPr lang="en-GB" sz="2200" b="1" dirty="0"/>
-          </a:p>
-          <a:p>
-            <a:pPr marL="342900" indent="-342900">
-              <a:buFont typeface="Arial" panose="020B0604020202020204" pitchFamily="34" charset="0"/>
-              <a:buChar char="•"/>
-            </a:pPr>
-            <a:r>
-              <a:rPr lang="en-GB" sz="2200" b="1" dirty="0"/>
-              <a:t>Using await or </a:t>
-            </a:r>
-            <a:r>
-              <a:rPr lang="en-GB" sz="2200" b="1" dirty="0" err="1"/>
-              <a:t>GetAwaiter</a:t>
-            </a:r>
-            <a:r>
-              <a:rPr lang="en-GB" sz="2200" b="1" dirty="0"/>
-              <a:t>().</a:t>
-            </a:r>
-            <a:r>
-              <a:rPr lang="en-GB" sz="2200" b="1" dirty="0" err="1"/>
-              <a:t>GetResult</a:t>
-            </a:r>
-            <a:r>
-              <a:rPr lang="en-GB" sz="2200" b="1" dirty="0"/>
-              <a:t>() will not throw an </a:t>
-            </a:r>
-            <a:r>
-              <a:rPr lang="en-GB" sz="2200" b="1" dirty="0" err="1"/>
-              <a:t>AggregateException</a:t>
-            </a:r>
-            <a:r>
-              <a:rPr lang="en-GB" sz="2200" dirty="0"/>
-              <a:t>. It will instead propagate the first exception which was thrown, just like when writing synchronous code. This is another key benefit to using async/await. You don’t have to worry about </a:t>
-            </a:r>
-            <a:r>
-              <a:rPr lang="en-GB" sz="2200" dirty="0" err="1"/>
-              <a:t>AggregateExceptions</a:t>
-            </a:r>
-            <a:r>
-              <a:rPr lang="en-GB" sz="2200" dirty="0"/>
-              <a:t>!</a:t>
-            </a:r>
-          </a:p>
-          <a:p>
-            <a:pPr marL="342900" indent="-342900">
-              <a:buFont typeface="Arial" panose="020B0604020202020204" pitchFamily="34" charset="0"/>
-              <a:buChar char="•"/>
-            </a:pPr>
-            <a:endParaRPr lang="en-GB" sz="2200" dirty="0"/>
-          </a:p>
-          <a:p>
-            <a:pPr marL="342900" indent="-342900">
-              <a:buFont typeface="Arial" panose="020B0604020202020204" pitchFamily="34" charset="0"/>
-              <a:buChar char="•"/>
-            </a:pPr>
-            <a:r>
-              <a:rPr lang="en-GB" sz="2200" dirty="0"/>
-              <a:t>If you don’t observe the completion of a task which has thrown an exception, the garbage collector will trigger the </a:t>
-            </a:r>
-            <a:r>
-              <a:rPr lang="en-GB" sz="2200" b="1" dirty="0" err="1"/>
-              <a:t>UnobservedTaskException</a:t>
-            </a:r>
-            <a:r>
-              <a:rPr lang="en-GB" sz="2200" dirty="0"/>
-              <a:t> event on the </a:t>
-            </a:r>
-            <a:r>
-              <a:rPr lang="en-GB" sz="2200" b="1" dirty="0" err="1"/>
-              <a:t>TaskScheduler</a:t>
-            </a:r>
-            <a:r>
-              <a:rPr lang="en-GB" sz="2200" dirty="0"/>
-              <a:t>, which by default will </a:t>
-            </a:r>
-            <a:r>
-              <a:rPr lang="en-GB" sz="2200" b="1" dirty="0"/>
-              <a:t>completely terminate your process</a:t>
-            </a:r>
-            <a:r>
-              <a:rPr lang="en-GB" sz="2200" dirty="0"/>
-              <a:t>. This default behaviour can be overridden however. </a:t>
-            </a:r>
-            <a:endParaRPr lang="en-GB" sz="2200" b="1" dirty="0"/>
+              <a:rPr lang="en-GB" sz="2000" dirty="0">
+                <a:solidFill>
+                  <a:schemeClr val="bg1"/>
+                </a:solidFill>
+              </a:rPr>
+              <a:t>Given the following methods…</a:t>
+            </a:r>
+          </a:p>
+        </p:txBody>
+      </p:sp>
+      <p:pic>
+        <p:nvPicPr>
+          <p:cNvPr id="3" name="Picture 2">
+            <a:extLst>
+              <a:ext uri="{FF2B5EF4-FFF2-40B4-BE49-F238E27FC236}">
+                <a16:creationId xmlns:a16="http://schemas.microsoft.com/office/drawing/2014/main" id="{3BA789B0-4DD2-416F-AC4F-1CB1017DBB57}"/>
+              </a:ext>
+            </a:extLst>
+          </p:cNvPr>
+          <p:cNvPicPr>
+            <a:picLocks noChangeAspect="1"/>
+          </p:cNvPicPr>
+          <p:nvPr/>
+        </p:nvPicPr>
+        <p:blipFill>
+          <a:blip r:embed="rId2"/>
+          <a:stretch>
+            <a:fillRect/>
+          </a:stretch>
+        </p:blipFill>
+        <p:spPr>
+          <a:xfrm>
+            <a:off x="804093" y="1066593"/>
+            <a:ext cx="10025626" cy="4141511"/>
+          </a:xfrm>
+          <a:prstGeom prst="rect">
+            <a:avLst/>
+          </a:prstGeom>
+        </p:spPr>
+      </p:pic>
+      <p:sp>
+        <p:nvSpPr>
+          <p:cNvPr id="7" name="TextBox 6">
+            <a:extLst>
+              <a:ext uri="{FF2B5EF4-FFF2-40B4-BE49-F238E27FC236}">
+                <a16:creationId xmlns:a16="http://schemas.microsoft.com/office/drawing/2014/main" id="{9D387ED8-A447-4926-8788-33094ACC87BC}"/>
+              </a:ext>
+            </a:extLst>
+          </p:cNvPr>
+          <p:cNvSpPr txBox="1"/>
+          <p:nvPr/>
+        </p:nvSpPr>
+        <p:spPr>
+          <a:xfrm>
+            <a:off x="624957" y="5431936"/>
+            <a:ext cx="11364880" cy="1015663"/>
+          </a:xfrm>
+          <a:prstGeom prst="rect">
+            <a:avLst/>
+          </a:prstGeom>
+          <a:noFill/>
+        </p:spPr>
+        <p:txBody>
+          <a:bodyPr wrap="square" rtlCol="0">
+            <a:spAutoFit/>
+          </a:bodyPr>
+          <a:lstStyle/>
+          <a:p>
+            <a:r>
+              <a:rPr lang="en-GB" sz="2000" dirty="0">
+                <a:solidFill>
+                  <a:schemeClr val="bg1"/>
+                </a:solidFill>
+              </a:rPr>
+              <a:t>Operation1Async just awaits a task which throws an exception.</a:t>
+            </a:r>
+          </a:p>
+          <a:p>
+            <a:endParaRPr lang="en-GB" sz="2000" dirty="0">
+              <a:solidFill>
+                <a:schemeClr val="bg1"/>
+              </a:solidFill>
+            </a:endParaRPr>
+          </a:p>
+          <a:p>
+            <a:r>
+              <a:rPr lang="en-GB" sz="2000" dirty="0">
+                <a:solidFill>
+                  <a:schemeClr val="bg1"/>
+                </a:solidFill>
+              </a:rPr>
+              <a:t>There is more than way of executing Operation1Async and each way might have different behaviours. </a:t>
+            </a:r>
           </a:p>
         </p:txBody>
       </p:sp>
     </p:spTree>
     <p:extLst>
       <p:ext uri="{BB962C8B-B14F-4D97-AF65-F5344CB8AC3E}">
-        <p14:creationId xmlns:p14="http://schemas.microsoft.com/office/powerpoint/2010/main" val="25185311"/>
+        <p14:creationId xmlns:p14="http://schemas.microsoft.com/office/powerpoint/2010/main" val="1728531898"/>
       </p:ext>
     </p:extLst>
   </p:cSld>
@@ -12197,6 +12127,2194 @@
 </p:sld>
 </file>
 
+<file path=ppt/slides/slide40.xml><?xml version="1.0" encoding="utf-8"?>
+<p:sld xmlns:a="http://schemas.openxmlformats.org/drawingml/2006/main" xmlns:r="http://schemas.openxmlformats.org/officeDocument/2006/relationships" xmlns:p="http://schemas.openxmlformats.org/presentationml/2006/main">
+  <p:cSld>
+    <p:bg>
+      <p:bgPr>
+        <a:solidFill>
+          <a:srgbClr val="1E1E1E"/>
+        </a:solidFill>
+        <a:effectLst/>
+      </p:bgPr>
+    </p:bg>
+    <p:spTree>
+      <p:nvGrpSpPr>
+        <p:cNvPr id="1" name=""/>
+        <p:cNvGrpSpPr/>
+        <p:nvPr/>
+      </p:nvGrpSpPr>
+      <p:grpSpPr>
+        <a:xfrm>
+          <a:off x="0" y="0"/>
+          <a:ext cx="0" cy="0"/>
+          <a:chOff x="0" y="0"/>
+          <a:chExt cx="0" cy="0"/>
+        </a:xfrm>
+      </p:grpSpPr>
+      <p:sp>
+        <p:nvSpPr>
+          <p:cNvPr id="6" name="TextBox 5">
+            <a:extLst>
+              <a:ext uri="{FF2B5EF4-FFF2-40B4-BE49-F238E27FC236}">
+                <a16:creationId xmlns:a16="http://schemas.microsoft.com/office/drawing/2014/main" id="{2CDFC944-8A12-42CA-B4D7-7CEF50C368ED}"/>
+              </a:ext>
+            </a:extLst>
+          </p:cNvPr>
+          <p:cNvSpPr txBox="1"/>
+          <p:nvPr/>
+        </p:nvSpPr>
+        <p:spPr>
+          <a:xfrm>
+            <a:off x="624957" y="242596"/>
+            <a:ext cx="11364880" cy="369332"/>
+          </a:xfrm>
+          <a:prstGeom prst="rect">
+            <a:avLst/>
+          </a:prstGeom>
+          <a:noFill/>
+        </p:spPr>
+        <p:txBody>
+          <a:bodyPr wrap="square" rtlCol="0">
+            <a:spAutoFit/>
+          </a:bodyPr>
+          <a:lstStyle/>
+          <a:p>
+            <a:r>
+              <a:rPr lang="en-GB" dirty="0">
+                <a:solidFill>
+                  <a:schemeClr val="bg1"/>
+                </a:solidFill>
+              </a:rPr>
+              <a:t>Question A </a:t>
+            </a:r>
+          </a:p>
+        </p:txBody>
+      </p:sp>
+      <p:pic>
+        <p:nvPicPr>
+          <p:cNvPr id="2" name="Picture 1">
+            <a:extLst>
+              <a:ext uri="{FF2B5EF4-FFF2-40B4-BE49-F238E27FC236}">
+                <a16:creationId xmlns:a16="http://schemas.microsoft.com/office/drawing/2014/main" id="{397E2F67-D1D2-4E88-93D5-7D621957D25C}"/>
+              </a:ext>
+            </a:extLst>
+          </p:cNvPr>
+          <p:cNvPicPr>
+            <a:picLocks noChangeAspect="1"/>
+          </p:cNvPicPr>
+          <p:nvPr/>
+        </p:nvPicPr>
+        <p:blipFill>
+          <a:blip r:embed="rId2"/>
+          <a:stretch>
+            <a:fillRect/>
+          </a:stretch>
+        </p:blipFill>
+        <p:spPr>
+          <a:xfrm>
+            <a:off x="187635" y="1138648"/>
+            <a:ext cx="7127565" cy="4552685"/>
+          </a:xfrm>
+          <a:prstGeom prst="rect">
+            <a:avLst/>
+          </a:prstGeom>
+        </p:spPr>
+      </p:pic>
+      <p:sp>
+        <p:nvSpPr>
+          <p:cNvPr id="11" name="TextBox 10">
+            <a:extLst>
+              <a:ext uri="{FF2B5EF4-FFF2-40B4-BE49-F238E27FC236}">
+                <a16:creationId xmlns:a16="http://schemas.microsoft.com/office/drawing/2014/main" id="{8CFFC453-63D5-4985-9376-BE7589A7509A}"/>
+              </a:ext>
+            </a:extLst>
+          </p:cNvPr>
+          <p:cNvSpPr txBox="1"/>
+          <p:nvPr/>
+        </p:nvSpPr>
+        <p:spPr>
+          <a:xfrm>
+            <a:off x="7594559" y="1134296"/>
+            <a:ext cx="4395277" cy="3693319"/>
+          </a:xfrm>
+          <a:prstGeom prst="rect">
+            <a:avLst/>
+          </a:prstGeom>
+          <a:noFill/>
+        </p:spPr>
+        <p:txBody>
+          <a:bodyPr wrap="square" rtlCol="0">
+            <a:spAutoFit/>
+          </a:bodyPr>
+          <a:lstStyle/>
+          <a:p>
+            <a:r>
+              <a:rPr lang="en-GB" dirty="0">
+                <a:solidFill>
+                  <a:schemeClr val="bg1"/>
+                </a:solidFill>
+              </a:rPr>
+              <a:t>What will be the output of this method?</a:t>
+            </a:r>
+          </a:p>
+          <a:p>
+            <a:endParaRPr lang="en-GB" dirty="0">
+              <a:solidFill>
+                <a:schemeClr val="bg1"/>
+              </a:solidFill>
+            </a:endParaRPr>
+          </a:p>
+          <a:p>
+            <a:pPr marL="342900" indent="-342900">
+              <a:buFont typeface="+mj-lt"/>
+              <a:buAutoNum type="alphaUcPeriod"/>
+            </a:pPr>
+            <a:r>
+              <a:rPr lang="en-GB" dirty="0" err="1">
+                <a:solidFill>
+                  <a:schemeClr val="bg1"/>
+                </a:solidFill>
+              </a:rPr>
+              <a:t>AggregateException</a:t>
+            </a:r>
+            <a:br>
+              <a:rPr lang="en-GB" dirty="0">
+                <a:solidFill>
+                  <a:schemeClr val="bg1"/>
+                </a:solidFill>
+              </a:rPr>
+            </a:br>
+            <a:r>
+              <a:rPr lang="en-GB" dirty="0">
+                <a:solidFill>
+                  <a:schemeClr val="bg1"/>
+                </a:solidFill>
+              </a:rPr>
+              <a:t>One or more errors occurred. (This is a test exception)</a:t>
+            </a:r>
+            <a:br>
+              <a:rPr lang="en-GB" dirty="0">
+                <a:solidFill>
+                  <a:schemeClr val="bg1"/>
+                </a:solidFill>
+              </a:rPr>
+            </a:br>
+            <a:endParaRPr lang="en-GB" dirty="0">
+              <a:solidFill>
+                <a:schemeClr val="bg1"/>
+              </a:solidFill>
+            </a:endParaRPr>
+          </a:p>
+          <a:p>
+            <a:pPr marL="342900" indent="-342900">
+              <a:buFont typeface="+mj-lt"/>
+              <a:buAutoNum type="alphaUcPeriod"/>
+            </a:pPr>
+            <a:r>
+              <a:rPr lang="en-GB" dirty="0">
+                <a:solidFill>
+                  <a:schemeClr val="bg1"/>
+                </a:solidFill>
+              </a:rPr>
+              <a:t>Exception</a:t>
+            </a:r>
+          </a:p>
+          <a:p>
+            <a:r>
+              <a:rPr lang="en-GB" dirty="0">
+                <a:solidFill>
+                  <a:schemeClr val="bg1"/>
+                </a:solidFill>
+              </a:rPr>
+              <a:t>       This is a test exception</a:t>
+            </a:r>
+          </a:p>
+          <a:p>
+            <a:endParaRPr lang="en-GB" dirty="0">
+              <a:solidFill>
+                <a:schemeClr val="bg1"/>
+              </a:solidFill>
+            </a:endParaRPr>
+          </a:p>
+          <a:p>
+            <a:pPr marL="342900" indent="-342900">
+              <a:buAutoNum type="alphaUcPeriod" startAt="3"/>
+            </a:pPr>
+            <a:r>
+              <a:rPr lang="en-GB" dirty="0">
+                <a:solidFill>
+                  <a:schemeClr val="bg1"/>
+                </a:solidFill>
+              </a:rPr>
+              <a:t>An uncaught exception is thrown and can     be caught in the calling method</a:t>
+            </a:r>
+          </a:p>
+          <a:p>
+            <a:pPr marL="342900" indent="-342900">
+              <a:buAutoNum type="alphaUcPeriod" startAt="3"/>
+            </a:pPr>
+            <a:endParaRPr lang="en-GB" dirty="0">
+              <a:solidFill>
+                <a:schemeClr val="bg1"/>
+              </a:solidFill>
+            </a:endParaRPr>
+          </a:p>
+          <a:p>
+            <a:pPr marL="342900" indent="-342900">
+              <a:buAutoNum type="alphaUcPeriod" startAt="3"/>
+            </a:pPr>
+            <a:r>
+              <a:rPr lang="en-GB" dirty="0">
+                <a:solidFill>
+                  <a:schemeClr val="bg1"/>
+                </a:solidFill>
+              </a:rPr>
+              <a:t>None of the above.</a:t>
+            </a:r>
+          </a:p>
+        </p:txBody>
+      </p:sp>
+    </p:spTree>
+    <p:extLst>
+      <p:ext uri="{BB962C8B-B14F-4D97-AF65-F5344CB8AC3E}">
+        <p14:creationId xmlns:p14="http://schemas.microsoft.com/office/powerpoint/2010/main" val="2687364993"/>
+      </p:ext>
+    </p:extLst>
+  </p:cSld>
+  <p:clrMapOvr>
+    <a:masterClrMapping/>
+  </p:clrMapOvr>
+</p:sld>
+</file>
+
+<file path=ppt/slides/slide41.xml><?xml version="1.0" encoding="utf-8"?>
+<p:sld xmlns:a="http://schemas.openxmlformats.org/drawingml/2006/main" xmlns:r="http://schemas.openxmlformats.org/officeDocument/2006/relationships" xmlns:p="http://schemas.openxmlformats.org/presentationml/2006/main">
+  <p:cSld>
+    <p:bg>
+      <p:bgPr>
+        <a:solidFill>
+          <a:srgbClr val="1E1E1E"/>
+        </a:solidFill>
+        <a:effectLst/>
+      </p:bgPr>
+    </p:bg>
+    <p:spTree>
+      <p:nvGrpSpPr>
+        <p:cNvPr id="1" name=""/>
+        <p:cNvGrpSpPr/>
+        <p:nvPr/>
+      </p:nvGrpSpPr>
+      <p:grpSpPr>
+        <a:xfrm>
+          <a:off x="0" y="0"/>
+          <a:ext cx="0" cy="0"/>
+          <a:chOff x="0" y="0"/>
+          <a:chExt cx="0" cy="0"/>
+        </a:xfrm>
+      </p:grpSpPr>
+      <p:sp>
+        <p:nvSpPr>
+          <p:cNvPr id="6" name="TextBox 5">
+            <a:extLst>
+              <a:ext uri="{FF2B5EF4-FFF2-40B4-BE49-F238E27FC236}">
+                <a16:creationId xmlns:a16="http://schemas.microsoft.com/office/drawing/2014/main" id="{2CDFC944-8A12-42CA-B4D7-7CEF50C368ED}"/>
+              </a:ext>
+            </a:extLst>
+          </p:cNvPr>
+          <p:cNvSpPr txBox="1"/>
+          <p:nvPr/>
+        </p:nvSpPr>
+        <p:spPr>
+          <a:xfrm>
+            <a:off x="624957" y="242596"/>
+            <a:ext cx="11364880" cy="369332"/>
+          </a:xfrm>
+          <a:prstGeom prst="rect">
+            <a:avLst/>
+          </a:prstGeom>
+          <a:noFill/>
+        </p:spPr>
+        <p:txBody>
+          <a:bodyPr wrap="square" rtlCol="0">
+            <a:spAutoFit/>
+          </a:bodyPr>
+          <a:lstStyle/>
+          <a:p>
+            <a:r>
+              <a:rPr lang="en-GB" dirty="0">
+                <a:solidFill>
+                  <a:schemeClr val="bg1"/>
+                </a:solidFill>
+              </a:rPr>
+              <a:t>Question A </a:t>
+            </a:r>
+          </a:p>
+        </p:txBody>
+      </p:sp>
+      <p:pic>
+        <p:nvPicPr>
+          <p:cNvPr id="2" name="Picture 1">
+            <a:extLst>
+              <a:ext uri="{FF2B5EF4-FFF2-40B4-BE49-F238E27FC236}">
+                <a16:creationId xmlns:a16="http://schemas.microsoft.com/office/drawing/2014/main" id="{397E2F67-D1D2-4E88-93D5-7D621957D25C}"/>
+              </a:ext>
+            </a:extLst>
+          </p:cNvPr>
+          <p:cNvPicPr>
+            <a:picLocks noChangeAspect="1"/>
+          </p:cNvPicPr>
+          <p:nvPr/>
+        </p:nvPicPr>
+        <p:blipFill>
+          <a:blip r:embed="rId2"/>
+          <a:stretch>
+            <a:fillRect/>
+          </a:stretch>
+        </p:blipFill>
+        <p:spPr>
+          <a:xfrm>
+            <a:off x="187635" y="1138648"/>
+            <a:ext cx="7127565" cy="4552685"/>
+          </a:xfrm>
+          <a:prstGeom prst="rect">
+            <a:avLst/>
+          </a:prstGeom>
+        </p:spPr>
+      </p:pic>
+      <p:sp>
+        <p:nvSpPr>
+          <p:cNvPr id="11" name="TextBox 10">
+            <a:extLst>
+              <a:ext uri="{FF2B5EF4-FFF2-40B4-BE49-F238E27FC236}">
+                <a16:creationId xmlns:a16="http://schemas.microsoft.com/office/drawing/2014/main" id="{8CFFC453-63D5-4985-9376-BE7589A7509A}"/>
+              </a:ext>
+            </a:extLst>
+          </p:cNvPr>
+          <p:cNvSpPr txBox="1"/>
+          <p:nvPr/>
+        </p:nvSpPr>
+        <p:spPr>
+          <a:xfrm>
+            <a:off x="7594559" y="1134296"/>
+            <a:ext cx="4395277" cy="1477328"/>
+          </a:xfrm>
+          <a:prstGeom prst="rect">
+            <a:avLst/>
+          </a:prstGeom>
+          <a:noFill/>
+        </p:spPr>
+        <p:txBody>
+          <a:bodyPr wrap="square" rtlCol="0">
+            <a:spAutoFit/>
+          </a:bodyPr>
+          <a:lstStyle/>
+          <a:p>
+            <a:r>
+              <a:rPr lang="en-GB" dirty="0">
+                <a:solidFill>
+                  <a:schemeClr val="bg1"/>
+                </a:solidFill>
+              </a:rPr>
+              <a:t>The answer is</a:t>
+            </a:r>
+          </a:p>
+          <a:p>
+            <a:endParaRPr lang="en-GB" dirty="0">
+              <a:solidFill>
+                <a:schemeClr val="bg1"/>
+              </a:solidFill>
+            </a:endParaRPr>
+          </a:p>
+          <a:p>
+            <a:pPr marL="342900" indent="-342900">
+              <a:buFont typeface="+mj-lt"/>
+              <a:buAutoNum type="alphaUcPeriod"/>
+            </a:pPr>
+            <a:r>
+              <a:rPr lang="en-GB" dirty="0" err="1">
+                <a:solidFill>
+                  <a:schemeClr val="bg1"/>
+                </a:solidFill>
+              </a:rPr>
+              <a:t>AggregateException</a:t>
+            </a:r>
+            <a:br>
+              <a:rPr lang="en-GB" dirty="0">
+                <a:solidFill>
+                  <a:schemeClr val="bg1"/>
+                </a:solidFill>
+              </a:rPr>
+            </a:br>
+            <a:r>
+              <a:rPr lang="en-GB" dirty="0">
+                <a:solidFill>
+                  <a:schemeClr val="bg1"/>
+                </a:solidFill>
+              </a:rPr>
+              <a:t>One or more errors occurred. (This is a test exception)</a:t>
+            </a:r>
+          </a:p>
+        </p:txBody>
+      </p:sp>
+    </p:spTree>
+    <p:extLst>
+      <p:ext uri="{BB962C8B-B14F-4D97-AF65-F5344CB8AC3E}">
+        <p14:creationId xmlns:p14="http://schemas.microsoft.com/office/powerpoint/2010/main" val="2696141286"/>
+      </p:ext>
+    </p:extLst>
+  </p:cSld>
+  <p:clrMapOvr>
+    <a:masterClrMapping/>
+  </p:clrMapOvr>
+</p:sld>
+</file>
+
+<file path=ppt/slides/slide42.xml><?xml version="1.0" encoding="utf-8"?>
+<p:sld xmlns:a="http://schemas.openxmlformats.org/drawingml/2006/main" xmlns:r="http://schemas.openxmlformats.org/officeDocument/2006/relationships" xmlns:p="http://schemas.openxmlformats.org/presentationml/2006/main">
+  <p:cSld>
+    <p:bg>
+      <p:bgPr>
+        <a:solidFill>
+          <a:srgbClr val="1E1E1E"/>
+        </a:solidFill>
+        <a:effectLst/>
+      </p:bgPr>
+    </p:bg>
+    <p:spTree>
+      <p:nvGrpSpPr>
+        <p:cNvPr id="1" name=""/>
+        <p:cNvGrpSpPr/>
+        <p:nvPr/>
+      </p:nvGrpSpPr>
+      <p:grpSpPr>
+        <a:xfrm>
+          <a:off x="0" y="0"/>
+          <a:ext cx="0" cy="0"/>
+          <a:chOff x="0" y="0"/>
+          <a:chExt cx="0" cy="0"/>
+        </a:xfrm>
+      </p:grpSpPr>
+      <p:sp>
+        <p:nvSpPr>
+          <p:cNvPr id="6" name="TextBox 5">
+            <a:extLst>
+              <a:ext uri="{FF2B5EF4-FFF2-40B4-BE49-F238E27FC236}">
+                <a16:creationId xmlns:a16="http://schemas.microsoft.com/office/drawing/2014/main" id="{2CDFC944-8A12-42CA-B4D7-7CEF50C368ED}"/>
+              </a:ext>
+            </a:extLst>
+          </p:cNvPr>
+          <p:cNvSpPr txBox="1"/>
+          <p:nvPr/>
+        </p:nvSpPr>
+        <p:spPr>
+          <a:xfrm>
+            <a:off x="624957" y="242596"/>
+            <a:ext cx="11364880" cy="369332"/>
+          </a:xfrm>
+          <a:prstGeom prst="rect">
+            <a:avLst/>
+          </a:prstGeom>
+          <a:noFill/>
+        </p:spPr>
+        <p:txBody>
+          <a:bodyPr wrap="square" rtlCol="0">
+            <a:spAutoFit/>
+          </a:bodyPr>
+          <a:lstStyle/>
+          <a:p>
+            <a:r>
+              <a:rPr lang="en-GB" dirty="0">
+                <a:solidFill>
+                  <a:schemeClr val="bg1"/>
+                </a:solidFill>
+              </a:rPr>
+              <a:t>Question B </a:t>
+            </a:r>
+          </a:p>
+        </p:txBody>
+      </p:sp>
+      <p:sp>
+        <p:nvSpPr>
+          <p:cNvPr id="11" name="TextBox 10">
+            <a:extLst>
+              <a:ext uri="{FF2B5EF4-FFF2-40B4-BE49-F238E27FC236}">
+                <a16:creationId xmlns:a16="http://schemas.microsoft.com/office/drawing/2014/main" id="{8CFFC453-63D5-4985-9376-BE7589A7509A}"/>
+              </a:ext>
+            </a:extLst>
+          </p:cNvPr>
+          <p:cNvSpPr txBox="1"/>
+          <p:nvPr/>
+        </p:nvSpPr>
+        <p:spPr>
+          <a:xfrm>
+            <a:off x="7594559" y="1134296"/>
+            <a:ext cx="4395277" cy="3693319"/>
+          </a:xfrm>
+          <a:prstGeom prst="rect">
+            <a:avLst/>
+          </a:prstGeom>
+          <a:noFill/>
+        </p:spPr>
+        <p:txBody>
+          <a:bodyPr wrap="square" rtlCol="0">
+            <a:spAutoFit/>
+          </a:bodyPr>
+          <a:lstStyle/>
+          <a:p>
+            <a:r>
+              <a:rPr lang="en-GB" dirty="0">
+                <a:solidFill>
+                  <a:schemeClr val="bg1"/>
+                </a:solidFill>
+              </a:rPr>
+              <a:t>What will be the output of this method?</a:t>
+            </a:r>
+          </a:p>
+          <a:p>
+            <a:endParaRPr lang="en-GB" dirty="0">
+              <a:solidFill>
+                <a:schemeClr val="bg1"/>
+              </a:solidFill>
+            </a:endParaRPr>
+          </a:p>
+          <a:p>
+            <a:pPr marL="342900" indent="-342900">
+              <a:buFont typeface="+mj-lt"/>
+              <a:buAutoNum type="alphaUcPeriod"/>
+            </a:pPr>
+            <a:r>
+              <a:rPr lang="en-GB" dirty="0" err="1">
+                <a:solidFill>
+                  <a:schemeClr val="bg1"/>
+                </a:solidFill>
+              </a:rPr>
+              <a:t>AggregateException</a:t>
+            </a:r>
+            <a:br>
+              <a:rPr lang="en-GB" dirty="0">
+                <a:solidFill>
+                  <a:schemeClr val="bg1"/>
+                </a:solidFill>
+              </a:rPr>
+            </a:br>
+            <a:r>
+              <a:rPr lang="en-GB" dirty="0">
+                <a:solidFill>
+                  <a:schemeClr val="bg1"/>
+                </a:solidFill>
+              </a:rPr>
+              <a:t>One or more errors occurred. (This is a test exception)</a:t>
+            </a:r>
+            <a:br>
+              <a:rPr lang="en-GB" dirty="0">
+                <a:solidFill>
+                  <a:schemeClr val="bg1"/>
+                </a:solidFill>
+              </a:rPr>
+            </a:br>
+            <a:endParaRPr lang="en-GB" dirty="0">
+              <a:solidFill>
+                <a:schemeClr val="bg1"/>
+              </a:solidFill>
+            </a:endParaRPr>
+          </a:p>
+          <a:p>
+            <a:pPr marL="342900" indent="-342900">
+              <a:buFont typeface="+mj-lt"/>
+              <a:buAutoNum type="alphaUcPeriod"/>
+            </a:pPr>
+            <a:r>
+              <a:rPr lang="en-GB" dirty="0">
+                <a:solidFill>
+                  <a:schemeClr val="bg1"/>
+                </a:solidFill>
+              </a:rPr>
+              <a:t>Exception</a:t>
+            </a:r>
+          </a:p>
+          <a:p>
+            <a:r>
+              <a:rPr lang="en-GB" dirty="0">
+                <a:solidFill>
+                  <a:schemeClr val="bg1"/>
+                </a:solidFill>
+              </a:rPr>
+              <a:t>       This is a test exception</a:t>
+            </a:r>
+          </a:p>
+          <a:p>
+            <a:endParaRPr lang="en-GB" dirty="0">
+              <a:solidFill>
+                <a:schemeClr val="bg1"/>
+              </a:solidFill>
+            </a:endParaRPr>
+          </a:p>
+          <a:p>
+            <a:pPr marL="342900" indent="-342900">
+              <a:buAutoNum type="alphaUcPeriod" startAt="3"/>
+            </a:pPr>
+            <a:r>
+              <a:rPr lang="en-GB" dirty="0">
+                <a:solidFill>
+                  <a:schemeClr val="bg1"/>
+                </a:solidFill>
+              </a:rPr>
+              <a:t>An uncaught exception is thrown and can     be caught in the calling method</a:t>
+            </a:r>
+          </a:p>
+          <a:p>
+            <a:pPr marL="342900" indent="-342900">
+              <a:buAutoNum type="alphaUcPeriod" startAt="3"/>
+            </a:pPr>
+            <a:endParaRPr lang="en-GB" dirty="0">
+              <a:solidFill>
+                <a:schemeClr val="bg1"/>
+              </a:solidFill>
+            </a:endParaRPr>
+          </a:p>
+          <a:p>
+            <a:pPr marL="342900" indent="-342900">
+              <a:buAutoNum type="alphaUcPeriod" startAt="3"/>
+            </a:pPr>
+            <a:r>
+              <a:rPr lang="en-GB" dirty="0">
+                <a:solidFill>
+                  <a:schemeClr val="bg1"/>
+                </a:solidFill>
+              </a:rPr>
+              <a:t>None of the above.</a:t>
+            </a:r>
+          </a:p>
+        </p:txBody>
+      </p:sp>
+      <p:pic>
+        <p:nvPicPr>
+          <p:cNvPr id="3" name="Picture 2">
+            <a:extLst>
+              <a:ext uri="{FF2B5EF4-FFF2-40B4-BE49-F238E27FC236}">
+                <a16:creationId xmlns:a16="http://schemas.microsoft.com/office/drawing/2014/main" id="{432803C7-99F7-43EC-8962-4A640D9CB98B}"/>
+              </a:ext>
+            </a:extLst>
+          </p:cNvPr>
+          <p:cNvPicPr>
+            <a:picLocks noChangeAspect="1"/>
+          </p:cNvPicPr>
+          <p:nvPr/>
+        </p:nvPicPr>
+        <p:blipFill>
+          <a:blip r:embed="rId2"/>
+          <a:stretch>
+            <a:fillRect/>
+          </a:stretch>
+        </p:blipFill>
+        <p:spPr>
+          <a:xfrm>
+            <a:off x="318052" y="856001"/>
+            <a:ext cx="7276507" cy="5730720"/>
+          </a:xfrm>
+          <a:prstGeom prst="rect">
+            <a:avLst/>
+          </a:prstGeom>
+        </p:spPr>
+      </p:pic>
+    </p:spTree>
+    <p:extLst>
+      <p:ext uri="{BB962C8B-B14F-4D97-AF65-F5344CB8AC3E}">
+        <p14:creationId xmlns:p14="http://schemas.microsoft.com/office/powerpoint/2010/main" val="3499656894"/>
+      </p:ext>
+    </p:extLst>
+  </p:cSld>
+  <p:clrMapOvr>
+    <a:masterClrMapping/>
+  </p:clrMapOvr>
+</p:sld>
+</file>
+
+<file path=ppt/slides/slide43.xml><?xml version="1.0" encoding="utf-8"?>
+<p:sld xmlns:a="http://schemas.openxmlformats.org/drawingml/2006/main" xmlns:r="http://schemas.openxmlformats.org/officeDocument/2006/relationships" xmlns:p="http://schemas.openxmlformats.org/presentationml/2006/main">
+  <p:cSld>
+    <p:bg>
+      <p:bgPr>
+        <a:solidFill>
+          <a:srgbClr val="1E1E1E"/>
+        </a:solidFill>
+        <a:effectLst/>
+      </p:bgPr>
+    </p:bg>
+    <p:spTree>
+      <p:nvGrpSpPr>
+        <p:cNvPr id="1" name=""/>
+        <p:cNvGrpSpPr/>
+        <p:nvPr/>
+      </p:nvGrpSpPr>
+      <p:grpSpPr>
+        <a:xfrm>
+          <a:off x="0" y="0"/>
+          <a:ext cx="0" cy="0"/>
+          <a:chOff x="0" y="0"/>
+          <a:chExt cx="0" cy="0"/>
+        </a:xfrm>
+      </p:grpSpPr>
+      <p:sp>
+        <p:nvSpPr>
+          <p:cNvPr id="6" name="TextBox 5">
+            <a:extLst>
+              <a:ext uri="{FF2B5EF4-FFF2-40B4-BE49-F238E27FC236}">
+                <a16:creationId xmlns:a16="http://schemas.microsoft.com/office/drawing/2014/main" id="{2CDFC944-8A12-42CA-B4D7-7CEF50C368ED}"/>
+              </a:ext>
+            </a:extLst>
+          </p:cNvPr>
+          <p:cNvSpPr txBox="1"/>
+          <p:nvPr/>
+        </p:nvSpPr>
+        <p:spPr>
+          <a:xfrm>
+            <a:off x="624957" y="242596"/>
+            <a:ext cx="11364880" cy="369332"/>
+          </a:xfrm>
+          <a:prstGeom prst="rect">
+            <a:avLst/>
+          </a:prstGeom>
+          <a:noFill/>
+        </p:spPr>
+        <p:txBody>
+          <a:bodyPr wrap="square" rtlCol="0">
+            <a:spAutoFit/>
+          </a:bodyPr>
+          <a:lstStyle/>
+          <a:p>
+            <a:r>
+              <a:rPr lang="en-GB" dirty="0">
+                <a:solidFill>
+                  <a:schemeClr val="bg1"/>
+                </a:solidFill>
+              </a:rPr>
+              <a:t>Question B </a:t>
+            </a:r>
+          </a:p>
+        </p:txBody>
+      </p:sp>
+      <p:sp>
+        <p:nvSpPr>
+          <p:cNvPr id="11" name="TextBox 10">
+            <a:extLst>
+              <a:ext uri="{FF2B5EF4-FFF2-40B4-BE49-F238E27FC236}">
+                <a16:creationId xmlns:a16="http://schemas.microsoft.com/office/drawing/2014/main" id="{8CFFC453-63D5-4985-9376-BE7589A7509A}"/>
+              </a:ext>
+            </a:extLst>
+          </p:cNvPr>
+          <p:cNvSpPr txBox="1"/>
+          <p:nvPr/>
+        </p:nvSpPr>
+        <p:spPr>
+          <a:xfrm>
+            <a:off x="7594559" y="1134296"/>
+            <a:ext cx="4395277" cy="1477328"/>
+          </a:xfrm>
+          <a:prstGeom prst="rect">
+            <a:avLst/>
+          </a:prstGeom>
+          <a:noFill/>
+        </p:spPr>
+        <p:txBody>
+          <a:bodyPr wrap="square" rtlCol="0">
+            <a:spAutoFit/>
+          </a:bodyPr>
+          <a:lstStyle/>
+          <a:p>
+            <a:r>
+              <a:rPr lang="en-GB" dirty="0">
+                <a:solidFill>
+                  <a:schemeClr val="bg1"/>
+                </a:solidFill>
+              </a:rPr>
+              <a:t>The answer is</a:t>
+            </a:r>
+          </a:p>
+          <a:p>
+            <a:endParaRPr lang="en-GB" dirty="0">
+              <a:solidFill>
+                <a:schemeClr val="bg1"/>
+              </a:solidFill>
+            </a:endParaRPr>
+          </a:p>
+          <a:p>
+            <a:pPr marL="342900" indent="-342900">
+              <a:buFont typeface="+mj-lt"/>
+              <a:buAutoNum type="alphaUcPeriod"/>
+            </a:pPr>
+            <a:r>
+              <a:rPr lang="en-GB" dirty="0" err="1">
+                <a:solidFill>
+                  <a:schemeClr val="bg1"/>
+                </a:solidFill>
+              </a:rPr>
+              <a:t>AggregateException</a:t>
+            </a:r>
+            <a:br>
+              <a:rPr lang="en-GB" dirty="0">
+                <a:solidFill>
+                  <a:schemeClr val="bg1"/>
+                </a:solidFill>
+              </a:rPr>
+            </a:br>
+            <a:r>
+              <a:rPr lang="en-GB" dirty="0">
+                <a:solidFill>
+                  <a:schemeClr val="bg1"/>
+                </a:solidFill>
+              </a:rPr>
+              <a:t>One or more errors occurred. (This is a test exception)</a:t>
+            </a:r>
+          </a:p>
+        </p:txBody>
+      </p:sp>
+      <p:pic>
+        <p:nvPicPr>
+          <p:cNvPr id="3" name="Picture 2">
+            <a:extLst>
+              <a:ext uri="{FF2B5EF4-FFF2-40B4-BE49-F238E27FC236}">
+                <a16:creationId xmlns:a16="http://schemas.microsoft.com/office/drawing/2014/main" id="{432803C7-99F7-43EC-8962-4A640D9CB98B}"/>
+              </a:ext>
+            </a:extLst>
+          </p:cNvPr>
+          <p:cNvPicPr>
+            <a:picLocks noChangeAspect="1"/>
+          </p:cNvPicPr>
+          <p:nvPr/>
+        </p:nvPicPr>
+        <p:blipFill>
+          <a:blip r:embed="rId2"/>
+          <a:stretch>
+            <a:fillRect/>
+          </a:stretch>
+        </p:blipFill>
+        <p:spPr>
+          <a:xfrm>
+            <a:off x="318052" y="856001"/>
+            <a:ext cx="7276507" cy="5730720"/>
+          </a:xfrm>
+          <a:prstGeom prst="rect">
+            <a:avLst/>
+          </a:prstGeom>
+        </p:spPr>
+      </p:pic>
+    </p:spTree>
+    <p:extLst>
+      <p:ext uri="{BB962C8B-B14F-4D97-AF65-F5344CB8AC3E}">
+        <p14:creationId xmlns:p14="http://schemas.microsoft.com/office/powerpoint/2010/main" val="3404830297"/>
+      </p:ext>
+    </p:extLst>
+  </p:cSld>
+  <p:clrMapOvr>
+    <a:masterClrMapping/>
+  </p:clrMapOvr>
+</p:sld>
+</file>
+
+<file path=ppt/slides/slide44.xml><?xml version="1.0" encoding="utf-8"?>
+<p:sld xmlns:a="http://schemas.openxmlformats.org/drawingml/2006/main" xmlns:r="http://schemas.openxmlformats.org/officeDocument/2006/relationships" xmlns:p="http://schemas.openxmlformats.org/presentationml/2006/main">
+  <p:cSld>
+    <p:bg>
+      <p:bgPr>
+        <a:solidFill>
+          <a:srgbClr val="1E1E1E"/>
+        </a:solidFill>
+        <a:effectLst/>
+      </p:bgPr>
+    </p:bg>
+    <p:spTree>
+      <p:nvGrpSpPr>
+        <p:cNvPr id="1" name=""/>
+        <p:cNvGrpSpPr/>
+        <p:nvPr/>
+      </p:nvGrpSpPr>
+      <p:grpSpPr>
+        <a:xfrm>
+          <a:off x="0" y="0"/>
+          <a:ext cx="0" cy="0"/>
+          <a:chOff x="0" y="0"/>
+          <a:chExt cx="0" cy="0"/>
+        </a:xfrm>
+      </p:grpSpPr>
+      <p:sp>
+        <p:nvSpPr>
+          <p:cNvPr id="6" name="TextBox 5">
+            <a:extLst>
+              <a:ext uri="{FF2B5EF4-FFF2-40B4-BE49-F238E27FC236}">
+                <a16:creationId xmlns:a16="http://schemas.microsoft.com/office/drawing/2014/main" id="{2CDFC944-8A12-42CA-B4D7-7CEF50C368ED}"/>
+              </a:ext>
+            </a:extLst>
+          </p:cNvPr>
+          <p:cNvSpPr txBox="1"/>
+          <p:nvPr/>
+        </p:nvSpPr>
+        <p:spPr>
+          <a:xfrm>
+            <a:off x="624957" y="242596"/>
+            <a:ext cx="11364880" cy="369332"/>
+          </a:xfrm>
+          <a:prstGeom prst="rect">
+            <a:avLst/>
+          </a:prstGeom>
+          <a:noFill/>
+        </p:spPr>
+        <p:txBody>
+          <a:bodyPr wrap="square" rtlCol="0">
+            <a:spAutoFit/>
+          </a:bodyPr>
+          <a:lstStyle/>
+          <a:p>
+            <a:r>
+              <a:rPr lang="en-GB" dirty="0">
+                <a:solidFill>
+                  <a:schemeClr val="bg1"/>
+                </a:solidFill>
+              </a:rPr>
+              <a:t>Question C </a:t>
+            </a:r>
+          </a:p>
+        </p:txBody>
+      </p:sp>
+      <p:sp>
+        <p:nvSpPr>
+          <p:cNvPr id="11" name="TextBox 10">
+            <a:extLst>
+              <a:ext uri="{FF2B5EF4-FFF2-40B4-BE49-F238E27FC236}">
+                <a16:creationId xmlns:a16="http://schemas.microsoft.com/office/drawing/2014/main" id="{8CFFC453-63D5-4985-9376-BE7589A7509A}"/>
+              </a:ext>
+            </a:extLst>
+          </p:cNvPr>
+          <p:cNvSpPr txBox="1"/>
+          <p:nvPr/>
+        </p:nvSpPr>
+        <p:spPr>
+          <a:xfrm>
+            <a:off x="7594559" y="1134296"/>
+            <a:ext cx="4395277" cy="1200329"/>
+          </a:xfrm>
+          <a:prstGeom prst="rect">
+            <a:avLst/>
+          </a:prstGeom>
+          <a:noFill/>
+        </p:spPr>
+        <p:txBody>
+          <a:bodyPr wrap="square" rtlCol="0">
+            <a:spAutoFit/>
+          </a:bodyPr>
+          <a:lstStyle/>
+          <a:p>
+            <a:r>
+              <a:rPr lang="en-GB" dirty="0">
+                <a:solidFill>
+                  <a:schemeClr val="bg1"/>
+                </a:solidFill>
+              </a:rPr>
+              <a:t>The answer is </a:t>
+            </a:r>
+          </a:p>
+          <a:p>
+            <a:endParaRPr lang="en-GB" dirty="0">
+              <a:solidFill>
+                <a:schemeClr val="bg1"/>
+              </a:solidFill>
+            </a:endParaRPr>
+          </a:p>
+          <a:p>
+            <a:r>
+              <a:rPr lang="en-GB" dirty="0">
+                <a:solidFill>
+                  <a:schemeClr val="bg1"/>
+                </a:solidFill>
+              </a:rPr>
+              <a:t>B.    Exception</a:t>
+            </a:r>
+          </a:p>
+          <a:p>
+            <a:r>
+              <a:rPr lang="en-GB" dirty="0">
+                <a:solidFill>
+                  <a:schemeClr val="bg1"/>
+                </a:solidFill>
+              </a:rPr>
+              <a:t>       This is a test exception</a:t>
+            </a:r>
+          </a:p>
+        </p:txBody>
+      </p:sp>
+      <p:pic>
+        <p:nvPicPr>
+          <p:cNvPr id="2" name="Picture 1">
+            <a:extLst>
+              <a:ext uri="{FF2B5EF4-FFF2-40B4-BE49-F238E27FC236}">
+                <a16:creationId xmlns:a16="http://schemas.microsoft.com/office/drawing/2014/main" id="{0BD97387-E99A-4C89-B42D-BC08349EDEC6}"/>
+              </a:ext>
+            </a:extLst>
+          </p:cNvPr>
+          <p:cNvPicPr>
+            <a:picLocks noChangeAspect="1"/>
+          </p:cNvPicPr>
+          <p:nvPr/>
+        </p:nvPicPr>
+        <p:blipFill>
+          <a:blip r:embed="rId2"/>
+          <a:stretch>
+            <a:fillRect/>
+          </a:stretch>
+        </p:blipFill>
+        <p:spPr>
+          <a:xfrm>
+            <a:off x="182759" y="1134296"/>
+            <a:ext cx="7458242" cy="4137792"/>
+          </a:xfrm>
+          <a:prstGeom prst="rect">
+            <a:avLst/>
+          </a:prstGeom>
+        </p:spPr>
+      </p:pic>
+    </p:spTree>
+    <p:extLst>
+      <p:ext uri="{BB962C8B-B14F-4D97-AF65-F5344CB8AC3E}">
+        <p14:creationId xmlns:p14="http://schemas.microsoft.com/office/powerpoint/2010/main" val="1418100917"/>
+      </p:ext>
+    </p:extLst>
+  </p:cSld>
+  <p:clrMapOvr>
+    <a:masterClrMapping/>
+  </p:clrMapOvr>
+</p:sld>
+</file>
+
+<file path=ppt/slides/slide45.xml><?xml version="1.0" encoding="utf-8"?>
+<p:sld xmlns:a="http://schemas.openxmlformats.org/drawingml/2006/main" xmlns:r="http://schemas.openxmlformats.org/officeDocument/2006/relationships" xmlns:p="http://schemas.openxmlformats.org/presentationml/2006/main">
+  <p:cSld>
+    <p:bg>
+      <p:bgPr>
+        <a:solidFill>
+          <a:srgbClr val="1E1E1E"/>
+        </a:solidFill>
+        <a:effectLst/>
+      </p:bgPr>
+    </p:bg>
+    <p:spTree>
+      <p:nvGrpSpPr>
+        <p:cNvPr id="1" name=""/>
+        <p:cNvGrpSpPr/>
+        <p:nvPr/>
+      </p:nvGrpSpPr>
+      <p:grpSpPr>
+        <a:xfrm>
+          <a:off x="0" y="0"/>
+          <a:ext cx="0" cy="0"/>
+          <a:chOff x="0" y="0"/>
+          <a:chExt cx="0" cy="0"/>
+        </a:xfrm>
+      </p:grpSpPr>
+      <p:sp>
+        <p:nvSpPr>
+          <p:cNvPr id="6" name="TextBox 5">
+            <a:extLst>
+              <a:ext uri="{FF2B5EF4-FFF2-40B4-BE49-F238E27FC236}">
+                <a16:creationId xmlns:a16="http://schemas.microsoft.com/office/drawing/2014/main" id="{2CDFC944-8A12-42CA-B4D7-7CEF50C368ED}"/>
+              </a:ext>
+            </a:extLst>
+          </p:cNvPr>
+          <p:cNvSpPr txBox="1"/>
+          <p:nvPr/>
+        </p:nvSpPr>
+        <p:spPr>
+          <a:xfrm>
+            <a:off x="624957" y="242596"/>
+            <a:ext cx="11364880" cy="369332"/>
+          </a:xfrm>
+          <a:prstGeom prst="rect">
+            <a:avLst/>
+          </a:prstGeom>
+          <a:noFill/>
+        </p:spPr>
+        <p:txBody>
+          <a:bodyPr wrap="square" rtlCol="0">
+            <a:spAutoFit/>
+          </a:bodyPr>
+          <a:lstStyle/>
+          <a:p>
+            <a:r>
+              <a:rPr lang="en-GB" dirty="0">
+                <a:solidFill>
+                  <a:schemeClr val="bg1"/>
+                </a:solidFill>
+              </a:rPr>
+              <a:t>Question D </a:t>
+            </a:r>
+          </a:p>
+        </p:txBody>
+      </p:sp>
+      <p:pic>
+        <p:nvPicPr>
+          <p:cNvPr id="3" name="Picture 2">
+            <a:extLst>
+              <a:ext uri="{FF2B5EF4-FFF2-40B4-BE49-F238E27FC236}">
+                <a16:creationId xmlns:a16="http://schemas.microsoft.com/office/drawing/2014/main" id="{023A3C97-5944-49CC-9172-ACD496B4F256}"/>
+              </a:ext>
+            </a:extLst>
+          </p:cNvPr>
+          <p:cNvPicPr>
+            <a:picLocks noChangeAspect="1"/>
+          </p:cNvPicPr>
+          <p:nvPr/>
+        </p:nvPicPr>
+        <p:blipFill>
+          <a:blip r:embed="rId2"/>
+          <a:stretch>
+            <a:fillRect/>
+          </a:stretch>
+        </p:blipFill>
+        <p:spPr>
+          <a:xfrm>
+            <a:off x="148167" y="1134296"/>
+            <a:ext cx="7567083" cy="4637890"/>
+          </a:xfrm>
+          <a:prstGeom prst="rect">
+            <a:avLst/>
+          </a:prstGeom>
+        </p:spPr>
+      </p:pic>
+      <p:sp>
+        <p:nvSpPr>
+          <p:cNvPr id="11" name="TextBox 10">
+            <a:extLst>
+              <a:ext uri="{FF2B5EF4-FFF2-40B4-BE49-F238E27FC236}">
+                <a16:creationId xmlns:a16="http://schemas.microsoft.com/office/drawing/2014/main" id="{8CFFC453-63D5-4985-9376-BE7589A7509A}"/>
+              </a:ext>
+            </a:extLst>
+          </p:cNvPr>
+          <p:cNvSpPr txBox="1"/>
+          <p:nvPr/>
+        </p:nvSpPr>
+        <p:spPr>
+          <a:xfrm>
+            <a:off x="7594559" y="1134296"/>
+            <a:ext cx="4395277" cy="3693319"/>
+          </a:xfrm>
+          <a:prstGeom prst="rect">
+            <a:avLst/>
+          </a:prstGeom>
+          <a:noFill/>
+        </p:spPr>
+        <p:txBody>
+          <a:bodyPr wrap="square" rtlCol="0">
+            <a:spAutoFit/>
+          </a:bodyPr>
+          <a:lstStyle/>
+          <a:p>
+            <a:r>
+              <a:rPr lang="en-GB" dirty="0">
+                <a:solidFill>
+                  <a:schemeClr val="bg1"/>
+                </a:solidFill>
+              </a:rPr>
+              <a:t>What will be the output of this method?</a:t>
+            </a:r>
+          </a:p>
+          <a:p>
+            <a:endParaRPr lang="en-GB" dirty="0">
+              <a:solidFill>
+                <a:schemeClr val="bg1"/>
+              </a:solidFill>
+            </a:endParaRPr>
+          </a:p>
+          <a:p>
+            <a:pPr marL="342900" indent="-342900">
+              <a:buFont typeface="+mj-lt"/>
+              <a:buAutoNum type="alphaUcPeriod"/>
+            </a:pPr>
+            <a:r>
+              <a:rPr lang="en-GB" dirty="0" err="1">
+                <a:solidFill>
+                  <a:schemeClr val="bg1"/>
+                </a:solidFill>
+              </a:rPr>
+              <a:t>AggregateException</a:t>
+            </a:r>
+            <a:br>
+              <a:rPr lang="en-GB" dirty="0">
+                <a:solidFill>
+                  <a:schemeClr val="bg1"/>
+                </a:solidFill>
+              </a:rPr>
+            </a:br>
+            <a:r>
+              <a:rPr lang="en-GB" dirty="0">
+                <a:solidFill>
+                  <a:schemeClr val="bg1"/>
+                </a:solidFill>
+              </a:rPr>
+              <a:t>One or more errors occurred. (This is a test exception)</a:t>
+            </a:r>
+            <a:br>
+              <a:rPr lang="en-GB" dirty="0">
+                <a:solidFill>
+                  <a:schemeClr val="bg1"/>
+                </a:solidFill>
+              </a:rPr>
+            </a:br>
+            <a:endParaRPr lang="en-GB" dirty="0">
+              <a:solidFill>
+                <a:schemeClr val="bg1"/>
+              </a:solidFill>
+            </a:endParaRPr>
+          </a:p>
+          <a:p>
+            <a:pPr marL="342900" indent="-342900">
+              <a:buFont typeface="+mj-lt"/>
+              <a:buAutoNum type="alphaUcPeriod"/>
+            </a:pPr>
+            <a:r>
+              <a:rPr lang="en-GB" dirty="0">
+                <a:solidFill>
+                  <a:schemeClr val="bg1"/>
+                </a:solidFill>
+              </a:rPr>
+              <a:t>Exception</a:t>
+            </a:r>
+          </a:p>
+          <a:p>
+            <a:r>
+              <a:rPr lang="en-GB" dirty="0">
+                <a:solidFill>
+                  <a:schemeClr val="bg1"/>
+                </a:solidFill>
+              </a:rPr>
+              <a:t>       This is a test exception</a:t>
+            </a:r>
+          </a:p>
+          <a:p>
+            <a:endParaRPr lang="en-GB" dirty="0">
+              <a:solidFill>
+                <a:schemeClr val="bg1"/>
+              </a:solidFill>
+            </a:endParaRPr>
+          </a:p>
+          <a:p>
+            <a:pPr marL="342900" indent="-342900">
+              <a:buAutoNum type="alphaUcPeriod" startAt="3"/>
+            </a:pPr>
+            <a:r>
+              <a:rPr lang="en-GB" dirty="0">
+                <a:solidFill>
+                  <a:schemeClr val="bg1"/>
+                </a:solidFill>
+              </a:rPr>
+              <a:t>An uncaught exception is thrown and can     be caught in the calling method</a:t>
+            </a:r>
+          </a:p>
+          <a:p>
+            <a:pPr marL="342900" indent="-342900">
+              <a:buAutoNum type="alphaUcPeriod" startAt="3"/>
+            </a:pPr>
+            <a:endParaRPr lang="en-GB" dirty="0">
+              <a:solidFill>
+                <a:schemeClr val="bg1"/>
+              </a:solidFill>
+            </a:endParaRPr>
+          </a:p>
+          <a:p>
+            <a:pPr marL="342900" indent="-342900">
+              <a:buAutoNum type="alphaUcPeriod" startAt="3"/>
+            </a:pPr>
+            <a:r>
+              <a:rPr lang="en-GB" dirty="0">
+                <a:solidFill>
+                  <a:schemeClr val="bg1"/>
+                </a:solidFill>
+              </a:rPr>
+              <a:t>None of the above.</a:t>
+            </a:r>
+          </a:p>
+        </p:txBody>
+      </p:sp>
+    </p:spTree>
+    <p:extLst>
+      <p:ext uri="{BB962C8B-B14F-4D97-AF65-F5344CB8AC3E}">
+        <p14:creationId xmlns:p14="http://schemas.microsoft.com/office/powerpoint/2010/main" val="3125393616"/>
+      </p:ext>
+    </p:extLst>
+  </p:cSld>
+  <p:clrMapOvr>
+    <a:masterClrMapping/>
+  </p:clrMapOvr>
+</p:sld>
+</file>
+
+<file path=ppt/slides/slide46.xml><?xml version="1.0" encoding="utf-8"?>
+<p:sld xmlns:a="http://schemas.openxmlformats.org/drawingml/2006/main" xmlns:r="http://schemas.openxmlformats.org/officeDocument/2006/relationships" xmlns:p="http://schemas.openxmlformats.org/presentationml/2006/main">
+  <p:cSld>
+    <p:bg>
+      <p:bgPr>
+        <a:solidFill>
+          <a:srgbClr val="1E1E1E"/>
+        </a:solidFill>
+        <a:effectLst/>
+      </p:bgPr>
+    </p:bg>
+    <p:spTree>
+      <p:nvGrpSpPr>
+        <p:cNvPr id="1" name=""/>
+        <p:cNvGrpSpPr/>
+        <p:nvPr/>
+      </p:nvGrpSpPr>
+      <p:grpSpPr>
+        <a:xfrm>
+          <a:off x="0" y="0"/>
+          <a:ext cx="0" cy="0"/>
+          <a:chOff x="0" y="0"/>
+          <a:chExt cx="0" cy="0"/>
+        </a:xfrm>
+      </p:grpSpPr>
+      <p:sp>
+        <p:nvSpPr>
+          <p:cNvPr id="6" name="TextBox 5">
+            <a:extLst>
+              <a:ext uri="{FF2B5EF4-FFF2-40B4-BE49-F238E27FC236}">
+                <a16:creationId xmlns:a16="http://schemas.microsoft.com/office/drawing/2014/main" id="{2CDFC944-8A12-42CA-B4D7-7CEF50C368ED}"/>
+              </a:ext>
+            </a:extLst>
+          </p:cNvPr>
+          <p:cNvSpPr txBox="1"/>
+          <p:nvPr/>
+        </p:nvSpPr>
+        <p:spPr>
+          <a:xfrm>
+            <a:off x="624957" y="242596"/>
+            <a:ext cx="11364880" cy="369332"/>
+          </a:xfrm>
+          <a:prstGeom prst="rect">
+            <a:avLst/>
+          </a:prstGeom>
+          <a:noFill/>
+        </p:spPr>
+        <p:txBody>
+          <a:bodyPr wrap="square" rtlCol="0">
+            <a:spAutoFit/>
+          </a:bodyPr>
+          <a:lstStyle/>
+          <a:p>
+            <a:r>
+              <a:rPr lang="en-GB" dirty="0">
+                <a:solidFill>
+                  <a:schemeClr val="bg1"/>
+                </a:solidFill>
+              </a:rPr>
+              <a:t>Question D </a:t>
+            </a:r>
+          </a:p>
+        </p:txBody>
+      </p:sp>
+      <p:pic>
+        <p:nvPicPr>
+          <p:cNvPr id="3" name="Picture 2">
+            <a:extLst>
+              <a:ext uri="{FF2B5EF4-FFF2-40B4-BE49-F238E27FC236}">
+                <a16:creationId xmlns:a16="http://schemas.microsoft.com/office/drawing/2014/main" id="{023A3C97-5944-49CC-9172-ACD496B4F256}"/>
+              </a:ext>
+            </a:extLst>
+          </p:cNvPr>
+          <p:cNvPicPr>
+            <a:picLocks noChangeAspect="1"/>
+          </p:cNvPicPr>
+          <p:nvPr/>
+        </p:nvPicPr>
+        <p:blipFill>
+          <a:blip r:embed="rId2"/>
+          <a:stretch>
+            <a:fillRect/>
+          </a:stretch>
+        </p:blipFill>
+        <p:spPr>
+          <a:xfrm>
+            <a:off x="148167" y="1134296"/>
+            <a:ext cx="7681383" cy="4707945"/>
+          </a:xfrm>
+          <a:prstGeom prst="rect">
+            <a:avLst/>
+          </a:prstGeom>
+        </p:spPr>
+      </p:pic>
+      <p:sp>
+        <p:nvSpPr>
+          <p:cNvPr id="11" name="TextBox 10">
+            <a:extLst>
+              <a:ext uri="{FF2B5EF4-FFF2-40B4-BE49-F238E27FC236}">
+                <a16:creationId xmlns:a16="http://schemas.microsoft.com/office/drawing/2014/main" id="{8CFFC453-63D5-4985-9376-BE7589A7509A}"/>
+              </a:ext>
+            </a:extLst>
+          </p:cNvPr>
+          <p:cNvSpPr txBox="1"/>
+          <p:nvPr/>
+        </p:nvSpPr>
+        <p:spPr>
+          <a:xfrm>
+            <a:off x="7594559" y="1134296"/>
+            <a:ext cx="4395277" cy="1200329"/>
+          </a:xfrm>
+          <a:prstGeom prst="rect">
+            <a:avLst/>
+          </a:prstGeom>
+          <a:noFill/>
+        </p:spPr>
+        <p:txBody>
+          <a:bodyPr wrap="square" rtlCol="0">
+            <a:spAutoFit/>
+          </a:bodyPr>
+          <a:lstStyle/>
+          <a:p>
+            <a:r>
+              <a:rPr lang="en-GB" dirty="0">
+                <a:solidFill>
+                  <a:schemeClr val="bg1"/>
+                </a:solidFill>
+              </a:rPr>
+              <a:t>The answer is</a:t>
+            </a:r>
+          </a:p>
+          <a:p>
+            <a:endParaRPr lang="en-GB" dirty="0">
+              <a:solidFill>
+                <a:schemeClr val="bg1"/>
+              </a:solidFill>
+            </a:endParaRPr>
+          </a:p>
+          <a:p>
+            <a:r>
+              <a:rPr lang="en-GB" dirty="0">
+                <a:solidFill>
+                  <a:schemeClr val="bg1"/>
+                </a:solidFill>
+              </a:rPr>
+              <a:t>B.    Exception</a:t>
+            </a:r>
+          </a:p>
+          <a:p>
+            <a:r>
+              <a:rPr lang="en-GB" dirty="0">
+                <a:solidFill>
+                  <a:schemeClr val="bg1"/>
+                </a:solidFill>
+              </a:rPr>
+              <a:t>       This is a test exception</a:t>
+            </a:r>
+          </a:p>
+        </p:txBody>
+      </p:sp>
+    </p:spTree>
+    <p:extLst>
+      <p:ext uri="{BB962C8B-B14F-4D97-AF65-F5344CB8AC3E}">
+        <p14:creationId xmlns:p14="http://schemas.microsoft.com/office/powerpoint/2010/main" val="2434182149"/>
+      </p:ext>
+    </p:extLst>
+  </p:cSld>
+  <p:clrMapOvr>
+    <a:masterClrMapping/>
+  </p:clrMapOvr>
+</p:sld>
+</file>
+
+<file path=ppt/slides/slide47.xml><?xml version="1.0" encoding="utf-8"?>
+<p:sld xmlns:a="http://schemas.openxmlformats.org/drawingml/2006/main" xmlns:r="http://schemas.openxmlformats.org/officeDocument/2006/relationships" xmlns:p="http://schemas.openxmlformats.org/presentationml/2006/main">
+  <p:cSld>
+    <p:bg>
+      <p:bgPr>
+        <a:solidFill>
+          <a:srgbClr val="1E1E1E"/>
+        </a:solidFill>
+        <a:effectLst/>
+      </p:bgPr>
+    </p:bg>
+    <p:spTree>
+      <p:nvGrpSpPr>
+        <p:cNvPr id="1" name=""/>
+        <p:cNvGrpSpPr/>
+        <p:nvPr/>
+      </p:nvGrpSpPr>
+      <p:grpSpPr>
+        <a:xfrm>
+          <a:off x="0" y="0"/>
+          <a:ext cx="0" cy="0"/>
+          <a:chOff x="0" y="0"/>
+          <a:chExt cx="0" cy="0"/>
+        </a:xfrm>
+      </p:grpSpPr>
+      <p:sp>
+        <p:nvSpPr>
+          <p:cNvPr id="6" name="TextBox 5">
+            <a:extLst>
+              <a:ext uri="{FF2B5EF4-FFF2-40B4-BE49-F238E27FC236}">
+                <a16:creationId xmlns:a16="http://schemas.microsoft.com/office/drawing/2014/main" id="{2CDFC944-8A12-42CA-B4D7-7CEF50C368ED}"/>
+              </a:ext>
+            </a:extLst>
+          </p:cNvPr>
+          <p:cNvSpPr txBox="1"/>
+          <p:nvPr/>
+        </p:nvSpPr>
+        <p:spPr>
+          <a:xfrm>
+            <a:off x="624957" y="242596"/>
+            <a:ext cx="11364880" cy="369332"/>
+          </a:xfrm>
+          <a:prstGeom prst="rect">
+            <a:avLst/>
+          </a:prstGeom>
+          <a:noFill/>
+        </p:spPr>
+        <p:txBody>
+          <a:bodyPr wrap="square" rtlCol="0">
+            <a:spAutoFit/>
+          </a:bodyPr>
+          <a:lstStyle/>
+          <a:p>
+            <a:r>
+              <a:rPr lang="en-GB" dirty="0">
+                <a:solidFill>
+                  <a:schemeClr val="bg1"/>
+                </a:solidFill>
+              </a:rPr>
+              <a:t>Question E </a:t>
+            </a:r>
+          </a:p>
+        </p:txBody>
+      </p:sp>
+      <p:pic>
+        <p:nvPicPr>
+          <p:cNvPr id="2" name="Picture 1">
+            <a:extLst>
+              <a:ext uri="{FF2B5EF4-FFF2-40B4-BE49-F238E27FC236}">
+                <a16:creationId xmlns:a16="http://schemas.microsoft.com/office/drawing/2014/main" id="{90A699AA-731A-4038-9820-EAAACC5CEBE5}"/>
+              </a:ext>
+            </a:extLst>
+          </p:cNvPr>
+          <p:cNvPicPr>
+            <a:picLocks noChangeAspect="1"/>
+          </p:cNvPicPr>
+          <p:nvPr/>
+        </p:nvPicPr>
+        <p:blipFill>
+          <a:blip r:embed="rId2"/>
+          <a:stretch>
+            <a:fillRect/>
+          </a:stretch>
+        </p:blipFill>
+        <p:spPr>
+          <a:xfrm>
+            <a:off x="319584" y="1134296"/>
+            <a:ext cx="7990594" cy="4950471"/>
+          </a:xfrm>
+          <a:prstGeom prst="rect">
+            <a:avLst/>
+          </a:prstGeom>
+        </p:spPr>
+      </p:pic>
+      <p:sp>
+        <p:nvSpPr>
+          <p:cNvPr id="11" name="TextBox 10">
+            <a:extLst>
+              <a:ext uri="{FF2B5EF4-FFF2-40B4-BE49-F238E27FC236}">
+                <a16:creationId xmlns:a16="http://schemas.microsoft.com/office/drawing/2014/main" id="{8CFFC453-63D5-4985-9376-BE7589A7509A}"/>
+              </a:ext>
+            </a:extLst>
+          </p:cNvPr>
+          <p:cNvSpPr txBox="1"/>
+          <p:nvPr/>
+        </p:nvSpPr>
+        <p:spPr>
+          <a:xfrm>
+            <a:off x="7594560" y="427262"/>
+            <a:ext cx="4395277" cy="3693319"/>
+          </a:xfrm>
+          <a:prstGeom prst="rect">
+            <a:avLst/>
+          </a:prstGeom>
+          <a:noFill/>
+        </p:spPr>
+        <p:txBody>
+          <a:bodyPr wrap="square" rtlCol="0">
+            <a:spAutoFit/>
+          </a:bodyPr>
+          <a:lstStyle/>
+          <a:p>
+            <a:r>
+              <a:rPr lang="en-GB" dirty="0">
+                <a:solidFill>
+                  <a:schemeClr val="bg1"/>
+                </a:solidFill>
+              </a:rPr>
+              <a:t>What will be the output of this method?</a:t>
+            </a:r>
+          </a:p>
+          <a:p>
+            <a:endParaRPr lang="en-GB" dirty="0">
+              <a:solidFill>
+                <a:schemeClr val="bg1"/>
+              </a:solidFill>
+            </a:endParaRPr>
+          </a:p>
+          <a:p>
+            <a:pPr marL="342900" indent="-342900">
+              <a:buFont typeface="+mj-lt"/>
+              <a:buAutoNum type="alphaUcPeriod"/>
+            </a:pPr>
+            <a:r>
+              <a:rPr lang="en-GB" dirty="0" err="1">
+                <a:solidFill>
+                  <a:schemeClr val="bg1"/>
+                </a:solidFill>
+              </a:rPr>
+              <a:t>AggregateException</a:t>
+            </a:r>
+            <a:br>
+              <a:rPr lang="en-GB" dirty="0">
+                <a:solidFill>
+                  <a:schemeClr val="bg1"/>
+                </a:solidFill>
+              </a:rPr>
+            </a:br>
+            <a:r>
+              <a:rPr lang="en-GB" dirty="0">
+                <a:solidFill>
+                  <a:schemeClr val="bg1"/>
+                </a:solidFill>
+              </a:rPr>
+              <a:t>One or more errors occurred. (This is a test exception)</a:t>
+            </a:r>
+            <a:br>
+              <a:rPr lang="en-GB" dirty="0">
+                <a:solidFill>
+                  <a:schemeClr val="bg1"/>
+                </a:solidFill>
+              </a:rPr>
+            </a:br>
+            <a:endParaRPr lang="en-GB" dirty="0">
+              <a:solidFill>
+                <a:schemeClr val="bg1"/>
+              </a:solidFill>
+            </a:endParaRPr>
+          </a:p>
+          <a:p>
+            <a:pPr marL="342900" indent="-342900">
+              <a:buFont typeface="+mj-lt"/>
+              <a:buAutoNum type="alphaUcPeriod"/>
+            </a:pPr>
+            <a:r>
+              <a:rPr lang="en-GB" dirty="0">
+                <a:solidFill>
+                  <a:schemeClr val="bg1"/>
+                </a:solidFill>
+              </a:rPr>
+              <a:t>Exception</a:t>
+            </a:r>
+          </a:p>
+          <a:p>
+            <a:r>
+              <a:rPr lang="en-GB" dirty="0">
+                <a:solidFill>
+                  <a:schemeClr val="bg1"/>
+                </a:solidFill>
+              </a:rPr>
+              <a:t>       This is a test exception</a:t>
+            </a:r>
+          </a:p>
+          <a:p>
+            <a:endParaRPr lang="en-GB" dirty="0">
+              <a:solidFill>
+                <a:schemeClr val="bg1"/>
+              </a:solidFill>
+            </a:endParaRPr>
+          </a:p>
+          <a:p>
+            <a:pPr marL="342900" indent="-342900">
+              <a:buAutoNum type="alphaUcPeriod" startAt="3"/>
+            </a:pPr>
+            <a:r>
+              <a:rPr lang="en-GB" dirty="0">
+                <a:solidFill>
+                  <a:schemeClr val="bg1"/>
+                </a:solidFill>
+              </a:rPr>
+              <a:t>An uncaught exception is thrown and can     be caught in the calling method</a:t>
+            </a:r>
+          </a:p>
+          <a:p>
+            <a:pPr marL="342900" indent="-342900">
+              <a:buAutoNum type="alphaUcPeriod" startAt="3"/>
+            </a:pPr>
+            <a:endParaRPr lang="en-GB" dirty="0">
+              <a:solidFill>
+                <a:schemeClr val="bg1"/>
+              </a:solidFill>
+            </a:endParaRPr>
+          </a:p>
+          <a:p>
+            <a:pPr marL="342900" indent="-342900">
+              <a:buAutoNum type="alphaUcPeriod" startAt="3"/>
+            </a:pPr>
+            <a:r>
+              <a:rPr lang="en-GB" dirty="0">
+                <a:solidFill>
+                  <a:schemeClr val="bg1"/>
+                </a:solidFill>
+              </a:rPr>
+              <a:t>None of the above.</a:t>
+            </a:r>
+          </a:p>
+        </p:txBody>
+      </p:sp>
+    </p:spTree>
+    <p:extLst>
+      <p:ext uri="{BB962C8B-B14F-4D97-AF65-F5344CB8AC3E}">
+        <p14:creationId xmlns:p14="http://schemas.microsoft.com/office/powerpoint/2010/main" val="1187676409"/>
+      </p:ext>
+    </p:extLst>
+  </p:cSld>
+  <p:clrMapOvr>
+    <a:masterClrMapping/>
+  </p:clrMapOvr>
+</p:sld>
+</file>
+
+<file path=ppt/slides/slide48.xml><?xml version="1.0" encoding="utf-8"?>
+<p:sld xmlns:a="http://schemas.openxmlformats.org/drawingml/2006/main" xmlns:r="http://schemas.openxmlformats.org/officeDocument/2006/relationships" xmlns:p="http://schemas.openxmlformats.org/presentationml/2006/main">
+  <p:cSld>
+    <p:bg>
+      <p:bgPr>
+        <a:solidFill>
+          <a:srgbClr val="1E1E1E"/>
+        </a:solidFill>
+        <a:effectLst/>
+      </p:bgPr>
+    </p:bg>
+    <p:spTree>
+      <p:nvGrpSpPr>
+        <p:cNvPr id="1" name=""/>
+        <p:cNvGrpSpPr/>
+        <p:nvPr/>
+      </p:nvGrpSpPr>
+      <p:grpSpPr>
+        <a:xfrm>
+          <a:off x="0" y="0"/>
+          <a:ext cx="0" cy="0"/>
+          <a:chOff x="0" y="0"/>
+          <a:chExt cx="0" cy="0"/>
+        </a:xfrm>
+      </p:grpSpPr>
+      <p:sp>
+        <p:nvSpPr>
+          <p:cNvPr id="6" name="TextBox 5">
+            <a:extLst>
+              <a:ext uri="{FF2B5EF4-FFF2-40B4-BE49-F238E27FC236}">
+                <a16:creationId xmlns:a16="http://schemas.microsoft.com/office/drawing/2014/main" id="{2CDFC944-8A12-42CA-B4D7-7CEF50C368ED}"/>
+              </a:ext>
+            </a:extLst>
+          </p:cNvPr>
+          <p:cNvSpPr txBox="1"/>
+          <p:nvPr/>
+        </p:nvSpPr>
+        <p:spPr>
+          <a:xfrm>
+            <a:off x="624957" y="242596"/>
+            <a:ext cx="11364880" cy="369332"/>
+          </a:xfrm>
+          <a:prstGeom prst="rect">
+            <a:avLst/>
+          </a:prstGeom>
+          <a:noFill/>
+        </p:spPr>
+        <p:txBody>
+          <a:bodyPr wrap="square" rtlCol="0">
+            <a:spAutoFit/>
+          </a:bodyPr>
+          <a:lstStyle/>
+          <a:p>
+            <a:r>
+              <a:rPr lang="en-GB" dirty="0">
+                <a:solidFill>
+                  <a:schemeClr val="bg1"/>
+                </a:solidFill>
+              </a:rPr>
+              <a:t>Question E </a:t>
+            </a:r>
+          </a:p>
+        </p:txBody>
+      </p:sp>
+      <p:pic>
+        <p:nvPicPr>
+          <p:cNvPr id="2" name="Picture 1">
+            <a:extLst>
+              <a:ext uri="{FF2B5EF4-FFF2-40B4-BE49-F238E27FC236}">
+                <a16:creationId xmlns:a16="http://schemas.microsoft.com/office/drawing/2014/main" id="{90A699AA-731A-4038-9820-EAAACC5CEBE5}"/>
+              </a:ext>
+            </a:extLst>
+          </p:cNvPr>
+          <p:cNvPicPr>
+            <a:picLocks noChangeAspect="1"/>
+          </p:cNvPicPr>
+          <p:nvPr/>
+        </p:nvPicPr>
+        <p:blipFill>
+          <a:blip r:embed="rId2"/>
+          <a:stretch>
+            <a:fillRect/>
+          </a:stretch>
+        </p:blipFill>
+        <p:spPr>
+          <a:xfrm>
+            <a:off x="319584" y="1134296"/>
+            <a:ext cx="7990594" cy="4950471"/>
+          </a:xfrm>
+          <a:prstGeom prst="rect">
+            <a:avLst/>
+          </a:prstGeom>
+        </p:spPr>
+      </p:pic>
+      <p:sp>
+        <p:nvSpPr>
+          <p:cNvPr id="11" name="TextBox 10">
+            <a:extLst>
+              <a:ext uri="{FF2B5EF4-FFF2-40B4-BE49-F238E27FC236}">
+                <a16:creationId xmlns:a16="http://schemas.microsoft.com/office/drawing/2014/main" id="{8CFFC453-63D5-4985-9376-BE7589A7509A}"/>
+              </a:ext>
+            </a:extLst>
+          </p:cNvPr>
+          <p:cNvSpPr txBox="1"/>
+          <p:nvPr/>
+        </p:nvSpPr>
+        <p:spPr>
+          <a:xfrm>
+            <a:off x="7594560" y="427262"/>
+            <a:ext cx="4395277" cy="1200329"/>
+          </a:xfrm>
+          <a:prstGeom prst="rect">
+            <a:avLst/>
+          </a:prstGeom>
+          <a:noFill/>
+        </p:spPr>
+        <p:txBody>
+          <a:bodyPr wrap="square" rtlCol="0">
+            <a:spAutoFit/>
+          </a:bodyPr>
+          <a:lstStyle/>
+          <a:p>
+            <a:r>
+              <a:rPr lang="en-GB" dirty="0">
+                <a:solidFill>
+                  <a:schemeClr val="bg1"/>
+                </a:solidFill>
+              </a:rPr>
+              <a:t>The answer is</a:t>
+            </a:r>
+          </a:p>
+          <a:p>
+            <a:endParaRPr lang="en-GB" dirty="0">
+              <a:solidFill>
+                <a:schemeClr val="bg1"/>
+              </a:solidFill>
+            </a:endParaRPr>
+          </a:p>
+          <a:p>
+            <a:r>
+              <a:rPr lang="en-GB" dirty="0">
+                <a:solidFill>
+                  <a:schemeClr val="bg1"/>
+                </a:solidFill>
+              </a:rPr>
+              <a:t>B.    Exception</a:t>
+            </a:r>
+          </a:p>
+          <a:p>
+            <a:r>
+              <a:rPr lang="en-GB" dirty="0">
+                <a:solidFill>
+                  <a:schemeClr val="bg1"/>
+                </a:solidFill>
+              </a:rPr>
+              <a:t>       This is a test exception</a:t>
+            </a:r>
+          </a:p>
+        </p:txBody>
+      </p:sp>
+    </p:spTree>
+    <p:extLst>
+      <p:ext uri="{BB962C8B-B14F-4D97-AF65-F5344CB8AC3E}">
+        <p14:creationId xmlns:p14="http://schemas.microsoft.com/office/powerpoint/2010/main" val="279637444"/>
+      </p:ext>
+    </p:extLst>
+  </p:cSld>
+  <p:clrMapOvr>
+    <a:masterClrMapping/>
+  </p:clrMapOvr>
+</p:sld>
+</file>
+
+<file path=ppt/slides/slide49.xml><?xml version="1.0" encoding="utf-8"?>
+<p:sld xmlns:a="http://schemas.openxmlformats.org/drawingml/2006/main" xmlns:r="http://schemas.openxmlformats.org/officeDocument/2006/relationships" xmlns:p="http://schemas.openxmlformats.org/presentationml/2006/main">
+  <p:cSld>
+    <p:bg>
+      <p:bgPr>
+        <a:solidFill>
+          <a:srgbClr val="1E1E1E"/>
+        </a:solidFill>
+        <a:effectLst/>
+      </p:bgPr>
+    </p:bg>
+    <p:spTree>
+      <p:nvGrpSpPr>
+        <p:cNvPr id="1" name=""/>
+        <p:cNvGrpSpPr/>
+        <p:nvPr/>
+      </p:nvGrpSpPr>
+      <p:grpSpPr>
+        <a:xfrm>
+          <a:off x="0" y="0"/>
+          <a:ext cx="0" cy="0"/>
+          <a:chOff x="0" y="0"/>
+          <a:chExt cx="0" cy="0"/>
+        </a:xfrm>
+      </p:grpSpPr>
+      <p:sp>
+        <p:nvSpPr>
+          <p:cNvPr id="6" name="TextBox 5">
+            <a:extLst>
+              <a:ext uri="{FF2B5EF4-FFF2-40B4-BE49-F238E27FC236}">
+                <a16:creationId xmlns:a16="http://schemas.microsoft.com/office/drawing/2014/main" id="{2CDFC944-8A12-42CA-B4D7-7CEF50C368ED}"/>
+              </a:ext>
+            </a:extLst>
+          </p:cNvPr>
+          <p:cNvSpPr txBox="1"/>
+          <p:nvPr/>
+        </p:nvSpPr>
+        <p:spPr>
+          <a:xfrm>
+            <a:off x="624957" y="242596"/>
+            <a:ext cx="11364880" cy="369332"/>
+          </a:xfrm>
+          <a:prstGeom prst="rect">
+            <a:avLst/>
+          </a:prstGeom>
+          <a:noFill/>
+        </p:spPr>
+        <p:txBody>
+          <a:bodyPr wrap="square" rtlCol="0">
+            <a:spAutoFit/>
+          </a:bodyPr>
+          <a:lstStyle/>
+          <a:p>
+            <a:r>
+              <a:rPr lang="en-GB" dirty="0">
+                <a:solidFill>
+                  <a:schemeClr val="bg1"/>
+                </a:solidFill>
+              </a:rPr>
+              <a:t>Question F </a:t>
+            </a:r>
+          </a:p>
+        </p:txBody>
+      </p:sp>
+      <p:sp>
+        <p:nvSpPr>
+          <p:cNvPr id="11" name="TextBox 10">
+            <a:extLst>
+              <a:ext uri="{FF2B5EF4-FFF2-40B4-BE49-F238E27FC236}">
+                <a16:creationId xmlns:a16="http://schemas.microsoft.com/office/drawing/2014/main" id="{8CFFC453-63D5-4985-9376-BE7589A7509A}"/>
+              </a:ext>
+            </a:extLst>
+          </p:cNvPr>
+          <p:cNvSpPr txBox="1"/>
+          <p:nvPr/>
+        </p:nvSpPr>
+        <p:spPr>
+          <a:xfrm>
+            <a:off x="7315200" y="611928"/>
+            <a:ext cx="4395277" cy="3693319"/>
+          </a:xfrm>
+          <a:prstGeom prst="rect">
+            <a:avLst/>
+          </a:prstGeom>
+          <a:noFill/>
+        </p:spPr>
+        <p:txBody>
+          <a:bodyPr wrap="square" rtlCol="0">
+            <a:spAutoFit/>
+          </a:bodyPr>
+          <a:lstStyle/>
+          <a:p>
+            <a:r>
+              <a:rPr lang="en-GB" dirty="0">
+                <a:solidFill>
+                  <a:schemeClr val="bg1"/>
+                </a:solidFill>
+              </a:rPr>
+              <a:t>What will be the output of this method?</a:t>
+            </a:r>
+          </a:p>
+          <a:p>
+            <a:endParaRPr lang="en-GB" dirty="0">
+              <a:solidFill>
+                <a:schemeClr val="bg1"/>
+              </a:solidFill>
+            </a:endParaRPr>
+          </a:p>
+          <a:p>
+            <a:pPr marL="342900" indent="-342900">
+              <a:buFont typeface="+mj-lt"/>
+              <a:buAutoNum type="alphaUcPeriod"/>
+            </a:pPr>
+            <a:r>
+              <a:rPr lang="en-GB" dirty="0" err="1">
+                <a:solidFill>
+                  <a:schemeClr val="bg1"/>
+                </a:solidFill>
+              </a:rPr>
+              <a:t>AggregateException</a:t>
+            </a:r>
+            <a:br>
+              <a:rPr lang="en-GB" dirty="0">
+                <a:solidFill>
+                  <a:schemeClr val="bg1"/>
+                </a:solidFill>
+              </a:rPr>
+            </a:br>
+            <a:r>
+              <a:rPr lang="en-GB" dirty="0">
+                <a:solidFill>
+                  <a:schemeClr val="bg1"/>
+                </a:solidFill>
+              </a:rPr>
+              <a:t>One or more errors occurred. (This is a test exception)</a:t>
+            </a:r>
+            <a:br>
+              <a:rPr lang="en-GB" dirty="0">
+                <a:solidFill>
+                  <a:schemeClr val="bg1"/>
+                </a:solidFill>
+              </a:rPr>
+            </a:br>
+            <a:endParaRPr lang="en-GB" dirty="0">
+              <a:solidFill>
+                <a:schemeClr val="bg1"/>
+              </a:solidFill>
+            </a:endParaRPr>
+          </a:p>
+          <a:p>
+            <a:pPr marL="342900" indent="-342900">
+              <a:buFont typeface="+mj-lt"/>
+              <a:buAutoNum type="alphaUcPeriod"/>
+            </a:pPr>
+            <a:r>
+              <a:rPr lang="en-GB" dirty="0">
+                <a:solidFill>
+                  <a:schemeClr val="bg1"/>
+                </a:solidFill>
+              </a:rPr>
+              <a:t>Exception</a:t>
+            </a:r>
+          </a:p>
+          <a:p>
+            <a:r>
+              <a:rPr lang="en-GB" dirty="0">
+                <a:solidFill>
+                  <a:schemeClr val="bg1"/>
+                </a:solidFill>
+              </a:rPr>
+              <a:t>       This is a test exception</a:t>
+            </a:r>
+          </a:p>
+          <a:p>
+            <a:endParaRPr lang="en-GB" dirty="0">
+              <a:solidFill>
+                <a:schemeClr val="bg1"/>
+              </a:solidFill>
+            </a:endParaRPr>
+          </a:p>
+          <a:p>
+            <a:pPr marL="342900" indent="-342900">
+              <a:buAutoNum type="alphaUcPeriod" startAt="3"/>
+            </a:pPr>
+            <a:r>
+              <a:rPr lang="en-GB" dirty="0">
+                <a:solidFill>
+                  <a:schemeClr val="bg1"/>
+                </a:solidFill>
+              </a:rPr>
+              <a:t>An uncaught exception is thrown and can     be caught in the calling method</a:t>
+            </a:r>
+          </a:p>
+          <a:p>
+            <a:pPr marL="342900" indent="-342900">
+              <a:buAutoNum type="alphaUcPeriod" startAt="3"/>
+            </a:pPr>
+            <a:endParaRPr lang="en-GB" dirty="0">
+              <a:solidFill>
+                <a:schemeClr val="bg1"/>
+              </a:solidFill>
+            </a:endParaRPr>
+          </a:p>
+          <a:p>
+            <a:pPr marL="342900" indent="-342900">
+              <a:buAutoNum type="alphaUcPeriod" startAt="3"/>
+            </a:pPr>
+            <a:r>
+              <a:rPr lang="en-GB" dirty="0">
+                <a:solidFill>
+                  <a:schemeClr val="bg1"/>
+                </a:solidFill>
+              </a:rPr>
+              <a:t>None of the above.</a:t>
+            </a:r>
+          </a:p>
+        </p:txBody>
+      </p:sp>
+      <p:pic>
+        <p:nvPicPr>
+          <p:cNvPr id="3" name="Picture 2">
+            <a:extLst>
+              <a:ext uri="{FF2B5EF4-FFF2-40B4-BE49-F238E27FC236}">
+                <a16:creationId xmlns:a16="http://schemas.microsoft.com/office/drawing/2014/main" id="{43E8D191-B02F-4E58-8780-AAD86241E0B7}"/>
+              </a:ext>
+            </a:extLst>
+          </p:cNvPr>
+          <p:cNvPicPr>
+            <a:picLocks noChangeAspect="1"/>
+          </p:cNvPicPr>
+          <p:nvPr/>
+        </p:nvPicPr>
+        <p:blipFill>
+          <a:blip r:embed="rId2"/>
+          <a:stretch>
+            <a:fillRect/>
+          </a:stretch>
+        </p:blipFill>
+        <p:spPr>
+          <a:xfrm>
+            <a:off x="251818" y="1041887"/>
+            <a:ext cx="6585240" cy="2022610"/>
+          </a:xfrm>
+          <a:prstGeom prst="rect">
+            <a:avLst/>
+          </a:prstGeom>
+        </p:spPr>
+      </p:pic>
+    </p:spTree>
+    <p:extLst>
+      <p:ext uri="{BB962C8B-B14F-4D97-AF65-F5344CB8AC3E}">
+        <p14:creationId xmlns:p14="http://schemas.microsoft.com/office/powerpoint/2010/main" val="4036305656"/>
+      </p:ext>
+    </p:extLst>
+  </p:cSld>
+  <p:clrMapOvr>
+    <a:masterClrMapping/>
+  </p:clrMapOvr>
+</p:sld>
+</file>
+
 <file path=ppt/slides/slide5.xml><?xml version="1.0" encoding="utf-8"?>
 <p:sld xmlns:a="http://schemas.openxmlformats.org/drawingml/2006/main" xmlns:r="http://schemas.openxmlformats.org/officeDocument/2006/relationships" xmlns:p="http://schemas.openxmlformats.org/presentationml/2006/main">
   <p:cSld>
@@ -12377,6 +14495,1796 @@
     <p:extLst>
       <p:ext uri="{BB962C8B-B14F-4D97-AF65-F5344CB8AC3E}">
         <p14:creationId xmlns:p14="http://schemas.microsoft.com/office/powerpoint/2010/main" val="767209263"/>
+      </p:ext>
+    </p:extLst>
+  </p:cSld>
+  <p:clrMapOvr>
+    <a:masterClrMapping/>
+  </p:clrMapOvr>
+</p:sld>
+</file>
+
+<file path=ppt/slides/slide50.xml><?xml version="1.0" encoding="utf-8"?>
+<p:sld xmlns:a="http://schemas.openxmlformats.org/drawingml/2006/main" xmlns:r="http://schemas.openxmlformats.org/officeDocument/2006/relationships" xmlns:p="http://schemas.openxmlformats.org/presentationml/2006/main">
+  <p:cSld>
+    <p:bg>
+      <p:bgPr>
+        <a:solidFill>
+          <a:srgbClr val="1E1E1E"/>
+        </a:solidFill>
+        <a:effectLst/>
+      </p:bgPr>
+    </p:bg>
+    <p:spTree>
+      <p:nvGrpSpPr>
+        <p:cNvPr id="1" name=""/>
+        <p:cNvGrpSpPr/>
+        <p:nvPr/>
+      </p:nvGrpSpPr>
+      <p:grpSpPr>
+        <a:xfrm>
+          <a:off x="0" y="0"/>
+          <a:ext cx="0" cy="0"/>
+          <a:chOff x="0" y="0"/>
+          <a:chExt cx="0" cy="0"/>
+        </a:xfrm>
+      </p:grpSpPr>
+      <p:sp>
+        <p:nvSpPr>
+          <p:cNvPr id="6" name="TextBox 5">
+            <a:extLst>
+              <a:ext uri="{FF2B5EF4-FFF2-40B4-BE49-F238E27FC236}">
+                <a16:creationId xmlns:a16="http://schemas.microsoft.com/office/drawing/2014/main" id="{2CDFC944-8A12-42CA-B4D7-7CEF50C368ED}"/>
+              </a:ext>
+            </a:extLst>
+          </p:cNvPr>
+          <p:cNvSpPr txBox="1"/>
+          <p:nvPr/>
+        </p:nvSpPr>
+        <p:spPr>
+          <a:xfrm>
+            <a:off x="624957" y="242596"/>
+            <a:ext cx="11364880" cy="369332"/>
+          </a:xfrm>
+          <a:prstGeom prst="rect">
+            <a:avLst/>
+          </a:prstGeom>
+          <a:noFill/>
+        </p:spPr>
+        <p:txBody>
+          <a:bodyPr wrap="square" rtlCol="0">
+            <a:spAutoFit/>
+          </a:bodyPr>
+          <a:lstStyle/>
+          <a:p>
+            <a:r>
+              <a:rPr lang="en-GB" dirty="0">
+                <a:solidFill>
+                  <a:schemeClr val="bg1"/>
+                </a:solidFill>
+              </a:rPr>
+              <a:t>Question F </a:t>
+            </a:r>
+          </a:p>
+        </p:txBody>
+      </p:sp>
+      <p:sp>
+        <p:nvSpPr>
+          <p:cNvPr id="11" name="TextBox 10">
+            <a:extLst>
+              <a:ext uri="{FF2B5EF4-FFF2-40B4-BE49-F238E27FC236}">
+                <a16:creationId xmlns:a16="http://schemas.microsoft.com/office/drawing/2014/main" id="{8CFFC453-63D5-4985-9376-BE7589A7509A}"/>
+              </a:ext>
+            </a:extLst>
+          </p:cNvPr>
+          <p:cNvSpPr txBox="1"/>
+          <p:nvPr/>
+        </p:nvSpPr>
+        <p:spPr>
+          <a:xfrm>
+            <a:off x="7072313" y="611928"/>
+            <a:ext cx="4917524" cy="2031325"/>
+          </a:xfrm>
+          <a:prstGeom prst="rect">
+            <a:avLst/>
+          </a:prstGeom>
+          <a:noFill/>
+        </p:spPr>
+        <p:txBody>
+          <a:bodyPr wrap="square" rtlCol="0">
+            <a:spAutoFit/>
+          </a:bodyPr>
+          <a:lstStyle/>
+          <a:p>
+            <a:r>
+              <a:rPr lang="en-GB" dirty="0">
+                <a:solidFill>
+                  <a:schemeClr val="bg1"/>
+                </a:solidFill>
+              </a:rPr>
+              <a:t>The answer is</a:t>
+            </a:r>
+          </a:p>
+          <a:p>
+            <a:endParaRPr lang="en-GB" dirty="0">
+              <a:solidFill>
+                <a:schemeClr val="bg1"/>
+              </a:solidFill>
+            </a:endParaRPr>
+          </a:p>
+          <a:p>
+            <a:r>
+              <a:rPr lang="en-GB" dirty="0">
+                <a:solidFill>
+                  <a:schemeClr val="bg1"/>
+                </a:solidFill>
+              </a:rPr>
+              <a:t>D. None of the above.</a:t>
+            </a:r>
+          </a:p>
+          <a:p>
+            <a:endParaRPr lang="en-GB" dirty="0">
+              <a:solidFill>
+                <a:schemeClr val="bg1"/>
+              </a:solidFill>
+            </a:endParaRPr>
+          </a:p>
+          <a:p>
+            <a:r>
+              <a:rPr lang="en-GB" dirty="0">
+                <a:solidFill>
+                  <a:schemeClr val="bg1"/>
+                </a:solidFill>
+              </a:rPr>
+              <a:t>It will completely terminate the process. It won't throw a visible exception and will completely kill the application/debugger.</a:t>
+            </a:r>
+          </a:p>
+        </p:txBody>
+      </p:sp>
+      <p:pic>
+        <p:nvPicPr>
+          <p:cNvPr id="3" name="Picture 2">
+            <a:extLst>
+              <a:ext uri="{FF2B5EF4-FFF2-40B4-BE49-F238E27FC236}">
+                <a16:creationId xmlns:a16="http://schemas.microsoft.com/office/drawing/2014/main" id="{43E8D191-B02F-4E58-8780-AAD86241E0B7}"/>
+              </a:ext>
+            </a:extLst>
+          </p:cNvPr>
+          <p:cNvPicPr>
+            <a:picLocks noChangeAspect="1"/>
+          </p:cNvPicPr>
+          <p:nvPr/>
+        </p:nvPicPr>
+        <p:blipFill>
+          <a:blip r:embed="rId2"/>
+          <a:stretch>
+            <a:fillRect/>
+          </a:stretch>
+        </p:blipFill>
+        <p:spPr>
+          <a:xfrm>
+            <a:off x="251818" y="1041887"/>
+            <a:ext cx="6585240" cy="2022610"/>
+          </a:xfrm>
+          <a:prstGeom prst="rect">
+            <a:avLst/>
+          </a:prstGeom>
+        </p:spPr>
+      </p:pic>
+    </p:spTree>
+    <p:extLst>
+      <p:ext uri="{BB962C8B-B14F-4D97-AF65-F5344CB8AC3E}">
+        <p14:creationId xmlns:p14="http://schemas.microsoft.com/office/powerpoint/2010/main" val="1848199452"/>
+      </p:ext>
+    </p:extLst>
+  </p:cSld>
+  <p:clrMapOvr>
+    <a:masterClrMapping/>
+  </p:clrMapOvr>
+</p:sld>
+</file>
+
+<file path=ppt/slides/slide51.xml><?xml version="1.0" encoding="utf-8"?>
+<p:sld xmlns:a="http://schemas.openxmlformats.org/drawingml/2006/main" xmlns:r="http://schemas.openxmlformats.org/officeDocument/2006/relationships" xmlns:p="http://schemas.openxmlformats.org/presentationml/2006/main">
+  <p:cSld>
+    <p:bg>
+      <p:bgPr>
+        <a:solidFill>
+          <a:srgbClr val="1E1E1E"/>
+        </a:solidFill>
+        <a:effectLst/>
+      </p:bgPr>
+    </p:bg>
+    <p:spTree>
+      <p:nvGrpSpPr>
+        <p:cNvPr id="1" name=""/>
+        <p:cNvGrpSpPr/>
+        <p:nvPr/>
+      </p:nvGrpSpPr>
+      <p:grpSpPr>
+        <a:xfrm>
+          <a:off x="0" y="0"/>
+          <a:ext cx="0" cy="0"/>
+          <a:chOff x="0" y="0"/>
+          <a:chExt cx="0" cy="0"/>
+        </a:xfrm>
+      </p:grpSpPr>
+      <p:sp>
+        <p:nvSpPr>
+          <p:cNvPr id="6" name="TextBox 5">
+            <a:extLst>
+              <a:ext uri="{FF2B5EF4-FFF2-40B4-BE49-F238E27FC236}">
+                <a16:creationId xmlns:a16="http://schemas.microsoft.com/office/drawing/2014/main" id="{2CDFC944-8A12-42CA-B4D7-7CEF50C368ED}"/>
+              </a:ext>
+            </a:extLst>
+          </p:cNvPr>
+          <p:cNvSpPr txBox="1"/>
+          <p:nvPr/>
+        </p:nvSpPr>
+        <p:spPr>
+          <a:xfrm>
+            <a:off x="624957" y="242596"/>
+            <a:ext cx="11364880" cy="369332"/>
+          </a:xfrm>
+          <a:prstGeom prst="rect">
+            <a:avLst/>
+          </a:prstGeom>
+          <a:noFill/>
+        </p:spPr>
+        <p:txBody>
+          <a:bodyPr wrap="square" rtlCol="0">
+            <a:spAutoFit/>
+          </a:bodyPr>
+          <a:lstStyle/>
+          <a:p>
+            <a:r>
+              <a:rPr lang="en-GB" dirty="0">
+                <a:solidFill>
+                  <a:schemeClr val="bg1"/>
+                </a:solidFill>
+              </a:rPr>
+              <a:t>Question G </a:t>
+            </a:r>
+          </a:p>
+        </p:txBody>
+      </p:sp>
+      <p:sp>
+        <p:nvSpPr>
+          <p:cNvPr id="11" name="TextBox 10">
+            <a:extLst>
+              <a:ext uri="{FF2B5EF4-FFF2-40B4-BE49-F238E27FC236}">
+                <a16:creationId xmlns:a16="http://schemas.microsoft.com/office/drawing/2014/main" id="{8CFFC453-63D5-4985-9376-BE7589A7509A}"/>
+              </a:ext>
+            </a:extLst>
+          </p:cNvPr>
+          <p:cNvSpPr txBox="1"/>
+          <p:nvPr/>
+        </p:nvSpPr>
+        <p:spPr>
+          <a:xfrm>
+            <a:off x="7315200" y="611928"/>
+            <a:ext cx="4395277" cy="3693319"/>
+          </a:xfrm>
+          <a:prstGeom prst="rect">
+            <a:avLst/>
+          </a:prstGeom>
+          <a:noFill/>
+        </p:spPr>
+        <p:txBody>
+          <a:bodyPr wrap="square" rtlCol="0">
+            <a:spAutoFit/>
+          </a:bodyPr>
+          <a:lstStyle/>
+          <a:p>
+            <a:r>
+              <a:rPr lang="en-GB" dirty="0">
+                <a:solidFill>
+                  <a:schemeClr val="bg1"/>
+                </a:solidFill>
+              </a:rPr>
+              <a:t>What will be the output of this method?</a:t>
+            </a:r>
+          </a:p>
+          <a:p>
+            <a:endParaRPr lang="en-GB" dirty="0">
+              <a:solidFill>
+                <a:schemeClr val="bg1"/>
+              </a:solidFill>
+            </a:endParaRPr>
+          </a:p>
+          <a:p>
+            <a:pPr marL="342900" indent="-342900">
+              <a:buFont typeface="+mj-lt"/>
+              <a:buAutoNum type="alphaUcPeriod"/>
+            </a:pPr>
+            <a:r>
+              <a:rPr lang="en-GB" dirty="0" err="1">
+                <a:solidFill>
+                  <a:schemeClr val="bg1"/>
+                </a:solidFill>
+              </a:rPr>
+              <a:t>AggregateException</a:t>
+            </a:r>
+            <a:br>
+              <a:rPr lang="en-GB" dirty="0">
+                <a:solidFill>
+                  <a:schemeClr val="bg1"/>
+                </a:solidFill>
+              </a:rPr>
+            </a:br>
+            <a:r>
+              <a:rPr lang="en-GB" dirty="0">
+                <a:solidFill>
+                  <a:schemeClr val="bg1"/>
+                </a:solidFill>
+              </a:rPr>
+              <a:t>One or more errors occurred. (This is a test exception)</a:t>
+            </a:r>
+            <a:br>
+              <a:rPr lang="en-GB" dirty="0">
+                <a:solidFill>
+                  <a:schemeClr val="bg1"/>
+                </a:solidFill>
+              </a:rPr>
+            </a:br>
+            <a:endParaRPr lang="en-GB" dirty="0">
+              <a:solidFill>
+                <a:schemeClr val="bg1"/>
+              </a:solidFill>
+            </a:endParaRPr>
+          </a:p>
+          <a:p>
+            <a:pPr marL="342900" indent="-342900">
+              <a:buFont typeface="+mj-lt"/>
+              <a:buAutoNum type="alphaUcPeriod"/>
+            </a:pPr>
+            <a:r>
+              <a:rPr lang="en-GB" dirty="0">
+                <a:solidFill>
+                  <a:schemeClr val="bg1"/>
+                </a:solidFill>
+              </a:rPr>
+              <a:t>Exception</a:t>
+            </a:r>
+          </a:p>
+          <a:p>
+            <a:r>
+              <a:rPr lang="en-GB" dirty="0">
+                <a:solidFill>
+                  <a:schemeClr val="bg1"/>
+                </a:solidFill>
+              </a:rPr>
+              <a:t>       This is a test exception</a:t>
+            </a:r>
+          </a:p>
+          <a:p>
+            <a:endParaRPr lang="en-GB" dirty="0">
+              <a:solidFill>
+                <a:schemeClr val="bg1"/>
+              </a:solidFill>
+            </a:endParaRPr>
+          </a:p>
+          <a:p>
+            <a:pPr marL="342900" indent="-342900">
+              <a:buAutoNum type="alphaUcPeriod" startAt="3"/>
+            </a:pPr>
+            <a:r>
+              <a:rPr lang="en-GB" dirty="0">
+                <a:solidFill>
+                  <a:schemeClr val="bg1"/>
+                </a:solidFill>
+              </a:rPr>
+              <a:t>An uncaught exception is thrown and can     be caught in the calling method</a:t>
+            </a:r>
+          </a:p>
+          <a:p>
+            <a:pPr marL="342900" indent="-342900">
+              <a:buAutoNum type="alphaUcPeriod" startAt="3"/>
+            </a:pPr>
+            <a:endParaRPr lang="en-GB" dirty="0">
+              <a:solidFill>
+                <a:schemeClr val="bg1"/>
+              </a:solidFill>
+            </a:endParaRPr>
+          </a:p>
+          <a:p>
+            <a:pPr marL="342900" indent="-342900">
+              <a:buAutoNum type="alphaUcPeriod" startAt="3"/>
+            </a:pPr>
+            <a:r>
+              <a:rPr lang="en-GB" dirty="0">
+                <a:solidFill>
+                  <a:schemeClr val="bg1"/>
+                </a:solidFill>
+              </a:rPr>
+              <a:t>None of the above.</a:t>
+            </a:r>
+          </a:p>
+        </p:txBody>
+      </p:sp>
+      <p:pic>
+        <p:nvPicPr>
+          <p:cNvPr id="4" name="Picture 3">
+            <a:extLst>
+              <a:ext uri="{FF2B5EF4-FFF2-40B4-BE49-F238E27FC236}">
+                <a16:creationId xmlns:a16="http://schemas.microsoft.com/office/drawing/2014/main" id="{69FDAEA4-F604-4A40-A20A-9E7E0E9E7C01}"/>
+              </a:ext>
+            </a:extLst>
+          </p:cNvPr>
+          <p:cNvPicPr>
+            <a:picLocks noChangeAspect="1"/>
+          </p:cNvPicPr>
+          <p:nvPr/>
+        </p:nvPicPr>
+        <p:blipFill>
+          <a:blip r:embed="rId2"/>
+          <a:stretch>
+            <a:fillRect/>
+          </a:stretch>
+        </p:blipFill>
+        <p:spPr>
+          <a:xfrm>
+            <a:off x="362130" y="1080051"/>
+            <a:ext cx="6673710" cy="1941443"/>
+          </a:xfrm>
+          <a:prstGeom prst="rect">
+            <a:avLst/>
+          </a:prstGeom>
+        </p:spPr>
+      </p:pic>
+    </p:spTree>
+    <p:extLst>
+      <p:ext uri="{BB962C8B-B14F-4D97-AF65-F5344CB8AC3E}">
+        <p14:creationId xmlns:p14="http://schemas.microsoft.com/office/powerpoint/2010/main" val="2982457121"/>
+      </p:ext>
+    </p:extLst>
+  </p:cSld>
+  <p:clrMapOvr>
+    <a:masterClrMapping/>
+  </p:clrMapOvr>
+</p:sld>
+</file>
+
+<file path=ppt/slides/slide52.xml><?xml version="1.0" encoding="utf-8"?>
+<p:sld xmlns:a="http://schemas.openxmlformats.org/drawingml/2006/main" xmlns:r="http://schemas.openxmlformats.org/officeDocument/2006/relationships" xmlns:p="http://schemas.openxmlformats.org/presentationml/2006/main">
+  <p:cSld>
+    <p:bg>
+      <p:bgPr>
+        <a:solidFill>
+          <a:srgbClr val="1E1E1E"/>
+        </a:solidFill>
+        <a:effectLst/>
+      </p:bgPr>
+    </p:bg>
+    <p:spTree>
+      <p:nvGrpSpPr>
+        <p:cNvPr id="1" name=""/>
+        <p:cNvGrpSpPr/>
+        <p:nvPr/>
+      </p:nvGrpSpPr>
+      <p:grpSpPr>
+        <a:xfrm>
+          <a:off x="0" y="0"/>
+          <a:ext cx="0" cy="0"/>
+          <a:chOff x="0" y="0"/>
+          <a:chExt cx="0" cy="0"/>
+        </a:xfrm>
+      </p:grpSpPr>
+      <p:sp>
+        <p:nvSpPr>
+          <p:cNvPr id="6" name="TextBox 5">
+            <a:extLst>
+              <a:ext uri="{FF2B5EF4-FFF2-40B4-BE49-F238E27FC236}">
+                <a16:creationId xmlns:a16="http://schemas.microsoft.com/office/drawing/2014/main" id="{2CDFC944-8A12-42CA-B4D7-7CEF50C368ED}"/>
+              </a:ext>
+            </a:extLst>
+          </p:cNvPr>
+          <p:cNvSpPr txBox="1"/>
+          <p:nvPr/>
+        </p:nvSpPr>
+        <p:spPr>
+          <a:xfrm>
+            <a:off x="624957" y="242596"/>
+            <a:ext cx="11364880" cy="369332"/>
+          </a:xfrm>
+          <a:prstGeom prst="rect">
+            <a:avLst/>
+          </a:prstGeom>
+          <a:noFill/>
+        </p:spPr>
+        <p:txBody>
+          <a:bodyPr wrap="square" rtlCol="0">
+            <a:spAutoFit/>
+          </a:bodyPr>
+          <a:lstStyle/>
+          <a:p>
+            <a:r>
+              <a:rPr lang="en-GB" dirty="0">
+                <a:solidFill>
+                  <a:schemeClr val="bg1"/>
+                </a:solidFill>
+              </a:rPr>
+              <a:t>Question G </a:t>
+            </a:r>
+          </a:p>
+        </p:txBody>
+      </p:sp>
+      <p:sp>
+        <p:nvSpPr>
+          <p:cNvPr id="11" name="TextBox 10">
+            <a:extLst>
+              <a:ext uri="{FF2B5EF4-FFF2-40B4-BE49-F238E27FC236}">
+                <a16:creationId xmlns:a16="http://schemas.microsoft.com/office/drawing/2014/main" id="{8CFFC453-63D5-4985-9376-BE7589A7509A}"/>
+              </a:ext>
+            </a:extLst>
+          </p:cNvPr>
+          <p:cNvSpPr txBox="1"/>
+          <p:nvPr/>
+        </p:nvSpPr>
+        <p:spPr>
+          <a:xfrm>
+            <a:off x="7315200" y="611928"/>
+            <a:ext cx="4395277" cy="2862322"/>
+          </a:xfrm>
+          <a:prstGeom prst="rect">
+            <a:avLst/>
+          </a:prstGeom>
+          <a:noFill/>
+        </p:spPr>
+        <p:txBody>
+          <a:bodyPr wrap="square" rtlCol="0">
+            <a:spAutoFit/>
+          </a:bodyPr>
+          <a:lstStyle/>
+          <a:p>
+            <a:r>
+              <a:rPr lang="en-GB" dirty="0">
+                <a:solidFill>
+                  <a:schemeClr val="bg1"/>
+                </a:solidFill>
+              </a:rPr>
+              <a:t>What will be the output of this method?</a:t>
+            </a:r>
+          </a:p>
+          <a:p>
+            <a:endParaRPr lang="en-GB" dirty="0">
+              <a:solidFill>
+                <a:schemeClr val="bg1"/>
+              </a:solidFill>
+            </a:endParaRPr>
+          </a:p>
+          <a:p>
+            <a:pPr marL="342900" indent="-342900">
+              <a:buAutoNum type="alphaUcPeriod" startAt="3"/>
+            </a:pPr>
+            <a:r>
+              <a:rPr lang="en-GB" dirty="0">
+                <a:solidFill>
+                  <a:schemeClr val="bg1"/>
+                </a:solidFill>
+              </a:rPr>
+              <a:t>An uncaught exception is thrown and can     be caught in the calling method</a:t>
+            </a:r>
+          </a:p>
+          <a:p>
+            <a:endParaRPr lang="en-GB" dirty="0">
+              <a:solidFill>
+                <a:schemeClr val="bg1"/>
+              </a:solidFill>
+            </a:endParaRPr>
+          </a:p>
+          <a:p>
+            <a:r>
+              <a:rPr lang="en-GB" dirty="0">
+                <a:solidFill>
+                  <a:schemeClr val="bg1"/>
+                </a:solidFill>
+              </a:rPr>
+              <a:t>It will throw the following uncaught exception:</a:t>
+            </a:r>
+          </a:p>
+          <a:p>
+            <a:endParaRPr lang="en-GB" dirty="0">
+              <a:solidFill>
+                <a:schemeClr val="bg1"/>
+              </a:solidFill>
+            </a:endParaRPr>
+          </a:p>
+          <a:p>
+            <a:r>
+              <a:rPr lang="en-GB" dirty="0">
+                <a:solidFill>
+                  <a:schemeClr val="bg1"/>
+                </a:solidFill>
+              </a:rPr>
+              <a:t>Exception</a:t>
+            </a:r>
+          </a:p>
+          <a:p>
+            <a:r>
+              <a:rPr lang="en-GB" dirty="0">
+                <a:solidFill>
+                  <a:schemeClr val="bg1"/>
+                </a:solidFill>
+              </a:rPr>
+              <a:t>This is a test exception</a:t>
+            </a:r>
+          </a:p>
+        </p:txBody>
+      </p:sp>
+      <p:pic>
+        <p:nvPicPr>
+          <p:cNvPr id="4" name="Picture 3">
+            <a:extLst>
+              <a:ext uri="{FF2B5EF4-FFF2-40B4-BE49-F238E27FC236}">
+                <a16:creationId xmlns:a16="http://schemas.microsoft.com/office/drawing/2014/main" id="{69FDAEA4-F604-4A40-A20A-9E7E0E9E7C01}"/>
+              </a:ext>
+            </a:extLst>
+          </p:cNvPr>
+          <p:cNvPicPr>
+            <a:picLocks noChangeAspect="1"/>
+          </p:cNvPicPr>
+          <p:nvPr/>
+        </p:nvPicPr>
+        <p:blipFill>
+          <a:blip r:embed="rId2"/>
+          <a:stretch>
+            <a:fillRect/>
+          </a:stretch>
+        </p:blipFill>
+        <p:spPr>
+          <a:xfrm>
+            <a:off x="362130" y="1080051"/>
+            <a:ext cx="6673710" cy="1941443"/>
+          </a:xfrm>
+          <a:prstGeom prst="rect">
+            <a:avLst/>
+          </a:prstGeom>
+        </p:spPr>
+      </p:pic>
+    </p:spTree>
+    <p:extLst>
+      <p:ext uri="{BB962C8B-B14F-4D97-AF65-F5344CB8AC3E}">
+        <p14:creationId xmlns:p14="http://schemas.microsoft.com/office/powerpoint/2010/main" val="1784624068"/>
+      </p:ext>
+    </p:extLst>
+  </p:cSld>
+  <p:clrMapOvr>
+    <a:masterClrMapping/>
+  </p:clrMapOvr>
+</p:sld>
+</file>
+
+<file path=ppt/slides/slide53.xml><?xml version="1.0" encoding="utf-8"?>
+<p:sld xmlns:a="http://schemas.openxmlformats.org/drawingml/2006/main" xmlns:r="http://schemas.openxmlformats.org/officeDocument/2006/relationships" xmlns:p="http://schemas.openxmlformats.org/presentationml/2006/main">
+  <p:cSld>
+    <p:bg>
+      <p:bgPr>
+        <a:solidFill>
+          <a:srgbClr val="1E1E1E"/>
+        </a:solidFill>
+        <a:effectLst/>
+      </p:bgPr>
+    </p:bg>
+    <p:spTree>
+      <p:nvGrpSpPr>
+        <p:cNvPr id="1" name=""/>
+        <p:cNvGrpSpPr/>
+        <p:nvPr/>
+      </p:nvGrpSpPr>
+      <p:grpSpPr>
+        <a:xfrm>
+          <a:off x="0" y="0"/>
+          <a:ext cx="0" cy="0"/>
+          <a:chOff x="0" y="0"/>
+          <a:chExt cx="0" cy="0"/>
+        </a:xfrm>
+      </p:grpSpPr>
+      <p:sp>
+        <p:nvSpPr>
+          <p:cNvPr id="6" name="TextBox 5">
+            <a:extLst>
+              <a:ext uri="{FF2B5EF4-FFF2-40B4-BE49-F238E27FC236}">
+                <a16:creationId xmlns:a16="http://schemas.microsoft.com/office/drawing/2014/main" id="{2CDFC944-8A12-42CA-B4D7-7CEF50C368ED}"/>
+              </a:ext>
+            </a:extLst>
+          </p:cNvPr>
+          <p:cNvSpPr txBox="1"/>
+          <p:nvPr/>
+        </p:nvSpPr>
+        <p:spPr>
+          <a:xfrm>
+            <a:off x="7315200" y="340436"/>
+            <a:ext cx="11364880" cy="369332"/>
+          </a:xfrm>
+          <a:prstGeom prst="rect">
+            <a:avLst/>
+          </a:prstGeom>
+          <a:noFill/>
+        </p:spPr>
+        <p:txBody>
+          <a:bodyPr wrap="square" rtlCol="0">
+            <a:spAutoFit/>
+          </a:bodyPr>
+          <a:lstStyle/>
+          <a:p>
+            <a:r>
+              <a:rPr lang="en-GB" dirty="0">
+                <a:solidFill>
+                  <a:schemeClr val="bg1"/>
+                </a:solidFill>
+              </a:rPr>
+              <a:t>Question H </a:t>
+            </a:r>
+          </a:p>
+        </p:txBody>
+      </p:sp>
+      <p:sp>
+        <p:nvSpPr>
+          <p:cNvPr id="11" name="TextBox 10">
+            <a:extLst>
+              <a:ext uri="{FF2B5EF4-FFF2-40B4-BE49-F238E27FC236}">
+                <a16:creationId xmlns:a16="http://schemas.microsoft.com/office/drawing/2014/main" id="{8CFFC453-63D5-4985-9376-BE7589A7509A}"/>
+              </a:ext>
+            </a:extLst>
+          </p:cNvPr>
+          <p:cNvSpPr txBox="1"/>
+          <p:nvPr/>
+        </p:nvSpPr>
+        <p:spPr>
+          <a:xfrm>
+            <a:off x="7315200" y="1168519"/>
+            <a:ext cx="4395277" cy="3693319"/>
+          </a:xfrm>
+          <a:prstGeom prst="rect">
+            <a:avLst/>
+          </a:prstGeom>
+          <a:noFill/>
+        </p:spPr>
+        <p:txBody>
+          <a:bodyPr wrap="square" rtlCol="0">
+            <a:spAutoFit/>
+          </a:bodyPr>
+          <a:lstStyle/>
+          <a:p>
+            <a:r>
+              <a:rPr lang="en-GB" dirty="0">
+                <a:solidFill>
+                  <a:schemeClr val="bg1"/>
+                </a:solidFill>
+              </a:rPr>
+              <a:t>What will be the output of this method?</a:t>
+            </a:r>
+          </a:p>
+          <a:p>
+            <a:endParaRPr lang="en-GB" dirty="0">
+              <a:solidFill>
+                <a:schemeClr val="bg1"/>
+              </a:solidFill>
+            </a:endParaRPr>
+          </a:p>
+          <a:p>
+            <a:pPr marL="342900" indent="-342900">
+              <a:buFont typeface="+mj-lt"/>
+              <a:buAutoNum type="alphaUcPeriod"/>
+            </a:pPr>
+            <a:r>
+              <a:rPr lang="en-GB" dirty="0" err="1">
+                <a:solidFill>
+                  <a:schemeClr val="bg1"/>
+                </a:solidFill>
+              </a:rPr>
+              <a:t>AggregateException</a:t>
+            </a:r>
+            <a:br>
+              <a:rPr lang="en-GB" dirty="0">
+                <a:solidFill>
+                  <a:schemeClr val="bg1"/>
+                </a:solidFill>
+              </a:rPr>
+            </a:br>
+            <a:r>
+              <a:rPr lang="en-GB" dirty="0">
+                <a:solidFill>
+                  <a:schemeClr val="bg1"/>
+                </a:solidFill>
+              </a:rPr>
+              <a:t>One or more errors occurred. (This is a test exception)</a:t>
+            </a:r>
+            <a:br>
+              <a:rPr lang="en-GB" dirty="0">
+                <a:solidFill>
+                  <a:schemeClr val="bg1"/>
+                </a:solidFill>
+              </a:rPr>
+            </a:br>
+            <a:endParaRPr lang="en-GB" dirty="0">
+              <a:solidFill>
+                <a:schemeClr val="bg1"/>
+              </a:solidFill>
+            </a:endParaRPr>
+          </a:p>
+          <a:p>
+            <a:pPr marL="342900" indent="-342900">
+              <a:buFont typeface="+mj-lt"/>
+              <a:buAutoNum type="alphaUcPeriod"/>
+            </a:pPr>
+            <a:r>
+              <a:rPr lang="en-GB" dirty="0">
+                <a:solidFill>
+                  <a:schemeClr val="bg1"/>
+                </a:solidFill>
+              </a:rPr>
+              <a:t>Exception</a:t>
+            </a:r>
+          </a:p>
+          <a:p>
+            <a:r>
+              <a:rPr lang="en-GB" dirty="0">
+                <a:solidFill>
+                  <a:schemeClr val="bg1"/>
+                </a:solidFill>
+              </a:rPr>
+              <a:t>       This is a test exception</a:t>
+            </a:r>
+          </a:p>
+          <a:p>
+            <a:endParaRPr lang="en-GB" dirty="0">
+              <a:solidFill>
+                <a:schemeClr val="bg1"/>
+              </a:solidFill>
+            </a:endParaRPr>
+          </a:p>
+          <a:p>
+            <a:pPr marL="342900" indent="-342900">
+              <a:buAutoNum type="alphaUcPeriod" startAt="3"/>
+            </a:pPr>
+            <a:r>
+              <a:rPr lang="en-GB" dirty="0">
+                <a:solidFill>
+                  <a:schemeClr val="bg1"/>
+                </a:solidFill>
+              </a:rPr>
+              <a:t>An uncaught exception is thrown and can     be caught in the calling method</a:t>
+            </a:r>
+          </a:p>
+          <a:p>
+            <a:pPr marL="342900" indent="-342900">
+              <a:buAutoNum type="alphaUcPeriod" startAt="3"/>
+            </a:pPr>
+            <a:endParaRPr lang="en-GB" dirty="0">
+              <a:solidFill>
+                <a:schemeClr val="bg1"/>
+              </a:solidFill>
+            </a:endParaRPr>
+          </a:p>
+          <a:p>
+            <a:pPr marL="342900" indent="-342900">
+              <a:buAutoNum type="alphaUcPeriod" startAt="3"/>
+            </a:pPr>
+            <a:r>
+              <a:rPr lang="en-GB" dirty="0">
+                <a:solidFill>
+                  <a:schemeClr val="bg1"/>
+                </a:solidFill>
+              </a:rPr>
+              <a:t>None of the above.</a:t>
+            </a:r>
+          </a:p>
+        </p:txBody>
+      </p:sp>
+      <p:pic>
+        <p:nvPicPr>
+          <p:cNvPr id="2" name="Picture 1">
+            <a:extLst>
+              <a:ext uri="{FF2B5EF4-FFF2-40B4-BE49-F238E27FC236}">
+                <a16:creationId xmlns:a16="http://schemas.microsoft.com/office/drawing/2014/main" id="{998C0D28-FFB1-46DB-BB0B-98FF4377C9F5}"/>
+              </a:ext>
+            </a:extLst>
+          </p:cNvPr>
+          <p:cNvPicPr>
+            <a:picLocks noChangeAspect="1"/>
+          </p:cNvPicPr>
+          <p:nvPr/>
+        </p:nvPicPr>
+        <p:blipFill>
+          <a:blip r:embed="rId2"/>
+          <a:stretch>
+            <a:fillRect/>
+          </a:stretch>
+        </p:blipFill>
+        <p:spPr>
+          <a:xfrm>
+            <a:off x="477078" y="340436"/>
+            <a:ext cx="6301409" cy="6147341"/>
+          </a:xfrm>
+          <a:prstGeom prst="rect">
+            <a:avLst/>
+          </a:prstGeom>
+        </p:spPr>
+      </p:pic>
+    </p:spTree>
+    <p:extLst>
+      <p:ext uri="{BB962C8B-B14F-4D97-AF65-F5344CB8AC3E}">
+        <p14:creationId xmlns:p14="http://schemas.microsoft.com/office/powerpoint/2010/main" val="3813329927"/>
+      </p:ext>
+    </p:extLst>
+  </p:cSld>
+  <p:clrMapOvr>
+    <a:masterClrMapping/>
+  </p:clrMapOvr>
+</p:sld>
+</file>
+
+<file path=ppt/slides/slide54.xml><?xml version="1.0" encoding="utf-8"?>
+<p:sld xmlns:a="http://schemas.openxmlformats.org/drawingml/2006/main" xmlns:r="http://schemas.openxmlformats.org/officeDocument/2006/relationships" xmlns:p="http://schemas.openxmlformats.org/presentationml/2006/main">
+  <p:cSld>
+    <p:bg>
+      <p:bgPr>
+        <a:solidFill>
+          <a:srgbClr val="1E1E1E"/>
+        </a:solidFill>
+        <a:effectLst/>
+      </p:bgPr>
+    </p:bg>
+    <p:spTree>
+      <p:nvGrpSpPr>
+        <p:cNvPr id="1" name=""/>
+        <p:cNvGrpSpPr/>
+        <p:nvPr/>
+      </p:nvGrpSpPr>
+      <p:grpSpPr>
+        <a:xfrm>
+          <a:off x="0" y="0"/>
+          <a:ext cx="0" cy="0"/>
+          <a:chOff x="0" y="0"/>
+          <a:chExt cx="0" cy="0"/>
+        </a:xfrm>
+      </p:grpSpPr>
+      <p:sp>
+        <p:nvSpPr>
+          <p:cNvPr id="6" name="TextBox 5">
+            <a:extLst>
+              <a:ext uri="{FF2B5EF4-FFF2-40B4-BE49-F238E27FC236}">
+                <a16:creationId xmlns:a16="http://schemas.microsoft.com/office/drawing/2014/main" id="{2CDFC944-8A12-42CA-B4D7-7CEF50C368ED}"/>
+              </a:ext>
+            </a:extLst>
+          </p:cNvPr>
+          <p:cNvSpPr txBox="1"/>
+          <p:nvPr/>
+        </p:nvSpPr>
+        <p:spPr>
+          <a:xfrm>
+            <a:off x="7315200" y="340436"/>
+            <a:ext cx="11364880" cy="369332"/>
+          </a:xfrm>
+          <a:prstGeom prst="rect">
+            <a:avLst/>
+          </a:prstGeom>
+          <a:noFill/>
+        </p:spPr>
+        <p:txBody>
+          <a:bodyPr wrap="square" rtlCol="0">
+            <a:spAutoFit/>
+          </a:bodyPr>
+          <a:lstStyle/>
+          <a:p>
+            <a:r>
+              <a:rPr lang="en-GB" dirty="0">
+                <a:solidFill>
+                  <a:schemeClr val="bg1"/>
+                </a:solidFill>
+              </a:rPr>
+              <a:t>Question H </a:t>
+            </a:r>
+          </a:p>
+        </p:txBody>
+      </p:sp>
+      <p:sp>
+        <p:nvSpPr>
+          <p:cNvPr id="11" name="TextBox 10">
+            <a:extLst>
+              <a:ext uri="{FF2B5EF4-FFF2-40B4-BE49-F238E27FC236}">
+                <a16:creationId xmlns:a16="http://schemas.microsoft.com/office/drawing/2014/main" id="{8CFFC453-63D5-4985-9376-BE7589A7509A}"/>
+              </a:ext>
+            </a:extLst>
+          </p:cNvPr>
+          <p:cNvSpPr txBox="1"/>
+          <p:nvPr/>
+        </p:nvSpPr>
+        <p:spPr>
+          <a:xfrm>
+            <a:off x="7315200" y="1168519"/>
+            <a:ext cx="4395277" cy="1477328"/>
+          </a:xfrm>
+          <a:prstGeom prst="rect">
+            <a:avLst/>
+          </a:prstGeom>
+          <a:noFill/>
+        </p:spPr>
+        <p:txBody>
+          <a:bodyPr wrap="square" rtlCol="0">
+            <a:spAutoFit/>
+          </a:bodyPr>
+          <a:lstStyle/>
+          <a:p>
+            <a:r>
+              <a:rPr lang="en-GB" dirty="0">
+                <a:solidFill>
+                  <a:schemeClr val="bg1"/>
+                </a:solidFill>
+              </a:rPr>
+              <a:t>The answer is</a:t>
+            </a:r>
+          </a:p>
+          <a:p>
+            <a:endParaRPr lang="en-GB" dirty="0">
+              <a:solidFill>
+                <a:schemeClr val="bg1"/>
+              </a:solidFill>
+            </a:endParaRPr>
+          </a:p>
+          <a:p>
+            <a:pPr marL="342900" indent="-342900">
+              <a:buFont typeface="+mj-lt"/>
+              <a:buAutoNum type="alphaUcPeriod"/>
+            </a:pPr>
+            <a:r>
+              <a:rPr lang="en-GB" dirty="0" err="1">
+                <a:solidFill>
+                  <a:schemeClr val="bg1"/>
+                </a:solidFill>
+              </a:rPr>
+              <a:t>AggregateException</a:t>
+            </a:r>
+            <a:br>
+              <a:rPr lang="en-GB" dirty="0">
+                <a:solidFill>
+                  <a:schemeClr val="bg1"/>
+                </a:solidFill>
+              </a:rPr>
+            </a:br>
+            <a:r>
+              <a:rPr lang="en-GB" dirty="0">
+                <a:solidFill>
+                  <a:schemeClr val="bg1"/>
+                </a:solidFill>
+              </a:rPr>
+              <a:t>One or more errors occurred. (This is a test exception)</a:t>
+            </a:r>
+          </a:p>
+        </p:txBody>
+      </p:sp>
+      <p:pic>
+        <p:nvPicPr>
+          <p:cNvPr id="2" name="Picture 1">
+            <a:extLst>
+              <a:ext uri="{FF2B5EF4-FFF2-40B4-BE49-F238E27FC236}">
+                <a16:creationId xmlns:a16="http://schemas.microsoft.com/office/drawing/2014/main" id="{998C0D28-FFB1-46DB-BB0B-98FF4377C9F5}"/>
+              </a:ext>
+            </a:extLst>
+          </p:cNvPr>
+          <p:cNvPicPr>
+            <a:picLocks noChangeAspect="1"/>
+          </p:cNvPicPr>
+          <p:nvPr/>
+        </p:nvPicPr>
+        <p:blipFill>
+          <a:blip r:embed="rId2"/>
+          <a:stretch>
+            <a:fillRect/>
+          </a:stretch>
+        </p:blipFill>
+        <p:spPr>
+          <a:xfrm>
+            <a:off x="477078" y="340436"/>
+            <a:ext cx="6301409" cy="6147341"/>
+          </a:xfrm>
+          <a:prstGeom prst="rect">
+            <a:avLst/>
+          </a:prstGeom>
+        </p:spPr>
+      </p:pic>
+    </p:spTree>
+    <p:extLst>
+      <p:ext uri="{BB962C8B-B14F-4D97-AF65-F5344CB8AC3E}">
+        <p14:creationId xmlns:p14="http://schemas.microsoft.com/office/powerpoint/2010/main" val="3341191500"/>
+      </p:ext>
+    </p:extLst>
+  </p:cSld>
+  <p:clrMapOvr>
+    <a:masterClrMapping/>
+  </p:clrMapOvr>
+</p:sld>
+</file>
+
+<file path=ppt/slides/slide55.xml><?xml version="1.0" encoding="utf-8"?>
+<p:sld xmlns:a="http://schemas.openxmlformats.org/drawingml/2006/main" xmlns:r="http://schemas.openxmlformats.org/officeDocument/2006/relationships" xmlns:p="http://schemas.openxmlformats.org/presentationml/2006/main">
+  <p:cSld>
+    <p:bg>
+      <p:bgPr>
+        <a:solidFill>
+          <a:srgbClr val="1E1E1E"/>
+        </a:solidFill>
+        <a:effectLst/>
+      </p:bgPr>
+    </p:bg>
+    <p:spTree>
+      <p:nvGrpSpPr>
+        <p:cNvPr id="1" name=""/>
+        <p:cNvGrpSpPr/>
+        <p:nvPr/>
+      </p:nvGrpSpPr>
+      <p:grpSpPr>
+        <a:xfrm>
+          <a:off x="0" y="0"/>
+          <a:ext cx="0" cy="0"/>
+          <a:chOff x="0" y="0"/>
+          <a:chExt cx="0" cy="0"/>
+        </a:xfrm>
+      </p:grpSpPr>
+      <p:sp>
+        <p:nvSpPr>
+          <p:cNvPr id="6" name="TextBox 5">
+            <a:extLst>
+              <a:ext uri="{FF2B5EF4-FFF2-40B4-BE49-F238E27FC236}">
+                <a16:creationId xmlns:a16="http://schemas.microsoft.com/office/drawing/2014/main" id="{2CDFC944-8A12-42CA-B4D7-7CEF50C368ED}"/>
+              </a:ext>
+            </a:extLst>
+          </p:cNvPr>
+          <p:cNvSpPr txBox="1"/>
+          <p:nvPr/>
+        </p:nvSpPr>
+        <p:spPr>
+          <a:xfrm>
+            <a:off x="7315200" y="340436"/>
+            <a:ext cx="11364880" cy="369332"/>
+          </a:xfrm>
+          <a:prstGeom prst="rect">
+            <a:avLst/>
+          </a:prstGeom>
+          <a:noFill/>
+        </p:spPr>
+        <p:txBody>
+          <a:bodyPr wrap="square" rtlCol="0">
+            <a:spAutoFit/>
+          </a:bodyPr>
+          <a:lstStyle/>
+          <a:p>
+            <a:r>
+              <a:rPr lang="en-GB" dirty="0">
+                <a:solidFill>
+                  <a:schemeClr val="bg1"/>
+                </a:solidFill>
+              </a:rPr>
+              <a:t>Question I </a:t>
+            </a:r>
+          </a:p>
+        </p:txBody>
+      </p:sp>
+      <p:sp>
+        <p:nvSpPr>
+          <p:cNvPr id="11" name="TextBox 10">
+            <a:extLst>
+              <a:ext uri="{FF2B5EF4-FFF2-40B4-BE49-F238E27FC236}">
+                <a16:creationId xmlns:a16="http://schemas.microsoft.com/office/drawing/2014/main" id="{8CFFC453-63D5-4985-9376-BE7589A7509A}"/>
+              </a:ext>
+            </a:extLst>
+          </p:cNvPr>
+          <p:cNvSpPr txBox="1"/>
+          <p:nvPr/>
+        </p:nvSpPr>
+        <p:spPr>
+          <a:xfrm>
+            <a:off x="7315200" y="1168519"/>
+            <a:ext cx="4395277" cy="3693319"/>
+          </a:xfrm>
+          <a:prstGeom prst="rect">
+            <a:avLst/>
+          </a:prstGeom>
+          <a:noFill/>
+        </p:spPr>
+        <p:txBody>
+          <a:bodyPr wrap="square" rtlCol="0">
+            <a:spAutoFit/>
+          </a:bodyPr>
+          <a:lstStyle/>
+          <a:p>
+            <a:r>
+              <a:rPr lang="en-GB" dirty="0">
+                <a:solidFill>
+                  <a:schemeClr val="bg1"/>
+                </a:solidFill>
+              </a:rPr>
+              <a:t>What will be the output of this method?</a:t>
+            </a:r>
+          </a:p>
+          <a:p>
+            <a:endParaRPr lang="en-GB" dirty="0">
+              <a:solidFill>
+                <a:schemeClr val="bg1"/>
+              </a:solidFill>
+            </a:endParaRPr>
+          </a:p>
+          <a:p>
+            <a:pPr marL="342900" indent="-342900">
+              <a:buFont typeface="+mj-lt"/>
+              <a:buAutoNum type="alphaUcPeriod"/>
+            </a:pPr>
+            <a:r>
+              <a:rPr lang="en-GB" dirty="0" err="1">
+                <a:solidFill>
+                  <a:schemeClr val="bg1"/>
+                </a:solidFill>
+              </a:rPr>
+              <a:t>AggregateException</a:t>
+            </a:r>
+            <a:br>
+              <a:rPr lang="en-GB" dirty="0">
+                <a:solidFill>
+                  <a:schemeClr val="bg1"/>
+                </a:solidFill>
+              </a:rPr>
+            </a:br>
+            <a:r>
+              <a:rPr lang="en-GB" dirty="0">
+                <a:solidFill>
+                  <a:schemeClr val="bg1"/>
+                </a:solidFill>
+              </a:rPr>
+              <a:t>One or more errors occurred. (This is a test exception)</a:t>
+            </a:r>
+            <a:br>
+              <a:rPr lang="en-GB" dirty="0">
+                <a:solidFill>
+                  <a:schemeClr val="bg1"/>
+                </a:solidFill>
+              </a:rPr>
+            </a:br>
+            <a:endParaRPr lang="en-GB" dirty="0">
+              <a:solidFill>
+                <a:schemeClr val="bg1"/>
+              </a:solidFill>
+            </a:endParaRPr>
+          </a:p>
+          <a:p>
+            <a:pPr marL="342900" indent="-342900">
+              <a:buFont typeface="+mj-lt"/>
+              <a:buAutoNum type="alphaUcPeriod"/>
+            </a:pPr>
+            <a:r>
+              <a:rPr lang="en-GB" dirty="0">
+                <a:solidFill>
+                  <a:schemeClr val="bg1"/>
+                </a:solidFill>
+              </a:rPr>
+              <a:t>Exception</a:t>
+            </a:r>
+          </a:p>
+          <a:p>
+            <a:r>
+              <a:rPr lang="en-GB" dirty="0">
+                <a:solidFill>
+                  <a:schemeClr val="bg1"/>
+                </a:solidFill>
+              </a:rPr>
+              <a:t>       This is a test exception</a:t>
+            </a:r>
+          </a:p>
+          <a:p>
+            <a:endParaRPr lang="en-GB" dirty="0">
+              <a:solidFill>
+                <a:schemeClr val="bg1"/>
+              </a:solidFill>
+            </a:endParaRPr>
+          </a:p>
+          <a:p>
+            <a:pPr marL="342900" indent="-342900">
+              <a:buAutoNum type="alphaUcPeriod" startAt="3"/>
+            </a:pPr>
+            <a:r>
+              <a:rPr lang="en-GB" dirty="0">
+                <a:solidFill>
+                  <a:schemeClr val="bg1"/>
+                </a:solidFill>
+              </a:rPr>
+              <a:t>An uncaught exception is thrown and can     be caught in the calling method</a:t>
+            </a:r>
+          </a:p>
+          <a:p>
+            <a:pPr marL="342900" indent="-342900">
+              <a:buAutoNum type="alphaUcPeriod" startAt="3"/>
+            </a:pPr>
+            <a:endParaRPr lang="en-GB" dirty="0">
+              <a:solidFill>
+                <a:schemeClr val="bg1"/>
+              </a:solidFill>
+            </a:endParaRPr>
+          </a:p>
+          <a:p>
+            <a:pPr marL="342900" indent="-342900">
+              <a:buAutoNum type="alphaUcPeriod" startAt="3"/>
+            </a:pPr>
+            <a:r>
+              <a:rPr lang="en-GB" dirty="0">
+                <a:solidFill>
+                  <a:schemeClr val="bg1"/>
+                </a:solidFill>
+              </a:rPr>
+              <a:t>None of the above.</a:t>
+            </a:r>
+          </a:p>
+        </p:txBody>
+      </p:sp>
+      <p:pic>
+        <p:nvPicPr>
+          <p:cNvPr id="3" name="Picture 2">
+            <a:extLst>
+              <a:ext uri="{FF2B5EF4-FFF2-40B4-BE49-F238E27FC236}">
+                <a16:creationId xmlns:a16="http://schemas.microsoft.com/office/drawing/2014/main" id="{1E68A627-623A-4C15-9AF8-EE50E57C2833}"/>
+              </a:ext>
+            </a:extLst>
+          </p:cNvPr>
+          <p:cNvPicPr>
+            <a:picLocks noChangeAspect="1"/>
+          </p:cNvPicPr>
+          <p:nvPr/>
+        </p:nvPicPr>
+        <p:blipFill>
+          <a:blip r:embed="rId2"/>
+          <a:stretch>
+            <a:fillRect/>
+          </a:stretch>
+        </p:blipFill>
+        <p:spPr>
+          <a:xfrm>
+            <a:off x="337421" y="340436"/>
+            <a:ext cx="5586301" cy="1911103"/>
+          </a:xfrm>
+          <a:prstGeom prst="rect">
+            <a:avLst/>
+          </a:prstGeom>
+        </p:spPr>
+      </p:pic>
+    </p:spTree>
+    <p:extLst>
+      <p:ext uri="{BB962C8B-B14F-4D97-AF65-F5344CB8AC3E}">
+        <p14:creationId xmlns:p14="http://schemas.microsoft.com/office/powerpoint/2010/main" val="1300467980"/>
+      </p:ext>
+    </p:extLst>
+  </p:cSld>
+  <p:clrMapOvr>
+    <a:masterClrMapping/>
+  </p:clrMapOvr>
+</p:sld>
+</file>
+
+<file path=ppt/slides/slide56.xml><?xml version="1.0" encoding="utf-8"?>
+<p:sld xmlns:a="http://schemas.openxmlformats.org/drawingml/2006/main" xmlns:r="http://schemas.openxmlformats.org/officeDocument/2006/relationships" xmlns:p="http://schemas.openxmlformats.org/presentationml/2006/main">
+  <p:cSld>
+    <p:bg>
+      <p:bgPr>
+        <a:solidFill>
+          <a:srgbClr val="1E1E1E"/>
+        </a:solidFill>
+        <a:effectLst/>
+      </p:bgPr>
+    </p:bg>
+    <p:spTree>
+      <p:nvGrpSpPr>
+        <p:cNvPr id="1" name=""/>
+        <p:cNvGrpSpPr/>
+        <p:nvPr/>
+      </p:nvGrpSpPr>
+      <p:grpSpPr>
+        <a:xfrm>
+          <a:off x="0" y="0"/>
+          <a:ext cx="0" cy="0"/>
+          <a:chOff x="0" y="0"/>
+          <a:chExt cx="0" cy="0"/>
+        </a:xfrm>
+      </p:grpSpPr>
+      <p:sp>
+        <p:nvSpPr>
+          <p:cNvPr id="6" name="TextBox 5">
+            <a:extLst>
+              <a:ext uri="{FF2B5EF4-FFF2-40B4-BE49-F238E27FC236}">
+                <a16:creationId xmlns:a16="http://schemas.microsoft.com/office/drawing/2014/main" id="{2CDFC944-8A12-42CA-B4D7-7CEF50C368ED}"/>
+              </a:ext>
+            </a:extLst>
+          </p:cNvPr>
+          <p:cNvSpPr txBox="1"/>
+          <p:nvPr/>
+        </p:nvSpPr>
+        <p:spPr>
+          <a:xfrm>
+            <a:off x="7315200" y="340436"/>
+            <a:ext cx="11364880" cy="369332"/>
+          </a:xfrm>
+          <a:prstGeom prst="rect">
+            <a:avLst/>
+          </a:prstGeom>
+          <a:noFill/>
+        </p:spPr>
+        <p:txBody>
+          <a:bodyPr wrap="square" rtlCol="0">
+            <a:spAutoFit/>
+          </a:bodyPr>
+          <a:lstStyle/>
+          <a:p>
+            <a:r>
+              <a:rPr lang="en-GB" dirty="0">
+                <a:solidFill>
+                  <a:schemeClr val="bg1"/>
+                </a:solidFill>
+              </a:rPr>
+              <a:t>Question I </a:t>
+            </a:r>
+          </a:p>
+        </p:txBody>
+      </p:sp>
+      <p:sp>
+        <p:nvSpPr>
+          <p:cNvPr id="11" name="TextBox 10">
+            <a:extLst>
+              <a:ext uri="{FF2B5EF4-FFF2-40B4-BE49-F238E27FC236}">
+                <a16:creationId xmlns:a16="http://schemas.microsoft.com/office/drawing/2014/main" id="{8CFFC453-63D5-4985-9376-BE7589A7509A}"/>
+              </a:ext>
+            </a:extLst>
+          </p:cNvPr>
+          <p:cNvSpPr txBox="1"/>
+          <p:nvPr/>
+        </p:nvSpPr>
+        <p:spPr>
+          <a:xfrm>
+            <a:off x="7315200" y="1168519"/>
+            <a:ext cx="4395277" cy="1754326"/>
+          </a:xfrm>
+          <a:prstGeom prst="rect">
+            <a:avLst/>
+          </a:prstGeom>
+          <a:noFill/>
+        </p:spPr>
+        <p:txBody>
+          <a:bodyPr wrap="square" rtlCol="0">
+            <a:spAutoFit/>
+          </a:bodyPr>
+          <a:lstStyle/>
+          <a:p>
+            <a:r>
+              <a:rPr lang="en-GB" dirty="0">
+                <a:solidFill>
+                  <a:schemeClr val="bg1"/>
+                </a:solidFill>
+              </a:rPr>
+              <a:t>The answer is</a:t>
+            </a:r>
+          </a:p>
+          <a:p>
+            <a:endParaRPr lang="en-GB" dirty="0">
+              <a:solidFill>
+                <a:schemeClr val="bg1"/>
+              </a:solidFill>
+            </a:endParaRPr>
+          </a:p>
+          <a:p>
+            <a:r>
+              <a:rPr lang="en-GB" dirty="0">
+                <a:solidFill>
+                  <a:schemeClr val="bg1"/>
+                </a:solidFill>
+              </a:rPr>
+              <a:t>D. None of the above.</a:t>
+            </a:r>
+          </a:p>
+          <a:p>
+            <a:endParaRPr lang="en-GB" dirty="0">
+              <a:solidFill>
+                <a:schemeClr val="bg1"/>
+              </a:solidFill>
+            </a:endParaRPr>
+          </a:p>
+          <a:p>
+            <a:r>
+              <a:rPr lang="en-GB" dirty="0">
+                <a:solidFill>
+                  <a:schemeClr val="bg1"/>
+                </a:solidFill>
+              </a:rPr>
+              <a:t>There is no output as the exception of the task is never observed.</a:t>
+            </a:r>
+          </a:p>
+        </p:txBody>
+      </p:sp>
+      <p:pic>
+        <p:nvPicPr>
+          <p:cNvPr id="3" name="Picture 2">
+            <a:extLst>
+              <a:ext uri="{FF2B5EF4-FFF2-40B4-BE49-F238E27FC236}">
+                <a16:creationId xmlns:a16="http://schemas.microsoft.com/office/drawing/2014/main" id="{1E68A627-623A-4C15-9AF8-EE50E57C2833}"/>
+              </a:ext>
+            </a:extLst>
+          </p:cNvPr>
+          <p:cNvPicPr>
+            <a:picLocks noChangeAspect="1"/>
+          </p:cNvPicPr>
+          <p:nvPr/>
+        </p:nvPicPr>
+        <p:blipFill>
+          <a:blip r:embed="rId2"/>
+          <a:stretch>
+            <a:fillRect/>
+          </a:stretch>
+        </p:blipFill>
+        <p:spPr>
+          <a:xfrm>
+            <a:off x="337421" y="340436"/>
+            <a:ext cx="5586301" cy="1911103"/>
+          </a:xfrm>
+          <a:prstGeom prst="rect">
+            <a:avLst/>
+          </a:prstGeom>
+        </p:spPr>
+      </p:pic>
+    </p:spTree>
+    <p:extLst>
+      <p:ext uri="{BB962C8B-B14F-4D97-AF65-F5344CB8AC3E}">
+        <p14:creationId xmlns:p14="http://schemas.microsoft.com/office/powerpoint/2010/main" val="197561650"/>
+      </p:ext>
+    </p:extLst>
+  </p:cSld>
+  <p:clrMapOvr>
+    <a:masterClrMapping/>
+  </p:clrMapOvr>
+</p:sld>
+</file>
+
+<file path=ppt/slides/slide57.xml><?xml version="1.0" encoding="utf-8"?>
+<p:sld xmlns:a="http://schemas.openxmlformats.org/drawingml/2006/main" xmlns:r="http://schemas.openxmlformats.org/officeDocument/2006/relationships" xmlns:p="http://schemas.openxmlformats.org/presentationml/2006/main">
+  <p:cSld>
+    <p:spTree>
+      <p:nvGrpSpPr>
+        <p:cNvPr id="1" name=""/>
+        <p:cNvGrpSpPr/>
+        <p:nvPr/>
+      </p:nvGrpSpPr>
+      <p:grpSpPr>
+        <a:xfrm>
+          <a:off x="0" y="0"/>
+          <a:ext cx="0" cy="0"/>
+          <a:chOff x="0" y="0"/>
+          <a:chExt cx="0" cy="0"/>
+        </a:xfrm>
+      </p:grpSpPr>
+      <p:sp>
+        <p:nvSpPr>
+          <p:cNvPr id="4" name="TextBox 3">
+            <a:extLst>
+              <a:ext uri="{FF2B5EF4-FFF2-40B4-BE49-F238E27FC236}">
+                <a16:creationId xmlns:a16="http://schemas.microsoft.com/office/drawing/2014/main" id="{18767206-9205-42D0-A2AE-5A1017D4CB08}"/>
+              </a:ext>
+            </a:extLst>
+          </p:cNvPr>
+          <p:cNvSpPr txBox="1"/>
+          <p:nvPr/>
+        </p:nvSpPr>
+        <p:spPr>
+          <a:xfrm>
+            <a:off x="278297" y="212034"/>
+            <a:ext cx="11781182" cy="6524863"/>
+          </a:xfrm>
+          <a:prstGeom prst="rect">
+            <a:avLst/>
+          </a:prstGeom>
+          <a:noFill/>
+        </p:spPr>
+        <p:txBody>
+          <a:bodyPr wrap="square" rtlCol="0">
+            <a:spAutoFit/>
+          </a:bodyPr>
+          <a:lstStyle/>
+          <a:p>
+            <a:r>
+              <a:rPr lang="en-GB" sz="2200" b="1" dirty="0"/>
+              <a:t>Dealing with exceptions</a:t>
+            </a:r>
+          </a:p>
+          <a:p>
+            <a:endParaRPr lang="en-GB" sz="2200" b="1" dirty="0"/>
+          </a:p>
+          <a:p>
+            <a:pPr marL="342900" indent="-342900">
+              <a:buFont typeface="Arial" panose="020B0604020202020204" pitchFamily="34" charset="0"/>
+              <a:buChar char="•"/>
+            </a:pPr>
+            <a:r>
+              <a:rPr lang="en-GB" sz="2200" dirty="0"/>
+              <a:t>Observing the completion of a failed task by using </a:t>
+            </a:r>
+            <a:r>
+              <a:rPr lang="en-GB" sz="2200" b="1" dirty="0"/>
+              <a:t>Wait()</a:t>
+            </a:r>
+            <a:r>
+              <a:rPr lang="en-GB" sz="2200" dirty="0"/>
+              <a:t>,</a:t>
+            </a:r>
+            <a:r>
+              <a:rPr lang="en-GB" sz="2200" b="1" dirty="0"/>
+              <a:t> Result, await </a:t>
+            </a:r>
+            <a:r>
+              <a:rPr lang="en-GB" sz="2200" dirty="0"/>
+              <a:t>or </a:t>
+            </a:r>
+            <a:r>
+              <a:rPr lang="en-GB" sz="2200" b="1" dirty="0" err="1"/>
+              <a:t>GetAwaiter</a:t>
+            </a:r>
+            <a:r>
+              <a:rPr lang="en-GB" sz="2200" b="1" dirty="0"/>
+              <a:t>().</a:t>
+            </a:r>
+            <a:r>
+              <a:rPr lang="en-GB" sz="2200" b="1" dirty="0" err="1"/>
+              <a:t>GetResult</a:t>
+            </a:r>
+            <a:r>
+              <a:rPr lang="en-GB" sz="2200" b="1" dirty="0"/>
+              <a:t>() </a:t>
+            </a:r>
+            <a:r>
+              <a:rPr lang="en-GB" sz="2200" dirty="0"/>
+              <a:t>will propagate its exception. At this point, you need to handle it with a try/catch block. </a:t>
+            </a:r>
+          </a:p>
+          <a:p>
+            <a:pPr marL="342900" indent="-342900">
+              <a:buFont typeface="Arial" panose="020B0604020202020204" pitchFamily="34" charset="0"/>
+              <a:buChar char="•"/>
+            </a:pPr>
+            <a:endParaRPr lang="en-GB" sz="2200" dirty="0"/>
+          </a:p>
+          <a:p>
+            <a:pPr marL="342900" indent="-342900">
+              <a:buFont typeface="Arial" panose="020B0604020202020204" pitchFamily="34" charset="0"/>
+              <a:buChar char="•"/>
+            </a:pPr>
+            <a:r>
+              <a:rPr lang="en-GB" sz="2200" dirty="0"/>
+              <a:t>If a task is the parent of attached child tasks, or if you are waiting on multiple tasks, multiple exceptions could be thrown. These are grouped as a single </a:t>
+            </a:r>
+            <a:r>
+              <a:rPr lang="en-GB" sz="2200" b="1" dirty="0" err="1"/>
+              <a:t>AggregateException</a:t>
+            </a:r>
+            <a:r>
+              <a:rPr lang="en-GB" sz="2200" dirty="0"/>
+              <a:t>.</a:t>
+            </a:r>
+          </a:p>
+          <a:p>
+            <a:endParaRPr lang="en-GB" sz="2200" b="1" dirty="0"/>
+          </a:p>
+          <a:p>
+            <a:pPr marL="342900" indent="-342900">
+              <a:buFont typeface="Arial" panose="020B0604020202020204" pitchFamily="34" charset="0"/>
+              <a:buChar char="•"/>
+            </a:pPr>
+            <a:r>
+              <a:rPr lang="en-GB" sz="2200" dirty="0"/>
+              <a:t>Exceptions thrown within a task are always accessible from the </a:t>
+            </a:r>
+            <a:r>
+              <a:rPr lang="en-GB" sz="2200" b="1" dirty="0"/>
+              <a:t>Exception property</a:t>
+            </a:r>
+            <a:r>
+              <a:rPr lang="en-GB" sz="2200" dirty="0"/>
+              <a:t>. This is of type </a:t>
+            </a:r>
+            <a:r>
+              <a:rPr lang="en-GB" sz="2200" b="1" dirty="0" err="1"/>
+              <a:t>AggregateException</a:t>
+            </a:r>
+            <a:r>
+              <a:rPr lang="en-GB" sz="2200" dirty="0"/>
+              <a:t>. </a:t>
+            </a:r>
+          </a:p>
+          <a:p>
+            <a:endParaRPr lang="en-GB" sz="2200" b="1" dirty="0"/>
+          </a:p>
+          <a:p>
+            <a:pPr marL="342900" indent="-342900">
+              <a:buFont typeface="Arial" panose="020B0604020202020204" pitchFamily="34" charset="0"/>
+              <a:buChar char="•"/>
+            </a:pPr>
+            <a:r>
+              <a:rPr lang="en-GB" sz="2200" b="1" dirty="0"/>
+              <a:t>Using await or </a:t>
+            </a:r>
+            <a:r>
+              <a:rPr lang="en-GB" sz="2200" b="1" dirty="0" err="1"/>
+              <a:t>GetAwaiter</a:t>
+            </a:r>
+            <a:r>
+              <a:rPr lang="en-GB" sz="2200" b="1" dirty="0"/>
+              <a:t>().</a:t>
+            </a:r>
+            <a:r>
+              <a:rPr lang="en-GB" sz="2200" b="1" dirty="0" err="1"/>
+              <a:t>GetResult</a:t>
+            </a:r>
+            <a:r>
+              <a:rPr lang="en-GB" sz="2200" b="1" dirty="0"/>
+              <a:t>() will not throw an </a:t>
+            </a:r>
+            <a:r>
+              <a:rPr lang="en-GB" sz="2200" b="1" dirty="0" err="1"/>
+              <a:t>AggregateException</a:t>
+            </a:r>
+            <a:r>
+              <a:rPr lang="en-GB" sz="2200" dirty="0"/>
+              <a:t>. It will instead propagate the first exception which was thrown, just like when writing synchronous code. This is another key benefit to using async/await. You don’t have to worry about </a:t>
+            </a:r>
+            <a:r>
+              <a:rPr lang="en-GB" sz="2200" dirty="0" err="1"/>
+              <a:t>AggregateExceptions</a:t>
+            </a:r>
+            <a:r>
+              <a:rPr lang="en-GB" sz="2200" dirty="0"/>
+              <a:t>!</a:t>
+            </a:r>
+          </a:p>
+          <a:p>
+            <a:pPr marL="342900" indent="-342900">
+              <a:buFont typeface="Arial" panose="020B0604020202020204" pitchFamily="34" charset="0"/>
+              <a:buChar char="•"/>
+            </a:pPr>
+            <a:endParaRPr lang="en-GB" sz="2200" dirty="0"/>
+          </a:p>
+          <a:p>
+            <a:pPr marL="342900" indent="-342900">
+              <a:buFont typeface="Arial" panose="020B0604020202020204" pitchFamily="34" charset="0"/>
+              <a:buChar char="•"/>
+            </a:pPr>
+            <a:r>
+              <a:rPr lang="en-GB" sz="2200" dirty="0"/>
+              <a:t>If you don’t observe the completion of a task which has thrown an exception, the garbage collector will trigger the </a:t>
+            </a:r>
+            <a:r>
+              <a:rPr lang="en-GB" sz="2200" b="1" dirty="0" err="1"/>
+              <a:t>UnobservedTaskException</a:t>
+            </a:r>
+            <a:r>
+              <a:rPr lang="en-GB" sz="2200" dirty="0"/>
+              <a:t> event on the </a:t>
+            </a:r>
+            <a:r>
+              <a:rPr lang="en-GB" sz="2200" b="1" dirty="0" err="1"/>
+              <a:t>TaskScheduler</a:t>
+            </a:r>
+            <a:r>
+              <a:rPr lang="en-GB" sz="2200" dirty="0"/>
+              <a:t>, which by default will </a:t>
+            </a:r>
+            <a:r>
+              <a:rPr lang="en-GB" sz="2200" b="1" dirty="0"/>
+              <a:t>completely terminate your process</a:t>
+            </a:r>
+            <a:r>
+              <a:rPr lang="en-GB" sz="2200" dirty="0"/>
+              <a:t>. This default behaviour can be overridden however. </a:t>
+            </a:r>
+            <a:endParaRPr lang="en-GB" sz="2200" b="1" dirty="0"/>
+          </a:p>
+        </p:txBody>
+      </p:sp>
+    </p:spTree>
+    <p:extLst>
+      <p:ext uri="{BB962C8B-B14F-4D97-AF65-F5344CB8AC3E}">
+        <p14:creationId xmlns:p14="http://schemas.microsoft.com/office/powerpoint/2010/main" val="25185311"/>
       </p:ext>
     </p:extLst>
   </p:cSld>

--- a/Async and await presentation.pptx
+++ b/Async and await presentation.pptx
@@ -49,19 +49,20 @@
     <p:sldId id="299" r:id="rId43"/>
     <p:sldId id="309" r:id="rId44"/>
     <p:sldId id="300" r:id="rId45"/>
-    <p:sldId id="301" r:id="rId46"/>
-    <p:sldId id="310" r:id="rId47"/>
-    <p:sldId id="302" r:id="rId48"/>
-    <p:sldId id="311" r:id="rId49"/>
-    <p:sldId id="303" r:id="rId50"/>
-    <p:sldId id="312" r:id="rId51"/>
-    <p:sldId id="305" r:id="rId52"/>
-    <p:sldId id="313" r:id="rId53"/>
-    <p:sldId id="306" r:id="rId54"/>
-    <p:sldId id="314" r:id="rId55"/>
-    <p:sldId id="307" r:id="rId56"/>
-    <p:sldId id="315" r:id="rId57"/>
-    <p:sldId id="297" r:id="rId58"/>
+    <p:sldId id="316" r:id="rId46"/>
+    <p:sldId id="301" r:id="rId47"/>
+    <p:sldId id="310" r:id="rId48"/>
+    <p:sldId id="302" r:id="rId49"/>
+    <p:sldId id="311" r:id="rId50"/>
+    <p:sldId id="303" r:id="rId51"/>
+    <p:sldId id="312" r:id="rId52"/>
+    <p:sldId id="305" r:id="rId53"/>
+    <p:sldId id="313" r:id="rId54"/>
+    <p:sldId id="306" r:id="rId55"/>
+    <p:sldId id="314" r:id="rId56"/>
+    <p:sldId id="307" r:id="rId57"/>
+    <p:sldId id="315" r:id="rId58"/>
+    <p:sldId id="297" r:id="rId59"/>
   </p:sldIdLst>
   <p:sldSz cx="12192000" cy="6858000"/>
   <p:notesSz cx="6858000" cy="9144000"/>
@@ -10768,7 +10769,7 @@
             <a:pPr algn="ctr"/>
             <a:r>
               <a:rPr lang="en-GB" sz="2200" b="1" dirty="0"/>
-              <a:t>But what if you want to execute an asynchronous task without waiting for? </a:t>
+              <a:t>But what if you want to execute an asynchronous task without waiting for it to finish? </a:t>
             </a:r>
             <a:endParaRPr lang="en-GB" sz="2200" dirty="0"/>
           </a:p>
@@ -11563,7 +11564,15 @@
             </a:r>
             <a:r>
               <a:rPr lang="en-GB" dirty="0"/>
-              <a:t>The Reliable Actors API provides a single-threaded programming model built on the scalability and reliability guarantees provided by Service Fabric.”</a:t>
+              <a:t>The Reliable Actors API provides a </a:t>
+            </a:r>
+            <a:r>
+              <a:rPr lang="en-GB" b="1" dirty="0"/>
+              <a:t>single-threaded programming </a:t>
+            </a:r>
+            <a:r>
+              <a:rPr lang="en-GB" dirty="0"/>
+              <a:t>model built on the scalability and reliability guarantees provided by Service Fabric.”</a:t>
             </a:r>
             <a:endParaRPr lang="en-GB" sz="2200" dirty="0"/>
           </a:p>
@@ -13077,72 +13086,6 @@
           </a:p>
         </p:txBody>
       </p:sp>
-      <p:sp>
-        <p:nvSpPr>
-          <p:cNvPr id="11" name="TextBox 10">
-            <a:extLst>
-              <a:ext uri="{FF2B5EF4-FFF2-40B4-BE49-F238E27FC236}">
-                <a16:creationId xmlns:a16="http://schemas.microsoft.com/office/drawing/2014/main" id="{8CFFC453-63D5-4985-9376-BE7589A7509A}"/>
-              </a:ext>
-            </a:extLst>
-          </p:cNvPr>
-          <p:cNvSpPr txBox="1"/>
-          <p:nvPr/>
-        </p:nvSpPr>
-        <p:spPr>
-          <a:xfrm>
-            <a:off x="7594559" y="1134296"/>
-            <a:ext cx="4395277" cy="1200329"/>
-          </a:xfrm>
-          <a:prstGeom prst="rect">
-            <a:avLst/>
-          </a:prstGeom>
-          <a:noFill/>
-        </p:spPr>
-        <p:txBody>
-          <a:bodyPr wrap="square" rtlCol="0">
-            <a:spAutoFit/>
-          </a:bodyPr>
-          <a:lstStyle/>
-          <a:p>
-            <a:r>
-              <a:rPr lang="en-GB" dirty="0">
-                <a:solidFill>
-                  <a:schemeClr val="bg1"/>
-                </a:solidFill>
-              </a:rPr>
-              <a:t>The answer is </a:t>
-            </a:r>
-          </a:p>
-          <a:p>
-            <a:endParaRPr lang="en-GB" dirty="0">
-              <a:solidFill>
-                <a:schemeClr val="bg1"/>
-              </a:solidFill>
-            </a:endParaRPr>
-          </a:p>
-          <a:p>
-            <a:r>
-              <a:rPr lang="en-GB" dirty="0">
-                <a:solidFill>
-                  <a:schemeClr val="bg1"/>
-                </a:solidFill>
-              </a:rPr>
-              <a:t>B.    Exception</a:t>
-            </a:r>
-          </a:p>
-          <a:p>
-            <a:r>
-              <a:rPr lang="en-GB" dirty="0">
-                <a:solidFill>
-                  <a:schemeClr val="bg1"/>
-                </a:solidFill>
-              </a:rPr>
-              <a:t>       This is a test exception</a:t>
-            </a:r>
-          </a:p>
-        </p:txBody>
-      </p:sp>
       <p:pic>
         <p:nvPicPr>
           <p:cNvPr id="2" name="Picture 1">
@@ -13173,6 +13116,160 @@
           </a:prstGeom>
         </p:spPr>
       </p:pic>
+      <p:sp>
+        <p:nvSpPr>
+          <p:cNvPr id="7" name="TextBox 6">
+            <a:extLst>
+              <a:ext uri="{FF2B5EF4-FFF2-40B4-BE49-F238E27FC236}">
+                <a16:creationId xmlns:a16="http://schemas.microsoft.com/office/drawing/2014/main" id="{03A1D1DE-A63C-4D8F-ADAD-04407E8AFDBC}"/>
+              </a:ext>
+            </a:extLst>
+          </p:cNvPr>
+          <p:cNvSpPr txBox="1"/>
+          <p:nvPr/>
+        </p:nvSpPr>
+        <p:spPr>
+          <a:xfrm>
+            <a:off x="7594559" y="1134296"/>
+            <a:ext cx="4395277" cy="3693319"/>
+          </a:xfrm>
+          <a:prstGeom prst="rect">
+            <a:avLst/>
+          </a:prstGeom>
+          <a:noFill/>
+        </p:spPr>
+        <p:txBody>
+          <a:bodyPr wrap="square" rtlCol="0">
+            <a:spAutoFit/>
+          </a:bodyPr>
+          <a:lstStyle/>
+          <a:p>
+            <a:r>
+              <a:rPr lang="en-GB" dirty="0">
+                <a:solidFill>
+                  <a:schemeClr val="bg1"/>
+                </a:solidFill>
+              </a:rPr>
+              <a:t>What will be the output of this method?</a:t>
+            </a:r>
+          </a:p>
+          <a:p>
+            <a:endParaRPr lang="en-GB" dirty="0">
+              <a:solidFill>
+                <a:schemeClr val="bg1"/>
+              </a:solidFill>
+            </a:endParaRPr>
+          </a:p>
+          <a:p>
+            <a:pPr marL="342900" indent="-342900">
+              <a:buFont typeface="+mj-lt"/>
+              <a:buAutoNum type="alphaUcPeriod"/>
+            </a:pPr>
+            <a:r>
+              <a:rPr lang="en-GB" dirty="0" err="1">
+                <a:solidFill>
+                  <a:schemeClr val="bg1"/>
+                </a:solidFill>
+              </a:rPr>
+              <a:t>AggregateException</a:t>
+            </a:r>
+            <a:br>
+              <a:rPr lang="en-GB" dirty="0">
+                <a:solidFill>
+                  <a:schemeClr val="bg1"/>
+                </a:solidFill>
+              </a:rPr>
+            </a:br>
+            <a:r>
+              <a:rPr lang="en-GB" dirty="0">
+                <a:solidFill>
+                  <a:schemeClr val="bg1"/>
+                </a:solidFill>
+              </a:rPr>
+              <a:t>One or more errors occurred. (This is a test exception)</a:t>
+            </a:r>
+            <a:br>
+              <a:rPr lang="en-GB" dirty="0">
+                <a:solidFill>
+                  <a:schemeClr val="bg1"/>
+                </a:solidFill>
+              </a:rPr>
+            </a:br>
+            <a:endParaRPr lang="en-GB" dirty="0">
+              <a:solidFill>
+                <a:schemeClr val="bg1"/>
+              </a:solidFill>
+            </a:endParaRPr>
+          </a:p>
+          <a:p>
+            <a:pPr marL="342900" indent="-342900">
+              <a:buFont typeface="+mj-lt"/>
+              <a:buAutoNum type="alphaUcPeriod"/>
+            </a:pPr>
+            <a:r>
+              <a:rPr lang="en-GB" dirty="0">
+                <a:solidFill>
+                  <a:schemeClr val="bg1"/>
+                </a:solidFill>
+              </a:rPr>
+              <a:t>Exception</a:t>
+            </a:r>
+          </a:p>
+          <a:p>
+            <a:r>
+              <a:rPr lang="en-GB" dirty="0">
+                <a:solidFill>
+                  <a:schemeClr val="bg1"/>
+                </a:solidFill>
+              </a:rPr>
+              <a:t>       This is a test exception</a:t>
+            </a:r>
+          </a:p>
+          <a:p>
+            <a:endParaRPr lang="en-GB" dirty="0">
+              <a:solidFill>
+                <a:schemeClr val="bg1"/>
+              </a:solidFill>
+            </a:endParaRPr>
+          </a:p>
+          <a:p>
+            <a:pPr marL="342900" indent="-342900">
+              <a:buAutoNum type="alphaUcPeriod" startAt="3"/>
+            </a:pPr>
+            <a:r>
+              <a:rPr lang="en-GB" dirty="0">
+                <a:solidFill>
+                  <a:schemeClr val="bg1"/>
+                </a:solidFill>
+              </a:rPr>
+              <a:t>An uncaught exception is thrown and can     be caught in the calling method</a:t>
+            </a:r>
+          </a:p>
+          <a:p>
+            <a:pPr marL="342900" indent="-342900">
+              <a:buAutoNum type="alphaUcPeriod" startAt="3"/>
+            </a:pPr>
+            <a:endParaRPr lang="en-GB" dirty="0">
+              <a:solidFill>
+                <a:schemeClr val="bg1"/>
+              </a:solidFill>
+            </a:endParaRPr>
+          </a:p>
+          <a:p>
+            <a:pPr marL="342900" indent="-342900">
+              <a:buAutoNum type="alphaUcPeriod" startAt="3"/>
+            </a:pPr>
+            <a:r>
+              <a:rPr lang="en-GB" dirty="0">
+                <a:solidFill>
+                  <a:schemeClr val="bg1"/>
+                </a:solidFill>
+              </a:rPr>
+              <a:t>None of the above.</a:t>
+            </a:r>
+          </a:p>
+        </p:txBody>
+      </p:sp>
     </p:spTree>
     <p:extLst>
       <p:ext uri="{BB962C8B-B14F-4D97-AF65-F5344CB8AC3E}">
@@ -13245,17 +13342,83 @@
                   <a:schemeClr val="bg1"/>
                 </a:solidFill>
               </a:rPr>
-              <a:t>Question D </a:t>
+              <a:t>Question C </a:t>
+            </a:r>
+          </a:p>
+        </p:txBody>
+      </p:sp>
+      <p:sp>
+        <p:nvSpPr>
+          <p:cNvPr id="11" name="TextBox 10">
+            <a:extLst>
+              <a:ext uri="{FF2B5EF4-FFF2-40B4-BE49-F238E27FC236}">
+                <a16:creationId xmlns:a16="http://schemas.microsoft.com/office/drawing/2014/main" id="{8CFFC453-63D5-4985-9376-BE7589A7509A}"/>
+              </a:ext>
+            </a:extLst>
+          </p:cNvPr>
+          <p:cNvSpPr txBox="1"/>
+          <p:nvPr/>
+        </p:nvSpPr>
+        <p:spPr>
+          <a:xfrm>
+            <a:off x="7594559" y="1134296"/>
+            <a:ext cx="4395277" cy="1200329"/>
+          </a:xfrm>
+          <a:prstGeom prst="rect">
+            <a:avLst/>
+          </a:prstGeom>
+          <a:noFill/>
+        </p:spPr>
+        <p:txBody>
+          <a:bodyPr wrap="square" rtlCol="0">
+            <a:spAutoFit/>
+          </a:bodyPr>
+          <a:lstStyle/>
+          <a:p>
+            <a:r>
+              <a:rPr lang="en-GB" dirty="0">
+                <a:solidFill>
+                  <a:schemeClr val="bg1"/>
+                </a:solidFill>
+              </a:rPr>
+              <a:t>The answer is </a:t>
+            </a:r>
+          </a:p>
+          <a:p>
+            <a:endParaRPr lang="en-GB" dirty="0">
+              <a:solidFill>
+                <a:schemeClr val="bg1"/>
+              </a:solidFill>
+            </a:endParaRPr>
+          </a:p>
+          <a:p>
+            <a:r>
+              <a:rPr lang="en-GB" dirty="0">
+                <a:solidFill>
+                  <a:schemeClr val="bg1"/>
+                </a:solidFill>
+              </a:rPr>
+              <a:t>B.    Exception</a:t>
+            </a:r>
+          </a:p>
+          <a:p>
+            <a:r>
+              <a:rPr lang="en-GB" dirty="0">
+                <a:solidFill>
+                  <a:schemeClr val="bg1"/>
+                </a:solidFill>
+              </a:rPr>
+              <a:t>       This is a test exception</a:t>
             </a:r>
           </a:p>
         </p:txBody>
       </p:sp>
       <p:pic>
         <p:nvPicPr>
-          <p:cNvPr id="3" name="Picture 2">
-            <a:extLst>
-              <a:ext uri="{FF2B5EF4-FFF2-40B4-BE49-F238E27FC236}">
-                <a16:creationId xmlns:a16="http://schemas.microsoft.com/office/drawing/2014/main" id="{023A3C97-5944-49CC-9172-ACD496B4F256}"/>
+          <p:cNvPr id="2" name="Picture 1">
+            <a:extLst>
+              <a:ext uri="{FF2B5EF4-FFF2-40B4-BE49-F238E27FC236}">
+                <a16:creationId xmlns:a16="http://schemas.microsoft.com/office/drawing/2014/main" id="{0BD97387-E99A-4C89-B42D-BC08349EDEC6}"/>
               </a:ext>
             </a:extLst>
           </p:cNvPr>
@@ -13272,172 +13435,18 @@
         </p:blipFill>
         <p:spPr>
           <a:xfrm>
-            <a:off x="148167" y="1134296"/>
-            <a:ext cx="7567083" cy="4637890"/>
+            <a:off x="182759" y="1134296"/>
+            <a:ext cx="7458242" cy="4137792"/>
           </a:xfrm>
           <a:prstGeom prst="rect">
             <a:avLst/>
           </a:prstGeom>
         </p:spPr>
       </p:pic>
-      <p:sp>
-        <p:nvSpPr>
-          <p:cNvPr id="11" name="TextBox 10">
-            <a:extLst>
-              <a:ext uri="{FF2B5EF4-FFF2-40B4-BE49-F238E27FC236}">
-                <a16:creationId xmlns:a16="http://schemas.microsoft.com/office/drawing/2014/main" id="{8CFFC453-63D5-4985-9376-BE7589A7509A}"/>
-              </a:ext>
-            </a:extLst>
-          </p:cNvPr>
-          <p:cNvSpPr txBox="1"/>
-          <p:nvPr/>
-        </p:nvSpPr>
-        <p:spPr>
-          <a:xfrm>
-            <a:off x="7594559" y="1134296"/>
-            <a:ext cx="4395277" cy="3693319"/>
-          </a:xfrm>
-          <a:prstGeom prst="rect">
-            <a:avLst/>
-          </a:prstGeom>
-          <a:noFill/>
-        </p:spPr>
-        <p:txBody>
-          <a:bodyPr wrap="square" rtlCol="0">
-            <a:spAutoFit/>
-          </a:bodyPr>
-          <a:lstStyle/>
-          <a:p>
-            <a:r>
-              <a:rPr lang="en-GB" dirty="0">
-                <a:solidFill>
-                  <a:schemeClr val="bg1"/>
-                </a:solidFill>
-              </a:rPr>
-              <a:t>What will be the output of this method?</a:t>
-            </a:r>
-          </a:p>
-          <a:p>
-            <a:endParaRPr lang="en-GB" dirty="0">
-              <a:solidFill>
-                <a:schemeClr val="bg1"/>
-              </a:solidFill>
-            </a:endParaRPr>
-          </a:p>
-          <a:p>
-            <a:pPr marL="342900" indent="-342900">
-              <a:buFont typeface="+mj-lt"/>
-              <a:buAutoNum type="alphaUcPeriod"/>
-            </a:pPr>
-            <a:r>
-              <a:rPr lang="en-GB" dirty="0" err="1">
-                <a:solidFill>
-                  <a:schemeClr val="bg1"/>
-                </a:solidFill>
-              </a:rPr>
-              <a:t>AggregateException</a:t>
-            </a:r>
-            <a:br>
-              <a:rPr lang="en-GB" dirty="0">
-                <a:solidFill>
-                  <a:schemeClr val="bg1"/>
-                </a:solidFill>
-              </a:rPr>
-            </a:br>
-            <a:r>
-              <a:rPr lang="en-GB" dirty="0">
-                <a:solidFill>
-                  <a:schemeClr val="bg1"/>
-                </a:solidFill>
-              </a:rPr>
-              <a:t>One or more errors occurred. (This is a test exception)</a:t>
-            </a:r>
-            <a:br>
-              <a:rPr lang="en-GB" dirty="0">
-                <a:solidFill>
-                  <a:schemeClr val="bg1"/>
-                </a:solidFill>
-              </a:rPr>
-            </a:br>
-            <a:endParaRPr lang="en-GB" dirty="0">
-              <a:solidFill>
-                <a:schemeClr val="bg1"/>
-              </a:solidFill>
-            </a:endParaRPr>
-          </a:p>
-          <a:p>
-            <a:pPr marL="342900" indent="-342900">
-              <a:buFont typeface="+mj-lt"/>
-              <a:buAutoNum type="alphaUcPeriod"/>
-            </a:pPr>
-            <a:r>
-              <a:rPr lang="en-GB" dirty="0">
-                <a:solidFill>
-                  <a:schemeClr val="bg1"/>
-                </a:solidFill>
-              </a:rPr>
-              <a:t>Exception</a:t>
-            </a:r>
-          </a:p>
-          <a:p>
-            <a:r>
-              <a:rPr lang="en-GB" dirty="0">
-                <a:solidFill>
-                  <a:schemeClr val="bg1"/>
-                </a:solidFill>
-              </a:rPr>
-              <a:t>       This is a test exception</a:t>
-            </a:r>
-          </a:p>
-          <a:p>
-            <a:endParaRPr lang="en-GB" dirty="0">
-              <a:solidFill>
-                <a:schemeClr val="bg1"/>
-              </a:solidFill>
-            </a:endParaRPr>
-          </a:p>
-          <a:p>
-            <a:pPr marL="342900" indent="-342900">
-              <a:buAutoNum type="alphaUcPeriod" startAt="3"/>
-            </a:pPr>
-            <a:r>
-              <a:rPr lang="en-GB" dirty="0">
-                <a:solidFill>
-                  <a:schemeClr val="bg1"/>
-                </a:solidFill>
-              </a:rPr>
-              <a:t>An uncaught exception is thrown and can     be caught in the calling method</a:t>
-            </a:r>
-          </a:p>
-          <a:p>
-            <a:pPr marL="342900" indent="-342900">
-              <a:buAutoNum type="alphaUcPeriod" startAt="3"/>
-            </a:pPr>
-            <a:endParaRPr lang="en-GB" dirty="0">
-              <a:solidFill>
-                <a:schemeClr val="bg1"/>
-              </a:solidFill>
-            </a:endParaRPr>
-          </a:p>
-          <a:p>
-            <a:pPr marL="342900" indent="-342900">
-              <a:buAutoNum type="alphaUcPeriod" startAt="3"/>
-            </a:pPr>
-            <a:r>
-              <a:rPr lang="en-GB" dirty="0">
-                <a:solidFill>
-                  <a:schemeClr val="bg1"/>
-                </a:solidFill>
-              </a:rPr>
-              <a:t>None of the above.</a:t>
-            </a:r>
-          </a:p>
-        </p:txBody>
-      </p:sp>
     </p:spTree>
     <p:extLst>
       <p:ext uri="{BB962C8B-B14F-4D97-AF65-F5344CB8AC3E}">
-        <p14:creationId xmlns:p14="http://schemas.microsoft.com/office/powerpoint/2010/main" val="3125393616"/>
+        <p14:creationId xmlns:p14="http://schemas.microsoft.com/office/powerpoint/2010/main" val="1175724501"/>
       </p:ext>
     </p:extLst>
   </p:cSld>
@@ -13534,7 +13543,7 @@
         <p:spPr>
           <a:xfrm>
             <a:off x="148167" y="1134296"/>
-            <a:ext cx="7681383" cy="4707945"/>
+            <a:ext cx="7567083" cy="4637890"/>
           </a:xfrm>
           <a:prstGeom prst="rect">
             <a:avLst/>
@@ -13556,7 +13565,7 @@
         <p:spPr>
           <a:xfrm>
             <a:off x="7594559" y="1134296"/>
-            <a:ext cx="4395277" cy="1200329"/>
+            <a:ext cx="4395277" cy="3693319"/>
           </a:xfrm>
           <a:prstGeom prst="rect">
             <a:avLst/>
@@ -13575,7 +13584,7 @@
                   <a:schemeClr val="bg1"/>
                 </a:solidFill>
               </a:rPr>
-              <a:t>The answer is</a:t>
+              <a:t>What will be the output of this method?</a:t>
             </a:r>
           </a:p>
           <a:p>
@@ -13586,13 +13595,58 @@
             </a:endParaRPr>
           </a:p>
           <a:p>
-            <a:r>
+            <a:pPr marL="342900" indent="-342900">
+              <a:buFont typeface="+mj-lt"/>
+              <a:buAutoNum type="alphaUcPeriod"/>
+            </a:pPr>
+            <a:r>
+              <a:rPr lang="en-GB" dirty="0" err="1">
+                <a:solidFill>
+                  <a:schemeClr val="bg1"/>
+                </a:solidFill>
+              </a:rPr>
+              <a:t>AggregateException</a:t>
+            </a:r>
+            <a:br>
               <a:rPr lang="en-GB" dirty="0">
                 <a:solidFill>
                   <a:schemeClr val="bg1"/>
                 </a:solidFill>
               </a:rPr>
-              <a:t>B.    Exception</a:t>
+            </a:br>
+            <a:r>
+              <a:rPr lang="en-GB" dirty="0">
+                <a:solidFill>
+                  <a:schemeClr val="bg1"/>
+                </a:solidFill>
+              </a:rPr>
+              <a:t>One or more errors occurred. (This is a test exception)</a:t>
+            </a:r>
+            <a:br>
+              <a:rPr lang="en-GB" dirty="0">
+                <a:solidFill>
+                  <a:schemeClr val="bg1"/>
+                </a:solidFill>
+              </a:rPr>
+            </a:br>
+            <a:endParaRPr lang="en-GB" dirty="0">
+              <a:solidFill>
+                <a:schemeClr val="bg1"/>
+              </a:solidFill>
+            </a:endParaRPr>
+          </a:p>
+          <a:p>
+            <a:pPr marL="342900" indent="-342900">
+              <a:buFont typeface="+mj-lt"/>
+              <a:buAutoNum type="alphaUcPeriod"/>
+            </a:pPr>
+            <a:r>
+              <a:rPr lang="en-GB" dirty="0">
+                <a:solidFill>
+                  <a:schemeClr val="bg1"/>
+                </a:solidFill>
+              </a:rPr>
+              <a:t>Exception</a:t>
             </a:r>
           </a:p>
           <a:p>
@@ -13603,6 +13657,49 @@
                 </a:solidFill>
               </a:rPr>
               <a:t>       This is a test exception</a:t>
+            </a:r>
+          </a:p>
+          <a:p>
+            <a:endParaRPr lang="en-GB" dirty="0">
+              <a:solidFill>
+                <a:schemeClr val="bg1"/>
+              </a:solidFill>
+            </a:endParaRPr>
+          </a:p>
+          <a:p>
+            <a:pPr marL="342900" indent="-342900">
+              <a:buAutoNum type="alphaUcPeriod" startAt="3"/>
+            </a:pPr>
+            <a:r>
+              <a:rPr lang="en-GB" dirty="0">
+                <a:solidFill>
+                  <a:schemeClr val="bg1"/>
+                </a:solidFill>
+              </a:rPr>
+              <a:t>An uncaught exception is thrown and can     be caught in the calling method</a:t>
+            </a:r>
+          </a:p>
+          <a:p>
+            <a:pPr marL="342900" indent="-342900">
+              <a:buAutoNum type="alphaUcPeriod" startAt="3"/>
+            </a:pPr>
+            <a:endParaRPr lang="en-GB" dirty="0">
+              <a:solidFill>
+                <a:schemeClr val="bg1"/>
+              </a:solidFill>
+            </a:endParaRPr>
+          </a:p>
+          <a:p>
+            <a:pPr marL="342900" indent="-342900">
+              <a:buAutoNum type="alphaUcPeriod" startAt="3"/>
+            </a:pPr>
+            <a:r>
+              <a:rPr lang="en-GB" dirty="0">
+                <a:solidFill>
+                  <a:schemeClr val="bg1"/>
+                </a:solidFill>
+              </a:rPr>
+              <a:t>None of the above.</a:t>
             </a:r>
           </a:p>
         </p:txBody>
@@ -13610,7 +13707,7 @@
     </p:spTree>
     <p:extLst>
       <p:ext uri="{BB962C8B-B14F-4D97-AF65-F5344CB8AC3E}">
-        <p14:creationId xmlns:p14="http://schemas.microsoft.com/office/powerpoint/2010/main" val="2434182149"/>
+        <p14:creationId xmlns:p14="http://schemas.microsoft.com/office/powerpoint/2010/main" val="3125393616"/>
       </p:ext>
     </p:extLst>
   </p:cSld>
@@ -13679,17 +13776,17 @@
                   <a:schemeClr val="bg1"/>
                 </a:solidFill>
               </a:rPr>
-              <a:t>Question E </a:t>
+              <a:t>Question D </a:t>
             </a:r>
           </a:p>
         </p:txBody>
       </p:sp>
       <p:pic>
         <p:nvPicPr>
-          <p:cNvPr id="2" name="Picture 1">
-            <a:extLst>
-              <a:ext uri="{FF2B5EF4-FFF2-40B4-BE49-F238E27FC236}">
-                <a16:creationId xmlns:a16="http://schemas.microsoft.com/office/drawing/2014/main" id="{90A699AA-731A-4038-9820-EAAACC5CEBE5}"/>
+          <p:cNvPr id="3" name="Picture 2">
+            <a:extLst>
+              <a:ext uri="{FF2B5EF4-FFF2-40B4-BE49-F238E27FC236}">
+                <a16:creationId xmlns:a16="http://schemas.microsoft.com/office/drawing/2014/main" id="{023A3C97-5944-49CC-9172-ACD496B4F256}"/>
               </a:ext>
             </a:extLst>
           </p:cNvPr>
@@ -13706,8 +13803,8 @@
         </p:blipFill>
         <p:spPr>
           <a:xfrm>
-            <a:off x="319584" y="1134296"/>
-            <a:ext cx="7990594" cy="4950471"/>
+            <a:off x="148167" y="1134296"/>
+            <a:ext cx="7681383" cy="4707945"/>
           </a:xfrm>
           <a:prstGeom prst="rect">
             <a:avLst/>
@@ -13728,8 +13825,8 @@
         </p:nvSpPr>
         <p:spPr>
           <a:xfrm>
-            <a:off x="7594560" y="427262"/>
-            <a:ext cx="4395277" cy="3693319"/>
+            <a:off x="7594559" y="1134296"/>
+            <a:ext cx="4395277" cy="1200329"/>
           </a:xfrm>
           <a:prstGeom prst="rect">
             <a:avLst/>
@@ -13748,7 +13845,7 @@
                   <a:schemeClr val="bg1"/>
                 </a:solidFill>
               </a:rPr>
-              <a:t>What will be the output of this method?</a:t>
+              <a:t>The answer is</a:t>
             </a:r>
           </a:p>
           <a:p>
@@ -13759,58 +13856,13 @@
             </a:endParaRPr>
           </a:p>
           <a:p>
-            <a:pPr marL="342900" indent="-342900">
-              <a:buFont typeface="+mj-lt"/>
-              <a:buAutoNum type="alphaUcPeriod"/>
-            </a:pPr>
-            <a:r>
-              <a:rPr lang="en-GB" dirty="0" err="1">
+            <a:r>
+              <a:rPr lang="en-GB" dirty="0">
                 <a:solidFill>
                   <a:schemeClr val="bg1"/>
                 </a:solidFill>
               </a:rPr>
-              <a:t>AggregateException</a:t>
-            </a:r>
-            <a:br>
-              <a:rPr lang="en-GB" dirty="0">
-                <a:solidFill>
-                  <a:schemeClr val="bg1"/>
-                </a:solidFill>
-              </a:rPr>
-            </a:br>
-            <a:r>
-              <a:rPr lang="en-GB" dirty="0">
-                <a:solidFill>
-                  <a:schemeClr val="bg1"/>
-                </a:solidFill>
-              </a:rPr>
-              <a:t>One or more errors occurred. (This is a test exception)</a:t>
-            </a:r>
-            <a:br>
-              <a:rPr lang="en-GB" dirty="0">
-                <a:solidFill>
-                  <a:schemeClr val="bg1"/>
-                </a:solidFill>
-              </a:rPr>
-            </a:br>
-            <a:endParaRPr lang="en-GB" dirty="0">
-              <a:solidFill>
-                <a:schemeClr val="bg1"/>
-              </a:solidFill>
-            </a:endParaRPr>
-          </a:p>
-          <a:p>
-            <a:pPr marL="342900" indent="-342900">
-              <a:buFont typeface="+mj-lt"/>
-              <a:buAutoNum type="alphaUcPeriod"/>
-            </a:pPr>
-            <a:r>
-              <a:rPr lang="en-GB" dirty="0">
-                <a:solidFill>
-                  <a:schemeClr val="bg1"/>
-                </a:solidFill>
-              </a:rPr>
-              <a:t>Exception</a:t>
+              <a:t>B.    Exception</a:t>
             </a:r>
           </a:p>
           <a:p>
@@ -13821,49 +13873,6 @@
                 </a:solidFill>
               </a:rPr>
               <a:t>       This is a test exception</a:t>
-            </a:r>
-          </a:p>
-          <a:p>
-            <a:endParaRPr lang="en-GB" dirty="0">
-              <a:solidFill>
-                <a:schemeClr val="bg1"/>
-              </a:solidFill>
-            </a:endParaRPr>
-          </a:p>
-          <a:p>
-            <a:pPr marL="342900" indent="-342900">
-              <a:buAutoNum type="alphaUcPeriod" startAt="3"/>
-            </a:pPr>
-            <a:r>
-              <a:rPr lang="en-GB" dirty="0">
-                <a:solidFill>
-                  <a:schemeClr val="bg1"/>
-                </a:solidFill>
-              </a:rPr>
-              <a:t>An uncaught exception is thrown and can     be caught in the calling method</a:t>
-            </a:r>
-          </a:p>
-          <a:p>
-            <a:pPr marL="342900" indent="-342900">
-              <a:buAutoNum type="alphaUcPeriod" startAt="3"/>
-            </a:pPr>
-            <a:endParaRPr lang="en-GB" dirty="0">
-              <a:solidFill>
-                <a:schemeClr val="bg1"/>
-              </a:solidFill>
-            </a:endParaRPr>
-          </a:p>
-          <a:p>
-            <a:pPr marL="342900" indent="-342900">
-              <a:buAutoNum type="alphaUcPeriod" startAt="3"/>
-            </a:pPr>
-            <a:r>
-              <a:rPr lang="en-GB" dirty="0">
-                <a:solidFill>
-                  <a:schemeClr val="bg1"/>
-                </a:solidFill>
-              </a:rPr>
-              <a:t>None of the above.</a:t>
             </a:r>
           </a:p>
         </p:txBody>
@@ -13871,7 +13880,7 @@
     </p:spTree>
     <p:extLst>
       <p:ext uri="{BB962C8B-B14F-4D97-AF65-F5344CB8AC3E}">
-        <p14:creationId xmlns:p14="http://schemas.microsoft.com/office/powerpoint/2010/main" val="1187676409"/>
+        <p14:creationId xmlns:p14="http://schemas.microsoft.com/office/powerpoint/2010/main" val="2434182149"/>
       </p:ext>
     </p:extLst>
   </p:cSld>
@@ -13990,7 +13999,7 @@
         <p:spPr>
           <a:xfrm>
             <a:off x="7594560" y="427262"/>
-            <a:ext cx="4395277" cy="1200329"/>
+            <a:ext cx="4395277" cy="3693319"/>
           </a:xfrm>
           <a:prstGeom prst="rect">
             <a:avLst/>
@@ -14009,7 +14018,7 @@
                   <a:schemeClr val="bg1"/>
                 </a:solidFill>
               </a:rPr>
-              <a:t>The answer is</a:t>
+              <a:t>What will be the output of this method?</a:t>
             </a:r>
           </a:p>
           <a:p>
@@ -14020,13 +14029,58 @@
             </a:endParaRPr>
           </a:p>
           <a:p>
-            <a:r>
+            <a:pPr marL="342900" indent="-342900">
+              <a:buFont typeface="+mj-lt"/>
+              <a:buAutoNum type="alphaUcPeriod"/>
+            </a:pPr>
+            <a:r>
+              <a:rPr lang="en-GB" dirty="0" err="1">
+                <a:solidFill>
+                  <a:schemeClr val="bg1"/>
+                </a:solidFill>
+              </a:rPr>
+              <a:t>AggregateException</a:t>
+            </a:r>
+            <a:br>
               <a:rPr lang="en-GB" dirty="0">
                 <a:solidFill>
                   <a:schemeClr val="bg1"/>
                 </a:solidFill>
               </a:rPr>
-              <a:t>B.    Exception</a:t>
+            </a:br>
+            <a:r>
+              <a:rPr lang="en-GB" dirty="0">
+                <a:solidFill>
+                  <a:schemeClr val="bg1"/>
+                </a:solidFill>
+              </a:rPr>
+              <a:t>One or more errors occurred. (This is a test exception)</a:t>
+            </a:r>
+            <a:br>
+              <a:rPr lang="en-GB" dirty="0">
+                <a:solidFill>
+                  <a:schemeClr val="bg1"/>
+                </a:solidFill>
+              </a:rPr>
+            </a:br>
+            <a:endParaRPr lang="en-GB" dirty="0">
+              <a:solidFill>
+                <a:schemeClr val="bg1"/>
+              </a:solidFill>
+            </a:endParaRPr>
+          </a:p>
+          <a:p>
+            <a:pPr marL="342900" indent="-342900">
+              <a:buFont typeface="+mj-lt"/>
+              <a:buAutoNum type="alphaUcPeriod"/>
+            </a:pPr>
+            <a:r>
+              <a:rPr lang="en-GB" dirty="0">
+                <a:solidFill>
+                  <a:schemeClr val="bg1"/>
+                </a:solidFill>
+              </a:rPr>
+              <a:t>Exception</a:t>
             </a:r>
           </a:p>
           <a:p>
@@ -14037,6 +14091,49 @@
                 </a:solidFill>
               </a:rPr>
               <a:t>       This is a test exception</a:t>
+            </a:r>
+          </a:p>
+          <a:p>
+            <a:endParaRPr lang="en-GB" dirty="0">
+              <a:solidFill>
+                <a:schemeClr val="bg1"/>
+              </a:solidFill>
+            </a:endParaRPr>
+          </a:p>
+          <a:p>
+            <a:pPr marL="342900" indent="-342900">
+              <a:buAutoNum type="alphaUcPeriod" startAt="3"/>
+            </a:pPr>
+            <a:r>
+              <a:rPr lang="en-GB" dirty="0">
+                <a:solidFill>
+                  <a:schemeClr val="bg1"/>
+                </a:solidFill>
+              </a:rPr>
+              <a:t>An uncaught exception is thrown and can     be caught in the calling method</a:t>
+            </a:r>
+          </a:p>
+          <a:p>
+            <a:pPr marL="342900" indent="-342900">
+              <a:buAutoNum type="alphaUcPeriod" startAt="3"/>
+            </a:pPr>
+            <a:endParaRPr lang="en-GB" dirty="0">
+              <a:solidFill>
+                <a:schemeClr val="bg1"/>
+              </a:solidFill>
+            </a:endParaRPr>
+          </a:p>
+          <a:p>
+            <a:pPr marL="342900" indent="-342900">
+              <a:buAutoNum type="alphaUcPeriod" startAt="3"/>
+            </a:pPr>
+            <a:r>
+              <a:rPr lang="en-GB" dirty="0">
+                <a:solidFill>
+                  <a:schemeClr val="bg1"/>
+                </a:solidFill>
+              </a:rPr>
+              <a:t>None of the above.</a:t>
             </a:r>
           </a:p>
         </p:txBody>
@@ -14044,7 +14141,7 @@
     </p:spTree>
     <p:extLst>
       <p:ext uri="{BB962C8B-B14F-4D97-AF65-F5344CB8AC3E}">
-        <p14:creationId xmlns:p14="http://schemas.microsoft.com/office/powerpoint/2010/main" val="279637444"/>
+        <p14:creationId xmlns:p14="http://schemas.microsoft.com/office/powerpoint/2010/main" val="1187676409"/>
       </p:ext>
     </p:extLst>
   </p:cSld>
@@ -14113,171 +14210,17 @@
                   <a:schemeClr val="bg1"/>
                 </a:solidFill>
               </a:rPr>
-              <a:t>Question F </a:t>
-            </a:r>
-          </a:p>
-        </p:txBody>
-      </p:sp>
-      <p:sp>
-        <p:nvSpPr>
-          <p:cNvPr id="11" name="TextBox 10">
-            <a:extLst>
-              <a:ext uri="{FF2B5EF4-FFF2-40B4-BE49-F238E27FC236}">
-                <a16:creationId xmlns:a16="http://schemas.microsoft.com/office/drawing/2014/main" id="{8CFFC453-63D5-4985-9376-BE7589A7509A}"/>
-              </a:ext>
-            </a:extLst>
-          </p:cNvPr>
-          <p:cNvSpPr txBox="1"/>
-          <p:nvPr/>
-        </p:nvSpPr>
-        <p:spPr>
-          <a:xfrm>
-            <a:off x="7315200" y="611928"/>
-            <a:ext cx="4395277" cy="3693319"/>
-          </a:xfrm>
-          <a:prstGeom prst="rect">
-            <a:avLst/>
-          </a:prstGeom>
-          <a:noFill/>
-        </p:spPr>
-        <p:txBody>
-          <a:bodyPr wrap="square" rtlCol="0">
-            <a:spAutoFit/>
-          </a:bodyPr>
-          <a:lstStyle/>
-          <a:p>
-            <a:r>
-              <a:rPr lang="en-GB" dirty="0">
-                <a:solidFill>
-                  <a:schemeClr val="bg1"/>
-                </a:solidFill>
-              </a:rPr>
-              <a:t>What will be the output of this method?</a:t>
-            </a:r>
-          </a:p>
-          <a:p>
-            <a:endParaRPr lang="en-GB" dirty="0">
-              <a:solidFill>
-                <a:schemeClr val="bg1"/>
-              </a:solidFill>
-            </a:endParaRPr>
-          </a:p>
-          <a:p>
-            <a:pPr marL="342900" indent="-342900">
-              <a:buFont typeface="+mj-lt"/>
-              <a:buAutoNum type="alphaUcPeriod"/>
-            </a:pPr>
-            <a:r>
-              <a:rPr lang="en-GB" dirty="0" err="1">
-                <a:solidFill>
-                  <a:schemeClr val="bg1"/>
-                </a:solidFill>
-              </a:rPr>
-              <a:t>AggregateException</a:t>
-            </a:r>
-            <a:br>
-              <a:rPr lang="en-GB" dirty="0">
-                <a:solidFill>
-                  <a:schemeClr val="bg1"/>
-                </a:solidFill>
-              </a:rPr>
-            </a:br>
-            <a:r>
-              <a:rPr lang="en-GB" dirty="0">
-                <a:solidFill>
-                  <a:schemeClr val="bg1"/>
-                </a:solidFill>
-              </a:rPr>
-              <a:t>One or more errors occurred. (This is a test exception)</a:t>
-            </a:r>
-            <a:br>
-              <a:rPr lang="en-GB" dirty="0">
-                <a:solidFill>
-                  <a:schemeClr val="bg1"/>
-                </a:solidFill>
-              </a:rPr>
-            </a:br>
-            <a:endParaRPr lang="en-GB" dirty="0">
-              <a:solidFill>
-                <a:schemeClr val="bg1"/>
-              </a:solidFill>
-            </a:endParaRPr>
-          </a:p>
-          <a:p>
-            <a:pPr marL="342900" indent="-342900">
-              <a:buFont typeface="+mj-lt"/>
-              <a:buAutoNum type="alphaUcPeriod"/>
-            </a:pPr>
-            <a:r>
-              <a:rPr lang="en-GB" dirty="0">
-                <a:solidFill>
-                  <a:schemeClr val="bg1"/>
-                </a:solidFill>
-              </a:rPr>
-              <a:t>Exception</a:t>
-            </a:r>
-          </a:p>
-          <a:p>
-            <a:r>
-              <a:rPr lang="en-GB" dirty="0">
-                <a:solidFill>
-                  <a:schemeClr val="bg1"/>
-                </a:solidFill>
-              </a:rPr>
-              <a:t>       This is a test exception</a:t>
-            </a:r>
-          </a:p>
-          <a:p>
-            <a:endParaRPr lang="en-GB" dirty="0">
-              <a:solidFill>
-                <a:schemeClr val="bg1"/>
-              </a:solidFill>
-            </a:endParaRPr>
-          </a:p>
-          <a:p>
-            <a:pPr marL="342900" indent="-342900">
-              <a:buAutoNum type="alphaUcPeriod" startAt="3"/>
-            </a:pPr>
-            <a:r>
-              <a:rPr lang="en-GB" dirty="0">
-                <a:solidFill>
-                  <a:schemeClr val="bg1"/>
-                </a:solidFill>
-              </a:rPr>
-              <a:t>An uncaught exception is thrown and can     be caught in the calling method</a:t>
-            </a:r>
-          </a:p>
-          <a:p>
-            <a:pPr marL="342900" indent="-342900">
-              <a:buAutoNum type="alphaUcPeriod" startAt="3"/>
-            </a:pPr>
-            <a:endParaRPr lang="en-GB" dirty="0">
-              <a:solidFill>
-                <a:schemeClr val="bg1"/>
-              </a:solidFill>
-            </a:endParaRPr>
-          </a:p>
-          <a:p>
-            <a:pPr marL="342900" indent="-342900">
-              <a:buAutoNum type="alphaUcPeriod" startAt="3"/>
-            </a:pPr>
-            <a:r>
-              <a:rPr lang="en-GB" dirty="0">
-                <a:solidFill>
-                  <a:schemeClr val="bg1"/>
-                </a:solidFill>
-              </a:rPr>
-              <a:t>None of the above.</a:t>
+              <a:t>Question E </a:t>
             </a:r>
           </a:p>
         </p:txBody>
       </p:sp>
       <p:pic>
         <p:nvPicPr>
-          <p:cNvPr id="3" name="Picture 2">
-            <a:extLst>
-              <a:ext uri="{FF2B5EF4-FFF2-40B4-BE49-F238E27FC236}">
-                <a16:creationId xmlns:a16="http://schemas.microsoft.com/office/drawing/2014/main" id="{43E8D191-B02F-4E58-8780-AAD86241E0B7}"/>
+          <p:cNvPr id="2" name="Picture 1">
+            <a:extLst>
+              <a:ext uri="{FF2B5EF4-FFF2-40B4-BE49-F238E27FC236}">
+                <a16:creationId xmlns:a16="http://schemas.microsoft.com/office/drawing/2014/main" id="{90A699AA-731A-4038-9820-EAAACC5CEBE5}"/>
               </a:ext>
             </a:extLst>
           </p:cNvPr>
@@ -14294,18 +14237,84 @@
         </p:blipFill>
         <p:spPr>
           <a:xfrm>
-            <a:off x="251818" y="1041887"/>
-            <a:ext cx="6585240" cy="2022610"/>
+            <a:off x="319584" y="1134296"/>
+            <a:ext cx="7990594" cy="4950471"/>
           </a:xfrm>
           <a:prstGeom prst="rect">
             <a:avLst/>
           </a:prstGeom>
         </p:spPr>
       </p:pic>
+      <p:sp>
+        <p:nvSpPr>
+          <p:cNvPr id="11" name="TextBox 10">
+            <a:extLst>
+              <a:ext uri="{FF2B5EF4-FFF2-40B4-BE49-F238E27FC236}">
+                <a16:creationId xmlns:a16="http://schemas.microsoft.com/office/drawing/2014/main" id="{8CFFC453-63D5-4985-9376-BE7589A7509A}"/>
+              </a:ext>
+            </a:extLst>
+          </p:cNvPr>
+          <p:cNvSpPr txBox="1"/>
+          <p:nvPr/>
+        </p:nvSpPr>
+        <p:spPr>
+          <a:xfrm>
+            <a:off x="7594560" y="427262"/>
+            <a:ext cx="4395277" cy="1200329"/>
+          </a:xfrm>
+          <a:prstGeom prst="rect">
+            <a:avLst/>
+          </a:prstGeom>
+          <a:noFill/>
+        </p:spPr>
+        <p:txBody>
+          <a:bodyPr wrap="square" rtlCol="0">
+            <a:spAutoFit/>
+          </a:bodyPr>
+          <a:lstStyle/>
+          <a:p>
+            <a:r>
+              <a:rPr lang="en-GB" dirty="0">
+                <a:solidFill>
+                  <a:schemeClr val="bg1"/>
+                </a:solidFill>
+              </a:rPr>
+              <a:t>The answer is</a:t>
+            </a:r>
+          </a:p>
+          <a:p>
+            <a:endParaRPr lang="en-GB" dirty="0">
+              <a:solidFill>
+                <a:schemeClr val="bg1"/>
+              </a:solidFill>
+            </a:endParaRPr>
+          </a:p>
+          <a:p>
+            <a:r>
+              <a:rPr lang="en-GB" dirty="0">
+                <a:solidFill>
+                  <a:schemeClr val="bg1"/>
+                </a:solidFill>
+              </a:rPr>
+              <a:t>B.    Exception</a:t>
+            </a:r>
+          </a:p>
+          <a:p>
+            <a:r>
+              <a:rPr lang="en-GB" dirty="0">
+                <a:solidFill>
+                  <a:schemeClr val="bg1"/>
+                </a:solidFill>
+              </a:rPr>
+              <a:t>       This is a test exception</a:t>
+            </a:r>
+          </a:p>
+        </p:txBody>
+      </p:sp>
     </p:spTree>
     <p:extLst>
       <p:ext uri="{BB962C8B-B14F-4D97-AF65-F5344CB8AC3E}">
-        <p14:creationId xmlns:p14="http://schemas.microsoft.com/office/powerpoint/2010/main" val="4036305656"/>
+        <p14:creationId xmlns:p14="http://schemas.microsoft.com/office/powerpoint/2010/main" val="279637444"/>
       </p:ext>
     </p:extLst>
   </p:cSld>
@@ -14582,8 +14591,8 @@
         </p:nvSpPr>
         <p:spPr>
           <a:xfrm>
-            <a:off x="7072313" y="611928"/>
-            <a:ext cx="4917524" cy="2031325"/>
+            <a:off x="7315200" y="611928"/>
+            <a:ext cx="4395277" cy="3693319"/>
           </a:xfrm>
           <a:prstGeom prst="rect">
             <a:avLst/>
@@ -14602,7 +14611,7 @@
                   <a:schemeClr val="bg1"/>
                 </a:solidFill>
               </a:rPr>
-              <a:t>The answer is</a:t>
+              <a:t>What will be the output of this method?</a:t>
             </a:r>
           </a:p>
           <a:p>
@@ -14613,16 +14622,40 @@
             </a:endParaRPr>
           </a:p>
           <a:p>
-            <a:r>
+            <a:pPr marL="342900" indent="-342900">
+              <a:buFont typeface="+mj-lt"/>
+              <a:buAutoNum type="alphaUcPeriod"/>
+            </a:pPr>
+            <a:r>
+              <a:rPr lang="en-GB" dirty="0" err="1">
+                <a:solidFill>
+                  <a:schemeClr val="bg1"/>
+                </a:solidFill>
+              </a:rPr>
+              <a:t>AggregateException</a:t>
+            </a:r>
+            <a:br>
               <a:rPr lang="en-GB" dirty="0">
                 <a:solidFill>
                   <a:schemeClr val="bg1"/>
                 </a:solidFill>
               </a:rPr>
-              <a:t>D. None of the above.</a:t>
-            </a:r>
-          </a:p>
-          <a:p>
+            </a:br>
+            <a:r>
+              <a:rPr lang="en-GB" dirty="0">
+                <a:solidFill>
+                  <a:schemeClr val="bg1"/>
+                </a:solidFill>
+              </a:rPr>
+              <a:t>One or more errors occurred. (This is a test exception)</a:t>
+            </a:r>
+            <a:br>
+              <a:rPr lang="en-GB" dirty="0">
+                <a:solidFill>
+                  <a:schemeClr val="bg1"/>
+                </a:solidFill>
+              </a:rPr>
+            </a:br>
             <a:endParaRPr lang="en-GB" dirty="0">
               <a:solidFill>
                 <a:schemeClr val="bg1"/>
@@ -14630,13 +14663,70 @@
             </a:endParaRPr>
           </a:p>
           <a:p>
+            <a:pPr marL="342900" indent="-342900">
+              <a:buFont typeface="+mj-lt"/>
+              <a:buAutoNum type="alphaUcPeriod"/>
+            </a:pPr>
             <a:r>
               <a:rPr lang="en-GB" dirty="0">
                 <a:solidFill>
                   <a:schemeClr val="bg1"/>
                 </a:solidFill>
               </a:rPr>
-              <a:t>It will completely terminate the process. It won't throw a visible exception and will completely kill the application/debugger.</a:t>
+              <a:t>Exception</a:t>
+            </a:r>
+          </a:p>
+          <a:p>
+            <a:r>
+              <a:rPr lang="en-GB" dirty="0">
+                <a:solidFill>
+                  <a:schemeClr val="bg1"/>
+                </a:solidFill>
+              </a:rPr>
+              <a:t>       This is a test exception</a:t>
+            </a:r>
+          </a:p>
+          <a:p>
+            <a:endParaRPr lang="en-GB" dirty="0">
+              <a:solidFill>
+                <a:schemeClr val="bg1"/>
+              </a:solidFill>
+            </a:endParaRPr>
+          </a:p>
+          <a:p>
+            <a:pPr marL="342900" indent="-342900">
+              <a:buAutoNum type="alphaUcPeriod" startAt="3"/>
+            </a:pPr>
+            <a:r>
+              <a:rPr lang="en-GB" dirty="0">
+                <a:solidFill>
+                  <a:schemeClr val="bg1"/>
+                </a:solidFill>
+              </a:rPr>
+              <a:t>An uncaught exception is thrown and can     be caught in the calling method</a:t>
+            </a:r>
+          </a:p>
+          <a:p>
+            <a:pPr marL="342900" indent="-342900">
+              <a:buAutoNum type="alphaUcPeriod" startAt="3"/>
+            </a:pPr>
+            <a:endParaRPr lang="en-GB" dirty="0">
+              <a:solidFill>
+                <a:schemeClr val="bg1"/>
+              </a:solidFill>
+            </a:endParaRPr>
+          </a:p>
+          <a:p>
+            <a:pPr marL="342900" indent="-342900">
+              <a:buAutoNum type="alphaUcPeriod" startAt="3"/>
+            </a:pPr>
+            <a:r>
+              <a:rPr lang="en-GB" dirty="0">
+                <a:solidFill>
+                  <a:schemeClr val="bg1"/>
+                </a:solidFill>
+              </a:rPr>
+              <a:t>None of the above.</a:t>
             </a:r>
           </a:p>
         </p:txBody>
@@ -14674,7 +14764,7 @@
     </p:spTree>
     <p:extLst>
       <p:ext uri="{BB962C8B-B14F-4D97-AF65-F5344CB8AC3E}">
-        <p14:creationId xmlns:p14="http://schemas.microsoft.com/office/powerpoint/2010/main" val="1848199452"/>
+        <p14:creationId xmlns:p14="http://schemas.microsoft.com/office/powerpoint/2010/main" val="4036305656"/>
       </p:ext>
     </p:extLst>
   </p:cSld>
@@ -14743,7 +14833,7 @@
                   <a:schemeClr val="bg1"/>
                 </a:solidFill>
               </a:rPr>
-              <a:t>Question G </a:t>
+              <a:t>Question F </a:t>
             </a:r>
           </a:p>
         </p:txBody>
@@ -14762,8 +14852,8 @@
         </p:nvSpPr>
         <p:spPr>
           <a:xfrm>
-            <a:off x="7315200" y="611928"/>
-            <a:ext cx="4395277" cy="3693319"/>
+            <a:off x="7072313" y="611928"/>
+            <a:ext cx="4917524" cy="2031325"/>
           </a:xfrm>
           <a:prstGeom prst="rect">
             <a:avLst/>
@@ -14782,7 +14872,7 @@
                   <a:schemeClr val="bg1"/>
                 </a:solidFill>
               </a:rPr>
-              <a:t>What will be the output of this method?</a:t>
+              <a:t>The answer is</a:t>
             </a:r>
           </a:p>
           <a:p>
@@ -14793,40 +14883,16 @@
             </a:endParaRPr>
           </a:p>
           <a:p>
-            <a:pPr marL="342900" indent="-342900">
-              <a:buFont typeface="+mj-lt"/>
-              <a:buAutoNum type="alphaUcPeriod"/>
-            </a:pPr>
-            <a:r>
-              <a:rPr lang="en-GB" dirty="0" err="1">
+            <a:r>
+              <a:rPr lang="en-GB" dirty="0">
                 <a:solidFill>
                   <a:schemeClr val="bg1"/>
                 </a:solidFill>
               </a:rPr>
-              <a:t>AggregateException</a:t>
-            </a:r>
-            <a:br>
-              <a:rPr lang="en-GB" dirty="0">
-                <a:solidFill>
-                  <a:schemeClr val="bg1"/>
-                </a:solidFill>
-              </a:rPr>
-            </a:br>
-            <a:r>
-              <a:rPr lang="en-GB" dirty="0">
-                <a:solidFill>
-                  <a:schemeClr val="bg1"/>
-                </a:solidFill>
-              </a:rPr>
-              <a:t>One or more errors occurred. (This is a test exception)</a:t>
-            </a:r>
-            <a:br>
-              <a:rPr lang="en-GB" dirty="0">
-                <a:solidFill>
-                  <a:schemeClr val="bg1"/>
-                </a:solidFill>
-              </a:rPr>
-            </a:br>
+              <a:t>D. None of the above.</a:t>
+            </a:r>
+          </a:p>
+          <a:p>
             <a:endParaRPr lang="en-GB" dirty="0">
               <a:solidFill>
                 <a:schemeClr val="bg1"/>
@@ -14834,80 +14900,23 @@
             </a:endParaRPr>
           </a:p>
           <a:p>
-            <a:pPr marL="342900" indent="-342900">
-              <a:buFont typeface="+mj-lt"/>
-              <a:buAutoNum type="alphaUcPeriod"/>
-            </a:pPr>
             <a:r>
               <a:rPr lang="en-GB" dirty="0">
                 <a:solidFill>
                   <a:schemeClr val="bg1"/>
                 </a:solidFill>
               </a:rPr>
-              <a:t>Exception</a:t>
-            </a:r>
-          </a:p>
-          <a:p>
-            <a:r>
-              <a:rPr lang="en-GB" dirty="0">
-                <a:solidFill>
-                  <a:schemeClr val="bg1"/>
-                </a:solidFill>
-              </a:rPr>
-              <a:t>       This is a test exception</a:t>
-            </a:r>
-          </a:p>
-          <a:p>
-            <a:endParaRPr lang="en-GB" dirty="0">
-              <a:solidFill>
-                <a:schemeClr val="bg1"/>
-              </a:solidFill>
-            </a:endParaRPr>
-          </a:p>
-          <a:p>
-            <a:pPr marL="342900" indent="-342900">
-              <a:buAutoNum type="alphaUcPeriod" startAt="3"/>
-            </a:pPr>
-            <a:r>
-              <a:rPr lang="en-GB" dirty="0">
-                <a:solidFill>
-                  <a:schemeClr val="bg1"/>
-                </a:solidFill>
-              </a:rPr>
-              <a:t>An uncaught exception is thrown and can     be caught in the calling method</a:t>
-            </a:r>
-          </a:p>
-          <a:p>
-            <a:pPr marL="342900" indent="-342900">
-              <a:buAutoNum type="alphaUcPeriod" startAt="3"/>
-            </a:pPr>
-            <a:endParaRPr lang="en-GB" dirty="0">
-              <a:solidFill>
-                <a:schemeClr val="bg1"/>
-              </a:solidFill>
-            </a:endParaRPr>
-          </a:p>
-          <a:p>
-            <a:pPr marL="342900" indent="-342900">
-              <a:buAutoNum type="alphaUcPeriod" startAt="3"/>
-            </a:pPr>
-            <a:r>
-              <a:rPr lang="en-GB" dirty="0">
-                <a:solidFill>
-                  <a:schemeClr val="bg1"/>
-                </a:solidFill>
-              </a:rPr>
-              <a:t>None of the above.</a:t>
+              <a:t>It will completely terminate the process. It won't throw a visible exception and will completely kill the application/debugger.</a:t>
             </a:r>
           </a:p>
         </p:txBody>
       </p:sp>
       <p:pic>
         <p:nvPicPr>
-          <p:cNvPr id="4" name="Picture 3">
-            <a:extLst>
-              <a:ext uri="{FF2B5EF4-FFF2-40B4-BE49-F238E27FC236}">
-                <a16:creationId xmlns:a16="http://schemas.microsoft.com/office/drawing/2014/main" id="{69FDAEA4-F604-4A40-A20A-9E7E0E9E7C01}"/>
+          <p:cNvPr id="3" name="Picture 2">
+            <a:extLst>
+              <a:ext uri="{FF2B5EF4-FFF2-40B4-BE49-F238E27FC236}">
+                <a16:creationId xmlns:a16="http://schemas.microsoft.com/office/drawing/2014/main" id="{43E8D191-B02F-4E58-8780-AAD86241E0B7}"/>
               </a:ext>
             </a:extLst>
           </p:cNvPr>
@@ -14924,8 +14933,8 @@
         </p:blipFill>
         <p:spPr>
           <a:xfrm>
-            <a:off x="362130" y="1080051"/>
-            <a:ext cx="6673710" cy="1941443"/>
+            <a:off x="251818" y="1041887"/>
+            <a:ext cx="6585240" cy="2022610"/>
           </a:xfrm>
           <a:prstGeom prst="rect">
             <a:avLst/>
@@ -14935,7 +14944,7 @@
     </p:spTree>
     <p:extLst>
       <p:ext uri="{BB962C8B-B14F-4D97-AF65-F5344CB8AC3E}">
-        <p14:creationId xmlns:p14="http://schemas.microsoft.com/office/powerpoint/2010/main" val="2982457121"/>
+        <p14:creationId xmlns:p14="http://schemas.microsoft.com/office/powerpoint/2010/main" val="1848199452"/>
       </p:ext>
     </p:extLst>
   </p:cSld>
@@ -15024,7 +15033,7 @@
         <p:spPr>
           <a:xfrm>
             <a:off x="7315200" y="611928"/>
-            <a:ext cx="4395277" cy="2862322"/>
+            <a:ext cx="4395277" cy="3693319"/>
           </a:xfrm>
           <a:prstGeom prst="rect">
             <a:avLst/>
@@ -15055,18 +15064,39 @@
           </a:p>
           <a:p>
             <a:pPr marL="342900" indent="-342900">
-              <a:buAutoNum type="alphaUcPeriod" startAt="3"/>
+              <a:buFont typeface="+mj-lt"/>
+              <a:buAutoNum type="alphaUcPeriod"/>
             </a:pPr>
             <a:r>
+              <a:rPr lang="en-GB" dirty="0" err="1">
+                <a:solidFill>
+                  <a:schemeClr val="bg1"/>
+                </a:solidFill>
+              </a:rPr>
+              <a:t>AggregateException</a:t>
+            </a:r>
+            <a:br>
               <a:rPr lang="en-GB" dirty="0">
                 <a:solidFill>
                   <a:schemeClr val="bg1"/>
                 </a:solidFill>
               </a:rPr>
-              <a:t>An uncaught exception is thrown and can     be caught in the calling method</a:t>
-            </a:r>
-          </a:p>
-          <a:p>
+            </a:br>
+            <a:r>
+              <a:rPr lang="en-GB" dirty="0">
+                <a:solidFill>
+                  <a:schemeClr val="bg1"/>
+                </a:solidFill>
+              </a:rPr>
+              <a:t>One or more errors occurred. (This is a test exception)</a:t>
+            </a:r>
+            <a:br>
+              <a:rPr lang="en-GB" dirty="0">
+                <a:solidFill>
+                  <a:schemeClr val="bg1"/>
+                </a:solidFill>
+              </a:rPr>
+            </a:br>
             <a:endParaRPr lang="en-GB" dirty="0">
               <a:solidFill>
                 <a:schemeClr val="bg1"/>
@@ -15074,13 +15104,27 @@
             </a:endParaRPr>
           </a:p>
           <a:p>
+            <a:pPr marL="342900" indent="-342900">
+              <a:buFont typeface="+mj-lt"/>
+              <a:buAutoNum type="alphaUcPeriod"/>
+            </a:pPr>
             <a:r>
               <a:rPr lang="en-GB" dirty="0">
                 <a:solidFill>
                   <a:schemeClr val="bg1"/>
                 </a:solidFill>
               </a:rPr>
-              <a:t>It will throw the following uncaught exception:</a:t>
+              <a:t>Exception</a:t>
+            </a:r>
+          </a:p>
+          <a:p>
+            <a:r>
+              <a:rPr lang="en-GB" dirty="0">
+                <a:solidFill>
+                  <a:schemeClr val="bg1"/>
+                </a:solidFill>
+              </a:rPr>
+              <a:t>       This is a test exception</a:t>
             </a:r>
           </a:p>
           <a:p>
@@ -15091,23 +15135,39 @@
             </a:endParaRPr>
           </a:p>
           <a:p>
+            <a:pPr marL="342900" indent="-342900">
+              <a:buAutoNum type="alphaUcPeriod" startAt="3"/>
+            </a:pPr>
             <a:r>
               <a:rPr lang="en-GB" dirty="0">
                 <a:solidFill>
                   <a:schemeClr val="bg1"/>
                 </a:solidFill>
               </a:rPr>
-              <a:t>Exception</a:t>
-            </a:r>
-          </a:p>
-          <a:p>
+              <a:t>An uncaught exception is thrown and can     be caught in the calling method</a:t>
+            </a:r>
+          </a:p>
+          <a:p>
+            <a:pPr marL="342900" indent="-342900">
+              <a:buAutoNum type="alphaUcPeriod" startAt="3"/>
+            </a:pPr>
+            <a:endParaRPr lang="en-GB" dirty="0">
+              <a:solidFill>
+                <a:schemeClr val="bg1"/>
+              </a:solidFill>
+            </a:endParaRPr>
+          </a:p>
+          <a:p>
+            <a:pPr marL="342900" indent="-342900">
+              <a:buAutoNum type="alphaUcPeriod" startAt="3"/>
+            </a:pPr>
             <a:r>
               <a:rPr lang="en-GB" dirty="0">
                 <a:solidFill>
                   <a:schemeClr val="bg1"/>
                 </a:solidFill>
               </a:rPr>
-              <a:t>This is a test exception</a:t>
+              <a:t>None of the above.</a:t>
             </a:r>
           </a:p>
         </p:txBody>
@@ -15145,7 +15205,7 @@
     </p:spTree>
     <p:extLst>
       <p:ext uri="{BB962C8B-B14F-4D97-AF65-F5344CB8AC3E}">
-        <p14:creationId xmlns:p14="http://schemas.microsoft.com/office/powerpoint/2010/main" val="1784624068"/>
+        <p14:creationId xmlns:p14="http://schemas.microsoft.com/office/powerpoint/2010/main" val="2982457121"/>
       </p:ext>
     </p:extLst>
   </p:cSld>
@@ -15194,7 +15254,7 @@
         </p:nvSpPr>
         <p:spPr>
           <a:xfrm>
-            <a:off x="7315200" y="340436"/>
+            <a:off x="624957" y="242596"/>
             <a:ext cx="11364880" cy="369332"/>
           </a:xfrm>
           <a:prstGeom prst="rect">
@@ -15214,7 +15274,7 @@
                   <a:schemeClr val="bg1"/>
                 </a:solidFill>
               </a:rPr>
-              <a:t>Question H </a:t>
+              <a:t>Question G </a:t>
             </a:r>
           </a:p>
         </p:txBody>
@@ -15233,8 +15293,8 @@
         </p:nvSpPr>
         <p:spPr>
           <a:xfrm>
-            <a:off x="7315200" y="1168519"/>
-            <a:ext cx="4395277" cy="3693319"/>
+            <a:off x="7315200" y="611928"/>
+            <a:ext cx="4395277" cy="2862322"/>
           </a:xfrm>
           <a:prstGeom prst="rect">
             <a:avLst/>
@@ -15265,39 +15325,18 @@
           </a:p>
           <a:p>
             <a:pPr marL="342900" indent="-342900">
-              <a:buFont typeface="+mj-lt"/>
-              <a:buAutoNum type="alphaUcPeriod"/>
+              <a:buAutoNum type="alphaUcPeriod" startAt="3"/>
             </a:pPr>
             <a:r>
-              <a:rPr lang="en-GB" dirty="0" err="1">
+              <a:rPr lang="en-GB" dirty="0">
                 <a:solidFill>
                   <a:schemeClr val="bg1"/>
                 </a:solidFill>
               </a:rPr>
-              <a:t>AggregateException</a:t>
-            </a:r>
-            <a:br>
-              <a:rPr lang="en-GB" dirty="0">
-                <a:solidFill>
-                  <a:schemeClr val="bg1"/>
-                </a:solidFill>
-              </a:rPr>
-            </a:br>
-            <a:r>
-              <a:rPr lang="en-GB" dirty="0">
-                <a:solidFill>
-                  <a:schemeClr val="bg1"/>
-                </a:solidFill>
-              </a:rPr>
-              <a:t>One or more errors occurred. (This is a test exception)</a:t>
-            </a:r>
-            <a:br>
-              <a:rPr lang="en-GB" dirty="0">
-                <a:solidFill>
-                  <a:schemeClr val="bg1"/>
-                </a:solidFill>
-              </a:rPr>
-            </a:br>
+              <a:t>An uncaught exception is thrown and can     be caught in the calling method</a:t>
+            </a:r>
+          </a:p>
+          <a:p>
             <a:endParaRPr lang="en-GB" dirty="0">
               <a:solidFill>
                 <a:schemeClr val="bg1"/>
@@ -15305,27 +15344,13 @@
             </a:endParaRPr>
           </a:p>
           <a:p>
-            <a:pPr marL="342900" indent="-342900">
-              <a:buFont typeface="+mj-lt"/>
-              <a:buAutoNum type="alphaUcPeriod"/>
-            </a:pPr>
             <a:r>
               <a:rPr lang="en-GB" dirty="0">
                 <a:solidFill>
                   <a:schemeClr val="bg1"/>
                 </a:solidFill>
               </a:rPr>
-              <a:t>Exception</a:t>
-            </a:r>
-          </a:p>
-          <a:p>
-            <a:r>
-              <a:rPr lang="en-GB" dirty="0">
-                <a:solidFill>
-                  <a:schemeClr val="bg1"/>
-                </a:solidFill>
-              </a:rPr>
-              <a:t>       This is a test exception</a:t>
+              <a:t>It will throw the following uncaught exception:</a:t>
             </a:r>
           </a:p>
           <a:p>
@@ -15336,49 +15361,33 @@
             </a:endParaRPr>
           </a:p>
           <a:p>
-            <a:pPr marL="342900" indent="-342900">
-              <a:buAutoNum type="alphaUcPeriod" startAt="3"/>
-            </a:pPr>
             <a:r>
               <a:rPr lang="en-GB" dirty="0">
                 <a:solidFill>
                   <a:schemeClr val="bg1"/>
                 </a:solidFill>
               </a:rPr>
-              <a:t>An uncaught exception is thrown and can     be caught in the calling method</a:t>
-            </a:r>
-          </a:p>
-          <a:p>
-            <a:pPr marL="342900" indent="-342900">
-              <a:buAutoNum type="alphaUcPeriod" startAt="3"/>
-            </a:pPr>
-            <a:endParaRPr lang="en-GB" dirty="0">
-              <a:solidFill>
-                <a:schemeClr val="bg1"/>
-              </a:solidFill>
-            </a:endParaRPr>
-          </a:p>
-          <a:p>
-            <a:pPr marL="342900" indent="-342900">
-              <a:buAutoNum type="alphaUcPeriod" startAt="3"/>
-            </a:pPr>
+              <a:t>Exception</a:t>
+            </a:r>
+          </a:p>
+          <a:p>
             <a:r>
               <a:rPr lang="en-GB" dirty="0">
                 <a:solidFill>
                   <a:schemeClr val="bg1"/>
                 </a:solidFill>
               </a:rPr>
-              <a:t>None of the above.</a:t>
+              <a:t>This is a test exception</a:t>
             </a:r>
           </a:p>
         </p:txBody>
       </p:sp>
       <p:pic>
         <p:nvPicPr>
-          <p:cNvPr id="2" name="Picture 1">
-            <a:extLst>
-              <a:ext uri="{FF2B5EF4-FFF2-40B4-BE49-F238E27FC236}">
-                <a16:creationId xmlns:a16="http://schemas.microsoft.com/office/drawing/2014/main" id="{998C0D28-FFB1-46DB-BB0B-98FF4377C9F5}"/>
+          <p:cNvPr id="4" name="Picture 3">
+            <a:extLst>
+              <a:ext uri="{FF2B5EF4-FFF2-40B4-BE49-F238E27FC236}">
+                <a16:creationId xmlns:a16="http://schemas.microsoft.com/office/drawing/2014/main" id="{69FDAEA4-F604-4A40-A20A-9E7E0E9E7C01}"/>
               </a:ext>
             </a:extLst>
           </p:cNvPr>
@@ -15395,8 +15404,8 @@
         </p:blipFill>
         <p:spPr>
           <a:xfrm>
-            <a:off x="477078" y="340436"/>
-            <a:ext cx="6301409" cy="6147341"/>
+            <a:off x="362130" y="1080051"/>
+            <a:ext cx="6673710" cy="1941443"/>
           </a:xfrm>
           <a:prstGeom prst="rect">
             <a:avLst/>
@@ -15406,7 +15415,7 @@
     </p:spTree>
     <p:extLst>
       <p:ext uri="{BB962C8B-B14F-4D97-AF65-F5344CB8AC3E}">
-        <p14:creationId xmlns:p14="http://schemas.microsoft.com/office/powerpoint/2010/main" val="3813329927"/>
+        <p14:creationId xmlns:p14="http://schemas.microsoft.com/office/powerpoint/2010/main" val="1784624068"/>
       </p:ext>
     </p:extLst>
   </p:cSld>
@@ -15495,7 +15504,7 @@
         <p:spPr>
           <a:xfrm>
             <a:off x="7315200" y="1168519"/>
-            <a:ext cx="4395277" cy="1477328"/>
+            <a:ext cx="4395277" cy="3693319"/>
           </a:xfrm>
           <a:prstGeom prst="rect">
             <a:avLst/>
@@ -15514,7 +15523,7 @@
                   <a:schemeClr val="bg1"/>
                 </a:solidFill>
               </a:rPr>
-              <a:t>The answer is</a:t>
+              <a:t>What will be the output of this method?</a:t>
             </a:r>
           </a:p>
           <a:p>
@@ -15551,6 +15560,85 @@
                 </a:solidFill>
               </a:rPr>
               <a:t>One or more errors occurred. (This is a test exception)</a:t>
+            </a:r>
+            <a:br>
+              <a:rPr lang="en-GB" dirty="0">
+                <a:solidFill>
+                  <a:schemeClr val="bg1"/>
+                </a:solidFill>
+              </a:rPr>
+            </a:br>
+            <a:endParaRPr lang="en-GB" dirty="0">
+              <a:solidFill>
+                <a:schemeClr val="bg1"/>
+              </a:solidFill>
+            </a:endParaRPr>
+          </a:p>
+          <a:p>
+            <a:pPr marL="342900" indent="-342900">
+              <a:buFont typeface="+mj-lt"/>
+              <a:buAutoNum type="alphaUcPeriod"/>
+            </a:pPr>
+            <a:r>
+              <a:rPr lang="en-GB" dirty="0">
+                <a:solidFill>
+                  <a:schemeClr val="bg1"/>
+                </a:solidFill>
+              </a:rPr>
+              <a:t>Exception</a:t>
+            </a:r>
+          </a:p>
+          <a:p>
+            <a:r>
+              <a:rPr lang="en-GB" dirty="0">
+                <a:solidFill>
+                  <a:schemeClr val="bg1"/>
+                </a:solidFill>
+              </a:rPr>
+              <a:t>       This is a test exception</a:t>
+            </a:r>
+          </a:p>
+          <a:p>
+            <a:endParaRPr lang="en-GB" dirty="0">
+              <a:solidFill>
+                <a:schemeClr val="bg1"/>
+              </a:solidFill>
+            </a:endParaRPr>
+          </a:p>
+          <a:p>
+            <a:pPr marL="342900" indent="-342900">
+              <a:buAutoNum type="alphaUcPeriod" startAt="3"/>
+            </a:pPr>
+            <a:r>
+              <a:rPr lang="en-GB" dirty="0">
+                <a:solidFill>
+                  <a:schemeClr val="bg1"/>
+                </a:solidFill>
+              </a:rPr>
+              <a:t>An uncaught exception is thrown and can     be caught in the calling method</a:t>
+            </a:r>
+          </a:p>
+          <a:p>
+            <a:pPr marL="342900" indent="-342900">
+              <a:buAutoNum type="alphaUcPeriod" startAt="3"/>
+            </a:pPr>
+            <a:endParaRPr lang="en-GB" dirty="0">
+              <a:solidFill>
+                <a:schemeClr val="bg1"/>
+              </a:solidFill>
+            </a:endParaRPr>
+          </a:p>
+          <a:p>
+            <a:pPr marL="342900" indent="-342900">
+              <a:buAutoNum type="alphaUcPeriod" startAt="3"/>
+            </a:pPr>
+            <a:r>
+              <a:rPr lang="en-GB" dirty="0">
+                <a:solidFill>
+                  <a:schemeClr val="bg1"/>
+                </a:solidFill>
+              </a:rPr>
+              <a:t>None of the above.</a:t>
             </a:r>
           </a:p>
         </p:txBody>
@@ -15588,7 +15676,7 @@
     </p:spTree>
     <p:extLst>
       <p:ext uri="{BB962C8B-B14F-4D97-AF65-F5344CB8AC3E}">
-        <p14:creationId xmlns:p14="http://schemas.microsoft.com/office/powerpoint/2010/main" val="3341191500"/>
+        <p14:creationId xmlns:p14="http://schemas.microsoft.com/office/powerpoint/2010/main" val="3813329927"/>
       </p:ext>
     </p:extLst>
   </p:cSld>
@@ -15657,7 +15745,7 @@
                   <a:schemeClr val="bg1"/>
                 </a:solidFill>
               </a:rPr>
-              <a:t>Question I </a:t>
+              <a:t>Question H </a:t>
             </a:r>
           </a:p>
         </p:txBody>
@@ -15677,7 +15765,7 @@
         <p:spPr>
           <a:xfrm>
             <a:off x="7315200" y="1168519"/>
-            <a:ext cx="4395277" cy="3693319"/>
+            <a:ext cx="4395277" cy="1477328"/>
           </a:xfrm>
           <a:prstGeom prst="rect">
             <a:avLst/>
@@ -15696,7 +15784,7 @@
                   <a:schemeClr val="bg1"/>
                 </a:solidFill>
               </a:rPr>
-              <a:t>What will be the output of this method?</a:t>
+              <a:t>The answer is</a:t>
             </a:r>
           </a:p>
           <a:p>
@@ -15734,94 +15822,15 @@
               </a:rPr>
               <a:t>One or more errors occurred. (This is a test exception)</a:t>
             </a:r>
-            <a:br>
-              <a:rPr lang="en-GB" dirty="0">
-                <a:solidFill>
-                  <a:schemeClr val="bg1"/>
-                </a:solidFill>
-              </a:rPr>
-            </a:br>
-            <a:endParaRPr lang="en-GB" dirty="0">
-              <a:solidFill>
-                <a:schemeClr val="bg1"/>
-              </a:solidFill>
-            </a:endParaRPr>
-          </a:p>
-          <a:p>
-            <a:pPr marL="342900" indent="-342900">
-              <a:buFont typeface="+mj-lt"/>
-              <a:buAutoNum type="alphaUcPeriod"/>
-            </a:pPr>
-            <a:r>
-              <a:rPr lang="en-GB" dirty="0">
-                <a:solidFill>
-                  <a:schemeClr val="bg1"/>
-                </a:solidFill>
-              </a:rPr>
-              <a:t>Exception</a:t>
-            </a:r>
-          </a:p>
-          <a:p>
-            <a:r>
-              <a:rPr lang="en-GB" dirty="0">
-                <a:solidFill>
-                  <a:schemeClr val="bg1"/>
-                </a:solidFill>
-              </a:rPr>
-              <a:t>       This is a test exception</a:t>
-            </a:r>
-          </a:p>
-          <a:p>
-            <a:endParaRPr lang="en-GB" dirty="0">
-              <a:solidFill>
-                <a:schemeClr val="bg1"/>
-              </a:solidFill>
-            </a:endParaRPr>
-          </a:p>
-          <a:p>
-            <a:pPr marL="342900" indent="-342900">
-              <a:buAutoNum type="alphaUcPeriod" startAt="3"/>
-            </a:pPr>
-            <a:r>
-              <a:rPr lang="en-GB" dirty="0">
-                <a:solidFill>
-                  <a:schemeClr val="bg1"/>
-                </a:solidFill>
-              </a:rPr>
-              <a:t>An uncaught exception is thrown and can     be caught in the calling method</a:t>
-            </a:r>
-          </a:p>
-          <a:p>
-            <a:pPr marL="342900" indent="-342900">
-              <a:buAutoNum type="alphaUcPeriod" startAt="3"/>
-            </a:pPr>
-            <a:endParaRPr lang="en-GB" dirty="0">
-              <a:solidFill>
-                <a:schemeClr val="bg1"/>
-              </a:solidFill>
-            </a:endParaRPr>
-          </a:p>
-          <a:p>
-            <a:pPr marL="342900" indent="-342900">
-              <a:buAutoNum type="alphaUcPeriod" startAt="3"/>
-            </a:pPr>
-            <a:r>
-              <a:rPr lang="en-GB" dirty="0">
-                <a:solidFill>
-                  <a:schemeClr val="bg1"/>
-                </a:solidFill>
-              </a:rPr>
-              <a:t>None of the above.</a:t>
-            </a:r>
           </a:p>
         </p:txBody>
       </p:sp>
       <p:pic>
         <p:nvPicPr>
-          <p:cNvPr id="3" name="Picture 2">
-            <a:extLst>
-              <a:ext uri="{FF2B5EF4-FFF2-40B4-BE49-F238E27FC236}">
-                <a16:creationId xmlns:a16="http://schemas.microsoft.com/office/drawing/2014/main" id="{1E68A627-623A-4C15-9AF8-EE50E57C2833}"/>
+          <p:cNvPr id="2" name="Picture 1">
+            <a:extLst>
+              <a:ext uri="{FF2B5EF4-FFF2-40B4-BE49-F238E27FC236}">
+                <a16:creationId xmlns:a16="http://schemas.microsoft.com/office/drawing/2014/main" id="{998C0D28-FFB1-46DB-BB0B-98FF4377C9F5}"/>
               </a:ext>
             </a:extLst>
           </p:cNvPr>
@@ -15838,8 +15847,8 @@
         </p:blipFill>
         <p:spPr>
           <a:xfrm>
-            <a:off x="337421" y="340436"/>
-            <a:ext cx="5586301" cy="1911103"/>
+            <a:off x="477078" y="340436"/>
+            <a:ext cx="6301409" cy="6147341"/>
           </a:xfrm>
           <a:prstGeom prst="rect">
             <a:avLst/>
@@ -15849,7 +15858,7 @@
     </p:spTree>
     <p:extLst>
       <p:ext uri="{BB962C8B-B14F-4D97-AF65-F5344CB8AC3E}">
-        <p14:creationId xmlns:p14="http://schemas.microsoft.com/office/powerpoint/2010/main" val="1300467980"/>
+        <p14:creationId xmlns:p14="http://schemas.microsoft.com/office/powerpoint/2010/main" val="3341191500"/>
       </p:ext>
     </p:extLst>
   </p:cSld>
@@ -15938,6 +15947,267 @@
         <p:spPr>
           <a:xfrm>
             <a:off x="7315200" y="1168519"/>
+            <a:ext cx="4395277" cy="3693319"/>
+          </a:xfrm>
+          <a:prstGeom prst="rect">
+            <a:avLst/>
+          </a:prstGeom>
+          <a:noFill/>
+        </p:spPr>
+        <p:txBody>
+          <a:bodyPr wrap="square" rtlCol="0">
+            <a:spAutoFit/>
+          </a:bodyPr>
+          <a:lstStyle/>
+          <a:p>
+            <a:r>
+              <a:rPr lang="en-GB" dirty="0">
+                <a:solidFill>
+                  <a:schemeClr val="bg1"/>
+                </a:solidFill>
+              </a:rPr>
+              <a:t>What will be the output of this method?</a:t>
+            </a:r>
+          </a:p>
+          <a:p>
+            <a:endParaRPr lang="en-GB" dirty="0">
+              <a:solidFill>
+                <a:schemeClr val="bg1"/>
+              </a:solidFill>
+            </a:endParaRPr>
+          </a:p>
+          <a:p>
+            <a:pPr marL="342900" indent="-342900">
+              <a:buFont typeface="+mj-lt"/>
+              <a:buAutoNum type="alphaUcPeriod"/>
+            </a:pPr>
+            <a:r>
+              <a:rPr lang="en-GB" dirty="0" err="1">
+                <a:solidFill>
+                  <a:schemeClr val="bg1"/>
+                </a:solidFill>
+              </a:rPr>
+              <a:t>AggregateException</a:t>
+            </a:r>
+            <a:br>
+              <a:rPr lang="en-GB" dirty="0">
+                <a:solidFill>
+                  <a:schemeClr val="bg1"/>
+                </a:solidFill>
+              </a:rPr>
+            </a:br>
+            <a:r>
+              <a:rPr lang="en-GB" dirty="0">
+                <a:solidFill>
+                  <a:schemeClr val="bg1"/>
+                </a:solidFill>
+              </a:rPr>
+              <a:t>One or more errors occurred. (This is a test exception)</a:t>
+            </a:r>
+            <a:br>
+              <a:rPr lang="en-GB" dirty="0">
+                <a:solidFill>
+                  <a:schemeClr val="bg1"/>
+                </a:solidFill>
+              </a:rPr>
+            </a:br>
+            <a:endParaRPr lang="en-GB" dirty="0">
+              <a:solidFill>
+                <a:schemeClr val="bg1"/>
+              </a:solidFill>
+            </a:endParaRPr>
+          </a:p>
+          <a:p>
+            <a:pPr marL="342900" indent="-342900">
+              <a:buFont typeface="+mj-lt"/>
+              <a:buAutoNum type="alphaUcPeriod"/>
+            </a:pPr>
+            <a:r>
+              <a:rPr lang="en-GB" dirty="0">
+                <a:solidFill>
+                  <a:schemeClr val="bg1"/>
+                </a:solidFill>
+              </a:rPr>
+              <a:t>Exception</a:t>
+            </a:r>
+          </a:p>
+          <a:p>
+            <a:r>
+              <a:rPr lang="en-GB" dirty="0">
+                <a:solidFill>
+                  <a:schemeClr val="bg1"/>
+                </a:solidFill>
+              </a:rPr>
+              <a:t>       This is a test exception</a:t>
+            </a:r>
+          </a:p>
+          <a:p>
+            <a:endParaRPr lang="en-GB" dirty="0">
+              <a:solidFill>
+                <a:schemeClr val="bg1"/>
+              </a:solidFill>
+            </a:endParaRPr>
+          </a:p>
+          <a:p>
+            <a:pPr marL="342900" indent="-342900">
+              <a:buAutoNum type="alphaUcPeriod" startAt="3"/>
+            </a:pPr>
+            <a:r>
+              <a:rPr lang="en-GB" dirty="0">
+                <a:solidFill>
+                  <a:schemeClr val="bg1"/>
+                </a:solidFill>
+              </a:rPr>
+              <a:t>An uncaught exception is thrown and can     be caught in the calling method</a:t>
+            </a:r>
+          </a:p>
+          <a:p>
+            <a:pPr marL="342900" indent="-342900">
+              <a:buAutoNum type="alphaUcPeriod" startAt="3"/>
+            </a:pPr>
+            <a:endParaRPr lang="en-GB" dirty="0">
+              <a:solidFill>
+                <a:schemeClr val="bg1"/>
+              </a:solidFill>
+            </a:endParaRPr>
+          </a:p>
+          <a:p>
+            <a:pPr marL="342900" indent="-342900">
+              <a:buAutoNum type="alphaUcPeriod" startAt="3"/>
+            </a:pPr>
+            <a:r>
+              <a:rPr lang="en-GB" dirty="0">
+                <a:solidFill>
+                  <a:schemeClr val="bg1"/>
+                </a:solidFill>
+              </a:rPr>
+              <a:t>None of the above.</a:t>
+            </a:r>
+          </a:p>
+        </p:txBody>
+      </p:sp>
+      <p:pic>
+        <p:nvPicPr>
+          <p:cNvPr id="3" name="Picture 2">
+            <a:extLst>
+              <a:ext uri="{FF2B5EF4-FFF2-40B4-BE49-F238E27FC236}">
+                <a16:creationId xmlns:a16="http://schemas.microsoft.com/office/drawing/2014/main" id="{1E68A627-623A-4C15-9AF8-EE50E57C2833}"/>
+              </a:ext>
+            </a:extLst>
+          </p:cNvPr>
+          <p:cNvPicPr>
+            <a:picLocks noChangeAspect="1"/>
+          </p:cNvPicPr>
+          <p:nvPr/>
+        </p:nvPicPr>
+        <p:blipFill>
+          <a:blip r:embed="rId2"/>
+          <a:stretch>
+            <a:fillRect/>
+          </a:stretch>
+        </p:blipFill>
+        <p:spPr>
+          <a:xfrm>
+            <a:off x="337421" y="340436"/>
+            <a:ext cx="5586301" cy="1911103"/>
+          </a:xfrm>
+          <a:prstGeom prst="rect">
+            <a:avLst/>
+          </a:prstGeom>
+        </p:spPr>
+      </p:pic>
+    </p:spTree>
+    <p:extLst>
+      <p:ext uri="{BB962C8B-B14F-4D97-AF65-F5344CB8AC3E}">
+        <p14:creationId xmlns:p14="http://schemas.microsoft.com/office/powerpoint/2010/main" val="1300467980"/>
+      </p:ext>
+    </p:extLst>
+  </p:cSld>
+  <p:clrMapOvr>
+    <a:masterClrMapping/>
+  </p:clrMapOvr>
+</p:sld>
+</file>
+
+<file path=ppt/slides/slide57.xml><?xml version="1.0" encoding="utf-8"?>
+<p:sld xmlns:a="http://schemas.openxmlformats.org/drawingml/2006/main" xmlns:r="http://schemas.openxmlformats.org/officeDocument/2006/relationships" xmlns:p="http://schemas.openxmlformats.org/presentationml/2006/main">
+  <p:cSld>
+    <p:bg>
+      <p:bgPr>
+        <a:solidFill>
+          <a:srgbClr val="1E1E1E"/>
+        </a:solidFill>
+        <a:effectLst/>
+      </p:bgPr>
+    </p:bg>
+    <p:spTree>
+      <p:nvGrpSpPr>
+        <p:cNvPr id="1" name=""/>
+        <p:cNvGrpSpPr/>
+        <p:nvPr/>
+      </p:nvGrpSpPr>
+      <p:grpSpPr>
+        <a:xfrm>
+          <a:off x="0" y="0"/>
+          <a:ext cx="0" cy="0"/>
+          <a:chOff x="0" y="0"/>
+          <a:chExt cx="0" cy="0"/>
+        </a:xfrm>
+      </p:grpSpPr>
+      <p:sp>
+        <p:nvSpPr>
+          <p:cNvPr id="6" name="TextBox 5">
+            <a:extLst>
+              <a:ext uri="{FF2B5EF4-FFF2-40B4-BE49-F238E27FC236}">
+                <a16:creationId xmlns:a16="http://schemas.microsoft.com/office/drawing/2014/main" id="{2CDFC944-8A12-42CA-B4D7-7CEF50C368ED}"/>
+              </a:ext>
+            </a:extLst>
+          </p:cNvPr>
+          <p:cNvSpPr txBox="1"/>
+          <p:nvPr/>
+        </p:nvSpPr>
+        <p:spPr>
+          <a:xfrm>
+            <a:off x="7315200" y="340436"/>
+            <a:ext cx="11364880" cy="369332"/>
+          </a:xfrm>
+          <a:prstGeom prst="rect">
+            <a:avLst/>
+          </a:prstGeom>
+          <a:noFill/>
+        </p:spPr>
+        <p:txBody>
+          <a:bodyPr wrap="square" rtlCol="0">
+            <a:spAutoFit/>
+          </a:bodyPr>
+          <a:lstStyle/>
+          <a:p>
+            <a:r>
+              <a:rPr lang="en-GB" dirty="0">
+                <a:solidFill>
+                  <a:schemeClr val="bg1"/>
+                </a:solidFill>
+              </a:rPr>
+              <a:t>Question I </a:t>
+            </a:r>
+          </a:p>
+        </p:txBody>
+      </p:sp>
+      <p:sp>
+        <p:nvSpPr>
+          <p:cNvPr id="11" name="TextBox 10">
+            <a:extLst>
+              <a:ext uri="{FF2B5EF4-FFF2-40B4-BE49-F238E27FC236}">
+                <a16:creationId xmlns:a16="http://schemas.microsoft.com/office/drawing/2014/main" id="{8CFFC453-63D5-4985-9376-BE7589A7509A}"/>
+              </a:ext>
+            </a:extLst>
+          </p:cNvPr>
+          <p:cNvSpPr txBox="1"/>
+          <p:nvPr/>
+        </p:nvSpPr>
+        <p:spPr>
+          <a:xfrm>
+            <a:off x="7315200" y="1168519"/>
             <a:ext cx="4395277" cy="1754326"/>
           </a:xfrm>
           <a:prstGeom prst="rect">
@@ -16039,7 +16309,7 @@
 </p:sld>
 </file>
 
-<file path=ppt/slides/slide57.xml><?xml version="1.0" encoding="utf-8"?>
+<file path=ppt/slides/slide58.xml><?xml version="1.0" encoding="utf-8"?>
 <p:sld xmlns:a="http://schemas.openxmlformats.org/drawingml/2006/main" xmlns:r="http://schemas.openxmlformats.org/officeDocument/2006/relationships" xmlns:p="http://schemas.openxmlformats.org/presentationml/2006/main">
   <p:cSld>
     <p:spTree>

--- a/Async and await presentation.pptx
+++ b/Async and await presentation.pptx
@@ -169,10 +169,6 @@
 </p:presentation>
 </file>
 
-<file path=ppt/revisionInfo.xml><?xml version="1.0" encoding="utf-8"?>
-<p1510:revInfo xmlns:a="http://schemas.openxmlformats.org/drawingml/2006/main" xmlns:r="http://schemas.openxmlformats.org/officeDocument/2006/relationships" xmlns:p1510="http://schemas.microsoft.com/office/powerpoint/2015/10/main"/>
-</file>
-
 <file path=ppt/slideLayouts/slideLayout1.xml><?xml version="1.0" encoding="utf-8"?>
 <p:sldLayout xmlns:a="http://schemas.openxmlformats.org/drawingml/2006/main" xmlns:r="http://schemas.openxmlformats.org/officeDocument/2006/relationships" xmlns:p="http://schemas.openxmlformats.org/presentationml/2006/main" type="title" preserve="1">
   <p:cSld name="Title Slide">
@@ -322,7 +318,7 @@
           <a:p>
             <a:fld id="{BFEF692B-FC3E-4552-B87F-4B5A00EB12B2}" type="datetimeFigureOut">
               <a:rPr lang="en-GB" smtClean="0"/>
-              <a:t>30/11/2018</a:t>
+              <a:t>02/03/2020</a:t>
             </a:fld>
             <a:endParaRPr lang="en-GB"/>
           </a:p>
@@ -522,7 +518,7 @@
           <a:p>
             <a:fld id="{BFEF692B-FC3E-4552-B87F-4B5A00EB12B2}" type="datetimeFigureOut">
               <a:rPr lang="en-GB" smtClean="0"/>
-              <a:t>30/11/2018</a:t>
+              <a:t>02/03/2020</a:t>
             </a:fld>
             <a:endParaRPr lang="en-GB"/>
           </a:p>
@@ -732,7 +728,7 @@
           <a:p>
             <a:fld id="{BFEF692B-FC3E-4552-B87F-4B5A00EB12B2}" type="datetimeFigureOut">
               <a:rPr lang="en-GB" smtClean="0"/>
-              <a:t>30/11/2018</a:t>
+              <a:t>02/03/2020</a:t>
             </a:fld>
             <a:endParaRPr lang="en-GB"/>
           </a:p>
@@ -932,7 +928,7 @@
           <a:p>
             <a:fld id="{BFEF692B-FC3E-4552-B87F-4B5A00EB12B2}" type="datetimeFigureOut">
               <a:rPr lang="en-GB" smtClean="0"/>
-              <a:t>30/11/2018</a:t>
+              <a:t>02/03/2020</a:t>
             </a:fld>
             <a:endParaRPr lang="en-GB"/>
           </a:p>
@@ -1208,7 +1204,7 @@
           <a:p>
             <a:fld id="{BFEF692B-FC3E-4552-B87F-4B5A00EB12B2}" type="datetimeFigureOut">
               <a:rPr lang="en-GB" smtClean="0"/>
-              <a:t>30/11/2018</a:t>
+              <a:t>02/03/2020</a:t>
             </a:fld>
             <a:endParaRPr lang="en-GB"/>
           </a:p>
@@ -1476,7 +1472,7 @@
           <a:p>
             <a:fld id="{BFEF692B-FC3E-4552-B87F-4B5A00EB12B2}" type="datetimeFigureOut">
               <a:rPr lang="en-GB" smtClean="0"/>
-              <a:t>30/11/2018</a:t>
+              <a:t>02/03/2020</a:t>
             </a:fld>
             <a:endParaRPr lang="en-GB"/>
           </a:p>
@@ -1891,7 +1887,7 @@
           <a:p>
             <a:fld id="{BFEF692B-FC3E-4552-B87F-4B5A00EB12B2}" type="datetimeFigureOut">
               <a:rPr lang="en-GB" smtClean="0"/>
-              <a:t>30/11/2018</a:t>
+              <a:t>02/03/2020</a:t>
             </a:fld>
             <a:endParaRPr lang="en-GB"/>
           </a:p>
@@ -2033,7 +2029,7 @@
           <a:p>
             <a:fld id="{BFEF692B-FC3E-4552-B87F-4B5A00EB12B2}" type="datetimeFigureOut">
               <a:rPr lang="en-GB" smtClean="0"/>
-              <a:t>30/11/2018</a:t>
+              <a:t>02/03/2020</a:t>
             </a:fld>
             <a:endParaRPr lang="en-GB"/>
           </a:p>
@@ -2146,7 +2142,7 @@
           <a:p>
             <a:fld id="{BFEF692B-FC3E-4552-B87F-4B5A00EB12B2}" type="datetimeFigureOut">
               <a:rPr lang="en-GB" smtClean="0"/>
-              <a:t>30/11/2018</a:t>
+              <a:t>02/03/2020</a:t>
             </a:fld>
             <a:endParaRPr lang="en-GB"/>
           </a:p>
@@ -2459,7 +2455,7 @@
           <a:p>
             <a:fld id="{BFEF692B-FC3E-4552-B87F-4B5A00EB12B2}" type="datetimeFigureOut">
               <a:rPr lang="en-GB" smtClean="0"/>
-              <a:t>30/11/2018</a:t>
+              <a:t>02/03/2020</a:t>
             </a:fld>
             <a:endParaRPr lang="en-GB"/>
           </a:p>
@@ -2748,7 +2744,7 @@
           <a:p>
             <a:fld id="{BFEF692B-FC3E-4552-B87F-4B5A00EB12B2}" type="datetimeFigureOut">
               <a:rPr lang="en-GB" smtClean="0"/>
-              <a:t>30/11/2018</a:t>
+              <a:t>02/03/2020</a:t>
             </a:fld>
             <a:endParaRPr lang="en-GB"/>
           </a:p>
@@ -2991,7 +2987,7 @@
           <a:p>
             <a:fld id="{BFEF692B-FC3E-4552-B87F-4B5A00EB12B2}" type="datetimeFigureOut">
               <a:rPr lang="en-GB" smtClean="0"/>
-              <a:t>30/11/2018</a:t>
+              <a:t>02/03/2020</a:t>
             </a:fld>
             <a:endParaRPr lang="en-GB"/>
           </a:p>
@@ -8695,7 +8691,7 @@
           <a:p>
             <a:r>
               <a:rPr lang="en-GB" sz="2200" dirty="0"/>
-              <a:t>In reality you might decide to switch on the oven before starting to heat the saucepan of water, or the other way around. It would probably depend on which task can be started quickest, depending on where you are in your kitchen. There’s no real guarantee that one task will be started before the other and it doesn’t really matter. All that matters is that they are executed at some point and will be finished later on. </a:t>
+              <a:t>In reality you might decide to switch on the oven before starting to heat the saucepan of water, or the other way around. It would probably depend on which task can be started quickest, depending on where you are in your kitchen. There’s no real guarantee that one task will be started before the other and it doesn’t really matter. All that matters is that they are scheduled to be started as soon as possible and will be finished later on. </a:t>
             </a:r>
           </a:p>
         </p:txBody>
@@ -16687,7 +16683,7 @@
             </a:r>
             <a:r>
               <a:rPr lang="en-GB" sz="3200" b="1" u="sng" dirty="0"/>
-              <a:t>!</a:t>
+              <a:t>. Only think about Task!</a:t>
             </a:r>
           </a:p>
         </p:txBody>

--- a/Async and await presentation.pptx
+++ b/Async and await presentation.pptx
@@ -6,63 +6,65 @@
   </p:sldMasterIdLst>
   <p:sldIdLst>
     <p:sldId id="256" r:id="rId2"/>
-    <p:sldId id="257" r:id="rId3"/>
-    <p:sldId id="258" r:id="rId4"/>
-    <p:sldId id="259" r:id="rId5"/>
-    <p:sldId id="260" r:id="rId6"/>
-    <p:sldId id="261" r:id="rId7"/>
-    <p:sldId id="262" r:id="rId8"/>
-    <p:sldId id="264" r:id="rId9"/>
-    <p:sldId id="266" r:id="rId10"/>
-    <p:sldId id="265" r:id="rId11"/>
-    <p:sldId id="267" r:id="rId12"/>
-    <p:sldId id="268" r:id="rId13"/>
-    <p:sldId id="278" r:id="rId14"/>
-    <p:sldId id="279" r:id="rId15"/>
-    <p:sldId id="269" r:id="rId16"/>
-    <p:sldId id="280" r:id="rId17"/>
-    <p:sldId id="281" r:id="rId18"/>
-    <p:sldId id="295" r:id="rId19"/>
-    <p:sldId id="270" r:id="rId20"/>
-    <p:sldId id="282" r:id="rId21"/>
-    <p:sldId id="283" r:id="rId22"/>
-    <p:sldId id="274" r:id="rId23"/>
-    <p:sldId id="284" r:id="rId24"/>
-    <p:sldId id="285" r:id="rId25"/>
-    <p:sldId id="272" r:id="rId26"/>
-    <p:sldId id="273" r:id="rId27"/>
-    <p:sldId id="275" r:id="rId28"/>
-    <p:sldId id="276" r:id="rId29"/>
-    <p:sldId id="286" r:id="rId30"/>
-    <p:sldId id="290" r:id="rId31"/>
-    <p:sldId id="277" r:id="rId32"/>
-    <p:sldId id="287" r:id="rId33"/>
-    <p:sldId id="288" r:id="rId34"/>
-    <p:sldId id="289" r:id="rId35"/>
-    <p:sldId id="293" r:id="rId36"/>
-    <p:sldId id="292" r:id="rId37"/>
-    <p:sldId id="294" r:id="rId38"/>
-    <p:sldId id="296" r:id="rId39"/>
-    <p:sldId id="304" r:id="rId40"/>
-    <p:sldId id="298" r:id="rId41"/>
-    <p:sldId id="308" r:id="rId42"/>
-    <p:sldId id="299" r:id="rId43"/>
-    <p:sldId id="309" r:id="rId44"/>
-    <p:sldId id="300" r:id="rId45"/>
-    <p:sldId id="316" r:id="rId46"/>
-    <p:sldId id="301" r:id="rId47"/>
-    <p:sldId id="310" r:id="rId48"/>
-    <p:sldId id="302" r:id="rId49"/>
-    <p:sldId id="311" r:id="rId50"/>
-    <p:sldId id="303" r:id="rId51"/>
-    <p:sldId id="312" r:id="rId52"/>
-    <p:sldId id="305" r:id="rId53"/>
-    <p:sldId id="313" r:id="rId54"/>
-    <p:sldId id="306" r:id="rId55"/>
-    <p:sldId id="314" r:id="rId56"/>
-    <p:sldId id="307" r:id="rId57"/>
-    <p:sldId id="315" r:id="rId58"/>
-    <p:sldId id="297" r:id="rId59"/>
+    <p:sldId id="262" r:id="rId3"/>
+    <p:sldId id="264" r:id="rId4"/>
+    <p:sldId id="317" r:id="rId5"/>
+    <p:sldId id="318" r:id="rId6"/>
+    <p:sldId id="266" r:id="rId7"/>
+    <p:sldId id="257" r:id="rId8"/>
+    <p:sldId id="258" r:id="rId9"/>
+    <p:sldId id="259" r:id="rId10"/>
+    <p:sldId id="260" r:id="rId11"/>
+    <p:sldId id="261" r:id="rId12"/>
+    <p:sldId id="265" r:id="rId13"/>
+    <p:sldId id="267" r:id="rId14"/>
+    <p:sldId id="268" r:id="rId15"/>
+    <p:sldId id="278" r:id="rId16"/>
+    <p:sldId id="279" r:id="rId17"/>
+    <p:sldId id="269" r:id="rId18"/>
+    <p:sldId id="280" r:id="rId19"/>
+    <p:sldId id="281" r:id="rId20"/>
+    <p:sldId id="295" r:id="rId21"/>
+    <p:sldId id="270" r:id="rId22"/>
+    <p:sldId id="282" r:id="rId23"/>
+    <p:sldId id="283" r:id="rId24"/>
+    <p:sldId id="274" r:id="rId25"/>
+    <p:sldId id="284" r:id="rId26"/>
+    <p:sldId id="285" r:id="rId27"/>
+    <p:sldId id="272" r:id="rId28"/>
+    <p:sldId id="273" r:id="rId29"/>
+    <p:sldId id="275" r:id="rId30"/>
+    <p:sldId id="276" r:id="rId31"/>
+    <p:sldId id="286" r:id="rId32"/>
+    <p:sldId id="290" r:id="rId33"/>
+    <p:sldId id="277" r:id="rId34"/>
+    <p:sldId id="287" r:id="rId35"/>
+    <p:sldId id="288" r:id="rId36"/>
+    <p:sldId id="289" r:id="rId37"/>
+    <p:sldId id="293" r:id="rId38"/>
+    <p:sldId id="292" r:id="rId39"/>
+    <p:sldId id="294" r:id="rId40"/>
+    <p:sldId id="296" r:id="rId41"/>
+    <p:sldId id="304" r:id="rId42"/>
+    <p:sldId id="298" r:id="rId43"/>
+    <p:sldId id="308" r:id="rId44"/>
+    <p:sldId id="299" r:id="rId45"/>
+    <p:sldId id="309" r:id="rId46"/>
+    <p:sldId id="300" r:id="rId47"/>
+    <p:sldId id="316" r:id="rId48"/>
+    <p:sldId id="301" r:id="rId49"/>
+    <p:sldId id="310" r:id="rId50"/>
+    <p:sldId id="302" r:id="rId51"/>
+    <p:sldId id="311" r:id="rId52"/>
+    <p:sldId id="303" r:id="rId53"/>
+    <p:sldId id="312" r:id="rId54"/>
+    <p:sldId id="305" r:id="rId55"/>
+    <p:sldId id="313" r:id="rId56"/>
+    <p:sldId id="306" r:id="rId57"/>
+    <p:sldId id="314" r:id="rId58"/>
+    <p:sldId id="307" r:id="rId59"/>
+    <p:sldId id="315" r:id="rId60"/>
+    <p:sldId id="297" r:id="rId61"/>
   </p:sldIdLst>
   <p:sldSz cx="12192000" cy="6858000"/>
   <p:notesSz cx="6858000" cy="9144000"/>
@@ -3513,7 +3515,7 @@
         <p:spPr>
           <a:xfrm>
             <a:off x="145775" y="132522"/>
-            <a:ext cx="11781182" cy="6986528"/>
+            <a:ext cx="11781182" cy="6001643"/>
           </a:xfrm>
           <a:prstGeom prst="rect">
             <a:avLst/>
@@ -3527,26 +3529,8 @@
           <a:lstStyle/>
           <a:p>
             <a:r>
-              <a:rPr lang="en-GB" sz="2800" b="1" dirty="0"/>
-              <a:t>Here’s an analogy…</a:t>
-            </a:r>
-          </a:p>
-          <a:p>
-            <a:endParaRPr lang="en-GB" sz="2800" b="1" dirty="0"/>
-          </a:p>
-          <a:p>
-            <a:r>
-              <a:rPr lang="en-GB" sz="2800" dirty="0"/>
-              <a:t>You’re in your kitchen at home, making a pasta dish and a dessert.</a:t>
-            </a:r>
-          </a:p>
-          <a:p>
-            <a:endParaRPr lang="en-GB" sz="2800" dirty="0"/>
-          </a:p>
-          <a:p>
-            <a:r>
-              <a:rPr lang="en-GB" sz="2800" dirty="0"/>
-              <a:t>The steps are simple:</a:t>
+              <a:rPr lang="en-GB" sz="3200" b="1" dirty="0"/>
+              <a:t>Task</a:t>
             </a:r>
           </a:p>
           <a:p>
@@ -3555,8 +3539,8 @@
               <a:buChar char="•"/>
             </a:pPr>
             <a:r>
-              <a:rPr lang="en-GB" sz="2800" dirty="0"/>
-              <a:t>Heat a saucepan of water until it starts boiling (takes 5 mins)</a:t>
+              <a:rPr lang="en-GB" sz="3200" dirty="0"/>
+              <a:t>Represents a piece of work to be completed, possibly with a result.</a:t>
             </a:r>
           </a:p>
           <a:p>
@@ -3565,8 +3549,16 @@
               <a:buChar char="•"/>
             </a:pPr>
             <a:r>
-              <a:rPr lang="en-GB" sz="2800" dirty="0"/>
-              <a:t>Cook fresh pasta (5 mins)</a:t>
+              <a:rPr lang="en-GB" sz="3200" dirty="0"/>
+              <a:t>Like the </a:t>
+            </a:r>
+            <a:r>
+              <a:rPr lang="en-GB" sz="3200" dirty="0" err="1"/>
+              <a:t>ThreadPool</a:t>
+            </a:r>
+            <a:r>
+              <a:rPr lang="en-GB" sz="3200" dirty="0"/>
+              <a:t>, a task does not create its own OS thread.</a:t>
             </a:r>
           </a:p>
           <a:p>
@@ -3575,8 +3567,24 @@
               <a:buChar char="•"/>
             </a:pPr>
             <a:r>
-              <a:rPr lang="en-GB" sz="2800" dirty="0"/>
-              <a:t>Drain the water from the pasta (1 min)</a:t>
+              <a:rPr lang="en-GB" sz="3200" dirty="0"/>
+              <a:t>Tasks are executed by a </a:t>
+            </a:r>
+            <a:r>
+              <a:rPr lang="en-GB" sz="3200" dirty="0" err="1"/>
+              <a:t>TaskScheduler</a:t>
+            </a:r>
+            <a:r>
+              <a:rPr lang="en-GB" sz="3200" dirty="0"/>
+              <a:t>. The default scheduler runs on the </a:t>
+            </a:r>
+            <a:r>
+              <a:rPr lang="en-GB" sz="3200" dirty="0" err="1"/>
+              <a:t>ThreadPool</a:t>
+            </a:r>
+            <a:r>
+              <a:rPr lang="en-GB" sz="3200" dirty="0"/>
+              <a:t>.</a:t>
             </a:r>
           </a:p>
           <a:p>
@@ -3585,8 +3593,16 @@
               <a:buChar char="•"/>
             </a:pPr>
             <a:r>
-              <a:rPr lang="en-GB" sz="2800" dirty="0"/>
-              <a:t>Place pasta in a dish and add sauce (1 min)</a:t>
+              <a:rPr lang="en-GB" sz="3200" dirty="0"/>
+              <a:t>Unlike </a:t>
+            </a:r>
+            <a:r>
+              <a:rPr lang="en-GB" sz="3200" dirty="0" err="1"/>
+              <a:t>ThreadPool</a:t>
+            </a:r>
+            <a:r>
+              <a:rPr lang="en-GB" sz="3200" dirty="0"/>
+              <a:t>, Task allows you to find out when it finishes and to return a result., either synchronously or asynchronously.</a:t>
             </a:r>
           </a:p>
           <a:p>
@@ -3595,8 +3611,40 @@
               <a:buChar char="•"/>
             </a:pPr>
             <a:r>
-              <a:rPr lang="en-GB" sz="2800" dirty="0"/>
-              <a:t>Grate cheese (2 mins)</a:t>
+              <a:rPr lang="en-GB" sz="3200" dirty="0"/>
+              <a:t>Since tasks still run on the </a:t>
+            </a:r>
+            <a:r>
+              <a:rPr lang="en-GB" sz="3200" dirty="0" err="1"/>
+              <a:t>ThreadPool</a:t>
+            </a:r>
+            <a:r>
+              <a:rPr lang="en-GB" sz="3200" dirty="0"/>
+              <a:t>, they should not be used for long-running operations. Task does provide however a </a:t>
+            </a:r>
+            <a:r>
+              <a:rPr lang="en-GB" sz="3200" dirty="0" err="1"/>
+              <a:t>LongRunning</a:t>
+            </a:r>
+            <a:r>
+              <a:rPr lang="en-GB" sz="3200" dirty="0"/>
+              <a:t> option, which tells the </a:t>
+            </a:r>
+            <a:r>
+              <a:rPr lang="en-GB" sz="3200" dirty="0" err="1"/>
+              <a:t>TaskScheduler</a:t>
+            </a:r>
+            <a:r>
+              <a:rPr lang="en-GB" sz="3200" dirty="0"/>
+              <a:t> to create a new thread rather than running on the </a:t>
+            </a:r>
+            <a:r>
+              <a:rPr lang="en-GB" sz="3200" dirty="0" err="1"/>
+              <a:t>ThreadPool</a:t>
+            </a:r>
+            <a:r>
+              <a:rPr lang="en-GB" sz="3200" dirty="0"/>
+              <a:t>. </a:t>
             </a:r>
           </a:p>
           <a:p>
@@ -3605,60 +3653,16 @@
               <a:buChar char="•"/>
             </a:pPr>
             <a:r>
-              <a:rPr lang="en-GB" sz="2800" dirty="0"/>
-              <a:t>Add cheese to pasta (1 min)</a:t>
-            </a:r>
-          </a:p>
-          <a:p>
-            <a:pPr marL="457200" indent="-457200">
-              <a:buFont typeface="Arial" panose="020B0604020202020204" pitchFamily="34" charset="0"/>
-              <a:buChar char="•"/>
-            </a:pPr>
-            <a:r>
-              <a:rPr lang="en-GB" sz="2800" dirty="0"/>
-              <a:t>Pre-heat oven to 200°C (15 mins) </a:t>
-            </a:r>
-          </a:p>
-          <a:p>
-            <a:pPr marL="457200" indent="-457200">
-              <a:buFont typeface="Arial" panose="020B0604020202020204" pitchFamily="34" charset="0"/>
-              <a:buChar char="•"/>
-            </a:pPr>
-            <a:r>
-              <a:rPr lang="en-GB" sz="2800" dirty="0"/>
-              <a:t>Place dish in oven and bake (15 mins)</a:t>
-            </a:r>
-          </a:p>
-          <a:p>
-            <a:pPr marL="457200" indent="-457200">
-              <a:buFont typeface="Arial" panose="020B0604020202020204" pitchFamily="34" charset="0"/>
-              <a:buChar char="•"/>
-            </a:pPr>
-            <a:r>
-              <a:rPr lang="en-GB" sz="2800" dirty="0"/>
-              <a:t>Prepare the dessert (20 mins)</a:t>
-            </a:r>
-          </a:p>
-          <a:p>
-            <a:pPr marL="457200" indent="-457200">
-              <a:buFont typeface="Arial" panose="020B0604020202020204" pitchFamily="34" charset="0"/>
-              <a:buChar char="•"/>
-            </a:pPr>
-            <a:endParaRPr lang="en-GB" sz="2800" dirty="0"/>
-          </a:p>
-          <a:p>
-            <a:pPr marL="457200" indent="-457200">
-              <a:buFont typeface="Arial" panose="020B0604020202020204" pitchFamily="34" charset="0"/>
-              <a:buChar char="•"/>
-            </a:pPr>
-            <a:endParaRPr lang="en-GB" sz="2800" dirty="0"/>
+              <a:rPr lang="en-GB" sz="3200" dirty="0"/>
+              <a:t>All newer high-level concurrency APIs are built on Task. </a:t>
+            </a:r>
           </a:p>
         </p:txBody>
       </p:sp>
     </p:spTree>
     <p:extLst>
       <p:ext uri="{BB962C8B-B14F-4D97-AF65-F5344CB8AC3E}">
-        <p14:creationId xmlns:p14="http://schemas.microsoft.com/office/powerpoint/2010/main" val="3628257232"/>
+        <p14:creationId xmlns:p14="http://schemas.microsoft.com/office/powerpoint/2010/main" val="767209263"/>
       </p:ext>
     </p:extLst>
   </p:cSld>
@@ -3700,7 +3704,7 @@
         <p:spPr>
           <a:xfrm>
             <a:off x="145775" y="132522"/>
-            <a:ext cx="11781182" cy="6124754"/>
+            <a:ext cx="11781182" cy="6001643"/>
           </a:xfrm>
           <a:prstGeom prst="rect">
             <a:avLst/>
@@ -3714,44 +3718,12 @@
           <a:lstStyle/>
           <a:p>
             <a:r>
-              <a:rPr lang="en-GB" sz="2800" b="1" dirty="0"/>
-              <a:t>Some steps are performed by a person, others aren’t</a:t>
-            </a:r>
-          </a:p>
-          <a:p>
-            <a:br>
-              <a:rPr lang="en-GB" sz="2800" dirty="0"/>
-            </a:br>
-            <a:r>
-              <a:rPr lang="en-GB" sz="2800" b="1" dirty="0">
-                <a:solidFill>
-                  <a:srgbClr val="00B050"/>
-                </a:solidFill>
-              </a:rPr>
-              <a:t>Green</a:t>
-            </a:r>
-            <a:r>
-              <a:rPr lang="en-GB" sz="2800" dirty="0"/>
-              <a:t> steps are ones which are completed by yourself</a:t>
-            </a:r>
-          </a:p>
-          <a:p>
-            <a:r>
-              <a:rPr lang="en-GB" sz="2800" b="1" dirty="0">
-                <a:solidFill>
-                  <a:schemeClr val="accent2"/>
-                </a:solidFill>
-              </a:rPr>
-              <a:t>Orange</a:t>
-            </a:r>
-            <a:r>
-              <a:rPr lang="en-GB" sz="2800" dirty="0"/>
-              <a:t> steps are ones which are out of your control once started</a:t>
-            </a:r>
-            <a:br>
-              <a:rPr lang="en-GB" sz="2800" dirty="0"/>
-            </a:br>
-            <a:endParaRPr lang="en-GB" sz="2800" dirty="0"/>
+              <a:rPr lang="en-GB" sz="3200" b="1" dirty="0"/>
+              <a:t>Summary</a:t>
+            </a:r>
+          </a:p>
+          <a:p>
+            <a:endParaRPr lang="en-GB" sz="3200" b="1" dirty="0"/>
           </a:p>
           <a:p>
             <a:pPr marL="457200" indent="-457200">
@@ -3759,16 +3731,8 @@
               <a:buChar char="•"/>
             </a:pPr>
             <a:r>
-              <a:rPr lang="en-GB" sz="2800" b="1" dirty="0">
-                <a:solidFill>
-                  <a:schemeClr val="accent2"/>
-                </a:solidFill>
-              </a:rPr>
-              <a:t>Heat a saucepan of water until it starts boiling </a:t>
-            </a:r>
-            <a:r>
-              <a:rPr lang="en-GB" sz="2800" dirty="0"/>
-              <a:t>(5 mins)</a:t>
+              <a:rPr lang="en-GB" sz="3200" dirty="0"/>
+              <a:t>Task is almost always the best option.</a:t>
             </a:r>
           </a:p>
           <a:p>
@@ -3776,18 +3740,7 @@
               <a:buFont typeface="Arial" panose="020B0604020202020204" pitchFamily="34" charset="0"/>
               <a:buChar char="•"/>
             </a:pPr>
-            <a:r>
-              <a:rPr lang="en-GB" sz="2800" b="1" dirty="0">
-                <a:solidFill>
-                  <a:srgbClr val="00B050"/>
-                </a:solidFill>
-              </a:rPr>
-              <a:t>Cook fresh pasta </a:t>
-            </a:r>
-            <a:r>
-              <a:rPr lang="en-GB" sz="2800" dirty="0"/>
-              <a:t>(5 mins)</a:t>
-            </a:r>
+            <a:endParaRPr lang="en-GB" sz="3200" dirty="0"/>
           </a:p>
           <a:p>
             <a:pPr marL="457200" indent="-457200">
@@ -3795,16 +3748,8 @@
               <a:buChar char="•"/>
             </a:pPr>
             <a:r>
-              <a:rPr lang="en-GB" sz="2800" b="1" dirty="0">
-                <a:solidFill>
-                  <a:srgbClr val="00B050"/>
-                </a:solidFill>
-              </a:rPr>
-              <a:t>Drain the water from the pasta </a:t>
-            </a:r>
-            <a:r>
-              <a:rPr lang="en-GB" sz="2800" dirty="0"/>
-              <a:t>(1 min)</a:t>
+              <a:rPr lang="en-GB" sz="3200" dirty="0"/>
+              <a:t>It provides a more powerful API and avoids wasting OS threads.</a:t>
             </a:r>
           </a:p>
           <a:p>
@@ -3812,18 +3757,7 @@
               <a:buFont typeface="Arial" panose="020B0604020202020204" pitchFamily="34" charset="0"/>
               <a:buChar char="•"/>
             </a:pPr>
-            <a:r>
-              <a:rPr lang="en-GB" sz="2800" b="1" dirty="0">
-                <a:solidFill>
-                  <a:srgbClr val="00B050"/>
-                </a:solidFill>
-              </a:rPr>
-              <a:t>Place pasta in a dish and add sauce </a:t>
-            </a:r>
-            <a:r>
-              <a:rPr lang="en-GB" sz="2800" dirty="0"/>
-              <a:t>(1 min)</a:t>
-            </a:r>
+            <a:endParaRPr lang="en-GB" sz="3200" dirty="0"/>
           </a:p>
           <a:p>
             <a:pPr marL="457200" indent="-457200">
@@ -3831,16 +3765,8 @@
               <a:buChar char="•"/>
             </a:pPr>
             <a:r>
-              <a:rPr lang="en-GB" sz="2800" b="1" dirty="0">
-                <a:solidFill>
-                  <a:srgbClr val="00B050"/>
-                </a:solidFill>
-              </a:rPr>
-              <a:t>Grate cheese </a:t>
-            </a:r>
-            <a:r>
-              <a:rPr lang="en-GB" sz="2800" dirty="0"/>
-              <a:t>(2 mins)</a:t>
+              <a:rPr lang="en-GB" sz="3200" dirty="0"/>
+              <a:t>The only reason to explicitly create your own threads in modern code are for setting per-thread options, or maintaining a persistent thread that needs to maintain its own identity. </a:t>
             </a:r>
           </a:p>
           <a:p>
@@ -3848,18 +3774,7 @@
               <a:buFont typeface="Arial" panose="020B0604020202020204" pitchFamily="34" charset="0"/>
               <a:buChar char="•"/>
             </a:pPr>
-            <a:r>
-              <a:rPr lang="en-GB" sz="2800" b="1" dirty="0">
-                <a:solidFill>
-                  <a:srgbClr val="00B050"/>
-                </a:solidFill>
-              </a:rPr>
-              <a:t>Add cheese to pasta </a:t>
-            </a:r>
-            <a:r>
-              <a:rPr lang="en-GB" sz="2800" dirty="0"/>
-              <a:t>(1 min)</a:t>
-            </a:r>
+            <a:endParaRPr lang="en-GB" sz="3200" dirty="0"/>
           </a:p>
           <a:p>
             <a:pPr marL="457200" indent="-457200">
@@ -3867,52 +3782,20 @@
               <a:buChar char="•"/>
             </a:pPr>
             <a:r>
-              <a:rPr lang="en-GB" sz="2800" b="1" dirty="0">
-                <a:solidFill>
-                  <a:schemeClr val="accent2"/>
-                </a:solidFill>
-              </a:rPr>
-              <a:t>Pre-heat oven to 200°C </a:t>
-            </a:r>
-            <a:r>
-              <a:rPr lang="en-GB" sz="2800" dirty="0"/>
-              <a:t>(15 mins) </a:t>
-            </a:r>
-          </a:p>
-          <a:p>
-            <a:pPr marL="457200" indent="-457200">
-              <a:buFont typeface="Arial" panose="020B0604020202020204" pitchFamily="34" charset="0"/>
-              <a:buChar char="•"/>
-            </a:pPr>
-            <a:r>
-              <a:rPr lang="en-GB" sz="2800" b="1" dirty="0">
-                <a:solidFill>
-                  <a:schemeClr val="accent2"/>
-                </a:solidFill>
-              </a:rPr>
-              <a:t>Place dish in oven and bake </a:t>
-            </a:r>
-            <a:r>
-              <a:rPr lang="en-GB" sz="2800" dirty="0"/>
-              <a:t>(15 mins)</a:t>
-            </a:r>
-          </a:p>
-          <a:p>
-            <a:pPr marL="457200" indent="-457200">
-              <a:buFont typeface="Arial" panose="020B0604020202020204" pitchFamily="34" charset="0"/>
-              <a:buChar char="•"/>
-            </a:pPr>
-            <a:r>
-              <a:rPr lang="en-GB" sz="2800" b="1" dirty="0">
-                <a:solidFill>
-                  <a:srgbClr val="00B050"/>
-                </a:solidFill>
-              </a:rPr>
-              <a:t>Prepare the dessert </a:t>
-            </a:r>
-            <a:r>
-              <a:rPr lang="en-GB" sz="2800" dirty="0"/>
-              <a:t>(20 mins)</a:t>
+              <a:rPr lang="en-GB" sz="3200" dirty="0"/>
+              <a:t>Unless you have a good reason, </a:t>
+            </a:r>
+            <a:r>
+              <a:rPr lang="en-GB" sz="3200" b="1" u="sng" dirty="0"/>
+              <a:t>completely ignore Thread and </a:t>
+            </a:r>
+            <a:r>
+              <a:rPr lang="en-GB" sz="3200" b="1" u="sng" dirty="0" err="1"/>
+              <a:t>ThreadPool</a:t>
+            </a:r>
+            <a:r>
+              <a:rPr lang="en-GB" sz="3200" b="1" u="sng" dirty="0"/>
+              <a:t>. Only think about Task!</a:t>
             </a:r>
           </a:p>
         </p:txBody>
@@ -3920,7 +3803,7 @@
     </p:spTree>
     <p:extLst>
       <p:ext uri="{BB962C8B-B14F-4D97-AF65-F5344CB8AC3E}">
-        <p14:creationId xmlns:p14="http://schemas.microsoft.com/office/powerpoint/2010/main" val="2858153580"/>
+        <p14:creationId xmlns:p14="http://schemas.microsoft.com/office/powerpoint/2010/main" val="1198929045"/>
       </p:ext>
     </p:extLst>
   </p:cSld>
@@ -3962,6 +3845,455 @@
         <p:spPr>
           <a:xfrm>
             <a:off x="145775" y="132522"/>
+            <a:ext cx="11781182" cy="6986528"/>
+          </a:xfrm>
+          <a:prstGeom prst="rect">
+            <a:avLst/>
+          </a:prstGeom>
+          <a:noFill/>
+        </p:spPr>
+        <p:txBody>
+          <a:bodyPr wrap="square" rtlCol="0">
+            <a:spAutoFit/>
+          </a:bodyPr>
+          <a:lstStyle/>
+          <a:p>
+            <a:r>
+              <a:rPr lang="en-GB" sz="2800" b="1" dirty="0"/>
+              <a:t>Here’s an analogy…</a:t>
+            </a:r>
+          </a:p>
+          <a:p>
+            <a:endParaRPr lang="en-GB" sz="2800" b="1" dirty="0"/>
+          </a:p>
+          <a:p>
+            <a:r>
+              <a:rPr lang="en-GB" sz="2800" dirty="0"/>
+              <a:t>You’re in your kitchen at home, making a pasta dish and a dessert.</a:t>
+            </a:r>
+          </a:p>
+          <a:p>
+            <a:endParaRPr lang="en-GB" sz="2800" dirty="0"/>
+          </a:p>
+          <a:p>
+            <a:r>
+              <a:rPr lang="en-GB" sz="2800" dirty="0"/>
+              <a:t>The steps are simple:</a:t>
+            </a:r>
+          </a:p>
+          <a:p>
+            <a:pPr marL="457200" indent="-457200">
+              <a:buFont typeface="Arial" panose="020B0604020202020204" pitchFamily="34" charset="0"/>
+              <a:buChar char="•"/>
+            </a:pPr>
+            <a:r>
+              <a:rPr lang="en-GB" sz="2800" dirty="0"/>
+              <a:t>Heat a saucepan of water until it starts boiling (takes 5 mins)</a:t>
+            </a:r>
+          </a:p>
+          <a:p>
+            <a:pPr marL="457200" indent="-457200">
+              <a:buFont typeface="Arial" panose="020B0604020202020204" pitchFamily="34" charset="0"/>
+              <a:buChar char="•"/>
+            </a:pPr>
+            <a:r>
+              <a:rPr lang="en-GB" sz="2800" dirty="0"/>
+              <a:t>Cook fresh pasta (5 mins)</a:t>
+            </a:r>
+          </a:p>
+          <a:p>
+            <a:pPr marL="457200" indent="-457200">
+              <a:buFont typeface="Arial" panose="020B0604020202020204" pitchFamily="34" charset="0"/>
+              <a:buChar char="•"/>
+            </a:pPr>
+            <a:r>
+              <a:rPr lang="en-GB" sz="2800" dirty="0"/>
+              <a:t>Drain the water from the pasta (1 min)</a:t>
+            </a:r>
+          </a:p>
+          <a:p>
+            <a:pPr marL="457200" indent="-457200">
+              <a:buFont typeface="Arial" panose="020B0604020202020204" pitchFamily="34" charset="0"/>
+              <a:buChar char="•"/>
+            </a:pPr>
+            <a:r>
+              <a:rPr lang="en-GB" sz="2800" dirty="0"/>
+              <a:t>Place pasta in a dish and add sauce (1 min)</a:t>
+            </a:r>
+          </a:p>
+          <a:p>
+            <a:pPr marL="457200" indent="-457200">
+              <a:buFont typeface="Arial" panose="020B0604020202020204" pitchFamily="34" charset="0"/>
+              <a:buChar char="•"/>
+            </a:pPr>
+            <a:r>
+              <a:rPr lang="en-GB" sz="2800" dirty="0"/>
+              <a:t>Grate cheese (2 mins)</a:t>
+            </a:r>
+          </a:p>
+          <a:p>
+            <a:pPr marL="457200" indent="-457200">
+              <a:buFont typeface="Arial" panose="020B0604020202020204" pitchFamily="34" charset="0"/>
+              <a:buChar char="•"/>
+            </a:pPr>
+            <a:r>
+              <a:rPr lang="en-GB" sz="2800" dirty="0"/>
+              <a:t>Add cheese to pasta (1 min)</a:t>
+            </a:r>
+          </a:p>
+          <a:p>
+            <a:pPr marL="457200" indent="-457200">
+              <a:buFont typeface="Arial" panose="020B0604020202020204" pitchFamily="34" charset="0"/>
+              <a:buChar char="•"/>
+            </a:pPr>
+            <a:r>
+              <a:rPr lang="en-GB" sz="2800" dirty="0"/>
+              <a:t>Pre-heat oven to 200°C (15 mins) </a:t>
+            </a:r>
+          </a:p>
+          <a:p>
+            <a:pPr marL="457200" indent="-457200">
+              <a:buFont typeface="Arial" panose="020B0604020202020204" pitchFamily="34" charset="0"/>
+              <a:buChar char="•"/>
+            </a:pPr>
+            <a:r>
+              <a:rPr lang="en-GB" sz="2800" dirty="0"/>
+              <a:t>Place dish in oven and bake (15 mins)</a:t>
+            </a:r>
+          </a:p>
+          <a:p>
+            <a:pPr marL="457200" indent="-457200">
+              <a:buFont typeface="Arial" panose="020B0604020202020204" pitchFamily="34" charset="0"/>
+              <a:buChar char="•"/>
+            </a:pPr>
+            <a:r>
+              <a:rPr lang="en-GB" sz="2800" dirty="0"/>
+              <a:t>Prepare the dessert (20 mins)</a:t>
+            </a:r>
+          </a:p>
+          <a:p>
+            <a:pPr marL="457200" indent="-457200">
+              <a:buFont typeface="Arial" panose="020B0604020202020204" pitchFamily="34" charset="0"/>
+              <a:buChar char="•"/>
+            </a:pPr>
+            <a:endParaRPr lang="en-GB" sz="2800" dirty="0"/>
+          </a:p>
+          <a:p>
+            <a:pPr marL="457200" indent="-457200">
+              <a:buFont typeface="Arial" panose="020B0604020202020204" pitchFamily="34" charset="0"/>
+              <a:buChar char="•"/>
+            </a:pPr>
+            <a:endParaRPr lang="en-GB" sz="2800" dirty="0"/>
+          </a:p>
+        </p:txBody>
+      </p:sp>
+    </p:spTree>
+    <p:extLst>
+      <p:ext uri="{BB962C8B-B14F-4D97-AF65-F5344CB8AC3E}">
+        <p14:creationId xmlns:p14="http://schemas.microsoft.com/office/powerpoint/2010/main" val="3628257232"/>
+      </p:ext>
+    </p:extLst>
+  </p:cSld>
+  <p:clrMapOvr>
+    <a:masterClrMapping/>
+  </p:clrMapOvr>
+</p:sld>
+</file>
+
+<file path=ppt/slides/slide13.xml><?xml version="1.0" encoding="utf-8"?>
+<p:sld xmlns:a="http://schemas.openxmlformats.org/drawingml/2006/main" xmlns:r="http://schemas.openxmlformats.org/officeDocument/2006/relationships" xmlns:p="http://schemas.openxmlformats.org/presentationml/2006/main">
+  <p:cSld>
+    <p:spTree>
+      <p:nvGrpSpPr>
+        <p:cNvPr id="1" name=""/>
+        <p:cNvGrpSpPr/>
+        <p:nvPr/>
+      </p:nvGrpSpPr>
+      <p:grpSpPr>
+        <a:xfrm>
+          <a:off x="0" y="0"/>
+          <a:ext cx="0" cy="0"/>
+          <a:chOff x="0" y="0"/>
+          <a:chExt cx="0" cy="0"/>
+        </a:xfrm>
+      </p:grpSpPr>
+      <p:sp>
+        <p:nvSpPr>
+          <p:cNvPr id="4" name="TextBox 3">
+            <a:extLst>
+              <a:ext uri="{FF2B5EF4-FFF2-40B4-BE49-F238E27FC236}">
+                <a16:creationId xmlns:a16="http://schemas.microsoft.com/office/drawing/2014/main" id="{18767206-9205-42D0-A2AE-5A1017D4CB08}"/>
+              </a:ext>
+            </a:extLst>
+          </p:cNvPr>
+          <p:cNvSpPr txBox="1"/>
+          <p:nvPr/>
+        </p:nvSpPr>
+        <p:spPr>
+          <a:xfrm>
+            <a:off x="145775" y="132522"/>
+            <a:ext cx="11781182" cy="6124754"/>
+          </a:xfrm>
+          <a:prstGeom prst="rect">
+            <a:avLst/>
+          </a:prstGeom>
+          <a:noFill/>
+        </p:spPr>
+        <p:txBody>
+          <a:bodyPr wrap="square" rtlCol="0">
+            <a:spAutoFit/>
+          </a:bodyPr>
+          <a:lstStyle/>
+          <a:p>
+            <a:r>
+              <a:rPr lang="en-GB" sz="2800" b="1" dirty="0"/>
+              <a:t>Some steps are performed by a person, others aren’t</a:t>
+            </a:r>
+          </a:p>
+          <a:p>
+            <a:br>
+              <a:rPr lang="en-GB" sz="2800" dirty="0"/>
+            </a:br>
+            <a:r>
+              <a:rPr lang="en-GB" sz="2800" b="1" dirty="0">
+                <a:solidFill>
+                  <a:srgbClr val="00B050"/>
+                </a:solidFill>
+              </a:rPr>
+              <a:t>Green</a:t>
+            </a:r>
+            <a:r>
+              <a:rPr lang="en-GB" sz="2800" dirty="0"/>
+              <a:t> steps are ones which are completed by yourself</a:t>
+            </a:r>
+          </a:p>
+          <a:p>
+            <a:r>
+              <a:rPr lang="en-GB" sz="2800" b="1" dirty="0">
+                <a:solidFill>
+                  <a:schemeClr val="accent2"/>
+                </a:solidFill>
+              </a:rPr>
+              <a:t>Orange</a:t>
+            </a:r>
+            <a:r>
+              <a:rPr lang="en-GB" sz="2800" dirty="0"/>
+              <a:t> steps are ones which are out of your control once started</a:t>
+            </a:r>
+            <a:br>
+              <a:rPr lang="en-GB" sz="2800" dirty="0"/>
+            </a:br>
+            <a:endParaRPr lang="en-GB" sz="2800" dirty="0"/>
+          </a:p>
+          <a:p>
+            <a:pPr marL="457200" indent="-457200">
+              <a:buFont typeface="Arial" panose="020B0604020202020204" pitchFamily="34" charset="0"/>
+              <a:buChar char="•"/>
+            </a:pPr>
+            <a:r>
+              <a:rPr lang="en-GB" sz="2800" b="1" dirty="0">
+                <a:solidFill>
+                  <a:schemeClr val="accent2"/>
+                </a:solidFill>
+              </a:rPr>
+              <a:t>Heat a saucepan of water until it starts boiling </a:t>
+            </a:r>
+            <a:r>
+              <a:rPr lang="en-GB" sz="2800" dirty="0"/>
+              <a:t>(5 mins)</a:t>
+            </a:r>
+          </a:p>
+          <a:p>
+            <a:pPr marL="457200" indent="-457200">
+              <a:buFont typeface="Arial" panose="020B0604020202020204" pitchFamily="34" charset="0"/>
+              <a:buChar char="•"/>
+            </a:pPr>
+            <a:r>
+              <a:rPr lang="en-GB" sz="2800" b="1" dirty="0">
+                <a:solidFill>
+                  <a:srgbClr val="00B050"/>
+                </a:solidFill>
+              </a:rPr>
+              <a:t>Cook fresh pasta </a:t>
+            </a:r>
+            <a:r>
+              <a:rPr lang="en-GB" sz="2800" dirty="0"/>
+              <a:t>(5 mins)</a:t>
+            </a:r>
+          </a:p>
+          <a:p>
+            <a:pPr marL="457200" indent="-457200">
+              <a:buFont typeface="Arial" panose="020B0604020202020204" pitchFamily="34" charset="0"/>
+              <a:buChar char="•"/>
+            </a:pPr>
+            <a:r>
+              <a:rPr lang="en-GB" sz="2800" b="1" dirty="0">
+                <a:solidFill>
+                  <a:srgbClr val="00B050"/>
+                </a:solidFill>
+              </a:rPr>
+              <a:t>Drain the water from the pasta </a:t>
+            </a:r>
+            <a:r>
+              <a:rPr lang="en-GB" sz="2800" dirty="0"/>
+              <a:t>(1 min)</a:t>
+            </a:r>
+          </a:p>
+          <a:p>
+            <a:pPr marL="457200" indent="-457200">
+              <a:buFont typeface="Arial" panose="020B0604020202020204" pitchFamily="34" charset="0"/>
+              <a:buChar char="•"/>
+            </a:pPr>
+            <a:r>
+              <a:rPr lang="en-GB" sz="2800" b="1" dirty="0">
+                <a:solidFill>
+                  <a:srgbClr val="00B050"/>
+                </a:solidFill>
+              </a:rPr>
+              <a:t>Place pasta in a dish and add sauce </a:t>
+            </a:r>
+            <a:r>
+              <a:rPr lang="en-GB" sz="2800" dirty="0"/>
+              <a:t>(1 min)</a:t>
+            </a:r>
+          </a:p>
+          <a:p>
+            <a:pPr marL="457200" indent="-457200">
+              <a:buFont typeface="Arial" panose="020B0604020202020204" pitchFamily="34" charset="0"/>
+              <a:buChar char="•"/>
+            </a:pPr>
+            <a:r>
+              <a:rPr lang="en-GB" sz="2800" b="1" dirty="0">
+                <a:solidFill>
+                  <a:srgbClr val="00B050"/>
+                </a:solidFill>
+              </a:rPr>
+              <a:t>Grate cheese </a:t>
+            </a:r>
+            <a:r>
+              <a:rPr lang="en-GB" sz="2800" dirty="0"/>
+              <a:t>(2 mins)</a:t>
+            </a:r>
+          </a:p>
+          <a:p>
+            <a:pPr marL="457200" indent="-457200">
+              <a:buFont typeface="Arial" panose="020B0604020202020204" pitchFamily="34" charset="0"/>
+              <a:buChar char="•"/>
+            </a:pPr>
+            <a:r>
+              <a:rPr lang="en-GB" sz="2800" b="1" dirty="0">
+                <a:solidFill>
+                  <a:srgbClr val="00B050"/>
+                </a:solidFill>
+              </a:rPr>
+              <a:t>Add cheese to pasta </a:t>
+            </a:r>
+            <a:r>
+              <a:rPr lang="en-GB" sz="2800" dirty="0"/>
+              <a:t>(1 min)</a:t>
+            </a:r>
+          </a:p>
+          <a:p>
+            <a:pPr marL="457200" indent="-457200">
+              <a:buFont typeface="Arial" panose="020B0604020202020204" pitchFamily="34" charset="0"/>
+              <a:buChar char="•"/>
+            </a:pPr>
+            <a:r>
+              <a:rPr lang="en-GB" sz="2800" b="1" dirty="0">
+                <a:solidFill>
+                  <a:schemeClr val="accent2"/>
+                </a:solidFill>
+              </a:rPr>
+              <a:t>Pre-heat oven to 200°C </a:t>
+            </a:r>
+            <a:r>
+              <a:rPr lang="en-GB" sz="2800" dirty="0"/>
+              <a:t>(15 mins) </a:t>
+            </a:r>
+          </a:p>
+          <a:p>
+            <a:pPr marL="457200" indent="-457200">
+              <a:buFont typeface="Arial" panose="020B0604020202020204" pitchFamily="34" charset="0"/>
+              <a:buChar char="•"/>
+            </a:pPr>
+            <a:r>
+              <a:rPr lang="en-GB" sz="2800" b="1" dirty="0">
+                <a:solidFill>
+                  <a:schemeClr val="accent2"/>
+                </a:solidFill>
+              </a:rPr>
+              <a:t>Place dish in oven and bake </a:t>
+            </a:r>
+            <a:r>
+              <a:rPr lang="en-GB" sz="2800" dirty="0"/>
+              <a:t>(15 mins)</a:t>
+            </a:r>
+          </a:p>
+          <a:p>
+            <a:pPr marL="457200" indent="-457200">
+              <a:buFont typeface="Arial" panose="020B0604020202020204" pitchFamily="34" charset="0"/>
+              <a:buChar char="•"/>
+            </a:pPr>
+            <a:r>
+              <a:rPr lang="en-GB" sz="2800" b="1" dirty="0">
+                <a:solidFill>
+                  <a:srgbClr val="00B050"/>
+                </a:solidFill>
+              </a:rPr>
+              <a:t>Prepare the dessert </a:t>
+            </a:r>
+            <a:r>
+              <a:rPr lang="en-GB" sz="2800" dirty="0"/>
+              <a:t>(20 mins)</a:t>
+            </a:r>
+          </a:p>
+        </p:txBody>
+      </p:sp>
+    </p:spTree>
+    <p:extLst>
+      <p:ext uri="{BB962C8B-B14F-4D97-AF65-F5344CB8AC3E}">
+        <p14:creationId xmlns:p14="http://schemas.microsoft.com/office/powerpoint/2010/main" val="2858153580"/>
+      </p:ext>
+    </p:extLst>
+  </p:cSld>
+  <p:clrMapOvr>
+    <a:masterClrMapping/>
+  </p:clrMapOvr>
+</p:sld>
+</file>
+
+<file path=ppt/slides/slide14.xml><?xml version="1.0" encoding="utf-8"?>
+<p:sld xmlns:a="http://schemas.openxmlformats.org/drawingml/2006/main" xmlns:r="http://schemas.openxmlformats.org/officeDocument/2006/relationships" xmlns:p="http://schemas.openxmlformats.org/presentationml/2006/main">
+  <p:cSld>
+    <p:spTree>
+      <p:nvGrpSpPr>
+        <p:cNvPr id="1" name=""/>
+        <p:cNvGrpSpPr/>
+        <p:nvPr/>
+      </p:nvGrpSpPr>
+      <p:grpSpPr>
+        <a:xfrm>
+          <a:off x="0" y="0"/>
+          <a:ext cx="0" cy="0"/>
+          <a:chOff x="0" y="0"/>
+          <a:chExt cx="0" cy="0"/>
+        </a:xfrm>
+      </p:grpSpPr>
+      <p:sp>
+        <p:nvSpPr>
+          <p:cNvPr id="4" name="TextBox 3">
+            <a:extLst>
+              <a:ext uri="{FF2B5EF4-FFF2-40B4-BE49-F238E27FC236}">
+                <a16:creationId xmlns:a16="http://schemas.microsoft.com/office/drawing/2014/main" id="{18767206-9205-42D0-A2AE-5A1017D4CB08}"/>
+              </a:ext>
+            </a:extLst>
+          </p:cNvPr>
+          <p:cNvSpPr txBox="1"/>
+          <p:nvPr/>
+        </p:nvSpPr>
+        <p:spPr>
+          <a:xfrm>
+            <a:off x="145775" y="132522"/>
             <a:ext cx="11781182" cy="6555641"/>
           </a:xfrm>
           <a:prstGeom prst="rect">
@@ -4178,7 +4510,7 @@
 </p:sld>
 </file>
 
-<file path=ppt/slides/slide13.xml><?xml version="1.0" encoding="utf-8"?>
+<file path=ppt/slides/slide15.xml><?xml version="1.0" encoding="utf-8"?>
 <p:sld xmlns:a="http://schemas.openxmlformats.org/drawingml/2006/main" xmlns:r="http://schemas.openxmlformats.org/officeDocument/2006/relationships" xmlns:p="http://schemas.openxmlformats.org/presentationml/2006/main">
   <p:cSld>
     <p:spTree>
@@ -4274,7 +4606,7 @@
 </p:sld>
 </file>
 
-<file path=ppt/slides/slide14.xml><?xml version="1.0" encoding="utf-8"?>
+<file path=ppt/slides/slide16.xml><?xml version="1.0" encoding="utf-8"?>
 <p:sld xmlns:a="http://schemas.openxmlformats.org/drawingml/2006/main" xmlns:r="http://schemas.openxmlformats.org/officeDocument/2006/relationships" xmlns:p="http://schemas.openxmlformats.org/presentationml/2006/main">
   <p:cSld>
     <p:spTree>
@@ -4370,7 +4702,7 @@
 </p:sld>
 </file>
 
-<file path=ppt/slides/slide15.xml><?xml version="1.0" encoding="utf-8"?>
+<file path=ppt/slides/slide17.xml><?xml version="1.0" encoding="utf-8"?>
 <p:sld xmlns:a="http://schemas.openxmlformats.org/drawingml/2006/main" xmlns:r="http://schemas.openxmlformats.org/officeDocument/2006/relationships" xmlns:p="http://schemas.openxmlformats.org/presentationml/2006/main">
   <p:cSld>
     <p:spTree>
@@ -4682,7 +5014,7 @@
 </p:sld>
 </file>
 
-<file path=ppt/slides/slide16.xml><?xml version="1.0" encoding="utf-8"?>
+<file path=ppt/slides/slide18.xml><?xml version="1.0" encoding="utf-8"?>
 <p:sld xmlns:a="http://schemas.openxmlformats.org/drawingml/2006/main" xmlns:r="http://schemas.openxmlformats.org/officeDocument/2006/relationships" xmlns:p="http://schemas.openxmlformats.org/presentationml/2006/main">
   <p:cSld>
     <p:spTree>
@@ -4778,7 +5110,7 @@
 </p:sld>
 </file>
 
-<file path=ppt/slides/slide17.xml><?xml version="1.0" encoding="utf-8"?>
+<file path=ppt/slides/slide19.xml><?xml version="1.0" encoding="utf-8"?>
 <p:sld xmlns:a="http://schemas.openxmlformats.org/drawingml/2006/main" xmlns:r="http://schemas.openxmlformats.org/officeDocument/2006/relationships" xmlns:p="http://schemas.openxmlformats.org/presentationml/2006/main">
   <p:cSld>
     <p:spTree>
@@ -4874,7 +5206,7 @@
 </p:sld>
 </file>
 
-<file path=ppt/slides/slide18.xml><?xml version="1.0" encoding="utf-8"?>
+<file path=ppt/slides/slide2.xml><?xml version="1.0" encoding="utf-8"?>
 <p:sld xmlns:a="http://schemas.openxmlformats.org/drawingml/2006/main" xmlns:r="http://schemas.openxmlformats.org/officeDocument/2006/relationships" xmlns:p="http://schemas.openxmlformats.org/presentationml/2006/main">
   <p:cSld>
     <p:spTree>
@@ -4915,6 +5247,71 @@
         </p:spPr>
         <p:txBody>
           <a:bodyPr>
+            <a:normAutofit fontScale="90000"/>
+          </a:bodyPr>
+          <a:lstStyle/>
+          <a:p>
+            <a:r>
+              <a:rPr lang="en-GB" dirty="0"/>
+              <a:t>What exactly are synchronous and asynchronous operations?</a:t>
+            </a:r>
+          </a:p>
+        </p:txBody>
+      </p:sp>
+    </p:spTree>
+    <p:extLst>
+      <p:ext uri="{BB962C8B-B14F-4D97-AF65-F5344CB8AC3E}">
+        <p14:creationId xmlns:p14="http://schemas.microsoft.com/office/powerpoint/2010/main" val="1555093637"/>
+      </p:ext>
+    </p:extLst>
+  </p:cSld>
+  <p:clrMapOvr>
+    <a:masterClrMapping/>
+  </p:clrMapOvr>
+</p:sld>
+</file>
+
+<file path=ppt/slides/slide20.xml><?xml version="1.0" encoding="utf-8"?>
+<p:sld xmlns:a="http://schemas.openxmlformats.org/drawingml/2006/main" xmlns:r="http://schemas.openxmlformats.org/officeDocument/2006/relationships" xmlns:p="http://schemas.openxmlformats.org/presentationml/2006/main">
+  <p:cSld>
+    <p:spTree>
+      <p:nvGrpSpPr>
+        <p:cNvPr id="1" name=""/>
+        <p:cNvGrpSpPr/>
+        <p:nvPr/>
+      </p:nvGrpSpPr>
+      <p:grpSpPr>
+        <a:xfrm>
+          <a:off x="0" y="0"/>
+          <a:ext cx="0" cy="0"/>
+          <a:chOff x="0" y="0"/>
+          <a:chExt cx="0" cy="0"/>
+        </a:xfrm>
+      </p:grpSpPr>
+      <p:sp>
+        <p:nvSpPr>
+          <p:cNvPr id="2" name="Title 1">
+            <a:extLst>
+              <a:ext uri="{FF2B5EF4-FFF2-40B4-BE49-F238E27FC236}">
+                <a16:creationId xmlns:a16="http://schemas.microsoft.com/office/drawing/2014/main" id="{267862F2-D4D4-4F5B-B69F-65226C837768}"/>
+              </a:ext>
+            </a:extLst>
+          </p:cNvPr>
+          <p:cNvSpPr>
+            <a:spLocks noGrp="1"/>
+          </p:cNvSpPr>
+          <p:nvPr>
+            <p:ph type="ctrTitle"/>
+          </p:nvPr>
+        </p:nvSpPr>
+        <p:spPr>
+          <a:xfrm>
+            <a:off x="1524000" y="1122363"/>
+            <a:ext cx="9144000" cy="1991898"/>
+          </a:xfrm>
+        </p:spPr>
+        <p:txBody>
+          <a:bodyPr>
             <a:normAutofit/>
           </a:bodyPr>
           <a:lstStyle/>
@@ -4939,7 +5336,7 @@
 </p:sld>
 </file>
 
-<file path=ppt/slides/slide19.xml><?xml version="1.0" encoding="utf-8"?>
+<file path=ppt/slides/slide21.xml><?xml version="1.0" encoding="utf-8"?>
 <p:sld xmlns:a="http://schemas.openxmlformats.org/drawingml/2006/main" xmlns:r="http://schemas.openxmlformats.org/officeDocument/2006/relationships" xmlns:p="http://schemas.openxmlformats.org/presentationml/2006/main">
   <p:cSld>
     <p:spTree>
@@ -6733,73 +7130,7 @@
 </p:sld>
 </file>
 
-<file path=ppt/slides/slide2.xml><?xml version="1.0" encoding="utf-8"?>
-<p:sld xmlns:a="http://schemas.openxmlformats.org/drawingml/2006/main" xmlns:r="http://schemas.openxmlformats.org/officeDocument/2006/relationships" xmlns:p="http://schemas.openxmlformats.org/presentationml/2006/main">
-  <p:cSld>
-    <p:spTree>
-      <p:nvGrpSpPr>
-        <p:cNvPr id="1" name=""/>
-        <p:cNvGrpSpPr/>
-        <p:nvPr/>
-      </p:nvGrpSpPr>
-      <p:grpSpPr>
-        <a:xfrm>
-          <a:off x="0" y="0"/>
-          <a:ext cx="0" cy="0"/>
-          <a:chOff x="0" y="0"/>
-          <a:chExt cx="0" cy="0"/>
-        </a:xfrm>
-      </p:grpSpPr>
-      <p:sp>
-        <p:nvSpPr>
-          <p:cNvPr id="2" name="Title 1">
-            <a:extLst>
-              <a:ext uri="{FF2B5EF4-FFF2-40B4-BE49-F238E27FC236}">
-                <a16:creationId xmlns:a16="http://schemas.microsoft.com/office/drawing/2014/main" id="{267862F2-D4D4-4F5B-B69F-65226C837768}"/>
-              </a:ext>
-            </a:extLst>
-          </p:cNvPr>
-          <p:cNvSpPr>
-            <a:spLocks noGrp="1"/>
-          </p:cNvSpPr>
-          <p:nvPr>
-            <p:ph type="ctrTitle"/>
-          </p:nvPr>
-        </p:nvSpPr>
-        <p:spPr/>
-        <p:txBody>
-          <a:bodyPr/>
-          <a:lstStyle/>
-          <a:p>
-            <a:r>
-              <a:rPr lang="en-GB" dirty="0"/>
-              <a:t>Task, Task&lt;T&gt;, Thread and </a:t>
-            </a:r>
-            <a:r>
-              <a:rPr lang="en-GB" dirty="0" err="1"/>
-              <a:t>ThreadPool</a:t>
-            </a:r>
-            <a:r>
-              <a:rPr lang="en-GB" dirty="0"/>
-              <a:t> classes in C#</a:t>
-            </a:r>
-          </a:p>
-        </p:txBody>
-      </p:sp>
-    </p:spTree>
-    <p:extLst>
-      <p:ext uri="{BB962C8B-B14F-4D97-AF65-F5344CB8AC3E}">
-        <p14:creationId xmlns:p14="http://schemas.microsoft.com/office/powerpoint/2010/main" val="2052231843"/>
-      </p:ext>
-    </p:extLst>
-  </p:cSld>
-  <p:clrMapOvr>
-    <a:masterClrMapping/>
-  </p:clrMapOvr>
-</p:sld>
-</file>
-
-<file path=ppt/slides/slide20.xml><?xml version="1.0" encoding="utf-8"?>
+<file path=ppt/slides/slide22.xml><?xml version="1.0" encoding="utf-8"?>
 <p:sld xmlns:a="http://schemas.openxmlformats.org/drawingml/2006/main" xmlns:r="http://schemas.openxmlformats.org/officeDocument/2006/relationships" xmlns:p="http://schemas.openxmlformats.org/presentationml/2006/main">
   <p:cSld>
     <p:spTree>
@@ -6895,7 +7226,7 @@
 </p:sld>
 </file>
 
-<file path=ppt/slides/slide21.xml><?xml version="1.0" encoding="utf-8"?>
+<file path=ppt/slides/slide23.xml><?xml version="1.0" encoding="utf-8"?>
 <p:sld xmlns:a="http://schemas.openxmlformats.org/drawingml/2006/main" xmlns:r="http://schemas.openxmlformats.org/officeDocument/2006/relationships" xmlns:p="http://schemas.openxmlformats.org/presentationml/2006/main">
   <p:cSld>
     <p:spTree>
@@ -6991,7 +7322,7 @@
 </p:sld>
 </file>
 
-<file path=ppt/slides/slide22.xml><?xml version="1.0" encoding="utf-8"?>
+<file path=ppt/slides/slide24.xml><?xml version="1.0" encoding="utf-8"?>
 <p:sld xmlns:a="http://schemas.openxmlformats.org/drawingml/2006/main" xmlns:r="http://schemas.openxmlformats.org/officeDocument/2006/relationships" xmlns:p="http://schemas.openxmlformats.org/presentationml/2006/main">
   <p:cSld>
     <p:spTree>
@@ -8353,7 +8684,7 @@
 </p:sld>
 </file>
 
-<file path=ppt/slides/slide23.xml><?xml version="1.0" encoding="utf-8"?>
+<file path=ppt/slides/slide25.xml><?xml version="1.0" encoding="utf-8"?>
 <p:sld xmlns:a="http://schemas.openxmlformats.org/drawingml/2006/main" xmlns:r="http://schemas.openxmlformats.org/officeDocument/2006/relationships" xmlns:p="http://schemas.openxmlformats.org/presentationml/2006/main">
   <p:cSld>
     <p:spTree>
@@ -8449,7 +8780,7 @@
 </p:sld>
 </file>
 
-<file path=ppt/slides/slide24.xml><?xml version="1.0" encoding="utf-8"?>
+<file path=ppt/slides/slide26.xml><?xml version="1.0" encoding="utf-8"?>
 <p:sld xmlns:a="http://schemas.openxmlformats.org/drawingml/2006/main" xmlns:r="http://schemas.openxmlformats.org/officeDocument/2006/relationships" xmlns:p="http://schemas.openxmlformats.org/presentationml/2006/main">
   <p:cSld>
     <p:spTree>
@@ -8545,342 +8876,6 @@
 </p:sld>
 </file>
 
-<file path=ppt/slides/slide25.xml><?xml version="1.0" encoding="utf-8"?>
-<p:sld xmlns:a="http://schemas.openxmlformats.org/drawingml/2006/main" xmlns:r="http://schemas.openxmlformats.org/officeDocument/2006/relationships" xmlns:p="http://schemas.openxmlformats.org/presentationml/2006/main">
-  <p:cSld>
-    <p:spTree>
-      <p:nvGrpSpPr>
-        <p:cNvPr id="1" name=""/>
-        <p:cNvGrpSpPr/>
-        <p:nvPr/>
-      </p:nvGrpSpPr>
-      <p:grpSpPr>
-        <a:xfrm>
-          <a:off x="0" y="0"/>
-          <a:ext cx="0" cy="0"/>
-          <a:chOff x="0" y="0"/>
-          <a:chExt cx="0" cy="0"/>
-        </a:xfrm>
-      </p:grpSpPr>
-      <p:sp>
-        <p:nvSpPr>
-          <p:cNvPr id="4" name="TextBox 3">
-            <a:extLst>
-              <a:ext uri="{FF2B5EF4-FFF2-40B4-BE49-F238E27FC236}">
-                <a16:creationId xmlns:a16="http://schemas.microsoft.com/office/drawing/2014/main" id="{18767206-9205-42D0-A2AE-5A1017D4CB08}"/>
-              </a:ext>
-            </a:extLst>
-          </p:cNvPr>
-          <p:cNvSpPr txBox="1"/>
-          <p:nvPr/>
-        </p:nvSpPr>
-        <p:spPr>
-          <a:xfrm>
-            <a:off x="291549" y="384313"/>
-            <a:ext cx="11781182" cy="430887"/>
-          </a:xfrm>
-          <a:prstGeom prst="rect">
-            <a:avLst/>
-          </a:prstGeom>
-          <a:noFill/>
-        </p:spPr>
-        <p:txBody>
-          <a:bodyPr wrap="square" rtlCol="0">
-            <a:spAutoFit/>
-          </a:bodyPr>
-          <a:lstStyle/>
-          <a:p>
-            <a:r>
-              <a:rPr lang="en-GB" sz="2200" dirty="0"/>
-              <a:t>Back to what was said about synchronous and asynchronous operations…</a:t>
-            </a:r>
-          </a:p>
-        </p:txBody>
-      </p:sp>
-      <p:sp>
-        <p:nvSpPr>
-          <p:cNvPr id="2" name="Rectangle 1">
-            <a:extLst>
-              <a:ext uri="{FF2B5EF4-FFF2-40B4-BE49-F238E27FC236}">
-                <a16:creationId xmlns:a16="http://schemas.microsoft.com/office/drawing/2014/main" id="{A326E563-C518-4A62-9F22-5876A8C238CB}"/>
-              </a:ext>
-            </a:extLst>
-          </p:cNvPr>
-          <p:cNvSpPr/>
-          <p:nvPr/>
-        </p:nvSpPr>
-        <p:spPr>
-          <a:xfrm>
-            <a:off x="291549" y="845978"/>
-            <a:ext cx="11421117" cy="5509200"/>
-          </a:xfrm>
-          <a:prstGeom prst="rect">
-            <a:avLst/>
-          </a:prstGeom>
-        </p:spPr>
-        <p:txBody>
-          <a:bodyPr wrap="square">
-            <a:spAutoFit/>
-          </a:bodyPr>
-          <a:lstStyle/>
-          <a:p>
-            <a:r>
-              <a:rPr lang="en-GB" sz="2200" b="1" dirty="0"/>
-              <a:t>Synchronous code may or may not run in the same thread.</a:t>
-            </a:r>
-          </a:p>
-          <a:p>
-            <a:r>
-              <a:rPr lang="en-GB" sz="2200" dirty="0"/>
-              <a:t>We have seen how you can cook synchronously alone or with someone else (another thread). </a:t>
-            </a:r>
-          </a:p>
-          <a:p>
-            <a:endParaRPr lang="en-GB" sz="2200" dirty="0"/>
-          </a:p>
-          <a:p>
-            <a:r>
-              <a:rPr lang="en-GB" sz="2200" b="1" dirty="0"/>
-              <a:t>Synchronous operations can be performed sequentially, or simultaneously. </a:t>
-            </a:r>
-          </a:p>
-          <a:p>
-            <a:pPr marL="342900" indent="-342900">
-              <a:buFont typeface="Arial" panose="020B0604020202020204" pitchFamily="34" charset="0"/>
-              <a:buChar char="•"/>
-            </a:pPr>
-            <a:r>
-              <a:rPr lang="en-GB" sz="2200" dirty="0"/>
-              <a:t>Cooking the pasta, draining it, adding sauce, etc. are performed sequentially. </a:t>
-            </a:r>
-          </a:p>
-          <a:p>
-            <a:pPr marL="342900" indent="-342900">
-              <a:buFont typeface="Arial" panose="020B0604020202020204" pitchFamily="34" charset="0"/>
-              <a:buChar char="•"/>
-            </a:pPr>
-            <a:r>
-              <a:rPr lang="en-GB" sz="2200" dirty="0"/>
-              <a:t>Preparing the dessert could be performed simultaneously with the pasta. </a:t>
-            </a:r>
-          </a:p>
-          <a:p>
-            <a:endParaRPr lang="en-GB" sz="2200" dirty="0"/>
-          </a:p>
-          <a:p>
-            <a:r>
-              <a:rPr lang="en-GB" sz="2200" b="1" dirty="0"/>
-              <a:t>Asynchronous operations may or may not run in multiple threads. </a:t>
-            </a:r>
-          </a:p>
-          <a:p>
-            <a:r>
-              <a:rPr lang="en-GB" sz="2200" dirty="0"/>
-              <a:t>We have demonstrated that you can cook asynchronously alone or with someone else. </a:t>
-            </a:r>
-          </a:p>
-          <a:p>
-            <a:endParaRPr lang="en-GB" sz="2200" b="1" dirty="0"/>
-          </a:p>
-          <a:p>
-            <a:r>
-              <a:rPr lang="en-GB" sz="2200" b="1" dirty="0"/>
-              <a:t>Asynchronous operations can be just scheduled but never guaranteed to run at a certain time. </a:t>
-            </a:r>
-          </a:p>
-          <a:p>
-            <a:r>
-              <a:rPr lang="en-GB" sz="2200" dirty="0"/>
-              <a:t>In reality you might decide to switch on the oven before starting to heat the saucepan of water, or the other way around. It would probably depend on which task can be started quickest, depending on where you are in your kitchen. There’s no real guarantee that one task will be started before the other and it doesn’t really matter. All that matters is that they are scheduled to be started as soon as possible and will be finished later on. </a:t>
-            </a:r>
-          </a:p>
-        </p:txBody>
-      </p:sp>
-    </p:spTree>
-    <p:extLst>
-      <p:ext uri="{BB962C8B-B14F-4D97-AF65-F5344CB8AC3E}">
-        <p14:creationId xmlns:p14="http://schemas.microsoft.com/office/powerpoint/2010/main" val="2688435186"/>
-      </p:ext>
-    </p:extLst>
-  </p:cSld>
-  <p:clrMapOvr>
-    <a:masterClrMapping/>
-  </p:clrMapOvr>
-</p:sld>
-</file>
-
-<file path=ppt/slides/slide26.xml><?xml version="1.0" encoding="utf-8"?>
-<p:sld xmlns:a="http://schemas.openxmlformats.org/drawingml/2006/main" xmlns:r="http://schemas.openxmlformats.org/officeDocument/2006/relationships" xmlns:p="http://schemas.openxmlformats.org/presentationml/2006/main">
-  <p:cSld>
-    <p:spTree>
-      <p:nvGrpSpPr>
-        <p:cNvPr id="1" name=""/>
-        <p:cNvGrpSpPr/>
-        <p:nvPr/>
-      </p:nvGrpSpPr>
-      <p:grpSpPr>
-        <a:xfrm>
-          <a:off x="0" y="0"/>
-          <a:ext cx="0" cy="0"/>
-          <a:chOff x="0" y="0"/>
-          <a:chExt cx="0" cy="0"/>
-        </a:xfrm>
-      </p:grpSpPr>
-      <p:sp>
-        <p:nvSpPr>
-          <p:cNvPr id="4" name="TextBox 3">
-            <a:extLst>
-              <a:ext uri="{FF2B5EF4-FFF2-40B4-BE49-F238E27FC236}">
-                <a16:creationId xmlns:a16="http://schemas.microsoft.com/office/drawing/2014/main" id="{18767206-9205-42D0-A2AE-5A1017D4CB08}"/>
-              </a:ext>
-            </a:extLst>
-          </p:cNvPr>
-          <p:cNvSpPr txBox="1"/>
-          <p:nvPr/>
-        </p:nvSpPr>
-        <p:spPr>
-          <a:xfrm>
-            <a:off x="291549" y="384313"/>
-            <a:ext cx="11781182" cy="5847755"/>
-          </a:xfrm>
-          <a:prstGeom prst="rect">
-            <a:avLst/>
-          </a:prstGeom>
-          <a:noFill/>
-        </p:spPr>
-        <p:txBody>
-          <a:bodyPr wrap="square" rtlCol="0">
-            <a:spAutoFit/>
-          </a:bodyPr>
-          <a:lstStyle/>
-          <a:p>
-            <a:r>
-              <a:rPr lang="en-GB" sz="2200" b="1" dirty="0"/>
-              <a:t>Some easy rules to follow for some common questions</a:t>
-            </a:r>
-          </a:p>
-          <a:p>
-            <a:endParaRPr lang="en-GB" sz="2200" b="1" dirty="0"/>
-          </a:p>
-          <a:p>
-            <a:r>
-              <a:rPr lang="en-GB" sz="2200" b="1" dirty="0"/>
-              <a:t>Should I be using multiple threads? </a:t>
-            </a:r>
-          </a:p>
-          <a:p>
-            <a:r>
-              <a:rPr lang="en-GB" sz="2200" dirty="0"/>
-              <a:t>If there is a performance bottleneck caused by CPU-bound work which can be run in parallel, go for it, </a:t>
-            </a:r>
-            <a:r>
-              <a:rPr lang="en-GB" sz="2200" b="1" dirty="0"/>
-              <a:t>unless you’re using building a web application </a:t>
-            </a:r>
-            <a:r>
-              <a:rPr lang="en-GB" sz="2200" dirty="0"/>
-              <a:t>(more on this later). </a:t>
-            </a:r>
-          </a:p>
-          <a:p>
-            <a:r>
-              <a:rPr lang="en-GB" sz="2200" dirty="0"/>
-              <a:t>If the performance bottleneck isn’t CPU-bound (i.e. disk I/O, network I/O) or it’s CPU-bound and can’t be run in parallel, there is no benefit and it can be detrimental to performance/resource usage. </a:t>
-            </a:r>
-          </a:p>
-          <a:p>
-            <a:endParaRPr lang="en-GB" sz="2200" dirty="0"/>
-          </a:p>
-          <a:p>
-            <a:r>
-              <a:rPr lang="en-GB" sz="2200" b="1" dirty="0"/>
-              <a:t>Should I be using asynchronous code? </a:t>
-            </a:r>
-          </a:p>
-          <a:p>
-            <a:r>
-              <a:rPr lang="en-GB" sz="2200" dirty="0"/>
-              <a:t>Ideally you should use it everywhere you’re dealing with high-latency, non-CPU-bound tasks (i.e. disk I/O, network I/O). CPU-bound work shouldn’t be </a:t>
-            </a:r>
-            <a:r>
-              <a:rPr lang="en-GB" sz="2200" dirty="0" err="1"/>
-              <a:t>async</a:t>
-            </a:r>
-            <a:r>
-              <a:rPr lang="en-GB" sz="2200" dirty="0"/>
-              <a:t> as there’s no point. </a:t>
-            </a:r>
-          </a:p>
-          <a:p>
-            <a:r>
-              <a:rPr lang="en-GB" sz="2200" dirty="0"/>
-              <a:t>Methods with names such as </a:t>
-            </a:r>
-            <a:r>
-              <a:rPr lang="en-GB" sz="2200" b="1" dirty="0" err="1"/>
-              <a:t>DownloadStringAsync</a:t>
-            </a:r>
-            <a:r>
-              <a:rPr lang="en-GB" sz="2200" dirty="0"/>
-              <a:t> implies there is some form of network I/O which can be run asynchronously. </a:t>
-            </a:r>
-          </a:p>
-          <a:p>
-            <a:endParaRPr lang="en-GB" sz="2200" dirty="0"/>
-          </a:p>
-          <a:p>
-            <a:r>
-              <a:rPr lang="en-GB" sz="2200" b="1" dirty="0"/>
-              <a:t>Should I be using synchronous code? </a:t>
-            </a:r>
-          </a:p>
-          <a:p>
-            <a:r>
-              <a:rPr lang="en-GB" sz="2200" dirty="0"/>
-              <a:t>For CPU-bound work, yes. For non-CPU-bound work, no. </a:t>
-            </a:r>
-          </a:p>
-          <a:p>
-            <a:r>
-              <a:rPr lang="en-GB" sz="2200" dirty="0"/>
-              <a:t>C# Methods such as </a:t>
-            </a:r>
-            <a:r>
-              <a:rPr lang="en-GB" sz="2200" b="1" dirty="0" err="1"/>
-              <a:t>Math.Sqrt</a:t>
-            </a:r>
-            <a:r>
-              <a:rPr lang="en-GB" sz="2200" b="1" dirty="0"/>
-              <a:t> </a:t>
-            </a:r>
-            <a:r>
-              <a:rPr lang="en-GB" sz="2200" dirty="0"/>
-              <a:t>wouldn’t make much sense as </a:t>
-            </a:r>
-            <a:r>
-              <a:rPr lang="en-GB" sz="2200" b="1" dirty="0" err="1"/>
-              <a:t>Math.SqrtAsync</a:t>
-            </a:r>
-            <a:r>
-              <a:rPr lang="en-GB" sz="2200" dirty="0"/>
-              <a:t>.</a:t>
-            </a:r>
-          </a:p>
-        </p:txBody>
-      </p:sp>
-    </p:spTree>
-    <p:extLst>
-      <p:ext uri="{BB962C8B-B14F-4D97-AF65-F5344CB8AC3E}">
-        <p14:creationId xmlns:p14="http://schemas.microsoft.com/office/powerpoint/2010/main" val="1255030325"/>
-      </p:ext>
-    </p:extLst>
-  </p:cSld>
-  <p:clrMapOvr>
-    <a:masterClrMapping/>
-  </p:clrMapOvr>
-</p:sld>
-</file>
-
 <file path=ppt/slides/slide27.xml><?xml version="1.0" encoding="utf-8"?>
 <p:sld xmlns:a="http://schemas.openxmlformats.org/drawingml/2006/main" xmlns:r="http://schemas.openxmlformats.org/officeDocument/2006/relationships" xmlns:p="http://schemas.openxmlformats.org/presentationml/2006/main">
   <p:cSld>
@@ -8913,6 +8908,342 @@
         <p:spPr>
           <a:xfrm>
             <a:off x="291549" y="384313"/>
+            <a:ext cx="11781182" cy="430887"/>
+          </a:xfrm>
+          <a:prstGeom prst="rect">
+            <a:avLst/>
+          </a:prstGeom>
+          <a:noFill/>
+        </p:spPr>
+        <p:txBody>
+          <a:bodyPr wrap="square" rtlCol="0">
+            <a:spAutoFit/>
+          </a:bodyPr>
+          <a:lstStyle/>
+          <a:p>
+            <a:r>
+              <a:rPr lang="en-GB" sz="2200" dirty="0"/>
+              <a:t>Back to what was said about synchronous and asynchronous operations…</a:t>
+            </a:r>
+          </a:p>
+        </p:txBody>
+      </p:sp>
+      <p:sp>
+        <p:nvSpPr>
+          <p:cNvPr id="2" name="Rectangle 1">
+            <a:extLst>
+              <a:ext uri="{FF2B5EF4-FFF2-40B4-BE49-F238E27FC236}">
+                <a16:creationId xmlns:a16="http://schemas.microsoft.com/office/drawing/2014/main" id="{A326E563-C518-4A62-9F22-5876A8C238CB}"/>
+              </a:ext>
+            </a:extLst>
+          </p:cNvPr>
+          <p:cNvSpPr/>
+          <p:nvPr/>
+        </p:nvSpPr>
+        <p:spPr>
+          <a:xfrm>
+            <a:off x="291549" y="845978"/>
+            <a:ext cx="11421117" cy="5509200"/>
+          </a:xfrm>
+          <a:prstGeom prst="rect">
+            <a:avLst/>
+          </a:prstGeom>
+        </p:spPr>
+        <p:txBody>
+          <a:bodyPr wrap="square">
+            <a:spAutoFit/>
+          </a:bodyPr>
+          <a:lstStyle/>
+          <a:p>
+            <a:r>
+              <a:rPr lang="en-GB" sz="2200" b="1" dirty="0"/>
+              <a:t>Synchronous code may or may not run in the same thread.</a:t>
+            </a:r>
+          </a:p>
+          <a:p>
+            <a:r>
+              <a:rPr lang="en-GB" sz="2200" dirty="0"/>
+              <a:t>We have seen how you can cook synchronously alone or with someone else (another thread). </a:t>
+            </a:r>
+          </a:p>
+          <a:p>
+            <a:endParaRPr lang="en-GB" sz="2200" dirty="0"/>
+          </a:p>
+          <a:p>
+            <a:r>
+              <a:rPr lang="en-GB" sz="2200" b="1" dirty="0"/>
+              <a:t>Synchronous operations can be performed sequentially, or simultaneously. </a:t>
+            </a:r>
+          </a:p>
+          <a:p>
+            <a:pPr marL="342900" indent="-342900">
+              <a:buFont typeface="Arial" panose="020B0604020202020204" pitchFamily="34" charset="0"/>
+              <a:buChar char="•"/>
+            </a:pPr>
+            <a:r>
+              <a:rPr lang="en-GB" sz="2200" dirty="0"/>
+              <a:t>Cooking the pasta, draining it, adding sauce, etc. are performed sequentially. </a:t>
+            </a:r>
+          </a:p>
+          <a:p>
+            <a:pPr marL="342900" indent="-342900">
+              <a:buFont typeface="Arial" panose="020B0604020202020204" pitchFamily="34" charset="0"/>
+              <a:buChar char="•"/>
+            </a:pPr>
+            <a:r>
+              <a:rPr lang="en-GB" sz="2200" dirty="0"/>
+              <a:t>Preparing the dessert could be performed simultaneously with the pasta. </a:t>
+            </a:r>
+          </a:p>
+          <a:p>
+            <a:endParaRPr lang="en-GB" sz="2200" dirty="0"/>
+          </a:p>
+          <a:p>
+            <a:r>
+              <a:rPr lang="en-GB" sz="2200" b="1" dirty="0"/>
+              <a:t>Asynchronous operations may or may not run in multiple threads. </a:t>
+            </a:r>
+          </a:p>
+          <a:p>
+            <a:r>
+              <a:rPr lang="en-GB" sz="2200" dirty="0"/>
+              <a:t>We have demonstrated that you can cook asynchronously alone or with someone else. </a:t>
+            </a:r>
+          </a:p>
+          <a:p>
+            <a:endParaRPr lang="en-GB" sz="2200" b="1" dirty="0"/>
+          </a:p>
+          <a:p>
+            <a:r>
+              <a:rPr lang="en-GB" sz="2200" b="1" dirty="0"/>
+              <a:t>Asynchronous operations can be just scheduled but never guaranteed to run at a certain time. </a:t>
+            </a:r>
+          </a:p>
+          <a:p>
+            <a:r>
+              <a:rPr lang="en-GB" sz="2200" dirty="0"/>
+              <a:t>In reality you might decide to switch on the oven before starting to heat the saucepan of water, or the other way around. It would probably depend on which task can be started quickest, depending on where you are in your kitchen. There’s no real guarantee that one task will be started before the other and it doesn’t really matter. All that matters is that they are scheduled to be started as soon as possible and will be finished later on. </a:t>
+            </a:r>
+          </a:p>
+        </p:txBody>
+      </p:sp>
+    </p:spTree>
+    <p:extLst>
+      <p:ext uri="{BB962C8B-B14F-4D97-AF65-F5344CB8AC3E}">
+        <p14:creationId xmlns:p14="http://schemas.microsoft.com/office/powerpoint/2010/main" val="2688435186"/>
+      </p:ext>
+    </p:extLst>
+  </p:cSld>
+  <p:clrMapOvr>
+    <a:masterClrMapping/>
+  </p:clrMapOvr>
+</p:sld>
+</file>
+
+<file path=ppt/slides/slide28.xml><?xml version="1.0" encoding="utf-8"?>
+<p:sld xmlns:a="http://schemas.openxmlformats.org/drawingml/2006/main" xmlns:r="http://schemas.openxmlformats.org/officeDocument/2006/relationships" xmlns:p="http://schemas.openxmlformats.org/presentationml/2006/main">
+  <p:cSld>
+    <p:spTree>
+      <p:nvGrpSpPr>
+        <p:cNvPr id="1" name=""/>
+        <p:cNvGrpSpPr/>
+        <p:nvPr/>
+      </p:nvGrpSpPr>
+      <p:grpSpPr>
+        <a:xfrm>
+          <a:off x="0" y="0"/>
+          <a:ext cx="0" cy="0"/>
+          <a:chOff x="0" y="0"/>
+          <a:chExt cx="0" cy="0"/>
+        </a:xfrm>
+      </p:grpSpPr>
+      <p:sp>
+        <p:nvSpPr>
+          <p:cNvPr id="4" name="TextBox 3">
+            <a:extLst>
+              <a:ext uri="{FF2B5EF4-FFF2-40B4-BE49-F238E27FC236}">
+                <a16:creationId xmlns:a16="http://schemas.microsoft.com/office/drawing/2014/main" id="{18767206-9205-42D0-A2AE-5A1017D4CB08}"/>
+              </a:ext>
+            </a:extLst>
+          </p:cNvPr>
+          <p:cNvSpPr txBox="1"/>
+          <p:nvPr/>
+        </p:nvSpPr>
+        <p:spPr>
+          <a:xfrm>
+            <a:off x="291549" y="384313"/>
+            <a:ext cx="11781182" cy="5847755"/>
+          </a:xfrm>
+          <a:prstGeom prst="rect">
+            <a:avLst/>
+          </a:prstGeom>
+          <a:noFill/>
+        </p:spPr>
+        <p:txBody>
+          <a:bodyPr wrap="square" rtlCol="0">
+            <a:spAutoFit/>
+          </a:bodyPr>
+          <a:lstStyle/>
+          <a:p>
+            <a:r>
+              <a:rPr lang="en-GB" sz="2200" b="1" dirty="0"/>
+              <a:t>Some easy rules to follow for some common questions</a:t>
+            </a:r>
+          </a:p>
+          <a:p>
+            <a:endParaRPr lang="en-GB" sz="2200" b="1" dirty="0"/>
+          </a:p>
+          <a:p>
+            <a:r>
+              <a:rPr lang="en-GB" sz="2200" b="1" dirty="0"/>
+              <a:t>Should I be using multiple threads? </a:t>
+            </a:r>
+          </a:p>
+          <a:p>
+            <a:r>
+              <a:rPr lang="en-GB" sz="2200" dirty="0"/>
+              <a:t>If there is a performance bottleneck caused by CPU-bound work which can be run in parallel, go for it, </a:t>
+            </a:r>
+            <a:r>
+              <a:rPr lang="en-GB" sz="2200" b="1" dirty="0"/>
+              <a:t>unless you’re using building a web application </a:t>
+            </a:r>
+            <a:r>
+              <a:rPr lang="en-GB" sz="2200" dirty="0"/>
+              <a:t>(more on this later). </a:t>
+            </a:r>
+          </a:p>
+          <a:p>
+            <a:r>
+              <a:rPr lang="en-GB" sz="2200" dirty="0"/>
+              <a:t>If the performance bottleneck isn’t CPU-bound (i.e. disk I/O, network I/O) or it’s CPU-bound and can’t be run in parallel, there is no benefit and it can be detrimental to performance/resource usage. </a:t>
+            </a:r>
+          </a:p>
+          <a:p>
+            <a:endParaRPr lang="en-GB" sz="2200" dirty="0"/>
+          </a:p>
+          <a:p>
+            <a:r>
+              <a:rPr lang="en-GB" sz="2200" b="1" dirty="0"/>
+              <a:t>Should I be using asynchronous code? </a:t>
+            </a:r>
+          </a:p>
+          <a:p>
+            <a:r>
+              <a:rPr lang="en-GB" sz="2200" dirty="0"/>
+              <a:t>Ideally you should use it everywhere you’re dealing with high-latency, non-CPU-bound tasks (i.e. disk I/O, network I/O). CPU-bound work shouldn’t be </a:t>
+            </a:r>
+            <a:r>
+              <a:rPr lang="en-GB" sz="2200" dirty="0" err="1"/>
+              <a:t>async</a:t>
+            </a:r>
+            <a:r>
+              <a:rPr lang="en-GB" sz="2200" dirty="0"/>
+              <a:t> as there’s no point. </a:t>
+            </a:r>
+          </a:p>
+          <a:p>
+            <a:r>
+              <a:rPr lang="en-GB" sz="2200" dirty="0"/>
+              <a:t>Methods with names such as </a:t>
+            </a:r>
+            <a:r>
+              <a:rPr lang="en-GB" sz="2200" b="1" dirty="0" err="1"/>
+              <a:t>DownloadStringAsync</a:t>
+            </a:r>
+            <a:r>
+              <a:rPr lang="en-GB" sz="2200" dirty="0"/>
+              <a:t> implies there is some form of network I/O which can be run asynchronously. </a:t>
+            </a:r>
+          </a:p>
+          <a:p>
+            <a:endParaRPr lang="en-GB" sz="2200" dirty="0"/>
+          </a:p>
+          <a:p>
+            <a:r>
+              <a:rPr lang="en-GB" sz="2200" b="1" dirty="0"/>
+              <a:t>Should I be using synchronous code? </a:t>
+            </a:r>
+          </a:p>
+          <a:p>
+            <a:r>
+              <a:rPr lang="en-GB" sz="2200" dirty="0"/>
+              <a:t>For CPU-bound work, yes. For non-CPU-bound work, no. </a:t>
+            </a:r>
+          </a:p>
+          <a:p>
+            <a:r>
+              <a:rPr lang="en-GB" sz="2200" dirty="0"/>
+              <a:t>C# Methods such as </a:t>
+            </a:r>
+            <a:r>
+              <a:rPr lang="en-GB" sz="2200" b="1" dirty="0" err="1"/>
+              <a:t>Math.Sqrt</a:t>
+            </a:r>
+            <a:r>
+              <a:rPr lang="en-GB" sz="2200" b="1" dirty="0"/>
+              <a:t> </a:t>
+            </a:r>
+            <a:r>
+              <a:rPr lang="en-GB" sz="2200" dirty="0"/>
+              <a:t>wouldn’t make much sense as </a:t>
+            </a:r>
+            <a:r>
+              <a:rPr lang="en-GB" sz="2200" b="1" dirty="0" err="1"/>
+              <a:t>Math.SqrtAsync</a:t>
+            </a:r>
+            <a:r>
+              <a:rPr lang="en-GB" sz="2200" dirty="0"/>
+              <a:t>.</a:t>
+            </a:r>
+          </a:p>
+        </p:txBody>
+      </p:sp>
+    </p:spTree>
+    <p:extLst>
+      <p:ext uri="{BB962C8B-B14F-4D97-AF65-F5344CB8AC3E}">
+        <p14:creationId xmlns:p14="http://schemas.microsoft.com/office/powerpoint/2010/main" val="1255030325"/>
+      </p:ext>
+    </p:extLst>
+  </p:cSld>
+  <p:clrMapOvr>
+    <a:masterClrMapping/>
+  </p:clrMapOvr>
+</p:sld>
+</file>
+
+<file path=ppt/slides/slide29.xml><?xml version="1.0" encoding="utf-8"?>
+<p:sld xmlns:a="http://schemas.openxmlformats.org/drawingml/2006/main" xmlns:r="http://schemas.openxmlformats.org/officeDocument/2006/relationships" xmlns:p="http://schemas.openxmlformats.org/presentationml/2006/main">
+  <p:cSld>
+    <p:spTree>
+      <p:nvGrpSpPr>
+        <p:cNvPr id="1" name=""/>
+        <p:cNvGrpSpPr/>
+        <p:nvPr/>
+      </p:nvGrpSpPr>
+      <p:grpSpPr>
+        <a:xfrm>
+          <a:off x="0" y="0"/>
+          <a:ext cx="0" cy="0"/>
+          <a:chOff x="0" y="0"/>
+          <a:chExt cx="0" cy="0"/>
+        </a:xfrm>
+      </p:grpSpPr>
+      <p:sp>
+        <p:nvSpPr>
+          <p:cNvPr id="4" name="TextBox 3">
+            <a:extLst>
+              <a:ext uri="{FF2B5EF4-FFF2-40B4-BE49-F238E27FC236}">
+                <a16:creationId xmlns:a16="http://schemas.microsoft.com/office/drawing/2014/main" id="{18767206-9205-42D0-A2AE-5A1017D4CB08}"/>
+              </a:ext>
+            </a:extLst>
+          </p:cNvPr>
+          <p:cNvSpPr txBox="1"/>
+          <p:nvPr/>
+        </p:nvSpPr>
+        <p:spPr>
+          <a:xfrm>
+            <a:off x="291549" y="384313"/>
             <a:ext cx="11781182" cy="769441"/>
           </a:xfrm>
           <a:prstGeom prst="rect">
@@ -9093,7 +9424,133 @@
 </p:sld>
 </file>
 
-<file path=ppt/slides/slide28.xml><?xml version="1.0" encoding="utf-8"?>
+<file path=ppt/slides/slide3.xml><?xml version="1.0" encoding="utf-8"?>
+<p:sld xmlns:a="http://schemas.openxmlformats.org/drawingml/2006/main" xmlns:r="http://schemas.openxmlformats.org/officeDocument/2006/relationships" xmlns:p="http://schemas.openxmlformats.org/presentationml/2006/main">
+  <p:cSld>
+    <p:spTree>
+      <p:nvGrpSpPr>
+        <p:cNvPr id="1" name=""/>
+        <p:cNvGrpSpPr/>
+        <p:nvPr/>
+      </p:nvGrpSpPr>
+      <p:grpSpPr>
+        <a:xfrm>
+          <a:off x="0" y="0"/>
+          <a:ext cx="0" cy="0"/>
+          <a:chOff x="0" y="0"/>
+          <a:chExt cx="0" cy="0"/>
+        </a:xfrm>
+      </p:grpSpPr>
+      <p:sp>
+        <p:nvSpPr>
+          <p:cNvPr id="4" name="TextBox 3">
+            <a:extLst>
+              <a:ext uri="{FF2B5EF4-FFF2-40B4-BE49-F238E27FC236}">
+                <a16:creationId xmlns:a16="http://schemas.microsoft.com/office/drawing/2014/main" id="{18767206-9205-42D0-A2AE-5A1017D4CB08}"/>
+              </a:ext>
+            </a:extLst>
+          </p:cNvPr>
+          <p:cNvSpPr txBox="1"/>
+          <p:nvPr/>
+        </p:nvSpPr>
+        <p:spPr>
+          <a:xfrm>
+            <a:off x="145775" y="132522"/>
+            <a:ext cx="11781182" cy="6986528"/>
+          </a:xfrm>
+          <a:prstGeom prst="rect">
+            <a:avLst/>
+          </a:prstGeom>
+          <a:noFill/>
+        </p:spPr>
+        <p:txBody>
+          <a:bodyPr wrap="square" rtlCol="0">
+            <a:spAutoFit/>
+          </a:bodyPr>
+          <a:lstStyle/>
+          <a:p>
+            <a:r>
+              <a:rPr lang="en-GB" sz="3200" b="1" dirty="0"/>
+              <a:t>In simple terms…</a:t>
+            </a:r>
+          </a:p>
+          <a:p>
+            <a:endParaRPr lang="en-GB" sz="3200" b="1" dirty="0"/>
+          </a:p>
+          <a:p>
+            <a:endParaRPr lang="en-GB" sz="3200" b="1" dirty="0"/>
+          </a:p>
+          <a:p>
+            <a:r>
+              <a:rPr lang="en-GB" sz="3200" dirty="0"/>
+              <a:t>When you execute something </a:t>
+            </a:r>
+            <a:r>
+              <a:rPr lang="en-GB" sz="3200" b="1" dirty="0"/>
+              <a:t>synchronously</a:t>
+            </a:r>
+            <a:r>
+              <a:rPr lang="en-GB" sz="3200" dirty="0"/>
+              <a:t>, you wait for it to finish before moving onto another task. </a:t>
+            </a:r>
+          </a:p>
+          <a:p>
+            <a:endParaRPr lang="en-GB" sz="3200" dirty="0"/>
+          </a:p>
+          <a:p>
+            <a:r>
+              <a:rPr lang="en-GB" sz="3200" dirty="0"/>
+              <a:t>When you execute something </a:t>
+            </a:r>
+            <a:r>
+              <a:rPr lang="en-GB" sz="3200" b="1" dirty="0"/>
+              <a:t>asynchronously</a:t>
+            </a:r>
+            <a:r>
+              <a:rPr lang="en-GB" sz="3200" dirty="0"/>
+              <a:t>, you can move onto another task before the first one finishes. </a:t>
+            </a:r>
+          </a:p>
+          <a:p>
+            <a:endParaRPr lang="en-GB" sz="3200" dirty="0"/>
+          </a:p>
+          <a:p>
+            <a:endParaRPr lang="en-GB" sz="3200" dirty="0"/>
+          </a:p>
+          <a:p>
+            <a:r>
+              <a:rPr lang="en-GB" sz="3200" dirty="0"/>
+              <a:t>That’s really all it is!</a:t>
+            </a:r>
+          </a:p>
+          <a:p>
+            <a:endParaRPr lang="en-GB" sz="3200" dirty="0"/>
+          </a:p>
+          <a:p>
+            <a:r>
+              <a:rPr lang="en-GB" sz="3200" dirty="0"/>
+              <a:t>Unfortunately, implementation of this can be tricky to understand.</a:t>
+            </a:r>
+          </a:p>
+          <a:p>
+            <a:endParaRPr lang="en-GB" sz="3200" dirty="0"/>
+          </a:p>
+        </p:txBody>
+      </p:sp>
+    </p:spTree>
+    <p:extLst>
+      <p:ext uri="{BB962C8B-B14F-4D97-AF65-F5344CB8AC3E}">
+        <p14:creationId xmlns:p14="http://schemas.microsoft.com/office/powerpoint/2010/main" val="3821427679"/>
+      </p:ext>
+    </p:extLst>
+  </p:cSld>
+  <p:clrMapOvr>
+    <a:masterClrMapping/>
+  </p:clrMapOvr>
+</p:sld>
+</file>
+
+<file path=ppt/slides/slide30.xml><?xml version="1.0" encoding="utf-8"?>
 <p:sld xmlns:a="http://schemas.openxmlformats.org/drawingml/2006/main" xmlns:r="http://schemas.openxmlformats.org/officeDocument/2006/relationships" xmlns:p="http://schemas.openxmlformats.org/presentationml/2006/main">
   <p:cSld>
     <p:spTree>
@@ -10202,7 +10659,7 @@
 </p:sld>
 </file>
 
-<file path=ppt/slides/slide29.xml><?xml version="1.0" encoding="utf-8"?>
+<file path=ppt/slides/slide31.xml><?xml version="1.0" encoding="utf-8"?>
 <p:sld xmlns:a="http://schemas.openxmlformats.org/drawingml/2006/main" xmlns:r="http://schemas.openxmlformats.org/officeDocument/2006/relationships" xmlns:p="http://schemas.openxmlformats.org/presentationml/2006/main">
   <p:cSld>
     <p:spTree>
@@ -10390,391 +10847,6 @@
     <p:extLst>
       <p:ext uri="{BB962C8B-B14F-4D97-AF65-F5344CB8AC3E}">
         <p14:creationId xmlns:p14="http://schemas.microsoft.com/office/powerpoint/2010/main" val="274551446"/>
-      </p:ext>
-    </p:extLst>
-  </p:cSld>
-  <p:clrMapOvr>
-    <a:masterClrMapping/>
-  </p:clrMapOvr>
-</p:sld>
-</file>
-
-<file path=ppt/slides/slide3.xml><?xml version="1.0" encoding="utf-8"?>
-<p:sld xmlns:a="http://schemas.openxmlformats.org/drawingml/2006/main" xmlns:r="http://schemas.openxmlformats.org/officeDocument/2006/relationships" xmlns:p="http://schemas.openxmlformats.org/presentationml/2006/main">
-  <p:cSld>
-    <p:spTree>
-      <p:nvGrpSpPr>
-        <p:cNvPr id="1" name=""/>
-        <p:cNvGrpSpPr/>
-        <p:nvPr/>
-      </p:nvGrpSpPr>
-      <p:grpSpPr>
-        <a:xfrm>
-          <a:off x="0" y="0"/>
-          <a:ext cx="0" cy="0"/>
-          <a:chOff x="0" y="0"/>
-          <a:chExt cx="0" cy="0"/>
-        </a:xfrm>
-      </p:grpSpPr>
-      <p:sp>
-        <p:nvSpPr>
-          <p:cNvPr id="4" name="TextBox 3">
-            <a:extLst>
-              <a:ext uri="{FF2B5EF4-FFF2-40B4-BE49-F238E27FC236}">
-                <a16:creationId xmlns:a16="http://schemas.microsoft.com/office/drawing/2014/main" id="{18767206-9205-42D0-A2AE-5A1017D4CB08}"/>
-              </a:ext>
-            </a:extLst>
-          </p:cNvPr>
-          <p:cNvSpPr txBox="1"/>
-          <p:nvPr/>
-        </p:nvSpPr>
-        <p:spPr>
-          <a:xfrm>
-            <a:off x="145775" y="132522"/>
-            <a:ext cx="11781182" cy="6725478"/>
-          </a:xfrm>
-          <a:prstGeom prst="rect">
-            <a:avLst/>
-          </a:prstGeom>
-          <a:noFill/>
-        </p:spPr>
-        <p:txBody>
-          <a:bodyPr wrap="square" rtlCol="0">
-            <a:spAutoFit/>
-          </a:bodyPr>
-          <a:lstStyle/>
-          <a:p>
-            <a:r>
-              <a:rPr lang="en-GB" sz="3200" b="1" dirty="0"/>
-              <a:t>Thread</a:t>
-            </a:r>
-          </a:p>
-          <a:p>
-            <a:pPr marL="457200" indent="-457200">
-              <a:buFont typeface="Arial" panose="020B0604020202020204" pitchFamily="34" charset="0"/>
-              <a:buChar char="•"/>
-            </a:pPr>
-            <a:r>
-              <a:rPr lang="en-GB" sz="3200" dirty="0"/>
-              <a:t>Represents an actual OS-level thread, with its own stack and kernel resources. </a:t>
-            </a:r>
-          </a:p>
-          <a:p>
-            <a:pPr marL="457200" indent="-457200">
-              <a:buFont typeface="Arial" panose="020B0604020202020204" pitchFamily="34" charset="0"/>
-              <a:buChar char="•"/>
-            </a:pPr>
-            <a:r>
-              <a:rPr lang="en-GB" sz="3200" dirty="0"/>
-              <a:t>Allows the highest degree of control; you can Abort(), Suspend(), or Resume() a thread. You can also observe its state and set its properties such as its stack size. </a:t>
-            </a:r>
-          </a:p>
-          <a:p>
-            <a:pPr marL="457200" indent="-457200">
-              <a:buFont typeface="Arial" panose="020B0604020202020204" pitchFamily="34" charset="0"/>
-              <a:buChar char="•"/>
-            </a:pPr>
-            <a:r>
-              <a:rPr lang="en-GB" sz="3200" dirty="0"/>
-              <a:t>The problem with using this class is that OS threads are costly. Each thread uses a non-trivial amount of memory for its stack and adds additional CPU overhead as the processor context-switches between threads. </a:t>
-            </a:r>
-          </a:p>
-          <a:p>
-            <a:pPr marL="457200" indent="-457200">
-              <a:buFont typeface="Arial" panose="020B0604020202020204" pitchFamily="34" charset="0"/>
-              <a:buChar char="•"/>
-            </a:pPr>
-            <a:r>
-              <a:rPr lang="en-GB" sz="3200" dirty="0"/>
-              <a:t>It’s considered good practice to only have a small pool of threads which are reused and execute code as work becomes available.</a:t>
-            </a:r>
-          </a:p>
-          <a:p>
-            <a:pPr marL="457200" indent="-457200">
-              <a:buFont typeface="Arial" panose="020B0604020202020204" pitchFamily="34" charset="0"/>
-              <a:buChar char="•"/>
-            </a:pPr>
-            <a:endParaRPr lang="en-GB" sz="3200" dirty="0"/>
-          </a:p>
-        </p:txBody>
-      </p:sp>
-    </p:spTree>
-    <p:extLst>
-      <p:ext uri="{BB962C8B-B14F-4D97-AF65-F5344CB8AC3E}">
-        <p14:creationId xmlns:p14="http://schemas.microsoft.com/office/powerpoint/2010/main" val="1487075976"/>
-      </p:ext>
-    </p:extLst>
-  </p:cSld>
-  <p:clrMapOvr>
-    <a:masterClrMapping/>
-  </p:clrMapOvr>
-</p:sld>
-</file>
-
-<file path=ppt/slides/slide30.xml><?xml version="1.0" encoding="utf-8"?>
-<p:sld xmlns:a="http://schemas.openxmlformats.org/drawingml/2006/main" xmlns:r="http://schemas.openxmlformats.org/officeDocument/2006/relationships" xmlns:p="http://schemas.openxmlformats.org/presentationml/2006/main">
-  <p:cSld>
-    <p:spTree>
-      <p:nvGrpSpPr>
-        <p:cNvPr id="1" name=""/>
-        <p:cNvGrpSpPr/>
-        <p:nvPr/>
-      </p:nvGrpSpPr>
-      <p:grpSpPr>
-        <a:xfrm>
-          <a:off x="0" y="0"/>
-          <a:ext cx="0" cy="0"/>
-          <a:chOff x="0" y="0"/>
-          <a:chExt cx="0" cy="0"/>
-        </a:xfrm>
-      </p:grpSpPr>
-      <p:sp>
-        <p:nvSpPr>
-          <p:cNvPr id="4" name="TextBox 3">
-            <a:extLst>
-              <a:ext uri="{FF2B5EF4-FFF2-40B4-BE49-F238E27FC236}">
-                <a16:creationId xmlns:a16="http://schemas.microsoft.com/office/drawing/2014/main" id="{18767206-9205-42D0-A2AE-5A1017D4CB08}"/>
-              </a:ext>
-            </a:extLst>
-          </p:cNvPr>
-          <p:cNvSpPr txBox="1"/>
-          <p:nvPr/>
-        </p:nvSpPr>
-        <p:spPr>
-          <a:xfrm>
-            <a:off x="278297" y="212034"/>
-            <a:ext cx="11781182" cy="4493538"/>
-          </a:xfrm>
-          <a:prstGeom prst="rect">
-            <a:avLst/>
-          </a:prstGeom>
-          <a:noFill/>
-        </p:spPr>
-        <p:txBody>
-          <a:bodyPr wrap="square" rtlCol="0">
-            <a:spAutoFit/>
-          </a:bodyPr>
-          <a:lstStyle/>
-          <a:p>
-            <a:r>
-              <a:rPr lang="en-GB" sz="2200" b="1" dirty="0"/>
-              <a:t>Desktop and mobile applications love multithreading</a:t>
-            </a:r>
-          </a:p>
-          <a:p>
-            <a:endParaRPr lang="en-GB" sz="2200" b="1" dirty="0"/>
-          </a:p>
-          <a:p>
-            <a:pPr marL="342900" indent="-342900">
-              <a:buFont typeface="Arial" panose="020B0604020202020204" pitchFamily="34" charset="0"/>
-              <a:buChar char="•"/>
-            </a:pPr>
-            <a:r>
-              <a:rPr lang="en-GB" sz="2200" dirty="0"/>
-              <a:t>Applications like this only have one user at a time. As a result, you can essentially throw threads at a problem in order to provide the best performance. This particular user having the best performance won’t affect other users. </a:t>
-            </a:r>
-          </a:p>
-          <a:p>
-            <a:endParaRPr lang="en-GB" sz="2200" dirty="0"/>
-          </a:p>
-          <a:p>
-            <a:pPr marL="342900" indent="-342900">
-              <a:buFont typeface="Arial" panose="020B0604020202020204" pitchFamily="34" charset="0"/>
-              <a:buChar char="•"/>
-            </a:pPr>
-            <a:r>
-              <a:rPr lang="en-GB" sz="2200" dirty="0"/>
-              <a:t>Horizontal scaling (running the application across multiple devices) is not a concept which applies here. The user is only using a single device (i.e. their mobile phone). </a:t>
-            </a:r>
-          </a:p>
-          <a:p>
-            <a:endParaRPr lang="en-GB" sz="2200" dirty="0"/>
-          </a:p>
-          <a:p>
-            <a:pPr marL="342900" indent="-342900">
-              <a:buFont typeface="Arial" panose="020B0604020202020204" pitchFamily="34" charset="0"/>
-              <a:buChar char="•"/>
-            </a:pPr>
-            <a:r>
-              <a:rPr lang="en-GB" sz="2200" dirty="0"/>
-              <a:t>Vertical scaling (providing greater performance when given a more powerful device) applies but isn’t going to happen unless the user themselves physically switches to a better machine. It isn’t an area to focus on. Writing your code so you use threads efficiently is advised but not critical.</a:t>
-            </a:r>
-          </a:p>
-          <a:p>
-            <a:endParaRPr lang="en-GB" sz="2200" dirty="0"/>
-          </a:p>
-        </p:txBody>
-      </p:sp>
-    </p:spTree>
-    <p:extLst>
-      <p:ext uri="{BB962C8B-B14F-4D97-AF65-F5344CB8AC3E}">
-        <p14:creationId xmlns:p14="http://schemas.microsoft.com/office/powerpoint/2010/main" val="1813038530"/>
-      </p:ext>
-    </p:extLst>
-  </p:cSld>
-  <p:clrMapOvr>
-    <a:masterClrMapping/>
-  </p:clrMapOvr>
-</p:sld>
-</file>
-
-<file path=ppt/slides/slide31.xml><?xml version="1.0" encoding="utf-8"?>
-<p:sld xmlns:a="http://schemas.openxmlformats.org/drawingml/2006/main" xmlns:r="http://schemas.openxmlformats.org/officeDocument/2006/relationships" xmlns:p="http://schemas.openxmlformats.org/presentationml/2006/main">
-  <p:cSld>
-    <p:spTree>
-      <p:nvGrpSpPr>
-        <p:cNvPr id="1" name=""/>
-        <p:cNvGrpSpPr/>
-        <p:nvPr/>
-      </p:nvGrpSpPr>
-      <p:grpSpPr>
-        <a:xfrm>
-          <a:off x="0" y="0"/>
-          <a:ext cx="0" cy="0"/>
-          <a:chOff x="0" y="0"/>
-          <a:chExt cx="0" cy="0"/>
-        </a:xfrm>
-      </p:grpSpPr>
-      <p:sp>
-        <p:nvSpPr>
-          <p:cNvPr id="4" name="TextBox 3">
-            <a:extLst>
-              <a:ext uri="{FF2B5EF4-FFF2-40B4-BE49-F238E27FC236}">
-                <a16:creationId xmlns:a16="http://schemas.microsoft.com/office/drawing/2014/main" id="{18767206-9205-42D0-A2AE-5A1017D4CB08}"/>
-              </a:ext>
-            </a:extLst>
-          </p:cNvPr>
-          <p:cNvSpPr txBox="1"/>
-          <p:nvPr/>
-        </p:nvSpPr>
-        <p:spPr>
-          <a:xfrm>
-            <a:off x="278297" y="212034"/>
-            <a:ext cx="11781182" cy="4493538"/>
-          </a:xfrm>
-          <a:prstGeom prst="rect">
-            <a:avLst/>
-          </a:prstGeom>
-          <a:noFill/>
-        </p:spPr>
-        <p:txBody>
-          <a:bodyPr wrap="square" rtlCol="0">
-            <a:spAutoFit/>
-          </a:bodyPr>
-          <a:lstStyle/>
-          <a:p>
-            <a:r>
-              <a:rPr lang="en-GB" sz="2200" b="1" dirty="0"/>
-              <a:t>Multithreading can kill your web application </a:t>
-            </a:r>
-          </a:p>
-          <a:p>
-            <a:endParaRPr lang="en-GB" sz="2200" b="1" dirty="0"/>
-          </a:p>
-          <a:p>
-            <a:pPr marL="342900" indent="-342900">
-              <a:buFont typeface="Arial" panose="020B0604020202020204" pitchFamily="34" charset="0"/>
-              <a:buChar char="•"/>
-            </a:pPr>
-            <a:r>
-              <a:rPr lang="en-GB" sz="2200" dirty="0"/>
-              <a:t>Web applications (e.g. ASP.NET MVC / </a:t>
-            </a:r>
-            <a:r>
-              <a:rPr lang="en-GB" sz="2200" dirty="0" err="1"/>
-              <a:t>WebAPI</a:t>
-            </a:r>
-            <a:r>
-              <a:rPr lang="en-GB" sz="2200" dirty="0"/>
-              <a:t> project) need to respond to HTTP requests. </a:t>
-            </a:r>
-            <a:r>
-              <a:rPr lang="en-GB" sz="2200" b="1" dirty="0"/>
-              <a:t>Each HTTP request requires its own thread from the thread pool</a:t>
-            </a:r>
-            <a:r>
-              <a:rPr lang="en-GB" sz="2200" dirty="0"/>
-              <a:t>. As a result, </a:t>
-            </a:r>
-            <a:r>
-              <a:rPr lang="en-GB" sz="2200" b="1" dirty="0"/>
-              <a:t>you should preserve your thread pool threads for handling requests</a:t>
-            </a:r>
-            <a:r>
-              <a:rPr lang="en-GB" sz="2200" dirty="0"/>
-              <a:t>. Using too many threads for improving performance for a single user would mean less users can be served on the same instance of your application.</a:t>
-            </a:r>
-          </a:p>
-          <a:p>
-            <a:endParaRPr lang="en-GB" sz="2200" dirty="0"/>
-          </a:p>
-          <a:p>
-            <a:pPr marL="342900" indent="-342900">
-              <a:buFont typeface="Arial" panose="020B0604020202020204" pitchFamily="34" charset="0"/>
-              <a:buChar char="•"/>
-            </a:pPr>
-            <a:r>
-              <a:rPr lang="en-GB" sz="2200" dirty="0"/>
-              <a:t>Horizontal scaling is critical to web applications. Each node in your cluster must be able to respond to as many requests as possible. Efficient use of threads will mean more users can use the application deployed on each node. </a:t>
-            </a:r>
-            <a:br>
-              <a:rPr lang="en-GB" sz="2200" dirty="0"/>
-            </a:br>
-            <a:endParaRPr lang="en-GB" sz="2200" dirty="0"/>
-          </a:p>
-          <a:p>
-            <a:pPr marL="342900" indent="-342900">
-              <a:buFont typeface="Arial" panose="020B0604020202020204" pitchFamily="34" charset="0"/>
-              <a:buChar char="•"/>
-            </a:pPr>
-            <a:r>
-              <a:rPr lang="en-GB" sz="2200" dirty="0"/>
-              <a:t>Vertical scaling is expensive so you must make sure you serve the most requests possible out of your new and more expensive hardware. </a:t>
-            </a:r>
-          </a:p>
-        </p:txBody>
-      </p:sp>
-      <p:sp>
-        <p:nvSpPr>
-          <p:cNvPr id="5" name="TextBox 4">
-            <a:extLst>
-              <a:ext uri="{FF2B5EF4-FFF2-40B4-BE49-F238E27FC236}">
-                <a16:creationId xmlns:a16="http://schemas.microsoft.com/office/drawing/2014/main" id="{CCCF3874-E9C8-4F70-8886-328893DB9238}"/>
-              </a:ext>
-            </a:extLst>
-          </p:cNvPr>
-          <p:cNvSpPr txBox="1"/>
-          <p:nvPr/>
-        </p:nvSpPr>
-        <p:spPr>
-          <a:xfrm>
-            <a:off x="205409" y="5391321"/>
-            <a:ext cx="11781182" cy="430887"/>
-          </a:xfrm>
-          <a:prstGeom prst="rect">
-            <a:avLst/>
-          </a:prstGeom>
-          <a:noFill/>
-        </p:spPr>
-        <p:txBody>
-          <a:bodyPr wrap="square" rtlCol="0">
-            <a:spAutoFit/>
-          </a:bodyPr>
-          <a:lstStyle/>
-          <a:p>
-            <a:pPr algn="ctr"/>
-            <a:r>
-              <a:rPr lang="en-GB" sz="2200" b="1" dirty="0"/>
-              <a:t>But what if you want to execute an asynchronous task without waiting for it to finish? </a:t>
-            </a:r>
-            <a:endParaRPr lang="en-GB" sz="2200" dirty="0"/>
-          </a:p>
-        </p:txBody>
-      </p:sp>
-    </p:spTree>
-    <p:extLst>
-      <p:ext uri="{BB962C8B-B14F-4D97-AF65-F5344CB8AC3E}">
-        <p14:creationId xmlns:p14="http://schemas.microsoft.com/office/powerpoint/2010/main" val="1919573543"/>
       </p:ext>
     </p:extLst>
   </p:cSld>
@@ -10816,6 +10888,279 @@
         <p:spPr>
           <a:xfrm>
             <a:off x="278297" y="212034"/>
+            <a:ext cx="11781182" cy="4493538"/>
+          </a:xfrm>
+          <a:prstGeom prst="rect">
+            <a:avLst/>
+          </a:prstGeom>
+          <a:noFill/>
+        </p:spPr>
+        <p:txBody>
+          <a:bodyPr wrap="square" rtlCol="0">
+            <a:spAutoFit/>
+          </a:bodyPr>
+          <a:lstStyle/>
+          <a:p>
+            <a:r>
+              <a:rPr lang="en-GB" sz="2200" b="1" dirty="0"/>
+              <a:t>Desktop and mobile applications love multithreading</a:t>
+            </a:r>
+          </a:p>
+          <a:p>
+            <a:endParaRPr lang="en-GB" sz="2200" b="1" dirty="0"/>
+          </a:p>
+          <a:p>
+            <a:pPr marL="342900" indent="-342900">
+              <a:buFont typeface="Arial" panose="020B0604020202020204" pitchFamily="34" charset="0"/>
+              <a:buChar char="•"/>
+            </a:pPr>
+            <a:r>
+              <a:rPr lang="en-GB" sz="2200" dirty="0"/>
+              <a:t>Applications like this only have one user at a time. As a result, you can essentially throw threads at a problem in order to provide the best performance. This particular user having the best performance won’t affect other users. </a:t>
+            </a:r>
+          </a:p>
+          <a:p>
+            <a:endParaRPr lang="en-GB" sz="2200" dirty="0"/>
+          </a:p>
+          <a:p>
+            <a:pPr marL="342900" indent="-342900">
+              <a:buFont typeface="Arial" panose="020B0604020202020204" pitchFamily="34" charset="0"/>
+              <a:buChar char="•"/>
+            </a:pPr>
+            <a:r>
+              <a:rPr lang="en-GB" sz="2200" dirty="0"/>
+              <a:t>Horizontal scaling (running the application across multiple devices) is not a concept which applies here. The user is only using a single device (i.e. their mobile phone). </a:t>
+            </a:r>
+          </a:p>
+          <a:p>
+            <a:endParaRPr lang="en-GB" sz="2200" dirty="0"/>
+          </a:p>
+          <a:p>
+            <a:pPr marL="342900" indent="-342900">
+              <a:buFont typeface="Arial" panose="020B0604020202020204" pitchFamily="34" charset="0"/>
+              <a:buChar char="•"/>
+            </a:pPr>
+            <a:r>
+              <a:rPr lang="en-GB" sz="2200" dirty="0"/>
+              <a:t>Vertical scaling (providing greater performance when given a more powerful device) applies but isn’t going to happen unless the user themselves physically switches to a better machine. It isn’t an area to focus on. Writing your code so you use threads efficiently is advised but not critical.</a:t>
+            </a:r>
+          </a:p>
+          <a:p>
+            <a:endParaRPr lang="en-GB" sz="2200" dirty="0"/>
+          </a:p>
+        </p:txBody>
+      </p:sp>
+    </p:spTree>
+    <p:extLst>
+      <p:ext uri="{BB962C8B-B14F-4D97-AF65-F5344CB8AC3E}">
+        <p14:creationId xmlns:p14="http://schemas.microsoft.com/office/powerpoint/2010/main" val="1813038530"/>
+      </p:ext>
+    </p:extLst>
+  </p:cSld>
+  <p:clrMapOvr>
+    <a:masterClrMapping/>
+  </p:clrMapOvr>
+</p:sld>
+</file>
+
+<file path=ppt/slides/slide33.xml><?xml version="1.0" encoding="utf-8"?>
+<p:sld xmlns:a="http://schemas.openxmlformats.org/drawingml/2006/main" xmlns:r="http://schemas.openxmlformats.org/officeDocument/2006/relationships" xmlns:p="http://schemas.openxmlformats.org/presentationml/2006/main">
+  <p:cSld>
+    <p:spTree>
+      <p:nvGrpSpPr>
+        <p:cNvPr id="1" name=""/>
+        <p:cNvGrpSpPr/>
+        <p:nvPr/>
+      </p:nvGrpSpPr>
+      <p:grpSpPr>
+        <a:xfrm>
+          <a:off x="0" y="0"/>
+          <a:ext cx="0" cy="0"/>
+          <a:chOff x="0" y="0"/>
+          <a:chExt cx="0" cy="0"/>
+        </a:xfrm>
+      </p:grpSpPr>
+      <p:sp>
+        <p:nvSpPr>
+          <p:cNvPr id="4" name="TextBox 3">
+            <a:extLst>
+              <a:ext uri="{FF2B5EF4-FFF2-40B4-BE49-F238E27FC236}">
+                <a16:creationId xmlns:a16="http://schemas.microsoft.com/office/drawing/2014/main" id="{18767206-9205-42D0-A2AE-5A1017D4CB08}"/>
+              </a:ext>
+            </a:extLst>
+          </p:cNvPr>
+          <p:cNvSpPr txBox="1"/>
+          <p:nvPr/>
+        </p:nvSpPr>
+        <p:spPr>
+          <a:xfrm>
+            <a:off x="278297" y="212034"/>
+            <a:ext cx="11781182" cy="4493538"/>
+          </a:xfrm>
+          <a:prstGeom prst="rect">
+            <a:avLst/>
+          </a:prstGeom>
+          <a:noFill/>
+        </p:spPr>
+        <p:txBody>
+          <a:bodyPr wrap="square" rtlCol="0">
+            <a:spAutoFit/>
+          </a:bodyPr>
+          <a:lstStyle/>
+          <a:p>
+            <a:r>
+              <a:rPr lang="en-GB" sz="2200" b="1" dirty="0"/>
+              <a:t>Multithreading can kill your web application </a:t>
+            </a:r>
+          </a:p>
+          <a:p>
+            <a:endParaRPr lang="en-GB" sz="2200" b="1" dirty="0"/>
+          </a:p>
+          <a:p>
+            <a:pPr marL="342900" indent="-342900">
+              <a:buFont typeface="Arial" panose="020B0604020202020204" pitchFamily="34" charset="0"/>
+              <a:buChar char="•"/>
+            </a:pPr>
+            <a:r>
+              <a:rPr lang="en-GB" sz="2200" dirty="0"/>
+              <a:t>Web applications (e.g. ASP.NET MVC / </a:t>
+            </a:r>
+            <a:r>
+              <a:rPr lang="en-GB" sz="2200" dirty="0" err="1"/>
+              <a:t>WebAPI</a:t>
+            </a:r>
+            <a:r>
+              <a:rPr lang="en-GB" sz="2200" dirty="0"/>
+              <a:t> project) need to respond to HTTP requests. </a:t>
+            </a:r>
+            <a:r>
+              <a:rPr lang="en-GB" sz="2200" b="1" dirty="0"/>
+              <a:t>Each HTTP request requires its own thread from the thread pool</a:t>
+            </a:r>
+            <a:r>
+              <a:rPr lang="en-GB" sz="2200" dirty="0"/>
+              <a:t>. As a result, </a:t>
+            </a:r>
+            <a:r>
+              <a:rPr lang="en-GB" sz="2200" b="1" dirty="0"/>
+              <a:t>you should preserve your thread pool threads for handling requests</a:t>
+            </a:r>
+            <a:r>
+              <a:rPr lang="en-GB" sz="2200" dirty="0"/>
+              <a:t>. Using too many threads for improving performance for a single user would mean less users can be served on the same instance of your application.</a:t>
+            </a:r>
+          </a:p>
+          <a:p>
+            <a:endParaRPr lang="en-GB" sz="2200" dirty="0"/>
+          </a:p>
+          <a:p>
+            <a:pPr marL="342900" indent="-342900">
+              <a:buFont typeface="Arial" panose="020B0604020202020204" pitchFamily="34" charset="0"/>
+              <a:buChar char="•"/>
+            </a:pPr>
+            <a:r>
+              <a:rPr lang="en-GB" sz="2200" dirty="0"/>
+              <a:t>Horizontal scaling is critical to web applications. Each node in your cluster must be able to respond to as many requests as possible. Efficient use of threads will mean more users can use the application deployed on each node. </a:t>
+            </a:r>
+            <a:br>
+              <a:rPr lang="en-GB" sz="2200" dirty="0"/>
+            </a:br>
+            <a:endParaRPr lang="en-GB" sz="2200" dirty="0"/>
+          </a:p>
+          <a:p>
+            <a:pPr marL="342900" indent="-342900">
+              <a:buFont typeface="Arial" panose="020B0604020202020204" pitchFamily="34" charset="0"/>
+              <a:buChar char="•"/>
+            </a:pPr>
+            <a:r>
+              <a:rPr lang="en-GB" sz="2200" dirty="0"/>
+              <a:t>Vertical scaling is expensive so you must make sure you serve the most requests possible out of your new and more expensive hardware. </a:t>
+            </a:r>
+          </a:p>
+        </p:txBody>
+      </p:sp>
+      <p:sp>
+        <p:nvSpPr>
+          <p:cNvPr id="5" name="TextBox 4">
+            <a:extLst>
+              <a:ext uri="{FF2B5EF4-FFF2-40B4-BE49-F238E27FC236}">
+                <a16:creationId xmlns:a16="http://schemas.microsoft.com/office/drawing/2014/main" id="{CCCF3874-E9C8-4F70-8886-328893DB9238}"/>
+              </a:ext>
+            </a:extLst>
+          </p:cNvPr>
+          <p:cNvSpPr txBox="1"/>
+          <p:nvPr/>
+        </p:nvSpPr>
+        <p:spPr>
+          <a:xfrm>
+            <a:off x="205409" y="5391321"/>
+            <a:ext cx="11781182" cy="430887"/>
+          </a:xfrm>
+          <a:prstGeom prst="rect">
+            <a:avLst/>
+          </a:prstGeom>
+          <a:noFill/>
+        </p:spPr>
+        <p:txBody>
+          <a:bodyPr wrap="square" rtlCol="0">
+            <a:spAutoFit/>
+          </a:bodyPr>
+          <a:lstStyle/>
+          <a:p>
+            <a:pPr algn="ctr"/>
+            <a:r>
+              <a:rPr lang="en-GB" sz="2200" b="1" dirty="0"/>
+              <a:t>But what if you want to execute an asynchronous task without waiting for it to finish? </a:t>
+            </a:r>
+            <a:endParaRPr lang="en-GB" sz="2200" dirty="0"/>
+          </a:p>
+        </p:txBody>
+      </p:sp>
+    </p:spTree>
+    <p:extLst>
+      <p:ext uri="{BB962C8B-B14F-4D97-AF65-F5344CB8AC3E}">
+        <p14:creationId xmlns:p14="http://schemas.microsoft.com/office/powerpoint/2010/main" val="1919573543"/>
+      </p:ext>
+    </p:extLst>
+  </p:cSld>
+  <p:clrMapOvr>
+    <a:masterClrMapping/>
+  </p:clrMapOvr>
+</p:sld>
+</file>
+
+<file path=ppt/slides/slide34.xml><?xml version="1.0" encoding="utf-8"?>
+<p:sld xmlns:a="http://schemas.openxmlformats.org/drawingml/2006/main" xmlns:r="http://schemas.openxmlformats.org/officeDocument/2006/relationships" xmlns:p="http://schemas.openxmlformats.org/presentationml/2006/main">
+  <p:cSld>
+    <p:spTree>
+      <p:nvGrpSpPr>
+        <p:cNvPr id="1" name=""/>
+        <p:cNvGrpSpPr/>
+        <p:nvPr/>
+      </p:nvGrpSpPr>
+      <p:grpSpPr>
+        <a:xfrm>
+          <a:off x="0" y="0"/>
+          <a:ext cx="0" cy="0"/>
+          <a:chOff x="0" y="0"/>
+          <a:chExt cx="0" cy="0"/>
+        </a:xfrm>
+      </p:grpSpPr>
+      <p:sp>
+        <p:nvSpPr>
+          <p:cNvPr id="4" name="TextBox 3">
+            <a:extLst>
+              <a:ext uri="{FF2B5EF4-FFF2-40B4-BE49-F238E27FC236}">
+                <a16:creationId xmlns:a16="http://schemas.microsoft.com/office/drawing/2014/main" id="{18767206-9205-42D0-A2AE-5A1017D4CB08}"/>
+              </a:ext>
+            </a:extLst>
+          </p:cNvPr>
+          <p:cNvSpPr txBox="1"/>
+          <p:nvPr/>
+        </p:nvSpPr>
+        <p:spPr>
+          <a:xfrm>
+            <a:off x="278297" y="212034"/>
             <a:ext cx="11781182" cy="6186309"/>
           </a:xfrm>
           <a:prstGeom prst="rect">
@@ -10970,7 +11315,7 @@
 </p:sld>
 </file>
 
-<file path=ppt/slides/slide33.xml><?xml version="1.0" encoding="utf-8"?>
+<file path=ppt/slides/slide35.xml><?xml version="1.0" encoding="utf-8"?>
 <p:sld xmlns:a="http://schemas.openxmlformats.org/drawingml/2006/main" xmlns:r="http://schemas.openxmlformats.org/officeDocument/2006/relationships" xmlns:p="http://schemas.openxmlformats.org/presentationml/2006/main">
   <p:cSld>
     <p:spTree>
@@ -11182,307 +11527,6 @@
 </p:sld>
 </file>
 
-<file path=ppt/slides/slide34.xml><?xml version="1.0" encoding="utf-8"?>
-<p:sld xmlns:a="http://schemas.openxmlformats.org/drawingml/2006/main" xmlns:r="http://schemas.openxmlformats.org/officeDocument/2006/relationships" xmlns:p="http://schemas.openxmlformats.org/presentationml/2006/main">
-  <p:cSld>
-    <p:spTree>
-      <p:nvGrpSpPr>
-        <p:cNvPr id="1" name=""/>
-        <p:cNvGrpSpPr/>
-        <p:nvPr/>
-      </p:nvGrpSpPr>
-      <p:grpSpPr>
-        <a:xfrm>
-          <a:off x="0" y="0"/>
-          <a:ext cx="0" cy="0"/>
-          <a:chOff x="0" y="0"/>
-          <a:chExt cx="0" cy="0"/>
-        </a:xfrm>
-      </p:grpSpPr>
-      <p:sp>
-        <p:nvSpPr>
-          <p:cNvPr id="4" name="TextBox 3">
-            <a:extLst>
-              <a:ext uri="{FF2B5EF4-FFF2-40B4-BE49-F238E27FC236}">
-                <a16:creationId xmlns:a16="http://schemas.microsoft.com/office/drawing/2014/main" id="{18767206-9205-42D0-A2AE-5A1017D4CB08}"/>
-              </a:ext>
-            </a:extLst>
-          </p:cNvPr>
-          <p:cNvSpPr txBox="1"/>
-          <p:nvPr/>
-        </p:nvSpPr>
-        <p:spPr>
-          <a:xfrm>
-            <a:off x="278297" y="212034"/>
-            <a:ext cx="11781182" cy="5509200"/>
-          </a:xfrm>
-          <a:prstGeom prst="rect">
-            <a:avLst/>
-          </a:prstGeom>
-          <a:noFill/>
-        </p:spPr>
-        <p:txBody>
-          <a:bodyPr wrap="square" rtlCol="0">
-            <a:spAutoFit/>
-          </a:bodyPr>
-          <a:lstStyle/>
-          <a:p>
-            <a:r>
-              <a:rPr lang="en-GB" sz="2200" b="1" dirty="0"/>
-              <a:t>The solution</a:t>
-            </a:r>
-          </a:p>
-          <a:p>
-            <a:endParaRPr lang="en-GB" sz="2200" b="1" dirty="0"/>
-          </a:p>
-          <a:p>
-            <a:r>
-              <a:rPr lang="en-GB" sz="2200" dirty="0"/>
-              <a:t> In ASP.NET Core, background tasks can be implemented as hosted services. A hosted service is a class with background task logic that implements the </a:t>
-            </a:r>
-            <a:r>
-              <a:rPr lang="en-GB" sz="2200" dirty="0" err="1"/>
-              <a:t>IHostedService</a:t>
-            </a:r>
-            <a:r>
-              <a:rPr lang="en-GB" sz="2200" dirty="0"/>
-              <a:t> interface. You can host things such as: </a:t>
-            </a:r>
-          </a:p>
-          <a:p>
-            <a:endParaRPr lang="en-GB" sz="2200" dirty="0"/>
-          </a:p>
-          <a:p>
-            <a:pPr marL="342900" indent="-342900">
-              <a:buFont typeface="Arial" panose="020B0604020202020204" pitchFamily="34" charset="0"/>
-              <a:buChar char="•"/>
-            </a:pPr>
-            <a:r>
-              <a:rPr lang="en-GB" sz="2200" dirty="0"/>
-              <a:t>Background tasks that run on a timer.</a:t>
-            </a:r>
-          </a:p>
-          <a:p>
-            <a:pPr marL="342900" indent="-342900">
-              <a:buFont typeface="Arial" panose="020B0604020202020204" pitchFamily="34" charset="0"/>
-              <a:buChar char="•"/>
-            </a:pPr>
-            <a:r>
-              <a:rPr lang="en-GB" sz="2200" dirty="0"/>
-              <a:t>Hosted service that activates a scoped service. The scoped service can use dependency injection.</a:t>
-            </a:r>
-          </a:p>
-          <a:p>
-            <a:pPr marL="342900" indent="-342900">
-              <a:buFont typeface="Arial" panose="020B0604020202020204" pitchFamily="34" charset="0"/>
-              <a:buChar char="•"/>
-            </a:pPr>
-            <a:r>
-              <a:rPr lang="en-GB" sz="2200" dirty="0"/>
-              <a:t>Queued background tasks that run sequentially. </a:t>
-            </a:r>
-          </a:p>
-          <a:p>
-            <a:endParaRPr lang="en-GB" sz="2200" b="1" dirty="0"/>
-          </a:p>
-          <a:p>
-            <a:r>
-              <a:rPr lang="en-GB" sz="2200" dirty="0"/>
-              <a:t>The hosted service is activated once at app </a:t>
-            </a:r>
-            <a:r>
-              <a:rPr lang="en-GB" sz="2200" dirty="0" err="1"/>
-              <a:t>startup</a:t>
-            </a:r>
-            <a:r>
-              <a:rPr lang="en-GB" sz="2200" dirty="0"/>
-              <a:t> and gracefully shut down at app shutdown. If an error is thrown during background task execution, Dispose should be called even if </a:t>
-            </a:r>
-            <a:r>
-              <a:rPr lang="en-GB" sz="2200" dirty="0" err="1"/>
-              <a:t>StopAsync</a:t>
-            </a:r>
-            <a:r>
-              <a:rPr lang="en-GB" sz="2200" dirty="0"/>
-              <a:t> isn't called.</a:t>
-            </a:r>
-          </a:p>
-          <a:p>
-            <a:endParaRPr lang="en-GB" sz="2200" dirty="0"/>
-          </a:p>
-          <a:p>
-            <a:r>
-              <a:rPr lang="en-GB" sz="2200" dirty="0"/>
-              <a:t>Fairly simply to implement and Microsoft has excellent documentation on it: </a:t>
-            </a:r>
-            <a:br>
-              <a:rPr lang="en-GB" sz="2200" dirty="0"/>
-            </a:br>
-            <a:r>
-              <a:rPr lang="en-GB" sz="2200" dirty="0">
-                <a:hlinkClick r:id="rId2"/>
-              </a:rPr>
-              <a:t>https://docs.microsoft.com/en-us/aspnet/core/fundamentals/host/hosted-services?view=aspnetcore-2.1#queued-background-tasks</a:t>
-            </a:r>
-            <a:r>
-              <a:rPr lang="en-GB" sz="2200" dirty="0"/>
-              <a:t> </a:t>
-            </a:r>
-          </a:p>
-        </p:txBody>
-      </p:sp>
-    </p:spTree>
-    <p:extLst>
-      <p:ext uri="{BB962C8B-B14F-4D97-AF65-F5344CB8AC3E}">
-        <p14:creationId xmlns:p14="http://schemas.microsoft.com/office/powerpoint/2010/main" val="2054950243"/>
-      </p:ext>
-    </p:extLst>
-  </p:cSld>
-  <p:clrMapOvr>
-    <a:masterClrMapping/>
-  </p:clrMapOvr>
-</p:sld>
-</file>
-
-<file path=ppt/slides/slide35.xml><?xml version="1.0" encoding="utf-8"?>
-<p:sld xmlns:a="http://schemas.openxmlformats.org/drawingml/2006/main" xmlns:r="http://schemas.openxmlformats.org/officeDocument/2006/relationships" xmlns:p="http://schemas.openxmlformats.org/presentationml/2006/main">
-  <p:cSld>
-    <p:spTree>
-      <p:nvGrpSpPr>
-        <p:cNvPr id="1" name=""/>
-        <p:cNvGrpSpPr/>
-        <p:nvPr/>
-      </p:nvGrpSpPr>
-      <p:grpSpPr>
-        <a:xfrm>
-          <a:off x="0" y="0"/>
-          <a:ext cx="0" cy="0"/>
-          <a:chOff x="0" y="0"/>
-          <a:chExt cx="0" cy="0"/>
-        </a:xfrm>
-      </p:grpSpPr>
-      <p:sp>
-        <p:nvSpPr>
-          <p:cNvPr id="4" name="TextBox 3">
-            <a:extLst>
-              <a:ext uri="{FF2B5EF4-FFF2-40B4-BE49-F238E27FC236}">
-                <a16:creationId xmlns:a16="http://schemas.microsoft.com/office/drawing/2014/main" id="{18767206-9205-42D0-A2AE-5A1017D4CB08}"/>
-              </a:ext>
-            </a:extLst>
-          </p:cNvPr>
-          <p:cNvSpPr txBox="1"/>
-          <p:nvPr/>
-        </p:nvSpPr>
-        <p:spPr>
-          <a:xfrm>
-            <a:off x="278297" y="212034"/>
-            <a:ext cx="11781182" cy="4832092"/>
-          </a:xfrm>
-          <a:prstGeom prst="rect">
-            <a:avLst/>
-          </a:prstGeom>
-          <a:noFill/>
-        </p:spPr>
-        <p:txBody>
-          <a:bodyPr wrap="square" rtlCol="0">
-            <a:spAutoFit/>
-          </a:bodyPr>
-          <a:lstStyle/>
-          <a:p>
-            <a:r>
-              <a:rPr lang="en-GB" sz="2200" b="1" dirty="0"/>
-              <a:t>The solution</a:t>
-            </a:r>
-          </a:p>
-          <a:p>
-            <a:endParaRPr lang="en-GB" sz="2200" b="1" dirty="0"/>
-          </a:p>
-          <a:p>
-            <a:r>
-              <a:rPr lang="en-GB" sz="2200" dirty="0"/>
-              <a:t>Other solutions include:</a:t>
-            </a:r>
-          </a:p>
-          <a:p>
-            <a:endParaRPr lang="en-GB" sz="2200" dirty="0"/>
-          </a:p>
-          <a:p>
-            <a:pPr marL="342900" indent="-342900">
-              <a:buFont typeface="Arial" panose="020B0604020202020204" pitchFamily="34" charset="0"/>
-              <a:buChar char="•"/>
-            </a:pPr>
-            <a:r>
-              <a:rPr lang="en-GB" sz="2200" dirty="0"/>
-              <a:t>Using a library like </a:t>
-            </a:r>
-            <a:r>
-              <a:rPr lang="en-GB" sz="2200" dirty="0" err="1"/>
-              <a:t>Hangfire</a:t>
-            </a:r>
-            <a:r>
-              <a:rPr lang="en-GB" sz="2200" dirty="0"/>
-              <a:t> which has a persistence layer for storing your tasks to be executed reliably. </a:t>
-            </a:r>
-          </a:p>
-          <a:p>
-            <a:pPr marL="342900" indent="-342900">
-              <a:buFont typeface="Arial" panose="020B0604020202020204" pitchFamily="34" charset="0"/>
-              <a:buChar char="•"/>
-            </a:pPr>
-            <a:endParaRPr lang="en-GB" sz="2200" dirty="0"/>
-          </a:p>
-          <a:p>
-            <a:pPr marL="342900" indent="-342900">
-              <a:buFont typeface="Arial" panose="020B0604020202020204" pitchFamily="34" charset="0"/>
-              <a:buChar char="•"/>
-            </a:pPr>
-            <a:r>
-              <a:rPr lang="en-GB" sz="2200" dirty="0"/>
-              <a:t>Using Azure Service Fabric actors to do this work instead. </a:t>
-            </a:r>
-          </a:p>
-          <a:p>
-            <a:pPr marL="342900" indent="-342900">
-              <a:buFont typeface="Arial" panose="020B0604020202020204" pitchFamily="34" charset="0"/>
-              <a:buChar char="•"/>
-            </a:pPr>
-            <a:endParaRPr lang="en-GB" sz="2200" dirty="0"/>
-          </a:p>
-          <a:p>
-            <a:pPr marL="342900" indent="-342900">
-              <a:buFont typeface="Arial" panose="020B0604020202020204" pitchFamily="34" charset="0"/>
-              <a:buChar char="•"/>
-            </a:pPr>
-            <a:r>
-              <a:rPr lang="en-GB" sz="2200" dirty="0"/>
-              <a:t>Using some other way of persisting the tasks in some way to a queue and processing them with a different system. </a:t>
-            </a:r>
-            <a:br>
-              <a:rPr lang="en-GB" sz="2200" dirty="0"/>
-            </a:br>
-            <a:r>
-              <a:rPr lang="en-GB" sz="2200" dirty="0"/>
-              <a:t>E.g.  using an Azure Storage Queue to store messages temporarily, then using an Azure Function to process messages in order from the queue. </a:t>
-            </a:r>
-          </a:p>
-          <a:p>
-            <a:endParaRPr lang="en-GB" sz="2200" b="1" dirty="0"/>
-          </a:p>
-        </p:txBody>
-      </p:sp>
-    </p:spTree>
-    <p:extLst>
-      <p:ext uri="{BB962C8B-B14F-4D97-AF65-F5344CB8AC3E}">
-        <p14:creationId xmlns:p14="http://schemas.microsoft.com/office/powerpoint/2010/main" val="2683058289"/>
-      </p:ext>
-    </p:extLst>
-  </p:cSld>
-  <p:clrMapOvr>
-    <a:masterClrMapping/>
-  </p:clrMapOvr>
-</p:sld>
-</file>
-
 <file path=ppt/slides/slide36.xml><?xml version="1.0" encoding="utf-8"?>
 <p:sld xmlns:a="http://schemas.openxmlformats.org/drawingml/2006/main" xmlns:r="http://schemas.openxmlformats.org/officeDocument/2006/relationships" xmlns:p="http://schemas.openxmlformats.org/presentationml/2006/main">
   <p:cSld>
@@ -11515,7 +11559,7 @@
         <p:spPr>
           <a:xfrm>
             <a:off x="278297" y="212034"/>
-            <a:ext cx="11781182" cy="6063198"/>
+            <a:ext cx="11781182" cy="5509200"/>
           </a:xfrm>
           <a:prstGeom prst="rect">
             <a:avLst/>
@@ -11530,7 +11574,7 @@
           <a:p>
             <a:r>
               <a:rPr lang="en-GB" sz="2200" b="1" dirty="0"/>
-              <a:t>Multithreading can kill your Azure Service Fabric actors</a:t>
+              <a:t>The solution</a:t>
             </a:r>
           </a:p>
           <a:p>
@@ -11539,56 +11583,16 @@
           <a:p>
             <a:r>
               <a:rPr lang="en-GB" sz="2200" dirty="0"/>
-              <a:t>From the </a:t>
+              <a:t> In ASP.NET Core, background tasks can be implemented as hosted services. A hosted service is a class with background task logic that implements the </a:t>
             </a:r>
             <a:r>
               <a:rPr lang="en-GB" sz="2200" dirty="0" err="1"/>
-              <a:t>the</a:t>
+              <a:t>IHostedService</a:t>
             </a:r>
             <a:r>
               <a:rPr lang="en-GB" sz="2200" dirty="0"/>
-              <a:t> MSDN page for Service Fabric Reliable Actors:</a:t>
-            </a:r>
-          </a:p>
-          <a:p>
-            <a:endParaRPr lang="en-GB" sz="2200" dirty="0"/>
-          </a:p>
-          <a:p>
-            <a:r>
-              <a:rPr lang="en-GB" sz="2200" dirty="0"/>
-              <a:t>“</a:t>
-            </a:r>
-            <a:r>
-              <a:rPr lang="en-GB" dirty="0"/>
-              <a:t>The Reliable Actors API provides a </a:t>
-            </a:r>
-            <a:r>
-              <a:rPr lang="en-GB" b="1" dirty="0"/>
-              <a:t>single-threaded programming </a:t>
-            </a:r>
-            <a:r>
-              <a:rPr lang="en-GB" dirty="0"/>
-              <a:t>model built on the scalability and reliability guarantees provided by Service Fabric.”</a:t>
-            </a:r>
-            <a:endParaRPr lang="en-GB" sz="2200" dirty="0"/>
-          </a:p>
-          <a:p>
-            <a:endParaRPr lang="en-GB" sz="2200" dirty="0"/>
-          </a:p>
-          <a:p>
-            <a:r>
-              <a:rPr lang="en-GB" dirty="0"/>
-              <a:t>“An actor is an isolated, independent unit of compute and state with </a:t>
-            </a:r>
-            <a:r>
-              <a:rPr lang="en-GB" b="1" dirty="0"/>
-              <a:t>single-threaded execution</a:t>
-            </a:r>
-            <a:r>
-              <a:rPr lang="en-GB" dirty="0"/>
-              <a:t>.”</a:t>
-            </a:r>
-            <a:endParaRPr lang="en-GB" sz="2200" dirty="0"/>
+              <a:t> interface. You can host things such as: </a:t>
+            </a:r>
           </a:p>
           <a:p>
             <a:endParaRPr lang="en-GB" sz="2200" dirty="0"/>
@@ -11600,11 +11604,8 @@
             </a:pPr>
             <a:r>
               <a:rPr lang="en-GB" sz="2200" dirty="0"/>
-              <a:t>Actors are activated on a thread when a request is made to them. </a:t>
-            </a:r>
-          </a:p>
-          <a:p>
-            <a:endParaRPr lang="en-GB" sz="2200" dirty="0"/>
+              <a:t>Background tasks that run on a timer.</a:t>
+            </a:r>
           </a:p>
           <a:p>
             <a:pPr marL="342900" indent="-342900">
@@ -11613,7 +11614,7 @@
             </a:pPr>
             <a:r>
               <a:rPr lang="en-GB" sz="2200" dirty="0"/>
-              <a:t>An actor is deactivated and garbage collected when it hasn’t been used in some time. “Using” an actor involves either making a request or a reminder has been triggered. </a:t>
+              <a:t>Hosted service that activates a scoped service. The scoped service can use dependency injection.</a:t>
             </a:r>
           </a:p>
           <a:p>
@@ -11621,16 +11622,56 @@
               <a:buFont typeface="Arial" panose="020B0604020202020204" pitchFamily="34" charset="0"/>
               <a:buChar char="•"/>
             </a:pPr>
+            <a:r>
+              <a:rPr lang="en-GB" sz="2200" dirty="0"/>
+              <a:t>Queued background tasks that run sequentially. </a:t>
+            </a:r>
+          </a:p>
+          <a:p>
+            <a:endParaRPr lang="en-GB" sz="2200" b="1" dirty="0"/>
+          </a:p>
+          <a:p>
+            <a:r>
+              <a:rPr lang="en-GB" sz="2200" dirty="0"/>
+              <a:t>The hosted service is activated once at app </a:t>
+            </a:r>
+            <a:r>
+              <a:rPr lang="en-GB" sz="2200" dirty="0" err="1"/>
+              <a:t>startup</a:t>
+            </a:r>
+            <a:r>
+              <a:rPr lang="en-GB" sz="2200" dirty="0"/>
+              <a:t> and gracefully shut down at app shutdown. If an error is thrown during background task execution, Dispose should be called even if </a:t>
+            </a:r>
+            <a:r>
+              <a:rPr lang="en-GB" sz="2200" dirty="0" err="1"/>
+              <a:t>StopAsync</a:t>
+            </a:r>
+            <a:r>
+              <a:rPr lang="en-GB" sz="2200" dirty="0"/>
+              <a:t> isn't called.</a:t>
+            </a:r>
+          </a:p>
+          <a:p>
             <a:endParaRPr lang="en-GB" sz="2200" dirty="0"/>
           </a:p>
           <a:p>
-            <a:pPr marL="342900" indent="-342900">
-              <a:buFont typeface="Arial" panose="020B0604020202020204" pitchFamily="34" charset="0"/>
-              <a:buChar char="•"/>
-            </a:pPr>
             <a:r>
               <a:rPr lang="en-GB" sz="2200" dirty="0"/>
-              <a:t>Creating another thread within the then means there is one less thread available to activate another actor. The actor runtime also has no knowledge of this thread. Not waiting for it to finish (fire and forget) is dangerous as the actor can be deactivated and even moved to another node, so your other thread can be killed without warning. </a:t>
+              <a:t>Fairly simply to implement and Microsoft has excellent documentation on it: </a:t>
+            </a:r>
+            <a:br>
+              <a:rPr lang="en-GB" sz="2200" dirty="0"/>
+            </a:br>
+            <a:r>
+              <a:rPr lang="en-GB" sz="2200" dirty="0">
+                <a:hlinkClick r:id="rId2"/>
+              </a:rPr>
+              <a:t>https://docs.microsoft.com/en-us/aspnet/core/fundamentals/host/hosted-services?view=aspnetcore-2.1#queued-background-tasks</a:t>
+            </a:r>
+            <a:r>
+              <a:rPr lang="en-GB" sz="2200" dirty="0"/>
+              <a:t> </a:t>
             </a:r>
           </a:p>
         </p:txBody>
@@ -11638,7 +11679,7 @@
     </p:spTree>
     <p:extLst>
       <p:ext uri="{BB962C8B-B14F-4D97-AF65-F5344CB8AC3E}">
-        <p14:creationId xmlns:p14="http://schemas.microsoft.com/office/powerpoint/2010/main" val="4147862038"/>
+        <p14:creationId xmlns:p14="http://schemas.microsoft.com/office/powerpoint/2010/main" val="2054950243"/>
       </p:ext>
     </p:extLst>
   </p:cSld>
@@ -11680,7 +11721,7 @@
         <p:spPr>
           <a:xfrm>
             <a:off x="278297" y="212034"/>
-            <a:ext cx="11781182" cy="4493538"/>
+            <a:ext cx="11781182" cy="4832092"/>
           </a:xfrm>
           <a:prstGeom prst="rect">
             <a:avLst/>
@@ -11704,7 +11745,7 @@
           <a:p>
             <a:r>
               <a:rPr lang="en-GB" sz="2200" dirty="0"/>
-              <a:t>Here are some alternatives to using multiple threads in your actors:</a:t>
+              <a:t>Other solutions include:</a:t>
             </a:r>
           </a:p>
           <a:p>
@@ -11717,7 +11758,15 @@
             </a:pPr>
             <a:r>
               <a:rPr lang="en-GB" sz="2200" dirty="0"/>
-              <a:t>Split the work amongst multiple actors. It’s worth remembering as well that an actor can create and communicate with other actors.</a:t>
+              <a:t>Using a library like </a:t>
+            </a:r>
+            <a:r>
+              <a:rPr lang="en-GB" sz="2200" dirty="0" err="1"/>
+              <a:t>Hangfire</a:t>
+            </a:r>
+            <a:r>
+              <a:rPr lang="en-GB" sz="2200" dirty="0"/>
+              <a:t> which has a persistence layer for storing your tasks to be executed reliably. </a:t>
             </a:r>
           </a:p>
           <a:p>
@@ -11734,7 +11783,7 @@
             </a:pPr>
             <a:r>
               <a:rPr lang="en-GB" sz="2200" dirty="0"/>
-              <a:t>Add a message to a queue to be processed by some other service. </a:t>
+              <a:t>Using Azure Service Fabric actors to do this work instead. </a:t>
             </a:r>
           </a:p>
           <a:p>
@@ -11750,19 +11799,18 @@
               <a:buChar char="•"/>
             </a:pPr>
             <a:r>
-              <a:rPr lang="en-GB" sz="2200" b="1" dirty="0"/>
-              <a:t>Why not just get the actor to do all the long-running work anyway?</a:t>
+              <a:rPr lang="en-GB" sz="2200" dirty="0"/>
+              <a:t>Using some other way of persisting the tasks in some way to a queue and processing them with a different system. </a:t>
             </a:r>
             <a:br>
-              <a:rPr lang="en-GB" sz="2200" b="1" dirty="0"/>
+              <a:rPr lang="en-GB" sz="2200" dirty="0"/>
             </a:br>
             <a:r>
               <a:rPr lang="en-GB" sz="2200" dirty="0"/>
-              <a:t>If it’s a fire-and-forget task where performance isn’t a factor, you might as well just run it for as long as it needs to run. If performance is an issue, then consider another option.</a:t>
-            </a:r>
-            <a:br>
-              <a:rPr lang="en-GB" sz="2200" b="1" dirty="0"/>
-            </a:br>
+              <a:t>E.g.  using an Azure Storage Queue to store messages temporarily, then using an Azure Function to process messages in order from the queue. </a:t>
+            </a:r>
+          </a:p>
+          <a:p>
             <a:endParaRPr lang="en-GB" sz="2200" b="1" dirty="0"/>
           </a:p>
         </p:txBody>
@@ -11770,7 +11818,7 @@
     </p:spTree>
     <p:extLst>
       <p:ext uri="{BB962C8B-B14F-4D97-AF65-F5344CB8AC3E}">
-        <p14:creationId xmlns:p14="http://schemas.microsoft.com/office/powerpoint/2010/main" val="3980841386"/>
+        <p14:creationId xmlns:p14="http://schemas.microsoft.com/office/powerpoint/2010/main" val="2683058289"/>
       </p:ext>
     </p:extLst>
   </p:cSld>
@@ -11799,35 +11847,135 @@
       </p:grpSpPr>
       <p:sp>
         <p:nvSpPr>
-          <p:cNvPr id="2" name="Title 1">
-            <a:extLst>
-              <a:ext uri="{FF2B5EF4-FFF2-40B4-BE49-F238E27FC236}">
-                <a16:creationId xmlns:a16="http://schemas.microsoft.com/office/drawing/2014/main" id="{267862F2-D4D4-4F5B-B69F-65226C837768}"/>
-              </a:ext>
-            </a:extLst>
-          </p:cNvPr>
-          <p:cNvSpPr>
-            <a:spLocks noGrp="1"/>
-          </p:cNvSpPr>
-          <p:nvPr>
-            <p:ph type="ctrTitle"/>
-          </p:nvPr>
+          <p:cNvPr id="4" name="TextBox 3">
+            <a:extLst>
+              <a:ext uri="{FF2B5EF4-FFF2-40B4-BE49-F238E27FC236}">
+                <a16:creationId xmlns:a16="http://schemas.microsoft.com/office/drawing/2014/main" id="{18767206-9205-42D0-A2AE-5A1017D4CB08}"/>
+              </a:ext>
+            </a:extLst>
+          </p:cNvPr>
+          <p:cNvSpPr txBox="1"/>
+          <p:nvPr/>
         </p:nvSpPr>
         <p:spPr>
           <a:xfrm>
-            <a:off x="1524000" y="1122363"/>
-            <a:ext cx="9144000" cy="1991898"/>
+            <a:off x="278297" y="212034"/>
+            <a:ext cx="11781182" cy="6063198"/>
           </a:xfrm>
+          <a:prstGeom prst="rect">
+            <a:avLst/>
+          </a:prstGeom>
+          <a:noFill/>
         </p:spPr>
         <p:txBody>
-          <a:bodyPr>
-            <a:normAutofit/>
+          <a:bodyPr wrap="square" rtlCol="0">
+            <a:spAutoFit/>
           </a:bodyPr>
           <a:lstStyle/>
           <a:p>
             <a:r>
+              <a:rPr lang="en-GB" sz="2200" b="1" dirty="0"/>
+              <a:t>Multithreading can kill your Azure Service Fabric actors</a:t>
+            </a:r>
+          </a:p>
+          <a:p>
+            <a:endParaRPr lang="en-GB" sz="2200" b="1" dirty="0"/>
+          </a:p>
+          <a:p>
+            <a:r>
+              <a:rPr lang="en-GB" sz="2200" dirty="0"/>
+              <a:t>From the </a:t>
+            </a:r>
+            <a:r>
+              <a:rPr lang="en-GB" sz="2200" dirty="0" err="1"/>
+              <a:t>the</a:t>
+            </a:r>
+            <a:r>
+              <a:rPr lang="en-GB" sz="2200" dirty="0"/>
+              <a:t> MSDN page for Service Fabric Reliable Actors:</a:t>
+            </a:r>
+          </a:p>
+          <a:p>
+            <a:endParaRPr lang="en-GB" sz="2200" dirty="0"/>
+          </a:p>
+          <a:p>
+            <a:r>
+              <a:rPr lang="en-GB" sz="2200" dirty="0"/>
+              <a:t>“</a:t>
+            </a:r>
+            <a:r>
               <a:rPr lang="en-GB" dirty="0"/>
-              <a:t>What happens when something goes wrong?</a:t>
+              <a:t>The Reliable Actors API provides a </a:t>
+            </a:r>
+            <a:r>
+              <a:rPr lang="en-GB" b="1" dirty="0"/>
+              <a:t>single-threaded programming </a:t>
+            </a:r>
+            <a:r>
+              <a:rPr lang="en-GB" dirty="0"/>
+              <a:t>model built on the scalability and reliability guarantees provided by Service Fabric.”</a:t>
+            </a:r>
+            <a:endParaRPr lang="en-GB" sz="2200" dirty="0"/>
+          </a:p>
+          <a:p>
+            <a:endParaRPr lang="en-GB" sz="2200" dirty="0"/>
+          </a:p>
+          <a:p>
+            <a:r>
+              <a:rPr lang="en-GB" dirty="0"/>
+              <a:t>“An actor is an isolated, independent unit of compute and state with </a:t>
+            </a:r>
+            <a:r>
+              <a:rPr lang="en-GB" b="1" dirty="0"/>
+              <a:t>single-threaded execution</a:t>
+            </a:r>
+            <a:r>
+              <a:rPr lang="en-GB" dirty="0"/>
+              <a:t>.”</a:t>
+            </a:r>
+            <a:endParaRPr lang="en-GB" sz="2200" dirty="0"/>
+          </a:p>
+          <a:p>
+            <a:endParaRPr lang="en-GB" sz="2200" dirty="0"/>
+          </a:p>
+          <a:p>
+            <a:pPr marL="342900" indent="-342900">
+              <a:buFont typeface="Arial" panose="020B0604020202020204" pitchFamily="34" charset="0"/>
+              <a:buChar char="•"/>
+            </a:pPr>
+            <a:r>
+              <a:rPr lang="en-GB" sz="2200" dirty="0"/>
+              <a:t>Actors are activated on a thread when a request is made to them. </a:t>
+            </a:r>
+          </a:p>
+          <a:p>
+            <a:endParaRPr lang="en-GB" sz="2200" dirty="0"/>
+          </a:p>
+          <a:p>
+            <a:pPr marL="342900" indent="-342900">
+              <a:buFont typeface="Arial" panose="020B0604020202020204" pitchFamily="34" charset="0"/>
+              <a:buChar char="•"/>
+            </a:pPr>
+            <a:r>
+              <a:rPr lang="en-GB" sz="2200" dirty="0"/>
+              <a:t>An actor is deactivated and garbage collected when it hasn’t been used in some time. “Using” an actor involves either making a request or a reminder has been triggered. </a:t>
+            </a:r>
+          </a:p>
+          <a:p>
+            <a:pPr marL="342900" indent="-342900">
+              <a:buFont typeface="Arial" panose="020B0604020202020204" pitchFamily="34" charset="0"/>
+              <a:buChar char="•"/>
+            </a:pPr>
+            <a:endParaRPr lang="en-GB" sz="2200" dirty="0"/>
+          </a:p>
+          <a:p>
+            <a:pPr marL="342900" indent="-342900">
+              <a:buFont typeface="Arial" panose="020B0604020202020204" pitchFamily="34" charset="0"/>
+              <a:buChar char="•"/>
+            </a:pPr>
+            <a:r>
+              <a:rPr lang="en-GB" sz="2200" dirty="0"/>
+              <a:t>Creating another thread within the then means there is one less thread available to activate another actor. The actor runtime also has no knowledge of this thread. Not waiting for it to finish (fire and forget) is dangerous as the actor can be deactivated and even moved to another node, so your other thread can be killed without warning. </a:t>
             </a:r>
           </a:p>
         </p:txBody>
@@ -11835,7 +11983,7 @@
     </p:spTree>
     <p:extLst>
       <p:ext uri="{BB962C8B-B14F-4D97-AF65-F5344CB8AC3E}">
-        <p14:creationId xmlns:p14="http://schemas.microsoft.com/office/powerpoint/2010/main" val="3154203515"/>
+        <p14:creationId xmlns:p14="http://schemas.microsoft.com/office/powerpoint/2010/main" val="4147862038"/>
       </p:ext>
     </p:extLst>
   </p:cSld>
@@ -11848,14 +11996,6 @@
 <file path=ppt/slides/slide39.xml><?xml version="1.0" encoding="utf-8"?>
 <p:sld xmlns:a="http://schemas.openxmlformats.org/drawingml/2006/main" xmlns:r="http://schemas.openxmlformats.org/officeDocument/2006/relationships" xmlns:p="http://schemas.openxmlformats.org/presentationml/2006/main">
   <p:cSld>
-    <p:bg>
-      <p:bgPr>
-        <a:solidFill>
-          <a:srgbClr val="1E1E1E"/>
-        </a:solidFill>
-        <a:effectLst/>
-      </p:bgPr>
-    </p:bg>
     <p:spTree>
       <p:nvGrpSpPr>
         <p:cNvPr id="1" name=""/>
@@ -11872,10 +12012,10 @@
       </p:grpSpPr>
       <p:sp>
         <p:nvSpPr>
-          <p:cNvPr id="6" name="TextBox 5">
-            <a:extLst>
-              <a:ext uri="{FF2B5EF4-FFF2-40B4-BE49-F238E27FC236}">
-                <a16:creationId xmlns:a16="http://schemas.microsoft.com/office/drawing/2014/main" id="{2CDFC944-8A12-42CA-B4D7-7CEF50C368ED}"/>
+          <p:cNvPr id="4" name="TextBox 3">
+            <a:extLst>
+              <a:ext uri="{FF2B5EF4-FFF2-40B4-BE49-F238E27FC236}">
+                <a16:creationId xmlns:a16="http://schemas.microsoft.com/office/drawing/2014/main" id="{18767206-9205-42D0-A2AE-5A1017D4CB08}"/>
               </a:ext>
             </a:extLst>
           </p:cNvPr>
@@ -11884,8 +12024,8 @@
         </p:nvSpPr>
         <p:spPr>
           <a:xfrm>
-            <a:off x="624957" y="242596"/>
-            <a:ext cx="11364880" cy="400110"/>
+            <a:off x="278297" y="212034"/>
+            <a:ext cx="11781182" cy="4493538"/>
           </a:xfrm>
           <a:prstGeom prst="rect">
             <a:avLst/>
@@ -11899,106 +12039,83 @@
           <a:lstStyle/>
           <a:p>
             <a:r>
-              <a:rPr lang="en-GB" sz="2000" dirty="0">
-                <a:solidFill>
-                  <a:schemeClr val="bg1"/>
-                </a:solidFill>
-              </a:rPr>
-              <a:t>Given the following methods…</a:t>
-            </a:r>
-          </a:p>
-        </p:txBody>
-      </p:sp>
-      <p:pic>
-        <p:nvPicPr>
-          <p:cNvPr id="3" name="Picture 2">
-            <a:extLst>
-              <a:ext uri="{FF2B5EF4-FFF2-40B4-BE49-F238E27FC236}">
-                <a16:creationId xmlns:a16="http://schemas.microsoft.com/office/drawing/2014/main" id="{3BA789B0-4DD2-416F-AC4F-1CB1017DBB57}"/>
-              </a:ext>
-            </a:extLst>
-          </p:cNvPr>
-          <p:cNvPicPr>
-            <a:picLocks noChangeAspect="1"/>
-          </p:cNvPicPr>
-          <p:nvPr/>
-        </p:nvPicPr>
-        <p:blipFill>
-          <a:blip r:embed="rId2"/>
-          <a:stretch>
-            <a:fillRect/>
-          </a:stretch>
-        </p:blipFill>
-        <p:spPr>
-          <a:xfrm>
-            <a:off x="804093" y="1066593"/>
-            <a:ext cx="10025626" cy="4141511"/>
-          </a:xfrm>
-          <a:prstGeom prst="rect">
-            <a:avLst/>
-          </a:prstGeom>
-        </p:spPr>
-      </p:pic>
-      <p:sp>
-        <p:nvSpPr>
-          <p:cNvPr id="7" name="TextBox 6">
-            <a:extLst>
-              <a:ext uri="{FF2B5EF4-FFF2-40B4-BE49-F238E27FC236}">
-                <a16:creationId xmlns:a16="http://schemas.microsoft.com/office/drawing/2014/main" id="{9D387ED8-A447-4926-8788-33094ACC87BC}"/>
-              </a:ext>
-            </a:extLst>
-          </p:cNvPr>
-          <p:cNvSpPr txBox="1"/>
-          <p:nvPr/>
-        </p:nvSpPr>
-        <p:spPr>
-          <a:xfrm>
-            <a:off x="624957" y="5431936"/>
-            <a:ext cx="11364880" cy="1015663"/>
-          </a:xfrm>
-          <a:prstGeom prst="rect">
-            <a:avLst/>
-          </a:prstGeom>
-          <a:noFill/>
-        </p:spPr>
-        <p:txBody>
-          <a:bodyPr wrap="square" rtlCol="0">
-            <a:spAutoFit/>
-          </a:bodyPr>
-          <a:lstStyle/>
-          <a:p>
-            <a:r>
-              <a:rPr lang="en-GB" sz="2000" dirty="0">
-                <a:solidFill>
-                  <a:schemeClr val="bg1"/>
-                </a:solidFill>
-              </a:rPr>
-              <a:t>Operation1Async just awaits a task which throws an exception.</a:t>
-            </a:r>
-          </a:p>
-          <a:p>
-            <a:endParaRPr lang="en-GB" sz="2000" dirty="0">
-              <a:solidFill>
-                <a:schemeClr val="bg1"/>
-              </a:solidFill>
-            </a:endParaRPr>
-          </a:p>
-          <a:p>
-            <a:r>
-              <a:rPr lang="en-GB" sz="2000" dirty="0">
-                <a:solidFill>
-                  <a:schemeClr val="bg1"/>
-                </a:solidFill>
-              </a:rPr>
-              <a:t>There is more than way of executing Operation1Async and each way might have different behaviours. </a:t>
-            </a:r>
+              <a:rPr lang="en-GB" sz="2200" b="1" dirty="0"/>
+              <a:t>The solution</a:t>
+            </a:r>
+          </a:p>
+          <a:p>
+            <a:endParaRPr lang="en-GB" sz="2200" b="1" dirty="0"/>
+          </a:p>
+          <a:p>
+            <a:r>
+              <a:rPr lang="en-GB" sz="2200" dirty="0"/>
+              <a:t>Here are some alternatives to using multiple threads in your actors:</a:t>
+            </a:r>
+          </a:p>
+          <a:p>
+            <a:endParaRPr lang="en-GB" sz="2200" dirty="0"/>
+          </a:p>
+          <a:p>
+            <a:pPr marL="342900" indent="-342900">
+              <a:buFont typeface="Arial" panose="020B0604020202020204" pitchFamily="34" charset="0"/>
+              <a:buChar char="•"/>
+            </a:pPr>
+            <a:r>
+              <a:rPr lang="en-GB" sz="2200" dirty="0"/>
+              <a:t>Split the work amongst multiple actors. It’s worth remembering as well that an actor can create and communicate with other actors.</a:t>
+            </a:r>
+          </a:p>
+          <a:p>
+            <a:pPr marL="342900" indent="-342900">
+              <a:buFont typeface="Arial" panose="020B0604020202020204" pitchFamily="34" charset="0"/>
+              <a:buChar char="•"/>
+            </a:pPr>
+            <a:endParaRPr lang="en-GB" sz="2200" dirty="0"/>
+          </a:p>
+          <a:p>
+            <a:pPr marL="342900" indent="-342900">
+              <a:buFont typeface="Arial" panose="020B0604020202020204" pitchFamily="34" charset="0"/>
+              <a:buChar char="•"/>
+            </a:pPr>
+            <a:r>
+              <a:rPr lang="en-GB" sz="2200" dirty="0"/>
+              <a:t>Add a message to a queue to be processed by some other service. </a:t>
+            </a:r>
+          </a:p>
+          <a:p>
+            <a:pPr marL="342900" indent="-342900">
+              <a:buFont typeface="Arial" panose="020B0604020202020204" pitchFamily="34" charset="0"/>
+              <a:buChar char="•"/>
+            </a:pPr>
+            <a:endParaRPr lang="en-GB" sz="2200" dirty="0"/>
+          </a:p>
+          <a:p>
+            <a:pPr marL="342900" indent="-342900">
+              <a:buFont typeface="Arial" panose="020B0604020202020204" pitchFamily="34" charset="0"/>
+              <a:buChar char="•"/>
+            </a:pPr>
+            <a:r>
+              <a:rPr lang="en-GB" sz="2200" b="1" dirty="0"/>
+              <a:t>Why not just get the actor to do all the long-running work anyway?</a:t>
+            </a:r>
+            <a:br>
+              <a:rPr lang="en-GB" sz="2200" b="1" dirty="0"/>
+            </a:br>
+            <a:r>
+              <a:rPr lang="en-GB" sz="2200" dirty="0"/>
+              <a:t>If it’s a fire-and-forget task where performance isn’t a factor, you might as well just run it for as long as it needs to run. If performance is an issue, then consider another option.</a:t>
+            </a:r>
+            <a:br>
+              <a:rPr lang="en-GB" sz="2200" b="1" dirty="0"/>
+            </a:br>
+            <a:endParaRPr lang="en-GB" sz="2200" b="1" dirty="0"/>
           </a:p>
         </p:txBody>
       </p:sp>
     </p:spTree>
     <p:extLst>
       <p:ext uri="{BB962C8B-B14F-4D97-AF65-F5344CB8AC3E}">
-        <p14:creationId xmlns:p14="http://schemas.microsoft.com/office/powerpoint/2010/main" val="1728531898"/>
+        <p14:creationId xmlns:p14="http://schemas.microsoft.com/office/powerpoint/2010/main" val="3980841386"/>
       </p:ext>
     </p:extLst>
   </p:cSld>
@@ -12040,7 +12157,7 @@
         <p:spPr>
           <a:xfrm>
             <a:off x="145775" y="132522"/>
-            <a:ext cx="11781182" cy="6001643"/>
+            <a:ext cx="11781182" cy="584775"/>
           </a:xfrm>
           <a:prstGeom prst="rect">
             <a:avLst/>
@@ -12054,67 +12171,8 @@
           <a:lstStyle/>
           <a:p>
             <a:r>
-              <a:rPr lang="en-GB" sz="3200" b="1" dirty="0" err="1"/>
-              <a:t>ThreadPool</a:t>
-            </a:r>
-            <a:endParaRPr lang="en-GB" sz="3200" b="1" dirty="0"/>
-          </a:p>
-          <a:p>
-            <a:pPr marL="457200" indent="-457200">
-              <a:buFont typeface="Arial" panose="020B0604020202020204" pitchFamily="34" charset="0"/>
-              <a:buChar char="•"/>
-            </a:pPr>
-            <a:r>
-              <a:rPr lang="en-GB" sz="3200" dirty="0"/>
-              <a:t>Acts as a wrapper around a pool of threads maintained by the CLR. </a:t>
-            </a:r>
-          </a:p>
-          <a:p>
-            <a:pPr marL="457200" indent="-457200">
-              <a:buFont typeface="Arial" panose="020B0604020202020204" pitchFamily="34" charset="0"/>
-              <a:buChar char="•"/>
-            </a:pPr>
-            <a:r>
-              <a:rPr lang="en-GB" sz="3200" dirty="0"/>
-              <a:t>Gives you no control at all. You can submit work to be completed but you can’t even determine when the pool will start the work or when it’s completed it. You also can’t determine the result. </a:t>
-            </a:r>
-          </a:p>
-          <a:p>
-            <a:pPr marL="457200" indent="-457200">
-              <a:buFont typeface="Arial" panose="020B0604020202020204" pitchFamily="34" charset="0"/>
-              <a:buChar char="•"/>
-            </a:pPr>
-            <a:r>
-              <a:rPr lang="en-GB" sz="3200" dirty="0"/>
-              <a:t>Using </a:t>
-            </a:r>
-            <a:r>
-              <a:rPr lang="en-GB" sz="3200" dirty="0" err="1"/>
-              <a:t>ThreadPool</a:t>
-            </a:r>
-            <a:r>
-              <a:rPr lang="en-GB" sz="3200" dirty="0"/>
-              <a:t> avoids the overhead of creating too many threads. </a:t>
-            </a:r>
-          </a:p>
-          <a:p>
-            <a:pPr marL="457200" indent="-457200">
-              <a:buFont typeface="Arial" panose="020B0604020202020204" pitchFamily="34" charset="0"/>
-              <a:buChar char="•"/>
-            </a:pPr>
-            <a:r>
-              <a:rPr lang="en-GB" sz="3200" dirty="0"/>
-              <a:t>Submitting too many long-running tasks to the thread pool is bad however, as it can get full and later work that it submitted can end up waiting a long time for earlier submitted tasks to finish. </a:t>
-            </a:r>
-          </a:p>
-          <a:p>
-            <a:pPr marL="457200" indent="-457200">
-              <a:buFont typeface="Arial" panose="020B0604020202020204" pitchFamily="34" charset="0"/>
-              <a:buChar char="•"/>
-            </a:pPr>
-            <a:r>
-              <a:rPr lang="en-GB" sz="3200" dirty="0"/>
-              <a:t>It’s therefore best used for short operations when the caller does not need the result. </a:t>
+              <a:rPr lang="en-GB" sz="3200" b="1" dirty="0"/>
+              <a:t>In C#, synchronous operations look like this:</a:t>
             </a:r>
           </a:p>
         </p:txBody>
@@ -12122,7 +12180,7 @@
     </p:spTree>
     <p:extLst>
       <p:ext uri="{BB962C8B-B14F-4D97-AF65-F5344CB8AC3E}">
-        <p14:creationId xmlns:p14="http://schemas.microsoft.com/office/powerpoint/2010/main" val="3951006242"/>
+        <p14:creationId xmlns:p14="http://schemas.microsoft.com/office/powerpoint/2010/main" val="220451678"/>
       </p:ext>
     </p:extLst>
   </p:cSld>
@@ -12135,14 +12193,6 @@
 <file path=ppt/slides/slide40.xml><?xml version="1.0" encoding="utf-8"?>
 <p:sld xmlns:a="http://schemas.openxmlformats.org/drawingml/2006/main" xmlns:r="http://schemas.openxmlformats.org/officeDocument/2006/relationships" xmlns:p="http://schemas.openxmlformats.org/presentationml/2006/main">
   <p:cSld>
-    <p:bg>
-      <p:bgPr>
-        <a:solidFill>
-          <a:srgbClr val="1E1E1E"/>
-        </a:solidFill>
-        <a:effectLst/>
-      </p:bgPr>
-    </p:bg>
     <p:spTree>
       <p:nvGrpSpPr>
         <p:cNvPr id="1" name=""/>
@@ -12159,223 +12209,35 @@
       </p:grpSpPr>
       <p:sp>
         <p:nvSpPr>
-          <p:cNvPr id="6" name="TextBox 5">
-            <a:extLst>
-              <a:ext uri="{FF2B5EF4-FFF2-40B4-BE49-F238E27FC236}">
-                <a16:creationId xmlns:a16="http://schemas.microsoft.com/office/drawing/2014/main" id="{2CDFC944-8A12-42CA-B4D7-7CEF50C368ED}"/>
-              </a:ext>
-            </a:extLst>
-          </p:cNvPr>
-          <p:cNvSpPr txBox="1"/>
-          <p:nvPr/>
+          <p:cNvPr id="2" name="Title 1">
+            <a:extLst>
+              <a:ext uri="{FF2B5EF4-FFF2-40B4-BE49-F238E27FC236}">
+                <a16:creationId xmlns:a16="http://schemas.microsoft.com/office/drawing/2014/main" id="{267862F2-D4D4-4F5B-B69F-65226C837768}"/>
+              </a:ext>
+            </a:extLst>
+          </p:cNvPr>
+          <p:cNvSpPr>
+            <a:spLocks noGrp="1"/>
+          </p:cNvSpPr>
+          <p:nvPr>
+            <p:ph type="ctrTitle"/>
+          </p:nvPr>
         </p:nvSpPr>
         <p:spPr>
           <a:xfrm>
-            <a:off x="624957" y="242596"/>
-            <a:ext cx="11364880" cy="369332"/>
+            <a:off x="1524000" y="1122363"/>
+            <a:ext cx="9144000" cy="1991898"/>
           </a:xfrm>
-          <a:prstGeom prst="rect">
-            <a:avLst/>
-          </a:prstGeom>
-          <a:noFill/>
         </p:spPr>
         <p:txBody>
-          <a:bodyPr wrap="square" rtlCol="0">
-            <a:spAutoFit/>
+          <a:bodyPr>
+            <a:normAutofit/>
           </a:bodyPr>
           <a:lstStyle/>
           <a:p>
             <a:r>
-              <a:rPr lang="en-GB" dirty="0">
-                <a:solidFill>
-                  <a:schemeClr val="bg1"/>
-                </a:solidFill>
-              </a:rPr>
-              <a:t>Question A </a:t>
-            </a:r>
-          </a:p>
-        </p:txBody>
-      </p:sp>
-      <p:pic>
-        <p:nvPicPr>
-          <p:cNvPr id="2" name="Picture 1">
-            <a:extLst>
-              <a:ext uri="{FF2B5EF4-FFF2-40B4-BE49-F238E27FC236}">
-                <a16:creationId xmlns:a16="http://schemas.microsoft.com/office/drawing/2014/main" id="{397E2F67-D1D2-4E88-93D5-7D621957D25C}"/>
-              </a:ext>
-            </a:extLst>
-          </p:cNvPr>
-          <p:cNvPicPr>
-            <a:picLocks noChangeAspect="1"/>
-          </p:cNvPicPr>
-          <p:nvPr/>
-        </p:nvPicPr>
-        <p:blipFill>
-          <a:blip r:embed="rId2"/>
-          <a:stretch>
-            <a:fillRect/>
-          </a:stretch>
-        </p:blipFill>
-        <p:spPr>
-          <a:xfrm>
-            <a:off x="187635" y="1138648"/>
-            <a:ext cx="7127565" cy="4552685"/>
-          </a:xfrm>
-          <a:prstGeom prst="rect">
-            <a:avLst/>
-          </a:prstGeom>
-        </p:spPr>
-      </p:pic>
-      <p:sp>
-        <p:nvSpPr>
-          <p:cNvPr id="11" name="TextBox 10">
-            <a:extLst>
-              <a:ext uri="{FF2B5EF4-FFF2-40B4-BE49-F238E27FC236}">
-                <a16:creationId xmlns:a16="http://schemas.microsoft.com/office/drawing/2014/main" id="{8CFFC453-63D5-4985-9376-BE7589A7509A}"/>
-              </a:ext>
-            </a:extLst>
-          </p:cNvPr>
-          <p:cNvSpPr txBox="1"/>
-          <p:nvPr/>
-        </p:nvSpPr>
-        <p:spPr>
-          <a:xfrm>
-            <a:off x="7594559" y="1134296"/>
-            <a:ext cx="4395277" cy="3693319"/>
-          </a:xfrm>
-          <a:prstGeom prst="rect">
-            <a:avLst/>
-          </a:prstGeom>
-          <a:noFill/>
-        </p:spPr>
-        <p:txBody>
-          <a:bodyPr wrap="square" rtlCol="0">
-            <a:spAutoFit/>
-          </a:bodyPr>
-          <a:lstStyle/>
-          <a:p>
-            <a:r>
-              <a:rPr lang="en-GB" dirty="0">
-                <a:solidFill>
-                  <a:schemeClr val="bg1"/>
-                </a:solidFill>
-              </a:rPr>
-              <a:t>What will be the output of this method?</a:t>
-            </a:r>
-          </a:p>
-          <a:p>
-            <a:endParaRPr lang="en-GB" dirty="0">
-              <a:solidFill>
-                <a:schemeClr val="bg1"/>
-              </a:solidFill>
-            </a:endParaRPr>
-          </a:p>
-          <a:p>
-            <a:pPr marL="342900" indent="-342900">
-              <a:buFont typeface="+mj-lt"/>
-              <a:buAutoNum type="alphaUcPeriod"/>
-            </a:pPr>
-            <a:r>
-              <a:rPr lang="en-GB" dirty="0" err="1">
-                <a:solidFill>
-                  <a:schemeClr val="bg1"/>
-                </a:solidFill>
-              </a:rPr>
-              <a:t>AggregateException</a:t>
-            </a:r>
-            <a:br>
-              <a:rPr lang="en-GB" dirty="0">
-                <a:solidFill>
-                  <a:schemeClr val="bg1"/>
-                </a:solidFill>
-              </a:rPr>
-            </a:br>
-            <a:r>
-              <a:rPr lang="en-GB" dirty="0">
-                <a:solidFill>
-                  <a:schemeClr val="bg1"/>
-                </a:solidFill>
-              </a:rPr>
-              <a:t>One or more errors occurred. (This is a test exception)</a:t>
-            </a:r>
-            <a:br>
-              <a:rPr lang="en-GB" dirty="0">
-                <a:solidFill>
-                  <a:schemeClr val="bg1"/>
-                </a:solidFill>
-              </a:rPr>
-            </a:br>
-            <a:endParaRPr lang="en-GB" dirty="0">
-              <a:solidFill>
-                <a:schemeClr val="bg1"/>
-              </a:solidFill>
-            </a:endParaRPr>
-          </a:p>
-          <a:p>
-            <a:pPr marL="342900" indent="-342900">
-              <a:buFont typeface="+mj-lt"/>
-              <a:buAutoNum type="alphaUcPeriod"/>
-            </a:pPr>
-            <a:r>
-              <a:rPr lang="en-GB" dirty="0">
-                <a:solidFill>
-                  <a:schemeClr val="bg1"/>
-                </a:solidFill>
-              </a:rPr>
-              <a:t>Exception</a:t>
-            </a:r>
-          </a:p>
-          <a:p>
-            <a:r>
-              <a:rPr lang="en-GB" dirty="0">
-                <a:solidFill>
-                  <a:schemeClr val="bg1"/>
-                </a:solidFill>
-              </a:rPr>
-              <a:t>       This is a test exception</a:t>
-            </a:r>
-          </a:p>
-          <a:p>
-            <a:endParaRPr lang="en-GB" dirty="0">
-              <a:solidFill>
-                <a:schemeClr val="bg1"/>
-              </a:solidFill>
-            </a:endParaRPr>
-          </a:p>
-          <a:p>
-            <a:pPr marL="342900" indent="-342900">
-              <a:buAutoNum type="alphaUcPeriod" startAt="3"/>
-            </a:pPr>
-            <a:r>
-              <a:rPr lang="en-GB" dirty="0">
-                <a:solidFill>
-                  <a:schemeClr val="bg1"/>
-                </a:solidFill>
-              </a:rPr>
-              <a:t>An uncaught exception is thrown and can     be caught in the calling method</a:t>
-            </a:r>
-          </a:p>
-          <a:p>
-            <a:pPr marL="342900" indent="-342900">
-              <a:buAutoNum type="alphaUcPeriod" startAt="3"/>
-            </a:pPr>
-            <a:endParaRPr lang="en-GB" dirty="0">
-              <a:solidFill>
-                <a:schemeClr val="bg1"/>
-              </a:solidFill>
-            </a:endParaRPr>
-          </a:p>
-          <a:p>
-            <a:pPr marL="342900" indent="-342900">
-              <a:buAutoNum type="alphaUcPeriod" startAt="3"/>
-            </a:pPr>
-            <a:r>
-              <a:rPr lang="en-GB" dirty="0">
-                <a:solidFill>
-                  <a:schemeClr val="bg1"/>
-                </a:solidFill>
-              </a:rPr>
-              <a:t>None of the above.</a:t>
+              <a:rPr lang="en-GB" dirty="0"/>
+              <a:t>What happens when something goes wrong?</a:t>
             </a:r>
           </a:p>
         </p:txBody>
@@ -12383,7 +12245,7 @@
     </p:spTree>
     <p:extLst>
       <p:ext uri="{BB962C8B-B14F-4D97-AF65-F5344CB8AC3E}">
-        <p14:creationId xmlns:p14="http://schemas.microsoft.com/office/powerpoint/2010/main" val="2687364993"/>
+        <p14:creationId xmlns:p14="http://schemas.microsoft.com/office/powerpoint/2010/main" val="3154203515"/>
       </p:ext>
     </p:extLst>
   </p:cSld>
@@ -12433,7 +12295,7 @@
         <p:spPr>
           <a:xfrm>
             <a:off x="624957" y="242596"/>
-            <a:ext cx="11364880" cy="369332"/>
+            <a:ext cx="11364880" cy="400110"/>
           </a:xfrm>
           <a:prstGeom prst="rect">
             <a:avLst/>
@@ -12447,22 +12309,22 @@
           <a:lstStyle/>
           <a:p>
             <a:r>
-              <a:rPr lang="en-GB" dirty="0">
+              <a:rPr lang="en-GB" sz="2000" dirty="0">
                 <a:solidFill>
                   <a:schemeClr val="bg1"/>
                 </a:solidFill>
               </a:rPr>
-              <a:t>Question A </a:t>
+              <a:t>Given the following methods…</a:t>
             </a:r>
           </a:p>
         </p:txBody>
       </p:sp>
       <p:pic>
         <p:nvPicPr>
-          <p:cNvPr id="2" name="Picture 1">
-            <a:extLst>
-              <a:ext uri="{FF2B5EF4-FFF2-40B4-BE49-F238E27FC236}">
-                <a16:creationId xmlns:a16="http://schemas.microsoft.com/office/drawing/2014/main" id="{397E2F67-D1D2-4E88-93D5-7D621957D25C}"/>
+          <p:cNvPr id="3" name="Picture 2">
+            <a:extLst>
+              <a:ext uri="{FF2B5EF4-FFF2-40B4-BE49-F238E27FC236}">
+                <a16:creationId xmlns:a16="http://schemas.microsoft.com/office/drawing/2014/main" id="{3BA789B0-4DD2-416F-AC4F-1CB1017DBB57}"/>
               </a:ext>
             </a:extLst>
           </p:cNvPr>
@@ -12479,8 +12341,8 @@
         </p:blipFill>
         <p:spPr>
           <a:xfrm>
-            <a:off x="187635" y="1138648"/>
-            <a:ext cx="7127565" cy="4552685"/>
+            <a:off x="804093" y="1066593"/>
+            <a:ext cx="10025626" cy="4141511"/>
           </a:xfrm>
           <a:prstGeom prst="rect">
             <a:avLst/>
@@ -12489,10 +12351,10 @@
       </p:pic>
       <p:sp>
         <p:nvSpPr>
-          <p:cNvPr id="11" name="TextBox 10">
-            <a:extLst>
-              <a:ext uri="{FF2B5EF4-FFF2-40B4-BE49-F238E27FC236}">
-                <a16:creationId xmlns:a16="http://schemas.microsoft.com/office/drawing/2014/main" id="{8CFFC453-63D5-4985-9376-BE7589A7509A}"/>
+          <p:cNvPr id="7" name="TextBox 6">
+            <a:extLst>
+              <a:ext uri="{FF2B5EF4-FFF2-40B4-BE49-F238E27FC236}">
+                <a16:creationId xmlns:a16="http://schemas.microsoft.com/office/drawing/2014/main" id="{9D387ED8-A447-4926-8788-33094ACC87BC}"/>
               </a:ext>
             </a:extLst>
           </p:cNvPr>
@@ -12501,8 +12363,8 @@
         </p:nvSpPr>
         <p:spPr>
           <a:xfrm>
-            <a:off x="7594559" y="1134296"/>
-            <a:ext cx="4395277" cy="1477328"/>
+            <a:off x="624957" y="5431936"/>
+            <a:ext cx="11364880" cy="1015663"/>
           </a:xfrm>
           <a:prstGeom prst="rect">
             <a:avLst/>
@@ -12516,48 +12378,29 @@
           <a:lstStyle/>
           <a:p>
             <a:r>
-              <a:rPr lang="en-GB" dirty="0">
+              <a:rPr lang="en-GB" sz="2000" dirty="0">
                 <a:solidFill>
                   <a:schemeClr val="bg1"/>
                 </a:solidFill>
               </a:rPr>
-              <a:t>The answer is</a:t>
-            </a:r>
-          </a:p>
-          <a:p>
-            <a:endParaRPr lang="en-GB" dirty="0">
+              <a:t>Operation1Async just awaits a task which throws an exception.</a:t>
+            </a:r>
+          </a:p>
+          <a:p>
+            <a:endParaRPr lang="en-GB" sz="2000" dirty="0">
               <a:solidFill>
                 <a:schemeClr val="bg1"/>
               </a:solidFill>
             </a:endParaRPr>
           </a:p>
           <a:p>
-            <a:pPr marL="342900" indent="-342900">
-              <a:buFont typeface="+mj-lt"/>
-              <a:buAutoNum type="alphaUcPeriod"/>
-            </a:pPr>
-            <a:r>
-              <a:rPr lang="en-GB" dirty="0" err="1">
+            <a:r>
+              <a:rPr lang="en-GB" sz="2000" dirty="0">
                 <a:solidFill>
                   <a:schemeClr val="bg1"/>
                 </a:solidFill>
               </a:rPr>
-              <a:t>AggregateException</a:t>
-            </a:r>
-            <a:br>
-              <a:rPr lang="en-GB" dirty="0">
-                <a:solidFill>
-                  <a:schemeClr val="bg1"/>
-                </a:solidFill>
-              </a:rPr>
-            </a:br>
-            <a:r>
-              <a:rPr lang="en-GB" dirty="0">
-                <a:solidFill>
-                  <a:schemeClr val="bg1"/>
-                </a:solidFill>
-              </a:rPr>
-              <a:t>One or more errors occurred. (This is a test exception)</a:t>
+              <a:t>There is more than way of executing Operation1Async and each way might have different behaviours. </a:t>
             </a:r>
           </a:p>
         </p:txBody>
@@ -12565,7 +12408,7 @@
     </p:spTree>
     <p:extLst>
       <p:ext uri="{BB962C8B-B14F-4D97-AF65-F5344CB8AC3E}">
-        <p14:creationId xmlns:p14="http://schemas.microsoft.com/office/powerpoint/2010/main" val="2696141286"/>
+        <p14:creationId xmlns:p14="http://schemas.microsoft.com/office/powerpoint/2010/main" val="1728531898"/>
       </p:ext>
     </p:extLst>
   </p:cSld>
@@ -12634,11 +12477,41 @@
                   <a:schemeClr val="bg1"/>
                 </a:solidFill>
               </a:rPr>
-              <a:t>Question B </a:t>
+              <a:t>Question A </a:t>
             </a:r>
           </a:p>
         </p:txBody>
       </p:sp>
+      <p:pic>
+        <p:nvPicPr>
+          <p:cNvPr id="2" name="Picture 1">
+            <a:extLst>
+              <a:ext uri="{FF2B5EF4-FFF2-40B4-BE49-F238E27FC236}">
+                <a16:creationId xmlns:a16="http://schemas.microsoft.com/office/drawing/2014/main" id="{397E2F67-D1D2-4E88-93D5-7D621957D25C}"/>
+              </a:ext>
+            </a:extLst>
+          </p:cNvPr>
+          <p:cNvPicPr>
+            <a:picLocks noChangeAspect="1"/>
+          </p:cNvPicPr>
+          <p:nvPr/>
+        </p:nvPicPr>
+        <p:blipFill>
+          <a:blip r:embed="rId2"/>
+          <a:stretch>
+            <a:fillRect/>
+          </a:stretch>
+        </p:blipFill>
+        <p:spPr>
+          <a:xfrm>
+            <a:off x="187635" y="1138648"/>
+            <a:ext cx="7127565" cy="4552685"/>
+          </a:xfrm>
+          <a:prstGeom prst="rect">
+            <a:avLst/>
+          </a:prstGeom>
+        </p:spPr>
+      </p:pic>
       <p:sp>
         <p:nvSpPr>
           <p:cNvPr id="11" name="TextBox 10">
@@ -12793,40 +12666,10 @@
           </a:p>
         </p:txBody>
       </p:sp>
-      <p:pic>
-        <p:nvPicPr>
-          <p:cNvPr id="3" name="Picture 2">
-            <a:extLst>
-              <a:ext uri="{FF2B5EF4-FFF2-40B4-BE49-F238E27FC236}">
-                <a16:creationId xmlns:a16="http://schemas.microsoft.com/office/drawing/2014/main" id="{432803C7-99F7-43EC-8962-4A640D9CB98B}"/>
-              </a:ext>
-            </a:extLst>
-          </p:cNvPr>
-          <p:cNvPicPr>
-            <a:picLocks noChangeAspect="1"/>
-          </p:cNvPicPr>
-          <p:nvPr/>
-        </p:nvPicPr>
-        <p:blipFill>
-          <a:blip r:embed="rId2"/>
-          <a:stretch>
-            <a:fillRect/>
-          </a:stretch>
-        </p:blipFill>
-        <p:spPr>
-          <a:xfrm>
-            <a:off x="318052" y="856001"/>
-            <a:ext cx="7276507" cy="5730720"/>
-          </a:xfrm>
-          <a:prstGeom prst="rect">
-            <a:avLst/>
-          </a:prstGeom>
-        </p:spPr>
-      </p:pic>
     </p:spTree>
     <p:extLst>
       <p:ext uri="{BB962C8B-B14F-4D97-AF65-F5344CB8AC3E}">
-        <p14:creationId xmlns:p14="http://schemas.microsoft.com/office/powerpoint/2010/main" val="3499656894"/>
+        <p14:creationId xmlns:p14="http://schemas.microsoft.com/office/powerpoint/2010/main" val="2687364993"/>
       </p:ext>
     </p:extLst>
   </p:cSld>
@@ -12895,11 +12738,41 @@
                   <a:schemeClr val="bg1"/>
                 </a:solidFill>
               </a:rPr>
-              <a:t>Question B </a:t>
+              <a:t>Question A </a:t>
             </a:r>
           </a:p>
         </p:txBody>
       </p:sp>
+      <p:pic>
+        <p:nvPicPr>
+          <p:cNvPr id="2" name="Picture 1">
+            <a:extLst>
+              <a:ext uri="{FF2B5EF4-FFF2-40B4-BE49-F238E27FC236}">
+                <a16:creationId xmlns:a16="http://schemas.microsoft.com/office/drawing/2014/main" id="{397E2F67-D1D2-4E88-93D5-7D621957D25C}"/>
+              </a:ext>
+            </a:extLst>
+          </p:cNvPr>
+          <p:cNvPicPr>
+            <a:picLocks noChangeAspect="1"/>
+          </p:cNvPicPr>
+          <p:nvPr/>
+        </p:nvPicPr>
+        <p:blipFill>
+          <a:blip r:embed="rId2"/>
+          <a:stretch>
+            <a:fillRect/>
+          </a:stretch>
+        </p:blipFill>
+        <p:spPr>
+          <a:xfrm>
+            <a:off x="187635" y="1138648"/>
+            <a:ext cx="7127565" cy="4552685"/>
+          </a:xfrm>
+          <a:prstGeom prst="rect">
+            <a:avLst/>
+          </a:prstGeom>
+        </p:spPr>
+      </p:pic>
       <p:sp>
         <p:nvSpPr>
           <p:cNvPr id="11" name="TextBox 10">
@@ -12975,40 +12848,10 @@
           </a:p>
         </p:txBody>
       </p:sp>
-      <p:pic>
-        <p:nvPicPr>
-          <p:cNvPr id="3" name="Picture 2">
-            <a:extLst>
-              <a:ext uri="{FF2B5EF4-FFF2-40B4-BE49-F238E27FC236}">
-                <a16:creationId xmlns:a16="http://schemas.microsoft.com/office/drawing/2014/main" id="{432803C7-99F7-43EC-8962-4A640D9CB98B}"/>
-              </a:ext>
-            </a:extLst>
-          </p:cNvPr>
-          <p:cNvPicPr>
-            <a:picLocks noChangeAspect="1"/>
-          </p:cNvPicPr>
-          <p:nvPr/>
-        </p:nvPicPr>
-        <p:blipFill>
-          <a:blip r:embed="rId2"/>
-          <a:stretch>
-            <a:fillRect/>
-          </a:stretch>
-        </p:blipFill>
-        <p:spPr>
-          <a:xfrm>
-            <a:off x="318052" y="856001"/>
-            <a:ext cx="7276507" cy="5730720"/>
-          </a:xfrm>
-          <a:prstGeom prst="rect">
-            <a:avLst/>
-          </a:prstGeom>
-        </p:spPr>
-      </p:pic>
     </p:spTree>
     <p:extLst>
       <p:ext uri="{BB962C8B-B14F-4D97-AF65-F5344CB8AC3E}">
-        <p14:creationId xmlns:p14="http://schemas.microsoft.com/office/powerpoint/2010/main" val="3404830297"/>
+        <p14:creationId xmlns:p14="http://schemas.microsoft.com/office/powerpoint/2010/main" val="2696141286"/>
       </p:ext>
     </p:extLst>
   </p:cSld>
@@ -13077,47 +12920,17 @@
                   <a:schemeClr val="bg1"/>
                 </a:solidFill>
               </a:rPr>
-              <a:t>Question C </a:t>
+              <a:t>Question B </a:t>
             </a:r>
           </a:p>
         </p:txBody>
       </p:sp>
-      <p:pic>
-        <p:nvPicPr>
-          <p:cNvPr id="2" name="Picture 1">
-            <a:extLst>
-              <a:ext uri="{FF2B5EF4-FFF2-40B4-BE49-F238E27FC236}">
-                <a16:creationId xmlns:a16="http://schemas.microsoft.com/office/drawing/2014/main" id="{0BD97387-E99A-4C89-B42D-BC08349EDEC6}"/>
-              </a:ext>
-            </a:extLst>
-          </p:cNvPr>
-          <p:cNvPicPr>
-            <a:picLocks noChangeAspect="1"/>
-          </p:cNvPicPr>
-          <p:nvPr/>
-        </p:nvPicPr>
-        <p:blipFill>
-          <a:blip r:embed="rId2"/>
-          <a:stretch>
-            <a:fillRect/>
-          </a:stretch>
-        </p:blipFill>
-        <p:spPr>
-          <a:xfrm>
-            <a:off x="182759" y="1134296"/>
-            <a:ext cx="7458242" cy="4137792"/>
-          </a:xfrm>
-          <a:prstGeom prst="rect">
-            <a:avLst/>
-          </a:prstGeom>
-        </p:spPr>
-      </p:pic>
       <p:sp>
         <p:nvSpPr>
-          <p:cNvPr id="7" name="TextBox 6">
-            <a:extLst>
-              <a:ext uri="{FF2B5EF4-FFF2-40B4-BE49-F238E27FC236}">
-                <a16:creationId xmlns:a16="http://schemas.microsoft.com/office/drawing/2014/main" id="{03A1D1DE-A63C-4D8F-ADAD-04407E8AFDBC}"/>
+          <p:cNvPr id="11" name="TextBox 10">
+            <a:extLst>
+              <a:ext uri="{FF2B5EF4-FFF2-40B4-BE49-F238E27FC236}">
+                <a16:creationId xmlns:a16="http://schemas.microsoft.com/office/drawing/2014/main" id="{8CFFC453-63D5-4985-9376-BE7589A7509A}"/>
               </a:ext>
             </a:extLst>
           </p:cNvPr>
@@ -13266,10 +13079,40 @@
           </a:p>
         </p:txBody>
       </p:sp>
+      <p:pic>
+        <p:nvPicPr>
+          <p:cNvPr id="3" name="Picture 2">
+            <a:extLst>
+              <a:ext uri="{FF2B5EF4-FFF2-40B4-BE49-F238E27FC236}">
+                <a16:creationId xmlns:a16="http://schemas.microsoft.com/office/drawing/2014/main" id="{432803C7-99F7-43EC-8962-4A640D9CB98B}"/>
+              </a:ext>
+            </a:extLst>
+          </p:cNvPr>
+          <p:cNvPicPr>
+            <a:picLocks noChangeAspect="1"/>
+          </p:cNvPicPr>
+          <p:nvPr/>
+        </p:nvPicPr>
+        <p:blipFill>
+          <a:blip r:embed="rId2"/>
+          <a:stretch>
+            <a:fillRect/>
+          </a:stretch>
+        </p:blipFill>
+        <p:spPr>
+          <a:xfrm>
+            <a:off x="318052" y="856001"/>
+            <a:ext cx="7276507" cy="5730720"/>
+          </a:xfrm>
+          <a:prstGeom prst="rect">
+            <a:avLst/>
+          </a:prstGeom>
+        </p:spPr>
+      </p:pic>
     </p:spTree>
     <p:extLst>
       <p:ext uri="{BB962C8B-B14F-4D97-AF65-F5344CB8AC3E}">
-        <p14:creationId xmlns:p14="http://schemas.microsoft.com/office/powerpoint/2010/main" val="1418100917"/>
+        <p14:creationId xmlns:p14="http://schemas.microsoft.com/office/powerpoint/2010/main" val="3499656894"/>
       </p:ext>
     </p:extLst>
   </p:cSld>
@@ -13338,7 +13181,7 @@
                   <a:schemeClr val="bg1"/>
                 </a:solidFill>
               </a:rPr>
-              <a:t>Question C </a:t>
+              <a:t>Question B </a:t>
             </a:r>
           </a:p>
         </p:txBody>
@@ -13358,7 +13201,7 @@
         <p:spPr>
           <a:xfrm>
             <a:off x="7594559" y="1134296"/>
-            <a:ext cx="4395277" cy="1200329"/>
+            <a:ext cx="4395277" cy="1477328"/>
           </a:xfrm>
           <a:prstGeom prst="rect">
             <a:avLst/>
@@ -13377,7 +13220,7 @@
                   <a:schemeClr val="bg1"/>
                 </a:solidFill>
               </a:rPr>
-              <a:t>The answer is </a:t>
+              <a:t>The answer is</a:t>
             </a:r>
           </a:p>
           <a:p>
@@ -13388,33 +13231,42 @@
             </a:endParaRPr>
           </a:p>
           <a:p>
-            <a:r>
+            <a:pPr marL="342900" indent="-342900">
+              <a:buFont typeface="+mj-lt"/>
+              <a:buAutoNum type="alphaUcPeriod"/>
+            </a:pPr>
+            <a:r>
+              <a:rPr lang="en-GB" dirty="0" err="1">
+                <a:solidFill>
+                  <a:schemeClr val="bg1"/>
+                </a:solidFill>
+              </a:rPr>
+              <a:t>AggregateException</a:t>
+            </a:r>
+            <a:br>
               <a:rPr lang="en-GB" dirty="0">
                 <a:solidFill>
                   <a:schemeClr val="bg1"/>
                 </a:solidFill>
               </a:rPr>
-              <a:t>B.    Exception</a:t>
-            </a:r>
-          </a:p>
-          <a:p>
+            </a:br>
             <a:r>
               <a:rPr lang="en-GB" dirty="0">
                 <a:solidFill>
                   <a:schemeClr val="bg1"/>
                 </a:solidFill>
               </a:rPr>
-              <a:t>       This is a test exception</a:t>
+              <a:t>One or more errors occurred. (This is a test exception)</a:t>
             </a:r>
           </a:p>
         </p:txBody>
       </p:sp>
       <p:pic>
         <p:nvPicPr>
-          <p:cNvPr id="2" name="Picture 1">
-            <a:extLst>
-              <a:ext uri="{FF2B5EF4-FFF2-40B4-BE49-F238E27FC236}">
-                <a16:creationId xmlns:a16="http://schemas.microsoft.com/office/drawing/2014/main" id="{0BD97387-E99A-4C89-B42D-BC08349EDEC6}"/>
+          <p:cNvPr id="3" name="Picture 2">
+            <a:extLst>
+              <a:ext uri="{FF2B5EF4-FFF2-40B4-BE49-F238E27FC236}">
+                <a16:creationId xmlns:a16="http://schemas.microsoft.com/office/drawing/2014/main" id="{432803C7-99F7-43EC-8962-4A640D9CB98B}"/>
               </a:ext>
             </a:extLst>
           </p:cNvPr>
@@ -13431,8 +13283,8 @@
         </p:blipFill>
         <p:spPr>
           <a:xfrm>
-            <a:off x="182759" y="1134296"/>
-            <a:ext cx="7458242" cy="4137792"/>
+            <a:off x="318052" y="856001"/>
+            <a:ext cx="7276507" cy="5730720"/>
           </a:xfrm>
           <a:prstGeom prst="rect">
             <a:avLst/>
@@ -13442,7 +13294,7 @@
     </p:spTree>
     <p:extLst>
       <p:ext uri="{BB962C8B-B14F-4D97-AF65-F5344CB8AC3E}">
-        <p14:creationId xmlns:p14="http://schemas.microsoft.com/office/powerpoint/2010/main" val="1175724501"/>
+        <p14:creationId xmlns:p14="http://schemas.microsoft.com/office/powerpoint/2010/main" val="3404830297"/>
       </p:ext>
     </p:extLst>
   </p:cSld>
@@ -13511,17 +13363,17 @@
                   <a:schemeClr val="bg1"/>
                 </a:solidFill>
               </a:rPr>
-              <a:t>Question D </a:t>
+              <a:t>Question C </a:t>
             </a:r>
           </a:p>
         </p:txBody>
       </p:sp>
       <p:pic>
         <p:nvPicPr>
-          <p:cNvPr id="3" name="Picture 2">
-            <a:extLst>
-              <a:ext uri="{FF2B5EF4-FFF2-40B4-BE49-F238E27FC236}">
-                <a16:creationId xmlns:a16="http://schemas.microsoft.com/office/drawing/2014/main" id="{023A3C97-5944-49CC-9172-ACD496B4F256}"/>
+          <p:cNvPr id="2" name="Picture 1">
+            <a:extLst>
+              <a:ext uri="{FF2B5EF4-FFF2-40B4-BE49-F238E27FC236}">
+                <a16:creationId xmlns:a16="http://schemas.microsoft.com/office/drawing/2014/main" id="{0BD97387-E99A-4C89-B42D-BC08349EDEC6}"/>
               </a:ext>
             </a:extLst>
           </p:cNvPr>
@@ -13538,8 +13390,8 @@
         </p:blipFill>
         <p:spPr>
           <a:xfrm>
-            <a:off x="148167" y="1134296"/>
-            <a:ext cx="7567083" cy="4637890"/>
+            <a:off x="182759" y="1134296"/>
+            <a:ext cx="7458242" cy="4137792"/>
           </a:xfrm>
           <a:prstGeom prst="rect">
             <a:avLst/>
@@ -13548,10 +13400,10 @@
       </p:pic>
       <p:sp>
         <p:nvSpPr>
-          <p:cNvPr id="11" name="TextBox 10">
-            <a:extLst>
-              <a:ext uri="{FF2B5EF4-FFF2-40B4-BE49-F238E27FC236}">
-                <a16:creationId xmlns:a16="http://schemas.microsoft.com/office/drawing/2014/main" id="{8CFFC453-63D5-4985-9376-BE7589A7509A}"/>
+          <p:cNvPr id="7" name="TextBox 6">
+            <a:extLst>
+              <a:ext uri="{FF2B5EF4-FFF2-40B4-BE49-F238E27FC236}">
+                <a16:creationId xmlns:a16="http://schemas.microsoft.com/office/drawing/2014/main" id="{03A1D1DE-A63C-4D8F-ADAD-04407E8AFDBC}"/>
               </a:ext>
             </a:extLst>
           </p:cNvPr>
@@ -13703,7 +13555,7 @@
     </p:spTree>
     <p:extLst>
       <p:ext uri="{BB962C8B-B14F-4D97-AF65-F5344CB8AC3E}">
-        <p14:creationId xmlns:p14="http://schemas.microsoft.com/office/powerpoint/2010/main" val="3125393616"/>
+        <p14:creationId xmlns:p14="http://schemas.microsoft.com/office/powerpoint/2010/main" val="1418100917"/>
       </p:ext>
     </p:extLst>
   </p:cSld>
@@ -13772,41 +13624,11 @@
                   <a:schemeClr val="bg1"/>
                 </a:solidFill>
               </a:rPr>
-              <a:t>Question D </a:t>
+              <a:t>Question C </a:t>
             </a:r>
           </a:p>
         </p:txBody>
       </p:sp>
-      <p:pic>
-        <p:nvPicPr>
-          <p:cNvPr id="3" name="Picture 2">
-            <a:extLst>
-              <a:ext uri="{FF2B5EF4-FFF2-40B4-BE49-F238E27FC236}">
-                <a16:creationId xmlns:a16="http://schemas.microsoft.com/office/drawing/2014/main" id="{023A3C97-5944-49CC-9172-ACD496B4F256}"/>
-              </a:ext>
-            </a:extLst>
-          </p:cNvPr>
-          <p:cNvPicPr>
-            <a:picLocks noChangeAspect="1"/>
-          </p:cNvPicPr>
-          <p:nvPr/>
-        </p:nvPicPr>
-        <p:blipFill>
-          <a:blip r:embed="rId2"/>
-          <a:stretch>
-            <a:fillRect/>
-          </a:stretch>
-        </p:blipFill>
-        <p:spPr>
-          <a:xfrm>
-            <a:off x="148167" y="1134296"/>
-            <a:ext cx="7681383" cy="4707945"/>
-          </a:xfrm>
-          <a:prstGeom prst="rect">
-            <a:avLst/>
-          </a:prstGeom>
-        </p:spPr>
-      </p:pic>
       <p:sp>
         <p:nvSpPr>
           <p:cNvPr id="11" name="TextBox 10">
@@ -13841,7 +13663,7 @@
                   <a:schemeClr val="bg1"/>
                 </a:solidFill>
               </a:rPr>
-              <a:t>The answer is</a:t>
+              <a:t>The answer is </a:t>
             </a:r>
           </a:p>
           <a:p>
@@ -13873,10 +13695,40 @@
           </a:p>
         </p:txBody>
       </p:sp>
+      <p:pic>
+        <p:nvPicPr>
+          <p:cNvPr id="2" name="Picture 1">
+            <a:extLst>
+              <a:ext uri="{FF2B5EF4-FFF2-40B4-BE49-F238E27FC236}">
+                <a16:creationId xmlns:a16="http://schemas.microsoft.com/office/drawing/2014/main" id="{0BD97387-E99A-4C89-B42D-BC08349EDEC6}"/>
+              </a:ext>
+            </a:extLst>
+          </p:cNvPr>
+          <p:cNvPicPr>
+            <a:picLocks noChangeAspect="1"/>
+          </p:cNvPicPr>
+          <p:nvPr/>
+        </p:nvPicPr>
+        <p:blipFill>
+          <a:blip r:embed="rId2"/>
+          <a:stretch>
+            <a:fillRect/>
+          </a:stretch>
+        </p:blipFill>
+        <p:spPr>
+          <a:xfrm>
+            <a:off x="182759" y="1134296"/>
+            <a:ext cx="7458242" cy="4137792"/>
+          </a:xfrm>
+          <a:prstGeom prst="rect">
+            <a:avLst/>
+          </a:prstGeom>
+        </p:spPr>
+      </p:pic>
     </p:spTree>
     <p:extLst>
       <p:ext uri="{BB962C8B-B14F-4D97-AF65-F5344CB8AC3E}">
-        <p14:creationId xmlns:p14="http://schemas.microsoft.com/office/powerpoint/2010/main" val="2434182149"/>
+        <p14:creationId xmlns:p14="http://schemas.microsoft.com/office/powerpoint/2010/main" val="1175724501"/>
       </p:ext>
     </p:extLst>
   </p:cSld>
@@ -13945,17 +13797,17 @@
                   <a:schemeClr val="bg1"/>
                 </a:solidFill>
               </a:rPr>
-              <a:t>Question E </a:t>
+              <a:t>Question D </a:t>
             </a:r>
           </a:p>
         </p:txBody>
       </p:sp>
       <p:pic>
         <p:nvPicPr>
-          <p:cNvPr id="2" name="Picture 1">
-            <a:extLst>
-              <a:ext uri="{FF2B5EF4-FFF2-40B4-BE49-F238E27FC236}">
-                <a16:creationId xmlns:a16="http://schemas.microsoft.com/office/drawing/2014/main" id="{90A699AA-731A-4038-9820-EAAACC5CEBE5}"/>
+          <p:cNvPr id="3" name="Picture 2">
+            <a:extLst>
+              <a:ext uri="{FF2B5EF4-FFF2-40B4-BE49-F238E27FC236}">
+                <a16:creationId xmlns:a16="http://schemas.microsoft.com/office/drawing/2014/main" id="{023A3C97-5944-49CC-9172-ACD496B4F256}"/>
               </a:ext>
             </a:extLst>
           </p:cNvPr>
@@ -13972,8 +13824,8 @@
         </p:blipFill>
         <p:spPr>
           <a:xfrm>
-            <a:off x="319584" y="1134296"/>
-            <a:ext cx="7990594" cy="4950471"/>
+            <a:off x="148167" y="1134296"/>
+            <a:ext cx="7567083" cy="4637890"/>
           </a:xfrm>
           <a:prstGeom prst="rect">
             <a:avLst/>
@@ -13994,7 +13846,7 @@
         </p:nvSpPr>
         <p:spPr>
           <a:xfrm>
-            <a:off x="7594560" y="427262"/>
+            <a:off x="7594559" y="1134296"/>
             <a:ext cx="4395277" cy="3693319"/>
           </a:xfrm>
           <a:prstGeom prst="rect">
@@ -14137,7 +13989,7 @@
     </p:spTree>
     <p:extLst>
       <p:ext uri="{BB962C8B-B14F-4D97-AF65-F5344CB8AC3E}">
-        <p14:creationId xmlns:p14="http://schemas.microsoft.com/office/powerpoint/2010/main" val="1187676409"/>
+        <p14:creationId xmlns:p14="http://schemas.microsoft.com/office/powerpoint/2010/main" val="3125393616"/>
       </p:ext>
     </p:extLst>
   </p:cSld>
@@ -14206,17 +14058,17 @@
                   <a:schemeClr val="bg1"/>
                 </a:solidFill>
               </a:rPr>
-              <a:t>Question E </a:t>
+              <a:t>Question D </a:t>
             </a:r>
           </a:p>
         </p:txBody>
       </p:sp>
       <p:pic>
         <p:nvPicPr>
-          <p:cNvPr id="2" name="Picture 1">
-            <a:extLst>
-              <a:ext uri="{FF2B5EF4-FFF2-40B4-BE49-F238E27FC236}">
-                <a16:creationId xmlns:a16="http://schemas.microsoft.com/office/drawing/2014/main" id="{90A699AA-731A-4038-9820-EAAACC5CEBE5}"/>
+          <p:cNvPr id="3" name="Picture 2">
+            <a:extLst>
+              <a:ext uri="{FF2B5EF4-FFF2-40B4-BE49-F238E27FC236}">
+                <a16:creationId xmlns:a16="http://schemas.microsoft.com/office/drawing/2014/main" id="{023A3C97-5944-49CC-9172-ACD496B4F256}"/>
               </a:ext>
             </a:extLst>
           </p:cNvPr>
@@ -14233,8 +14085,8 @@
         </p:blipFill>
         <p:spPr>
           <a:xfrm>
-            <a:off x="319584" y="1134296"/>
-            <a:ext cx="7990594" cy="4950471"/>
+            <a:off x="148167" y="1134296"/>
+            <a:ext cx="7681383" cy="4707945"/>
           </a:xfrm>
           <a:prstGeom prst="rect">
             <a:avLst/>
@@ -14255,7 +14107,7 @@
         </p:nvSpPr>
         <p:spPr>
           <a:xfrm>
-            <a:off x="7594560" y="427262"/>
+            <a:off x="7594559" y="1134296"/>
             <a:ext cx="4395277" cy="1200329"/>
           </a:xfrm>
           <a:prstGeom prst="rect">
@@ -14310,7 +14162,7 @@
     </p:spTree>
     <p:extLst>
       <p:ext uri="{BB962C8B-B14F-4D97-AF65-F5344CB8AC3E}">
-        <p14:creationId xmlns:p14="http://schemas.microsoft.com/office/powerpoint/2010/main" val="279637444"/>
+        <p14:creationId xmlns:p14="http://schemas.microsoft.com/office/powerpoint/2010/main" val="2434182149"/>
       </p:ext>
     </p:extLst>
   </p:cSld>
@@ -14352,7 +14204,7 @@
         <p:spPr>
           <a:xfrm>
             <a:off x="145775" y="132522"/>
-            <a:ext cx="11781182" cy="6001643"/>
+            <a:ext cx="11781182" cy="3539430"/>
           </a:xfrm>
           <a:prstGeom prst="rect">
             <a:avLst/>
@@ -14366,140 +14218,47 @@
           <a:lstStyle/>
           <a:p>
             <a:r>
-              <a:rPr lang="en-GB" sz="3200" b="1" dirty="0"/>
-              <a:t>Task</a:t>
-            </a:r>
-          </a:p>
-          <a:p>
-            <a:pPr marL="457200" indent="-457200">
-              <a:buFont typeface="Arial" panose="020B0604020202020204" pitchFamily="34" charset="0"/>
-              <a:buChar char="•"/>
-            </a:pPr>
-            <a:r>
-              <a:rPr lang="en-GB" sz="3200" dirty="0"/>
-              <a:t>Represents a piece of work to be completed, possibly with a result.</a:t>
-            </a:r>
-          </a:p>
-          <a:p>
-            <a:pPr marL="457200" indent="-457200">
-              <a:buFont typeface="Arial" panose="020B0604020202020204" pitchFamily="34" charset="0"/>
-              <a:buChar char="•"/>
-            </a:pPr>
-            <a:r>
-              <a:rPr lang="en-GB" sz="3200" dirty="0"/>
-              <a:t>Like the </a:t>
-            </a:r>
-            <a:r>
-              <a:rPr lang="en-GB" sz="3200" dirty="0" err="1"/>
-              <a:t>ThreadPool</a:t>
-            </a:r>
-            <a:r>
-              <a:rPr lang="en-GB" sz="3200" dirty="0"/>
-              <a:t>, a task does not create its own OS thread.</a:t>
-            </a:r>
-          </a:p>
-          <a:p>
-            <a:pPr marL="457200" indent="-457200">
-              <a:buFont typeface="Arial" panose="020B0604020202020204" pitchFamily="34" charset="0"/>
-              <a:buChar char="•"/>
-            </a:pPr>
-            <a:r>
-              <a:rPr lang="en-GB" sz="3200" dirty="0"/>
-              <a:t>Tasks are executed by a </a:t>
-            </a:r>
-            <a:r>
-              <a:rPr lang="en-GB" sz="3200" dirty="0" err="1"/>
-              <a:t>TaskScheduler</a:t>
-            </a:r>
-            <a:r>
-              <a:rPr lang="en-GB" sz="3200" dirty="0"/>
-              <a:t>. The default scheduler runs on the </a:t>
-            </a:r>
-            <a:r>
-              <a:rPr lang="en-GB" sz="3200" dirty="0" err="1"/>
-              <a:t>ThreadPool</a:t>
-            </a:r>
-            <a:r>
-              <a:rPr lang="en-GB" sz="3200" dirty="0"/>
-              <a:t>.</a:t>
-            </a:r>
-          </a:p>
-          <a:p>
-            <a:pPr marL="457200" indent="-457200">
-              <a:buFont typeface="Arial" panose="020B0604020202020204" pitchFamily="34" charset="0"/>
-              <a:buChar char="•"/>
-            </a:pPr>
-            <a:r>
-              <a:rPr lang="en-GB" sz="3200" dirty="0"/>
-              <a:t>Unlike </a:t>
-            </a:r>
-            <a:r>
-              <a:rPr lang="en-GB" sz="3200" dirty="0" err="1"/>
-              <a:t>ThreadPool</a:t>
-            </a:r>
-            <a:r>
-              <a:rPr lang="en-GB" sz="3200" dirty="0"/>
-              <a:t>, Task allows you to find out when it finishes and to return a result., either synchronously or asynchronously.</a:t>
-            </a:r>
-          </a:p>
-          <a:p>
-            <a:pPr marL="457200" indent="-457200">
-              <a:buFont typeface="Arial" panose="020B0604020202020204" pitchFamily="34" charset="0"/>
-              <a:buChar char="•"/>
-            </a:pPr>
-            <a:r>
-              <a:rPr lang="en-GB" sz="3200" dirty="0"/>
-              <a:t>Since tasks still run on the </a:t>
-            </a:r>
-            <a:r>
-              <a:rPr lang="en-GB" sz="3200" dirty="0" err="1"/>
-              <a:t>ThreadPool</a:t>
-            </a:r>
-            <a:r>
-              <a:rPr lang="en-GB" sz="3200" dirty="0"/>
-              <a:t>, they should not be used for long-running operations. Task does provide however a </a:t>
-            </a:r>
-            <a:r>
-              <a:rPr lang="en-GB" sz="3200" dirty="0" err="1"/>
-              <a:t>LongRunning</a:t>
-            </a:r>
-            <a:r>
-              <a:rPr lang="en-GB" sz="3200" dirty="0"/>
-              <a:t> option, which tells the </a:t>
-            </a:r>
-            <a:r>
-              <a:rPr lang="en-GB" sz="3200" dirty="0" err="1"/>
-              <a:t>TaskScheduler</a:t>
-            </a:r>
-            <a:r>
-              <a:rPr lang="en-GB" sz="3200" dirty="0"/>
-              <a:t> to create a new thread rather than running on the </a:t>
-            </a:r>
-            <a:r>
-              <a:rPr lang="en-GB" sz="3200" dirty="0" err="1"/>
-              <a:t>ThreadPool</a:t>
-            </a:r>
-            <a:r>
-              <a:rPr lang="en-GB" sz="3200" dirty="0"/>
-              <a:t>. </a:t>
-            </a:r>
-          </a:p>
-          <a:p>
-            <a:pPr marL="457200" indent="-457200">
-              <a:buFont typeface="Arial" panose="020B0604020202020204" pitchFamily="34" charset="0"/>
-              <a:buChar char="•"/>
-            </a:pPr>
-            <a:r>
-              <a:rPr lang="en-GB" sz="3200" dirty="0"/>
-              <a:t>All newer high-level concurrency APIs are built on Task. </a:t>
-            </a:r>
+              <a:rPr lang="en-GB" sz="3200" b="1" dirty="0" err="1"/>
+              <a:t>Task.Run</a:t>
+            </a:r>
+            <a:endParaRPr lang="en-GB" sz="3200" b="1" dirty="0"/>
+          </a:p>
+          <a:p>
+            <a:endParaRPr lang="en-GB" sz="3200" b="1" dirty="0"/>
+          </a:p>
+          <a:p>
+            <a:r>
+              <a:rPr lang="en-GB" sz="3200" b="1" dirty="0" err="1"/>
+              <a:t>Task.Start</a:t>
+            </a:r>
+            <a:endParaRPr lang="en-GB" sz="3200" b="1" dirty="0"/>
+          </a:p>
+          <a:p>
+            <a:endParaRPr lang="en-GB" sz="3200" b="1" dirty="0"/>
+          </a:p>
+          <a:p>
+            <a:r>
+              <a:rPr lang="en-GB" sz="3200" b="1" dirty="0" err="1"/>
+              <a:t>Task.Wait</a:t>
+            </a:r>
+            <a:endParaRPr lang="en-GB" sz="3200" b="1" dirty="0"/>
+          </a:p>
+          <a:p>
+            <a:endParaRPr lang="en-GB" sz="3200" b="1" dirty="0"/>
+          </a:p>
+          <a:p>
+            <a:r>
+              <a:rPr lang="en-GB" sz="3200" b="1" dirty="0" err="1"/>
+              <a:t>Task.RunSynchronously</a:t>
+            </a:r>
+            <a:endParaRPr lang="en-GB" sz="3200" b="1" dirty="0"/>
           </a:p>
         </p:txBody>
       </p:sp>
     </p:spTree>
     <p:extLst>
       <p:ext uri="{BB962C8B-B14F-4D97-AF65-F5344CB8AC3E}">
-        <p14:creationId xmlns:p14="http://schemas.microsoft.com/office/powerpoint/2010/main" val="767209263"/>
+        <p14:creationId xmlns:p14="http://schemas.microsoft.com/office/powerpoint/2010/main" val="1477074202"/>
       </p:ext>
     </p:extLst>
   </p:cSld>
@@ -14568,171 +14327,17 @@
                   <a:schemeClr val="bg1"/>
                 </a:solidFill>
               </a:rPr>
-              <a:t>Question F </a:t>
-            </a:r>
-          </a:p>
-        </p:txBody>
-      </p:sp>
-      <p:sp>
-        <p:nvSpPr>
-          <p:cNvPr id="11" name="TextBox 10">
-            <a:extLst>
-              <a:ext uri="{FF2B5EF4-FFF2-40B4-BE49-F238E27FC236}">
-                <a16:creationId xmlns:a16="http://schemas.microsoft.com/office/drawing/2014/main" id="{8CFFC453-63D5-4985-9376-BE7589A7509A}"/>
-              </a:ext>
-            </a:extLst>
-          </p:cNvPr>
-          <p:cNvSpPr txBox="1"/>
-          <p:nvPr/>
-        </p:nvSpPr>
-        <p:spPr>
-          <a:xfrm>
-            <a:off x="7315200" y="611928"/>
-            <a:ext cx="4395277" cy="3693319"/>
-          </a:xfrm>
-          <a:prstGeom prst="rect">
-            <a:avLst/>
-          </a:prstGeom>
-          <a:noFill/>
-        </p:spPr>
-        <p:txBody>
-          <a:bodyPr wrap="square" rtlCol="0">
-            <a:spAutoFit/>
-          </a:bodyPr>
-          <a:lstStyle/>
-          <a:p>
-            <a:r>
-              <a:rPr lang="en-GB" dirty="0">
-                <a:solidFill>
-                  <a:schemeClr val="bg1"/>
-                </a:solidFill>
-              </a:rPr>
-              <a:t>What will be the output of this method?</a:t>
-            </a:r>
-          </a:p>
-          <a:p>
-            <a:endParaRPr lang="en-GB" dirty="0">
-              <a:solidFill>
-                <a:schemeClr val="bg1"/>
-              </a:solidFill>
-            </a:endParaRPr>
-          </a:p>
-          <a:p>
-            <a:pPr marL="342900" indent="-342900">
-              <a:buFont typeface="+mj-lt"/>
-              <a:buAutoNum type="alphaUcPeriod"/>
-            </a:pPr>
-            <a:r>
-              <a:rPr lang="en-GB" dirty="0" err="1">
-                <a:solidFill>
-                  <a:schemeClr val="bg1"/>
-                </a:solidFill>
-              </a:rPr>
-              <a:t>AggregateException</a:t>
-            </a:r>
-            <a:br>
-              <a:rPr lang="en-GB" dirty="0">
-                <a:solidFill>
-                  <a:schemeClr val="bg1"/>
-                </a:solidFill>
-              </a:rPr>
-            </a:br>
-            <a:r>
-              <a:rPr lang="en-GB" dirty="0">
-                <a:solidFill>
-                  <a:schemeClr val="bg1"/>
-                </a:solidFill>
-              </a:rPr>
-              <a:t>One or more errors occurred. (This is a test exception)</a:t>
-            </a:r>
-            <a:br>
-              <a:rPr lang="en-GB" dirty="0">
-                <a:solidFill>
-                  <a:schemeClr val="bg1"/>
-                </a:solidFill>
-              </a:rPr>
-            </a:br>
-            <a:endParaRPr lang="en-GB" dirty="0">
-              <a:solidFill>
-                <a:schemeClr val="bg1"/>
-              </a:solidFill>
-            </a:endParaRPr>
-          </a:p>
-          <a:p>
-            <a:pPr marL="342900" indent="-342900">
-              <a:buFont typeface="+mj-lt"/>
-              <a:buAutoNum type="alphaUcPeriod"/>
-            </a:pPr>
-            <a:r>
-              <a:rPr lang="en-GB" dirty="0">
-                <a:solidFill>
-                  <a:schemeClr val="bg1"/>
-                </a:solidFill>
-              </a:rPr>
-              <a:t>Exception</a:t>
-            </a:r>
-          </a:p>
-          <a:p>
-            <a:r>
-              <a:rPr lang="en-GB" dirty="0">
-                <a:solidFill>
-                  <a:schemeClr val="bg1"/>
-                </a:solidFill>
-              </a:rPr>
-              <a:t>       This is a test exception</a:t>
-            </a:r>
-          </a:p>
-          <a:p>
-            <a:endParaRPr lang="en-GB" dirty="0">
-              <a:solidFill>
-                <a:schemeClr val="bg1"/>
-              </a:solidFill>
-            </a:endParaRPr>
-          </a:p>
-          <a:p>
-            <a:pPr marL="342900" indent="-342900">
-              <a:buAutoNum type="alphaUcPeriod" startAt="3"/>
-            </a:pPr>
-            <a:r>
-              <a:rPr lang="en-GB" dirty="0">
-                <a:solidFill>
-                  <a:schemeClr val="bg1"/>
-                </a:solidFill>
-              </a:rPr>
-              <a:t>An uncaught exception is thrown and can     be caught in the calling method</a:t>
-            </a:r>
-          </a:p>
-          <a:p>
-            <a:pPr marL="342900" indent="-342900">
-              <a:buAutoNum type="alphaUcPeriod" startAt="3"/>
-            </a:pPr>
-            <a:endParaRPr lang="en-GB" dirty="0">
-              <a:solidFill>
-                <a:schemeClr val="bg1"/>
-              </a:solidFill>
-            </a:endParaRPr>
-          </a:p>
-          <a:p>
-            <a:pPr marL="342900" indent="-342900">
-              <a:buAutoNum type="alphaUcPeriod" startAt="3"/>
-            </a:pPr>
-            <a:r>
-              <a:rPr lang="en-GB" dirty="0">
-                <a:solidFill>
-                  <a:schemeClr val="bg1"/>
-                </a:solidFill>
-              </a:rPr>
-              <a:t>None of the above.</a:t>
+              <a:t>Question E </a:t>
             </a:r>
           </a:p>
         </p:txBody>
       </p:sp>
       <p:pic>
         <p:nvPicPr>
-          <p:cNvPr id="3" name="Picture 2">
-            <a:extLst>
-              <a:ext uri="{FF2B5EF4-FFF2-40B4-BE49-F238E27FC236}">
-                <a16:creationId xmlns:a16="http://schemas.microsoft.com/office/drawing/2014/main" id="{43E8D191-B02F-4E58-8780-AAD86241E0B7}"/>
+          <p:cNvPr id="2" name="Picture 1">
+            <a:extLst>
+              <a:ext uri="{FF2B5EF4-FFF2-40B4-BE49-F238E27FC236}">
+                <a16:creationId xmlns:a16="http://schemas.microsoft.com/office/drawing/2014/main" id="{90A699AA-731A-4038-9820-EAAACC5CEBE5}"/>
               </a:ext>
             </a:extLst>
           </p:cNvPr>
@@ -14749,18 +14354,172 @@
         </p:blipFill>
         <p:spPr>
           <a:xfrm>
-            <a:off x="251818" y="1041887"/>
-            <a:ext cx="6585240" cy="2022610"/>
+            <a:off x="319584" y="1134296"/>
+            <a:ext cx="7990594" cy="4950471"/>
           </a:xfrm>
           <a:prstGeom prst="rect">
             <a:avLst/>
           </a:prstGeom>
         </p:spPr>
       </p:pic>
+      <p:sp>
+        <p:nvSpPr>
+          <p:cNvPr id="11" name="TextBox 10">
+            <a:extLst>
+              <a:ext uri="{FF2B5EF4-FFF2-40B4-BE49-F238E27FC236}">
+                <a16:creationId xmlns:a16="http://schemas.microsoft.com/office/drawing/2014/main" id="{8CFFC453-63D5-4985-9376-BE7589A7509A}"/>
+              </a:ext>
+            </a:extLst>
+          </p:cNvPr>
+          <p:cNvSpPr txBox="1"/>
+          <p:nvPr/>
+        </p:nvSpPr>
+        <p:spPr>
+          <a:xfrm>
+            <a:off x="7594560" y="427262"/>
+            <a:ext cx="4395277" cy="3693319"/>
+          </a:xfrm>
+          <a:prstGeom prst="rect">
+            <a:avLst/>
+          </a:prstGeom>
+          <a:noFill/>
+        </p:spPr>
+        <p:txBody>
+          <a:bodyPr wrap="square" rtlCol="0">
+            <a:spAutoFit/>
+          </a:bodyPr>
+          <a:lstStyle/>
+          <a:p>
+            <a:r>
+              <a:rPr lang="en-GB" dirty="0">
+                <a:solidFill>
+                  <a:schemeClr val="bg1"/>
+                </a:solidFill>
+              </a:rPr>
+              <a:t>What will be the output of this method?</a:t>
+            </a:r>
+          </a:p>
+          <a:p>
+            <a:endParaRPr lang="en-GB" dirty="0">
+              <a:solidFill>
+                <a:schemeClr val="bg1"/>
+              </a:solidFill>
+            </a:endParaRPr>
+          </a:p>
+          <a:p>
+            <a:pPr marL="342900" indent="-342900">
+              <a:buFont typeface="+mj-lt"/>
+              <a:buAutoNum type="alphaUcPeriod"/>
+            </a:pPr>
+            <a:r>
+              <a:rPr lang="en-GB" dirty="0" err="1">
+                <a:solidFill>
+                  <a:schemeClr val="bg1"/>
+                </a:solidFill>
+              </a:rPr>
+              <a:t>AggregateException</a:t>
+            </a:r>
+            <a:br>
+              <a:rPr lang="en-GB" dirty="0">
+                <a:solidFill>
+                  <a:schemeClr val="bg1"/>
+                </a:solidFill>
+              </a:rPr>
+            </a:br>
+            <a:r>
+              <a:rPr lang="en-GB" dirty="0">
+                <a:solidFill>
+                  <a:schemeClr val="bg1"/>
+                </a:solidFill>
+              </a:rPr>
+              <a:t>One or more errors occurred. (This is a test exception)</a:t>
+            </a:r>
+            <a:br>
+              <a:rPr lang="en-GB" dirty="0">
+                <a:solidFill>
+                  <a:schemeClr val="bg1"/>
+                </a:solidFill>
+              </a:rPr>
+            </a:br>
+            <a:endParaRPr lang="en-GB" dirty="0">
+              <a:solidFill>
+                <a:schemeClr val="bg1"/>
+              </a:solidFill>
+            </a:endParaRPr>
+          </a:p>
+          <a:p>
+            <a:pPr marL="342900" indent="-342900">
+              <a:buFont typeface="+mj-lt"/>
+              <a:buAutoNum type="alphaUcPeriod"/>
+            </a:pPr>
+            <a:r>
+              <a:rPr lang="en-GB" dirty="0">
+                <a:solidFill>
+                  <a:schemeClr val="bg1"/>
+                </a:solidFill>
+              </a:rPr>
+              <a:t>Exception</a:t>
+            </a:r>
+          </a:p>
+          <a:p>
+            <a:r>
+              <a:rPr lang="en-GB" dirty="0">
+                <a:solidFill>
+                  <a:schemeClr val="bg1"/>
+                </a:solidFill>
+              </a:rPr>
+              <a:t>       This is a test exception</a:t>
+            </a:r>
+          </a:p>
+          <a:p>
+            <a:endParaRPr lang="en-GB" dirty="0">
+              <a:solidFill>
+                <a:schemeClr val="bg1"/>
+              </a:solidFill>
+            </a:endParaRPr>
+          </a:p>
+          <a:p>
+            <a:pPr marL="342900" indent="-342900">
+              <a:buAutoNum type="alphaUcPeriod" startAt="3"/>
+            </a:pPr>
+            <a:r>
+              <a:rPr lang="en-GB" dirty="0">
+                <a:solidFill>
+                  <a:schemeClr val="bg1"/>
+                </a:solidFill>
+              </a:rPr>
+              <a:t>An uncaught exception is thrown and can     be caught in the calling method</a:t>
+            </a:r>
+          </a:p>
+          <a:p>
+            <a:pPr marL="342900" indent="-342900">
+              <a:buAutoNum type="alphaUcPeriod" startAt="3"/>
+            </a:pPr>
+            <a:endParaRPr lang="en-GB" dirty="0">
+              <a:solidFill>
+                <a:schemeClr val="bg1"/>
+              </a:solidFill>
+            </a:endParaRPr>
+          </a:p>
+          <a:p>
+            <a:pPr marL="342900" indent="-342900">
+              <a:buAutoNum type="alphaUcPeriod" startAt="3"/>
+            </a:pPr>
+            <a:r>
+              <a:rPr lang="en-GB" dirty="0">
+                <a:solidFill>
+                  <a:schemeClr val="bg1"/>
+                </a:solidFill>
+              </a:rPr>
+              <a:t>None of the above.</a:t>
+            </a:r>
+          </a:p>
+        </p:txBody>
+      </p:sp>
     </p:spTree>
     <p:extLst>
       <p:ext uri="{BB962C8B-B14F-4D97-AF65-F5344CB8AC3E}">
-        <p14:creationId xmlns:p14="http://schemas.microsoft.com/office/powerpoint/2010/main" val="4036305656"/>
+        <p14:creationId xmlns:p14="http://schemas.microsoft.com/office/powerpoint/2010/main" val="1187676409"/>
       </p:ext>
     </p:extLst>
   </p:cSld>
@@ -14829,90 +14588,17 @@
                   <a:schemeClr val="bg1"/>
                 </a:solidFill>
               </a:rPr>
-              <a:t>Question F </a:t>
-            </a:r>
-          </a:p>
-        </p:txBody>
-      </p:sp>
-      <p:sp>
-        <p:nvSpPr>
-          <p:cNvPr id="11" name="TextBox 10">
-            <a:extLst>
-              <a:ext uri="{FF2B5EF4-FFF2-40B4-BE49-F238E27FC236}">
-                <a16:creationId xmlns:a16="http://schemas.microsoft.com/office/drawing/2014/main" id="{8CFFC453-63D5-4985-9376-BE7589A7509A}"/>
-              </a:ext>
-            </a:extLst>
-          </p:cNvPr>
-          <p:cNvSpPr txBox="1"/>
-          <p:nvPr/>
-        </p:nvSpPr>
-        <p:spPr>
-          <a:xfrm>
-            <a:off x="7072313" y="611928"/>
-            <a:ext cx="4917524" cy="2031325"/>
-          </a:xfrm>
-          <a:prstGeom prst="rect">
-            <a:avLst/>
-          </a:prstGeom>
-          <a:noFill/>
-        </p:spPr>
-        <p:txBody>
-          <a:bodyPr wrap="square" rtlCol="0">
-            <a:spAutoFit/>
-          </a:bodyPr>
-          <a:lstStyle/>
-          <a:p>
-            <a:r>
-              <a:rPr lang="en-GB" dirty="0">
-                <a:solidFill>
-                  <a:schemeClr val="bg1"/>
-                </a:solidFill>
-              </a:rPr>
-              <a:t>The answer is</a:t>
-            </a:r>
-          </a:p>
-          <a:p>
-            <a:endParaRPr lang="en-GB" dirty="0">
-              <a:solidFill>
-                <a:schemeClr val="bg1"/>
-              </a:solidFill>
-            </a:endParaRPr>
-          </a:p>
-          <a:p>
-            <a:r>
-              <a:rPr lang="en-GB" dirty="0">
-                <a:solidFill>
-                  <a:schemeClr val="bg1"/>
-                </a:solidFill>
-              </a:rPr>
-              <a:t>D. None of the above.</a:t>
-            </a:r>
-          </a:p>
-          <a:p>
-            <a:endParaRPr lang="en-GB" dirty="0">
-              <a:solidFill>
-                <a:schemeClr val="bg1"/>
-              </a:solidFill>
-            </a:endParaRPr>
-          </a:p>
-          <a:p>
-            <a:r>
-              <a:rPr lang="en-GB" dirty="0">
-                <a:solidFill>
-                  <a:schemeClr val="bg1"/>
-                </a:solidFill>
-              </a:rPr>
-              <a:t>It will completely terminate the process. It won't throw a visible exception and will completely kill the application/debugger.</a:t>
+              <a:t>Question E </a:t>
             </a:r>
           </a:p>
         </p:txBody>
       </p:sp>
       <p:pic>
         <p:nvPicPr>
-          <p:cNvPr id="3" name="Picture 2">
-            <a:extLst>
-              <a:ext uri="{FF2B5EF4-FFF2-40B4-BE49-F238E27FC236}">
-                <a16:creationId xmlns:a16="http://schemas.microsoft.com/office/drawing/2014/main" id="{43E8D191-B02F-4E58-8780-AAD86241E0B7}"/>
+          <p:cNvPr id="2" name="Picture 1">
+            <a:extLst>
+              <a:ext uri="{FF2B5EF4-FFF2-40B4-BE49-F238E27FC236}">
+                <a16:creationId xmlns:a16="http://schemas.microsoft.com/office/drawing/2014/main" id="{90A699AA-731A-4038-9820-EAAACC5CEBE5}"/>
               </a:ext>
             </a:extLst>
           </p:cNvPr>
@@ -14929,18 +14615,84 @@
         </p:blipFill>
         <p:spPr>
           <a:xfrm>
-            <a:off x="251818" y="1041887"/>
-            <a:ext cx="6585240" cy="2022610"/>
+            <a:off x="319584" y="1134296"/>
+            <a:ext cx="7990594" cy="4950471"/>
           </a:xfrm>
           <a:prstGeom prst="rect">
             <a:avLst/>
           </a:prstGeom>
         </p:spPr>
       </p:pic>
+      <p:sp>
+        <p:nvSpPr>
+          <p:cNvPr id="11" name="TextBox 10">
+            <a:extLst>
+              <a:ext uri="{FF2B5EF4-FFF2-40B4-BE49-F238E27FC236}">
+                <a16:creationId xmlns:a16="http://schemas.microsoft.com/office/drawing/2014/main" id="{8CFFC453-63D5-4985-9376-BE7589A7509A}"/>
+              </a:ext>
+            </a:extLst>
+          </p:cNvPr>
+          <p:cNvSpPr txBox="1"/>
+          <p:nvPr/>
+        </p:nvSpPr>
+        <p:spPr>
+          <a:xfrm>
+            <a:off x="7594560" y="427262"/>
+            <a:ext cx="4395277" cy="1200329"/>
+          </a:xfrm>
+          <a:prstGeom prst="rect">
+            <a:avLst/>
+          </a:prstGeom>
+          <a:noFill/>
+        </p:spPr>
+        <p:txBody>
+          <a:bodyPr wrap="square" rtlCol="0">
+            <a:spAutoFit/>
+          </a:bodyPr>
+          <a:lstStyle/>
+          <a:p>
+            <a:r>
+              <a:rPr lang="en-GB" dirty="0">
+                <a:solidFill>
+                  <a:schemeClr val="bg1"/>
+                </a:solidFill>
+              </a:rPr>
+              <a:t>The answer is</a:t>
+            </a:r>
+          </a:p>
+          <a:p>
+            <a:endParaRPr lang="en-GB" dirty="0">
+              <a:solidFill>
+                <a:schemeClr val="bg1"/>
+              </a:solidFill>
+            </a:endParaRPr>
+          </a:p>
+          <a:p>
+            <a:r>
+              <a:rPr lang="en-GB" dirty="0">
+                <a:solidFill>
+                  <a:schemeClr val="bg1"/>
+                </a:solidFill>
+              </a:rPr>
+              <a:t>B.    Exception</a:t>
+            </a:r>
+          </a:p>
+          <a:p>
+            <a:r>
+              <a:rPr lang="en-GB" dirty="0">
+                <a:solidFill>
+                  <a:schemeClr val="bg1"/>
+                </a:solidFill>
+              </a:rPr>
+              <a:t>       This is a test exception</a:t>
+            </a:r>
+          </a:p>
+        </p:txBody>
+      </p:sp>
     </p:spTree>
     <p:extLst>
       <p:ext uri="{BB962C8B-B14F-4D97-AF65-F5344CB8AC3E}">
-        <p14:creationId xmlns:p14="http://schemas.microsoft.com/office/powerpoint/2010/main" val="1848199452"/>
+        <p14:creationId xmlns:p14="http://schemas.microsoft.com/office/powerpoint/2010/main" val="279637444"/>
       </p:ext>
     </p:extLst>
   </p:cSld>
@@ -15009,7 +14761,7 @@
                   <a:schemeClr val="bg1"/>
                 </a:solidFill>
               </a:rPr>
-              <a:t>Question G </a:t>
+              <a:t>Question F </a:t>
             </a:r>
           </a:p>
         </p:txBody>
@@ -15170,10 +14922,10 @@
       </p:sp>
       <p:pic>
         <p:nvPicPr>
-          <p:cNvPr id="4" name="Picture 3">
-            <a:extLst>
-              <a:ext uri="{FF2B5EF4-FFF2-40B4-BE49-F238E27FC236}">
-                <a16:creationId xmlns:a16="http://schemas.microsoft.com/office/drawing/2014/main" id="{69FDAEA4-F604-4A40-A20A-9E7E0E9E7C01}"/>
+          <p:cNvPr id="3" name="Picture 2">
+            <a:extLst>
+              <a:ext uri="{FF2B5EF4-FFF2-40B4-BE49-F238E27FC236}">
+                <a16:creationId xmlns:a16="http://schemas.microsoft.com/office/drawing/2014/main" id="{43E8D191-B02F-4E58-8780-AAD86241E0B7}"/>
               </a:ext>
             </a:extLst>
           </p:cNvPr>
@@ -15190,8 +14942,8 @@
         </p:blipFill>
         <p:spPr>
           <a:xfrm>
-            <a:off x="362130" y="1080051"/>
-            <a:ext cx="6673710" cy="1941443"/>
+            <a:off x="251818" y="1041887"/>
+            <a:ext cx="6585240" cy="2022610"/>
           </a:xfrm>
           <a:prstGeom prst="rect">
             <a:avLst/>
@@ -15201,7 +14953,7 @@
     </p:spTree>
     <p:extLst>
       <p:ext uri="{BB962C8B-B14F-4D97-AF65-F5344CB8AC3E}">
-        <p14:creationId xmlns:p14="http://schemas.microsoft.com/office/powerpoint/2010/main" val="2982457121"/>
+        <p14:creationId xmlns:p14="http://schemas.microsoft.com/office/powerpoint/2010/main" val="4036305656"/>
       </p:ext>
     </p:extLst>
   </p:cSld>
@@ -15270,7 +15022,7 @@
                   <a:schemeClr val="bg1"/>
                 </a:solidFill>
               </a:rPr>
-              <a:t>Question G </a:t>
+              <a:t>Question F </a:t>
             </a:r>
           </a:p>
         </p:txBody>
@@ -15289,8 +15041,8 @@
         </p:nvSpPr>
         <p:spPr>
           <a:xfrm>
-            <a:off x="7315200" y="611928"/>
-            <a:ext cx="4395277" cy="2862322"/>
+            <a:off x="7072313" y="611928"/>
+            <a:ext cx="4917524" cy="2031325"/>
           </a:xfrm>
           <a:prstGeom prst="rect">
             <a:avLst/>
@@ -15309,7 +15061,7 @@
                   <a:schemeClr val="bg1"/>
                 </a:solidFill>
               </a:rPr>
-              <a:t>What will be the output of this method?</a:t>
+              <a:t>The answer is</a:t>
             </a:r>
           </a:p>
           <a:p>
@@ -15320,16 +15072,13 @@
             </a:endParaRPr>
           </a:p>
           <a:p>
-            <a:pPr marL="342900" indent="-342900">
-              <a:buAutoNum type="alphaUcPeriod" startAt="3"/>
-            </a:pPr>
             <a:r>
               <a:rPr lang="en-GB" dirty="0">
                 <a:solidFill>
                   <a:schemeClr val="bg1"/>
                 </a:solidFill>
               </a:rPr>
-              <a:t>An uncaught exception is thrown and can     be caught in the calling method</a:t>
+              <a:t>D. None of the above.</a:t>
             </a:r>
           </a:p>
           <a:p>
@@ -15346,44 +15095,17 @@
                   <a:schemeClr val="bg1"/>
                 </a:solidFill>
               </a:rPr>
-              <a:t>It will throw the following uncaught exception:</a:t>
-            </a:r>
-          </a:p>
-          <a:p>
-            <a:endParaRPr lang="en-GB" dirty="0">
-              <a:solidFill>
-                <a:schemeClr val="bg1"/>
-              </a:solidFill>
-            </a:endParaRPr>
-          </a:p>
-          <a:p>
-            <a:r>
-              <a:rPr lang="en-GB" dirty="0">
-                <a:solidFill>
-                  <a:schemeClr val="bg1"/>
-                </a:solidFill>
-              </a:rPr>
-              <a:t>Exception</a:t>
-            </a:r>
-          </a:p>
-          <a:p>
-            <a:r>
-              <a:rPr lang="en-GB" dirty="0">
-                <a:solidFill>
-                  <a:schemeClr val="bg1"/>
-                </a:solidFill>
-              </a:rPr>
-              <a:t>This is a test exception</a:t>
+              <a:t>It will completely terminate the process. It won't throw a visible exception and will completely kill the application/debugger.</a:t>
             </a:r>
           </a:p>
         </p:txBody>
       </p:sp>
       <p:pic>
         <p:nvPicPr>
-          <p:cNvPr id="4" name="Picture 3">
-            <a:extLst>
-              <a:ext uri="{FF2B5EF4-FFF2-40B4-BE49-F238E27FC236}">
-                <a16:creationId xmlns:a16="http://schemas.microsoft.com/office/drawing/2014/main" id="{69FDAEA4-F604-4A40-A20A-9E7E0E9E7C01}"/>
+          <p:cNvPr id="3" name="Picture 2">
+            <a:extLst>
+              <a:ext uri="{FF2B5EF4-FFF2-40B4-BE49-F238E27FC236}">
+                <a16:creationId xmlns:a16="http://schemas.microsoft.com/office/drawing/2014/main" id="{43E8D191-B02F-4E58-8780-AAD86241E0B7}"/>
               </a:ext>
             </a:extLst>
           </p:cNvPr>
@@ -15400,8 +15122,8 @@
         </p:blipFill>
         <p:spPr>
           <a:xfrm>
-            <a:off x="362130" y="1080051"/>
-            <a:ext cx="6673710" cy="1941443"/>
+            <a:off x="251818" y="1041887"/>
+            <a:ext cx="6585240" cy="2022610"/>
           </a:xfrm>
           <a:prstGeom prst="rect">
             <a:avLst/>
@@ -15411,7 +15133,7 @@
     </p:spTree>
     <p:extLst>
       <p:ext uri="{BB962C8B-B14F-4D97-AF65-F5344CB8AC3E}">
-        <p14:creationId xmlns:p14="http://schemas.microsoft.com/office/powerpoint/2010/main" val="1784624068"/>
+        <p14:creationId xmlns:p14="http://schemas.microsoft.com/office/powerpoint/2010/main" val="1848199452"/>
       </p:ext>
     </p:extLst>
   </p:cSld>
@@ -15460,7 +15182,7 @@
         </p:nvSpPr>
         <p:spPr>
           <a:xfrm>
-            <a:off x="7315200" y="340436"/>
+            <a:off x="624957" y="242596"/>
             <a:ext cx="11364880" cy="369332"/>
           </a:xfrm>
           <a:prstGeom prst="rect">
@@ -15480,7 +15202,7 @@
                   <a:schemeClr val="bg1"/>
                 </a:solidFill>
               </a:rPr>
-              <a:t>Question H </a:t>
+              <a:t>Question G </a:t>
             </a:r>
           </a:p>
         </p:txBody>
@@ -15499,7 +15221,7 @@
         </p:nvSpPr>
         <p:spPr>
           <a:xfrm>
-            <a:off x="7315200" y="1168519"/>
+            <a:off x="7315200" y="611928"/>
             <a:ext cx="4395277" cy="3693319"/>
           </a:xfrm>
           <a:prstGeom prst="rect">
@@ -15641,10 +15363,10 @@
       </p:sp>
       <p:pic>
         <p:nvPicPr>
-          <p:cNvPr id="2" name="Picture 1">
-            <a:extLst>
-              <a:ext uri="{FF2B5EF4-FFF2-40B4-BE49-F238E27FC236}">
-                <a16:creationId xmlns:a16="http://schemas.microsoft.com/office/drawing/2014/main" id="{998C0D28-FFB1-46DB-BB0B-98FF4377C9F5}"/>
+          <p:cNvPr id="4" name="Picture 3">
+            <a:extLst>
+              <a:ext uri="{FF2B5EF4-FFF2-40B4-BE49-F238E27FC236}">
+                <a16:creationId xmlns:a16="http://schemas.microsoft.com/office/drawing/2014/main" id="{69FDAEA4-F604-4A40-A20A-9E7E0E9E7C01}"/>
               </a:ext>
             </a:extLst>
           </p:cNvPr>
@@ -15661,8 +15383,8 @@
         </p:blipFill>
         <p:spPr>
           <a:xfrm>
-            <a:off x="477078" y="340436"/>
-            <a:ext cx="6301409" cy="6147341"/>
+            <a:off x="362130" y="1080051"/>
+            <a:ext cx="6673710" cy="1941443"/>
           </a:xfrm>
           <a:prstGeom prst="rect">
             <a:avLst/>
@@ -15672,7 +15394,7 @@
     </p:spTree>
     <p:extLst>
       <p:ext uri="{BB962C8B-B14F-4D97-AF65-F5344CB8AC3E}">
-        <p14:creationId xmlns:p14="http://schemas.microsoft.com/office/powerpoint/2010/main" val="3813329927"/>
+        <p14:creationId xmlns:p14="http://schemas.microsoft.com/office/powerpoint/2010/main" val="2982457121"/>
       </p:ext>
     </p:extLst>
   </p:cSld>
@@ -15721,7 +15443,7 @@
         </p:nvSpPr>
         <p:spPr>
           <a:xfrm>
-            <a:off x="7315200" y="340436"/>
+            <a:off x="624957" y="242596"/>
             <a:ext cx="11364880" cy="369332"/>
           </a:xfrm>
           <a:prstGeom prst="rect">
@@ -15741,7 +15463,7 @@
                   <a:schemeClr val="bg1"/>
                 </a:solidFill>
               </a:rPr>
-              <a:t>Question H </a:t>
+              <a:t>Question G </a:t>
             </a:r>
           </a:p>
         </p:txBody>
@@ -15760,8 +15482,8 @@
         </p:nvSpPr>
         <p:spPr>
           <a:xfrm>
-            <a:off x="7315200" y="1168519"/>
-            <a:ext cx="4395277" cy="1477328"/>
+            <a:off x="7315200" y="611928"/>
+            <a:ext cx="4395277" cy="2862322"/>
           </a:xfrm>
           <a:prstGeom prst="rect">
             <a:avLst/>
@@ -15780,7 +15502,7 @@
                   <a:schemeClr val="bg1"/>
                 </a:solidFill>
               </a:rPr>
-              <a:t>The answer is</a:t>
+              <a:t>What will be the output of this method?</a:t>
             </a:r>
           </a:p>
           <a:p>
@@ -15792,41 +15514,69 @@
           </a:p>
           <a:p>
             <a:pPr marL="342900" indent="-342900">
-              <a:buFont typeface="+mj-lt"/>
-              <a:buAutoNum type="alphaUcPeriod"/>
+              <a:buAutoNum type="alphaUcPeriod" startAt="3"/>
             </a:pPr>
             <a:r>
-              <a:rPr lang="en-GB" dirty="0" err="1">
+              <a:rPr lang="en-GB" dirty="0">
                 <a:solidFill>
                   <a:schemeClr val="bg1"/>
                 </a:solidFill>
               </a:rPr>
-              <a:t>AggregateException</a:t>
-            </a:r>
-            <a:br>
+              <a:t>An uncaught exception is thrown and can     be caught in the calling method</a:t>
+            </a:r>
+          </a:p>
+          <a:p>
+            <a:endParaRPr lang="en-GB" dirty="0">
+              <a:solidFill>
+                <a:schemeClr val="bg1"/>
+              </a:solidFill>
+            </a:endParaRPr>
+          </a:p>
+          <a:p>
+            <a:r>
               <a:rPr lang="en-GB" dirty="0">
                 <a:solidFill>
                   <a:schemeClr val="bg1"/>
                 </a:solidFill>
               </a:rPr>
-            </a:br>
+              <a:t>It will throw the following uncaught exception:</a:t>
+            </a:r>
+          </a:p>
+          <a:p>
+            <a:endParaRPr lang="en-GB" dirty="0">
+              <a:solidFill>
+                <a:schemeClr val="bg1"/>
+              </a:solidFill>
+            </a:endParaRPr>
+          </a:p>
+          <a:p>
             <a:r>
               <a:rPr lang="en-GB" dirty="0">
                 <a:solidFill>
                   <a:schemeClr val="bg1"/>
                 </a:solidFill>
               </a:rPr>
-              <a:t>One or more errors occurred. (This is a test exception)</a:t>
+              <a:t>Exception</a:t>
+            </a:r>
+          </a:p>
+          <a:p>
+            <a:r>
+              <a:rPr lang="en-GB" dirty="0">
+                <a:solidFill>
+                  <a:schemeClr val="bg1"/>
+                </a:solidFill>
+              </a:rPr>
+              <a:t>This is a test exception</a:t>
             </a:r>
           </a:p>
         </p:txBody>
       </p:sp>
       <p:pic>
         <p:nvPicPr>
-          <p:cNvPr id="2" name="Picture 1">
-            <a:extLst>
-              <a:ext uri="{FF2B5EF4-FFF2-40B4-BE49-F238E27FC236}">
-                <a16:creationId xmlns:a16="http://schemas.microsoft.com/office/drawing/2014/main" id="{998C0D28-FFB1-46DB-BB0B-98FF4377C9F5}"/>
+          <p:cNvPr id="4" name="Picture 3">
+            <a:extLst>
+              <a:ext uri="{FF2B5EF4-FFF2-40B4-BE49-F238E27FC236}">
+                <a16:creationId xmlns:a16="http://schemas.microsoft.com/office/drawing/2014/main" id="{69FDAEA4-F604-4A40-A20A-9E7E0E9E7C01}"/>
               </a:ext>
             </a:extLst>
           </p:cNvPr>
@@ -15843,8 +15593,8 @@
         </p:blipFill>
         <p:spPr>
           <a:xfrm>
-            <a:off x="477078" y="340436"/>
-            <a:ext cx="6301409" cy="6147341"/>
+            <a:off x="362130" y="1080051"/>
+            <a:ext cx="6673710" cy="1941443"/>
           </a:xfrm>
           <a:prstGeom prst="rect">
             <a:avLst/>
@@ -15854,7 +15604,7 @@
     </p:spTree>
     <p:extLst>
       <p:ext uri="{BB962C8B-B14F-4D97-AF65-F5344CB8AC3E}">
-        <p14:creationId xmlns:p14="http://schemas.microsoft.com/office/powerpoint/2010/main" val="3341191500"/>
+        <p14:creationId xmlns:p14="http://schemas.microsoft.com/office/powerpoint/2010/main" val="1784624068"/>
       </p:ext>
     </p:extLst>
   </p:cSld>
@@ -15923,7 +15673,7 @@
                   <a:schemeClr val="bg1"/>
                 </a:solidFill>
               </a:rPr>
-              <a:t>Question I </a:t>
+              <a:t>Question H </a:t>
             </a:r>
           </a:p>
         </p:txBody>
@@ -16084,10 +15834,10 @@
       </p:sp>
       <p:pic>
         <p:nvPicPr>
-          <p:cNvPr id="3" name="Picture 2">
-            <a:extLst>
-              <a:ext uri="{FF2B5EF4-FFF2-40B4-BE49-F238E27FC236}">
-                <a16:creationId xmlns:a16="http://schemas.microsoft.com/office/drawing/2014/main" id="{1E68A627-623A-4C15-9AF8-EE50E57C2833}"/>
+          <p:cNvPr id="2" name="Picture 1">
+            <a:extLst>
+              <a:ext uri="{FF2B5EF4-FFF2-40B4-BE49-F238E27FC236}">
+                <a16:creationId xmlns:a16="http://schemas.microsoft.com/office/drawing/2014/main" id="{998C0D28-FFB1-46DB-BB0B-98FF4377C9F5}"/>
               </a:ext>
             </a:extLst>
           </p:cNvPr>
@@ -16104,8 +15854,8 @@
         </p:blipFill>
         <p:spPr>
           <a:xfrm>
-            <a:off x="337421" y="340436"/>
-            <a:ext cx="5586301" cy="1911103"/>
+            <a:off x="477078" y="340436"/>
+            <a:ext cx="6301409" cy="6147341"/>
           </a:xfrm>
           <a:prstGeom prst="rect">
             <a:avLst/>
@@ -16115,7 +15865,7 @@
     </p:spTree>
     <p:extLst>
       <p:ext uri="{BB962C8B-B14F-4D97-AF65-F5344CB8AC3E}">
-        <p14:creationId xmlns:p14="http://schemas.microsoft.com/office/powerpoint/2010/main" val="1300467980"/>
+        <p14:creationId xmlns:p14="http://schemas.microsoft.com/office/powerpoint/2010/main" val="3813329927"/>
       </p:ext>
     </p:extLst>
   </p:cSld>
@@ -16184,6 +15934,449 @@
                   <a:schemeClr val="bg1"/>
                 </a:solidFill>
               </a:rPr>
+              <a:t>Question H </a:t>
+            </a:r>
+          </a:p>
+        </p:txBody>
+      </p:sp>
+      <p:sp>
+        <p:nvSpPr>
+          <p:cNvPr id="11" name="TextBox 10">
+            <a:extLst>
+              <a:ext uri="{FF2B5EF4-FFF2-40B4-BE49-F238E27FC236}">
+                <a16:creationId xmlns:a16="http://schemas.microsoft.com/office/drawing/2014/main" id="{8CFFC453-63D5-4985-9376-BE7589A7509A}"/>
+              </a:ext>
+            </a:extLst>
+          </p:cNvPr>
+          <p:cNvSpPr txBox="1"/>
+          <p:nvPr/>
+        </p:nvSpPr>
+        <p:spPr>
+          <a:xfrm>
+            <a:off x="7315200" y="1168519"/>
+            <a:ext cx="4395277" cy="1477328"/>
+          </a:xfrm>
+          <a:prstGeom prst="rect">
+            <a:avLst/>
+          </a:prstGeom>
+          <a:noFill/>
+        </p:spPr>
+        <p:txBody>
+          <a:bodyPr wrap="square" rtlCol="0">
+            <a:spAutoFit/>
+          </a:bodyPr>
+          <a:lstStyle/>
+          <a:p>
+            <a:r>
+              <a:rPr lang="en-GB" dirty="0">
+                <a:solidFill>
+                  <a:schemeClr val="bg1"/>
+                </a:solidFill>
+              </a:rPr>
+              <a:t>The answer is</a:t>
+            </a:r>
+          </a:p>
+          <a:p>
+            <a:endParaRPr lang="en-GB" dirty="0">
+              <a:solidFill>
+                <a:schemeClr val="bg1"/>
+              </a:solidFill>
+            </a:endParaRPr>
+          </a:p>
+          <a:p>
+            <a:pPr marL="342900" indent="-342900">
+              <a:buFont typeface="+mj-lt"/>
+              <a:buAutoNum type="alphaUcPeriod"/>
+            </a:pPr>
+            <a:r>
+              <a:rPr lang="en-GB" dirty="0" err="1">
+                <a:solidFill>
+                  <a:schemeClr val="bg1"/>
+                </a:solidFill>
+              </a:rPr>
+              <a:t>AggregateException</a:t>
+            </a:r>
+            <a:br>
+              <a:rPr lang="en-GB" dirty="0">
+                <a:solidFill>
+                  <a:schemeClr val="bg1"/>
+                </a:solidFill>
+              </a:rPr>
+            </a:br>
+            <a:r>
+              <a:rPr lang="en-GB" dirty="0">
+                <a:solidFill>
+                  <a:schemeClr val="bg1"/>
+                </a:solidFill>
+              </a:rPr>
+              <a:t>One or more errors occurred. (This is a test exception)</a:t>
+            </a:r>
+          </a:p>
+        </p:txBody>
+      </p:sp>
+      <p:pic>
+        <p:nvPicPr>
+          <p:cNvPr id="2" name="Picture 1">
+            <a:extLst>
+              <a:ext uri="{FF2B5EF4-FFF2-40B4-BE49-F238E27FC236}">
+                <a16:creationId xmlns:a16="http://schemas.microsoft.com/office/drawing/2014/main" id="{998C0D28-FFB1-46DB-BB0B-98FF4377C9F5}"/>
+              </a:ext>
+            </a:extLst>
+          </p:cNvPr>
+          <p:cNvPicPr>
+            <a:picLocks noChangeAspect="1"/>
+          </p:cNvPicPr>
+          <p:nvPr/>
+        </p:nvPicPr>
+        <p:blipFill>
+          <a:blip r:embed="rId2"/>
+          <a:stretch>
+            <a:fillRect/>
+          </a:stretch>
+        </p:blipFill>
+        <p:spPr>
+          <a:xfrm>
+            <a:off x="477078" y="340436"/>
+            <a:ext cx="6301409" cy="6147341"/>
+          </a:xfrm>
+          <a:prstGeom prst="rect">
+            <a:avLst/>
+          </a:prstGeom>
+        </p:spPr>
+      </p:pic>
+    </p:spTree>
+    <p:extLst>
+      <p:ext uri="{BB962C8B-B14F-4D97-AF65-F5344CB8AC3E}">
+        <p14:creationId xmlns:p14="http://schemas.microsoft.com/office/powerpoint/2010/main" val="3341191500"/>
+      </p:ext>
+    </p:extLst>
+  </p:cSld>
+  <p:clrMapOvr>
+    <a:masterClrMapping/>
+  </p:clrMapOvr>
+</p:sld>
+</file>
+
+<file path=ppt/slides/slide58.xml><?xml version="1.0" encoding="utf-8"?>
+<p:sld xmlns:a="http://schemas.openxmlformats.org/drawingml/2006/main" xmlns:r="http://schemas.openxmlformats.org/officeDocument/2006/relationships" xmlns:p="http://schemas.openxmlformats.org/presentationml/2006/main">
+  <p:cSld>
+    <p:bg>
+      <p:bgPr>
+        <a:solidFill>
+          <a:srgbClr val="1E1E1E"/>
+        </a:solidFill>
+        <a:effectLst/>
+      </p:bgPr>
+    </p:bg>
+    <p:spTree>
+      <p:nvGrpSpPr>
+        <p:cNvPr id="1" name=""/>
+        <p:cNvGrpSpPr/>
+        <p:nvPr/>
+      </p:nvGrpSpPr>
+      <p:grpSpPr>
+        <a:xfrm>
+          <a:off x="0" y="0"/>
+          <a:ext cx="0" cy="0"/>
+          <a:chOff x="0" y="0"/>
+          <a:chExt cx="0" cy="0"/>
+        </a:xfrm>
+      </p:grpSpPr>
+      <p:sp>
+        <p:nvSpPr>
+          <p:cNvPr id="6" name="TextBox 5">
+            <a:extLst>
+              <a:ext uri="{FF2B5EF4-FFF2-40B4-BE49-F238E27FC236}">
+                <a16:creationId xmlns:a16="http://schemas.microsoft.com/office/drawing/2014/main" id="{2CDFC944-8A12-42CA-B4D7-7CEF50C368ED}"/>
+              </a:ext>
+            </a:extLst>
+          </p:cNvPr>
+          <p:cNvSpPr txBox="1"/>
+          <p:nvPr/>
+        </p:nvSpPr>
+        <p:spPr>
+          <a:xfrm>
+            <a:off x="7315200" y="340436"/>
+            <a:ext cx="11364880" cy="369332"/>
+          </a:xfrm>
+          <a:prstGeom prst="rect">
+            <a:avLst/>
+          </a:prstGeom>
+          <a:noFill/>
+        </p:spPr>
+        <p:txBody>
+          <a:bodyPr wrap="square" rtlCol="0">
+            <a:spAutoFit/>
+          </a:bodyPr>
+          <a:lstStyle/>
+          <a:p>
+            <a:r>
+              <a:rPr lang="en-GB" dirty="0">
+                <a:solidFill>
+                  <a:schemeClr val="bg1"/>
+                </a:solidFill>
+              </a:rPr>
+              <a:t>Question I </a:t>
+            </a:r>
+          </a:p>
+        </p:txBody>
+      </p:sp>
+      <p:sp>
+        <p:nvSpPr>
+          <p:cNvPr id="11" name="TextBox 10">
+            <a:extLst>
+              <a:ext uri="{FF2B5EF4-FFF2-40B4-BE49-F238E27FC236}">
+                <a16:creationId xmlns:a16="http://schemas.microsoft.com/office/drawing/2014/main" id="{8CFFC453-63D5-4985-9376-BE7589A7509A}"/>
+              </a:ext>
+            </a:extLst>
+          </p:cNvPr>
+          <p:cNvSpPr txBox="1"/>
+          <p:nvPr/>
+        </p:nvSpPr>
+        <p:spPr>
+          <a:xfrm>
+            <a:off x="7315200" y="1168519"/>
+            <a:ext cx="4395277" cy="3693319"/>
+          </a:xfrm>
+          <a:prstGeom prst="rect">
+            <a:avLst/>
+          </a:prstGeom>
+          <a:noFill/>
+        </p:spPr>
+        <p:txBody>
+          <a:bodyPr wrap="square" rtlCol="0">
+            <a:spAutoFit/>
+          </a:bodyPr>
+          <a:lstStyle/>
+          <a:p>
+            <a:r>
+              <a:rPr lang="en-GB" dirty="0">
+                <a:solidFill>
+                  <a:schemeClr val="bg1"/>
+                </a:solidFill>
+              </a:rPr>
+              <a:t>What will be the output of this method?</a:t>
+            </a:r>
+          </a:p>
+          <a:p>
+            <a:endParaRPr lang="en-GB" dirty="0">
+              <a:solidFill>
+                <a:schemeClr val="bg1"/>
+              </a:solidFill>
+            </a:endParaRPr>
+          </a:p>
+          <a:p>
+            <a:pPr marL="342900" indent="-342900">
+              <a:buFont typeface="+mj-lt"/>
+              <a:buAutoNum type="alphaUcPeriod"/>
+            </a:pPr>
+            <a:r>
+              <a:rPr lang="en-GB" dirty="0" err="1">
+                <a:solidFill>
+                  <a:schemeClr val="bg1"/>
+                </a:solidFill>
+              </a:rPr>
+              <a:t>AggregateException</a:t>
+            </a:r>
+            <a:br>
+              <a:rPr lang="en-GB" dirty="0">
+                <a:solidFill>
+                  <a:schemeClr val="bg1"/>
+                </a:solidFill>
+              </a:rPr>
+            </a:br>
+            <a:r>
+              <a:rPr lang="en-GB" dirty="0">
+                <a:solidFill>
+                  <a:schemeClr val="bg1"/>
+                </a:solidFill>
+              </a:rPr>
+              <a:t>One or more errors occurred. (This is a test exception)</a:t>
+            </a:r>
+            <a:br>
+              <a:rPr lang="en-GB" dirty="0">
+                <a:solidFill>
+                  <a:schemeClr val="bg1"/>
+                </a:solidFill>
+              </a:rPr>
+            </a:br>
+            <a:endParaRPr lang="en-GB" dirty="0">
+              <a:solidFill>
+                <a:schemeClr val="bg1"/>
+              </a:solidFill>
+            </a:endParaRPr>
+          </a:p>
+          <a:p>
+            <a:pPr marL="342900" indent="-342900">
+              <a:buFont typeface="+mj-lt"/>
+              <a:buAutoNum type="alphaUcPeriod"/>
+            </a:pPr>
+            <a:r>
+              <a:rPr lang="en-GB" dirty="0">
+                <a:solidFill>
+                  <a:schemeClr val="bg1"/>
+                </a:solidFill>
+              </a:rPr>
+              <a:t>Exception</a:t>
+            </a:r>
+          </a:p>
+          <a:p>
+            <a:r>
+              <a:rPr lang="en-GB" dirty="0">
+                <a:solidFill>
+                  <a:schemeClr val="bg1"/>
+                </a:solidFill>
+              </a:rPr>
+              <a:t>       This is a test exception</a:t>
+            </a:r>
+          </a:p>
+          <a:p>
+            <a:endParaRPr lang="en-GB" dirty="0">
+              <a:solidFill>
+                <a:schemeClr val="bg1"/>
+              </a:solidFill>
+            </a:endParaRPr>
+          </a:p>
+          <a:p>
+            <a:pPr marL="342900" indent="-342900">
+              <a:buAutoNum type="alphaUcPeriod" startAt="3"/>
+            </a:pPr>
+            <a:r>
+              <a:rPr lang="en-GB" dirty="0">
+                <a:solidFill>
+                  <a:schemeClr val="bg1"/>
+                </a:solidFill>
+              </a:rPr>
+              <a:t>An uncaught exception is thrown and can     be caught in the calling method</a:t>
+            </a:r>
+          </a:p>
+          <a:p>
+            <a:pPr marL="342900" indent="-342900">
+              <a:buAutoNum type="alphaUcPeriod" startAt="3"/>
+            </a:pPr>
+            <a:endParaRPr lang="en-GB" dirty="0">
+              <a:solidFill>
+                <a:schemeClr val="bg1"/>
+              </a:solidFill>
+            </a:endParaRPr>
+          </a:p>
+          <a:p>
+            <a:pPr marL="342900" indent="-342900">
+              <a:buAutoNum type="alphaUcPeriod" startAt="3"/>
+            </a:pPr>
+            <a:r>
+              <a:rPr lang="en-GB" dirty="0">
+                <a:solidFill>
+                  <a:schemeClr val="bg1"/>
+                </a:solidFill>
+              </a:rPr>
+              <a:t>None of the above.</a:t>
+            </a:r>
+          </a:p>
+        </p:txBody>
+      </p:sp>
+      <p:pic>
+        <p:nvPicPr>
+          <p:cNvPr id="3" name="Picture 2">
+            <a:extLst>
+              <a:ext uri="{FF2B5EF4-FFF2-40B4-BE49-F238E27FC236}">
+                <a16:creationId xmlns:a16="http://schemas.microsoft.com/office/drawing/2014/main" id="{1E68A627-623A-4C15-9AF8-EE50E57C2833}"/>
+              </a:ext>
+            </a:extLst>
+          </p:cNvPr>
+          <p:cNvPicPr>
+            <a:picLocks noChangeAspect="1"/>
+          </p:cNvPicPr>
+          <p:nvPr/>
+        </p:nvPicPr>
+        <p:blipFill>
+          <a:blip r:embed="rId2"/>
+          <a:stretch>
+            <a:fillRect/>
+          </a:stretch>
+        </p:blipFill>
+        <p:spPr>
+          <a:xfrm>
+            <a:off x="337421" y="340436"/>
+            <a:ext cx="5586301" cy="1911103"/>
+          </a:xfrm>
+          <a:prstGeom prst="rect">
+            <a:avLst/>
+          </a:prstGeom>
+        </p:spPr>
+      </p:pic>
+    </p:spTree>
+    <p:extLst>
+      <p:ext uri="{BB962C8B-B14F-4D97-AF65-F5344CB8AC3E}">
+        <p14:creationId xmlns:p14="http://schemas.microsoft.com/office/powerpoint/2010/main" val="1300467980"/>
+      </p:ext>
+    </p:extLst>
+  </p:cSld>
+  <p:clrMapOvr>
+    <a:masterClrMapping/>
+  </p:clrMapOvr>
+</p:sld>
+</file>
+
+<file path=ppt/slides/slide59.xml><?xml version="1.0" encoding="utf-8"?>
+<p:sld xmlns:a="http://schemas.openxmlformats.org/drawingml/2006/main" xmlns:r="http://schemas.openxmlformats.org/officeDocument/2006/relationships" xmlns:p="http://schemas.openxmlformats.org/presentationml/2006/main">
+  <p:cSld>
+    <p:bg>
+      <p:bgPr>
+        <a:solidFill>
+          <a:srgbClr val="1E1E1E"/>
+        </a:solidFill>
+        <a:effectLst/>
+      </p:bgPr>
+    </p:bg>
+    <p:spTree>
+      <p:nvGrpSpPr>
+        <p:cNvPr id="1" name=""/>
+        <p:cNvGrpSpPr/>
+        <p:nvPr/>
+      </p:nvGrpSpPr>
+      <p:grpSpPr>
+        <a:xfrm>
+          <a:off x="0" y="0"/>
+          <a:ext cx="0" cy="0"/>
+          <a:chOff x="0" y="0"/>
+          <a:chExt cx="0" cy="0"/>
+        </a:xfrm>
+      </p:grpSpPr>
+      <p:sp>
+        <p:nvSpPr>
+          <p:cNvPr id="6" name="TextBox 5">
+            <a:extLst>
+              <a:ext uri="{FF2B5EF4-FFF2-40B4-BE49-F238E27FC236}">
+                <a16:creationId xmlns:a16="http://schemas.microsoft.com/office/drawing/2014/main" id="{2CDFC944-8A12-42CA-B4D7-7CEF50C368ED}"/>
+              </a:ext>
+            </a:extLst>
+          </p:cNvPr>
+          <p:cNvSpPr txBox="1"/>
+          <p:nvPr/>
+        </p:nvSpPr>
+        <p:spPr>
+          <a:xfrm>
+            <a:off x="7315200" y="340436"/>
+            <a:ext cx="11364880" cy="369332"/>
+          </a:xfrm>
+          <a:prstGeom prst="rect">
+            <a:avLst/>
+          </a:prstGeom>
+          <a:noFill/>
+        </p:spPr>
+        <p:txBody>
+          <a:bodyPr wrap="square" rtlCol="0">
+            <a:spAutoFit/>
+          </a:bodyPr>
+          <a:lstStyle/>
+          <a:p>
+            <a:r>
+              <a:rPr lang="en-GB" dirty="0">
+                <a:solidFill>
+                  <a:schemeClr val="bg1"/>
+                </a:solidFill>
+              </a:rPr>
               <a:t>Question I </a:t>
             </a:r>
           </a:p>
@@ -16305,261 +16498,6 @@
 </p:sld>
 </file>
 
-<file path=ppt/slides/slide58.xml><?xml version="1.0" encoding="utf-8"?>
-<p:sld xmlns:a="http://schemas.openxmlformats.org/drawingml/2006/main" xmlns:r="http://schemas.openxmlformats.org/officeDocument/2006/relationships" xmlns:p="http://schemas.openxmlformats.org/presentationml/2006/main">
-  <p:cSld>
-    <p:spTree>
-      <p:nvGrpSpPr>
-        <p:cNvPr id="1" name=""/>
-        <p:cNvGrpSpPr/>
-        <p:nvPr/>
-      </p:nvGrpSpPr>
-      <p:grpSpPr>
-        <a:xfrm>
-          <a:off x="0" y="0"/>
-          <a:ext cx="0" cy="0"/>
-          <a:chOff x="0" y="0"/>
-          <a:chExt cx="0" cy="0"/>
-        </a:xfrm>
-      </p:grpSpPr>
-      <p:sp>
-        <p:nvSpPr>
-          <p:cNvPr id="4" name="TextBox 3">
-            <a:extLst>
-              <a:ext uri="{FF2B5EF4-FFF2-40B4-BE49-F238E27FC236}">
-                <a16:creationId xmlns:a16="http://schemas.microsoft.com/office/drawing/2014/main" id="{18767206-9205-42D0-A2AE-5A1017D4CB08}"/>
-              </a:ext>
-            </a:extLst>
-          </p:cNvPr>
-          <p:cNvSpPr txBox="1"/>
-          <p:nvPr/>
-        </p:nvSpPr>
-        <p:spPr>
-          <a:xfrm>
-            <a:off x="278297" y="212034"/>
-            <a:ext cx="11781182" cy="6524863"/>
-          </a:xfrm>
-          <a:prstGeom prst="rect">
-            <a:avLst/>
-          </a:prstGeom>
-          <a:noFill/>
-        </p:spPr>
-        <p:txBody>
-          <a:bodyPr wrap="square" rtlCol="0">
-            <a:spAutoFit/>
-          </a:bodyPr>
-          <a:lstStyle/>
-          <a:p>
-            <a:r>
-              <a:rPr lang="en-GB" sz="2200" b="1" dirty="0"/>
-              <a:t>Dealing with exceptions</a:t>
-            </a:r>
-          </a:p>
-          <a:p>
-            <a:endParaRPr lang="en-GB" sz="2200" b="1" dirty="0"/>
-          </a:p>
-          <a:p>
-            <a:pPr marL="342900" indent="-342900">
-              <a:buFont typeface="Arial" panose="020B0604020202020204" pitchFamily="34" charset="0"/>
-              <a:buChar char="•"/>
-            </a:pPr>
-            <a:r>
-              <a:rPr lang="en-GB" sz="2200" dirty="0"/>
-              <a:t>Observing the completion of a failed task by using </a:t>
-            </a:r>
-            <a:r>
-              <a:rPr lang="en-GB" sz="2200" b="1" dirty="0"/>
-              <a:t>Wait()</a:t>
-            </a:r>
-            <a:r>
-              <a:rPr lang="en-GB" sz="2200" dirty="0"/>
-              <a:t>,</a:t>
-            </a:r>
-            <a:r>
-              <a:rPr lang="en-GB" sz="2200" b="1" dirty="0"/>
-              <a:t> Result, await </a:t>
-            </a:r>
-            <a:r>
-              <a:rPr lang="en-GB" sz="2200" dirty="0"/>
-              <a:t>or </a:t>
-            </a:r>
-            <a:r>
-              <a:rPr lang="en-GB" sz="2200" b="1" dirty="0" err="1"/>
-              <a:t>GetAwaiter</a:t>
-            </a:r>
-            <a:r>
-              <a:rPr lang="en-GB" sz="2200" b="1" dirty="0"/>
-              <a:t>().</a:t>
-            </a:r>
-            <a:r>
-              <a:rPr lang="en-GB" sz="2200" b="1" dirty="0" err="1"/>
-              <a:t>GetResult</a:t>
-            </a:r>
-            <a:r>
-              <a:rPr lang="en-GB" sz="2200" b="1" dirty="0"/>
-              <a:t>() </a:t>
-            </a:r>
-            <a:r>
-              <a:rPr lang="en-GB" sz="2200" dirty="0"/>
-              <a:t>will propagate its exception. At this point, you need to handle it with a try/catch block. </a:t>
-            </a:r>
-          </a:p>
-          <a:p>
-            <a:pPr marL="342900" indent="-342900">
-              <a:buFont typeface="Arial" panose="020B0604020202020204" pitchFamily="34" charset="0"/>
-              <a:buChar char="•"/>
-            </a:pPr>
-            <a:endParaRPr lang="en-GB" sz="2200" dirty="0"/>
-          </a:p>
-          <a:p>
-            <a:pPr marL="342900" indent="-342900">
-              <a:buFont typeface="Arial" panose="020B0604020202020204" pitchFamily="34" charset="0"/>
-              <a:buChar char="•"/>
-            </a:pPr>
-            <a:r>
-              <a:rPr lang="en-GB" sz="2200" dirty="0"/>
-              <a:t>If a task is the parent of attached child tasks, or if you are waiting on multiple tasks, multiple exceptions could be thrown. These are grouped as a single </a:t>
-            </a:r>
-            <a:r>
-              <a:rPr lang="en-GB" sz="2200" b="1" dirty="0" err="1"/>
-              <a:t>AggregateException</a:t>
-            </a:r>
-            <a:r>
-              <a:rPr lang="en-GB" sz="2200" dirty="0"/>
-              <a:t>.</a:t>
-            </a:r>
-          </a:p>
-          <a:p>
-            <a:endParaRPr lang="en-GB" sz="2200" b="1" dirty="0"/>
-          </a:p>
-          <a:p>
-            <a:pPr marL="342900" indent="-342900">
-              <a:buFont typeface="Arial" panose="020B0604020202020204" pitchFamily="34" charset="0"/>
-              <a:buChar char="•"/>
-            </a:pPr>
-            <a:r>
-              <a:rPr lang="en-GB" sz="2200" dirty="0"/>
-              <a:t>Exceptions thrown within a task are always accessible from the </a:t>
-            </a:r>
-            <a:r>
-              <a:rPr lang="en-GB" sz="2200" b="1" dirty="0"/>
-              <a:t>Exception property</a:t>
-            </a:r>
-            <a:r>
-              <a:rPr lang="en-GB" sz="2200" dirty="0"/>
-              <a:t>. This is of type </a:t>
-            </a:r>
-            <a:r>
-              <a:rPr lang="en-GB" sz="2200" b="1" dirty="0" err="1"/>
-              <a:t>AggregateException</a:t>
-            </a:r>
-            <a:r>
-              <a:rPr lang="en-GB" sz="2200" dirty="0"/>
-              <a:t>. </a:t>
-            </a:r>
-          </a:p>
-          <a:p>
-            <a:endParaRPr lang="en-GB" sz="2200" b="1" dirty="0"/>
-          </a:p>
-          <a:p>
-            <a:pPr marL="342900" indent="-342900">
-              <a:buFont typeface="Arial" panose="020B0604020202020204" pitchFamily="34" charset="0"/>
-              <a:buChar char="•"/>
-            </a:pPr>
-            <a:r>
-              <a:rPr lang="en-GB" sz="2200" b="1" dirty="0"/>
-              <a:t>Using await or </a:t>
-            </a:r>
-            <a:r>
-              <a:rPr lang="en-GB" sz="2200" b="1" dirty="0" err="1"/>
-              <a:t>GetAwaiter</a:t>
-            </a:r>
-            <a:r>
-              <a:rPr lang="en-GB" sz="2200" b="1" dirty="0"/>
-              <a:t>().</a:t>
-            </a:r>
-            <a:r>
-              <a:rPr lang="en-GB" sz="2200" b="1" dirty="0" err="1"/>
-              <a:t>GetResult</a:t>
-            </a:r>
-            <a:r>
-              <a:rPr lang="en-GB" sz="2200" b="1" dirty="0"/>
-              <a:t>() will not throw an </a:t>
-            </a:r>
-            <a:r>
-              <a:rPr lang="en-GB" sz="2200" b="1" dirty="0" err="1"/>
-              <a:t>AggregateException</a:t>
-            </a:r>
-            <a:r>
-              <a:rPr lang="en-GB" sz="2200" dirty="0"/>
-              <a:t>. It will instead propagate the first exception which was thrown, just like when writing synchronous code. This is another key benefit to using async/await. You don’t have to worry about </a:t>
-            </a:r>
-            <a:r>
-              <a:rPr lang="en-GB" sz="2200" dirty="0" err="1"/>
-              <a:t>AggregateExceptions</a:t>
-            </a:r>
-            <a:r>
-              <a:rPr lang="en-GB" sz="2200" dirty="0"/>
-              <a:t>!</a:t>
-            </a:r>
-          </a:p>
-          <a:p>
-            <a:pPr marL="342900" indent="-342900">
-              <a:buFont typeface="Arial" panose="020B0604020202020204" pitchFamily="34" charset="0"/>
-              <a:buChar char="•"/>
-            </a:pPr>
-            <a:endParaRPr lang="en-GB" sz="2200" dirty="0"/>
-          </a:p>
-          <a:p>
-            <a:pPr marL="342900" indent="-342900">
-              <a:buFont typeface="Arial" panose="020B0604020202020204" pitchFamily="34" charset="0"/>
-              <a:buChar char="•"/>
-            </a:pPr>
-            <a:r>
-              <a:rPr lang="en-GB" sz="2200" dirty="0"/>
-              <a:t>If you don’t observe the completion of a task which has thrown an exception, the garbage collector will trigger the </a:t>
-            </a:r>
-            <a:r>
-              <a:rPr lang="en-GB" sz="2200" b="1" dirty="0" err="1"/>
-              <a:t>UnobservedTaskException</a:t>
-            </a:r>
-            <a:r>
-              <a:rPr lang="en-GB" sz="2200" dirty="0"/>
-              <a:t> event on the </a:t>
-            </a:r>
-            <a:r>
-              <a:rPr lang="en-GB" sz="2200" b="1" dirty="0" err="1"/>
-              <a:t>TaskScheduler</a:t>
-            </a:r>
-            <a:r>
-              <a:rPr lang="en-GB" sz="2200" dirty="0"/>
-              <a:t>, which by default will </a:t>
-            </a:r>
-            <a:r>
-              <a:rPr lang="en-GB" sz="2200" b="1" dirty="0"/>
-              <a:t>completely terminate your process</a:t>
-            </a:r>
-            <a:r>
-              <a:rPr lang="en-GB" sz="2200" dirty="0"/>
-              <a:t>. This default behaviour can be overridden however. </a:t>
-            </a:r>
-            <a:endParaRPr lang="en-GB" sz="2200" b="1" dirty="0"/>
-          </a:p>
-        </p:txBody>
-      </p:sp>
-    </p:spTree>
-    <p:extLst>
-      <p:ext uri="{BB962C8B-B14F-4D97-AF65-F5344CB8AC3E}">
-        <p14:creationId xmlns:p14="http://schemas.microsoft.com/office/powerpoint/2010/main" val="25185311"/>
-      </p:ext>
-    </p:extLst>
-  </p:cSld>
-  <p:clrMapOvr>
-    <a:masterClrMapping/>
-  </p:clrMapOvr>
-</p:sld>
-</file>
-
 <file path=ppt/slides/slide6.xml><?xml version="1.0" encoding="utf-8"?>
 <p:sld xmlns:a="http://schemas.openxmlformats.org/drawingml/2006/main" xmlns:r="http://schemas.openxmlformats.org/officeDocument/2006/relationships" xmlns:p="http://schemas.openxmlformats.org/presentationml/2006/main">
   <p:cSld>
@@ -16592,7 +16530,7 @@
         <p:spPr>
           <a:xfrm>
             <a:off x="145775" y="132522"/>
-            <a:ext cx="11781182" cy="6001643"/>
+            <a:ext cx="11781182" cy="6555641"/>
           </a:xfrm>
           <a:prstGeom prst="rect">
             <a:avLst/>
@@ -16606,12 +16544,12 @@
           <a:lstStyle/>
           <a:p>
             <a:r>
-              <a:rPr lang="en-GB" sz="3200" b="1" dirty="0"/>
-              <a:t>Summary</a:t>
-            </a:r>
-          </a:p>
-          <a:p>
-            <a:endParaRPr lang="en-GB" sz="3200" b="1" dirty="0"/>
+              <a:rPr lang="en-GB" sz="2800" b="1" dirty="0"/>
+              <a:t>Some (possibly confusing) facts about synchronous and asynchronous code</a:t>
+            </a:r>
+          </a:p>
+          <a:p>
+            <a:endParaRPr lang="en-GB" sz="2800" dirty="0"/>
           </a:p>
           <a:p>
             <a:pPr marL="457200" indent="-457200">
@@ -16619,8 +16557,8 @@
               <a:buChar char="•"/>
             </a:pPr>
             <a:r>
-              <a:rPr lang="en-GB" sz="3200" dirty="0"/>
-              <a:t>Task is almost always the best option.</a:t>
+              <a:rPr lang="en-GB" sz="2800" dirty="0"/>
+              <a:t>Synchronous code may or may not run in the same thread.</a:t>
             </a:r>
           </a:p>
           <a:p>
@@ -16628,7 +16566,7 @@
               <a:buFont typeface="Arial" panose="020B0604020202020204" pitchFamily="34" charset="0"/>
               <a:buChar char="•"/>
             </a:pPr>
-            <a:endParaRPr lang="en-GB" sz="3200" dirty="0"/>
+            <a:endParaRPr lang="en-GB" sz="2800" dirty="0"/>
           </a:p>
           <a:p>
             <a:pPr marL="457200" indent="-457200">
@@ -16636,8 +16574,8 @@
               <a:buChar char="•"/>
             </a:pPr>
             <a:r>
-              <a:rPr lang="en-GB" sz="3200" dirty="0"/>
-              <a:t>It provides a more powerful API and avoids wasting OS threads.</a:t>
+              <a:rPr lang="en-GB" sz="2800" dirty="0"/>
+              <a:t>Synchronous operations can be performed sequentially, or simultaneously. </a:t>
             </a:r>
           </a:p>
           <a:p>
@@ -16645,7 +16583,7 @@
               <a:buFont typeface="Arial" panose="020B0604020202020204" pitchFamily="34" charset="0"/>
               <a:buChar char="•"/>
             </a:pPr>
-            <a:endParaRPr lang="en-GB" sz="3200" dirty="0"/>
+            <a:endParaRPr lang="en-GB" sz="2800" dirty="0"/>
           </a:p>
           <a:p>
             <a:pPr marL="457200" indent="-457200">
@@ -16653,8 +16591,8 @@
               <a:buChar char="•"/>
             </a:pPr>
             <a:r>
-              <a:rPr lang="en-GB" sz="3200" dirty="0"/>
-              <a:t>The only reason to explicitly create your own threads in modern code are for setting per-thread options, or maintaining a persistent thread that needs to maintain its own identity. </a:t>
+              <a:rPr lang="en-GB" sz="2800" dirty="0"/>
+              <a:t>Asynchronous operations may or may not run in multiple threads. </a:t>
             </a:r>
           </a:p>
           <a:p>
@@ -16662,7 +16600,7 @@
               <a:buFont typeface="Arial" panose="020B0604020202020204" pitchFamily="34" charset="0"/>
               <a:buChar char="•"/>
             </a:pPr>
-            <a:endParaRPr lang="en-GB" sz="3200" dirty="0"/>
+            <a:endParaRPr lang="en-GB" sz="2800" dirty="0"/>
           </a:p>
           <a:p>
             <a:pPr marL="457200" indent="-457200">
@@ -16670,20 +16608,23 @@
               <a:buChar char="•"/>
             </a:pPr>
             <a:r>
-              <a:rPr lang="en-GB" sz="3200" dirty="0"/>
-              <a:t>Unless you have a good reason, </a:t>
-            </a:r>
-            <a:r>
-              <a:rPr lang="en-GB" sz="3200" b="1" u="sng" dirty="0"/>
-              <a:t>completely ignore Thread and </a:t>
-            </a:r>
-            <a:r>
-              <a:rPr lang="en-GB" sz="3200" b="1" u="sng" dirty="0" err="1"/>
-              <a:t>ThreadPool</a:t>
-            </a:r>
-            <a:r>
-              <a:rPr lang="en-GB" sz="3200" b="1" u="sng" dirty="0"/>
-              <a:t>. Only think about Task!</a:t>
+              <a:rPr lang="en-GB" sz="2800" dirty="0"/>
+              <a:t>Asynchronous operations can be just scheduled but never guaranteed to run at a certain time. </a:t>
+            </a:r>
+          </a:p>
+          <a:p>
+            <a:endParaRPr lang="en-GB" sz="2800" dirty="0"/>
+          </a:p>
+          <a:p>
+            <a:r>
+              <a:rPr lang="en-GB" sz="2800" dirty="0"/>
+              <a:t>Asynchrony has nothing to do with “other threads”, “background”, “simultaneous”, or “concurrent”. All of those things are irrelevant. </a:t>
+            </a:r>
+          </a:p>
+          <a:p>
+            <a:r>
+              <a:rPr lang="en-GB" sz="2800" dirty="0"/>
+              <a:t>It’s just a way to design code where you can avoid both resource contention and thread blocking. </a:t>
             </a:r>
           </a:p>
         </p:txBody>
@@ -16691,7 +16632,262 @@
     </p:spTree>
     <p:extLst>
       <p:ext uri="{BB962C8B-B14F-4D97-AF65-F5344CB8AC3E}">
-        <p14:creationId xmlns:p14="http://schemas.microsoft.com/office/powerpoint/2010/main" val="1198929045"/>
+        <p14:creationId xmlns:p14="http://schemas.microsoft.com/office/powerpoint/2010/main" val="777985352"/>
+      </p:ext>
+    </p:extLst>
+  </p:cSld>
+  <p:clrMapOvr>
+    <a:masterClrMapping/>
+  </p:clrMapOvr>
+</p:sld>
+</file>
+
+<file path=ppt/slides/slide60.xml><?xml version="1.0" encoding="utf-8"?>
+<p:sld xmlns:a="http://schemas.openxmlformats.org/drawingml/2006/main" xmlns:r="http://schemas.openxmlformats.org/officeDocument/2006/relationships" xmlns:p="http://schemas.openxmlformats.org/presentationml/2006/main">
+  <p:cSld>
+    <p:spTree>
+      <p:nvGrpSpPr>
+        <p:cNvPr id="1" name=""/>
+        <p:cNvGrpSpPr/>
+        <p:nvPr/>
+      </p:nvGrpSpPr>
+      <p:grpSpPr>
+        <a:xfrm>
+          <a:off x="0" y="0"/>
+          <a:ext cx="0" cy="0"/>
+          <a:chOff x="0" y="0"/>
+          <a:chExt cx="0" cy="0"/>
+        </a:xfrm>
+      </p:grpSpPr>
+      <p:sp>
+        <p:nvSpPr>
+          <p:cNvPr id="4" name="TextBox 3">
+            <a:extLst>
+              <a:ext uri="{FF2B5EF4-FFF2-40B4-BE49-F238E27FC236}">
+                <a16:creationId xmlns:a16="http://schemas.microsoft.com/office/drawing/2014/main" id="{18767206-9205-42D0-A2AE-5A1017D4CB08}"/>
+              </a:ext>
+            </a:extLst>
+          </p:cNvPr>
+          <p:cNvSpPr txBox="1"/>
+          <p:nvPr/>
+        </p:nvSpPr>
+        <p:spPr>
+          <a:xfrm>
+            <a:off x="278297" y="212034"/>
+            <a:ext cx="11781182" cy="6524863"/>
+          </a:xfrm>
+          <a:prstGeom prst="rect">
+            <a:avLst/>
+          </a:prstGeom>
+          <a:noFill/>
+        </p:spPr>
+        <p:txBody>
+          <a:bodyPr wrap="square" rtlCol="0">
+            <a:spAutoFit/>
+          </a:bodyPr>
+          <a:lstStyle/>
+          <a:p>
+            <a:r>
+              <a:rPr lang="en-GB" sz="2200" b="1" dirty="0"/>
+              <a:t>Dealing with exceptions</a:t>
+            </a:r>
+          </a:p>
+          <a:p>
+            <a:endParaRPr lang="en-GB" sz="2200" b="1" dirty="0"/>
+          </a:p>
+          <a:p>
+            <a:pPr marL="342900" indent="-342900">
+              <a:buFont typeface="Arial" panose="020B0604020202020204" pitchFamily="34" charset="0"/>
+              <a:buChar char="•"/>
+            </a:pPr>
+            <a:r>
+              <a:rPr lang="en-GB" sz="2200" dirty="0"/>
+              <a:t>Observing the completion of a failed task by using </a:t>
+            </a:r>
+            <a:r>
+              <a:rPr lang="en-GB" sz="2200" b="1" dirty="0"/>
+              <a:t>Wait()</a:t>
+            </a:r>
+            <a:r>
+              <a:rPr lang="en-GB" sz="2200" dirty="0"/>
+              <a:t>,</a:t>
+            </a:r>
+            <a:r>
+              <a:rPr lang="en-GB" sz="2200" b="1" dirty="0"/>
+              <a:t> Result, await </a:t>
+            </a:r>
+            <a:r>
+              <a:rPr lang="en-GB" sz="2200" dirty="0"/>
+              <a:t>or </a:t>
+            </a:r>
+            <a:r>
+              <a:rPr lang="en-GB" sz="2200" b="1" dirty="0" err="1"/>
+              <a:t>GetAwaiter</a:t>
+            </a:r>
+            <a:r>
+              <a:rPr lang="en-GB" sz="2200" b="1" dirty="0"/>
+              <a:t>().</a:t>
+            </a:r>
+            <a:r>
+              <a:rPr lang="en-GB" sz="2200" b="1" dirty="0" err="1"/>
+              <a:t>GetResult</a:t>
+            </a:r>
+            <a:r>
+              <a:rPr lang="en-GB" sz="2200" b="1" dirty="0"/>
+              <a:t>() </a:t>
+            </a:r>
+            <a:r>
+              <a:rPr lang="en-GB" sz="2200" dirty="0"/>
+              <a:t>will propagate its exception. At this point, you need to handle it with a try/catch block. </a:t>
+            </a:r>
+          </a:p>
+          <a:p>
+            <a:pPr marL="342900" indent="-342900">
+              <a:buFont typeface="Arial" panose="020B0604020202020204" pitchFamily="34" charset="0"/>
+              <a:buChar char="•"/>
+            </a:pPr>
+            <a:endParaRPr lang="en-GB" sz="2200" dirty="0"/>
+          </a:p>
+          <a:p>
+            <a:pPr marL="342900" indent="-342900">
+              <a:buFont typeface="Arial" panose="020B0604020202020204" pitchFamily="34" charset="0"/>
+              <a:buChar char="•"/>
+            </a:pPr>
+            <a:r>
+              <a:rPr lang="en-GB" sz="2200" dirty="0"/>
+              <a:t>If a task is the parent of attached child tasks, or if you are waiting on multiple tasks, multiple exceptions could be thrown. These are grouped as a single </a:t>
+            </a:r>
+            <a:r>
+              <a:rPr lang="en-GB" sz="2200" b="1" dirty="0" err="1"/>
+              <a:t>AggregateException</a:t>
+            </a:r>
+            <a:r>
+              <a:rPr lang="en-GB" sz="2200" dirty="0"/>
+              <a:t>.</a:t>
+            </a:r>
+          </a:p>
+          <a:p>
+            <a:endParaRPr lang="en-GB" sz="2200" b="1" dirty="0"/>
+          </a:p>
+          <a:p>
+            <a:pPr marL="342900" indent="-342900">
+              <a:buFont typeface="Arial" panose="020B0604020202020204" pitchFamily="34" charset="0"/>
+              <a:buChar char="•"/>
+            </a:pPr>
+            <a:r>
+              <a:rPr lang="en-GB" sz="2200" dirty="0"/>
+              <a:t>Exceptions thrown within a task are always accessible from the </a:t>
+            </a:r>
+            <a:r>
+              <a:rPr lang="en-GB" sz="2200" b="1" dirty="0"/>
+              <a:t>Exception property</a:t>
+            </a:r>
+            <a:r>
+              <a:rPr lang="en-GB" sz="2200" dirty="0"/>
+              <a:t>. This is of type </a:t>
+            </a:r>
+            <a:r>
+              <a:rPr lang="en-GB" sz="2200" b="1" dirty="0" err="1"/>
+              <a:t>AggregateException</a:t>
+            </a:r>
+            <a:r>
+              <a:rPr lang="en-GB" sz="2200" dirty="0"/>
+              <a:t>. </a:t>
+            </a:r>
+          </a:p>
+          <a:p>
+            <a:endParaRPr lang="en-GB" sz="2200" b="1" dirty="0"/>
+          </a:p>
+          <a:p>
+            <a:pPr marL="342900" indent="-342900">
+              <a:buFont typeface="Arial" panose="020B0604020202020204" pitchFamily="34" charset="0"/>
+              <a:buChar char="•"/>
+            </a:pPr>
+            <a:r>
+              <a:rPr lang="en-GB" sz="2200" b="1" dirty="0"/>
+              <a:t>Using await or </a:t>
+            </a:r>
+            <a:r>
+              <a:rPr lang="en-GB" sz="2200" b="1" dirty="0" err="1"/>
+              <a:t>GetAwaiter</a:t>
+            </a:r>
+            <a:r>
+              <a:rPr lang="en-GB" sz="2200" b="1" dirty="0"/>
+              <a:t>().</a:t>
+            </a:r>
+            <a:r>
+              <a:rPr lang="en-GB" sz="2200" b="1" dirty="0" err="1"/>
+              <a:t>GetResult</a:t>
+            </a:r>
+            <a:r>
+              <a:rPr lang="en-GB" sz="2200" b="1" dirty="0"/>
+              <a:t>() will not throw an </a:t>
+            </a:r>
+            <a:r>
+              <a:rPr lang="en-GB" sz="2200" b="1" dirty="0" err="1"/>
+              <a:t>AggregateException</a:t>
+            </a:r>
+            <a:r>
+              <a:rPr lang="en-GB" sz="2200" dirty="0"/>
+              <a:t>. It will instead propagate the first exception which was thrown, just like when writing synchronous code. This is another key benefit to using async/await. You don’t have to worry about </a:t>
+            </a:r>
+            <a:r>
+              <a:rPr lang="en-GB" sz="2200" dirty="0" err="1"/>
+              <a:t>AggregateExceptions</a:t>
+            </a:r>
+            <a:r>
+              <a:rPr lang="en-GB" sz="2200" dirty="0"/>
+              <a:t>!</a:t>
+            </a:r>
+          </a:p>
+          <a:p>
+            <a:pPr marL="342900" indent="-342900">
+              <a:buFont typeface="Arial" panose="020B0604020202020204" pitchFamily="34" charset="0"/>
+              <a:buChar char="•"/>
+            </a:pPr>
+            <a:endParaRPr lang="en-GB" sz="2200" dirty="0"/>
+          </a:p>
+          <a:p>
+            <a:pPr marL="342900" indent="-342900">
+              <a:buFont typeface="Arial" panose="020B0604020202020204" pitchFamily="34" charset="0"/>
+              <a:buChar char="•"/>
+            </a:pPr>
+            <a:r>
+              <a:rPr lang="en-GB" sz="2200" dirty="0"/>
+              <a:t>If you don’t observe the completion of a task which has thrown an exception, the garbage collector will trigger the </a:t>
+            </a:r>
+            <a:r>
+              <a:rPr lang="en-GB" sz="2200" b="1" dirty="0" err="1"/>
+              <a:t>UnobservedTaskException</a:t>
+            </a:r>
+            <a:r>
+              <a:rPr lang="en-GB" sz="2200" dirty="0"/>
+              <a:t> event on the </a:t>
+            </a:r>
+            <a:r>
+              <a:rPr lang="en-GB" sz="2200" b="1" dirty="0" err="1"/>
+              <a:t>TaskScheduler</a:t>
+            </a:r>
+            <a:r>
+              <a:rPr lang="en-GB" sz="2200" dirty="0"/>
+              <a:t>, which by default will </a:t>
+            </a:r>
+            <a:r>
+              <a:rPr lang="en-GB" sz="2200" b="1" dirty="0"/>
+              <a:t>completely terminate your process</a:t>
+            </a:r>
+            <a:r>
+              <a:rPr lang="en-GB" sz="2200" dirty="0"/>
+              <a:t>. This default behaviour can be overridden however. </a:t>
+            </a:r>
+            <a:endParaRPr lang="en-GB" sz="2200" b="1" dirty="0"/>
+          </a:p>
+        </p:txBody>
+      </p:sp>
+    </p:spTree>
+    <p:extLst>
+      <p:ext uri="{BB962C8B-B14F-4D97-AF65-F5344CB8AC3E}">
+        <p14:creationId xmlns:p14="http://schemas.microsoft.com/office/powerpoint/2010/main" val="25185311"/>
       </p:ext>
     </p:extLst>
   </p:cSld>
@@ -16734,21 +16930,22 @@
             <p:ph type="ctrTitle"/>
           </p:nvPr>
         </p:nvSpPr>
-        <p:spPr>
-          <a:xfrm>
-            <a:off x="1524000" y="1122363"/>
-            <a:ext cx="9144000" cy="1991898"/>
-          </a:xfrm>
-        </p:spPr>
+        <p:spPr/>
         <p:txBody>
-          <a:bodyPr>
-            <a:normAutofit fontScale="90000"/>
-          </a:bodyPr>
+          <a:bodyPr/>
           <a:lstStyle/>
           <a:p>
             <a:r>
               <a:rPr lang="en-GB" dirty="0"/>
-              <a:t>What exactly are synchronous and asynchronous operations?</a:t>
+              <a:t>Task, Task&lt;T&gt;, Thread and </a:t>
+            </a:r>
+            <a:r>
+              <a:rPr lang="en-GB" dirty="0" err="1"/>
+              <a:t>ThreadPool</a:t>
+            </a:r>
+            <a:r>
+              <a:rPr lang="en-GB" dirty="0"/>
+              <a:t> classes in C#</a:t>
             </a:r>
           </a:p>
         </p:txBody>
@@ -16756,7 +16953,7 @@
     </p:spTree>
     <p:extLst>
       <p:ext uri="{BB962C8B-B14F-4D97-AF65-F5344CB8AC3E}">
-        <p14:creationId xmlns:p14="http://schemas.microsoft.com/office/powerpoint/2010/main" val="1555093637"/>
+        <p14:creationId xmlns:p14="http://schemas.microsoft.com/office/powerpoint/2010/main" val="2052231843"/>
       </p:ext>
     </p:extLst>
   </p:cSld>
@@ -16798,7 +16995,7 @@
         <p:spPr>
           <a:xfrm>
             <a:off x="145775" y="132522"/>
-            <a:ext cx="11781182" cy="6986528"/>
+            <a:ext cx="11781182" cy="6725478"/>
           </a:xfrm>
           <a:prstGeom prst="rect">
             <a:avLst/>
@@ -16813,68 +17010,54 @@
           <a:p>
             <a:r>
               <a:rPr lang="en-GB" sz="3200" b="1" dirty="0"/>
-              <a:t>In simple terms…</a:t>
-            </a:r>
-          </a:p>
-          <a:p>
-            <a:endParaRPr lang="en-GB" sz="3200" b="1" dirty="0"/>
-          </a:p>
-          <a:p>
-            <a:endParaRPr lang="en-GB" sz="3200" b="1" dirty="0"/>
-          </a:p>
-          <a:p>
+              <a:t>Thread</a:t>
+            </a:r>
+          </a:p>
+          <a:p>
+            <a:pPr marL="457200" indent="-457200">
+              <a:buFont typeface="Arial" panose="020B0604020202020204" pitchFamily="34" charset="0"/>
+              <a:buChar char="•"/>
+            </a:pPr>
             <a:r>
               <a:rPr lang="en-GB" sz="3200" dirty="0"/>
-              <a:t>When you execute something </a:t>
-            </a:r>
-            <a:r>
-              <a:rPr lang="en-GB" sz="3200" b="1" dirty="0"/>
-              <a:t>synchronously</a:t>
-            </a:r>
+              <a:t>Represents an actual OS-level thread, with its own stack and kernel resources. </a:t>
+            </a:r>
+          </a:p>
+          <a:p>
+            <a:pPr marL="457200" indent="-457200">
+              <a:buFont typeface="Arial" panose="020B0604020202020204" pitchFamily="34" charset="0"/>
+              <a:buChar char="•"/>
+            </a:pPr>
             <a:r>
               <a:rPr lang="en-GB" sz="3200" dirty="0"/>
-              <a:t>, you wait for it to finish before moving onto another task. </a:t>
-            </a:r>
-          </a:p>
-          <a:p>
-            <a:endParaRPr lang="en-GB" sz="3200" dirty="0"/>
-          </a:p>
-          <a:p>
+              <a:t>Allows the highest degree of control; you can Abort(), Suspend(), or Resume() a thread. You can also observe its state and set its properties such as its stack size. </a:t>
+            </a:r>
+          </a:p>
+          <a:p>
+            <a:pPr marL="457200" indent="-457200">
+              <a:buFont typeface="Arial" panose="020B0604020202020204" pitchFamily="34" charset="0"/>
+              <a:buChar char="•"/>
+            </a:pPr>
             <a:r>
               <a:rPr lang="en-GB" sz="3200" dirty="0"/>
-              <a:t>When you execute something </a:t>
-            </a:r>
-            <a:r>
-              <a:rPr lang="en-GB" sz="3200" b="1" dirty="0"/>
-              <a:t>asynchronously</a:t>
-            </a:r>
+              <a:t>The problem with using this class is that OS threads are costly. Each thread uses a non-trivial amount of memory for its stack and adds additional CPU overhead as the processor context-switches between threads. </a:t>
+            </a:r>
+          </a:p>
+          <a:p>
+            <a:pPr marL="457200" indent="-457200">
+              <a:buFont typeface="Arial" panose="020B0604020202020204" pitchFamily="34" charset="0"/>
+              <a:buChar char="•"/>
+            </a:pPr>
             <a:r>
               <a:rPr lang="en-GB" sz="3200" dirty="0"/>
-              <a:t>, you can move onto another task before the first one finishes. </a:t>
-            </a:r>
-          </a:p>
-          <a:p>
-            <a:endParaRPr lang="en-GB" sz="3200" dirty="0"/>
-          </a:p>
-          <a:p>
-            <a:endParaRPr lang="en-GB" sz="3200" dirty="0"/>
-          </a:p>
-          <a:p>
-            <a:r>
-              <a:rPr lang="en-GB" sz="3200" dirty="0"/>
-              <a:t>That’s really all it is!</a:t>
-            </a:r>
-          </a:p>
-          <a:p>
-            <a:endParaRPr lang="en-GB" sz="3200" dirty="0"/>
-          </a:p>
-          <a:p>
-            <a:r>
-              <a:rPr lang="en-GB" sz="3200" dirty="0"/>
-              <a:t>Unfortunately, implementation of this can be tricky to understand.</a:t>
-            </a:r>
-          </a:p>
-          <a:p>
+              <a:t>It’s considered good practice to only have a small pool of threads which are reused and execute code as work becomes available.</a:t>
+            </a:r>
+          </a:p>
+          <a:p>
+            <a:pPr marL="457200" indent="-457200">
+              <a:buFont typeface="Arial" panose="020B0604020202020204" pitchFamily="34" charset="0"/>
+              <a:buChar char="•"/>
+            </a:pPr>
             <a:endParaRPr lang="en-GB" sz="3200" dirty="0"/>
           </a:p>
         </p:txBody>
@@ -16882,7 +17065,7 @@
     </p:spTree>
     <p:extLst>
       <p:ext uri="{BB962C8B-B14F-4D97-AF65-F5344CB8AC3E}">
-        <p14:creationId xmlns:p14="http://schemas.microsoft.com/office/powerpoint/2010/main" val="3821427679"/>
+        <p14:creationId xmlns:p14="http://schemas.microsoft.com/office/powerpoint/2010/main" val="1487075976"/>
       </p:ext>
     </p:extLst>
   </p:cSld>
@@ -16924,7 +17107,7 @@
         <p:spPr>
           <a:xfrm>
             <a:off x="145775" y="132522"/>
-            <a:ext cx="11781182" cy="6555641"/>
+            <a:ext cx="11781182" cy="6001643"/>
           </a:xfrm>
           <a:prstGeom prst="rect">
             <a:avLst/>
@@ -16938,12 +17121,10 @@
           <a:lstStyle/>
           <a:p>
             <a:r>
-              <a:rPr lang="en-GB" sz="2800" b="1" dirty="0"/>
-              <a:t>Some (possibly confusing) facts about synchronous and asynchronous code</a:t>
-            </a:r>
-          </a:p>
-          <a:p>
-            <a:endParaRPr lang="en-GB" sz="2800" dirty="0"/>
+              <a:rPr lang="en-GB" sz="3200" b="1" dirty="0" err="1"/>
+              <a:t>ThreadPool</a:t>
+            </a:r>
+            <a:endParaRPr lang="en-GB" sz="3200" b="1" dirty="0"/>
           </a:p>
           <a:p>
             <a:pPr marL="457200" indent="-457200">
@@ -16951,8 +17132,8 @@
               <a:buChar char="•"/>
             </a:pPr>
             <a:r>
-              <a:rPr lang="en-GB" sz="2800" dirty="0"/>
-              <a:t>Synchronous code may or may not run in the same thread.</a:t>
+              <a:rPr lang="en-GB" sz="3200" dirty="0"/>
+              <a:t>Acts as a wrapper around a pool of threads maintained by the CLR. </a:t>
             </a:r>
           </a:p>
           <a:p>
@@ -16960,7 +17141,10 @@
               <a:buFont typeface="Arial" panose="020B0604020202020204" pitchFamily="34" charset="0"/>
               <a:buChar char="•"/>
             </a:pPr>
-            <a:endParaRPr lang="en-GB" sz="2800" dirty="0"/>
+            <a:r>
+              <a:rPr lang="en-GB" sz="3200" dirty="0"/>
+              <a:t>Gives you no control at all. You can submit work to be completed but you can’t even determine when the pool will start the work or when it’s completed it. You also can’t determine the result. </a:t>
+            </a:r>
           </a:p>
           <a:p>
             <a:pPr marL="457200" indent="-457200">
@@ -16968,8 +17152,16 @@
               <a:buChar char="•"/>
             </a:pPr>
             <a:r>
-              <a:rPr lang="en-GB" sz="2800" dirty="0"/>
-              <a:t>Synchronous operations can be performed sequentially, or simultaneously. </a:t>
+              <a:rPr lang="en-GB" sz="3200" dirty="0"/>
+              <a:t>Using </a:t>
+            </a:r>
+            <a:r>
+              <a:rPr lang="en-GB" sz="3200" dirty="0" err="1"/>
+              <a:t>ThreadPool</a:t>
+            </a:r>
+            <a:r>
+              <a:rPr lang="en-GB" sz="3200" dirty="0"/>
+              <a:t> avoids the overhead of creating too many threads. </a:t>
             </a:r>
           </a:p>
           <a:p>
@@ -16977,7 +17169,10 @@
               <a:buFont typeface="Arial" panose="020B0604020202020204" pitchFamily="34" charset="0"/>
               <a:buChar char="•"/>
             </a:pPr>
-            <a:endParaRPr lang="en-GB" sz="2800" dirty="0"/>
+            <a:r>
+              <a:rPr lang="en-GB" sz="3200" dirty="0"/>
+              <a:t>Submitting too many long-running tasks to the thread pool is bad however, as it can get full and later work that it submitted can end up waiting a long time for earlier submitted tasks to finish. </a:t>
+            </a:r>
           </a:p>
           <a:p>
             <a:pPr marL="457200" indent="-457200">
@@ -16985,40 +17180,8 @@
               <a:buChar char="•"/>
             </a:pPr>
             <a:r>
-              <a:rPr lang="en-GB" sz="2800" dirty="0"/>
-              <a:t>Asynchronous operations may or may not run in multiple threads. </a:t>
-            </a:r>
-          </a:p>
-          <a:p>
-            <a:pPr marL="457200" indent="-457200">
-              <a:buFont typeface="Arial" panose="020B0604020202020204" pitchFamily="34" charset="0"/>
-              <a:buChar char="•"/>
-            </a:pPr>
-            <a:endParaRPr lang="en-GB" sz="2800" dirty="0"/>
-          </a:p>
-          <a:p>
-            <a:pPr marL="457200" indent="-457200">
-              <a:buFont typeface="Arial" panose="020B0604020202020204" pitchFamily="34" charset="0"/>
-              <a:buChar char="•"/>
-            </a:pPr>
-            <a:r>
-              <a:rPr lang="en-GB" sz="2800" dirty="0"/>
-              <a:t>Asynchronous operations can be just scheduled but never guaranteed to run at a certain time. </a:t>
-            </a:r>
-          </a:p>
-          <a:p>
-            <a:endParaRPr lang="en-GB" sz="2800" dirty="0"/>
-          </a:p>
-          <a:p>
-            <a:r>
-              <a:rPr lang="en-GB" sz="2800" dirty="0"/>
-              <a:t>Asynchrony has nothing to do with “other threads”, “background”, “simultaneous”, or “concurrent”. All of those things are irrelevant. </a:t>
-            </a:r>
-          </a:p>
-          <a:p>
-            <a:r>
-              <a:rPr lang="en-GB" sz="2800" dirty="0"/>
-              <a:t>It’s just a way to design code where you can avoid both resource contention and thread blocking. </a:t>
+              <a:rPr lang="en-GB" sz="3200" dirty="0"/>
+              <a:t>It’s therefore best used for short operations when the caller does not need the result. </a:t>
             </a:r>
           </a:p>
         </p:txBody>
@@ -17026,7 +17189,7 @@
     </p:spTree>
     <p:extLst>
       <p:ext uri="{BB962C8B-B14F-4D97-AF65-F5344CB8AC3E}">
-        <p14:creationId xmlns:p14="http://schemas.microsoft.com/office/powerpoint/2010/main" val="777985352"/>
+        <p14:creationId xmlns:p14="http://schemas.microsoft.com/office/powerpoint/2010/main" val="3951006242"/>
       </p:ext>
     </p:extLst>
   </p:cSld>

--- a/Async and await presentation.pptx
+++ b/Async and await presentation.pptx
@@ -320,7 +320,7 @@
           <a:p>
             <a:fld id="{BFEF692B-FC3E-4552-B87F-4B5A00EB12B2}" type="datetimeFigureOut">
               <a:rPr lang="en-GB" smtClean="0"/>
-              <a:t>02/03/2020</a:t>
+              <a:t>03/03/2020</a:t>
             </a:fld>
             <a:endParaRPr lang="en-GB"/>
           </a:p>
@@ -520,7 +520,7 @@
           <a:p>
             <a:fld id="{BFEF692B-FC3E-4552-B87F-4B5A00EB12B2}" type="datetimeFigureOut">
               <a:rPr lang="en-GB" smtClean="0"/>
-              <a:t>02/03/2020</a:t>
+              <a:t>03/03/2020</a:t>
             </a:fld>
             <a:endParaRPr lang="en-GB"/>
           </a:p>
@@ -730,7 +730,7 @@
           <a:p>
             <a:fld id="{BFEF692B-FC3E-4552-B87F-4B5A00EB12B2}" type="datetimeFigureOut">
               <a:rPr lang="en-GB" smtClean="0"/>
-              <a:t>02/03/2020</a:t>
+              <a:t>03/03/2020</a:t>
             </a:fld>
             <a:endParaRPr lang="en-GB"/>
           </a:p>
@@ -930,7 +930,7 @@
           <a:p>
             <a:fld id="{BFEF692B-FC3E-4552-B87F-4B5A00EB12B2}" type="datetimeFigureOut">
               <a:rPr lang="en-GB" smtClean="0"/>
-              <a:t>02/03/2020</a:t>
+              <a:t>03/03/2020</a:t>
             </a:fld>
             <a:endParaRPr lang="en-GB"/>
           </a:p>
@@ -1206,7 +1206,7 @@
           <a:p>
             <a:fld id="{BFEF692B-FC3E-4552-B87F-4B5A00EB12B2}" type="datetimeFigureOut">
               <a:rPr lang="en-GB" smtClean="0"/>
-              <a:t>02/03/2020</a:t>
+              <a:t>03/03/2020</a:t>
             </a:fld>
             <a:endParaRPr lang="en-GB"/>
           </a:p>
@@ -1474,7 +1474,7 @@
           <a:p>
             <a:fld id="{BFEF692B-FC3E-4552-B87F-4B5A00EB12B2}" type="datetimeFigureOut">
               <a:rPr lang="en-GB" smtClean="0"/>
-              <a:t>02/03/2020</a:t>
+              <a:t>03/03/2020</a:t>
             </a:fld>
             <a:endParaRPr lang="en-GB"/>
           </a:p>
@@ -1889,7 +1889,7 @@
           <a:p>
             <a:fld id="{BFEF692B-FC3E-4552-B87F-4B5A00EB12B2}" type="datetimeFigureOut">
               <a:rPr lang="en-GB" smtClean="0"/>
-              <a:t>02/03/2020</a:t>
+              <a:t>03/03/2020</a:t>
             </a:fld>
             <a:endParaRPr lang="en-GB"/>
           </a:p>
@@ -2031,7 +2031,7 @@
           <a:p>
             <a:fld id="{BFEF692B-FC3E-4552-B87F-4B5A00EB12B2}" type="datetimeFigureOut">
               <a:rPr lang="en-GB" smtClean="0"/>
-              <a:t>02/03/2020</a:t>
+              <a:t>03/03/2020</a:t>
             </a:fld>
             <a:endParaRPr lang="en-GB"/>
           </a:p>
@@ -2144,7 +2144,7 @@
           <a:p>
             <a:fld id="{BFEF692B-FC3E-4552-B87F-4B5A00EB12B2}" type="datetimeFigureOut">
               <a:rPr lang="en-GB" smtClean="0"/>
-              <a:t>02/03/2020</a:t>
+              <a:t>03/03/2020</a:t>
             </a:fld>
             <a:endParaRPr lang="en-GB"/>
           </a:p>
@@ -2457,7 +2457,7 @@
           <a:p>
             <a:fld id="{BFEF692B-FC3E-4552-B87F-4B5A00EB12B2}" type="datetimeFigureOut">
               <a:rPr lang="en-GB" smtClean="0"/>
-              <a:t>02/03/2020</a:t>
+              <a:t>03/03/2020</a:t>
             </a:fld>
             <a:endParaRPr lang="en-GB"/>
           </a:p>
@@ -2746,7 +2746,7 @@
           <a:p>
             <a:fld id="{BFEF692B-FC3E-4552-B87F-4B5A00EB12B2}" type="datetimeFigureOut">
               <a:rPr lang="en-GB" smtClean="0"/>
-              <a:t>02/03/2020</a:t>
+              <a:t>03/03/2020</a:t>
             </a:fld>
             <a:endParaRPr lang="en-GB"/>
           </a:p>
@@ -2989,7 +2989,7 @@
           <a:p>
             <a:fld id="{BFEF692B-FC3E-4552-B87F-4B5A00EB12B2}" type="datetimeFigureOut">
               <a:rPr lang="en-GB" smtClean="0"/>
-              <a:t>02/03/2020</a:t>
+              <a:t>03/03/2020</a:t>
             </a:fld>
             <a:endParaRPr lang="en-GB"/>
           </a:p>
@@ -3515,7 +3515,7 @@
         <p:spPr>
           <a:xfrm>
             <a:off x="145775" y="132522"/>
-            <a:ext cx="11781182" cy="6001643"/>
+            <a:ext cx="11781182" cy="5755422"/>
           </a:xfrm>
           <a:prstGeom prst="rect">
             <a:avLst/>
@@ -3530,7 +3530,15 @@
           <a:p>
             <a:r>
               <a:rPr lang="en-GB" sz="3200" b="1" dirty="0"/>
-              <a:t>Task</a:t>
+              <a:t>Task and Task&lt;</a:t>
+            </a:r>
+            <a:r>
+              <a:rPr lang="en-GB" sz="3200" b="1" dirty="0" err="1"/>
+              <a:t>TResult</a:t>
+            </a:r>
+            <a:r>
+              <a:rPr lang="en-GB" sz="3200" b="1" dirty="0"/>
+              <a:t>&gt;</a:t>
             </a:r>
           </a:p>
           <a:p>
@@ -3539,7 +3547,7 @@
               <a:buChar char="•"/>
             </a:pPr>
             <a:r>
-              <a:rPr lang="en-GB" sz="3200" dirty="0"/>
+              <a:rPr lang="en-GB" sz="2800" dirty="0"/>
               <a:t>Represents a piece of work to be completed, possibly with a result.</a:t>
             </a:r>
           </a:p>
@@ -3549,15 +3557,15 @@
               <a:buChar char="•"/>
             </a:pPr>
             <a:r>
-              <a:rPr lang="en-GB" sz="3200" dirty="0"/>
+              <a:rPr lang="en-GB" sz="2800" dirty="0"/>
               <a:t>Like the </a:t>
             </a:r>
             <a:r>
-              <a:rPr lang="en-GB" sz="3200" dirty="0" err="1"/>
+              <a:rPr lang="en-GB" sz="2800" dirty="0" err="1"/>
               <a:t>ThreadPool</a:t>
             </a:r>
             <a:r>
-              <a:rPr lang="en-GB" sz="3200" dirty="0"/>
+              <a:rPr lang="en-GB" sz="2800" dirty="0"/>
               <a:t>, a task does not create its own OS thread.</a:t>
             </a:r>
           </a:p>
@@ -3567,23 +3575,23 @@
               <a:buChar char="•"/>
             </a:pPr>
             <a:r>
-              <a:rPr lang="en-GB" sz="3200" dirty="0"/>
+              <a:rPr lang="en-GB" sz="2800" dirty="0"/>
               <a:t>Tasks are executed by a </a:t>
             </a:r>
             <a:r>
-              <a:rPr lang="en-GB" sz="3200" dirty="0" err="1"/>
+              <a:rPr lang="en-GB" sz="2800" dirty="0" err="1"/>
               <a:t>TaskScheduler</a:t>
             </a:r>
             <a:r>
-              <a:rPr lang="en-GB" sz="3200" dirty="0"/>
+              <a:rPr lang="en-GB" sz="2800" dirty="0"/>
               <a:t>. The default scheduler runs on the </a:t>
             </a:r>
             <a:r>
-              <a:rPr lang="en-GB" sz="3200" dirty="0" err="1"/>
+              <a:rPr lang="en-GB" sz="2800" dirty="0" err="1"/>
               <a:t>ThreadPool</a:t>
             </a:r>
             <a:r>
-              <a:rPr lang="en-GB" sz="3200" dirty="0"/>
+              <a:rPr lang="en-GB" sz="2800" dirty="0"/>
               <a:t>.</a:t>
             </a:r>
           </a:p>
@@ -3593,15 +3601,15 @@
               <a:buChar char="•"/>
             </a:pPr>
             <a:r>
-              <a:rPr lang="en-GB" sz="3200" dirty="0"/>
+              <a:rPr lang="en-GB" sz="2800" dirty="0"/>
               <a:t>Unlike </a:t>
             </a:r>
             <a:r>
-              <a:rPr lang="en-GB" sz="3200" dirty="0" err="1"/>
+              <a:rPr lang="en-GB" sz="2800" dirty="0" err="1"/>
               <a:t>ThreadPool</a:t>
             </a:r>
             <a:r>
-              <a:rPr lang="en-GB" sz="3200" dirty="0"/>
+              <a:rPr lang="en-GB" sz="2800" dirty="0"/>
               <a:t>, Task allows you to find out when it finishes and to return a result., either synchronously or asynchronously.</a:t>
             </a:r>
           </a:p>
@@ -3611,50 +3619,50 @@
               <a:buChar char="•"/>
             </a:pPr>
             <a:r>
-              <a:rPr lang="en-GB" sz="3200" dirty="0"/>
+              <a:rPr lang="en-GB" sz="2800" dirty="0"/>
               <a:t>Since tasks still run on the </a:t>
             </a:r>
             <a:r>
-              <a:rPr lang="en-GB" sz="3200" dirty="0" err="1"/>
+              <a:rPr lang="en-GB" sz="2800" dirty="0" err="1"/>
               <a:t>ThreadPool</a:t>
             </a:r>
             <a:r>
-              <a:rPr lang="en-GB" sz="3200" dirty="0"/>
+              <a:rPr lang="en-GB" sz="2800" dirty="0"/>
               <a:t>, they should not be used for long-running operations. Task does provide however a </a:t>
             </a:r>
             <a:r>
-              <a:rPr lang="en-GB" sz="3200" dirty="0" err="1"/>
+              <a:rPr lang="en-GB" sz="2800" dirty="0" err="1"/>
               <a:t>LongRunning</a:t>
             </a:r>
             <a:r>
-              <a:rPr lang="en-GB" sz="3200" dirty="0"/>
+              <a:rPr lang="en-GB" sz="2800" dirty="0"/>
               <a:t> option, which tells the </a:t>
             </a:r>
             <a:r>
-              <a:rPr lang="en-GB" sz="3200" dirty="0" err="1"/>
+              <a:rPr lang="en-GB" sz="2800" dirty="0" err="1"/>
               <a:t>TaskScheduler</a:t>
             </a:r>
             <a:r>
-              <a:rPr lang="en-GB" sz="3200" dirty="0"/>
+              <a:rPr lang="en-GB" sz="2800" dirty="0"/>
               <a:t> to create a new thread rather than running on the </a:t>
             </a:r>
             <a:r>
-              <a:rPr lang="en-GB" sz="3200" dirty="0" err="1"/>
+              <a:rPr lang="en-GB" sz="2800" dirty="0" err="1"/>
               <a:t>ThreadPool</a:t>
             </a:r>
             <a:r>
-              <a:rPr lang="en-GB" sz="3200" dirty="0"/>
+              <a:rPr lang="en-GB" sz="2800" dirty="0"/>
               <a:t>. </a:t>
             </a:r>
           </a:p>
           <a:p>
-            <a:pPr marL="457200" indent="-457200">
-              <a:buFont typeface="Arial" panose="020B0604020202020204" pitchFamily="34" charset="0"/>
-              <a:buChar char="•"/>
-            </a:pPr>
-            <a:r>
-              <a:rPr lang="en-GB" sz="3200" dirty="0"/>
-              <a:t>All newer high-level concurrency APIs are built on Task. </a:t>
+            <a:pPr algn="ctr"/>
+            <a:br>
+              <a:rPr lang="en-GB" sz="2800" dirty="0"/>
+            </a:br>
+            <a:r>
+              <a:rPr lang="en-GB" sz="2800" b="1" dirty="0"/>
+              <a:t>A Task represents a single operation which is usually run asynchronously</a:t>
             </a:r>
           </a:p>
         </p:txBody>
@@ -3704,7 +3712,7 @@
         <p:spPr>
           <a:xfrm>
             <a:off x="145775" y="132522"/>
-            <a:ext cx="11781182" cy="6001643"/>
+            <a:ext cx="11781182" cy="6494085"/>
           </a:xfrm>
           <a:prstGeom prst="rect">
             <a:avLst/>
@@ -3732,24 +3740,24 @@
             </a:pPr>
             <a:r>
               <a:rPr lang="en-GB" sz="3200" dirty="0"/>
-              <a:t>Task is almost always the best option.</a:t>
-            </a:r>
+              <a:t>Tasks are an easy way of writing methods which can be </a:t>
+            </a:r>
+            <a:r>
+              <a:rPr lang="en-GB" sz="3200"/>
+              <a:t>run asynchronously.</a:t>
+            </a:r>
+          </a:p>
+          <a:p>
+            <a:endParaRPr lang="en-GB" sz="3200" dirty="0"/>
           </a:p>
           <a:p>
             <a:pPr marL="457200" indent="-457200">
               <a:buFont typeface="Arial" panose="020B0604020202020204" pitchFamily="34" charset="0"/>
               <a:buChar char="•"/>
             </a:pPr>
-            <a:endParaRPr lang="en-GB" sz="3200" dirty="0"/>
-          </a:p>
-          <a:p>
-            <a:pPr marL="457200" indent="-457200">
-              <a:buFont typeface="Arial" panose="020B0604020202020204" pitchFamily="34" charset="0"/>
-              <a:buChar char="•"/>
-            </a:pPr>
             <a:r>
               <a:rPr lang="en-GB" sz="3200" dirty="0"/>
-              <a:t>It provides a more powerful API and avoids wasting OS threads.</a:t>
+              <a:t>Task provides a more powerful API and avoids wasting OS threads.</a:t>
             </a:r>
           </a:p>
           <a:p>
@@ -12172,11 +12180,109 @@
           <a:p>
             <a:r>
               <a:rPr lang="en-GB" sz="3200" b="1" dirty="0"/>
-              <a:t>In C#, synchronous operations look like this:</a:t>
+              <a:t>In C#, </a:t>
+            </a:r>
+            <a:r>
+              <a:rPr lang="en-GB" sz="3200" b="1"/>
+              <a:t>synchronous methods </a:t>
+            </a:r>
+            <a:r>
+              <a:rPr lang="en-GB" sz="3200" b="1" dirty="0"/>
+              <a:t>look like this:</a:t>
             </a:r>
           </a:p>
         </p:txBody>
       </p:sp>
+      <p:pic>
+        <p:nvPicPr>
+          <p:cNvPr id="2" name="Picture 1">
+            <a:extLst>
+              <a:ext uri="{FF2B5EF4-FFF2-40B4-BE49-F238E27FC236}">
+                <a16:creationId xmlns:a16="http://schemas.microsoft.com/office/drawing/2014/main" id="{136A1FC5-97AC-4D35-A13E-09392AB806BF}"/>
+              </a:ext>
+            </a:extLst>
+          </p:cNvPr>
+          <p:cNvPicPr>
+            <a:picLocks noChangeAspect="1"/>
+          </p:cNvPicPr>
+          <p:nvPr/>
+        </p:nvPicPr>
+        <p:blipFill>
+          <a:blip r:embed="rId2"/>
+          <a:stretch>
+            <a:fillRect/>
+          </a:stretch>
+        </p:blipFill>
+        <p:spPr>
+          <a:xfrm>
+            <a:off x="5650335" y="1211488"/>
+            <a:ext cx="6175022" cy="2325282"/>
+          </a:xfrm>
+          <a:prstGeom prst="rect">
+            <a:avLst/>
+          </a:prstGeom>
+        </p:spPr>
+      </p:pic>
+      <p:pic>
+        <p:nvPicPr>
+          <p:cNvPr id="3" name="Picture 2">
+            <a:extLst>
+              <a:ext uri="{FF2B5EF4-FFF2-40B4-BE49-F238E27FC236}">
+                <a16:creationId xmlns:a16="http://schemas.microsoft.com/office/drawing/2014/main" id="{A5715088-701E-4AE3-B68C-8DF783327A99}"/>
+              </a:ext>
+            </a:extLst>
+          </p:cNvPr>
+          <p:cNvPicPr>
+            <a:picLocks noChangeAspect="1"/>
+          </p:cNvPicPr>
+          <p:nvPr/>
+        </p:nvPicPr>
+        <p:blipFill>
+          <a:blip r:embed="rId3"/>
+          <a:stretch>
+            <a:fillRect/>
+          </a:stretch>
+        </p:blipFill>
+        <p:spPr>
+          <a:xfrm>
+            <a:off x="526207" y="1211488"/>
+            <a:ext cx="4591050" cy="2105025"/>
+          </a:xfrm>
+          <a:prstGeom prst="rect">
+            <a:avLst/>
+          </a:prstGeom>
+        </p:spPr>
+      </p:pic>
+      <p:pic>
+        <p:nvPicPr>
+          <p:cNvPr id="5" name="Picture 4">
+            <a:extLst>
+              <a:ext uri="{FF2B5EF4-FFF2-40B4-BE49-F238E27FC236}">
+                <a16:creationId xmlns:a16="http://schemas.microsoft.com/office/drawing/2014/main" id="{4F9BE8B1-40C1-42F0-A075-B369F7D0DE93}"/>
+              </a:ext>
+            </a:extLst>
+          </p:cNvPr>
+          <p:cNvPicPr>
+            <a:picLocks noChangeAspect="1"/>
+          </p:cNvPicPr>
+          <p:nvPr/>
+        </p:nvPicPr>
+        <p:blipFill>
+          <a:blip r:embed="rId4"/>
+          <a:stretch>
+            <a:fillRect/>
+          </a:stretch>
+        </p:blipFill>
+        <p:spPr>
+          <a:xfrm>
+            <a:off x="2057400" y="4183239"/>
+            <a:ext cx="8077200" cy="1562100"/>
+          </a:xfrm>
+          <a:prstGeom prst="rect">
+            <a:avLst/>
+          </a:prstGeom>
+        </p:spPr>
+      </p:pic>
     </p:spTree>
     <p:extLst>
       <p:ext uri="{BB962C8B-B14F-4D97-AF65-F5344CB8AC3E}">

--- a/Async and await presentation.pptx
+++ b/Async and await presentation.pptx
@@ -3740,11 +3740,7 @@
             </a:pPr>
             <a:r>
               <a:rPr lang="en-GB" sz="3200" dirty="0"/>
-              <a:t>Tasks are an easy way of writing methods which can be </a:t>
-            </a:r>
-            <a:r>
-              <a:rPr lang="en-GB" sz="3200"/>
-              <a:t>run asynchronously.</a:t>
+              <a:t>Tasks are an easy way of writing methods which can be run asynchronously.</a:t>
             </a:r>
           </a:p>
           <a:p>
@@ -3757,7 +3753,7 @@
             </a:pPr>
             <a:r>
               <a:rPr lang="en-GB" sz="3200" dirty="0"/>
-              <a:t>Task provides a more powerful API and avoids wasting OS threads.</a:t>
+              <a:t>Task provided a powerful API and avoids wasting OS threads.</a:t>
             </a:r>
           </a:p>
           <a:p>

--- a/Async and await presentation.pptx
+++ b/Async and await presentation.pptx
@@ -9495,8 +9495,13 @@
             </a:r>
             <a:r>
               <a:rPr lang="en-GB" sz="3200" dirty="0"/>
-              <a:t>, you wait for it to finish before moving onto another task. </a:t>
-            </a:r>
+              <a:t>, you wait for it to finish before moving </a:t>
+            </a:r>
+            <a:r>
+              <a:rPr lang="en-GB" sz="3200"/>
+              <a:t>onto something else. </a:t>
+            </a:r>
+            <a:endParaRPr lang="en-GB" sz="3200" dirty="0"/>
           </a:p>
           <a:p>
             <a:endParaRPr lang="en-GB" sz="3200" dirty="0"/>

--- a/Async and await presentation.pptx
+++ b/Async and await presentation.pptx
@@ -6,65 +6,70 @@
   </p:sldMasterIdLst>
   <p:sldIdLst>
     <p:sldId id="256" r:id="rId2"/>
-    <p:sldId id="262" r:id="rId3"/>
-    <p:sldId id="264" r:id="rId4"/>
-    <p:sldId id="317" r:id="rId5"/>
-    <p:sldId id="318" r:id="rId6"/>
-    <p:sldId id="266" r:id="rId7"/>
-    <p:sldId id="257" r:id="rId8"/>
-    <p:sldId id="258" r:id="rId9"/>
-    <p:sldId id="259" r:id="rId10"/>
-    <p:sldId id="260" r:id="rId11"/>
-    <p:sldId id="261" r:id="rId12"/>
-    <p:sldId id="265" r:id="rId13"/>
-    <p:sldId id="267" r:id="rId14"/>
-    <p:sldId id="268" r:id="rId15"/>
-    <p:sldId id="278" r:id="rId16"/>
-    <p:sldId id="279" r:id="rId17"/>
-    <p:sldId id="269" r:id="rId18"/>
-    <p:sldId id="280" r:id="rId19"/>
-    <p:sldId id="281" r:id="rId20"/>
-    <p:sldId id="295" r:id="rId21"/>
-    <p:sldId id="270" r:id="rId22"/>
-    <p:sldId id="282" r:id="rId23"/>
-    <p:sldId id="283" r:id="rId24"/>
-    <p:sldId id="274" r:id="rId25"/>
-    <p:sldId id="284" r:id="rId26"/>
-    <p:sldId id="285" r:id="rId27"/>
-    <p:sldId id="272" r:id="rId28"/>
-    <p:sldId id="273" r:id="rId29"/>
-    <p:sldId id="275" r:id="rId30"/>
-    <p:sldId id="276" r:id="rId31"/>
-    <p:sldId id="286" r:id="rId32"/>
-    <p:sldId id="290" r:id="rId33"/>
-    <p:sldId id="277" r:id="rId34"/>
-    <p:sldId id="287" r:id="rId35"/>
-    <p:sldId id="288" r:id="rId36"/>
-    <p:sldId id="289" r:id="rId37"/>
-    <p:sldId id="293" r:id="rId38"/>
-    <p:sldId id="292" r:id="rId39"/>
-    <p:sldId id="294" r:id="rId40"/>
-    <p:sldId id="296" r:id="rId41"/>
-    <p:sldId id="304" r:id="rId42"/>
-    <p:sldId id="298" r:id="rId43"/>
-    <p:sldId id="308" r:id="rId44"/>
-    <p:sldId id="299" r:id="rId45"/>
-    <p:sldId id="309" r:id="rId46"/>
-    <p:sldId id="300" r:id="rId47"/>
-    <p:sldId id="316" r:id="rId48"/>
-    <p:sldId id="301" r:id="rId49"/>
-    <p:sldId id="310" r:id="rId50"/>
-    <p:sldId id="302" r:id="rId51"/>
-    <p:sldId id="311" r:id="rId52"/>
-    <p:sldId id="303" r:id="rId53"/>
-    <p:sldId id="312" r:id="rId54"/>
-    <p:sldId id="305" r:id="rId55"/>
-    <p:sldId id="313" r:id="rId56"/>
-    <p:sldId id="306" r:id="rId57"/>
-    <p:sldId id="314" r:id="rId58"/>
-    <p:sldId id="307" r:id="rId59"/>
-    <p:sldId id="315" r:id="rId60"/>
-    <p:sldId id="297" r:id="rId61"/>
+    <p:sldId id="320" r:id="rId3"/>
+    <p:sldId id="262" r:id="rId4"/>
+    <p:sldId id="264" r:id="rId5"/>
+    <p:sldId id="321" r:id="rId6"/>
+    <p:sldId id="322" r:id="rId7"/>
+    <p:sldId id="323" r:id="rId8"/>
+    <p:sldId id="257" r:id="rId9"/>
+    <p:sldId id="258" r:id="rId10"/>
+    <p:sldId id="259" r:id="rId11"/>
+    <p:sldId id="260" r:id="rId12"/>
+    <p:sldId id="317" r:id="rId13"/>
+    <p:sldId id="266" r:id="rId14"/>
+    <p:sldId id="319" r:id="rId15"/>
+    <p:sldId id="318" r:id="rId16"/>
+    <p:sldId id="261" r:id="rId17"/>
+    <p:sldId id="265" r:id="rId18"/>
+    <p:sldId id="267" r:id="rId19"/>
+    <p:sldId id="268" r:id="rId20"/>
+    <p:sldId id="278" r:id="rId21"/>
+    <p:sldId id="279" r:id="rId22"/>
+    <p:sldId id="269" r:id="rId23"/>
+    <p:sldId id="280" r:id="rId24"/>
+    <p:sldId id="281" r:id="rId25"/>
+    <p:sldId id="295" r:id="rId26"/>
+    <p:sldId id="270" r:id="rId27"/>
+    <p:sldId id="282" r:id="rId28"/>
+    <p:sldId id="283" r:id="rId29"/>
+    <p:sldId id="274" r:id="rId30"/>
+    <p:sldId id="284" r:id="rId31"/>
+    <p:sldId id="285" r:id="rId32"/>
+    <p:sldId id="272" r:id="rId33"/>
+    <p:sldId id="273" r:id="rId34"/>
+    <p:sldId id="275" r:id="rId35"/>
+    <p:sldId id="276" r:id="rId36"/>
+    <p:sldId id="286" r:id="rId37"/>
+    <p:sldId id="290" r:id="rId38"/>
+    <p:sldId id="277" r:id="rId39"/>
+    <p:sldId id="287" r:id="rId40"/>
+    <p:sldId id="288" r:id="rId41"/>
+    <p:sldId id="289" r:id="rId42"/>
+    <p:sldId id="293" r:id="rId43"/>
+    <p:sldId id="292" r:id="rId44"/>
+    <p:sldId id="294" r:id="rId45"/>
+    <p:sldId id="296" r:id="rId46"/>
+    <p:sldId id="304" r:id="rId47"/>
+    <p:sldId id="298" r:id="rId48"/>
+    <p:sldId id="308" r:id="rId49"/>
+    <p:sldId id="299" r:id="rId50"/>
+    <p:sldId id="309" r:id="rId51"/>
+    <p:sldId id="300" r:id="rId52"/>
+    <p:sldId id="316" r:id="rId53"/>
+    <p:sldId id="301" r:id="rId54"/>
+    <p:sldId id="310" r:id="rId55"/>
+    <p:sldId id="302" r:id="rId56"/>
+    <p:sldId id="311" r:id="rId57"/>
+    <p:sldId id="303" r:id="rId58"/>
+    <p:sldId id="312" r:id="rId59"/>
+    <p:sldId id="305" r:id="rId60"/>
+    <p:sldId id="313" r:id="rId61"/>
+    <p:sldId id="306" r:id="rId62"/>
+    <p:sldId id="314" r:id="rId63"/>
+    <p:sldId id="307" r:id="rId64"/>
+    <p:sldId id="315" r:id="rId65"/>
+    <p:sldId id="297" r:id="rId66"/>
   </p:sldIdLst>
   <p:sldSz cx="12192000" cy="6858000"/>
   <p:notesSz cx="6858000" cy="9144000"/>
@@ -3515,7 +3520,7 @@
         <p:spPr>
           <a:xfrm>
             <a:off x="145775" y="132522"/>
-            <a:ext cx="11781182" cy="5755422"/>
+            <a:ext cx="11781182" cy="6001643"/>
           </a:xfrm>
           <a:prstGeom prst="rect">
             <a:avLst/>
@@ -3529,17 +3534,10 @@
           <a:lstStyle/>
           <a:p>
             <a:r>
-              <a:rPr lang="en-GB" sz="3200" b="1" dirty="0"/>
-              <a:t>Task and Task&lt;</a:t>
-            </a:r>
-            <a:r>
               <a:rPr lang="en-GB" sz="3200" b="1" dirty="0" err="1"/>
-              <a:t>TResult</a:t>
-            </a:r>
-            <a:r>
-              <a:rPr lang="en-GB" sz="3200" b="1" dirty="0"/>
-              <a:t>&gt;</a:t>
-            </a:r>
+              <a:t>ThreadPool</a:t>
+            </a:r>
+            <a:endParaRPr lang="en-GB" sz="3200" b="1" dirty="0"/>
           </a:p>
           <a:p>
             <a:pPr marL="457200" indent="-457200">
@@ -3547,8 +3545,8 @@
               <a:buChar char="•"/>
             </a:pPr>
             <a:r>
-              <a:rPr lang="en-GB" sz="2800" dirty="0"/>
-              <a:t>Represents a piece of work to be completed, possibly with a result.</a:t>
+              <a:rPr lang="en-GB" sz="3200" dirty="0"/>
+              <a:t>Acts as a wrapper around a pool of threads maintained by the CLR. </a:t>
             </a:r>
           </a:p>
           <a:p>
@@ -3557,16 +3555,8 @@
               <a:buChar char="•"/>
             </a:pPr>
             <a:r>
-              <a:rPr lang="en-GB" sz="2800" dirty="0"/>
-              <a:t>Like the </a:t>
-            </a:r>
-            <a:r>
-              <a:rPr lang="en-GB" sz="2800" dirty="0" err="1"/>
-              <a:t>ThreadPool</a:t>
-            </a:r>
-            <a:r>
-              <a:rPr lang="en-GB" sz="2800" dirty="0"/>
-              <a:t>, a task does not create its own OS thread.</a:t>
+              <a:rPr lang="en-GB" sz="3200" dirty="0"/>
+              <a:t>Gives you no control at all. You can submit work to be completed but you can’t even determine when the pool will start the work or when it’s completed it. You also can’t determine the result. </a:t>
             </a:r>
           </a:p>
           <a:p>
@@ -3575,24 +3565,16 @@
               <a:buChar char="•"/>
             </a:pPr>
             <a:r>
-              <a:rPr lang="en-GB" sz="2800" dirty="0"/>
-              <a:t>Tasks are executed by a </a:t>
-            </a:r>
-            <a:r>
-              <a:rPr lang="en-GB" sz="2800" dirty="0" err="1"/>
-              <a:t>TaskScheduler</a:t>
-            </a:r>
-            <a:r>
-              <a:rPr lang="en-GB" sz="2800" dirty="0"/>
-              <a:t>. The default scheduler runs on the </a:t>
-            </a:r>
-            <a:r>
-              <a:rPr lang="en-GB" sz="2800" dirty="0" err="1"/>
+              <a:rPr lang="en-GB" sz="3200" dirty="0"/>
+              <a:t>Using </a:t>
+            </a:r>
+            <a:r>
+              <a:rPr lang="en-GB" sz="3200" dirty="0" err="1"/>
               <a:t>ThreadPool</a:t>
             </a:r>
             <a:r>
-              <a:rPr lang="en-GB" sz="2800" dirty="0"/>
-              <a:t>.</a:t>
+              <a:rPr lang="en-GB" sz="3200" dirty="0"/>
+              <a:t> avoids the overhead of creating too many threads. </a:t>
             </a:r>
           </a:p>
           <a:p>
@@ -3601,16 +3583,8 @@
               <a:buChar char="•"/>
             </a:pPr>
             <a:r>
-              <a:rPr lang="en-GB" sz="2800" dirty="0"/>
-              <a:t>Unlike </a:t>
-            </a:r>
-            <a:r>
-              <a:rPr lang="en-GB" sz="2800" dirty="0" err="1"/>
-              <a:t>ThreadPool</a:t>
-            </a:r>
-            <a:r>
-              <a:rPr lang="en-GB" sz="2800" dirty="0"/>
-              <a:t>, Task allows you to find out when it finishes and to return a result., either synchronously or asynchronously.</a:t>
+              <a:rPr lang="en-GB" sz="3200" dirty="0"/>
+              <a:t>Submitting too many long-running tasks to the thread pool is bad however, as it can get full and later work that it submitted can end up waiting a long time for earlier submitted tasks to finish. </a:t>
             </a:r>
           </a:p>
           <a:p>
@@ -3619,50 +3593,8 @@
               <a:buChar char="•"/>
             </a:pPr>
             <a:r>
-              <a:rPr lang="en-GB" sz="2800" dirty="0"/>
-              <a:t>Since tasks still run on the </a:t>
-            </a:r>
-            <a:r>
-              <a:rPr lang="en-GB" sz="2800" dirty="0" err="1"/>
-              <a:t>ThreadPool</a:t>
-            </a:r>
-            <a:r>
-              <a:rPr lang="en-GB" sz="2800" dirty="0"/>
-              <a:t>, they should not be used for long-running operations. Task does provide however a </a:t>
-            </a:r>
-            <a:r>
-              <a:rPr lang="en-GB" sz="2800" dirty="0" err="1"/>
-              <a:t>LongRunning</a:t>
-            </a:r>
-            <a:r>
-              <a:rPr lang="en-GB" sz="2800" dirty="0"/>
-              <a:t> option, which tells the </a:t>
-            </a:r>
-            <a:r>
-              <a:rPr lang="en-GB" sz="2800" dirty="0" err="1"/>
-              <a:t>TaskScheduler</a:t>
-            </a:r>
-            <a:r>
-              <a:rPr lang="en-GB" sz="2800" dirty="0"/>
-              <a:t> to create a new thread rather than running on the </a:t>
-            </a:r>
-            <a:r>
-              <a:rPr lang="en-GB" sz="2800" dirty="0" err="1"/>
-              <a:t>ThreadPool</a:t>
-            </a:r>
-            <a:r>
-              <a:rPr lang="en-GB" sz="2800" dirty="0"/>
-              <a:t>. </a:t>
-            </a:r>
-          </a:p>
-          <a:p>
-            <a:pPr algn="ctr"/>
-            <a:br>
-              <a:rPr lang="en-GB" sz="2800" dirty="0"/>
-            </a:br>
-            <a:r>
-              <a:rPr lang="en-GB" sz="2800" b="1" dirty="0"/>
-              <a:t>A Task represents a single operation which is usually run asynchronously</a:t>
+              <a:rPr lang="en-GB" sz="3200" dirty="0"/>
+              <a:t>It’s therefore best used for short operations when the caller does not need the result. </a:t>
             </a:r>
           </a:p>
         </p:txBody>
@@ -3670,7 +3602,7 @@
     </p:spTree>
     <p:extLst>
       <p:ext uri="{BB962C8B-B14F-4D97-AF65-F5344CB8AC3E}">
-        <p14:creationId xmlns:p14="http://schemas.microsoft.com/office/powerpoint/2010/main" val="767209263"/>
+        <p14:creationId xmlns:p14="http://schemas.microsoft.com/office/powerpoint/2010/main" val="3951006242"/>
       </p:ext>
     </p:extLst>
   </p:cSld>
@@ -3712,7 +3644,7 @@
         <p:spPr>
           <a:xfrm>
             <a:off x="145775" y="132522"/>
-            <a:ext cx="11781182" cy="6494085"/>
+            <a:ext cx="11781182" cy="5755422"/>
           </a:xfrm>
           <a:prstGeom prst="rect">
             <a:avLst/>
@@ -3727,11 +3659,16 @@
           <a:p>
             <a:r>
               <a:rPr lang="en-GB" sz="3200" b="1" dirty="0"/>
-              <a:t>Summary</a:t>
-            </a:r>
-          </a:p>
-          <a:p>
-            <a:endParaRPr lang="en-GB" sz="3200" b="1" dirty="0"/>
+              <a:t>Task and Task&lt;</a:t>
+            </a:r>
+            <a:r>
+              <a:rPr lang="en-GB" sz="3200" b="1" dirty="0" err="1"/>
+              <a:t>TResult</a:t>
+            </a:r>
+            <a:r>
+              <a:rPr lang="en-GB" sz="3200" b="1" dirty="0"/>
+              <a:t>&gt;</a:t>
+            </a:r>
           </a:p>
           <a:p>
             <a:pPr marL="457200" indent="-457200">
@@ -3739,12 +3676,9 @@
               <a:buChar char="•"/>
             </a:pPr>
             <a:r>
-              <a:rPr lang="en-GB" sz="3200" dirty="0"/>
-              <a:t>Tasks are an easy way of writing methods which can be run asynchronously.</a:t>
-            </a:r>
-          </a:p>
-          <a:p>
-            <a:endParaRPr lang="en-GB" sz="3200" dirty="0"/>
+              <a:rPr lang="en-GB" sz="2800" dirty="0"/>
+              <a:t>Represents a piece of work to be completed, possibly with a result.</a:t>
+            </a:r>
           </a:p>
           <a:p>
             <a:pPr marL="457200" indent="-457200">
@@ -3752,8 +3686,16 @@
               <a:buChar char="•"/>
             </a:pPr>
             <a:r>
-              <a:rPr lang="en-GB" sz="3200" dirty="0"/>
-              <a:t>Task provided a powerful API and avoids wasting OS threads.</a:t>
+              <a:rPr lang="en-GB" sz="2800" dirty="0"/>
+              <a:t>Like the </a:t>
+            </a:r>
+            <a:r>
+              <a:rPr lang="en-GB" sz="2800" dirty="0" err="1"/>
+              <a:t>ThreadPool</a:t>
+            </a:r>
+            <a:r>
+              <a:rPr lang="en-GB" sz="2800" dirty="0"/>
+              <a:t>, a task does not create its own OS thread.</a:t>
             </a:r>
           </a:p>
           <a:p>
@@ -3761,7 +3703,26 @@
               <a:buFont typeface="Arial" panose="020B0604020202020204" pitchFamily="34" charset="0"/>
               <a:buChar char="•"/>
             </a:pPr>
-            <a:endParaRPr lang="en-GB" sz="3200" dirty="0"/>
+            <a:r>
+              <a:rPr lang="en-GB" sz="2800" dirty="0"/>
+              <a:t>Tasks are executed by a </a:t>
+            </a:r>
+            <a:r>
+              <a:rPr lang="en-GB" sz="2800" dirty="0" err="1"/>
+              <a:t>TaskScheduler</a:t>
+            </a:r>
+            <a:r>
+              <a:rPr lang="en-GB" sz="2800" dirty="0"/>
+              <a:t>. The default scheduler runs on the </a:t>
+            </a:r>
+            <a:r>
+              <a:rPr lang="en-GB" sz="2800" dirty="0" err="1"/>
+              <a:t>ThreadPool</a:t>
+            </a:r>
+            <a:r>
+              <a:rPr lang="en-GB" sz="2800" dirty="0"/>
+              <a:t>.</a:t>
+            </a:r>
           </a:p>
           <a:p>
             <a:pPr marL="457200" indent="-457200">
@@ -3769,8 +3730,16 @@
               <a:buChar char="•"/>
             </a:pPr>
             <a:r>
-              <a:rPr lang="en-GB" sz="3200" dirty="0"/>
-              <a:t>The only reason to explicitly create your own threads in modern code are for setting per-thread options, or maintaining a persistent thread that needs to maintain its own identity. </a:t>
+              <a:rPr lang="en-GB" sz="2800" dirty="0"/>
+              <a:t>Unlike </a:t>
+            </a:r>
+            <a:r>
+              <a:rPr lang="en-GB" sz="2800" dirty="0" err="1"/>
+              <a:t>ThreadPool</a:t>
+            </a:r>
+            <a:r>
+              <a:rPr lang="en-GB" sz="2800" dirty="0"/>
+              <a:t>, Task allows you to find out when it finishes and to return a result., either synchronously or asynchronously.</a:t>
             </a:r>
           </a:p>
           <a:p>
@@ -3778,28 +3747,51 @@
               <a:buFont typeface="Arial" panose="020B0604020202020204" pitchFamily="34" charset="0"/>
               <a:buChar char="•"/>
             </a:pPr>
-            <a:endParaRPr lang="en-GB" sz="3200" dirty="0"/>
-          </a:p>
-          <a:p>
-            <a:pPr marL="457200" indent="-457200">
-              <a:buFont typeface="Arial" panose="020B0604020202020204" pitchFamily="34" charset="0"/>
-              <a:buChar char="•"/>
-            </a:pPr>
-            <a:r>
-              <a:rPr lang="en-GB" sz="3200" dirty="0"/>
-              <a:t>Unless you have a good reason, </a:t>
-            </a:r>
-            <a:r>
-              <a:rPr lang="en-GB" sz="3200" b="1" u="sng" dirty="0"/>
-              <a:t>completely ignore Thread and </a:t>
-            </a:r>
-            <a:r>
-              <a:rPr lang="en-GB" sz="3200" b="1" u="sng" dirty="0" err="1"/>
+            <a:r>
+              <a:rPr lang="en-GB" sz="2800" dirty="0"/>
+              <a:t>Since tasks still run on the </a:t>
+            </a:r>
+            <a:r>
+              <a:rPr lang="en-GB" sz="2800" dirty="0" err="1"/>
               <a:t>ThreadPool</a:t>
             </a:r>
             <a:r>
-              <a:rPr lang="en-GB" sz="3200" b="1" u="sng" dirty="0"/>
-              <a:t>. Only think about Task!</a:t>
+              <a:rPr lang="en-GB" sz="2800" dirty="0"/>
+              <a:t>, they should not be used for long-running operations. Task does provide however a </a:t>
+            </a:r>
+            <a:r>
+              <a:rPr lang="en-GB" sz="2800" dirty="0" err="1"/>
+              <a:t>LongRunning</a:t>
+            </a:r>
+            <a:r>
+              <a:rPr lang="en-GB" sz="2800" dirty="0"/>
+              <a:t> option, which tells the </a:t>
+            </a:r>
+            <a:r>
+              <a:rPr lang="en-GB" sz="2800" dirty="0" err="1"/>
+              <a:t>TaskScheduler</a:t>
+            </a:r>
+            <a:r>
+              <a:rPr lang="en-GB" sz="2800" dirty="0"/>
+              <a:t> to create a new thread rather than running on the </a:t>
+            </a:r>
+            <a:r>
+              <a:rPr lang="en-GB" sz="2800" dirty="0" err="1"/>
+              <a:t>ThreadPool</a:t>
+            </a:r>
+            <a:r>
+              <a:rPr lang="en-GB" sz="2800" dirty="0"/>
+              <a:t>. We’ll go over long-running tasks a bit later.</a:t>
+            </a:r>
+          </a:p>
+          <a:p>
+            <a:pPr algn="ctr"/>
+            <a:br>
+              <a:rPr lang="en-GB" sz="2800" b="1" dirty="0"/>
+            </a:br>
+            <a:r>
+              <a:rPr lang="en-GB" sz="2800" b="1" dirty="0"/>
+              <a:t>A Task represents a single operation which can be run asynchronously</a:t>
             </a:r>
           </a:p>
         </p:txBody>
@@ -3807,7 +3799,7 @@
     </p:spTree>
     <p:extLst>
       <p:ext uri="{BB962C8B-B14F-4D97-AF65-F5344CB8AC3E}">
-        <p14:creationId xmlns:p14="http://schemas.microsoft.com/office/powerpoint/2010/main" val="1198929045"/>
+        <p14:creationId xmlns:p14="http://schemas.microsoft.com/office/powerpoint/2010/main" val="767209263"/>
       </p:ext>
     </p:extLst>
   </p:cSld>
@@ -3849,7 +3841,7 @@
         <p:spPr>
           <a:xfrm>
             <a:off x="145775" y="132522"/>
-            <a:ext cx="11781182" cy="6986528"/>
+            <a:ext cx="11781182" cy="584775"/>
           </a:xfrm>
           <a:prstGeom prst="rect">
             <a:avLst/>
@@ -3863,138 +3855,141 @@
           <a:lstStyle/>
           <a:p>
             <a:r>
-              <a:rPr lang="en-GB" sz="2800" b="1" dirty="0"/>
-              <a:t>Here’s an analogy…</a:t>
-            </a:r>
-          </a:p>
-          <a:p>
-            <a:endParaRPr lang="en-GB" sz="2800" b="1" dirty="0"/>
-          </a:p>
-          <a:p>
-            <a:r>
-              <a:rPr lang="en-GB" sz="2800" dirty="0"/>
-              <a:t>You’re in your kitchen at home, making a pasta dish and a dessert.</a:t>
-            </a:r>
-          </a:p>
-          <a:p>
-            <a:endParaRPr lang="en-GB" sz="2800" dirty="0"/>
-          </a:p>
-          <a:p>
-            <a:r>
-              <a:rPr lang="en-GB" sz="2800" dirty="0"/>
-              <a:t>The steps are simple:</a:t>
-            </a:r>
-          </a:p>
-          <a:p>
-            <a:pPr marL="457200" indent="-457200">
-              <a:buFont typeface="Arial" panose="020B0604020202020204" pitchFamily="34" charset="0"/>
-              <a:buChar char="•"/>
-            </a:pPr>
-            <a:r>
-              <a:rPr lang="en-GB" sz="2800" dirty="0"/>
-              <a:t>Heat a saucepan of water until it starts boiling (takes 5 mins)</a:t>
-            </a:r>
-          </a:p>
-          <a:p>
-            <a:pPr marL="457200" indent="-457200">
-              <a:buFont typeface="Arial" panose="020B0604020202020204" pitchFamily="34" charset="0"/>
-              <a:buChar char="•"/>
-            </a:pPr>
-            <a:r>
-              <a:rPr lang="en-GB" sz="2800" dirty="0"/>
-              <a:t>Cook fresh pasta (5 mins)</a:t>
-            </a:r>
-          </a:p>
-          <a:p>
-            <a:pPr marL="457200" indent="-457200">
-              <a:buFont typeface="Arial" panose="020B0604020202020204" pitchFamily="34" charset="0"/>
-              <a:buChar char="•"/>
-            </a:pPr>
-            <a:r>
-              <a:rPr lang="en-GB" sz="2800" dirty="0"/>
-              <a:t>Drain the water from the pasta (1 min)</a:t>
-            </a:r>
-          </a:p>
-          <a:p>
-            <a:pPr marL="457200" indent="-457200">
-              <a:buFont typeface="Arial" panose="020B0604020202020204" pitchFamily="34" charset="0"/>
-              <a:buChar char="•"/>
-            </a:pPr>
-            <a:r>
-              <a:rPr lang="en-GB" sz="2800" dirty="0"/>
-              <a:t>Place pasta in a dish and add sauce (1 min)</a:t>
-            </a:r>
-          </a:p>
-          <a:p>
-            <a:pPr marL="457200" indent="-457200">
-              <a:buFont typeface="Arial" panose="020B0604020202020204" pitchFamily="34" charset="0"/>
-              <a:buChar char="•"/>
-            </a:pPr>
-            <a:r>
-              <a:rPr lang="en-GB" sz="2800" dirty="0"/>
-              <a:t>Grate cheese (2 mins)</a:t>
-            </a:r>
-          </a:p>
-          <a:p>
-            <a:pPr marL="457200" indent="-457200">
-              <a:buFont typeface="Arial" panose="020B0604020202020204" pitchFamily="34" charset="0"/>
-              <a:buChar char="•"/>
-            </a:pPr>
-            <a:r>
-              <a:rPr lang="en-GB" sz="2800" dirty="0"/>
-              <a:t>Add cheese to pasta (1 min)</a:t>
-            </a:r>
-          </a:p>
-          <a:p>
-            <a:pPr marL="457200" indent="-457200">
-              <a:buFont typeface="Arial" panose="020B0604020202020204" pitchFamily="34" charset="0"/>
-              <a:buChar char="•"/>
-            </a:pPr>
-            <a:r>
-              <a:rPr lang="en-GB" sz="2800" dirty="0"/>
-              <a:t>Pre-heat oven to 200°C (15 mins) </a:t>
-            </a:r>
-          </a:p>
-          <a:p>
-            <a:pPr marL="457200" indent="-457200">
-              <a:buFont typeface="Arial" panose="020B0604020202020204" pitchFamily="34" charset="0"/>
-              <a:buChar char="•"/>
-            </a:pPr>
-            <a:r>
-              <a:rPr lang="en-GB" sz="2800" dirty="0"/>
-              <a:t>Place dish in oven and bake (15 mins)</a:t>
-            </a:r>
-          </a:p>
-          <a:p>
-            <a:pPr marL="457200" indent="-457200">
-              <a:buFont typeface="Arial" panose="020B0604020202020204" pitchFamily="34" charset="0"/>
-              <a:buChar char="•"/>
-            </a:pPr>
-            <a:r>
-              <a:rPr lang="en-GB" sz="2800" dirty="0"/>
-              <a:t>Prepare the dessert (20 mins)</a:t>
-            </a:r>
-          </a:p>
-          <a:p>
-            <a:pPr marL="457200" indent="-457200">
-              <a:buFont typeface="Arial" panose="020B0604020202020204" pitchFamily="34" charset="0"/>
-              <a:buChar char="•"/>
-            </a:pPr>
-            <a:endParaRPr lang="en-GB" sz="2800" dirty="0"/>
-          </a:p>
-          <a:p>
-            <a:pPr marL="457200" indent="-457200">
-              <a:buFont typeface="Arial" panose="020B0604020202020204" pitchFamily="34" charset="0"/>
-              <a:buChar char="•"/>
-            </a:pPr>
-            <a:endParaRPr lang="en-GB" sz="2800" dirty="0"/>
+              <a:rPr lang="en-GB" sz="3200" b="1" dirty="0"/>
+              <a:t>Here are some example of synchronous methods in C#:</a:t>
+            </a:r>
+          </a:p>
+        </p:txBody>
+      </p:sp>
+      <p:pic>
+        <p:nvPicPr>
+          <p:cNvPr id="2" name="Picture 1">
+            <a:extLst>
+              <a:ext uri="{FF2B5EF4-FFF2-40B4-BE49-F238E27FC236}">
+                <a16:creationId xmlns:a16="http://schemas.microsoft.com/office/drawing/2014/main" id="{136A1FC5-97AC-4D35-A13E-09392AB806BF}"/>
+              </a:ext>
+            </a:extLst>
+          </p:cNvPr>
+          <p:cNvPicPr>
+            <a:picLocks noChangeAspect="1"/>
+          </p:cNvPicPr>
+          <p:nvPr/>
+        </p:nvPicPr>
+        <p:blipFill>
+          <a:blip r:embed="rId2"/>
+          <a:stretch>
+            <a:fillRect/>
+          </a:stretch>
+        </p:blipFill>
+        <p:spPr>
+          <a:xfrm>
+            <a:off x="5650335" y="1211488"/>
+            <a:ext cx="6175022" cy="2325282"/>
+          </a:xfrm>
+          <a:prstGeom prst="rect">
+            <a:avLst/>
+          </a:prstGeom>
+        </p:spPr>
+      </p:pic>
+      <p:pic>
+        <p:nvPicPr>
+          <p:cNvPr id="3" name="Picture 2">
+            <a:extLst>
+              <a:ext uri="{FF2B5EF4-FFF2-40B4-BE49-F238E27FC236}">
+                <a16:creationId xmlns:a16="http://schemas.microsoft.com/office/drawing/2014/main" id="{A5715088-701E-4AE3-B68C-8DF783327A99}"/>
+              </a:ext>
+            </a:extLst>
+          </p:cNvPr>
+          <p:cNvPicPr>
+            <a:picLocks noChangeAspect="1"/>
+          </p:cNvPicPr>
+          <p:nvPr/>
+        </p:nvPicPr>
+        <p:blipFill>
+          <a:blip r:embed="rId3"/>
+          <a:stretch>
+            <a:fillRect/>
+          </a:stretch>
+        </p:blipFill>
+        <p:spPr>
+          <a:xfrm>
+            <a:off x="526207" y="1211488"/>
+            <a:ext cx="4591050" cy="2105025"/>
+          </a:xfrm>
+          <a:prstGeom prst="rect">
+            <a:avLst/>
+          </a:prstGeom>
+        </p:spPr>
+      </p:pic>
+      <p:pic>
+        <p:nvPicPr>
+          <p:cNvPr id="5" name="Picture 4">
+            <a:extLst>
+              <a:ext uri="{FF2B5EF4-FFF2-40B4-BE49-F238E27FC236}">
+                <a16:creationId xmlns:a16="http://schemas.microsoft.com/office/drawing/2014/main" id="{4F9BE8B1-40C1-42F0-A075-B369F7D0DE93}"/>
+              </a:ext>
+            </a:extLst>
+          </p:cNvPr>
+          <p:cNvPicPr>
+            <a:picLocks noChangeAspect="1"/>
+          </p:cNvPicPr>
+          <p:nvPr/>
+        </p:nvPicPr>
+        <p:blipFill>
+          <a:blip r:embed="rId4"/>
+          <a:stretch>
+            <a:fillRect/>
+          </a:stretch>
+        </p:blipFill>
+        <p:spPr>
+          <a:xfrm>
+            <a:off x="1870788" y="3698047"/>
+            <a:ext cx="8077200" cy="1562100"/>
+          </a:xfrm>
+          <a:prstGeom prst="rect">
+            <a:avLst/>
+          </a:prstGeom>
+        </p:spPr>
+      </p:pic>
+      <p:sp>
+        <p:nvSpPr>
+          <p:cNvPr id="7" name="Rectangle 6">
+            <a:extLst>
+              <a:ext uri="{FF2B5EF4-FFF2-40B4-BE49-F238E27FC236}">
+                <a16:creationId xmlns:a16="http://schemas.microsoft.com/office/drawing/2014/main" id="{F360AEFE-75F4-45D0-9D24-4D6C2B4E87B2}"/>
+              </a:ext>
+            </a:extLst>
+          </p:cNvPr>
+          <p:cNvSpPr/>
+          <p:nvPr/>
+        </p:nvSpPr>
+        <p:spPr>
+          <a:xfrm>
+            <a:off x="145775" y="5718406"/>
+            <a:ext cx="11679581" cy="584775"/>
+          </a:xfrm>
+          <a:prstGeom prst="rect">
+            <a:avLst/>
+          </a:prstGeom>
+        </p:spPr>
+        <p:txBody>
+          <a:bodyPr wrap="square">
+            <a:spAutoFit/>
+          </a:bodyPr>
+          <a:lstStyle/>
+          <a:p>
+            <a:pPr algn="ctr"/>
+            <a:r>
+              <a:rPr lang="en-GB" sz="3200" b="1" dirty="0"/>
+              <a:t>Notice that all of these methods are CPU-bound</a:t>
+            </a:r>
           </a:p>
         </p:txBody>
       </p:sp>
     </p:spTree>
     <p:extLst>
       <p:ext uri="{BB962C8B-B14F-4D97-AF65-F5344CB8AC3E}">
-        <p14:creationId xmlns:p14="http://schemas.microsoft.com/office/powerpoint/2010/main" val="3628257232"/>
+        <p14:creationId xmlns:p14="http://schemas.microsoft.com/office/powerpoint/2010/main" val="220451678"/>
       </p:ext>
     </p:extLst>
   </p:cSld>
@@ -4036,7 +4031,7 @@
         <p:spPr>
           <a:xfrm>
             <a:off x="145775" y="132522"/>
-            <a:ext cx="11781182" cy="6124754"/>
+            <a:ext cx="11781182" cy="6555641"/>
           </a:xfrm>
           <a:prstGeom prst="rect">
             <a:avLst/>
@@ -4051,42 +4046,10 @@
           <a:p>
             <a:r>
               <a:rPr lang="en-GB" sz="2800" b="1" dirty="0"/>
-              <a:t>Some steps are performed by a person, others aren’t</a:t>
-            </a:r>
-          </a:p>
-          <a:p>
-            <a:br>
-              <a:rPr lang="en-GB" sz="2800" dirty="0"/>
-            </a:br>
-            <a:r>
-              <a:rPr lang="en-GB" sz="2800" b="1" dirty="0">
-                <a:solidFill>
-                  <a:srgbClr val="00B050"/>
-                </a:solidFill>
-              </a:rPr>
-              <a:t>Green</a:t>
-            </a:r>
-            <a:r>
-              <a:rPr lang="en-GB" sz="2800" dirty="0"/>
-              <a:t> steps are ones which are completed by yourself</a:t>
-            </a:r>
-          </a:p>
-          <a:p>
-            <a:r>
-              <a:rPr lang="en-GB" sz="2800" b="1" dirty="0">
-                <a:solidFill>
-                  <a:schemeClr val="accent2"/>
-                </a:solidFill>
-              </a:rPr>
-              <a:t>Orange</a:t>
-            </a:r>
-            <a:r>
-              <a:rPr lang="en-GB" sz="2800" dirty="0"/>
-              <a:t> steps are ones which are out of your control once started</a:t>
-            </a:r>
-            <a:br>
-              <a:rPr lang="en-GB" sz="2800" dirty="0"/>
-            </a:br>
+              <a:t>Some (possibly confusing) facts about synchronous and asynchronous code</a:t>
+            </a:r>
+          </a:p>
+          <a:p>
             <a:endParaRPr lang="en-GB" sz="2800" dirty="0"/>
           </a:p>
           <a:p>
@@ -4095,16 +4058,8 @@
               <a:buChar char="•"/>
             </a:pPr>
             <a:r>
-              <a:rPr lang="en-GB" sz="2800" b="1" dirty="0">
-                <a:solidFill>
-                  <a:schemeClr val="accent2"/>
-                </a:solidFill>
-              </a:rPr>
-              <a:t>Heat a saucepan of water until it starts boiling </a:t>
-            </a:r>
-            <a:r>
               <a:rPr lang="en-GB" sz="2800" dirty="0"/>
-              <a:t>(5 mins)</a:t>
+              <a:t>Synchronous code may or may not run in the same thread.</a:t>
             </a:r>
           </a:p>
           <a:p>
@@ -4112,18 +4067,7 @@
               <a:buFont typeface="Arial" panose="020B0604020202020204" pitchFamily="34" charset="0"/>
               <a:buChar char="•"/>
             </a:pPr>
-            <a:r>
-              <a:rPr lang="en-GB" sz="2800" b="1" dirty="0">
-                <a:solidFill>
-                  <a:srgbClr val="00B050"/>
-                </a:solidFill>
-              </a:rPr>
-              <a:t>Cook fresh pasta </a:t>
-            </a:r>
-            <a:r>
-              <a:rPr lang="en-GB" sz="2800" dirty="0"/>
-              <a:t>(5 mins)</a:t>
-            </a:r>
+            <a:endParaRPr lang="en-GB" sz="2800" dirty="0"/>
           </a:p>
           <a:p>
             <a:pPr marL="457200" indent="-457200">
@@ -4131,16 +4075,8 @@
               <a:buChar char="•"/>
             </a:pPr>
             <a:r>
-              <a:rPr lang="en-GB" sz="2800" b="1" dirty="0">
-                <a:solidFill>
-                  <a:srgbClr val="00B050"/>
-                </a:solidFill>
-              </a:rPr>
-              <a:t>Drain the water from the pasta </a:t>
-            </a:r>
-            <a:r>
               <a:rPr lang="en-GB" sz="2800" dirty="0"/>
-              <a:t>(1 min)</a:t>
+              <a:t>Synchronous operations can be performed sequentially, or simultaneously. </a:t>
             </a:r>
           </a:p>
           <a:p>
@@ -4148,18 +4084,7 @@
               <a:buFont typeface="Arial" panose="020B0604020202020204" pitchFamily="34" charset="0"/>
               <a:buChar char="•"/>
             </a:pPr>
-            <a:r>
-              <a:rPr lang="en-GB" sz="2800" b="1" dirty="0">
-                <a:solidFill>
-                  <a:srgbClr val="00B050"/>
-                </a:solidFill>
-              </a:rPr>
-              <a:t>Place pasta in a dish and add sauce </a:t>
-            </a:r>
-            <a:r>
-              <a:rPr lang="en-GB" sz="2800" dirty="0"/>
-              <a:t>(1 min)</a:t>
-            </a:r>
+            <a:endParaRPr lang="en-GB" sz="2800" dirty="0"/>
           </a:p>
           <a:p>
             <a:pPr marL="457200" indent="-457200">
@@ -4167,16 +4092,8 @@
               <a:buChar char="•"/>
             </a:pPr>
             <a:r>
-              <a:rPr lang="en-GB" sz="2800" b="1" dirty="0">
-                <a:solidFill>
-                  <a:srgbClr val="00B050"/>
-                </a:solidFill>
-              </a:rPr>
-              <a:t>Grate cheese </a:t>
-            </a:r>
-            <a:r>
               <a:rPr lang="en-GB" sz="2800" dirty="0"/>
-              <a:t>(2 mins)</a:t>
+              <a:t>Asynchronous operations may or may not run in multiple threads. </a:t>
             </a:r>
           </a:p>
           <a:p>
@@ -4184,18 +4101,7 @@
               <a:buFont typeface="Arial" panose="020B0604020202020204" pitchFamily="34" charset="0"/>
               <a:buChar char="•"/>
             </a:pPr>
-            <a:r>
-              <a:rPr lang="en-GB" sz="2800" b="1" dirty="0">
-                <a:solidFill>
-                  <a:srgbClr val="00B050"/>
-                </a:solidFill>
-              </a:rPr>
-              <a:t>Add cheese to pasta </a:t>
-            </a:r>
-            <a:r>
-              <a:rPr lang="en-GB" sz="2800" dirty="0"/>
-              <a:t>(1 min)</a:t>
-            </a:r>
+            <a:endParaRPr lang="en-GB" sz="2800" dirty="0"/>
           </a:p>
           <a:p>
             <a:pPr marL="457200" indent="-457200">
@@ -4203,52 +4109,23 @@
               <a:buChar char="•"/>
             </a:pPr>
             <a:r>
-              <a:rPr lang="en-GB" sz="2800" b="1" dirty="0">
-                <a:solidFill>
-                  <a:schemeClr val="accent2"/>
-                </a:solidFill>
-              </a:rPr>
-              <a:t>Pre-heat oven to 200°C </a:t>
-            </a:r>
-            <a:r>
               <a:rPr lang="en-GB" sz="2800" dirty="0"/>
-              <a:t>(15 mins) </a:t>
-            </a:r>
-          </a:p>
-          <a:p>
-            <a:pPr marL="457200" indent="-457200">
-              <a:buFont typeface="Arial" panose="020B0604020202020204" pitchFamily="34" charset="0"/>
-              <a:buChar char="•"/>
-            </a:pPr>
-            <a:r>
-              <a:rPr lang="en-GB" sz="2800" b="1" dirty="0">
-                <a:solidFill>
-                  <a:schemeClr val="accent2"/>
-                </a:solidFill>
-              </a:rPr>
-              <a:t>Place dish in oven and bake </a:t>
-            </a:r>
+              <a:t>Asynchronous operations can be just scheduled but never guaranteed to run at a certain time. </a:t>
+            </a:r>
+          </a:p>
+          <a:p>
+            <a:endParaRPr lang="en-GB" sz="2800" dirty="0"/>
+          </a:p>
+          <a:p>
             <a:r>
               <a:rPr lang="en-GB" sz="2800" dirty="0"/>
-              <a:t>(15 mins)</a:t>
-            </a:r>
-          </a:p>
-          <a:p>
-            <a:pPr marL="457200" indent="-457200">
-              <a:buFont typeface="Arial" panose="020B0604020202020204" pitchFamily="34" charset="0"/>
-              <a:buChar char="•"/>
-            </a:pPr>
-            <a:r>
-              <a:rPr lang="en-GB" sz="2800" b="1" dirty="0">
-                <a:solidFill>
-                  <a:srgbClr val="00B050"/>
-                </a:solidFill>
-              </a:rPr>
-              <a:t>Prepare the dessert </a:t>
-            </a:r>
+              <a:t>Asynchrony has nothing to do with “other threads”, “background”, “simultaneous”, or “concurrent”. All of those things are irrelevant. </a:t>
+            </a:r>
+          </a:p>
+          <a:p>
             <a:r>
               <a:rPr lang="en-GB" sz="2800" dirty="0"/>
-              <a:t>(20 mins)</a:t>
+              <a:t>It’s just a way to design code where you can avoid both resource contention and thread blocking. </a:t>
             </a:r>
           </a:p>
         </p:txBody>
@@ -4256,7 +4133,7 @@
     </p:spTree>
     <p:extLst>
       <p:ext uri="{BB962C8B-B14F-4D97-AF65-F5344CB8AC3E}">
-        <p14:creationId xmlns:p14="http://schemas.microsoft.com/office/powerpoint/2010/main" val="2858153580"/>
+        <p14:creationId xmlns:p14="http://schemas.microsoft.com/office/powerpoint/2010/main" val="777985352"/>
       </p:ext>
     </p:extLst>
   </p:cSld>
@@ -4298,6 +4175,781 @@
         <p:spPr>
           <a:xfrm>
             <a:off x="145775" y="132522"/>
+            <a:ext cx="11781182" cy="584775"/>
+          </a:xfrm>
+          <a:prstGeom prst="rect">
+            <a:avLst/>
+          </a:prstGeom>
+          <a:noFill/>
+        </p:spPr>
+        <p:txBody>
+          <a:bodyPr wrap="square" rtlCol="0">
+            <a:spAutoFit/>
+          </a:bodyPr>
+          <a:lstStyle/>
+          <a:p>
+            <a:r>
+              <a:rPr lang="en-GB" sz="3200" b="1" dirty="0"/>
+              <a:t>Here are some example of asynchronous methods in C#:</a:t>
+            </a:r>
+          </a:p>
+        </p:txBody>
+      </p:sp>
+    </p:spTree>
+    <p:extLst>
+      <p:ext uri="{BB962C8B-B14F-4D97-AF65-F5344CB8AC3E}">
+        <p14:creationId xmlns:p14="http://schemas.microsoft.com/office/powerpoint/2010/main" val="1723273691"/>
+      </p:ext>
+    </p:extLst>
+  </p:cSld>
+  <p:clrMapOvr>
+    <a:masterClrMapping/>
+  </p:clrMapOvr>
+</p:sld>
+</file>
+
+<file path=ppt/slides/slide15.xml><?xml version="1.0" encoding="utf-8"?>
+<p:sld xmlns:a="http://schemas.openxmlformats.org/drawingml/2006/main" xmlns:r="http://schemas.openxmlformats.org/officeDocument/2006/relationships" xmlns:p="http://schemas.openxmlformats.org/presentationml/2006/main">
+  <p:cSld>
+    <p:spTree>
+      <p:nvGrpSpPr>
+        <p:cNvPr id="1" name=""/>
+        <p:cNvGrpSpPr/>
+        <p:nvPr/>
+      </p:nvGrpSpPr>
+      <p:grpSpPr>
+        <a:xfrm>
+          <a:off x="0" y="0"/>
+          <a:ext cx="0" cy="0"/>
+          <a:chOff x="0" y="0"/>
+          <a:chExt cx="0" cy="0"/>
+        </a:xfrm>
+      </p:grpSpPr>
+      <p:sp>
+        <p:nvSpPr>
+          <p:cNvPr id="4" name="TextBox 3">
+            <a:extLst>
+              <a:ext uri="{FF2B5EF4-FFF2-40B4-BE49-F238E27FC236}">
+                <a16:creationId xmlns:a16="http://schemas.microsoft.com/office/drawing/2014/main" id="{18767206-9205-42D0-A2AE-5A1017D4CB08}"/>
+              </a:ext>
+            </a:extLst>
+          </p:cNvPr>
+          <p:cNvSpPr txBox="1"/>
+          <p:nvPr/>
+        </p:nvSpPr>
+        <p:spPr>
+          <a:xfrm>
+            <a:off x="145775" y="132522"/>
+            <a:ext cx="11781182" cy="5016758"/>
+          </a:xfrm>
+          <a:prstGeom prst="rect">
+            <a:avLst/>
+          </a:prstGeom>
+          <a:noFill/>
+        </p:spPr>
+        <p:txBody>
+          <a:bodyPr wrap="square" rtlCol="0">
+            <a:spAutoFit/>
+          </a:bodyPr>
+          <a:lstStyle/>
+          <a:p>
+            <a:r>
+              <a:rPr lang="en-GB" sz="3200" b="1" dirty="0" err="1"/>
+              <a:t>Task.Run</a:t>
+            </a:r>
+            <a:endParaRPr lang="en-GB" sz="3200" b="1" dirty="0"/>
+          </a:p>
+          <a:p>
+            <a:endParaRPr lang="en-GB" sz="3200" b="1" dirty="0"/>
+          </a:p>
+          <a:p>
+            <a:r>
+              <a:rPr lang="en-GB" sz="3200" b="1" dirty="0" err="1"/>
+              <a:t>Task.Start</a:t>
+            </a:r>
+            <a:endParaRPr lang="en-GB" sz="3200" b="1" dirty="0"/>
+          </a:p>
+          <a:p>
+            <a:endParaRPr lang="en-GB" sz="3200" b="1" dirty="0"/>
+          </a:p>
+          <a:p>
+            <a:r>
+              <a:rPr lang="en-GB" sz="3200" b="1" dirty="0" err="1"/>
+              <a:t>Task.Wait</a:t>
+            </a:r>
+            <a:endParaRPr lang="en-GB" sz="3200" b="1" dirty="0"/>
+          </a:p>
+          <a:p>
+            <a:endParaRPr lang="en-GB" sz="3200" b="1" dirty="0"/>
+          </a:p>
+          <a:p>
+            <a:r>
+              <a:rPr lang="en-GB" sz="3200" b="1" dirty="0" err="1"/>
+              <a:t>Task.RunSynchronously</a:t>
+            </a:r>
+            <a:endParaRPr lang="en-GB" sz="3200" b="1" dirty="0"/>
+          </a:p>
+          <a:p>
+            <a:endParaRPr lang="en-GB" sz="3200" b="1" dirty="0"/>
+          </a:p>
+          <a:p>
+            <a:endParaRPr lang="en-GB" sz="3200" b="1" dirty="0"/>
+          </a:p>
+          <a:p>
+            <a:r>
+              <a:rPr lang="en-GB" sz="3200" b="1" dirty="0"/>
+              <a:t>Use </a:t>
+            </a:r>
+            <a:r>
+              <a:rPr lang="en-GB" sz="3200" b="1" dirty="0" err="1"/>
+              <a:t>Task.Delay</a:t>
+            </a:r>
+            <a:r>
+              <a:rPr lang="en-GB" sz="3200" b="1" dirty="0"/>
+              <a:t> instead of </a:t>
+            </a:r>
+            <a:r>
+              <a:rPr lang="en-GB" sz="3200" b="1" dirty="0" err="1"/>
+              <a:t>Thread.Sleep</a:t>
+            </a:r>
+            <a:r>
+              <a:rPr lang="en-GB" sz="3200" b="1" dirty="0"/>
+              <a:t> as it’s asynchronous</a:t>
+            </a:r>
+          </a:p>
+        </p:txBody>
+      </p:sp>
+    </p:spTree>
+    <p:extLst>
+      <p:ext uri="{BB962C8B-B14F-4D97-AF65-F5344CB8AC3E}">
+        <p14:creationId xmlns:p14="http://schemas.microsoft.com/office/powerpoint/2010/main" val="1477074202"/>
+      </p:ext>
+    </p:extLst>
+  </p:cSld>
+  <p:clrMapOvr>
+    <a:masterClrMapping/>
+  </p:clrMapOvr>
+</p:sld>
+</file>
+
+<file path=ppt/slides/slide16.xml><?xml version="1.0" encoding="utf-8"?>
+<p:sld xmlns:a="http://schemas.openxmlformats.org/drawingml/2006/main" xmlns:r="http://schemas.openxmlformats.org/officeDocument/2006/relationships" xmlns:p="http://schemas.openxmlformats.org/presentationml/2006/main">
+  <p:cSld>
+    <p:spTree>
+      <p:nvGrpSpPr>
+        <p:cNvPr id="1" name=""/>
+        <p:cNvGrpSpPr/>
+        <p:nvPr/>
+      </p:nvGrpSpPr>
+      <p:grpSpPr>
+        <a:xfrm>
+          <a:off x="0" y="0"/>
+          <a:ext cx="0" cy="0"/>
+          <a:chOff x="0" y="0"/>
+          <a:chExt cx="0" cy="0"/>
+        </a:xfrm>
+      </p:grpSpPr>
+      <p:sp>
+        <p:nvSpPr>
+          <p:cNvPr id="4" name="TextBox 3">
+            <a:extLst>
+              <a:ext uri="{FF2B5EF4-FFF2-40B4-BE49-F238E27FC236}">
+                <a16:creationId xmlns:a16="http://schemas.microsoft.com/office/drawing/2014/main" id="{18767206-9205-42D0-A2AE-5A1017D4CB08}"/>
+              </a:ext>
+            </a:extLst>
+          </p:cNvPr>
+          <p:cNvSpPr txBox="1"/>
+          <p:nvPr/>
+        </p:nvSpPr>
+        <p:spPr>
+          <a:xfrm>
+            <a:off x="145775" y="132522"/>
+            <a:ext cx="11781182" cy="6494085"/>
+          </a:xfrm>
+          <a:prstGeom prst="rect">
+            <a:avLst/>
+          </a:prstGeom>
+          <a:noFill/>
+        </p:spPr>
+        <p:txBody>
+          <a:bodyPr wrap="square" rtlCol="0">
+            <a:spAutoFit/>
+          </a:bodyPr>
+          <a:lstStyle/>
+          <a:p>
+            <a:r>
+              <a:rPr lang="en-GB" sz="3200" b="1" dirty="0"/>
+              <a:t>Summary</a:t>
+            </a:r>
+          </a:p>
+          <a:p>
+            <a:endParaRPr lang="en-GB" sz="3200" b="1" dirty="0"/>
+          </a:p>
+          <a:p>
+            <a:pPr marL="457200" indent="-457200">
+              <a:buFont typeface="Arial" panose="020B0604020202020204" pitchFamily="34" charset="0"/>
+              <a:buChar char="•"/>
+            </a:pPr>
+            <a:r>
+              <a:rPr lang="en-GB" sz="3200" dirty="0"/>
+              <a:t>Tasks are an easy way of writing methods which can be run asynchronously.</a:t>
+            </a:r>
+          </a:p>
+          <a:p>
+            <a:endParaRPr lang="en-GB" sz="3200" dirty="0"/>
+          </a:p>
+          <a:p>
+            <a:pPr marL="457200" indent="-457200">
+              <a:buFont typeface="Arial" panose="020B0604020202020204" pitchFamily="34" charset="0"/>
+              <a:buChar char="•"/>
+            </a:pPr>
+            <a:r>
+              <a:rPr lang="en-GB" sz="3200" dirty="0"/>
+              <a:t>Task provides a powerful API and avoids wasting OS threads.</a:t>
+            </a:r>
+          </a:p>
+          <a:p>
+            <a:pPr marL="457200" indent="-457200">
+              <a:buFont typeface="Arial" panose="020B0604020202020204" pitchFamily="34" charset="0"/>
+              <a:buChar char="•"/>
+            </a:pPr>
+            <a:endParaRPr lang="en-GB" sz="3200" dirty="0"/>
+          </a:p>
+          <a:p>
+            <a:pPr marL="457200" indent="-457200">
+              <a:buFont typeface="Arial" panose="020B0604020202020204" pitchFamily="34" charset="0"/>
+              <a:buChar char="•"/>
+            </a:pPr>
+            <a:r>
+              <a:rPr lang="en-GB" sz="3200" dirty="0"/>
+              <a:t>The only reason to explicitly create your own threads in modern code are for setting per-thread options, or maintaining a persistent thread that needs to maintain its own identity. </a:t>
+            </a:r>
+          </a:p>
+          <a:p>
+            <a:pPr marL="457200" indent="-457200">
+              <a:buFont typeface="Arial" panose="020B0604020202020204" pitchFamily="34" charset="0"/>
+              <a:buChar char="•"/>
+            </a:pPr>
+            <a:endParaRPr lang="en-GB" sz="3200" dirty="0"/>
+          </a:p>
+          <a:p>
+            <a:pPr marL="457200" indent="-457200">
+              <a:buFont typeface="Arial" panose="020B0604020202020204" pitchFamily="34" charset="0"/>
+              <a:buChar char="•"/>
+            </a:pPr>
+            <a:r>
+              <a:rPr lang="en-GB" sz="3200" dirty="0"/>
+              <a:t>Unless you have a good reason, </a:t>
+            </a:r>
+            <a:r>
+              <a:rPr lang="en-GB" sz="3200" b="1" u="sng" dirty="0"/>
+              <a:t>completely ignore Thread and </a:t>
+            </a:r>
+            <a:r>
+              <a:rPr lang="en-GB" sz="3200" b="1" u="sng" dirty="0" err="1"/>
+              <a:t>ThreadPool</a:t>
+            </a:r>
+            <a:r>
+              <a:rPr lang="en-GB" sz="3200" b="1" u="sng" dirty="0"/>
+              <a:t>. Only think about Task!</a:t>
+            </a:r>
+          </a:p>
+        </p:txBody>
+      </p:sp>
+    </p:spTree>
+    <p:extLst>
+      <p:ext uri="{BB962C8B-B14F-4D97-AF65-F5344CB8AC3E}">
+        <p14:creationId xmlns:p14="http://schemas.microsoft.com/office/powerpoint/2010/main" val="1198929045"/>
+      </p:ext>
+    </p:extLst>
+  </p:cSld>
+  <p:clrMapOvr>
+    <a:masterClrMapping/>
+  </p:clrMapOvr>
+</p:sld>
+</file>
+
+<file path=ppt/slides/slide17.xml><?xml version="1.0" encoding="utf-8"?>
+<p:sld xmlns:a="http://schemas.openxmlformats.org/drawingml/2006/main" xmlns:r="http://schemas.openxmlformats.org/officeDocument/2006/relationships" xmlns:p="http://schemas.openxmlformats.org/presentationml/2006/main">
+  <p:cSld>
+    <p:spTree>
+      <p:nvGrpSpPr>
+        <p:cNvPr id="1" name=""/>
+        <p:cNvGrpSpPr/>
+        <p:nvPr/>
+      </p:nvGrpSpPr>
+      <p:grpSpPr>
+        <a:xfrm>
+          <a:off x="0" y="0"/>
+          <a:ext cx="0" cy="0"/>
+          <a:chOff x="0" y="0"/>
+          <a:chExt cx="0" cy="0"/>
+        </a:xfrm>
+      </p:grpSpPr>
+      <p:sp>
+        <p:nvSpPr>
+          <p:cNvPr id="4" name="TextBox 3">
+            <a:extLst>
+              <a:ext uri="{FF2B5EF4-FFF2-40B4-BE49-F238E27FC236}">
+                <a16:creationId xmlns:a16="http://schemas.microsoft.com/office/drawing/2014/main" id="{18767206-9205-42D0-A2AE-5A1017D4CB08}"/>
+              </a:ext>
+            </a:extLst>
+          </p:cNvPr>
+          <p:cNvSpPr txBox="1"/>
+          <p:nvPr/>
+        </p:nvSpPr>
+        <p:spPr>
+          <a:xfrm>
+            <a:off x="145775" y="132522"/>
+            <a:ext cx="11781182" cy="6986528"/>
+          </a:xfrm>
+          <a:prstGeom prst="rect">
+            <a:avLst/>
+          </a:prstGeom>
+          <a:noFill/>
+        </p:spPr>
+        <p:txBody>
+          <a:bodyPr wrap="square" rtlCol="0">
+            <a:spAutoFit/>
+          </a:bodyPr>
+          <a:lstStyle/>
+          <a:p>
+            <a:r>
+              <a:rPr lang="en-GB" sz="2800" b="1" dirty="0"/>
+              <a:t>Here’s an analogy…</a:t>
+            </a:r>
+          </a:p>
+          <a:p>
+            <a:endParaRPr lang="en-GB" sz="2800" b="1" dirty="0"/>
+          </a:p>
+          <a:p>
+            <a:r>
+              <a:rPr lang="en-GB" sz="2800" dirty="0"/>
+              <a:t>You’re in your kitchen at home, making a pasta dish and a dessert.</a:t>
+            </a:r>
+          </a:p>
+          <a:p>
+            <a:endParaRPr lang="en-GB" sz="2800" dirty="0"/>
+          </a:p>
+          <a:p>
+            <a:r>
+              <a:rPr lang="en-GB" sz="2800" dirty="0"/>
+              <a:t>The steps are simple:</a:t>
+            </a:r>
+          </a:p>
+          <a:p>
+            <a:pPr marL="457200" indent="-457200">
+              <a:buFont typeface="Arial" panose="020B0604020202020204" pitchFamily="34" charset="0"/>
+              <a:buChar char="•"/>
+            </a:pPr>
+            <a:r>
+              <a:rPr lang="en-GB" sz="2800" dirty="0"/>
+              <a:t>Heat a saucepan of water until it starts boiling (takes 5 mins)</a:t>
+            </a:r>
+          </a:p>
+          <a:p>
+            <a:pPr marL="457200" indent="-457200">
+              <a:buFont typeface="Arial" panose="020B0604020202020204" pitchFamily="34" charset="0"/>
+              <a:buChar char="•"/>
+            </a:pPr>
+            <a:r>
+              <a:rPr lang="en-GB" sz="2800" dirty="0"/>
+              <a:t>Cook fresh pasta (5 mins)</a:t>
+            </a:r>
+          </a:p>
+          <a:p>
+            <a:pPr marL="457200" indent="-457200">
+              <a:buFont typeface="Arial" panose="020B0604020202020204" pitchFamily="34" charset="0"/>
+              <a:buChar char="•"/>
+            </a:pPr>
+            <a:r>
+              <a:rPr lang="en-GB" sz="2800" dirty="0"/>
+              <a:t>Drain the water from the pasta (1 min)</a:t>
+            </a:r>
+          </a:p>
+          <a:p>
+            <a:pPr marL="457200" indent="-457200">
+              <a:buFont typeface="Arial" panose="020B0604020202020204" pitchFamily="34" charset="0"/>
+              <a:buChar char="•"/>
+            </a:pPr>
+            <a:r>
+              <a:rPr lang="en-GB" sz="2800" dirty="0"/>
+              <a:t>Place pasta in a dish and add sauce (1 min)</a:t>
+            </a:r>
+          </a:p>
+          <a:p>
+            <a:pPr marL="457200" indent="-457200">
+              <a:buFont typeface="Arial" panose="020B0604020202020204" pitchFamily="34" charset="0"/>
+              <a:buChar char="•"/>
+            </a:pPr>
+            <a:r>
+              <a:rPr lang="en-GB" sz="2800" dirty="0"/>
+              <a:t>Grate cheese (2 mins)</a:t>
+            </a:r>
+          </a:p>
+          <a:p>
+            <a:pPr marL="457200" indent="-457200">
+              <a:buFont typeface="Arial" panose="020B0604020202020204" pitchFamily="34" charset="0"/>
+              <a:buChar char="•"/>
+            </a:pPr>
+            <a:r>
+              <a:rPr lang="en-GB" sz="2800" dirty="0"/>
+              <a:t>Add cheese to pasta (1 min)</a:t>
+            </a:r>
+          </a:p>
+          <a:p>
+            <a:pPr marL="457200" indent="-457200">
+              <a:buFont typeface="Arial" panose="020B0604020202020204" pitchFamily="34" charset="0"/>
+              <a:buChar char="•"/>
+            </a:pPr>
+            <a:r>
+              <a:rPr lang="en-GB" sz="2800" dirty="0"/>
+              <a:t>Pre-heat oven to 200°C (15 mins) </a:t>
+            </a:r>
+          </a:p>
+          <a:p>
+            <a:pPr marL="457200" indent="-457200">
+              <a:buFont typeface="Arial" panose="020B0604020202020204" pitchFamily="34" charset="0"/>
+              <a:buChar char="•"/>
+            </a:pPr>
+            <a:r>
+              <a:rPr lang="en-GB" sz="2800" dirty="0"/>
+              <a:t>Place dish in oven and bake (15 mins)</a:t>
+            </a:r>
+          </a:p>
+          <a:p>
+            <a:pPr marL="457200" indent="-457200">
+              <a:buFont typeface="Arial" panose="020B0604020202020204" pitchFamily="34" charset="0"/>
+              <a:buChar char="•"/>
+            </a:pPr>
+            <a:r>
+              <a:rPr lang="en-GB" sz="2800" dirty="0"/>
+              <a:t>Prepare the dessert (20 mins)</a:t>
+            </a:r>
+          </a:p>
+          <a:p>
+            <a:pPr marL="457200" indent="-457200">
+              <a:buFont typeface="Arial" panose="020B0604020202020204" pitchFamily="34" charset="0"/>
+              <a:buChar char="•"/>
+            </a:pPr>
+            <a:endParaRPr lang="en-GB" sz="2800" dirty="0"/>
+          </a:p>
+          <a:p>
+            <a:pPr marL="457200" indent="-457200">
+              <a:buFont typeface="Arial" panose="020B0604020202020204" pitchFamily="34" charset="0"/>
+              <a:buChar char="•"/>
+            </a:pPr>
+            <a:endParaRPr lang="en-GB" sz="2800" dirty="0"/>
+          </a:p>
+        </p:txBody>
+      </p:sp>
+    </p:spTree>
+    <p:extLst>
+      <p:ext uri="{BB962C8B-B14F-4D97-AF65-F5344CB8AC3E}">
+        <p14:creationId xmlns:p14="http://schemas.microsoft.com/office/powerpoint/2010/main" val="3628257232"/>
+      </p:ext>
+    </p:extLst>
+  </p:cSld>
+  <p:clrMapOvr>
+    <a:masterClrMapping/>
+  </p:clrMapOvr>
+</p:sld>
+</file>
+
+<file path=ppt/slides/slide18.xml><?xml version="1.0" encoding="utf-8"?>
+<p:sld xmlns:a="http://schemas.openxmlformats.org/drawingml/2006/main" xmlns:r="http://schemas.openxmlformats.org/officeDocument/2006/relationships" xmlns:p="http://schemas.openxmlformats.org/presentationml/2006/main">
+  <p:cSld>
+    <p:spTree>
+      <p:nvGrpSpPr>
+        <p:cNvPr id="1" name=""/>
+        <p:cNvGrpSpPr/>
+        <p:nvPr/>
+      </p:nvGrpSpPr>
+      <p:grpSpPr>
+        <a:xfrm>
+          <a:off x="0" y="0"/>
+          <a:ext cx="0" cy="0"/>
+          <a:chOff x="0" y="0"/>
+          <a:chExt cx="0" cy="0"/>
+        </a:xfrm>
+      </p:grpSpPr>
+      <p:sp>
+        <p:nvSpPr>
+          <p:cNvPr id="4" name="TextBox 3">
+            <a:extLst>
+              <a:ext uri="{FF2B5EF4-FFF2-40B4-BE49-F238E27FC236}">
+                <a16:creationId xmlns:a16="http://schemas.microsoft.com/office/drawing/2014/main" id="{18767206-9205-42D0-A2AE-5A1017D4CB08}"/>
+              </a:ext>
+            </a:extLst>
+          </p:cNvPr>
+          <p:cNvSpPr txBox="1"/>
+          <p:nvPr/>
+        </p:nvSpPr>
+        <p:spPr>
+          <a:xfrm>
+            <a:off x="145775" y="132522"/>
+            <a:ext cx="11781182" cy="6124754"/>
+          </a:xfrm>
+          <a:prstGeom prst="rect">
+            <a:avLst/>
+          </a:prstGeom>
+          <a:noFill/>
+        </p:spPr>
+        <p:txBody>
+          <a:bodyPr wrap="square" rtlCol="0">
+            <a:spAutoFit/>
+          </a:bodyPr>
+          <a:lstStyle/>
+          <a:p>
+            <a:r>
+              <a:rPr lang="en-GB" sz="2800" b="1" dirty="0"/>
+              <a:t>Some steps are performed by a person, others aren’t</a:t>
+            </a:r>
+          </a:p>
+          <a:p>
+            <a:br>
+              <a:rPr lang="en-GB" sz="2800" dirty="0"/>
+            </a:br>
+            <a:r>
+              <a:rPr lang="en-GB" sz="2800" b="1" dirty="0">
+                <a:solidFill>
+                  <a:srgbClr val="00B050"/>
+                </a:solidFill>
+              </a:rPr>
+              <a:t>Green</a:t>
+            </a:r>
+            <a:r>
+              <a:rPr lang="en-GB" sz="2800" dirty="0"/>
+              <a:t> steps are ones which are completed by yourself</a:t>
+            </a:r>
+          </a:p>
+          <a:p>
+            <a:r>
+              <a:rPr lang="en-GB" sz="2800" b="1" dirty="0">
+                <a:solidFill>
+                  <a:schemeClr val="accent2"/>
+                </a:solidFill>
+              </a:rPr>
+              <a:t>Orange</a:t>
+            </a:r>
+            <a:r>
+              <a:rPr lang="en-GB" sz="2800" dirty="0"/>
+              <a:t> steps are ones which are out of your control once started</a:t>
+            </a:r>
+            <a:br>
+              <a:rPr lang="en-GB" sz="2800" dirty="0"/>
+            </a:br>
+            <a:endParaRPr lang="en-GB" sz="2800" dirty="0"/>
+          </a:p>
+          <a:p>
+            <a:pPr marL="457200" indent="-457200">
+              <a:buFont typeface="Arial" panose="020B0604020202020204" pitchFamily="34" charset="0"/>
+              <a:buChar char="•"/>
+            </a:pPr>
+            <a:r>
+              <a:rPr lang="en-GB" sz="2800" b="1" dirty="0">
+                <a:solidFill>
+                  <a:schemeClr val="accent2"/>
+                </a:solidFill>
+              </a:rPr>
+              <a:t>Heat a saucepan of water until it starts boiling </a:t>
+            </a:r>
+            <a:r>
+              <a:rPr lang="en-GB" sz="2800" dirty="0"/>
+              <a:t>(5 mins)</a:t>
+            </a:r>
+          </a:p>
+          <a:p>
+            <a:pPr marL="457200" indent="-457200">
+              <a:buFont typeface="Arial" panose="020B0604020202020204" pitchFamily="34" charset="0"/>
+              <a:buChar char="•"/>
+            </a:pPr>
+            <a:r>
+              <a:rPr lang="en-GB" sz="2800" b="1" dirty="0">
+                <a:solidFill>
+                  <a:srgbClr val="00B050"/>
+                </a:solidFill>
+              </a:rPr>
+              <a:t>Cook fresh pasta </a:t>
+            </a:r>
+            <a:r>
+              <a:rPr lang="en-GB" sz="2800" dirty="0"/>
+              <a:t>(5 mins)</a:t>
+            </a:r>
+          </a:p>
+          <a:p>
+            <a:pPr marL="457200" indent="-457200">
+              <a:buFont typeface="Arial" panose="020B0604020202020204" pitchFamily="34" charset="0"/>
+              <a:buChar char="•"/>
+            </a:pPr>
+            <a:r>
+              <a:rPr lang="en-GB" sz="2800" b="1" dirty="0">
+                <a:solidFill>
+                  <a:srgbClr val="00B050"/>
+                </a:solidFill>
+              </a:rPr>
+              <a:t>Drain the water from the pasta </a:t>
+            </a:r>
+            <a:r>
+              <a:rPr lang="en-GB" sz="2800" dirty="0"/>
+              <a:t>(1 min)</a:t>
+            </a:r>
+          </a:p>
+          <a:p>
+            <a:pPr marL="457200" indent="-457200">
+              <a:buFont typeface="Arial" panose="020B0604020202020204" pitchFamily="34" charset="0"/>
+              <a:buChar char="•"/>
+            </a:pPr>
+            <a:r>
+              <a:rPr lang="en-GB" sz="2800" b="1" dirty="0">
+                <a:solidFill>
+                  <a:srgbClr val="00B050"/>
+                </a:solidFill>
+              </a:rPr>
+              <a:t>Place pasta in a dish and add sauce </a:t>
+            </a:r>
+            <a:r>
+              <a:rPr lang="en-GB" sz="2800" dirty="0"/>
+              <a:t>(1 min)</a:t>
+            </a:r>
+          </a:p>
+          <a:p>
+            <a:pPr marL="457200" indent="-457200">
+              <a:buFont typeface="Arial" panose="020B0604020202020204" pitchFamily="34" charset="0"/>
+              <a:buChar char="•"/>
+            </a:pPr>
+            <a:r>
+              <a:rPr lang="en-GB" sz="2800" b="1" dirty="0">
+                <a:solidFill>
+                  <a:srgbClr val="00B050"/>
+                </a:solidFill>
+              </a:rPr>
+              <a:t>Grate cheese </a:t>
+            </a:r>
+            <a:r>
+              <a:rPr lang="en-GB" sz="2800" dirty="0"/>
+              <a:t>(2 mins)</a:t>
+            </a:r>
+          </a:p>
+          <a:p>
+            <a:pPr marL="457200" indent="-457200">
+              <a:buFont typeface="Arial" panose="020B0604020202020204" pitchFamily="34" charset="0"/>
+              <a:buChar char="•"/>
+            </a:pPr>
+            <a:r>
+              <a:rPr lang="en-GB" sz="2800" b="1" dirty="0">
+                <a:solidFill>
+                  <a:srgbClr val="00B050"/>
+                </a:solidFill>
+              </a:rPr>
+              <a:t>Add cheese to pasta </a:t>
+            </a:r>
+            <a:r>
+              <a:rPr lang="en-GB" sz="2800" dirty="0"/>
+              <a:t>(1 min)</a:t>
+            </a:r>
+          </a:p>
+          <a:p>
+            <a:pPr marL="457200" indent="-457200">
+              <a:buFont typeface="Arial" panose="020B0604020202020204" pitchFamily="34" charset="0"/>
+              <a:buChar char="•"/>
+            </a:pPr>
+            <a:r>
+              <a:rPr lang="en-GB" sz="2800" b="1" dirty="0">
+                <a:solidFill>
+                  <a:schemeClr val="accent2"/>
+                </a:solidFill>
+              </a:rPr>
+              <a:t>Pre-heat oven to 200°C </a:t>
+            </a:r>
+            <a:r>
+              <a:rPr lang="en-GB" sz="2800" dirty="0"/>
+              <a:t>(15 mins) </a:t>
+            </a:r>
+          </a:p>
+          <a:p>
+            <a:pPr marL="457200" indent="-457200">
+              <a:buFont typeface="Arial" panose="020B0604020202020204" pitchFamily="34" charset="0"/>
+              <a:buChar char="•"/>
+            </a:pPr>
+            <a:r>
+              <a:rPr lang="en-GB" sz="2800" b="1" dirty="0">
+                <a:solidFill>
+                  <a:schemeClr val="accent2"/>
+                </a:solidFill>
+              </a:rPr>
+              <a:t>Place dish in oven and bake </a:t>
+            </a:r>
+            <a:r>
+              <a:rPr lang="en-GB" sz="2800" dirty="0"/>
+              <a:t>(15 mins)</a:t>
+            </a:r>
+          </a:p>
+          <a:p>
+            <a:pPr marL="457200" indent="-457200">
+              <a:buFont typeface="Arial" panose="020B0604020202020204" pitchFamily="34" charset="0"/>
+              <a:buChar char="•"/>
+            </a:pPr>
+            <a:r>
+              <a:rPr lang="en-GB" sz="2800" b="1" dirty="0">
+                <a:solidFill>
+                  <a:srgbClr val="00B050"/>
+                </a:solidFill>
+              </a:rPr>
+              <a:t>Prepare the dessert </a:t>
+            </a:r>
+            <a:r>
+              <a:rPr lang="en-GB" sz="2800" dirty="0"/>
+              <a:t>(20 mins)</a:t>
+            </a:r>
+          </a:p>
+        </p:txBody>
+      </p:sp>
+    </p:spTree>
+    <p:extLst>
+      <p:ext uri="{BB962C8B-B14F-4D97-AF65-F5344CB8AC3E}">
+        <p14:creationId xmlns:p14="http://schemas.microsoft.com/office/powerpoint/2010/main" val="2858153580"/>
+      </p:ext>
+    </p:extLst>
+  </p:cSld>
+  <p:clrMapOvr>
+    <a:masterClrMapping/>
+  </p:clrMapOvr>
+</p:sld>
+</file>
+
+<file path=ppt/slides/slide19.xml><?xml version="1.0" encoding="utf-8"?>
+<p:sld xmlns:a="http://schemas.openxmlformats.org/drawingml/2006/main" xmlns:r="http://schemas.openxmlformats.org/officeDocument/2006/relationships" xmlns:p="http://schemas.openxmlformats.org/presentationml/2006/main">
+  <p:cSld>
+    <p:spTree>
+      <p:nvGrpSpPr>
+        <p:cNvPr id="1" name=""/>
+        <p:cNvGrpSpPr/>
+        <p:nvPr/>
+      </p:nvGrpSpPr>
+      <p:grpSpPr>
+        <a:xfrm>
+          <a:off x="0" y="0"/>
+          <a:ext cx="0" cy="0"/>
+          <a:chOff x="0" y="0"/>
+          <a:chExt cx="0" cy="0"/>
+        </a:xfrm>
+      </p:grpSpPr>
+      <p:sp>
+        <p:nvSpPr>
+          <p:cNvPr id="4" name="TextBox 3">
+            <a:extLst>
+              <a:ext uri="{FF2B5EF4-FFF2-40B4-BE49-F238E27FC236}">
+                <a16:creationId xmlns:a16="http://schemas.microsoft.com/office/drawing/2014/main" id="{18767206-9205-42D0-A2AE-5A1017D4CB08}"/>
+              </a:ext>
+            </a:extLst>
+          </p:cNvPr>
+          <p:cNvSpPr txBox="1"/>
+          <p:nvPr/>
+        </p:nvSpPr>
+        <p:spPr>
+          <a:xfrm>
+            <a:off x="145775" y="132522"/>
             <a:ext cx="11781182" cy="6555641"/>
           </a:xfrm>
           <a:prstGeom prst="rect">
@@ -4514,7 +5166,184 @@
 </p:sld>
 </file>
 
-<file path=ppt/slides/slide15.xml><?xml version="1.0" encoding="utf-8"?>
+<file path=ppt/slides/slide2.xml><?xml version="1.0" encoding="utf-8"?>
+<p:sld xmlns:a="http://schemas.openxmlformats.org/drawingml/2006/main" xmlns:r="http://schemas.openxmlformats.org/officeDocument/2006/relationships" xmlns:p="http://schemas.openxmlformats.org/presentationml/2006/main">
+  <p:cSld>
+    <p:spTree>
+      <p:nvGrpSpPr>
+        <p:cNvPr id="1" name=""/>
+        <p:cNvGrpSpPr/>
+        <p:nvPr/>
+      </p:nvGrpSpPr>
+      <p:grpSpPr>
+        <a:xfrm>
+          <a:off x="0" y="0"/>
+          <a:ext cx="0" cy="0"/>
+          <a:chOff x="0" y="0"/>
+          <a:chExt cx="0" cy="0"/>
+        </a:xfrm>
+      </p:grpSpPr>
+      <p:sp>
+        <p:nvSpPr>
+          <p:cNvPr id="4" name="TextBox 3">
+            <a:extLst>
+              <a:ext uri="{FF2B5EF4-FFF2-40B4-BE49-F238E27FC236}">
+                <a16:creationId xmlns:a16="http://schemas.microsoft.com/office/drawing/2014/main" id="{18767206-9205-42D0-A2AE-5A1017D4CB08}"/>
+              </a:ext>
+            </a:extLst>
+          </p:cNvPr>
+          <p:cNvSpPr txBox="1"/>
+          <p:nvPr/>
+        </p:nvSpPr>
+        <p:spPr>
+          <a:xfrm>
+            <a:off x="145775" y="132522"/>
+            <a:ext cx="11781182" cy="6124754"/>
+          </a:xfrm>
+          <a:prstGeom prst="rect">
+            <a:avLst/>
+          </a:prstGeom>
+          <a:noFill/>
+        </p:spPr>
+        <p:txBody>
+          <a:bodyPr wrap="square" rtlCol="0">
+            <a:spAutoFit/>
+          </a:bodyPr>
+          <a:lstStyle/>
+          <a:p>
+            <a:r>
+              <a:rPr lang="en-GB" sz="3200" b="1" dirty="0"/>
+              <a:t>What we’ll be covering…</a:t>
+            </a:r>
+          </a:p>
+          <a:p>
+            <a:endParaRPr lang="en-GB" sz="3200" b="1" dirty="0"/>
+          </a:p>
+          <a:p>
+            <a:pPr marL="457200" indent="-457200">
+              <a:buFont typeface="Arial" panose="020B0604020202020204" pitchFamily="34" charset="0"/>
+              <a:buChar char="•"/>
+            </a:pPr>
+            <a:r>
+              <a:rPr lang="en-GB" sz="2400" dirty="0"/>
+              <a:t>Synchronous vs asynchronous operations</a:t>
+            </a:r>
+          </a:p>
+          <a:p>
+            <a:pPr marL="457200" indent="-457200">
+              <a:buFont typeface="Arial" panose="020B0604020202020204" pitchFamily="34" charset="0"/>
+              <a:buChar char="•"/>
+            </a:pPr>
+            <a:endParaRPr lang="en-GB" sz="2400" dirty="0"/>
+          </a:p>
+          <a:p>
+            <a:pPr marL="457200" indent="-457200">
+              <a:buFont typeface="Arial" panose="020B0604020202020204" pitchFamily="34" charset="0"/>
+              <a:buChar char="•"/>
+            </a:pPr>
+            <a:r>
+              <a:rPr lang="en-GB" sz="2400" dirty="0"/>
+              <a:t>CPU-bound vs I/O-bound operations</a:t>
+            </a:r>
+          </a:p>
+          <a:p>
+            <a:endParaRPr lang="en-GB" sz="2400" dirty="0"/>
+          </a:p>
+          <a:p>
+            <a:pPr marL="457200" indent="-457200">
+              <a:buFont typeface="Arial" panose="020B0604020202020204" pitchFamily="34" charset="0"/>
+              <a:buChar char="•"/>
+            </a:pPr>
+            <a:r>
+              <a:rPr lang="en-GB" sz="2400" dirty="0"/>
+              <a:t>Task, Task&lt;T&gt;, Thread and </a:t>
+            </a:r>
+            <a:r>
+              <a:rPr lang="en-GB" sz="2400" dirty="0" err="1"/>
+              <a:t>ThreadPool</a:t>
+            </a:r>
+            <a:r>
+              <a:rPr lang="en-GB" sz="2400" dirty="0"/>
+              <a:t> classes in C#</a:t>
+            </a:r>
+          </a:p>
+          <a:p>
+            <a:endParaRPr lang="en-GB" sz="2400" dirty="0"/>
+          </a:p>
+          <a:p>
+            <a:pPr marL="457200" indent="-457200">
+              <a:buFont typeface="Arial" panose="020B0604020202020204" pitchFamily="34" charset="0"/>
+              <a:buChar char="•"/>
+            </a:pPr>
+            <a:r>
+              <a:rPr lang="en-GB" sz="2400" dirty="0"/>
+              <a:t>Dealing with exceptions in asynchronous methods</a:t>
+            </a:r>
+          </a:p>
+          <a:p>
+            <a:pPr marL="457200" indent="-457200">
+              <a:buFont typeface="Arial" panose="020B0604020202020204" pitchFamily="34" charset="0"/>
+              <a:buChar char="•"/>
+            </a:pPr>
+            <a:endParaRPr lang="en-GB" sz="2400" dirty="0"/>
+          </a:p>
+          <a:p>
+            <a:pPr marL="457200" indent="-457200">
+              <a:buFont typeface="Arial" panose="020B0604020202020204" pitchFamily="34" charset="0"/>
+              <a:buChar char="•"/>
+            </a:pPr>
+            <a:r>
+              <a:rPr lang="en-GB" sz="2400" dirty="0"/>
+              <a:t>Writing “fire-and-forget” background tasks</a:t>
+            </a:r>
+          </a:p>
+          <a:p>
+            <a:pPr marL="457200" indent="-457200">
+              <a:buFont typeface="Arial" panose="020B0604020202020204" pitchFamily="34" charset="0"/>
+              <a:buChar char="•"/>
+            </a:pPr>
+            <a:endParaRPr lang="en-GB" sz="2400" dirty="0"/>
+          </a:p>
+          <a:p>
+            <a:pPr marL="457200" indent="-457200">
+              <a:buFont typeface="Arial" panose="020B0604020202020204" pitchFamily="34" charset="0"/>
+              <a:buChar char="•"/>
+            </a:pPr>
+            <a:r>
+              <a:rPr lang="en-GB" sz="2400" dirty="0"/>
+              <a:t>Etiquette when writing methods</a:t>
+            </a:r>
+          </a:p>
+          <a:p>
+            <a:pPr marL="457200" indent="-457200">
+              <a:buFont typeface="Arial" panose="020B0604020202020204" pitchFamily="34" charset="0"/>
+              <a:buChar char="•"/>
+            </a:pPr>
+            <a:endParaRPr lang="en-GB" sz="3200" dirty="0"/>
+          </a:p>
+          <a:p>
+            <a:pPr marL="457200" indent="-457200">
+              <a:buFont typeface="Arial" panose="020B0604020202020204" pitchFamily="34" charset="0"/>
+              <a:buChar char="•"/>
+            </a:pPr>
+            <a:endParaRPr lang="en-GB" sz="3200" dirty="0"/>
+          </a:p>
+        </p:txBody>
+      </p:sp>
+    </p:spTree>
+    <p:extLst>
+      <p:ext uri="{BB962C8B-B14F-4D97-AF65-F5344CB8AC3E}">
+        <p14:creationId xmlns:p14="http://schemas.microsoft.com/office/powerpoint/2010/main" val="170495274"/>
+      </p:ext>
+    </p:extLst>
+  </p:cSld>
+  <p:clrMapOvr>
+    <a:masterClrMapping/>
+  </p:clrMapOvr>
+</p:sld>
+</file>
+
+<file path=ppt/slides/slide20.xml><?xml version="1.0" encoding="utf-8"?>
 <p:sld xmlns:a="http://schemas.openxmlformats.org/drawingml/2006/main" xmlns:r="http://schemas.openxmlformats.org/officeDocument/2006/relationships" xmlns:p="http://schemas.openxmlformats.org/presentationml/2006/main">
   <p:cSld>
     <p:spTree>
@@ -4610,7 +5439,7 @@
 </p:sld>
 </file>
 
-<file path=ppt/slides/slide16.xml><?xml version="1.0" encoding="utf-8"?>
+<file path=ppt/slides/slide21.xml><?xml version="1.0" encoding="utf-8"?>
 <p:sld xmlns:a="http://schemas.openxmlformats.org/drawingml/2006/main" xmlns:r="http://schemas.openxmlformats.org/officeDocument/2006/relationships" xmlns:p="http://schemas.openxmlformats.org/presentationml/2006/main">
   <p:cSld>
     <p:spTree>
@@ -4706,7 +5535,7 @@
 </p:sld>
 </file>
 
-<file path=ppt/slides/slide17.xml><?xml version="1.0" encoding="utf-8"?>
+<file path=ppt/slides/slide22.xml><?xml version="1.0" encoding="utf-8"?>
 <p:sld xmlns:a="http://schemas.openxmlformats.org/drawingml/2006/main" xmlns:r="http://schemas.openxmlformats.org/officeDocument/2006/relationships" xmlns:p="http://schemas.openxmlformats.org/presentationml/2006/main">
   <p:cSld>
     <p:spTree>
@@ -5018,7 +5847,7 @@
 </p:sld>
 </file>
 
-<file path=ppt/slides/slide18.xml><?xml version="1.0" encoding="utf-8"?>
+<file path=ppt/slides/slide23.xml><?xml version="1.0" encoding="utf-8"?>
 <p:sld xmlns:a="http://schemas.openxmlformats.org/drawingml/2006/main" xmlns:r="http://schemas.openxmlformats.org/officeDocument/2006/relationships" xmlns:p="http://schemas.openxmlformats.org/presentationml/2006/main">
   <p:cSld>
     <p:spTree>
@@ -5114,7 +5943,7 @@
 </p:sld>
 </file>
 
-<file path=ppt/slides/slide19.xml><?xml version="1.0" encoding="utf-8"?>
+<file path=ppt/slides/slide24.xml><?xml version="1.0" encoding="utf-8"?>
 <p:sld xmlns:a="http://schemas.openxmlformats.org/drawingml/2006/main" xmlns:r="http://schemas.openxmlformats.org/officeDocument/2006/relationships" xmlns:p="http://schemas.openxmlformats.org/presentationml/2006/main">
   <p:cSld>
     <p:spTree>
@@ -5210,7 +6039,7 @@
 </p:sld>
 </file>
 
-<file path=ppt/slides/slide2.xml><?xml version="1.0" encoding="utf-8"?>
+<file path=ppt/slides/slide25.xml><?xml version="1.0" encoding="utf-8"?>
 <p:sld xmlns:a="http://schemas.openxmlformats.org/drawingml/2006/main" xmlns:r="http://schemas.openxmlformats.org/officeDocument/2006/relationships" xmlns:p="http://schemas.openxmlformats.org/presentationml/2006/main">
   <p:cSld>
     <p:spTree>
@@ -5251,71 +6080,6 @@
         </p:spPr>
         <p:txBody>
           <a:bodyPr>
-            <a:normAutofit fontScale="90000"/>
-          </a:bodyPr>
-          <a:lstStyle/>
-          <a:p>
-            <a:r>
-              <a:rPr lang="en-GB" dirty="0"/>
-              <a:t>What exactly are synchronous and asynchronous operations?</a:t>
-            </a:r>
-          </a:p>
-        </p:txBody>
-      </p:sp>
-    </p:spTree>
-    <p:extLst>
-      <p:ext uri="{BB962C8B-B14F-4D97-AF65-F5344CB8AC3E}">
-        <p14:creationId xmlns:p14="http://schemas.microsoft.com/office/powerpoint/2010/main" val="1555093637"/>
-      </p:ext>
-    </p:extLst>
-  </p:cSld>
-  <p:clrMapOvr>
-    <a:masterClrMapping/>
-  </p:clrMapOvr>
-</p:sld>
-</file>
-
-<file path=ppt/slides/slide20.xml><?xml version="1.0" encoding="utf-8"?>
-<p:sld xmlns:a="http://schemas.openxmlformats.org/drawingml/2006/main" xmlns:r="http://schemas.openxmlformats.org/officeDocument/2006/relationships" xmlns:p="http://schemas.openxmlformats.org/presentationml/2006/main">
-  <p:cSld>
-    <p:spTree>
-      <p:nvGrpSpPr>
-        <p:cNvPr id="1" name=""/>
-        <p:cNvGrpSpPr/>
-        <p:nvPr/>
-      </p:nvGrpSpPr>
-      <p:grpSpPr>
-        <a:xfrm>
-          <a:off x="0" y="0"/>
-          <a:ext cx="0" cy="0"/>
-          <a:chOff x="0" y="0"/>
-          <a:chExt cx="0" cy="0"/>
-        </a:xfrm>
-      </p:grpSpPr>
-      <p:sp>
-        <p:nvSpPr>
-          <p:cNvPr id="2" name="Title 1">
-            <a:extLst>
-              <a:ext uri="{FF2B5EF4-FFF2-40B4-BE49-F238E27FC236}">
-                <a16:creationId xmlns:a16="http://schemas.microsoft.com/office/drawing/2014/main" id="{267862F2-D4D4-4F5B-B69F-65226C837768}"/>
-              </a:ext>
-            </a:extLst>
-          </p:cNvPr>
-          <p:cNvSpPr>
-            <a:spLocks noGrp="1"/>
-          </p:cNvSpPr>
-          <p:nvPr>
-            <p:ph type="ctrTitle"/>
-          </p:nvPr>
-        </p:nvSpPr>
-        <p:spPr>
-          <a:xfrm>
-            <a:off x="1524000" y="1122363"/>
-            <a:ext cx="9144000" cy="1991898"/>
-          </a:xfrm>
-        </p:spPr>
-        <p:txBody>
-          <a:bodyPr>
             <a:normAutofit/>
           </a:bodyPr>
           <a:lstStyle/>
@@ -5340,7 +6104,7 @@
 </p:sld>
 </file>
 
-<file path=ppt/slides/slide21.xml><?xml version="1.0" encoding="utf-8"?>
+<file path=ppt/slides/slide26.xml><?xml version="1.0" encoding="utf-8"?>
 <p:sld xmlns:a="http://schemas.openxmlformats.org/drawingml/2006/main" xmlns:r="http://schemas.openxmlformats.org/officeDocument/2006/relationships" xmlns:p="http://schemas.openxmlformats.org/presentationml/2006/main">
   <p:cSld>
     <p:spTree>
@@ -7134,7 +7898,7 @@
 </p:sld>
 </file>
 
-<file path=ppt/slides/slide22.xml><?xml version="1.0" encoding="utf-8"?>
+<file path=ppt/slides/slide27.xml><?xml version="1.0" encoding="utf-8"?>
 <p:sld xmlns:a="http://schemas.openxmlformats.org/drawingml/2006/main" xmlns:r="http://schemas.openxmlformats.org/officeDocument/2006/relationships" xmlns:p="http://schemas.openxmlformats.org/presentationml/2006/main">
   <p:cSld>
     <p:spTree>
@@ -7230,7 +7994,7 @@
 </p:sld>
 </file>
 
-<file path=ppt/slides/slide23.xml><?xml version="1.0" encoding="utf-8"?>
+<file path=ppt/slides/slide28.xml><?xml version="1.0" encoding="utf-8"?>
 <p:sld xmlns:a="http://schemas.openxmlformats.org/drawingml/2006/main" xmlns:r="http://schemas.openxmlformats.org/officeDocument/2006/relationships" xmlns:p="http://schemas.openxmlformats.org/presentationml/2006/main">
   <p:cSld>
     <p:spTree>
@@ -7326,7 +8090,7 @@
 </p:sld>
 </file>
 
-<file path=ppt/slides/slide24.xml><?xml version="1.0" encoding="utf-8"?>
+<file path=ppt/slides/slide29.xml><?xml version="1.0" encoding="utf-8"?>
 <p:sld xmlns:a="http://schemas.openxmlformats.org/drawingml/2006/main" xmlns:r="http://schemas.openxmlformats.org/officeDocument/2006/relationships" xmlns:p="http://schemas.openxmlformats.org/presentationml/2006/main">
   <p:cSld>
     <p:spTree>
@@ -8688,7 +9452,72 @@
 </p:sld>
 </file>
 
-<file path=ppt/slides/slide25.xml><?xml version="1.0" encoding="utf-8"?>
+<file path=ppt/slides/slide3.xml><?xml version="1.0" encoding="utf-8"?>
+<p:sld xmlns:a="http://schemas.openxmlformats.org/drawingml/2006/main" xmlns:r="http://schemas.openxmlformats.org/officeDocument/2006/relationships" xmlns:p="http://schemas.openxmlformats.org/presentationml/2006/main">
+  <p:cSld>
+    <p:spTree>
+      <p:nvGrpSpPr>
+        <p:cNvPr id="1" name=""/>
+        <p:cNvGrpSpPr/>
+        <p:nvPr/>
+      </p:nvGrpSpPr>
+      <p:grpSpPr>
+        <a:xfrm>
+          <a:off x="0" y="0"/>
+          <a:ext cx="0" cy="0"/>
+          <a:chOff x="0" y="0"/>
+          <a:chExt cx="0" cy="0"/>
+        </a:xfrm>
+      </p:grpSpPr>
+      <p:sp>
+        <p:nvSpPr>
+          <p:cNvPr id="2" name="Title 1">
+            <a:extLst>
+              <a:ext uri="{FF2B5EF4-FFF2-40B4-BE49-F238E27FC236}">
+                <a16:creationId xmlns:a16="http://schemas.microsoft.com/office/drawing/2014/main" id="{267862F2-D4D4-4F5B-B69F-65226C837768}"/>
+              </a:ext>
+            </a:extLst>
+          </p:cNvPr>
+          <p:cNvSpPr>
+            <a:spLocks noGrp="1"/>
+          </p:cNvSpPr>
+          <p:nvPr>
+            <p:ph type="ctrTitle"/>
+          </p:nvPr>
+        </p:nvSpPr>
+        <p:spPr>
+          <a:xfrm>
+            <a:off x="1524000" y="1122363"/>
+            <a:ext cx="9144000" cy="1991898"/>
+          </a:xfrm>
+        </p:spPr>
+        <p:txBody>
+          <a:bodyPr>
+            <a:normAutofit/>
+          </a:bodyPr>
+          <a:lstStyle/>
+          <a:p>
+            <a:r>
+              <a:rPr lang="en-GB" dirty="0"/>
+              <a:t>Synchronous vs asynchronous operations</a:t>
+            </a:r>
+          </a:p>
+        </p:txBody>
+      </p:sp>
+    </p:spTree>
+    <p:extLst>
+      <p:ext uri="{BB962C8B-B14F-4D97-AF65-F5344CB8AC3E}">
+        <p14:creationId xmlns:p14="http://schemas.microsoft.com/office/powerpoint/2010/main" val="1555093637"/>
+      </p:ext>
+    </p:extLst>
+  </p:cSld>
+  <p:clrMapOvr>
+    <a:masterClrMapping/>
+  </p:clrMapOvr>
+</p:sld>
+</file>
+
+<file path=ppt/slides/slide30.xml><?xml version="1.0" encoding="utf-8"?>
 <p:sld xmlns:a="http://schemas.openxmlformats.org/drawingml/2006/main" xmlns:r="http://schemas.openxmlformats.org/officeDocument/2006/relationships" xmlns:p="http://schemas.openxmlformats.org/presentationml/2006/main">
   <p:cSld>
     <p:spTree>
@@ -8784,7 +9613,7 @@
 </p:sld>
 </file>
 
-<file path=ppt/slides/slide26.xml><?xml version="1.0" encoding="utf-8"?>
+<file path=ppt/slides/slide31.xml><?xml version="1.0" encoding="utf-8"?>
 <p:sld xmlns:a="http://schemas.openxmlformats.org/drawingml/2006/main" xmlns:r="http://schemas.openxmlformats.org/officeDocument/2006/relationships" xmlns:p="http://schemas.openxmlformats.org/presentationml/2006/main">
   <p:cSld>
     <p:spTree>
@@ -8880,7 +9709,7 @@
 </p:sld>
 </file>
 
-<file path=ppt/slides/slide27.xml><?xml version="1.0" encoding="utf-8"?>
+<file path=ppt/slides/slide32.xml><?xml version="1.0" encoding="utf-8"?>
 <p:sld xmlns:a="http://schemas.openxmlformats.org/drawingml/2006/main" xmlns:r="http://schemas.openxmlformats.org/officeDocument/2006/relationships" xmlns:p="http://schemas.openxmlformats.org/presentationml/2006/main">
   <p:cSld>
     <p:spTree>
@@ -9044,7 +9873,7 @@
 </p:sld>
 </file>
 
-<file path=ppt/slides/slide28.xml><?xml version="1.0" encoding="utf-8"?>
+<file path=ppt/slides/slide33.xml><?xml version="1.0" encoding="utf-8"?>
 <p:sld xmlns:a="http://schemas.openxmlformats.org/drawingml/2006/main" xmlns:r="http://schemas.openxmlformats.org/officeDocument/2006/relationships" xmlns:p="http://schemas.openxmlformats.org/presentationml/2006/main">
   <p:cSld>
     <p:spTree>
@@ -9216,7 +10045,7 @@
 </p:sld>
 </file>
 
-<file path=ppt/slides/slide29.xml><?xml version="1.0" encoding="utf-8"?>
+<file path=ppt/slides/slide34.xml><?xml version="1.0" encoding="utf-8"?>
 <p:sld xmlns:a="http://schemas.openxmlformats.org/drawingml/2006/main" xmlns:r="http://schemas.openxmlformats.org/officeDocument/2006/relationships" xmlns:p="http://schemas.openxmlformats.org/presentationml/2006/main">
   <p:cSld>
     <p:spTree>
@@ -9428,138 +10257,7 @@
 </p:sld>
 </file>
 
-<file path=ppt/slides/slide3.xml><?xml version="1.0" encoding="utf-8"?>
-<p:sld xmlns:a="http://schemas.openxmlformats.org/drawingml/2006/main" xmlns:r="http://schemas.openxmlformats.org/officeDocument/2006/relationships" xmlns:p="http://schemas.openxmlformats.org/presentationml/2006/main">
-  <p:cSld>
-    <p:spTree>
-      <p:nvGrpSpPr>
-        <p:cNvPr id="1" name=""/>
-        <p:cNvGrpSpPr/>
-        <p:nvPr/>
-      </p:nvGrpSpPr>
-      <p:grpSpPr>
-        <a:xfrm>
-          <a:off x="0" y="0"/>
-          <a:ext cx="0" cy="0"/>
-          <a:chOff x="0" y="0"/>
-          <a:chExt cx="0" cy="0"/>
-        </a:xfrm>
-      </p:grpSpPr>
-      <p:sp>
-        <p:nvSpPr>
-          <p:cNvPr id="4" name="TextBox 3">
-            <a:extLst>
-              <a:ext uri="{FF2B5EF4-FFF2-40B4-BE49-F238E27FC236}">
-                <a16:creationId xmlns:a16="http://schemas.microsoft.com/office/drawing/2014/main" id="{18767206-9205-42D0-A2AE-5A1017D4CB08}"/>
-              </a:ext>
-            </a:extLst>
-          </p:cNvPr>
-          <p:cNvSpPr txBox="1"/>
-          <p:nvPr/>
-        </p:nvSpPr>
-        <p:spPr>
-          <a:xfrm>
-            <a:off x="145775" y="132522"/>
-            <a:ext cx="11781182" cy="6986528"/>
-          </a:xfrm>
-          <a:prstGeom prst="rect">
-            <a:avLst/>
-          </a:prstGeom>
-          <a:noFill/>
-        </p:spPr>
-        <p:txBody>
-          <a:bodyPr wrap="square" rtlCol="0">
-            <a:spAutoFit/>
-          </a:bodyPr>
-          <a:lstStyle/>
-          <a:p>
-            <a:r>
-              <a:rPr lang="en-GB" sz="3200" b="1" dirty="0"/>
-              <a:t>In simple terms…</a:t>
-            </a:r>
-          </a:p>
-          <a:p>
-            <a:endParaRPr lang="en-GB" sz="3200" b="1" dirty="0"/>
-          </a:p>
-          <a:p>
-            <a:endParaRPr lang="en-GB" sz="3200" b="1" dirty="0"/>
-          </a:p>
-          <a:p>
-            <a:r>
-              <a:rPr lang="en-GB" sz="3200" dirty="0"/>
-              <a:t>When you execute something </a:t>
-            </a:r>
-            <a:r>
-              <a:rPr lang="en-GB" sz="3200" b="1" dirty="0"/>
-              <a:t>synchronously</a:t>
-            </a:r>
-            <a:r>
-              <a:rPr lang="en-GB" sz="3200" dirty="0"/>
-              <a:t>, you wait for it to finish before moving </a:t>
-            </a:r>
-            <a:r>
-              <a:rPr lang="en-GB" sz="3200"/>
-              <a:t>onto something else. </a:t>
-            </a:r>
-            <a:endParaRPr lang="en-GB" sz="3200" dirty="0"/>
-          </a:p>
-          <a:p>
-            <a:endParaRPr lang="en-GB" sz="3200" dirty="0"/>
-          </a:p>
-          <a:p>
-            <a:r>
-              <a:rPr lang="en-GB" sz="3200" dirty="0"/>
-              <a:t>When you execute something </a:t>
-            </a:r>
-            <a:r>
-              <a:rPr lang="en-GB" sz="3200" b="1" dirty="0"/>
-              <a:t>asynchronously</a:t>
-            </a:r>
-            <a:r>
-              <a:rPr lang="en-GB" sz="3200" dirty="0"/>
-              <a:t>, you can move onto another task before the first one finishes. </a:t>
-            </a:r>
-          </a:p>
-          <a:p>
-            <a:endParaRPr lang="en-GB" sz="3200" dirty="0"/>
-          </a:p>
-          <a:p>
-            <a:endParaRPr lang="en-GB" sz="3200" dirty="0"/>
-          </a:p>
-          <a:p>
-            <a:r>
-              <a:rPr lang="en-GB" sz="3200" dirty="0"/>
-              <a:t>That’s really all it is!</a:t>
-            </a:r>
-          </a:p>
-          <a:p>
-            <a:endParaRPr lang="en-GB" sz="3200" dirty="0"/>
-          </a:p>
-          <a:p>
-            <a:r>
-              <a:rPr lang="en-GB" sz="3200" dirty="0"/>
-              <a:t>Unfortunately, implementation of this can be tricky to understand.</a:t>
-            </a:r>
-          </a:p>
-          <a:p>
-            <a:endParaRPr lang="en-GB" sz="3200" dirty="0"/>
-          </a:p>
-        </p:txBody>
-      </p:sp>
-    </p:spTree>
-    <p:extLst>
-      <p:ext uri="{BB962C8B-B14F-4D97-AF65-F5344CB8AC3E}">
-        <p14:creationId xmlns:p14="http://schemas.microsoft.com/office/powerpoint/2010/main" val="3821427679"/>
-      </p:ext>
-    </p:extLst>
-  </p:cSld>
-  <p:clrMapOvr>
-    <a:masterClrMapping/>
-  </p:clrMapOvr>
-</p:sld>
-</file>
-
-<file path=ppt/slides/slide30.xml><?xml version="1.0" encoding="utf-8"?>
+<file path=ppt/slides/slide35.xml><?xml version="1.0" encoding="utf-8"?>
 <p:sld xmlns:a="http://schemas.openxmlformats.org/drawingml/2006/main" xmlns:r="http://schemas.openxmlformats.org/officeDocument/2006/relationships" xmlns:p="http://schemas.openxmlformats.org/presentationml/2006/main">
   <p:cSld>
     <p:spTree>
@@ -10668,7 +11366,7 @@
 </p:sld>
 </file>
 
-<file path=ppt/slides/slide31.xml><?xml version="1.0" encoding="utf-8"?>
+<file path=ppt/slides/slide36.xml><?xml version="1.0" encoding="utf-8"?>
 <p:sld xmlns:a="http://schemas.openxmlformats.org/drawingml/2006/main" xmlns:r="http://schemas.openxmlformats.org/officeDocument/2006/relationships" xmlns:p="http://schemas.openxmlformats.org/presentationml/2006/main">
   <p:cSld>
     <p:spTree>
@@ -10865,7 +11563,7 @@
 </p:sld>
 </file>
 
-<file path=ppt/slides/slide32.xml><?xml version="1.0" encoding="utf-8"?>
+<file path=ppt/slides/slide37.xml><?xml version="1.0" encoding="utf-8"?>
 <p:sld xmlns:a="http://schemas.openxmlformats.org/drawingml/2006/main" xmlns:r="http://schemas.openxmlformats.org/officeDocument/2006/relationships" xmlns:p="http://schemas.openxmlformats.org/presentationml/2006/main">
   <p:cSld>
     <p:spTree>
@@ -10972,7 +11670,7 @@
 </p:sld>
 </file>
 
-<file path=ppt/slides/slide33.xml><?xml version="1.0" encoding="utf-8"?>
+<file path=ppt/slides/slide38.xml><?xml version="1.0" encoding="utf-8"?>
 <p:sld xmlns:a="http://schemas.openxmlformats.org/drawingml/2006/main" xmlns:r="http://schemas.openxmlformats.org/officeDocument/2006/relationships" xmlns:p="http://schemas.openxmlformats.org/presentationml/2006/main">
   <p:cSld>
     <p:spTree>
@@ -11138,7 +11836,7 @@
 </p:sld>
 </file>
 
-<file path=ppt/slides/slide34.xml><?xml version="1.0" encoding="utf-8"?>
+<file path=ppt/slides/slide39.xml><?xml version="1.0" encoding="utf-8"?>
 <p:sld xmlns:a="http://schemas.openxmlformats.org/drawingml/2006/main" xmlns:r="http://schemas.openxmlformats.org/officeDocument/2006/relationships" xmlns:p="http://schemas.openxmlformats.org/presentationml/2006/main">
   <p:cSld>
     <p:spTree>
@@ -11324,7 +12022,116 @@
 </p:sld>
 </file>
 
-<file path=ppt/slides/slide35.xml><?xml version="1.0" encoding="utf-8"?>
+<file path=ppt/slides/slide4.xml><?xml version="1.0" encoding="utf-8"?>
+<p:sld xmlns:a="http://schemas.openxmlformats.org/drawingml/2006/main" xmlns:r="http://schemas.openxmlformats.org/officeDocument/2006/relationships" xmlns:p="http://schemas.openxmlformats.org/presentationml/2006/main">
+  <p:cSld>
+    <p:spTree>
+      <p:nvGrpSpPr>
+        <p:cNvPr id="1" name=""/>
+        <p:cNvGrpSpPr/>
+        <p:nvPr/>
+      </p:nvGrpSpPr>
+      <p:grpSpPr>
+        <a:xfrm>
+          <a:off x="0" y="0"/>
+          <a:ext cx="0" cy="0"/>
+          <a:chOff x="0" y="0"/>
+          <a:chExt cx="0" cy="0"/>
+        </a:xfrm>
+      </p:grpSpPr>
+      <p:sp>
+        <p:nvSpPr>
+          <p:cNvPr id="4" name="TextBox 3">
+            <a:extLst>
+              <a:ext uri="{FF2B5EF4-FFF2-40B4-BE49-F238E27FC236}">
+                <a16:creationId xmlns:a16="http://schemas.microsoft.com/office/drawing/2014/main" id="{18767206-9205-42D0-A2AE-5A1017D4CB08}"/>
+              </a:ext>
+            </a:extLst>
+          </p:cNvPr>
+          <p:cNvSpPr txBox="1"/>
+          <p:nvPr/>
+        </p:nvSpPr>
+        <p:spPr>
+          <a:xfrm>
+            <a:off x="145775" y="132522"/>
+            <a:ext cx="11781182" cy="6001643"/>
+          </a:xfrm>
+          <a:prstGeom prst="rect">
+            <a:avLst/>
+          </a:prstGeom>
+          <a:noFill/>
+        </p:spPr>
+        <p:txBody>
+          <a:bodyPr wrap="square" rtlCol="0">
+            <a:spAutoFit/>
+          </a:bodyPr>
+          <a:lstStyle/>
+          <a:p>
+            <a:r>
+              <a:rPr lang="en-GB" sz="3200" b="1" dirty="0"/>
+              <a:t>In simple terms…</a:t>
+            </a:r>
+          </a:p>
+          <a:p>
+            <a:endParaRPr lang="en-GB" sz="3200" b="1" dirty="0"/>
+          </a:p>
+          <a:p>
+            <a:r>
+              <a:rPr lang="en-GB" sz="3200" dirty="0"/>
+              <a:t>When you execute something </a:t>
+            </a:r>
+            <a:r>
+              <a:rPr lang="en-GB" sz="3200" b="1" dirty="0"/>
+              <a:t>synchronously</a:t>
+            </a:r>
+            <a:r>
+              <a:rPr lang="en-GB" sz="3200" dirty="0"/>
+              <a:t>, you have to wait for it to finish before moving onto something else. During this time, you can’t do anything else. Your time waiting is essentially wasted. </a:t>
+            </a:r>
+          </a:p>
+          <a:p>
+            <a:endParaRPr lang="en-GB" sz="3200" dirty="0"/>
+          </a:p>
+          <a:p>
+            <a:r>
+              <a:rPr lang="en-GB" sz="3200" dirty="0"/>
+              <a:t>When you execute something </a:t>
+            </a:r>
+            <a:r>
+              <a:rPr lang="en-GB" sz="3200" b="1" dirty="0"/>
+              <a:t>asynchronously</a:t>
+            </a:r>
+            <a:r>
+              <a:rPr lang="en-GB" sz="3200" dirty="0"/>
+              <a:t>, you can move onto another task before the first one finishes. You aren’t wasting any time just waiting around. You can get more work done during that time. </a:t>
+            </a:r>
+          </a:p>
+          <a:p>
+            <a:pPr algn="ctr"/>
+            <a:br>
+              <a:rPr lang="en-GB" sz="3200" dirty="0"/>
+            </a:br>
+            <a:r>
+              <a:rPr lang="en-GB" sz="3200" b="1" dirty="0"/>
+              <a:t>Doing things asynchronously can improve performance, scalability, throughput and efficiency</a:t>
+            </a:r>
+          </a:p>
+        </p:txBody>
+      </p:sp>
+    </p:spTree>
+    <p:extLst>
+      <p:ext uri="{BB962C8B-B14F-4D97-AF65-F5344CB8AC3E}">
+        <p14:creationId xmlns:p14="http://schemas.microsoft.com/office/powerpoint/2010/main" val="3821427679"/>
+      </p:ext>
+    </p:extLst>
+  </p:cSld>
+  <p:clrMapOvr>
+    <a:masterClrMapping/>
+  </p:clrMapOvr>
+</p:sld>
+</file>
+
+<file path=ppt/slides/slide40.xml><?xml version="1.0" encoding="utf-8"?>
 <p:sld xmlns:a="http://schemas.openxmlformats.org/drawingml/2006/main" xmlns:r="http://schemas.openxmlformats.org/officeDocument/2006/relationships" xmlns:p="http://schemas.openxmlformats.org/presentationml/2006/main">
   <p:cSld>
     <p:spTree>
@@ -11536,7 +12343,7 @@
 </p:sld>
 </file>
 
-<file path=ppt/slides/slide36.xml><?xml version="1.0" encoding="utf-8"?>
+<file path=ppt/slides/slide41.xml><?xml version="1.0" encoding="utf-8"?>
 <p:sld xmlns:a="http://schemas.openxmlformats.org/drawingml/2006/main" xmlns:r="http://schemas.openxmlformats.org/officeDocument/2006/relationships" xmlns:p="http://schemas.openxmlformats.org/presentationml/2006/main">
   <p:cSld>
     <p:spTree>
@@ -11698,7 +12505,7 @@
 </p:sld>
 </file>
 
-<file path=ppt/slides/slide37.xml><?xml version="1.0" encoding="utf-8"?>
+<file path=ppt/slides/slide42.xml><?xml version="1.0" encoding="utf-8"?>
 <p:sld xmlns:a="http://schemas.openxmlformats.org/drawingml/2006/main" xmlns:r="http://schemas.openxmlformats.org/officeDocument/2006/relationships" xmlns:p="http://schemas.openxmlformats.org/presentationml/2006/main">
   <p:cSld>
     <p:spTree>
@@ -11837,7 +12644,7 @@
 </p:sld>
 </file>
 
-<file path=ppt/slides/slide38.xml><?xml version="1.0" encoding="utf-8"?>
+<file path=ppt/slides/slide43.xml><?xml version="1.0" encoding="utf-8"?>
 <p:sld xmlns:a="http://schemas.openxmlformats.org/drawingml/2006/main" xmlns:r="http://schemas.openxmlformats.org/officeDocument/2006/relationships" xmlns:p="http://schemas.openxmlformats.org/presentationml/2006/main">
   <p:cSld>
     <p:spTree>
@@ -12002,7 +12809,7 @@
 </p:sld>
 </file>
 
-<file path=ppt/slides/slide39.xml><?xml version="1.0" encoding="utf-8"?>
+<file path=ppt/slides/slide44.xml><?xml version="1.0" encoding="utf-8"?>
 <p:sld xmlns:a="http://schemas.openxmlformats.org/drawingml/2006/main" xmlns:r="http://schemas.openxmlformats.org/officeDocument/2006/relationships" xmlns:p="http://schemas.openxmlformats.org/presentationml/2006/main">
   <p:cSld>
     <p:spTree>
@@ -12134,170 +12941,7 @@
 </p:sld>
 </file>
 
-<file path=ppt/slides/slide4.xml><?xml version="1.0" encoding="utf-8"?>
-<p:sld xmlns:a="http://schemas.openxmlformats.org/drawingml/2006/main" xmlns:r="http://schemas.openxmlformats.org/officeDocument/2006/relationships" xmlns:p="http://schemas.openxmlformats.org/presentationml/2006/main">
-  <p:cSld>
-    <p:spTree>
-      <p:nvGrpSpPr>
-        <p:cNvPr id="1" name=""/>
-        <p:cNvGrpSpPr/>
-        <p:nvPr/>
-      </p:nvGrpSpPr>
-      <p:grpSpPr>
-        <a:xfrm>
-          <a:off x="0" y="0"/>
-          <a:ext cx="0" cy="0"/>
-          <a:chOff x="0" y="0"/>
-          <a:chExt cx="0" cy="0"/>
-        </a:xfrm>
-      </p:grpSpPr>
-      <p:sp>
-        <p:nvSpPr>
-          <p:cNvPr id="4" name="TextBox 3">
-            <a:extLst>
-              <a:ext uri="{FF2B5EF4-FFF2-40B4-BE49-F238E27FC236}">
-                <a16:creationId xmlns:a16="http://schemas.microsoft.com/office/drawing/2014/main" id="{18767206-9205-42D0-A2AE-5A1017D4CB08}"/>
-              </a:ext>
-            </a:extLst>
-          </p:cNvPr>
-          <p:cNvSpPr txBox="1"/>
-          <p:nvPr/>
-        </p:nvSpPr>
-        <p:spPr>
-          <a:xfrm>
-            <a:off x="145775" y="132522"/>
-            <a:ext cx="11781182" cy="584775"/>
-          </a:xfrm>
-          <a:prstGeom prst="rect">
-            <a:avLst/>
-          </a:prstGeom>
-          <a:noFill/>
-        </p:spPr>
-        <p:txBody>
-          <a:bodyPr wrap="square" rtlCol="0">
-            <a:spAutoFit/>
-          </a:bodyPr>
-          <a:lstStyle/>
-          <a:p>
-            <a:r>
-              <a:rPr lang="en-GB" sz="3200" b="1" dirty="0"/>
-              <a:t>In C#, </a:t>
-            </a:r>
-            <a:r>
-              <a:rPr lang="en-GB" sz="3200" b="1"/>
-              <a:t>synchronous methods </a:t>
-            </a:r>
-            <a:r>
-              <a:rPr lang="en-GB" sz="3200" b="1" dirty="0"/>
-              <a:t>look like this:</a:t>
-            </a:r>
-          </a:p>
-        </p:txBody>
-      </p:sp>
-      <p:pic>
-        <p:nvPicPr>
-          <p:cNvPr id="2" name="Picture 1">
-            <a:extLst>
-              <a:ext uri="{FF2B5EF4-FFF2-40B4-BE49-F238E27FC236}">
-                <a16:creationId xmlns:a16="http://schemas.microsoft.com/office/drawing/2014/main" id="{136A1FC5-97AC-4D35-A13E-09392AB806BF}"/>
-              </a:ext>
-            </a:extLst>
-          </p:cNvPr>
-          <p:cNvPicPr>
-            <a:picLocks noChangeAspect="1"/>
-          </p:cNvPicPr>
-          <p:nvPr/>
-        </p:nvPicPr>
-        <p:blipFill>
-          <a:blip r:embed="rId2"/>
-          <a:stretch>
-            <a:fillRect/>
-          </a:stretch>
-        </p:blipFill>
-        <p:spPr>
-          <a:xfrm>
-            <a:off x="5650335" y="1211488"/>
-            <a:ext cx="6175022" cy="2325282"/>
-          </a:xfrm>
-          <a:prstGeom prst="rect">
-            <a:avLst/>
-          </a:prstGeom>
-        </p:spPr>
-      </p:pic>
-      <p:pic>
-        <p:nvPicPr>
-          <p:cNvPr id="3" name="Picture 2">
-            <a:extLst>
-              <a:ext uri="{FF2B5EF4-FFF2-40B4-BE49-F238E27FC236}">
-                <a16:creationId xmlns:a16="http://schemas.microsoft.com/office/drawing/2014/main" id="{A5715088-701E-4AE3-B68C-8DF783327A99}"/>
-              </a:ext>
-            </a:extLst>
-          </p:cNvPr>
-          <p:cNvPicPr>
-            <a:picLocks noChangeAspect="1"/>
-          </p:cNvPicPr>
-          <p:nvPr/>
-        </p:nvPicPr>
-        <p:blipFill>
-          <a:blip r:embed="rId3"/>
-          <a:stretch>
-            <a:fillRect/>
-          </a:stretch>
-        </p:blipFill>
-        <p:spPr>
-          <a:xfrm>
-            <a:off x="526207" y="1211488"/>
-            <a:ext cx="4591050" cy="2105025"/>
-          </a:xfrm>
-          <a:prstGeom prst="rect">
-            <a:avLst/>
-          </a:prstGeom>
-        </p:spPr>
-      </p:pic>
-      <p:pic>
-        <p:nvPicPr>
-          <p:cNvPr id="5" name="Picture 4">
-            <a:extLst>
-              <a:ext uri="{FF2B5EF4-FFF2-40B4-BE49-F238E27FC236}">
-                <a16:creationId xmlns:a16="http://schemas.microsoft.com/office/drawing/2014/main" id="{4F9BE8B1-40C1-42F0-A075-B369F7D0DE93}"/>
-              </a:ext>
-            </a:extLst>
-          </p:cNvPr>
-          <p:cNvPicPr>
-            <a:picLocks noChangeAspect="1"/>
-          </p:cNvPicPr>
-          <p:nvPr/>
-        </p:nvPicPr>
-        <p:blipFill>
-          <a:blip r:embed="rId4"/>
-          <a:stretch>
-            <a:fillRect/>
-          </a:stretch>
-        </p:blipFill>
-        <p:spPr>
-          <a:xfrm>
-            <a:off x="2057400" y="4183239"/>
-            <a:ext cx="8077200" cy="1562100"/>
-          </a:xfrm>
-          <a:prstGeom prst="rect">
-            <a:avLst/>
-          </a:prstGeom>
-        </p:spPr>
-      </p:pic>
-    </p:spTree>
-    <p:extLst>
-      <p:ext uri="{BB962C8B-B14F-4D97-AF65-F5344CB8AC3E}">
-        <p14:creationId xmlns:p14="http://schemas.microsoft.com/office/powerpoint/2010/main" val="220451678"/>
-      </p:ext>
-    </p:extLst>
-  </p:cSld>
-  <p:clrMapOvr>
-    <a:masterClrMapping/>
-  </p:clrMapOvr>
-</p:sld>
-</file>
-
-<file path=ppt/slides/slide40.xml><?xml version="1.0" encoding="utf-8"?>
+<file path=ppt/slides/slide45.xml><?xml version="1.0" encoding="utf-8"?>
 <p:sld xmlns:a="http://schemas.openxmlformats.org/drawingml/2006/main" xmlns:r="http://schemas.openxmlformats.org/officeDocument/2006/relationships" xmlns:p="http://schemas.openxmlformats.org/presentationml/2006/main">
   <p:cSld>
     <p:spTree>
@@ -12353,1055 +12997,6 @@
     <p:extLst>
       <p:ext uri="{BB962C8B-B14F-4D97-AF65-F5344CB8AC3E}">
         <p14:creationId xmlns:p14="http://schemas.microsoft.com/office/powerpoint/2010/main" val="3154203515"/>
-      </p:ext>
-    </p:extLst>
-  </p:cSld>
-  <p:clrMapOvr>
-    <a:masterClrMapping/>
-  </p:clrMapOvr>
-</p:sld>
-</file>
-
-<file path=ppt/slides/slide41.xml><?xml version="1.0" encoding="utf-8"?>
-<p:sld xmlns:a="http://schemas.openxmlformats.org/drawingml/2006/main" xmlns:r="http://schemas.openxmlformats.org/officeDocument/2006/relationships" xmlns:p="http://schemas.openxmlformats.org/presentationml/2006/main">
-  <p:cSld>
-    <p:bg>
-      <p:bgPr>
-        <a:solidFill>
-          <a:srgbClr val="1E1E1E"/>
-        </a:solidFill>
-        <a:effectLst/>
-      </p:bgPr>
-    </p:bg>
-    <p:spTree>
-      <p:nvGrpSpPr>
-        <p:cNvPr id="1" name=""/>
-        <p:cNvGrpSpPr/>
-        <p:nvPr/>
-      </p:nvGrpSpPr>
-      <p:grpSpPr>
-        <a:xfrm>
-          <a:off x="0" y="0"/>
-          <a:ext cx="0" cy="0"/>
-          <a:chOff x="0" y="0"/>
-          <a:chExt cx="0" cy="0"/>
-        </a:xfrm>
-      </p:grpSpPr>
-      <p:sp>
-        <p:nvSpPr>
-          <p:cNvPr id="6" name="TextBox 5">
-            <a:extLst>
-              <a:ext uri="{FF2B5EF4-FFF2-40B4-BE49-F238E27FC236}">
-                <a16:creationId xmlns:a16="http://schemas.microsoft.com/office/drawing/2014/main" id="{2CDFC944-8A12-42CA-B4D7-7CEF50C368ED}"/>
-              </a:ext>
-            </a:extLst>
-          </p:cNvPr>
-          <p:cNvSpPr txBox="1"/>
-          <p:nvPr/>
-        </p:nvSpPr>
-        <p:spPr>
-          <a:xfrm>
-            <a:off x="624957" y="242596"/>
-            <a:ext cx="11364880" cy="400110"/>
-          </a:xfrm>
-          <a:prstGeom prst="rect">
-            <a:avLst/>
-          </a:prstGeom>
-          <a:noFill/>
-        </p:spPr>
-        <p:txBody>
-          <a:bodyPr wrap="square" rtlCol="0">
-            <a:spAutoFit/>
-          </a:bodyPr>
-          <a:lstStyle/>
-          <a:p>
-            <a:r>
-              <a:rPr lang="en-GB" sz="2000" dirty="0">
-                <a:solidFill>
-                  <a:schemeClr val="bg1"/>
-                </a:solidFill>
-              </a:rPr>
-              <a:t>Given the following methods…</a:t>
-            </a:r>
-          </a:p>
-        </p:txBody>
-      </p:sp>
-      <p:pic>
-        <p:nvPicPr>
-          <p:cNvPr id="3" name="Picture 2">
-            <a:extLst>
-              <a:ext uri="{FF2B5EF4-FFF2-40B4-BE49-F238E27FC236}">
-                <a16:creationId xmlns:a16="http://schemas.microsoft.com/office/drawing/2014/main" id="{3BA789B0-4DD2-416F-AC4F-1CB1017DBB57}"/>
-              </a:ext>
-            </a:extLst>
-          </p:cNvPr>
-          <p:cNvPicPr>
-            <a:picLocks noChangeAspect="1"/>
-          </p:cNvPicPr>
-          <p:nvPr/>
-        </p:nvPicPr>
-        <p:blipFill>
-          <a:blip r:embed="rId2"/>
-          <a:stretch>
-            <a:fillRect/>
-          </a:stretch>
-        </p:blipFill>
-        <p:spPr>
-          <a:xfrm>
-            <a:off x="804093" y="1066593"/>
-            <a:ext cx="10025626" cy="4141511"/>
-          </a:xfrm>
-          <a:prstGeom prst="rect">
-            <a:avLst/>
-          </a:prstGeom>
-        </p:spPr>
-      </p:pic>
-      <p:sp>
-        <p:nvSpPr>
-          <p:cNvPr id="7" name="TextBox 6">
-            <a:extLst>
-              <a:ext uri="{FF2B5EF4-FFF2-40B4-BE49-F238E27FC236}">
-                <a16:creationId xmlns:a16="http://schemas.microsoft.com/office/drawing/2014/main" id="{9D387ED8-A447-4926-8788-33094ACC87BC}"/>
-              </a:ext>
-            </a:extLst>
-          </p:cNvPr>
-          <p:cNvSpPr txBox="1"/>
-          <p:nvPr/>
-        </p:nvSpPr>
-        <p:spPr>
-          <a:xfrm>
-            <a:off x="624957" y="5431936"/>
-            <a:ext cx="11364880" cy="1015663"/>
-          </a:xfrm>
-          <a:prstGeom prst="rect">
-            <a:avLst/>
-          </a:prstGeom>
-          <a:noFill/>
-        </p:spPr>
-        <p:txBody>
-          <a:bodyPr wrap="square" rtlCol="0">
-            <a:spAutoFit/>
-          </a:bodyPr>
-          <a:lstStyle/>
-          <a:p>
-            <a:r>
-              <a:rPr lang="en-GB" sz="2000" dirty="0">
-                <a:solidFill>
-                  <a:schemeClr val="bg1"/>
-                </a:solidFill>
-              </a:rPr>
-              <a:t>Operation1Async just awaits a task which throws an exception.</a:t>
-            </a:r>
-          </a:p>
-          <a:p>
-            <a:endParaRPr lang="en-GB" sz="2000" dirty="0">
-              <a:solidFill>
-                <a:schemeClr val="bg1"/>
-              </a:solidFill>
-            </a:endParaRPr>
-          </a:p>
-          <a:p>
-            <a:r>
-              <a:rPr lang="en-GB" sz="2000" dirty="0">
-                <a:solidFill>
-                  <a:schemeClr val="bg1"/>
-                </a:solidFill>
-              </a:rPr>
-              <a:t>There is more than way of executing Operation1Async and each way might have different behaviours. </a:t>
-            </a:r>
-          </a:p>
-        </p:txBody>
-      </p:sp>
-    </p:spTree>
-    <p:extLst>
-      <p:ext uri="{BB962C8B-B14F-4D97-AF65-F5344CB8AC3E}">
-        <p14:creationId xmlns:p14="http://schemas.microsoft.com/office/powerpoint/2010/main" val="1728531898"/>
-      </p:ext>
-    </p:extLst>
-  </p:cSld>
-  <p:clrMapOvr>
-    <a:masterClrMapping/>
-  </p:clrMapOvr>
-</p:sld>
-</file>
-
-<file path=ppt/slides/slide42.xml><?xml version="1.0" encoding="utf-8"?>
-<p:sld xmlns:a="http://schemas.openxmlformats.org/drawingml/2006/main" xmlns:r="http://schemas.openxmlformats.org/officeDocument/2006/relationships" xmlns:p="http://schemas.openxmlformats.org/presentationml/2006/main">
-  <p:cSld>
-    <p:bg>
-      <p:bgPr>
-        <a:solidFill>
-          <a:srgbClr val="1E1E1E"/>
-        </a:solidFill>
-        <a:effectLst/>
-      </p:bgPr>
-    </p:bg>
-    <p:spTree>
-      <p:nvGrpSpPr>
-        <p:cNvPr id="1" name=""/>
-        <p:cNvGrpSpPr/>
-        <p:nvPr/>
-      </p:nvGrpSpPr>
-      <p:grpSpPr>
-        <a:xfrm>
-          <a:off x="0" y="0"/>
-          <a:ext cx="0" cy="0"/>
-          <a:chOff x="0" y="0"/>
-          <a:chExt cx="0" cy="0"/>
-        </a:xfrm>
-      </p:grpSpPr>
-      <p:sp>
-        <p:nvSpPr>
-          <p:cNvPr id="6" name="TextBox 5">
-            <a:extLst>
-              <a:ext uri="{FF2B5EF4-FFF2-40B4-BE49-F238E27FC236}">
-                <a16:creationId xmlns:a16="http://schemas.microsoft.com/office/drawing/2014/main" id="{2CDFC944-8A12-42CA-B4D7-7CEF50C368ED}"/>
-              </a:ext>
-            </a:extLst>
-          </p:cNvPr>
-          <p:cNvSpPr txBox="1"/>
-          <p:nvPr/>
-        </p:nvSpPr>
-        <p:spPr>
-          <a:xfrm>
-            <a:off x="624957" y="242596"/>
-            <a:ext cx="11364880" cy="369332"/>
-          </a:xfrm>
-          <a:prstGeom prst="rect">
-            <a:avLst/>
-          </a:prstGeom>
-          <a:noFill/>
-        </p:spPr>
-        <p:txBody>
-          <a:bodyPr wrap="square" rtlCol="0">
-            <a:spAutoFit/>
-          </a:bodyPr>
-          <a:lstStyle/>
-          <a:p>
-            <a:r>
-              <a:rPr lang="en-GB" dirty="0">
-                <a:solidFill>
-                  <a:schemeClr val="bg1"/>
-                </a:solidFill>
-              </a:rPr>
-              <a:t>Question A </a:t>
-            </a:r>
-          </a:p>
-        </p:txBody>
-      </p:sp>
-      <p:pic>
-        <p:nvPicPr>
-          <p:cNvPr id="2" name="Picture 1">
-            <a:extLst>
-              <a:ext uri="{FF2B5EF4-FFF2-40B4-BE49-F238E27FC236}">
-                <a16:creationId xmlns:a16="http://schemas.microsoft.com/office/drawing/2014/main" id="{397E2F67-D1D2-4E88-93D5-7D621957D25C}"/>
-              </a:ext>
-            </a:extLst>
-          </p:cNvPr>
-          <p:cNvPicPr>
-            <a:picLocks noChangeAspect="1"/>
-          </p:cNvPicPr>
-          <p:nvPr/>
-        </p:nvPicPr>
-        <p:blipFill>
-          <a:blip r:embed="rId2"/>
-          <a:stretch>
-            <a:fillRect/>
-          </a:stretch>
-        </p:blipFill>
-        <p:spPr>
-          <a:xfrm>
-            <a:off x="187635" y="1138648"/>
-            <a:ext cx="7127565" cy="4552685"/>
-          </a:xfrm>
-          <a:prstGeom prst="rect">
-            <a:avLst/>
-          </a:prstGeom>
-        </p:spPr>
-      </p:pic>
-      <p:sp>
-        <p:nvSpPr>
-          <p:cNvPr id="11" name="TextBox 10">
-            <a:extLst>
-              <a:ext uri="{FF2B5EF4-FFF2-40B4-BE49-F238E27FC236}">
-                <a16:creationId xmlns:a16="http://schemas.microsoft.com/office/drawing/2014/main" id="{8CFFC453-63D5-4985-9376-BE7589A7509A}"/>
-              </a:ext>
-            </a:extLst>
-          </p:cNvPr>
-          <p:cNvSpPr txBox="1"/>
-          <p:nvPr/>
-        </p:nvSpPr>
-        <p:spPr>
-          <a:xfrm>
-            <a:off x="7594559" y="1134296"/>
-            <a:ext cx="4395277" cy="3693319"/>
-          </a:xfrm>
-          <a:prstGeom prst="rect">
-            <a:avLst/>
-          </a:prstGeom>
-          <a:noFill/>
-        </p:spPr>
-        <p:txBody>
-          <a:bodyPr wrap="square" rtlCol="0">
-            <a:spAutoFit/>
-          </a:bodyPr>
-          <a:lstStyle/>
-          <a:p>
-            <a:r>
-              <a:rPr lang="en-GB" dirty="0">
-                <a:solidFill>
-                  <a:schemeClr val="bg1"/>
-                </a:solidFill>
-              </a:rPr>
-              <a:t>What will be the output of this method?</a:t>
-            </a:r>
-          </a:p>
-          <a:p>
-            <a:endParaRPr lang="en-GB" dirty="0">
-              <a:solidFill>
-                <a:schemeClr val="bg1"/>
-              </a:solidFill>
-            </a:endParaRPr>
-          </a:p>
-          <a:p>
-            <a:pPr marL="342900" indent="-342900">
-              <a:buFont typeface="+mj-lt"/>
-              <a:buAutoNum type="alphaUcPeriod"/>
-            </a:pPr>
-            <a:r>
-              <a:rPr lang="en-GB" dirty="0" err="1">
-                <a:solidFill>
-                  <a:schemeClr val="bg1"/>
-                </a:solidFill>
-              </a:rPr>
-              <a:t>AggregateException</a:t>
-            </a:r>
-            <a:br>
-              <a:rPr lang="en-GB" dirty="0">
-                <a:solidFill>
-                  <a:schemeClr val="bg1"/>
-                </a:solidFill>
-              </a:rPr>
-            </a:br>
-            <a:r>
-              <a:rPr lang="en-GB" dirty="0">
-                <a:solidFill>
-                  <a:schemeClr val="bg1"/>
-                </a:solidFill>
-              </a:rPr>
-              <a:t>One or more errors occurred. (This is a test exception)</a:t>
-            </a:r>
-            <a:br>
-              <a:rPr lang="en-GB" dirty="0">
-                <a:solidFill>
-                  <a:schemeClr val="bg1"/>
-                </a:solidFill>
-              </a:rPr>
-            </a:br>
-            <a:endParaRPr lang="en-GB" dirty="0">
-              <a:solidFill>
-                <a:schemeClr val="bg1"/>
-              </a:solidFill>
-            </a:endParaRPr>
-          </a:p>
-          <a:p>
-            <a:pPr marL="342900" indent="-342900">
-              <a:buFont typeface="+mj-lt"/>
-              <a:buAutoNum type="alphaUcPeriod"/>
-            </a:pPr>
-            <a:r>
-              <a:rPr lang="en-GB" dirty="0">
-                <a:solidFill>
-                  <a:schemeClr val="bg1"/>
-                </a:solidFill>
-              </a:rPr>
-              <a:t>Exception</a:t>
-            </a:r>
-          </a:p>
-          <a:p>
-            <a:r>
-              <a:rPr lang="en-GB" dirty="0">
-                <a:solidFill>
-                  <a:schemeClr val="bg1"/>
-                </a:solidFill>
-              </a:rPr>
-              <a:t>       This is a test exception</a:t>
-            </a:r>
-          </a:p>
-          <a:p>
-            <a:endParaRPr lang="en-GB" dirty="0">
-              <a:solidFill>
-                <a:schemeClr val="bg1"/>
-              </a:solidFill>
-            </a:endParaRPr>
-          </a:p>
-          <a:p>
-            <a:pPr marL="342900" indent="-342900">
-              <a:buAutoNum type="alphaUcPeriod" startAt="3"/>
-            </a:pPr>
-            <a:r>
-              <a:rPr lang="en-GB" dirty="0">
-                <a:solidFill>
-                  <a:schemeClr val="bg1"/>
-                </a:solidFill>
-              </a:rPr>
-              <a:t>An uncaught exception is thrown and can     be caught in the calling method</a:t>
-            </a:r>
-          </a:p>
-          <a:p>
-            <a:pPr marL="342900" indent="-342900">
-              <a:buAutoNum type="alphaUcPeriod" startAt="3"/>
-            </a:pPr>
-            <a:endParaRPr lang="en-GB" dirty="0">
-              <a:solidFill>
-                <a:schemeClr val="bg1"/>
-              </a:solidFill>
-            </a:endParaRPr>
-          </a:p>
-          <a:p>
-            <a:pPr marL="342900" indent="-342900">
-              <a:buAutoNum type="alphaUcPeriod" startAt="3"/>
-            </a:pPr>
-            <a:r>
-              <a:rPr lang="en-GB" dirty="0">
-                <a:solidFill>
-                  <a:schemeClr val="bg1"/>
-                </a:solidFill>
-              </a:rPr>
-              <a:t>None of the above.</a:t>
-            </a:r>
-          </a:p>
-        </p:txBody>
-      </p:sp>
-    </p:spTree>
-    <p:extLst>
-      <p:ext uri="{BB962C8B-B14F-4D97-AF65-F5344CB8AC3E}">
-        <p14:creationId xmlns:p14="http://schemas.microsoft.com/office/powerpoint/2010/main" val="2687364993"/>
-      </p:ext>
-    </p:extLst>
-  </p:cSld>
-  <p:clrMapOvr>
-    <a:masterClrMapping/>
-  </p:clrMapOvr>
-</p:sld>
-</file>
-
-<file path=ppt/slides/slide43.xml><?xml version="1.0" encoding="utf-8"?>
-<p:sld xmlns:a="http://schemas.openxmlformats.org/drawingml/2006/main" xmlns:r="http://schemas.openxmlformats.org/officeDocument/2006/relationships" xmlns:p="http://schemas.openxmlformats.org/presentationml/2006/main">
-  <p:cSld>
-    <p:bg>
-      <p:bgPr>
-        <a:solidFill>
-          <a:srgbClr val="1E1E1E"/>
-        </a:solidFill>
-        <a:effectLst/>
-      </p:bgPr>
-    </p:bg>
-    <p:spTree>
-      <p:nvGrpSpPr>
-        <p:cNvPr id="1" name=""/>
-        <p:cNvGrpSpPr/>
-        <p:nvPr/>
-      </p:nvGrpSpPr>
-      <p:grpSpPr>
-        <a:xfrm>
-          <a:off x="0" y="0"/>
-          <a:ext cx="0" cy="0"/>
-          <a:chOff x="0" y="0"/>
-          <a:chExt cx="0" cy="0"/>
-        </a:xfrm>
-      </p:grpSpPr>
-      <p:sp>
-        <p:nvSpPr>
-          <p:cNvPr id="6" name="TextBox 5">
-            <a:extLst>
-              <a:ext uri="{FF2B5EF4-FFF2-40B4-BE49-F238E27FC236}">
-                <a16:creationId xmlns:a16="http://schemas.microsoft.com/office/drawing/2014/main" id="{2CDFC944-8A12-42CA-B4D7-7CEF50C368ED}"/>
-              </a:ext>
-            </a:extLst>
-          </p:cNvPr>
-          <p:cNvSpPr txBox="1"/>
-          <p:nvPr/>
-        </p:nvSpPr>
-        <p:spPr>
-          <a:xfrm>
-            <a:off x="624957" y="242596"/>
-            <a:ext cx="11364880" cy="369332"/>
-          </a:xfrm>
-          <a:prstGeom prst="rect">
-            <a:avLst/>
-          </a:prstGeom>
-          <a:noFill/>
-        </p:spPr>
-        <p:txBody>
-          <a:bodyPr wrap="square" rtlCol="0">
-            <a:spAutoFit/>
-          </a:bodyPr>
-          <a:lstStyle/>
-          <a:p>
-            <a:r>
-              <a:rPr lang="en-GB" dirty="0">
-                <a:solidFill>
-                  <a:schemeClr val="bg1"/>
-                </a:solidFill>
-              </a:rPr>
-              <a:t>Question A </a:t>
-            </a:r>
-          </a:p>
-        </p:txBody>
-      </p:sp>
-      <p:pic>
-        <p:nvPicPr>
-          <p:cNvPr id="2" name="Picture 1">
-            <a:extLst>
-              <a:ext uri="{FF2B5EF4-FFF2-40B4-BE49-F238E27FC236}">
-                <a16:creationId xmlns:a16="http://schemas.microsoft.com/office/drawing/2014/main" id="{397E2F67-D1D2-4E88-93D5-7D621957D25C}"/>
-              </a:ext>
-            </a:extLst>
-          </p:cNvPr>
-          <p:cNvPicPr>
-            <a:picLocks noChangeAspect="1"/>
-          </p:cNvPicPr>
-          <p:nvPr/>
-        </p:nvPicPr>
-        <p:blipFill>
-          <a:blip r:embed="rId2"/>
-          <a:stretch>
-            <a:fillRect/>
-          </a:stretch>
-        </p:blipFill>
-        <p:spPr>
-          <a:xfrm>
-            <a:off x="187635" y="1138648"/>
-            <a:ext cx="7127565" cy="4552685"/>
-          </a:xfrm>
-          <a:prstGeom prst="rect">
-            <a:avLst/>
-          </a:prstGeom>
-        </p:spPr>
-      </p:pic>
-      <p:sp>
-        <p:nvSpPr>
-          <p:cNvPr id="11" name="TextBox 10">
-            <a:extLst>
-              <a:ext uri="{FF2B5EF4-FFF2-40B4-BE49-F238E27FC236}">
-                <a16:creationId xmlns:a16="http://schemas.microsoft.com/office/drawing/2014/main" id="{8CFFC453-63D5-4985-9376-BE7589A7509A}"/>
-              </a:ext>
-            </a:extLst>
-          </p:cNvPr>
-          <p:cNvSpPr txBox="1"/>
-          <p:nvPr/>
-        </p:nvSpPr>
-        <p:spPr>
-          <a:xfrm>
-            <a:off x="7594559" y="1134296"/>
-            <a:ext cx="4395277" cy="1477328"/>
-          </a:xfrm>
-          <a:prstGeom prst="rect">
-            <a:avLst/>
-          </a:prstGeom>
-          <a:noFill/>
-        </p:spPr>
-        <p:txBody>
-          <a:bodyPr wrap="square" rtlCol="0">
-            <a:spAutoFit/>
-          </a:bodyPr>
-          <a:lstStyle/>
-          <a:p>
-            <a:r>
-              <a:rPr lang="en-GB" dirty="0">
-                <a:solidFill>
-                  <a:schemeClr val="bg1"/>
-                </a:solidFill>
-              </a:rPr>
-              <a:t>The answer is</a:t>
-            </a:r>
-          </a:p>
-          <a:p>
-            <a:endParaRPr lang="en-GB" dirty="0">
-              <a:solidFill>
-                <a:schemeClr val="bg1"/>
-              </a:solidFill>
-            </a:endParaRPr>
-          </a:p>
-          <a:p>
-            <a:pPr marL="342900" indent="-342900">
-              <a:buFont typeface="+mj-lt"/>
-              <a:buAutoNum type="alphaUcPeriod"/>
-            </a:pPr>
-            <a:r>
-              <a:rPr lang="en-GB" dirty="0" err="1">
-                <a:solidFill>
-                  <a:schemeClr val="bg1"/>
-                </a:solidFill>
-              </a:rPr>
-              <a:t>AggregateException</a:t>
-            </a:r>
-            <a:br>
-              <a:rPr lang="en-GB" dirty="0">
-                <a:solidFill>
-                  <a:schemeClr val="bg1"/>
-                </a:solidFill>
-              </a:rPr>
-            </a:br>
-            <a:r>
-              <a:rPr lang="en-GB" dirty="0">
-                <a:solidFill>
-                  <a:schemeClr val="bg1"/>
-                </a:solidFill>
-              </a:rPr>
-              <a:t>One or more errors occurred. (This is a test exception)</a:t>
-            </a:r>
-          </a:p>
-        </p:txBody>
-      </p:sp>
-    </p:spTree>
-    <p:extLst>
-      <p:ext uri="{BB962C8B-B14F-4D97-AF65-F5344CB8AC3E}">
-        <p14:creationId xmlns:p14="http://schemas.microsoft.com/office/powerpoint/2010/main" val="2696141286"/>
-      </p:ext>
-    </p:extLst>
-  </p:cSld>
-  <p:clrMapOvr>
-    <a:masterClrMapping/>
-  </p:clrMapOvr>
-</p:sld>
-</file>
-
-<file path=ppt/slides/slide44.xml><?xml version="1.0" encoding="utf-8"?>
-<p:sld xmlns:a="http://schemas.openxmlformats.org/drawingml/2006/main" xmlns:r="http://schemas.openxmlformats.org/officeDocument/2006/relationships" xmlns:p="http://schemas.openxmlformats.org/presentationml/2006/main">
-  <p:cSld>
-    <p:bg>
-      <p:bgPr>
-        <a:solidFill>
-          <a:srgbClr val="1E1E1E"/>
-        </a:solidFill>
-        <a:effectLst/>
-      </p:bgPr>
-    </p:bg>
-    <p:spTree>
-      <p:nvGrpSpPr>
-        <p:cNvPr id="1" name=""/>
-        <p:cNvGrpSpPr/>
-        <p:nvPr/>
-      </p:nvGrpSpPr>
-      <p:grpSpPr>
-        <a:xfrm>
-          <a:off x="0" y="0"/>
-          <a:ext cx="0" cy="0"/>
-          <a:chOff x="0" y="0"/>
-          <a:chExt cx="0" cy="0"/>
-        </a:xfrm>
-      </p:grpSpPr>
-      <p:sp>
-        <p:nvSpPr>
-          <p:cNvPr id="6" name="TextBox 5">
-            <a:extLst>
-              <a:ext uri="{FF2B5EF4-FFF2-40B4-BE49-F238E27FC236}">
-                <a16:creationId xmlns:a16="http://schemas.microsoft.com/office/drawing/2014/main" id="{2CDFC944-8A12-42CA-B4D7-7CEF50C368ED}"/>
-              </a:ext>
-            </a:extLst>
-          </p:cNvPr>
-          <p:cNvSpPr txBox="1"/>
-          <p:nvPr/>
-        </p:nvSpPr>
-        <p:spPr>
-          <a:xfrm>
-            <a:off x="624957" y="242596"/>
-            <a:ext cx="11364880" cy="369332"/>
-          </a:xfrm>
-          <a:prstGeom prst="rect">
-            <a:avLst/>
-          </a:prstGeom>
-          <a:noFill/>
-        </p:spPr>
-        <p:txBody>
-          <a:bodyPr wrap="square" rtlCol="0">
-            <a:spAutoFit/>
-          </a:bodyPr>
-          <a:lstStyle/>
-          <a:p>
-            <a:r>
-              <a:rPr lang="en-GB" dirty="0">
-                <a:solidFill>
-                  <a:schemeClr val="bg1"/>
-                </a:solidFill>
-              </a:rPr>
-              <a:t>Question B </a:t>
-            </a:r>
-          </a:p>
-        </p:txBody>
-      </p:sp>
-      <p:sp>
-        <p:nvSpPr>
-          <p:cNvPr id="11" name="TextBox 10">
-            <a:extLst>
-              <a:ext uri="{FF2B5EF4-FFF2-40B4-BE49-F238E27FC236}">
-                <a16:creationId xmlns:a16="http://schemas.microsoft.com/office/drawing/2014/main" id="{8CFFC453-63D5-4985-9376-BE7589A7509A}"/>
-              </a:ext>
-            </a:extLst>
-          </p:cNvPr>
-          <p:cNvSpPr txBox="1"/>
-          <p:nvPr/>
-        </p:nvSpPr>
-        <p:spPr>
-          <a:xfrm>
-            <a:off x="7594559" y="1134296"/>
-            <a:ext cx="4395277" cy="3693319"/>
-          </a:xfrm>
-          <a:prstGeom prst="rect">
-            <a:avLst/>
-          </a:prstGeom>
-          <a:noFill/>
-        </p:spPr>
-        <p:txBody>
-          <a:bodyPr wrap="square" rtlCol="0">
-            <a:spAutoFit/>
-          </a:bodyPr>
-          <a:lstStyle/>
-          <a:p>
-            <a:r>
-              <a:rPr lang="en-GB" dirty="0">
-                <a:solidFill>
-                  <a:schemeClr val="bg1"/>
-                </a:solidFill>
-              </a:rPr>
-              <a:t>What will be the output of this method?</a:t>
-            </a:r>
-          </a:p>
-          <a:p>
-            <a:endParaRPr lang="en-GB" dirty="0">
-              <a:solidFill>
-                <a:schemeClr val="bg1"/>
-              </a:solidFill>
-            </a:endParaRPr>
-          </a:p>
-          <a:p>
-            <a:pPr marL="342900" indent="-342900">
-              <a:buFont typeface="+mj-lt"/>
-              <a:buAutoNum type="alphaUcPeriod"/>
-            </a:pPr>
-            <a:r>
-              <a:rPr lang="en-GB" dirty="0" err="1">
-                <a:solidFill>
-                  <a:schemeClr val="bg1"/>
-                </a:solidFill>
-              </a:rPr>
-              <a:t>AggregateException</a:t>
-            </a:r>
-            <a:br>
-              <a:rPr lang="en-GB" dirty="0">
-                <a:solidFill>
-                  <a:schemeClr val="bg1"/>
-                </a:solidFill>
-              </a:rPr>
-            </a:br>
-            <a:r>
-              <a:rPr lang="en-GB" dirty="0">
-                <a:solidFill>
-                  <a:schemeClr val="bg1"/>
-                </a:solidFill>
-              </a:rPr>
-              <a:t>One or more errors occurred. (This is a test exception)</a:t>
-            </a:r>
-            <a:br>
-              <a:rPr lang="en-GB" dirty="0">
-                <a:solidFill>
-                  <a:schemeClr val="bg1"/>
-                </a:solidFill>
-              </a:rPr>
-            </a:br>
-            <a:endParaRPr lang="en-GB" dirty="0">
-              <a:solidFill>
-                <a:schemeClr val="bg1"/>
-              </a:solidFill>
-            </a:endParaRPr>
-          </a:p>
-          <a:p>
-            <a:pPr marL="342900" indent="-342900">
-              <a:buFont typeface="+mj-lt"/>
-              <a:buAutoNum type="alphaUcPeriod"/>
-            </a:pPr>
-            <a:r>
-              <a:rPr lang="en-GB" dirty="0">
-                <a:solidFill>
-                  <a:schemeClr val="bg1"/>
-                </a:solidFill>
-              </a:rPr>
-              <a:t>Exception</a:t>
-            </a:r>
-          </a:p>
-          <a:p>
-            <a:r>
-              <a:rPr lang="en-GB" dirty="0">
-                <a:solidFill>
-                  <a:schemeClr val="bg1"/>
-                </a:solidFill>
-              </a:rPr>
-              <a:t>       This is a test exception</a:t>
-            </a:r>
-          </a:p>
-          <a:p>
-            <a:endParaRPr lang="en-GB" dirty="0">
-              <a:solidFill>
-                <a:schemeClr val="bg1"/>
-              </a:solidFill>
-            </a:endParaRPr>
-          </a:p>
-          <a:p>
-            <a:pPr marL="342900" indent="-342900">
-              <a:buAutoNum type="alphaUcPeriod" startAt="3"/>
-            </a:pPr>
-            <a:r>
-              <a:rPr lang="en-GB" dirty="0">
-                <a:solidFill>
-                  <a:schemeClr val="bg1"/>
-                </a:solidFill>
-              </a:rPr>
-              <a:t>An uncaught exception is thrown and can     be caught in the calling method</a:t>
-            </a:r>
-          </a:p>
-          <a:p>
-            <a:pPr marL="342900" indent="-342900">
-              <a:buAutoNum type="alphaUcPeriod" startAt="3"/>
-            </a:pPr>
-            <a:endParaRPr lang="en-GB" dirty="0">
-              <a:solidFill>
-                <a:schemeClr val="bg1"/>
-              </a:solidFill>
-            </a:endParaRPr>
-          </a:p>
-          <a:p>
-            <a:pPr marL="342900" indent="-342900">
-              <a:buAutoNum type="alphaUcPeriod" startAt="3"/>
-            </a:pPr>
-            <a:r>
-              <a:rPr lang="en-GB" dirty="0">
-                <a:solidFill>
-                  <a:schemeClr val="bg1"/>
-                </a:solidFill>
-              </a:rPr>
-              <a:t>None of the above.</a:t>
-            </a:r>
-          </a:p>
-        </p:txBody>
-      </p:sp>
-      <p:pic>
-        <p:nvPicPr>
-          <p:cNvPr id="3" name="Picture 2">
-            <a:extLst>
-              <a:ext uri="{FF2B5EF4-FFF2-40B4-BE49-F238E27FC236}">
-                <a16:creationId xmlns:a16="http://schemas.microsoft.com/office/drawing/2014/main" id="{432803C7-99F7-43EC-8962-4A640D9CB98B}"/>
-              </a:ext>
-            </a:extLst>
-          </p:cNvPr>
-          <p:cNvPicPr>
-            <a:picLocks noChangeAspect="1"/>
-          </p:cNvPicPr>
-          <p:nvPr/>
-        </p:nvPicPr>
-        <p:blipFill>
-          <a:blip r:embed="rId2"/>
-          <a:stretch>
-            <a:fillRect/>
-          </a:stretch>
-        </p:blipFill>
-        <p:spPr>
-          <a:xfrm>
-            <a:off x="318052" y="856001"/>
-            <a:ext cx="7276507" cy="5730720"/>
-          </a:xfrm>
-          <a:prstGeom prst="rect">
-            <a:avLst/>
-          </a:prstGeom>
-        </p:spPr>
-      </p:pic>
-    </p:spTree>
-    <p:extLst>
-      <p:ext uri="{BB962C8B-B14F-4D97-AF65-F5344CB8AC3E}">
-        <p14:creationId xmlns:p14="http://schemas.microsoft.com/office/powerpoint/2010/main" val="3499656894"/>
-      </p:ext>
-    </p:extLst>
-  </p:cSld>
-  <p:clrMapOvr>
-    <a:masterClrMapping/>
-  </p:clrMapOvr>
-</p:sld>
-</file>
-
-<file path=ppt/slides/slide45.xml><?xml version="1.0" encoding="utf-8"?>
-<p:sld xmlns:a="http://schemas.openxmlformats.org/drawingml/2006/main" xmlns:r="http://schemas.openxmlformats.org/officeDocument/2006/relationships" xmlns:p="http://schemas.openxmlformats.org/presentationml/2006/main">
-  <p:cSld>
-    <p:bg>
-      <p:bgPr>
-        <a:solidFill>
-          <a:srgbClr val="1E1E1E"/>
-        </a:solidFill>
-        <a:effectLst/>
-      </p:bgPr>
-    </p:bg>
-    <p:spTree>
-      <p:nvGrpSpPr>
-        <p:cNvPr id="1" name=""/>
-        <p:cNvGrpSpPr/>
-        <p:nvPr/>
-      </p:nvGrpSpPr>
-      <p:grpSpPr>
-        <a:xfrm>
-          <a:off x="0" y="0"/>
-          <a:ext cx="0" cy="0"/>
-          <a:chOff x="0" y="0"/>
-          <a:chExt cx="0" cy="0"/>
-        </a:xfrm>
-      </p:grpSpPr>
-      <p:sp>
-        <p:nvSpPr>
-          <p:cNvPr id="6" name="TextBox 5">
-            <a:extLst>
-              <a:ext uri="{FF2B5EF4-FFF2-40B4-BE49-F238E27FC236}">
-                <a16:creationId xmlns:a16="http://schemas.microsoft.com/office/drawing/2014/main" id="{2CDFC944-8A12-42CA-B4D7-7CEF50C368ED}"/>
-              </a:ext>
-            </a:extLst>
-          </p:cNvPr>
-          <p:cNvSpPr txBox="1"/>
-          <p:nvPr/>
-        </p:nvSpPr>
-        <p:spPr>
-          <a:xfrm>
-            <a:off x="624957" y="242596"/>
-            <a:ext cx="11364880" cy="369332"/>
-          </a:xfrm>
-          <a:prstGeom prst="rect">
-            <a:avLst/>
-          </a:prstGeom>
-          <a:noFill/>
-        </p:spPr>
-        <p:txBody>
-          <a:bodyPr wrap="square" rtlCol="0">
-            <a:spAutoFit/>
-          </a:bodyPr>
-          <a:lstStyle/>
-          <a:p>
-            <a:r>
-              <a:rPr lang="en-GB" dirty="0">
-                <a:solidFill>
-                  <a:schemeClr val="bg1"/>
-                </a:solidFill>
-              </a:rPr>
-              <a:t>Question B </a:t>
-            </a:r>
-          </a:p>
-        </p:txBody>
-      </p:sp>
-      <p:sp>
-        <p:nvSpPr>
-          <p:cNvPr id="11" name="TextBox 10">
-            <a:extLst>
-              <a:ext uri="{FF2B5EF4-FFF2-40B4-BE49-F238E27FC236}">
-                <a16:creationId xmlns:a16="http://schemas.microsoft.com/office/drawing/2014/main" id="{8CFFC453-63D5-4985-9376-BE7589A7509A}"/>
-              </a:ext>
-            </a:extLst>
-          </p:cNvPr>
-          <p:cNvSpPr txBox="1"/>
-          <p:nvPr/>
-        </p:nvSpPr>
-        <p:spPr>
-          <a:xfrm>
-            <a:off x="7594559" y="1134296"/>
-            <a:ext cx="4395277" cy="1477328"/>
-          </a:xfrm>
-          <a:prstGeom prst="rect">
-            <a:avLst/>
-          </a:prstGeom>
-          <a:noFill/>
-        </p:spPr>
-        <p:txBody>
-          <a:bodyPr wrap="square" rtlCol="0">
-            <a:spAutoFit/>
-          </a:bodyPr>
-          <a:lstStyle/>
-          <a:p>
-            <a:r>
-              <a:rPr lang="en-GB" dirty="0">
-                <a:solidFill>
-                  <a:schemeClr val="bg1"/>
-                </a:solidFill>
-              </a:rPr>
-              <a:t>The answer is</a:t>
-            </a:r>
-          </a:p>
-          <a:p>
-            <a:endParaRPr lang="en-GB" dirty="0">
-              <a:solidFill>
-                <a:schemeClr val="bg1"/>
-              </a:solidFill>
-            </a:endParaRPr>
-          </a:p>
-          <a:p>
-            <a:pPr marL="342900" indent="-342900">
-              <a:buFont typeface="+mj-lt"/>
-              <a:buAutoNum type="alphaUcPeriod"/>
-            </a:pPr>
-            <a:r>
-              <a:rPr lang="en-GB" dirty="0" err="1">
-                <a:solidFill>
-                  <a:schemeClr val="bg1"/>
-                </a:solidFill>
-              </a:rPr>
-              <a:t>AggregateException</a:t>
-            </a:r>
-            <a:br>
-              <a:rPr lang="en-GB" dirty="0">
-                <a:solidFill>
-                  <a:schemeClr val="bg1"/>
-                </a:solidFill>
-              </a:rPr>
-            </a:br>
-            <a:r>
-              <a:rPr lang="en-GB" dirty="0">
-                <a:solidFill>
-                  <a:schemeClr val="bg1"/>
-                </a:solidFill>
-              </a:rPr>
-              <a:t>One or more errors occurred. (This is a test exception)</a:t>
-            </a:r>
-          </a:p>
-        </p:txBody>
-      </p:sp>
-      <p:pic>
-        <p:nvPicPr>
-          <p:cNvPr id="3" name="Picture 2">
-            <a:extLst>
-              <a:ext uri="{FF2B5EF4-FFF2-40B4-BE49-F238E27FC236}">
-                <a16:creationId xmlns:a16="http://schemas.microsoft.com/office/drawing/2014/main" id="{432803C7-99F7-43EC-8962-4A640D9CB98B}"/>
-              </a:ext>
-            </a:extLst>
-          </p:cNvPr>
-          <p:cNvPicPr>
-            <a:picLocks noChangeAspect="1"/>
-          </p:cNvPicPr>
-          <p:nvPr/>
-        </p:nvPicPr>
-        <p:blipFill>
-          <a:blip r:embed="rId2"/>
-          <a:stretch>
-            <a:fillRect/>
-          </a:stretch>
-        </p:blipFill>
-        <p:spPr>
-          <a:xfrm>
-            <a:off x="318052" y="856001"/>
-            <a:ext cx="7276507" cy="5730720"/>
-          </a:xfrm>
-          <a:prstGeom prst="rect">
-            <a:avLst/>
-          </a:prstGeom>
-        </p:spPr>
-      </p:pic>
-    </p:spTree>
-    <p:extLst>
-      <p:ext uri="{BB962C8B-B14F-4D97-AF65-F5344CB8AC3E}">
-        <p14:creationId xmlns:p14="http://schemas.microsoft.com/office/powerpoint/2010/main" val="3404830297"/>
       </p:ext>
     </p:extLst>
   </p:cSld>
@@ -13451,7 +13046,7 @@
         <p:spPr>
           <a:xfrm>
             <a:off x="624957" y="242596"/>
-            <a:ext cx="11364880" cy="369332"/>
+            <a:ext cx="11364880" cy="400110"/>
           </a:xfrm>
           <a:prstGeom prst="rect">
             <a:avLst/>
@@ -13465,22 +13060,22 @@
           <a:lstStyle/>
           <a:p>
             <a:r>
-              <a:rPr lang="en-GB" dirty="0">
+              <a:rPr lang="en-GB" sz="2000" dirty="0">
                 <a:solidFill>
                   <a:schemeClr val="bg1"/>
                 </a:solidFill>
               </a:rPr>
-              <a:t>Question C </a:t>
+              <a:t>Given the following methods…</a:t>
             </a:r>
           </a:p>
         </p:txBody>
       </p:sp>
       <p:pic>
         <p:nvPicPr>
-          <p:cNvPr id="2" name="Picture 1">
-            <a:extLst>
-              <a:ext uri="{FF2B5EF4-FFF2-40B4-BE49-F238E27FC236}">
-                <a16:creationId xmlns:a16="http://schemas.microsoft.com/office/drawing/2014/main" id="{0BD97387-E99A-4C89-B42D-BC08349EDEC6}"/>
+          <p:cNvPr id="3" name="Picture 2">
+            <a:extLst>
+              <a:ext uri="{FF2B5EF4-FFF2-40B4-BE49-F238E27FC236}">
+                <a16:creationId xmlns:a16="http://schemas.microsoft.com/office/drawing/2014/main" id="{3BA789B0-4DD2-416F-AC4F-1CB1017DBB57}"/>
               </a:ext>
             </a:extLst>
           </p:cNvPr>
@@ -13497,8 +13092,8 @@
         </p:blipFill>
         <p:spPr>
           <a:xfrm>
-            <a:off x="182759" y="1134296"/>
-            <a:ext cx="7458242" cy="4137792"/>
+            <a:off x="804093" y="1066593"/>
+            <a:ext cx="10025626" cy="4141511"/>
           </a:xfrm>
           <a:prstGeom prst="rect">
             <a:avLst/>
@@ -13510,7 +13105,7 @@
           <p:cNvPr id="7" name="TextBox 6">
             <a:extLst>
               <a:ext uri="{FF2B5EF4-FFF2-40B4-BE49-F238E27FC236}">
-                <a16:creationId xmlns:a16="http://schemas.microsoft.com/office/drawing/2014/main" id="{03A1D1DE-A63C-4D8F-ADAD-04407E8AFDBC}"/>
+                <a16:creationId xmlns:a16="http://schemas.microsoft.com/office/drawing/2014/main" id="{9D387ED8-A447-4926-8788-33094ACC87BC}"/>
               </a:ext>
             </a:extLst>
           </p:cNvPr>
@@ -13519,8 +13114,8 @@
         </p:nvSpPr>
         <p:spPr>
           <a:xfrm>
-            <a:off x="7594559" y="1134296"/>
-            <a:ext cx="4395277" cy="3693319"/>
+            <a:off x="624957" y="5431936"/>
+            <a:ext cx="11364880" cy="1015663"/>
           </a:xfrm>
           <a:prstGeom prst="rect">
             <a:avLst/>
@@ -13534,127 +13129,29 @@
           <a:lstStyle/>
           <a:p>
             <a:r>
-              <a:rPr lang="en-GB" dirty="0">
+              <a:rPr lang="en-GB" sz="2000" dirty="0">
                 <a:solidFill>
                   <a:schemeClr val="bg1"/>
                 </a:solidFill>
               </a:rPr>
-              <a:t>What will be the output of this method?</a:t>
-            </a:r>
-          </a:p>
-          <a:p>
-            <a:endParaRPr lang="en-GB" dirty="0">
+              <a:t>Operation1Async just awaits a task which throws an exception.</a:t>
+            </a:r>
+          </a:p>
+          <a:p>
+            <a:endParaRPr lang="en-GB" sz="2000" dirty="0">
               <a:solidFill>
                 <a:schemeClr val="bg1"/>
               </a:solidFill>
             </a:endParaRPr>
           </a:p>
           <a:p>
-            <a:pPr marL="342900" indent="-342900">
-              <a:buFont typeface="+mj-lt"/>
-              <a:buAutoNum type="alphaUcPeriod"/>
-            </a:pPr>
-            <a:r>
-              <a:rPr lang="en-GB" dirty="0" err="1">
+            <a:r>
+              <a:rPr lang="en-GB" sz="2000" dirty="0">
                 <a:solidFill>
                   <a:schemeClr val="bg1"/>
                 </a:solidFill>
               </a:rPr>
-              <a:t>AggregateException</a:t>
-            </a:r>
-            <a:br>
-              <a:rPr lang="en-GB" dirty="0">
-                <a:solidFill>
-                  <a:schemeClr val="bg1"/>
-                </a:solidFill>
-              </a:rPr>
-            </a:br>
-            <a:r>
-              <a:rPr lang="en-GB" dirty="0">
-                <a:solidFill>
-                  <a:schemeClr val="bg1"/>
-                </a:solidFill>
-              </a:rPr>
-              <a:t>One or more errors occurred. (This is a test exception)</a:t>
-            </a:r>
-            <a:br>
-              <a:rPr lang="en-GB" dirty="0">
-                <a:solidFill>
-                  <a:schemeClr val="bg1"/>
-                </a:solidFill>
-              </a:rPr>
-            </a:br>
-            <a:endParaRPr lang="en-GB" dirty="0">
-              <a:solidFill>
-                <a:schemeClr val="bg1"/>
-              </a:solidFill>
-            </a:endParaRPr>
-          </a:p>
-          <a:p>
-            <a:pPr marL="342900" indent="-342900">
-              <a:buFont typeface="+mj-lt"/>
-              <a:buAutoNum type="alphaUcPeriod"/>
-            </a:pPr>
-            <a:r>
-              <a:rPr lang="en-GB" dirty="0">
-                <a:solidFill>
-                  <a:schemeClr val="bg1"/>
-                </a:solidFill>
-              </a:rPr>
-              <a:t>Exception</a:t>
-            </a:r>
-          </a:p>
-          <a:p>
-            <a:r>
-              <a:rPr lang="en-GB" dirty="0">
-                <a:solidFill>
-                  <a:schemeClr val="bg1"/>
-                </a:solidFill>
-              </a:rPr>
-              <a:t>       This is a test exception</a:t>
-            </a:r>
-          </a:p>
-          <a:p>
-            <a:endParaRPr lang="en-GB" dirty="0">
-              <a:solidFill>
-                <a:schemeClr val="bg1"/>
-              </a:solidFill>
-            </a:endParaRPr>
-          </a:p>
-          <a:p>
-            <a:pPr marL="342900" indent="-342900">
-              <a:buAutoNum type="alphaUcPeriod" startAt="3"/>
-            </a:pPr>
-            <a:r>
-              <a:rPr lang="en-GB" dirty="0">
-                <a:solidFill>
-                  <a:schemeClr val="bg1"/>
-                </a:solidFill>
-              </a:rPr>
-              <a:t>An uncaught exception is thrown and can     be caught in the calling method</a:t>
-            </a:r>
-          </a:p>
-          <a:p>
-            <a:pPr marL="342900" indent="-342900">
-              <a:buAutoNum type="alphaUcPeriod" startAt="3"/>
-            </a:pPr>
-            <a:endParaRPr lang="en-GB" dirty="0">
-              <a:solidFill>
-                <a:schemeClr val="bg1"/>
-              </a:solidFill>
-            </a:endParaRPr>
-          </a:p>
-          <a:p>
-            <a:pPr marL="342900" indent="-342900">
-              <a:buAutoNum type="alphaUcPeriod" startAt="3"/>
-            </a:pPr>
-            <a:r>
-              <a:rPr lang="en-GB" dirty="0">
-                <a:solidFill>
-                  <a:schemeClr val="bg1"/>
-                </a:solidFill>
-              </a:rPr>
-              <a:t>None of the above.</a:t>
+              <a:t>There is more than way of executing Operation1Async and each way might have different behaviours. </a:t>
             </a:r>
           </a:p>
         </p:txBody>
@@ -13662,7 +13159,7 @@
     </p:spTree>
     <p:extLst>
       <p:ext uri="{BB962C8B-B14F-4D97-AF65-F5344CB8AC3E}">
-        <p14:creationId xmlns:p14="http://schemas.microsoft.com/office/powerpoint/2010/main" val="1418100917"/>
+        <p14:creationId xmlns:p14="http://schemas.microsoft.com/office/powerpoint/2010/main" val="1728531898"/>
       </p:ext>
     </p:extLst>
   </p:cSld>
@@ -13731,73 +13228,7 @@
                   <a:schemeClr val="bg1"/>
                 </a:solidFill>
               </a:rPr>
-              <a:t>Question C </a:t>
-            </a:r>
-          </a:p>
-        </p:txBody>
-      </p:sp>
-      <p:sp>
-        <p:nvSpPr>
-          <p:cNvPr id="11" name="TextBox 10">
-            <a:extLst>
-              <a:ext uri="{FF2B5EF4-FFF2-40B4-BE49-F238E27FC236}">
-                <a16:creationId xmlns:a16="http://schemas.microsoft.com/office/drawing/2014/main" id="{8CFFC453-63D5-4985-9376-BE7589A7509A}"/>
-              </a:ext>
-            </a:extLst>
-          </p:cNvPr>
-          <p:cNvSpPr txBox="1"/>
-          <p:nvPr/>
-        </p:nvSpPr>
-        <p:spPr>
-          <a:xfrm>
-            <a:off x="7594559" y="1134296"/>
-            <a:ext cx="4395277" cy="1200329"/>
-          </a:xfrm>
-          <a:prstGeom prst="rect">
-            <a:avLst/>
-          </a:prstGeom>
-          <a:noFill/>
-        </p:spPr>
-        <p:txBody>
-          <a:bodyPr wrap="square" rtlCol="0">
-            <a:spAutoFit/>
-          </a:bodyPr>
-          <a:lstStyle/>
-          <a:p>
-            <a:r>
-              <a:rPr lang="en-GB" dirty="0">
-                <a:solidFill>
-                  <a:schemeClr val="bg1"/>
-                </a:solidFill>
-              </a:rPr>
-              <a:t>The answer is </a:t>
-            </a:r>
-          </a:p>
-          <a:p>
-            <a:endParaRPr lang="en-GB" dirty="0">
-              <a:solidFill>
-                <a:schemeClr val="bg1"/>
-              </a:solidFill>
-            </a:endParaRPr>
-          </a:p>
-          <a:p>
-            <a:r>
-              <a:rPr lang="en-GB" dirty="0">
-                <a:solidFill>
-                  <a:schemeClr val="bg1"/>
-                </a:solidFill>
-              </a:rPr>
-              <a:t>B.    Exception</a:t>
-            </a:r>
-          </a:p>
-          <a:p>
-            <a:r>
-              <a:rPr lang="en-GB" dirty="0">
-                <a:solidFill>
-                  <a:schemeClr val="bg1"/>
-                </a:solidFill>
-              </a:rPr>
-              <a:t>       This is a test exception</a:t>
+              <a:t>Question A </a:t>
             </a:r>
           </a:p>
         </p:txBody>
@@ -13807,7 +13238,7 @@
           <p:cNvPr id="2" name="Picture 1">
             <a:extLst>
               <a:ext uri="{FF2B5EF4-FFF2-40B4-BE49-F238E27FC236}">
-                <a16:creationId xmlns:a16="http://schemas.microsoft.com/office/drawing/2014/main" id="{0BD97387-E99A-4C89-B42D-BC08349EDEC6}"/>
+                <a16:creationId xmlns:a16="http://schemas.microsoft.com/office/drawing/2014/main" id="{397E2F67-D1D2-4E88-93D5-7D621957D25C}"/>
               </a:ext>
             </a:extLst>
           </p:cNvPr>
@@ -13824,18 +13255,172 @@
         </p:blipFill>
         <p:spPr>
           <a:xfrm>
-            <a:off x="182759" y="1134296"/>
-            <a:ext cx="7458242" cy="4137792"/>
+            <a:off x="187635" y="1138648"/>
+            <a:ext cx="7127565" cy="4552685"/>
           </a:xfrm>
           <a:prstGeom prst="rect">
             <a:avLst/>
           </a:prstGeom>
         </p:spPr>
       </p:pic>
+      <p:sp>
+        <p:nvSpPr>
+          <p:cNvPr id="11" name="TextBox 10">
+            <a:extLst>
+              <a:ext uri="{FF2B5EF4-FFF2-40B4-BE49-F238E27FC236}">
+                <a16:creationId xmlns:a16="http://schemas.microsoft.com/office/drawing/2014/main" id="{8CFFC453-63D5-4985-9376-BE7589A7509A}"/>
+              </a:ext>
+            </a:extLst>
+          </p:cNvPr>
+          <p:cNvSpPr txBox="1"/>
+          <p:nvPr/>
+        </p:nvSpPr>
+        <p:spPr>
+          <a:xfrm>
+            <a:off x="7594559" y="1134296"/>
+            <a:ext cx="4395277" cy="3693319"/>
+          </a:xfrm>
+          <a:prstGeom prst="rect">
+            <a:avLst/>
+          </a:prstGeom>
+          <a:noFill/>
+        </p:spPr>
+        <p:txBody>
+          <a:bodyPr wrap="square" rtlCol="0">
+            <a:spAutoFit/>
+          </a:bodyPr>
+          <a:lstStyle/>
+          <a:p>
+            <a:r>
+              <a:rPr lang="en-GB" dirty="0">
+                <a:solidFill>
+                  <a:schemeClr val="bg1"/>
+                </a:solidFill>
+              </a:rPr>
+              <a:t>What will be the output of this method?</a:t>
+            </a:r>
+          </a:p>
+          <a:p>
+            <a:endParaRPr lang="en-GB" dirty="0">
+              <a:solidFill>
+                <a:schemeClr val="bg1"/>
+              </a:solidFill>
+            </a:endParaRPr>
+          </a:p>
+          <a:p>
+            <a:pPr marL="342900" indent="-342900">
+              <a:buFont typeface="+mj-lt"/>
+              <a:buAutoNum type="alphaUcPeriod"/>
+            </a:pPr>
+            <a:r>
+              <a:rPr lang="en-GB" dirty="0" err="1">
+                <a:solidFill>
+                  <a:schemeClr val="bg1"/>
+                </a:solidFill>
+              </a:rPr>
+              <a:t>AggregateException</a:t>
+            </a:r>
+            <a:br>
+              <a:rPr lang="en-GB" dirty="0">
+                <a:solidFill>
+                  <a:schemeClr val="bg1"/>
+                </a:solidFill>
+              </a:rPr>
+            </a:br>
+            <a:r>
+              <a:rPr lang="en-GB" dirty="0">
+                <a:solidFill>
+                  <a:schemeClr val="bg1"/>
+                </a:solidFill>
+              </a:rPr>
+              <a:t>One or more errors occurred. (This is a test exception)</a:t>
+            </a:r>
+            <a:br>
+              <a:rPr lang="en-GB" dirty="0">
+                <a:solidFill>
+                  <a:schemeClr val="bg1"/>
+                </a:solidFill>
+              </a:rPr>
+            </a:br>
+            <a:endParaRPr lang="en-GB" dirty="0">
+              <a:solidFill>
+                <a:schemeClr val="bg1"/>
+              </a:solidFill>
+            </a:endParaRPr>
+          </a:p>
+          <a:p>
+            <a:pPr marL="342900" indent="-342900">
+              <a:buFont typeface="+mj-lt"/>
+              <a:buAutoNum type="alphaUcPeriod"/>
+            </a:pPr>
+            <a:r>
+              <a:rPr lang="en-GB" dirty="0">
+                <a:solidFill>
+                  <a:schemeClr val="bg1"/>
+                </a:solidFill>
+              </a:rPr>
+              <a:t>Exception</a:t>
+            </a:r>
+          </a:p>
+          <a:p>
+            <a:r>
+              <a:rPr lang="en-GB" dirty="0">
+                <a:solidFill>
+                  <a:schemeClr val="bg1"/>
+                </a:solidFill>
+              </a:rPr>
+              <a:t>       This is a test exception</a:t>
+            </a:r>
+          </a:p>
+          <a:p>
+            <a:endParaRPr lang="en-GB" dirty="0">
+              <a:solidFill>
+                <a:schemeClr val="bg1"/>
+              </a:solidFill>
+            </a:endParaRPr>
+          </a:p>
+          <a:p>
+            <a:pPr marL="342900" indent="-342900">
+              <a:buAutoNum type="alphaUcPeriod" startAt="3"/>
+            </a:pPr>
+            <a:r>
+              <a:rPr lang="en-GB" dirty="0">
+                <a:solidFill>
+                  <a:schemeClr val="bg1"/>
+                </a:solidFill>
+              </a:rPr>
+              <a:t>An uncaught exception is thrown and can     be caught in the calling method</a:t>
+            </a:r>
+          </a:p>
+          <a:p>
+            <a:pPr marL="342900" indent="-342900">
+              <a:buAutoNum type="alphaUcPeriod" startAt="3"/>
+            </a:pPr>
+            <a:endParaRPr lang="en-GB" dirty="0">
+              <a:solidFill>
+                <a:schemeClr val="bg1"/>
+              </a:solidFill>
+            </a:endParaRPr>
+          </a:p>
+          <a:p>
+            <a:pPr marL="342900" indent="-342900">
+              <a:buAutoNum type="alphaUcPeriod" startAt="3"/>
+            </a:pPr>
+            <a:r>
+              <a:rPr lang="en-GB" dirty="0">
+                <a:solidFill>
+                  <a:schemeClr val="bg1"/>
+                </a:solidFill>
+              </a:rPr>
+              <a:t>None of the above.</a:t>
+            </a:r>
+          </a:p>
+        </p:txBody>
+      </p:sp>
     </p:spTree>
     <p:extLst>
       <p:ext uri="{BB962C8B-B14F-4D97-AF65-F5344CB8AC3E}">
-        <p14:creationId xmlns:p14="http://schemas.microsoft.com/office/powerpoint/2010/main" val="1175724501"/>
+        <p14:creationId xmlns:p14="http://schemas.microsoft.com/office/powerpoint/2010/main" val="2687364993"/>
       </p:ext>
     </p:extLst>
   </p:cSld>
@@ -13904,17 +13489,17 @@
                   <a:schemeClr val="bg1"/>
                 </a:solidFill>
               </a:rPr>
-              <a:t>Question D </a:t>
+              <a:t>Question A </a:t>
             </a:r>
           </a:p>
         </p:txBody>
       </p:sp>
       <p:pic>
         <p:nvPicPr>
-          <p:cNvPr id="3" name="Picture 2">
-            <a:extLst>
-              <a:ext uri="{FF2B5EF4-FFF2-40B4-BE49-F238E27FC236}">
-                <a16:creationId xmlns:a16="http://schemas.microsoft.com/office/drawing/2014/main" id="{023A3C97-5944-49CC-9172-ACD496B4F256}"/>
+          <p:cNvPr id="2" name="Picture 1">
+            <a:extLst>
+              <a:ext uri="{FF2B5EF4-FFF2-40B4-BE49-F238E27FC236}">
+                <a16:creationId xmlns:a16="http://schemas.microsoft.com/office/drawing/2014/main" id="{397E2F67-D1D2-4E88-93D5-7D621957D25C}"/>
               </a:ext>
             </a:extLst>
           </p:cNvPr>
@@ -13931,8 +13516,8 @@
         </p:blipFill>
         <p:spPr>
           <a:xfrm>
-            <a:off x="148167" y="1134296"/>
-            <a:ext cx="7567083" cy="4637890"/>
+            <a:off x="187635" y="1138648"/>
+            <a:ext cx="7127565" cy="4552685"/>
           </a:xfrm>
           <a:prstGeom prst="rect">
             <a:avLst/>
@@ -13954,7 +13539,7 @@
         <p:spPr>
           <a:xfrm>
             <a:off x="7594559" y="1134296"/>
-            <a:ext cx="4395277" cy="3693319"/>
+            <a:ext cx="4395277" cy="1477328"/>
           </a:xfrm>
           <a:prstGeom prst="rect">
             <a:avLst/>
@@ -13973,7 +13558,7 @@
                   <a:schemeClr val="bg1"/>
                 </a:solidFill>
               </a:rPr>
-              <a:t>What will be the output of this method?</a:t>
+              <a:t>The answer is</a:t>
             </a:r>
           </a:p>
           <a:p>
@@ -14011,92 +13596,13 @@
               </a:rPr>
               <a:t>One or more errors occurred. (This is a test exception)</a:t>
             </a:r>
-            <a:br>
-              <a:rPr lang="en-GB" dirty="0">
-                <a:solidFill>
-                  <a:schemeClr val="bg1"/>
-                </a:solidFill>
-              </a:rPr>
-            </a:br>
-            <a:endParaRPr lang="en-GB" dirty="0">
-              <a:solidFill>
-                <a:schemeClr val="bg1"/>
-              </a:solidFill>
-            </a:endParaRPr>
-          </a:p>
-          <a:p>
-            <a:pPr marL="342900" indent="-342900">
-              <a:buFont typeface="+mj-lt"/>
-              <a:buAutoNum type="alphaUcPeriod"/>
-            </a:pPr>
-            <a:r>
-              <a:rPr lang="en-GB" dirty="0">
-                <a:solidFill>
-                  <a:schemeClr val="bg1"/>
-                </a:solidFill>
-              </a:rPr>
-              <a:t>Exception</a:t>
-            </a:r>
-          </a:p>
-          <a:p>
-            <a:r>
-              <a:rPr lang="en-GB" dirty="0">
-                <a:solidFill>
-                  <a:schemeClr val="bg1"/>
-                </a:solidFill>
-              </a:rPr>
-              <a:t>       This is a test exception</a:t>
-            </a:r>
-          </a:p>
-          <a:p>
-            <a:endParaRPr lang="en-GB" dirty="0">
-              <a:solidFill>
-                <a:schemeClr val="bg1"/>
-              </a:solidFill>
-            </a:endParaRPr>
-          </a:p>
-          <a:p>
-            <a:pPr marL="342900" indent="-342900">
-              <a:buAutoNum type="alphaUcPeriod" startAt="3"/>
-            </a:pPr>
-            <a:r>
-              <a:rPr lang="en-GB" dirty="0">
-                <a:solidFill>
-                  <a:schemeClr val="bg1"/>
-                </a:solidFill>
-              </a:rPr>
-              <a:t>An uncaught exception is thrown and can     be caught in the calling method</a:t>
-            </a:r>
-          </a:p>
-          <a:p>
-            <a:pPr marL="342900" indent="-342900">
-              <a:buAutoNum type="alphaUcPeriod" startAt="3"/>
-            </a:pPr>
-            <a:endParaRPr lang="en-GB" dirty="0">
-              <a:solidFill>
-                <a:schemeClr val="bg1"/>
-              </a:solidFill>
-            </a:endParaRPr>
-          </a:p>
-          <a:p>
-            <a:pPr marL="342900" indent="-342900">
-              <a:buAutoNum type="alphaUcPeriod" startAt="3"/>
-            </a:pPr>
-            <a:r>
-              <a:rPr lang="en-GB" dirty="0">
-                <a:solidFill>
-                  <a:schemeClr val="bg1"/>
-                </a:solidFill>
-              </a:rPr>
-              <a:t>None of the above.</a:t>
-            </a:r>
           </a:p>
         </p:txBody>
       </p:sp>
     </p:spTree>
     <p:extLst>
       <p:ext uri="{BB962C8B-B14F-4D97-AF65-F5344CB8AC3E}">
-        <p14:creationId xmlns:p14="http://schemas.microsoft.com/office/powerpoint/2010/main" val="3125393616"/>
+        <p14:creationId xmlns:p14="http://schemas.microsoft.com/office/powerpoint/2010/main" val="2696141286"/>
       </p:ext>
     </p:extLst>
   </p:cSld>
@@ -14165,7 +13671,161 @@
                   <a:schemeClr val="bg1"/>
                 </a:solidFill>
               </a:rPr>
-              <a:t>Question D </a:t>
+              <a:t>Question B </a:t>
+            </a:r>
+          </a:p>
+        </p:txBody>
+      </p:sp>
+      <p:sp>
+        <p:nvSpPr>
+          <p:cNvPr id="11" name="TextBox 10">
+            <a:extLst>
+              <a:ext uri="{FF2B5EF4-FFF2-40B4-BE49-F238E27FC236}">
+                <a16:creationId xmlns:a16="http://schemas.microsoft.com/office/drawing/2014/main" id="{8CFFC453-63D5-4985-9376-BE7589A7509A}"/>
+              </a:ext>
+            </a:extLst>
+          </p:cNvPr>
+          <p:cNvSpPr txBox="1"/>
+          <p:nvPr/>
+        </p:nvSpPr>
+        <p:spPr>
+          <a:xfrm>
+            <a:off x="7594559" y="1134296"/>
+            <a:ext cx="4395277" cy="3693319"/>
+          </a:xfrm>
+          <a:prstGeom prst="rect">
+            <a:avLst/>
+          </a:prstGeom>
+          <a:noFill/>
+        </p:spPr>
+        <p:txBody>
+          <a:bodyPr wrap="square" rtlCol="0">
+            <a:spAutoFit/>
+          </a:bodyPr>
+          <a:lstStyle/>
+          <a:p>
+            <a:r>
+              <a:rPr lang="en-GB" dirty="0">
+                <a:solidFill>
+                  <a:schemeClr val="bg1"/>
+                </a:solidFill>
+              </a:rPr>
+              <a:t>What will be the output of this method?</a:t>
+            </a:r>
+          </a:p>
+          <a:p>
+            <a:endParaRPr lang="en-GB" dirty="0">
+              <a:solidFill>
+                <a:schemeClr val="bg1"/>
+              </a:solidFill>
+            </a:endParaRPr>
+          </a:p>
+          <a:p>
+            <a:pPr marL="342900" indent="-342900">
+              <a:buFont typeface="+mj-lt"/>
+              <a:buAutoNum type="alphaUcPeriod"/>
+            </a:pPr>
+            <a:r>
+              <a:rPr lang="en-GB" dirty="0" err="1">
+                <a:solidFill>
+                  <a:schemeClr val="bg1"/>
+                </a:solidFill>
+              </a:rPr>
+              <a:t>AggregateException</a:t>
+            </a:r>
+            <a:br>
+              <a:rPr lang="en-GB" dirty="0">
+                <a:solidFill>
+                  <a:schemeClr val="bg1"/>
+                </a:solidFill>
+              </a:rPr>
+            </a:br>
+            <a:r>
+              <a:rPr lang="en-GB" dirty="0">
+                <a:solidFill>
+                  <a:schemeClr val="bg1"/>
+                </a:solidFill>
+              </a:rPr>
+              <a:t>One or more errors occurred. (This is a test exception)</a:t>
+            </a:r>
+            <a:br>
+              <a:rPr lang="en-GB" dirty="0">
+                <a:solidFill>
+                  <a:schemeClr val="bg1"/>
+                </a:solidFill>
+              </a:rPr>
+            </a:br>
+            <a:endParaRPr lang="en-GB" dirty="0">
+              <a:solidFill>
+                <a:schemeClr val="bg1"/>
+              </a:solidFill>
+            </a:endParaRPr>
+          </a:p>
+          <a:p>
+            <a:pPr marL="342900" indent="-342900">
+              <a:buFont typeface="+mj-lt"/>
+              <a:buAutoNum type="alphaUcPeriod"/>
+            </a:pPr>
+            <a:r>
+              <a:rPr lang="en-GB" dirty="0">
+                <a:solidFill>
+                  <a:schemeClr val="bg1"/>
+                </a:solidFill>
+              </a:rPr>
+              <a:t>Exception</a:t>
+            </a:r>
+          </a:p>
+          <a:p>
+            <a:r>
+              <a:rPr lang="en-GB" dirty="0">
+                <a:solidFill>
+                  <a:schemeClr val="bg1"/>
+                </a:solidFill>
+              </a:rPr>
+              <a:t>       This is a test exception</a:t>
+            </a:r>
+          </a:p>
+          <a:p>
+            <a:endParaRPr lang="en-GB" dirty="0">
+              <a:solidFill>
+                <a:schemeClr val="bg1"/>
+              </a:solidFill>
+            </a:endParaRPr>
+          </a:p>
+          <a:p>
+            <a:pPr marL="342900" indent="-342900">
+              <a:buAutoNum type="alphaUcPeriod" startAt="3"/>
+            </a:pPr>
+            <a:r>
+              <a:rPr lang="en-GB" dirty="0">
+                <a:solidFill>
+                  <a:schemeClr val="bg1"/>
+                </a:solidFill>
+              </a:rPr>
+              <a:t>An uncaught exception is thrown and can     be caught in the calling method</a:t>
+            </a:r>
+          </a:p>
+          <a:p>
+            <a:pPr marL="342900" indent="-342900">
+              <a:buAutoNum type="alphaUcPeriod" startAt="3"/>
+            </a:pPr>
+            <a:endParaRPr lang="en-GB" dirty="0">
+              <a:solidFill>
+                <a:schemeClr val="bg1"/>
+              </a:solidFill>
+            </a:endParaRPr>
+          </a:p>
+          <a:p>
+            <a:pPr marL="342900" indent="-342900">
+              <a:buAutoNum type="alphaUcPeriod" startAt="3"/>
+            </a:pPr>
+            <a:r>
+              <a:rPr lang="en-GB" dirty="0">
+                <a:solidFill>
+                  <a:schemeClr val="bg1"/>
+                </a:solidFill>
+              </a:rPr>
+              <a:t>None of the above.</a:t>
             </a:r>
           </a:p>
         </p:txBody>
@@ -14175,7 +13835,7 @@
           <p:cNvPr id="3" name="Picture 2">
             <a:extLst>
               <a:ext uri="{FF2B5EF4-FFF2-40B4-BE49-F238E27FC236}">
-                <a16:creationId xmlns:a16="http://schemas.microsoft.com/office/drawing/2014/main" id="{023A3C97-5944-49CC-9172-ACD496B4F256}"/>
+                <a16:creationId xmlns:a16="http://schemas.microsoft.com/office/drawing/2014/main" id="{432803C7-99F7-43EC-8962-4A640D9CB98B}"/>
               </a:ext>
             </a:extLst>
           </p:cNvPr>
@@ -14192,84 +13852,18 @@
         </p:blipFill>
         <p:spPr>
           <a:xfrm>
-            <a:off x="148167" y="1134296"/>
-            <a:ext cx="7681383" cy="4707945"/>
+            <a:off x="318052" y="856001"/>
+            <a:ext cx="7276507" cy="5730720"/>
           </a:xfrm>
           <a:prstGeom prst="rect">
             <a:avLst/>
           </a:prstGeom>
         </p:spPr>
       </p:pic>
-      <p:sp>
-        <p:nvSpPr>
-          <p:cNvPr id="11" name="TextBox 10">
-            <a:extLst>
-              <a:ext uri="{FF2B5EF4-FFF2-40B4-BE49-F238E27FC236}">
-                <a16:creationId xmlns:a16="http://schemas.microsoft.com/office/drawing/2014/main" id="{8CFFC453-63D5-4985-9376-BE7589A7509A}"/>
-              </a:ext>
-            </a:extLst>
-          </p:cNvPr>
-          <p:cNvSpPr txBox="1"/>
-          <p:nvPr/>
-        </p:nvSpPr>
-        <p:spPr>
-          <a:xfrm>
-            <a:off x="7594559" y="1134296"/>
-            <a:ext cx="4395277" cy="1200329"/>
-          </a:xfrm>
-          <a:prstGeom prst="rect">
-            <a:avLst/>
-          </a:prstGeom>
-          <a:noFill/>
-        </p:spPr>
-        <p:txBody>
-          <a:bodyPr wrap="square" rtlCol="0">
-            <a:spAutoFit/>
-          </a:bodyPr>
-          <a:lstStyle/>
-          <a:p>
-            <a:r>
-              <a:rPr lang="en-GB" dirty="0">
-                <a:solidFill>
-                  <a:schemeClr val="bg1"/>
-                </a:solidFill>
-              </a:rPr>
-              <a:t>The answer is</a:t>
-            </a:r>
-          </a:p>
-          <a:p>
-            <a:endParaRPr lang="en-GB" dirty="0">
-              <a:solidFill>
-                <a:schemeClr val="bg1"/>
-              </a:solidFill>
-            </a:endParaRPr>
-          </a:p>
-          <a:p>
-            <a:r>
-              <a:rPr lang="en-GB" dirty="0">
-                <a:solidFill>
-                  <a:schemeClr val="bg1"/>
-                </a:solidFill>
-              </a:rPr>
-              <a:t>B.    Exception</a:t>
-            </a:r>
-          </a:p>
-          <a:p>
-            <a:r>
-              <a:rPr lang="en-GB" dirty="0">
-                <a:solidFill>
-                  <a:schemeClr val="bg1"/>
-                </a:solidFill>
-              </a:rPr>
-              <a:t>       This is a test exception</a:t>
-            </a:r>
-          </a:p>
-        </p:txBody>
-      </p:sp>
     </p:spTree>
     <p:extLst>
       <p:ext uri="{BB962C8B-B14F-4D97-AF65-F5344CB8AC3E}">
-        <p14:creationId xmlns:p14="http://schemas.microsoft.com/office/powerpoint/2010/main" val="2434182149"/>
+        <p14:creationId xmlns:p14="http://schemas.microsoft.com/office/powerpoint/2010/main" val="3499656894"/>
       </p:ext>
     </p:extLst>
   </p:cSld>
@@ -14298,74 +13892,43 @@
       </p:grpSpPr>
       <p:sp>
         <p:nvSpPr>
-          <p:cNvPr id="4" name="TextBox 3">
-            <a:extLst>
-              <a:ext uri="{FF2B5EF4-FFF2-40B4-BE49-F238E27FC236}">
-                <a16:creationId xmlns:a16="http://schemas.microsoft.com/office/drawing/2014/main" id="{18767206-9205-42D0-A2AE-5A1017D4CB08}"/>
-              </a:ext>
-            </a:extLst>
-          </p:cNvPr>
-          <p:cNvSpPr txBox="1"/>
-          <p:nvPr/>
+          <p:cNvPr id="2" name="Title 1">
+            <a:extLst>
+              <a:ext uri="{FF2B5EF4-FFF2-40B4-BE49-F238E27FC236}">
+                <a16:creationId xmlns:a16="http://schemas.microsoft.com/office/drawing/2014/main" id="{267862F2-D4D4-4F5B-B69F-65226C837768}"/>
+              </a:ext>
+            </a:extLst>
+          </p:cNvPr>
+          <p:cNvSpPr>
+            <a:spLocks noGrp="1"/>
+          </p:cNvSpPr>
+          <p:nvPr>
+            <p:ph type="ctrTitle"/>
+          </p:nvPr>
         </p:nvSpPr>
         <p:spPr>
           <a:xfrm>
-            <a:off x="145775" y="132522"/>
-            <a:ext cx="11781182" cy="3539430"/>
+            <a:off x="1524000" y="1122363"/>
+            <a:ext cx="9144000" cy="1991898"/>
           </a:xfrm>
-          <a:prstGeom prst="rect">
-            <a:avLst/>
-          </a:prstGeom>
-          <a:noFill/>
         </p:spPr>
         <p:txBody>
-          <a:bodyPr wrap="square" rtlCol="0">
-            <a:spAutoFit/>
+          <a:bodyPr>
+            <a:normAutofit/>
           </a:bodyPr>
           <a:lstStyle/>
           <a:p>
             <a:r>
-              <a:rPr lang="en-GB" sz="3200" b="1" dirty="0" err="1"/>
-              <a:t>Task.Run</a:t>
-            </a:r>
-            <a:endParaRPr lang="en-GB" sz="3200" b="1" dirty="0"/>
-          </a:p>
-          <a:p>
-            <a:endParaRPr lang="en-GB" sz="3200" b="1" dirty="0"/>
-          </a:p>
-          <a:p>
-            <a:r>
-              <a:rPr lang="en-GB" sz="3200" b="1" dirty="0" err="1"/>
-              <a:t>Task.Start</a:t>
-            </a:r>
-            <a:endParaRPr lang="en-GB" sz="3200" b="1" dirty="0"/>
-          </a:p>
-          <a:p>
-            <a:endParaRPr lang="en-GB" sz="3200" b="1" dirty="0"/>
-          </a:p>
-          <a:p>
-            <a:r>
-              <a:rPr lang="en-GB" sz="3200" b="1" dirty="0" err="1"/>
-              <a:t>Task.Wait</a:t>
-            </a:r>
-            <a:endParaRPr lang="en-GB" sz="3200" b="1" dirty="0"/>
-          </a:p>
-          <a:p>
-            <a:endParaRPr lang="en-GB" sz="3200" b="1" dirty="0"/>
-          </a:p>
-          <a:p>
-            <a:r>
-              <a:rPr lang="en-GB" sz="3200" b="1" dirty="0" err="1"/>
-              <a:t>Task.RunSynchronously</a:t>
-            </a:r>
-            <a:endParaRPr lang="en-GB" sz="3200" b="1" dirty="0"/>
+              <a:rPr lang="en-GB" dirty="0"/>
+              <a:t>CPU-bound vs I/O-bound operations</a:t>
+            </a:r>
           </a:p>
         </p:txBody>
       </p:sp>
     </p:spTree>
     <p:extLst>
       <p:ext uri="{BB962C8B-B14F-4D97-AF65-F5344CB8AC3E}">
-        <p14:creationId xmlns:p14="http://schemas.microsoft.com/office/powerpoint/2010/main" val="1477074202"/>
+        <p14:creationId xmlns:p14="http://schemas.microsoft.com/office/powerpoint/2010/main" val="241573146"/>
       </p:ext>
     </p:extLst>
   </p:cSld>
@@ -14434,17 +13997,92 @@
                   <a:schemeClr val="bg1"/>
                 </a:solidFill>
               </a:rPr>
-              <a:t>Question E </a:t>
+              <a:t>Question B </a:t>
+            </a:r>
+          </a:p>
+        </p:txBody>
+      </p:sp>
+      <p:sp>
+        <p:nvSpPr>
+          <p:cNvPr id="11" name="TextBox 10">
+            <a:extLst>
+              <a:ext uri="{FF2B5EF4-FFF2-40B4-BE49-F238E27FC236}">
+                <a16:creationId xmlns:a16="http://schemas.microsoft.com/office/drawing/2014/main" id="{8CFFC453-63D5-4985-9376-BE7589A7509A}"/>
+              </a:ext>
+            </a:extLst>
+          </p:cNvPr>
+          <p:cNvSpPr txBox="1"/>
+          <p:nvPr/>
+        </p:nvSpPr>
+        <p:spPr>
+          <a:xfrm>
+            <a:off x="7594559" y="1134296"/>
+            <a:ext cx="4395277" cy="1477328"/>
+          </a:xfrm>
+          <a:prstGeom prst="rect">
+            <a:avLst/>
+          </a:prstGeom>
+          <a:noFill/>
+        </p:spPr>
+        <p:txBody>
+          <a:bodyPr wrap="square" rtlCol="0">
+            <a:spAutoFit/>
+          </a:bodyPr>
+          <a:lstStyle/>
+          <a:p>
+            <a:r>
+              <a:rPr lang="en-GB" dirty="0">
+                <a:solidFill>
+                  <a:schemeClr val="bg1"/>
+                </a:solidFill>
+              </a:rPr>
+              <a:t>The answer is</a:t>
+            </a:r>
+          </a:p>
+          <a:p>
+            <a:endParaRPr lang="en-GB" dirty="0">
+              <a:solidFill>
+                <a:schemeClr val="bg1"/>
+              </a:solidFill>
+            </a:endParaRPr>
+          </a:p>
+          <a:p>
+            <a:pPr marL="342900" indent="-342900">
+              <a:buFont typeface="+mj-lt"/>
+              <a:buAutoNum type="alphaUcPeriod"/>
+            </a:pPr>
+            <a:r>
+              <a:rPr lang="en-GB" dirty="0" err="1">
+                <a:solidFill>
+                  <a:schemeClr val="bg1"/>
+                </a:solidFill>
+              </a:rPr>
+              <a:t>AggregateException</a:t>
+            </a:r>
+            <a:br>
+              <a:rPr lang="en-GB" dirty="0">
+                <a:solidFill>
+                  <a:schemeClr val="bg1"/>
+                </a:solidFill>
+              </a:rPr>
+            </a:br>
+            <a:r>
+              <a:rPr lang="en-GB" dirty="0">
+                <a:solidFill>
+                  <a:schemeClr val="bg1"/>
+                </a:solidFill>
+              </a:rPr>
+              <a:t>One or more errors occurred. (This is a test exception)</a:t>
             </a:r>
           </a:p>
         </p:txBody>
       </p:sp>
       <p:pic>
         <p:nvPicPr>
-          <p:cNvPr id="2" name="Picture 1">
-            <a:extLst>
-              <a:ext uri="{FF2B5EF4-FFF2-40B4-BE49-F238E27FC236}">
-                <a16:creationId xmlns:a16="http://schemas.microsoft.com/office/drawing/2014/main" id="{90A699AA-731A-4038-9820-EAAACC5CEBE5}"/>
+          <p:cNvPr id="3" name="Picture 2">
+            <a:extLst>
+              <a:ext uri="{FF2B5EF4-FFF2-40B4-BE49-F238E27FC236}">
+                <a16:creationId xmlns:a16="http://schemas.microsoft.com/office/drawing/2014/main" id="{432803C7-99F7-43EC-8962-4A640D9CB98B}"/>
               </a:ext>
             </a:extLst>
           </p:cNvPr>
@@ -14461,172 +14099,18 @@
         </p:blipFill>
         <p:spPr>
           <a:xfrm>
-            <a:off x="319584" y="1134296"/>
-            <a:ext cx="7990594" cy="4950471"/>
+            <a:off x="318052" y="856001"/>
+            <a:ext cx="7276507" cy="5730720"/>
           </a:xfrm>
           <a:prstGeom prst="rect">
             <a:avLst/>
           </a:prstGeom>
         </p:spPr>
       </p:pic>
-      <p:sp>
-        <p:nvSpPr>
-          <p:cNvPr id="11" name="TextBox 10">
-            <a:extLst>
-              <a:ext uri="{FF2B5EF4-FFF2-40B4-BE49-F238E27FC236}">
-                <a16:creationId xmlns:a16="http://schemas.microsoft.com/office/drawing/2014/main" id="{8CFFC453-63D5-4985-9376-BE7589A7509A}"/>
-              </a:ext>
-            </a:extLst>
-          </p:cNvPr>
-          <p:cNvSpPr txBox="1"/>
-          <p:nvPr/>
-        </p:nvSpPr>
-        <p:spPr>
-          <a:xfrm>
-            <a:off x="7594560" y="427262"/>
-            <a:ext cx="4395277" cy="3693319"/>
-          </a:xfrm>
-          <a:prstGeom prst="rect">
-            <a:avLst/>
-          </a:prstGeom>
-          <a:noFill/>
-        </p:spPr>
-        <p:txBody>
-          <a:bodyPr wrap="square" rtlCol="0">
-            <a:spAutoFit/>
-          </a:bodyPr>
-          <a:lstStyle/>
-          <a:p>
-            <a:r>
-              <a:rPr lang="en-GB" dirty="0">
-                <a:solidFill>
-                  <a:schemeClr val="bg1"/>
-                </a:solidFill>
-              </a:rPr>
-              <a:t>What will be the output of this method?</a:t>
-            </a:r>
-          </a:p>
-          <a:p>
-            <a:endParaRPr lang="en-GB" dirty="0">
-              <a:solidFill>
-                <a:schemeClr val="bg1"/>
-              </a:solidFill>
-            </a:endParaRPr>
-          </a:p>
-          <a:p>
-            <a:pPr marL="342900" indent="-342900">
-              <a:buFont typeface="+mj-lt"/>
-              <a:buAutoNum type="alphaUcPeriod"/>
-            </a:pPr>
-            <a:r>
-              <a:rPr lang="en-GB" dirty="0" err="1">
-                <a:solidFill>
-                  <a:schemeClr val="bg1"/>
-                </a:solidFill>
-              </a:rPr>
-              <a:t>AggregateException</a:t>
-            </a:r>
-            <a:br>
-              <a:rPr lang="en-GB" dirty="0">
-                <a:solidFill>
-                  <a:schemeClr val="bg1"/>
-                </a:solidFill>
-              </a:rPr>
-            </a:br>
-            <a:r>
-              <a:rPr lang="en-GB" dirty="0">
-                <a:solidFill>
-                  <a:schemeClr val="bg1"/>
-                </a:solidFill>
-              </a:rPr>
-              <a:t>One or more errors occurred. (This is a test exception)</a:t>
-            </a:r>
-            <a:br>
-              <a:rPr lang="en-GB" dirty="0">
-                <a:solidFill>
-                  <a:schemeClr val="bg1"/>
-                </a:solidFill>
-              </a:rPr>
-            </a:br>
-            <a:endParaRPr lang="en-GB" dirty="0">
-              <a:solidFill>
-                <a:schemeClr val="bg1"/>
-              </a:solidFill>
-            </a:endParaRPr>
-          </a:p>
-          <a:p>
-            <a:pPr marL="342900" indent="-342900">
-              <a:buFont typeface="+mj-lt"/>
-              <a:buAutoNum type="alphaUcPeriod"/>
-            </a:pPr>
-            <a:r>
-              <a:rPr lang="en-GB" dirty="0">
-                <a:solidFill>
-                  <a:schemeClr val="bg1"/>
-                </a:solidFill>
-              </a:rPr>
-              <a:t>Exception</a:t>
-            </a:r>
-          </a:p>
-          <a:p>
-            <a:r>
-              <a:rPr lang="en-GB" dirty="0">
-                <a:solidFill>
-                  <a:schemeClr val="bg1"/>
-                </a:solidFill>
-              </a:rPr>
-              <a:t>       This is a test exception</a:t>
-            </a:r>
-          </a:p>
-          <a:p>
-            <a:endParaRPr lang="en-GB" dirty="0">
-              <a:solidFill>
-                <a:schemeClr val="bg1"/>
-              </a:solidFill>
-            </a:endParaRPr>
-          </a:p>
-          <a:p>
-            <a:pPr marL="342900" indent="-342900">
-              <a:buAutoNum type="alphaUcPeriod" startAt="3"/>
-            </a:pPr>
-            <a:r>
-              <a:rPr lang="en-GB" dirty="0">
-                <a:solidFill>
-                  <a:schemeClr val="bg1"/>
-                </a:solidFill>
-              </a:rPr>
-              <a:t>An uncaught exception is thrown and can     be caught in the calling method</a:t>
-            </a:r>
-          </a:p>
-          <a:p>
-            <a:pPr marL="342900" indent="-342900">
-              <a:buAutoNum type="alphaUcPeriod" startAt="3"/>
-            </a:pPr>
-            <a:endParaRPr lang="en-GB" dirty="0">
-              <a:solidFill>
-                <a:schemeClr val="bg1"/>
-              </a:solidFill>
-            </a:endParaRPr>
-          </a:p>
-          <a:p>
-            <a:pPr marL="342900" indent="-342900">
-              <a:buAutoNum type="alphaUcPeriod" startAt="3"/>
-            </a:pPr>
-            <a:r>
-              <a:rPr lang="en-GB" dirty="0">
-                <a:solidFill>
-                  <a:schemeClr val="bg1"/>
-                </a:solidFill>
-              </a:rPr>
-              <a:t>None of the above.</a:t>
-            </a:r>
-          </a:p>
-        </p:txBody>
-      </p:sp>
     </p:spTree>
     <p:extLst>
       <p:ext uri="{BB962C8B-B14F-4D97-AF65-F5344CB8AC3E}">
-        <p14:creationId xmlns:p14="http://schemas.microsoft.com/office/powerpoint/2010/main" val="1187676409"/>
+        <p14:creationId xmlns:p14="http://schemas.microsoft.com/office/powerpoint/2010/main" val="3404830297"/>
       </p:ext>
     </p:extLst>
   </p:cSld>
@@ -14695,7 +14179,7 @@
                   <a:schemeClr val="bg1"/>
                 </a:solidFill>
               </a:rPr>
-              <a:t>Question E </a:t>
+              <a:t>Question C </a:t>
             </a:r>
           </a:p>
         </p:txBody>
@@ -14705,7 +14189,7 @@
           <p:cNvPr id="2" name="Picture 1">
             <a:extLst>
               <a:ext uri="{FF2B5EF4-FFF2-40B4-BE49-F238E27FC236}">
-                <a16:creationId xmlns:a16="http://schemas.microsoft.com/office/drawing/2014/main" id="{90A699AA-731A-4038-9820-EAAACC5CEBE5}"/>
+                <a16:creationId xmlns:a16="http://schemas.microsoft.com/office/drawing/2014/main" id="{0BD97387-E99A-4C89-B42D-BC08349EDEC6}"/>
               </a:ext>
             </a:extLst>
           </p:cNvPr>
@@ -14722,8 +14206,8 @@
         </p:blipFill>
         <p:spPr>
           <a:xfrm>
-            <a:off x="319584" y="1134296"/>
-            <a:ext cx="7990594" cy="4950471"/>
+            <a:off x="182759" y="1134296"/>
+            <a:ext cx="7458242" cy="4137792"/>
           </a:xfrm>
           <a:prstGeom prst="rect">
             <a:avLst/>
@@ -14732,10 +14216,10 @@
       </p:pic>
       <p:sp>
         <p:nvSpPr>
-          <p:cNvPr id="11" name="TextBox 10">
-            <a:extLst>
-              <a:ext uri="{FF2B5EF4-FFF2-40B4-BE49-F238E27FC236}">
-                <a16:creationId xmlns:a16="http://schemas.microsoft.com/office/drawing/2014/main" id="{8CFFC453-63D5-4985-9376-BE7589A7509A}"/>
+          <p:cNvPr id="7" name="TextBox 6">
+            <a:extLst>
+              <a:ext uri="{FF2B5EF4-FFF2-40B4-BE49-F238E27FC236}">
+                <a16:creationId xmlns:a16="http://schemas.microsoft.com/office/drawing/2014/main" id="{03A1D1DE-A63C-4D8F-ADAD-04407E8AFDBC}"/>
               </a:ext>
             </a:extLst>
           </p:cNvPr>
@@ -14744,8 +14228,8 @@
         </p:nvSpPr>
         <p:spPr>
           <a:xfrm>
-            <a:off x="7594560" y="427262"/>
-            <a:ext cx="4395277" cy="1200329"/>
+            <a:off x="7594559" y="1134296"/>
+            <a:ext cx="4395277" cy="3693319"/>
           </a:xfrm>
           <a:prstGeom prst="rect">
             <a:avLst/>
@@ -14764,7 +14248,7 @@
                   <a:schemeClr val="bg1"/>
                 </a:solidFill>
               </a:rPr>
-              <a:t>The answer is</a:t>
+              <a:t>What will be the output of this method?</a:t>
             </a:r>
           </a:p>
           <a:p>
@@ -14775,13 +14259,58 @@
             </a:endParaRPr>
           </a:p>
           <a:p>
-            <a:r>
+            <a:pPr marL="342900" indent="-342900">
+              <a:buFont typeface="+mj-lt"/>
+              <a:buAutoNum type="alphaUcPeriod"/>
+            </a:pPr>
+            <a:r>
+              <a:rPr lang="en-GB" dirty="0" err="1">
+                <a:solidFill>
+                  <a:schemeClr val="bg1"/>
+                </a:solidFill>
+              </a:rPr>
+              <a:t>AggregateException</a:t>
+            </a:r>
+            <a:br>
               <a:rPr lang="en-GB" dirty="0">
                 <a:solidFill>
                   <a:schemeClr val="bg1"/>
                 </a:solidFill>
               </a:rPr>
-              <a:t>B.    Exception</a:t>
+            </a:br>
+            <a:r>
+              <a:rPr lang="en-GB" dirty="0">
+                <a:solidFill>
+                  <a:schemeClr val="bg1"/>
+                </a:solidFill>
+              </a:rPr>
+              <a:t>One or more errors occurred. (This is a test exception)</a:t>
+            </a:r>
+            <a:br>
+              <a:rPr lang="en-GB" dirty="0">
+                <a:solidFill>
+                  <a:schemeClr val="bg1"/>
+                </a:solidFill>
+              </a:rPr>
+            </a:br>
+            <a:endParaRPr lang="en-GB" dirty="0">
+              <a:solidFill>
+                <a:schemeClr val="bg1"/>
+              </a:solidFill>
+            </a:endParaRPr>
+          </a:p>
+          <a:p>
+            <a:pPr marL="342900" indent="-342900">
+              <a:buFont typeface="+mj-lt"/>
+              <a:buAutoNum type="alphaUcPeriod"/>
+            </a:pPr>
+            <a:r>
+              <a:rPr lang="en-GB" dirty="0">
+                <a:solidFill>
+                  <a:schemeClr val="bg1"/>
+                </a:solidFill>
+              </a:rPr>
+              <a:t>Exception</a:t>
             </a:r>
           </a:p>
           <a:p>
@@ -14792,6 +14321,49 @@
                 </a:solidFill>
               </a:rPr>
               <a:t>       This is a test exception</a:t>
+            </a:r>
+          </a:p>
+          <a:p>
+            <a:endParaRPr lang="en-GB" dirty="0">
+              <a:solidFill>
+                <a:schemeClr val="bg1"/>
+              </a:solidFill>
+            </a:endParaRPr>
+          </a:p>
+          <a:p>
+            <a:pPr marL="342900" indent="-342900">
+              <a:buAutoNum type="alphaUcPeriod" startAt="3"/>
+            </a:pPr>
+            <a:r>
+              <a:rPr lang="en-GB" dirty="0">
+                <a:solidFill>
+                  <a:schemeClr val="bg1"/>
+                </a:solidFill>
+              </a:rPr>
+              <a:t>An uncaught exception is thrown and can     be caught in the calling method</a:t>
+            </a:r>
+          </a:p>
+          <a:p>
+            <a:pPr marL="342900" indent="-342900">
+              <a:buAutoNum type="alphaUcPeriod" startAt="3"/>
+            </a:pPr>
+            <a:endParaRPr lang="en-GB" dirty="0">
+              <a:solidFill>
+                <a:schemeClr val="bg1"/>
+              </a:solidFill>
+            </a:endParaRPr>
+          </a:p>
+          <a:p>
+            <a:pPr marL="342900" indent="-342900">
+              <a:buAutoNum type="alphaUcPeriod" startAt="3"/>
+            </a:pPr>
+            <a:r>
+              <a:rPr lang="en-GB" dirty="0">
+                <a:solidFill>
+                  <a:schemeClr val="bg1"/>
+                </a:solidFill>
+              </a:rPr>
+              <a:t>None of the above.</a:t>
             </a:r>
           </a:p>
         </p:txBody>
@@ -14799,7 +14371,7 @@
     </p:spTree>
     <p:extLst>
       <p:ext uri="{BB962C8B-B14F-4D97-AF65-F5344CB8AC3E}">
-        <p14:creationId xmlns:p14="http://schemas.microsoft.com/office/powerpoint/2010/main" val="279637444"/>
+        <p14:creationId xmlns:p14="http://schemas.microsoft.com/office/powerpoint/2010/main" val="1418100917"/>
       </p:ext>
     </p:extLst>
   </p:cSld>
@@ -14868,7 +14440,7 @@
                   <a:schemeClr val="bg1"/>
                 </a:solidFill>
               </a:rPr>
-              <a:t>Question F </a:t>
+              <a:t>Question C </a:t>
             </a:r>
           </a:p>
         </p:txBody>
@@ -14887,8 +14459,8 @@
         </p:nvSpPr>
         <p:spPr>
           <a:xfrm>
-            <a:off x="7315200" y="611928"/>
-            <a:ext cx="4395277" cy="3693319"/>
+            <a:off x="7594559" y="1134296"/>
+            <a:ext cx="4395277" cy="1200329"/>
           </a:xfrm>
           <a:prstGeom prst="rect">
             <a:avLst/>
@@ -14907,7 +14479,7 @@
                   <a:schemeClr val="bg1"/>
                 </a:solidFill>
               </a:rPr>
-              <a:t>What will be the output of this method?</a:t>
+              <a:t>The answer is </a:t>
             </a:r>
           </a:p>
           <a:p>
@@ -14918,58 +14490,13 @@
             </a:endParaRPr>
           </a:p>
           <a:p>
-            <a:pPr marL="342900" indent="-342900">
-              <a:buFont typeface="+mj-lt"/>
-              <a:buAutoNum type="alphaUcPeriod"/>
-            </a:pPr>
-            <a:r>
-              <a:rPr lang="en-GB" dirty="0" err="1">
+            <a:r>
+              <a:rPr lang="en-GB" dirty="0">
                 <a:solidFill>
                   <a:schemeClr val="bg1"/>
                 </a:solidFill>
               </a:rPr>
-              <a:t>AggregateException</a:t>
-            </a:r>
-            <a:br>
-              <a:rPr lang="en-GB" dirty="0">
-                <a:solidFill>
-                  <a:schemeClr val="bg1"/>
-                </a:solidFill>
-              </a:rPr>
-            </a:br>
-            <a:r>
-              <a:rPr lang="en-GB" dirty="0">
-                <a:solidFill>
-                  <a:schemeClr val="bg1"/>
-                </a:solidFill>
-              </a:rPr>
-              <a:t>One or more errors occurred. (This is a test exception)</a:t>
-            </a:r>
-            <a:br>
-              <a:rPr lang="en-GB" dirty="0">
-                <a:solidFill>
-                  <a:schemeClr val="bg1"/>
-                </a:solidFill>
-              </a:rPr>
-            </a:br>
-            <a:endParaRPr lang="en-GB" dirty="0">
-              <a:solidFill>
-                <a:schemeClr val="bg1"/>
-              </a:solidFill>
-            </a:endParaRPr>
-          </a:p>
-          <a:p>
-            <a:pPr marL="342900" indent="-342900">
-              <a:buFont typeface="+mj-lt"/>
-              <a:buAutoNum type="alphaUcPeriod"/>
-            </a:pPr>
-            <a:r>
-              <a:rPr lang="en-GB" dirty="0">
-                <a:solidFill>
-                  <a:schemeClr val="bg1"/>
-                </a:solidFill>
-              </a:rPr>
-              <a:t>Exception</a:t>
+              <a:t>B.    Exception</a:t>
             </a:r>
           </a:p>
           <a:p>
@@ -14980,59 +14507,16 @@
                 </a:solidFill>
               </a:rPr>
               <a:t>       This is a test exception</a:t>
-            </a:r>
-          </a:p>
-          <a:p>
-            <a:endParaRPr lang="en-GB" dirty="0">
-              <a:solidFill>
-                <a:schemeClr val="bg1"/>
-              </a:solidFill>
-            </a:endParaRPr>
-          </a:p>
-          <a:p>
-            <a:pPr marL="342900" indent="-342900">
-              <a:buAutoNum type="alphaUcPeriod" startAt="3"/>
-            </a:pPr>
-            <a:r>
-              <a:rPr lang="en-GB" dirty="0">
-                <a:solidFill>
-                  <a:schemeClr val="bg1"/>
-                </a:solidFill>
-              </a:rPr>
-              <a:t>An uncaught exception is thrown and can     be caught in the calling method</a:t>
-            </a:r>
-          </a:p>
-          <a:p>
-            <a:pPr marL="342900" indent="-342900">
-              <a:buAutoNum type="alphaUcPeriod" startAt="3"/>
-            </a:pPr>
-            <a:endParaRPr lang="en-GB" dirty="0">
-              <a:solidFill>
-                <a:schemeClr val="bg1"/>
-              </a:solidFill>
-            </a:endParaRPr>
-          </a:p>
-          <a:p>
-            <a:pPr marL="342900" indent="-342900">
-              <a:buAutoNum type="alphaUcPeriod" startAt="3"/>
-            </a:pPr>
-            <a:r>
-              <a:rPr lang="en-GB" dirty="0">
-                <a:solidFill>
-                  <a:schemeClr val="bg1"/>
-                </a:solidFill>
-              </a:rPr>
-              <a:t>None of the above.</a:t>
             </a:r>
           </a:p>
         </p:txBody>
       </p:sp>
       <p:pic>
         <p:nvPicPr>
-          <p:cNvPr id="3" name="Picture 2">
-            <a:extLst>
-              <a:ext uri="{FF2B5EF4-FFF2-40B4-BE49-F238E27FC236}">
-                <a16:creationId xmlns:a16="http://schemas.microsoft.com/office/drawing/2014/main" id="{43E8D191-B02F-4E58-8780-AAD86241E0B7}"/>
+          <p:cNvPr id="2" name="Picture 1">
+            <a:extLst>
+              <a:ext uri="{FF2B5EF4-FFF2-40B4-BE49-F238E27FC236}">
+                <a16:creationId xmlns:a16="http://schemas.microsoft.com/office/drawing/2014/main" id="{0BD97387-E99A-4C89-B42D-BC08349EDEC6}"/>
               </a:ext>
             </a:extLst>
           </p:cNvPr>
@@ -15049,8 +14533,8 @@
         </p:blipFill>
         <p:spPr>
           <a:xfrm>
-            <a:off x="251818" y="1041887"/>
-            <a:ext cx="6585240" cy="2022610"/>
+            <a:off x="182759" y="1134296"/>
+            <a:ext cx="7458242" cy="4137792"/>
           </a:xfrm>
           <a:prstGeom prst="rect">
             <a:avLst/>
@@ -15060,7 +14544,7 @@
     </p:spTree>
     <p:extLst>
       <p:ext uri="{BB962C8B-B14F-4D97-AF65-F5344CB8AC3E}">
-        <p14:creationId xmlns:p14="http://schemas.microsoft.com/office/powerpoint/2010/main" val="4036305656"/>
+        <p14:creationId xmlns:p14="http://schemas.microsoft.com/office/powerpoint/2010/main" val="1175724501"/>
       </p:ext>
     </p:extLst>
   </p:cSld>
@@ -15129,80 +14613,7 @@
                   <a:schemeClr val="bg1"/>
                 </a:solidFill>
               </a:rPr>
-              <a:t>Question F </a:t>
-            </a:r>
-          </a:p>
-        </p:txBody>
-      </p:sp>
-      <p:sp>
-        <p:nvSpPr>
-          <p:cNvPr id="11" name="TextBox 10">
-            <a:extLst>
-              <a:ext uri="{FF2B5EF4-FFF2-40B4-BE49-F238E27FC236}">
-                <a16:creationId xmlns:a16="http://schemas.microsoft.com/office/drawing/2014/main" id="{8CFFC453-63D5-4985-9376-BE7589A7509A}"/>
-              </a:ext>
-            </a:extLst>
-          </p:cNvPr>
-          <p:cNvSpPr txBox="1"/>
-          <p:nvPr/>
-        </p:nvSpPr>
-        <p:spPr>
-          <a:xfrm>
-            <a:off x="7072313" y="611928"/>
-            <a:ext cx="4917524" cy="2031325"/>
-          </a:xfrm>
-          <a:prstGeom prst="rect">
-            <a:avLst/>
-          </a:prstGeom>
-          <a:noFill/>
-        </p:spPr>
-        <p:txBody>
-          <a:bodyPr wrap="square" rtlCol="0">
-            <a:spAutoFit/>
-          </a:bodyPr>
-          <a:lstStyle/>
-          <a:p>
-            <a:r>
-              <a:rPr lang="en-GB" dirty="0">
-                <a:solidFill>
-                  <a:schemeClr val="bg1"/>
-                </a:solidFill>
-              </a:rPr>
-              <a:t>The answer is</a:t>
-            </a:r>
-          </a:p>
-          <a:p>
-            <a:endParaRPr lang="en-GB" dirty="0">
-              <a:solidFill>
-                <a:schemeClr val="bg1"/>
-              </a:solidFill>
-            </a:endParaRPr>
-          </a:p>
-          <a:p>
-            <a:r>
-              <a:rPr lang="en-GB" dirty="0">
-                <a:solidFill>
-                  <a:schemeClr val="bg1"/>
-                </a:solidFill>
-              </a:rPr>
-              <a:t>D. None of the above.</a:t>
-            </a:r>
-          </a:p>
-          <a:p>
-            <a:endParaRPr lang="en-GB" dirty="0">
-              <a:solidFill>
-                <a:schemeClr val="bg1"/>
-              </a:solidFill>
-            </a:endParaRPr>
-          </a:p>
-          <a:p>
-            <a:r>
-              <a:rPr lang="en-GB" dirty="0">
-                <a:solidFill>
-                  <a:schemeClr val="bg1"/>
-                </a:solidFill>
-              </a:rPr>
-              <a:t>It will completely terminate the process. It won't throw a visible exception and will completely kill the application/debugger.</a:t>
+              <a:t>Question D </a:t>
             </a:r>
           </a:p>
         </p:txBody>
@@ -15212,7 +14623,7 @@
           <p:cNvPr id="3" name="Picture 2">
             <a:extLst>
               <a:ext uri="{FF2B5EF4-FFF2-40B4-BE49-F238E27FC236}">
-                <a16:creationId xmlns:a16="http://schemas.microsoft.com/office/drawing/2014/main" id="{43E8D191-B02F-4E58-8780-AAD86241E0B7}"/>
+                <a16:creationId xmlns:a16="http://schemas.microsoft.com/office/drawing/2014/main" id="{023A3C97-5944-49CC-9172-ACD496B4F256}"/>
               </a:ext>
             </a:extLst>
           </p:cNvPr>
@@ -15229,18 +14640,172 @@
         </p:blipFill>
         <p:spPr>
           <a:xfrm>
-            <a:off x="251818" y="1041887"/>
-            <a:ext cx="6585240" cy="2022610"/>
+            <a:off x="148167" y="1134296"/>
+            <a:ext cx="7567083" cy="4637890"/>
           </a:xfrm>
           <a:prstGeom prst="rect">
             <a:avLst/>
           </a:prstGeom>
         </p:spPr>
       </p:pic>
+      <p:sp>
+        <p:nvSpPr>
+          <p:cNvPr id="11" name="TextBox 10">
+            <a:extLst>
+              <a:ext uri="{FF2B5EF4-FFF2-40B4-BE49-F238E27FC236}">
+                <a16:creationId xmlns:a16="http://schemas.microsoft.com/office/drawing/2014/main" id="{8CFFC453-63D5-4985-9376-BE7589A7509A}"/>
+              </a:ext>
+            </a:extLst>
+          </p:cNvPr>
+          <p:cNvSpPr txBox="1"/>
+          <p:nvPr/>
+        </p:nvSpPr>
+        <p:spPr>
+          <a:xfrm>
+            <a:off x="7594559" y="1134296"/>
+            <a:ext cx="4395277" cy="3693319"/>
+          </a:xfrm>
+          <a:prstGeom prst="rect">
+            <a:avLst/>
+          </a:prstGeom>
+          <a:noFill/>
+        </p:spPr>
+        <p:txBody>
+          <a:bodyPr wrap="square" rtlCol="0">
+            <a:spAutoFit/>
+          </a:bodyPr>
+          <a:lstStyle/>
+          <a:p>
+            <a:r>
+              <a:rPr lang="en-GB" dirty="0">
+                <a:solidFill>
+                  <a:schemeClr val="bg1"/>
+                </a:solidFill>
+              </a:rPr>
+              <a:t>What will be the output of this method?</a:t>
+            </a:r>
+          </a:p>
+          <a:p>
+            <a:endParaRPr lang="en-GB" dirty="0">
+              <a:solidFill>
+                <a:schemeClr val="bg1"/>
+              </a:solidFill>
+            </a:endParaRPr>
+          </a:p>
+          <a:p>
+            <a:pPr marL="342900" indent="-342900">
+              <a:buFont typeface="+mj-lt"/>
+              <a:buAutoNum type="alphaUcPeriod"/>
+            </a:pPr>
+            <a:r>
+              <a:rPr lang="en-GB" dirty="0" err="1">
+                <a:solidFill>
+                  <a:schemeClr val="bg1"/>
+                </a:solidFill>
+              </a:rPr>
+              <a:t>AggregateException</a:t>
+            </a:r>
+            <a:br>
+              <a:rPr lang="en-GB" dirty="0">
+                <a:solidFill>
+                  <a:schemeClr val="bg1"/>
+                </a:solidFill>
+              </a:rPr>
+            </a:br>
+            <a:r>
+              <a:rPr lang="en-GB" dirty="0">
+                <a:solidFill>
+                  <a:schemeClr val="bg1"/>
+                </a:solidFill>
+              </a:rPr>
+              <a:t>One or more errors occurred. (This is a test exception)</a:t>
+            </a:r>
+            <a:br>
+              <a:rPr lang="en-GB" dirty="0">
+                <a:solidFill>
+                  <a:schemeClr val="bg1"/>
+                </a:solidFill>
+              </a:rPr>
+            </a:br>
+            <a:endParaRPr lang="en-GB" dirty="0">
+              <a:solidFill>
+                <a:schemeClr val="bg1"/>
+              </a:solidFill>
+            </a:endParaRPr>
+          </a:p>
+          <a:p>
+            <a:pPr marL="342900" indent="-342900">
+              <a:buFont typeface="+mj-lt"/>
+              <a:buAutoNum type="alphaUcPeriod"/>
+            </a:pPr>
+            <a:r>
+              <a:rPr lang="en-GB" dirty="0">
+                <a:solidFill>
+                  <a:schemeClr val="bg1"/>
+                </a:solidFill>
+              </a:rPr>
+              <a:t>Exception</a:t>
+            </a:r>
+          </a:p>
+          <a:p>
+            <a:r>
+              <a:rPr lang="en-GB" dirty="0">
+                <a:solidFill>
+                  <a:schemeClr val="bg1"/>
+                </a:solidFill>
+              </a:rPr>
+              <a:t>       This is a test exception</a:t>
+            </a:r>
+          </a:p>
+          <a:p>
+            <a:endParaRPr lang="en-GB" dirty="0">
+              <a:solidFill>
+                <a:schemeClr val="bg1"/>
+              </a:solidFill>
+            </a:endParaRPr>
+          </a:p>
+          <a:p>
+            <a:pPr marL="342900" indent="-342900">
+              <a:buAutoNum type="alphaUcPeriod" startAt="3"/>
+            </a:pPr>
+            <a:r>
+              <a:rPr lang="en-GB" dirty="0">
+                <a:solidFill>
+                  <a:schemeClr val="bg1"/>
+                </a:solidFill>
+              </a:rPr>
+              <a:t>An uncaught exception is thrown and can     be caught in the calling method</a:t>
+            </a:r>
+          </a:p>
+          <a:p>
+            <a:pPr marL="342900" indent="-342900">
+              <a:buAutoNum type="alphaUcPeriod" startAt="3"/>
+            </a:pPr>
+            <a:endParaRPr lang="en-GB" dirty="0">
+              <a:solidFill>
+                <a:schemeClr val="bg1"/>
+              </a:solidFill>
+            </a:endParaRPr>
+          </a:p>
+          <a:p>
+            <a:pPr marL="342900" indent="-342900">
+              <a:buAutoNum type="alphaUcPeriod" startAt="3"/>
+            </a:pPr>
+            <a:r>
+              <a:rPr lang="en-GB" dirty="0">
+                <a:solidFill>
+                  <a:schemeClr val="bg1"/>
+                </a:solidFill>
+              </a:rPr>
+              <a:t>None of the above.</a:t>
+            </a:r>
+          </a:p>
+        </p:txBody>
+      </p:sp>
     </p:spTree>
     <p:extLst>
       <p:ext uri="{BB962C8B-B14F-4D97-AF65-F5344CB8AC3E}">
-        <p14:creationId xmlns:p14="http://schemas.microsoft.com/office/powerpoint/2010/main" val="1848199452"/>
+        <p14:creationId xmlns:p14="http://schemas.microsoft.com/office/powerpoint/2010/main" val="3125393616"/>
       </p:ext>
     </p:extLst>
   </p:cSld>
@@ -15309,171 +14874,17 @@
                   <a:schemeClr val="bg1"/>
                 </a:solidFill>
               </a:rPr>
-              <a:t>Question G </a:t>
-            </a:r>
-          </a:p>
-        </p:txBody>
-      </p:sp>
-      <p:sp>
-        <p:nvSpPr>
-          <p:cNvPr id="11" name="TextBox 10">
-            <a:extLst>
-              <a:ext uri="{FF2B5EF4-FFF2-40B4-BE49-F238E27FC236}">
-                <a16:creationId xmlns:a16="http://schemas.microsoft.com/office/drawing/2014/main" id="{8CFFC453-63D5-4985-9376-BE7589A7509A}"/>
-              </a:ext>
-            </a:extLst>
-          </p:cNvPr>
-          <p:cNvSpPr txBox="1"/>
-          <p:nvPr/>
-        </p:nvSpPr>
-        <p:spPr>
-          <a:xfrm>
-            <a:off x="7315200" y="611928"/>
-            <a:ext cx="4395277" cy="3693319"/>
-          </a:xfrm>
-          <a:prstGeom prst="rect">
-            <a:avLst/>
-          </a:prstGeom>
-          <a:noFill/>
-        </p:spPr>
-        <p:txBody>
-          <a:bodyPr wrap="square" rtlCol="0">
-            <a:spAutoFit/>
-          </a:bodyPr>
-          <a:lstStyle/>
-          <a:p>
-            <a:r>
-              <a:rPr lang="en-GB" dirty="0">
-                <a:solidFill>
-                  <a:schemeClr val="bg1"/>
-                </a:solidFill>
-              </a:rPr>
-              <a:t>What will be the output of this method?</a:t>
-            </a:r>
-          </a:p>
-          <a:p>
-            <a:endParaRPr lang="en-GB" dirty="0">
-              <a:solidFill>
-                <a:schemeClr val="bg1"/>
-              </a:solidFill>
-            </a:endParaRPr>
-          </a:p>
-          <a:p>
-            <a:pPr marL="342900" indent="-342900">
-              <a:buFont typeface="+mj-lt"/>
-              <a:buAutoNum type="alphaUcPeriod"/>
-            </a:pPr>
-            <a:r>
-              <a:rPr lang="en-GB" dirty="0" err="1">
-                <a:solidFill>
-                  <a:schemeClr val="bg1"/>
-                </a:solidFill>
-              </a:rPr>
-              <a:t>AggregateException</a:t>
-            </a:r>
-            <a:br>
-              <a:rPr lang="en-GB" dirty="0">
-                <a:solidFill>
-                  <a:schemeClr val="bg1"/>
-                </a:solidFill>
-              </a:rPr>
-            </a:br>
-            <a:r>
-              <a:rPr lang="en-GB" dirty="0">
-                <a:solidFill>
-                  <a:schemeClr val="bg1"/>
-                </a:solidFill>
-              </a:rPr>
-              <a:t>One or more errors occurred. (This is a test exception)</a:t>
-            </a:r>
-            <a:br>
-              <a:rPr lang="en-GB" dirty="0">
-                <a:solidFill>
-                  <a:schemeClr val="bg1"/>
-                </a:solidFill>
-              </a:rPr>
-            </a:br>
-            <a:endParaRPr lang="en-GB" dirty="0">
-              <a:solidFill>
-                <a:schemeClr val="bg1"/>
-              </a:solidFill>
-            </a:endParaRPr>
-          </a:p>
-          <a:p>
-            <a:pPr marL="342900" indent="-342900">
-              <a:buFont typeface="+mj-lt"/>
-              <a:buAutoNum type="alphaUcPeriod"/>
-            </a:pPr>
-            <a:r>
-              <a:rPr lang="en-GB" dirty="0">
-                <a:solidFill>
-                  <a:schemeClr val="bg1"/>
-                </a:solidFill>
-              </a:rPr>
-              <a:t>Exception</a:t>
-            </a:r>
-          </a:p>
-          <a:p>
-            <a:r>
-              <a:rPr lang="en-GB" dirty="0">
-                <a:solidFill>
-                  <a:schemeClr val="bg1"/>
-                </a:solidFill>
-              </a:rPr>
-              <a:t>       This is a test exception</a:t>
-            </a:r>
-          </a:p>
-          <a:p>
-            <a:endParaRPr lang="en-GB" dirty="0">
-              <a:solidFill>
-                <a:schemeClr val="bg1"/>
-              </a:solidFill>
-            </a:endParaRPr>
-          </a:p>
-          <a:p>
-            <a:pPr marL="342900" indent="-342900">
-              <a:buAutoNum type="alphaUcPeriod" startAt="3"/>
-            </a:pPr>
-            <a:r>
-              <a:rPr lang="en-GB" dirty="0">
-                <a:solidFill>
-                  <a:schemeClr val="bg1"/>
-                </a:solidFill>
-              </a:rPr>
-              <a:t>An uncaught exception is thrown and can     be caught in the calling method</a:t>
-            </a:r>
-          </a:p>
-          <a:p>
-            <a:pPr marL="342900" indent="-342900">
-              <a:buAutoNum type="alphaUcPeriod" startAt="3"/>
-            </a:pPr>
-            <a:endParaRPr lang="en-GB" dirty="0">
-              <a:solidFill>
-                <a:schemeClr val="bg1"/>
-              </a:solidFill>
-            </a:endParaRPr>
-          </a:p>
-          <a:p>
-            <a:pPr marL="342900" indent="-342900">
-              <a:buAutoNum type="alphaUcPeriod" startAt="3"/>
-            </a:pPr>
-            <a:r>
-              <a:rPr lang="en-GB" dirty="0">
-                <a:solidFill>
-                  <a:schemeClr val="bg1"/>
-                </a:solidFill>
-              </a:rPr>
-              <a:t>None of the above.</a:t>
+              <a:t>Question D </a:t>
             </a:r>
           </a:p>
         </p:txBody>
       </p:sp>
       <p:pic>
         <p:nvPicPr>
-          <p:cNvPr id="4" name="Picture 3">
-            <a:extLst>
-              <a:ext uri="{FF2B5EF4-FFF2-40B4-BE49-F238E27FC236}">
-                <a16:creationId xmlns:a16="http://schemas.microsoft.com/office/drawing/2014/main" id="{69FDAEA4-F604-4A40-A20A-9E7E0E9E7C01}"/>
+          <p:cNvPr id="3" name="Picture 2">
+            <a:extLst>
+              <a:ext uri="{FF2B5EF4-FFF2-40B4-BE49-F238E27FC236}">
+                <a16:creationId xmlns:a16="http://schemas.microsoft.com/office/drawing/2014/main" id="{023A3C97-5944-49CC-9172-ACD496B4F256}"/>
               </a:ext>
             </a:extLst>
           </p:cNvPr>
@@ -15490,18 +14901,84 @@
         </p:blipFill>
         <p:spPr>
           <a:xfrm>
-            <a:off x="362130" y="1080051"/>
-            <a:ext cx="6673710" cy="1941443"/>
+            <a:off x="148167" y="1134296"/>
+            <a:ext cx="7681383" cy="4707945"/>
           </a:xfrm>
           <a:prstGeom prst="rect">
             <a:avLst/>
           </a:prstGeom>
         </p:spPr>
       </p:pic>
+      <p:sp>
+        <p:nvSpPr>
+          <p:cNvPr id="11" name="TextBox 10">
+            <a:extLst>
+              <a:ext uri="{FF2B5EF4-FFF2-40B4-BE49-F238E27FC236}">
+                <a16:creationId xmlns:a16="http://schemas.microsoft.com/office/drawing/2014/main" id="{8CFFC453-63D5-4985-9376-BE7589A7509A}"/>
+              </a:ext>
+            </a:extLst>
+          </p:cNvPr>
+          <p:cNvSpPr txBox="1"/>
+          <p:nvPr/>
+        </p:nvSpPr>
+        <p:spPr>
+          <a:xfrm>
+            <a:off x="7594559" y="1134296"/>
+            <a:ext cx="4395277" cy="1200329"/>
+          </a:xfrm>
+          <a:prstGeom prst="rect">
+            <a:avLst/>
+          </a:prstGeom>
+          <a:noFill/>
+        </p:spPr>
+        <p:txBody>
+          <a:bodyPr wrap="square" rtlCol="0">
+            <a:spAutoFit/>
+          </a:bodyPr>
+          <a:lstStyle/>
+          <a:p>
+            <a:r>
+              <a:rPr lang="en-GB" dirty="0">
+                <a:solidFill>
+                  <a:schemeClr val="bg1"/>
+                </a:solidFill>
+              </a:rPr>
+              <a:t>The answer is</a:t>
+            </a:r>
+          </a:p>
+          <a:p>
+            <a:endParaRPr lang="en-GB" dirty="0">
+              <a:solidFill>
+                <a:schemeClr val="bg1"/>
+              </a:solidFill>
+            </a:endParaRPr>
+          </a:p>
+          <a:p>
+            <a:r>
+              <a:rPr lang="en-GB" dirty="0">
+                <a:solidFill>
+                  <a:schemeClr val="bg1"/>
+                </a:solidFill>
+              </a:rPr>
+              <a:t>B.    Exception</a:t>
+            </a:r>
+          </a:p>
+          <a:p>
+            <a:r>
+              <a:rPr lang="en-GB" dirty="0">
+                <a:solidFill>
+                  <a:schemeClr val="bg1"/>
+                </a:solidFill>
+              </a:rPr>
+              <a:t>       This is a test exception</a:t>
+            </a:r>
+          </a:p>
+        </p:txBody>
+      </p:sp>
     </p:spTree>
     <p:extLst>
       <p:ext uri="{BB962C8B-B14F-4D97-AF65-F5344CB8AC3E}">
-        <p14:creationId xmlns:p14="http://schemas.microsoft.com/office/powerpoint/2010/main" val="2982457121"/>
+        <p14:creationId xmlns:p14="http://schemas.microsoft.com/office/powerpoint/2010/main" val="2434182149"/>
       </p:ext>
     </p:extLst>
   </p:cSld>
@@ -15570,120 +15047,17 @@
                   <a:schemeClr val="bg1"/>
                 </a:solidFill>
               </a:rPr>
-              <a:t>Question G </a:t>
-            </a:r>
-          </a:p>
-        </p:txBody>
-      </p:sp>
-      <p:sp>
-        <p:nvSpPr>
-          <p:cNvPr id="11" name="TextBox 10">
-            <a:extLst>
-              <a:ext uri="{FF2B5EF4-FFF2-40B4-BE49-F238E27FC236}">
-                <a16:creationId xmlns:a16="http://schemas.microsoft.com/office/drawing/2014/main" id="{8CFFC453-63D5-4985-9376-BE7589A7509A}"/>
-              </a:ext>
-            </a:extLst>
-          </p:cNvPr>
-          <p:cNvSpPr txBox="1"/>
-          <p:nvPr/>
-        </p:nvSpPr>
-        <p:spPr>
-          <a:xfrm>
-            <a:off x="7315200" y="611928"/>
-            <a:ext cx="4395277" cy="2862322"/>
-          </a:xfrm>
-          <a:prstGeom prst="rect">
-            <a:avLst/>
-          </a:prstGeom>
-          <a:noFill/>
-        </p:spPr>
-        <p:txBody>
-          <a:bodyPr wrap="square" rtlCol="0">
-            <a:spAutoFit/>
-          </a:bodyPr>
-          <a:lstStyle/>
-          <a:p>
-            <a:r>
-              <a:rPr lang="en-GB" dirty="0">
-                <a:solidFill>
-                  <a:schemeClr val="bg1"/>
-                </a:solidFill>
-              </a:rPr>
-              <a:t>What will be the output of this method?</a:t>
-            </a:r>
-          </a:p>
-          <a:p>
-            <a:endParaRPr lang="en-GB" dirty="0">
-              <a:solidFill>
-                <a:schemeClr val="bg1"/>
-              </a:solidFill>
-            </a:endParaRPr>
-          </a:p>
-          <a:p>
-            <a:pPr marL="342900" indent="-342900">
-              <a:buAutoNum type="alphaUcPeriod" startAt="3"/>
-            </a:pPr>
-            <a:r>
-              <a:rPr lang="en-GB" dirty="0">
-                <a:solidFill>
-                  <a:schemeClr val="bg1"/>
-                </a:solidFill>
-              </a:rPr>
-              <a:t>An uncaught exception is thrown and can     be caught in the calling method</a:t>
-            </a:r>
-          </a:p>
-          <a:p>
-            <a:endParaRPr lang="en-GB" dirty="0">
-              <a:solidFill>
-                <a:schemeClr val="bg1"/>
-              </a:solidFill>
-            </a:endParaRPr>
-          </a:p>
-          <a:p>
-            <a:r>
-              <a:rPr lang="en-GB" dirty="0">
-                <a:solidFill>
-                  <a:schemeClr val="bg1"/>
-                </a:solidFill>
-              </a:rPr>
-              <a:t>It will throw the following uncaught exception:</a:t>
-            </a:r>
-          </a:p>
-          <a:p>
-            <a:endParaRPr lang="en-GB" dirty="0">
-              <a:solidFill>
-                <a:schemeClr val="bg1"/>
-              </a:solidFill>
-            </a:endParaRPr>
-          </a:p>
-          <a:p>
-            <a:r>
-              <a:rPr lang="en-GB" dirty="0">
-                <a:solidFill>
-                  <a:schemeClr val="bg1"/>
-                </a:solidFill>
-              </a:rPr>
-              <a:t>Exception</a:t>
-            </a:r>
-          </a:p>
-          <a:p>
-            <a:r>
-              <a:rPr lang="en-GB" dirty="0">
-                <a:solidFill>
-                  <a:schemeClr val="bg1"/>
-                </a:solidFill>
-              </a:rPr>
-              <a:t>This is a test exception</a:t>
+              <a:t>Question E </a:t>
             </a:r>
           </a:p>
         </p:txBody>
       </p:sp>
       <p:pic>
         <p:nvPicPr>
-          <p:cNvPr id="4" name="Picture 3">
-            <a:extLst>
-              <a:ext uri="{FF2B5EF4-FFF2-40B4-BE49-F238E27FC236}">
-                <a16:creationId xmlns:a16="http://schemas.microsoft.com/office/drawing/2014/main" id="{69FDAEA4-F604-4A40-A20A-9E7E0E9E7C01}"/>
+          <p:cNvPr id="2" name="Picture 1">
+            <a:extLst>
+              <a:ext uri="{FF2B5EF4-FFF2-40B4-BE49-F238E27FC236}">
+                <a16:creationId xmlns:a16="http://schemas.microsoft.com/office/drawing/2014/main" id="{90A699AA-731A-4038-9820-EAAACC5CEBE5}"/>
               </a:ext>
             </a:extLst>
           </p:cNvPr>
@@ -15700,18 +15074,172 @@
         </p:blipFill>
         <p:spPr>
           <a:xfrm>
-            <a:off x="362130" y="1080051"/>
-            <a:ext cx="6673710" cy="1941443"/>
+            <a:off x="319584" y="1134296"/>
+            <a:ext cx="7990594" cy="4950471"/>
           </a:xfrm>
           <a:prstGeom prst="rect">
             <a:avLst/>
           </a:prstGeom>
         </p:spPr>
       </p:pic>
+      <p:sp>
+        <p:nvSpPr>
+          <p:cNvPr id="11" name="TextBox 10">
+            <a:extLst>
+              <a:ext uri="{FF2B5EF4-FFF2-40B4-BE49-F238E27FC236}">
+                <a16:creationId xmlns:a16="http://schemas.microsoft.com/office/drawing/2014/main" id="{8CFFC453-63D5-4985-9376-BE7589A7509A}"/>
+              </a:ext>
+            </a:extLst>
+          </p:cNvPr>
+          <p:cNvSpPr txBox="1"/>
+          <p:nvPr/>
+        </p:nvSpPr>
+        <p:spPr>
+          <a:xfrm>
+            <a:off x="7594560" y="427262"/>
+            <a:ext cx="4395277" cy="3693319"/>
+          </a:xfrm>
+          <a:prstGeom prst="rect">
+            <a:avLst/>
+          </a:prstGeom>
+          <a:noFill/>
+        </p:spPr>
+        <p:txBody>
+          <a:bodyPr wrap="square" rtlCol="0">
+            <a:spAutoFit/>
+          </a:bodyPr>
+          <a:lstStyle/>
+          <a:p>
+            <a:r>
+              <a:rPr lang="en-GB" dirty="0">
+                <a:solidFill>
+                  <a:schemeClr val="bg1"/>
+                </a:solidFill>
+              </a:rPr>
+              <a:t>What will be the output of this method?</a:t>
+            </a:r>
+          </a:p>
+          <a:p>
+            <a:endParaRPr lang="en-GB" dirty="0">
+              <a:solidFill>
+                <a:schemeClr val="bg1"/>
+              </a:solidFill>
+            </a:endParaRPr>
+          </a:p>
+          <a:p>
+            <a:pPr marL="342900" indent="-342900">
+              <a:buFont typeface="+mj-lt"/>
+              <a:buAutoNum type="alphaUcPeriod"/>
+            </a:pPr>
+            <a:r>
+              <a:rPr lang="en-GB" dirty="0" err="1">
+                <a:solidFill>
+                  <a:schemeClr val="bg1"/>
+                </a:solidFill>
+              </a:rPr>
+              <a:t>AggregateException</a:t>
+            </a:r>
+            <a:br>
+              <a:rPr lang="en-GB" dirty="0">
+                <a:solidFill>
+                  <a:schemeClr val="bg1"/>
+                </a:solidFill>
+              </a:rPr>
+            </a:br>
+            <a:r>
+              <a:rPr lang="en-GB" dirty="0">
+                <a:solidFill>
+                  <a:schemeClr val="bg1"/>
+                </a:solidFill>
+              </a:rPr>
+              <a:t>One or more errors occurred. (This is a test exception)</a:t>
+            </a:r>
+            <a:br>
+              <a:rPr lang="en-GB" dirty="0">
+                <a:solidFill>
+                  <a:schemeClr val="bg1"/>
+                </a:solidFill>
+              </a:rPr>
+            </a:br>
+            <a:endParaRPr lang="en-GB" dirty="0">
+              <a:solidFill>
+                <a:schemeClr val="bg1"/>
+              </a:solidFill>
+            </a:endParaRPr>
+          </a:p>
+          <a:p>
+            <a:pPr marL="342900" indent="-342900">
+              <a:buFont typeface="+mj-lt"/>
+              <a:buAutoNum type="alphaUcPeriod"/>
+            </a:pPr>
+            <a:r>
+              <a:rPr lang="en-GB" dirty="0">
+                <a:solidFill>
+                  <a:schemeClr val="bg1"/>
+                </a:solidFill>
+              </a:rPr>
+              <a:t>Exception</a:t>
+            </a:r>
+          </a:p>
+          <a:p>
+            <a:r>
+              <a:rPr lang="en-GB" dirty="0">
+                <a:solidFill>
+                  <a:schemeClr val="bg1"/>
+                </a:solidFill>
+              </a:rPr>
+              <a:t>       This is a test exception</a:t>
+            </a:r>
+          </a:p>
+          <a:p>
+            <a:endParaRPr lang="en-GB" dirty="0">
+              <a:solidFill>
+                <a:schemeClr val="bg1"/>
+              </a:solidFill>
+            </a:endParaRPr>
+          </a:p>
+          <a:p>
+            <a:pPr marL="342900" indent="-342900">
+              <a:buAutoNum type="alphaUcPeriod" startAt="3"/>
+            </a:pPr>
+            <a:r>
+              <a:rPr lang="en-GB" dirty="0">
+                <a:solidFill>
+                  <a:schemeClr val="bg1"/>
+                </a:solidFill>
+              </a:rPr>
+              <a:t>An uncaught exception is thrown and can     be caught in the calling method</a:t>
+            </a:r>
+          </a:p>
+          <a:p>
+            <a:pPr marL="342900" indent="-342900">
+              <a:buAutoNum type="alphaUcPeriod" startAt="3"/>
+            </a:pPr>
+            <a:endParaRPr lang="en-GB" dirty="0">
+              <a:solidFill>
+                <a:schemeClr val="bg1"/>
+              </a:solidFill>
+            </a:endParaRPr>
+          </a:p>
+          <a:p>
+            <a:pPr marL="342900" indent="-342900">
+              <a:buAutoNum type="alphaUcPeriod" startAt="3"/>
+            </a:pPr>
+            <a:r>
+              <a:rPr lang="en-GB" dirty="0">
+                <a:solidFill>
+                  <a:schemeClr val="bg1"/>
+                </a:solidFill>
+              </a:rPr>
+              <a:t>None of the above.</a:t>
+            </a:r>
+          </a:p>
+        </p:txBody>
+      </p:sp>
     </p:spTree>
     <p:extLst>
       <p:ext uri="{BB962C8B-B14F-4D97-AF65-F5344CB8AC3E}">
-        <p14:creationId xmlns:p14="http://schemas.microsoft.com/office/powerpoint/2010/main" val="1784624068"/>
+        <p14:creationId xmlns:p14="http://schemas.microsoft.com/office/powerpoint/2010/main" val="1187676409"/>
       </p:ext>
     </p:extLst>
   </p:cSld>
@@ -15760,7 +15288,7 @@
         </p:nvSpPr>
         <p:spPr>
           <a:xfrm>
-            <a:off x="7315200" y="340436"/>
+            <a:off x="624957" y="242596"/>
             <a:ext cx="11364880" cy="369332"/>
           </a:xfrm>
           <a:prstGeom prst="rect">
@@ -15780,161 +15308,7 @@
                   <a:schemeClr val="bg1"/>
                 </a:solidFill>
               </a:rPr>
-              <a:t>Question H </a:t>
-            </a:r>
-          </a:p>
-        </p:txBody>
-      </p:sp>
-      <p:sp>
-        <p:nvSpPr>
-          <p:cNvPr id="11" name="TextBox 10">
-            <a:extLst>
-              <a:ext uri="{FF2B5EF4-FFF2-40B4-BE49-F238E27FC236}">
-                <a16:creationId xmlns:a16="http://schemas.microsoft.com/office/drawing/2014/main" id="{8CFFC453-63D5-4985-9376-BE7589A7509A}"/>
-              </a:ext>
-            </a:extLst>
-          </p:cNvPr>
-          <p:cNvSpPr txBox="1"/>
-          <p:nvPr/>
-        </p:nvSpPr>
-        <p:spPr>
-          <a:xfrm>
-            <a:off x="7315200" y="1168519"/>
-            <a:ext cx="4395277" cy="3693319"/>
-          </a:xfrm>
-          <a:prstGeom prst="rect">
-            <a:avLst/>
-          </a:prstGeom>
-          <a:noFill/>
-        </p:spPr>
-        <p:txBody>
-          <a:bodyPr wrap="square" rtlCol="0">
-            <a:spAutoFit/>
-          </a:bodyPr>
-          <a:lstStyle/>
-          <a:p>
-            <a:r>
-              <a:rPr lang="en-GB" dirty="0">
-                <a:solidFill>
-                  <a:schemeClr val="bg1"/>
-                </a:solidFill>
-              </a:rPr>
-              <a:t>What will be the output of this method?</a:t>
-            </a:r>
-          </a:p>
-          <a:p>
-            <a:endParaRPr lang="en-GB" dirty="0">
-              <a:solidFill>
-                <a:schemeClr val="bg1"/>
-              </a:solidFill>
-            </a:endParaRPr>
-          </a:p>
-          <a:p>
-            <a:pPr marL="342900" indent="-342900">
-              <a:buFont typeface="+mj-lt"/>
-              <a:buAutoNum type="alphaUcPeriod"/>
-            </a:pPr>
-            <a:r>
-              <a:rPr lang="en-GB" dirty="0" err="1">
-                <a:solidFill>
-                  <a:schemeClr val="bg1"/>
-                </a:solidFill>
-              </a:rPr>
-              <a:t>AggregateException</a:t>
-            </a:r>
-            <a:br>
-              <a:rPr lang="en-GB" dirty="0">
-                <a:solidFill>
-                  <a:schemeClr val="bg1"/>
-                </a:solidFill>
-              </a:rPr>
-            </a:br>
-            <a:r>
-              <a:rPr lang="en-GB" dirty="0">
-                <a:solidFill>
-                  <a:schemeClr val="bg1"/>
-                </a:solidFill>
-              </a:rPr>
-              <a:t>One or more errors occurred. (This is a test exception)</a:t>
-            </a:r>
-            <a:br>
-              <a:rPr lang="en-GB" dirty="0">
-                <a:solidFill>
-                  <a:schemeClr val="bg1"/>
-                </a:solidFill>
-              </a:rPr>
-            </a:br>
-            <a:endParaRPr lang="en-GB" dirty="0">
-              <a:solidFill>
-                <a:schemeClr val="bg1"/>
-              </a:solidFill>
-            </a:endParaRPr>
-          </a:p>
-          <a:p>
-            <a:pPr marL="342900" indent="-342900">
-              <a:buFont typeface="+mj-lt"/>
-              <a:buAutoNum type="alphaUcPeriod"/>
-            </a:pPr>
-            <a:r>
-              <a:rPr lang="en-GB" dirty="0">
-                <a:solidFill>
-                  <a:schemeClr val="bg1"/>
-                </a:solidFill>
-              </a:rPr>
-              <a:t>Exception</a:t>
-            </a:r>
-          </a:p>
-          <a:p>
-            <a:r>
-              <a:rPr lang="en-GB" dirty="0">
-                <a:solidFill>
-                  <a:schemeClr val="bg1"/>
-                </a:solidFill>
-              </a:rPr>
-              <a:t>       This is a test exception</a:t>
-            </a:r>
-          </a:p>
-          <a:p>
-            <a:endParaRPr lang="en-GB" dirty="0">
-              <a:solidFill>
-                <a:schemeClr val="bg1"/>
-              </a:solidFill>
-            </a:endParaRPr>
-          </a:p>
-          <a:p>
-            <a:pPr marL="342900" indent="-342900">
-              <a:buAutoNum type="alphaUcPeriod" startAt="3"/>
-            </a:pPr>
-            <a:r>
-              <a:rPr lang="en-GB" dirty="0">
-                <a:solidFill>
-                  <a:schemeClr val="bg1"/>
-                </a:solidFill>
-              </a:rPr>
-              <a:t>An uncaught exception is thrown and can     be caught in the calling method</a:t>
-            </a:r>
-          </a:p>
-          <a:p>
-            <a:pPr marL="342900" indent="-342900">
-              <a:buAutoNum type="alphaUcPeriod" startAt="3"/>
-            </a:pPr>
-            <a:endParaRPr lang="en-GB" dirty="0">
-              <a:solidFill>
-                <a:schemeClr val="bg1"/>
-              </a:solidFill>
-            </a:endParaRPr>
-          </a:p>
-          <a:p>
-            <a:pPr marL="342900" indent="-342900">
-              <a:buAutoNum type="alphaUcPeriod" startAt="3"/>
-            </a:pPr>
-            <a:r>
-              <a:rPr lang="en-GB" dirty="0">
-                <a:solidFill>
-                  <a:schemeClr val="bg1"/>
-                </a:solidFill>
-              </a:rPr>
-              <a:t>None of the above.</a:t>
+              <a:t>Question E </a:t>
             </a:r>
           </a:p>
         </p:txBody>
@@ -15944,7 +15318,7 @@
           <p:cNvPr id="2" name="Picture 1">
             <a:extLst>
               <a:ext uri="{FF2B5EF4-FFF2-40B4-BE49-F238E27FC236}">
-                <a16:creationId xmlns:a16="http://schemas.microsoft.com/office/drawing/2014/main" id="{998C0D28-FFB1-46DB-BB0B-98FF4377C9F5}"/>
+                <a16:creationId xmlns:a16="http://schemas.microsoft.com/office/drawing/2014/main" id="{90A699AA-731A-4038-9820-EAAACC5CEBE5}"/>
               </a:ext>
             </a:extLst>
           </p:cNvPr>
@@ -15961,18 +15335,84 @@
         </p:blipFill>
         <p:spPr>
           <a:xfrm>
-            <a:off x="477078" y="340436"/>
-            <a:ext cx="6301409" cy="6147341"/>
+            <a:off x="319584" y="1134296"/>
+            <a:ext cx="7990594" cy="4950471"/>
           </a:xfrm>
           <a:prstGeom prst="rect">
             <a:avLst/>
           </a:prstGeom>
         </p:spPr>
       </p:pic>
+      <p:sp>
+        <p:nvSpPr>
+          <p:cNvPr id="11" name="TextBox 10">
+            <a:extLst>
+              <a:ext uri="{FF2B5EF4-FFF2-40B4-BE49-F238E27FC236}">
+                <a16:creationId xmlns:a16="http://schemas.microsoft.com/office/drawing/2014/main" id="{8CFFC453-63D5-4985-9376-BE7589A7509A}"/>
+              </a:ext>
+            </a:extLst>
+          </p:cNvPr>
+          <p:cNvSpPr txBox="1"/>
+          <p:nvPr/>
+        </p:nvSpPr>
+        <p:spPr>
+          <a:xfrm>
+            <a:off x="7594560" y="427262"/>
+            <a:ext cx="4395277" cy="1200329"/>
+          </a:xfrm>
+          <a:prstGeom prst="rect">
+            <a:avLst/>
+          </a:prstGeom>
+          <a:noFill/>
+        </p:spPr>
+        <p:txBody>
+          <a:bodyPr wrap="square" rtlCol="0">
+            <a:spAutoFit/>
+          </a:bodyPr>
+          <a:lstStyle/>
+          <a:p>
+            <a:r>
+              <a:rPr lang="en-GB" dirty="0">
+                <a:solidFill>
+                  <a:schemeClr val="bg1"/>
+                </a:solidFill>
+              </a:rPr>
+              <a:t>The answer is</a:t>
+            </a:r>
+          </a:p>
+          <a:p>
+            <a:endParaRPr lang="en-GB" dirty="0">
+              <a:solidFill>
+                <a:schemeClr val="bg1"/>
+              </a:solidFill>
+            </a:endParaRPr>
+          </a:p>
+          <a:p>
+            <a:r>
+              <a:rPr lang="en-GB" dirty="0">
+                <a:solidFill>
+                  <a:schemeClr val="bg1"/>
+                </a:solidFill>
+              </a:rPr>
+              <a:t>B.    Exception</a:t>
+            </a:r>
+          </a:p>
+          <a:p>
+            <a:r>
+              <a:rPr lang="en-GB" dirty="0">
+                <a:solidFill>
+                  <a:schemeClr val="bg1"/>
+                </a:solidFill>
+              </a:rPr>
+              <a:t>       This is a test exception</a:t>
+            </a:r>
+          </a:p>
+        </p:txBody>
+      </p:sp>
     </p:spTree>
     <p:extLst>
       <p:ext uri="{BB962C8B-B14F-4D97-AF65-F5344CB8AC3E}">
-        <p14:creationId xmlns:p14="http://schemas.microsoft.com/office/powerpoint/2010/main" val="3813329927"/>
+        <p14:creationId xmlns:p14="http://schemas.microsoft.com/office/powerpoint/2010/main" val="279637444"/>
       </p:ext>
     </p:extLst>
   </p:cSld>
@@ -16021,7 +15461,7 @@
         </p:nvSpPr>
         <p:spPr>
           <a:xfrm>
-            <a:off x="7315200" y="340436"/>
+            <a:off x="624957" y="242596"/>
             <a:ext cx="11364880" cy="369332"/>
           </a:xfrm>
           <a:prstGeom prst="rect">
@@ -16041,7 +15481,7 @@
                   <a:schemeClr val="bg1"/>
                 </a:solidFill>
               </a:rPr>
-              <a:t>Question H </a:t>
+              <a:t>Question F </a:t>
             </a:r>
           </a:p>
         </p:txBody>
@@ -16060,8 +15500,8 @@
         </p:nvSpPr>
         <p:spPr>
           <a:xfrm>
-            <a:off x="7315200" y="1168519"/>
-            <a:ext cx="4395277" cy="1477328"/>
+            <a:off x="7315200" y="611928"/>
+            <a:ext cx="4395277" cy="3693319"/>
           </a:xfrm>
           <a:prstGeom prst="rect">
             <a:avLst/>
@@ -16080,7 +15520,7 @@
                   <a:schemeClr val="bg1"/>
                 </a:solidFill>
               </a:rPr>
-              <a:t>The answer is</a:t>
+              <a:t>What will be the output of this method?</a:t>
             </a:r>
           </a:p>
           <a:p>
@@ -16118,15 +15558,94 @@
               </a:rPr>
               <a:t>One or more errors occurred. (This is a test exception)</a:t>
             </a:r>
+            <a:br>
+              <a:rPr lang="en-GB" dirty="0">
+                <a:solidFill>
+                  <a:schemeClr val="bg1"/>
+                </a:solidFill>
+              </a:rPr>
+            </a:br>
+            <a:endParaRPr lang="en-GB" dirty="0">
+              <a:solidFill>
+                <a:schemeClr val="bg1"/>
+              </a:solidFill>
+            </a:endParaRPr>
+          </a:p>
+          <a:p>
+            <a:pPr marL="342900" indent="-342900">
+              <a:buFont typeface="+mj-lt"/>
+              <a:buAutoNum type="alphaUcPeriod"/>
+            </a:pPr>
+            <a:r>
+              <a:rPr lang="en-GB" dirty="0">
+                <a:solidFill>
+                  <a:schemeClr val="bg1"/>
+                </a:solidFill>
+              </a:rPr>
+              <a:t>Exception</a:t>
+            </a:r>
+          </a:p>
+          <a:p>
+            <a:r>
+              <a:rPr lang="en-GB" dirty="0">
+                <a:solidFill>
+                  <a:schemeClr val="bg1"/>
+                </a:solidFill>
+              </a:rPr>
+              <a:t>       This is a test exception</a:t>
+            </a:r>
+          </a:p>
+          <a:p>
+            <a:endParaRPr lang="en-GB" dirty="0">
+              <a:solidFill>
+                <a:schemeClr val="bg1"/>
+              </a:solidFill>
+            </a:endParaRPr>
+          </a:p>
+          <a:p>
+            <a:pPr marL="342900" indent="-342900">
+              <a:buAutoNum type="alphaUcPeriod" startAt="3"/>
+            </a:pPr>
+            <a:r>
+              <a:rPr lang="en-GB" dirty="0">
+                <a:solidFill>
+                  <a:schemeClr val="bg1"/>
+                </a:solidFill>
+              </a:rPr>
+              <a:t>An uncaught exception is thrown and can     be caught in the calling method</a:t>
+            </a:r>
+          </a:p>
+          <a:p>
+            <a:pPr marL="342900" indent="-342900">
+              <a:buAutoNum type="alphaUcPeriod" startAt="3"/>
+            </a:pPr>
+            <a:endParaRPr lang="en-GB" dirty="0">
+              <a:solidFill>
+                <a:schemeClr val="bg1"/>
+              </a:solidFill>
+            </a:endParaRPr>
+          </a:p>
+          <a:p>
+            <a:pPr marL="342900" indent="-342900">
+              <a:buAutoNum type="alphaUcPeriod" startAt="3"/>
+            </a:pPr>
+            <a:r>
+              <a:rPr lang="en-GB" dirty="0">
+                <a:solidFill>
+                  <a:schemeClr val="bg1"/>
+                </a:solidFill>
+              </a:rPr>
+              <a:t>None of the above.</a:t>
+            </a:r>
           </a:p>
         </p:txBody>
       </p:sp>
       <p:pic>
         <p:nvPicPr>
-          <p:cNvPr id="2" name="Picture 1">
-            <a:extLst>
-              <a:ext uri="{FF2B5EF4-FFF2-40B4-BE49-F238E27FC236}">
-                <a16:creationId xmlns:a16="http://schemas.microsoft.com/office/drawing/2014/main" id="{998C0D28-FFB1-46DB-BB0B-98FF4377C9F5}"/>
+          <p:cNvPr id="3" name="Picture 2">
+            <a:extLst>
+              <a:ext uri="{FF2B5EF4-FFF2-40B4-BE49-F238E27FC236}">
+                <a16:creationId xmlns:a16="http://schemas.microsoft.com/office/drawing/2014/main" id="{43E8D191-B02F-4E58-8780-AAD86241E0B7}"/>
               </a:ext>
             </a:extLst>
           </p:cNvPr>
@@ -16143,8 +15662,8 @@
         </p:blipFill>
         <p:spPr>
           <a:xfrm>
-            <a:off x="477078" y="340436"/>
-            <a:ext cx="6301409" cy="6147341"/>
+            <a:off x="251818" y="1041887"/>
+            <a:ext cx="6585240" cy="2022610"/>
           </a:xfrm>
           <a:prstGeom prst="rect">
             <a:avLst/>
@@ -16154,7 +15673,7 @@
     </p:spTree>
     <p:extLst>
       <p:ext uri="{BB962C8B-B14F-4D97-AF65-F5344CB8AC3E}">
-        <p14:creationId xmlns:p14="http://schemas.microsoft.com/office/powerpoint/2010/main" val="3341191500"/>
+        <p14:creationId xmlns:p14="http://schemas.microsoft.com/office/powerpoint/2010/main" val="4036305656"/>
       </p:ext>
     </p:extLst>
   </p:cSld>
@@ -16203,7 +15722,7 @@
         </p:nvSpPr>
         <p:spPr>
           <a:xfrm>
-            <a:off x="7315200" y="340436"/>
+            <a:off x="624957" y="242596"/>
             <a:ext cx="11364880" cy="369332"/>
           </a:xfrm>
           <a:prstGeom prst="rect">
@@ -16223,7 +15742,7 @@
                   <a:schemeClr val="bg1"/>
                 </a:solidFill>
               </a:rPr>
-              <a:t>Question I </a:t>
+              <a:t>Question F </a:t>
             </a:r>
           </a:p>
         </p:txBody>
@@ -16242,8 +15761,8 @@
         </p:nvSpPr>
         <p:spPr>
           <a:xfrm>
-            <a:off x="7315200" y="1168519"/>
-            <a:ext cx="4395277" cy="3693319"/>
+            <a:off x="7072313" y="611928"/>
+            <a:ext cx="4917524" cy="2031325"/>
           </a:xfrm>
           <a:prstGeom prst="rect">
             <a:avLst/>
@@ -16262,7 +15781,7 @@
                   <a:schemeClr val="bg1"/>
                 </a:solidFill>
               </a:rPr>
-              <a:t>What will be the output of this method?</a:t>
+              <a:t>The answer is</a:t>
             </a:r>
           </a:p>
           <a:p>
@@ -16273,40 +15792,16 @@
             </a:endParaRPr>
           </a:p>
           <a:p>
-            <a:pPr marL="342900" indent="-342900">
-              <a:buFont typeface="+mj-lt"/>
-              <a:buAutoNum type="alphaUcPeriod"/>
-            </a:pPr>
-            <a:r>
-              <a:rPr lang="en-GB" dirty="0" err="1">
+            <a:r>
+              <a:rPr lang="en-GB" dirty="0">
                 <a:solidFill>
                   <a:schemeClr val="bg1"/>
                 </a:solidFill>
               </a:rPr>
-              <a:t>AggregateException</a:t>
-            </a:r>
-            <a:br>
-              <a:rPr lang="en-GB" dirty="0">
-                <a:solidFill>
-                  <a:schemeClr val="bg1"/>
-                </a:solidFill>
-              </a:rPr>
-            </a:br>
-            <a:r>
-              <a:rPr lang="en-GB" dirty="0">
-                <a:solidFill>
-                  <a:schemeClr val="bg1"/>
-                </a:solidFill>
-              </a:rPr>
-              <a:t>One or more errors occurred. (This is a test exception)</a:t>
-            </a:r>
-            <a:br>
-              <a:rPr lang="en-GB" dirty="0">
-                <a:solidFill>
-                  <a:schemeClr val="bg1"/>
-                </a:solidFill>
-              </a:rPr>
-            </a:br>
+              <a:t>D. None of the above.</a:t>
+            </a:r>
+          </a:p>
+          <a:p>
             <a:endParaRPr lang="en-GB" dirty="0">
               <a:solidFill>
                 <a:schemeClr val="bg1"/>
@@ -16314,70 +15809,13 @@
             </a:endParaRPr>
           </a:p>
           <a:p>
-            <a:pPr marL="342900" indent="-342900">
-              <a:buFont typeface="+mj-lt"/>
-              <a:buAutoNum type="alphaUcPeriod"/>
-            </a:pPr>
             <a:r>
               <a:rPr lang="en-GB" dirty="0">
                 <a:solidFill>
                   <a:schemeClr val="bg1"/>
                 </a:solidFill>
               </a:rPr>
-              <a:t>Exception</a:t>
-            </a:r>
-          </a:p>
-          <a:p>
-            <a:r>
-              <a:rPr lang="en-GB" dirty="0">
-                <a:solidFill>
-                  <a:schemeClr val="bg1"/>
-                </a:solidFill>
-              </a:rPr>
-              <a:t>       This is a test exception</a:t>
-            </a:r>
-          </a:p>
-          <a:p>
-            <a:endParaRPr lang="en-GB" dirty="0">
-              <a:solidFill>
-                <a:schemeClr val="bg1"/>
-              </a:solidFill>
-            </a:endParaRPr>
-          </a:p>
-          <a:p>
-            <a:pPr marL="342900" indent="-342900">
-              <a:buAutoNum type="alphaUcPeriod" startAt="3"/>
-            </a:pPr>
-            <a:r>
-              <a:rPr lang="en-GB" dirty="0">
-                <a:solidFill>
-                  <a:schemeClr val="bg1"/>
-                </a:solidFill>
-              </a:rPr>
-              <a:t>An uncaught exception is thrown and can     be caught in the calling method</a:t>
-            </a:r>
-          </a:p>
-          <a:p>
-            <a:pPr marL="342900" indent="-342900">
-              <a:buAutoNum type="alphaUcPeriod" startAt="3"/>
-            </a:pPr>
-            <a:endParaRPr lang="en-GB" dirty="0">
-              <a:solidFill>
-                <a:schemeClr val="bg1"/>
-              </a:solidFill>
-            </a:endParaRPr>
-          </a:p>
-          <a:p>
-            <a:pPr marL="342900" indent="-342900">
-              <a:buAutoNum type="alphaUcPeriod" startAt="3"/>
-            </a:pPr>
-            <a:r>
-              <a:rPr lang="en-GB" dirty="0">
-                <a:solidFill>
-                  <a:schemeClr val="bg1"/>
-                </a:solidFill>
-              </a:rPr>
-              <a:t>None of the above.</a:t>
+              <a:t>It will completely terminate the process. It won't throw a visible exception and will completely kill the application/debugger.</a:t>
             </a:r>
           </a:p>
         </p:txBody>
@@ -16387,7 +15825,7 @@
           <p:cNvPr id="3" name="Picture 2">
             <a:extLst>
               <a:ext uri="{FF2B5EF4-FFF2-40B4-BE49-F238E27FC236}">
-                <a16:creationId xmlns:a16="http://schemas.microsoft.com/office/drawing/2014/main" id="{1E68A627-623A-4C15-9AF8-EE50E57C2833}"/>
+                <a16:creationId xmlns:a16="http://schemas.microsoft.com/office/drawing/2014/main" id="{43E8D191-B02F-4E58-8780-AAD86241E0B7}"/>
               </a:ext>
             </a:extLst>
           </p:cNvPr>
@@ -16404,8 +15842,8 @@
         </p:blipFill>
         <p:spPr>
           <a:xfrm>
-            <a:off x="337421" y="340436"/>
-            <a:ext cx="5586301" cy="1911103"/>
+            <a:off x="251818" y="1041887"/>
+            <a:ext cx="6585240" cy="2022610"/>
           </a:xfrm>
           <a:prstGeom prst="rect">
             <a:avLst/>
@@ -16415,7 +15853,7 @@
     </p:spTree>
     <p:extLst>
       <p:ext uri="{BB962C8B-B14F-4D97-AF65-F5344CB8AC3E}">
-        <p14:creationId xmlns:p14="http://schemas.microsoft.com/office/powerpoint/2010/main" val="1300467980"/>
+        <p14:creationId xmlns:p14="http://schemas.microsoft.com/office/powerpoint/2010/main" val="1848199452"/>
       </p:ext>
     </p:extLst>
   </p:cSld>
@@ -16464,6 +15902,1317 @@
         </p:nvSpPr>
         <p:spPr>
           <a:xfrm>
+            <a:off x="624957" y="242596"/>
+            <a:ext cx="11364880" cy="369332"/>
+          </a:xfrm>
+          <a:prstGeom prst="rect">
+            <a:avLst/>
+          </a:prstGeom>
+          <a:noFill/>
+        </p:spPr>
+        <p:txBody>
+          <a:bodyPr wrap="square" rtlCol="0">
+            <a:spAutoFit/>
+          </a:bodyPr>
+          <a:lstStyle/>
+          <a:p>
+            <a:r>
+              <a:rPr lang="en-GB" dirty="0">
+                <a:solidFill>
+                  <a:schemeClr val="bg1"/>
+                </a:solidFill>
+              </a:rPr>
+              <a:t>Question G </a:t>
+            </a:r>
+          </a:p>
+        </p:txBody>
+      </p:sp>
+      <p:sp>
+        <p:nvSpPr>
+          <p:cNvPr id="11" name="TextBox 10">
+            <a:extLst>
+              <a:ext uri="{FF2B5EF4-FFF2-40B4-BE49-F238E27FC236}">
+                <a16:creationId xmlns:a16="http://schemas.microsoft.com/office/drawing/2014/main" id="{8CFFC453-63D5-4985-9376-BE7589A7509A}"/>
+              </a:ext>
+            </a:extLst>
+          </p:cNvPr>
+          <p:cNvSpPr txBox="1"/>
+          <p:nvPr/>
+        </p:nvSpPr>
+        <p:spPr>
+          <a:xfrm>
+            <a:off x="7315200" y="611928"/>
+            <a:ext cx="4395277" cy="3693319"/>
+          </a:xfrm>
+          <a:prstGeom prst="rect">
+            <a:avLst/>
+          </a:prstGeom>
+          <a:noFill/>
+        </p:spPr>
+        <p:txBody>
+          <a:bodyPr wrap="square" rtlCol="0">
+            <a:spAutoFit/>
+          </a:bodyPr>
+          <a:lstStyle/>
+          <a:p>
+            <a:r>
+              <a:rPr lang="en-GB" dirty="0">
+                <a:solidFill>
+                  <a:schemeClr val="bg1"/>
+                </a:solidFill>
+              </a:rPr>
+              <a:t>What will be the output of this method?</a:t>
+            </a:r>
+          </a:p>
+          <a:p>
+            <a:endParaRPr lang="en-GB" dirty="0">
+              <a:solidFill>
+                <a:schemeClr val="bg1"/>
+              </a:solidFill>
+            </a:endParaRPr>
+          </a:p>
+          <a:p>
+            <a:pPr marL="342900" indent="-342900">
+              <a:buFont typeface="+mj-lt"/>
+              <a:buAutoNum type="alphaUcPeriod"/>
+            </a:pPr>
+            <a:r>
+              <a:rPr lang="en-GB" dirty="0" err="1">
+                <a:solidFill>
+                  <a:schemeClr val="bg1"/>
+                </a:solidFill>
+              </a:rPr>
+              <a:t>AggregateException</a:t>
+            </a:r>
+            <a:br>
+              <a:rPr lang="en-GB" dirty="0">
+                <a:solidFill>
+                  <a:schemeClr val="bg1"/>
+                </a:solidFill>
+              </a:rPr>
+            </a:br>
+            <a:r>
+              <a:rPr lang="en-GB" dirty="0">
+                <a:solidFill>
+                  <a:schemeClr val="bg1"/>
+                </a:solidFill>
+              </a:rPr>
+              <a:t>One or more errors occurred. (This is a test exception)</a:t>
+            </a:r>
+            <a:br>
+              <a:rPr lang="en-GB" dirty="0">
+                <a:solidFill>
+                  <a:schemeClr val="bg1"/>
+                </a:solidFill>
+              </a:rPr>
+            </a:br>
+            <a:endParaRPr lang="en-GB" dirty="0">
+              <a:solidFill>
+                <a:schemeClr val="bg1"/>
+              </a:solidFill>
+            </a:endParaRPr>
+          </a:p>
+          <a:p>
+            <a:pPr marL="342900" indent="-342900">
+              <a:buFont typeface="+mj-lt"/>
+              <a:buAutoNum type="alphaUcPeriod"/>
+            </a:pPr>
+            <a:r>
+              <a:rPr lang="en-GB" dirty="0">
+                <a:solidFill>
+                  <a:schemeClr val="bg1"/>
+                </a:solidFill>
+              </a:rPr>
+              <a:t>Exception</a:t>
+            </a:r>
+          </a:p>
+          <a:p>
+            <a:r>
+              <a:rPr lang="en-GB" dirty="0">
+                <a:solidFill>
+                  <a:schemeClr val="bg1"/>
+                </a:solidFill>
+              </a:rPr>
+              <a:t>       This is a test exception</a:t>
+            </a:r>
+          </a:p>
+          <a:p>
+            <a:endParaRPr lang="en-GB" dirty="0">
+              <a:solidFill>
+                <a:schemeClr val="bg1"/>
+              </a:solidFill>
+            </a:endParaRPr>
+          </a:p>
+          <a:p>
+            <a:pPr marL="342900" indent="-342900">
+              <a:buAutoNum type="alphaUcPeriod" startAt="3"/>
+            </a:pPr>
+            <a:r>
+              <a:rPr lang="en-GB" dirty="0">
+                <a:solidFill>
+                  <a:schemeClr val="bg1"/>
+                </a:solidFill>
+              </a:rPr>
+              <a:t>An uncaught exception is thrown and can     be caught in the calling method</a:t>
+            </a:r>
+          </a:p>
+          <a:p>
+            <a:pPr marL="342900" indent="-342900">
+              <a:buAutoNum type="alphaUcPeriod" startAt="3"/>
+            </a:pPr>
+            <a:endParaRPr lang="en-GB" dirty="0">
+              <a:solidFill>
+                <a:schemeClr val="bg1"/>
+              </a:solidFill>
+            </a:endParaRPr>
+          </a:p>
+          <a:p>
+            <a:pPr marL="342900" indent="-342900">
+              <a:buAutoNum type="alphaUcPeriod" startAt="3"/>
+            </a:pPr>
+            <a:r>
+              <a:rPr lang="en-GB" dirty="0">
+                <a:solidFill>
+                  <a:schemeClr val="bg1"/>
+                </a:solidFill>
+              </a:rPr>
+              <a:t>None of the above.</a:t>
+            </a:r>
+          </a:p>
+        </p:txBody>
+      </p:sp>
+      <p:pic>
+        <p:nvPicPr>
+          <p:cNvPr id="4" name="Picture 3">
+            <a:extLst>
+              <a:ext uri="{FF2B5EF4-FFF2-40B4-BE49-F238E27FC236}">
+                <a16:creationId xmlns:a16="http://schemas.microsoft.com/office/drawing/2014/main" id="{69FDAEA4-F604-4A40-A20A-9E7E0E9E7C01}"/>
+              </a:ext>
+            </a:extLst>
+          </p:cNvPr>
+          <p:cNvPicPr>
+            <a:picLocks noChangeAspect="1"/>
+          </p:cNvPicPr>
+          <p:nvPr/>
+        </p:nvPicPr>
+        <p:blipFill>
+          <a:blip r:embed="rId2"/>
+          <a:stretch>
+            <a:fillRect/>
+          </a:stretch>
+        </p:blipFill>
+        <p:spPr>
+          <a:xfrm>
+            <a:off x="362130" y="1080051"/>
+            <a:ext cx="6673710" cy="1941443"/>
+          </a:xfrm>
+          <a:prstGeom prst="rect">
+            <a:avLst/>
+          </a:prstGeom>
+        </p:spPr>
+      </p:pic>
+    </p:spTree>
+    <p:extLst>
+      <p:ext uri="{BB962C8B-B14F-4D97-AF65-F5344CB8AC3E}">
+        <p14:creationId xmlns:p14="http://schemas.microsoft.com/office/powerpoint/2010/main" val="2982457121"/>
+      </p:ext>
+    </p:extLst>
+  </p:cSld>
+  <p:clrMapOvr>
+    <a:masterClrMapping/>
+  </p:clrMapOvr>
+</p:sld>
+</file>
+
+<file path=ppt/slides/slide6.xml><?xml version="1.0" encoding="utf-8"?>
+<p:sld xmlns:a="http://schemas.openxmlformats.org/drawingml/2006/main" xmlns:r="http://schemas.openxmlformats.org/officeDocument/2006/relationships" xmlns:p="http://schemas.openxmlformats.org/presentationml/2006/main">
+  <p:cSld>
+    <p:spTree>
+      <p:nvGrpSpPr>
+        <p:cNvPr id="1" name=""/>
+        <p:cNvGrpSpPr/>
+        <p:nvPr/>
+      </p:nvGrpSpPr>
+      <p:grpSpPr>
+        <a:xfrm>
+          <a:off x="0" y="0"/>
+          <a:ext cx="0" cy="0"/>
+          <a:chOff x="0" y="0"/>
+          <a:chExt cx="0" cy="0"/>
+        </a:xfrm>
+      </p:grpSpPr>
+      <p:sp>
+        <p:nvSpPr>
+          <p:cNvPr id="4" name="TextBox 3">
+            <a:extLst>
+              <a:ext uri="{FF2B5EF4-FFF2-40B4-BE49-F238E27FC236}">
+                <a16:creationId xmlns:a16="http://schemas.microsoft.com/office/drawing/2014/main" id="{18767206-9205-42D0-A2AE-5A1017D4CB08}"/>
+              </a:ext>
+            </a:extLst>
+          </p:cNvPr>
+          <p:cNvSpPr txBox="1"/>
+          <p:nvPr/>
+        </p:nvSpPr>
+        <p:spPr>
+          <a:xfrm>
+            <a:off x="145775" y="132522"/>
+            <a:ext cx="11781182" cy="7971413"/>
+          </a:xfrm>
+          <a:prstGeom prst="rect">
+            <a:avLst/>
+          </a:prstGeom>
+          <a:noFill/>
+        </p:spPr>
+        <p:txBody>
+          <a:bodyPr wrap="square" rtlCol="0">
+            <a:spAutoFit/>
+          </a:bodyPr>
+          <a:lstStyle/>
+          <a:p>
+            <a:r>
+              <a:rPr lang="en-GB" sz="3200" b="1" dirty="0"/>
+              <a:t>In simple terms…</a:t>
+            </a:r>
+          </a:p>
+          <a:p>
+            <a:endParaRPr lang="en-GB" sz="3200" b="1" dirty="0"/>
+          </a:p>
+          <a:p>
+            <a:pPr marL="457200" indent="-457200">
+              <a:buFont typeface="Arial" panose="020B0604020202020204" pitchFamily="34" charset="0"/>
+              <a:buChar char="•"/>
+            </a:pPr>
+            <a:r>
+              <a:rPr lang="en-GB" sz="3200" dirty="0"/>
+              <a:t>Operations are </a:t>
+            </a:r>
+            <a:r>
+              <a:rPr lang="en-GB" sz="3200" b="1" dirty="0"/>
+              <a:t>CPU-bound</a:t>
+            </a:r>
+            <a:r>
+              <a:rPr lang="en-GB" sz="3200" dirty="0"/>
+              <a:t> when the speed of the operation is limited by the speed of the CPU. Speed can be increased by scaling up to a more powerful CPU, or somehow parallelising the operation using multiple threads. </a:t>
+            </a:r>
+          </a:p>
+          <a:p>
+            <a:pPr marL="457200" indent="-457200">
+              <a:buFont typeface="Arial" panose="020B0604020202020204" pitchFamily="34" charset="0"/>
+              <a:buChar char="•"/>
+            </a:pPr>
+            <a:endParaRPr lang="en-GB" sz="3200" dirty="0"/>
+          </a:p>
+          <a:p>
+            <a:pPr marL="457200" indent="-457200">
+              <a:buFont typeface="Arial" panose="020B0604020202020204" pitchFamily="34" charset="0"/>
+              <a:buChar char="•"/>
+            </a:pPr>
+            <a:r>
+              <a:rPr lang="en-GB" sz="3200" dirty="0"/>
+              <a:t>Operations are </a:t>
+            </a:r>
+            <a:r>
+              <a:rPr lang="en-GB" sz="3200" b="1" dirty="0"/>
+              <a:t>I/O-bound </a:t>
+            </a:r>
+            <a:r>
+              <a:rPr lang="en-GB" sz="3200" dirty="0"/>
+              <a:t>when the speed of the operation is limited by the speed of input/output operations being completed. This is essentially anything which isn’t done by the CPU, i.e. waiting for disk reads/writes, network requests to be completed, etc. </a:t>
+            </a:r>
+            <a:br>
+              <a:rPr lang="en-GB" sz="3200" dirty="0"/>
+            </a:br>
+            <a:r>
+              <a:rPr lang="en-GB" sz="3200" dirty="0"/>
+              <a:t>Adding more threads or improving the CPU does not make these operations faster. </a:t>
+            </a:r>
+            <a:endParaRPr lang="en-GB" sz="3200" b="1" dirty="0"/>
+          </a:p>
+          <a:p>
+            <a:pPr marL="457200" indent="-457200">
+              <a:buFont typeface="Arial" panose="020B0604020202020204" pitchFamily="34" charset="0"/>
+              <a:buChar char="•"/>
+            </a:pPr>
+            <a:endParaRPr lang="en-GB" sz="3200" dirty="0"/>
+          </a:p>
+          <a:p>
+            <a:pPr marL="457200" indent="-457200">
+              <a:buFont typeface="Arial" panose="020B0604020202020204" pitchFamily="34" charset="0"/>
+              <a:buChar char="•"/>
+            </a:pPr>
+            <a:endParaRPr lang="en-GB" sz="3200" dirty="0"/>
+          </a:p>
+          <a:p>
+            <a:endParaRPr lang="en-GB" sz="3200" dirty="0"/>
+          </a:p>
+        </p:txBody>
+      </p:sp>
+    </p:spTree>
+    <p:extLst>
+      <p:ext uri="{BB962C8B-B14F-4D97-AF65-F5344CB8AC3E}">
+        <p14:creationId xmlns:p14="http://schemas.microsoft.com/office/powerpoint/2010/main" val="2151217970"/>
+      </p:ext>
+    </p:extLst>
+  </p:cSld>
+  <p:clrMapOvr>
+    <a:masterClrMapping/>
+  </p:clrMapOvr>
+</p:sld>
+</file>
+
+<file path=ppt/slides/slide60.xml><?xml version="1.0" encoding="utf-8"?>
+<p:sld xmlns:a="http://schemas.openxmlformats.org/drawingml/2006/main" xmlns:r="http://schemas.openxmlformats.org/officeDocument/2006/relationships" xmlns:p="http://schemas.openxmlformats.org/presentationml/2006/main">
+  <p:cSld>
+    <p:bg>
+      <p:bgPr>
+        <a:solidFill>
+          <a:srgbClr val="1E1E1E"/>
+        </a:solidFill>
+        <a:effectLst/>
+      </p:bgPr>
+    </p:bg>
+    <p:spTree>
+      <p:nvGrpSpPr>
+        <p:cNvPr id="1" name=""/>
+        <p:cNvGrpSpPr/>
+        <p:nvPr/>
+      </p:nvGrpSpPr>
+      <p:grpSpPr>
+        <a:xfrm>
+          <a:off x="0" y="0"/>
+          <a:ext cx="0" cy="0"/>
+          <a:chOff x="0" y="0"/>
+          <a:chExt cx="0" cy="0"/>
+        </a:xfrm>
+      </p:grpSpPr>
+      <p:sp>
+        <p:nvSpPr>
+          <p:cNvPr id="6" name="TextBox 5">
+            <a:extLst>
+              <a:ext uri="{FF2B5EF4-FFF2-40B4-BE49-F238E27FC236}">
+                <a16:creationId xmlns:a16="http://schemas.microsoft.com/office/drawing/2014/main" id="{2CDFC944-8A12-42CA-B4D7-7CEF50C368ED}"/>
+              </a:ext>
+            </a:extLst>
+          </p:cNvPr>
+          <p:cNvSpPr txBox="1"/>
+          <p:nvPr/>
+        </p:nvSpPr>
+        <p:spPr>
+          <a:xfrm>
+            <a:off x="624957" y="242596"/>
+            <a:ext cx="11364880" cy="369332"/>
+          </a:xfrm>
+          <a:prstGeom prst="rect">
+            <a:avLst/>
+          </a:prstGeom>
+          <a:noFill/>
+        </p:spPr>
+        <p:txBody>
+          <a:bodyPr wrap="square" rtlCol="0">
+            <a:spAutoFit/>
+          </a:bodyPr>
+          <a:lstStyle/>
+          <a:p>
+            <a:r>
+              <a:rPr lang="en-GB" dirty="0">
+                <a:solidFill>
+                  <a:schemeClr val="bg1"/>
+                </a:solidFill>
+              </a:rPr>
+              <a:t>Question G </a:t>
+            </a:r>
+          </a:p>
+        </p:txBody>
+      </p:sp>
+      <p:sp>
+        <p:nvSpPr>
+          <p:cNvPr id="11" name="TextBox 10">
+            <a:extLst>
+              <a:ext uri="{FF2B5EF4-FFF2-40B4-BE49-F238E27FC236}">
+                <a16:creationId xmlns:a16="http://schemas.microsoft.com/office/drawing/2014/main" id="{8CFFC453-63D5-4985-9376-BE7589A7509A}"/>
+              </a:ext>
+            </a:extLst>
+          </p:cNvPr>
+          <p:cNvSpPr txBox="1"/>
+          <p:nvPr/>
+        </p:nvSpPr>
+        <p:spPr>
+          <a:xfrm>
+            <a:off x="7315200" y="611928"/>
+            <a:ext cx="4395277" cy="2862322"/>
+          </a:xfrm>
+          <a:prstGeom prst="rect">
+            <a:avLst/>
+          </a:prstGeom>
+          <a:noFill/>
+        </p:spPr>
+        <p:txBody>
+          <a:bodyPr wrap="square" rtlCol="0">
+            <a:spAutoFit/>
+          </a:bodyPr>
+          <a:lstStyle/>
+          <a:p>
+            <a:r>
+              <a:rPr lang="en-GB" dirty="0">
+                <a:solidFill>
+                  <a:schemeClr val="bg1"/>
+                </a:solidFill>
+              </a:rPr>
+              <a:t>What will be the output of this method?</a:t>
+            </a:r>
+          </a:p>
+          <a:p>
+            <a:endParaRPr lang="en-GB" dirty="0">
+              <a:solidFill>
+                <a:schemeClr val="bg1"/>
+              </a:solidFill>
+            </a:endParaRPr>
+          </a:p>
+          <a:p>
+            <a:pPr marL="342900" indent="-342900">
+              <a:buAutoNum type="alphaUcPeriod" startAt="3"/>
+            </a:pPr>
+            <a:r>
+              <a:rPr lang="en-GB" dirty="0">
+                <a:solidFill>
+                  <a:schemeClr val="bg1"/>
+                </a:solidFill>
+              </a:rPr>
+              <a:t>An uncaught exception is thrown and can     be caught in the calling method</a:t>
+            </a:r>
+          </a:p>
+          <a:p>
+            <a:endParaRPr lang="en-GB" dirty="0">
+              <a:solidFill>
+                <a:schemeClr val="bg1"/>
+              </a:solidFill>
+            </a:endParaRPr>
+          </a:p>
+          <a:p>
+            <a:r>
+              <a:rPr lang="en-GB" dirty="0">
+                <a:solidFill>
+                  <a:schemeClr val="bg1"/>
+                </a:solidFill>
+              </a:rPr>
+              <a:t>It will throw the following uncaught exception:</a:t>
+            </a:r>
+          </a:p>
+          <a:p>
+            <a:endParaRPr lang="en-GB" dirty="0">
+              <a:solidFill>
+                <a:schemeClr val="bg1"/>
+              </a:solidFill>
+            </a:endParaRPr>
+          </a:p>
+          <a:p>
+            <a:r>
+              <a:rPr lang="en-GB" dirty="0">
+                <a:solidFill>
+                  <a:schemeClr val="bg1"/>
+                </a:solidFill>
+              </a:rPr>
+              <a:t>Exception</a:t>
+            </a:r>
+          </a:p>
+          <a:p>
+            <a:r>
+              <a:rPr lang="en-GB" dirty="0">
+                <a:solidFill>
+                  <a:schemeClr val="bg1"/>
+                </a:solidFill>
+              </a:rPr>
+              <a:t>This is a test exception</a:t>
+            </a:r>
+          </a:p>
+        </p:txBody>
+      </p:sp>
+      <p:pic>
+        <p:nvPicPr>
+          <p:cNvPr id="4" name="Picture 3">
+            <a:extLst>
+              <a:ext uri="{FF2B5EF4-FFF2-40B4-BE49-F238E27FC236}">
+                <a16:creationId xmlns:a16="http://schemas.microsoft.com/office/drawing/2014/main" id="{69FDAEA4-F604-4A40-A20A-9E7E0E9E7C01}"/>
+              </a:ext>
+            </a:extLst>
+          </p:cNvPr>
+          <p:cNvPicPr>
+            <a:picLocks noChangeAspect="1"/>
+          </p:cNvPicPr>
+          <p:nvPr/>
+        </p:nvPicPr>
+        <p:blipFill>
+          <a:blip r:embed="rId2"/>
+          <a:stretch>
+            <a:fillRect/>
+          </a:stretch>
+        </p:blipFill>
+        <p:spPr>
+          <a:xfrm>
+            <a:off x="362130" y="1080051"/>
+            <a:ext cx="6673710" cy="1941443"/>
+          </a:xfrm>
+          <a:prstGeom prst="rect">
+            <a:avLst/>
+          </a:prstGeom>
+        </p:spPr>
+      </p:pic>
+    </p:spTree>
+    <p:extLst>
+      <p:ext uri="{BB962C8B-B14F-4D97-AF65-F5344CB8AC3E}">
+        <p14:creationId xmlns:p14="http://schemas.microsoft.com/office/powerpoint/2010/main" val="1784624068"/>
+      </p:ext>
+    </p:extLst>
+  </p:cSld>
+  <p:clrMapOvr>
+    <a:masterClrMapping/>
+  </p:clrMapOvr>
+</p:sld>
+</file>
+
+<file path=ppt/slides/slide61.xml><?xml version="1.0" encoding="utf-8"?>
+<p:sld xmlns:a="http://schemas.openxmlformats.org/drawingml/2006/main" xmlns:r="http://schemas.openxmlformats.org/officeDocument/2006/relationships" xmlns:p="http://schemas.openxmlformats.org/presentationml/2006/main">
+  <p:cSld>
+    <p:bg>
+      <p:bgPr>
+        <a:solidFill>
+          <a:srgbClr val="1E1E1E"/>
+        </a:solidFill>
+        <a:effectLst/>
+      </p:bgPr>
+    </p:bg>
+    <p:spTree>
+      <p:nvGrpSpPr>
+        <p:cNvPr id="1" name=""/>
+        <p:cNvGrpSpPr/>
+        <p:nvPr/>
+      </p:nvGrpSpPr>
+      <p:grpSpPr>
+        <a:xfrm>
+          <a:off x="0" y="0"/>
+          <a:ext cx="0" cy="0"/>
+          <a:chOff x="0" y="0"/>
+          <a:chExt cx="0" cy="0"/>
+        </a:xfrm>
+      </p:grpSpPr>
+      <p:sp>
+        <p:nvSpPr>
+          <p:cNvPr id="6" name="TextBox 5">
+            <a:extLst>
+              <a:ext uri="{FF2B5EF4-FFF2-40B4-BE49-F238E27FC236}">
+                <a16:creationId xmlns:a16="http://schemas.microsoft.com/office/drawing/2014/main" id="{2CDFC944-8A12-42CA-B4D7-7CEF50C368ED}"/>
+              </a:ext>
+            </a:extLst>
+          </p:cNvPr>
+          <p:cNvSpPr txBox="1"/>
+          <p:nvPr/>
+        </p:nvSpPr>
+        <p:spPr>
+          <a:xfrm>
+            <a:off x="7315200" y="340436"/>
+            <a:ext cx="11364880" cy="369332"/>
+          </a:xfrm>
+          <a:prstGeom prst="rect">
+            <a:avLst/>
+          </a:prstGeom>
+          <a:noFill/>
+        </p:spPr>
+        <p:txBody>
+          <a:bodyPr wrap="square" rtlCol="0">
+            <a:spAutoFit/>
+          </a:bodyPr>
+          <a:lstStyle/>
+          <a:p>
+            <a:r>
+              <a:rPr lang="en-GB" dirty="0">
+                <a:solidFill>
+                  <a:schemeClr val="bg1"/>
+                </a:solidFill>
+              </a:rPr>
+              <a:t>Question H </a:t>
+            </a:r>
+          </a:p>
+        </p:txBody>
+      </p:sp>
+      <p:sp>
+        <p:nvSpPr>
+          <p:cNvPr id="11" name="TextBox 10">
+            <a:extLst>
+              <a:ext uri="{FF2B5EF4-FFF2-40B4-BE49-F238E27FC236}">
+                <a16:creationId xmlns:a16="http://schemas.microsoft.com/office/drawing/2014/main" id="{8CFFC453-63D5-4985-9376-BE7589A7509A}"/>
+              </a:ext>
+            </a:extLst>
+          </p:cNvPr>
+          <p:cNvSpPr txBox="1"/>
+          <p:nvPr/>
+        </p:nvSpPr>
+        <p:spPr>
+          <a:xfrm>
+            <a:off x="7315200" y="1168519"/>
+            <a:ext cx="4395277" cy="3693319"/>
+          </a:xfrm>
+          <a:prstGeom prst="rect">
+            <a:avLst/>
+          </a:prstGeom>
+          <a:noFill/>
+        </p:spPr>
+        <p:txBody>
+          <a:bodyPr wrap="square" rtlCol="0">
+            <a:spAutoFit/>
+          </a:bodyPr>
+          <a:lstStyle/>
+          <a:p>
+            <a:r>
+              <a:rPr lang="en-GB" dirty="0">
+                <a:solidFill>
+                  <a:schemeClr val="bg1"/>
+                </a:solidFill>
+              </a:rPr>
+              <a:t>What will be the output of this method?</a:t>
+            </a:r>
+          </a:p>
+          <a:p>
+            <a:endParaRPr lang="en-GB" dirty="0">
+              <a:solidFill>
+                <a:schemeClr val="bg1"/>
+              </a:solidFill>
+            </a:endParaRPr>
+          </a:p>
+          <a:p>
+            <a:pPr marL="342900" indent="-342900">
+              <a:buFont typeface="+mj-lt"/>
+              <a:buAutoNum type="alphaUcPeriod"/>
+            </a:pPr>
+            <a:r>
+              <a:rPr lang="en-GB" dirty="0" err="1">
+                <a:solidFill>
+                  <a:schemeClr val="bg1"/>
+                </a:solidFill>
+              </a:rPr>
+              <a:t>AggregateException</a:t>
+            </a:r>
+            <a:br>
+              <a:rPr lang="en-GB" dirty="0">
+                <a:solidFill>
+                  <a:schemeClr val="bg1"/>
+                </a:solidFill>
+              </a:rPr>
+            </a:br>
+            <a:r>
+              <a:rPr lang="en-GB" dirty="0">
+                <a:solidFill>
+                  <a:schemeClr val="bg1"/>
+                </a:solidFill>
+              </a:rPr>
+              <a:t>One or more errors occurred. (This is a test exception)</a:t>
+            </a:r>
+            <a:br>
+              <a:rPr lang="en-GB" dirty="0">
+                <a:solidFill>
+                  <a:schemeClr val="bg1"/>
+                </a:solidFill>
+              </a:rPr>
+            </a:br>
+            <a:endParaRPr lang="en-GB" dirty="0">
+              <a:solidFill>
+                <a:schemeClr val="bg1"/>
+              </a:solidFill>
+            </a:endParaRPr>
+          </a:p>
+          <a:p>
+            <a:pPr marL="342900" indent="-342900">
+              <a:buFont typeface="+mj-lt"/>
+              <a:buAutoNum type="alphaUcPeriod"/>
+            </a:pPr>
+            <a:r>
+              <a:rPr lang="en-GB" dirty="0">
+                <a:solidFill>
+                  <a:schemeClr val="bg1"/>
+                </a:solidFill>
+              </a:rPr>
+              <a:t>Exception</a:t>
+            </a:r>
+          </a:p>
+          <a:p>
+            <a:r>
+              <a:rPr lang="en-GB" dirty="0">
+                <a:solidFill>
+                  <a:schemeClr val="bg1"/>
+                </a:solidFill>
+              </a:rPr>
+              <a:t>       This is a test exception</a:t>
+            </a:r>
+          </a:p>
+          <a:p>
+            <a:endParaRPr lang="en-GB" dirty="0">
+              <a:solidFill>
+                <a:schemeClr val="bg1"/>
+              </a:solidFill>
+            </a:endParaRPr>
+          </a:p>
+          <a:p>
+            <a:pPr marL="342900" indent="-342900">
+              <a:buAutoNum type="alphaUcPeriod" startAt="3"/>
+            </a:pPr>
+            <a:r>
+              <a:rPr lang="en-GB" dirty="0">
+                <a:solidFill>
+                  <a:schemeClr val="bg1"/>
+                </a:solidFill>
+              </a:rPr>
+              <a:t>An uncaught exception is thrown and can     be caught in the calling method</a:t>
+            </a:r>
+          </a:p>
+          <a:p>
+            <a:pPr marL="342900" indent="-342900">
+              <a:buAutoNum type="alphaUcPeriod" startAt="3"/>
+            </a:pPr>
+            <a:endParaRPr lang="en-GB" dirty="0">
+              <a:solidFill>
+                <a:schemeClr val="bg1"/>
+              </a:solidFill>
+            </a:endParaRPr>
+          </a:p>
+          <a:p>
+            <a:pPr marL="342900" indent="-342900">
+              <a:buAutoNum type="alphaUcPeriod" startAt="3"/>
+            </a:pPr>
+            <a:r>
+              <a:rPr lang="en-GB" dirty="0">
+                <a:solidFill>
+                  <a:schemeClr val="bg1"/>
+                </a:solidFill>
+              </a:rPr>
+              <a:t>None of the above.</a:t>
+            </a:r>
+          </a:p>
+        </p:txBody>
+      </p:sp>
+      <p:pic>
+        <p:nvPicPr>
+          <p:cNvPr id="2" name="Picture 1">
+            <a:extLst>
+              <a:ext uri="{FF2B5EF4-FFF2-40B4-BE49-F238E27FC236}">
+                <a16:creationId xmlns:a16="http://schemas.microsoft.com/office/drawing/2014/main" id="{998C0D28-FFB1-46DB-BB0B-98FF4377C9F5}"/>
+              </a:ext>
+            </a:extLst>
+          </p:cNvPr>
+          <p:cNvPicPr>
+            <a:picLocks noChangeAspect="1"/>
+          </p:cNvPicPr>
+          <p:nvPr/>
+        </p:nvPicPr>
+        <p:blipFill>
+          <a:blip r:embed="rId2"/>
+          <a:stretch>
+            <a:fillRect/>
+          </a:stretch>
+        </p:blipFill>
+        <p:spPr>
+          <a:xfrm>
+            <a:off x="477078" y="340436"/>
+            <a:ext cx="6301409" cy="6147341"/>
+          </a:xfrm>
+          <a:prstGeom prst="rect">
+            <a:avLst/>
+          </a:prstGeom>
+        </p:spPr>
+      </p:pic>
+    </p:spTree>
+    <p:extLst>
+      <p:ext uri="{BB962C8B-B14F-4D97-AF65-F5344CB8AC3E}">
+        <p14:creationId xmlns:p14="http://schemas.microsoft.com/office/powerpoint/2010/main" val="3813329927"/>
+      </p:ext>
+    </p:extLst>
+  </p:cSld>
+  <p:clrMapOvr>
+    <a:masterClrMapping/>
+  </p:clrMapOvr>
+</p:sld>
+</file>
+
+<file path=ppt/slides/slide62.xml><?xml version="1.0" encoding="utf-8"?>
+<p:sld xmlns:a="http://schemas.openxmlformats.org/drawingml/2006/main" xmlns:r="http://schemas.openxmlformats.org/officeDocument/2006/relationships" xmlns:p="http://schemas.openxmlformats.org/presentationml/2006/main">
+  <p:cSld>
+    <p:bg>
+      <p:bgPr>
+        <a:solidFill>
+          <a:srgbClr val="1E1E1E"/>
+        </a:solidFill>
+        <a:effectLst/>
+      </p:bgPr>
+    </p:bg>
+    <p:spTree>
+      <p:nvGrpSpPr>
+        <p:cNvPr id="1" name=""/>
+        <p:cNvGrpSpPr/>
+        <p:nvPr/>
+      </p:nvGrpSpPr>
+      <p:grpSpPr>
+        <a:xfrm>
+          <a:off x="0" y="0"/>
+          <a:ext cx="0" cy="0"/>
+          <a:chOff x="0" y="0"/>
+          <a:chExt cx="0" cy="0"/>
+        </a:xfrm>
+      </p:grpSpPr>
+      <p:sp>
+        <p:nvSpPr>
+          <p:cNvPr id="6" name="TextBox 5">
+            <a:extLst>
+              <a:ext uri="{FF2B5EF4-FFF2-40B4-BE49-F238E27FC236}">
+                <a16:creationId xmlns:a16="http://schemas.microsoft.com/office/drawing/2014/main" id="{2CDFC944-8A12-42CA-B4D7-7CEF50C368ED}"/>
+              </a:ext>
+            </a:extLst>
+          </p:cNvPr>
+          <p:cNvSpPr txBox="1"/>
+          <p:nvPr/>
+        </p:nvSpPr>
+        <p:spPr>
+          <a:xfrm>
+            <a:off x="7315200" y="340436"/>
+            <a:ext cx="11364880" cy="369332"/>
+          </a:xfrm>
+          <a:prstGeom prst="rect">
+            <a:avLst/>
+          </a:prstGeom>
+          <a:noFill/>
+        </p:spPr>
+        <p:txBody>
+          <a:bodyPr wrap="square" rtlCol="0">
+            <a:spAutoFit/>
+          </a:bodyPr>
+          <a:lstStyle/>
+          <a:p>
+            <a:r>
+              <a:rPr lang="en-GB" dirty="0">
+                <a:solidFill>
+                  <a:schemeClr val="bg1"/>
+                </a:solidFill>
+              </a:rPr>
+              <a:t>Question H </a:t>
+            </a:r>
+          </a:p>
+        </p:txBody>
+      </p:sp>
+      <p:sp>
+        <p:nvSpPr>
+          <p:cNvPr id="11" name="TextBox 10">
+            <a:extLst>
+              <a:ext uri="{FF2B5EF4-FFF2-40B4-BE49-F238E27FC236}">
+                <a16:creationId xmlns:a16="http://schemas.microsoft.com/office/drawing/2014/main" id="{8CFFC453-63D5-4985-9376-BE7589A7509A}"/>
+              </a:ext>
+            </a:extLst>
+          </p:cNvPr>
+          <p:cNvSpPr txBox="1"/>
+          <p:nvPr/>
+        </p:nvSpPr>
+        <p:spPr>
+          <a:xfrm>
+            <a:off x="7315200" y="1168519"/>
+            <a:ext cx="4395277" cy="1477328"/>
+          </a:xfrm>
+          <a:prstGeom prst="rect">
+            <a:avLst/>
+          </a:prstGeom>
+          <a:noFill/>
+        </p:spPr>
+        <p:txBody>
+          <a:bodyPr wrap="square" rtlCol="0">
+            <a:spAutoFit/>
+          </a:bodyPr>
+          <a:lstStyle/>
+          <a:p>
+            <a:r>
+              <a:rPr lang="en-GB" dirty="0">
+                <a:solidFill>
+                  <a:schemeClr val="bg1"/>
+                </a:solidFill>
+              </a:rPr>
+              <a:t>The answer is</a:t>
+            </a:r>
+          </a:p>
+          <a:p>
+            <a:endParaRPr lang="en-GB" dirty="0">
+              <a:solidFill>
+                <a:schemeClr val="bg1"/>
+              </a:solidFill>
+            </a:endParaRPr>
+          </a:p>
+          <a:p>
+            <a:pPr marL="342900" indent="-342900">
+              <a:buFont typeface="+mj-lt"/>
+              <a:buAutoNum type="alphaUcPeriod"/>
+            </a:pPr>
+            <a:r>
+              <a:rPr lang="en-GB" dirty="0" err="1">
+                <a:solidFill>
+                  <a:schemeClr val="bg1"/>
+                </a:solidFill>
+              </a:rPr>
+              <a:t>AggregateException</a:t>
+            </a:r>
+            <a:br>
+              <a:rPr lang="en-GB" dirty="0">
+                <a:solidFill>
+                  <a:schemeClr val="bg1"/>
+                </a:solidFill>
+              </a:rPr>
+            </a:br>
+            <a:r>
+              <a:rPr lang="en-GB" dirty="0">
+                <a:solidFill>
+                  <a:schemeClr val="bg1"/>
+                </a:solidFill>
+              </a:rPr>
+              <a:t>One or more errors occurred. (This is a test exception)</a:t>
+            </a:r>
+          </a:p>
+        </p:txBody>
+      </p:sp>
+      <p:pic>
+        <p:nvPicPr>
+          <p:cNvPr id="2" name="Picture 1">
+            <a:extLst>
+              <a:ext uri="{FF2B5EF4-FFF2-40B4-BE49-F238E27FC236}">
+                <a16:creationId xmlns:a16="http://schemas.microsoft.com/office/drawing/2014/main" id="{998C0D28-FFB1-46DB-BB0B-98FF4377C9F5}"/>
+              </a:ext>
+            </a:extLst>
+          </p:cNvPr>
+          <p:cNvPicPr>
+            <a:picLocks noChangeAspect="1"/>
+          </p:cNvPicPr>
+          <p:nvPr/>
+        </p:nvPicPr>
+        <p:blipFill>
+          <a:blip r:embed="rId2"/>
+          <a:stretch>
+            <a:fillRect/>
+          </a:stretch>
+        </p:blipFill>
+        <p:spPr>
+          <a:xfrm>
+            <a:off x="477078" y="340436"/>
+            <a:ext cx="6301409" cy="6147341"/>
+          </a:xfrm>
+          <a:prstGeom prst="rect">
+            <a:avLst/>
+          </a:prstGeom>
+        </p:spPr>
+      </p:pic>
+    </p:spTree>
+    <p:extLst>
+      <p:ext uri="{BB962C8B-B14F-4D97-AF65-F5344CB8AC3E}">
+        <p14:creationId xmlns:p14="http://schemas.microsoft.com/office/powerpoint/2010/main" val="3341191500"/>
+      </p:ext>
+    </p:extLst>
+  </p:cSld>
+  <p:clrMapOvr>
+    <a:masterClrMapping/>
+  </p:clrMapOvr>
+</p:sld>
+</file>
+
+<file path=ppt/slides/slide63.xml><?xml version="1.0" encoding="utf-8"?>
+<p:sld xmlns:a="http://schemas.openxmlformats.org/drawingml/2006/main" xmlns:r="http://schemas.openxmlformats.org/officeDocument/2006/relationships" xmlns:p="http://schemas.openxmlformats.org/presentationml/2006/main">
+  <p:cSld>
+    <p:bg>
+      <p:bgPr>
+        <a:solidFill>
+          <a:srgbClr val="1E1E1E"/>
+        </a:solidFill>
+        <a:effectLst/>
+      </p:bgPr>
+    </p:bg>
+    <p:spTree>
+      <p:nvGrpSpPr>
+        <p:cNvPr id="1" name=""/>
+        <p:cNvGrpSpPr/>
+        <p:nvPr/>
+      </p:nvGrpSpPr>
+      <p:grpSpPr>
+        <a:xfrm>
+          <a:off x="0" y="0"/>
+          <a:ext cx="0" cy="0"/>
+          <a:chOff x="0" y="0"/>
+          <a:chExt cx="0" cy="0"/>
+        </a:xfrm>
+      </p:grpSpPr>
+      <p:sp>
+        <p:nvSpPr>
+          <p:cNvPr id="6" name="TextBox 5">
+            <a:extLst>
+              <a:ext uri="{FF2B5EF4-FFF2-40B4-BE49-F238E27FC236}">
+                <a16:creationId xmlns:a16="http://schemas.microsoft.com/office/drawing/2014/main" id="{2CDFC944-8A12-42CA-B4D7-7CEF50C368ED}"/>
+              </a:ext>
+            </a:extLst>
+          </p:cNvPr>
+          <p:cNvSpPr txBox="1"/>
+          <p:nvPr/>
+        </p:nvSpPr>
+        <p:spPr>
+          <a:xfrm>
+            <a:off x="7315200" y="340436"/>
+            <a:ext cx="11364880" cy="369332"/>
+          </a:xfrm>
+          <a:prstGeom prst="rect">
+            <a:avLst/>
+          </a:prstGeom>
+          <a:noFill/>
+        </p:spPr>
+        <p:txBody>
+          <a:bodyPr wrap="square" rtlCol="0">
+            <a:spAutoFit/>
+          </a:bodyPr>
+          <a:lstStyle/>
+          <a:p>
+            <a:r>
+              <a:rPr lang="en-GB" dirty="0">
+                <a:solidFill>
+                  <a:schemeClr val="bg1"/>
+                </a:solidFill>
+              </a:rPr>
+              <a:t>Question I </a:t>
+            </a:r>
+          </a:p>
+        </p:txBody>
+      </p:sp>
+      <p:sp>
+        <p:nvSpPr>
+          <p:cNvPr id="11" name="TextBox 10">
+            <a:extLst>
+              <a:ext uri="{FF2B5EF4-FFF2-40B4-BE49-F238E27FC236}">
+                <a16:creationId xmlns:a16="http://schemas.microsoft.com/office/drawing/2014/main" id="{8CFFC453-63D5-4985-9376-BE7589A7509A}"/>
+              </a:ext>
+            </a:extLst>
+          </p:cNvPr>
+          <p:cNvSpPr txBox="1"/>
+          <p:nvPr/>
+        </p:nvSpPr>
+        <p:spPr>
+          <a:xfrm>
+            <a:off x="7315200" y="1168519"/>
+            <a:ext cx="4395277" cy="3693319"/>
+          </a:xfrm>
+          <a:prstGeom prst="rect">
+            <a:avLst/>
+          </a:prstGeom>
+          <a:noFill/>
+        </p:spPr>
+        <p:txBody>
+          <a:bodyPr wrap="square" rtlCol="0">
+            <a:spAutoFit/>
+          </a:bodyPr>
+          <a:lstStyle/>
+          <a:p>
+            <a:r>
+              <a:rPr lang="en-GB" dirty="0">
+                <a:solidFill>
+                  <a:schemeClr val="bg1"/>
+                </a:solidFill>
+              </a:rPr>
+              <a:t>What will be the output of this method?</a:t>
+            </a:r>
+          </a:p>
+          <a:p>
+            <a:endParaRPr lang="en-GB" dirty="0">
+              <a:solidFill>
+                <a:schemeClr val="bg1"/>
+              </a:solidFill>
+            </a:endParaRPr>
+          </a:p>
+          <a:p>
+            <a:pPr marL="342900" indent="-342900">
+              <a:buFont typeface="+mj-lt"/>
+              <a:buAutoNum type="alphaUcPeriod"/>
+            </a:pPr>
+            <a:r>
+              <a:rPr lang="en-GB" dirty="0" err="1">
+                <a:solidFill>
+                  <a:schemeClr val="bg1"/>
+                </a:solidFill>
+              </a:rPr>
+              <a:t>AggregateException</a:t>
+            </a:r>
+            <a:br>
+              <a:rPr lang="en-GB" dirty="0">
+                <a:solidFill>
+                  <a:schemeClr val="bg1"/>
+                </a:solidFill>
+              </a:rPr>
+            </a:br>
+            <a:r>
+              <a:rPr lang="en-GB" dirty="0">
+                <a:solidFill>
+                  <a:schemeClr val="bg1"/>
+                </a:solidFill>
+              </a:rPr>
+              <a:t>One or more errors occurred. (This is a test exception)</a:t>
+            </a:r>
+            <a:br>
+              <a:rPr lang="en-GB" dirty="0">
+                <a:solidFill>
+                  <a:schemeClr val="bg1"/>
+                </a:solidFill>
+              </a:rPr>
+            </a:br>
+            <a:endParaRPr lang="en-GB" dirty="0">
+              <a:solidFill>
+                <a:schemeClr val="bg1"/>
+              </a:solidFill>
+            </a:endParaRPr>
+          </a:p>
+          <a:p>
+            <a:pPr marL="342900" indent="-342900">
+              <a:buFont typeface="+mj-lt"/>
+              <a:buAutoNum type="alphaUcPeriod"/>
+            </a:pPr>
+            <a:r>
+              <a:rPr lang="en-GB" dirty="0">
+                <a:solidFill>
+                  <a:schemeClr val="bg1"/>
+                </a:solidFill>
+              </a:rPr>
+              <a:t>Exception</a:t>
+            </a:r>
+          </a:p>
+          <a:p>
+            <a:r>
+              <a:rPr lang="en-GB" dirty="0">
+                <a:solidFill>
+                  <a:schemeClr val="bg1"/>
+                </a:solidFill>
+              </a:rPr>
+              <a:t>       This is a test exception</a:t>
+            </a:r>
+          </a:p>
+          <a:p>
+            <a:endParaRPr lang="en-GB" dirty="0">
+              <a:solidFill>
+                <a:schemeClr val="bg1"/>
+              </a:solidFill>
+            </a:endParaRPr>
+          </a:p>
+          <a:p>
+            <a:pPr marL="342900" indent="-342900">
+              <a:buAutoNum type="alphaUcPeriod" startAt="3"/>
+            </a:pPr>
+            <a:r>
+              <a:rPr lang="en-GB" dirty="0">
+                <a:solidFill>
+                  <a:schemeClr val="bg1"/>
+                </a:solidFill>
+              </a:rPr>
+              <a:t>An uncaught exception is thrown and can     be caught in the calling method</a:t>
+            </a:r>
+          </a:p>
+          <a:p>
+            <a:pPr marL="342900" indent="-342900">
+              <a:buAutoNum type="alphaUcPeriod" startAt="3"/>
+            </a:pPr>
+            <a:endParaRPr lang="en-GB" dirty="0">
+              <a:solidFill>
+                <a:schemeClr val="bg1"/>
+              </a:solidFill>
+            </a:endParaRPr>
+          </a:p>
+          <a:p>
+            <a:pPr marL="342900" indent="-342900">
+              <a:buAutoNum type="alphaUcPeriod" startAt="3"/>
+            </a:pPr>
+            <a:r>
+              <a:rPr lang="en-GB" dirty="0">
+                <a:solidFill>
+                  <a:schemeClr val="bg1"/>
+                </a:solidFill>
+              </a:rPr>
+              <a:t>None of the above.</a:t>
+            </a:r>
+          </a:p>
+        </p:txBody>
+      </p:sp>
+      <p:pic>
+        <p:nvPicPr>
+          <p:cNvPr id="3" name="Picture 2">
+            <a:extLst>
+              <a:ext uri="{FF2B5EF4-FFF2-40B4-BE49-F238E27FC236}">
+                <a16:creationId xmlns:a16="http://schemas.microsoft.com/office/drawing/2014/main" id="{1E68A627-623A-4C15-9AF8-EE50E57C2833}"/>
+              </a:ext>
+            </a:extLst>
+          </p:cNvPr>
+          <p:cNvPicPr>
+            <a:picLocks noChangeAspect="1"/>
+          </p:cNvPicPr>
+          <p:nvPr/>
+        </p:nvPicPr>
+        <p:blipFill>
+          <a:blip r:embed="rId2"/>
+          <a:stretch>
+            <a:fillRect/>
+          </a:stretch>
+        </p:blipFill>
+        <p:spPr>
+          <a:xfrm>
+            <a:off x="337421" y="340436"/>
+            <a:ext cx="5586301" cy="1911103"/>
+          </a:xfrm>
+          <a:prstGeom prst="rect">
+            <a:avLst/>
+          </a:prstGeom>
+        </p:spPr>
+      </p:pic>
+    </p:spTree>
+    <p:extLst>
+      <p:ext uri="{BB962C8B-B14F-4D97-AF65-F5344CB8AC3E}">
+        <p14:creationId xmlns:p14="http://schemas.microsoft.com/office/powerpoint/2010/main" val="1300467980"/>
+      </p:ext>
+    </p:extLst>
+  </p:cSld>
+  <p:clrMapOvr>
+    <a:masterClrMapping/>
+  </p:clrMapOvr>
+</p:sld>
+</file>
+
+<file path=ppt/slides/slide64.xml><?xml version="1.0" encoding="utf-8"?>
+<p:sld xmlns:a="http://schemas.openxmlformats.org/drawingml/2006/main" xmlns:r="http://schemas.openxmlformats.org/officeDocument/2006/relationships" xmlns:p="http://schemas.openxmlformats.org/presentationml/2006/main">
+  <p:cSld>
+    <p:bg>
+      <p:bgPr>
+        <a:solidFill>
+          <a:srgbClr val="1E1E1E"/>
+        </a:solidFill>
+        <a:effectLst/>
+      </p:bgPr>
+    </p:bg>
+    <p:spTree>
+      <p:nvGrpSpPr>
+        <p:cNvPr id="1" name=""/>
+        <p:cNvGrpSpPr/>
+        <p:nvPr/>
+      </p:nvGrpSpPr>
+      <p:grpSpPr>
+        <a:xfrm>
+          <a:off x="0" y="0"/>
+          <a:ext cx="0" cy="0"/>
+          <a:chOff x="0" y="0"/>
+          <a:chExt cx="0" cy="0"/>
+        </a:xfrm>
+      </p:grpSpPr>
+      <p:sp>
+        <p:nvSpPr>
+          <p:cNvPr id="6" name="TextBox 5">
+            <a:extLst>
+              <a:ext uri="{FF2B5EF4-FFF2-40B4-BE49-F238E27FC236}">
+                <a16:creationId xmlns:a16="http://schemas.microsoft.com/office/drawing/2014/main" id="{2CDFC944-8A12-42CA-B4D7-7CEF50C368ED}"/>
+              </a:ext>
+            </a:extLst>
+          </p:cNvPr>
+          <p:cNvSpPr txBox="1"/>
+          <p:nvPr/>
+        </p:nvSpPr>
+        <p:spPr>
+          <a:xfrm>
             <a:off x="7315200" y="340436"/>
             <a:ext cx="11364880" cy="369332"/>
           </a:xfrm>
@@ -16605,151 +17354,7 @@
 </p:sld>
 </file>
 
-<file path=ppt/slides/slide6.xml><?xml version="1.0" encoding="utf-8"?>
-<p:sld xmlns:a="http://schemas.openxmlformats.org/drawingml/2006/main" xmlns:r="http://schemas.openxmlformats.org/officeDocument/2006/relationships" xmlns:p="http://schemas.openxmlformats.org/presentationml/2006/main">
-  <p:cSld>
-    <p:spTree>
-      <p:nvGrpSpPr>
-        <p:cNvPr id="1" name=""/>
-        <p:cNvGrpSpPr/>
-        <p:nvPr/>
-      </p:nvGrpSpPr>
-      <p:grpSpPr>
-        <a:xfrm>
-          <a:off x="0" y="0"/>
-          <a:ext cx="0" cy="0"/>
-          <a:chOff x="0" y="0"/>
-          <a:chExt cx="0" cy="0"/>
-        </a:xfrm>
-      </p:grpSpPr>
-      <p:sp>
-        <p:nvSpPr>
-          <p:cNvPr id="4" name="TextBox 3">
-            <a:extLst>
-              <a:ext uri="{FF2B5EF4-FFF2-40B4-BE49-F238E27FC236}">
-                <a16:creationId xmlns:a16="http://schemas.microsoft.com/office/drawing/2014/main" id="{18767206-9205-42D0-A2AE-5A1017D4CB08}"/>
-              </a:ext>
-            </a:extLst>
-          </p:cNvPr>
-          <p:cNvSpPr txBox="1"/>
-          <p:nvPr/>
-        </p:nvSpPr>
-        <p:spPr>
-          <a:xfrm>
-            <a:off x="145775" y="132522"/>
-            <a:ext cx="11781182" cy="6555641"/>
-          </a:xfrm>
-          <a:prstGeom prst="rect">
-            <a:avLst/>
-          </a:prstGeom>
-          <a:noFill/>
-        </p:spPr>
-        <p:txBody>
-          <a:bodyPr wrap="square" rtlCol="0">
-            <a:spAutoFit/>
-          </a:bodyPr>
-          <a:lstStyle/>
-          <a:p>
-            <a:r>
-              <a:rPr lang="en-GB" sz="2800" b="1" dirty="0"/>
-              <a:t>Some (possibly confusing) facts about synchronous and asynchronous code</a:t>
-            </a:r>
-          </a:p>
-          <a:p>
-            <a:endParaRPr lang="en-GB" sz="2800" dirty="0"/>
-          </a:p>
-          <a:p>
-            <a:pPr marL="457200" indent="-457200">
-              <a:buFont typeface="Arial" panose="020B0604020202020204" pitchFamily="34" charset="0"/>
-              <a:buChar char="•"/>
-            </a:pPr>
-            <a:r>
-              <a:rPr lang="en-GB" sz="2800" dirty="0"/>
-              <a:t>Synchronous code may or may not run in the same thread.</a:t>
-            </a:r>
-          </a:p>
-          <a:p>
-            <a:pPr marL="457200" indent="-457200">
-              <a:buFont typeface="Arial" panose="020B0604020202020204" pitchFamily="34" charset="0"/>
-              <a:buChar char="•"/>
-            </a:pPr>
-            <a:endParaRPr lang="en-GB" sz="2800" dirty="0"/>
-          </a:p>
-          <a:p>
-            <a:pPr marL="457200" indent="-457200">
-              <a:buFont typeface="Arial" panose="020B0604020202020204" pitchFamily="34" charset="0"/>
-              <a:buChar char="•"/>
-            </a:pPr>
-            <a:r>
-              <a:rPr lang="en-GB" sz="2800" dirty="0"/>
-              <a:t>Synchronous operations can be performed sequentially, or simultaneously. </a:t>
-            </a:r>
-          </a:p>
-          <a:p>
-            <a:pPr marL="457200" indent="-457200">
-              <a:buFont typeface="Arial" panose="020B0604020202020204" pitchFamily="34" charset="0"/>
-              <a:buChar char="•"/>
-            </a:pPr>
-            <a:endParaRPr lang="en-GB" sz="2800" dirty="0"/>
-          </a:p>
-          <a:p>
-            <a:pPr marL="457200" indent="-457200">
-              <a:buFont typeface="Arial" panose="020B0604020202020204" pitchFamily="34" charset="0"/>
-              <a:buChar char="•"/>
-            </a:pPr>
-            <a:r>
-              <a:rPr lang="en-GB" sz="2800" dirty="0"/>
-              <a:t>Asynchronous operations may or may not run in multiple threads. </a:t>
-            </a:r>
-          </a:p>
-          <a:p>
-            <a:pPr marL="457200" indent="-457200">
-              <a:buFont typeface="Arial" panose="020B0604020202020204" pitchFamily="34" charset="0"/>
-              <a:buChar char="•"/>
-            </a:pPr>
-            <a:endParaRPr lang="en-GB" sz="2800" dirty="0"/>
-          </a:p>
-          <a:p>
-            <a:pPr marL="457200" indent="-457200">
-              <a:buFont typeface="Arial" panose="020B0604020202020204" pitchFamily="34" charset="0"/>
-              <a:buChar char="•"/>
-            </a:pPr>
-            <a:r>
-              <a:rPr lang="en-GB" sz="2800" dirty="0"/>
-              <a:t>Asynchronous operations can be just scheduled but never guaranteed to run at a certain time. </a:t>
-            </a:r>
-          </a:p>
-          <a:p>
-            <a:endParaRPr lang="en-GB" sz="2800" dirty="0"/>
-          </a:p>
-          <a:p>
-            <a:r>
-              <a:rPr lang="en-GB" sz="2800" dirty="0"/>
-              <a:t>Asynchrony has nothing to do with “other threads”, “background”, “simultaneous”, or “concurrent”. All of those things are irrelevant. </a:t>
-            </a:r>
-          </a:p>
-          <a:p>
-            <a:r>
-              <a:rPr lang="en-GB" sz="2800" dirty="0"/>
-              <a:t>It’s just a way to design code where you can avoid both resource contention and thread blocking. </a:t>
-            </a:r>
-          </a:p>
-        </p:txBody>
-      </p:sp>
-    </p:spTree>
-    <p:extLst>
-      <p:ext uri="{BB962C8B-B14F-4D97-AF65-F5344CB8AC3E}">
-        <p14:creationId xmlns:p14="http://schemas.microsoft.com/office/powerpoint/2010/main" val="777985352"/>
-      </p:ext>
-    </p:extLst>
-  </p:cSld>
-  <p:clrMapOvr>
-    <a:masterClrMapping/>
-  </p:clrMapOvr>
-</p:sld>
-</file>
-
-<file path=ppt/slides/slide60.xml><?xml version="1.0" encoding="utf-8"?>
+<file path=ppt/slides/slide65.xml><?xml version="1.0" encoding="utf-8"?>
 <p:sld xmlns:a="http://schemas.openxmlformats.org/drawingml/2006/main" xmlns:r="http://schemas.openxmlformats.org/officeDocument/2006/relationships" xmlns:p="http://schemas.openxmlformats.org/presentationml/2006/main">
   <p:cSld>
     <p:spTree>
@@ -17023,44 +17628,118 @@
       </p:grpSpPr>
       <p:sp>
         <p:nvSpPr>
-          <p:cNvPr id="2" name="Title 1">
-            <a:extLst>
-              <a:ext uri="{FF2B5EF4-FFF2-40B4-BE49-F238E27FC236}">
-                <a16:creationId xmlns:a16="http://schemas.microsoft.com/office/drawing/2014/main" id="{267862F2-D4D4-4F5B-B69F-65226C837768}"/>
-              </a:ext>
-            </a:extLst>
-          </p:cNvPr>
-          <p:cNvSpPr>
-            <a:spLocks noGrp="1"/>
-          </p:cNvSpPr>
-          <p:nvPr>
-            <p:ph type="ctrTitle"/>
-          </p:nvPr>
+          <p:cNvPr id="4" name="TextBox 3">
+            <a:extLst>
+              <a:ext uri="{FF2B5EF4-FFF2-40B4-BE49-F238E27FC236}">
+                <a16:creationId xmlns:a16="http://schemas.microsoft.com/office/drawing/2014/main" id="{18767206-9205-42D0-A2AE-5A1017D4CB08}"/>
+              </a:ext>
+            </a:extLst>
+          </p:cNvPr>
+          <p:cNvSpPr txBox="1"/>
+          <p:nvPr/>
         </p:nvSpPr>
-        <p:spPr/>
+        <p:spPr>
+          <a:xfrm>
+            <a:off x="145775" y="132522"/>
+            <a:ext cx="11781182" cy="5016758"/>
+          </a:xfrm>
+          <a:prstGeom prst="rect">
+            <a:avLst/>
+          </a:prstGeom>
+          <a:noFill/>
+        </p:spPr>
         <p:txBody>
-          <a:bodyPr/>
+          <a:bodyPr wrap="square" rtlCol="0">
+            <a:spAutoFit/>
+          </a:bodyPr>
           <a:lstStyle/>
           <a:p>
             <a:r>
-              <a:rPr lang="en-GB" dirty="0"/>
-              <a:t>Task, Task&lt;T&gt;, Thread and </a:t>
-            </a:r>
-            <a:r>
-              <a:rPr lang="en-GB" dirty="0" err="1"/>
-              <a:t>ThreadPool</a:t>
-            </a:r>
-            <a:r>
-              <a:rPr lang="en-GB" dirty="0"/>
-              <a:t> classes in C#</a:t>
-            </a:r>
+              <a:rPr lang="en-GB" sz="3200" b="1" dirty="0"/>
+              <a:t>What this means…</a:t>
+            </a:r>
+          </a:p>
+          <a:p>
+            <a:endParaRPr lang="en-GB" sz="3200" b="1" dirty="0"/>
+          </a:p>
+          <a:p>
+            <a:pPr marL="457200" indent="-457200">
+              <a:buFont typeface="Arial" panose="020B0604020202020204" pitchFamily="34" charset="0"/>
+              <a:buChar char="•"/>
+            </a:pPr>
+            <a:r>
+              <a:rPr lang="en-GB" sz="3200" dirty="0"/>
+              <a:t>If you want to speed up an operation which is </a:t>
+            </a:r>
+            <a:r>
+              <a:rPr lang="en-GB" sz="3200" b="1" dirty="0"/>
+              <a:t>CPU-bound</a:t>
+            </a:r>
+            <a:r>
+              <a:rPr lang="en-GB" sz="3200" dirty="0"/>
+              <a:t> by doing things </a:t>
+            </a:r>
+            <a:r>
+              <a:rPr lang="en-GB" sz="3200" b="1" dirty="0"/>
+              <a:t>asynchronously</a:t>
+            </a:r>
+            <a:r>
+              <a:rPr lang="en-GB" sz="3200" dirty="0"/>
+              <a:t>, you need to use multiple threads. </a:t>
+            </a:r>
+          </a:p>
+          <a:p>
+            <a:pPr marL="457200" indent="-457200">
+              <a:buFont typeface="Arial" panose="020B0604020202020204" pitchFamily="34" charset="0"/>
+              <a:buChar char="•"/>
+            </a:pPr>
+            <a:endParaRPr lang="en-GB" sz="3200" dirty="0"/>
+          </a:p>
+          <a:p>
+            <a:pPr marL="457200" indent="-457200">
+              <a:buFont typeface="Arial" panose="020B0604020202020204" pitchFamily="34" charset="0"/>
+              <a:buChar char="•"/>
+            </a:pPr>
+            <a:r>
+              <a:rPr lang="en-GB" sz="3200" dirty="0"/>
+              <a:t>If you want to speed up an operation which is </a:t>
+            </a:r>
+            <a:r>
+              <a:rPr lang="en-GB" sz="3200" b="1" dirty="0"/>
+              <a:t>I/O-bound </a:t>
+            </a:r>
+            <a:r>
+              <a:rPr lang="en-GB" sz="3200" dirty="0"/>
+              <a:t>by doing things </a:t>
+            </a:r>
+            <a:r>
+              <a:rPr lang="en-GB" sz="3200" b="1" dirty="0"/>
+              <a:t>asynchronously</a:t>
+            </a:r>
+          </a:p>
+          <a:p>
+            <a:pPr marL="457200" indent="-457200">
+              <a:buFont typeface="Arial" panose="020B0604020202020204" pitchFamily="34" charset="0"/>
+              <a:buChar char="•"/>
+            </a:pPr>
+            <a:endParaRPr lang="en-GB" sz="3200" dirty="0"/>
+          </a:p>
+          <a:p>
+            <a:pPr marL="457200" indent="-457200">
+              <a:buFont typeface="Arial" panose="020B0604020202020204" pitchFamily="34" charset="0"/>
+              <a:buChar char="•"/>
+            </a:pPr>
+            <a:endParaRPr lang="en-GB" sz="3200" dirty="0"/>
+          </a:p>
+          <a:p>
+            <a:endParaRPr lang="en-GB" sz="3200" dirty="0"/>
           </a:p>
         </p:txBody>
       </p:sp>
     </p:spTree>
     <p:extLst>
       <p:ext uri="{BB962C8B-B14F-4D97-AF65-F5344CB8AC3E}">
-        <p14:creationId xmlns:p14="http://schemas.microsoft.com/office/powerpoint/2010/main" val="2052231843"/>
+        <p14:creationId xmlns:p14="http://schemas.microsoft.com/office/powerpoint/2010/main" val="2257749896"/>
       </p:ext>
     </p:extLst>
   </p:cSld>
@@ -17089,90 +17768,44 @@
       </p:grpSpPr>
       <p:sp>
         <p:nvSpPr>
-          <p:cNvPr id="4" name="TextBox 3">
-            <a:extLst>
-              <a:ext uri="{FF2B5EF4-FFF2-40B4-BE49-F238E27FC236}">
-                <a16:creationId xmlns:a16="http://schemas.microsoft.com/office/drawing/2014/main" id="{18767206-9205-42D0-A2AE-5A1017D4CB08}"/>
-              </a:ext>
-            </a:extLst>
-          </p:cNvPr>
-          <p:cNvSpPr txBox="1"/>
-          <p:nvPr/>
+          <p:cNvPr id="2" name="Title 1">
+            <a:extLst>
+              <a:ext uri="{FF2B5EF4-FFF2-40B4-BE49-F238E27FC236}">
+                <a16:creationId xmlns:a16="http://schemas.microsoft.com/office/drawing/2014/main" id="{267862F2-D4D4-4F5B-B69F-65226C837768}"/>
+              </a:ext>
+            </a:extLst>
+          </p:cNvPr>
+          <p:cNvSpPr>
+            <a:spLocks noGrp="1"/>
+          </p:cNvSpPr>
+          <p:nvPr>
+            <p:ph type="ctrTitle"/>
+          </p:nvPr>
         </p:nvSpPr>
-        <p:spPr>
-          <a:xfrm>
-            <a:off x="145775" y="132522"/>
-            <a:ext cx="11781182" cy="6725478"/>
-          </a:xfrm>
-          <a:prstGeom prst="rect">
-            <a:avLst/>
-          </a:prstGeom>
-          <a:noFill/>
-        </p:spPr>
+        <p:spPr/>
         <p:txBody>
-          <a:bodyPr wrap="square" rtlCol="0">
-            <a:spAutoFit/>
-          </a:bodyPr>
+          <a:bodyPr/>
           <a:lstStyle/>
           <a:p>
             <a:r>
-              <a:rPr lang="en-GB" sz="3200" b="1" dirty="0"/>
-              <a:t>Thread</a:t>
-            </a:r>
-          </a:p>
-          <a:p>
-            <a:pPr marL="457200" indent="-457200">
-              <a:buFont typeface="Arial" panose="020B0604020202020204" pitchFamily="34" charset="0"/>
-              <a:buChar char="•"/>
-            </a:pPr>
-            <a:r>
-              <a:rPr lang="en-GB" sz="3200" dirty="0"/>
-              <a:t>Represents an actual OS-level thread, with its own stack and kernel resources. </a:t>
-            </a:r>
-          </a:p>
-          <a:p>
-            <a:pPr marL="457200" indent="-457200">
-              <a:buFont typeface="Arial" panose="020B0604020202020204" pitchFamily="34" charset="0"/>
-              <a:buChar char="•"/>
-            </a:pPr>
-            <a:r>
-              <a:rPr lang="en-GB" sz="3200" dirty="0"/>
-              <a:t>Allows the highest degree of control; you can Abort(), Suspend(), or Resume() a thread. You can also observe its state and set its properties such as its stack size. </a:t>
-            </a:r>
-          </a:p>
-          <a:p>
-            <a:pPr marL="457200" indent="-457200">
-              <a:buFont typeface="Arial" panose="020B0604020202020204" pitchFamily="34" charset="0"/>
-              <a:buChar char="•"/>
-            </a:pPr>
-            <a:r>
-              <a:rPr lang="en-GB" sz="3200" dirty="0"/>
-              <a:t>The problem with using this class is that OS threads are costly. Each thread uses a non-trivial amount of memory for its stack and adds additional CPU overhead as the processor context-switches between threads. </a:t>
-            </a:r>
-          </a:p>
-          <a:p>
-            <a:pPr marL="457200" indent="-457200">
-              <a:buFont typeface="Arial" panose="020B0604020202020204" pitchFamily="34" charset="0"/>
-              <a:buChar char="•"/>
-            </a:pPr>
-            <a:r>
-              <a:rPr lang="en-GB" sz="3200" dirty="0"/>
-              <a:t>It’s considered good practice to only have a small pool of threads which are reused and execute code as work becomes available.</a:t>
-            </a:r>
-          </a:p>
-          <a:p>
-            <a:pPr marL="457200" indent="-457200">
-              <a:buFont typeface="Arial" panose="020B0604020202020204" pitchFamily="34" charset="0"/>
-              <a:buChar char="•"/>
-            </a:pPr>
-            <a:endParaRPr lang="en-GB" sz="3200" dirty="0"/>
+              <a:rPr lang="en-GB" dirty="0"/>
+              <a:t>Task, Task&lt;T&gt;, Thread and </a:t>
+            </a:r>
+            <a:r>
+              <a:rPr lang="en-GB" dirty="0" err="1"/>
+              <a:t>ThreadPool</a:t>
+            </a:r>
+            <a:r>
+              <a:rPr lang="en-GB" dirty="0"/>
+              <a:t> classes in C#</a:t>
+            </a:r>
           </a:p>
         </p:txBody>
       </p:sp>
     </p:spTree>
     <p:extLst>
       <p:ext uri="{BB962C8B-B14F-4D97-AF65-F5344CB8AC3E}">
-        <p14:creationId xmlns:p14="http://schemas.microsoft.com/office/powerpoint/2010/main" val="1487075976"/>
+        <p14:creationId xmlns:p14="http://schemas.microsoft.com/office/powerpoint/2010/main" val="2052231843"/>
       </p:ext>
     </p:extLst>
   </p:cSld>
@@ -17214,7 +17847,7 @@
         <p:spPr>
           <a:xfrm>
             <a:off x="145775" y="132522"/>
-            <a:ext cx="11781182" cy="6001643"/>
+            <a:ext cx="11781182" cy="6725478"/>
           </a:xfrm>
           <a:prstGeom prst="rect">
             <a:avLst/>
@@ -17228,10 +17861,9 @@
           <a:lstStyle/>
           <a:p>
             <a:r>
-              <a:rPr lang="en-GB" sz="3200" b="1" dirty="0" err="1"/>
-              <a:t>ThreadPool</a:t>
-            </a:r>
-            <a:endParaRPr lang="en-GB" sz="3200" b="1" dirty="0"/>
+              <a:rPr lang="en-GB" sz="3200" b="1" dirty="0"/>
+              <a:t>Thread</a:t>
+            </a:r>
           </a:p>
           <a:p>
             <a:pPr marL="457200" indent="-457200">
@@ -17240,7 +17872,7 @@
             </a:pPr>
             <a:r>
               <a:rPr lang="en-GB" sz="3200" dirty="0"/>
-              <a:t>Acts as a wrapper around a pool of threads maintained by the CLR. </a:t>
+              <a:t>Represents an actual OS-level thread, with its own stack and kernel resources. </a:t>
             </a:r>
           </a:p>
           <a:p>
@@ -17250,7 +17882,7 @@
             </a:pPr>
             <a:r>
               <a:rPr lang="en-GB" sz="3200" dirty="0"/>
-              <a:t>Gives you no control at all. You can submit work to be completed but you can’t even determine when the pool will start the work or when it’s completed it. You also can’t determine the result. </a:t>
+              <a:t>Allows the highest degree of control; you can Abort(), Suspend(), or Resume() a thread. You can also observe its state and set its properties such as its stack size. </a:t>
             </a:r>
           </a:p>
           <a:p>
@@ -17260,15 +17892,7 @@
             </a:pPr>
             <a:r>
               <a:rPr lang="en-GB" sz="3200" dirty="0"/>
-              <a:t>Using </a:t>
-            </a:r>
-            <a:r>
-              <a:rPr lang="en-GB" sz="3200" dirty="0" err="1"/>
-              <a:t>ThreadPool</a:t>
-            </a:r>
-            <a:r>
-              <a:rPr lang="en-GB" sz="3200" dirty="0"/>
-              <a:t> avoids the overhead of creating too many threads. </a:t>
+              <a:t>The problem with using this class is that OS threads are costly. Each thread uses a non-trivial amount of memory for its stack and adds additional CPU overhead as the processor context-switches between threads. </a:t>
             </a:r>
           </a:p>
           <a:p>
@@ -17278,7 +17902,7 @@
             </a:pPr>
             <a:r>
               <a:rPr lang="en-GB" sz="3200" dirty="0"/>
-              <a:t>Submitting too many long-running tasks to the thread pool is bad however, as it can get full and later work that it submitted can end up waiting a long time for earlier submitted tasks to finish. </a:t>
+              <a:t>It’s considered good practice to only have a small pool of threads which are reused and execute code as work becomes available.</a:t>
             </a:r>
           </a:p>
           <a:p>
@@ -17286,17 +17910,14 @@
               <a:buFont typeface="Arial" panose="020B0604020202020204" pitchFamily="34" charset="0"/>
               <a:buChar char="•"/>
             </a:pPr>
-            <a:r>
-              <a:rPr lang="en-GB" sz="3200" dirty="0"/>
-              <a:t>It’s therefore best used for short operations when the caller does not need the result. </a:t>
-            </a:r>
+            <a:endParaRPr lang="en-GB" sz="3200" dirty="0"/>
           </a:p>
         </p:txBody>
       </p:sp>
     </p:spTree>
     <p:extLst>
       <p:ext uri="{BB962C8B-B14F-4D97-AF65-F5344CB8AC3E}">
-        <p14:creationId xmlns:p14="http://schemas.microsoft.com/office/powerpoint/2010/main" val="3951006242"/>
+        <p14:creationId xmlns:p14="http://schemas.microsoft.com/office/powerpoint/2010/main" val="1487075976"/>
       </p:ext>
     </p:extLst>
   </p:cSld>

--- a/Async and await presentation.pptx
+++ b/Async and await presentation.pptx
@@ -7,20 +7,20 @@
   <p:sldIdLst>
     <p:sldId id="256" r:id="rId2"/>
     <p:sldId id="320" r:id="rId3"/>
-    <p:sldId id="262" r:id="rId4"/>
-    <p:sldId id="264" r:id="rId5"/>
-    <p:sldId id="321" r:id="rId6"/>
-    <p:sldId id="322" r:id="rId7"/>
+    <p:sldId id="321" r:id="rId4"/>
+    <p:sldId id="322" r:id="rId5"/>
+    <p:sldId id="262" r:id="rId6"/>
+    <p:sldId id="264" r:id="rId7"/>
     <p:sldId id="323" r:id="rId8"/>
     <p:sldId id="257" r:id="rId9"/>
     <p:sldId id="258" r:id="rId10"/>
     <p:sldId id="259" r:id="rId11"/>
     <p:sldId id="260" r:id="rId12"/>
-    <p:sldId id="317" r:id="rId13"/>
-    <p:sldId id="266" r:id="rId14"/>
-    <p:sldId id="319" r:id="rId15"/>
-    <p:sldId id="318" r:id="rId16"/>
-    <p:sldId id="261" r:id="rId17"/>
+    <p:sldId id="261" r:id="rId13"/>
+    <p:sldId id="317" r:id="rId14"/>
+    <p:sldId id="266" r:id="rId15"/>
+    <p:sldId id="319" r:id="rId16"/>
+    <p:sldId id="318" r:id="rId17"/>
     <p:sldId id="265" r:id="rId18"/>
     <p:sldId id="267" r:id="rId19"/>
     <p:sldId id="268" r:id="rId20"/>
@@ -325,7 +325,7 @@
           <a:p>
             <a:fld id="{BFEF692B-FC3E-4552-B87F-4B5A00EB12B2}" type="datetimeFigureOut">
               <a:rPr lang="en-GB" smtClean="0"/>
-              <a:t>03/03/2020</a:t>
+              <a:t>04/03/2020</a:t>
             </a:fld>
             <a:endParaRPr lang="en-GB"/>
           </a:p>
@@ -525,7 +525,7 @@
           <a:p>
             <a:fld id="{BFEF692B-FC3E-4552-B87F-4B5A00EB12B2}" type="datetimeFigureOut">
               <a:rPr lang="en-GB" smtClean="0"/>
-              <a:t>03/03/2020</a:t>
+              <a:t>04/03/2020</a:t>
             </a:fld>
             <a:endParaRPr lang="en-GB"/>
           </a:p>
@@ -735,7 +735,7 @@
           <a:p>
             <a:fld id="{BFEF692B-FC3E-4552-B87F-4B5A00EB12B2}" type="datetimeFigureOut">
               <a:rPr lang="en-GB" smtClean="0"/>
-              <a:t>03/03/2020</a:t>
+              <a:t>04/03/2020</a:t>
             </a:fld>
             <a:endParaRPr lang="en-GB"/>
           </a:p>
@@ -935,7 +935,7 @@
           <a:p>
             <a:fld id="{BFEF692B-FC3E-4552-B87F-4B5A00EB12B2}" type="datetimeFigureOut">
               <a:rPr lang="en-GB" smtClean="0"/>
-              <a:t>03/03/2020</a:t>
+              <a:t>04/03/2020</a:t>
             </a:fld>
             <a:endParaRPr lang="en-GB"/>
           </a:p>
@@ -1211,7 +1211,7 @@
           <a:p>
             <a:fld id="{BFEF692B-FC3E-4552-B87F-4B5A00EB12B2}" type="datetimeFigureOut">
               <a:rPr lang="en-GB" smtClean="0"/>
-              <a:t>03/03/2020</a:t>
+              <a:t>04/03/2020</a:t>
             </a:fld>
             <a:endParaRPr lang="en-GB"/>
           </a:p>
@@ -1479,7 +1479,7 @@
           <a:p>
             <a:fld id="{BFEF692B-FC3E-4552-B87F-4B5A00EB12B2}" type="datetimeFigureOut">
               <a:rPr lang="en-GB" smtClean="0"/>
-              <a:t>03/03/2020</a:t>
+              <a:t>04/03/2020</a:t>
             </a:fld>
             <a:endParaRPr lang="en-GB"/>
           </a:p>
@@ -1894,7 +1894,7 @@
           <a:p>
             <a:fld id="{BFEF692B-FC3E-4552-B87F-4B5A00EB12B2}" type="datetimeFigureOut">
               <a:rPr lang="en-GB" smtClean="0"/>
-              <a:t>03/03/2020</a:t>
+              <a:t>04/03/2020</a:t>
             </a:fld>
             <a:endParaRPr lang="en-GB"/>
           </a:p>
@@ -2036,7 +2036,7 @@
           <a:p>
             <a:fld id="{BFEF692B-FC3E-4552-B87F-4B5A00EB12B2}" type="datetimeFigureOut">
               <a:rPr lang="en-GB" smtClean="0"/>
-              <a:t>03/03/2020</a:t>
+              <a:t>04/03/2020</a:t>
             </a:fld>
             <a:endParaRPr lang="en-GB"/>
           </a:p>
@@ -2149,7 +2149,7 @@
           <a:p>
             <a:fld id="{BFEF692B-FC3E-4552-B87F-4B5A00EB12B2}" type="datetimeFigureOut">
               <a:rPr lang="en-GB" smtClean="0"/>
-              <a:t>03/03/2020</a:t>
+              <a:t>04/03/2020</a:t>
             </a:fld>
             <a:endParaRPr lang="en-GB"/>
           </a:p>
@@ -2462,7 +2462,7 @@
           <a:p>
             <a:fld id="{BFEF692B-FC3E-4552-B87F-4B5A00EB12B2}" type="datetimeFigureOut">
               <a:rPr lang="en-GB" smtClean="0"/>
-              <a:t>03/03/2020</a:t>
+              <a:t>04/03/2020</a:t>
             </a:fld>
             <a:endParaRPr lang="en-GB"/>
           </a:p>
@@ -2751,7 +2751,7 @@
           <a:p>
             <a:fld id="{BFEF692B-FC3E-4552-B87F-4B5A00EB12B2}" type="datetimeFigureOut">
               <a:rPr lang="en-GB" smtClean="0"/>
-              <a:t>03/03/2020</a:t>
+              <a:t>04/03/2020</a:t>
             </a:fld>
             <a:endParaRPr lang="en-GB"/>
           </a:p>
@@ -2994,7 +2994,7 @@
           <a:p>
             <a:fld id="{BFEF692B-FC3E-4552-B87F-4B5A00EB12B2}" type="datetimeFigureOut">
               <a:rPr lang="en-GB" smtClean="0"/>
-              <a:t>03/03/2020</a:t>
+              <a:t>04/03/2020</a:t>
             </a:fld>
             <a:endParaRPr lang="en-GB"/>
           </a:p>
@@ -3841,7 +3841,7 @@
         <p:spPr>
           <a:xfrm>
             <a:off x="145775" y="132522"/>
-            <a:ext cx="11781182" cy="584775"/>
+            <a:ext cx="11781182" cy="6001643"/>
           </a:xfrm>
           <a:prstGeom prst="rect">
             <a:avLst/>
@@ -3856,132 +3856,87 @@
           <a:p>
             <a:r>
               <a:rPr lang="en-GB" sz="3200" b="1" dirty="0"/>
-              <a:t>Here are some example of synchronous methods in C#:</a:t>
-            </a:r>
-          </a:p>
-        </p:txBody>
-      </p:sp>
-      <p:pic>
-        <p:nvPicPr>
-          <p:cNvPr id="2" name="Picture 1">
-            <a:extLst>
-              <a:ext uri="{FF2B5EF4-FFF2-40B4-BE49-F238E27FC236}">
-                <a16:creationId xmlns:a16="http://schemas.microsoft.com/office/drawing/2014/main" id="{136A1FC5-97AC-4D35-A13E-09392AB806BF}"/>
-              </a:ext>
-            </a:extLst>
-          </p:cNvPr>
-          <p:cNvPicPr>
-            <a:picLocks noChangeAspect="1"/>
-          </p:cNvPicPr>
-          <p:nvPr/>
-        </p:nvPicPr>
-        <p:blipFill>
-          <a:blip r:embed="rId2"/>
-          <a:stretch>
-            <a:fillRect/>
-          </a:stretch>
-        </p:blipFill>
-        <p:spPr>
-          <a:xfrm>
-            <a:off x="5650335" y="1211488"/>
-            <a:ext cx="6175022" cy="2325282"/>
-          </a:xfrm>
-          <a:prstGeom prst="rect">
-            <a:avLst/>
-          </a:prstGeom>
-        </p:spPr>
-      </p:pic>
-      <p:pic>
-        <p:nvPicPr>
-          <p:cNvPr id="3" name="Picture 2">
-            <a:extLst>
-              <a:ext uri="{FF2B5EF4-FFF2-40B4-BE49-F238E27FC236}">
-                <a16:creationId xmlns:a16="http://schemas.microsoft.com/office/drawing/2014/main" id="{A5715088-701E-4AE3-B68C-8DF783327A99}"/>
-              </a:ext>
-            </a:extLst>
-          </p:cNvPr>
-          <p:cNvPicPr>
-            <a:picLocks noChangeAspect="1"/>
-          </p:cNvPicPr>
-          <p:nvPr/>
-        </p:nvPicPr>
-        <p:blipFill>
-          <a:blip r:embed="rId3"/>
-          <a:stretch>
-            <a:fillRect/>
-          </a:stretch>
-        </p:blipFill>
-        <p:spPr>
-          <a:xfrm>
-            <a:off x="526207" y="1211488"/>
-            <a:ext cx="4591050" cy="2105025"/>
-          </a:xfrm>
-          <a:prstGeom prst="rect">
-            <a:avLst/>
-          </a:prstGeom>
-        </p:spPr>
-      </p:pic>
-      <p:pic>
-        <p:nvPicPr>
-          <p:cNvPr id="5" name="Picture 4">
-            <a:extLst>
-              <a:ext uri="{FF2B5EF4-FFF2-40B4-BE49-F238E27FC236}">
-                <a16:creationId xmlns:a16="http://schemas.microsoft.com/office/drawing/2014/main" id="{4F9BE8B1-40C1-42F0-A075-B369F7D0DE93}"/>
-              </a:ext>
-            </a:extLst>
-          </p:cNvPr>
-          <p:cNvPicPr>
-            <a:picLocks noChangeAspect="1"/>
-          </p:cNvPicPr>
-          <p:nvPr/>
-        </p:nvPicPr>
-        <p:blipFill>
-          <a:blip r:embed="rId4"/>
-          <a:stretch>
-            <a:fillRect/>
-          </a:stretch>
-        </p:blipFill>
-        <p:spPr>
-          <a:xfrm>
-            <a:off x="1870788" y="3698047"/>
-            <a:ext cx="8077200" cy="1562100"/>
-          </a:xfrm>
-          <a:prstGeom prst="rect">
-            <a:avLst/>
-          </a:prstGeom>
-        </p:spPr>
-      </p:pic>
-      <p:sp>
-        <p:nvSpPr>
-          <p:cNvPr id="7" name="Rectangle 6">
-            <a:extLst>
-              <a:ext uri="{FF2B5EF4-FFF2-40B4-BE49-F238E27FC236}">
-                <a16:creationId xmlns:a16="http://schemas.microsoft.com/office/drawing/2014/main" id="{F360AEFE-75F4-45D0-9D24-4D6C2B4E87B2}"/>
-              </a:ext>
-            </a:extLst>
-          </p:cNvPr>
-          <p:cNvSpPr/>
-          <p:nvPr/>
-        </p:nvSpPr>
-        <p:spPr>
-          <a:xfrm>
-            <a:off x="145775" y="5718406"/>
-            <a:ext cx="11679581" cy="584775"/>
-          </a:xfrm>
-          <a:prstGeom prst="rect">
-            <a:avLst/>
-          </a:prstGeom>
-        </p:spPr>
-        <p:txBody>
-          <a:bodyPr wrap="square">
-            <a:spAutoFit/>
-          </a:bodyPr>
-          <a:lstStyle/>
-          <a:p>
-            <a:pPr algn="ctr"/>
-            <a:r>
-              <a:rPr lang="en-GB" sz="3200" b="1" dirty="0"/>
-              <a:t>Notice that all of these methods are CPU-bound</a:t>
+              <a:t>Summary</a:t>
+            </a:r>
+          </a:p>
+          <a:p>
+            <a:endParaRPr lang="en-GB" sz="3200" b="1" dirty="0"/>
+          </a:p>
+          <a:p>
+            <a:pPr marL="457200" indent="-457200">
+              <a:buFont typeface="Arial" panose="020B0604020202020204" pitchFamily="34" charset="0"/>
+              <a:buChar char="•"/>
+            </a:pPr>
+            <a:r>
+              <a:rPr lang="en-GB" sz="3200" dirty="0"/>
+              <a:t>Tasks are an easy way of writing methods which can be run asynchronously.</a:t>
+            </a:r>
+          </a:p>
+          <a:p>
+            <a:endParaRPr lang="en-GB" sz="3200" dirty="0"/>
+          </a:p>
+          <a:p>
+            <a:pPr marL="457200" indent="-457200">
+              <a:buFont typeface="Arial" panose="020B0604020202020204" pitchFamily="34" charset="0"/>
+              <a:buChar char="•"/>
+            </a:pPr>
+            <a:r>
+              <a:rPr lang="en-GB" sz="3200" dirty="0"/>
+              <a:t>Task provides a powerful API and avoids wasting OS threads.</a:t>
+            </a:r>
+          </a:p>
+          <a:p>
+            <a:pPr marL="457200" indent="-457200">
+              <a:buFont typeface="Arial" panose="020B0604020202020204" pitchFamily="34" charset="0"/>
+              <a:buChar char="•"/>
+            </a:pPr>
+            <a:endParaRPr lang="en-GB" sz="3200" dirty="0"/>
+          </a:p>
+          <a:p>
+            <a:pPr marL="457200" indent="-457200">
+              <a:buFont typeface="Arial" panose="020B0604020202020204" pitchFamily="34" charset="0"/>
+              <a:buChar char="•"/>
+            </a:pPr>
+            <a:r>
+              <a:rPr lang="en-GB" sz="3200" dirty="0"/>
+              <a:t>It is extremely unlikely that you will ever need to use the Thread or </a:t>
+            </a:r>
+            <a:r>
+              <a:rPr lang="en-GB" sz="3200" dirty="0" err="1"/>
+              <a:t>ThreadPool</a:t>
+            </a:r>
+            <a:r>
+              <a:rPr lang="en-GB" sz="3200" dirty="0"/>
+              <a:t> classes. </a:t>
+            </a:r>
+          </a:p>
+          <a:p>
+            <a:pPr marL="457200" indent="-457200">
+              <a:buFont typeface="Arial" panose="020B0604020202020204" pitchFamily="34" charset="0"/>
+              <a:buChar char="•"/>
+            </a:pPr>
+            <a:endParaRPr lang="en-GB" sz="3200" dirty="0"/>
+          </a:p>
+          <a:p>
+            <a:pPr marL="457200" indent="-457200">
+              <a:buFont typeface="Arial" panose="020B0604020202020204" pitchFamily="34" charset="0"/>
+              <a:buChar char="•"/>
+            </a:pPr>
+            <a:r>
+              <a:rPr lang="en-GB" sz="3200" dirty="0"/>
+              <a:t>Unless you have a good reason, </a:t>
+            </a:r>
+            <a:r>
+              <a:rPr lang="en-GB" sz="3200" b="1" u="sng" dirty="0"/>
+              <a:t>completely ignore Thread and </a:t>
+            </a:r>
+            <a:r>
+              <a:rPr lang="en-GB" sz="3200" b="1" u="sng" dirty="0" err="1"/>
+              <a:t>ThreadPool</a:t>
+            </a:r>
+            <a:r>
+              <a:rPr lang="en-GB" sz="3200" b="1" u="sng" dirty="0"/>
+              <a:t>. Only think about Task!</a:t>
             </a:r>
           </a:p>
         </p:txBody>
@@ -3989,7 +3944,7 @@
     </p:spTree>
     <p:extLst>
       <p:ext uri="{BB962C8B-B14F-4D97-AF65-F5344CB8AC3E}">
-        <p14:creationId xmlns:p14="http://schemas.microsoft.com/office/powerpoint/2010/main" val="220451678"/>
+        <p14:creationId xmlns:p14="http://schemas.microsoft.com/office/powerpoint/2010/main" val="1198929045"/>
       </p:ext>
     </p:extLst>
   </p:cSld>
@@ -4031,7 +3986,7 @@
         <p:spPr>
           <a:xfrm>
             <a:off x="145775" y="132522"/>
-            <a:ext cx="11781182" cy="6555641"/>
+            <a:ext cx="11781182" cy="584775"/>
           </a:xfrm>
           <a:prstGeom prst="rect">
             <a:avLst/>
@@ -4045,87 +4000,133 @@
           <a:lstStyle/>
           <a:p>
             <a:r>
-              <a:rPr lang="en-GB" sz="2800" b="1" dirty="0"/>
-              <a:t>Some (possibly confusing) facts about synchronous and asynchronous code</a:t>
-            </a:r>
-          </a:p>
-          <a:p>
-            <a:endParaRPr lang="en-GB" sz="2800" dirty="0"/>
-          </a:p>
-          <a:p>
-            <a:pPr marL="457200" indent="-457200">
-              <a:buFont typeface="Arial" panose="020B0604020202020204" pitchFamily="34" charset="0"/>
-              <a:buChar char="•"/>
-            </a:pPr>
-            <a:r>
-              <a:rPr lang="en-GB" sz="2800" dirty="0"/>
-              <a:t>Synchronous code may or may not run in the same thread.</a:t>
-            </a:r>
-          </a:p>
-          <a:p>
-            <a:pPr marL="457200" indent="-457200">
-              <a:buFont typeface="Arial" panose="020B0604020202020204" pitchFamily="34" charset="0"/>
-              <a:buChar char="•"/>
-            </a:pPr>
-            <a:endParaRPr lang="en-GB" sz="2800" dirty="0"/>
-          </a:p>
-          <a:p>
-            <a:pPr marL="457200" indent="-457200">
-              <a:buFont typeface="Arial" panose="020B0604020202020204" pitchFamily="34" charset="0"/>
-              <a:buChar char="•"/>
-            </a:pPr>
-            <a:r>
-              <a:rPr lang="en-GB" sz="2800" dirty="0"/>
-              <a:t>Synchronous operations can be performed sequentially, or simultaneously. </a:t>
-            </a:r>
-          </a:p>
-          <a:p>
-            <a:pPr marL="457200" indent="-457200">
-              <a:buFont typeface="Arial" panose="020B0604020202020204" pitchFamily="34" charset="0"/>
-              <a:buChar char="•"/>
-            </a:pPr>
-            <a:endParaRPr lang="en-GB" sz="2800" dirty="0"/>
-          </a:p>
-          <a:p>
-            <a:pPr marL="457200" indent="-457200">
-              <a:buFont typeface="Arial" panose="020B0604020202020204" pitchFamily="34" charset="0"/>
-              <a:buChar char="•"/>
-            </a:pPr>
-            <a:r>
-              <a:rPr lang="en-GB" sz="2800" dirty="0"/>
-              <a:t>Asynchronous operations may or may not run in multiple threads. </a:t>
-            </a:r>
-          </a:p>
-          <a:p>
-            <a:pPr marL="457200" indent="-457200">
-              <a:buFont typeface="Arial" panose="020B0604020202020204" pitchFamily="34" charset="0"/>
-              <a:buChar char="•"/>
-            </a:pPr>
-            <a:endParaRPr lang="en-GB" sz="2800" dirty="0"/>
-          </a:p>
-          <a:p>
-            <a:pPr marL="457200" indent="-457200">
-              <a:buFont typeface="Arial" panose="020B0604020202020204" pitchFamily="34" charset="0"/>
-              <a:buChar char="•"/>
-            </a:pPr>
-            <a:r>
-              <a:rPr lang="en-GB" sz="2800" dirty="0"/>
-              <a:t>Asynchronous operations can be just scheduled but never guaranteed to run at a certain time. </a:t>
-            </a:r>
-          </a:p>
-          <a:p>
-            <a:endParaRPr lang="en-GB" sz="2800" dirty="0"/>
-          </a:p>
-          <a:p>
-            <a:r>
-              <a:rPr lang="en-GB" sz="2800" dirty="0"/>
-              <a:t>Asynchrony has nothing to do with “other threads”, “background”, “simultaneous”, or “concurrent”. All of those things are irrelevant. </a:t>
-            </a:r>
-          </a:p>
-          <a:p>
-            <a:r>
-              <a:rPr lang="en-GB" sz="2800" dirty="0"/>
-              <a:t>It’s just a way to design code where you can avoid both resource contention and thread blocking. </a:t>
+              <a:rPr lang="en-GB" sz="3200" b="1" dirty="0"/>
+              <a:t>Here are some example of synchronous methods in C#:</a:t>
+            </a:r>
+          </a:p>
+        </p:txBody>
+      </p:sp>
+      <p:pic>
+        <p:nvPicPr>
+          <p:cNvPr id="2" name="Picture 1">
+            <a:extLst>
+              <a:ext uri="{FF2B5EF4-FFF2-40B4-BE49-F238E27FC236}">
+                <a16:creationId xmlns:a16="http://schemas.microsoft.com/office/drawing/2014/main" id="{136A1FC5-97AC-4D35-A13E-09392AB806BF}"/>
+              </a:ext>
+            </a:extLst>
+          </p:cNvPr>
+          <p:cNvPicPr>
+            <a:picLocks noChangeAspect="1"/>
+          </p:cNvPicPr>
+          <p:nvPr/>
+        </p:nvPicPr>
+        <p:blipFill>
+          <a:blip r:embed="rId2"/>
+          <a:stretch>
+            <a:fillRect/>
+          </a:stretch>
+        </p:blipFill>
+        <p:spPr>
+          <a:xfrm>
+            <a:off x="5650335" y="1211488"/>
+            <a:ext cx="6175022" cy="2325282"/>
+          </a:xfrm>
+          <a:prstGeom prst="rect">
+            <a:avLst/>
+          </a:prstGeom>
+        </p:spPr>
+      </p:pic>
+      <p:pic>
+        <p:nvPicPr>
+          <p:cNvPr id="3" name="Picture 2">
+            <a:extLst>
+              <a:ext uri="{FF2B5EF4-FFF2-40B4-BE49-F238E27FC236}">
+                <a16:creationId xmlns:a16="http://schemas.microsoft.com/office/drawing/2014/main" id="{A5715088-701E-4AE3-B68C-8DF783327A99}"/>
+              </a:ext>
+            </a:extLst>
+          </p:cNvPr>
+          <p:cNvPicPr>
+            <a:picLocks noChangeAspect="1"/>
+          </p:cNvPicPr>
+          <p:nvPr/>
+        </p:nvPicPr>
+        <p:blipFill>
+          <a:blip r:embed="rId3"/>
+          <a:stretch>
+            <a:fillRect/>
+          </a:stretch>
+        </p:blipFill>
+        <p:spPr>
+          <a:xfrm>
+            <a:off x="526207" y="1211488"/>
+            <a:ext cx="4591050" cy="2105025"/>
+          </a:xfrm>
+          <a:prstGeom prst="rect">
+            <a:avLst/>
+          </a:prstGeom>
+        </p:spPr>
+      </p:pic>
+      <p:pic>
+        <p:nvPicPr>
+          <p:cNvPr id="5" name="Picture 4">
+            <a:extLst>
+              <a:ext uri="{FF2B5EF4-FFF2-40B4-BE49-F238E27FC236}">
+                <a16:creationId xmlns:a16="http://schemas.microsoft.com/office/drawing/2014/main" id="{4F9BE8B1-40C1-42F0-A075-B369F7D0DE93}"/>
+              </a:ext>
+            </a:extLst>
+          </p:cNvPr>
+          <p:cNvPicPr>
+            <a:picLocks noChangeAspect="1"/>
+          </p:cNvPicPr>
+          <p:nvPr/>
+        </p:nvPicPr>
+        <p:blipFill>
+          <a:blip r:embed="rId4"/>
+          <a:stretch>
+            <a:fillRect/>
+          </a:stretch>
+        </p:blipFill>
+        <p:spPr>
+          <a:xfrm>
+            <a:off x="1870788" y="3698047"/>
+            <a:ext cx="8077200" cy="1562100"/>
+          </a:xfrm>
+          <a:prstGeom prst="rect">
+            <a:avLst/>
+          </a:prstGeom>
+        </p:spPr>
+      </p:pic>
+      <p:sp>
+        <p:nvSpPr>
+          <p:cNvPr id="7" name="Rectangle 6">
+            <a:extLst>
+              <a:ext uri="{FF2B5EF4-FFF2-40B4-BE49-F238E27FC236}">
+                <a16:creationId xmlns:a16="http://schemas.microsoft.com/office/drawing/2014/main" id="{F360AEFE-75F4-45D0-9D24-4D6C2B4E87B2}"/>
+              </a:ext>
+            </a:extLst>
+          </p:cNvPr>
+          <p:cNvSpPr/>
+          <p:nvPr/>
+        </p:nvSpPr>
+        <p:spPr>
+          <a:xfrm>
+            <a:off x="145775" y="5718406"/>
+            <a:ext cx="11679581" cy="584775"/>
+          </a:xfrm>
+          <a:prstGeom prst="rect">
+            <a:avLst/>
+          </a:prstGeom>
+        </p:spPr>
+        <p:txBody>
+          <a:bodyPr wrap="square">
+            <a:spAutoFit/>
+          </a:bodyPr>
+          <a:lstStyle/>
+          <a:p>
+            <a:pPr algn="ctr"/>
+            <a:r>
+              <a:rPr lang="en-GB" sz="3200" b="1" dirty="0"/>
+              <a:t>Notice that all of these methods are CPU-bound</a:t>
             </a:r>
           </a:p>
         </p:txBody>
@@ -4133,7 +4134,7 @@
     </p:spTree>
     <p:extLst>
       <p:ext uri="{BB962C8B-B14F-4D97-AF65-F5344CB8AC3E}">
-        <p14:creationId xmlns:p14="http://schemas.microsoft.com/office/powerpoint/2010/main" val="777985352"/>
+        <p14:creationId xmlns:p14="http://schemas.microsoft.com/office/powerpoint/2010/main" val="220451678"/>
       </p:ext>
     </p:extLst>
   </p:cSld>
@@ -4175,7 +4176,7 @@
         <p:spPr>
           <a:xfrm>
             <a:off x="145775" y="132522"/>
-            <a:ext cx="11781182" cy="584775"/>
+            <a:ext cx="11781182" cy="6555641"/>
           </a:xfrm>
           <a:prstGeom prst="rect">
             <a:avLst/>
@@ -4189,8 +4190,87 @@
           <a:lstStyle/>
           <a:p>
             <a:r>
-              <a:rPr lang="en-GB" sz="3200" b="1" dirty="0"/>
-              <a:t>Here are some example of asynchronous methods in C#:</a:t>
+              <a:rPr lang="en-GB" sz="2800" b="1" dirty="0"/>
+              <a:t>Some (possibly confusing) facts about synchronous and asynchronous code</a:t>
+            </a:r>
+          </a:p>
+          <a:p>
+            <a:endParaRPr lang="en-GB" sz="2800" dirty="0"/>
+          </a:p>
+          <a:p>
+            <a:pPr marL="457200" indent="-457200">
+              <a:buFont typeface="Arial" panose="020B0604020202020204" pitchFamily="34" charset="0"/>
+              <a:buChar char="•"/>
+            </a:pPr>
+            <a:r>
+              <a:rPr lang="en-GB" sz="2800" dirty="0"/>
+              <a:t>Synchronous code may or may not run in the same thread.</a:t>
+            </a:r>
+          </a:p>
+          <a:p>
+            <a:pPr marL="457200" indent="-457200">
+              <a:buFont typeface="Arial" panose="020B0604020202020204" pitchFamily="34" charset="0"/>
+              <a:buChar char="•"/>
+            </a:pPr>
+            <a:endParaRPr lang="en-GB" sz="2800" dirty="0"/>
+          </a:p>
+          <a:p>
+            <a:pPr marL="457200" indent="-457200">
+              <a:buFont typeface="Arial" panose="020B0604020202020204" pitchFamily="34" charset="0"/>
+              <a:buChar char="•"/>
+            </a:pPr>
+            <a:r>
+              <a:rPr lang="en-GB" sz="2800" dirty="0"/>
+              <a:t>Synchronous operations can be performed sequentially, or simultaneously. </a:t>
+            </a:r>
+          </a:p>
+          <a:p>
+            <a:pPr marL="457200" indent="-457200">
+              <a:buFont typeface="Arial" panose="020B0604020202020204" pitchFamily="34" charset="0"/>
+              <a:buChar char="•"/>
+            </a:pPr>
+            <a:endParaRPr lang="en-GB" sz="2800" dirty="0"/>
+          </a:p>
+          <a:p>
+            <a:pPr marL="457200" indent="-457200">
+              <a:buFont typeface="Arial" panose="020B0604020202020204" pitchFamily="34" charset="0"/>
+              <a:buChar char="•"/>
+            </a:pPr>
+            <a:r>
+              <a:rPr lang="en-GB" sz="2800" dirty="0"/>
+              <a:t>Asynchronous operations may or may not run in multiple threads. </a:t>
+            </a:r>
+          </a:p>
+          <a:p>
+            <a:pPr marL="457200" indent="-457200">
+              <a:buFont typeface="Arial" panose="020B0604020202020204" pitchFamily="34" charset="0"/>
+              <a:buChar char="•"/>
+            </a:pPr>
+            <a:endParaRPr lang="en-GB" sz="2800" dirty="0"/>
+          </a:p>
+          <a:p>
+            <a:pPr marL="457200" indent="-457200">
+              <a:buFont typeface="Arial" panose="020B0604020202020204" pitchFamily="34" charset="0"/>
+              <a:buChar char="•"/>
+            </a:pPr>
+            <a:r>
+              <a:rPr lang="en-GB" sz="2800" dirty="0"/>
+              <a:t>Asynchronous operations can be just scheduled but never guaranteed to run at a certain time. </a:t>
+            </a:r>
+          </a:p>
+          <a:p>
+            <a:endParaRPr lang="en-GB" sz="2800" dirty="0"/>
+          </a:p>
+          <a:p>
+            <a:r>
+              <a:rPr lang="en-GB" sz="2800" dirty="0"/>
+              <a:t>Asynchrony has nothing to do with “other threads”, “background”, “simultaneous”, or “concurrent”. All of those things are irrelevant. </a:t>
+            </a:r>
+          </a:p>
+          <a:p>
+            <a:r>
+              <a:rPr lang="en-GB" sz="2800" dirty="0"/>
+              <a:t>It’s just a way to design code where you can avoid both resource contention and thread blocking. </a:t>
             </a:r>
           </a:p>
         </p:txBody>
@@ -4198,7 +4278,7 @@
     </p:spTree>
     <p:extLst>
       <p:ext uri="{BB962C8B-B14F-4D97-AF65-F5344CB8AC3E}">
-        <p14:creationId xmlns:p14="http://schemas.microsoft.com/office/powerpoint/2010/main" val="1723273691"/>
+        <p14:creationId xmlns:p14="http://schemas.microsoft.com/office/powerpoint/2010/main" val="777985352"/>
       </p:ext>
     </p:extLst>
   </p:cSld>
@@ -4240,7 +4320,7 @@
         <p:spPr>
           <a:xfrm>
             <a:off x="145775" y="132522"/>
-            <a:ext cx="11781182" cy="5016758"/>
+            <a:ext cx="11781182" cy="584775"/>
           </a:xfrm>
           <a:prstGeom prst="rect">
             <a:avLst/>
@@ -4254,67 +4334,8 @@
           <a:lstStyle/>
           <a:p>
             <a:r>
-              <a:rPr lang="en-GB" sz="3200" b="1" dirty="0" err="1"/>
-              <a:t>Task.Run</a:t>
-            </a:r>
-            <a:endParaRPr lang="en-GB" sz="3200" b="1" dirty="0"/>
-          </a:p>
-          <a:p>
-            <a:endParaRPr lang="en-GB" sz="3200" b="1" dirty="0"/>
-          </a:p>
-          <a:p>
-            <a:r>
-              <a:rPr lang="en-GB" sz="3200" b="1" dirty="0" err="1"/>
-              <a:t>Task.Start</a:t>
-            </a:r>
-            <a:endParaRPr lang="en-GB" sz="3200" b="1" dirty="0"/>
-          </a:p>
-          <a:p>
-            <a:endParaRPr lang="en-GB" sz="3200" b="1" dirty="0"/>
-          </a:p>
-          <a:p>
-            <a:r>
-              <a:rPr lang="en-GB" sz="3200" b="1" dirty="0" err="1"/>
-              <a:t>Task.Wait</a:t>
-            </a:r>
-            <a:endParaRPr lang="en-GB" sz="3200" b="1" dirty="0"/>
-          </a:p>
-          <a:p>
-            <a:endParaRPr lang="en-GB" sz="3200" b="1" dirty="0"/>
-          </a:p>
-          <a:p>
-            <a:r>
-              <a:rPr lang="en-GB" sz="3200" b="1" dirty="0" err="1"/>
-              <a:t>Task.RunSynchronously</a:t>
-            </a:r>
-            <a:endParaRPr lang="en-GB" sz="3200" b="1" dirty="0"/>
-          </a:p>
-          <a:p>
-            <a:endParaRPr lang="en-GB" sz="3200" b="1" dirty="0"/>
-          </a:p>
-          <a:p>
-            <a:endParaRPr lang="en-GB" sz="3200" b="1" dirty="0"/>
-          </a:p>
-          <a:p>
-            <a:r>
               <a:rPr lang="en-GB" sz="3200" b="1" dirty="0"/>
-              <a:t>Use </a:t>
-            </a:r>
-            <a:r>
-              <a:rPr lang="en-GB" sz="3200" b="1" dirty="0" err="1"/>
-              <a:t>Task.Delay</a:t>
-            </a:r>
-            <a:r>
-              <a:rPr lang="en-GB" sz="3200" b="1" dirty="0"/>
-              <a:t> instead of </a:t>
-            </a:r>
-            <a:r>
-              <a:rPr lang="en-GB" sz="3200" b="1" dirty="0" err="1"/>
-              <a:t>Thread.Sleep</a:t>
-            </a:r>
-            <a:r>
-              <a:rPr lang="en-GB" sz="3200" b="1" dirty="0"/>
-              <a:t> as it’s asynchronous</a:t>
+              <a:t>Here are some example of asynchronous methods in C#:</a:t>
             </a:r>
           </a:p>
         </p:txBody>
@@ -4322,7 +4343,7 @@
     </p:spTree>
     <p:extLst>
       <p:ext uri="{BB962C8B-B14F-4D97-AF65-F5344CB8AC3E}">
-        <p14:creationId xmlns:p14="http://schemas.microsoft.com/office/powerpoint/2010/main" val="1477074202"/>
+        <p14:creationId xmlns:p14="http://schemas.microsoft.com/office/powerpoint/2010/main" val="1723273691"/>
       </p:ext>
     </p:extLst>
   </p:cSld>
@@ -4364,7 +4385,7 @@
         <p:spPr>
           <a:xfrm>
             <a:off x="145775" y="132522"/>
-            <a:ext cx="11781182" cy="6494085"/>
+            <a:ext cx="11781182" cy="5016758"/>
           </a:xfrm>
           <a:prstGeom prst="rect">
             <a:avLst/>
@@ -4378,80 +4399,67 @@
           <a:lstStyle/>
           <a:p>
             <a:r>
+              <a:rPr lang="en-GB" sz="3200" b="1" dirty="0" err="1"/>
+              <a:t>Task.Run</a:t>
+            </a:r>
+            <a:endParaRPr lang="en-GB" sz="3200" b="1" dirty="0"/>
+          </a:p>
+          <a:p>
+            <a:endParaRPr lang="en-GB" sz="3200" b="1" dirty="0"/>
+          </a:p>
+          <a:p>
+            <a:r>
+              <a:rPr lang="en-GB" sz="3200" b="1" dirty="0" err="1"/>
+              <a:t>Task.Start</a:t>
+            </a:r>
+            <a:endParaRPr lang="en-GB" sz="3200" b="1" dirty="0"/>
+          </a:p>
+          <a:p>
+            <a:endParaRPr lang="en-GB" sz="3200" b="1" dirty="0"/>
+          </a:p>
+          <a:p>
+            <a:r>
+              <a:rPr lang="en-GB" sz="3200" b="1" dirty="0" err="1"/>
+              <a:t>Task.Wait</a:t>
+            </a:r>
+            <a:endParaRPr lang="en-GB" sz="3200" b="1" dirty="0"/>
+          </a:p>
+          <a:p>
+            <a:endParaRPr lang="en-GB" sz="3200" b="1" dirty="0"/>
+          </a:p>
+          <a:p>
+            <a:r>
+              <a:rPr lang="en-GB" sz="3200" b="1" dirty="0" err="1"/>
+              <a:t>Task.RunSynchronously</a:t>
+            </a:r>
+            <a:endParaRPr lang="en-GB" sz="3200" b="1" dirty="0"/>
+          </a:p>
+          <a:p>
+            <a:endParaRPr lang="en-GB" sz="3200" b="1" dirty="0"/>
+          </a:p>
+          <a:p>
+            <a:endParaRPr lang="en-GB" sz="3200" b="1" dirty="0"/>
+          </a:p>
+          <a:p>
+            <a:r>
               <a:rPr lang="en-GB" sz="3200" b="1" dirty="0"/>
-              <a:t>Summary</a:t>
-            </a:r>
-          </a:p>
-          <a:p>
-            <a:endParaRPr lang="en-GB" sz="3200" b="1" dirty="0"/>
-          </a:p>
-          <a:p>
-            <a:pPr marL="457200" indent="-457200">
-              <a:buFont typeface="Arial" panose="020B0604020202020204" pitchFamily="34" charset="0"/>
-              <a:buChar char="•"/>
-            </a:pPr>
-            <a:r>
-              <a:rPr lang="en-GB" sz="3200" dirty="0"/>
-              <a:t>Tasks are an easy way of writing methods which can be run asynchronously.</a:t>
-            </a:r>
-          </a:p>
-          <a:p>
-            <a:endParaRPr lang="en-GB" sz="3200" dirty="0"/>
-          </a:p>
-          <a:p>
-            <a:pPr marL="457200" indent="-457200">
-              <a:buFont typeface="Arial" panose="020B0604020202020204" pitchFamily="34" charset="0"/>
-              <a:buChar char="•"/>
-            </a:pPr>
-            <a:r>
-              <a:rPr lang="en-GB" sz="3200" dirty="0"/>
-              <a:t>Task provides a powerful API and avoids wasting OS threads.</a:t>
-            </a:r>
-          </a:p>
-          <a:p>
-            <a:pPr marL="457200" indent="-457200">
-              <a:buFont typeface="Arial" panose="020B0604020202020204" pitchFamily="34" charset="0"/>
-              <a:buChar char="•"/>
-            </a:pPr>
-            <a:endParaRPr lang="en-GB" sz="3200" dirty="0"/>
-          </a:p>
-          <a:p>
-            <a:pPr marL="457200" indent="-457200">
-              <a:buFont typeface="Arial" panose="020B0604020202020204" pitchFamily="34" charset="0"/>
-              <a:buChar char="•"/>
-            </a:pPr>
-            <a:r>
-              <a:rPr lang="en-GB" sz="3200" dirty="0"/>
-              <a:t>The only reason to explicitly create your own threads in modern code are for setting per-thread options, or maintaining a persistent thread that needs to maintain its own identity. </a:t>
-            </a:r>
-          </a:p>
-          <a:p>
-            <a:pPr marL="457200" indent="-457200">
-              <a:buFont typeface="Arial" panose="020B0604020202020204" pitchFamily="34" charset="0"/>
-              <a:buChar char="•"/>
-            </a:pPr>
-            <a:endParaRPr lang="en-GB" sz="3200" dirty="0"/>
-          </a:p>
-          <a:p>
-            <a:pPr marL="457200" indent="-457200">
-              <a:buFont typeface="Arial" panose="020B0604020202020204" pitchFamily="34" charset="0"/>
-              <a:buChar char="•"/>
-            </a:pPr>
-            <a:r>
-              <a:rPr lang="en-GB" sz="3200" dirty="0"/>
-              <a:t>Unless you have a good reason, </a:t>
-            </a:r>
-            <a:r>
-              <a:rPr lang="en-GB" sz="3200" b="1" u="sng" dirty="0"/>
-              <a:t>completely ignore Thread and </a:t>
-            </a:r>
-            <a:r>
-              <a:rPr lang="en-GB" sz="3200" b="1" u="sng" dirty="0" err="1"/>
-              <a:t>ThreadPool</a:t>
-            </a:r>
-            <a:r>
-              <a:rPr lang="en-GB" sz="3200" b="1" u="sng" dirty="0"/>
-              <a:t>. Only think about Task!</a:t>
+              <a:t>Use </a:t>
+            </a:r>
+            <a:r>
+              <a:rPr lang="en-GB" sz="3200" b="1" dirty="0" err="1"/>
+              <a:t>Task.Delay</a:t>
+            </a:r>
+            <a:r>
+              <a:rPr lang="en-GB" sz="3200" b="1" dirty="0"/>
+              <a:t> instead of </a:t>
+            </a:r>
+            <a:r>
+              <a:rPr lang="en-GB" sz="3200" b="1" dirty="0" err="1"/>
+              <a:t>Thread.Sleep</a:t>
+            </a:r>
+            <a:r>
+              <a:rPr lang="en-GB" sz="3200" b="1" dirty="0"/>
+              <a:t> as it’s asynchronous</a:t>
             </a:r>
           </a:p>
         </p:txBody>
@@ -4459,7 +4467,7 @@
     </p:spTree>
     <p:extLst>
       <p:ext uri="{BB962C8B-B14F-4D97-AF65-F5344CB8AC3E}">
-        <p14:creationId xmlns:p14="http://schemas.microsoft.com/office/powerpoint/2010/main" val="1198929045"/>
+        <p14:creationId xmlns:p14="http://schemas.microsoft.com/office/powerpoint/2010/main" val="1477074202"/>
       </p:ext>
     </p:extLst>
   </p:cSld>
@@ -5226,24 +5234,20 @@
             </a:pPr>
             <a:r>
               <a:rPr lang="en-GB" sz="2400" dirty="0"/>
-              <a:t>Synchronous vs asynchronous operations</a:t>
-            </a:r>
+              <a:t>CPU-bound vs I/O-bound operations</a:t>
+            </a:r>
+          </a:p>
+          <a:p>
+            <a:endParaRPr lang="en-GB" sz="2400" dirty="0"/>
           </a:p>
           <a:p>
             <a:pPr marL="457200" indent="-457200">
               <a:buFont typeface="Arial" panose="020B0604020202020204" pitchFamily="34" charset="0"/>
               <a:buChar char="•"/>
             </a:pPr>
-            <a:endParaRPr lang="en-GB" sz="2400" dirty="0"/>
-          </a:p>
-          <a:p>
-            <a:pPr marL="457200" indent="-457200">
-              <a:buFont typeface="Arial" panose="020B0604020202020204" pitchFamily="34" charset="0"/>
-              <a:buChar char="•"/>
-            </a:pPr>
             <a:r>
               <a:rPr lang="en-GB" sz="2400" dirty="0"/>
-              <a:t>CPU-bound vs I/O-bound operations</a:t>
+              <a:t>Synchronous vs asynchronous operations</a:t>
             </a:r>
           </a:p>
           <a:p>
@@ -9499,7 +9503,7 @@
           <a:p>
             <a:r>
               <a:rPr lang="en-GB" dirty="0"/>
-              <a:t>Synchronous vs asynchronous operations</a:t>
+              <a:t>CPU-bound vs I/O-bound operations</a:t>
             </a:r>
           </a:p>
         </p:txBody>
@@ -9507,7 +9511,7 @@
     </p:spTree>
     <p:extLst>
       <p:ext uri="{BB962C8B-B14F-4D97-AF65-F5344CB8AC3E}">
-        <p14:creationId xmlns:p14="http://schemas.microsoft.com/office/powerpoint/2010/main" val="1555093637"/>
+        <p14:creationId xmlns:p14="http://schemas.microsoft.com/office/powerpoint/2010/main" val="241573146"/>
       </p:ext>
     </p:extLst>
   </p:cSld>
@@ -12054,7 +12058,7 @@
         <p:spPr>
           <a:xfrm>
             <a:off x="145775" y="132522"/>
-            <a:ext cx="11781182" cy="6001643"/>
+            <a:ext cx="11781182" cy="7971413"/>
           </a:xfrm>
           <a:prstGeom prst="rect">
             <a:avLst/>
@@ -12076,52 +12080,79 @@
             <a:endParaRPr lang="en-GB" sz="3200" b="1" dirty="0"/>
           </a:p>
           <a:p>
+            <a:pPr marL="457200" indent="-457200">
+              <a:buFont typeface="Arial" panose="020B0604020202020204" pitchFamily="34" charset="0"/>
+              <a:buChar char="•"/>
+            </a:pPr>
             <a:r>
               <a:rPr lang="en-GB" sz="3200" dirty="0"/>
-              <a:t>When you execute something </a:t>
+              <a:t>Operations are </a:t>
             </a:r>
             <a:r>
               <a:rPr lang="en-GB" sz="3200" b="1" dirty="0"/>
-              <a:t>synchronously</a:t>
+              <a:t>CPU-bound</a:t>
             </a:r>
             <a:r>
               <a:rPr lang="en-GB" sz="3200" dirty="0"/>
-              <a:t>, you have to wait for it to finish before moving onto something else. During this time, you can’t do anything else. Your time waiting is essentially wasted. </a:t>
-            </a:r>
-          </a:p>
-          <a:p>
+              <a:t> when the speed of the operation is limited by the speed of the CPU. Speed can be increased by scaling up to a more powerful CPU, or somehow parallelising the operation using multiple threads. </a:t>
+            </a:r>
+          </a:p>
+          <a:p>
+            <a:pPr marL="457200" indent="-457200">
+              <a:buFont typeface="Arial" panose="020B0604020202020204" pitchFamily="34" charset="0"/>
+              <a:buChar char="•"/>
+            </a:pPr>
             <a:endParaRPr lang="en-GB" sz="3200" dirty="0"/>
           </a:p>
           <a:p>
+            <a:pPr marL="457200" indent="-457200">
+              <a:buFont typeface="Arial" panose="020B0604020202020204" pitchFamily="34" charset="0"/>
+              <a:buChar char="•"/>
+            </a:pPr>
             <a:r>
               <a:rPr lang="en-GB" sz="3200" dirty="0"/>
-              <a:t>When you execute something </a:t>
+              <a:t>Operations are </a:t>
             </a:r>
             <a:r>
               <a:rPr lang="en-GB" sz="3200" b="1" dirty="0"/>
-              <a:t>asynchronously</a:t>
+              <a:t>I/O-bound </a:t>
             </a:r>
             <a:r>
               <a:rPr lang="en-GB" sz="3200" dirty="0"/>
-              <a:t>, you can move onto another task before the first one finishes. You aren’t wasting any time just waiting around. You can get more work done during that time. </a:t>
-            </a:r>
-          </a:p>
-          <a:p>
-            <a:pPr algn="ctr"/>
+              <a:t>when the speed of the operation is limited by the speed of input/output operations being completed. i.e. anything not done by the CPU, e.g. disk reads/writes, network requests, etc. </a:t>
+            </a:r>
             <a:br>
               <a:rPr lang="en-GB" sz="3200" dirty="0"/>
             </a:br>
             <a:r>
-              <a:rPr lang="en-GB" sz="3200" b="1" dirty="0"/>
-              <a:t>Doing things asynchronously can improve performance, scalability, throughput and efficiency</a:t>
-            </a:r>
+              <a:rPr lang="en-GB" sz="3200" dirty="0"/>
+              <a:t>Using more threads or improving the CPU does not make these operations faster. </a:t>
+            </a:r>
+            <a:endParaRPr lang="en-GB" sz="3200" b="1" dirty="0"/>
+          </a:p>
+          <a:p>
+            <a:pPr marL="457200" indent="-457200">
+              <a:buFont typeface="Arial" panose="020B0604020202020204" pitchFamily="34" charset="0"/>
+              <a:buChar char="•"/>
+            </a:pPr>
+            <a:endParaRPr lang="en-GB" sz="3200" dirty="0"/>
+          </a:p>
+          <a:p>
+            <a:pPr marL="457200" indent="-457200">
+              <a:buFont typeface="Arial" panose="020B0604020202020204" pitchFamily="34" charset="0"/>
+              <a:buChar char="•"/>
+            </a:pPr>
+            <a:endParaRPr lang="en-GB" sz="3200" dirty="0"/>
+          </a:p>
+          <a:p>
+            <a:endParaRPr lang="en-GB" sz="3200" dirty="0"/>
           </a:p>
         </p:txBody>
       </p:sp>
     </p:spTree>
     <p:extLst>
       <p:ext uri="{BB962C8B-B14F-4D97-AF65-F5344CB8AC3E}">
-        <p14:creationId xmlns:p14="http://schemas.microsoft.com/office/powerpoint/2010/main" val="3821427679"/>
+        <p14:creationId xmlns:p14="http://schemas.microsoft.com/office/powerpoint/2010/main" val="2151217970"/>
       </p:ext>
     </p:extLst>
   </p:cSld>
@@ -13920,7 +13951,7 @@
           <a:p>
             <a:r>
               <a:rPr lang="en-GB" dirty="0"/>
-              <a:t>CPU-bound vs I/O-bound operations</a:t>
+              <a:t>Synchronous vs asynchronous operations</a:t>
             </a:r>
           </a:p>
         </p:txBody>
@@ -13928,7 +13959,7 @@
     </p:spTree>
     <p:extLst>
       <p:ext uri="{BB962C8B-B14F-4D97-AF65-F5344CB8AC3E}">
-        <p14:creationId xmlns:p14="http://schemas.microsoft.com/office/powerpoint/2010/main" val="241573146"/>
+        <p14:creationId xmlns:p14="http://schemas.microsoft.com/office/powerpoint/2010/main" val="1555093637"/>
       </p:ext>
     </p:extLst>
   </p:cSld>
@@ -16156,7 +16187,7 @@
         <p:spPr>
           <a:xfrm>
             <a:off x="145775" y="132522"/>
-            <a:ext cx="11781182" cy="7971413"/>
+            <a:ext cx="11781182" cy="6001643"/>
           </a:xfrm>
           <a:prstGeom prst="rect">
             <a:avLst/>
@@ -16178,79 +16209,52 @@
             <a:endParaRPr lang="en-GB" sz="3200" b="1" dirty="0"/>
           </a:p>
           <a:p>
-            <a:pPr marL="457200" indent="-457200">
-              <a:buFont typeface="Arial" panose="020B0604020202020204" pitchFamily="34" charset="0"/>
-              <a:buChar char="•"/>
-            </a:pPr>
             <a:r>
               <a:rPr lang="en-GB" sz="3200" dirty="0"/>
-              <a:t>Operations are </a:t>
+              <a:t>When you execute something </a:t>
             </a:r>
             <a:r>
               <a:rPr lang="en-GB" sz="3200" b="1" dirty="0"/>
-              <a:t>CPU-bound</a:t>
+              <a:t>synchronously</a:t>
             </a:r>
             <a:r>
               <a:rPr lang="en-GB" sz="3200" dirty="0"/>
-              <a:t> when the speed of the operation is limited by the speed of the CPU. Speed can be increased by scaling up to a more powerful CPU, or somehow parallelising the operation using multiple threads. </a:t>
-            </a:r>
-          </a:p>
-          <a:p>
-            <a:pPr marL="457200" indent="-457200">
-              <a:buFont typeface="Arial" panose="020B0604020202020204" pitchFamily="34" charset="0"/>
-              <a:buChar char="•"/>
-            </a:pPr>
+              <a:t>, you have to wait for it to finish before moving onto something else. During this time, you can’t do anything else. Your time waiting is essentially wasted. </a:t>
+            </a:r>
+          </a:p>
+          <a:p>
             <a:endParaRPr lang="en-GB" sz="3200" dirty="0"/>
           </a:p>
           <a:p>
-            <a:pPr marL="457200" indent="-457200">
-              <a:buFont typeface="Arial" panose="020B0604020202020204" pitchFamily="34" charset="0"/>
-              <a:buChar char="•"/>
-            </a:pPr>
             <a:r>
               <a:rPr lang="en-GB" sz="3200" dirty="0"/>
-              <a:t>Operations are </a:t>
+              <a:t>When you execute something </a:t>
             </a:r>
             <a:r>
               <a:rPr lang="en-GB" sz="3200" b="1" dirty="0"/>
-              <a:t>I/O-bound </a:t>
+              <a:t>asynchronously</a:t>
             </a:r>
             <a:r>
               <a:rPr lang="en-GB" sz="3200" dirty="0"/>
-              <a:t>when the speed of the operation is limited by the speed of input/output operations being completed. This is essentially anything which isn’t done by the CPU, i.e. waiting for disk reads/writes, network requests to be completed, etc. </a:t>
-            </a:r>
+              <a:t>, you can move onto another task before the first one finishes. You aren’t wasting any time just waiting around. You can get more work done during that time. </a:t>
+            </a:r>
+          </a:p>
+          <a:p>
+            <a:pPr algn="ctr"/>
             <a:br>
-              <a:rPr lang="en-GB" sz="3200" dirty="0"/>
+              <a:rPr lang="en-GB" sz="3200" b="1" dirty="0"/>
             </a:br>
             <a:r>
-              <a:rPr lang="en-GB" sz="3200" dirty="0"/>
-              <a:t>Adding more threads or improving the CPU does not make these operations faster. </a:t>
-            </a:r>
-            <a:endParaRPr lang="en-GB" sz="3200" b="1" dirty="0"/>
-          </a:p>
-          <a:p>
-            <a:pPr marL="457200" indent="-457200">
-              <a:buFont typeface="Arial" panose="020B0604020202020204" pitchFamily="34" charset="0"/>
-              <a:buChar char="•"/>
-            </a:pPr>
-            <a:endParaRPr lang="en-GB" sz="3200" dirty="0"/>
-          </a:p>
-          <a:p>
-            <a:pPr marL="457200" indent="-457200">
-              <a:buFont typeface="Arial" panose="020B0604020202020204" pitchFamily="34" charset="0"/>
-              <a:buChar char="•"/>
-            </a:pPr>
-            <a:endParaRPr lang="en-GB" sz="3200" dirty="0"/>
-          </a:p>
-          <a:p>
-            <a:endParaRPr lang="en-GB" sz="3200" dirty="0"/>
+              <a:rPr lang="en-GB" sz="3200" b="1" dirty="0"/>
+              <a:t>Doing things asynchronously can improve performance, scalability, throughput and efficiency</a:t>
+            </a:r>
           </a:p>
         </p:txBody>
       </p:sp>
     </p:spTree>
     <p:extLst>
       <p:ext uri="{BB962C8B-B14F-4D97-AF65-F5344CB8AC3E}">
-        <p14:creationId xmlns:p14="http://schemas.microsoft.com/office/powerpoint/2010/main" val="2151217970"/>
+        <p14:creationId xmlns:p14="http://schemas.microsoft.com/office/powerpoint/2010/main" val="3821427679"/>
       </p:ext>
     </p:extLst>
   </p:cSld>
@@ -17677,15 +17681,15 @@
             </a:r>
             <a:r>
               <a:rPr lang="en-GB" sz="3200" dirty="0"/>
-              <a:t> by doing things </a:t>
+              <a:t> by doing things asynchronously, you </a:t>
             </a:r>
             <a:r>
               <a:rPr lang="en-GB" sz="3200" b="1" dirty="0"/>
-              <a:t>asynchronously</a:t>
+              <a:t>need</a:t>
             </a:r>
             <a:r>
               <a:rPr lang="en-GB" sz="3200" dirty="0"/>
-              <a:t>, you need to use multiple threads. </a:t>
+              <a:t> to use multiple threads. </a:t>
             </a:r>
           </a:p>
           <a:p>
@@ -17710,29 +17714,38 @@
             </a:r>
             <a:r>
               <a:rPr lang="en-GB" sz="3200" dirty="0"/>
-              <a:t>by doing things </a:t>
+              <a:t>by doing things asynchronously</a:t>
             </a:r>
             <a:r>
               <a:rPr lang="en-GB" sz="3200" b="1" dirty="0"/>
-              <a:t>asynchronously</a:t>
-            </a:r>
-          </a:p>
-          <a:p>
-            <a:pPr marL="457200" indent="-457200">
-              <a:buFont typeface="Arial" panose="020B0604020202020204" pitchFamily="34" charset="0"/>
-              <a:buChar char="•"/>
-            </a:pPr>
-            <a:endParaRPr lang="en-GB" sz="3200" dirty="0"/>
-          </a:p>
-          <a:p>
-            <a:pPr marL="457200" indent="-457200">
-              <a:buFont typeface="Arial" panose="020B0604020202020204" pitchFamily="34" charset="0"/>
-              <a:buChar char="•"/>
-            </a:pPr>
-            <a:endParaRPr lang="en-GB" sz="3200" dirty="0"/>
-          </a:p>
-          <a:p>
-            <a:endParaRPr lang="en-GB" sz="3200" dirty="0"/>
+              <a:t>, </a:t>
+            </a:r>
+            <a:r>
+              <a:rPr lang="en-GB" sz="3200" dirty="0"/>
+              <a:t>you </a:t>
+            </a:r>
+            <a:r>
+              <a:rPr lang="en-GB" sz="3200" b="1" dirty="0"/>
+              <a:t>shouldn’t</a:t>
+            </a:r>
+            <a:r>
+              <a:rPr lang="en-GB" sz="3200" dirty="0"/>
+              <a:t> to use multiple threads. </a:t>
+            </a:r>
+            <a:endParaRPr lang="en-GB" sz="3200" b="1" dirty="0"/>
+          </a:p>
+          <a:p>
+            <a:endParaRPr lang="en-GB" sz="3200" b="1" dirty="0"/>
+          </a:p>
+          <a:p>
+            <a:endParaRPr lang="en-GB" sz="3200" b="1" dirty="0"/>
+          </a:p>
+          <a:p>
+            <a:pPr algn="ctr"/>
+            <a:r>
+              <a:rPr lang="en-GB" sz="3200" b="1" dirty="0"/>
+              <a:t>So how do we write asynchronous code in C#?</a:t>
+            </a:r>
           </a:p>
         </p:txBody>
       </p:sp>

--- a/Async and await presentation.pptx
+++ b/Async and await presentation.pptx
@@ -5206,7 +5206,7 @@
         <p:spPr>
           <a:xfrm>
             <a:off x="145775" y="132522"/>
-            <a:ext cx="11781182" cy="6124754"/>
+            <a:ext cx="11781182" cy="7109639"/>
           </a:xfrm>
           <a:prstGeom prst="rect">
             <a:avLst/>
@@ -5225,7 +5225,7 @@
             </a:r>
           </a:p>
           <a:p>
-            <a:endParaRPr lang="en-GB" sz="3200" b="1" dirty="0"/>
+            <a:endParaRPr lang="en-GB" sz="2000" b="1" dirty="0"/>
           </a:p>
           <a:p>
             <a:pPr marL="457200" indent="-457200">
@@ -5233,12 +5233,12 @@
               <a:buChar char="•"/>
             </a:pPr>
             <a:r>
-              <a:rPr lang="en-GB" sz="2400" dirty="0"/>
+              <a:rPr lang="en-GB" sz="2000" dirty="0"/>
               <a:t>CPU-bound vs I/O-bound operations</a:t>
             </a:r>
           </a:p>
           <a:p>
-            <a:endParaRPr lang="en-GB" sz="2400" dirty="0"/>
+            <a:endParaRPr lang="en-GB" sz="2000" dirty="0"/>
           </a:p>
           <a:p>
             <a:pPr marL="457200" indent="-457200">
@@ -5246,12 +5246,12 @@
               <a:buChar char="•"/>
             </a:pPr>
             <a:r>
-              <a:rPr lang="en-GB" sz="2400" dirty="0"/>
+              <a:rPr lang="en-GB" sz="2000" dirty="0"/>
               <a:t>Synchronous vs asynchronous operations</a:t>
             </a:r>
           </a:p>
           <a:p>
-            <a:endParaRPr lang="en-GB" sz="2400" dirty="0"/>
+            <a:endParaRPr lang="en-GB" sz="2000" dirty="0"/>
           </a:p>
           <a:p>
             <a:pPr marL="457200" indent="-457200">
@@ -5259,62 +5259,113 @@
               <a:buChar char="•"/>
             </a:pPr>
             <a:r>
-              <a:rPr lang="en-GB" sz="2400" dirty="0"/>
+              <a:rPr lang="en-GB" sz="2000" dirty="0"/>
               <a:t>Task, Task&lt;T&gt;, Thread and </a:t>
             </a:r>
             <a:r>
-              <a:rPr lang="en-GB" sz="2400" dirty="0" err="1"/>
+              <a:rPr lang="en-GB" sz="2000" dirty="0" err="1"/>
               <a:t>ThreadPool</a:t>
             </a:r>
             <a:r>
-              <a:rPr lang="en-GB" sz="2400" dirty="0"/>
+              <a:rPr lang="en-GB" sz="2000" dirty="0"/>
               <a:t> classes in C#</a:t>
             </a:r>
-          </a:p>
-          <a:p>
-            <a:endParaRPr lang="en-GB" sz="2400" dirty="0"/>
           </a:p>
           <a:p>
             <a:pPr marL="457200" indent="-457200">
               <a:buFont typeface="Arial" panose="020B0604020202020204" pitchFamily="34" charset="0"/>
               <a:buChar char="•"/>
             </a:pPr>
-            <a:r>
-              <a:rPr lang="en-GB" sz="2400" dirty="0"/>
-              <a:t>Dealing with exceptions in asynchronous methods</a:t>
-            </a:r>
+            <a:endParaRPr lang="en-GB" sz="2000" dirty="0"/>
           </a:p>
           <a:p>
             <a:pPr marL="457200" indent="-457200">
               <a:buFont typeface="Arial" panose="020B0604020202020204" pitchFamily="34" charset="0"/>
               <a:buChar char="•"/>
             </a:pPr>
-            <a:endParaRPr lang="en-GB" sz="2400" dirty="0"/>
+            <a:r>
+              <a:rPr lang="en-GB" sz="2000" dirty="0"/>
+              <a:t>Writing asynchronous I/O-bound code </a:t>
+            </a:r>
           </a:p>
           <a:p>
             <a:pPr marL="457200" indent="-457200">
               <a:buFont typeface="Arial" panose="020B0604020202020204" pitchFamily="34" charset="0"/>
               <a:buChar char="•"/>
             </a:pPr>
-            <a:r>
-              <a:rPr lang="en-GB" sz="2400" dirty="0"/>
-              <a:t>Writing “fire-and-forget” background tasks</a:t>
-            </a:r>
+            <a:endParaRPr lang="en-GB" sz="2000" dirty="0"/>
           </a:p>
           <a:p>
             <a:pPr marL="457200" indent="-457200">
               <a:buFont typeface="Arial" panose="020B0604020202020204" pitchFamily="34" charset="0"/>
               <a:buChar char="•"/>
             </a:pPr>
-            <a:endParaRPr lang="en-GB" sz="2400" dirty="0"/>
+            <a:r>
+              <a:rPr lang="en-GB" sz="2000" dirty="0"/>
+              <a:t>Writing asynchronous CPU-bound code</a:t>
+            </a:r>
           </a:p>
           <a:p>
             <a:pPr marL="457200" indent="-457200">
               <a:buFont typeface="Arial" panose="020B0604020202020204" pitchFamily="34" charset="0"/>
               <a:buChar char="•"/>
             </a:pPr>
-            <a:r>
-              <a:rPr lang="en-GB" sz="2400" dirty="0"/>
+            <a:endParaRPr lang="en-GB" sz="2000" dirty="0"/>
+          </a:p>
+          <a:p>
+            <a:pPr marL="457200" indent="-457200">
+              <a:buFont typeface="Arial" panose="020B0604020202020204" pitchFamily="34" charset="0"/>
+              <a:buChar char="•"/>
+            </a:pPr>
+            <a:r>
+              <a:rPr lang="en-GB" sz="2000" dirty="0"/>
+              <a:t>Mixing CPU-bound and I/O-bound code</a:t>
+            </a:r>
+          </a:p>
+          <a:p>
+            <a:endParaRPr lang="en-GB" sz="2000" dirty="0"/>
+          </a:p>
+          <a:p>
+            <a:pPr marL="457200" indent="-457200">
+              <a:buFont typeface="Arial" panose="020B0604020202020204" pitchFamily="34" charset="0"/>
+              <a:buChar char="•"/>
+            </a:pPr>
+            <a:r>
+              <a:rPr lang="en-GB" sz="2000" dirty="0"/>
+              <a:t>Dealing with exceptions in asynchronous methods</a:t>
+            </a:r>
+          </a:p>
+          <a:p>
+            <a:pPr marL="457200" indent="-457200">
+              <a:buFont typeface="Arial" panose="020B0604020202020204" pitchFamily="34" charset="0"/>
+              <a:buChar char="•"/>
+            </a:pPr>
+            <a:endParaRPr lang="en-GB" sz="2000" dirty="0"/>
+          </a:p>
+          <a:p>
+            <a:pPr marL="457200" indent="-457200">
+              <a:buFont typeface="Arial" panose="020B0604020202020204" pitchFamily="34" charset="0"/>
+              <a:buChar char="•"/>
+            </a:pPr>
+            <a:r>
+              <a:rPr lang="en-GB" sz="2000" dirty="0"/>
+              <a:t>Writing “fire-and-forget” background tasks</a:t>
+            </a:r>
+          </a:p>
+          <a:p>
+            <a:pPr marL="457200" indent="-457200">
+              <a:buFont typeface="Arial" panose="020B0604020202020204" pitchFamily="34" charset="0"/>
+              <a:buChar char="•"/>
+            </a:pPr>
+            <a:endParaRPr lang="en-GB" sz="2000" dirty="0"/>
+          </a:p>
+          <a:p>
+            <a:pPr marL="457200" indent="-457200">
+              <a:buFont typeface="Arial" panose="020B0604020202020204" pitchFamily="34" charset="0"/>
+              <a:buChar char="•"/>
+            </a:pPr>
+            <a:r>
+              <a:rPr lang="en-GB" sz="2000" dirty="0"/>
               <a:t>Etiquette when writing methods</a:t>
             </a:r>
           </a:p>
@@ -17645,7 +17696,7 @@
         <p:spPr>
           <a:xfrm>
             <a:off x="145775" y="132522"/>
-            <a:ext cx="11781182" cy="5016758"/>
+            <a:ext cx="11781182" cy="6001643"/>
           </a:xfrm>
           <a:prstGeom prst="rect">
             <a:avLst/>
@@ -17673,7 +17724,7 @@
             </a:pPr>
             <a:r>
               <a:rPr lang="en-GB" sz="3200" dirty="0"/>
-              <a:t>If you want to speed up an operation which is </a:t>
+              <a:t>If you want to speed up a synchronous operation which is </a:t>
             </a:r>
             <a:r>
               <a:rPr lang="en-GB" sz="3200" b="1" dirty="0"/>
@@ -17706,7 +17757,7 @@
             </a:pPr>
             <a:r>
               <a:rPr lang="en-GB" sz="3200" dirty="0"/>
-              <a:t>If you want to speed up an operation which is </a:t>
+              <a:t>If you want to speed up a synchronous operation which is </a:t>
             </a:r>
             <a:r>
               <a:rPr lang="en-GB" sz="3200" b="1" dirty="0"/>
@@ -17730,7 +17781,7 @@
             </a:r>
             <a:r>
               <a:rPr lang="en-GB" sz="3200" dirty="0"/>
-              <a:t> to use multiple threads. </a:t>
+              <a:t> use multiple threads. </a:t>
             </a:r>
             <a:endParaRPr lang="en-GB" sz="3200" b="1" dirty="0"/>
           </a:p>

--- a/Async and await presentation.pptx
+++ b/Async and await presentation.pptx
@@ -12,64 +12,65 @@
     <p:sldId id="262" r:id="rId6"/>
     <p:sldId id="264" r:id="rId7"/>
     <p:sldId id="323" r:id="rId8"/>
-    <p:sldId id="257" r:id="rId9"/>
-    <p:sldId id="258" r:id="rId10"/>
-    <p:sldId id="259" r:id="rId11"/>
-    <p:sldId id="260" r:id="rId12"/>
-    <p:sldId id="261" r:id="rId13"/>
-    <p:sldId id="317" r:id="rId14"/>
-    <p:sldId id="266" r:id="rId15"/>
-    <p:sldId id="319" r:id="rId16"/>
-    <p:sldId id="318" r:id="rId17"/>
-    <p:sldId id="265" r:id="rId18"/>
-    <p:sldId id="267" r:id="rId19"/>
-    <p:sldId id="268" r:id="rId20"/>
-    <p:sldId id="278" r:id="rId21"/>
-    <p:sldId id="279" r:id="rId22"/>
-    <p:sldId id="269" r:id="rId23"/>
-    <p:sldId id="280" r:id="rId24"/>
-    <p:sldId id="281" r:id="rId25"/>
-    <p:sldId id="295" r:id="rId26"/>
-    <p:sldId id="270" r:id="rId27"/>
-    <p:sldId id="282" r:id="rId28"/>
-    <p:sldId id="283" r:id="rId29"/>
-    <p:sldId id="274" r:id="rId30"/>
-    <p:sldId id="284" r:id="rId31"/>
-    <p:sldId id="285" r:id="rId32"/>
-    <p:sldId id="272" r:id="rId33"/>
-    <p:sldId id="273" r:id="rId34"/>
-    <p:sldId id="275" r:id="rId35"/>
-    <p:sldId id="276" r:id="rId36"/>
-    <p:sldId id="286" r:id="rId37"/>
-    <p:sldId id="290" r:id="rId38"/>
-    <p:sldId id="277" r:id="rId39"/>
-    <p:sldId id="287" r:id="rId40"/>
-    <p:sldId id="288" r:id="rId41"/>
-    <p:sldId id="289" r:id="rId42"/>
-    <p:sldId id="293" r:id="rId43"/>
-    <p:sldId id="292" r:id="rId44"/>
-    <p:sldId id="294" r:id="rId45"/>
-    <p:sldId id="296" r:id="rId46"/>
-    <p:sldId id="304" r:id="rId47"/>
-    <p:sldId id="298" r:id="rId48"/>
-    <p:sldId id="308" r:id="rId49"/>
-    <p:sldId id="299" r:id="rId50"/>
-    <p:sldId id="309" r:id="rId51"/>
-    <p:sldId id="300" r:id="rId52"/>
-    <p:sldId id="316" r:id="rId53"/>
-    <p:sldId id="301" r:id="rId54"/>
-    <p:sldId id="310" r:id="rId55"/>
-    <p:sldId id="302" r:id="rId56"/>
-    <p:sldId id="311" r:id="rId57"/>
-    <p:sldId id="303" r:id="rId58"/>
-    <p:sldId id="312" r:id="rId59"/>
-    <p:sldId id="305" r:id="rId60"/>
-    <p:sldId id="313" r:id="rId61"/>
-    <p:sldId id="306" r:id="rId62"/>
-    <p:sldId id="314" r:id="rId63"/>
-    <p:sldId id="307" r:id="rId64"/>
-    <p:sldId id="315" r:id="rId65"/>
-    <p:sldId id="297" r:id="rId66"/>
+    <p:sldId id="324" r:id="rId9"/>
+    <p:sldId id="257" r:id="rId10"/>
+    <p:sldId id="258" r:id="rId11"/>
+    <p:sldId id="259" r:id="rId12"/>
+    <p:sldId id="260" r:id="rId13"/>
+    <p:sldId id="261" r:id="rId14"/>
+    <p:sldId id="317" r:id="rId15"/>
+    <p:sldId id="266" r:id="rId16"/>
+    <p:sldId id="319" r:id="rId17"/>
+    <p:sldId id="318" r:id="rId18"/>
+    <p:sldId id="265" r:id="rId19"/>
+    <p:sldId id="267" r:id="rId20"/>
+    <p:sldId id="268" r:id="rId21"/>
+    <p:sldId id="278" r:id="rId22"/>
+    <p:sldId id="279" r:id="rId23"/>
+    <p:sldId id="269" r:id="rId24"/>
+    <p:sldId id="280" r:id="rId25"/>
+    <p:sldId id="281" r:id="rId26"/>
+    <p:sldId id="295" r:id="rId27"/>
+    <p:sldId id="270" r:id="rId28"/>
+    <p:sldId id="282" r:id="rId29"/>
+    <p:sldId id="283" r:id="rId30"/>
+    <p:sldId id="274" r:id="rId31"/>
+    <p:sldId id="284" r:id="rId32"/>
+    <p:sldId id="285" r:id="rId33"/>
+    <p:sldId id="272" r:id="rId34"/>
+    <p:sldId id="273" r:id="rId35"/>
+    <p:sldId id="275" r:id="rId36"/>
+    <p:sldId id="276" r:id="rId37"/>
+    <p:sldId id="286" r:id="rId38"/>
+    <p:sldId id="290" r:id="rId39"/>
+    <p:sldId id="277" r:id="rId40"/>
+    <p:sldId id="287" r:id="rId41"/>
+    <p:sldId id="288" r:id="rId42"/>
+    <p:sldId id="289" r:id="rId43"/>
+    <p:sldId id="293" r:id="rId44"/>
+    <p:sldId id="292" r:id="rId45"/>
+    <p:sldId id="294" r:id="rId46"/>
+    <p:sldId id="296" r:id="rId47"/>
+    <p:sldId id="304" r:id="rId48"/>
+    <p:sldId id="298" r:id="rId49"/>
+    <p:sldId id="308" r:id="rId50"/>
+    <p:sldId id="299" r:id="rId51"/>
+    <p:sldId id="309" r:id="rId52"/>
+    <p:sldId id="300" r:id="rId53"/>
+    <p:sldId id="316" r:id="rId54"/>
+    <p:sldId id="301" r:id="rId55"/>
+    <p:sldId id="310" r:id="rId56"/>
+    <p:sldId id="302" r:id="rId57"/>
+    <p:sldId id="311" r:id="rId58"/>
+    <p:sldId id="303" r:id="rId59"/>
+    <p:sldId id="312" r:id="rId60"/>
+    <p:sldId id="305" r:id="rId61"/>
+    <p:sldId id="313" r:id="rId62"/>
+    <p:sldId id="306" r:id="rId63"/>
+    <p:sldId id="314" r:id="rId64"/>
+    <p:sldId id="307" r:id="rId65"/>
+    <p:sldId id="315" r:id="rId66"/>
+    <p:sldId id="297" r:id="rId67"/>
   </p:sldIdLst>
   <p:sldSz cx="12192000" cy="6858000"/>
   <p:notesSz cx="6858000" cy="9144000"/>
@@ -3520,7 +3521,7 @@
         <p:spPr>
           <a:xfrm>
             <a:off x="145775" y="132522"/>
-            <a:ext cx="11781182" cy="6001643"/>
+            <a:ext cx="11781182" cy="6725478"/>
           </a:xfrm>
           <a:prstGeom prst="rect">
             <a:avLst/>
@@ -3534,10 +3535,9 @@
           <a:lstStyle/>
           <a:p>
             <a:r>
-              <a:rPr lang="en-GB" sz="3200" b="1" dirty="0" err="1"/>
-              <a:t>ThreadPool</a:t>
-            </a:r>
-            <a:endParaRPr lang="en-GB" sz="3200" b="1" dirty="0"/>
+              <a:rPr lang="en-GB" sz="3200" b="1" dirty="0"/>
+              <a:t>Thread</a:t>
+            </a:r>
           </a:p>
           <a:p>
             <a:pPr marL="457200" indent="-457200">
@@ -3546,7 +3546,7 @@
             </a:pPr>
             <a:r>
               <a:rPr lang="en-GB" sz="3200" dirty="0"/>
-              <a:t>Acts as a wrapper around a pool of threads maintained by the CLR. </a:t>
+              <a:t>Represents an actual OS-level thread, with its own stack and kernel resources. </a:t>
             </a:r>
           </a:p>
           <a:p>
@@ -3556,7 +3556,7 @@
             </a:pPr>
             <a:r>
               <a:rPr lang="en-GB" sz="3200" dirty="0"/>
-              <a:t>Gives you no control at all. You can submit work to be completed but you can’t even determine when the pool will start the work or when it’s completed it. You also can’t determine the result. </a:t>
+              <a:t>Allows the highest degree of control; you can Abort(), Suspend(), or Resume() a thread. You can also observe its state and set its properties such as its stack size. </a:t>
             </a:r>
           </a:p>
           <a:p>
@@ -3566,15 +3566,7 @@
             </a:pPr>
             <a:r>
               <a:rPr lang="en-GB" sz="3200" dirty="0"/>
-              <a:t>Using </a:t>
-            </a:r>
-            <a:r>
-              <a:rPr lang="en-GB" sz="3200" dirty="0" err="1"/>
-              <a:t>ThreadPool</a:t>
-            </a:r>
-            <a:r>
-              <a:rPr lang="en-GB" sz="3200" dirty="0"/>
-              <a:t> avoids the overhead of creating too many threads. </a:t>
+              <a:t>The problem with using this class is that OS threads are costly. Each thread uses a non-trivial amount of memory for its stack and adds additional CPU overhead as the processor context-switches between threads. </a:t>
             </a:r>
           </a:p>
           <a:p>
@@ -3584,7 +3576,7 @@
             </a:pPr>
             <a:r>
               <a:rPr lang="en-GB" sz="3200" dirty="0"/>
-              <a:t>Submitting too many long-running tasks to the thread pool is bad however, as it can get full and later work that it submitted can end up waiting a long time for earlier submitted tasks to finish. </a:t>
+              <a:t>It’s considered good practice to only have a small pool of threads which are reused and execute code as work becomes available.</a:t>
             </a:r>
           </a:p>
           <a:p>
@@ -3592,17 +3584,14 @@
               <a:buFont typeface="Arial" panose="020B0604020202020204" pitchFamily="34" charset="0"/>
               <a:buChar char="•"/>
             </a:pPr>
-            <a:r>
-              <a:rPr lang="en-GB" sz="3200" dirty="0"/>
-              <a:t>It’s therefore best used for short operations when the caller does not need the result. </a:t>
-            </a:r>
+            <a:endParaRPr lang="en-GB" sz="3200" dirty="0"/>
           </a:p>
         </p:txBody>
       </p:sp>
     </p:spTree>
     <p:extLst>
       <p:ext uri="{BB962C8B-B14F-4D97-AF65-F5344CB8AC3E}">
-        <p14:creationId xmlns:p14="http://schemas.microsoft.com/office/powerpoint/2010/main" val="3951006242"/>
+        <p14:creationId xmlns:p14="http://schemas.microsoft.com/office/powerpoint/2010/main" val="1487075976"/>
       </p:ext>
     </p:extLst>
   </p:cSld>
@@ -3644,7 +3633,7 @@
         <p:spPr>
           <a:xfrm>
             <a:off x="145775" y="132522"/>
-            <a:ext cx="11781182" cy="5755422"/>
+            <a:ext cx="11781182" cy="6001643"/>
           </a:xfrm>
           <a:prstGeom prst="rect">
             <a:avLst/>
@@ -3658,17 +3647,10 @@
           <a:lstStyle/>
           <a:p>
             <a:r>
-              <a:rPr lang="en-GB" sz="3200" b="1" dirty="0"/>
-              <a:t>Task and Task&lt;</a:t>
-            </a:r>
-            <a:r>
               <a:rPr lang="en-GB" sz="3200" b="1" dirty="0" err="1"/>
-              <a:t>TResult</a:t>
-            </a:r>
-            <a:r>
-              <a:rPr lang="en-GB" sz="3200" b="1" dirty="0"/>
-              <a:t>&gt;</a:t>
-            </a:r>
+              <a:t>ThreadPool</a:t>
+            </a:r>
+            <a:endParaRPr lang="en-GB" sz="3200" b="1" dirty="0"/>
           </a:p>
           <a:p>
             <a:pPr marL="457200" indent="-457200">
@@ -3676,8 +3658,8 @@
               <a:buChar char="•"/>
             </a:pPr>
             <a:r>
-              <a:rPr lang="en-GB" sz="2800" dirty="0"/>
-              <a:t>Represents a piece of work to be completed, possibly with a result.</a:t>
+              <a:rPr lang="en-GB" sz="3200" dirty="0"/>
+              <a:t>Acts as a wrapper around a pool of threads maintained by the CLR. </a:t>
             </a:r>
           </a:p>
           <a:p>
@@ -3686,16 +3668,8 @@
               <a:buChar char="•"/>
             </a:pPr>
             <a:r>
-              <a:rPr lang="en-GB" sz="2800" dirty="0"/>
-              <a:t>Like the </a:t>
-            </a:r>
-            <a:r>
-              <a:rPr lang="en-GB" sz="2800" dirty="0" err="1"/>
-              <a:t>ThreadPool</a:t>
-            </a:r>
-            <a:r>
-              <a:rPr lang="en-GB" sz="2800" dirty="0"/>
-              <a:t>, a task does not create its own OS thread.</a:t>
+              <a:rPr lang="en-GB" sz="3200" dirty="0"/>
+              <a:t>Gives you no control at all. You can submit work to be completed but you can’t even determine when the pool will start the work or when it’s completed it. You also can’t determine the result. </a:t>
             </a:r>
           </a:p>
           <a:p>
@@ -3704,24 +3678,16 @@
               <a:buChar char="•"/>
             </a:pPr>
             <a:r>
-              <a:rPr lang="en-GB" sz="2800" dirty="0"/>
-              <a:t>Tasks are executed by a </a:t>
-            </a:r>
-            <a:r>
-              <a:rPr lang="en-GB" sz="2800" dirty="0" err="1"/>
-              <a:t>TaskScheduler</a:t>
-            </a:r>
-            <a:r>
-              <a:rPr lang="en-GB" sz="2800" dirty="0"/>
-              <a:t>. The default scheduler runs on the </a:t>
-            </a:r>
-            <a:r>
-              <a:rPr lang="en-GB" sz="2800" dirty="0" err="1"/>
+              <a:rPr lang="en-GB" sz="3200" dirty="0"/>
+              <a:t>Using </a:t>
+            </a:r>
+            <a:r>
+              <a:rPr lang="en-GB" sz="3200" dirty="0" err="1"/>
               <a:t>ThreadPool</a:t>
             </a:r>
             <a:r>
-              <a:rPr lang="en-GB" sz="2800" dirty="0"/>
-              <a:t>.</a:t>
+              <a:rPr lang="en-GB" sz="3200" dirty="0"/>
+              <a:t> avoids the overhead of creating too many threads. </a:t>
             </a:r>
           </a:p>
           <a:p>
@@ -3730,16 +3696,8 @@
               <a:buChar char="•"/>
             </a:pPr>
             <a:r>
-              <a:rPr lang="en-GB" sz="2800" dirty="0"/>
-              <a:t>Unlike </a:t>
-            </a:r>
-            <a:r>
-              <a:rPr lang="en-GB" sz="2800" dirty="0" err="1"/>
-              <a:t>ThreadPool</a:t>
-            </a:r>
-            <a:r>
-              <a:rPr lang="en-GB" sz="2800" dirty="0"/>
-              <a:t>, Task allows you to find out when it finishes and to return a result., either synchronously or asynchronously.</a:t>
+              <a:rPr lang="en-GB" sz="3200" dirty="0"/>
+              <a:t>Submitting too many long-running tasks to the thread pool is bad however, as it can get full and later work that it submitted can end up waiting a long time for earlier submitted tasks to finish. </a:t>
             </a:r>
           </a:p>
           <a:p>
@@ -3748,50 +3706,8 @@
               <a:buChar char="•"/>
             </a:pPr>
             <a:r>
-              <a:rPr lang="en-GB" sz="2800" dirty="0"/>
-              <a:t>Since tasks still run on the </a:t>
-            </a:r>
-            <a:r>
-              <a:rPr lang="en-GB" sz="2800" dirty="0" err="1"/>
-              <a:t>ThreadPool</a:t>
-            </a:r>
-            <a:r>
-              <a:rPr lang="en-GB" sz="2800" dirty="0"/>
-              <a:t>, they should not be used for long-running operations. Task does provide however a </a:t>
-            </a:r>
-            <a:r>
-              <a:rPr lang="en-GB" sz="2800" dirty="0" err="1"/>
-              <a:t>LongRunning</a:t>
-            </a:r>
-            <a:r>
-              <a:rPr lang="en-GB" sz="2800" dirty="0"/>
-              <a:t> option, which tells the </a:t>
-            </a:r>
-            <a:r>
-              <a:rPr lang="en-GB" sz="2800" dirty="0" err="1"/>
-              <a:t>TaskScheduler</a:t>
-            </a:r>
-            <a:r>
-              <a:rPr lang="en-GB" sz="2800" dirty="0"/>
-              <a:t> to create a new thread rather than running on the </a:t>
-            </a:r>
-            <a:r>
-              <a:rPr lang="en-GB" sz="2800" dirty="0" err="1"/>
-              <a:t>ThreadPool</a:t>
-            </a:r>
-            <a:r>
-              <a:rPr lang="en-GB" sz="2800" dirty="0"/>
-              <a:t>. We’ll go over long-running tasks a bit later.</a:t>
-            </a:r>
-          </a:p>
-          <a:p>
-            <a:pPr algn="ctr"/>
-            <a:br>
-              <a:rPr lang="en-GB" sz="2800" b="1" dirty="0"/>
-            </a:br>
-            <a:r>
-              <a:rPr lang="en-GB" sz="2800" b="1" dirty="0"/>
-              <a:t>A Task represents a single operation which can be run asynchronously</a:t>
+              <a:rPr lang="en-GB" sz="3200" dirty="0"/>
+              <a:t>It’s therefore best used for short operations when the caller does not need the result. </a:t>
             </a:r>
           </a:p>
         </p:txBody>
@@ -3799,7 +3715,7 @@
     </p:spTree>
     <p:extLst>
       <p:ext uri="{BB962C8B-B14F-4D97-AF65-F5344CB8AC3E}">
-        <p14:creationId xmlns:p14="http://schemas.microsoft.com/office/powerpoint/2010/main" val="767209263"/>
+        <p14:creationId xmlns:p14="http://schemas.microsoft.com/office/powerpoint/2010/main" val="3951006242"/>
       </p:ext>
     </p:extLst>
   </p:cSld>
@@ -3841,7 +3757,7 @@
         <p:spPr>
           <a:xfrm>
             <a:off x="145775" y="132522"/>
-            <a:ext cx="11781182" cy="6001643"/>
+            <a:ext cx="11781182" cy="5755422"/>
           </a:xfrm>
           <a:prstGeom prst="rect">
             <a:avLst/>
@@ -3856,11 +3772,16 @@
           <a:p>
             <a:r>
               <a:rPr lang="en-GB" sz="3200" b="1" dirty="0"/>
-              <a:t>Summary</a:t>
-            </a:r>
-          </a:p>
-          <a:p>
-            <a:endParaRPr lang="en-GB" sz="3200" b="1" dirty="0"/>
+              <a:t>Task and Task&lt;</a:t>
+            </a:r>
+            <a:r>
+              <a:rPr lang="en-GB" sz="3200" b="1" dirty="0" err="1"/>
+              <a:t>TResult</a:t>
+            </a:r>
+            <a:r>
+              <a:rPr lang="en-GB" sz="3200" b="1" dirty="0"/>
+              <a:t>&gt;</a:t>
+            </a:r>
           </a:p>
           <a:p>
             <a:pPr marL="457200" indent="-457200">
@@ -3868,12 +3789,9 @@
               <a:buChar char="•"/>
             </a:pPr>
             <a:r>
-              <a:rPr lang="en-GB" sz="3200" dirty="0"/>
-              <a:t>Tasks are an easy way of writing methods which can be run asynchronously.</a:t>
-            </a:r>
-          </a:p>
-          <a:p>
-            <a:endParaRPr lang="en-GB" sz="3200" dirty="0"/>
+              <a:rPr lang="en-GB" sz="2800" dirty="0"/>
+              <a:t>Represents a piece of work to be completed, possibly with a result.</a:t>
+            </a:r>
           </a:p>
           <a:p>
             <a:pPr marL="457200" indent="-457200">
@@ -3881,8 +3799,16 @@
               <a:buChar char="•"/>
             </a:pPr>
             <a:r>
-              <a:rPr lang="en-GB" sz="3200" dirty="0"/>
-              <a:t>Task provides a powerful API and avoids wasting OS threads.</a:t>
+              <a:rPr lang="en-GB" sz="2800" dirty="0"/>
+              <a:t>Like the </a:t>
+            </a:r>
+            <a:r>
+              <a:rPr lang="en-GB" sz="2800" dirty="0" err="1"/>
+              <a:t>ThreadPool</a:t>
+            </a:r>
+            <a:r>
+              <a:rPr lang="en-GB" sz="2800" dirty="0"/>
+              <a:t>, a task does not create its own OS thread.</a:t>
             </a:r>
           </a:p>
           <a:p>
@@ -3890,7 +3816,26 @@
               <a:buFont typeface="Arial" panose="020B0604020202020204" pitchFamily="34" charset="0"/>
               <a:buChar char="•"/>
             </a:pPr>
-            <a:endParaRPr lang="en-GB" sz="3200" dirty="0"/>
+            <a:r>
+              <a:rPr lang="en-GB" sz="2800" dirty="0"/>
+              <a:t>Tasks are executed by a </a:t>
+            </a:r>
+            <a:r>
+              <a:rPr lang="en-GB" sz="2800" dirty="0" err="1"/>
+              <a:t>TaskScheduler</a:t>
+            </a:r>
+            <a:r>
+              <a:rPr lang="en-GB" sz="2800" dirty="0"/>
+              <a:t>. The default scheduler runs on the </a:t>
+            </a:r>
+            <a:r>
+              <a:rPr lang="en-GB" sz="2800" dirty="0" err="1"/>
+              <a:t>ThreadPool</a:t>
+            </a:r>
+            <a:r>
+              <a:rPr lang="en-GB" sz="2800" dirty="0"/>
+              <a:t>.</a:t>
+            </a:r>
           </a:p>
           <a:p>
             <a:pPr marL="457200" indent="-457200">
@@ -3898,16 +3843,16 @@
               <a:buChar char="•"/>
             </a:pPr>
             <a:r>
-              <a:rPr lang="en-GB" sz="3200" dirty="0"/>
-              <a:t>It is extremely unlikely that you will ever need to use the Thread or </a:t>
-            </a:r>
-            <a:r>
-              <a:rPr lang="en-GB" sz="3200" dirty="0" err="1"/>
+              <a:rPr lang="en-GB" sz="2800" dirty="0"/>
+              <a:t>Unlike </a:t>
+            </a:r>
+            <a:r>
+              <a:rPr lang="en-GB" sz="2800" dirty="0" err="1"/>
               <a:t>ThreadPool</a:t>
             </a:r>
             <a:r>
-              <a:rPr lang="en-GB" sz="3200" dirty="0"/>
-              <a:t> classes. </a:t>
+              <a:rPr lang="en-GB" sz="2800" dirty="0"/>
+              <a:t>, Task allows you to find out when it finishes and to return a result., either synchronously or asynchronously.</a:t>
             </a:r>
           </a:p>
           <a:p>
@@ -3915,28 +3860,51 @@
               <a:buFont typeface="Arial" panose="020B0604020202020204" pitchFamily="34" charset="0"/>
               <a:buChar char="•"/>
             </a:pPr>
-            <a:endParaRPr lang="en-GB" sz="3200" dirty="0"/>
-          </a:p>
-          <a:p>
-            <a:pPr marL="457200" indent="-457200">
-              <a:buFont typeface="Arial" panose="020B0604020202020204" pitchFamily="34" charset="0"/>
-              <a:buChar char="•"/>
-            </a:pPr>
-            <a:r>
-              <a:rPr lang="en-GB" sz="3200" dirty="0"/>
-              <a:t>Unless you have a good reason, </a:t>
-            </a:r>
-            <a:r>
-              <a:rPr lang="en-GB" sz="3200" b="1" u="sng" dirty="0"/>
-              <a:t>completely ignore Thread and </a:t>
-            </a:r>
-            <a:r>
-              <a:rPr lang="en-GB" sz="3200" b="1" u="sng" dirty="0" err="1"/>
+            <a:r>
+              <a:rPr lang="en-GB" sz="2800" dirty="0"/>
+              <a:t>Since tasks still run on the </a:t>
+            </a:r>
+            <a:r>
+              <a:rPr lang="en-GB" sz="2800" dirty="0" err="1"/>
               <a:t>ThreadPool</a:t>
             </a:r>
             <a:r>
-              <a:rPr lang="en-GB" sz="3200" b="1" u="sng" dirty="0"/>
-              <a:t>. Only think about Task!</a:t>
+              <a:rPr lang="en-GB" sz="2800" dirty="0"/>
+              <a:t>, they should not be used for long-running operations. Task does provide however a </a:t>
+            </a:r>
+            <a:r>
+              <a:rPr lang="en-GB" sz="2800" dirty="0" err="1"/>
+              <a:t>LongRunning</a:t>
+            </a:r>
+            <a:r>
+              <a:rPr lang="en-GB" sz="2800" dirty="0"/>
+              <a:t> option, which tells the </a:t>
+            </a:r>
+            <a:r>
+              <a:rPr lang="en-GB" sz="2800" dirty="0" err="1"/>
+              <a:t>TaskScheduler</a:t>
+            </a:r>
+            <a:r>
+              <a:rPr lang="en-GB" sz="2800" dirty="0"/>
+              <a:t> to create a new thread rather than running on the </a:t>
+            </a:r>
+            <a:r>
+              <a:rPr lang="en-GB" sz="2800" dirty="0" err="1"/>
+              <a:t>ThreadPool</a:t>
+            </a:r>
+            <a:r>
+              <a:rPr lang="en-GB" sz="2800" dirty="0"/>
+              <a:t>. We’ll go over long-running tasks a bit later.</a:t>
+            </a:r>
+          </a:p>
+          <a:p>
+            <a:pPr algn="ctr"/>
+            <a:br>
+              <a:rPr lang="en-GB" sz="2800" b="1" dirty="0"/>
+            </a:br>
+            <a:r>
+              <a:rPr lang="en-GB" sz="2800" b="1" dirty="0"/>
+              <a:t>A Task represents a single operation which can be run asynchronously</a:t>
             </a:r>
           </a:p>
         </p:txBody>
@@ -3944,7 +3912,7 @@
     </p:spTree>
     <p:extLst>
       <p:ext uri="{BB962C8B-B14F-4D97-AF65-F5344CB8AC3E}">
-        <p14:creationId xmlns:p14="http://schemas.microsoft.com/office/powerpoint/2010/main" val="1198929045"/>
+        <p14:creationId xmlns:p14="http://schemas.microsoft.com/office/powerpoint/2010/main" val="767209263"/>
       </p:ext>
     </p:extLst>
   </p:cSld>
@@ -3986,7 +3954,7 @@
         <p:spPr>
           <a:xfrm>
             <a:off x="145775" y="132522"/>
-            <a:ext cx="11781182" cy="584775"/>
+            <a:ext cx="11781182" cy="6001643"/>
           </a:xfrm>
           <a:prstGeom prst="rect">
             <a:avLst/>
@@ -4001,132 +3969,87 @@
           <a:p>
             <a:r>
               <a:rPr lang="en-GB" sz="3200" b="1" dirty="0"/>
-              <a:t>Here are some example of synchronous methods in C#:</a:t>
-            </a:r>
-          </a:p>
-        </p:txBody>
-      </p:sp>
-      <p:pic>
-        <p:nvPicPr>
-          <p:cNvPr id="2" name="Picture 1">
-            <a:extLst>
-              <a:ext uri="{FF2B5EF4-FFF2-40B4-BE49-F238E27FC236}">
-                <a16:creationId xmlns:a16="http://schemas.microsoft.com/office/drawing/2014/main" id="{136A1FC5-97AC-4D35-A13E-09392AB806BF}"/>
-              </a:ext>
-            </a:extLst>
-          </p:cNvPr>
-          <p:cNvPicPr>
-            <a:picLocks noChangeAspect="1"/>
-          </p:cNvPicPr>
-          <p:nvPr/>
-        </p:nvPicPr>
-        <p:blipFill>
-          <a:blip r:embed="rId2"/>
-          <a:stretch>
-            <a:fillRect/>
-          </a:stretch>
-        </p:blipFill>
-        <p:spPr>
-          <a:xfrm>
-            <a:off x="5650335" y="1211488"/>
-            <a:ext cx="6175022" cy="2325282"/>
-          </a:xfrm>
-          <a:prstGeom prst="rect">
-            <a:avLst/>
-          </a:prstGeom>
-        </p:spPr>
-      </p:pic>
-      <p:pic>
-        <p:nvPicPr>
-          <p:cNvPr id="3" name="Picture 2">
-            <a:extLst>
-              <a:ext uri="{FF2B5EF4-FFF2-40B4-BE49-F238E27FC236}">
-                <a16:creationId xmlns:a16="http://schemas.microsoft.com/office/drawing/2014/main" id="{A5715088-701E-4AE3-B68C-8DF783327A99}"/>
-              </a:ext>
-            </a:extLst>
-          </p:cNvPr>
-          <p:cNvPicPr>
-            <a:picLocks noChangeAspect="1"/>
-          </p:cNvPicPr>
-          <p:nvPr/>
-        </p:nvPicPr>
-        <p:blipFill>
-          <a:blip r:embed="rId3"/>
-          <a:stretch>
-            <a:fillRect/>
-          </a:stretch>
-        </p:blipFill>
-        <p:spPr>
-          <a:xfrm>
-            <a:off x="526207" y="1211488"/>
-            <a:ext cx="4591050" cy="2105025"/>
-          </a:xfrm>
-          <a:prstGeom prst="rect">
-            <a:avLst/>
-          </a:prstGeom>
-        </p:spPr>
-      </p:pic>
-      <p:pic>
-        <p:nvPicPr>
-          <p:cNvPr id="5" name="Picture 4">
-            <a:extLst>
-              <a:ext uri="{FF2B5EF4-FFF2-40B4-BE49-F238E27FC236}">
-                <a16:creationId xmlns:a16="http://schemas.microsoft.com/office/drawing/2014/main" id="{4F9BE8B1-40C1-42F0-A075-B369F7D0DE93}"/>
-              </a:ext>
-            </a:extLst>
-          </p:cNvPr>
-          <p:cNvPicPr>
-            <a:picLocks noChangeAspect="1"/>
-          </p:cNvPicPr>
-          <p:nvPr/>
-        </p:nvPicPr>
-        <p:blipFill>
-          <a:blip r:embed="rId4"/>
-          <a:stretch>
-            <a:fillRect/>
-          </a:stretch>
-        </p:blipFill>
-        <p:spPr>
-          <a:xfrm>
-            <a:off x="1870788" y="3698047"/>
-            <a:ext cx="8077200" cy="1562100"/>
-          </a:xfrm>
-          <a:prstGeom prst="rect">
-            <a:avLst/>
-          </a:prstGeom>
-        </p:spPr>
-      </p:pic>
-      <p:sp>
-        <p:nvSpPr>
-          <p:cNvPr id="7" name="Rectangle 6">
-            <a:extLst>
-              <a:ext uri="{FF2B5EF4-FFF2-40B4-BE49-F238E27FC236}">
-                <a16:creationId xmlns:a16="http://schemas.microsoft.com/office/drawing/2014/main" id="{F360AEFE-75F4-45D0-9D24-4D6C2B4E87B2}"/>
-              </a:ext>
-            </a:extLst>
-          </p:cNvPr>
-          <p:cNvSpPr/>
-          <p:nvPr/>
-        </p:nvSpPr>
-        <p:spPr>
-          <a:xfrm>
-            <a:off x="145775" y="5718406"/>
-            <a:ext cx="11679581" cy="584775"/>
-          </a:xfrm>
-          <a:prstGeom prst="rect">
-            <a:avLst/>
-          </a:prstGeom>
-        </p:spPr>
-        <p:txBody>
-          <a:bodyPr wrap="square">
-            <a:spAutoFit/>
-          </a:bodyPr>
-          <a:lstStyle/>
-          <a:p>
-            <a:pPr algn="ctr"/>
-            <a:r>
-              <a:rPr lang="en-GB" sz="3200" b="1" dirty="0"/>
-              <a:t>Notice that all of these methods are CPU-bound</a:t>
+              <a:t>Summary</a:t>
+            </a:r>
+          </a:p>
+          <a:p>
+            <a:endParaRPr lang="en-GB" sz="3200" b="1" dirty="0"/>
+          </a:p>
+          <a:p>
+            <a:pPr marL="457200" indent="-457200">
+              <a:buFont typeface="Arial" panose="020B0604020202020204" pitchFamily="34" charset="0"/>
+              <a:buChar char="•"/>
+            </a:pPr>
+            <a:r>
+              <a:rPr lang="en-GB" sz="3200" dirty="0"/>
+              <a:t>Tasks are an easy way of writing methods which can be run asynchronously.</a:t>
+            </a:r>
+          </a:p>
+          <a:p>
+            <a:endParaRPr lang="en-GB" sz="3200" dirty="0"/>
+          </a:p>
+          <a:p>
+            <a:pPr marL="457200" indent="-457200">
+              <a:buFont typeface="Arial" panose="020B0604020202020204" pitchFamily="34" charset="0"/>
+              <a:buChar char="•"/>
+            </a:pPr>
+            <a:r>
+              <a:rPr lang="en-GB" sz="3200" dirty="0"/>
+              <a:t>Task provides a powerful API and avoids wasting OS threads.</a:t>
+            </a:r>
+          </a:p>
+          <a:p>
+            <a:pPr marL="457200" indent="-457200">
+              <a:buFont typeface="Arial" panose="020B0604020202020204" pitchFamily="34" charset="0"/>
+              <a:buChar char="•"/>
+            </a:pPr>
+            <a:endParaRPr lang="en-GB" sz="3200" dirty="0"/>
+          </a:p>
+          <a:p>
+            <a:pPr marL="457200" indent="-457200">
+              <a:buFont typeface="Arial" panose="020B0604020202020204" pitchFamily="34" charset="0"/>
+              <a:buChar char="•"/>
+            </a:pPr>
+            <a:r>
+              <a:rPr lang="en-GB" sz="3200" dirty="0"/>
+              <a:t>It is extremely unlikely that you will ever need to use the Thread or </a:t>
+            </a:r>
+            <a:r>
+              <a:rPr lang="en-GB" sz="3200" dirty="0" err="1"/>
+              <a:t>ThreadPool</a:t>
+            </a:r>
+            <a:r>
+              <a:rPr lang="en-GB" sz="3200" dirty="0"/>
+              <a:t> classes. </a:t>
+            </a:r>
+          </a:p>
+          <a:p>
+            <a:pPr marL="457200" indent="-457200">
+              <a:buFont typeface="Arial" panose="020B0604020202020204" pitchFamily="34" charset="0"/>
+              <a:buChar char="•"/>
+            </a:pPr>
+            <a:endParaRPr lang="en-GB" sz="3200" dirty="0"/>
+          </a:p>
+          <a:p>
+            <a:pPr marL="457200" indent="-457200">
+              <a:buFont typeface="Arial" panose="020B0604020202020204" pitchFamily="34" charset="0"/>
+              <a:buChar char="•"/>
+            </a:pPr>
+            <a:r>
+              <a:rPr lang="en-GB" sz="3200" dirty="0"/>
+              <a:t>Unless you have a good reason, </a:t>
+            </a:r>
+            <a:r>
+              <a:rPr lang="en-GB" sz="3200" b="1" u="sng" dirty="0"/>
+              <a:t>completely ignore Thread and </a:t>
+            </a:r>
+            <a:r>
+              <a:rPr lang="en-GB" sz="3200" b="1" u="sng" dirty="0" err="1"/>
+              <a:t>ThreadPool</a:t>
+            </a:r>
+            <a:r>
+              <a:rPr lang="en-GB" sz="3200" b="1" u="sng" dirty="0"/>
+              <a:t>. Only think about Task!</a:t>
             </a:r>
           </a:p>
         </p:txBody>
@@ -4134,7 +4057,7 @@
     </p:spTree>
     <p:extLst>
       <p:ext uri="{BB962C8B-B14F-4D97-AF65-F5344CB8AC3E}">
-        <p14:creationId xmlns:p14="http://schemas.microsoft.com/office/powerpoint/2010/main" val="220451678"/>
+        <p14:creationId xmlns:p14="http://schemas.microsoft.com/office/powerpoint/2010/main" val="1198929045"/>
       </p:ext>
     </p:extLst>
   </p:cSld>
@@ -4176,7 +4099,7 @@
         <p:spPr>
           <a:xfrm>
             <a:off x="145775" y="132522"/>
-            <a:ext cx="11781182" cy="6555641"/>
+            <a:ext cx="11781182" cy="584775"/>
           </a:xfrm>
           <a:prstGeom prst="rect">
             <a:avLst/>
@@ -4190,87 +4113,133 @@
           <a:lstStyle/>
           <a:p>
             <a:r>
-              <a:rPr lang="en-GB" sz="2800" b="1" dirty="0"/>
-              <a:t>Some (possibly confusing) facts about synchronous and asynchronous code</a:t>
-            </a:r>
-          </a:p>
-          <a:p>
-            <a:endParaRPr lang="en-GB" sz="2800" dirty="0"/>
-          </a:p>
-          <a:p>
-            <a:pPr marL="457200" indent="-457200">
-              <a:buFont typeface="Arial" panose="020B0604020202020204" pitchFamily="34" charset="0"/>
-              <a:buChar char="•"/>
-            </a:pPr>
-            <a:r>
-              <a:rPr lang="en-GB" sz="2800" dirty="0"/>
-              <a:t>Synchronous code may or may not run in the same thread.</a:t>
-            </a:r>
-          </a:p>
-          <a:p>
-            <a:pPr marL="457200" indent="-457200">
-              <a:buFont typeface="Arial" panose="020B0604020202020204" pitchFamily="34" charset="0"/>
-              <a:buChar char="•"/>
-            </a:pPr>
-            <a:endParaRPr lang="en-GB" sz="2800" dirty="0"/>
-          </a:p>
-          <a:p>
-            <a:pPr marL="457200" indent="-457200">
-              <a:buFont typeface="Arial" panose="020B0604020202020204" pitchFamily="34" charset="0"/>
-              <a:buChar char="•"/>
-            </a:pPr>
-            <a:r>
-              <a:rPr lang="en-GB" sz="2800" dirty="0"/>
-              <a:t>Synchronous operations can be performed sequentially, or simultaneously. </a:t>
-            </a:r>
-          </a:p>
-          <a:p>
-            <a:pPr marL="457200" indent="-457200">
-              <a:buFont typeface="Arial" panose="020B0604020202020204" pitchFamily="34" charset="0"/>
-              <a:buChar char="•"/>
-            </a:pPr>
-            <a:endParaRPr lang="en-GB" sz="2800" dirty="0"/>
-          </a:p>
-          <a:p>
-            <a:pPr marL="457200" indent="-457200">
-              <a:buFont typeface="Arial" panose="020B0604020202020204" pitchFamily="34" charset="0"/>
-              <a:buChar char="•"/>
-            </a:pPr>
-            <a:r>
-              <a:rPr lang="en-GB" sz="2800" dirty="0"/>
-              <a:t>Asynchronous operations may or may not run in multiple threads. </a:t>
-            </a:r>
-          </a:p>
-          <a:p>
-            <a:pPr marL="457200" indent="-457200">
-              <a:buFont typeface="Arial" panose="020B0604020202020204" pitchFamily="34" charset="0"/>
-              <a:buChar char="•"/>
-            </a:pPr>
-            <a:endParaRPr lang="en-GB" sz="2800" dirty="0"/>
-          </a:p>
-          <a:p>
-            <a:pPr marL="457200" indent="-457200">
-              <a:buFont typeface="Arial" panose="020B0604020202020204" pitchFamily="34" charset="0"/>
-              <a:buChar char="•"/>
-            </a:pPr>
-            <a:r>
-              <a:rPr lang="en-GB" sz="2800" dirty="0"/>
-              <a:t>Asynchronous operations can be just scheduled but never guaranteed to run at a certain time. </a:t>
-            </a:r>
-          </a:p>
-          <a:p>
-            <a:endParaRPr lang="en-GB" sz="2800" dirty="0"/>
-          </a:p>
-          <a:p>
-            <a:r>
-              <a:rPr lang="en-GB" sz="2800" dirty="0"/>
-              <a:t>Asynchrony has nothing to do with “other threads”, “background”, “simultaneous”, or “concurrent”. All of those things are irrelevant. </a:t>
-            </a:r>
-          </a:p>
-          <a:p>
-            <a:r>
-              <a:rPr lang="en-GB" sz="2800" dirty="0"/>
-              <a:t>It’s just a way to design code where you can avoid both resource contention and thread blocking. </a:t>
+              <a:rPr lang="en-GB" sz="3200" b="1" dirty="0"/>
+              <a:t>Here are some example of synchronous methods in C#:</a:t>
+            </a:r>
+          </a:p>
+        </p:txBody>
+      </p:sp>
+      <p:pic>
+        <p:nvPicPr>
+          <p:cNvPr id="2" name="Picture 1">
+            <a:extLst>
+              <a:ext uri="{FF2B5EF4-FFF2-40B4-BE49-F238E27FC236}">
+                <a16:creationId xmlns:a16="http://schemas.microsoft.com/office/drawing/2014/main" id="{136A1FC5-97AC-4D35-A13E-09392AB806BF}"/>
+              </a:ext>
+            </a:extLst>
+          </p:cNvPr>
+          <p:cNvPicPr>
+            <a:picLocks noChangeAspect="1"/>
+          </p:cNvPicPr>
+          <p:nvPr/>
+        </p:nvPicPr>
+        <p:blipFill>
+          <a:blip r:embed="rId2"/>
+          <a:stretch>
+            <a:fillRect/>
+          </a:stretch>
+        </p:blipFill>
+        <p:spPr>
+          <a:xfrm>
+            <a:off x="5650335" y="1211488"/>
+            <a:ext cx="6175022" cy="2325282"/>
+          </a:xfrm>
+          <a:prstGeom prst="rect">
+            <a:avLst/>
+          </a:prstGeom>
+        </p:spPr>
+      </p:pic>
+      <p:pic>
+        <p:nvPicPr>
+          <p:cNvPr id="3" name="Picture 2">
+            <a:extLst>
+              <a:ext uri="{FF2B5EF4-FFF2-40B4-BE49-F238E27FC236}">
+                <a16:creationId xmlns:a16="http://schemas.microsoft.com/office/drawing/2014/main" id="{A5715088-701E-4AE3-B68C-8DF783327A99}"/>
+              </a:ext>
+            </a:extLst>
+          </p:cNvPr>
+          <p:cNvPicPr>
+            <a:picLocks noChangeAspect="1"/>
+          </p:cNvPicPr>
+          <p:nvPr/>
+        </p:nvPicPr>
+        <p:blipFill>
+          <a:blip r:embed="rId3"/>
+          <a:stretch>
+            <a:fillRect/>
+          </a:stretch>
+        </p:blipFill>
+        <p:spPr>
+          <a:xfrm>
+            <a:off x="526207" y="1211488"/>
+            <a:ext cx="4591050" cy="2105025"/>
+          </a:xfrm>
+          <a:prstGeom prst="rect">
+            <a:avLst/>
+          </a:prstGeom>
+        </p:spPr>
+      </p:pic>
+      <p:pic>
+        <p:nvPicPr>
+          <p:cNvPr id="5" name="Picture 4">
+            <a:extLst>
+              <a:ext uri="{FF2B5EF4-FFF2-40B4-BE49-F238E27FC236}">
+                <a16:creationId xmlns:a16="http://schemas.microsoft.com/office/drawing/2014/main" id="{4F9BE8B1-40C1-42F0-A075-B369F7D0DE93}"/>
+              </a:ext>
+            </a:extLst>
+          </p:cNvPr>
+          <p:cNvPicPr>
+            <a:picLocks noChangeAspect="1"/>
+          </p:cNvPicPr>
+          <p:nvPr/>
+        </p:nvPicPr>
+        <p:blipFill>
+          <a:blip r:embed="rId4"/>
+          <a:stretch>
+            <a:fillRect/>
+          </a:stretch>
+        </p:blipFill>
+        <p:spPr>
+          <a:xfrm>
+            <a:off x="1870788" y="3698047"/>
+            <a:ext cx="8077200" cy="1562100"/>
+          </a:xfrm>
+          <a:prstGeom prst="rect">
+            <a:avLst/>
+          </a:prstGeom>
+        </p:spPr>
+      </p:pic>
+      <p:sp>
+        <p:nvSpPr>
+          <p:cNvPr id="7" name="Rectangle 6">
+            <a:extLst>
+              <a:ext uri="{FF2B5EF4-FFF2-40B4-BE49-F238E27FC236}">
+                <a16:creationId xmlns:a16="http://schemas.microsoft.com/office/drawing/2014/main" id="{F360AEFE-75F4-45D0-9D24-4D6C2B4E87B2}"/>
+              </a:ext>
+            </a:extLst>
+          </p:cNvPr>
+          <p:cNvSpPr/>
+          <p:nvPr/>
+        </p:nvSpPr>
+        <p:spPr>
+          <a:xfrm>
+            <a:off x="145775" y="5718406"/>
+            <a:ext cx="11679581" cy="584775"/>
+          </a:xfrm>
+          <a:prstGeom prst="rect">
+            <a:avLst/>
+          </a:prstGeom>
+        </p:spPr>
+        <p:txBody>
+          <a:bodyPr wrap="square">
+            <a:spAutoFit/>
+          </a:bodyPr>
+          <a:lstStyle/>
+          <a:p>
+            <a:pPr algn="ctr"/>
+            <a:r>
+              <a:rPr lang="en-GB" sz="3200" b="1" dirty="0"/>
+              <a:t>Notice that all of these methods are CPU-bound</a:t>
             </a:r>
           </a:p>
         </p:txBody>
@@ -4278,7 +4247,7 @@
     </p:spTree>
     <p:extLst>
       <p:ext uri="{BB962C8B-B14F-4D97-AF65-F5344CB8AC3E}">
-        <p14:creationId xmlns:p14="http://schemas.microsoft.com/office/powerpoint/2010/main" val="777985352"/>
+        <p14:creationId xmlns:p14="http://schemas.microsoft.com/office/powerpoint/2010/main" val="220451678"/>
       </p:ext>
     </p:extLst>
   </p:cSld>
@@ -4320,7 +4289,7 @@
         <p:spPr>
           <a:xfrm>
             <a:off x="145775" y="132522"/>
-            <a:ext cx="11781182" cy="584775"/>
+            <a:ext cx="11781182" cy="6555641"/>
           </a:xfrm>
           <a:prstGeom prst="rect">
             <a:avLst/>
@@ -4334,8 +4303,87 @@
           <a:lstStyle/>
           <a:p>
             <a:r>
-              <a:rPr lang="en-GB" sz="3200" b="1" dirty="0"/>
-              <a:t>Here are some example of asynchronous methods in C#:</a:t>
+              <a:rPr lang="en-GB" sz="2800" b="1" dirty="0"/>
+              <a:t>Some (possibly confusing) facts about synchronous and asynchronous code</a:t>
+            </a:r>
+          </a:p>
+          <a:p>
+            <a:endParaRPr lang="en-GB" sz="2800" dirty="0"/>
+          </a:p>
+          <a:p>
+            <a:pPr marL="457200" indent="-457200">
+              <a:buFont typeface="Arial" panose="020B0604020202020204" pitchFamily="34" charset="0"/>
+              <a:buChar char="•"/>
+            </a:pPr>
+            <a:r>
+              <a:rPr lang="en-GB" sz="2800" dirty="0"/>
+              <a:t>Synchronous code may or may not run in the same thread.</a:t>
+            </a:r>
+          </a:p>
+          <a:p>
+            <a:pPr marL="457200" indent="-457200">
+              <a:buFont typeface="Arial" panose="020B0604020202020204" pitchFamily="34" charset="0"/>
+              <a:buChar char="•"/>
+            </a:pPr>
+            <a:endParaRPr lang="en-GB" sz="2800" dirty="0"/>
+          </a:p>
+          <a:p>
+            <a:pPr marL="457200" indent="-457200">
+              <a:buFont typeface="Arial" panose="020B0604020202020204" pitchFamily="34" charset="0"/>
+              <a:buChar char="•"/>
+            </a:pPr>
+            <a:r>
+              <a:rPr lang="en-GB" sz="2800" dirty="0"/>
+              <a:t>Synchronous operations can be performed sequentially, or simultaneously. </a:t>
+            </a:r>
+          </a:p>
+          <a:p>
+            <a:pPr marL="457200" indent="-457200">
+              <a:buFont typeface="Arial" panose="020B0604020202020204" pitchFamily="34" charset="0"/>
+              <a:buChar char="•"/>
+            </a:pPr>
+            <a:endParaRPr lang="en-GB" sz="2800" dirty="0"/>
+          </a:p>
+          <a:p>
+            <a:pPr marL="457200" indent="-457200">
+              <a:buFont typeface="Arial" panose="020B0604020202020204" pitchFamily="34" charset="0"/>
+              <a:buChar char="•"/>
+            </a:pPr>
+            <a:r>
+              <a:rPr lang="en-GB" sz="2800" dirty="0"/>
+              <a:t>Asynchronous operations may or may not run in multiple threads. </a:t>
+            </a:r>
+          </a:p>
+          <a:p>
+            <a:pPr marL="457200" indent="-457200">
+              <a:buFont typeface="Arial" panose="020B0604020202020204" pitchFamily="34" charset="0"/>
+              <a:buChar char="•"/>
+            </a:pPr>
+            <a:endParaRPr lang="en-GB" sz="2800" dirty="0"/>
+          </a:p>
+          <a:p>
+            <a:pPr marL="457200" indent="-457200">
+              <a:buFont typeface="Arial" panose="020B0604020202020204" pitchFamily="34" charset="0"/>
+              <a:buChar char="•"/>
+            </a:pPr>
+            <a:r>
+              <a:rPr lang="en-GB" sz="2800" dirty="0"/>
+              <a:t>Asynchronous operations can be just scheduled but never guaranteed to run at a certain time. </a:t>
+            </a:r>
+          </a:p>
+          <a:p>
+            <a:endParaRPr lang="en-GB" sz="2800" dirty="0"/>
+          </a:p>
+          <a:p>
+            <a:r>
+              <a:rPr lang="en-GB" sz="2800" dirty="0"/>
+              <a:t>Asynchrony has nothing to do with “other threads”, “background”, “simultaneous”, or “concurrent”. All of those things are irrelevant. </a:t>
+            </a:r>
+          </a:p>
+          <a:p>
+            <a:r>
+              <a:rPr lang="en-GB" sz="2800" dirty="0"/>
+              <a:t>It’s just a way to design code where you can avoid both resource contention and thread blocking. </a:t>
             </a:r>
           </a:p>
         </p:txBody>
@@ -4343,7 +4391,7 @@
     </p:spTree>
     <p:extLst>
       <p:ext uri="{BB962C8B-B14F-4D97-AF65-F5344CB8AC3E}">
-        <p14:creationId xmlns:p14="http://schemas.microsoft.com/office/powerpoint/2010/main" val="1723273691"/>
+        <p14:creationId xmlns:p14="http://schemas.microsoft.com/office/powerpoint/2010/main" val="777985352"/>
       </p:ext>
     </p:extLst>
   </p:cSld>
@@ -4385,7 +4433,7 @@
         <p:spPr>
           <a:xfrm>
             <a:off x="145775" y="132522"/>
-            <a:ext cx="11781182" cy="5016758"/>
+            <a:ext cx="11781182" cy="584775"/>
           </a:xfrm>
           <a:prstGeom prst="rect">
             <a:avLst/>
@@ -4399,67 +4447,8 @@
           <a:lstStyle/>
           <a:p>
             <a:r>
-              <a:rPr lang="en-GB" sz="3200" b="1" dirty="0" err="1"/>
-              <a:t>Task.Run</a:t>
-            </a:r>
-            <a:endParaRPr lang="en-GB" sz="3200" b="1" dirty="0"/>
-          </a:p>
-          <a:p>
-            <a:endParaRPr lang="en-GB" sz="3200" b="1" dirty="0"/>
-          </a:p>
-          <a:p>
-            <a:r>
-              <a:rPr lang="en-GB" sz="3200" b="1" dirty="0" err="1"/>
-              <a:t>Task.Start</a:t>
-            </a:r>
-            <a:endParaRPr lang="en-GB" sz="3200" b="1" dirty="0"/>
-          </a:p>
-          <a:p>
-            <a:endParaRPr lang="en-GB" sz="3200" b="1" dirty="0"/>
-          </a:p>
-          <a:p>
-            <a:r>
-              <a:rPr lang="en-GB" sz="3200" b="1" dirty="0" err="1"/>
-              <a:t>Task.Wait</a:t>
-            </a:r>
-            <a:endParaRPr lang="en-GB" sz="3200" b="1" dirty="0"/>
-          </a:p>
-          <a:p>
-            <a:endParaRPr lang="en-GB" sz="3200" b="1" dirty="0"/>
-          </a:p>
-          <a:p>
-            <a:r>
-              <a:rPr lang="en-GB" sz="3200" b="1" dirty="0" err="1"/>
-              <a:t>Task.RunSynchronously</a:t>
-            </a:r>
-            <a:endParaRPr lang="en-GB" sz="3200" b="1" dirty="0"/>
-          </a:p>
-          <a:p>
-            <a:endParaRPr lang="en-GB" sz="3200" b="1" dirty="0"/>
-          </a:p>
-          <a:p>
-            <a:endParaRPr lang="en-GB" sz="3200" b="1" dirty="0"/>
-          </a:p>
-          <a:p>
-            <a:r>
               <a:rPr lang="en-GB" sz="3200" b="1" dirty="0"/>
-              <a:t>Use </a:t>
-            </a:r>
-            <a:r>
-              <a:rPr lang="en-GB" sz="3200" b="1" dirty="0" err="1"/>
-              <a:t>Task.Delay</a:t>
-            </a:r>
-            <a:r>
-              <a:rPr lang="en-GB" sz="3200" b="1" dirty="0"/>
-              <a:t> instead of </a:t>
-            </a:r>
-            <a:r>
-              <a:rPr lang="en-GB" sz="3200" b="1" dirty="0" err="1"/>
-              <a:t>Thread.Sleep</a:t>
-            </a:r>
-            <a:r>
-              <a:rPr lang="en-GB" sz="3200" b="1" dirty="0"/>
-              <a:t> as it’s asynchronous</a:t>
+              <a:t>Here are some example of asynchronous methods in C#:</a:t>
             </a:r>
           </a:p>
         </p:txBody>
@@ -4467,7 +4456,7 @@
     </p:spTree>
     <p:extLst>
       <p:ext uri="{BB962C8B-B14F-4D97-AF65-F5344CB8AC3E}">
-        <p14:creationId xmlns:p14="http://schemas.microsoft.com/office/powerpoint/2010/main" val="1477074202"/>
+        <p14:creationId xmlns:p14="http://schemas.microsoft.com/office/powerpoint/2010/main" val="1723273691"/>
       </p:ext>
     </p:extLst>
   </p:cSld>
@@ -4509,7 +4498,7 @@
         <p:spPr>
           <a:xfrm>
             <a:off x="145775" y="132522"/>
-            <a:ext cx="11781182" cy="6986528"/>
+            <a:ext cx="11781182" cy="5016758"/>
           </a:xfrm>
           <a:prstGeom prst="rect">
             <a:avLst/>
@@ -4523,138 +4512,75 @@
           <a:lstStyle/>
           <a:p>
             <a:r>
-              <a:rPr lang="en-GB" sz="2800" b="1" dirty="0"/>
-              <a:t>Here’s an analogy…</a:t>
-            </a:r>
-          </a:p>
-          <a:p>
-            <a:endParaRPr lang="en-GB" sz="2800" b="1" dirty="0"/>
-          </a:p>
-          <a:p>
-            <a:r>
-              <a:rPr lang="en-GB" sz="2800" dirty="0"/>
-              <a:t>You’re in your kitchen at home, making a pasta dish and a dessert.</a:t>
-            </a:r>
-          </a:p>
-          <a:p>
-            <a:endParaRPr lang="en-GB" sz="2800" dirty="0"/>
-          </a:p>
-          <a:p>
-            <a:r>
-              <a:rPr lang="en-GB" sz="2800" dirty="0"/>
-              <a:t>The steps are simple:</a:t>
-            </a:r>
-          </a:p>
-          <a:p>
-            <a:pPr marL="457200" indent="-457200">
-              <a:buFont typeface="Arial" panose="020B0604020202020204" pitchFamily="34" charset="0"/>
-              <a:buChar char="•"/>
-            </a:pPr>
-            <a:r>
-              <a:rPr lang="en-GB" sz="2800" dirty="0"/>
-              <a:t>Heat a saucepan of water until it starts boiling (takes 5 mins)</a:t>
-            </a:r>
-          </a:p>
-          <a:p>
-            <a:pPr marL="457200" indent="-457200">
-              <a:buFont typeface="Arial" panose="020B0604020202020204" pitchFamily="34" charset="0"/>
-              <a:buChar char="•"/>
-            </a:pPr>
-            <a:r>
-              <a:rPr lang="en-GB" sz="2800" dirty="0"/>
-              <a:t>Cook fresh pasta (5 mins)</a:t>
-            </a:r>
-          </a:p>
-          <a:p>
-            <a:pPr marL="457200" indent="-457200">
-              <a:buFont typeface="Arial" panose="020B0604020202020204" pitchFamily="34" charset="0"/>
-              <a:buChar char="•"/>
-            </a:pPr>
-            <a:r>
-              <a:rPr lang="en-GB" sz="2800" dirty="0"/>
-              <a:t>Drain the water from the pasta (1 min)</a:t>
-            </a:r>
-          </a:p>
-          <a:p>
-            <a:pPr marL="457200" indent="-457200">
-              <a:buFont typeface="Arial" panose="020B0604020202020204" pitchFamily="34" charset="0"/>
-              <a:buChar char="•"/>
-            </a:pPr>
-            <a:r>
-              <a:rPr lang="en-GB" sz="2800" dirty="0"/>
-              <a:t>Place pasta in a dish and add sauce (1 min)</a:t>
-            </a:r>
-          </a:p>
-          <a:p>
-            <a:pPr marL="457200" indent="-457200">
-              <a:buFont typeface="Arial" panose="020B0604020202020204" pitchFamily="34" charset="0"/>
-              <a:buChar char="•"/>
-            </a:pPr>
-            <a:r>
-              <a:rPr lang="en-GB" sz="2800" dirty="0"/>
-              <a:t>Grate cheese (2 mins)</a:t>
-            </a:r>
-          </a:p>
-          <a:p>
-            <a:pPr marL="457200" indent="-457200">
-              <a:buFont typeface="Arial" panose="020B0604020202020204" pitchFamily="34" charset="0"/>
-              <a:buChar char="•"/>
-            </a:pPr>
-            <a:r>
-              <a:rPr lang="en-GB" sz="2800" dirty="0"/>
-              <a:t>Add cheese to pasta (1 min)</a:t>
-            </a:r>
-          </a:p>
-          <a:p>
-            <a:pPr marL="457200" indent="-457200">
-              <a:buFont typeface="Arial" panose="020B0604020202020204" pitchFamily="34" charset="0"/>
-              <a:buChar char="•"/>
-            </a:pPr>
-            <a:r>
-              <a:rPr lang="en-GB" sz="2800" dirty="0"/>
-              <a:t>Pre-heat oven to 200°C (15 mins) </a:t>
-            </a:r>
-          </a:p>
-          <a:p>
-            <a:pPr marL="457200" indent="-457200">
-              <a:buFont typeface="Arial" panose="020B0604020202020204" pitchFamily="34" charset="0"/>
-              <a:buChar char="•"/>
-            </a:pPr>
-            <a:r>
-              <a:rPr lang="en-GB" sz="2800" dirty="0"/>
-              <a:t>Place dish in oven and bake (15 mins)</a:t>
-            </a:r>
-          </a:p>
-          <a:p>
-            <a:pPr marL="457200" indent="-457200">
-              <a:buFont typeface="Arial" panose="020B0604020202020204" pitchFamily="34" charset="0"/>
-              <a:buChar char="•"/>
-            </a:pPr>
-            <a:r>
-              <a:rPr lang="en-GB" sz="2800" dirty="0"/>
-              <a:t>Prepare the dessert (20 mins)</a:t>
-            </a:r>
-          </a:p>
-          <a:p>
-            <a:pPr marL="457200" indent="-457200">
-              <a:buFont typeface="Arial" panose="020B0604020202020204" pitchFamily="34" charset="0"/>
-              <a:buChar char="•"/>
-            </a:pPr>
-            <a:endParaRPr lang="en-GB" sz="2800" dirty="0"/>
-          </a:p>
-          <a:p>
-            <a:pPr marL="457200" indent="-457200">
-              <a:buFont typeface="Arial" panose="020B0604020202020204" pitchFamily="34" charset="0"/>
-              <a:buChar char="•"/>
-            </a:pPr>
-            <a:endParaRPr lang="en-GB" sz="2800" dirty="0"/>
+              <a:rPr lang="en-GB" sz="3200" b="1" dirty="0" err="1"/>
+              <a:t>Task.Run</a:t>
+            </a:r>
+            <a:endParaRPr lang="en-GB" sz="3200" b="1" dirty="0"/>
+          </a:p>
+          <a:p>
+            <a:endParaRPr lang="en-GB" sz="3200" b="1" dirty="0"/>
+          </a:p>
+          <a:p>
+            <a:r>
+              <a:rPr lang="en-GB" sz="3200" b="1" dirty="0" err="1"/>
+              <a:t>Task.Start</a:t>
+            </a:r>
+            <a:endParaRPr lang="en-GB" sz="3200" b="1" dirty="0"/>
+          </a:p>
+          <a:p>
+            <a:endParaRPr lang="en-GB" sz="3200" b="1" dirty="0"/>
+          </a:p>
+          <a:p>
+            <a:r>
+              <a:rPr lang="en-GB" sz="3200" b="1" dirty="0" err="1"/>
+              <a:t>Task.Wait</a:t>
+            </a:r>
+            <a:endParaRPr lang="en-GB" sz="3200" b="1" dirty="0"/>
+          </a:p>
+          <a:p>
+            <a:endParaRPr lang="en-GB" sz="3200" b="1" dirty="0"/>
+          </a:p>
+          <a:p>
+            <a:r>
+              <a:rPr lang="en-GB" sz="3200" b="1" dirty="0" err="1"/>
+              <a:t>Task.RunSynchronously</a:t>
+            </a:r>
+            <a:endParaRPr lang="en-GB" sz="3200" b="1" dirty="0"/>
+          </a:p>
+          <a:p>
+            <a:endParaRPr lang="en-GB" sz="3200" b="1" dirty="0"/>
+          </a:p>
+          <a:p>
+            <a:endParaRPr lang="en-GB" sz="3200" b="1" dirty="0"/>
+          </a:p>
+          <a:p>
+            <a:r>
+              <a:rPr lang="en-GB" sz="3200" b="1" dirty="0"/>
+              <a:t>Use </a:t>
+            </a:r>
+            <a:r>
+              <a:rPr lang="en-GB" sz="3200" b="1" dirty="0" err="1"/>
+              <a:t>Task.Delay</a:t>
+            </a:r>
+            <a:r>
+              <a:rPr lang="en-GB" sz="3200" b="1" dirty="0"/>
+              <a:t> instead of </a:t>
+            </a:r>
+            <a:r>
+              <a:rPr lang="en-GB" sz="3200" b="1" dirty="0" err="1"/>
+              <a:t>Thread.Sleep</a:t>
+            </a:r>
+            <a:r>
+              <a:rPr lang="en-GB" sz="3200" b="1" dirty="0"/>
+              <a:t> as it’s asynchronous</a:t>
+            </a:r>
           </a:p>
         </p:txBody>
       </p:sp>
     </p:spTree>
     <p:extLst>
       <p:ext uri="{BB962C8B-B14F-4D97-AF65-F5344CB8AC3E}">
-        <p14:creationId xmlns:p14="http://schemas.microsoft.com/office/powerpoint/2010/main" val="3628257232"/>
+        <p14:creationId xmlns:p14="http://schemas.microsoft.com/office/powerpoint/2010/main" val="1477074202"/>
       </p:ext>
     </p:extLst>
   </p:cSld>
@@ -4696,7 +4622,7 @@
         <p:spPr>
           <a:xfrm>
             <a:off x="145775" y="132522"/>
-            <a:ext cx="11781182" cy="6124754"/>
+            <a:ext cx="11781182" cy="6986528"/>
           </a:xfrm>
           <a:prstGeom prst="rect">
             <a:avLst/>
@@ -4711,43 +4637,26 @@
           <a:p>
             <a:r>
               <a:rPr lang="en-GB" sz="2800" b="1" dirty="0"/>
-              <a:t>Some steps are performed by a person, others aren’t</a:t>
-            </a:r>
-          </a:p>
-          <a:p>
-            <a:br>
+              <a:t>Here’s an analogy…</a:t>
+            </a:r>
+          </a:p>
+          <a:p>
+            <a:endParaRPr lang="en-GB" sz="2800" b="1" dirty="0"/>
+          </a:p>
+          <a:p>
+            <a:r>
               <a:rPr lang="en-GB" sz="2800" dirty="0"/>
-            </a:br>
-            <a:r>
-              <a:rPr lang="en-GB" sz="2800" b="1" dirty="0">
-                <a:solidFill>
-                  <a:srgbClr val="00B050"/>
-                </a:solidFill>
-              </a:rPr>
-              <a:t>Green</a:t>
-            </a:r>
+              <a:t>You’re in your kitchen at home, making a pasta dish and a dessert.</a:t>
+            </a:r>
+          </a:p>
+          <a:p>
+            <a:endParaRPr lang="en-GB" sz="2800" dirty="0"/>
+          </a:p>
+          <a:p>
             <a:r>
               <a:rPr lang="en-GB" sz="2800" dirty="0"/>
-              <a:t> steps are ones which are completed by yourself</a:t>
-            </a:r>
-          </a:p>
-          <a:p>
-            <a:r>
-              <a:rPr lang="en-GB" sz="2800" b="1" dirty="0">
-                <a:solidFill>
-                  <a:schemeClr val="accent2"/>
-                </a:solidFill>
-              </a:rPr>
-              <a:t>Orange</a:t>
-            </a:r>
-            <a:r>
-              <a:rPr lang="en-GB" sz="2800" dirty="0"/>
-              <a:t> steps are ones which are out of your control once started</a:t>
-            </a:r>
-            <a:br>
-              <a:rPr lang="en-GB" sz="2800" dirty="0"/>
-            </a:br>
-            <a:endParaRPr lang="en-GB" sz="2800" dirty="0"/>
+              <a:t>The steps are simple:</a:t>
+            </a:r>
           </a:p>
           <a:p>
             <a:pPr marL="457200" indent="-457200">
@@ -4755,16 +4664,8 @@
               <a:buChar char="•"/>
             </a:pPr>
             <a:r>
-              <a:rPr lang="en-GB" sz="2800" b="1" dirty="0">
-                <a:solidFill>
-                  <a:schemeClr val="accent2"/>
-                </a:solidFill>
-              </a:rPr>
-              <a:t>Heat a saucepan of water until it starts boiling </a:t>
-            </a:r>
-            <a:r>
               <a:rPr lang="en-GB" sz="2800" dirty="0"/>
-              <a:t>(5 mins)</a:t>
+              <a:t>Heat a saucepan of water until it starts boiling (takes 5 mins)</a:t>
             </a:r>
           </a:p>
           <a:p>
@@ -4773,16 +4674,8 @@
               <a:buChar char="•"/>
             </a:pPr>
             <a:r>
-              <a:rPr lang="en-GB" sz="2800" b="1" dirty="0">
-                <a:solidFill>
-                  <a:srgbClr val="00B050"/>
-                </a:solidFill>
-              </a:rPr>
-              <a:t>Cook fresh pasta </a:t>
-            </a:r>
-            <a:r>
               <a:rPr lang="en-GB" sz="2800" dirty="0"/>
-              <a:t>(5 mins)</a:t>
+              <a:t>Cook fresh pasta (5 mins)</a:t>
             </a:r>
           </a:p>
           <a:p>
@@ -4791,16 +4684,8 @@
               <a:buChar char="•"/>
             </a:pPr>
             <a:r>
-              <a:rPr lang="en-GB" sz="2800" b="1" dirty="0">
-                <a:solidFill>
-                  <a:srgbClr val="00B050"/>
-                </a:solidFill>
-              </a:rPr>
-              <a:t>Drain the water from the pasta </a:t>
-            </a:r>
-            <a:r>
               <a:rPr lang="en-GB" sz="2800" dirty="0"/>
-              <a:t>(1 min)</a:t>
+              <a:t>Drain the water from the pasta (1 min)</a:t>
             </a:r>
           </a:p>
           <a:p>
@@ -4809,16 +4694,8 @@
               <a:buChar char="•"/>
             </a:pPr>
             <a:r>
-              <a:rPr lang="en-GB" sz="2800" b="1" dirty="0">
-                <a:solidFill>
-                  <a:srgbClr val="00B050"/>
-                </a:solidFill>
-              </a:rPr>
-              <a:t>Place pasta in a dish and add sauce </a:t>
-            </a:r>
-            <a:r>
               <a:rPr lang="en-GB" sz="2800" dirty="0"/>
-              <a:t>(1 min)</a:t>
+              <a:t>Place pasta in a dish and add sauce (1 min)</a:t>
             </a:r>
           </a:p>
           <a:p>
@@ -4827,16 +4704,8 @@
               <a:buChar char="•"/>
             </a:pPr>
             <a:r>
-              <a:rPr lang="en-GB" sz="2800" b="1" dirty="0">
-                <a:solidFill>
-                  <a:srgbClr val="00B050"/>
-                </a:solidFill>
-              </a:rPr>
-              <a:t>Grate cheese </a:t>
-            </a:r>
-            <a:r>
               <a:rPr lang="en-GB" sz="2800" dirty="0"/>
-              <a:t>(2 mins)</a:t>
+              <a:t>Grate cheese (2 mins)</a:t>
             </a:r>
           </a:p>
           <a:p>
@@ -4845,16 +4714,8 @@
               <a:buChar char="•"/>
             </a:pPr>
             <a:r>
-              <a:rPr lang="en-GB" sz="2800" b="1" dirty="0">
-                <a:solidFill>
-                  <a:srgbClr val="00B050"/>
-                </a:solidFill>
-              </a:rPr>
-              <a:t>Add cheese to pasta </a:t>
-            </a:r>
-            <a:r>
               <a:rPr lang="en-GB" sz="2800" dirty="0"/>
-              <a:t>(1 min)</a:t>
+              <a:t>Add cheese to pasta (1 min)</a:t>
             </a:r>
           </a:p>
           <a:p>
@@ -4863,16 +4724,8 @@
               <a:buChar char="•"/>
             </a:pPr>
             <a:r>
-              <a:rPr lang="en-GB" sz="2800" b="1" dirty="0">
-                <a:solidFill>
-                  <a:schemeClr val="accent2"/>
-                </a:solidFill>
-              </a:rPr>
-              <a:t>Pre-heat oven to 200°C </a:t>
-            </a:r>
-            <a:r>
               <a:rPr lang="en-GB" sz="2800" dirty="0"/>
-              <a:t>(15 mins) </a:t>
+              <a:t>Pre-heat oven to 200°C (15 mins) </a:t>
             </a:r>
           </a:p>
           <a:p>
@@ -4881,16 +4734,8 @@
               <a:buChar char="•"/>
             </a:pPr>
             <a:r>
-              <a:rPr lang="en-GB" sz="2800" b="1" dirty="0">
-                <a:solidFill>
-                  <a:schemeClr val="accent2"/>
-                </a:solidFill>
-              </a:rPr>
-              <a:t>Place dish in oven and bake </a:t>
-            </a:r>
-            <a:r>
               <a:rPr lang="en-GB" sz="2800" dirty="0"/>
-              <a:t>(15 mins)</a:t>
+              <a:t>Place dish in oven and bake (15 mins)</a:t>
             </a:r>
           </a:p>
           <a:p>
@@ -4899,24 +4744,30 @@
               <a:buChar char="•"/>
             </a:pPr>
             <a:r>
-              <a:rPr lang="en-GB" sz="2800" b="1" dirty="0">
-                <a:solidFill>
-                  <a:srgbClr val="00B050"/>
-                </a:solidFill>
-              </a:rPr>
-              <a:t>Prepare the dessert </a:t>
-            </a:r>
-            <a:r>
               <a:rPr lang="en-GB" sz="2800" dirty="0"/>
-              <a:t>(20 mins)</a:t>
-            </a:r>
+              <a:t>Prepare the dessert (20 mins)</a:t>
+            </a:r>
+          </a:p>
+          <a:p>
+            <a:pPr marL="457200" indent="-457200">
+              <a:buFont typeface="Arial" panose="020B0604020202020204" pitchFamily="34" charset="0"/>
+              <a:buChar char="•"/>
+            </a:pPr>
+            <a:endParaRPr lang="en-GB" sz="2800" dirty="0"/>
+          </a:p>
+          <a:p>
+            <a:pPr marL="457200" indent="-457200">
+              <a:buFont typeface="Arial" panose="020B0604020202020204" pitchFamily="34" charset="0"/>
+              <a:buChar char="•"/>
+            </a:pPr>
+            <a:endParaRPr lang="en-GB" sz="2800" dirty="0"/>
           </a:p>
         </p:txBody>
       </p:sp>
     </p:spTree>
     <p:extLst>
       <p:ext uri="{BB962C8B-B14F-4D97-AF65-F5344CB8AC3E}">
-        <p14:creationId xmlns:p14="http://schemas.microsoft.com/office/powerpoint/2010/main" val="2858153580"/>
+        <p14:creationId xmlns:p14="http://schemas.microsoft.com/office/powerpoint/2010/main" val="3628257232"/>
       </p:ext>
     </p:extLst>
   </p:cSld>
@@ -4958,7 +4809,7 @@
         <p:spPr>
           <a:xfrm>
             <a:off x="145775" y="132522"/>
-            <a:ext cx="11781182" cy="6555641"/>
+            <a:ext cx="11781182" cy="6124754"/>
           </a:xfrm>
           <a:prstGeom prst="rect">
             <a:avLst/>
@@ -4972,21 +4823,44 @@
           <a:lstStyle/>
           <a:p>
             <a:r>
-              <a:rPr lang="en-GB" sz="2400" b="1" dirty="0"/>
-              <a:t>Synchronously, this takes a really long time</a:t>
-            </a:r>
-          </a:p>
-          <a:p>
-            <a:endParaRPr lang="en-GB" sz="2400" b="1" dirty="0"/>
-          </a:p>
-          <a:p>
-            <a:r>
-              <a:rPr lang="en-GB" sz="2400" dirty="0"/>
-              <a:t>Executing these steps synchronously would mean not continuing onto the next step until the current step is complete. That means you wait for 5 minutes doing nothing while waiting for the water, instead of doing something else which doesn’t depend on it (i.e. grating cheese for later). It also means waiting for 15 minutes doing nothing while waiting for the oven to pre-heat.</a:t>
-            </a:r>
-          </a:p>
-          <a:p>
-            <a:endParaRPr lang="en-GB" sz="2400" dirty="0"/>
+              <a:rPr lang="en-GB" sz="2800" b="1" dirty="0"/>
+              <a:t>Some steps are performed by a person, others aren’t</a:t>
+            </a:r>
+          </a:p>
+          <a:p>
+            <a:br>
+              <a:rPr lang="en-GB" sz="2800" dirty="0"/>
+            </a:br>
+            <a:r>
+              <a:rPr lang="en-GB" sz="2800" b="1" dirty="0">
+                <a:solidFill>
+                  <a:srgbClr val="00B050"/>
+                </a:solidFill>
+              </a:rPr>
+              <a:t>Green</a:t>
+            </a:r>
+            <a:r>
+              <a:rPr lang="en-GB" sz="2800" dirty="0"/>
+              <a:t> steps are ones which are completed by yourself</a:t>
+            </a:r>
+          </a:p>
+          <a:p>
+            <a:r>
+              <a:rPr lang="en-GB" sz="2800" b="1" dirty="0">
+                <a:solidFill>
+                  <a:schemeClr val="accent2"/>
+                </a:solidFill>
+              </a:rPr>
+              <a:t>Orange</a:t>
+            </a:r>
+            <a:r>
+              <a:rPr lang="en-GB" sz="2800" dirty="0"/>
+              <a:t> steps are ones which are out of your control once started</a:t>
+            </a:r>
+            <a:br>
+              <a:rPr lang="en-GB" sz="2800" dirty="0"/>
+            </a:br>
+            <a:endParaRPr lang="en-GB" sz="2800" dirty="0"/>
           </a:p>
           <a:p>
             <a:pPr marL="457200" indent="-457200">
@@ -4994,7 +4868,7 @@
               <a:buChar char="•"/>
             </a:pPr>
             <a:r>
-              <a:rPr lang="en-GB" sz="2000" b="1" dirty="0">
+              <a:rPr lang="en-GB" sz="2800" b="1" dirty="0">
                 <a:solidFill>
                   <a:schemeClr val="accent2"/>
                 </a:solidFill>
@@ -5002,7 +4876,7 @@
               <a:t>Heat a saucepan of water until it starts boiling </a:t>
             </a:r>
             <a:r>
-              <a:rPr lang="en-GB" sz="2000" dirty="0"/>
+              <a:rPr lang="en-GB" sz="2800" dirty="0"/>
               <a:t>(5 mins)</a:t>
             </a:r>
           </a:p>
@@ -5012,7 +4886,7 @@
               <a:buChar char="•"/>
             </a:pPr>
             <a:r>
-              <a:rPr lang="en-GB" sz="2000" b="1" dirty="0">
+              <a:rPr lang="en-GB" sz="2800" b="1" dirty="0">
                 <a:solidFill>
                   <a:srgbClr val="00B050"/>
                 </a:solidFill>
@@ -5020,7 +4894,7 @@
               <a:t>Cook fresh pasta </a:t>
             </a:r>
             <a:r>
-              <a:rPr lang="en-GB" sz="2000" dirty="0"/>
+              <a:rPr lang="en-GB" sz="2800" dirty="0"/>
               <a:t>(5 mins)</a:t>
             </a:r>
           </a:p>
@@ -5030,7 +4904,7 @@
               <a:buChar char="•"/>
             </a:pPr>
             <a:r>
-              <a:rPr lang="en-GB" sz="2000" b="1" dirty="0">
+              <a:rPr lang="en-GB" sz="2800" b="1" dirty="0">
                 <a:solidFill>
                   <a:srgbClr val="00B050"/>
                 </a:solidFill>
@@ -5038,7 +4912,7 @@
               <a:t>Drain the water from the pasta </a:t>
             </a:r>
             <a:r>
-              <a:rPr lang="en-GB" sz="2000" dirty="0"/>
+              <a:rPr lang="en-GB" sz="2800" dirty="0"/>
               <a:t>(1 min)</a:t>
             </a:r>
           </a:p>
@@ -5048,7 +4922,7 @@
               <a:buChar char="•"/>
             </a:pPr>
             <a:r>
-              <a:rPr lang="en-GB" sz="2000" b="1" dirty="0">
+              <a:rPr lang="en-GB" sz="2800" b="1" dirty="0">
                 <a:solidFill>
                   <a:srgbClr val="00B050"/>
                 </a:solidFill>
@@ -5056,7 +4930,7 @@
               <a:t>Place pasta in a dish and add sauce </a:t>
             </a:r>
             <a:r>
-              <a:rPr lang="en-GB" sz="2000" dirty="0"/>
+              <a:rPr lang="en-GB" sz="2800" dirty="0"/>
               <a:t>(1 min)</a:t>
             </a:r>
           </a:p>
@@ -5066,7 +4940,7 @@
               <a:buChar char="•"/>
             </a:pPr>
             <a:r>
-              <a:rPr lang="en-GB" sz="2000" b="1" dirty="0">
+              <a:rPr lang="en-GB" sz="2800" b="1" dirty="0">
                 <a:solidFill>
                   <a:srgbClr val="00B050"/>
                 </a:solidFill>
@@ -5074,7 +4948,7 @@
               <a:t>Grate cheese </a:t>
             </a:r>
             <a:r>
-              <a:rPr lang="en-GB" sz="2000" dirty="0"/>
+              <a:rPr lang="en-GB" sz="2800" dirty="0"/>
               <a:t>(2 mins)</a:t>
             </a:r>
           </a:p>
@@ -5084,7 +4958,7 @@
               <a:buChar char="•"/>
             </a:pPr>
             <a:r>
-              <a:rPr lang="en-GB" sz="2000" b="1" dirty="0">
+              <a:rPr lang="en-GB" sz="2800" b="1" dirty="0">
                 <a:solidFill>
                   <a:srgbClr val="00B050"/>
                 </a:solidFill>
@@ -5092,7 +4966,7 @@
               <a:t>Add cheese to pasta </a:t>
             </a:r>
             <a:r>
-              <a:rPr lang="en-GB" sz="2000" dirty="0"/>
+              <a:rPr lang="en-GB" sz="2800" dirty="0"/>
               <a:t>(1 min)</a:t>
             </a:r>
           </a:p>
@@ -5102,7 +4976,7 @@
               <a:buChar char="•"/>
             </a:pPr>
             <a:r>
-              <a:rPr lang="en-GB" sz="2000" b="1" dirty="0">
+              <a:rPr lang="en-GB" sz="2800" b="1" dirty="0">
                 <a:solidFill>
                   <a:schemeClr val="accent2"/>
                 </a:solidFill>
@@ -5110,7 +4984,7 @@
               <a:t>Pre-heat oven to 200°C </a:t>
             </a:r>
             <a:r>
-              <a:rPr lang="en-GB" sz="2000" dirty="0"/>
+              <a:rPr lang="en-GB" sz="2800" dirty="0"/>
               <a:t>(15 mins) </a:t>
             </a:r>
           </a:p>
@@ -5120,7 +4994,7 @@
               <a:buChar char="•"/>
             </a:pPr>
             <a:r>
-              <a:rPr lang="en-GB" sz="2000" b="1" dirty="0">
+              <a:rPr lang="en-GB" sz="2800" b="1" dirty="0">
                 <a:solidFill>
                   <a:schemeClr val="accent2"/>
                 </a:solidFill>
@@ -5128,7 +5002,7 @@
               <a:t>Place dish in oven and bake </a:t>
             </a:r>
             <a:r>
-              <a:rPr lang="en-GB" sz="2000" dirty="0"/>
+              <a:rPr lang="en-GB" sz="2800" dirty="0"/>
               <a:t>(15 mins)</a:t>
             </a:r>
           </a:p>
@@ -5138,7 +5012,7 @@
               <a:buChar char="•"/>
             </a:pPr>
             <a:r>
-              <a:rPr lang="en-GB" sz="2000" b="1" dirty="0">
+              <a:rPr lang="en-GB" sz="2800" b="1" dirty="0">
                 <a:solidFill>
                   <a:srgbClr val="00B050"/>
                 </a:solidFill>
@@ -5146,17 +5020,8 @@
               <a:t>Prepare the dessert </a:t>
             </a:r>
             <a:r>
-              <a:rPr lang="en-GB" sz="2000" dirty="0"/>
+              <a:rPr lang="en-GB" sz="2800" dirty="0"/>
               <a:t>(20 mins)</a:t>
-            </a:r>
-          </a:p>
-          <a:p>
-            <a:endParaRPr lang="en-GB" sz="2400" dirty="0"/>
-          </a:p>
-          <a:p>
-            <a:r>
-              <a:rPr lang="en-GB" sz="2400" dirty="0"/>
-              <a:t>Total time taken is 65 minutes. Far too long!</a:t>
             </a:r>
           </a:p>
         </p:txBody>
@@ -5164,7 +5029,7 @@
     </p:spTree>
     <p:extLst>
       <p:ext uri="{BB962C8B-B14F-4D97-AF65-F5344CB8AC3E}">
-        <p14:creationId xmlns:p14="http://schemas.microsoft.com/office/powerpoint/2010/main" val="3273888265"/>
+        <p14:creationId xmlns:p14="http://schemas.microsoft.com/office/powerpoint/2010/main" val="2858153580"/>
       </p:ext>
     </p:extLst>
   </p:cSld>
@@ -5206,7 +5071,7 @@
         <p:spPr>
           <a:xfrm>
             <a:off x="145775" y="132522"/>
-            <a:ext cx="11781182" cy="7109639"/>
+            <a:ext cx="11781182" cy="6494085"/>
           </a:xfrm>
           <a:prstGeom prst="rect">
             <a:avLst/>
@@ -5285,31 +5150,10 @@
             </a:pPr>
             <a:r>
               <a:rPr lang="en-GB" sz="2000" dirty="0"/>
-              <a:t>Writing asynchronous I/O-bound code </a:t>
-            </a:r>
-          </a:p>
-          <a:p>
-            <a:pPr marL="457200" indent="-457200">
-              <a:buFont typeface="Arial" panose="020B0604020202020204" pitchFamily="34" charset="0"/>
-              <a:buChar char="•"/>
-            </a:pPr>
-            <a:endParaRPr lang="en-GB" sz="2000" dirty="0"/>
-          </a:p>
-          <a:p>
-            <a:pPr marL="457200" indent="-457200">
-              <a:buFont typeface="Arial" panose="020B0604020202020204" pitchFamily="34" charset="0"/>
-              <a:buChar char="•"/>
-            </a:pPr>
-            <a:r>
-              <a:rPr lang="en-GB" sz="2000" dirty="0"/>
-              <a:t>Writing asynchronous CPU-bound code</a:t>
-            </a:r>
-          </a:p>
-          <a:p>
-            <a:pPr marL="457200" indent="-457200">
-              <a:buFont typeface="Arial" panose="020B0604020202020204" pitchFamily="34" charset="0"/>
-              <a:buChar char="•"/>
-            </a:pPr>
+              <a:t>async and await</a:t>
+            </a:r>
+          </a:p>
+          <a:p>
             <a:endParaRPr lang="en-GB" sz="2000" dirty="0"/>
           </a:p>
           <a:p>
@@ -5429,6 +5273,254 @@
         </p:nvSpPr>
         <p:spPr>
           <a:xfrm>
+            <a:off x="145775" y="132522"/>
+            <a:ext cx="11781182" cy="6555641"/>
+          </a:xfrm>
+          <a:prstGeom prst="rect">
+            <a:avLst/>
+          </a:prstGeom>
+          <a:noFill/>
+        </p:spPr>
+        <p:txBody>
+          <a:bodyPr wrap="square" rtlCol="0">
+            <a:spAutoFit/>
+          </a:bodyPr>
+          <a:lstStyle/>
+          <a:p>
+            <a:r>
+              <a:rPr lang="en-GB" sz="2400" b="1" dirty="0"/>
+              <a:t>Synchronously, this takes a really long time</a:t>
+            </a:r>
+          </a:p>
+          <a:p>
+            <a:endParaRPr lang="en-GB" sz="2400" b="1" dirty="0"/>
+          </a:p>
+          <a:p>
+            <a:r>
+              <a:rPr lang="en-GB" sz="2400" dirty="0"/>
+              <a:t>Executing these steps synchronously would mean not continuing onto the next step until the current step is complete. That means you wait for 5 minutes doing nothing while waiting for the water, instead of doing something else which doesn’t depend on it (i.e. grating cheese for later). It also means waiting for 15 minutes doing nothing while waiting for the oven to pre-heat.</a:t>
+            </a:r>
+          </a:p>
+          <a:p>
+            <a:endParaRPr lang="en-GB" sz="2400" dirty="0"/>
+          </a:p>
+          <a:p>
+            <a:pPr marL="457200" indent="-457200">
+              <a:buFont typeface="Arial" panose="020B0604020202020204" pitchFamily="34" charset="0"/>
+              <a:buChar char="•"/>
+            </a:pPr>
+            <a:r>
+              <a:rPr lang="en-GB" sz="2000" b="1" dirty="0">
+                <a:solidFill>
+                  <a:schemeClr val="accent2"/>
+                </a:solidFill>
+              </a:rPr>
+              <a:t>Heat a saucepan of water until it starts boiling </a:t>
+            </a:r>
+            <a:r>
+              <a:rPr lang="en-GB" sz="2000" dirty="0"/>
+              <a:t>(5 mins)</a:t>
+            </a:r>
+          </a:p>
+          <a:p>
+            <a:pPr marL="457200" indent="-457200">
+              <a:buFont typeface="Arial" panose="020B0604020202020204" pitchFamily="34" charset="0"/>
+              <a:buChar char="•"/>
+            </a:pPr>
+            <a:r>
+              <a:rPr lang="en-GB" sz="2000" b="1" dirty="0">
+                <a:solidFill>
+                  <a:srgbClr val="00B050"/>
+                </a:solidFill>
+              </a:rPr>
+              <a:t>Cook fresh pasta </a:t>
+            </a:r>
+            <a:r>
+              <a:rPr lang="en-GB" sz="2000" dirty="0"/>
+              <a:t>(5 mins)</a:t>
+            </a:r>
+          </a:p>
+          <a:p>
+            <a:pPr marL="457200" indent="-457200">
+              <a:buFont typeface="Arial" panose="020B0604020202020204" pitchFamily="34" charset="0"/>
+              <a:buChar char="•"/>
+            </a:pPr>
+            <a:r>
+              <a:rPr lang="en-GB" sz="2000" b="1" dirty="0">
+                <a:solidFill>
+                  <a:srgbClr val="00B050"/>
+                </a:solidFill>
+              </a:rPr>
+              <a:t>Drain the water from the pasta </a:t>
+            </a:r>
+            <a:r>
+              <a:rPr lang="en-GB" sz="2000" dirty="0"/>
+              <a:t>(1 min)</a:t>
+            </a:r>
+          </a:p>
+          <a:p>
+            <a:pPr marL="457200" indent="-457200">
+              <a:buFont typeface="Arial" panose="020B0604020202020204" pitchFamily="34" charset="0"/>
+              <a:buChar char="•"/>
+            </a:pPr>
+            <a:r>
+              <a:rPr lang="en-GB" sz="2000" b="1" dirty="0">
+                <a:solidFill>
+                  <a:srgbClr val="00B050"/>
+                </a:solidFill>
+              </a:rPr>
+              <a:t>Place pasta in a dish and add sauce </a:t>
+            </a:r>
+            <a:r>
+              <a:rPr lang="en-GB" sz="2000" dirty="0"/>
+              <a:t>(1 min)</a:t>
+            </a:r>
+          </a:p>
+          <a:p>
+            <a:pPr marL="457200" indent="-457200">
+              <a:buFont typeface="Arial" panose="020B0604020202020204" pitchFamily="34" charset="0"/>
+              <a:buChar char="•"/>
+            </a:pPr>
+            <a:r>
+              <a:rPr lang="en-GB" sz="2000" b="1" dirty="0">
+                <a:solidFill>
+                  <a:srgbClr val="00B050"/>
+                </a:solidFill>
+              </a:rPr>
+              <a:t>Grate cheese </a:t>
+            </a:r>
+            <a:r>
+              <a:rPr lang="en-GB" sz="2000" dirty="0"/>
+              <a:t>(2 mins)</a:t>
+            </a:r>
+          </a:p>
+          <a:p>
+            <a:pPr marL="457200" indent="-457200">
+              <a:buFont typeface="Arial" panose="020B0604020202020204" pitchFamily="34" charset="0"/>
+              <a:buChar char="•"/>
+            </a:pPr>
+            <a:r>
+              <a:rPr lang="en-GB" sz="2000" b="1" dirty="0">
+                <a:solidFill>
+                  <a:srgbClr val="00B050"/>
+                </a:solidFill>
+              </a:rPr>
+              <a:t>Add cheese to pasta </a:t>
+            </a:r>
+            <a:r>
+              <a:rPr lang="en-GB" sz="2000" dirty="0"/>
+              <a:t>(1 min)</a:t>
+            </a:r>
+          </a:p>
+          <a:p>
+            <a:pPr marL="457200" indent="-457200">
+              <a:buFont typeface="Arial" panose="020B0604020202020204" pitchFamily="34" charset="0"/>
+              <a:buChar char="•"/>
+            </a:pPr>
+            <a:r>
+              <a:rPr lang="en-GB" sz="2000" b="1" dirty="0">
+                <a:solidFill>
+                  <a:schemeClr val="accent2"/>
+                </a:solidFill>
+              </a:rPr>
+              <a:t>Pre-heat oven to 200°C </a:t>
+            </a:r>
+            <a:r>
+              <a:rPr lang="en-GB" sz="2000" dirty="0"/>
+              <a:t>(15 mins) </a:t>
+            </a:r>
+          </a:p>
+          <a:p>
+            <a:pPr marL="457200" indent="-457200">
+              <a:buFont typeface="Arial" panose="020B0604020202020204" pitchFamily="34" charset="0"/>
+              <a:buChar char="•"/>
+            </a:pPr>
+            <a:r>
+              <a:rPr lang="en-GB" sz="2000" b="1" dirty="0">
+                <a:solidFill>
+                  <a:schemeClr val="accent2"/>
+                </a:solidFill>
+              </a:rPr>
+              <a:t>Place dish in oven and bake </a:t>
+            </a:r>
+            <a:r>
+              <a:rPr lang="en-GB" sz="2000" dirty="0"/>
+              <a:t>(15 mins)</a:t>
+            </a:r>
+          </a:p>
+          <a:p>
+            <a:pPr marL="457200" indent="-457200">
+              <a:buFont typeface="Arial" panose="020B0604020202020204" pitchFamily="34" charset="0"/>
+              <a:buChar char="•"/>
+            </a:pPr>
+            <a:r>
+              <a:rPr lang="en-GB" sz="2000" b="1" dirty="0">
+                <a:solidFill>
+                  <a:srgbClr val="00B050"/>
+                </a:solidFill>
+              </a:rPr>
+              <a:t>Prepare the dessert </a:t>
+            </a:r>
+            <a:r>
+              <a:rPr lang="en-GB" sz="2000" dirty="0"/>
+              <a:t>(20 mins)</a:t>
+            </a:r>
+          </a:p>
+          <a:p>
+            <a:endParaRPr lang="en-GB" sz="2400" dirty="0"/>
+          </a:p>
+          <a:p>
+            <a:r>
+              <a:rPr lang="en-GB" sz="2400" dirty="0"/>
+              <a:t>Total time taken is 65 minutes. Far too long!</a:t>
+            </a:r>
+          </a:p>
+        </p:txBody>
+      </p:sp>
+    </p:spTree>
+    <p:extLst>
+      <p:ext uri="{BB962C8B-B14F-4D97-AF65-F5344CB8AC3E}">
+        <p14:creationId xmlns:p14="http://schemas.microsoft.com/office/powerpoint/2010/main" val="3273888265"/>
+      </p:ext>
+    </p:extLst>
+  </p:cSld>
+  <p:clrMapOvr>
+    <a:masterClrMapping/>
+  </p:clrMapOvr>
+</p:sld>
+</file>
+
+<file path=ppt/slides/slide21.xml><?xml version="1.0" encoding="utf-8"?>
+<p:sld xmlns:a="http://schemas.openxmlformats.org/drawingml/2006/main" xmlns:r="http://schemas.openxmlformats.org/officeDocument/2006/relationships" xmlns:p="http://schemas.openxmlformats.org/presentationml/2006/main">
+  <p:cSld>
+    <p:spTree>
+      <p:nvGrpSpPr>
+        <p:cNvPr id="1" name=""/>
+        <p:cNvGrpSpPr/>
+        <p:nvPr/>
+      </p:nvGrpSpPr>
+      <p:grpSpPr>
+        <a:xfrm>
+          <a:off x="0" y="0"/>
+          <a:ext cx="0" cy="0"/>
+          <a:chOff x="0" y="0"/>
+          <a:chExt cx="0" cy="0"/>
+        </a:xfrm>
+      </p:grpSpPr>
+      <p:sp>
+        <p:nvSpPr>
+          <p:cNvPr id="4" name="TextBox 3">
+            <a:extLst>
+              <a:ext uri="{FF2B5EF4-FFF2-40B4-BE49-F238E27FC236}">
+                <a16:creationId xmlns:a16="http://schemas.microsoft.com/office/drawing/2014/main" id="{18767206-9205-42D0-A2AE-5A1017D4CB08}"/>
+              </a:ext>
+            </a:extLst>
+          </p:cNvPr>
+          <p:cNvSpPr txBox="1"/>
+          <p:nvPr/>
+        </p:nvSpPr>
+        <p:spPr>
+          <a:xfrm>
             <a:off x="92766" y="0"/>
             <a:ext cx="11781182" cy="461665"/>
           </a:xfrm>
@@ -5494,7 +5586,7 @@
 </p:sld>
 </file>
 
-<file path=ppt/slides/slide21.xml><?xml version="1.0" encoding="utf-8"?>
+<file path=ppt/slides/slide22.xml><?xml version="1.0" encoding="utf-8"?>
 <p:sld xmlns:a="http://schemas.openxmlformats.org/drawingml/2006/main" xmlns:r="http://schemas.openxmlformats.org/officeDocument/2006/relationships" xmlns:p="http://schemas.openxmlformats.org/presentationml/2006/main">
   <p:cSld>
     <p:spTree>
@@ -5590,7 +5682,7 @@
 </p:sld>
 </file>
 
-<file path=ppt/slides/slide22.xml><?xml version="1.0" encoding="utf-8"?>
+<file path=ppt/slides/slide23.xml><?xml version="1.0" encoding="utf-8"?>
 <p:sld xmlns:a="http://schemas.openxmlformats.org/drawingml/2006/main" xmlns:r="http://schemas.openxmlformats.org/officeDocument/2006/relationships" xmlns:p="http://schemas.openxmlformats.org/presentationml/2006/main">
   <p:cSld>
     <p:spTree>
@@ -5902,7 +5994,7 @@
 </p:sld>
 </file>
 
-<file path=ppt/slides/slide23.xml><?xml version="1.0" encoding="utf-8"?>
+<file path=ppt/slides/slide24.xml><?xml version="1.0" encoding="utf-8"?>
 <p:sld xmlns:a="http://schemas.openxmlformats.org/drawingml/2006/main" xmlns:r="http://schemas.openxmlformats.org/officeDocument/2006/relationships" xmlns:p="http://schemas.openxmlformats.org/presentationml/2006/main">
   <p:cSld>
     <p:spTree>
@@ -5998,7 +6090,7 @@
 </p:sld>
 </file>
 
-<file path=ppt/slides/slide24.xml><?xml version="1.0" encoding="utf-8"?>
+<file path=ppt/slides/slide25.xml><?xml version="1.0" encoding="utf-8"?>
 <p:sld xmlns:a="http://schemas.openxmlformats.org/drawingml/2006/main" xmlns:r="http://schemas.openxmlformats.org/officeDocument/2006/relationships" xmlns:p="http://schemas.openxmlformats.org/presentationml/2006/main">
   <p:cSld>
     <p:spTree>
@@ -6094,7 +6186,7 @@
 </p:sld>
 </file>
 
-<file path=ppt/slides/slide25.xml><?xml version="1.0" encoding="utf-8"?>
+<file path=ppt/slides/slide26.xml><?xml version="1.0" encoding="utf-8"?>
 <p:sld xmlns:a="http://schemas.openxmlformats.org/drawingml/2006/main" xmlns:r="http://schemas.openxmlformats.org/officeDocument/2006/relationships" xmlns:p="http://schemas.openxmlformats.org/presentationml/2006/main">
   <p:cSld>
     <p:spTree>
@@ -6159,7 +6251,7 @@
 </p:sld>
 </file>
 
-<file path=ppt/slides/slide26.xml><?xml version="1.0" encoding="utf-8"?>
+<file path=ppt/slides/slide27.xml><?xml version="1.0" encoding="utf-8"?>
 <p:sld xmlns:a="http://schemas.openxmlformats.org/drawingml/2006/main" xmlns:r="http://schemas.openxmlformats.org/officeDocument/2006/relationships" xmlns:p="http://schemas.openxmlformats.org/presentationml/2006/main">
   <p:cSld>
     <p:spTree>
@@ -7953,7 +8045,7 @@
 </p:sld>
 </file>
 
-<file path=ppt/slides/slide27.xml><?xml version="1.0" encoding="utf-8"?>
+<file path=ppt/slides/slide28.xml><?xml version="1.0" encoding="utf-8"?>
 <p:sld xmlns:a="http://schemas.openxmlformats.org/drawingml/2006/main" xmlns:r="http://schemas.openxmlformats.org/officeDocument/2006/relationships" xmlns:p="http://schemas.openxmlformats.org/presentationml/2006/main">
   <p:cSld>
     <p:spTree>
@@ -8049,7 +8141,7 @@
 </p:sld>
 </file>
 
-<file path=ppt/slides/slide28.xml><?xml version="1.0" encoding="utf-8"?>
+<file path=ppt/slides/slide29.xml><?xml version="1.0" encoding="utf-8"?>
 <p:sld xmlns:a="http://schemas.openxmlformats.org/drawingml/2006/main" xmlns:r="http://schemas.openxmlformats.org/officeDocument/2006/relationships" xmlns:p="http://schemas.openxmlformats.org/presentationml/2006/main">
   <p:cSld>
     <p:spTree>
@@ -8145,7 +8237,72 @@
 </p:sld>
 </file>
 
-<file path=ppt/slides/slide29.xml><?xml version="1.0" encoding="utf-8"?>
+<file path=ppt/slides/slide3.xml><?xml version="1.0" encoding="utf-8"?>
+<p:sld xmlns:a="http://schemas.openxmlformats.org/drawingml/2006/main" xmlns:r="http://schemas.openxmlformats.org/officeDocument/2006/relationships" xmlns:p="http://schemas.openxmlformats.org/presentationml/2006/main">
+  <p:cSld>
+    <p:spTree>
+      <p:nvGrpSpPr>
+        <p:cNvPr id="1" name=""/>
+        <p:cNvGrpSpPr/>
+        <p:nvPr/>
+      </p:nvGrpSpPr>
+      <p:grpSpPr>
+        <a:xfrm>
+          <a:off x="0" y="0"/>
+          <a:ext cx="0" cy="0"/>
+          <a:chOff x="0" y="0"/>
+          <a:chExt cx="0" cy="0"/>
+        </a:xfrm>
+      </p:grpSpPr>
+      <p:sp>
+        <p:nvSpPr>
+          <p:cNvPr id="2" name="Title 1">
+            <a:extLst>
+              <a:ext uri="{FF2B5EF4-FFF2-40B4-BE49-F238E27FC236}">
+                <a16:creationId xmlns:a16="http://schemas.microsoft.com/office/drawing/2014/main" id="{267862F2-D4D4-4F5B-B69F-65226C837768}"/>
+              </a:ext>
+            </a:extLst>
+          </p:cNvPr>
+          <p:cNvSpPr>
+            <a:spLocks noGrp="1"/>
+          </p:cNvSpPr>
+          <p:nvPr>
+            <p:ph type="ctrTitle"/>
+          </p:nvPr>
+        </p:nvSpPr>
+        <p:spPr>
+          <a:xfrm>
+            <a:off x="1524000" y="1122363"/>
+            <a:ext cx="9144000" cy="1991898"/>
+          </a:xfrm>
+        </p:spPr>
+        <p:txBody>
+          <a:bodyPr>
+            <a:normAutofit/>
+          </a:bodyPr>
+          <a:lstStyle/>
+          <a:p>
+            <a:r>
+              <a:rPr lang="en-GB" dirty="0"/>
+              <a:t>CPU-bound vs I/O-bound operations</a:t>
+            </a:r>
+          </a:p>
+        </p:txBody>
+      </p:sp>
+    </p:spTree>
+    <p:extLst>
+      <p:ext uri="{BB962C8B-B14F-4D97-AF65-F5344CB8AC3E}">
+        <p14:creationId xmlns:p14="http://schemas.microsoft.com/office/powerpoint/2010/main" val="241573146"/>
+      </p:ext>
+    </p:extLst>
+  </p:cSld>
+  <p:clrMapOvr>
+    <a:masterClrMapping/>
+  </p:clrMapOvr>
+</p:sld>
+</file>
+
+<file path=ppt/slides/slide30.xml><?xml version="1.0" encoding="utf-8"?>
 <p:sld xmlns:a="http://schemas.openxmlformats.org/drawingml/2006/main" xmlns:r="http://schemas.openxmlformats.org/officeDocument/2006/relationships" xmlns:p="http://schemas.openxmlformats.org/presentationml/2006/main">
   <p:cSld>
     <p:spTree>
@@ -9507,72 +9664,7 @@
 </p:sld>
 </file>
 
-<file path=ppt/slides/slide3.xml><?xml version="1.0" encoding="utf-8"?>
-<p:sld xmlns:a="http://schemas.openxmlformats.org/drawingml/2006/main" xmlns:r="http://schemas.openxmlformats.org/officeDocument/2006/relationships" xmlns:p="http://schemas.openxmlformats.org/presentationml/2006/main">
-  <p:cSld>
-    <p:spTree>
-      <p:nvGrpSpPr>
-        <p:cNvPr id="1" name=""/>
-        <p:cNvGrpSpPr/>
-        <p:nvPr/>
-      </p:nvGrpSpPr>
-      <p:grpSpPr>
-        <a:xfrm>
-          <a:off x="0" y="0"/>
-          <a:ext cx="0" cy="0"/>
-          <a:chOff x="0" y="0"/>
-          <a:chExt cx="0" cy="0"/>
-        </a:xfrm>
-      </p:grpSpPr>
-      <p:sp>
-        <p:nvSpPr>
-          <p:cNvPr id="2" name="Title 1">
-            <a:extLst>
-              <a:ext uri="{FF2B5EF4-FFF2-40B4-BE49-F238E27FC236}">
-                <a16:creationId xmlns:a16="http://schemas.microsoft.com/office/drawing/2014/main" id="{267862F2-D4D4-4F5B-B69F-65226C837768}"/>
-              </a:ext>
-            </a:extLst>
-          </p:cNvPr>
-          <p:cNvSpPr>
-            <a:spLocks noGrp="1"/>
-          </p:cNvSpPr>
-          <p:nvPr>
-            <p:ph type="ctrTitle"/>
-          </p:nvPr>
-        </p:nvSpPr>
-        <p:spPr>
-          <a:xfrm>
-            <a:off x="1524000" y="1122363"/>
-            <a:ext cx="9144000" cy="1991898"/>
-          </a:xfrm>
-        </p:spPr>
-        <p:txBody>
-          <a:bodyPr>
-            <a:normAutofit/>
-          </a:bodyPr>
-          <a:lstStyle/>
-          <a:p>
-            <a:r>
-              <a:rPr lang="en-GB" dirty="0"/>
-              <a:t>CPU-bound vs I/O-bound operations</a:t>
-            </a:r>
-          </a:p>
-        </p:txBody>
-      </p:sp>
-    </p:spTree>
-    <p:extLst>
-      <p:ext uri="{BB962C8B-B14F-4D97-AF65-F5344CB8AC3E}">
-        <p14:creationId xmlns:p14="http://schemas.microsoft.com/office/powerpoint/2010/main" val="241573146"/>
-      </p:ext>
-    </p:extLst>
-  </p:cSld>
-  <p:clrMapOvr>
-    <a:masterClrMapping/>
-  </p:clrMapOvr>
-</p:sld>
-</file>
-
-<file path=ppt/slides/slide30.xml><?xml version="1.0" encoding="utf-8"?>
+<file path=ppt/slides/slide31.xml><?xml version="1.0" encoding="utf-8"?>
 <p:sld xmlns:a="http://schemas.openxmlformats.org/drawingml/2006/main" xmlns:r="http://schemas.openxmlformats.org/officeDocument/2006/relationships" xmlns:p="http://schemas.openxmlformats.org/presentationml/2006/main">
   <p:cSld>
     <p:spTree>
@@ -9668,7 +9760,7 @@
 </p:sld>
 </file>
 
-<file path=ppt/slides/slide31.xml><?xml version="1.0" encoding="utf-8"?>
+<file path=ppt/slides/slide32.xml><?xml version="1.0" encoding="utf-8"?>
 <p:sld xmlns:a="http://schemas.openxmlformats.org/drawingml/2006/main" xmlns:r="http://schemas.openxmlformats.org/officeDocument/2006/relationships" xmlns:p="http://schemas.openxmlformats.org/presentationml/2006/main">
   <p:cSld>
     <p:spTree>
@@ -9764,170 +9856,6 @@
 </p:sld>
 </file>
 
-<file path=ppt/slides/slide32.xml><?xml version="1.0" encoding="utf-8"?>
-<p:sld xmlns:a="http://schemas.openxmlformats.org/drawingml/2006/main" xmlns:r="http://schemas.openxmlformats.org/officeDocument/2006/relationships" xmlns:p="http://schemas.openxmlformats.org/presentationml/2006/main">
-  <p:cSld>
-    <p:spTree>
-      <p:nvGrpSpPr>
-        <p:cNvPr id="1" name=""/>
-        <p:cNvGrpSpPr/>
-        <p:nvPr/>
-      </p:nvGrpSpPr>
-      <p:grpSpPr>
-        <a:xfrm>
-          <a:off x="0" y="0"/>
-          <a:ext cx="0" cy="0"/>
-          <a:chOff x="0" y="0"/>
-          <a:chExt cx="0" cy="0"/>
-        </a:xfrm>
-      </p:grpSpPr>
-      <p:sp>
-        <p:nvSpPr>
-          <p:cNvPr id="4" name="TextBox 3">
-            <a:extLst>
-              <a:ext uri="{FF2B5EF4-FFF2-40B4-BE49-F238E27FC236}">
-                <a16:creationId xmlns:a16="http://schemas.microsoft.com/office/drawing/2014/main" id="{18767206-9205-42D0-A2AE-5A1017D4CB08}"/>
-              </a:ext>
-            </a:extLst>
-          </p:cNvPr>
-          <p:cNvSpPr txBox="1"/>
-          <p:nvPr/>
-        </p:nvSpPr>
-        <p:spPr>
-          <a:xfrm>
-            <a:off x="291549" y="384313"/>
-            <a:ext cx="11781182" cy="430887"/>
-          </a:xfrm>
-          <a:prstGeom prst="rect">
-            <a:avLst/>
-          </a:prstGeom>
-          <a:noFill/>
-        </p:spPr>
-        <p:txBody>
-          <a:bodyPr wrap="square" rtlCol="0">
-            <a:spAutoFit/>
-          </a:bodyPr>
-          <a:lstStyle/>
-          <a:p>
-            <a:r>
-              <a:rPr lang="en-GB" sz="2200" dirty="0"/>
-              <a:t>Back to what was said about synchronous and asynchronous operations…</a:t>
-            </a:r>
-          </a:p>
-        </p:txBody>
-      </p:sp>
-      <p:sp>
-        <p:nvSpPr>
-          <p:cNvPr id="2" name="Rectangle 1">
-            <a:extLst>
-              <a:ext uri="{FF2B5EF4-FFF2-40B4-BE49-F238E27FC236}">
-                <a16:creationId xmlns:a16="http://schemas.microsoft.com/office/drawing/2014/main" id="{A326E563-C518-4A62-9F22-5876A8C238CB}"/>
-              </a:ext>
-            </a:extLst>
-          </p:cNvPr>
-          <p:cNvSpPr/>
-          <p:nvPr/>
-        </p:nvSpPr>
-        <p:spPr>
-          <a:xfrm>
-            <a:off x="291549" y="845978"/>
-            <a:ext cx="11421117" cy="5509200"/>
-          </a:xfrm>
-          <a:prstGeom prst="rect">
-            <a:avLst/>
-          </a:prstGeom>
-        </p:spPr>
-        <p:txBody>
-          <a:bodyPr wrap="square">
-            <a:spAutoFit/>
-          </a:bodyPr>
-          <a:lstStyle/>
-          <a:p>
-            <a:r>
-              <a:rPr lang="en-GB" sz="2200" b="1" dirty="0"/>
-              <a:t>Synchronous code may or may not run in the same thread.</a:t>
-            </a:r>
-          </a:p>
-          <a:p>
-            <a:r>
-              <a:rPr lang="en-GB" sz="2200" dirty="0"/>
-              <a:t>We have seen how you can cook synchronously alone or with someone else (another thread). </a:t>
-            </a:r>
-          </a:p>
-          <a:p>
-            <a:endParaRPr lang="en-GB" sz="2200" dirty="0"/>
-          </a:p>
-          <a:p>
-            <a:r>
-              <a:rPr lang="en-GB" sz="2200" b="1" dirty="0"/>
-              <a:t>Synchronous operations can be performed sequentially, or simultaneously. </a:t>
-            </a:r>
-          </a:p>
-          <a:p>
-            <a:pPr marL="342900" indent="-342900">
-              <a:buFont typeface="Arial" panose="020B0604020202020204" pitchFamily="34" charset="0"/>
-              <a:buChar char="•"/>
-            </a:pPr>
-            <a:r>
-              <a:rPr lang="en-GB" sz="2200" dirty="0"/>
-              <a:t>Cooking the pasta, draining it, adding sauce, etc. are performed sequentially. </a:t>
-            </a:r>
-          </a:p>
-          <a:p>
-            <a:pPr marL="342900" indent="-342900">
-              <a:buFont typeface="Arial" panose="020B0604020202020204" pitchFamily="34" charset="0"/>
-              <a:buChar char="•"/>
-            </a:pPr>
-            <a:r>
-              <a:rPr lang="en-GB" sz="2200" dirty="0"/>
-              <a:t>Preparing the dessert could be performed simultaneously with the pasta. </a:t>
-            </a:r>
-          </a:p>
-          <a:p>
-            <a:endParaRPr lang="en-GB" sz="2200" dirty="0"/>
-          </a:p>
-          <a:p>
-            <a:r>
-              <a:rPr lang="en-GB" sz="2200" b="1" dirty="0"/>
-              <a:t>Asynchronous operations may or may not run in multiple threads. </a:t>
-            </a:r>
-          </a:p>
-          <a:p>
-            <a:r>
-              <a:rPr lang="en-GB" sz="2200" dirty="0"/>
-              <a:t>We have demonstrated that you can cook asynchronously alone or with someone else. </a:t>
-            </a:r>
-          </a:p>
-          <a:p>
-            <a:endParaRPr lang="en-GB" sz="2200" b="1" dirty="0"/>
-          </a:p>
-          <a:p>
-            <a:r>
-              <a:rPr lang="en-GB" sz="2200" b="1" dirty="0"/>
-              <a:t>Asynchronous operations can be just scheduled but never guaranteed to run at a certain time. </a:t>
-            </a:r>
-          </a:p>
-          <a:p>
-            <a:r>
-              <a:rPr lang="en-GB" sz="2200" dirty="0"/>
-              <a:t>In reality you might decide to switch on the oven before starting to heat the saucepan of water, or the other way around. It would probably depend on which task can be started quickest, depending on where you are in your kitchen. There’s no real guarantee that one task will be started before the other and it doesn’t really matter. All that matters is that they are scheduled to be started as soon as possible and will be finished later on. </a:t>
-            </a:r>
-          </a:p>
-        </p:txBody>
-      </p:sp>
-    </p:spTree>
-    <p:extLst>
-      <p:ext uri="{BB962C8B-B14F-4D97-AF65-F5344CB8AC3E}">
-        <p14:creationId xmlns:p14="http://schemas.microsoft.com/office/powerpoint/2010/main" val="2688435186"/>
-      </p:ext>
-    </p:extLst>
-  </p:cSld>
-  <p:clrMapOvr>
-    <a:masterClrMapping/>
-  </p:clrMapOvr>
-</p:sld>
-</file>
-
 <file path=ppt/slides/slide33.xml><?xml version="1.0" encoding="utf-8"?>
 <p:sld xmlns:a="http://schemas.openxmlformats.org/drawingml/2006/main" xmlns:r="http://schemas.openxmlformats.org/officeDocument/2006/relationships" xmlns:p="http://schemas.openxmlformats.org/presentationml/2006/main">
   <p:cSld>
@@ -9960,7 +9888,7 @@
         <p:spPr>
           <a:xfrm>
             <a:off x="291549" y="384313"/>
-            <a:ext cx="11781182" cy="5847755"/>
+            <a:ext cx="11781182" cy="430887"/>
           </a:xfrm>
           <a:prstGeom prst="rect">
             <a:avLst/>
@@ -9974,8 +9902,92 @@
           <a:lstStyle/>
           <a:p>
             <a:r>
+              <a:rPr lang="en-GB" sz="2200" dirty="0"/>
+              <a:t>Back to what was said about synchronous and asynchronous operations…</a:t>
+            </a:r>
+          </a:p>
+        </p:txBody>
+      </p:sp>
+      <p:sp>
+        <p:nvSpPr>
+          <p:cNvPr id="2" name="Rectangle 1">
+            <a:extLst>
+              <a:ext uri="{FF2B5EF4-FFF2-40B4-BE49-F238E27FC236}">
+                <a16:creationId xmlns:a16="http://schemas.microsoft.com/office/drawing/2014/main" id="{A326E563-C518-4A62-9F22-5876A8C238CB}"/>
+              </a:ext>
+            </a:extLst>
+          </p:cNvPr>
+          <p:cNvSpPr/>
+          <p:nvPr/>
+        </p:nvSpPr>
+        <p:spPr>
+          <a:xfrm>
+            <a:off x="291549" y="845978"/>
+            <a:ext cx="11421117" cy="5509200"/>
+          </a:xfrm>
+          <a:prstGeom prst="rect">
+            <a:avLst/>
+          </a:prstGeom>
+        </p:spPr>
+        <p:txBody>
+          <a:bodyPr wrap="square">
+            <a:spAutoFit/>
+          </a:bodyPr>
+          <a:lstStyle/>
+          <a:p>
+            <a:r>
               <a:rPr lang="en-GB" sz="2200" b="1" dirty="0"/>
-              <a:t>Some easy rules to follow for some common questions</a:t>
+              <a:t>Synchronous code may or may not run in the same thread.</a:t>
+            </a:r>
+          </a:p>
+          <a:p>
+            <a:r>
+              <a:rPr lang="en-GB" sz="2200" dirty="0"/>
+              <a:t>We have seen how you can cook synchronously alone or with someone else (another thread). </a:t>
+            </a:r>
+          </a:p>
+          <a:p>
+            <a:endParaRPr lang="en-GB" sz="2200" dirty="0"/>
+          </a:p>
+          <a:p>
+            <a:r>
+              <a:rPr lang="en-GB" sz="2200" b="1" dirty="0"/>
+              <a:t>Synchronous operations can be performed sequentially, or simultaneously. </a:t>
+            </a:r>
+          </a:p>
+          <a:p>
+            <a:pPr marL="342900" indent="-342900">
+              <a:buFont typeface="Arial" panose="020B0604020202020204" pitchFamily="34" charset="0"/>
+              <a:buChar char="•"/>
+            </a:pPr>
+            <a:r>
+              <a:rPr lang="en-GB" sz="2200" dirty="0"/>
+              <a:t>Cooking the pasta, draining it, adding sauce, etc. are performed sequentially. </a:t>
+            </a:r>
+          </a:p>
+          <a:p>
+            <a:pPr marL="342900" indent="-342900">
+              <a:buFont typeface="Arial" panose="020B0604020202020204" pitchFamily="34" charset="0"/>
+              <a:buChar char="•"/>
+            </a:pPr>
+            <a:r>
+              <a:rPr lang="en-GB" sz="2200" dirty="0"/>
+              <a:t>Preparing the dessert could be performed simultaneously with the pasta. </a:t>
+            </a:r>
+          </a:p>
+          <a:p>
+            <a:endParaRPr lang="en-GB" sz="2200" dirty="0"/>
+          </a:p>
+          <a:p>
+            <a:r>
+              <a:rPr lang="en-GB" sz="2200" b="1" dirty="0"/>
+              <a:t>Asynchronous operations may or may not run in multiple threads. </a:t>
+            </a:r>
+          </a:p>
+          <a:p>
+            <a:r>
+              <a:rPr lang="en-GB" sz="2200" dirty="0"/>
+              <a:t>We have demonstrated that you can cook asynchronously alone or with someone else. </a:t>
             </a:r>
           </a:p>
           <a:p>
@@ -9984,105 +9996,13 @@
           <a:p>
             <a:r>
               <a:rPr lang="en-GB" sz="2200" b="1" dirty="0"/>
-              <a:t>Should I be using multiple threads? </a:t>
+              <a:t>Asynchronous operations can be just scheduled but never guaranteed to run at a certain time. </a:t>
             </a:r>
           </a:p>
           <a:p>
             <a:r>
               <a:rPr lang="en-GB" sz="2200" dirty="0"/>
-              <a:t>If there is a performance bottleneck caused by CPU-bound work which can be run in parallel, go for it, </a:t>
-            </a:r>
-            <a:r>
-              <a:rPr lang="en-GB" sz="2200" b="1" dirty="0"/>
-              <a:t>unless you’re using building a web application </a:t>
-            </a:r>
-            <a:r>
-              <a:rPr lang="en-GB" sz="2200" dirty="0"/>
-              <a:t>(more on this later). </a:t>
-            </a:r>
-          </a:p>
-          <a:p>
-            <a:r>
-              <a:rPr lang="en-GB" sz="2200" dirty="0"/>
-              <a:t>If the performance bottleneck isn’t CPU-bound (i.e. disk I/O, network I/O) or it’s CPU-bound and can’t be run in parallel, there is no benefit and it can be detrimental to performance/resource usage. </a:t>
-            </a:r>
-          </a:p>
-          <a:p>
-            <a:endParaRPr lang="en-GB" sz="2200" dirty="0"/>
-          </a:p>
-          <a:p>
-            <a:r>
-              <a:rPr lang="en-GB" sz="2200" b="1" dirty="0"/>
-              <a:t>Should I be using asynchronous code? </a:t>
-            </a:r>
-          </a:p>
-          <a:p>
-            <a:r>
-              <a:rPr lang="en-GB" sz="2200" dirty="0"/>
-              <a:t>Ideally you should use it everywhere you’re dealing with high-latency, non-CPU-bound tasks (i.e. disk I/O, network I/O). CPU-bound work shouldn’t be </a:t>
-            </a:r>
-            <a:r>
-              <a:rPr lang="en-GB" sz="2200" dirty="0" err="1"/>
-              <a:t>async</a:t>
-            </a:r>
-            <a:r>
-              <a:rPr lang="en-GB" sz="2200" dirty="0"/>
-              <a:t> as there’s no point. </a:t>
-            </a:r>
-          </a:p>
-          <a:p>
-            <a:r>
-              <a:rPr lang="en-GB" sz="2200" dirty="0"/>
-              <a:t>Methods with names such as </a:t>
-            </a:r>
-            <a:r>
-              <a:rPr lang="en-GB" sz="2200" b="1" dirty="0" err="1"/>
-              <a:t>DownloadStringAsync</a:t>
-            </a:r>
-            <a:r>
-              <a:rPr lang="en-GB" sz="2200" dirty="0"/>
-              <a:t> implies there is some form of network I/O which can be run asynchronously. </a:t>
-            </a:r>
-          </a:p>
-          <a:p>
-            <a:endParaRPr lang="en-GB" sz="2200" dirty="0"/>
-          </a:p>
-          <a:p>
-            <a:r>
-              <a:rPr lang="en-GB" sz="2200" b="1" dirty="0"/>
-              <a:t>Should I be using synchronous code? </a:t>
-            </a:r>
-          </a:p>
-          <a:p>
-            <a:r>
-              <a:rPr lang="en-GB" sz="2200" dirty="0"/>
-              <a:t>For CPU-bound work, yes. For non-CPU-bound work, no. </a:t>
-            </a:r>
-          </a:p>
-          <a:p>
-            <a:r>
-              <a:rPr lang="en-GB" sz="2200" dirty="0"/>
-              <a:t>C# Methods such as </a:t>
-            </a:r>
-            <a:r>
-              <a:rPr lang="en-GB" sz="2200" b="1" dirty="0" err="1"/>
-              <a:t>Math.Sqrt</a:t>
-            </a:r>
-            <a:r>
-              <a:rPr lang="en-GB" sz="2200" b="1" dirty="0"/>
-              <a:t> </a:t>
-            </a:r>
-            <a:r>
-              <a:rPr lang="en-GB" sz="2200" dirty="0"/>
-              <a:t>wouldn’t make much sense as </a:t>
-            </a:r>
-            <a:r>
-              <a:rPr lang="en-GB" sz="2200" b="1" dirty="0" err="1"/>
-              <a:t>Math.SqrtAsync</a:t>
-            </a:r>
-            <a:r>
-              <a:rPr lang="en-GB" sz="2200" dirty="0"/>
-              <a:t>.</a:t>
+              <a:t>In reality you might decide to switch on the oven before starting to heat the saucepan of water, or the other way around. It would probably depend on which task can be started quickest, depending on where you are in your kitchen. There’s no real guarantee that one task will be started before the other and it doesn’t really matter. All that matters is that they are scheduled to be started as soon as possible and will be finished later on. </a:t>
             </a:r>
           </a:p>
         </p:txBody>
@@ -10090,7 +10010,7 @@
     </p:spTree>
     <p:extLst>
       <p:ext uri="{BB962C8B-B14F-4D97-AF65-F5344CB8AC3E}">
-        <p14:creationId xmlns:p14="http://schemas.microsoft.com/office/powerpoint/2010/main" val="1255030325"/>
+        <p14:creationId xmlns:p14="http://schemas.microsoft.com/office/powerpoint/2010/main" val="2688435186"/>
       </p:ext>
     </p:extLst>
   </p:cSld>
@@ -10132,6 +10052,178 @@
         <p:spPr>
           <a:xfrm>
             <a:off x="291549" y="384313"/>
+            <a:ext cx="11781182" cy="5847755"/>
+          </a:xfrm>
+          <a:prstGeom prst="rect">
+            <a:avLst/>
+          </a:prstGeom>
+          <a:noFill/>
+        </p:spPr>
+        <p:txBody>
+          <a:bodyPr wrap="square" rtlCol="0">
+            <a:spAutoFit/>
+          </a:bodyPr>
+          <a:lstStyle/>
+          <a:p>
+            <a:r>
+              <a:rPr lang="en-GB" sz="2200" b="1" dirty="0"/>
+              <a:t>Some easy rules to follow for some common questions</a:t>
+            </a:r>
+          </a:p>
+          <a:p>
+            <a:endParaRPr lang="en-GB" sz="2200" b="1" dirty="0"/>
+          </a:p>
+          <a:p>
+            <a:r>
+              <a:rPr lang="en-GB" sz="2200" b="1" dirty="0"/>
+              <a:t>Should I be using multiple threads? </a:t>
+            </a:r>
+          </a:p>
+          <a:p>
+            <a:r>
+              <a:rPr lang="en-GB" sz="2200" dirty="0"/>
+              <a:t>If there is a performance bottleneck caused by CPU-bound work which can be run in parallel, go for it, </a:t>
+            </a:r>
+            <a:r>
+              <a:rPr lang="en-GB" sz="2200" b="1" dirty="0"/>
+              <a:t>unless you’re using building a web application </a:t>
+            </a:r>
+            <a:r>
+              <a:rPr lang="en-GB" sz="2200" dirty="0"/>
+              <a:t>(more on this later). </a:t>
+            </a:r>
+          </a:p>
+          <a:p>
+            <a:r>
+              <a:rPr lang="en-GB" sz="2200" dirty="0"/>
+              <a:t>If the performance bottleneck isn’t CPU-bound (i.e. disk I/O, network I/O) or it’s CPU-bound and can’t be run in parallel, there is no benefit and it can be detrimental to performance/resource usage. </a:t>
+            </a:r>
+          </a:p>
+          <a:p>
+            <a:endParaRPr lang="en-GB" sz="2200" dirty="0"/>
+          </a:p>
+          <a:p>
+            <a:r>
+              <a:rPr lang="en-GB" sz="2200" b="1" dirty="0"/>
+              <a:t>Should I be using asynchronous code? </a:t>
+            </a:r>
+          </a:p>
+          <a:p>
+            <a:r>
+              <a:rPr lang="en-GB" sz="2200" dirty="0"/>
+              <a:t>Ideally you should use it everywhere you’re dealing with high-latency, non-CPU-bound tasks (i.e. disk I/O, network I/O). CPU-bound work shouldn’t be </a:t>
+            </a:r>
+            <a:r>
+              <a:rPr lang="en-GB" sz="2200" dirty="0" err="1"/>
+              <a:t>async</a:t>
+            </a:r>
+            <a:r>
+              <a:rPr lang="en-GB" sz="2200" dirty="0"/>
+              <a:t> as there’s no point. </a:t>
+            </a:r>
+          </a:p>
+          <a:p>
+            <a:r>
+              <a:rPr lang="en-GB" sz="2200" dirty="0"/>
+              <a:t>Methods with names such as </a:t>
+            </a:r>
+            <a:r>
+              <a:rPr lang="en-GB" sz="2200" b="1" dirty="0" err="1"/>
+              <a:t>DownloadStringAsync</a:t>
+            </a:r>
+            <a:r>
+              <a:rPr lang="en-GB" sz="2200" dirty="0"/>
+              <a:t> implies there is some form of network I/O which can be run asynchronously. </a:t>
+            </a:r>
+          </a:p>
+          <a:p>
+            <a:endParaRPr lang="en-GB" sz="2200" dirty="0"/>
+          </a:p>
+          <a:p>
+            <a:r>
+              <a:rPr lang="en-GB" sz="2200" b="1" dirty="0"/>
+              <a:t>Should I be using synchronous code? </a:t>
+            </a:r>
+          </a:p>
+          <a:p>
+            <a:r>
+              <a:rPr lang="en-GB" sz="2200" dirty="0"/>
+              <a:t>For CPU-bound work, yes. For non-CPU-bound work, no. </a:t>
+            </a:r>
+          </a:p>
+          <a:p>
+            <a:r>
+              <a:rPr lang="en-GB" sz="2200" dirty="0"/>
+              <a:t>C# Methods such as </a:t>
+            </a:r>
+            <a:r>
+              <a:rPr lang="en-GB" sz="2200" b="1" dirty="0" err="1"/>
+              <a:t>Math.Sqrt</a:t>
+            </a:r>
+            <a:r>
+              <a:rPr lang="en-GB" sz="2200" b="1" dirty="0"/>
+              <a:t> </a:t>
+            </a:r>
+            <a:r>
+              <a:rPr lang="en-GB" sz="2200" dirty="0"/>
+              <a:t>wouldn’t make much sense as </a:t>
+            </a:r>
+            <a:r>
+              <a:rPr lang="en-GB" sz="2200" b="1" dirty="0" err="1"/>
+              <a:t>Math.SqrtAsync</a:t>
+            </a:r>
+            <a:r>
+              <a:rPr lang="en-GB" sz="2200" dirty="0"/>
+              <a:t>.</a:t>
+            </a:r>
+          </a:p>
+        </p:txBody>
+      </p:sp>
+    </p:spTree>
+    <p:extLst>
+      <p:ext uri="{BB962C8B-B14F-4D97-AF65-F5344CB8AC3E}">
+        <p14:creationId xmlns:p14="http://schemas.microsoft.com/office/powerpoint/2010/main" val="1255030325"/>
+      </p:ext>
+    </p:extLst>
+  </p:cSld>
+  <p:clrMapOvr>
+    <a:masterClrMapping/>
+  </p:clrMapOvr>
+</p:sld>
+</file>
+
+<file path=ppt/slides/slide35.xml><?xml version="1.0" encoding="utf-8"?>
+<p:sld xmlns:a="http://schemas.openxmlformats.org/drawingml/2006/main" xmlns:r="http://schemas.openxmlformats.org/officeDocument/2006/relationships" xmlns:p="http://schemas.openxmlformats.org/presentationml/2006/main">
+  <p:cSld>
+    <p:spTree>
+      <p:nvGrpSpPr>
+        <p:cNvPr id="1" name=""/>
+        <p:cNvGrpSpPr/>
+        <p:nvPr/>
+      </p:nvGrpSpPr>
+      <p:grpSpPr>
+        <a:xfrm>
+          <a:off x="0" y="0"/>
+          <a:ext cx="0" cy="0"/>
+          <a:chOff x="0" y="0"/>
+          <a:chExt cx="0" cy="0"/>
+        </a:xfrm>
+      </p:grpSpPr>
+      <p:sp>
+        <p:nvSpPr>
+          <p:cNvPr id="4" name="TextBox 3">
+            <a:extLst>
+              <a:ext uri="{FF2B5EF4-FFF2-40B4-BE49-F238E27FC236}">
+                <a16:creationId xmlns:a16="http://schemas.microsoft.com/office/drawing/2014/main" id="{18767206-9205-42D0-A2AE-5A1017D4CB08}"/>
+              </a:ext>
+            </a:extLst>
+          </p:cNvPr>
+          <p:cNvSpPr txBox="1"/>
+          <p:nvPr/>
+        </p:nvSpPr>
+        <p:spPr>
+          <a:xfrm>
+            <a:off x="291549" y="384313"/>
             <a:ext cx="11781182" cy="769441"/>
           </a:xfrm>
           <a:prstGeom prst="rect">
@@ -10312,7 +10404,7 @@
 </p:sld>
 </file>
 
-<file path=ppt/slides/slide35.xml><?xml version="1.0" encoding="utf-8"?>
+<file path=ppt/slides/slide36.xml><?xml version="1.0" encoding="utf-8"?>
 <p:sld xmlns:a="http://schemas.openxmlformats.org/drawingml/2006/main" xmlns:r="http://schemas.openxmlformats.org/officeDocument/2006/relationships" xmlns:p="http://schemas.openxmlformats.org/presentationml/2006/main">
   <p:cSld>
     <p:spTree>
@@ -11421,7 +11513,7 @@
 </p:sld>
 </file>
 
-<file path=ppt/slides/slide36.xml><?xml version="1.0" encoding="utf-8"?>
+<file path=ppt/slides/slide37.xml><?xml version="1.0" encoding="utf-8"?>
 <p:sld xmlns:a="http://schemas.openxmlformats.org/drawingml/2006/main" xmlns:r="http://schemas.openxmlformats.org/officeDocument/2006/relationships" xmlns:p="http://schemas.openxmlformats.org/presentationml/2006/main">
   <p:cSld>
     <p:spTree>
@@ -11609,113 +11701,6 @@
     <p:extLst>
       <p:ext uri="{BB962C8B-B14F-4D97-AF65-F5344CB8AC3E}">
         <p14:creationId xmlns:p14="http://schemas.microsoft.com/office/powerpoint/2010/main" val="274551446"/>
-      </p:ext>
-    </p:extLst>
-  </p:cSld>
-  <p:clrMapOvr>
-    <a:masterClrMapping/>
-  </p:clrMapOvr>
-</p:sld>
-</file>
-
-<file path=ppt/slides/slide37.xml><?xml version="1.0" encoding="utf-8"?>
-<p:sld xmlns:a="http://schemas.openxmlformats.org/drawingml/2006/main" xmlns:r="http://schemas.openxmlformats.org/officeDocument/2006/relationships" xmlns:p="http://schemas.openxmlformats.org/presentationml/2006/main">
-  <p:cSld>
-    <p:spTree>
-      <p:nvGrpSpPr>
-        <p:cNvPr id="1" name=""/>
-        <p:cNvGrpSpPr/>
-        <p:nvPr/>
-      </p:nvGrpSpPr>
-      <p:grpSpPr>
-        <a:xfrm>
-          <a:off x="0" y="0"/>
-          <a:ext cx="0" cy="0"/>
-          <a:chOff x="0" y="0"/>
-          <a:chExt cx="0" cy="0"/>
-        </a:xfrm>
-      </p:grpSpPr>
-      <p:sp>
-        <p:nvSpPr>
-          <p:cNvPr id="4" name="TextBox 3">
-            <a:extLst>
-              <a:ext uri="{FF2B5EF4-FFF2-40B4-BE49-F238E27FC236}">
-                <a16:creationId xmlns:a16="http://schemas.microsoft.com/office/drawing/2014/main" id="{18767206-9205-42D0-A2AE-5A1017D4CB08}"/>
-              </a:ext>
-            </a:extLst>
-          </p:cNvPr>
-          <p:cNvSpPr txBox="1"/>
-          <p:nvPr/>
-        </p:nvSpPr>
-        <p:spPr>
-          <a:xfrm>
-            <a:off x="278297" y="212034"/>
-            <a:ext cx="11781182" cy="4493538"/>
-          </a:xfrm>
-          <a:prstGeom prst="rect">
-            <a:avLst/>
-          </a:prstGeom>
-          <a:noFill/>
-        </p:spPr>
-        <p:txBody>
-          <a:bodyPr wrap="square" rtlCol="0">
-            <a:spAutoFit/>
-          </a:bodyPr>
-          <a:lstStyle/>
-          <a:p>
-            <a:r>
-              <a:rPr lang="en-GB" sz="2200" b="1" dirty="0"/>
-              <a:t>Desktop and mobile applications love multithreading</a:t>
-            </a:r>
-          </a:p>
-          <a:p>
-            <a:endParaRPr lang="en-GB" sz="2200" b="1" dirty="0"/>
-          </a:p>
-          <a:p>
-            <a:pPr marL="342900" indent="-342900">
-              <a:buFont typeface="Arial" panose="020B0604020202020204" pitchFamily="34" charset="0"/>
-              <a:buChar char="•"/>
-            </a:pPr>
-            <a:r>
-              <a:rPr lang="en-GB" sz="2200" dirty="0"/>
-              <a:t>Applications like this only have one user at a time. As a result, you can essentially throw threads at a problem in order to provide the best performance. This particular user having the best performance won’t affect other users. </a:t>
-            </a:r>
-          </a:p>
-          <a:p>
-            <a:endParaRPr lang="en-GB" sz="2200" dirty="0"/>
-          </a:p>
-          <a:p>
-            <a:pPr marL="342900" indent="-342900">
-              <a:buFont typeface="Arial" panose="020B0604020202020204" pitchFamily="34" charset="0"/>
-              <a:buChar char="•"/>
-            </a:pPr>
-            <a:r>
-              <a:rPr lang="en-GB" sz="2200" dirty="0"/>
-              <a:t>Horizontal scaling (running the application across multiple devices) is not a concept which applies here. The user is only using a single device (i.e. their mobile phone). </a:t>
-            </a:r>
-          </a:p>
-          <a:p>
-            <a:endParaRPr lang="en-GB" sz="2200" dirty="0"/>
-          </a:p>
-          <a:p>
-            <a:pPr marL="342900" indent="-342900">
-              <a:buFont typeface="Arial" panose="020B0604020202020204" pitchFamily="34" charset="0"/>
-              <a:buChar char="•"/>
-            </a:pPr>
-            <a:r>
-              <a:rPr lang="en-GB" sz="2200" dirty="0"/>
-              <a:t>Vertical scaling (providing greater performance when given a more powerful device) applies but isn’t going to happen unless the user themselves physically switches to a better machine. It isn’t an area to focus on. Writing your code so you use threads efficiently is advised but not critical.</a:t>
-            </a:r>
-          </a:p>
-          <a:p>
-            <a:endParaRPr lang="en-GB" sz="2200" dirty="0"/>
-          </a:p>
-        </p:txBody>
-      </p:sp>
-    </p:spTree>
-    <p:extLst>
-      <p:ext uri="{BB962C8B-B14F-4D97-AF65-F5344CB8AC3E}">
-        <p14:creationId xmlns:p14="http://schemas.microsoft.com/office/powerpoint/2010/main" val="1813038530"/>
       </p:ext>
     </p:extLst>
   </p:cSld>
@@ -11772,7 +11757,7 @@
           <a:p>
             <a:r>
               <a:rPr lang="en-GB" sz="2200" b="1" dirty="0"/>
-              <a:t>Multithreading can kill your web application </a:t>
+              <a:t>Desktop and mobile applications love multithreading</a:t>
             </a:r>
           </a:p>
           <a:p>
@@ -11785,31 +11770,7 @@
             </a:pPr>
             <a:r>
               <a:rPr lang="en-GB" sz="2200" dirty="0"/>
-              <a:t>Web applications (e.g. ASP.NET MVC / </a:t>
-            </a:r>
-            <a:r>
-              <a:rPr lang="en-GB" sz="2200" dirty="0" err="1"/>
-              <a:t>WebAPI</a:t>
-            </a:r>
-            <a:r>
-              <a:rPr lang="en-GB" sz="2200" dirty="0"/>
-              <a:t> project) need to respond to HTTP requests. </a:t>
-            </a:r>
-            <a:r>
-              <a:rPr lang="en-GB" sz="2200" b="1" dirty="0"/>
-              <a:t>Each HTTP request requires its own thread from the thread pool</a:t>
-            </a:r>
-            <a:r>
-              <a:rPr lang="en-GB" sz="2200" dirty="0"/>
-              <a:t>. As a result, </a:t>
-            </a:r>
-            <a:r>
-              <a:rPr lang="en-GB" sz="2200" b="1" dirty="0"/>
-              <a:t>you should preserve your thread pool threads for handling requests</a:t>
-            </a:r>
-            <a:r>
-              <a:rPr lang="en-GB" sz="2200" dirty="0"/>
-              <a:t>. Using too many threads for improving performance for a single user would mean less users can be served on the same instance of your application.</a:t>
+              <a:t>Applications like this only have one user at a time. As a result, you can essentially throw threads at a problem in order to provide the best performance. This particular user having the best performance won’t affect other users. </a:t>
             </a:r>
           </a:p>
           <a:p>
@@ -11822,11 +11783,10 @@
             </a:pPr>
             <a:r>
               <a:rPr lang="en-GB" sz="2200" dirty="0"/>
-              <a:t>Horizontal scaling is critical to web applications. Each node in your cluster must be able to respond to as many requests as possible. Efficient use of threads will mean more users can use the application deployed on each node. </a:t>
-            </a:r>
-            <a:br>
-              <a:rPr lang="en-GB" sz="2200" dirty="0"/>
-            </a:br>
+              <a:t>Horizontal scaling (running the application across multiple devices) is not a concept which applies here. The user is only using a single device (i.e. their mobile phone). </a:t>
+            </a:r>
+          </a:p>
+          <a:p>
             <a:endParaRPr lang="en-GB" sz="2200" dirty="0"/>
           </a:p>
           <a:p>
@@ -11836,44 +11796,10 @@
             </a:pPr>
             <a:r>
               <a:rPr lang="en-GB" sz="2200" dirty="0"/>
-              <a:t>Vertical scaling is expensive so you must make sure you serve the most requests possible out of your new and more expensive hardware. </a:t>
-            </a:r>
-          </a:p>
-        </p:txBody>
-      </p:sp>
-      <p:sp>
-        <p:nvSpPr>
-          <p:cNvPr id="5" name="TextBox 4">
-            <a:extLst>
-              <a:ext uri="{FF2B5EF4-FFF2-40B4-BE49-F238E27FC236}">
-                <a16:creationId xmlns:a16="http://schemas.microsoft.com/office/drawing/2014/main" id="{CCCF3874-E9C8-4F70-8886-328893DB9238}"/>
-              </a:ext>
-            </a:extLst>
-          </p:cNvPr>
-          <p:cNvSpPr txBox="1"/>
-          <p:nvPr/>
-        </p:nvSpPr>
-        <p:spPr>
-          <a:xfrm>
-            <a:off x="205409" y="5391321"/>
-            <a:ext cx="11781182" cy="430887"/>
-          </a:xfrm>
-          <a:prstGeom prst="rect">
-            <a:avLst/>
-          </a:prstGeom>
-          <a:noFill/>
-        </p:spPr>
-        <p:txBody>
-          <a:bodyPr wrap="square" rtlCol="0">
-            <a:spAutoFit/>
-          </a:bodyPr>
-          <a:lstStyle/>
-          <a:p>
-            <a:pPr algn="ctr"/>
-            <a:r>
-              <a:rPr lang="en-GB" sz="2200" b="1" dirty="0"/>
-              <a:t>But what if you want to execute an asynchronous task without waiting for it to finish? </a:t>
-            </a:r>
+              <a:t>Vertical scaling (providing greater performance when given a more powerful device) applies but isn’t going to happen unless the user themselves physically switches to a better machine. It isn’t an area to focus on. Writing your code so you use threads efficiently is advised but not critical.</a:t>
+            </a:r>
+          </a:p>
+          <a:p>
             <a:endParaRPr lang="en-GB" sz="2200" dirty="0"/>
           </a:p>
         </p:txBody>
@@ -11881,7 +11807,7 @@
     </p:spTree>
     <p:extLst>
       <p:ext uri="{BB962C8B-B14F-4D97-AF65-F5344CB8AC3E}">
-        <p14:creationId xmlns:p14="http://schemas.microsoft.com/office/powerpoint/2010/main" val="1919573543"/>
+        <p14:creationId xmlns:p14="http://schemas.microsoft.com/office/powerpoint/2010/main" val="1813038530"/>
       </p:ext>
     </p:extLst>
   </p:cSld>
@@ -11923,7 +11849,7 @@
         <p:spPr>
           <a:xfrm>
             <a:off x="278297" y="212034"/>
-            <a:ext cx="11781182" cy="6186309"/>
+            <a:ext cx="11781182" cy="4493538"/>
           </a:xfrm>
           <a:prstGeom prst="rect">
             <a:avLst/>
@@ -11938,7 +11864,7 @@
           <a:p>
             <a:r>
               <a:rPr lang="en-GB" sz="2200" b="1" dirty="0"/>
-              <a:t>The problem with background (“fire and forget”) tasks in ASP.NET / ASP.NET Core</a:t>
+              <a:t>Multithreading can kill your web application </a:t>
             </a:r>
           </a:p>
           <a:p>
@@ -11951,19 +11877,35 @@
             </a:pPr>
             <a:r>
               <a:rPr lang="en-GB" sz="2200" dirty="0"/>
-              <a:t>Web applications run on a server within an </a:t>
+              <a:t>Web applications (e.g. ASP.NET MVC / </a:t>
+            </a:r>
+            <a:r>
+              <a:rPr lang="en-GB" sz="2200" dirty="0" err="1"/>
+              <a:t>WebAPI</a:t>
+            </a:r>
+            <a:r>
+              <a:rPr lang="en-GB" sz="2200" dirty="0"/>
+              <a:t> project) need to respond to HTTP requests. </a:t>
             </a:r>
             <a:r>
               <a:rPr lang="en-GB" sz="2200" b="1" dirty="0"/>
-              <a:t>application pool </a:t>
+              <a:t>Each HTTP request requires its own thread from the thread pool</a:t>
             </a:r>
             <a:r>
               <a:rPr lang="en-GB" sz="2200" dirty="0"/>
-              <a:t>(a way of segregating applications for security and allowing different configurations and resource usages for each one) </a:t>
-            </a:r>
-          </a:p>
-          <a:p>
-            <a:endParaRPr lang="en-GB" sz="2200" b="1" dirty="0"/>
+              <a:t>. As a result, </a:t>
+            </a:r>
+            <a:r>
+              <a:rPr lang="en-GB" sz="2200" b="1" dirty="0"/>
+              <a:t>you should preserve your thread pool threads for handling requests</a:t>
+            </a:r>
+            <a:r>
+              <a:rPr lang="en-GB" sz="2200" dirty="0"/>
+              <a:t>. Using too many threads for improving performance for a single user would mean less users can be served on the same instance of your application.</a:t>
+            </a:r>
+          </a:p>
+          <a:p>
+            <a:endParaRPr lang="en-GB" sz="2200" dirty="0"/>
           </a:p>
           <a:p>
             <a:pPr marL="342900" indent="-342900">
@@ -11972,102 +11914,66 @@
             </a:pPr>
             <a:r>
               <a:rPr lang="en-GB" sz="2200" dirty="0"/>
-              <a:t>Each application pool corresponds to a single </a:t>
-            </a:r>
-            <a:r>
-              <a:rPr lang="en-GB" sz="2200" b="1" dirty="0"/>
-              <a:t>worker process</a:t>
-            </a:r>
-            <a:r>
+              <a:t>Horizontal scaling is critical to web applications. Each node in your cluster must be able to respond to as many requests as possible. Efficient use of threads will mean more users can use the application deployed on each node. </a:t>
+            </a:r>
+            <a:br>
               <a:rPr lang="en-GB" sz="2200" dirty="0"/>
-              <a:t>. This is a process responsible for handling requests sent to a server for a specific application pool. </a:t>
-            </a:r>
+            </a:br>
+            <a:endParaRPr lang="en-GB" sz="2200" dirty="0"/>
           </a:p>
           <a:p>
             <a:pPr marL="342900" indent="-342900">
               <a:buFont typeface="Arial" panose="020B0604020202020204" pitchFamily="34" charset="0"/>
               <a:buChar char="•"/>
             </a:pPr>
-            <a:endParaRPr lang="en-GB" sz="2200" b="1" dirty="0"/>
-          </a:p>
-          <a:p>
-            <a:pPr marL="342900" indent="-342900">
-              <a:buFont typeface="Arial" panose="020B0604020202020204" pitchFamily="34" charset="0"/>
-              <a:buChar char="•"/>
-            </a:pPr>
             <a:r>
               <a:rPr lang="en-GB" sz="2200" dirty="0"/>
-              <a:t>Each worker process is periodically terminated and a new process is started. This is called </a:t>
-            </a:r>
+              <a:t>Vertical scaling is expensive so you must make sure you serve the most requests possible out of your new and more expensive hardware. </a:t>
+            </a:r>
+          </a:p>
+        </p:txBody>
+      </p:sp>
+      <p:sp>
+        <p:nvSpPr>
+          <p:cNvPr id="5" name="TextBox 4">
+            <a:extLst>
+              <a:ext uri="{FF2B5EF4-FFF2-40B4-BE49-F238E27FC236}">
+                <a16:creationId xmlns:a16="http://schemas.microsoft.com/office/drawing/2014/main" id="{CCCF3874-E9C8-4F70-8886-328893DB9238}"/>
+              </a:ext>
+            </a:extLst>
+          </p:cNvPr>
+          <p:cNvSpPr txBox="1"/>
+          <p:nvPr/>
+        </p:nvSpPr>
+        <p:spPr>
+          <a:xfrm>
+            <a:off x="205409" y="5391321"/>
+            <a:ext cx="11781182" cy="430887"/>
+          </a:xfrm>
+          <a:prstGeom prst="rect">
+            <a:avLst/>
+          </a:prstGeom>
+          <a:noFill/>
+        </p:spPr>
+        <p:txBody>
+          <a:bodyPr wrap="square" rtlCol="0">
+            <a:spAutoFit/>
+          </a:bodyPr>
+          <a:lstStyle/>
+          <a:p>
+            <a:pPr algn="ctr"/>
             <a:r>
               <a:rPr lang="en-GB" sz="2200" b="1" dirty="0"/>
-              <a:t>Application Pool Recycling</a:t>
-            </a:r>
-            <a:r>
-              <a:rPr lang="en-GB" sz="2200" dirty="0"/>
-              <a:t> and is done to avoid unstable states that can lead to application crashes, memory leaks, etc. </a:t>
-            </a:r>
-          </a:p>
-          <a:p>
-            <a:pPr marL="342900" indent="-342900">
-              <a:buFont typeface="Arial" panose="020B0604020202020204" pitchFamily="34" charset="0"/>
-              <a:buChar char="•"/>
-            </a:pPr>
+              <a:t>But what if you want to execute an asynchronous task without waiting for it to finish? </a:t>
+            </a:r>
             <a:endParaRPr lang="en-GB" sz="2200" dirty="0"/>
-          </a:p>
-          <a:p>
-            <a:pPr marL="342900" indent="-342900">
-              <a:buFont typeface="Arial" panose="020B0604020202020204" pitchFamily="34" charset="0"/>
-              <a:buChar char="•"/>
-            </a:pPr>
-            <a:r>
-              <a:rPr lang="en-GB" sz="2200" dirty="0"/>
-              <a:t>An overlapping recycle method is used, which keeps the old process up until the </a:t>
-            </a:r>
-            <a:r>
-              <a:rPr lang="en-GB" sz="2200" b="1" dirty="0"/>
-              <a:t>current requests are finished processing </a:t>
-            </a:r>
-            <a:r>
-              <a:rPr lang="en-GB" sz="2200" dirty="0"/>
-              <a:t>(or a set timeout elapses) while the new process handles new requests. This ensures service continuity so that you usually do not notice a recycle.</a:t>
-            </a:r>
-          </a:p>
-          <a:p>
-            <a:pPr marL="342900" indent="-342900">
-              <a:buFont typeface="Arial" panose="020B0604020202020204" pitchFamily="34" charset="0"/>
-              <a:buChar char="•"/>
-            </a:pPr>
-            <a:endParaRPr lang="en-GB" sz="2200" dirty="0"/>
-          </a:p>
-          <a:p>
-            <a:pPr marL="342900" indent="-342900">
-              <a:buFont typeface="Arial" panose="020B0604020202020204" pitchFamily="34" charset="0"/>
-              <a:buChar char="•"/>
-            </a:pPr>
-            <a:r>
-              <a:rPr lang="en-GB" sz="2200" b="1" dirty="0"/>
-              <a:t>Creating new threads manually</a:t>
-            </a:r>
-            <a:r>
-              <a:rPr lang="en-GB" sz="2200" dirty="0"/>
-              <a:t>, either on the Thread Pool or not, </a:t>
-            </a:r>
-            <a:r>
-              <a:rPr lang="en-GB" sz="2200" b="1" dirty="0"/>
-              <a:t>will not be registered with the runtime</a:t>
-            </a:r>
-            <a:r>
-              <a:rPr lang="en-GB" sz="2200" dirty="0"/>
-              <a:t>, so the application pool may be recycled before these background tasks are complete.</a:t>
-            </a:r>
           </a:p>
         </p:txBody>
       </p:sp>
     </p:spTree>
     <p:extLst>
       <p:ext uri="{BB962C8B-B14F-4D97-AF65-F5344CB8AC3E}">
-        <p14:creationId xmlns:p14="http://schemas.microsoft.com/office/powerpoint/2010/main" val="2752258754"/>
+        <p14:creationId xmlns:p14="http://schemas.microsoft.com/office/powerpoint/2010/main" val="1919573543"/>
       </p:ext>
     </p:extLst>
   </p:cSld>
@@ -12260,6 +12166,192 @@
           <a:p>
             <a:r>
               <a:rPr lang="en-GB" sz="2200" b="1" dirty="0"/>
+              <a:t>The problem with background (“fire and forget”) tasks in ASP.NET / ASP.NET Core</a:t>
+            </a:r>
+          </a:p>
+          <a:p>
+            <a:endParaRPr lang="en-GB" sz="2200" b="1" dirty="0"/>
+          </a:p>
+          <a:p>
+            <a:pPr marL="342900" indent="-342900">
+              <a:buFont typeface="Arial" panose="020B0604020202020204" pitchFamily="34" charset="0"/>
+              <a:buChar char="•"/>
+            </a:pPr>
+            <a:r>
+              <a:rPr lang="en-GB" sz="2200" dirty="0"/>
+              <a:t>Web applications run on a server within an </a:t>
+            </a:r>
+            <a:r>
+              <a:rPr lang="en-GB" sz="2200" b="1" dirty="0"/>
+              <a:t>application pool </a:t>
+            </a:r>
+            <a:r>
+              <a:rPr lang="en-GB" sz="2200" dirty="0"/>
+              <a:t>(a way of segregating applications for security and allowing different configurations and resource usages for each one) </a:t>
+            </a:r>
+          </a:p>
+          <a:p>
+            <a:endParaRPr lang="en-GB" sz="2200" b="1" dirty="0"/>
+          </a:p>
+          <a:p>
+            <a:pPr marL="342900" indent="-342900">
+              <a:buFont typeface="Arial" panose="020B0604020202020204" pitchFamily="34" charset="0"/>
+              <a:buChar char="•"/>
+            </a:pPr>
+            <a:r>
+              <a:rPr lang="en-GB" sz="2200" dirty="0"/>
+              <a:t>Each application pool corresponds to a single </a:t>
+            </a:r>
+            <a:r>
+              <a:rPr lang="en-GB" sz="2200" b="1" dirty="0"/>
+              <a:t>worker process</a:t>
+            </a:r>
+            <a:r>
+              <a:rPr lang="en-GB" sz="2200" dirty="0"/>
+              <a:t>. This is a process responsible for handling requests sent to a server for a specific application pool. </a:t>
+            </a:r>
+          </a:p>
+          <a:p>
+            <a:pPr marL="342900" indent="-342900">
+              <a:buFont typeface="Arial" panose="020B0604020202020204" pitchFamily="34" charset="0"/>
+              <a:buChar char="•"/>
+            </a:pPr>
+            <a:endParaRPr lang="en-GB" sz="2200" b="1" dirty="0"/>
+          </a:p>
+          <a:p>
+            <a:pPr marL="342900" indent="-342900">
+              <a:buFont typeface="Arial" panose="020B0604020202020204" pitchFamily="34" charset="0"/>
+              <a:buChar char="•"/>
+            </a:pPr>
+            <a:r>
+              <a:rPr lang="en-GB" sz="2200" dirty="0"/>
+              <a:t>Each worker process is periodically terminated and a new process is started. This is called </a:t>
+            </a:r>
+            <a:r>
+              <a:rPr lang="en-GB" sz="2200" b="1" dirty="0"/>
+              <a:t>Application Pool Recycling</a:t>
+            </a:r>
+            <a:r>
+              <a:rPr lang="en-GB" sz="2200" dirty="0"/>
+              <a:t> and is done to avoid unstable states that can lead to application crashes, memory leaks, etc. </a:t>
+            </a:r>
+          </a:p>
+          <a:p>
+            <a:pPr marL="342900" indent="-342900">
+              <a:buFont typeface="Arial" panose="020B0604020202020204" pitchFamily="34" charset="0"/>
+              <a:buChar char="•"/>
+            </a:pPr>
+            <a:endParaRPr lang="en-GB" sz="2200" dirty="0"/>
+          </a:p>
+          <a:p>
+            <a:pPr marL="342900" indent="-342900">
+              <a:buFont typeface="Arial" panose="020B0604020202020204" pitchFamily="34" charset="0"/>
+              <a:buChar char="•"/>
+            </a:pPr>
+            <a:r>
+              <a:rPr lang="en-GB" sz="2200" dirty="0"/>
+              <a:t>An overlapping recycle method is used, which keeps the old process up until the </a:t>
+            </a:r>
+            <a:r>
+              <a:rPr lang="en-GB" sz="2200" b="1" dirty="0"/>
+              <a:t>current requests are finished processing </a:t>
+            </a:r>
+            <a:r>
+              <a:rPr lang="en-GB" sz="2200" dirty="0"/>
+              <a:t>(or a set timeout elapses) while the new process handles new requests. This ensures service continuity so that you usually do not notice a recycle.</a:t>
+            </a:r>
+          </a:p>
+          <a:p>
+            <a:pPr marL="342900" indent="-342900">
+              <a:buFont typeface="Arial" panose="020B0604020202020204" pitchFamily="34" charset="0"/>
+              <a:buChar char="•"/>
+            </a:pPr>
+            <a:endParaRPr lang="en-GB" sz="2200" dirty="0"/>
+          </a:p>
+          <a:p>
+            <a:pPr marL="342900" indent="-342900">
+              <a:buFont typeface="Arial" panose="020B0604020202020204" pitchFamily="34" charset="0"/>
+              <a:buChar char="•"/>
+            </a:pPr>
+            <a:r>
+              <a:rPr lang="en-GB" sz="2200" b="1" dirty="0"/>
+              <a:t>Creating new threads manually</a:t>
+            </a:r>
+            <a:r>
+              <a:rPr lang="en-GB" sz="2200" dirty="0"/>
+              <a:t>, either on the Thread Pool or not, </a:t>
+            </a:r>
+            <a:r>
+              <a:rPr lang="en-GB" sz="2200" b="1" dirty="0"/>
+              <a:t>will not be registered with the runtime</a:t>
+            </a:r>
+            <a:r>
+              <a:rPr lang="en-GB" sz="2200" dirty="0"/>
+              <a:t>, so the application pool may be recycled before these background tasks are complete.</a:t>
+            </a:r>
+          </a:p>
+        </p:txBody>
+      </p:sp>
+    </p:spTree>
+    <p:extLst>
+      <p:ext uri="{BB962C8B-B14F-4D97-AF65-F5344CB8AC3E}">
+        <p14:creationId xmlns:p14="http://schemas.microsoft.com/office/powerpoint/2010/main" val="2752258754"/>
+      </p:ext>
+    </p:extLst>
+  </p:cSld>
+  <p:clrMapOvr>
+    <a:masterClrMapping/>
+  </p:clrMapOvr>
+</p:sld>
+</file>
+
+<file path=ppt/slides/slide41.xml><?xml version="1.0" encoding="utf-8"?>
+<p:sld xmlns:a="http://schemas.openxmlformats.org/drawingml/2006/main" xmlns:r="http://schemas.openxmlformats.org/officeDocument/2006/relationships" xmlns:p="http://schemas.openxmlformats.org/presentationml/2006/main">
+  <p:cSld>
+    <p:spTree>
+      <p:nvGrpSpPr>
+        <p:cNvPr id="1" name=""/>
+        <p:cNvGrpSpPr/>
+        <p:nvPr/>
+      </p:nvGrpSpPr>
+      <p:grpSpPr>
+        <a:xfrm>
+          <a:off x="0" y="0"/>
+          <a:ext cx="0" cy="0"/>
+          <a:chOff x="0" y="0"/>
+          <a:chExt cx="0" cy="0"/>
+        </a:xfrm>
+      </p:grpSpPr>
+      <p:sp>
+        <p:nvSpPr>
+          <p:cNvPr id="4" name="TextBox 3">
+            <a:extLst>
+              <a:ext uri="{FF2B5EF4-FFF2-40B4-BE49-F238E27FC236}">
+                <a16:creationId xmlns:a16="http://schemas.microsoft.com/office/drawing/2014/main" id="{18767206-9205-42D0-A2AE-5A1017D4CB08}"/>
+              </a:ext>
+            </a:extLst>
+          </p:cNvPr>
+          <p:cNvSpPr txBox="1"/>
+          <p:nvPr/>
+        </p:nvSpPr>
+        <p:spPr>
+          <a:xfrm>
+            <a:off x="278297" y="212034"/>
+            <a:ext cx="11781182" cy="6186309"/>
+          </a:xfrm>
+          <a:prstGeom prst="rect">
+            <a:avLst/>
+          </a:prstGeom>
+          <a:noFill/>
+        </p:spPr>
+        <p:txBody>
+          <a:bodyPr wrap="square" rtlCol="0">
+            <a:spAutoFit/>
+          </a:bodyPr>
+          <a:lstStyle/>
+          <a:p>
+            <a:r>
+              <a:rPr lang="en-GB" sz="2200" b="1" dirty="0"/>
               <a:t>The solution</a:t>
             </a:r>
           </a:p>
@@ -12425,168 +12517,6 @@
 </p:sld>
 </file>
 
-<file path=ppt/slides/slide41.xml><?xml version="1.0" encoding="utf-8"?>
-<p:sld xmlns:a="http://schemas.openxmlformats.org/drawingml/2006/main" xmlns:r="http://schemas.openxmlformats.org/officeDocument/2006/relationships" xmlns:p="http://schemas.openxmlformats.org/presentationml/2006/main">
-  <p:cSld>
-    <p:spTree>
-      <p:nvGrpSpPr>
-        <p:cNvPr id="1" name=""/>
-        <p:cNvGrpSpPr/>
-        <p:nvPr/>
-      </p:nvGrpSpPr>
-      <p:grpSpPr>
-        <a:xfrm>
-          <a:off x="0" y="0"/>
-          <a:ext cx="0" cy="0"/>
-          <a:chOff x="0" y="0"/>
-          <a:chExt cx="0" cy="0"/>
-        </a:xfrm>
-      </p:grpSpPr>
-      <p:sp>
-        <p:nvSpPr>
-          <p:cNvPr id="4" name="TextBox 3">
-            <a:extLst>
-              <a:ext uri="{FF2B5EF4-FFF2-40B4-BE49-F238E27FC236}">
-                <a16:creationId xmlns:a16="http://schemas.microsoft.com/office/drawing/2014/main" id="{18767206-9205-42D0-A2AE-5A1017D4CB08}"/>
-              </a:ext>
-            </a:extLst>
-          </p:cNvPr>
-          <p:cNvSpPr txBox="1"/>
-          <p:nvPr/>
-        </p:nvSpPr>
-        <p:spPr>
-          <a:xfrm>
-            <a:off x="278297" y="212034"/>
-            <a:ext cx="11781182" cy="5509200"/>
-          </a:xfrm>
-          <a:prstGeom prst="rect">
-            <a:avLst/>
-          </a:prstGeom>
-          <a:noFill/>
-        </p:spPr>
-        <p:txBody>
-          <a:bodyPr wrap="square" rtlCol="0">
-            <a:spAutoFit/>
-          </a:bodyPr>
-          <a:lstStyle/>
-          <a:p>
-            <a:r>
-              <a:rPr lang="en-GB" sz="2200" b="1" dirty="0"/>
-              <a:t>The solution</a:t>
-            </a:r>
-          </a:p>
-          <a:p>
-            <a:endParaRPr lang="en-GB" sz="2200" b="1" dirty="0"/>
-          </a:p>
-          <a:p>
-            <a:r>
-              <a:rPr lang="en-GB" sz="2200" dirty="0"/>
-              <a:t> In ASP.NET Core, background tasks can be implemented as hosted services. A hosted service is a class with background task logic that implements the </a:t>
-            </a:r>
-            <a:r>
-              <a:rPr lang="en-GB" sz="2200" dirty="0" err="1"/>
-              <a:t>IHostedService</a:t>
-            </a:r>
-            <a:r>
-              <a:rPr lang="en-GB" sz="2200" dirty="0"/>
-              <a:t> interface. You can host things such as: </a:t>
-            </a:r>
-          </a:p>
-          <a:p>
-            <a:endParaRPr lang="en-GB" sz="2200" dirty="0"/>
-          </a:p>
-          <a:p>
-            <a:pPr marL="342900" indent="-342900">
-              <a:buFont typeface="Arial" panose="020B0604020202020204" pitchFamily="34" charset="0"/>
-              <a:buChar char="•"/>
-            </a:pPr>
-            <a:r>
-              <a:rPr lang="en-GB" sz="2200" dirty="0"/>
-              <a:t>Background tasks that run on a timer.</a:t>
-            </a:r>
-          </a:p>
-          <a:p>
-            <a:pPr marL="342900" indent="-342900">
-              <a:buFont typeface="Arial" panose="020B0604020202020204" pitchFamily="34" charset="0"/>
-              <a:buChar char="•"/>
-            </a:pPr>
-            <a:r>
-              <a:rPr lang="en-GB" sz="2200" dirty="0"/>
-              <a:t>Hosted service that activates a scoped service. The scoped service can use dependency injection.</a:t>
-            </a:r>
-          </a:p>
-          <a:p>
-            <a:pPr marL="342900" indent="-342900">
-              <a:buFont typeface="Arial" panose="020B0604020202020204" pitchFamily="34" charset="0"/>
-              <a:buChar char="•"/>
-            </a:pPr>
-            <a:r>
-              <a:rPr lang="en-GB" sz="2200" dirty="0"/>
-              <a:t>Queued background tasks that run sequentially. </a:t>
-            </a:r>
-          </a:p>
-          <a:p>
-            <a:endParaRPr lang="en-GB" sz="2200" b="1" dirty="0"/>
-          </a:p>
-          <a:p>
-            <a:r>
-              <a:rPr lang="en-GB" sz="2200" dirty="0"/>
-              <a:t>The hosted service is activated once at app </a:t>
-            </a:r>
-            <a:r>
-              <a:rPr lang="en-GB" sz="2200" dirty="0" err="1"/>
-              <a:t>startup</a:t>
-            </a:r>
-            <a:r>
-              <a:rPr lang="en-GB" sz="2200" dirty="0"/>
-              <a:t> and gracefully shut down at app shutdown. If an error is thrown during background task execution, Dispose should be called even if </a:t>
-            </a:r>
-            <a:r>
-              <a:rPr lang="en-GB" sz="2200" dirty="0" err="1"/>
-              <a:t>StopAsync</a:t>
-            </a:r>
-            <a:r>
-              <a:rPr lang="en-GB" sz="2200" dirty="0"/>
-              <a:t> isn't called.</a:t>
-            </a:r>
-          </a:p>
-          <a:p>
-            <a:endParaRPr lang="en-GB" sz="2200" dirty="0"/>
-          </a:p>
-          <a:p>
-            <a:r>
-              <a:rPr lang="en-GB" sz="2200" dirty="0"/>
-              <a:t>Fairly simply to implement and Microsoft has excellent documentation on it: </a:t>
-            </a:r>
-            <a:br>
-              <a:rPr lang="en-GB" sz="2200" dirty="0"/>
-            </a:br>
-            <a:r>
-              <a:rPr lang="en-GB" sz="2200" dirty="0">
-                <a:hlinkClick r:id="rId2"/>
-              </a:rPr>
-              <a:t>https://docs.microsoft.com/en-us/aspnet/core/fundamentals/host/hosted-services?view=aspnetcore-2.1#queued-background-tasks</a:t>
-            </a:r>
-            <a:r>
-              <a:rPr lang="en-GB" sz="2200" dirty="0"/>
-              <a:t> </a:t>
-            </a:r>
-          </a:p>
-        </p:txBody>
-      </p:sp>
-    </p:spTree>
-    <p:extLst>
-      <p:ext uri="{BB962C8B-B14F-4D97-AF65-F5344CB8AC3E}">
-        <p14:creationId xmlns:p14="http://schemas.microsoft.com/office/powerpoint/2010/main" val="2054950243"/>
-      </p:ext>
-    </p:extLst>
-  </p:cSld>
-  <p:clrMapOvr>
-    <a:masterClrMapping/>
-  </p:clrMapOvr>
-</p:sld>
-</file>
-
 <file path=ppt/slides/slide42.xml><?xml version="1.0" encoding="utf-8"?>
 <p:sld xmlns:a="http://schemas.openxmlformats.org/drawingml/2006/main" xmlns:r="http://schemas.openxmlformats.org/officeDocument/2006/relationships" xmlns:p="http://schemas.openxmlformats.org/presentationml/2006/main">
   <p:cSld>
@@ -12619,7 +12549,7 @@
         <p:spPr>
           <a:xfrm>
             <a:off x="278297" y="212034"/>
-            <a:ext cx="11781182" cy="4832092"/>
+            <a:ext cx="11781182" cy="5509200"/>
           </a:xfrm>
           <a:prstGeom prst="rect">
             <a:avLst/>
@@ -12643,7 +12573,15 @@
           <a:p>
             <a:r>
               <a:rPr lang="en-GB" sz="2200" dirty="0"/>
-              <a:t>Other solutions include:</a:t>
+              <a:t> In ASP.NET Core, background tasks can be implemented as hosted services. A hosted service is a class with background task logic that implements the </a:t>
+            </a:r>
+            <a:r>
+              <a:rPr lang="en-GB" sz="2200" dirty="0" err="1"/>
+              <a:t>IHostedService</a:t>
+            </a:r>
+            <a:r>
+              <a:rPr lang="en-GB" sz="2200" dirty="0"/>
+              <a:t> interface. You can host things such as: </a:t>
             </a:r>
           </a:p>
           <a:p>
@@ -12656,15 +12594,7 @@
             </a:pPr>
             <a:r>
               <a:rPr lang="en-GB" sz="2200" dirty="0"/>
-              <a:t>Using a library like </a:t>
-            </a:r>
-            <a:r>
-              <a:rPr lang="en-GB" sz="2200" dirty="0" err="1"/>
-              <a:t>Hangfire</a:t>
-            </a:r>
-            <a:r>
-              <a:rPr lang="en-GB" sz="2200" dirty="0"/>
-              <a:t> which has a persistence layer for storing your tasks to be executed reliably. </a:t>
+              <a:t>Background tasks that run on a timer.</a:t>
             </a:r>
           </a:p>
           <a:p>
@@ -12672,7 +12602,10 @@
               <a:buFont typeface="Arial" panose="020B0604020202020204" pitchFamily="34" charset="0"/>
               <a:buChar char="•"/>
             </a:pPr>
-            <a:endParaRPr lang="en-GB" sz="2200" dirty="0"/>
+            <a:r>
+              <a:rPr lang="en-GB" sz="2200" dirty="0"/>
+              <a:t>Hosted service that activates a scoped service. The scoped service can use dependency injection.</a:t>
+            </a:r>
           </a:p>
           <a:p>
             <a:pPr marL="342900" indent="-342900">
@@ -12681,42 +12614,62 @@
             </a:pPr>
             <a:r>
               <a:rPr lang="en-GB" sz="2200" dirty="0"/>
-              <a:t>Using Azure Service Fabric actors to do this work instead. </a:t>
-            </a:r>
-          </a:p>
-          <a:p>
-            <a:pPr marL="342900" indent="-342900">
-              <a:buFont typeface="Arial" panose="020B0604020202020204" pitchFamily="34" charset="0"/>
-              <a:buChar char="•"/>
-            </a:pPr>
+              <a:t>Queued background tasks that run sequentially. </a:t>
+            </a:r>
+          </a:p>
+          <a:p>
+            <a:endParaRPr lang="en-GB" sz="2200" b="1" dirty="0"/>
+          </a:p>
+          <a:p>
+            <a:r>
+              <a:rPr lang="en-GB" sz="2200" dirty="0"/>
+              <a:t>The hosted service is activated once at app </a:t>
+            </a:r>
+            <a:r>
+              <a:rPr lang="en-GB" sz="2200" dirty="0" err="1"/>
+              <a:t>startup</a:t>
+            </a:r>
+            <a:r>
+              <a:rPr lang="en-GB" sz="2200" dirty="0"/>
+              <a:t> and gracefully shut down at app shutdown. If an error is thrown during background task execution, Dispose should be called even if </a:t>
+            </a:r>
+            <a:r>
+              <a:rPr lang="en-GB" sz="2200" dirty="0" err="1"/>
+              <a:t>StopAsync</a:t>
+            </a:r>
+            <a:r>
+              <a:rPr lang="en-GB" sz="2200" dirty="0"/>
+              <a:t> isn't called.</a:t>
+            </a:r>
+          </a:p>
+          <a:p>
             <a:endParaRPr lang="en-GB" sz="2200" dirty="0"/>
           </a:p>
           <a:p>
-            <a:pPr marL="342900" indent="-342900">
-              <a:buFont typeface="Arial" panose="020B0604020202020204" pitchFamily="34" charset="0"/>
-              <a:buChar char="•"/>
-            </a:pPr>
             <a:r>
               <a:rPr lang="en-GB" sz="2200" dirty="0"/>
-              <a:t>Using some other way of persisting the tasks in some way to a queue and processing them with a different system. </a:t>
+              <a:t>Fairly simply to implement and Microsoft has excellent documentation on it: </a:t>
             </a:r>
             <a:br>
               <a:rPr lang="en-GB" sz="2200" dirty="0"/>
             </a:br>
             <a:r>
+              <a:rPr lang="en-GB" sz="2200" dirty="0">
+                <a:hlinkClick r:id="rId2"/>
+              </a:rPr>
+              <a:t>https://docs.microsoft.com/en-us/aspnet/core/fundamentals/host/hosted-services?view=aspnetcore-2.1#queued-background-tasks</a:t>
+            </a:r>
+            <a:r>
               <a:rPr lang="en-GB" sz="2200" dirty="0"/>
-              <a:t>E.g.  using an Azure Storage Queue to store messages temporarily, then using an Azure Function to process messages in order from the queue. </a:t>
-            </a:r>
-          </a:p>
-          <a:p>
-            <a:endParaRPr lang="en-GB" sz="2200" b="1" dirty="0"/>
+              <a:t> </a:t>
+            </a:r>
           </a:p>
         </p:txBody>
       </p:sp>
     </p:spTree>
     <p:extLst>
       <p:ext uri="{BB962C8B-B14F-4D97-AF65-F5344CB8AC3E}">
-        <p14:creationId xmlns:p14="http://schemas.microsoft.com/office/powerpoint/2010/main" val="2683058289"/>
+        <p14:creationId xmlns:p14="http://schemas.microsoft.com/office/powerpoint/2010/main" val="2054950243"/>
       </p:ext>
     </p:extLst>
   </p:cSld>
@@ -12758,7 +12711,7 @@
         <p:spPr>
           <a:xfrm>
             <a:off x="278297" y="212034"/>
-            <a:ext cx="11781182" cy="6063198"/>
+            <a:ext cx="11781182" cy="4832092"/>
           </a:xfrm>
           <a:prstGeom prst="rect">
             <a:avLst/>
@@ -12773,7 +12726,7 @@
           <a:p>
             <a:r>
               <a:rPr lang="en-GB" sz="2200" b="1" dirty="0"/>
-              <a:t>Multithreading can kill your Azure Service Fabric actors</a:t>
+              <a:t>The solution</a:t>
             </a:r>
           </a:p>
           <a:p>
@@ -12782,56 +12735,8 @@
           <a:p>
             <a:r>
               <a:rPr lang="en-GB" sz="2200" dirty="0"/>
-              <a:t>From the </a:t>
-            </a:r>
-            <a:r>
-              <a:rPr lang="en-GB" sz="2200" dirty="0" err="1"/>
-              <a:t>the</a:t>
-            </a:r>
-            <a:r>
-              <a:rPr lang="en-GB" sz="2200" dirty="0"/>
-              <a:t> MSDN page for Service Fabric Reliable Actors:</a:t>
-            </a:r>
-          </a:p>
-          <a:p>
-            <a:endParaRPr lang="en-GB" sz="2200" dirty="0"/>
-          </a:p>
-          <a:p>
-            <a:r>
-              <a:rPr lang="en-GB" sz="2200" dirty="0"/>
-              <a:t>“</a:t>
-            </a:r>
-            <a:r>
-              <a:rPr lang="en-GB" dirty="0"/>
-              <a:t>The Reliable Actors API provides a </a:t>
-            </a:r>
-            <a:r>
-              <a:rPr lang="en-GB" b="1" dirty="0"/>
-              <a:t>single-threaded programming </a:t>
-            </a:r>
-            <a:r>
-              <a:rPr lang="en-GB" dirty="0"/>
-              <a:t>model built on the scalability and reliability guarantees provided by Service Fabric.”</a:t>
-            </a:r>
-            <a:endParaRPr lang="en-GB" sz="2200" dirty="0"/>
-          </a:p>
-          <a:p>
-            <a:endParaRPr lang="en-GB" sz="2200" dirty="0"/>
-          </a:p>
-          <a:p>
-            <a:r>
-              <a:rPr lang="en-GB" dirty="0"/>
-              <a:t>“An actor is an isolated, independent unit of compute and state with </a:t>
-            </a:r>
-            <a:r>
-              <a:rPr lang="en-GB" b="1" dirty="0"/>
-              <a:t>single-threaded execution</a:t>
-            </a:r>
-            <a:r>
-              <a:rPr lang="en-GB" dirty="0"/>
-              <a:t>.”</a:t>
-            </a:r>
-            <a:endParaRPr lang="en-GB" sz="2200" dirty="0"/>
+              <a:t>Other solutions include:</a:t>
+            </a:r>
           </a:p>
           <a:p>
             <a:endParaRPr lang="en-GB" sz="2200" dirty="0"/>
@@ -12843,45 +12748,67 @@
             </a:pPr>
             <a:r>
               <a:rPr lang="en-GB" sz="2200" dirty="0"/>
-              <a:t>Actors are activated on a thread when a request is made to them. </a:t>
-            </a:r>
-          </a:p>
-          <a:p>
-            <a:endParaRPr lang="en-GB" sz="2200" dirty="0"/>
+              <a:t>Using a library like </a:t>
+            </a:r>
+            <a:r>
+              <a:rPr lang="en-GB" sz="2200" dirty="0" err="1"/>
+              <a:t>Hangfire</a:t>
+            </a:r>
+            <a:r>
+              <a:rPr lang="en-GB" sz="2200" dirty="0"/>
+              <a:t> which has a persistence layer for storing your tasks to be executed reliably. </a:t>
+            </a:r>
           </a:p>
           <a:p>
             <a:pPr marL="342900" indent="-342900">
               <a:buFont typeface="Arial" panose="020B0604020202020204" pitchFamily="34" charset="0"/>
               <a:buChar char="•"/>
             </a:pPr>
-            <a:r>
-              <a:rPr lang="en-GB" sz="2200" dirty="0"/>
-              <a:t>An actor is deactivated and garbage collected when it hasn’t been used in some time. “Using” an actor involves either making a request or a reminder has been triggered. </a:t>
-            </a:r>
+            <a:endParaRPr lang="en-GB" sz="2200" dirty="0"/>
           </a:p>
           <a:p>
             <a:pPr marL="342900" indent="-342900">
               <a:buFont typeface="Arial" panose="020B0604020202020204" pitchFamily="34" charset="0"/>
               <a:buChar char="•"/>
             </a:pPr>
-            <a:endParaRPr lang="en-GB" sz="2200" dirty="0"/>
+            <a:r>
+              <a:rPr lang="en-GB" sz="2200" dirty="0"/>
+              <a:t>Using Azure Service Fabric actors to do this work instead. </a:t>
+            </a:r>
           </a:p>
           <a:p>
             <a:pPr marL="342900" indent="-342900">
               <a:buFont typeface="Arial" panose="020B0604020202020204" pitchFamily="34" charset="0"/>
               <a:buChar char="•"/>
             </a:pPr>
+            <a:endParaRPr lang="en-GB" sz="2200" dirty="0"/>
+          </a:p>
+          <a:p>
+            <a:pPr marL="342900" indent="-342900">
+              <a:buFont typeface="Arial" panose="020B0604020202020204" pitchFamily="34" charset="0"/>
+              <a:buChar char="•"/>
+            </a:pPr>
             <a:r>
               <a:rPr lang="en-GB" sz="2200" dirty="0"/>
-              <a:t>Creating another thread within the then means there is one less thread available to activate another actor. The actor runtime also has no knowledge of this thread. Not waiting for it to finish (fire and forget) is dangerous as the actor can be deactivated and even moved to another node, so your other thread can be killed without warning. </a:t>
-            </a:r>
+              <a:t>Using some other way of persisting the tasks in some way to a queue and processing them with a different system. </a:t>
+            </a:r>
+            <a:br>
+              <a:rPr lang="en-GB" sz="2200" dirty="0"/>
+            </a:br>
+            <a:r>
+              <a:rPr lang="en-GB" sz="2200" dirty="0"/>
+              <a:t>E.g.  using an Azure Storage Queue to store messages temporarily, then using an Azure Function to process messages in order from the queue. </a:t>
+            </a:r>
+          </a:p>
+          <a:p>
+            <a:endParaRPr lang="en-GB" sz="2200" b="1" dirty="0"/>
           </a:p>
         </p:txBody>
       </p:sp>
     </p:spTree>
     <p:extLst>
       <p:ext uri="{BB962C8B-B14F-4D97-AF65-F5344CB8AC3E}">
-        <p14:creationId xmlns:p14="http://schemas.microsoft.com/office/powerpoint/2010/main" val="4147862038"/>
+        <p14:creationId xmlns:p14="http://schemas.microsoft.com/office/powerpoint/2010/main" val="2683058289"/>
       </p:ext>
     </p:extLst>
   </p:cSld>
@@ -12923,7 +12850,7 @@
         <p:spPr>
           <a:xfrm>
             <a:off x="278297" y="212034"/>
-            <a:ext cx="11781182" cy="4493538"/>
+            <a:ext cx="11781182" cy="6063198"/>
           </a:xfrm>
           <a:prstGeom prst="rect">
             <a:avLst/>
@@ -12938,7 +12865,7 @@
           <a:p>
             <a:r>
               <a:rPr lang="en-GB" sz="2200" b="1" dirty="0"/>
-              <a:t>The solution</a:t>
+              <a:t>Multithreading can kill your Azure Service Fabric actors</a:t>
             </a:r>
           </a:p>
           <a:p>
@@ -12947,8 +12874,56 @@
           <a:p>
             <a:r>
               <a:rPr lang="en-GB" sz="2200" dirty="0"/>
-              <a:t>Here are some alternatives to using multiple threads in your actors:</a:t>
-            </a:r>
+              <a:t>From the </a:t>
+            </a:r>
+            <a:r>
+              <a:rPr lang="en-GB" sz="2200" dirty="0" err="1"/>
+              <a:t>the</a:t>
+            </a:r>
+            <a:r>
+              <a:rPr lang="en-GB" sz="2200" dirty="0"/>
+              <a:t> MSDN page for Service Fabric Reliable Actors:</a:t>
+            </a:r>
+          </a:p>
+          <a:p>
+            <a:endParaRPr lang="en-GB" sz="2200" dirty="0"/>
+          </a:p>
+          <a:p>
+            <a:r>
+              <a:rPr lang="en-GB" sz="2200" dirty="0"/>
+              <a:t>“</a:t>
+            </a:r>
+            <a:r>
+              <a:rPr lang="en-GB" dirty="0"/>
+              <a:t>The Reliable Actors API provides a </a:t>
+            </a:r>
+            <a:r>
+              <a:rPr lang="en-GB" b="1" dirty="0"/>
+              <a:t>single-threaded programming </a:t>
+            </a:r>
+            <a:r>
+              <a:rPr lang="en-GB" dirty="0"/>
+              <a:t>model built on the scalability and reliability guarantees provided by Service Fabric.”</a:t>
+            </a:r>
+            <a:endParaRPr lang="en-GB" sz="2200" dirty="0"/>
+          </a:p>
+          <a:p>
+            <a:endParaRPr lang="en-GB" sz="2200" dirty="0"/>
+          </a:p>
+          <a:p>
+            <a:r>
+              <a:rPr lang="en-GB" dirty="0"/>
+              <a:t>“An actor is an isolated, independent unit of compute and state with </a:t>
+            </a:r>
+            <a:r>
+              <a:rPr lang="en-GB" b="1" dirty="0"/>
+              <a:t>single-threaded execution</a:t>
+            </a:r>
+            <a:r>
+              <a:rPr lang="en-GB" dirty="0"/>
+              <a:t>.”</a:t>
+            </a:r>
+            <a:endParaRPr lang="en-GB" sz="2200" dirty="0"/>
           </a:p>
           <a:p>
             <a:endParaRPr lang="en-GB" sz="2200" dirty="0"/>
@@ -12960,60 +12935,45 @@
             </a:pPr>
             <a:r>
               <a:rPr lang="en-GB" sz="2200" dirty="0"/>
-              <a:t>Split the work amongst multiple actors. It’s worth remembering as well that an actor can create and communicate with other actors.</a:t>
-            </a:r>
+              <a:t>Actors are activated on a thread when a request is made to them. </a:t>
+            </a:r>
+          </a:p>
+          <a:p>
+            <a:endParaRPr lang="en-GB" sz="2200" dirty="0"/>
           </a:p>
           <a:p>
             <a:pPr marL="342900" indent="-342900">
               <a:buFont typeface="Arial" panose="020B0604020202020204" pitchFamily="34" charset="0"/>
               <a:buChar char="•"/>
             </a:pPr>
-            <a:endParaRPr lang="en-GB" sz="2200" dirty="0"/>
+            <a:r>
+              <a:rPr lang="en-GB" sz="2200" dirty="0"/>
+              <a:t>An actor is deactivated and garbage collected when it hasn’t been used in some time. “Using” an actor involves either making a request or a reminder has been triggered. </a:t>
+            </a:r>
           </a:p>
           <a:p>
             <a:pPr marL="342900" indent="-342900">
               <a:buFont typeface="Arial" panose="020B0604020202020204" pitchFamily="34" charset="0"/>
               <a:buChar char="•"/>
             </a:pPr>
-            <a:r>
-              <a:rPr lang="en-GB" sz="2200" dirty="0"/>
-              <a:t>Add a message to a queue to be processed by some other service. </a:t>
-            </a:r>
+            <a:endParaRPr lang="en-GB" sz="2200" dirty="0"/>
           </a:p>
           <a:p>
             <a:pPr marL="342900" indent="-342900">
               <a:buFont typeface="Arial" panose="020B0604020202020204" pitchFamily="34" charset="0"/>
               <a:buChar char="•"/>
             </a:pPr>
-            <a:endParaRPr lang="en-GB" sz="2200" dirty="0"/>
-          </a:p>
-          <a:p>
-            <a:pPr marL="342900" indent="-342900">
-              <a:buFont typeface="Arial" panose="020B0604020202020204" pitchFamily="34" charset="0"/>
-              <a:buChar char="•"/>
-            </a:pPr>
-            <a:r>
-              <a:rPr lang="en-GB" sz="2200" b="1" dirty="0"/>
-              <a:t>Why not just get the actor to do all the long-running work anyway?</a:t>
-            </a:r>
-            <a:br>
-              <a:rPr lang="en-GB" sz="2200" b="1" dirty="0"/>
-            </a:br>
             <a:r>
               <a:rPr lang="en-GB" sz="2200" dirty="0"/>
-              <a:t>If it’s a fire-and-forget task where performance isn’t a factor, you might as well just run it for as long as it needs to run. If performance is an issue, then consider another option.</a:t>
-            </a:r>
-            <a:br>
-              <a:rPr lang="en-GB" sz="2200" b="1" dirty="0"/>
-            </a:br>
-            <a:endParaRPr lang="en-GB" sz="2200" b="1" dirty="0"/>
+              <a:t>Creating another thread within the then means there is one less thread available to activate another actor. The actor runtime also has no knowledge of this thread. Not waiting for it to finish (fire and forget) is dangerous as the actor can be deactivated and even moved to another node, so your other thread can be killed without warning. </a:t>
+            </a:r>
           </a:p>
         </p:txBody>
       </p:sp>
     </p:spTree>
     <p:extLst>
       <p:ext uri="{BB962C8B-B14F-4D97-AF65-F5344CB8AC3E}">
-        <p14:creationId xmlns:p14="http://schemas.microsoft.com/office/powerpoint/2010/main" val="3980841386"/>
+        <p14:creationId xmlns:p14="http://schemas.microsoft.com/office/powerpoint/2010/main" val="4147862038"/>
       </p:ext>
     </p:extLst>
   </p:cSld>
@@ -13042,6 +13002,138 @@
       </p:grpSpPr>
       <p:sp>
         <p:nvSpPr>
+          <p:cNvPr id="4" name="TextBox 3">
+            <a:extLst>
+              <a:ext uri="{FF2B5EF4-FFF2-40B4-BE49-F238E27FC236}">
+                <a16:creationId xmlns:a16="http://schemas.microsoft.com/office/drawing/2014/main" id="{18767206-9205-42D0-A2AE-5A1017D4CB08}"/>
+              </a:ext>
+            </a:extLst>
+          </p:cNvPr>
+          <p:cNvSpPr txBox="1"/>
+          <p:nvPr/>
+        </p:nvSpPr>
+        <p:spPr>
+          <a:xfrm>
+            <a:off x="278297" y="212034"/>
+            <a:ext cx="11781182" cy="4493538"/>
+          </a:xfrm>
+          <a:prstGeom prst="rect">
+            <a:avLst/>
+          </a:prstGeom>
+          <a:noFill/>
+        </p:spPr>
+        <p:txBody>
+          <a:bodyPr wrap="square" rtlCol="0">
+            <a:spAutoFit/>
+          </a:bodyPr>
+          <a:lstStyle/>
+          <a:p>
+            <a:r>
+              <a:rPr lang="en-GB" sz="2200" b="1" dirty="0"/>
+              <a:t>The solution</a:t>
+            </a:r>
+          </a:p>
+          <a:p>
+            <a:endParaRPr lang="en-GB" sz="2200" b="1" dirty="0"/>
+          </a:p>
+          <a:p>
+            <a:r>
+              <a:rPr lang="en-GB" sz="2200" dirty="0"/>
+              <a:t>Here are some alternatives to using multiple threads in your actors:</a:t>
+            </a:r>
+          </a:p>
+          <a:p>
+            <a:endParaRPr lang="en-GB" sz="2200" dirty="0"/>
+          </a:p>
+          <a:p>
+            <a:pPr marL="342900" indent="-342900">
+              <a:buFont typeface="Arial" panose="020B0604020202020204" pitchFamily="34" charset="0"/>
+              <a:buChar char="•"/>
+            </a:pPr>
+            <a:r>
+              <a:rPr lang="en-GB" sz="2200" dirty="0"/>
+              <a:t>Split the work amongst multiple actors. It’s worth remembering as well that an actor can create and communicate with other actors.</a:t>
+            </a:r>
+          </a:p>
+          <a:p>
+            <a:pPr marL="342900" indent="-342900">
+              <a:buFont typeface="Arial" panose="020B0604020202020204" pitchFamily="34" charset="0"/>
+              <a:buChar char="•"/>
+            </a:pPr>
+            <a:endParaRPr lang="en-GB" sz="2200" dirty="0"/>
+          </a:p>
+          <a:p>
+            <a:pPr marL="342900" indent="-342900">
+              <a:buFont typeface="Arial" panose="020B0604020202020204" pitchFamily="34" charset="0"/>
+              <a:buChar char="•"/>
+            </a:pPr>
+            <a:r>
+              <a:rPr lang="en-GB" sz="2200" dirty="0"/>
+              <a:t>Add a message to a queue to be processed by some other service. </a:t>
+            </a:r>
+          </a:p>
+          <a:p>
+            <a:pPr marL="342900" indent="-342900">
+              <a:buFont typeface="Arial" panose="020B0604020202020204" pitchFamily="34" charset="0"/>
+              <a:buChar char="•"/>
+            </a:pPr>
+            <a:endParaRPr lang="en-GB" sz="2200" dirty="0"/>
+          </a:p>
+          <a:p>
+            <a:pPr marL="342900" indent="-342900">
+              <a:buFont typeface="Arial" panose="020B0604020202020204" pitchFamily="34" charset="0"/>
+              <a:buChar char="•"/>
+            </a:pPr>
+            <a:r>
+              <a:rPr lang="en-GB" sz="2200" b="1" dirty="0"/>
+              <a:t>Why not just get the actor to do all the long-running work anyway?</a:t>
+            </a:r>
+            <a:br>
+              <a:rPr lang="en-GB" sz="2200" b="1" dirty="0"/>
+            </a:br>
+            <a:r>
+              <a:rPr lang="en-GB" sz="2200" dirty="0"/>
+              <a:t>If it’s a fire-and-forget task where performance isn’t a factor, you might as well just run it for as long as it needs to run. If performance is an issue, then consider another option.</a:t>
+            </a:r>
+            <a:br>
+              <a:rPr lang="en-GB" sz="2200" b="1" dirty="0"/>
+            </a:br>
+            <a:endParaRPr lang="en-GB" sz="2200" b="1" dirty="0"/>
+          </a:p>
+        </p:txBody>
+      </p:sp>
+    </p:spTree>
+    <p:extLst>
+      <p:ext uri="{BB962C8B-B14F-4D97-AF65-F5344CB8AC3E}">
+        <p14:creationId xmlns:p14="http://schemas.microsoft.com/office/powerpoint/2010/main" val="3980841386"/>
+      </p:ext>
+    </p:extLst>
+  </p:cSld>
+  <p:clrMapOvr>
+    <a:masterClrMapping/>
+  </p:clrMapOvr>
+</p:sld>
+</file>
+
+<file path=ppt/slides/slide46.xml><?xml version="1.0" encoding="utf-8"?>
+<p:sld xmlns:a="http://schemas.openxmlformats.org/drawingml/2006/main" xmlns:r="http://schemas.openxmlformats.org/officeDocument/2006/relationships" xmlns:p="http://schemas.openxmlformats.org/presentationml/2006/main">
+  <p:cSld>
+    <p:spTree>
+      <p:nvGrpSpPr>
+        <p:cNvPr id="1" name=""/>
+        <p:cNvGrpSpPr/>
+        <p:nvPr/>
+      </p:nvGrpSpPr>
+      <p:grpSpPr>
+        <a:xfrm>
+          <a:off x="0" y="0"/>
+          <a:ext cx="0" cy="0"/>
+          <a:chOff x="0" y="0"/>
+          <a:chExt cx="0" cy="0"/>
+        </a:xfrm>
+      </p:grpSpPr>
+      <p:sp>
+        <p:nvSpPr>
           <p:cNvPr id="2" name="Title 1">
             <a:extLst>
               <a:ext uri="{FF2B5EF4-FFF2-40B4-BE49-F238E27FC236}">
@@ -13079,169 +13171,6 @@
     <p:extLst>
       <p:ext uri="{BB962C8B-B14F-4D97-AF65-F5344CB8AC3E}">
         <p14:creationId xmlns:p14="http://schemas.microsoft.com/office/powerpoint/2010/main" val="3154203515"/>
-      </p:ext>
-    </p:extLst>
-  </p:cSld>
-  <p:clrMapOvr>
-    <a:masterClrMapping/>
-  </p:clrMapOvr>
-</p:sld>
-</file>
-
-<file path=ppt/slides/slide46.xml><?xml version="1.0" encoding="utf-8"?>
-<p:sld xmlns:a="http://schemas.openxmlformats.org/drawingml/2006/main" xmlns:r="http://schemas.openxmlformats.org/officeDocument/2006/relationships" xmlns:p="http://schemas.openxmlformats.org/presentationml/2006/main">
-  <p:cSld>
-    <p:bg>
-      <p:bgPr>
-        <a:solidFill>
-          <a:srgbClr val="1E1E1E"/>
-        </a:solidFill>
-        <a:effectLst/>
-      </p:bgPr>
-    </p:bg>
-    <p:spTree>
-      <p:nvGrpSpPr>
-        <p:cNvPr id="1" name=""/>
-        <p:cNvGrpSpPr/>
-        <p:nvPr/>
-      </p:nvGrpSpPr>
-      <p:grpSpPr>
-        <a:xfrm>
-          <a:off x="0" y="0"/>
-          <a:ext cx="0" cy="0"/>
-          <a:chOff x="0" y="0"/>
-          <a:chExt cx="0" cy="0"/>
-        </a:xfrm>
-      </p:grpSpPr>
-      <p:sp>
-        <p:nvSpPr>
-          <p:cNvPr id="6" name="TextBox 5">
-            <a:extLst>
-              <a:ext uri="{FF2B5EF4-FFF2-40B4-BE49-F238E27FC236}">
-                <a16:creationId xmlns:a16="http://schemas.microsoft.com/office/drawing/2014/main" id="{2CDFC944-8A12-42CA-B4D7-7CEF50C368ED}"/>
-              </a:ext>
-            </a:extLst>
-          </p:cNvPr>
-          <p:cNvSpPr txBox="1"/>
-          <p:nvPr/>
-        </p:nvSpPr>
-        <p:spPr>
-          <a:xfrm>
-            <a:off x="624957" y="242596"/>
-            <a:ext cx="11364880" cy="400110"/>
-          </a:xfrm>
-          <a:prstGeom prst="rect">
-            <a:avLst/>
-          </a:prstGeom>
-          <a:noFill/>
-        </p:spPr>
-        <p:txBody>
-          <a:bodyPr wrap="square" rtlCol="0">
-            <a:spAutoFit/>
-          </a:bodyPr>
-          <a:lstStyle/>
-          <a:p>
-            <a:r>
-              <a:rPr lang="en-GB" sz="2000" dirty="0">
-                <a:solidFill>
-                  <a:schemeClr val="bg1"/>
-                </a:solidFill>
-              </a:rPr>
-              <a:t>Given the following methods…</a:t>
-            </a:r>
-          </a:p>
-        </p:txBody>
-      </p:sp>
-      <p:pic>
-        <p:nvPicPr>
-          <p:cNvPr id="3" name="Picture 2">
-            <a:extLst>
-              <a:ext uri="{FF2B5EF4-FFF2-40B4-BE49-F238E27FC236}">
-                <a16:creationId xmlns:a16="http://schemas.microsoft.com/office/drawing/2014/main" id="{3BA789B0-4DD2-416F-AC4F-1CB1017DBB57}"/>
-              </a:ext>
-            </a:extLst>
-          </p:cNvPr>
-          <p:cNvPicPr>
-            <a:picLocks noChangeAspect="1"/>
-          </p:cNvPicPr>
-          <p:nvPr/>
-        </p:nvPicPr>
-        <p:blipFill>
-          <a:blip r:embed="rId2"/>
-          <a:stretch>
-            <a:fillRect/>
-          </a:stretch>
-        </p:blipFill>
-        <p:spPr>
-          <a:xfrm>
-            <a:off x="804093" y="1066593"/>
-            <a:ext cx="10025626" cy="4141511"/>
-          </a:xfrm>
-          <a:prstGeom prst="rect">
-            <a:avLst/>
-          </a:prstGeom>
-        </p:spPr>
-      </p:pic>
-      <p:sp>
-        <p:nvSpPr>
-          <p:cNvPr id="7" name="TextBox 6">
-            <a:extLst>
-              <a:ext uri="{FF2B5EF4-FFF2-40B4-BE49-F238E27FC236}">
-                <a16:creationId xmlns:a16="http://schemas.microsoft.com/office/drawing/2014/main" id="{9D387ED8-A447-4926-8788-33094ACC87BC}"/>
-              </a:ext>
-            </a:extLst>
-          </p:cNvPr>
-          <p:cNvSpPr txBox="1"/>
-          <p:nvPr/>
-        </p:nvSpPr>
-        <p:spPr>
-          <a:xfrm>
-            <a:off x="624957" y="5431936"/>
-            <a:ext cx="11364880" cy="1015663"/>
-          </a:xfrm>
-          <a:prstGeom prst="rect">
-            <a:avLst/>
-          </a:prstGeom>
-          <a:noFill/>
-        </p:spPr>
-        <p:txBody>
-          <a:bodyPr wrap="square" rtlCol="0">
-            <a:spAutoFit/>
-          </a:bodyPr>
-          <a:lstStyle/>
-          <a:p>
-            <a:r>
-              <a:rPr lang="en-GB" sz="2000" dirty="0">
-                <a:solidFill>
-                  <a:schemeClr val="bg1"/>
-                </a:solidFill>
-              </a:rPr>
-              <a:t>Operation1Async just awaits a task which throws an exception.</a:t>
-            </a:r>
-          </a:p>
-          <a:p>
-            <a:endParaRPr lang="en-GB" sz="2000" dirty="0">
-              <a:solidFill>
-                <a:schemeClr val="bg1"/>
-              </a:solidFill>
-            </a:endParaRPr>
-          </a:p>
-          <a:p>
-            <a:r>
-              <a:rPr lang="en-GB" sz="2000" dirty="0">
-                <a:solidFill>
-                  <a:schemeClr val="bg1"/>
-                </a:solidFill>
-              </a:rPr>
-              <a:t>There is more than way of executing Operation1Async and each way might have different behaviours. </a:t>
-            </a:r>
-          </a:p>
-        </p:txBody>
-      </p:sp>
-    </p:spTree>
-    <p:extLst>
-      <p:ext uri="{BB962C8B-B14F-4D97-AF65-F5344CB8AC3E}">
-        <p14:creationId xmlns:p14="http://schemas.microsoft.com/office/powerpoint/2010/main" val="1728531898"/>
       </p:ext>
     </p:extLst>
   </p:cSld>
@@ -13291,7 +13220,7 @@
         <p:spPr>
           <a:xfrm>
             <a:off x="624957" y="242596"/>
-            <a:ext cx="11364880" cy="369332"/>
+            <a:ext cx="11364880" cy="400110"/>
           </a:xfrm>
           <a:prstGeom prst="rect">
             <a:avLst/>
@@ -13305,22 +13234,22 @@
           <a:lstStyle/>
           <a:p>
             <a:r>
-              <a:rPr lang="en-GB" dirty="0">
+              <a:rPr lang="en-GB" sz="2000" dirty="0">
                 <a:solidFill>
                   <a:schemeClr val="bg1"/>
                 </a:solidFill>
               </a:rPr>
-              <a:t>Question A </a:t>
+              <a:t>Given the following methods…</a:t>
             </a:r>
           </a:p>
         </p:txBody>
       </p:sp>
       <p:pic>
         <p:nvPicPr>
-          <p:cNvPr id="2" name="Picture 1">
-            <a:extLst>
-              <a:ext uri="{FF2B5EF4-FFF2-40B4-BE49-F238E27FC236}">
-                <a16:creationId xmlns:a16="http://schemas.microsoft.com/office/drawing/2014/main" id="{397E2F67-D1D2-4E88-93D5-7D621957D25C}"/>
+          <p:cNvPr id="3" name="Picture 2">
+            <a:extLst>
+              <a:ext uri="{FF2B5EF4-FFF2-40B4-BE49-F238E27FC236}">
+                <a16:creationId xmlns:a16="http://schemas.microsoft.com/office/drawing/2014/main" id="{3BA789B0-4DD2-416F-AC4F-1CB1017DBB57}"/>
               </a:ext>
             </a:extLst>
           </p:cNvPr>
@@ -13337,8 +13266,8 @@
         </p:blipFill>
         <p:spPr>
           <a:xfrm>
-            <a:off x="187635" y="1138648"/>
-            <a:ext cx="7127565" cy="4552685"/>
+            <a:off x="804093" y="1066593"/>
+            <a:ext cx="10025626" cy="4141511"/>
           </a:xfrm>
           <a:prstGeom prst="rect">
             <a:avLst/>
@@ -13347,10 +13276,10 @@
       </p:pic>
       <p:sp>
         <p:nvSpPr>
-          <p:cNvPr id="11" name="TextBox 10">
-            <a:extLst>
-              <a:ext uri="{FF2B5EF4-FFF2-40B4-BE49-F238E27FC236}">
-                <a16:creationId xmlns:a16="http://schemas.microsoft.com/office/drawing/2014/main" id="{8CFFC453-63D5-4985-9376-BE7589A7509A}"/>
+          <p:cNvPr id="7" name="TextBox 6">
+            <a:extLst>
+              <a:ext uri="{FF2B5EF4-FFF2-40B4-BE49-F238E27FC236}">
+                <a16:creationId xmlns:a16="http://schemas.microsoft.com/office/drawing/2014/main" id="{9D387ED8-A447-4926-8788-33094ACC87BC}"/>
               </a:ext>
             </a:extLst>
           </p:cNvPr>
@@ -13359,8 +13288,8 @@
         </p:nvSpPr>
         <p:spPr>
           <a:xfrm>
-            <a:off x="7594559" y="1134296"/>
-            <a:ext cx="4395277" cy="3693319"/>
+            <a:off x="624957" y="5431936"/>
+            <a:ext cx="11364880" cy="1015663"/>
           </a:xfrm>
           <a:prstGeom prst="rect">
             <a:avLst/>
@@ -13374,127 +13303,29 @@
           <a:lstStyle/>
           <a:p>
             <a:r>
-              <a:rPr lang="en-GB" dirty="0">
+              <a:rPr lang="en-GB" sz="2000" dirty="0">
                 <a:solidFill>
                   <a:schemeClr val="bg1"/>
                 </a:solidFill>
               </a:rPr>
-              <a:t>What will be the output of this method?</a:t>
-            </a:r>
-          </a:p>
-          <a:p>
-            <a:endParaRPr lang="en-GB" dirty="0">
+              <a:t>Operation1Async just awaits a task which throws an exception.</a:t>
+            </a:r>
+          </a:p>
+          <a:p>
+            <a:endParaRPr lang="en-GB" sz="2000" dirty="0">
               <a:solidFill>
                 <a:schemeClr val="bg1"/>
               </a:solidFill>
             </a:endParaRPr>
           </a:p>
           <a:p>
-            <a:pPr marL="342900" indent="-342900">
-              <a:buFont typeface="+mj-lt"/>
-              <a:buAutoNum type="alphaUcPeriod"/>
-            </a:pPr>
-            <a:r>
-              <a:rPr lang="en-GB" dirty="0" err="1">
+            <a:r>
+              <a:rPr lang="en-GB" sz="2000" dirty="0">
                 <a:solidFill>
                   <a:schemeClr val="bg1"/>
                 </a:solidFill>
               </a:rPr>
-              <a:t>AggregateException</a:t>
-            </a:r>
-            <a:br>
-              <a:rPr lang="en-GB" dirty="0">
-                <a:solidFill>
-                  <a:schemeClr val="bg1"/>
-                </a:solidFill>
-              </a:rPr>
-            </a:br>
-            <a:r>
-              <a:rPr lang="en-GB" dirty="0">
-                <a:solidFill>
-                  <a:schemeClr val="bg1"/>
-                </a:solidFill>
-              </a:rPr>
-              <a:t>One or more errors occurred. (This is a test exception)</a:t>
-            </a:r>
-            <a:br>
-              <a:rPr lang="en-GB" dirty="0">
-                <a:solidFill>
-                  <a:schemeClr val="bg1"/>
-                </a:solidFill>
-              </a:rPr>
-            </a:br>
-            <a:endParaRPr lang="en-GB" dirty="0">
-              <a:solidFill>
-                <a:schemeClr val="bg1"/>
-              </a:solidFill>
-            </a:endParaRPr>
-          </a:p>
-          <a:p>
-            <a:pPr marL="342900" indent="-342900">
-              <a:buFont typeface="+mj-lt"/>
-              <a:buAutoNum type="alphaUcPeriod"/>
-            </a:pPr>
-            <a:r>
-              <a:rPr lang="en-GB" dirty="0">
-                <a:solidFill>
-                  <a:schemeClr val="bg1"/>
-                </a:solidFill>
-              </a:rPr>
-              <a:t>Exception</a:t>
-            </a:r>
-          </a:p>
-          <a:p>
-            <a:r>
-              <a:rPr lang="en-GB" dirty="0">
-                <a:solidFill>
-                  <a:schemeClr val="bg1"/>
-                </a:solidFill>
-              </a:rPr>
-              <a:t>       This is a test exception</a:t>
-            </a:r>
-          </a:p>
-          <a:p>
-            <a:endParaRPr lang="en-GB" dirty="0">
-              <a:solidFill>
-                <a:schemeClr val="bg1"/>
-              </a:solidFill>
-            </a:endParaRPr>
-          </a:p>
-          <a:p>
-            <a:pPr marL="342900" indent="-342900">
-              <a:buAutoNum type="alphaUcPeriod" startAt="3"/>
-            </a:pPr>
-            <a:r>
-              <a:rPr lang="en-GB" dirty="0">
-                <a:solidFill>
-                  <a:schemeClr val="bg1"/>
-                </a:solidFill>
-              </a:rPr>
-              <a:t>An uncaught exception is thrown and can     be caught in the calling method</a:t>
-            </a:r>
-          </a:p>
-          <a:p>
-            <a:pPr marL="342900" indent="-342900">
-              <a:buAutoNum type="alphaUcPeriod" startAt="3"/>
-            </a:pPr>
-            <a:endParaRPr lang="en-GB" dirty="0">
-              <a:solidFill>
-                <a:schemeClr val="bg1"/>
-              </a:solidFill>
-            </a:endParaRPr>
-          </a:p>
-          <a:p>
-            <a:pPr marL="342900" indent="-342900">
-              <a:buAutoNum type="alphaUcPeriod" startAt="3"/>
-            </a:pPr>
-            <a:r>
-              <a:rPr lang="en-GB" dirty="0">
-                <a:solidFill>
-                  <a:schemeClr val="bg1"/>
-                </a:solidFill>
-              </a:rPr>
-              <a:t>None of the above.</a:t>
+              <a:t>There is more than way of executing Operation1Async and each way might have different behaviours. </a:t>
             </a:r>
           </a:p>
         </p:txBody>
@@ -13502,7 +13333,7 @@
     </p:spTree>
     <p:extLst>
       <p:ext uri="{BB962C8B-B14F-4D97-AF65-F5344CB8AC3E}">
-        <p14:creationId xmlns:p14="http://schemas.microsoft.com/office/powerpoint/2010/main" val="2687364993"/>
+        <p14:creationId xmlns:p14="http://schemas.microsoft.com/office/powerpoint/2010/main" val="1728531898"/>
       </p:ext>
     </p:extLst>
   </p:cSld>
@@ -13621,7 +13452,7 @@
         <p:spPr>
           <a:xfrm>
             <a:off x="7594559" y="1134296"/>
-            <a:ext cx="4395277" cy="1477328"/>
+            <a:ext cx="4395277" cy="3693319"/>
           </a:xfrm>
           <a:prstGeom prst="rect">
             <a:avLst/>
@@ -13640,7 +13471,7 @@
                   <a:schemeClr val="bg1"/>
                 </a:solidFill>
               </a:rPr>
-              <a:t>The answer is</a:t>
+              <a:t>What will be the output of this method?</a:t>
             </a:r>
           </a:p>
           <a:p>
@@ -13678,13 +13509,92 @@
               </a:rPr>
               <a:t>One or more errors occurred. (This is a test exception)</a:t>
             </a:r>
+            <a:br>
+              <a:rPr lang="en-GB" dirty="0">
+                <a:solidFill>
+                  <a:schemeClr val="bg1"/>
+                </a:solidFill>
+              </a:rPr>
+            </a:br>
+            <a:endParaRPr lang="en-GB" dirty="0">
+              <a:solidFill>
+                <a:schemeClr val="bg1"/>
+              </a:solidFill>
+            </a:endParaRPr>
+          </a:p>
+          <a:p>
+            <a:pPr marL="342900" indent="-342900">
+              <a:buFont typeface="+mj-lt"/>
+              <a:buAutoNum type="alphaUcPeriod"/>
+            </a:pPr>
+            <a:r>
+              <a:rPr lang="en-GB" dirty="0">
+                <a:solidFill>
+                  <a:schemeClr val="bg1"/>
+                </a:solidFill>
+              </a:rPr>
+              <a:t>Exception</a:t>
+            </a:r>
+          </a:p>
+          <a:p>
+            <a:r>
+              <a:rPr lang="en-GB" dirty="0">
+                <a:solidFill>
+                  <a:schemeClr val="bg1"/>
+                </a:solidFill>
+              </a:rPr>
+              <a:t>       This is a test exception</a:t>
+            </a:r>
+          </a:p>
+          <a:p>
+            <a:endParaRPr lang="en-GB" dirty="0">
+              <a:solidFill>
+                <a:schemeClr val="bg1"/>
+              </a:solidFill>
+            </a:endParaRPr>
+          </a:p>
+          <a:p>
+            <a:pPr marL="342900" indent="-342900">
+              <a:buAutoNum type="alphaUcPeriod" startAt="3"/>
+            </a:pPr>
+            <a:r>
+              <a:rPr lang="en-GB" dirty="0">
+                <a:solidFill>
+                  <a:schemeClr val="bg1"/>
+                </a:solidFill>
+              </a:rPr>
+              <a:t>An uncaught exception is thrown and can     be caught in the calling method</a:t>
+            </a:r>
+          </a:p>
+          <a:p>
+            <a:pPr marL="342900" indent="-342900">
+              <a:buAutoNum type="alphaUcPeriod" startAt="3"/>
+            </a:pPr>
+            <a:endParaRPr lang="en-GB" dirty="0">
+              <a:solidFill>
+                <a:schemeClr val="bg1"/>
+              </a:solidFill>
+            </a:endParaRPr>
+          </a:p>
+          <a:p>
+            <a:pPr marL="342900" indent="-342900">
+              <a:buAutoNum type="alphaUcPeriod" startAt="3"/>
+            </a:pPr>
+            <a:r>
+              <a:rPr lang="en-GB" dirty="0">
+                <a:solidFill>
+                  <a:schemeClr val="bg1"/>
+                </a:solidFill>
+              </a:rPr>
+              <a:t>None of the above.</a:t>
+            </a:r>
           </a:p>
         </p:txBody>
       </p:sp>
     </p:spTree>
     <p:extLst>
       <p:ext uri="{BB962C8B-B14F-4D97-AF65-F5344CB8AC3E}">
-        <p14:creationId xmlns:p14="http://schemas.microsoft.com/office/powerpoint/2010/main" val="2696141286"/>
+        <p14:creationId xmlns:p14="http://schemas.microsoft.com/office/powerpoint/2010/main" val="2687364993"/>
       </p:ext>
     </p:extLst>
   </p:cSld>
@@ -13753,171 +13663,17 @@
                   <a:schemeClr val="bg1"/>
                 </a:solidFill>
               </a:rPr>
-              <a:t>Question B </a:t>
-            </a:r>
-          </a:p>
-        </p:txBody>
-      </p:sp>
-      <p:sp>
-        <p:nvSpPr>
-          <p:cNvPr id="11" name="TextBox 10">
-            <a:extLst>
-              <a:ext uri="{FF2B5EF4-FFF2-40B4-BE49-F238E27FC236}">
-                <a16:creationId xmlns:a16="http://schemas.microsoft.com/office/drawing/2014/main" id="{8CFFC453-63D5-4985-9376-BE7589A7509A}"/>
-              </a:ext>
-            </a:extLst>
-          </p:cNvPr>
-          <p:cNvSpPr txBox="1"/>
-          <p:nvPr/>
-        </p:nvSpPr>
-        <p:spPr>
-          <a:xfrm>
-            <a:off x="7594559" y="1134296"/>
-            <a:ext cx="4395277" cy="3693319"/>
-          </a:xfrm>
-          <a:prstGeom prst="rect">
-            <a:avLst/>
-          </a:prstGeom>
-          <a:noFill/>
-        </p:spPr>
-        <p:txBody>
-          <a:bodyPr wrap="square" rtlCol="0">
-            <a:spAutoFit/>
-          </a:bodyPr>
-          <a:lstStyle/>
-          <a:p>
-            <a:r>
-              <a:rPr lang="en-GB" dirty="0">
-                <a:solidFill>
-                  <a:schemeClr val="bg1"/>
-                </a:solidFill>
-              </a:rPr>
-              <a:t>What will be the output of this method?</a:t>
-            </a:r>
-          </a:p>
-          <a:p>
-            <a:endParaRPr lang="en-GB" dirty="0">
-              <a:solidFill>
-                <a:schemeClr val="bg1"/>
-              </a:solidFill>
-            </a:endParaRPr>
-          </a:p>
-          <a:p>
-            <a:pPr marL="342900" indent="-342900">
-              <a:buFont typeface="+mj-lt"/>
-              <a:buAutoNum type="alphaUcPeriod"/>
-            </a:pPr>
-            <a:r>
-              <a:rPr lang="en-GB" dirty="0" err="1">
-                <a:solidFill>
-                  <a:schemeClr val="bg1"/>
-                </a:solidFill>
-              </a:rPr>
-              <a:t>AggregateException</a:t>
-            </a:r>
-            <a:br>
-              <a:rPr lang="en-GB" dirty="0">
-                <a:solidFill>
-                  <a:schemeClr val="bg1"/>
-                </a:solidFill>
-              </a:rPr>
-            </a:br>
-            <a:r>
-              <a:rPr lang="en-GB" dirty="0">
-                <a:solidFill>
-                  <a:schemeClr val="bg1"/>
-                </a:solidFill>
-              </a:rPr>
-              <a:t>One or more errors occurred. (This is a test exception)</a:t>
-            </a:r>
-            <a:br>
-              <a:rPr lang="en-GB" dirty="0">
-                <a:solidFill>
-                  <a:schemeClr val="bg1"/>
-                </a:solidFill>
-              </a:rPr>
-            </a:br>
-            <a:endParaRPr lang="en-GB" dirty="0">
-              <a:solidFill>
-                <a:schemeClr val="bg1"/>
-              </a:solidFill>
-            </a:endParaRPr>
-          </a:p>
-          <a:p>
-            <a:pPr marL="342900" indent="-342900">
-              <a:buFont typeface="+mj-lt"/>
-              <a:buAutoNum type="alphaUcPeriod"/>
-            </a:pPr>
-            <a:r>
-              <a:rPr lang="en-GB" dirty="0">
-                <a:solidFill>
-                  <a:schemeClr val="bg1"/>
-                </a:solidFill>
-              </a:rPr>
-              <a:t>Exception</a:t>
-            </a:r>
-          </a:p>
-          <a:p>
-            <a:r>
-              <a:rPr lang="en-GB" dirty="0">
-                <a:solidFill>
-                  <a:schemeClr val="bg1"/>
-                </a:solidFill>
-              </a:rPr>
-              <a:t>       This is a test exception</a:t>
-            </a:r>
-          </a:p>
-          <a:p>
-            <a:endParaRPr lang="en-GB" dirty="0">
-              <a:solidFill>
-                <a:schemeClr val="bg1"/>
-              </a:solidFill>
-            </a:endParaRPr>
-          </a:p>
-          <a:p>
-            <a:pPr marL="342900" indent="-342900">
-              <a:buAutoNum type="alphaUcPeriod" startAt="3"/>
-            </a:pPr>
-            <a:r>
-              <a:rPr lang="en-GB" dirty="0">
-                <a:solidFill>
-                  <a:schemeClr val="bg1"/>
-                </a:solidFill>
-              </a:rPr>
-              <a:t>An uncaught exception is thrown and can     be caught in the calling method</a:t>
-            </a:r>
-          </a:p>
-          <a:p>
-            <a:pPr marL="342900" indent="-342900">
-              <a:buAutoNum type="alphaUcPeriod" startAt="3"/>
-            </a:pPr>
-            <a:endParaRPr lang="en-GB" dirty="0">
-              <a:solidFill>
-                <a:schemeClr val="bg1"/>
-              </a:solidFill>
-            </a:endParaRPr>
-          </a:p>
-          <a:p>
-            <a:pPr marL="342900" indent="-342900">
-              <a:buAutoNum type="alphaUcPeriod" startAt="3"/>
-            </a:pPr>
-            <a:r>
-              <a:rPr lang="en-GB" dirty="0">
-                <a:solidFill>
-                  <a:schemeClr val="bg1"/>
-                </a:solidFill>
-              </a:rPr>
-              <a:t>None of the above.</a:t>
+              <a:t>Question A </a:t>
             </a:r>
           </a:p>
         </p:txBody>
       </p:sp>
       <p:pic>
         <p:nvPicPr>
-          <p:cNvPr id="3" name="Picture 2">
-            <a:extLst>
-              <a:ext uri="{FF2B5EF4-FFF2-40B4-BE49-F238E27FC236}">
-                <a16:creationId xmlns:a16="http://schemas.microsoft.com/office/drawing/2014/main" id="{432803C7-99F7-43EC-8962-4A640D9CB98B}"/>
+          <p:cNvPr id="2" name="Picture 1">
+            <a:extLst>
+              <a:ext uri="{FF2B5EF4-FFF2-40B4-BE49-F238E27FC236}">
+                <a16:creationId xmlns:a16="http://schemas.microsoft.com/office/drawing/2014/main" id="{397E2F67-D1D2-4E88-93D5-7D621957D25C}"/>
               </a:ext>
             </a:extLst>
           </p:cNvPr>
@@ -13934,18 +13690,93 @@
         </p:blipFill>
         <p:spPr>
           <a:xfrm>
-            <a:off x="318052" y="856001"/>
-            <a:ext cx="7276507" cy="5730720"/>
+            <a:off x="187635" y="1138648"/>
+            <a:ext cx="7127565" cy="4552685"/>
           </a:xfrm>
           <a:prstGeom prst="rect">
             <a:avLst/>
           </a:prstGeom>
         </p:spPr>
       </p:pic>
+      <p:sp>
+        <p:nvSpPr>
+          <p:cNvPr id="11" name="TextBox 10">
+            <a:extLst>
+              <a:ext uri="{FF2B5EF4-FFF2-40B4-BE49-F238E27FC236}">
+                <a16:creationId xmlns:a16="http://schemas.microsoft.com/office/drawing/2014/main" id="{8CFFC453-63D5-4985-9376-BE7589A7509A}"/>
+              </a:ext>
+            </a:extLst>
+          </p:cNvPr>
+          <p:cNvSpPr txBox="1"/>
+          <p:nvPr/>
+        </p:nvSpPr>
+        <p:spPr>
+          <a:xfrm>
+            <a:off x="7594559" y="1134296"/>
+            <a:ext cx="4395277" cy="1477328"/>
+          </a:xfrm>
+          <a:prstGeom prst="rect">
+            <a:avLst/>
+          </a:prstGeom>
+          <a:noFill/>
+        </p:spPr>
+        <p:txBody>
+          <a:bodyPr wrap="square" rtlCol="0">
+            <a:spAutoFit/>
+          </a:bodyPr>
+          <a:lstStyle/>
+          <a:p>
+            <a:r>
+              <a:rPr lang="en-GB" dirty="0">
+                <a:solidFill>
+                  <a:schemeClr val="bg1"/>
+                </a:solidFill>
+              </a:rPr>
+              <a:t>The answer is</a:t>
+            </a:r>
+          </a:p>
+          <a:p>
+            <a:endParaRPr lang="en-GB" dirty="0">
+              <a:solidFill>
+                <a:schemeClr val="bg1"/>
+              </a:solidFill>
+            </a:endParaRPr>
+          </a:p>
+          <a:p>
+            <a:pPr marL="342900" indent="-342900">
+              <a:buFont typeface="+mj-lt"/>
+              <a:buAutoNum type="alphaUcPeriod"/>
+            </a:pPr>
+            <a:r>
+              <a:rPr lang="en-GB" dirty="0" err="1">
+                <a:solidFill>
+                  <a:schemeClr val="bg1"/>
+                </a:solidFill>
+              </a:rPr>
+              <a:t>AggregateException</a:t>
+            </a:r>
+            <a:br>
+              <a:rPr lang="en-GB" dirty="0">
+                <a:solidFill>
+                  <a:schemeClr val="bg1"/>
+                </a:solidFill>
+              </a:rPr>
+            </a:br>
+            <a:r>
+              <a:rPr lang="en-GB" dirty="0">
+                <a:solidFill>
+                  <a:schemeClr val="bg1"/>
+                </a:solidFill>
+              </a:rPr>
+              <a:t>One or more errors occurred. (This is a test exception)</a:t>
+            </a:r>
+          </a:p>
+        </p:txBody>
+      </p:sp>
     </p:spTree>
     <p:extLst>
       <p:ext uri="{BB962C8B-B14F-4D97-AF65-F5344CB8AC3E}">
-        <p14:creationId xmlns:p14="http://schemas.microsoft.com/office/powerpoint/2010/main" val="3499656894"/>
+        <p14:creationId xmlns:p14="http://schemas.microsoft.com/office/powerpoint/2010/main" val="2696141286"/>
       </p:ext>
     </p:extLst>
   </p:cSld>
@@ -14099,7 +13930,7 @@
         <p:spPr>
           <a:xfrm>
             <a:off x="7594559" y="1134296"/>
-            <a:ext cx="4395277" cy="1477328"/>
+            <a:ext cx="4395277" cy="3693319"/>
           </a:xfrm>
           <a:prstGeom prst="rect">
             <a:avLst/>
@@ -14118,7 +13949,7 @@
                   <a:schemeClr val="bg1"/>
                 </a:solidFill>
               </a:rPr>
-              <a:t>The answer is</a:t>
+              <a:t>What will be the output of this method?</a:t>
             </a:r>
           </a:p>
           <a:p>
@@ -14155,6 +13986,85 @@
                 </a:solidFill>
               </a:rPr>
               <a:t>One or more errors occurred. (This is a test exception)</a:t>
+            </a:r>
+            <a:br>
+              <a:rPr lang="en-GB" dirty="0">
+                <a:solidFill>
+                  <a:schemeClr val="bg1"/>
+                </a:solidFill>
+              </a:rPr>
+            </a:br>
+            <a:endParaRPr lang="en-GB" dirty="0">
+              <a:solidFill>
+                <a:schemeClr val="bg1"/>
+              </a:solidFill>
+            </a:endParaRPr>
+          </a:p>
+          <a:p>
+            <a:pPr marL="342900" indent="-342900">
+              <a:buFont typeface="+mj-lt"/>
+              <a:buAutoNum type="alphaUcPeriod"/>
+            </a:pPr>
+            <a:r>
+              <a:rPr lang="en-GB" dirty="0">
+                <a:solidFill>
+                  <a:schemeClr val="bg1"/>
+                </a:solidFill>
+              </a:rPr>
+              <a:t>Exception</a:t>
+            </a:r>
+          </a:p>
+          <a:p>
+            <a:r>
+              <a:rPr lang="en-GB" dirty="0">
+                <a:solidFill>
+                  <a:schemeClr val="bg1"/>
+                </a:solidFill>
+              </a:rPr>
+              <a:t>       This is a test exception</a:t>
+            </a:r>
+          </a:p>
+          <a:p>
+            <a:endParaRPr lang="en-GB" dirty="0">
+              <a:solidFill>
+                <a:schemeClr val="bg1"/>
+              </a:solidFill>
+            </a:endParaRPr>
+          </a:p>
+          <a:p>
+            <a:pPr marL="342900" indent="-342900">
+              <a:buAutoNum type="alphaUcPeriod" startAt="3"/>
+            </a:pPr>
+            <a:r>
+              <a:rPr lang="en-GB" dirty="0">
+                <a:solidFill>
+                  <a:schemeClr val="bg1"/>
+                </a:solidFill>
+              </a:rPr>
+              <a:t>An uncaught exception is thrown and can     be caught in the calling method</a:t>
+            </a:r>
+          </a:p>
+          <a:p>
+            <a:pPr marL="342900" indent="-342900">
+              <a:buAutoNum type="alphaUcPeriod" startAt="3"/>
+            </a:pPr>
+            <a:endParaRPr lang="en-GB" dirty="0">
+              <a:solidFill>
+                <a:schemeClr val="bg1"/>
+              </a:solidFill>
+            </a:endParaRPr>
+          </a:p>
+          <a:p>
+            <a:pPr marL="342900" indent="-342900">
+              <a:buAutoNum type="alphaUcPeriod" startAt="3"/>
+            </a:pPr>
+            <a:r>
+              <a:rPr lang="en-GB" dirty="0">
+                <a:solidFill>
+                  <a:schemeClr val="bg1"/>
+                </a:solidFill>
+              </a:rPr>
+              <a:t>None of the above.</a:t>
             </a:r>
           </a:p>
         </p:txBody>
@@ -14192,7 +14102,7 @@
     </p:spTree>
     <p:extLst>
       <p:ext uri="{BB962C8B-B14F-4D97-AF65-F5344CB8AC3E}">
-        <p14:creationId xmlns:p14="http://schemas.microsoft.com/office/powerpoint/2010/main" val="3404830297"/>
+        <p14:creationId xmlns:p14="http://schemas.microsoft.com/office/powerpoint/2010/main" val="3499656894"/>
       </p:ext>
     </p:extLst>
   </p:cSld>
@@ -14261,17 +14171,92 @@
                   <a:schemeClr val="bg1"/>
                 </a:solidFill>
               </a:rPr>
-              <a:t>Question C </a:t>
+              <a:t>Question B </a:t>
+            </a:r>
+          </a:p>
+        </p:txBody>
+      </p:sp>
+      <p:sp>
+        <p:nvSpPr>
+          <p:cNvPr id="11" name="TextBox 10">
+            <a:extLst>
+              <a:ext uri="{FF2B5EF4-FFF2-40B4-BE49-F238E27FC236}">
+                <a16:creationId xmlns:a16="http://schemas.microsoft.com/office/drawing/2014/main" id="{8CFFC453-63D5-4985-9376-BE7589A7509A}"/>
+              </a:ext>
+            </a:extLst>
+          </p:cNvPr>
+          <p:cNvSpPr txBox="1"/>
+          <p:nvPr/>
+        </p:nvSpPr>
+        <p:spPr>
+          <a:xfrm>
+            <a:off x="7594559" y="1134296"/>
+            <a:ext cx="4395277" cy="1477328"/>
+          </a:xfrm>
+          <a:prstGeom prst="rect">
+            <a:avLst/>
+          </a:prstGeom>
+          <a:noFill/>
+        </p:spPr>
+        <p:txBody>
+          <a:bodyPr wrap="square" rtlCol="0">
+            <a:spAutoFit/>
+          </a:bodyPr>
+          <a:lstStyle/>
+          <a:p>
+            <a:r>
+              <a:rPr lang="en-GB" dirty="0">
+                <a:solidFill>
+                  <a:schemeClr val="bg1"/>
+                </a:solidFill>
+              </a:rPr>
+              <a:t>The answer is</a:t>
+            </a:r>
+          </a:p>
+          <a:p>
+            <a:endParaRPr lang="en-GB" dirty="0">
+              <a:solidFill>
+                <a:schemeClr val="bg1"/>
+              </a:solidFill>
+            </a:endParaRPr>
+          </a:p>
+          <a:p>
+            <a:pPr marL="342900" indent="-342900">
+              <a:buFont typeface="+mj-lt"/>
+              <a:buAutoNum type="alphaUcPeriod"/>
+            </a:pPr>
+            <a:r>
+              <a:rPr lang="en-GB" dirty="0" err="1">
+                <a:solidFill>
+                  <a:schemeClr val="bg1"/>
+                </a:solidFill>
+              </a:rPr>
+              <a:t>AggregateException</a:t>
+            </a:r>
+            <a:br>
+              <a:rPr lang="en-GB" dirty="0">
+                <a:solidFill>
+                  <a:schemeClr val="bg1"/>
+                </a:solidFill>
+              </a:rPr>
+            </a:br>
+            <a:r>
+              <a:rPr lang="en-GB" dirty="0">
+                <a:solidFill>
+                  <a:schemeClr val="bg1"/>
+                </a:solidFill>
+              </a:rPr>
+              <a:t>One or more errors occurred. (This is a test exception)</a:t>
             </a:r>
           </a:p>
         </p:txBody>
       </p:sp>
       <p:pic>
         <p:nvPicPr>
-          <p:cNvPr id="2" name="Picture 1">
-            <a:extLst>
-              <a:ext uri="{FF2B5EF4-FFF2-40B4-BE49-F238E27FC236}">
-                <a16:creationId xmlns:a16="http://schemas.microsoft.com/office/drawing/2014/main" id="{0BD97387-E99A-4C89-B42D-BC08349EDEC6}"/>
+          <p:cNvPr id="3" name="Picture 2">
+            <a:extLst>
+              <a:ext uri="{FF2B5EF4-FFF2-40B4-BE49-F238E27FC236}">
+                <a16:creationId xmlns:a16="http://schemas.microsoft.com/office/drawing/2014/main" id="{432803C7-99F7-43EC-8962-4A640D9CB98B}"/>
               </a:ext>
             </a:extLst>
           </p:cNvPr>
@@ -14288,172 +14273,18 @@
         </p:blipFill>
         <p:spPr>
           <a:xfrm>
-            <a:off x="182759" y="1134296"/>
-            <a:ext cx="7458242" cy="4137792"/>
+            <a:off x="318052" y="856001"/>
+            <a:ext cx="7276507" cy="5730720"/>
           </a:xfrm>
           <a:prstGeom prst="rect">
             <a:avLst/>
           </a:prstGeom>
         </p:spPr>
       </p:pic>
-      <p:sp>
-        <p:nvSpPr>
-          <p:cNvPr id="7" name="TextBox 6">
-            <a:extLst>
-              <a:ext uri="{FF2B5EF4-FFF2-40B4-BE49-F238E27FC236}">
-                <a16:creationId xmlns:a16="http://schemas.microsoft.com/office/drawing/2014/main" id="{03A1D1DE-A63C-4D8F-ADAD-04407E8AFDBC}"/>
-              </a:ext>
-            </a:extLst>
-          </p:cNvPr>
-          <p:cNvSpPr txBox="1"/>
-          <p:nvPr/>
-        </p:nvSpPr>
-        <p:spPr>
-          <a:xfrm>
-            <a:off x="7594559" y="1134296"/>
-            <a:ext cx="4395277" cy="3693319"/>
-          </a:xfrm>
-          <a:prstGeom prst="rect">
-            <a:avLst/>
-          </a:prstGeom>
-          <a:noFill/>
-        </p:spPr>
-        <p:txBody>
-          <a:bodyPr wrap="square" rtlCol="0">
-            <a:spAutoFit/>
-          </a:bodyPr>
-          <a:lstStyle/>
-          <a:p>
-            <a:r>
-              <a:rPr lang="en-GB" dirty="0">
-                <a:solidFill>
-                  <a:schemeClr val="bg1"/>
-                </a:solidFill>
-              </a:rPr>
-              <a:t>What will be the output of this method?</a:t>
-            </a:r>
-          </a:p>
-          <a:p>
-            <a:endParaRPr lang="en-GB" dirty="0">
-              <a:solidFill>
-                <a:schemeClr val="bg1"/>
-              </a:solidFill>
-            </a:endParaRPr>
-          </a:p>
-          <a:p>
-            <a:pPr marL="342900" indent="-342900">
-              <a:buFont typeface="+mj-lt"/>
-              <a:buAutoNum type="alphaUcPeriod"/>
-            </a:pPr>
-            <a:r>
-              <a:rPr lang="en-GB" dirty="0" err="1">
-                <a:solidFill>
-                  <a:schemeClr val="bg1"/>
-                </a:solidFill>
-              </a:rPr>
-              <a:t>AggregateException</a:t>
-            </a:r>
-            <a:br>
-              <a:rPr lang="en-GB" dirty="0">
-                <a:solidFill>
-                  <a:schemeClr val="bg1"/>
-                </a:solidFill>
-              </a:rPr>
-            </a:br>
-            <a:r>
-              <a:rPr lang="en-GB" dirty="0">
-                <a:solidFill>
-                  <a:schemeClr val="bg1"/>
-                </a:solidFill>
-              </a:rPr>
-              <a:t>One or more errors occurred. (This is a test exception)</a:t>
-            </a:r>
-            <a:br>
-              <a:rPr lang="en-GB" dirty="0">
-                <a:solidFill>
-                  <a:schemeClr val="bg1"/>
-                </a:solidFill>
-              </a:rPr>
-            </a:br>
-            <a:endParaRPr lang="en-GB" dirty="0">
-              <a:solidFill>
-                <a:schemeClr val="bg1"/>
-              </a:solidFill>
-            </a:endParaRPr>
-          </a:p>
-          <a:p>
-            <a:pPr marL="342900" indent="-342900">
-              <a:buFont typeface="+mj-lt"/>
-              <a:buAutoNum type="alphaUcPeriod"/>
-            </a:pPr>
-            <a:r>
-              <a:rPr lang="en-GB" dirty="0">
-                <a:solidFill>
-                  <a:schemeClr val="bg1"/>
-                </a:solidFill>
-              </a:rPr>
-              <a:t>Exception</a:t>
-            </a:r>
-          </a:p>
-          <a:p>
-            <a:r>
-              <a:rPr lang="en-GB" dirty="0">
-                <a:solidFill>
-                  <a:schemeClr val="bg1"/>
-                </a:solidFill>
-              </a:rPr>
-              <a:t>       This is a test exception</a:t>
-            </a:r>
-          </a:p>
-          <a:p>
-            <a:endParaRPr lang="en-GB" dirty="0">
-              <a:solidFill>
-                <a:schemeClr val="bg1"/>
-              </a:solidFill>
-            </a:endParaRPr>
-          </a:p>
-          <a:p>
-            <a:pPr marL="342900" indent="-342900">
-              <a:buAutoNum type="alphaUcPeriod" startAt="3"/>
-            </a:pPr>
-            <a:r>
-              <a:rPr lang="en-GB" dirty="0">
-                <a:solidFill>
-                  <a:schemeClr val="bg1"/>
-                </a:solidFill>
-              </a:rPr>
-              <a:t>An uncaught exception is thrown and can     be caught in the calling method</a:t>
-            </a:r>
-          </a:p>
-          <a:p>
-            <a:pPr marL="342900" indent="-342900">
-              <a:buAutoNum type="alphaUcPeriod" startAt="3"/>
-            </a:pPr>
-            <a:endParaRPr lang="en-GB" dirty="0">
-              <a:solidFill>
-                <a:schemeClr val="bg1"/>
-              </a:solidFill>
-            </a:endParaRPr>
-          </a:p>
-          <a:p>
-            <a:pPr marL="342900" indent="-342900">
-              <a:buAutoNum type="alphaUcPeriod" startAt="3"/>
-            </a:pPr>
-            <a:r>
-              <a:rPr lang="en-GB" dirty="0">
-                <a:solidFill>
-                  <a:schemeClr val="bg1"/>
-                </a:solidFill>
-              </a:rPr>
-              <a:t>None of the above.</a:t>
-            </a:r>
-          </a:p>
-        </p:txBody>
-      </p:sp>
     </p:spTree>
     <p:extLst>
       <p:ext uri="{BB962C8B-B14F-4D97-AF65-F5344CB8AC3E}">
-        <p14:creationId xmlns:p14="http://schemas.microsoft.com/office/powerpoint/2010/main" val="1418100917"/>
+        <p14:creationId xmlns:p14="http://schemas.microsoft.com/office/powerpoint/2010/main" val="3404830297"/>
       </p:ext>
     </p:extLst>
   </p:cSld>
@@ -14527,72 +14358,6 @@
           </a:p>
         </p:txBody>
       </p:sp>
-      <p:sp>
-        <p:nvSpPr>
-          <p:cNvPr id="11" name="TextBox 10">
-            <a:extLst>
-              <a:ext uri="{FF2B5EF4-FFF2-40B4-BE49-F238E27FC236}">
-                <a16:creationId xmlns:a16="http://schemas.microsoft.com/office/drawing/2014/main" id="{8CFFC453-63D5-4985-9376-BE7589A7509A}"/>
-              </a:ext>
-            </a:extLst>
-          </p:cNvPr>
-          <p:cNvSpPr txBox="1"/>
-          <p:nvPr/>
-        </p:nvSpPr>
-        <p:spPr>
-          <a:xfrm>
-            <a:off x="7594559" y="1134296"/>
-            <a:ext cx="4395277" cy="1200329"/>
-          </a:xfrm>
-          <a:prstGeom prst="rect">
-            <a:avLst/>
-          </a:prstGeom>
-          <a:noFill/>
-        </p:spPr>
-        <p:txBody>
-          <a:bodyPr wrap="square" rtlCol="0">
-            <a:spAutoFit/>
-          </a:bodyPr>
-          <a:lstStyle/>
-          <a:p>
-            <a:r>
-              <a:rPr lang="en-GB" dirty="0">
-                <a:solidFill>
-                  <a:schemeClr val="bg1"/>
-                </a:solidFill>
-              </a:rPr>
-              <a:t>The answer is </a:t>
-            </a:r>
-          </a:p>
-          <a:p>
-            <a:endParaRPr lang="en-GB" dirty="0">
-              <a:solidFill>
-                <a:schemeClr val="bg1"/>
-              </a:solidFill>
-            </a:endParaRPr>
-          </a:p>
-          <a:p>
-            <a:r>
-              <a:rPr lang="en-GB" dirty="0">
-                <a:solidFill>
-                  <a:schemeClr val="bg1"/>
-                </a:solidFill>
-              </a:rPr>
-              <a:t>B.    Exception</a:t>
-            </a:r>
-          </a:p>
-          <a:p>
-            <a:r>
-              <a:rPr lang="en-GB" dirty="0">
-                <a:solidFill>
-                  <a:schemeClr val="bg1"/>
-                </a:solidFill>
-              </a:rPr>
-              <a:t>       This is a test exception</a:t>
-            </a:r>
-          </a:p>
-        </p:txBody>
-      </p:sp>
       <p:pic>
         <p:nvPicPr>
           <p:cNvPr id="2" name="Picture 1">
@@ -14623,10 +14388,164 @@
           </a:prstGeom>
         </p:spPr>
       </p:pic>
+      <p:sp>
+        <p:nvSpPr>
+          <p:cNvPr id="7" name="TextBox 6">
+            <a:extLst>
+              <a:ext uri="{FF2B5EF4-FFF2-40B4-BE49-F238E27FC236}">
+                <a16:creationId xmlns:a16="http://schemas.microsoft.com/office/drawing/2014/main" id="{03A1D1DE-A63C-4D8F-ADAD-04407E8AFDBC}"/>
+              </a:ext>
+            </a:extLst>
+          </p:cNvPr>
+          <p:cNvSpPr txBox="1"/>
+          <p:nvPr/>
+        </p:nvSpPr>
+        <p:spPr>
+          <a:xfrm>
+            <a:off x="7594559" y="1134296"/>
+            <a:ext cx="4395277" cy="3693319"/>
+          </a:xfrm>
+          <a:prstGeom prst="rect">
+            <a:avLst/>
+          </a:prstGeom>
+          <a:noFill/>
+        </p:spPr>
+        <p:txBody>
+          <a:bodyPr wrap="square" rtlCol="0">
+            <a:spAutoFit/>
+          </a:bodyPr>
+          <a:lstStyle/>
+          <a:p>
+            <a:r>
+              <a:rPr lang="en-GB" dirty="0">
+                <a:solidFill>
+                  <a:schemeClr val="bg1"/>
+                </a:solidFill>
+              </a:rPr>
+              <a:t>What will be the output of this method?</a:t>
+            </a:r>
+          </a:p>
+          <a:p>
+            <a:endParaRPr lang="en-GB" dirty="0">
+              <a:solidFill>
+                <a:schemeClr val="bg1"/>
+              </a:solidFill>
+            </a:endParaRPr>
+          </a:p>
+          <a:p>
+            <a:pPr marL="342900" indent="-342900">
+              <a:buFont typeface="+mj-lt"/>
+              <a:buAutoNum type="alphaUcPeriod"/>
+            </a:pPr>
+            <a:r>
+              <a:rPr lang="en-GB" dirty="0" err="1">
+                <a:solidFill>
+                  <a:schemeClr val="bg1"/>
+                </a:solidFill>
+              </a:rPr>
+              <a:t>AggregateException</a:t>
+            </a:r>
+            <a:br>
+              <a:rPr lang="en-GB" dirty="0">
+                <a:solidFill>
+                  <a:schemeClr val="bg1"/>
+                </a:solidFill>
+              </a:rPr>
+            </a:br>
+            <a:r>
+              <a:rPr lang="en-GB" dirty="0">
+                <a:solidFill>
+                  <a:schemeClr val="bg1"/>
+                </a:solidFill>
+              </a:rPr>
+              <a:t>One or more errors occurred. (This is a test exception)</a:t>
+            </a:r>
+            <a:br>
+              <a:rPr lang="en-GB" dirty="0">
+                <a:solidFill>
+                  <a:schemeClr val="bg1"/>
+                </a:solidFill>
+              </a:rPr>
+            </a:br>
+            <a:endParaRPr lang="en-GB" dirty="0">
+              <a:solidFill>
+                <a:schemeClr val="bg1"/>
+              </a:solidFill>
+            </a:endParaRPr>
+          </a:p>
+          <a:p>
+            <a:pPr marL="342900" indent="-342900">
+              <a:buFont typeface="+mj-lt"/>
+              <a:buAutoNum type="alphaUcPeriod"/>
+            </a:pPr>
+            <a:r>
+              <a:rPr lang="en-GB" dirty="0">
+                <a:solidFill>
+                  <a:schemeClr val="bg1"/>
+                </a:solidFill>
+              </a:rPr>
+              <a:t>Exception</a:t>
+            </a:r>
+          </a:p>
+          <a:p>
+            <a:r>
+              <a:rPr lang="en-GB" dirty="0">
+                <a:solidFill>
+                  <a:schemeClr val="bg1"/>
+                </a:solidFill>
+              </a:rPr>
+              <a:t>       This is a test exception</a:t>
+            </a:r>
+          </a:p>
+          <a:p>
+            <a:endParaRPr lang="en-GB" dirty="0">
+              <a:solidFill>
+                <a:schemeClr val="bg1"/>
+              </a:solidFill>
+            </a:endParaRPr>
+          </a:p>
+          <a:p>
+            <a:pPr marL="342900" indent="-342900">
+              <a:buAutoNum type="alphaUcPeriod" startAt="3"/>
+            </a:pPr>
+            <a:r>
+              <a:rPr lang="en-GB" dirty="0">
+                <a:solidFill>
+                  <a:schemeClr val="bg1"/>
+                </a:solidFill>
+              </a:rPr>
+              <a:t>An uncaught exception is thrown and can     be caught in the calling method</a:t>
+            </a:r>
+          </a:p>
+          <a:p>
+            <a:pPr marL="342900" indent="-342900">
+              <a:buAutoNum type="alphaUcPeriod" startAt="3"/>
+            </a:pPr>
+            <a:endParaRPr lang="en-GB" dirty="0">
+              <a:solidFill>
+                <a:schemeClr val="bg1"/>
+              </a:solidFill>
+            </a:endParaRPr>
+          </a:p>
+          <a:p>
+            <a:pPr marL="342900" indent="-342900">
+              <a:buAutoNum type="alphaUcPeriod" startAt="3"/>
+            </a:pPr>
+            <a:r>
+              <a:rPr lang="en-GB" dirty="0">
+                <a:solidFill>
+                  <a:schemeClr val="bg1"/>
+                </a:solidFill>
+              </a:rPr>
+              <a:t>None of the above.</a:t>
+            </a:r>
+          </a:p>
+        </p:txBody>
+      </p:sp>
     </p:spTree>
     <p:extLst>
       <p:ext uri="{BB962C8B-B14F-4D97-AF65-F5344CB8AC3E}">
-        <p14:creationId xmlns:p14="http://schemas.microsoft.com/office/powerpoint/2010/main" val="1175724501"/>
+        <p14:creationId xmlns:p14="http://schemas.microsoft.com/office/powerpoint/2010/main" val="1418100917"/>
       </p:ext>
     </p:extLst>
   </p:cSld>
@@ -14695,17 +14614,83 @@
                   <a:schemeClr val="bg1"/>
                 </a:solidFill>
               </a:rPr>
-              <a:t>Question D </a:t>
+              <a:t>Question C </a:t>
+            </a:r>
+          </a:p>
+        </p:txBody>
+      </p:sp>
+      <p:sp>
+        <p:nvSpPr>
+          <p:cNvPr id="11" name="TextBox 10">
+            <a:extLst>
+              <a:ext uri="{FF2B5EF4-FFF2-40B4-BE49-F238E27FC236}">
+                <a16:creationId xmlns:a16="http://schemas.microsoft.com/office/drawing/2014/main" id="{8CFFC453-63D5-4985-9376-BE7589A7509A}"/>
+              </a:ext>
+            </a:extLst>
+          </p:cNvPr>
+          <p:cNvSpPr txBox="1"/>
+          <p:nvPr/>
+        </p:nvSpPr>
+        <p:spPr>
+          <a:xfrm>
+            <a:off x="7594559" y="1134296"/>
+            <a:ext cx="4395277" cy="1200329"/>
+          </a:xfrm>
+          <a:prstGeom prst="rect">
+            <a:avLst/>
+          </a:prstGeom>
+          <a:noFill/>
+        </p:spPr>
+        <p:txBody>
+          <a:bodyPr wrap="square" rtlCol="0">
+            <a:spAutoFit/>
+          </a:bodyPr>
+          <a:lstStyle/>
+          <a:p>
+            <a:r>
+              <a:rPr lang="en-GB" dirty="0">
+                <a:solidFill>
+                  <a:schemeClr val="bg1"/>
+                </a:solidFill>
+              </a:rPr>
+              <a:t>The answer is </a:t>
+            </a:r>
+          </a:p>
+          <a:p>
+            <a:endParaRPr lang="en-GB" dirty="0">
+              <a:solidFill>
+                <a:schemeClr val="bg1"/>
+              </a:solidFill>
+            </a:endParaRPr>
+          </a:p>
+          <a:p>
+            <a:r>
+              <a:rPr lang="en-GB" dirty="0">
+                <a:solidFill>
+                  <a:schemeClr val="bg1"/>
+                </a:solidFill>
+              </a:rPr>
+              <a:t>B.    Exception</a:t>
+            </a:r>
+          </a:p>
+          <a:p>
+            <a:r>
+              <a:rPr lang="en-GB" dirty="0">
+                <a:solidFill>
+                  <a:schemeClr val="bg1"/>
+                </a:solidFill>
+              </a:rPr>
+              <a:t>       This is a test exception</a:t>
             </a:r>
           </a:p>
         </p:txBody>
       </p:sp>
       <p:pic>
         <p:nvPicPr>
-          <p:cNvPr id="3" name="Picture 2">
-            <a:extLst>
-              <a:ext uri="{FF2B5EF4-FFF2-40B4-BE49-F238E27FC236}">
-                <a16:creationId xmlns:a16="http://schemas.microsoft.com/office/drawing/2014/main" id="{023A3C97-5944-49CC-9172-ACD496B4F256}"/>
+          <p:cNvPr id="2" name="Picture 1">
+            <a:extLst>
+              <a:ext uri="{FF2B5EF4-FFF2-40B4-BE49-F238E27FC236}">
+                <a16:creationId xmlns:a16="http://schemas.microsoft.com/office/drawing/2014/main" id="{0BD97387-E99A-4C89-B42D-BC08349EDEC6}"/>
               </a:ext>
             </a:extLst>
           </p:cNvPr>
@@ -14722,172 +14707,18 @@
         </p:blipFill>
         <p:spPr>
           <a:xfrm>
-            <a:off x="148167" y="1134296"/>
-            <a:ext cx="7567083" cy="4637890"/>
+            <a:off x="182759" y="1134296"/>
+            <a:ext cx="7458242" cy="4137792"/>
           </a:xfrm>
           <a:prstGeom prst="rect">
             <a:avLst/>
           </a:prstGeom>
         </p:spPr>
       </p:pic>
-      <p:sp>
-        <p:nvSpPr>
-          <p:cNvPr id="11" name="TextBox 10">
-            <a:extLst>
-              <a:ext uri="{FF2B5EF4-FFF2-40B4-BE49-F238E27FC236}">
-                <a16:creationId xmlns:a16="http://schemas.microsoft.com/office/drawing/2014/main" id="{8CFFC453-63D5-4985-9376-BE7589A7509A}"/>
-              </a:ext>
-            </a:extLst>
-          </p:cNvPr>
-          <p:cNvSpPr txBox="1"/>
-          <p:nvPr/>
-        </p:nvSpPr>
-        <p:spPr>
-          <a:xfrm>
-            <a:off x="7594559" y="1134296"/>
-            <a:ext cx="4395277" cy="3693319"/>
-          </a:xfrm>
-          <a:prstGeom prst="rect">
-            <a:avLst/>
-          </a:prstGeom>
-          <a:noFill/>
-        </p:spPr>
-        <p:txBody>
-          <a:bodyPr wrap="square" rtlCol="0">
-            <a:spAutoFit/>
-          </a:bodyPr>
-          <a:lstStyle/>
-          <a:p>
-            <a:r>
-              <a:rPr lang="en-GB" dirty="0">
-                <a:solidFill>
-                  <a:schemeClr val="bg1"/>
-                </a:solidFill>
-              </a:rPr>
-              <a:t>What will be the output of this method?</a:t>
-            </a:r>
-          </a:p>
-          <a:p>
-            <a:endParaRPr lang="en-GB" dirty="0">
-              <a:solidFill>
-                <a:schemeClr val="bg1"/>
-              </a:solidFill>
-            </a:endParaRPr>
-          </a:p>
-          <a:p>
-            <a:pPr marL="342900" indent="-342900">
-              <a:buFont typeface="+mj-lt"/>
-              <a:buAutoNum type="alphaUcPeriod"/>
-            </a:pPr>
-            <a:r>
-              <a:rPr lang="en-GB" dirty="0" err="1">
-                <a:solidFill>
-                  <a:schemeClr val="bg1"/>
-                </a:solidFill>
-              </a:rPr>
-              <a:t>AggregateException</a:t>
-            </a:r>
-            <a:br>
-              <a:rPr lang="en-GB" dirty="0">
-                <a:solidFill>
-                  <a:schemeClr val="bg1"/>
-                </a:solidFill>
-              </a:rPr>
-            </a:br>
-            <a:r>
-              <a:rPr lang="en-GB" dirty="0">
-                <a:solidFill>
-                  <a:schemeClr val="bg1"/>
-                </a:solidFill>
-              </a:rPr>
-              <a:t>One or more errors occurred. (This is a test exception)</a:t>
-            </a:r>
-            <a:br>
-              <a:rPr lang="en-GB" dirty="0">
-                <a:solidFill>
-                  <a:schemeClr val="bg1"/>
-                </a:solidFill>
-              </a:rPr>
-            </a:br>
-            <a:endParaRPr lang="en-GB" dirty="0">
-              <a:solidFill>
-                <a:schemeClr val="bg1"/>
-              </a:solidFill>
-            </a:endParaRPr>
-          </a:p>
-          <a:p>
-            <a:pPr marL="342900" indent="-342900">
-              <a:buFont typeface="+mj-lt"/>
-              <a:buAutoNum type="alphaUcPeriod"/>
-            </a:pPr>
-            <a:r>
-              <a:rPr lang="en-GB" dirty="0">
-                <a:solidFill>
-                  <a:schemeClr val="bg1"/>
-                </a:solidFill>
-              </a:rPr>
-              <a:t>Exception</a:t>
-            </a:r>
-          </a:p>
-          <a:p>
-            <a:r>
-              <a:rPr lang="en-GB" dirty="0">
-                <a:solidFill>
-                  <a:schemeClr val="bg1"/>
-                </a:solidFill>
-              </a:rPr>
-              <a:t>       This is a test exception</a:t>
-            </a:r>
-          </a:p>
-          <a:p>
-            <a:endParaRPr lang="en-GB" dirty="0">
-              <a:solidFill>
-                <a:schemeClr val="bg1"/>
-              </a:solidFill>
-            </a:endParaRPr>
-          </a:p>
-          <a:p>
-            <a:pPr marL="342900" indent="-342900">
-              <a:buAutoNum type="alphaUcPeriod" startAt="3"/>
-            </a:pPr>
-            <a:r>
-              <a:rPr lang="en-GB" dirty="0">
-                <a:solidFill>
-                  <a:schemeClr val="bg1"/>
-                </a:solidFill>
-              </a:rPr>
-              <a:t>An uncaught exception is thrown and can     be caught in the calling method</a:t>
-            </a:r>
-          </a:p>
-          <a:p>
-            <a:pPr marL="342900" indent="-342900">
-              <a:buAutoNum type="alphaUcPeriod" startAt="3"/>
-            </a:pPr>
-            <a:endParaRPr lang="en-GB" dirty="0">
-              <a:solidFill>
-                <a:schemeClr val="bg1"/>
-              </a:solidFill>
-            </a:endParaRPr>
-          </a:p>
-          <a:p>
-            <a:pPr marL="342900" indent="-342900">
-              <a:buAutoNum type="alphaUcPeriod" startAt="3"/>
-            </a:pPr>
-            <a:r>
-              <a:rPr lang="en-GB" dirty="0">
-                <a:solidFill>
-                  <a:schemeClr val="bg1"/>
-                </a:solidFill>
-              </a:rPr>
-              <a:t>None of the above.</a:t>
-            </a:r>
-          </a:p>
-        </p:txBody>
-      </p:sp>
     </p:spTree>
     <p:extLst>
       <p:ext uri="{BB962C8B-B14F-4D97-AF65-F5344CB8AC3E}">
-        <p14:creationId xmlns:p14="http://schemas.microsoft.com/office/powerpoint/2010/main" val="3125393616"/>
+        <p14:creationId xmlns:p14="http://schemas.microsoft.com/office/powerpoint/2010/main" val="1175724501"/>
       </p:ext>
     </p:extLst>
   </p:cSld>
@@ -14984,7 +14815,7 @@
         <p:spPr>
           <a:xfrm>
             <a:off x="148167" y="1134296"/>
-            <a:ext cx="7681383" cy="4707945"/>
+            <a:ext cx="7567083" cy="4637890"/>
           </a:xfrm>
           <a:prstGeom prst="rect">
             <a:avLst/>
@@ -15006,7 +14837,7 @@
         <p:spPr>
           <a:xfrm>
             <a:off x="7594559" y="1134296"/>
-            <a:ext cx="4395277" cy="1200329"/>
+            <a:ext cx="4395277" cy="3693319"/>
           </a:xfrm>
           <a:prstGeom prst="rect">
             <a:avLst/>
@@ -15025,7 +14856,7 @@
                   <a:schemeClr val="bg1"/>
                 </a:solidFill>
               </a:rPr>
-              <a:t>The answer is</a:t>
+              <a:t>What will be the output of this method?</a:t>
             </a:r>
           </a:p>
           <a:p>
@@ -15036,13 +14867,58 @@
             </a:endParaRPr>
           </a:p>
           <a:p>
-            <a:r>
+            <a:pPr marL="342900" indent="-342900">
+              <a:buFont typeface="+mj-lt"/>
+              <a:buAutoNum type="alphaUcPeriod"/>
+            </a:pPr>
+            <a:r>
+              <a:rPr lang="en-GB" dirty="0" err="1">
+                <a:solidFill>
+                  <a:schemeClr val="bg1"/>
+                </a:solidFill>
+              </a:rPr>
+              <a:t>AggregateException</a:t>
+            </a:r>
+            <a:br>
               <a:rPr lang="en-GB" dirty="0">
                 <a:solidFill>
                   <a:schemeClr val="bg1"/>
                 </a:solidFill>
               </a:rPr>
-              <a:t>B.    Exception</a:t>
+            </a:br>
+            <a:r>
+              <a:rPr lang="en-GB" dirty="0">
+                <a:solidFill>
+                  <a:schemeClr val="bg1"/>
+                </a:solidFill>
+              </a:rPr>
+              <a:t>One or more errors occurred. (This is a test exception)</a:t>
+            </a:r>
+            <a:br>
+              <a:rPr lang="en-GB" dirty="0">
+                <a:solidFill>
+                  <a:schemeClr val="bg1"/>
+                </a:solidFill>
+              </a:rPr>
+            </a:br>
+            <a:endParaRPr lang="en-GB" dirty="0">
+              <a:solidFill>
+                <a:schemeClr val="bg1"/>
+              </a:solidFill>
+            </a:endParaRPr>
+          </a:p>
+          <a:p>
+            <a:pPr marL="342900" indent="-342900">
+              <a:buFont typeface="+mj-lt"/>
+              <a:buAutoNum type="alphaUcPeriod"/>
+            </a:pPr>
+            <a:r>
+              <a:rPr lang="en-GB" dirty="0">
+                <a:solidFill>
+                  <a:schemeClr val="bg1"/>
+                </a:solidFill>
+              </a:rPr>
+              <a:t>Exception</a:t>
             </a:r>
           </a:p>
           <a:p>
@@ -15055,12 +14931,55 @@
               <a:t>       This is a test exception</a:t>
             </a:r>
           </a:p>
+          <a:p>
+            <a:endParaRPr lang="en-GB" dirty="0">
+              <a:solidFill>
+                <a:schemeClr val="bg1"/>
+              </a:solidFill>
+            </a:endParaRPr>
+          </a:p>
+          <a:p>
+            <a:pPr marL="342900" indent="-342900">
+              <a:buAutoNum type="alphaUcPeriod" startAt="3"/>
+            </a:pPr>
+            <a:r>
+              <a:rPr lang="en-GB" dirty="0">
+                <a:solidFill>
+                  <a:schemeClr val="bg1"/>
+                </a:solidFill>
+              </a:rPr>
+              <a:t>An uncaught exception is thrown and can     be caught in the calling method</a:t>
+            </a:r>
+          </a:p>
+          <a:p>
+            <a:pPr marL="342900" indent="-342900">
+              <a:buAutoNum type="alphaUcPeriod" startAt="3"/>
+            </a:pPr>
+            <a:endParaRPr lang="en-GB" dirty="0">
+              <a:solidFill>
+                <a:schemeClr val="bg1"/>
+              </a:solidFill>
+            </a:endParaRPr>
+          </a:p>
+          <a:p>
+            <a:pPr marL="342900" indent="-342900">
+              <a:buAutoNum type="alphaUcPeriod" startAt="3"/>
+            </a:pPr>
+            <a:r>
+              <a:rPr lang="en-GB" dirty="0">
+                <a:solidFill>
+                  <a:schemeClr val="bg1"/>
+                </a:solidFill>
+              </a:rPr>
+              <a:t>None of the above.</a:t>
+            </a:r>
+          </a:p>
         </p:txBody>
       </p:sp>
     </p:spTree>
     <p:extLst>
       <p:ext uri="{BB962C8B-B14F-4D97-AF65-F5344CB8AC3E}">
-        <p14:creationId xmlns:p14="http://schemas.microsoft.com/office/powerpoint/2010/main" val="2434182149"/>
+        <p14:creationId xmlns:p14="http://schemas.microsoft.com/office/powerpoint/2010/main" val="3125393616"/>
       </p:ext>
     </p:extLst>
   </p:cSld>
@@ -15129,17 +15048,17 @@
                   <a:schemeClr val="bg1"/>
                 </a:solidFill>
               </a:rPr>
-              <a:t>Question E </a:t>
+              <a:t>Question D </a:t>
             </a:r>
           </a:p>
         </p:txBody>
       </p:sp>
       <p:pic>
         <p:nvPicPr>
-          <p:cNvPr id="2" name="Picture 1">
-            <a:extLst>
-              <a:ext uri="{FF2B5EF4-FFF2-40B4-BE49-F238E27FC236}">
-                <a16:creationId xmlns:a16="http://schemas.microsoft.com/office/drawing/2014/main" id="{90A699AA-731A-4038-9820-EAAACC5CEBE5}"/>
+          <p:cNvPr id="3" name="Picture 2">
+            <a:extLst>
+              <a:ext uri="{FF2B5EF4-FFF2-40B4-BE49-F238E27FC236}">
+                <a16:creationId xmlns:a16="http://schemas.microsoft.com/office/drawing/2014/main" id="{023A3C97-5944-49CC-9172-ACD496B4F256}"/>
               </a:ext>
             </a:extLst>
           </p:cNvPr>
@@ -15156,8 +15075,8 @@
         </p:blipFill>
         <p:spPr>
           <a:xfrm>
-            <a:off x="319584" y="1134296"/>
-            <a:ext cx="7990594" cy="4950471"/>
+            <a:off x="148167" y="1134296"/>
+            <a:ext cx="7681383" cy="4707945"/>
           </a:xfrm>
           <a:prstGeom prst="rect">
             <a:avLst/>
@@ -15178,8 +15097,8 @@
         </p:nvSpPr>
         <p:spPr>
           <a:xfrm>
-            <a:off x="7594560" y="427262"/>
-            <a:ext cx="4395277" cy="3693319"/>
+            <a:off x="7594559" y="1134296"/>
+            <a:ext cx="4395277" cy="1200329"/>
           </a:xfrm>
           <a:prstGeom prst="rect">
             <a:avLst/>
@@ -15198,7 +15117,7 @@
                   <a:schemeClr val="bg1"/>
                 </a:solidFill>
               </a:rPr>
-              <a:t>What will be the output of this method?</a:t>
+              <a:t>The answer is</a:t>
             </a:r>
           </a:p>
           <a:p>
@@ -15209,58 +15128,13 @@
             </a:endParaRPr>
           </a:p>
           <a:p>
-            <a:pPr marL="342900" indent="-342900">
-              <a:buFont typeface="+mj-lt"/>
-              <a:buAutoNum type="alphaUcPeriod"/>
-            </a:pPr>
-            <a:r>
-              <a:rPr lang="en-GB" dirty="0" err="1">
-                <a:solidFill>
-                  <a:schemeClr val="bg1"/>
-                </a:solidFill>
-              </a:rPr>
-              <a:t>AggregateException</a:t>
-            </a:r>
-            <a:br>
+            <a:r>
               <a:rPr lang="en-GB" dirty="0">
                 <a:solidFill>
                   <a:schemeClr val="bg1"/>
                 </a:solidFill>
               </a:rPr>
-            </a:br>
-            <a:r>
-              <a:rPr lang="en-GB" dirty="0">
-                <a:solidFill>
-                  <a:schemeClr val="bg1"/>
-                </a:solidFill>
-              </a:rPr>
-              <a:t>One or more errors occurred. (This is a test exception)</a:t>
-            </a:r>
-            <a:br>
-              <a:rPr lang="en-GB" dirty="0">
-                <a:solidFill>
-                  <a:schemeClr val="bg1"/>
-                </a:solidFill>
-              </a:rPr>
-            </a:br>
-            <a:endParaRPr lang="en-GB" dirty="0">
-              <a:solidFill>
-                <a:schemeClr val="bg1"/>
-              </a:solidFill>
-            </a:endParaRPr>
-          </a:p>
-          <a:p>
-            <a:pPr marL="342900" indent="-342900">
-              <a:buFont typeface="+mj-lt"/>
-              <a:buAutoNum type="alphaUcPeriod"/>
-            </a:pPr>
-            <a:r>
-              <a:rPr lang="en-GB" dirty="0">
-                <a:solidFill>
-                  <a:schemeClr val="bg1"/>
-                </a:solidFill>
-              </a:rPr>
-              <a:t>Exception</a:t>
+              <a:t>B.    Exception</a:t>
             </a:r>
           </a:p>
           <a:p>
@@ -15273,55 +15147,12 @@
               <a:t>       This is a test exception</a:t>
             </a:r>
           </a:p>
-          <a:p>
-            <a:endParaRPr lang="en-GB" dirty="0">
-              <a:solidFill>
-                <a:schemeClr val="bg1"/>
-              </a:solidFill>
-            </a:endParaRPr>
-          </a:p>
-          <a:p>
-            <a:pPr marL="342900" indent="-342900">
-              <a:buAutoNum type="alphaUcPeriod" startAt="3"/>
-            </a:pPr>
-            <a:r>
-              <a:rPr lang="en-GB" dirty="0">
-                <a:solidFill>
-                  <a:schemeClr val="bg1"/>
-                </a:solidFill>
-              </a:rPr>
-              <a:t>An uncaught exception is thrown and can     be caught in the calling method</a:t>
-            </a:r>
-          </a:p>
-          <a:p>
-            <a:pPr marL="342900" indent="-342900">
-              <a:buAutoNum type="alphaUcPeriod" startAt="3"/>
-            </a:pPr>
-            <a:endParaRPr lang="en-GB" dirty="0">
-              <a:solidFill>
-                <a:schemeClr val="bg1"/>
-              </a:solidFill>
-            </a:endParaRPr>
-          </a:p>
-          <a:p>
-            <a:pPr marL="342900" indent="-342900">
-              <a:buAutoNum type="alphaUcPeriod" startAt="3"/>
-            </a:pPr>
-            <a:r>
-              <a:rPr lang="en-GB" dirty="0">
-                <a:solidFill>
-                  <a:schemeClr val="bg1"/>
-                </a:solidFill>
-              </a:rPr>
-              <a:t>None of the above.</a:t>
-            </a:r>
-          </a:p>
         </p:txBody>
       </p:sp>
     </p:spTree>
     <p:extLst>
       <p:ext uri="{BB962C8B-B14F-4D97-AF65-F5344CB8AC3E}">
-        <p14:creationId xmlns:p14="http://schemas.microsoft.com/office/powerpoint/2010/main" val="1187676409"/>
+        <p14:creationId xmlns:p14="http://schemas.microsoft.com/office/powerpoint/2010/main" val="2434182149"/>
       </p:ext>
     </p:extLst>
   </p:cSld>
@@ -15440,7 +15271,7 @@
         <p:spPr>
           <a:xfrm>
             <a:off x="7594560" y="427262"/>
-            <a:ext cx="4395277" cy="1200329"/>
+            <a:ext cx="4395277" cy="3693319"/>
           </a:xfrm>
           <a:prstGeom prst="rect">
             <a:avLst/>
@@ -15459,7 +15290,7 @@
                   <a:schemeClr val="bg1"/>
                 </a:solidFill>
               </a:rPr>
-              <a:t>The answer is</a:t>
+              <a:t>What will be the output of this method?</a:t>
             </a:r>
           </a:p>
           <a:p>
@@ -15470,13 +15301,58 @@
             </a:endParaRPr>
           </a:p>
           <a:p>
-            <a:r>
+            <a:pPr marL="342900" indent="-342900">
+              <a:buFont typeface="+mj-lt"/>
+              <a:buAutoNum type="alphaUcPeriod"/>
+            </a:pPr>
+            <a:r>
+              <a:rPr lang="en-GB" dirty="0" err="1">
+                <a:solidFill>
+                  <a:schemeClr val="bg1"/>
+                </a:solidFill>
+              </a:rPr>
+              <a:t>AggregateException</a:t>
+            </a:r>
+            <a:br>
               <a:rPr lang="en-GB" dirty="0">
                 <a:solidFill>
                   <a:schemeClr val="bg1"/>
                 </a:solidFill>
               </a:rPr>
-              <a:t>B.    Exception</a:t>
+            </a:br>
+            <a:r>
+              <a:rPr lang="en-GB" dirty="0">
+                <a:solidFill>
+                  <a:schemeClr val="bg1"/>
+                </a:solidFill>
+              </a:rPr>
+              <a:t>One or more errors occurred. (This is a test exception)</a:t>
+            </a:r>
+            <a:br>
+              <a:rPr lang="en-GB" dirty="0">
+                <a:solidFill>
+                  <a:schemeClr val="bg1"/>
+                </a:solidFill>
+              </a:rPr>
+            </a:br>
+            <a:endParaRPr lang="en-GB" dirty="0">
+              <a:solidFill>
+                <a:schemeClr val="bg1"/>
+              </a:solidFill>
+            </a:endParaRPr>
+          </a:p>
+          <a:p>
+            <a:pPr marL="342900" indent="-342900">
+              <a:buFont typeface="+mj-lt"/>
+              <a:buAutoNum type="alphaUcPeriod"/>
+            </a:pPr>
+            <a:r>
+              <a:rPr lang="en-GB" dirty="0">
+                <a:solidFill>
+                  <a:schemeClr val="bg1"/>
+                </a:solidFill>
+              </a:rPr>
+              <a:t>Exception</a:t>
             </a:r>
           </a:p>
           <a:p>
@@ -15489,12 +15365,55 @@
               <a:t>       This is a test exception</a:t>
             </a:r>
           </a:p>
+          <a:p>
+            <a:endParaRPr lang="en-GB" dirty="0">
+              <a:solidFill>
+                <a:schemeClr val="bg1"/>
+              </a:solidFill>
+            </a:endParaRPr>
+          </a:p>
+          <a:p>
+            <a:pPr marL="342900" indent="-342900">
+              <a:buAutoNum type="alphaUcPeriod" startAt="3"/>
+            </a:pPr>
+            <a:r>
+              <a:rPr lang="en-GB" dirty="0">
+                <a:solidFill>
+                  <a:schemeClr val="bg1"/>
+                </a:solidFill>
+              </a:rPr>
+              <a:t>An uncaught exception is thrown and can     be caught in the calling method</a:t>
+            </a:r>
+          </a:p>
+          <a:p>
+            <a:pPr marL="342900" indent="-342900">
+              <a:buAutoNum type="alphaUcPeriod" startAt="3"/>
+            </a:pPr>
+            <a:endParaRPr lang="en-GB" dirty="0">
+              <a:solidFill>
+                <a:schemeClr val="bg1"/>
+              </a:solidFill>
+            </a:endParaRPr>
+          </a:p>
+          <a:p>
+            <a:pPr marL="342900" indent="-342900">
+              <a:buAutoNum type="alphaUcPeriod" startAt="3"/>
+            </a:pPr>
+            <a:r>
+              <a:rPr lang="en-GB" dirty="0">
+                <a:solidFill>
+                  <a:schemeClr val="bg1"/>
+                </a:solidFill>
+              </a:rPr>
+              <a:t>None of the above.</a:t>
+            </a:r>
+          </a:p>
         </p:txBody>
       </p:sp>
     </p:spTree>
     <p:extLst>
       <p:ext uri="{BB962C8B-B14F-4D97-AF65-F5344CB8AC3E}">
-        <p14:creationId xmlns:p14="http://schemas.microsoft.com/office/powerpoint/2010/main" val="279637444"/>
+        <p14:creationId xmlns:p14="http://schemas.microsoft.com/office/powerpoint/2010/main" val="1187676409"/>
       </p:ext>
     </p:extLst>
   </p:cSld>
@@ -15563,171 +15482,17 @@
                   <a:schemeClr val="bg1"/>
                 </a:solidFill>
               </a:rPr>
-              <a:t>Question F </a:t>
-            </a:r>
-          </a:p>
-        </p:txBody>
-      </p:sp>
-      <p:sp>
-        <p:nvSpPr>
-          <p:cNvPr id="11" name="TextBox 10">
-            <a:extLst>
-              <a:ext uri="{FF2B5EF4-FFF2-40B4-BE49-F238E27FC236}">
-                <a16:creationId xmlns:a16="http://schemas.microsoft.com/office/drawing/2014/main" id="{8CFFC453-63D5-4985-9376-BE7589A7509A}"/>
-              </a:ext>
-            </a:extLst>
-          </p:cNvPr>
-          <p:cNvSpPr txBox="1"/>
-          <p:nvPr/>
-        </p:nvSpPr>
-        <p:spPr>
-          <a:xfrm>
-            <a:off x="7315200" y="611928"/>
-            <a:ext cx="4395277" cy="3693319"/>
-          </a:xfrm>
-          <a:prstGeom prst="rect">
-            <a:avLst/>
-          </a:prstGeom>
-          <a:noFill/>
-        </p:spPr>
-        <p:txBody>
-          <a:bodyPr wrap="square" rtlCol="0">
-            <a:spAutoFit/>
-          </a:bodyPr>
-          <a:lstStyle/>
-          <a:p>
-            <a:r>
-              <a:rPr lang="en-GB" dirty="0">
-                <a:solidFill>
-                  <a:schemeClr val="bg1"/>
-                </a:solidFill>
-              </a:rPr>
-              <a:t>What will be the output of this method?</a:t>
-            </a:r>
-          </a:p>
-          <a:p>
-            <a:endParaRPr lang="en-GB" dirty="0">
-              <a:solidFill>
-                <a:schemeClr val="bg1"/>
-              </a:solidFill>
-            </a:endParaRPr>
-          </a:p>
-          <a:p>
-            <a:pPr marL="342900" indent="-342900">
-              <a:buFont typeface="+mj-lt"/>
-              <a:buAutoNum type="alphaUcPeriod"/>
-            </a:pPr>
-            <a:r>
-              <a:rPr lang="en-GB" dirty="0" err="1">
-                <a:solidFill>
-                  <a:schemeClr val="bg1"/>
-                </a:solidFill>
-              </a:rPr>
-              <a:t>AggregateException</a:t>
-            </a:r>
-            <a:br>
-              <a:rPr lang="en-GB" dirty="0">
-                <a:solidFill>
-                  <a:schemeClr val="bg1"/>
-                </a:solidFill>
-              </a:rPr>
-            </a:br>
-            <a:r>
-              <a:rPr lang="en-GB" dirty="0">
-                <a:solidFill>
-                  <a:schemeClr val="bg1"/>
-                </a:solidFill>
-              </a:rPr>
-              <a:t>One or more errors occurred. (This is a test exception)</a:t>
-            </a:r>
-            <a:br>
-              <a:rPr lang="en-GB" dirty="0">
-                <a:solidFill>
-                  <a:schemeClr val="bg1"/>
-                </a:solidFill>
-              </a:rPr>
-            </a:br>
-            <a:endParaRPr lang="en-GB" dirty="0">
-              <a:solidFill>
-                <a:schemeClr val="bg1"/>
-              </a:solidFill>
-            </a:endParaRPr>
-          </a:p>
-          <a:p>
-            <a:pPr marL="342900" indent="-342900">
-              <a:buFont typeface="+mj-lt"/>
-              <a:buAutoNum type="alphaUcPeriod"/>
-            </a:pPr>
-            <a:r>
-              <a:rPr lang="en-GB" dirty="0">
-                <a:solidFill>
-                  <a:schemeClr val="bg1"/>
-                </a:solidFill>
-              </a:rPr>
-              <a:t>Exception</a:t>
-            </a:r>
-          </a:p>
-          <a:p>
-            <a:r>
-              <a:rPr lang="en-GB" dirty="0">
-                <a:solidFill>
-                  <a:schemeClr val="bg1"/>
-                </a:solidFill>
-              </a:rPr>
-              <a:t>       This is a test exception</a:t>
-            </a:r>
-          </a:p>
-          <a:p>
-            <a:endParaRPr lang="en-GB" dirty="0">
-              <a:solidFill>
-                <a:schemeClr val="bg1"/>
-              </a:solidFill>
-            </a:endParaRPr>
-          </a:p>
-          <a:p>
-            <a:pPr marL="342900" indent="-342900">
-              <a:buAutoNum type="alphaUcPeriod" startAt="3"/>
-            </a:pPr>
-            <a:r>
-              <a:rPr lang="en-GB" dirty="0">
-                <a:solidFill>
-                  <a:schemeClr val="bg1"/>
-                </a:solidFill>
-              </a:rPr>
-              <a:t>An uncaught exception is thrown and can     be caught in the calling method</a:t>
-            </a:r>
-          </a:p>
-          <a:p>
-            <a:pPr marL="342900" indent="-342900">
-              <a:buAutoNum type="alphaUcPeriod" startAt="3"/>
-            </a:pPr>
-            <a:endParaRPr lang="en-GB" dirty="0">
-              <a:solidFill>
-                <a:schemeClr val="bg1"/>
-              </a:solidFill>
-            </a:endParaRPr>
-          </a:p>
-          <a:p>
-            <a:pPr marL="342900" indent="-342900">
-              <a:buAutoNum type="alphaUcPeriod" startAt="3"/>
-            </a:pPr>
-            <a:r>
-              <a:rPr lang="en-GB" dirty="0">
-                <a:solidFill>
-                  <a:schemeClr val="bg1"/>
-                </a:solidFill>
-              </a:rPr>
-              <a:t>None of the above.</a:t>
+              <a:t>Question E </a:t>
             </a:r>
           </a:p>
         </p:txBody>
       </p:sp>
       <p:pic>
         <p:nvPicPr>
-          <p:cNvPr id="3" name="Picture 2">
-            <a:extLst>
-              <a:ext uri="{FF2B5EF4-FFF2-40B4-BE49-F238E27FC236}">
-                <a16:creationId xmlns:a16="http://schemas.microsoft.com/office/drawing/2014/main" id="{43E8D191-B02F-4E58-8780-AAD86241E0B7}"/>
+          <p:cNvPr id="2" name="Picture 1">
+            <a:extLst>
+              <a:ext uri="{FF2B5EF4-FFF2-40B4-BE49-F238E27FC236}">
+                <a16:creationId xmlns:a16="http://schemas.microsoft.com/office/drawing/2014/main" id="{90A699AA-731A-4038-9820-EAAACC5CEBE5}"/>
               </a:ext>
             </a:extLst>
           </p:cNvPr>
@@ -15744,18 +15509,84 @@
         </p:blipFill>
         <p:spPr>
           <a:xfrm>
-            <a:off x="251818" y="1041887"/>
-            <a:ext cx="6585240" cy="2022610"/>
+            <a:off x="319584" y="1134296"/>
+            <a:ext cx="7990594" cy="4950471"/>
           </a:xfrm>
           <a:prstGeom prst="rect">
             <a:avLst/>
           </a:prstGeom>
         </p:spPr>
       </p:pic>
+      <p:sp>
+        <p:nvSpPr>
+          <p:cNvPr id="11" name="TextBox 10">
+            <a:extLst>
+              <a:ext uri="{FF2B5EF4-FFF2-40B4-BE49-F238E27FC236}">
+                <a16:creationId xmlns:a16="http://schemas.microsoft.com/office/drawing/2014/main" id="{8CFFC453-63D5-4985-9376-BE7589A7509A}"/>
+              </a:ext>
+            </a:extLst>
+          </p:cNvPr>
+          <p:cNvSpPr txBox="1"/>
+          <p:nvPr/>
+        </p:nvSpPr>
+        <p:spPr>
+          <a:xfrm>
+            <a:off x="7594560" y="427262"/>
+            <a:ext cx="4395277" cy="1200329"/>
+          </a:xfrm>
+          <a:prstGeom prst="rect">
+            <a:avLst/>
+          </a:prstGeom>
+          <a:noFill/>
+        </p:spPr>
+        <p:txBody>
+          <a:bodyPr wrap="square" rtlCol="0">
+            <a:spAutoFit/>
+          </a:bodyPr>
+          <a:lstStyle/>
+          <a:p>
+            <a:r>
+              <a:rPr lang="en-GB" dirty="0">
+                <a:solidFill>
+                  <a:schemeClr val="bg1"/>
+                </a:solidFill>
+              </a:rPr>
+              <a:t>The answer is</a:t>
+            </a:r>
+          </a:p>
+          <a:p>
+            <a:endParaRPr lang="en-GB" dirty="0">
+              <a:solidFill>
+                <a:schemeClr val="bg1"/>
+              </a:solidFill>
+            </a:endParaRPr>
+          </a:p>
+          <a:p>
+            <a:r>
+              <a:rPr lang="en-GB" dirty="0">
+                <a:solidFill>
+                  <a:schemeClr val="bg1"/>
+                </a:solidFill>
+              </a:rPr>
+              <a:t>B.    Exception</a:t>
+            </a:r>
+          </a:p>
+          <a:p>
+            <a:r>
+              <a:rPr lang="en-GB" dirty="0">
+                <a:solidFill>
+                  <a:schemeClr val="bg1"/>
+                </a:solidFill>
+              </a:rPr>
+              <a:t>       This is a test exception</a:t>
+            </a:r>
+          </a:p>
+        </p:txBody>
+      </p:sp>
     </p:spTree>
     <p:extLst>
       <p:ext uri="{BB962C8B-B14F-4D97-AF65-F5344CB8AC3E}">
-        <p14:creationId xmlns:p14="http://schemas.microsoft.com/office/powerpoint/2010/main" val="4036305656"/>
+        <p14:creationId xmlns:p14="http://schemas.microsoft.com/office/powerpoint/2010/main" val="279637444"/>
       </p:ext>
     </p:extLst>
   </p:cSld>
@@ -15843,8 +15674,8 @@
         </p:nvSpPr>
         <p:spPr>
           <a:xfrm>
-            <a:off x="7072313" y="611928"/>
-            <a:ext cx="4917524" cy="2031325"/>
+            <a:off x="7315200" y="611928"/>
+            <a:ext cx="4395277" cy="3693319"/>
           </a:xfrm>
           <a:prstGeom prst="rect">
             <a:avLst/>
@@ -15863,7 +15694,7 @@
                   <a:schemeClr val="bg1"/>
                 </a:solidFill>
               </a:rPr>
-              <a:t>The answer is</a:t>
+              <a:t>What will be the output of this method?</a:t>
             </a:r>
           </a:p>
           <a:p>
@@ -15874,16 +15705,40 @@
             </a:endParaRPr>
           </a:p>
           <a:p>
-            <a:r>
+            <a:pPr marL="342900" indent="-342900">
+              <a:buFont typeface="+mj-lt"/>
+              <a:buAutoNum type="alphaUcPeriod"/>
+            </a:pPr>
+            <a:r>
+              <a:rPr lang="en-GB" dirty="0" err="1">
+                <a:solidFill>
+                  <a:schemeClr val="bg1"/>
+                </a:solidFill>
+              </a:rPr>
+              <a:t>AggregateException</a:t>
+            </a:r>
+            <a:br>
               <a:rPr lang="en-GB" dirty="0">
                 <a:solidFill>
                   <a:schemeClr val="bg1"/>
                 </a:solidFill>
               </a:rPr>
-              <a:t>D. None of the above.</a:t>
-            </a:r>
-          </a:p>
-          <a:p>
+            </a:br>
+            <a:r>
+              <a:rPr lang="en-GB" dirty="0">
+                <a:solidFill>
+                  <a:schemeClr val="bg1"/>
+                </a:solidFill>
+              </a:rPr>
+              <a:t>One or more errors occurred. (This is a test exception)</a:t>
+            </a:r>
+            <a:br>
+              <a:rPr lang="en-GB" dirty="0">
+                <a:solidFill>
+                  <a:schemeClr val="bg1"/>
+                </a:solidFill>
+              </a:rPr>
+            </a:br>
             <a:endParaRPr lang="en-GB" dirty="0">
               <a:solidFill>
                 <a:schemeClr val="bg1"/>
@@ -15891,13 +15746,70 @@
             </a:endParaRPr>
           </a:p>
           <a:p>
+            <a:pPr marL="342900" indent="-342900">
+              <a:buFont typeface="+mj-lt"/>
+              <a:buAutoNum type="alphaUcPeriod"/>
+            </a:pPr>
             <a:r>
               <a:rPr lang="en-GB" dirty="0">
                 <a:solidFill>
                   <a:schemeClr val="bg1"/>
                 </a:solidFill>
               </a:rPr>
-              <a:t>It will completely terminate the process. It won't throw a visible exception and will completely kill the application/debugger.</a:t>
+              <a:t>Exception</a:t>
+            </a:r>
+          </a:p>
+          <a:p>
+            <a:r>
+              <a:rPr lang="en-GB" dirty="0">
+                <a:solidFill>
+                  <a:schemeClr val="bg1"/>
+                </a:solidFill>
+              </a:rPr>
+              <a:t>       This is a test exception</a:t>
+            </a:r>
+          </a:p>
+          <a:p>
+            <a:endParaRPr lang="en-GB" dirty="0">
+              <a:solidFill>
+                <a:schemeClr val="bg1"/>
+              </a:solidFill>
+            </a:endParaRPr>
+          </a:p>
+          <a:p>
+            <a:pPr marL="342900" indent="-342900">
+              <a:buAutoNum type="alphaUcPeriod" startAt="3"/>
+            </a:pPr>
+            <a:r>
+              <a:rPr lang="en-GB" dirty="0">
+                <a:solidFill>
+                  <a:schemeClr val="bg1"/>
+                </a:solidFill>
+              </a:rPr>
+              <a:t>An uncaught exception is thrown and can     be caught in the calling method</a:t>
+            </a:r>
+          </a:p>
+          <a:p>
+            <a:pPr marL="342900" indent="-342900">
+              <a:buAutoNum type="alphaUcPeriod" startAt="3"/>
+            </a:pPr>
+            <a:endParaRPr lang="en-GB" dirty="0">
+              <a:solidFill>
+                <a:schemeClr val="bg1"/>
+              </a:solidFill>
+            </a:endParaRPr>
+          </a:p>
+          <a:p>
+            <a:pPr marL="342900" indent="-342900">
+              <a:buAutoNum type="alphaUcPeriod" startAt="3"/>
+            </a:pPr>
+            <a:r>
+              <a:rPr lang="en-GB" dirty="0">
+                <a:solidFill>
+                  <a:schemeClr val="bg1"/>
+                </a:solidFill>
+              </a:rPr>
+              <a:t>None of the above.</a:t>
             </a:r>
           </a:p>
         </p:txBody>
@@ -15935,7 +15847,7 @@
     </p:spTree>
     <p:extLst>
       <p:ext uri="{BB962C8B-B14F-4D97-AF65-F5344CB8AC3E}">
-        <p14:creationId xmlns:p14="http://schemas.microsoft.com/office/powerpoint/2010/main" val="1848199452"/>
+        <p14:creationId xmlns:p14="http://schemas.microsoft.com/office/powerpoint/2010/main" val="4036305656"/>
       </p:ext>
     </p:extLst>
   </p:cSld>
@@ -16004,7 +15916,7 @@
                   <a:schemeClr val="bg1"/>
                 </a:solidFill>
               </a:rPr>
-              <a:t>Question G </a:t>
+              <a:t>Question F </a:t>
             </a:r>
           </a:p>
         </p:txBody>
@@ -16023,8 +15935,8 @@
         </p:nvSpPr>
         <p:spPr>
           <a:xfrm>
-            <a:off x="7315200" y="611928"/>
-            <a:ext cx="4395277" cy="3693319"/>
+            <a:off x="7072313" y="611928"/>
+            <a:ext cx="4917524" cy="2031325"/>
           </a:xfrm>
           <a:prstGeom prst="rect">
             <a:avLst/>
@@ -16043,7 +15955,7 @@
                   <a:schemeClr val="bg1"/>
                 </a:solidFill>
               </a:rPr>
-              <a:t>What will be the output of this method?</a:t>
+              <a:t>The answer is</a:t>
             </a:r>
           </a:p>
           <a:p>
@@ -16054,121 +15966,40 @@
             </a:endParaRPr>
           </a:p>
           <a:p>
-            <a:pPr marL="342900" indent="-342900">
-              <a:buFont typeface="+mj-lt"/>
-              <a:buAutoNum type="alphaUcPeriod"/>
-            </a:pPr>
-            <a:r>
-              <a:rPr lang="en-GB" dirty="0" err="1">
-                <a:solidFill>
-                  <a:schemeClr val="bg1"/>
-                </a:solidFill>
-              </a:rPr>
-              <a:t>AggregateException</a:t>
-            </a:r>
-            <a:br>
+            <a:r>
               <a:rPr lang="en-GB" dirty="0">
                 <a:solidFill>
                   <a:schemeClr val="bg1"/>
                 </a:solidFill>
               </a:rPr>
-            </a:br>
+              <a:t>D. None of the above.</a:t>
+            </a:r>
+          </a:p>
+          <a:p>
+            <a:endParaRPr lang="en-GB" dirty="0">
+              <a:solidFill>
+                <a:schemeClr val="bg1"/>
+              </a:solidFill>
+            </a:endParaRPr>
+          </a:p>
+          <a:p>
             <a:r>
               <a:rPr lang="en-GB" dirty="0">
                 <a:solidFill>
                   <a:schemeClr val="bg1"/>
                 </a:solidFill>
               </a:rPr>
-              <a:t>One or more errors occurred. (This is a test exception)</a:t>
-            </a:r>
-            <a:br>
-              <a:rPr lang="en-GB" dirty="0">
-                <a:solidFill>
-                  <a:schemeClr val="bg1"/>
-                </a:solidFill>
-              </a:rPr>
-            </a:br>
-            <a:endParaRPr lang="en-GB" dirty="0">
-              <a:solidFill>
-                <a:schemeClr val="bg1"/>
-              </a:solidFill>
-            </a:endParaRPr>
-          </a:p>
-          <a:p>
-            <a:pPr marL="342900" indent="-342900">
-              <a:buFont typeface="+mj-lt"/>
-              <a:buAutoNum type="alphaUcPeriod"/>
-            </a:pPr>
-            <a:r>
-              <a:rPr lang="en-GB" dirty="0">
-                <a:solidFill>
-                  <a:schemeClr val="bg1"/>
-                </a:solidFill>
-              </a:rPr>
-              <a:t>Exception</a:t>
-            </a:r>
-          </a:p>
-          <a:p>
-            <a:r>
-              <a:rPr lang="en-GB" dirty="0">
-                <a:solidFill>
-                  <a:schemeClr val="bg1"/>
-                </a:solidFill>
-              </a:rPr>
-              <a:t>       This is a test exception</a:t>
-            </a:r>
-          </a:p>
-          <a:p>
-            <a:endParaRPr lang="en-GB" dirty="0">
-              <a:solidFill>
-                <a:schemeClr val="bg1"/>
-              </a:solidFill>
-            </a:endParaRPr>
-          </a:p>
-          <a:p>
-            <a:pPr marL="342900" indent="-342900">
-              <a:buAutoNum type="alphaUcPeriod" startAt="3"/>
-            </a:pPr>
-            <a:r>
-              <a:rPr lang="en-GB" dirty="0">
-                <a:solidFill>
-                  <a:schemeClr val="bg1"/>
-                </a:solidFill>
-              </a:rPr>
-              <a:t>An uncaught exception is thrown and can     be caught in the calling method</a:t>
-            </a:r>
-          </a:p>
-          <a:p>
-            <a:pPr marL="342900" indent="-342900">
-              <a:buAutoNum type="alphaUcPeriod" startAt="3"/>
-            </a:pPr>
-            <a:endParaRPr lang="en-GB" dirty="0">
-              <a:solidFill>
-                <a:schemeClr val="bg1"/>
-              </a:solidFill>
-            </a:endParaRPr>
-          </a:p>
-          <a:p>
-            <a:pPr marL="342900" indent="-342900">
-              <a:buAutoNum type="alphaUcPeriod" startAt="3"/>
-            </a:pPr>
-            <a:r>
-              <a:rPr lang="en-GB" dirty="0">
-                <a:solidFill>
-                  <a:schemeClr val="bg1"/>
-                </a:solidFill>
-              </a:rPr>
-              <a:t>None of the above.</a:t>
+              <a:t>It will completely terminate the process. It won't throw a visible exception and will completely kill the application/debugger.</a:t>
             </a:r>
           </a:p>
         </p:txBody>
       </p:sp>
       <p:pic>
         <p:nvPicPr>
-          <p:cNvPr id="4" name="Picture 3">
-            <a:extLst>
-              <a:ext uri="{FF2B5EF4-FFF2-40B4-BE49-F238E27FC236}">
-                <a16:creationId xmlns:a16="http://schemas.microsoft.com/office/drawing/2014/main" id="{69FDAEA4-F604-4A40-A20A-9E7E0E9E7C01}"/>
+          <p:cNvPr id="3" name="Picture 2">
+            <a:extLst>
+              <a:ext uri="{FF2B5EF4-FFF2-40B4-BE49-F238E27FC236}">
+                <a16:creationId xmlns:a16="http://schemas.microsoft.com/office/drawing/2014/main" id="{43E8D191-B02F-4E58-8780-AAD86241E0B7}"/>
               </a:ext>
             </a:extLst>
           </p:cNvPr>
@@ -16185,8 +16016,8 @@
         </p:blipFill>
         <p:spPr>
           <a:xfrm>
-            <a:off x="362130" y="1080051"/>
-            <a:ext cx="6673710" cy="1941443"/>
+            <a:off x="251818" y="1041887"/>
+            <a:ext cx="6585240" cy="2022610"/>
           </a:xfrm>
           <a:prstGeom prst="rect">
             <a:avLst/>
@@ -16196,7 +16027,7 @@
     </p:spTree>
     <p:extLst>
       <p:ext uri="{BB962C8B-B14F-4D97-AF65-F5344CB8AC3E}">
-        <p14:creationId xmlns:p14="http://schemas.microsoft.com/office/powerpoint/2010/main" val="2982457121"/>
+        <p14:creationId xmlns:p14="http://schemas.microsoft.com/office/powerpoint/2010/main" val="1848199452"/>
       </p:ext>
     </p:extLst>
   </p:cSld>
@@ -16394,7 +16225,7 @@
         <p:spPr>
           <a:xfrm>
             <a:off x="7315200" y="611928"/>
-            <a:ext cx="4395277" cy="2862322"/>
+            <a:ext cx="4395277" cy="3693319"/>
           </a:xfrm>
           <a:prstGeom prst="rect">
             <a:avLst/>
@@ -16425,6 +16256,78 @@
           </a:p>
           <a:p>
             <a:pPr marL="342900" indent="-342900">
+              <a:buFont typeface="+mj-lt"/>
+              <a:buAutoNum type="alphaUcPeriod"/>
+            </a:pPr>
+            <a:r>
+              <a:rPr lang="en-GB" dirty="0" err="1">
+                <a:solidFill>
+                  <a:schemeClr val="bg1"/>
+                </a:solidFill>
+              </a:rPr>
+              <a:t>AggregateException</a:t>
+            </a:r>
+            <a:br>
+              <a:rPr lang="en-GB" dirty="0">
+                <a:solidFill>
+                  <a:schemeClr val="bg1"/>
+                </a:solidFill>
+              </a:rPr>
+            </a:br>
+            <a:r>
+              <a:rPr lang="en-GB" dirty="0">
+                <a:solidFill>
+                  <a:schemeClr val="bg1"/>
+                </a:solidFill>
+              </a:rPr>
+              <a:t>One or more errors occurred. (This is a test exception)</a:t>
+            </a:r>
+            <a:br>
+              <a:rPr lang="en-GB" dirty="0">
+                <a:solidFill>
+                  <a:schemeClr val="bg1"/>
+                </a:solidFill>
+              </a:rPr>
+            </a:br>
+            <a:endParaRPr lang="en-GB" dirty="0">
+              <a:solidFill>
+                <a:schemeClr val="bg1"/>
+              </a:solidFill>
+            </a:endParaRPr>
+          </a:p>
+          <a:p>
+            <a:pPr marL="342900" indent="-342900">
+              <a:buFont typeface="+mj-lt"/>
+              <a:buAutoNum type="alphaUcPeriod"/>
+            </a:pPr>
+            <a:r>
+              <a:rPr lang="en-GB" dirty="0">
+                <a:solidFill>
+                  <a:schemeClr val="bg1"/>
+                </a:solidFill>
+              </a:rPr>
+              <a:t>Exception</a:t>
+            </a:r>
+          </a:p>
+          <a:p>
+            <a:r>
+              <a:rPr lang="en-GB" dirty="0">
+                <a:solidFill>
+                  <a:schemeClr val="bg1"/>
+                </a:solidFill>
+              </a:rPr>
+              <a:t>       This is a test exception</a:t>
+            </a:r>
+          </a:p>
+          <a:p>
+            <a:endParaRPr lang="en-GB" dirty="0">
+              <a:solidFill>
+                <a:schemeClr val="bg1"/>
+              </a:solidFill>
+            </a:endParaRPr>
+          </a:p>
+          <a:p>
+            <a:pPr marL="342900" indent="-342900">
               <a:buAutoNum type="alphaUcPeriod" startAt="3"/>
             </a:pPr>
             <a:r>
@@ -16437,6 +16340,9 @@
             </a:r>
           </a:p>
           <a:p>
+            <a:pPr marL="342900" indent="-342900">
+              <a:buAutoNum type="alphaUcPeriod" startAt="3"/>
+            </a:pPr>
             <a:endParaRPr lang="en-GB" dirty="0">
               <a:solidFill>
                 <a:schemeClr val="bg1"/>
@@ -16444,40 +16350,16 @@
             </a:endParaRPr>
           </a:p>
           <a:p>
+            <a:pPr marL="342900" indent="-342900">
+              <a:buAutoNum type="alphaUcPeriod" startAt="3"/>
+            </a:pPr>
             <a:r>
               <a:rPr lang="en-GB" dirty="0">
                 <a:solidFill>
                   <a:schemeClr val="bg1"/>
                 </a:solidFill>
               </a:rPr>
-              <a:t>It will throw the following uncaught exception:</a:t>
-            </a:r>
-          </a:p>
-          <a:p>
-            <a:endParaRPr lang="en-GB" dirty="0">
-              <a:solidFill>
-                <a:schemeClr val="bg1"/>
-              </a:solidFill>
-            </a:endParaRPr>
-          </a:p>
-          <a:p>
-            <a:r>
-              <a:rPr lang="en-GB" dirty="0">
-                <a:solidFill>
-                  <a:schemeClr val="bg1"/>
-                </a:solidFill>
-              </a:rPr>
-              <a:t>Exception</a:t>
-            </a:r>
-          </a:p>
-          <a:p>
-            <a:r>
-              <a:rPr lang="en-GB" dirty="0">
-                <a:solidFill>
-                  <a:schemeClr val="bg1"/>
-                </a:solidFill>
-              </a:rPr>
-              <a:t>This is a test exception</a:t>
+              <a:t>None of the above.</a:t>
             </a:r>
           </a:p>
         </p:txBody>
@@ -16515,7 +16397,7 @@
     </p:spTree>
     <p:extLst>
       <p:ext uri="{BB962C8B-B14F-4D97-AF65-F5344CB8AC3E}">
-        <p14:creationId xmlns:p14="http://schemas.microsoft.com/office/powerpoint/2010/main" val="1784624068"/>
+        <p14:creationId xmlns:p14="http://schemas.microsoft.com/office/powerpoint/2010/main" val="2982457121"/>
       </p:ext>
     </p:extLst>
   </p:cSld>
@@ -16564,7 +16446,7 @@
         </p:nvSpPr>
         <p:spPr>
           <a:xfrm>
-            <a:off x="7315200" y="340436"/>
+            <a:off x="624957" y="242596"/>
             <a:ext cx="11364880" cy="369332"/>
           </a:xfrm>
           <a:prstGeom prst="rect">
@@ -16584,7 +16466,7 @@
                   <a:schemeClr val="bg1"/>
                 </a:solidFill>
               </a:rPr>
-              <a:t>Question H </a:t>
+              <a:t>Question G </a:t>
             </a:r>
           </a:p>
         </p:txBody>
@@ -16603,8 +16485,8 @@
         </p:nvSpPr>
         <p:spPr>
           <a:xfrm>
-            <a:off x="7315200" y="1168519"/>
-            <a:ext cx="4395277" cy="3693319"/>
+            <a:off x="7315200" y="611928"/>
+            <a:ext cx="4395277" cy="2862322"/>
           </a:xfrm>
           <a:prstGeom prst="rect">
             <a:avLst/>
@@ -16635,39 +16517,35 @@
           </a:p>
           <a:p>
             <a:pPr marL="342900" indent="-342900">
-              <a:buFont typeface="+mj-lt"/>
-              <a:buAutoNum type="alphaUcPeriod"/>
-            </a:pPr>
-            <a:r>
-              <a:rPr lang="en-GB" dirty="0" err="1">
-                <a:solidFill>
-                  <a:schemeClr val="bg1"/>
-                </a:solidFill>
-              </a:rPr>
-              <a:t>AggregateException</a:t>
-            </a:r>
-            <a:br>
+              <a:buAutoNum type="alphaUcPeriod" startAt="3"/>
+            </a:pPr>
+            <a:r>
               <a:rPr lang="en-GB" dirty="0">
                 <a:solidFill>
                   <a:schemeClr val="bg1"/>
                 </a:solidFill>
               </a:rPr>
-            </a:br>
+              <a:t>An uncaught exception is thrown and can     be caught in the calling method</a:t>
+            </a:r>
+          </a:p>
+          <a:p>
+            <a:endParaRPr lang="en-GB" dirty="0">
+              <a:solidFill>
+                <a:schemeClr val="bg1"/>
+              </a:solidFill>
+            </a:endParaRPr>
+          </a:p>
+          <a:p>
             <a:r>
               <a:rPr lang="en-GB" dirty="0">
                 <a:solidFill>
                   <a:schemeClr val="bg1"/>
                 </a:solidFill>
               </a:rPr>
-              <a:t>One or more errors occurred. (This is a test exception)</a:t>
-            </a:r>
-            <a:br>
-              <a:rPr lang="en-GB" dirty="0">
-                <a:solidFill>
-                  <a:schemeClr val="bg1"/>
-                </a:solidFill>
-              </a:rPr>
-            </a:br>
+              <a:t>It will throw the following uncaught exception:</a:t>
+            </a:r>
+          </a:p>
+          <a:p>
             <a:endParaRPr lang="en-GB" dirty="0">
               <a:solidFill>
                 <a:schemeClr val="bg1"/>
@@ -16675,10 +16553,6 @@
             </a:endParaRPr>
           </a:p>
           <a:p>
-            <a:pPr marL="342900" indent="-342900">
-              <a:buFont typeface="+mj-lt"/>
-              <a:buAutoNum type="alphaUcPeriod"/>
-            </a:pPr>
             <a:r>
               <a:rPr lang="en-GB" dirty="0">
                 <a:solidFill>
@@ -16695,60 +16569,17 @@
                   <a:schemeClr val="bg1"/>
                 </a:solidFill>
               </a:rPr>
-              <a:t>       This is a test exception</a:t>
-            </a:r>
-          </a:p>
-          <a:p>
-            <a:endParaRPr lang="en-GB" dirty="0">
-              <a:solidFill>
-                <a:schemeClr val="bg1"/>
-              </a:solidFill>
-            </a:endParaRPr>
-          </a:p>
-          <a:p>
-            <a:pPr marL="342900" indent="-342900">
-              <a:buAutoNum type="alphaUcPeriod" startAt="3"/>
-            </a:pPr>
-            <a:r>
-              <a:rPr lang="en-GB" dirty="0">
-                <a:solidFill>
-                  <a:schemeClr val="bg1"/>
-                </a:solidFill>
-              </a:rPr>
-              <a:t>An uncaught exception is thrown and can     be caught in the calling method</a:t>
-            </a:r>
-          </a:p>
-          <a:p>
-            <a:pPr marL="342900" indent="-342900">
-              <a:buAutoNum type="alphaUcPeriod" startAt="3"/>
-            </a:pPr>
-            <a:endParaRPr lang="en-GB" dirty="0">
-              <a:solidFill>
-                <a:schemeClr val="bg1"/>
-              </a:solidFill>
-            </a:endParaRPr>
-          </a:p>
-          <a:p>
-            <a:pPr marL="342900" indent="-342900">
-              <a:buAutoNum type="alphaUcPeriod" startAt="3"/>
-            </a:pPr>
-            <a:r>
-              <a:rPr lang="en-GB" dirty="0">
-                <a:solidFill>
-                  <a:schemeClr val="bg1"/>
-                </a:solidFill>
-              </a:rPr>
-              <a:t>None of the above.</a:t>
+              <a:t>This is a test exception</a:t>
             </a:r>
           </a:p>
         </p:txBody>
       </p:sp>
       <p:pic>
         <p:nvPicPr>
-          <p:cNvPr id="2" name="Picture 1">
-            <a:extLst>
-              <a:ext uri="{FF2B5EF4-FFF2-40B4-BE49-F238E27FC236}">
-                <a16:creationId xmlns:a16="http://schemas.microsoft.com/office/drawing/2014/main" id="{998C0D28-FFB1-46DB-BB0B-98FF4377C9F5}"/>
+          <p:cNvPr id="4" name="Picture 3">
+            <a:extLst>
+              <a:ext uri="{FF2B5EF4-FFF2-40B4-BE49-F238E27FC236}">
+                <a16:creationId xmlns:a16="http://schemas.microsoft.com/office/drawing/2014/main" id="{69FDAEA4-F604-4A40-A20A-9E7E0E9E7C01}"/>
               </a:ext>
             </a:extLst>
           </p:cNvPr>
@@ -16765,8 +16596,8 @@
         </p:blipFill>
         <p:spPr>
           <a:xfrm>
-            <a:off x="477078" y="340436"/>
-            <a:ext cx="6301409" cy="6147341"/>
+            <a:off x="362130" y="1080051"/>
+            <a:ext cx="6673710" cy="1941443"/>
           </a:xfrm>
           <a:prstGeom prst="rect">
             <a:avLst/>
@@ -16776,7 +16607,7 @@
     </p:spTree>
     <p:extLst>
       <p:ext uri="{BB962C8B-B14F-4D97-AF65-F5344CB8AC3E}">
-        <p14:creationId xmlns:p14="http://schemas.microsoft.com/office/powerpoint/2010/main" val="3813329927"/>
+        <p14:creationId xmlns:p14="http://schemas.microsoft.com/office/powerpoint/2010/main" val="1784624068"/>
       </p:ext>
     </p:extLst>
   </p:cSld>
@@ -16865,7 +16696,7 @@
         <p:spPr>
           <a:xfrm>
             <a:off x="7315200" y="1168519"/>
-            <a:ext cx="4395277" cy="1477328"/>
+            <a:ext cx="4395277" cy="3693319"/>
           </a:xfrm>
           <a:prstGeom prst="rect">
             <a:avLst/>
@@ -16884,7 +16715,7 @@
                   <a:schemeClr val="bg1"/>
                 </a:solidFill>
               </a:rPr>
-              <a:t>The answer is</a:t>
+              <a:t>What will be the output of this method?</a:t>
             </a:r>
           </a:p>
           <a:p>
@@ -16921,6 +16752,85 @@
                 </a:solidFill>
               </a:rPr>
               <a:t>One or more errors occurred. (This is a test exception)</a:t>
+            </a:r>
+            <a:br>
+              <a:rPr lang="en-GB" dirty="0">
+                <a:solidFill>
+                  <a:schemeClr val="bg1"/>
+                </a:solidFill>
+              </a:rPr>
+            </a:br>
+            <a:endParaRPr lang="en-GB" dirty="0">
+              <a:solidFill>
+                <a:schemeClr val="bg1"/>
+              </a:solidFill>
+            </a:endParaRPr>
+          </a:p>
+          <a:p>
+            <a:pPr marL="342900" indent="-342900">
+              <a:buFont typeface="+mj-lt"/>
+              <a:buAutoNum type="alphaUcPeriod"/>
+            </a:pPr>
+            <a:r>
+              <a:rPr lang="en-GB" dirty="0">
+                <a:solidFill>
+                  <a:schemeClr val="bg1"/>
+                </a:solidFill>
+              </a:rPr>
+              <a:t>Exception</a:t>
+            </a:r>
+          </a:p>
+          <a:p>
+            <a:r>
+              <a:rPr lang="en-GB" dirty="0">
+                <a:solidFill>
+                  <a:schemeClr val="bg1"/>
+                </a:solidFill>
+              </a:rPr>
+              <a:t>       This is a test exception</a:t>
+            </a:r>
+          </a:p>
+          <a:p>
+            <a:endParaRPr lang="en-GB" dirty="0">
+              <a:solidFill>
+                <a:schemeClr val="bg1"/>
+              </a:solidFill>
+            </a:endParaRPr>
+          </a:p>
+          <a:p>
+            <a:pPr marL="342900" indent="-342900">
+              <a:buAutoNum type="alphaUcPeriod" startAt="3"/>
+            </a:pPr>
+            <a:r>
+              <a:rPr lang="en-GB" dirty="0">
+                <a:solidFill>
+                  <a:schemeClr val="bg1"/>
+                </a:solidFill>
+              </a:rPr>
+              <a:t>An uncaught exception is thrown and can     be caught in the calling method</a:t>
+            </a:r>
+          </a:p>
+          <a:p>
+            <a:pPr marL="342900" indent="-342900">
+              <a:buAutoNum type="alphaUcPeriod" startAt="3"/>
+            </a:pPr>
+            <a:endParaRPr lang="en-GB" dirty="0">
+              <a:solidFill>
+                <a:schemeClr val="bg1"/>
+              </a:solidFill>
+            </a:endParaRPr>
+          </a:p>
+          <a:p>
+            <a:pPr marL="342900" indent="-342900">
+              <a:buAutoNum type="alphaUcPeriod" startAt="3"/>
+            </a:pPr>
+            <a:r>
+              <a:rPr lang="en-GB" dirty="0">
+                <a:solidFill>
+                  <a:schemeClr val="bg1"/>
+                </a:solidFill>
+              </a:rPr>
+              <a:t>None of the above.</a:t>
             </a:r>
           </a:p>
         </p:txBody>
@@ -16958,7 +16868,7 @@
     </p:spTree>
     <p:extLst>
       <p:ext uri="{BB962C8B-B14F-4D97-AF65-F5344CB8AC3E}">
-        <p14:creationId xmlns:p14="http://schemas.microsoft.com/office/powerpoint/2010/main" val="3341191500"/>
+        <p14:creationId xmlns:p14="http://schemas.microsoft.com/office/powerpoint/2010/main" val="3813329927"/>
       </p:ext>
     </p:extLst>
   </p:cSld>
@@ -17027,7 +16937,7 @@
                   <a:schemeClr val="bg1"/>
                 </a:solidFill>
               </a:rPr>
-              <a:t>Question I </a:t>
+              <a:t>Question H </a:t>
             </a:r>
           </a:p>
         </p:txBody>
@@ -17047,7 +16957,7 @@
         <p:spPr>
           <a:xfrm>
             <a:off x="7315200" y="1168519"/>
-            <a:ext cx="4395277" cy="3693319"/>
+            <a:ext cx="4395277" cy="1477328"/>
           </a:xfrm>
           <a:prstGeom prst="rect">
             <a:avLst/>
@@ -17066,7 +16976,7 @@
                   <a:schemeClr val="bg1"/>
                 </a:solidFill>
               </a:rPr>
-              <a:t>What will be the output of this method?</a:t>
+              <a:t>The answer is</a:t>
             </a:r>
           </a:p>
           <a:p>
@@ -17104,94 +17014,15 @@
               </a:rPr>
               <a:t>One or more errors occurred. (This is a test exception)</a:t>
             </a:r>
-            <a:br>
-              <a:rPr lang="en-GB" dirty="0">
-                <a:solidFill>
-                  <a:schemeClr val="bg1"/>
-                </a:solidFill>
-              </a:rPr>
-            </a:br>
-            <a:endParaRPr lang="en-GB" dirty="0">
-              <a:solidFill>
-                <a:schemeClr val="bg1"/>
-              </a:solidFill>
-            </a:endParaRPr>
-          </a:p>
-          <a:p>
-            <a:pPr marL="342900" indent="-342900">
-              <a:buFont typeface="+mj-lt"/>
-              <a:buAutoNum type="alphaUcPeriod"/>
-            </a:pPr>
-            <a:r>
-              <a:rPr lang="en-GB" dirty="0">
-                <a:solidFill>
-                  <a:schemeClr val="bg1"/>
-                </a:solidFill>
-              </a:rPr>
-              <a:t>Exception</a:t>
-            </a:r>
-          </a:p>
-          <a:p>
-            <a:r>
-              <a:rPr lang="en-GB" dirty="0">
-                <a:solidFill>
-                  <a:schemeClr val="bg1"/>
-                </a:solidFill>
-              </a:rPr>
-              <a:t>       This is a test exception</a:t>
-            </a:r>
-          </a:p>
-          <a:p>
-            <a:endParaRPr lang="en-GB" dirty="0">
-              <a:solidFill>
-                <a:schemeClr val="bg1"/>
-              </a:solidFill>
-            </a:endParaRPr>
-          </a:p>
-          <a:p>
-            <a:pPr marL="342900" indent="-342900">
-              <a:buAutoNum type="alphaUcPeriod" startAt="3"/>
-            </a:pPr>
-            <a:r>
-              <a:rPr lang="en-GB" dirty="0">
-                <a:solidFill>
-                  <a:schemeClr val="bg1"/>
-                </a:solidFill>
-              </a:rPr>
-              <a:t>An uncaught exception is thrown and can     be caught in the calling method</a:t>
-            </a:r>
-          </a:p>
-          <a:p>
-            <a:pPr marL="342900" indent="-342900">
-              <a:buAutoNum type="alphaUcPeriod" startAt="3"/>
-            </a:pPr>
-            <a:endParaRPr lang="en-GB" dirty="0">
-              <a:solidFill>
-                <a:schemeClr val="bg1"/>
-              </a:solidFill>
-            </a:endParaRPr>
-          </a:p>
-          <a:p>
-            <a:pPr marL="342900" indent="-342900">
-              <a:buAutoNum type="alphaUcPeriod" startAt="3"/>
-            </a:pPr>
-            <a:r>
-              <a:rPr lang="en-GB" dirty="0">
-                <a:solidFill>
-                  <a:schemeClr val="bg1"/>
-                </a:solidFill>
-              </a:rPr>
-              <a:t>None of the above.</a:t>
-            </a:r>
           </a:p>
         </p:txBody>
       </p:sp>
       <p:pic>
         <p:nvPicPr>
-          <p:cNvPr id="3" name="Picture 2">
-            <a:extLst>
-              <a:ext uri="{FF2B5EF4-FFF2-40B4-BE49-F238E27FC236}">
-                <a16:creationId xmlns:a16="http://schemas.microsoft.com/office/drawing/2014/main" id="{1E68A627-623A-4C15-9AF8-EE50E57C2833}"/>
+          <p:cNvPr id="2" name="Picture 1">
+            <a:extLst>
+              <a:ext uri="{FF2B5EF4-FFF2-40B4-BE49-F238E27FC236}">
+                <a16:creationId xmlns:a16="http://schemas.microsoft.com/office/drawing/2014/main" id="{998C0D28-FFB1-46DB-BB0B-98FF4377C9F5}"/>
               </a:ext>
             </a:extLst>
           </p:cNvPr>
@@ -17208,8 +17039,8 @@
         </p:blipFill>
         <p:spPr>
           <a:xfrm>
-            <a:off x="337421" y="340436"/>
-            <a:ext cx="5586301" cy="1911103"/>
+            <a:off x="477078" y="340436"/>
+            <a:ext cx="6301409" cy="6147341"/>
           </a:xfrm>
           <a:prstGeom prst="rect">
             <a:avLst/>
@@ -17219,7 +17050,7 @@
     </p:spTree>
     <p:extLst>
       <p:ext uri="{BB962C8B-B14F-4D97-AF65-F5344CB8AC3E}">
-        <p14:creationId xmlns:p14="http://schemas.microsoft.com/office/powerpoint/2010/main" val="1300467980"/>
+        <p14:creationId xmlns:p14="http://schemas.microsoft.com/office/powerpoint/2010/main" val="3341191500"/>
       </p:ext>
     </p:extLst>
   </p:cSld>
@@ -17308,6 +17139,267 @@
         <p:spPr>
           <a:xfrm>
             <a:off x="7315200" y="1168519"/>
+            <a:ext cx="4395277" cy="3693319"/>
+          </a:xfrm>
+          <a:prstGeom prst="rect">
+            <a:avLst/>
+          </a:prstGeom>
+          <a:noFill/>
+        </p:spPr>
+        <p:txBody>
+          <a:bodyPr wrap="square" rtlCol="0">
+            <a:spAutoFit/>
+          </a:bodyPr>
+          <a:lstStyle/>
+          <a:p>
+            <a:r>
+              <a:rPr lang="en-GB" dirty="0">
+                <a:solidFill>
+                  <a:schemeClr val="bg1"/>
+                </a:solidFill>
+              </a:rPr>
+              <a:t>What will be the output of this method?</a:t>
+            </a:r>
+          </a:p>
+          <a:p>
+            <a:endParaRPr lang="en-GB" dirty="0">
+              <a:solidFill>
+                <a:schemeClr val="bg1"/>
+              </a:solidFill>
+            </a:endParaRPr>
+          </a:p>
+          <a:p>
+            <a:pPr marL="342900" indent="-342900">
+              <a:buFont typeface="+mj-lt"/>
+              <a:buAutoNum type="alphaUcPeriod"/>
+            </a:pPr>
+            <a:r>
+              <a:rPr lang="en-GB" dirty="0" err="1">
+                <a:solidFill>
+                  <a:schemeClr val="bg1"/>
+                </a:solidFill>
+              </a:rPr>
+              <a:t>AggregateException</a:t>
+            </a:r>
+            <a:br>
+              <a:rPr lang="en-GB" dirty="0">
+                <a:solidFill>
+                  <a:schemeClr val="bg1"/>
+                </a:solidFill>
+              </a:rPr>
+            </a:br>
+            <a:r>
+              <a:rPr lang="en-GB" dirty="0">
+                <a:solidFill>
+                  <a:schemeClr val="bg1"/>
+                </a:solidFill>
+              </a:rPr>
+              <a:t>One or more errors occurred. (This is a test exception)</a:t>
+            </a:r>
+            <a:br>
+              <a:rPr lang="en-GB" dirty="0">
+                <a:solidFill>
+                  <a:schemeClr val="bg1"/>
+                </a:solidFill>
+              </a:rPr>
+            </a:br>
+            <a:endParaRPr lang="en-GB" dirty="0">
+              <a:solidFill>
+                <a:schemeClr val="bg1"/>
+              </a:solidFill>
+            </a:endParaRPr>
+          </a:p>
+          <a:p>
+            <a:pPr marL="342900" indent="-342900">
+              <a:buFont typeface="+mj-lt"/>
+              <a:buAutoNum type="alphaUcPeriod"/>
+            </a:pPr>
+            <a:r>
+              <a:rPr lang="en-GB" dirty="0">
+                <a:solidFill>
+                  <a:schemeClr val="bg1"/>
+                </a:solidFill>
+              </a:rPr>
+              <a:t>Exception</a:t>
+            </a:r>
+          </a:p>
+          <a:p>
+            <a:r>
+              <a:rPr lang="en-GB" dirty="0">
+                <a:solidFill>
+                  <a:schemeClr val="bg1"/>
+                </a:solidFill>
+              </a:rPr>
+              <a:t>       This is a test exception</a:t>
+            </a:r>
+          </a:p>
+          <a:p>
+            <a:endParaRPr lang="en-GB" dirty="0">
+              <a:solidFill>
+                <a:schemeClr val="bg1"/>
+              </a:solidFill>
+            </a:endParaRPr>
+          </a:p>
+          <a:p>
+            <a:pPr marL="342900" indent="-342900">
+              <a:buAutoNum type="alphaUcPeriod" startAt="3"/>
+            </a:pPr>
+            <a:r>
+              <a:rPr lang="en-GB" dirty="0">
+                <a:solidFill>
+                  <a:schemeClr val="bg1"/>
+                </a:solidFill>
+              </a:rPr>
+              <a:t>An uncaught exception is thrown and can     be caught in the calling method</a:t>
+            </a:r>
+          </a:p>
+          <a:p>
+            <a:pPr marL="342900" indent="-342900">
+              <a:buAutoNum type="alphaUcPeriod" startAt="3"/>
+            </a:pPr>
+            <a:endParaRPr lang="en-GB" dirty="0">
+              <a:solidFill>
+                <a:schemeClr val="bg1"/>
+              </a:solidFill>
+            </a:endParaRPr>
+          </a:p>
+          <a:p>
+            <a:pPr marL="342900" indent="-342900">
+              <a:buAutoNum type="alphaUcPeriod" startAt="3"/>
+            </a:pPr>
+            <a:r>
+              <a:rPr lang="en-GB" dirty="0">
+                <a:solidFill>
+                  <a:schemeClr val="bg1"/>
+                </a:solidFill>
+              </a:rPr>
+              <a:t>None of the above.</a:t>
+            </a:r>
+          </a:p>
+        </p:txBody>
+      </p:sp>
+      <p:pic>
+        <p:nvPicPr>
+          <p:cNvPr id="3" name="Picture 2">
+            <a:extLst>
+              <a:ext uri="{FF2B5EF4-FFF2-40B4-BE49-F238E27FC236}">
+                <a16:creationId xmlns:a16="http://schemas.microsoft.com/office/drawing/2014/main" id="{1E68A627-623A-4C15-9AF8-EE50E57C2833}"/>
+              </a:ext>
+            </a:extLst>
+          </p:cNvPr>
+          <p:cNvPicPr>
+            <a:picLocks noChangeAspect="1"/>
+          </p:cNvPicPr>
+          <p:nvPr/>
+        </p:nvPicPr>
+        <p:blipFill>
+          <a:blip r:embed="rId2"/>
+          <a:stretch>
+            <a:fillRect/>
+          </a:stretch>
+        </p:blipFill>
+        <p:spPr>
+          <a:xfrm>
+            <a:off x="337421" y="340436"/>
+            <a:ext cx="5586301" cy="1911103"/>
+          </a:xfrm>
+          <a:prstGeom prst="rect">
+            <a:avLst/>
+          </a:prstGeom>
+        </p:spPr>
+      </p:pic>
+    </p:spTree>
+    <p:extLst>
+      <p:ext uri="{BB962C8B-B14F-4D97-AF65-F5344CB8AC3E}">
+        <p14:creationId xmlns:p14="http://schemas.microsoft.com/office/powerpoint/2010/main" val="1300467980"/>
+      </p:ext>
+    </p:extLst>
+  </p:cSld>
+  <p:clrMapOvr>
+    <a:masterClrMapping/>
+  </p:clrMapOvr>
+</p:sld>
+</file>
+
+<file path=ppt/slides/slide65.xml><?xml version="1.0" encoding="utf-8"?>
+<p:sld xmlns:a="http://schemas.openxmlformats.org/drawingml/2006/main" xmlns:r="http://schemas.openxmlformats.org/officeDocument/2006/relationships" xmlns:p="http://schemas.openxmlformats.org/presentationml/2006/main">
+  <p:cSld>
+    <p:bg>
+      <p:bgPr>
+        <a:solidFill>
+          <a:srgbClr val="1E1E1E"/>
+        </a:solidFill>
+        <a:effectLst/>
+      </p:bgPr>
+    </p:bg>
+    <p:spTree>
+      <p:nvGrpSpPr>
+        <p:cNvPr id="1" name=""/>
+        <p:cNvGrpSpPr/>
+        <p:nvPr/>
+      </p:nvGrpSpPr>
+      <p:grpSpPr>
+        <a:xfrm>
+          <a:off x="0" y="0"/>
+          <a:ext cx="0" cy="0"/>
+          <a:chOff x="0" y="0"/>
+          <a:chExt cx="0" cy="0"/>
+        </a:xfrm>
+      </p:grpSpPr>
+      <p:sp>
+        <p:nvSpPr>
+          <p:cNvPr id="6" name="TextBox 5">
+            <a:extLst>
+              <a:ext uri="{FF2B5EF4-FFF2-40B4-BE49-F238E27FC236}">
+                <a16:creationId xmlns:a16="http://schemas.microsoft.com/office/drawing/2014/main" id="{2CDFC944-8A12-42CA-B4D7-7CEF50C368ED}"/>
+              </a:ext>
+            </a:extLst>
+          </p:cNvPr>
+          <p:cNvSpPr txBox="1"/>
+          <p:nvPr/>
+        </p:nvSpPr>
+        <p:spPr>
+          <a:xfrm>
+            <a:off x="7315200" y="340436"/>
+            <a:ext cx="11364880" cy="369332"/>
+          </a:xfrm>
+          <a:prstGeom prst="rect">
+            <a:avLst/>
+          </a:prstGeom>
+          <a:noFill/>
+        </p:spPr>
+        <p:txBody>
+          <a:bodyPr wrap="square" rtlCol="0">
+            <a:spAutoFit/>
+          </a:bodyPr>
+          <a:lstStyle/>
+          <a:p>
+            <a:r>
+              <a:rPr lang="en-GB" dirty="0">
+                <a:solidFill>
+                  <a:schemeClr val="bg1"/>
+                </a:solidFill>
+              </a:rPr>
+              <a:t>Question I </a:t>
+            </a:r>
+          </a:p>
+        </p:txBody>
+      </p:sp>
+      <p:sp>
+        <p:nvSpPr>
+          <p:cNvPr id="11" name="TextBox 10">
+            <a:extLst>
+              <a:ext uri="{FF2B5EF4-FFF2-40B4-BE49-F238E27FC236}">
+                <a16:creationId xmlns:a16="http://schemas.microsoft.com/office/drawing/2014/main" id="{8CFFC453-63D5-4985-9376-BE7589A7509A}"/>
+              </a:ext>
+            </a:extLst>
+          </p:cNvPr>
+          <p:cNvSpPr txBox="1"/>
+          <p:nvPr/>
+        </p:nvSpPr>
+        <p:spPr>
+          <a:xfrm>
+            <a:off x="7315200" y="1168519"/>
             <a:ext cx="4395277" cy="1754326"/>
           </a:xfrm>
           <a:prstGeom prst="rect">
@@ -17409,7 +17501,7 @@
 </p:sld>
 </file>
 
-<file path=ppt/slides/slide65.xml><?xml version="1.0" encoding="utf-8"?>
+<file path=ppt/slides/slide66.xml><?xml version="1.0" encoding="utf-8"?>
 <p:sld xmlns:a="http://schemas.openxmlformats.org/drawingml/2006/main" xmlns:r="http://schemas.openxmlformats.org/officeDocument/2006/relationships" xmlns:p="http://schemas.openxmlformats.org/presentationml/2006/main">
   <p:cSld>
     <p:spTree>
@@ -17696,7 +17788,7 @@
         <p:spPr>
           <a:xfrm>
             <a:off x="145775" y="132522"/>
-            <a:ext cx="11781182" cy="6001643"/>
+            <a:ext cx="11781182" cy="4524315"/>
           </a:xfrm>
           <a:prstGeom prst="rect">
             <a:avLst/>
@@ -17711,7 +17803,7 @@
           <a:p>
             <a:r>
               <a:rPr lang="en-GB" sz="3200" b="1" dirty="0"/>
-              <a:t>What this means…</a:t>
+              <a:t>In terms of CPU and I/O operations…</a:t>
             </a:r>
           </a:p>
           <a:p>
@@ -17724,15 +17816,23 @@
             </a:pPr>
             <a:r>
               <a:rPr lang="en-GB" sz="3200" dirty="0"/>
-              <a:t>If you want to speed up a synchronous operation which is </a:t>
+              <a:t>If you want to execute </a:t>
             </a:r>
             <a:r>
               <a:rPr lang="en-GB" sz="3200" b="1" dirty="0"/>
-              <a:t>CPU-bound</a:t>
+              <a:t>CPU-bound </a:t>
             </a:r>
             <a:r>
               <a:rPr lang="en-GB" sz="3200" dirty="0"/>
-              <a:t> by doing things asynchronously, you </a:t>
+              <a:t>operations </a:t>
+            </a:r>
+            <a:r>
+              <a:rPr lang="en-GB" sz="3200" b="1" dirty="0"/>
+              <a:t>asynchronously</a:t>
+            </a:r>
+            <a:r>
+              <a:rPr lang="en-GB" sz="3200" dirty="0"/>
+              <a:t>, you </a:t>
             </a:r>
             <a:r>
               <a:rPr lang="en-GB" sz="3200" b="1" dirty="0"/>
@@ -17740,7 +17840,7 @@
             </a:r>
             <a:r>
               <a:rPr lang="en-GB" sz="3200" dirty="0"/>
-              <a:t> to use multiple threads. </a:t>
+              <a:t> to use multiple threads as each thread can only execute one thing at a time. </a:t>
             </a:r>
           </a:p>
           <a:p>
@@ -17757,7 +17857,7 @@
             </a:pPr>
             <a:r>
               <a:rPr lang="en-GB" sz="3200" dirty="0"/>
-              <a:t>If you want to speed up a synchronous operation which is </a:t>
+              <a:t>If you want to execute </a:t>
             </a:r>
             <a:r>
               <a:rPr lang="en-GB" sz="3200" b="1" dirty="0"/>
@@ -17765,11 +17865,11 @@
             </a:r>
             <a:r>
               <a:rPr lang="en-GB" sz="3200" dirty="0"/>
-              <a:t>by doing things asynchronously</a:t>
+              <a:t>operations </a:t>
             </a:r>
             <a:r>
               <a:rPr lang="en-GB" sz="3200" b="1" dirty="0"/>
-              <a:t>, </a:t>
+              <a:t>asynchronously, </a:t>
             </a:r>
             <a:r>
               <a:rPr lang="en-GB" sz="3200" dirty="0"/>
@@ -17781,22 +17881,9 @@
             </a:r>
             <a:r>
               <a:rPr lang="en-GB" sz="3200" dirty="0"/>
-              <a:t> use multiple threads. </a:t>
+              <a:t> use multiple threads as they aren’t used for these types of operations and will just be wasted. </a:t>
             </a:r>
             <a:endParaRPr lang="en-GB" sz="3200" b="1" dirty="0"/>
-          </a:p>
-          <a:p>
-            <a:endParaRPr lang="en-GB" sz="3200" b="1" dirty="0"/>
-          </a:p>
-          <a:p>
-            <a:endParaRPr lang="en-GB" sz="3200" b="1" dirty="0"/>
-          </a:p>
-          <a:p>
-            <a:pPr algn="ctr"/>
-            <a:r>
-              <a:rPr lang="en-GB" sz="3200" b="1" dirty="0"/>
-              <a:t>So how do we write asynchronous code in C#?</a:t>
-            </a:r>
           </a:p>
         </p:txBody>
       </p:sp>
@@ -17832,44 +17919,110 @@
       </p:grpSpPr>
       <p:sp>
         <p:nvSpPr>
-          <p:cNvPr id="2" name="Title 1">
-            <a:extLst>
-              <a:ext uri="{FF2B5EF4-FFF2-40B4-BE49-F238E27FC236}">
-                <a16:creationId xmlns:a16="http://schemas.microsoft.com/office/drawing/2014/main" id="{267862F2-D4D4-4F5B-B69F-65226C837768}"/>
-              </a:ext>
-            </a:extLst>
-          </p:cNvPr>
-          <p:cNvSpPr>
-            <a:spLocks noGrp="1"/>
-          </p:cNvSpPr>
-          <p:nvPr>
-            <p:ph type="ctrTitle"/>
-          </p:nvPr>
+          <p:cNvPr id="4" name="TextBox 3">
+            <a:extLst>
+              <a:ext uri="{FF2B5EF4-FFF2-40B4-BE49-F238E27FC236}">
+                <a16:creationId xmlns:a16="http://schemas.microsoft.com/office/drawing/2014/main" id="{18767206-9205-42D0-A2AE-5A1017D4CB08}"/>
+              </a:ext>
+            </a:extLst>
+          </p:cNvPr>
+          <p:cNvSpPr txBox="1"/>
+          <p:nvPr/>
         </p:nvSpPr>
-        <p:spPr/>
+        <p:spPr>
+          <a:xfrm>
+            <a:off x="145775" y="132522"/>
+            <a:ext cx="11781182" cy="4647426"/>
+          </a:xfrm>
+          <a:prstGeom prst="rect">
+            <a:avLst/>
+          </a:prstGeom>
+          <a:noFill/>
+        </p:spPr>
         <p:txBody>
-          <a:bodyPr/>
+          <a:bodyPr wrap="square" rtlCol="0">
+            <a:spAutoFit/>
+          </a:bodyPr>
           <a:lstStyle/>
           <a:p>
             <a:r>
-              <a:rPr lang="en-GB" dirty="0"/>
-              <a:t>Task, Task&lt;T&gt;, Thread and </a:t>
-            </a:r>
-            <a:r>
-              <a:rPr lang="en-GB" dirty="0" err="1"/>
-              <a:t>ThreadPool</a:t>
-            </a:r>
-            <a:r>
-              <a:rPr lang="en-GB" dirty="0"/>
-              <a:t> classes in C#</a:t>
-            </a:r>
+              <a:rPr lang="en-GB" sz="3200" b="1" dirty="0"/>
+              <a:t>When things should be asynchronous</a:t>
+            </a:r>
+          </a:p>
+          <a:p>
+            <a:endParaRPr lang="en-GB" sz="2400" b="1" dirty="0"/>
+          </a:p>
+          <a:p>
+            <a:r>
+              <a:rPr lang="en-GB" sz="2400" dirty="0"/>
+              <a:t>You should write asynchronous code if:</a:t>
+            </a:r>
+          </a:p>
+          <a:p>
+            <a:endParaRPr lang="en-GB" sz="2400" b="1" dirty="0"/>
+          </a:p>
+          <a:p>
+            <a:pPr marL="457200" indent="-457200">
+              <a:buFont typeface="Arial" panose="020B0604020202020204" pitchFamily="34" charset="0"/>
+              <a:buChar char="•"/>
+            </a:pPr>
+            <a:r>
+              <a:rPr lang="en-GB" sz="2400" dirty="0"/>
+              <a:t>You’re doing </a:t>
+            </a:r>
+            <a:r>
+              <a:rPr lang="en-GB" sz="2400" b="1" dirty="0"/>
+              <a:t>any form of I/O operations at all</a:t>
+            </a:r>
+          </a:p>
+          <a:p>
+            <a:pPr marL="457200" indent="-457200">
+              <a:buFont typeface="Arial" panose="020B0604020202020204" pitchFamily="34" charset="0"/>
+              <a:buChar char="•"/>
+            </a:pPr>
+            <a:endParaRPr lang="en-GB" sz="2400" b="1" dirty="0"/>
+          </a:p>
+          <a:p>
+            <a:pPr marL="457200" indent="-457200">
+              <a:buFont typeface="Arial" panose="020B0604020202020204" pitchFamily="34" charset="0"/>
+              <a:buChar char="•"/>
+            </a:pPr>
+            <a:r>
+              <a:rPr lang="en-GB" sz="2400" dirty="0"/>
+              <a:t>You have a long-running CPU-bound operation which can be parallelised and you have no issue </a:t>
+            </a:r>
+          </a:p>
+          <a:p>
+            <a:pPr marL="457200" indent="-457200">
+              <a:buFont typeface="Arial" panose="020B0604020202020204" pitchFamily="34" charset="0"/>
+              <a:buChar char="•"/>
+            </a:pPr>
+            <a:endParaRPr lang="en-GB" sz="2400" b="1" dirty="0"/>
+          </a:p>
+          <a:p>
+            <a:pPr marL="457200" indent="-457200">
+              <a:buFont typeface="Arial" panose="020B0604020202020204" pitchFamily="34" charset="0"/>
+              <a:buChar char="•"/>
+            </a:pPr>
+            <a:endParaRPr lang="en-GB" sz="2400" b="1" dirty="0"/>
+          </a:p>
+          <a:p>
+            <a:pPr marL="457200" indent="-457200">
+              <a:buFont typeface="Arial" panose="020B0604020202020204" pitchFamily="34" charset="0"/>
+              <a:buChar char="•"/>
+            </a:pPr>
+            <a:endParaRPr lang="en-GB" sz="2400" dirty="0"/>
+          </a:p>
+          <a:p>
+            <a:endParaRPr lang="en-GB" sz="2400" b="1" dirty="0"/>
           </a:p>
         </p:txBody>
       </p:sp>
     </p:spTree>
     <p:extLst>
       <p:ext uri="{BB962C8B-B14F-4D97-AF65-F5344CB8AC3E}">
-        <p14:creationId xmlns:p14="http://schemas.microsoft.com/office/powerpoint/2010/main" val="2052231843"/>
+        <p14:creationId xmlns:p14="http://schemas.microsoft.com/office/powerpoint/2010/main" val="2505259931"/>
       </p:ext>
     </p:extLst>
   </p:cSld>
@@ -17898,90 +18051,44 @@
       </p:grpSpPr>
       <p:sp>
         <p:nvSpPr>
-          <p:cNvPr id="4" name="TextBox 3">
-            <a:extLst>
-              <a:ext uri="{FF2B5EF4-FFF2-40B4-BE49-F238E27FC236}">
-                <a16:creationId xmlns:a16="http://schemas.microsoft.com/office/drawing/2014/main" id="{18767206-9205-42D0-A2AE-5A1017D4CB08}"/>
-              </a:ext>
-            </a:extLst>
-          </p:cNvPr>
-          <p:cNvSpPr txBox="1"/>
-          <p:nvPr/>
+          <p:cNvPr id="2" name="Title 1">
+            <a:extLst>
+              <a:ext uri="{FF2B5EF4-FFF2-40B4-BE49-F238E27FC236}">
+                <a16:creationId xmlns:a16="http://schemas.microsoft.com/office/drawing/2014/main" id="{267862F2-D4D4-4F5B-B69F-65226C837768}"/>
+              </a:ext>
+            </a:extLst>
+          </p:cNvPr>
+          <p:cNvSpPr>
+            <a:spLocks noGrp="1"/>
+          </p:cNvSpPr>
+          <p:nvPr>
+            <p:ph type="ctrTitle"/>
+          </p:nvPr>
         </p:nvSpPr>
-        <p:spPr>
-          <a:xfrm>
-            <a:off x="145775" y="132522"/>
-            <a:ext cx="11781182" cy="6725478"/>
-          </a:xfrm>
-          <a:prstGeom prst="rect">
-            <a:avLst/>
-          </a:prstGeom>
-          <a:noFill/>
-        </p:spPr>
+        <p:spPr/>
         <p:txBody>
-          <a:bodyPr wrap="square" rtlCol="0">
-            <a:spAutoFit/>
-          </a:bodyPr>
+          <a:bodyPr/>
           <a:lstStyle/>
           <a:p>
             <a:r>
-              <a:rPr lang="en-GB" sz="3200" b="1" dirty="0"/>
-              <a:t>Thread</a:t>
-            </a:r>
-          </a:p>
-          <a:p>
-            <a:pPr marL="457200" indent="-457200">
-              <a:buFont typeface="Arial" panose="020B0604020202020204" pitchFamily="34" charset="0"/>
-              <a:buChar char="•"/>
-            </a:pPr>
-            <a:r>
-              <a:rPr lang="en-GB" sz="3200" dirty="0"/>
-              <a:t>Represents an actual OS-level thread, with its own stack and kernel resources. </a:t>
-            </a:r>
-          </a:p>
-          <a:p>
-            <a:pPr marL="457200" indent="-457200">
-              <a:buFont typeface="Arial" panose="020B0604020202020204" pitchFamily="34" charset="0"/>
-              <a:buChar char="•"/>
-            </a:pPr>
-            <a:r>
-              <a:rPr lang="en-GB" sz="3200" dirty="0"/>
-              <a:t>Allows the highest degree of control; you can Abort(), Suspend(), or Resume() a thread. You can also observe its state and set its properties such as its stack size. </a:t>
-            </a:r>
-          </a:p>
-          <a:p>
-            <a:pPr marL="457200" indent="-457200">
-              <a:buFont typeface="Arial" panose="020B0604020202020204" pitchFamily="34" charset="0"/>
-              <a:buChar char="•"/>
-            </a:pPr>
-            <a:r>
-              <a:rPr lang="en-GB" sz="3200" dirty="0"/>
-              <a:t>The problem with using this class is that OS threads are costly. Each thread uses a non-trivial amount of memory for its stack and adds additional CPU overhead as the processor context-switches between threads. </a:t>
-            </a:r>
-          </a:p>
-          <a:p>
-            <a:pPr marL="457200" indent="-457200">
-              <a:buFont typeface="Arial" panose="020B0604020202020204" pitchFamily="34" charset="0"/>
-              <a:buChar char="•"/>
-            </a:pPr>
-            <a:r>
-              <a:rPr lang="en-GB" sz="3200" dirty="0"/>
-              <a:t>It’s considered good practice to only have a small pool of threads which are reused and execute code as work becomes available.</a:t>
-            </a:r>
-          </a:p>
-          <a:p>
-            <a:pPr marL="457200" indent="-457200">
-              <a:buFont typeface="Arial" panose="020B0604020202020204" pitchFamily="34" charset="0"/>
-              <a:buChar char="•"/>
-            </a:pPr>
-            <a:endParaRPr lang="en-GB" sz="3200" dirty="0"/>
+              <a:rPr lang="en-GB" dirty="0"/>
+              <a:t>Task, Task&lt;T&gt;, Thread and </a:t>
+            </a:r>
+            <a:r>
+              <a:rPr lang="en-GB" dirty="0" err="1"/>
+              <a:t>ThreadPool</a:t>
+            </a:r>
+            <a:r>
+              <a:rPr lang="en-GB" dirty="0"/>
+              <a:t> classes in C#</a:t>
+            </a:r>
           </a:p>
         </p:txBody>
       </p:sp>
     </p:spTree>
     <p:extLst>
       <p:ext uri="{BB962C8B-B14F-4D97-AF65-F5344CB8AC3E}">
-        <p14:creationId xmlns:p14="http://schemas.microsoft.com/office/powerpoint/2010/main" val="1487075976"/>
+        <p14:creationId xmlns:p14="http://schemas.microsoft.com/office/powerpoint/2010/main" val="2052231843"/>
       </p:ext>
     </p:extLst>
   </p:cSld>

--- a/Async and await presentation.pptx
+++ b/Async and await presentation.pptx
@@ -17932,7 +17932,7 @@
         <p:spPr>
           <a:xfrm>
             <a:off x="145775" y="132522"/>
-            <a:ext cx="11781182" cy="4647426"/>
+            <a:ext cx="11781182" cy="5016758"/>
           </a:xfrm>
           <a:prstGeom prst="rect">
             <a:avLst/>
@@ -17990,7 +17990,23 @@
             </a:pPr>
             <a:r>
               <a:rPr lang="en-GB" sz="2400" dirty="0"/>
-              <a:t>You have a long-running CPU-bound operation which can be parallelised and you have no issue </a:t>
+              <a:t>You have a </a:t>
+            </a:r>
+            <a:r>
+              <a:rPr lang="en-GB" sz="2400" b="1" dirty="0"/>
+              <a:t>long-running CPU-bound operation </a:t>
+            </a:r>
+            <a:r>
+              <a:rPr lang="en-GB" sz="2400" dirty="0"/>
+              <a:t>which can be parallelised and you have no issue with using multiple threads. For </a:t>
+            </a:r>
+            <a:r>
+              <a:rPr lang="en-GB" sz="2400" b="1" dirty="0"/>
+              <a:t>web applications this is a bad idea though</a:t>
+            </a:r>
+            <a:r>
+              <a:rPr lang="en-GB" sz="2400" dirty="0"/>
+              <a:t>, for reasons we’ll go into later.</a:t>
             </a:r>
           </a:p>
           <a:p>
@@ -17998,20 +18014,17 @@
               <a:buFont typeface="Arial" panose="020B0604020202020204" pitchFamily="34" charset="0"/>
               <a:buChar char="•"/>
             </a:pPr>
+            <a:endParaRPr lang="en-GB" sz="2400" dirty="0"/>
+          </a:p>
+          <a:p>
             <a:endParaRPr lang="en-GB" sz="2400" b="1" dirty="0"/>
           </a:p>
           <a:p>
-            <a:pPr marL="457200" indent="-457200">
-              <a:buFont typeface="Arial" panose="020B0604020202020204" pitchFamily="34" charset="0"/>
-              <a:buChar char="•"/>
-            </a:pPr>
-            <a:endParaRPr lang="en-GB" sz="2400" b="1" dirty="0"/>
-          </a:p>
-          <a:p>
-            <a:pPr marL="457200" indent="-457200">
-              <a:buFont typeface="Arial" panose="020B0604020202020204" pitchFamily="34" charset="0"/>
-              <a:buChar char="•"/>
-            </a:pPr>
+            <a:pPr algn="ctr"/>
+            <a:r>
+              <a:rPr lang="en-GB" sz="2400" b="1" dirty="0"/>
+              <a:t>So how do you write asynchronous code properly in C#? </a:t>
+            </a:r>
             <a:endParaRPr lang="en-GB" sz="2400" dirty="0"/>
           </a:p>
           <a:p>

--- a/Async and await presentation.pptx
+++ b/Async and await presentation.pptx
@@ -18,59 +18,59 @@
     <p:sldId id="259" r:id="rId12"/>
     <p:sldId id="260" r:id="rId13"/>
     <p:sldId id="261" r:id="rId14"/>
-    <p:sldId id="317" r:id="rId15"/>
-    <p:sldId id="266" r:id="rId16"/>
-    <p:sldId id="319" r:id="rId17"/>
-    <p:sldId id="318" r:id="rId18"/>
-    <p:sldId id="265" r:id="rId19"/>
-    <p:sldId id="267" r:id="rId20"/>
-    <p:sldId id="268" r:id="rId21"/>
-    <p:sldId id="278" r:id="rId22"/>
-    <p:sldId id="279" r:id="rId23"/>
-    <p:sldId id="269" r:id="rId24"/>
-    <p:sldId id="280" r:id="rId25"/>
-    <p:sldId id="281" r:id="rId26"/>
-    <p:sldId id="295" r:id="rId27"/>
-    <p:sldId id="270" r:id="rId28"/>
-    <p:sldId id="282" r:id="rId29"/>
-    <p:sldId id="283" r:id="rId30"/>
-    <p:sldId id="274" r:id="rId31"/>
-    <p:sldId id="284" r:id="rId32"/>
-    <p:sldId id="285" r:id="rId33"/>
-    <p:sldId id="272" r:id="rId34"/>
-    <p:sldId id="273" r:id="rId35"/>
-    <p:sldId id="275" r:id="rId36"/>
-    <p:sldId id="276" r:id="rId37"/>
-    <p:sldId id="286" r:id="rId38"/>
-    <p:sldId id="290" r:id="rId39"/>
-    <p:sldId id="277" r:id="rId40"/>
-    <p:sldId id="287" r:id="rId41"/>
-    <p:sldId id="288" r:id="rId42"/>
-    <p:sldId id="289" r:id="rId43"/>
-    <p:sldId id="293" r:id="rId44"/>
-    <p:sldId id="292" r:id="rId45"/>
-    <p:sldId id="294" r:id="rId46"/>
-    <p:sldId id="296" r:id="rId47"/>
-    <p:sldId id="304" r:id="rId48"/>
-    <p:sldId id="298" r:id="rId49"/>
-    <p:sldId id="308" r:id="rId50"/>
-    <p:sldId id="299" r:id="rId51"/>
-    <p:sldId id="309" r:id="rId52"/>
-    <p:sldId id="300" r:id="rId53"/>
-    <p:sldId id="316" r:id="rId54"/>
-    <p:sldId id="301" r:id="rId55"/>
-    <p:sldId id="310" r:id="rId56"/>
-    <p:sldId id="302" r:id="rId57"/>
-    <p:sldId id="311" r:id="rId58"/>
-    <p:sldId id="303" r:id="rId59"/>
-    <p:sldId id="312" r:id="rId60"/>
-    <p:sldId id="305" r:id="rId61"/>
-    <p:sldId id="313" r:id="rId62"/>
-    <p:sldId id="306" r:id="rId63"/>
-    <p:sldId id="314" r:id="rId64"/>
-    <p:sldId id="307" r:id="rId65"/>
-    <p:sldId id="315" r:id="rId66"/>
-    <p:sldId id="297" r:id="rId67"/>
+    <p:sldId id="325" r:id="rId15"/>
+    <p:sldId id="317" r:id="rId16"/>
+    <p:sldId id="266" r:id="rId17"/>
+    <p:sldId id="297" r:id="rId18"/>
+    <p:sldId id="318" r:id="rId19"/>
+    <p:sldId id="265" r:id="rId20"/>
+    <p:sldId id="267" r:id="rId21"/>
+    <p:sldId id="268" r:id="rId22"/>
+    <p:sldId id="278" r:id="rId23"/>
+    <p:sldId id="279" r:id="rId24"/>
+    <p:sldId id="269" r:id="rId25"/>
+    <p:sldId id="280" r:id="rId26"/>
+    <p:sldId id="281" r:id="rId27"/>
+    <p:sldId id="295" r:id="rId28"/>
+    <p:sldId id="270" r:id="rId29"/>
+    <p:sldId id="282" r:id="rId30"/>
+    <p:sldId id="283" r:id="rId31"/>
+    <p:sldId id="274" r:id="rId32"/>
+    <p:sldId id="284" r:id="rId33"/>
+    <p:sldId id="285" r:id="rId34"/>
+    <p:sldId id="272" r:id="rId35"/>
+    <p:sldId id="273" r:id="rId36"/>
+    <p:sldId id="275" r:id="rId37"/>
+    <p:sldId id="276" r:id="rId38"/>
+    <p:sldId id="286" r:id="rId39"/>
+    <p:sldId id="290" r:id="rId40"/>
+    <p:sldId id="277" r:id="rId41"/>
+    <p:sldId id="287" r:id="rId42"/>
+    <p:sldId id="288" r:id="rId43"/>
+    <p:sldId id="289" r:id="rId44"/>
+    <p:sldId id="293" r:id="rId45"/>
+    <p:sldId id="292" r:id="rId46"/>
+    <p:sldId id="294" r:id="rId47"/>
+    <p:sldId id="296" r:id="rId48"/>
+    <p:sldId id="304" r:id="rId49"/>
+    <p:sldId id="298" r:id="rId50"/>
+    <p:sldId id="308" r:id="rId51"/>
+    <p:sldId id="299" r:id="rId52"/>
+    <p:sldId id="309" r:id="rId53"/>
+    <p:sldId id="300" r:id="rId54"/>
+    <p:sldId id="316" r:id="rId55"/>
+    <p:sldId id="301" r:id="rId56"/>
+    <p:sldId id="310" r:id="rId57"/>
+    <p:sldId id="302" r:id="rId58"/>
+    <p:sldId id="311" r:id="rId59"/>
+    <p:sldId id="303" r:id="rId60"/>
+    <p:sldId id="312" r:id="rId61"/>
+    <p:sldId id="305" r:id="rId62"/>
+    <p:sldId id="313" r:id="rId63"/>
+    <p:sldId id="306" r:id="rId64"/>
+    <p:sldId id="314" r:id="rId65"/>
+    <p:sldId id="307" r:id="rId66"/>
+    <p:sldId id="315" r:id="rId67"/>
   </p:sldIdLst>
   <p:sldSz cx="12192000" cy="6858000"/>
   <p:notesSz cx="6858000" cy="9144000"/>
@@ -326,7 +326,7 @@
           <a:p>
             <a:fld id="{BFEF692B-FC3E-4552-B87F-4B5A00EB12B2}" type="datetimeFigureOut">
               <a:rPr lang="en-GB" smtClean="0"/>
-              <a:t>04/03/2020</a:t>
+              <a:t>05/03/2020</a:t>
             </a:fld>
             <a:endParaRPr lang="en-GB"/>
           </a:p>
@@ -526,7 +526,7 @@
           <a:p>
             <a:fld id="{BFEF692B-FC3E-4552-B87F-4B5A00EB12B2}" type="datetimeFigureOut">
               <a:rPr lang="en-GB" smtClean="0"/>
-              <a:t>04/03/2020</a:t>
+              <a:t>05/03/2020</a:t>
             </a:fld>
             <a:endParaRPr lang="en-GB"/>
           </a:p>
@@ -736,7 +736,7 @@
           <a:p>
             <a:fld id="{BFEF692B-FC3E-4552-B87F-4B5A00EB12B2}" type="datetimeFigureOut">
               <a:rPr lang="en-GB" smtClean="0"/>
-              <a:t>04/03/2020</a:t>
+              <a:t>05/03/2020</a:t>
             </a:fld>
             <a:endParaRPr lang="en-GB"/>
           </a:p>
@@ -936,7 +936,7 @@
           <a:p>
             <a:fld id="{BFEF692B-FC3E-4552-B87F-4B5A00EB12B2}" type="datetimeFigureOut">
               <a:rPr lang="en-GB" smtClean="0"/>
-              <a:t>04/03/2020</a:t>
+              <a:t>05/03/2020</a:t>
             </a:fld>
             <a:endParaRPr lang="en-GB"/>
           </a:p>
@@ -1212,7 +1212,7 @@
           <a:p>
             <a:fld id="{BFEF692B-FC3E-4552-B87F-4B5A00EB12B2}" type="datetimeFigureOut">
               <a:rPr lang="en-GB" smtClean="0"/>
-              <a:t>04/03/2020</a:t>
+              <a:t>05/03/2020</a:t>
             </a:fld>
             <a:endParaRPr lang="en-GB"/>
           </a:p>
@@ -1480,7 +1480,7 @@
           <a:p>
             <a:fld id="{BFEF692B-FC3E-4552-B87F-4B5A00EB12B2}" type="datetimeFigureOut">
               <a:rPr lang="en-GB" smtClean="0"/>
-              <a:t>04/03/2020</a:t>
+              <a:t>05/03/2020</a:t>
             </a:fld>
             <a:endParaRPr lang="en-GB"/>
           </a:p>
@@ -1895,7 +1895,7 @@
           <a:p>
             <a:fld id="{BFEF692B-FC3E-4552-B87F-4B5A00EB12B2}" type="datetimeFigureOut">
               <a:rPr lang="en-GB" smtClean="0"/>
-              <a:t>04/03/2020</a:t>
+              <a:t>05/03/2020</a:t>
             </a:fld>
             <a:endParaRPr lang="en-GB"/>
           </a:p>
@@ -2037,7 +2037,7 @@
           <a:p>
             <a:fld id="{BFEF692B-FC3E-4552-B87F-4B5A00EB12B2}" type="datetimeFigureOut">
               <a:rPr lang="en-GB" smtClean="0"/>
-              <a:t>04/03/2020</a:t>
+              <a:t>05/03/2020</a:t>
             </a:fld>
             <a:endParaRPr lang="en-GB"/>
           </a:p>
@@ -2150,7 +2150,7 @@
           <a:p>
             <a:fld id="{BFEF692B-FC3E-4552-B87F-4B5A00EB12B2}" type="datetimeFigureOut">
               <a:rPr lang="en-GB" smtClean="0"/>
-              <a:t>04/03/2020</a:t>
+              <a:t>05/03/2020</a:t>
             </a:fld>
             <a:endParaRPr lang="en-GB"/>
           </a:p>
@@ -2463,7 +2463,7 @@
           <a:p>
             <a:fld id="{BFEF692B-FC3E-4552-B87F-4B5A00EB12B2}" type="datetimeFigureOut">
               <a:rPr lang="en-GB" smtClean="0"/>
-              <a:t>04/03/2020</a:t>
+              <a:t>05/03/2020</a:t>
             </a:fld>
             <a:endParaRPr lang="en-GB"/>
           </a:p>
@@ -2752,7 +2752,7 @@
           <a:p>
             <a:fld id="{BFEF692B-FC3E-4552-B87F-4B5A00EB12B2}" type="datetimeFigureOut">
               <a:rPr lang="en-GB" smtClean="0"/>
-              <a:t>04/03/2020</a:t>
+              <a:t>05/03/2020</a:t>
             </a:fld>
             <a:endParaRPr lang="en-GB"/>
           </a:p>
@@ -2995,7 +2995,7 @@
           <a:p>
             <a:fld id="{BFEF692B-FC3E-4552-B87F-4B5A00EB12B2}" type="datetimeFigureOut">
               <a:rPr lang="en-GB" smtClean="0"/>
-              <a:t>04/03/2020</a:t>
+              <a:t>05/03/2020</a:t>
             </a:fld>
             <a:endParaRPr lang="en-GB"/>
           </a:p>
@@ -4099,7 +4099,7 @@
         <p:spPr>
           <a:xfrm>
             <a:off x="145775" y="132522"/>
-            <a:ext cx="11781182" cy="584775"/>
+            <a:ext cx="11781182" cy="1938992"/>
           </a:xfrm>
           <a:prstGeom prst="rect">
             <a:avLst/>
@@ -4114,140 +4114,56 @@
           <a:p>
             <a:r>
               <a:rPr lang="en-GB" sz="3200" b="1" dirty="0"/>
-              <a:t>Here are some example of synchronous methods in C#:</a:t>
-            </a:r>
-          </a:p>
-        </p:txBody>
-      </p:sp>
-      <p:pic>
-        <p:nvPicPr>
-          <p:cNvPr id="2" name="Picture 1">
-            <a:extLst>
-              <a:ext uri="{FF2B5EF4-FFF2-40B4-BE49-F238E27FC236}">
-                <a16:creationId xmlns:a16="http://schemas.microsoft.com/office/drawing/2014/main" id="{136A1FC5-97AC-4D35-A13E-09392AB806BF}"/>
-              </a:ext>
-            </a:extLst>
-          </p:cNvPr>
-          <p:cNvPicPr>
-            <a:picLocks noChangeAspect="1"/>
-          </p:cNvPicPr>
-          <p:nvPr/>
-        </p:nvPicPr>
-        <p:blipFill>
-          <a:blip r:embed="rId2"/>
-          <a:stretch>
-            <a:fillRect/>
-          </a:stretch>
-        </p:blipFill>
-        <p:spPr>
-          <a:xfrm>
-            <a:off x="5650335" y="1211488"/>
-            <a:ext cx="6175022" cy="2325282"/>
-          </a:xfrm>
-          <a:prstGeom prst="rect">
-            <a:avLst/>
-          </a:prstGeom>
-        </p:spPr>
-      </p:pic>
-      <p:pic>
-        <p:nvPicPr>
-          <p:cNvPr id="3" name="Picture 2">
-            <a:extLst>
-              <a:ext uri="{FF2B5EF4-FFF2-40B4-BE49-F238E27FC236}">
-                <a16:creationId xmlns:a16="http://schemas.microsoft.com/office/drawing/2014/main" id="{A5715088-701E-4AE3-B68C-8DF783327A99}"/>
-              </a:ext>
-            </a:extLst>
-          </p:cNvPr>
-          <p:cNvPicPr>
-            <a:picLocks noChangeAspect="1"/>
-          </p:cNvPicPr>
-          <p:nvPr/>
-        </p:nvPicPr>
-        <p:blipFill>
-          <a:blip r:embed="rId3"/>
-          <a:stretch>
-            <a:fillRect/>
-          </a:stretch>
-        </p:blipFill>
-        <p:spPr>
-          <a:xfrm>
-            <a:off x="526207" y="1211488"/>
-            <a:ext cx="4591050" cy="2105025"/>
-          </a:xfrm>
-          <a:prstGeom prst="rect">
-            <a:avLst/>
-          </a:prstGeom>
-        </p:spPr>
-      </p:pic>
-      <p:pic>
-        <p:nvPicPr>
-          <p:cNvPr id="5" name="Picture 4">
-            <a:extLst>
-              <a:ext uri="{FF2B5EF4-FFF2-40B4-BE49-F238E27FC236}">
-                <a16:creationId xmlns:a16="http://schemas.microsoft.com/office/drawing/2014/main" id="{4F9BE8B1-40C1-42F0-A075-B369F7D0DE93}"/>
-              </a:ext>
-            </a:extLst>
-          </p:cNvPr>
-          <p:cNvPicPr>
-            <a:picLocks noChangeAspect="1"/>
-          </p:cNvPicPr>
-          <p:nvPr/>
-        </p:nvPicPr>
-        <p:blipFill>
-          <a:blip r:embed="rId4"/>
-          <a:stretch>
-            <a:fillRect/>
-          </a:stretch>
-        </p:blipFill>
-        <p:spPr>
-          <a:xfrm>
-            <a:off x="1870788" y="3698047"/>
-            <a:ext cx="8077200" cy="1562100"/>
-          </a:xfrm>
-          <a:prstGeom prst="rect">
-            <a:avLst/>
-          </a:prstGeom>
-        </p:spPr>
-      </p:pic>
-      <p:sp>
-        <p:nvSpPr>
-          <p:cNvPr id="7" name="Rectangle 6">
-            <a:extLst>
-              <a:ext uri="{FF2B5EF4-FFF2-40B4-BE49-F238E27FC236}">
-                <a16:creationId xmlns:a16="http://schemas.microsoft.com/office/drawing/2014/main" id="{F360AEFE-75F4-45D0-9D24-4D6C2B4E87B2}"/>
-              </a:ext>
-            </a:extLst>
-          </p:cNvPr>
-          <p:cNvSpPr/>
-          <p:nvPr/>
-        </p:nvSpPr>
-        <p:spPr>
-          <a:xfrm>
-            <a:off x="145775" y="5718406"/>
-            <a:ext cx="11679581" cy="584775"/>
-          </a:xfrm>
-          <a:prstGeom prst="rect">
-            <a:avLst/>
-          </a:prstGeom>
-        </p:spPr>
-        <p:txBody>
-          <a:bodyPr wrap="square">
-            <a:spAutoFit/>
-          </a:bodyPr>
-          <a:lstStyle/>
-          <a:p>
-            <a:pPr algn="ctr"/>
+              <a:t>How Task and Task&lt;</a:t>
+            </a:r>
+            <a:r>
+              <a:rPr lang="en-GB" sz="3200" b="1" dirty="0" err="1"/>
+              <a:t>TResult</a:t>
+            </a:r>
             <a:r>
               <a:rPr lang="en-GB" sz="3200" b="1" dirty="0"/>
-              <a:t>Notice that all of these methods are CPU-bound</a:t>
-            </a:r>
+              <a:t>&gt; actually work</a:t>
+            </a:r>
+          </a:p>
+          <a:p>
+            <a:endParaRPr lang="en-GB" sz="3200" b="1" dirty="0"/>
+          </a:p>
+          <a:p>
+            <a:r>
+              <a:rPr lang="en-GB" sz="2400" dirty="0"/>
+              <a:t>Status, </a:t>
+            </a:r>
+            <a:r>
+              <a:rPr lang="en-GB" sz="2400" dirty="0" err="1"/>
+              <a:t>IsCompleted</a:t>
+            </a:r>
+            <a:r>
+              <a:rPr lang="en-GB" sz="2400" dirty="0"/>
+              <a:t>, </a:t>
+            </a:r>
+            <a:r>
+              <a:rPr lang="en-GB" sz="2400" dirty="0" err="1"/>
+              <a:t>IsFaulted</a:t>
+            </a:r>
+            <a:r>
+              <a:rPr lang="en-GB" sz="2400" dirty="0"/>
+              <a:t>, </a:t>
+            </a:r>
+            <a:r>
+              <a:rPr lang="en-GB" sz="2400" dirty="0" err="1"/>
+              <a:t>IsCanceled</a:t>
+            </a:r>
+            <a:endParaRPr lang="en-GB" sz="2400" dirty="0"/>
+          </a:p>
+          <a:p>
+            <a:endParaRPr lang="en-GB" sz="3200" b="1" dirty="0"/>
           </a:p>
         </p:txBody>
       </p:sp>
     </p:spTree>
     <p:extLst>
       <p:ext uri="{BB962C8B-B14F-4D97-AF65-F5344CB8AC3E}">
-        <p14:creationId xmlns:p14="http://schemas.microsoft.com/office/powerpoint/2010/main" val="220451678"/>
+        <p14:creationId xmlns:p14="http://schemas.microsoft.com/office/powerpoint/2010/main" val="2101643600"/>
       </p:ext>
     </p:extLst>
   </p:cSld>
@@ -4289,7 +4205,7 @@
         <p:spPr>
           <a:xfrm>
             <a:off x="145775" y="132522"/>
-            <a:ext cx="11781182" cy="6555641"/>
+            <a:ext cx="11781182" cy="584775"/>
           </a:xfrm>
           <a:prstGeom prst="rect">
             <a:avLst/>
@@ -4303,95 +4219,136 @@
           <a:lstStyle/>
           <a:p>
             <a:r>
-              <a:rPr lang="en-GB" sz="2800" b="1" dirty="0"/>
-              <a:t>Some (possibly confusing) facts about synchronous and asynchronous code</a:t>
-            </a:r>
-          </a:p>
-          <a:p>
-            <a:endParaRPr lang="en-GB" sz="2800" dirty="0"/>
-          </a:p>
-          <a:p>
-            <a:pPr marL="457200" indent="-457200">
-              <a:buFont typeface="Arial" panose="020B0604020202020204" pitchFamily="34" charset="0"/>
-              <a:buChar char="•"/>
-            </a:pPr>
-            <a:r>
-              <a:rPr lang="en-GB" sz="2800" dirty="0"/>
-              <a:t>Synchronous code may or may not run in the same thread.</a:t>
-            </a:r>
-          </a:p>
-          <a:p>
-            <a:pPr marL="457200" indent="-457200">
-              <a:buFont typeface="Arial" panose="020B0604020202020204" pitchFamily="34" charset="0"/>
-              <a:buChar char="•"/>
-            </a:pPr>
-            <a:endParaRPr lang="en-GB" sz="2800" dirty="0"/>
-          </a:p>
-          <a:p>
-            <a:pPr marL="457200" indent="-457200">
-              <a:buFont typeface="Arial" panose="020B0604020202020204" pitchFamily="34" charset="0"/>
-              <a:buChar char="•"/>
-            </a:pPr>
-            <a:r>
-              <a:rPr lang="en-GB" sz="2800" dirty="0"/>
-              <a:t>Synchronous operations can be performed sequentially, or simultaneously. </a:t>
-            </a:r>
-          </a:p>
-          <a:p>
-            <a:pPr marL="457200" indent="-457200">
-              <a:buFont typeface="Arial" panose="020B0604020202020204" pitchFamily="34" charset="0"/>
-              <a:buChar char="•"/>
-            </a:pPr>
-            <a:endParaRPr lang="en-GB" sz="2800" dirty="0"/>
-          </a:p>
-          <a:p>
-            <a:pPr marL="457200" indent="-457200">
-              <a:buFont typeface="Arial" panose="020B0604020202020204" pitchFamily="34" charset="0"/>
-              <a:buChar char="•"/>
-            </a:pPr>
-            <a:r>
-              <a:rPr lang="en-GB" sz="2800" dirty="0"/>
-              <a:t>Asynchronous operations may or may not run in multiple threads. </a:t>
-            </a:r>
-          </a:p>
-          <a:p>
-            <a:pPr marL="457200" indent="-457200">
-              <a:buFont typeface="Arial" panose="020B0604020202020204" pitchFamily="34" charset="0"/>
-              <a:buChar char="•"/>
-            </a:pPr>
-            <a:endParaRPr lang="en-GB" sz="2800" dirty="0"/>
-          </a:p>
-          <a:p>
-            <a:pPr marL="457200" indent="-457200">
-              <a:buFont typeface="Arial" panose="020B0604020202020204" pitchFamily="34" charset="0"/>
-              <a:buChar char="•"/>
-            </a:pPr>
-            <a:r>
-              <a:rPr lang="en-GB" sz="2800" dirty="0"/>
-              <a:t>Asynchronous operations can be just scheduled but never guaranteed to run at a certain time. </a:t>
-            </a:r>
-          </a:p>
-          <a:p>
-            <a:endParaRPr lang="en-GB" sz="2800" dirty="0"/>
-          </a:p>
-          <a:p>
-            <a:r>
-              <a:rPr lang="en-GB" sz="2800" dirty="0"/>
-              <a:t>Asynchrony has nothing to do with “other threads”, “background”, “simultaneous”, or “concurrent”. All of those things are irrelevant. </a:t>
-            </a:r>
-          </a:p>
-          <a:p>
-            <a:r>
-              <a:rPr lang="en-GB" sz="2800" dirty="0"/>
-              <a:t>It’s just a way to design code where you can avoid both resource contention and thread blocking. </a:t>
+              <a:rPr lang="en-GB" sz="3200" b="1" dirty="0"/>
+              <a:t>Here are some example of synchronous operations in C#:</a:t>
             </a:r>
           </a:p>
         </p:txBody>
       </p:sp>
+      <p:pic>
+        <p:nvPicPr>
+          <p:cNvPr id="2" name="Picture 1">
+            <a:extLst>
+              <a:ext uri="{FF2B5EF4-FFF2-40B4-BE49-F238E27FC236}">
+                <a16:creationId xmlns:a16="http://schemas.microsoft.com/office/drawing/2014/main" id="{136A1FC5-97AC-4D35-A13E-09392AB806BF}"/>
+              </a:ext>
+            </a:extLst>
+          </p:cNvPr>
+          <p:cNvPicPr>
+            <a:picLocks noChangeAspect="1"/>
+          </p:cNvPicPr>
+          <p:nvPr/>
+        </p:nvPicPr>
+        <p:blipFill>
+          <a:blip r:embed="rId2"/>
+          <a:stretch>
+            <a:fillRect/>
+          </a:stretch>
+        </p:blipFill>
+        <p:spPr>
+          <a:xfrm>
+            <a:off x="520904" y="763580"/>
+            <a:ext cx="5203621" cy="1959489"/>
+          </a:xfrm>
+          <a:prstGeom prst="rect">
+            <a:avLst/>
+          </a:prstGeom>
+        </p:spPr>
+      </p:pic>
+      <p:pic>
+        <p:nvPicPr>
+          <p:cNvPr id="3" name="Picture 2">
+            <a:extLst>
+              <a:ext uri="{FF2B5EF4-FFF2-40B4-BE49-F238E27FC236}">
+                <a16:creationId xmlns:a16="http://schemas.microsoft.com/office/drawing/2014/main" id="{A5715088-701E-4AE3-B68C-8DF783327A99}"/>
+              </a:ext>
+            </a:extLst>
+          </p:cNvPr>
+          <p:cNvPicPr>
+            <a:picLocks noChangeAspect="1"/>
+          </p:cNvPicPr>
+          <p:nvPr/>
+        </p:nvPicPr>
+        <p:blipFill>
+          <a:blip r:embed="rId3"/>
+          <a:stretch>
+            <a:fillRect/>
+          </a:stretch>
+        </p:blipFill>
+        <p:spPr>
+          <a:xfrm>
+            <a:off x="520904" y="2883566"/>
+            <a:ext cx="4089196" cy="1874922"/>
+          </a:xfrm>
+          <a:prstGeom prst="rect">
+            <a:avLst/>
+          </a:prstGeom>
+        </p:spPr>
+      </p:pic>
+      <p:pic>
+        <p:nvPicPr>
+          <p:cNvPr id="5" name="Picture 4">
+            <a:extLst>
+              <a:ext uri="{FF2B5EF4-FFF2-40B4-BE49-F238E27FC236}">
+                <a16:creationId xmlns:a16="http://schemas.microsoft.com/office/drawing/2014/main" id="{4F9BE8B1-40C1-42F0-A075-B369F7D0DE93}"/>
+              </a:ext>
+            </a:extLst>
+          </p:cNvPr>
+          <p:cNvPicPr>
+            <a:picLocks noChangeAspect="1"/>
+          </p:cNvPicPr>
+          <p:nvPr/>
+        </p:nvPicPr>
+        <p:blipFill>
+          <a:blip r:embed="rId4"/>
+          <a:stretch>
+            <a:fillRect/>
+          </a:stretch>
+        </p:blipFill>
+        <p:spPr>
+          <a:xfrm>
+            <a:off x="5924621" y="763580"/>
+            <a:ext cx="6121604" cy="1183894"/>
+          </a:xfrm>
+          <a:prstGeom prst="rect">
+            <a:avLst/>
+          </a:prstGeom>
+        </p:spPr>
+      </p:pic>
+      <p:pic>
+        <p:nvPicPr>
+          <p:cNvPr id="6" name="Picture 5">
+            <a:extLst>
+              <a:ext uri="{FF2B5EF4-FFF2-40B4-BE49-F238E27FC236}">
+                <a16:creationId xmlns:a16="http://schemas.microsoft.com/office/drawing/2014/main" id="{D2119DEB-5FEE-4E4F-B6E1-86F9E90B5B6B}"/>
+              </a:ext>
+            </a:extLst>
+          </p:cNvPr>
+          <p:cNvPicPr>
+            <a:picLocks noChangeAspect="1"/>
+          </p:cNvPicPr>
+          <p:nvPr/>
+        </p:nvPicPr>
+        <p:blipFill>
+          <a:blip r:embed="rId5"/>
+          <a:stretch>
+            <a:fillRect/>
+          </a:stretch>
+        </p:blipFill>
+        <p:spPr>
+          <a:xfrm>
+            <a:off x="5345111" y="2883566"/>
+            <a:ext cx="6581846" cy="853861"/>
+          </a:xfrm>
+          <a:prstGeom prst="rect">
+            <a:avLst/>
+          </a:prstGeom>
+        </p:spPr>
+      </p:pic>
     </p:spTree>
     <p:extLst>
       <p:ext uri="{BB962C8B-B14F-4D97-AF65-F5344CB8AC3E}">
-        <p14:creationId xmlns:p14="http://schemas.microsoft.com/office/powerpoint/2010/main" val="777985352"/>
+        <p14:creationId xmlns:p14="http://schemas.microsoft.com/office/powerpoint/2010/main" val="220451678"/>
       </p:ext>
     </p:extLst>
   </p:cSld>
@@ -4433,7 +4390,7 @@
         <p:spPr>
           <a:xfrm>
             <a:off x="145775" y="132522"/>
-            <a:ext cx="11781182" cy="584775"/>
+            <a:ext cx="11781182" cy="6555641"/>
           </a:xfrm>
           <a:prstGeom prst="rect">
             <a:avLst/>
@@ -4447,8 +4404,87 @@
           <a:lstStyle/>
           <a:p>
             <a:r>
-              <a:rPr lang="en-GB" sz="3200" b="1" dirty="0"/>
-              <a:t>Here are some example of asynchronous methods in C#:</a:t>
+              <a:rPr lang="en-GB" sz="2800" b="1" dirty="0"/>
+              <a:t>Some (possibly confusing) facts about synchronous and asynchronous code</a:t>
+            </a:r>
+          </a:p>
+          <a:p>
+            <a:endParaRPr lang="en-GB" sz="2800" dirty="0"/>
+          </a:p>
+          <a:p>
+            <a:pPr marL="457200" indent="-457200">
+              <a:buFont typeface="Arial" panose="020B0604020202020204" pitchFamily="34" charset="0"/>
+              <a:buChar char="•"/>
+            </a:pPr>
+            <a:r>
+              <a:rPr lang="en-GB" sz="2800" dirty="0"/>
+              <a:t>Synchronous code may or may not run in the same thread.</a:t>
+            </a:r>
+          </a:p>
+          <a:p>
+            <a:pPr marL="457200" indent="-457200">
+              <a:buFont typeface="Arial" panose="020B0604020202020204" pitchFamily="34" charset="0"/>
+              <a:buChar char="•"/>
+            </a:pPr>
+            <a:endParaRPr lang="en-GB" sz="2800" dirty="0"/>
+          </a:p>
+          <a:p>
+            <a:pPr marL="457200" indent="-457200">
+              <a:buFont typeface="Arial" panose="020B0604020202020204" pitchFamily="34" charset="0"/>
+              <a:buChar char="•"/>
+            </a:pPr>
+            <a:r>
+              <a:rPr lang="en-GB" sz="2800" dirty="0"/>
+              <a:t>Synchronous operations can be performed sequentially, or simultaneously. </a:t>
+            </a:r>
+          </a:p>
+          <a:p>
+            <a:pPr marL="457200" indent="-457200">
+              <a:buFont typeface="Arial" panose="020B0604020202020204" pitchFamily="34" charset="0"/>
+              <a:buChar char="•"/>
+            </a:pPr>
+            <a:endParaRPr lang="en-GB" sz="2800" dirty="0"/>
+          </a:p>
+          <a:p>
+            <a:pPr marL="457200" indent="-457200">
+              <a:buFont typeface="Arial" panose="020B0604020202020204" pitchFamily="34" charset="0"/>
+              <a:buChar char="•"/>
+            </a:pPr>
+            <a:r>
+              <a:rPr lang="en-GB" sz="2800" dirty="0"/>
+              <a:t>Asynchronous operations may or may not run in multiple threads. </a:t>
+            </a:r>
+          </a:p>
+          <a:p>
+            <a:pPr marL="457200" indent="-457200">
+              <a:buFont typeface="Arial" panose="020B0604020202020204" pitchFamily="34" charset="0"/>
+              <a:buChar char="•"/>
+            </a:pPr>
+            <a:endParaRPr lang="en-GB" sz="2800" dirty="0"/>
+          </a:p>
+          <a:p>
+            <a:pPr marL="457200" indent="-457200">
+              <a:buFont typeface="Arial" panose="020B0604020202020204" pitchFamily="34" charset="0"/>
+              <a:buChar char="•"/>
+            </a:pPr>
+            <a:r>
+              <a:rPr lang="en-GB" sz="2800" dirty="0"/>
+              <a:t>Asynchronous operations can be just scheduled but never guaranteed to run at a certain time. </a:t>
+            </a:r>
+          </a:p>
+          <a:p>
+            <a:endParaRPr lang="en-GB" sz="2800" dirty="0"/>
+          </a:p>
+          <a:p>
+            <a:r>
+              <a:rPr lang="en-GB" sz="2800" dirty="0"/>
+              <a:t>Asynchrony has nothing to do with “other threads”, “background”, “simultaneous”, or “concurrent”. All of those things are irrelevant. </a:t>
+            </a:r>
+          </a:p>
+          <a:p>
+            <a:r>
+              <a:rPr lang="en-GB" sz="2800" dirty="0"/>
+              <a:t>It’s just a way to design code where you can avoid both resource contention and thread blocking. </a:t>
             </a:r>
           </a:p>
         </p:txBody>
@@ -4456,7 +4492,7 @@
     </p:spTree>
     <p:extLst>
       <p:ext uri="{BB962C8B-B14F-4D97-AF65-F5344CB8AC3E}">
-        <p14:creationId xmlns:p14="http://schemas.microsoft.com/office/powerpoint/2010/main" val="1723273691"/>
+        <p14:creationId xmlns:p14="http://schemas.microsoft.com/office/powerpoint/2010/main" val="777985352"/>
       </p:ext>
     </p:extLst>
   </p:cSld>
@@ -4497,8 +4533,8 @@
         </p:nvSpPr>
         <p:spPr>
           <a:xfrm>
-            <a:off x="145775" y="132522"/>
-            <a:ext cx="11781182" cy="5016758"/>
+            <a:off x="278297" y="212034"/>
+            <a:ext cx="11781182" cy="6524863"/>
           </a:xfrm>
           <a:prstGeom prst="rect">
             <a:avLst/>
@@ -4512,75 +4548,206 @@
           <a:lstStyle/>
           <a:p>
             <a:r>
-              <a:rPr lang="en-GB" sz="3200" b="1" dirty="0" err="1"/>
-              <a:t>Task.Run</a:t>
-            </a:r>
-            <a:endParaRPr lang="en-GB" sz="3200" b="1" dirty="0"/>
-          </a:p>
-          <a:p>
-            <a:endParaRPr lang="en-GB" sz="3200" b="1" dirty="0"/>
-          </a:p>
-          <a:p>
-            <a:r>
-              <a:rPr lang="en-GB" sz="3200" b="1" dirty="0" err="1"/>
-              <a:t>Task.Start</a:t>
-            </a:r>
-            <a:endParaRPr lang="en-GB" sz="3200" b="1" dirty="0"/>
-          </a:p>
-          <a:p>
-            <a:endParaRPr lang="en-GB" sz="3200" b="1" dirty="0"/>
-          </a:p>
-          <a:p>
-            <a:r>
-              <a:rPr lang="en-GB" sz="3200" b="1" dirty="0" err="1"/>
-              <a:t>Task.Wait</a:t>
-            </a:r>
-            <a:endParaRPr lang="en-GB" sz="3200" b="1" dirty="0"/>
-          </a:p>
-          <a:p>
-            <a:endParaRPr lang="en-GB" sz="3200" b="1" dirty="0"/>
-          </a:p>
-          <a:p>
-            <a:r>
-              <a:rPr lang="en-GB" sz="3200" b="1" dirty="0" err="1"/>
-              <a:t>Task.RunSynchronously</a:t>
-            </a:r>
-            <a:endParaRPr lang="en-GB" sz="3200" b="1" dirty="0"/>
-          </a:p>
-          <a:p>
-            <a:endParaRPr lang="en-GB" sz="3200" b="1" dirty="0"/>
-          </a:p>
-          <a:p>
-            <a:endParaRPr lang="en-GB" sz="3200" b="1" dirty="0"/>
-          </a:p>
-          <a:p>
-            <a:r>
-              <a:rPr lang="en-GB" sz="3200" b="1" dirty="0"/>
-              <a:t>Use </a:t>
-            </a:r>
-            <a:r>
-              <a:rPr lang="en-GB" sz="3200" b="1" dirty="0" err="1"/>
-              <a:t>Task.Delay</a:t>
-            </a:r>
-            <a:r>
-              <a:rPr lang="en-GB" sz="3200" b="1" dirty="0"/>
-              <a:t> instead of </a:t>
-            </a:r>
-            <a:r>
-              <a:rPr lang="en-GB" sz="3200" b="1" dirty="0" err="1"/>
-              <a:t>Thread.Sleep</a:t>
-            </a:r>
-            <a:r>
-              <a:rPr lang="en-GB" sz="3200" b="1" dirty="0"/>
-              <a:t> as it’s asynchronous</a:t>
-            </a:r>
+              <a:rPr lang="en-GB" sz="2200" b="1" dirty="0"/>
+              <a:t>Dealing with exceptions</a:t>
+            </a:r>
+          </a:p>
+          <a:p>
+            <a:endParaRPr lang="en-GB" sz="2200" b="1" dirty="0"/>
+          </a:p>
+          <a:p>
+            <a:pPr marL="342900" indent="-342900">
+              <a:buFont typeface="Arial" panose="020B0604020202020204" pitchFamily="34" charset="0"/>
+              <a:buChar char="•"/>
+            </a:pPr>
+            <a:r>
+              <a:rPr lang="en-GB" sz="2200" dirty="0"/>
+              <a:t>Observing the completion of a failed task by using </a:t>
+            </a:r>
+            <a:r>
+              <a:rPr lang="en-GB" sz="2200" b="1" dirty="0"/>
+              <a:t>Wait()</a:t>
+            </a:r>
+            <a:r>
+              <a:rPr lang="en-GB" sz="2200" dirty="0"/>
+              <a:t>,</a:t>
+            </a:r>
+            <a:r>
+              <a:rPr lang="en-GB" sz="2200" b="1" dirty="0"/>
+              <a:t> Result, await </a:t>
+            </a:r>
+            <a:r>
+              <a:rPr lang="en-GB" sz="2200" dirty="0"/>
+              <a:t>or </a:t>
+            </a:r>
+            <a:r>
+              <a:rPr lang="en-GB" sz="2200" b="1" dirty="0" err="1"/>
+              <a:t>GetAwaiter</a:t>
+            </a:r>
+            <a:r>
+              <a:rPr lang="en-GB" sz="2200" b="1" dirty="0"/>
+              <a:t>().</a:t>
+            </a:r>
+            <a:r>
+              <a:rPr lang="en-GB" sz="2200" b="1" dirty="0" err="1"/>
+              <a:t>GetResult</a:t>
+            </a:r>
+            <a:r>
+              <a:rPr lang="en-GB" sz="2200" b="1" dirty="0"/>
+              <a:t>() </a:t>
+            </a:r>
+            <a:r>
+              <a:rPr lang="en-GB" sz="2200" dirty="0"/>
+              <a:t>will propagate its exception. At this point, you need to handle it with a try/catch block. </a:t>
+            </a:r>
+          </a:p>
+          <a:p>
+            <a:pPr marL="342900" indent="-342900">
+              <a:buFont typeface="Arial" panose="020B0604020202020204" pitchFamily="34" charset="0"/>
+              <a:buChar char="•"/>
+            </a:pPr>
+            <a:endParaRPr lang="en-GB" sz="2200" dirty="0"/>
+          </a:p>
+          <a:p>
+            <a:pPr marL="342900" indent="-342900">
+              <a:buFont typeface="Arial" panose="020B0604020202020204" pitchFamily="34" charset="0"/>
+              <a:buChar char="•"/>
+            </a:pPr>
+            <a:r>
+              <a:rPr lang="en-GB" sz="2200" dirty="0"/>
+              <a:t>If a task is the parent of attached child tasks, or if you are waiting on multiple tasks, multiple exceptions could be thrown. These are grouped as a single </a:t>
+            </a:r>
+            <a:r>
+              <a:rPr lang="en-GB" sz="2200" b="1" dirty="0" err="1"/>
+              <a:t>AggregateException</a:t>
+            </a:r>
+            <a:r>
+              <a:rPr lang="en-GB" sz="2200" dirty="0"/>
+              <a:t>.</a:t>
+            </a:r>
+          </a:p>
+          <a:p>
+            <a:endParaRPr lang="en-GB" sz="2200" b="1" dirty="0"/>
+          </a:p>
+          <a:p>
+            <a:pPr marL="342900" indent="-342900">
+              <a:buFont typeface="Arial" panose="020B0604020202020204" pitchFamily="34" charset="0"/>
+              <a:buChar char="•"/>
+            </a:pPr>
+            <a:r>
+              <a:rPr lang="en-GB" sz="2200" dirty="0"/>
+              <a:t>Exceptions thrown within a task are always accessible from the </a:t>
+            </a:r>
+            <a:r>
+              <a:rPr lang="en-GB" sz="2200" b="1" dirty="0"/>
+              <a:t>Exception property</a:t>
+            </a:r>
+            <a:r>
+              <a:rPr lang="en-GB" sz="2200" dirty="0"/>
+              <a:t>. This is of type </a:t>
+            </a:r>
+            <a:r>
+              <a:rPr lang="en-GB" sz="2200" b="1" dirty="0" err="1"/>
+              <a:t>AggregateException</a:t>
+            </a:r>
+            <a:r>
+              <a:rPr lang="en-GB" sz="2200" dirty="0"/>
+              <a:t>. </a:t>
+            </a:r>
+          </a:p>
+          <a:p>
+            <a:endParaRPr lang="en-GB" sz="2200" b="1" dirty="0"/>
+          </a:p>
+          <a:p>
+            <a:pPr marL="342900" indent="-342900">
+              <a:buFont typeface="Arial" panose="020B0604020202020204" pitchFamily="34" charset="0"/>
+              <a:buChar char="•"/>
+            </a:pPr>
+            <a:r>
+              <a:rPr lang="en-GB" sz="2200" b="1" dirty="0"/>
+              <a:t>Using await or </a:t>
+            </a:r>
+            <a:r>
+              <a:rPr lang="en-GB" sz="2200" b="1" dirty="0" err="1"/>
+              <a:t>GetAwaiter</a:t>
+            </a:r>
+            <a:r>
+              <a:rPr lang="en-GB" sz="2200" b="1" dirty="0"/>
+              <a:t>().</a:t>
+            </a:r>
+            <a:r>
+              <a:rPr lang="en-GB" sz="2200" b="1" dirty="0" err="1"/>
+              <a:t>GetResult</a:t>
+            </a:r>
+            <a:r>
+              <a:rPr lang="en-GB" sz="2200" b="1" dirty="0"/>
+              <a:t>() will not throw an </a:t>
+            </a:r>
+            <a:r>
+              <a:rPr lang="en-GB" sz="2200" b="1" dirty="0" err="1"/>
+              <a:t>AggregateException</a:t>
+            </a:r>
+            <a:r>
+              <a:rPr lang="en-GB" sz="2200" dirty="0"/>
+              <a:t>. It will instead propagate the first exception which was thrown, just like when writing synchronous code. This is another key benefit to using async/await. You don’t have to worry about </a:t>
+            </a:r>
+            <a:r>
+              <a:rPr lang="en-GB" sz="2200" dirty="0" err="1"/>
+              <a:t>AggregateExceptions</a:t>
+            </a:r>
+            <a:r>
+              <a:rPr lang="en-GB" sz="2200" dirty="0"/>
+              <a:t>!</a:t>
+            </a:r>
+          </a:p>
+          <a:p>
+            <a:pPr marL="342900" indent="-342900">
+              <a:buFont typeface="Arial" panose="020B0604020202020204" pitchFamily="34" charset="0"/>
+              <a:buChar char="•"/>
+            </a:pPr>
+            <a:endParaRPr lang="en-GB" sz="2200" dirty="0"/>
+          </a:p>
+          <a:p>
+            <a:pPr marL="342900" indent="-342900">
+              <a:buFont typeface="Arial" panose="020B0604020202020204" pitchFamily="34" charset="0"/>
+              <a:buChar char="•"/>
+            </a:pPr>
+            <a:r>
+              <a:rPr lang="en-GB" sz="2200" dirty="0"/>
+              <a:t>If you don’t observe the completion of a task which has thrown an exception, the garbage collector will trigger the </a:t>
+            </a:r>
+            <a:r>
+              <a:rPr lang="en-GB" sz="2200" b="1" dirty="0" err="1"/>
+              <a:t>UnobservedTaskException</a:t>
+            </a:r>
+            <a:r>
+              <a:rPr lang="en-GB" sz="2200" dirty="0"/>
+              <a:t> event on the </a:t>
+            </a:r>
+            <a:r>
+              <a:rPr lang="en-GB" sz="2200" b="1" dirty="0" err="1"/>
+              <a:t>TaskScheduler</a:t>
+            </a:r>
+            <a:r>
+              <a:rPr lang="en-GB" sz="2200" dirty="0"/>
+              <a:t>, which by default will </a:t>
+            </a:r>
+            <a:r>
+              <a:rPr lang="en-GB" sz="2200" b="1" dirty="0"/>
+              <a:t>completely terminate your process</a:t>
+            </a:r>
+            <a:r>
+              <a:rPr lang="en-GB" sz="2200" dirty="0"/>
+              <a:t>. This default behaviour can be overridden however. </a:t>
+            </a:r>
+            <a:endParaRPr lang="en-GB" sz="2200" b="1" dirty="0"/>
           </a:p>
         </p:txBody>
       </p:sp>
     </p:spTree>
     <p:extLst>
       <p:ext uri="{BB962C8B-B14F-4D97-AF65-F5344CB8AC3E}">
-        <p14:creationId xmlns:p14="http://schemas.microsoft.com/office/powerpoint/2010/main" val="1477074202"/>
+        <p14:creationId xmlns:p14="http://schemas.microsoft.com/office/powerpoint/2010/main" val="25185311"/>
       </p:ext>
     </p:extLst>
   </p:cSld>
@@ -4622,7 +4789,7 @@
         <p:spPr>
           <a:xfrm>
             <a:off x="145775" y="132522"/>
-            <a:ext cx="11781182" cy="6986528"/>
+            <a:ext cx="11781182" cy="5016758"/>
           </a:xfrm>
           <a:prstGeom prst="rect">
             <a:avLst/>
@@ -4636,138 +4803,75 @@
           <a:lstStyle/>
           <a:p>
             <a:r>
-              <a:rPr lang="en-GB" sz="2800" b="1" dirty="0"/>
-              <a:t>Here’s an analogy…</a:t>
-            </a:r>
-          </a:p>
-          <a:p>
-            <a:endParaRPr lang="en-GB" sz="2800" b="1" dirty="0"/>
-          </a:p>
-          <a:p>
-            <a:r>
-              <a:rPr lang="en-GB" sz="2800" dirty="0"/>
-              <a:t>You’re in your kitchen at home, making a pasta dish and a dessert.</a:t>
-            </a:r>
-          </a:p>
-          <a:p>
-            <a:endParaRPr lang="en-GB" sz="2800" dirty="0"/>
-          </a:p>
-          <a:p>
-            <a:r>
-              <a:rPr lang="en-GB" sz="2800" dirty="0"/>
-              <a:t>The steps are simple:</a:t>
-            </a:r>
-          </a:p>
-          <a:p>
-            <a:pPr marL="457200" indent="-457200">
-              <a:buFont typeface="Arial" panose="020B0604020202020204" pitchFamily="34" charset="0"/>
-              <a:buChar char="•"/>
-            </a:pPr>
-            <a:r>
-              <a:rPr lang="en-GB" sz="2800" dirty="0"/>
-              <a:t>Heat a saucepan of water until it starts boiling (takes 5 mins)</a:t>
-            </a:r>
-          </a:p>
-          <a:p>
-            <a:pPr marL="457200" indent="-457200">
-              <a:buFont typeface="Arial" panose="020B0604020202020204" pitchFamily="34" charset="0"/>
-              <a:buChar char="•"/>
-            </a:pPr>
-            <a:r>
-              <a:rPr lang="en-GB" sz="2800" dirty="0"/>
-              <a:t>Cook fresh pasta (5 mins)</a:t>
-            </a:r>
-          </a:p>
-          <a:p>
-            <a:pPr marL="457200" indent="-457200">
-              <a:buFont typeface="Arial" panose="020B0604020202020204" pitchFamily="34" charset="0"/>
-              <a:buChar char="•"/>
-            </a:pPr>
-            <a:r>
-              <a:rPr lang="en-GB" sz="2800" dirty="0"/>
-              <a:t>Drain the water from the pasta (1 min)</a:t>
-            </a:r>
-          </a:p>
-          <a:p>
-            <a:pPr marL="457200" indent="-457200">
-              <a:buFont typeface="Arial" panose="020B0604020202020204" pitchFamily="34" charset="0"/>
-              <a:buChar char="•"/>
-            </a:pPr>
-            <a:r>
-              <a:rPr lang="en-GB" sz="2800" dirty="0"/>
-              <a:t>Place pasta in a dish and add sauce (1 min)</a:t>
-            </a:r>
-          </a:p>
-          <a:p>
-            <a:pPr marL="457200" indent="-457200">
-              <a:buFont typeface="Arial" panose="020B0604020202020204" pitchFamily="34" charset="0"/>
-              <a:buChar char="•"/>
-            </a:pPr>
-            <a:r>
-              <a:rPr lang="en-GB" sz="2800" dirty="0"/>
-              <a:t>Grate cheese (2 mins)</a:t>
-            </a:r>
-          </a:p>
-          <a:p>
-            <a:pPr marL="457200" indent="-457200">
-              <a:buFont typeface="Arial" panose="020B0604020202020204" pitchFamily="34" charset="0"/>
-              <a:buChar char="•"/>
-            </a:pPr>
-            <a:r>
-              <a:rPr lang="en-GB" sz="2800" dirty="0"/>
-              <a:t>Add cheese to pasta (1 min)</a:t>
-            </a:r>
-          </a:p>
-          <a:p>
-            <a:pPr marL="457200" indent="-457200">
-              <a:buFont typeface="Arial" panose="020B0604020202020204" pitchFamily="34" charset="0"/>
-              <a:buChar char="•"/>
-            </a:pPr>
-            <a:r>
-              <a:rPr lang="en-GB" sz="2800" dirty="0"/>
-              <a:t>Pre-heat oven to 200°C (15 mins) </a:t>
-            </a:r>
-          </a:p>
-          <a:p>
-            <a:pPr marL="457200" indent="-457200">
-              <a:buFont typeface="Arial" panose="020B0604020202020204" pitchFamily="34" charset="0"/>
-              <a:buChar char="•"/>
-            </a:pPr>
-            <a:r>
-              <a:rPr lang="en-GB" sz="2800" dirty="0"/>
-              <a:t>Place dish in oven and bake (15 mins)</a:t>
-            </a:r>
-          </a:p>
-          <a:p>
-            <a:pPr marL="457200" indent="-457200">
-              <a:buFont typeface="Arial" panose="020B0604020202020204" pitchFamily="34" charset="0"/>
-              <a:buChar char="•"/>
-            </a:pPr>
-            <a:r>
-              <a:rPr lang="en-GB" sz="2800" dirty="0"/>
-              <a:t>Prepare the dessert (20 mins)</a:t>
-            </a:r>
-          </a:p>
-          <a:p>
-            <a:pPr marL="457200" indent="-457200">
-              <a:buFont typeface="Arial" panose="020B0604020202020204" pitchFamily="34" charset="0"/>
-              <a:buChar char="•"/>
-            </a:pPr>
-            <a:endParaRPr lang="en-GB" sz="2800" dirty="0"/>
-          </a:p>
-          <a:p>
-            <a:pPr marL="457200" indent="-457200">
-              <a:buFont typeface="Arial" panose="020B0604020202020204" pitchFamily="34" charset="0"/>
-              <a:buChar char="•"/>
-            </a:pPr>
-            <a:endParaRPr lang="en-GB" sz="2800" dirty="0"/>
+              <a:rPr lang="en-GB" sz="3200" b="1" dirty="0" err="1"/>
+              <a:t>Task.Run</a:t>
+            </a:r>
+            <a:endParaRPr lang="en-GB" sz="3200" b="1" dirty="0"/>
+          </a:p>
+          <a:p>
+            <a:endParaRPr lang="en-GB" sz="3200" b="1" dirty="0"/>
+          </a:p>
+          <a:p>
+            <a:r>
+              <a:rPr lang="en-GB" sz="3200" b="1" dirty="0" err="1"/>
+              <a:t>Task.Start</a:t>
+            </a:r>
+            <a:endParaRPr lang="en-GB" sz="3200" b="1" dirty="0"/>
+          </a:p>
+          <a:p>
+            <a:endParaRPr lang="en-GB" sz="3200" b="1" dirty="0"/>
+          </a:p>
+          <a:p>
+            <a:r>
+              <a:rPr lang="en-GB" sz="3200" b="1" dirty="0" err="1"/>
+              <a:t>Task.Wait</a:t>
+            </a:r>
+            <a:endParaRPr lang="en-GB" sz="3200" b="1" dirty="0"/>
+          </a:p>
+          <a:p>
+            <a:endParaRPr lang="en-GB" sz="3200" b="1" dirty="0"/>
+          </a:p>
+          <a:p>
+            <a:r>
+              <a:rPr lang="en-GB" sz="3200" b="1" dirty="0" err="1"/>
+              <a:t>Task.RunSynchronously</a:t>
+            </a:r>
+            <a:endParaRPr lang="en-GB" sz="3200" b="1" dirty="0"/>
+          </a:p>
+          <a:p>
+            <a:endParaRPr lang="en-GB" sz="3200" b="1" dirty="0"/>
+          </a:p>
+          <a:p>
+            <a:endParaRPr lang="en-GB" sz="3200" b="1" dirty="0"/>
+          </a:p>
+          <a:p>
+            <a:r>
+              <a:rPr lang="en-GB" sz="3200" b="1" dirty="0"/>
+              <a:t>Use </a:t>
+            </a:r>
+            <a:r>
+              <a:rPr lang="en-GB" sz="3200" b="1" dirty="0" err="1"/>
+              <a:t>Task.Delay</a:t>
+            </a:r>
+            <a:r>
+              <a:rPr lang="en-GB" sz="3200" b="1" dirty="0"/>
+              <a:t> instead of </a:t>
+            </a:r>
+            <a:r>
+              <a:rPr lang="en-GB" sz="3200" b="1" dirty="0" err="1"/>
+              <a:t>Thread.Sleep</a:t>
+            </a:r>
+            <a:r>
+              <a:rPr lang="en-GB" sz="3200" b="1" dirty="0"/>
+              <a:t> as it’s asynchronous</a:t>
+            </a:r>
           </a:p>
         </p:txBody>
       </p:sp>
     </p:spTree>
     <p:extLst>
       <p:ext uri="{BB962C8B-B14F-4D97-AF65-F5344CB8AC3E}">
-        <p14:creationId xmlns:p14="http://schemas.microsoft.com/office/powerpoint/2010/main" val="3628257232"/>
+        <p14:creationId xmlns:p14="http://schemas.microsoft.com/office/powerpoint/2010/main" val="1477074202"/>
       </p:ext>
     </p:extLst>
   </p:cSld>
@@ -4809,7 +4913,7 @@
         <p:spPr>
           <a:xfrm>
             <a:off x="145775" y="132522"/>
-            <a:ext cx="11781182" cy="6124754"/>
+            <a:ext cx="11781182" cy="6986528"/>
           </a:xfrm>
           <a:prstGeom prst="rect">
             <a:avLst/>
@@ -4824,43 +4928,26 @@
           <a:p>
             <a:r>
               <a:rPr lang="en-GB" sz="2800" b="1" dirty="0"/>
-              <a:t>Some steps are performed by a person, others aren’t</a:t>
-            </a:r>
-          </a:p>
-          <a:p>
-            <a:br>
+              <a:t>Here’s an analogy…</a:t>
+            </a:r>
+          </a:p>
+          <a:p>
+            <a:endParaRPr lang="en-GB" sz="2800" b="1" dirty="0"/>
+          </a:p>
+          <a:p>
+            <a:r>
               <a:rPr lang="en-GB" sz="2800" dirty="0"/>
-            </a:br>
-            <a:r>
-              <a:rPr lang="en-GB" sz="2800" b="1" dirty="0">
-                <a:solidFill>
-                  <a:srgbClr val="00B050"/>
-                </a:solidFill>
-              </a:rPr>
-              <a:t>Green</a:t>
-            </a:r>
+              <a:t>You’re in your kitchen at home, making a pasta dish and a dessert.</a:t>
+            </a:r>
+          </a:p>
+          <a:p>
+            <a:endParaRPr lang="en-GB" sz="2800" dirty="0"/>
+          </a:p>
+          <a:p>
             <a:r>
               <a:rPr lang="en-GB" sz="2800" dirty="0"/>
-              <a:t> steps are ones which are completed by yourself</a:t>
-            </a:r>
-          </a:p>
-          <a:p>
-            <a:r>
-              <a:rPr lang="en-GB" sz="2800" b="1" dirty="0">
-                <a:solidFill>
-                  <a:schemeClr val="accent2"/>
-                </a:solidFill>
-              </a:rPr>
-              <a:t>Orange</a:t>
-            </a:r>
-            <a:r>
-              <a:rPr lang="en-GB" sz="2800" dirty="0"/>
-              <a:t> steps are ones which are out of your control once started</a:t>
-            </a:r>
-            <a:br>
-              <a:rPr lang="en-GB" sz="2800" dirty="0"/>
-            </a:br>
-            <a:endParaRPr lang="en-GB" sz="2800" dirty="0"/>
+              <a:t>The steps are simple:</a:t>
+            </a:r>
           </a:p>
           <a:p>
             <a:pPr marL="457200" indent="-457200">
@@ -4868,16 +4955,8 @@
               <a:buChar char="•"/>
             </a:pPr>
             <a:r>
-              <a:rPr lang="en-GB" sz="2800" b="1" dirty="0">
-                <a:solidFill>
-                  <a:schemeClr val="accent2"/>
-                </a:solidFill>
-              </a:rPr>
-              <a:t>Heat a saucepan of water until it starts boiling </a:t>
-            </a:r>
-            <a:r>
               <a:rPr lang="en-GB" sz="2800" dirty="0"/>
-              <a:t>(5 mins)</a:t>
+              <a:t>Heat a saucepan of water until it starts boiling (takes 5 mins)</a:t>
             </a:r>
           </a:p>
           <a:p>
@@ -4886,16 +4965,8 @@
               <a:buChar char="•"/>
             </a:pPr>
             <a:r>
-              <a:rPr lang="en-GB" sz="2800" b="1" dirty="0">
-                <a:solidFill>
-                  <a:srgbClr val="00B050"/>
-                </a:solidFill>
-              </a:rPr>
-              <a:t>Cook fresh pasta </a:t>
-            </a:r>
-            <a:r>
               <a:rPr lang="en-GB" sz="2800" dirty="0"/>
-              <a:t>(5 mins)</a:t>
+              <a:t>Cook fresh pasta (5 mins)</a:t>
             </a:r>
           </a:p>
           <a:p>
@@ -4904,16 +4975,8 @@
               <a:buChar char="•"/>
             </a:pPr>
             <a:r>
-              <a:rPr lang="en-GB" sz="2800" b="1" dirty="0">
-                <a:solidFill>
-                  <a:srgbClr val="00B050"/>
-                </a:solidFill>
-              </a:rPr>
-              <a:t>Drain the water from the pasta </a:t>
-            </a:r>
-            <a:r>
               <a:rPr lang="en-GB" sz="2800" dirty="0"/>
-              <a:t>(1 min)</a:t>
+              <a:t>Drain the water from the pasta (1 min)</a:t>
             </a:r>
           </a:p>
           <a:p>
@@ -4922,16 +4985,8 @@
               <a:buChar char="•"/>
             </a:pPr>
             <a:r>
-              <a:rPr lang="en-GB" sz="2800" b="1" dirty="0">
-                <a:solidFill>
-                  <a:srgbClr val="00B050"/>
-                </a:solidFill>
-              </a:rPr>
-              <a:t>Place pasta in a dish and add sauce </a:t>
-            </a:r>
-            <a:r>
               <a:rPr lang="en-GB" sz="2800" dirty="0"/>
-              <a:t>(1 min)</a:t>
+              <a:t>Place pasta in a dish and add sauce (1 min)</a:t>
             </a:r>
           </a:p>
           <a:p>
@@ -4940,16 +4995,8 @@
               <a:buChar char="•"/>
             </a:pPr>
             <a:r>
-              <a:rPr lang="en-GB" sz="2800" b="1" dirty="0">
-                <a:solidFill>
-                  <a:srgbClr val="00B050"/>
-                </a:solidFill>
-              </a:rPr>
-              <a:t>Grate cheese </a:t>
-            </a:r>
-            <a:r>
               <a:rPr lang="en-GB" sz="2800" dirty="0"/>
-              <a:t>(2 mins)</a:t>
+              <a:t>Grate cheese (2 mins)</a:t>
             </a:r>
           </a:p>
           <a:p>
@@ -4958,16 +5005,8 @@
               <a:buChar char="•"/>
             </a:pPr>
             <a:r>
-              <a:rPr lang="en-GB" sz="2800" b="1" dirty="0">
-                <a:solidFill>
-                  <a:srgbClr val="00B050"/>
-                </a:solidFill>
-              </a:rPr>
-              <a:t>Add cheese to pasta </a:t>
-            </a:r>
-            <a:r>
               <a:rPr lang="en-GB" sz="2800" dirty="0"/>
-              <a:t>(1 min)</a:t>
+              <a:t>Add cheese to pasta (1 min)</a:t>
             </a:r>
           </a:p>
           <a:p>
@@ -4976,16 +5015,8 @@
               <a:buChar char="•"/>
             </a:pPr>
             <a:r>
-              <a:rPr lang="en-GB" sz="2800" b="1" dirty="0">
-                <a:solidFill>
-                  <a:schemeClr val="accent2"/>
-                </a:solidFill>
-              </a:rPr>
-              <a:t>Pre-heat oven to 200°C </a:t>
-            </a:r>
-            <a:r>
               <a:rPr lang="en-GB" sz="2800" dirty="0"/>
-              <a:t>(15 mins) </a:t>
+              <a:t>Pre-heat oven to 200°C (15 mins) </a:t>
             </a:r>
           </a:p>
           <a:p>
@@ -4994,16 +5025,8 @@
               <a:buChar char="•"/>
             </a:pPr>
             <a:r>
-              <a:rPr lang="en-GB" sz="2800" b="1" dirty="0">
-                <a:solidFill>
-                  <a:schemeClr val="accent2"/>
-                </a:solidFill>
-              </a:rPr>
-              <a:t>Place dish in oven and bake </a:t>
-            </a:r>
-            <a:r>
               <a:rPr lang="en-GB" sz="2800" dirty="0"/>
-              <a:t>(15 mins)</a:t>
+              <a:t>Place dish in oven and bake (15 mins)</a:t>
             </a:r>
           </a:p>
           <a:p>
@@ -5012,24 +5035,30 @@
               <a:buChar char="•"/>
             </a:pPr>
             <a:r>
-              <a:rPr lang="en-GB" sz="2800" b="1" dirty="0">
-                <a:solidFill>
-                  <a:srgbClr val="00B050"/>
-                </a:solidFill>
-              </a:rPr>
-              <a:t>Prepare the dessert </a:t>
-            </a:r>
-            <a:r>
               <a:rPr lang="en-GB" sz="2800" dirty="0"/>
-              <a:t>(20 mins)</a:t>
-            </a:r>
+              <a:t>Prepare the dessert (20 mins)</a:t>
+            </a:r>
+          </a:p>
+          <a:p>
+            <a:pPr marL="457200" indent="-457200">
+              <a:buFont typeface="Arial" panose="020B0604020202020204" pitchFamily="34" charset="0"/>
+              <a:buChar char="•"/>
+            </a:pPr>
+            <a:endParaRPr lang="en-GB" sz="2800" dirty="0"/>
+          </a:p>
+          <a:p>
+            <a:pPr marL="457200" indent="-457200">
+              <a:buFont typeface="Arial" panose="020B0604020202020204" pitchFamily="34" charset="0"/>
+              <a:buChar char="•"/>
+            </a:pPr>
+            <a:endParaRPr lang="en-GB" sz="2800" dirty="0"/>
           </a:p>
         </p:txBody>
       </p:sp>
     </p:spTree>
     <p:extLst>
       <p:ext uri="{BB962C8B-B14F-4D97-AF65-F5344CB8AC3E}">
-        <p14:creationId xmlns:p14="http://schemas.microsoft.com/office/powerpoint/2010/main" val="2858153580"/>
+        <p14:creationId xmlns:p14="http://schemas.microsoft.com/office/powerpoint/2010/main" val="3628257232"/>
       </p:ext>
     </p:extLst>
   </p:cSld>
@@ -5071,7 +5100,7 @@
         <p:spPr>
           <a:xfrm>
             <a:off x="145775" y="132522"/>
-            <a:ext cx="11781182" cy="6494085"/>
+            <a:ext cx="11781182" cy="7109639"/>
           </a:xfrm>
           <a:prstGeom prst="rect">
             <a:avLst/>
@@ -5137,10 +5166,19 @@
             </a:r>
           </a:p>
           <a:p>
+            <a:endParaRPr lang="en-GB" sz="2000" dirty="0"/>
+          </a:p>
+          <a:p>
             <a:pPr marL="457200" indent="-457200">
               <a:buFont typeface="Arial" panose="020B0604020202020204" pitchFamily="34" charset="0"/>
               <a:buChar char="•"/>
             </a:pPr>
+            <a:r>
+              <a:rPr lang="en-GB" sz="2000" dirty="0"/>
+              <a:t>async and await</a:t>
+            </a:r>
+          </a:p>
+          <a:p>
             <a:endParaRPr lang="en-GB" sz="2000" dirty="0"/>
           </a:p>
           <a:p>
@@ -5150,8 +5188,13 @@
             </a:pPr>
             <a:r>
               <a:rPr lang="en-GB" sz="2000" dirty="0"/>
-              <a:t>async and await</a:t>
-            </a:r>
+              <a:t>Mixing CPU-bound and I/O-bound code in </a:t>
+            </a:r>
+            <a:r>
+              <a:rPr lang="en-GB" sz="2000"/>
+              <a:t>the same method</a:t>
+            </a:r>
+            <a:endParaRPr lang="en-GB" sz="2000" dirty="0"/>
           </a:p>
           <a:p>
             <a:endParaRPr lang="en-GB" sz="2000" dirty="0"/>
@@ -5163,20 +5206,24 @@
             </a:pPr>
             <a:r>
               <a:rPr lang="en-GB" sz="2000" dirty="0"/>
-              <a:t>Mixing CPU-bound and I/O-bound code</a:t>
-            </a:r>
-          </a:p>
-          <a:p>
-            <a:endParaRPr lang="en-GB" sz="2000" dirty="0"/>
+              <a:t>Dealing with exceptions thrown when running tasks</a:t>
+            </a:r>
           </a:p>
           <a:p>
             <a:pPr marL="457200" indent="-457200">
               <a:buFont typeface="Arial" panose="020B0604020202020204" pitchFamily="34" charset="0"/>
               <a:buChar char="•"/>
             </a:pPr>
+            <a:endParaRPr lang="en-GB" sz="2000" dirty="0"/>
+          </a:p>
+          <a:p>
+            <a:pPr marL="457200" indent="-457200">
+              <a:buFont typeface="Arial" panose="020B0604020202020204" pitchFamily="34" charset="0"/>
+              <a:buChar char="•"/>
+            </a:pPr>
             <a:r>
               <a:rPr lang="en-GB" sz="2000" dirty="0"/>
-              <a:t>Dealing with exceptions in asynchronous methods</a:t>
+              <a:t>Cancelling tasks</a:t>
             </a:r>
           </a:p>
           <a:p>
@@ -5274,6 +5321,268 @@
         <p:spPr>
           <a:xfrm>
             <a:off x="145775" y="132522"/>
+            <a:ext cx="11781182" cy="6124754"/>
+          </a:xfrm>
+          <a:prstGeom prst="rect">
+            <a:avLst/>
+          </a:prstGeom>
+          <a:noFill/>
+        </p:spPr>
+        <p:txBody>
+          <a:bodyPr wrap="square" rtlCol="0">
+            <a:spAutoFit/>
+          </a:bodyPr>
+          <a:lstStyle/>
+          <a:p>
+            <a:r>
+              <a:rPr lang="en-GB" sz="2800" b="1" dirty="0"/>
+              <a:t>Some steps are performed by a person, others aren’t</a:t>
+            </a:r>
+          </a:p>
+          <a:p>
+            <a:br>
+              <a:rPr lang="en-GB" sz="2800" dirty="0"/>
+            </a:br>
+            <a:r>
+              <a:rPr lang="en-GB" sz="2800" b="1" dirty="0">
+                <a:solidFill>
+                  <a:srgbClr val="00B050"/>
+                </a:solidFill>
+              </a:rPr>
+              <a:t>Green</a:t>
+            </a:r>
+            <a:r>
+              <a:rPr lang="en-GB" sz="2800" dirty="0"/>
+              <a:t> steps are ones which are completed by yourself</a:t>
+            </a:r>
+          </a:p>
+          <a:p>
+            <a:r>
+              <a:rPr lang="en-GB" sz="2800" b="1" dirty="0">
+                <a:solidFill>
+                  <a:schemeClr val="accent2"/>
+                </a:solidFill>
+              </a:rPr>
+              <a:t>Orange</a:t>
+            </a:r>
+            <a:r>
+              <a:rPr lang="en-GB" sz="2800" dirty="0"/>
+              <a:t> steps are ones which are out of your control once started</a:t>
+            </a:r>
+            <a:br>
+              <a:rPr lang="en-GB" sz="2800" dirty="0"/>
+            </a:br>
+            <a:endParaRPr lang="en-GB" sz="2800" dirty="0"/>
+          </a:p>
+          <a:p>
+            <a:pPr marL="457200" indent="-457200">
+              <a:buFont typeface="Arial" panose="020B0604020202020204" pitchFamily="34" charset="0"/>
+              <a:buChar char="•"/>
+            </a:pPr>
+            <a:r>
+              <a:rPr lang="en-GB" sz="2800" b="1" dirty="0">
+                <a:solidFill>
+                  <a:schemeClr val="accent2"/>
+                </a:solidFill>
+              </a:rPr>
+              <a:t>Heat a saucepan of water until it starts boiling </a:t>
+            </a:r>
+            <a:r>
+              <a:rPr lang="en-GB" sz="2800" dirty="0"/>
+              <a:t>(5 mins)</a:t>
+            </a:r>
+          </a:p>
+          <a:p>
+            <a:pPr marL="457200" indent="-457200">
+              <a:buFont typeface="Arial" panose="020B0604020202020204" pitchFamily="34" charset="0"/>
+              <a:buChar char="•"/>
+            </a:pPr>
+            <a:r>
+              <a:rPr lang="en-GB" sz="2800" b="1" dirty="0">
+                <a:solidFill>
+                  <a:srgbClr val="00B050"/>
+                </a:solidFill>
+              </a:rPr>
+              <a:t>Cook fresh pasta </a:t>
+            </a:r>
+            <a:r>
+              <a:rPr lang="en-GB" sz="2800" dirty="0"/>
+              <a:t>(5 mins)</a:t>
+            </a:r>
+          </a:p>
+          <a:p>
+            <a:pPr marL="457200" indent="-457200">
+              <a:buFont typeface="Arial" panose="020B0604020202020204" pitchFamily="34" charset="0"/>
+              <a:buChar char="•"/>
+            </a:pPr>
+            <a:r>
+              <a:rPr lang="en-GB" sz="2800" b="1" dirty="0">
+                <a:solidFill>
+                  <a:srgbClr val="00B050"/>
+                </a:solidFill>
+              </a:rPr>
+              <a:t>Drain the water from the pasta </a:t>
+            </a:r>
+            <a:r>
+              <a:rPr lang="en-GB" sz="2800" dirty="0"/>
+              <a:t>(1 min)</a:t>
+            </a:r>
+          </a:p>
+          <a:p>
+            <a:pPr marL="457200" indent="-457200">
+              <a:buFont typeface="Arial" panose="020B0604020202020204" pitchFamily="34" charset="0"/>
+              <a:buChar char="•"/>
+            </a:pPr>
+            <a:r>
+              <a:rPr lang="en-GB" sz="2800" b="1" dirty="0">
+                <a:solidFill>
+                  <a:srgbClr val="00B050"/>
+                </a:solidFill>
+              </a:rPr>
+              <a:t>Place pasta in a dish and add sauce </a:t>
+            </a:r>
+            <a:r>
+              <a:rPr lang="en-GB" sz="2800" dirty="0"/>
+              <a:t>(1 min)</a:t>
+            </a:r>
+          </a:p>
+          <a:p>
+            <a:pPr marL="457200" indent="-457200">
+              <a:buFont typeface="Arial" panose="020B0604020202020204" pitchFamily="34" charset="0"/>
+              <a:buChar char="•"/>
+            </a:pPr>
+            <a:r>
+              <a:rPr lang="en-GB" sz="2800" b="1" dirty="0">
+                <a:solidFill>
+                  <a:srgbClr val="00B050"/>
+                </a:solidFill>
+              </a:rPr>
+              <a:t>Grate cheese </a:t>
+            </a:r>
+            <a:r>
+              <a:rPr lang="en-GB" sz="2800" dirty="0"/>
+              <a:t>(2 mins)</a:t>
+            </a:r>
+          </a:p>
+          <a:p>
+            <a:pPr marL="457200" indent="-457200">
+              <a:buFont typeface="Arial" panose="020B0604020202020204" pitchFamily="34" charset="0"/>
+              <a:buChar char="•"/>
+            </a:pPr>
+            <a:r>
+              <a:rPr lang="en-GB" sz="2800" b="1" dirty="0">
+                <a:solidFill>
+                  <a:srgbClr val="00B050"/>
+                </a:solidFill>
+              </a:rPr>
+              <a:t>Add cheese to pasta </a:t>
+            </a:r>
+            <a:r>
+              <a:rPr lang="en-GB" sz="2800" dirty="0"/>
+              <a:t>(1 min)</a:t>
+            </a:r>
+          </a:p>
+          <a:p>
+            <a:pPr marL="457200" indent="-457200">
+              <a:buFont typeface="Arial" panose="020B0604020202020204" pitchFamily="34" charset="0"/>
+              <a:buChar char="•"/>
+            </a:pPr>
+            <a:r>
+              <a:rPr lang="en-GB" sz="2800" b="1" dirty="0">
+                <a:solidFill>
+                  <a:schemeClr val="accent2"/>
+                </a:solidFill>
+              </a:rPr>
+              <a:t>Pre-heat oven to 200°C </a:t>
+            </a:r>
+            <a:r>
+              <a:rPr lang="en-GB" sz="2800" dirty="0"/>
+              <a:t>(15 mins) </a:t>
+            </a:r>
+          </a:p>
+          <a:p>
+            <a:pPr marL="457200" indent="-457200">
+              <a:buFont typeface="Arial" panose="020B0604020202020204" pitchFamily="34" charset="0"/>
+              <a:buChar char="•"/>
+            </a:pPr>
+            <a:r>
+              <a:rPr lang="en-GB" sz="2800" b="1" dirty="0">
+                <a:solidFill>
+                  <a:schemeClr val="accent2"/>
+                </a:solidFill>
+              </a:rPr>
+              <a:t>Place dish in oven and bake </a:t>
+            </a:r>
+            <a:r>
+              <a:rPr lang="en-GB" sz="2800" dirty="0"/>
+              <a:t>(15 mins)</a:t>
+            </a:r>
+          </a:p>
+          <a:p>
+            <a:pPr marL="457200" indent="-457200">
+              <a:buFont typeface="Arial" panose="020B0604020202020204" pitchFamily="34" charset="0"/>
+              <a:buChar char="•"/>
+            </a:pPr>
+            <a:r>
+              <a:rPr lang="en-GB" sz="2800" b="1" dirty="0">
+                <a:solidFill>
+                  <a:srgbClr val="00B050"/>
+                </a:solidFill>
+              </a:rPr>
+              <a:t>Prepare the dessert </a:t>
+            </a:r>
+            <a:r>
+              <a:rPr lang="en-GB" sz="2800" dirty="0"/>
+              <a:t>(20 mins)</a:t>
+            </a:r>
+          </a:p>
+        </p:txBody>
+      </p:sp>
+    </p:spTree>
+    <p:extLst>
+      <p:ext uri="{BB962C8B-B14F-4D97-AF65-F5344CB8AC3E}">
+        <p14:creationId xmlns:p14="http://schemas.microsoft.com/office/powerpoint/2010/main" val="2858153580"/>
+      </p:ext>
+    </p:extLst>
+  </p:cSld>
+  <p:clrMapOvr>
+    <a:masterClrMapping/>
+  </p:clrMapOvr>
+</p:sld>
+</file>
+
+<file path=ppt/slides/slide21.xml><?xml version="1.0" encoding="utf-8"?>
+<p:sld xmlns:a="http://schemas.openxmlformats.org/drawingml/2006/main" xmlns:r="http://schemas.openxmlformats.org/officeDocument/2006/relationships" xmlns:p="http://schemas.openxmlformats.org/presentationml/2006/main">
+  <p:cSld>
+    <p:spTree>
+      <p:nvGrpSpPr>
+        <p:cNvPr id="1" name=""/>
+        <p:cNvGrpSpPr/>
+        <p:nvPr/>
+      </p:nvGrpSpPr>
+      <p:grpSpPr>
+        <a:xfrm>
+          <a:off x="0" y="0"/>
+          <a:ext cx="0" cy="0"/>
+          <a:chOff x="0" y="0"/>
+          <a:chExt cx="0" cy="0"/>
+        </a:xfrm>
+      </p:grpSpPr>
+      <p:sp>
+        <p:nvSpPr>
+          <p:cNvPr id="4" name="TextBox 3">
+            <a:extLst>
+              <a:ext uri="{FF2B5EF4-FFF2-40B4-BE49-F238E27FC236}">
+                <a16:creationId xmlns:a16="http://schemas.microsoft.com/office/drawing/2014/main" id="{18767206-9205-42D0-A2AE-5A1017D4CB08}"/>
+              </a:ext>
+            </a:extLst>
+          </p:cNvPr>
+          <p:cNvSpPr txBox="1"/>
+          <p:nvPr/>
+        </p:nvSpPr>
+        <p:spPr>
+          <a:xfrm>
+            <a:off x="145775" y="132522"/>
             <a:ext cx="11781182" cy="6555641"/>
           </a:xfrm>
           <a:prstGeom prst="rect">
@@ -5490,7 +5799,7 @@
 </p:sld>
 </file>
 
-<file path=ppt/slides/slide21.xml><?xml version="1.0" encoding="utf-8"?>
+<file path=ppt/slides/slide22.xml><?xml version="1.0" encoding="utf-8"?>
 <p:sld xmlns:a="http://schemas.openxmlformats.org/drawingml/2006/main" xmlns:r="http://schemas.openxmlformats.org/officeDocument/2006/relationships" xmlns:p="http://schemas.openxmlformats.org/presentationml/2006/main">
   <p:cSld>
     <p:spTree>
@@ -5586,7 +5895,7 @@
 </p:sld>
 </file>
 
-<file path=ppt/slides/slide22.xml><?xml version="1.0" encoding="utf-8"?>
+<file path=ppt/slides/slide23.xml><?xml version="1.0" encoding="utf-8"?>
 <p:sld xmlns:a="http://schemas.openxmlformats.org/drawingml/2006/main" xmlns:r="http://schemas.openxmlformats.org/officeDocument/2006/relationships" xmlns:p="http://schemas.openxmlformats.org/presentationml/2006/main">
   <p:cSld>
     <p:spTree>
@@ -5682,7 +5991,7 @@
 </p:sld>
 </file>
 
-<file path=ppt/slides/slide23.xml><?xml version="1.0" encoding="utf-8"?>
+<file path=ppt/slides/slide24.xml><?xml version="1.0" encoding="utf-8"?>
 <p:sld xmlns:a="http://schemas.openxmlformats.org/drawingml/2006/main" xmlns:r="http://schemas.openxmlformats.org/officeDocument/2006/relationships" xmlns:p="http://schemas.openxmlformats.org/presentationml/2006/main">
   <p:cSld>
     <p:spTree>
@@ -5994,7 +6303,7 @@
 </p:sld>
 </file>
 
-<file path=ppt/slides/slide24.xml><?xml version="1.0" encoding="utf-8"?>
+<file path=ppt/slides/slide25.xml><?xml version="1.0" encoding="utf-8"?>
 <p:sld xmlns:a="http://schemas.openxmlformats.org/drawingml/2006/main" xmlns:r="http://schemas.openxmlformats.org/officeDocument/2006/relationships" xmlns:p="http://schemas.openxmlformats.org/presentationml/2006/main">
   <p:cSld>
     <p:spTree>
@@ -6090,7 +6399,7 @@
 </p:sld>
 </file>
 
-<file path=ppt/slides/slide25.xml><?xml version="1.0" encoding="utf-8"?>
+<file path=ppt/slides/slide26.xml><?xml version="1.0" encoding="utf-8"?>
 <p:sld xmlns:a="http://schemas.openxmlformats.org/drawingml/2006/main" xmlns:r="http://schemas.openxmlformats.org/officeDocument/2006/relationships" xmlns:p="http://schemas.openxmlformats.org/presentationml/2006/main">
   <p:cSld>
     <p:spTree>
@@ -6186,7 +6495,7 @@
 </p:sld>
 </file>
 
-<file path=ppt/slides/slide26.xml><?xml version="1.0" encoding="utf-8"?>
+<file path=ppt/slides/slide27.xml><?xml version="1.0" encoding="utf-8"?>
 <p:sld xmlns:a="http://schemas.openxmlformats.org/drawingml/2006/main" xmlns:r="http://schemas.openxmlformats.org/officeDocument/2006/relationships" xmlns:p="http://schemas.openxmlformats.org/presentationml/2006/main">
   <p:cSld>
     <p:spTree>
@@ -6251,7 +6560,7 @@
 </p:sld>
 </file>
 
-<file path=ppt/slides/slide27.xml><?xml version="1.0" encoding="utf-8"?>
+<file path=ppt/slides/slide28.xml><?xml version="1.0" encoding="utf-8"?>
 <p:sld xmlns:a="http://schemas.openxmlformats.org/drawingml/2006/main" xmlns:r="http://schemas.openxmlformats.org/officeDocument/2006/relationships" xmlns:p="http://schemas.openxmlformats.org/presentationml/2006/main">
   <p:cSld>
     <p:spTree>
@@ -8045,7 +8354,7 @@
 </p:sld>
 </file>
 
-<file path=ppt/slides/slide28.xml><?xml version="1.0" encoding="utf-8"?>
+<file path=ppt/slides/slide29.xml><?xml version="1.0" encoding="utf-8"?>
 <p:sld xmlns:a="http://schemas.openxmlformats.org/drawingml/2006/main" xmlns:r="http://schemas.openxmlformats.org/officeDocument/2006/relationships" xmlns:p="http://schemas.openxmlformats.org/presentationml/2006/main">
   <p:cSld>
     <p:spTree>
@@ -8141,7 +8450,72 @@
 </p:sld>
 </file>
 
-<file path=ppt/slides/slide29.xml><?xml version="1.0" encoding="utf-8"?>
+<file path=ppt/slides/slide3.xml><?xml version="1.0" encoding="utf-8"?>
+<p:sld xmlns:a="http://schemas.openxmlformats.org/drawingml/2006/main" xmlns:r="http://schemas.openxmlformats.org/officeDocument/2006/relationships" xmlns:p="http://schemas.openxmlformats.org/presentationml/2006/main">
+  <p:cSld>
+    <p:spTree>
+      <p:nvGrpSpPr>
+        <p:cNvPr id="1" name=""/>
+        <p:cNvGrpSpPr/>
+        <p:nvPr/>
+      </p:nvGrpSpPr>
+      <p:grpSpPr>
+        <a:xfrm>
+          <a:off x="0" y="0"/>
+          <a:ext cx="0" cy="0"/>
+          <a:chOff x="0" y="0"/>
+          <a:chExt cx="0" cy="0"/>
+        </a:xfrm>
+      </p:grpSpPr>
+      <p:sp>
+        <p:nvSpPr>
+          <p:cNvPr id="2" name="Title 1">
+            <a:extLst>
+              <a:ext uri="{FF2B5EF4-FFF2-40B4-BE49-F238E27FC236}">
+                <a16:creationId xmlns:a16="http://schemas.microsoft.com/office/drawing/2014/main" id="{267862F2-D4D4-4F5B-B69F-65226C837768}"/>
+              </a:ext>
+            </a:extLst>
+          </p:cNvPr>
+          <p:cNvSpPr>
+            <a:spLocks noGrp="1"/>
+          </p:cNvSpPr>
+          <p:nvPr>
+            <p:ph type="ctrTitle"/>
+          </p:nvPr>
+        </p:nvSpPr>
+        <p:spPr>
+          <a:xfrm>
+            <a:off x="1524000" y="1122363"/>
+            <a:ext cx="9144000" cy="1991898"/>
+          </a:xfrm>
+        </p:spPr>
+        <p:txBody>
+          <a:bodyPr>
+            <a:normAutofit/>
+          </a:bodyPr>
+          <a:lstStyle/>
+          <a:p>
+            <a:r>
+              <a:rPr lang="en-GB" dirty="0"/>
+              <a:t>CPU-bound vs I/O-bound operations</a:t>
+            </a:r>
+          </a:p>
+        </p:txBody>
+      </p:sp>
+    </p:spTree>
+    <p:extLst>
+      <p:ext uri="{BB962C8B-B14F-4D97-AF65-F5344CB8AC3E}">
+        <p14:creationId xmlns:p14="http://schemas.microsoft.com/office/powerpoint/2010/main" val="241573146"/>
+      </p:ext>
+    </p:extLst>
+  </p:cSld>
+  <p:clrMapOvr>
+    <a:masterClrMapping/>
+  </p:clrMapOvr>
+</p:sld>
+</file>
+
+<file path=ppt/slides/slide30.xml><?xml version="1.0" encoding="utf-8"?>
 <p:sld xmlns:a="http://schemas.openxmlformats.org/drawingml/2006/main" xmlns:r="http://schemas.openxmlformats.org/officeDocument/2006/relationships" xmlns:p="http://schemas.openxmlformats.org/presentationml/2006/main">
   <p:cSld>
     <p:spTree>
@@ -8237,72 +8611,7 @@
 </p:sld>
 </file>
 
-<file path=ppt/slides/slide3.xml><?xml version="1.0" encoding="utf-8"?>
-<p:sld xmlns:a="http://schemas.openxmlformats.org/drawingml/2006/main" xmlns:r="http://schemas.openxmlformats.org/officeDocument/2006/relationships" xmlns:p="http://schemas.openxmlformats.org/presentationml/2006/main">
-  <p:cSld>
-    <p:spTree>
-      <p:nvGrpSpPr>
-        <p:cNvPr id="1" name=""/>
-        <p:cNvGrpSpPr/>
-        <p:nvPr/>
-      </p:nvGrpSpPr>
-      <p:grpSpPr>
-        <a:xfrm>
-          <a:off x="0" y="0"/>
-          <a:ext cx="0" cy="0"/>
-          <a:chOff x="0" y="0"/>
-          <a:chExt cx="0" cy="0"/>
-        </a:xfrm>
-      </p:grpSpPr>
-      <p:sp>
-        <p:nvSpPr>
-          <p:cNvPr id="2" name="Title 1">
-            <a:extLst>
-              <a:ext uri="{FF2B5EF4-FFF2-40B4-BE49-F238E27FC236}">
-                <a16:creationId xmlns:a16="http://schemas.microsoft.com/office/drawing/2014/main" id="{267862F2-D4D4-4F5B-B69F-65226C837768}"/>
-              </a:ext>
-            </a:extLst>
-          </p:cNvPr>
-          <p:cNvSpPr>
-            <a:spLocks noGrp="1"/>
-          </p:cNvSpPr>
-          <p:nvPr>
-            <p:ph type="ctrTitle"/>
-          </p:nvPr>
-        </p:nvSpPr>
-        <p:spPr>
-          <a:xfrm>
-            <a:off x="1524000" y="1122363"/>
-            <a:ext cx="9144000" cy="1991898"/>
-          </a:xfrm>
-        </p:spPr>
-        <p:txBody>
-          <a:bodyPr>
-            <a:normAutofit/>
-          </a:bodyPr>
-          <a:lstStyle/>
-          <a:p>
-            <a:r>
-              <a:rPr lang="en-GB" dirty="0"/>
-              <a:t>CPU-bound vs I/O-bound operations</a:t>
-            </a:r>
-          </a:p>
-        </p:txBody>
-      </p:sp>
-    </p:spTree>
-    <p:extLst>
-      <p:ext uri="{BB962C8B-B14F-4D97-AF65-F5344CB8AC3E}">
-        <p14:creationId xmlns:p14="http://schemas.microsoft.com/office/powerpoint/2010/main" val="241573146"/>
-      </p:ext>
-    </p:extLst>
-  </p:cSld>
-  <p:clrMapOvr>
-    <a:masterClrMapping/>
-  </p:clrMapOvr>
-</p:sld>
-</file>
-
-<file path=ppt/slides/slide30.xml><?xml version="1.0" encoding="utf-8"?>
+<file path=ppt/slides/slide31.xml><?xml version="1.0" encoding="utf-8"?>
 <p:sld xmlns:a="http://schemas.openxmlformats.org/drawingml/2006/main" xmlns:r="http://schemas.openxmlformats.org/officeDocument/2006/relationships" xmlns:p="http://schemas.openxmlformats.org/presentationml/2006/main">
   <p:cSld>
     <p:spTree>
@@ -9664,7 +9973,7 @@
 </p:sld>
 </file>
 
-<file path=ppt/slides/slide31.xml><?xml version="1.0" encoding="utf-8"?>
+<file path=ppt/slides/slide32.xml><?xml version="1.0" encoding="utf-8"?>
 <p:sld xmlns:a="http://schemas.openxmlformats.org/drawingml/2006/main" xmlns:r="http://schemas.openxmlformats.org/officeDocument/2006/relationships" xmlns:p="http://schemas.openxmlformats.org/presentationml/2006/main">
   <p:cSld>
     <p:spTree>
@@ -9760,7 +10069,7 @@
 </p:sld>
 </file>
 
-<file path=ppt/slides/slide32.xml><?xml version="1.0" encoding="utf-8"?>
+<file path=ppt/slides/slide33.xml><?xml version="1.0" encoding="utf-8"?>
 <p:sld xmlns:a="http://schemas.openxmlformats.org/drawingml/2006/main" xmlns:r="http://schemas.openxmlformats.org/officeDocument/2006/relationships" xmlns:p="http://schemas.openxmlformats.org/presentationml/2006/main">
   <p:cSld>
     <p:spTree>
@@ -9856,170 +10165,6 @@
 </p:sld>
 </file>
 
-<file path=ppt/slides/slide33.xml><?xml version="1.0" encoding="utf-8"?>
-<p:sld xmlns:a="http://schemas.openxmlformats.org/drawingml/2006/main" xmlns:r="http://schemas.openxmlformats.org/officeDocument/2006/relationships" xmlns:p="http://schemas.openxmlformats.org/presentationml/2006/main">
-  <p:cSld>
-    <p:spTree>
-      <p:nvGrpSpPr>
-        <p:cNvPr id="1" name=""/>
-        <p:cNvGrpSpPr/>
-        <p:nvPr/>
-      </p:nvGrpSpPr>
-      <p:grpSpPr>
-        <a:xfrm>
-          <a:off x="0" y="0"/>
-          <a:ext cx="0" cy="0"/>
-          <a:chOff x="0" y="0"/>
-          <a:chExt cx="0" cy="0"/>
-        </a:xfrm>
-      </p:grpSpPr>
-      <p:sp>
-        <p:nvSpPr>
-          <p:cNvPr id="4" name="TextBox 3">
-            <a:extLst>
-              <a:ext uri="{FF2B5EF4-FFF2-40B4-BE49-F238E27FC236}">
-                <a16:creationId xmlns:a16="http://schemas.microsoft.com/office/drawing/2014/main" id="{18767206-9205-42D0-A2AE-5A1017D4CB08}"/>
-              </a:ext>
-            </a:extLst>
-          </p:cNvPr>
-          <p:cNvSpPr txBox="1"/>
-          <p:nvPr/>
-        </p:nvSpPr>
-        <p:spPr>
-          <a:xfrm>
-            <a:off x="291549" y="384313"/>
-            <a:ext cx="11781182" cy="430887"/>
-          </a:xfrm>
-          <a:prstGeom prst="rect">
-            <a:avLst/>
-          </a:prstGeom>
-          <a:noFill/>
-        </p:spPr>
-        <p:txBody>
-          <a:bodyPr wrap="square" rtlCol="0">
-            <a:spAutoFit/>
-          </a:bodyPr>
-          <a:lstStyle/>
-          <a:p>
-            <a:r>
-              <a:rPr lang="en-GB" sz="2200" dirty="0"/>
-              <a:t>Back to what was said about synchronous and asynchronous operations…</a:t>
-            </a:r>
-          </a:p>
-        </p:txBody>
-      </p:sp>
-      <p:sp>
-        <p:nvSpPr>
-          <p:cNvPr id="2" name="Rectangle 1">
-            <a:extLst>
-              <a:ext uri="{FF2B5EF4-FFF2-40B4-BE49-F238E27FC236}">
-                <a16:creationId xmlns:a16="http://schemas.microsoft.com/office/drawing/2014/main" id="{A326E563-C518-4A62-9F22-5876A8C238CB}"/>
-              </a:ext>
-            </a:extLst>
-          </p:cNvPr>
-          <p:cNvSpPr/>
-          <p:nvPr/>
-        </p:nvSpPr>
-        <p:spPr>
-          <a:xfrm>
-            <a:off x="291549" y="845978"/>
-            <a:ext cx="11421117" cy="5509200"/>
-          </a:xfrm>
-          <a:prstGeom prst="rect">
-            <a:avLst/>
-          </a:prstGeom>
-        </p:spPr>
-        <p:txBody>
-          <a:bodyPr wrap="square">
-            <a:spAutoFit/>
-          </a:bodyPr>
-          <a:lstStyle/>
-          <a:p>
-            <a:r>
-              <a:rPr lang="en-GB" sz="2200" b="1" dirty="0"/>
-              <a:t>Synchronous code may or may not run in the same thread.</a:t>
-            </a:r>
-          </a:p>
-          <a:p>
-            <a:r>
-              <a:rPr lang="en-GB" sz="2200" dirty="0"/>
-              <a:t>We have seen how you can cook synchronously alone or with someone else (another thread). </a:t>
-            </a:r>
-          </a:p>
-          <a:p>
-            <a:endParaRPr lang="en-GB" sz="2200" dirty="0"/>
-          </a:p>
-          <a:p>
-            <a:r>
-              <a:rPr lang="en-GB" sz="2200" b="1" dirty="0"/>
-              <a:t>Synchronous operations can be performed sequentially, or simultaneously. </a:t>
-            </a:r>
-          </a:p>
-          <a:p>
-            <a:pPr marL="342900" indent="-342900">
-              <a:buFont typeface="Arial" panose="020B0604020202020204" pitchFamily="34" charset="0"/>
-              <a:buChar char="•"/>
-            </a:pPr>
-            <a:r>
-              <a:rPr lang="en-GB" sz="2200" dirty="0"/>
-              <a:t>Cooking the pasta, draining it, adding sauce, etc. are performed sequentially. </a:t>
-            </a:r>
-          </a:p>
-          <a:p>
-            <a:pPr marL="342900" indent="-342900">
-              <a:buFont typeface="Arial" panose="020B0604020202020204" pitchFamily="34" charset="0"/>
-              <a:buChar char="•"/>
-            </a:pPr>
-            <a:r>
-              <a:rPr lang="en-GB" sz="2200" dirty="0"/>
-              <a:t>Preparing the dessert could be performed simultaneously with the pasta. </a:t>
-            </a:r>
-          </a:p>
-          <a:p>
-            <a:endParaRPr lang="en-GB" sz="2200" dirty="0"/>
-          </a:p>
-          <a:p>
-            <a:r>
-              <a:rPr lang="en-GB" sz="2200" b="1" dirty="0"/>
-              <a:t>Asynchronous operations may or may not run in multiple threads. </a:t>
-            </a:r>
-          </a:p>
-          <a:p>
-            <a:r>
-              <a:rPr lang="en-GB" sz="2200" dirty="0"/>
-              <a:t>We have demonstrated that you can cook asynchronously alone or with someone else. </a:t>
-            </a:r>
-          </a:p>
-          <a:p>
-            <a:endParaRPr lang="en-GB" sz="2200" b="1" dirty="0"/>
-          </a:p>
-          <a:p>
-            <a:r>
-              <a:rPr lang="en-GB" sz="2200" b="1" dirty="0"/>
-              <a:t>Asynchronous operations can be just scheduled but never guaranteed to run at a certain time. </a:t>
-            </a:r>
-          </a:p>
-          <a:p>
-            <a:r>
-              <a:rPr lang="en-GB" sz="2200" dirty="0"/>
-              <a:t>In reality you might decide to switch on the oven before starting to heat the saucepan of water, or the other way around. It would probably depend on which task can be started quickest, depending on where you are in your kitchen. There’s no real guarantee that one task will be started before the other and it doesn’t really matter. All that matters is that they are scheduled to be started as soon as possible and will be finished later on. </a:t>
-            </a:r>
-          </a:p>
-        </p:txBody>
-      </p:sp>
-    </p:spTree>
-    <p:extLst>
-      <p:ext uri="{BB962C8B-B14F-4D97-AF65-F5344CB8AC3E}">
-        <p14:creationId xmlns:p14="http://schemas.microsoft.com/office/powerpoint/2010/main" val="2688435186"/>
-      </p:ext>
-    </p:extLst>
-  </p:cSld>
-  <p:clrMapOvr>
-    <a:masterClrMapping/>
-  </p:clrMapOvr>
-</p:sld>
-</file>
-
 <file path=ppt/slides/slide34.xml><?xml version="1.0" encoding="utf-8"?>
 <p:sld xmlns:a="http://schemas.openxmlformats.org/drawingml/2006/main" xmlns:r="http://schemas.openxmlformats.org/officeDocument/2006/relationships" xmlns:p="http://schemas.openxmlformats.org/presentationml/2006/main">
   <p:cSld>
@@ -10052,7 +10197,7 @@
         <p:spPr>
           <a:xfrm>
             <a:off x="291549" y="384313"/>
-            <a:ext cx="11781182" cy="5847755"/>
+            <a:ext cx="11781182" cy="430887"/>
           </a:xfrm>
           <a:prstGeom prst="rect">
             <a:avLst/>
@@ -10066,8 +10211,92 @@
           <a:lstStyle/>
           <a:p>
             <a:r>
+              <a:rPr lang="en-GB" sz="2200" dirty="0"/>
+              <a:t>Back to what was said about synchronous and asynchronous operations…</a:t>
+            </a:r>
+          </a:p>
+        </p:txBody>
+      </p:sp>
+      <p:sp>
+        <p:nvSpPr>
+          <p:cNvPr id="2" name="Rectangle 1">
+            <a:extLst>
+              <a:ext uri="{FF2B5EF4-FFF2-40B4-BE49-F238E27FC236}">
+                <a16:creationId xmlns:a16="http://schemas.microsoft.com/office/drawing/2014/main" id="{A326E563-C518-4A62-9F22-5876A8C238CB}"/>
+              </a:ext>
+            </a:extLst>
+          </p:cNvPr>
+          <p:cNvSpPr/>
+          <p:nvPr/>
+        </p:nvSpPr>
+        <p:spPr>
+          <a:xfrm>
+            <a:off x="291549" y="845978"/>
+            <a:ext cx="11421117" cy="5509200"/>
+          </a:xfrm>
+          <a:prstGeom prst="rect">
+            <a:avLst/>
+          </a:prstGeom>
+        </p:spPr>
+        <p:txBody>
+          <a:bodyPr wrap="square">
+            <a:spAutoFit/>
+          </a:bodyPr>
+          <a:lstStyle/>
+          <a:p>
+            <a:r>
               <a:rPr lang="en-GB" sz="2200" b="1" dirty="0"/>
-              <a:t>Some easy rules to follow for some common questions</a:t>
+              <a:t>Synchronous code may or may not run in the same thread.</a:t>
+            </a:r>
+          </a:p>
+          <a:p>
+            <a:r>
+              <a:rPr lang="en-GB" sz="2200" dirty="0"/>
+              <a:t>We have seen how you can cook synchronously alone or with someone else (another thread). </a:t>
+            </a:r>
+          </a:p>
+          <a:p>
+            <a:endParaRPr lang="en-GB" sz="2200" dirty="0"/>
+          </a:p>
+          <a:p>
+            <a:r>
+              <a:rPr lang="en-GB" sz="2200" b="1" dirty="0"/>
+              <a:t>Synchronous operations can be performed sequentially, or simultaneously. </a:t>
+            </a:r>
+          </a:p>
+          <a:p>
+            <a:pPr marL="342900" indent="-342900">
+              <a:buFont typeface="Arial" panose="020B0604020202020204" pitchFamily="34" charset="0"/>
+              <a:buChar char="•"/>
+            </a:pPr>
+            <a:r>
+              <a:rPr lang="en-GB" sz="2200" dirty="0"/>
+              <a:t>Cooking the pasta, draining it, adding sauce, etc. are performed sequentially. </a:t>
+            </a:r>
+          </a:p>
+          <a:p>
+            <a:pPr marL="342900" indent="-342900">
+              <a:buFont typeface="Arial" panose="020B0604020202020204" pitchFamily="34" charset="0"/>
+              <a:buChar char="•"/>
+            </a:pPr>
+            <a:r>
+              <a:rPr lang="en-GB" sz="2200" dirty="0"/>
+              <a:t>Preparing the dessert could be performed simultaneously with the pasta. </a:t>
+            </a:r>
+          </a:p>
+          <a:p>
+            <a:endParaRPr lang="en-GB" sz="2200" dirty="0"/>
+          </a:p>
+          <a:p>
+            <a:r>
+              <a:rPr lang="en-GB" sz="2200" b="1" dirty="0"/>
+              <a:t>Asynchronous operations may or may not run in multiple threads. </a:t>
+            </a:r>
+          </a:p>
+          <a:p>
+            <a:r>
+              <a:rPr lang="en-GB" sz="2200" dirty="0"/>
+              <a:t>We have demonstrated that you can cook asynchronously alone or with someone else. </a:t>
             </a:r>
           </a:p>
           <a:p>
@@ -10076,105 +10305,13 @@
           <a:p>
             <a:r>
               <a:rPr lang="en-GB" sz="2200" b="1" dirty="0"/>
-              <a:t>Should I be using multiple threads? </a:t>
+              <a:t>Asynchronous operations can be just scheduled but never guaranteed to run at a certain time. </a:t>
             </a:r>
           </a:p>
           <a:p>
             <a:r>
               <a:rPr lang="en-GB" sz="2200" dirty="0"/>
-              <a:t>If there is a performance bottleneck caused by CPU-bound work which can be run in parallel, go for it, </a:t>
-            </a:r>
-            <a:r>
-              <a:rPr lang="en-GB" sz="2200" b="1" dirty="0"/>
-              <a:t>unless you’re using building a web application </a:t>
-            </a:r>
-            <a:r>
-              <a:rPr lang="en-GB" sz="2200" dirty="0"/>
-              <a:t>(more on this later). </a:t>
-            </a:r>
-          </a:p>
-          <a:p>
-            <a:r>
-              <a:rPr lang="en-GB" sz="2200" dirty="0"/>
-              <a:t>If the performance bottleneck isn’t CPU-bound (i.e. disk I/O, network I/O) or it’s CPU-bound and can’t be run in parallel, there is no benefit and it can be detrimental to performance/resource usage. </a:t>
-            </a:r>
-          </a:p>
-          <a:p>
-            <a:endParaRPr lang="en-GB" sz="2200" dirty="0"/>
-          </a:p>
-          <a:p>
-            <a:r>
-              <a:rPr lang="en-GB" sz="2200" b="1" dirty="0"/>
-              <a:t>Should I be using asynchronous code? </a:t>
-            </a:r>
-          </a:p>
-          <a:p>
-            <a:r>
-              <a:rPr lang="en-GB" sz="2200" dirty="0"/>
-              <a:t>Ideally you should use it everywhere you’re dealing with high-latency, non-CPU-bound tasks (i.e. disk I/O, network I/O). CPU-bound work shouldn’t be </a:t>
-            </a:r>
-            <a:r>
-              <a:rPr lang="en-GB" sz="2200" dirty="0" err="1"/>
-              <a:t>async</a:t>
-            </a:r>
-            <a:r>
-              <a:rPr lang="en-GB" sz="2200" dirty="0"/>
-              <a:t> as there’s no point. </a:t>
-            </a:r>
-          </a:p>
-          <a:p>
-            <a:r>
-              <a:rPr lang="en-GB" sz="2200" dirty="0"/>
-              <a:t>Methods with names such as </a:t>
-            </a:r>
-            <a:r>
-              <a:rPr lang="en-GB" sz="2200" b="1" dirty="0" err="1"/>
-              <a:t>DownloadStringAsync</a:t>
-            </a:r>
-            <a:r>
-              <a:rPr lang="en-GB" sz="2200" dirty="0"/>
-              <a:t> implies there is some form of network I/O which can be run asynchronously. </a:t>
-            </a:r>
-          </a:p>
-          <a:p>
-            <a:endParaRPr lang="en-GB" sz="2200" dirty="0"/>
-          </a:p>
-          <a:p>
-            <a:r>
-              <a:rPr lang="en-GB" sz="2200" b="1" dirty="0"/>
-              <a:t>Should I be using synchronous code? </a:t>
-            </a:r>
-          </a:p>
-          <a:p>
-            <a:r>
-              <a:rPr lang="en-GB" sz="2200" dirty="0"/>
-              <a:t>For CPU-bound work, yes. For non-CPU-bound work, no. </a:t>
-            </a:r>
-          </a:p>
-          <a:p>
-            <a:r>
-              <a:rPr lang="en-GB" sz="2200" dirty="0"/>
-              <a:t>C# Methods such as </a:t>
-            </a:r>
-            <a:r>
-              <a:rPr lang="en-GB" sz="2200" b="1" dirty="0" err="1"/>
-              <a:t>Math.Sqrt</a:t>
-            </a:r>
-            <a:r>
-              <a:rPr lang="en-GB" sz="2200" b="1" dirty="0"/>
-              <a:t> </a:t>
-            </a:r>
-            <a:r>
-              <a:rPr lang="en-GB" sz="2200" dirty="0"/>
-              <a:t>wouldn’t make much sense as </a:t>
-            </a:r>
-            <a:r>
-              <a:rPr lang="en-GB" sz="2200" b="1" dirty="0" err="1"/>
-              <a:t>Math.SqrtAsync</a:t>
-            </a:r>
-            <a:r>
-              <a:rPr lang="en-GB" sz="2200" dirty="0"/>
-              <a:t>.</a:t>
+              <a:t>In reality you might decide to switch on the oven before starting to heat the saucepan of water, or the other way around. It would probably depend on which task can be started quickest, depending on where you are in your kitchen. There’s no real guarantee that one task will be started before the other and it doesn’t really matter. All that matters is that they are scheduled to be started as soon as possible and will be finished later on. </a:t>
             </a:r>
           </a:p>
         </p:txBody>
@@ -10182,7 +10319,7 @@
     </p:spTree>
     <p:extLst>
       <p:ext uri="{BB962C8B-B14F-4D97-AF65-F5344CB8AC3E}">
-        <p14:creationId xmlns:p14="http://schemas.microsoft.com/office/powerpoint/2010/main" val="1255030325"/>
+        <p14:creationId xmlns:p14="http://schemas.microsoft.com/office/powerpoint/2010/main" val="2688435186"/>
       </p:ext>
     </p:extLst>
   </p:cSld>
@@ -10224,6 +10361,178 @@
         <p:spPr>
           <a:xfrm>
             <a:off x="291549" y="384313"/>
+            <a:ext cx="11781182" cy="5847755"/>
+          </a:xfrm>
+          <a:prstGeom prst="rect">
+            <a:avLst/>
+          </a:prstGeom>
+          <a:noFill/>
+        </p:spPr>
+        <p:txBody>
+          <a:bodyPr wrap="square" rtlCol="0">
+            <a:spAutoFit/>
+          </a:bodyPr>
+          <a:lstStyle/>
+          <a:p>
+            <a:r>
+              <a:rPr lang="en-GB" sz="2200" b="1" dirty="0"/>
+              <a:t>Some easy rules to follow for some common questions</a:t>
+            </a:r>
+          </a:p>
+          <a:p>
+            <a:endParaRPr lang="en-GB" sz="2200" b="1" dirty="0"/>
+          </a:p>
+          <a:p>
+            <a:r>
+              <a:rPr lang="en-GB" sz="2200" b="1" dirty="0"/>
+              <a:t>Should I be using multiple threads? </a:t>
+            </a:r>
+          </a:p>
+          <a:p>
+            <a:r>
+              <a:rPr lang="en-GB" sz="2200" dirty="0"/>
+              <a:t>If there is a performance bottleneck caused by CPU-bound work which can be run in parallel, go for it, </a:t>
+            </a:r>
+            <a:r>
+              <a:rPr lang="en-GB" sz="2200" b="1" dirty="0"/>
+              <a:t>unless you’re using building a web application </a:t>
+            </a:r>
+            <a:r>
+              <a:rPr lang="en-GB" sz="2200" dirty="0"/>
+              <a:t>(more on this later). </a:t>
+            </a:r>
+          </a:p>
+          <a:p>
+            <a:r>
+              <a:rPr lang="en-GB" sz="2200" dirty="0"/>
+              <a:t>If the performance bottleneck isn’t CPU-bound (i.e. disk I/O, network I/O) or it’s CPU-bound and can’t be run in parallel, there is no benefit and it can be detrimental to performance/resource usage. </a:t>
+            </a:r>
+          </a:p>
+          <a:p>
+            <a:endParaRPr lang="en-GB" sz="2200" dirty="0"/>
+          </a:p>
+          <a:p>
+            <a:r>
+              <a:rPr lang="en-GB" sz="2200" b="1" dirty="0"/>
+              <a:t>Should I be using asynchronous code? </a:t>
+            </a:r>
+          </a:p>
+          <a:p>
+            <a:r>
+              <a:rPr lang="en-GB" sz="2200" dirty="0"/>
+              <a:t>Ideally you should use it everywhere you’re dealing with high-latency, non-CPU-bound tasks (i.e. disk I/O, network I/O). CPU-bound work shouldn’t be </a:t>
+            </a:r>
+            <a:r>
+              <a:rPr lang="en-GB" sz="2200" dirty="0" err="1"/>
+              <a:t>async</a:t>
+            </a:r>
+            <a:r>
+              <a:rPr lang="en-GB" sz="2200" dirty="0"/>
+              <a:t> as there’s no point. </a:t>
+            </a:r>
+          </a:p>
+          <a:p>
+            <a:r>
+              <a:rPr lang="en-GB" sz="2200" dirty="0"/>
+              <a:t>Methods with names such as </a:t>
+            </a:r>
+            <a:r>
+              <a:rPr lang="en-GB" sz="2200" b="1" dirty="0" err="1"/>
+              <a:t>DownloadStringAsync</a:t>
+            </a:r>
+            <a:r>
+              <a:rPr lang="en-GB" sz="2200" dirty="0"/>
+              <a:t> implies there is some form of network I/O which can be run asynchronously. </a:t>
+            </a:r>
+          </a:p>
+          <a:p>
+            <a:endParaRPr lang="en-GB" sz="2200" dirty="0"/>
+          </a:p>
+          <a:p>
+            <a:r>
+              <a:rPr lang="en-GB" sz="2200" b="1" dirty="0"/>
+              <a:t>Should I be using synchronous code? </a:t>
+            </a:r>
+          </a:p>
+          <a:p>
+            <a:r>
+              <a:rPr lang="en-GB" sz="2200" dirty="0"/>
+              <a:t>For CPU-bound work, yes. For non-CPU-bound work, no. </a:t>
+            </a:r>
+          </a:p>
+          <a:p>
+            <a:r>
+              <a:rPr lang="en-GB" sz="2200" dirty="0"/>
+              <a:t>C# Methods such as </a:t>
+            </a:r>
+            <a:r>
+              <a:rPr lang="en-GB" sz="2200" b="1" dirty="0" err="1"/>
+              <a:t>Math.Sqrt</a:t>
+            </a:r>
+            <a:r>
+              <a:rPr lang="en-GB" sz="2200" b="1" dirty="0"/>
+              <a:t> </a:t>
+            </a:r>
+            <a:r>
+              <a:rPr lang="en-GB" sz="2200" dirty="0"/>
+              <a:t>wouldn’t make much sense as </a:t>
+            </a:r>
+            <a:r>
+              <a:rPr lang="en-GB" sz="2200" b="1" dirty="0" err="1"/>
+              <a:t>Math.SqrtAsync</a:t>
+            </a:r>
+            <a:r>
+              <a:rPr lang="en-GB" sz="2200" dirty="0"/>
+              <a:t>.</a:t>
+            </a:r>
+          </a:p>
+        </p:txBody>
+      </p:sp>
+    </p:spTree>
+    <p:extLst>
+      <p:ext uri="{BB962C8B-B14F-4D97-AF65-F5344CB8AC3E}">
+        <p14:creationId xmlns:p14="http://schemas.microsoft.com/office/powerpoint/2010/main" val="1255030325"/>
+      </p:ext>
+    </p:extLst>
+  </p:cSld>
+  <p:clrMapOvr>
+    <a:masterClrMapping/>
+  </p:clrMapOvr>
+</p:sld>
+</file>
+
+<file path=ppt/slides/slide36.xml><?xml version="1.0" encoding="utf-8"?>
+<p:sld xmlns:a="http://schemas.openxmlformats.org/drawingml/2006/main" xmlns:r="http://schemas.openxmlformats.org/officeDocument/2006/relationships" xmlns:p="http://schemas.openxmlformats.org/presentationml/2006/main">
+  <p:cSld>
+    <p:spTree>
+      <p:nvGrpSpPr>
+        <p:cNvPr id="1" name=""/>
+        <p:cNvGrpSpPr/>
+        <p:nvPr/>
+      </p:nvGrpSpPr>
+      <p:grpSpPr>
+        <a:xfrm>
+          <a:off x="0" y="0"/>
+          <a:ext cx="0" cy="0"/>
+          <a:chOff x="0" y="0"/>
+          <a:chExt cx="0" cy="0"/>
+        </a:xfrm>
+      </p:grpSpPr>
+      <p:sp>
+        <p:nvSpPr>
+          <p:cNvPr id="4" name="TextBox 3">
+            <a:extLst>
+              <a:ext uri="{FF2B5EF4-FFF2-40B4-BE49-F238E27FC236}">
+                <a16:creationId xmlns:a16="http://schemas.microsoft.com/office/drawing/2014/main" id="{18767206-9205-42D0-A2AE-5A1017D4CB08}"/>
+              </a:ext>
+            </a:extLst>
+          </p:cNvPr>
+          <p:cNvSpPr txBox="1"/>
+          <p:nvPr/>
+        </p:nvSpPr>
+        <p:spPr>
+          <a:xfrm>
+            <a:off x="291549" y="384313"/>
             <a:ext cx="11781182" cy="769441"/>
           </a:xfrm>
           <a:prstGeom prst="rect">
@@ -10404,7 +10713,7 @@
 </p:sld>
 </file>
 
-<file path=ppt/slides/slide36.xml><?xml version="1.0" encoding="utf-8"?>
+<file path=ppt/slides/slide37.xml><?xml version="1.0" encoding="utf-8"?>
 <p:sld xmlns:a="http://schemas.openxmlformats.org/drawingml/2006/main" xmlns:r="http://schemas.openxmlformats.org/officeDocument/2006/relationships" xmlns:p="http://schemas.openxmlformats.org/presentationml/2006/main">
   <p:cSld>
     <p:spTree>
@@ -11513,7 +11822,7 @@
 </p:sld>
 </file>
 
-<file path=ppt/slides/slide37.xml><?xml version="1.0" encoding="utf-8"?>
+<file path=ppt/slides/slide38.xml><?xml version="1.0" encoding="utf-8"?>
 <p:sld xmlns:a="http://schemas.openxmlformats.org/drawingml/2006/main" xmlns:r="http://schemas.openxmlformats.org/officeDocument/2006/relationships" xmlns:p="http://schemas.openxmlformats.org/presentationml/2006/main">
   <p:cSld>
     <p:spTree>
@@ -11701,113 +12010,6 @@
     <p:extLst>
       <p:ext uri="{BB962C8B-B14F-4D97-AF65-F5344CB8AC3E}">
         <p14:creationId xmlns:p14="http://schemas.microsoft.com/office/powerpoint/2010/main" val="274551446"/>
-      </p:ext>
-    </p:extLst>
-  </p:cSld>
-  <p:clrMapOvr>
-    <a:masterClrMapping/>
-  </p:clrMapOvr>
-</p:sld>
-</file>
-
-<file path=ppt/slides/slide38.xml><?xml version="1.0" encoding="utf-8"?>
-<p:sld xmlns:a="http://schemas.openxmlformats.org/drawingml/2006/main" xmlns:r="http://schemas.openxmlformats.org/officeDocument/2006/relationships" xmlns:p="http://schemas.openxmlformats.org/presentationml/2006/main">
-  <p:cSld>
-    <p:spTree>
-      <p:nvGrpSpPr>
-        <p:cNvPr id="1" name=""/>
-        <p:cNvGrpSpPr/>
-        <p:nvPr/>
-      </p:nvGrpSpPr>
-      <p:grpSpPr>
-        <a:xfrm>
-          <a:off x="0" y="0"/>
-          <a:ext cx="0" cy="0"/>
-          <a:chOff x="0" y="0"/>
-          <a:chExt cx="0" cy="0"/>
-        </a:xfrm>
-      </p:grpSpPr>
-      <p:sp>
-        <p:nvSpPr>
-          <p:cNvPr id="4" name="TextBox 3">
-            <a:extLst>
-              <a:ext uri="{FF2B5EF4-FFF2-40B4-BE49-F238E27FC236}">
-                <a16:creationId xmlns:a16="http://schemas.microsoft.com/office/drawing/2014/main" id="{18767206-9205-42D0-A2AE-5A1017D4CB08}"/>
-              </a:ext>
-            </a:extLst>
-          </p:cNvPr>
-          <p:cNvSpPr txBox="1"/>
-          <p:nvPr/>
-        </p:nvSpPr>
-        <p:spPr>
-          <a:xfrm>
-            <a:off x="278297" y="212034"/>
-            <a:ext cx="11781182" cy="4493538"/>
-          </a:xfrm>
-          <a:prstGeom prst="rect">
-            <a:avLst/>
-          </a:prstGeom>
-          <a:noFill/>
-        </p:spPr>
-        <p:txBody>
-          <a:bodyPr wrap="square" rtlCol="0">
-            <a:spAutoFit/>
-          </a:bodyPr>
-          <a:lstStyle/>
-          <a:p>
-            <a:r>
-              <a:rPr lang="en-GB" sz="2200" b="1" dirty="0"/>
-              <a:t>Desktop and mobile applications love multithreading</a:t>
-            </a:r>
-          </a:p>
-          <a:p>
-            <a:endParaRPr lang="en-GB" sz="2200" b="1" dirty="0"/>
-          </a:p>
-          <a:p>
-            <a:pPr marL="342900" indent="-342900">
-              <a:buFont typeface="Arial" panose="020B0604020202020204" pitchFamily="34" charset="0"/>
-              <a:buChar char="•"/>
-            </a:pPr>
-            <a:r>
-              <a:rPr lang="en-GB" sz="2200" dirty="0"/>
-              <a:t>Applications like this only have one user at a time. As a result, you can essentially throw threads at a problem in order to provide the best performance. This particular user having the best performance won’t affect other users. </a:t>
-            </a:r>
-          </a:p>
-          <a:p>
-            <a:endParaRPr lang="en-GB" sz="2200" dirty="0"/>
-          </a:p>
-          <a:p>
-            <a:pPr marL="342900" indent="-342900">
-              <a:buFont typeface="Arial" panose="020B0604020202020204" pitchFamily="34" charset="0"/>
-              <a:buChar char="•"/>
-            </a:pPr>
-            <a:r>
-              <a:rPr lang="en-GB" sz="2200" dirty="0"/>
-              <a:t>Horizontal scaling (running the application across multiple devices) is not a concept which applies here. The user is only using a single device (i.e. their mobile phone). </a:t>
-            </a:r>
-          </a:p>
-          <a:p>
-            <a:endParaRPr lang="en-GB" sz="2200" dirty="0"/>
-          </a:p>
-          <a:p>
-            <a:pPr marL="342900" indent="-342900">
-              <a:buFont typeface="Arial" panose="020B0604020202020204" pitchFamily="34" charset="0"/>
-              <a:buChar char="•"/>
-            </a:pPr>
-            <a:r>
-              <a:rPr lang="en-GB" sz="2200" dirty="0"/>
-              <a:t>Vertical scaling (providing greater performance when given a more powerful device) applies but isn’t going to happen unless the user themselves physically switches to a better machine. It isn’t an area to focus on. Writing your code so you use threads efficiently is advised but not critical.</a:t>
-            </a:r>
-          </a:p>
-          <a:p>
-            <a:endParaRPr lang="en-GB" sz="2200" dirty="0"/>
-          </a:p>
-        </p:txBody>
-      </p:sp>
-    </p:spTree>
-    <p:extLst>
-      <p:ext uri="{BB962C8B-B14F-4D97-AF65-F5344CB8AC3E}">
-        <p14:creationId xmlns:p14="http://schemas.microsoft.com/office/powerpoint/2010/main" val="1813038530"/>
       </p:ext>
     </p:extLst>
   </p:cSld>
@@ -11864,7 +12066,7 @@
           <a:p>
             <a:r>
               <a:rPr lang="en-GB" sz="2200" b="1" dirty="0"/>
-              <a:t>Multithreading can kill your web application </a:t>
+              <a:t>Desktop and mobile applications love multithreading</a:t>
             </a:r>
           </a:p>
           <a:p>
@@ -11877,31 +12079,7 @@
             </a:pPr>
             <a:r>
               <a:rPr lang="en-GB" sz="2200" dirty="0"/>
-              <a:t>Web applications (e.g. ASP.NET MVC / </a:t>
-            </a:r>
-            <a:r>
-              <a:rPr lang="en-GB" sz="2200" dirty="0" err="1"/>
-              <a:t>WebAPI</a:t>
-            </a:r>
-            <a:r>
-              <a:rPr lang="en-GB" sz="2200" dirty="0"/>
-              <a:t> project) need to respond to HTTP requests. </a:t>
-            </a:r>
-            <a:r>
-              <a:rPr lang="en-GB" sz="2200" b="1" dirty="0"/>
-              <a:t>Each HTTP request requires its own thread from the thread pool</a:t>
-            </a:r>
-            <a:r>
-              <a:rPr lang="en-GB" sz="2200" dirty="0"/>
-              <a:t>. As a result, </a:t>
-            </a:r>
-            <a:r>
-              <a:rPr lang="en-GB" sz="2200" b="1" dirty="0"/>
-              <a:t>you should preserve your thread pool threads for handling requests</a:t>
-            </a:r>
-            <a:r>
-              <a:rPr lang="en-GB" sz="2200" dirty="0"/>
-              <a:t>. Using too many threads for improving performance for a single user would mean less users can be served on the same instance of your application.</a:t>
+              <a:t>Applications like this only have one user at a time. As a result, you can essentially throw threads at a problem in order to provide the best performance. This particular user having the best performance won’t affect other users. </a:t>
             </a:r>
           </a:p>
           <a:p>
@@ -11914,11 +12092,10 @@
             </a:pPr>
             <a:r>
               <a:rPr lang="en-GB" sz="2200" dirty="0"/>
-              <a:t>Horizontal scaling is critical to web applications. Each node in your cluster must be able to respond to as many requests as possible. Efficient use of threads will mean more users can use the application deployed on each node. </a:t>
-            </a:r>
-            <a:br>
-              <a:rPr lang="en-GB" sz="2200" dirty="0"/>
-            </a:br>
+              <a:t>Horizontal scaling (running the application across multiple devices) is not a concept which applies here. The user is only using a single device (i.e. their mobile phone). </a:t>
+            </a:r>
+          </a:p>
+          <a:p>
             <a:endParaRPr lang="en-GB" sz="2200" dirty="0"/>
           </a:p>
           <a:p>
@@ -11928,44 +12105,10 @@
             </a:pPr>
             <a:r>
               <a:rPr lang="en-GB" sz="2200" dirty="0"/>
-              <a:t>Vertical scaling is expensive so you must make sure you serve the most requests possible out of your new and more expensive hardware. </a:t>
-            </a:r>
-          </a:p>
-        </p:txBody>
-      </p:sp>
-      <p:sp>
-        <p:nvSpPr>
-          <p:cNvPr id="5" name="TextBox 4">
-            <a:extLst>
-              <a:ext uri="{FF2B5EF4-FFF2-40B4-BE49-F238E27FC236}">
-                <a16:creationId xmlns:a16="http://schemas.microsoft.com/office/drawing/2014/main" id="{CCCF3874-E9C8-4F70-8886-328893DB9238}"/>
-              </a:ext>
-            </a:extLst>
-          </p:cNvPr>
-          <p:cNvSpPr txBox="1"/>
-          <p:nvPr/>
-        </p:nvSpPr>
-        <p:spPr>
-          <a:xfrm>
-            <a:off x="205409" y="5391321"/>
-            <a:ext cx="11781182" cy="430887"/>
-          </a:xfrm>
-          <a:prstGeom prst="rect">
-            <a:avLst/>
-          </a:prstGeom>
-          <a:noFill/>
-        </p:spPr>
-        <p:txBody>
-          <a:bodyPr wrap="square" rtlCol="0">
-            <a:spAutoFit/>
-          </a:bodyPr>
-          <a:lstStyle/>
-          <a:p>
-            <a:pPr algn="ctr"/>
-            <a:r>
-              <a:rPr lang="en-GB" sz="2200" b="1" dirty="0"/>
-              <a:t>But what if you want to execute an asynchronous task without waiting for it to finish? </a:t>
-            </a:r>
+              <a:t>Vertical scaling (providing greater performance when given a more powerful device) applies but isn’t going to happen unless the user themselves physically switches to a better machine. It isn’t an area to focus on. Writing your code so you use threads efficiently is advised but not critical.</a:t>
+            </a:r>
+          </a:p>
+          <a:p>
             <a:endParaRPr lang="en-GB" sz="2200" dirty="0"/>
           </a:p>
         </p:txBody>
@@ -11973,7 +12116,7 @@
     </p:spTree>
     <p:extLst>
       <p:ext uri="{BB962C8B-B14F-4D97-AF65-F5344CB8AC3E}">
-        <p14:creationId xmlns:p14="http://schemas.microsoft.com/office/powerpoint/2010/main" val="1919573543"/>
+        <p14:creationId xmlns:p14="http://schemas.microsoft.com/office/powerpoint/2010/main" val="1813038530"/>
       </p:ext>
     </p:extLst>
   </p:cSld>
@@ -12151,6 +12294,172 @@
         <p:spPr>
           <a:xfrm>
             <a:off x="278297" y="212034"/>
+            <a:ext cx="11781182" cy="4493538"/>
+          </a:xfrm>
+          <a:prstGeom prst="rect">
+            <a:avLst/>
+          </a:prstGeom>
+          <a:noFill/>
+        </p:spPr>
+        <p:txBody>
+          <a:bodyPr wrap="square" rtlCol="0">
+            <a:spAutoFit/>
+          </a:bodyPr>
+          <a:lstStyle/>
+          <a:p>
+            <a:r>
+              <a:rPr lang="en-GB" sz="2200" b="1" dirty="0"/>
+              <a:t>Multithreading can kill your web application </a:t>
+            </a:r>
+          </a:p>
+          <a:p>
+            <a:endParaRPr lang="en-GB" sz="2200" b="1" dirty="0"/>
+          </a:p>
+          <a:p>
+            <a:pPr marL="342900" indent="-342900">
+              <a:buFont typeface="Arial" panose="020B0604020202020204" pitchFamily="34" charset="0"/>
+              <a:buChar char="•"/>
+            </a:pPr>
+            <a:r>
+              <a:rPr lang="en-GB" sz="2200" dirty="0"/>
+              <a:t>Web applications (e.g. ASP.NET MVC / </a:t>
+            </a:r>
+            <a:r>
+              <a:rPr lang="en-GB" sz="2200" dirty="0" err="1"/>
+              <a:t>WebAPI</a:t>
+            </a:r>
+            <a:r>
+              <a:rPr lang="en-GB" sz="2200" dirty="0"/>
+              <a:t> project) need to respond to HTTP requests. </a:t>
+            </a:r>
+            <a:r>
+              <a:rPr lang="en-GB" sz="2200" b="1" dirty="0"/>
+              <a:t>Each HTTP request requires its own thread from the thread pool</a:t>
+            </a:r>
+            <a:r>
+              <a:rPr lang="en-GB" sz="2200" dirty="0"/>
+              <a:t>. As a result, </a:t>
+            </a:r>
+            <a:r>
+              <a:rPr lang="en-GB" sz="2200" b="1" dirty="0"/>
+              <a:t>you should preserve your thread pool threads for handling requests</a:t>
+            </a:r>
+            <a:r>
+              <a:rPr lang="en-GB" sz="2200" dirty="0"/>
+              <a:t>. Using too many threads for improving performance for a single user would mean less users can be served on the same instance of your application.</a:t>
+            </a:r>
+          </a:p>
+          <a:p>
+            <a:endParaRPr lang="en-GB" sz="2200" dirty="0"/>
+          </a:p>
+          <a:p>
+            <a:pPr marL="342900" indent="-342900">
+              <a:buFont typeface="Arial" panose="020B0604020202020204" pitchFamily="34" charset="0"/>
+              <a:buChar char="•"/>
+            </a:pPr>
+            <a:r>
+              <a:rPr lang="en-GB" sz="2200" dirty="0"/>
+              <a:t>Horizontal scaling is critical to web applications. Each node in your cluster must be able to respond to as many requests as possible. Efficient use of threads will mean more users can use the application deployed on each node. </a:t>
+            </a:r>
+            <a:br>
+              <a:rPr lang="en-GB" sz="2200" dirty="0"/>
+            </a:br>
+            <a:endParaRPr lang="en-GB" sz="2200" dirty="0"/>
+          </a:p>
+          <a:p>
+            <a:pPr marL="342900" indent="-342900">
+              <a:buFont typeface="Arial" panose="020B0604020202020204" pitchFamily="34" charset="0"/>
+              <a:buChar char="•"/>
+            </a:pPr>
+            <a:r>
+              <a:rPr lang="en-GB" sz="2200" dirty="0"/>
+              <a:t>Vertical scaling is expensive so you must make sure you serve the most requests possible out of your new and more expensive hardware. </a:t>
+            </a:r>
+          </a:p>
+        </p:txBody>
+      </p:sp>
+      <p:sp>
+        <p:nvSpPr>
+          <p:cNvPr id="5" name="TextBox 4">
+            <a:extLst>
+              <a:ext uri="{FF2B5EF4-FFF2-40B4-BE49-F238E27FC236}">
+                <a16:creationId xmlns:a16="http://schemas.microsoft.com/office/drawing/2014/main" id="{CCCF3874-E9C8-4F70-8886-328893DB9238}"/>
+              </a:ext>
+            </a:extLst>
+          </p:cNvPr>
+          <p:cNvSpPr txBox="1"/>
+          <p:nvPr/>
+        </p:nvSpPr>
+        <p:spPr>
+          <a:xfrm>
+            <a:off x="205409" y="5391321"/>
+            <a:ext cx="11781182" cy="430887"/>
+          </a:xfrm>
+          <a:prstGeom prst="rect">
+            <a:avLst/>
+          </a:prstGeom>
+          <a:noFill/>
+        </p:spPr>
+        <p:txBody>
+          <a:bodyPr wrap="square" rtlCol="0">
+            <a:spAutoFit/>
+          </a:bodyPr>
+          <a:lstStyle/>
+          <a:p>
+            <a:pPr algn="ctr"/>
+            <a:r>
+              <a:rPr lang="en-GB" sz="2200" b="1" dirty="0"/>
+              <a:t>But what if you want to execute an asynchronous task without waiting for it to finish? </a:t>
+            </a:r>
+            <a:endParaRPr lang="en-GB" sz="2200" dirty="0"/>
+          </a:p>
+        </p:txBody>
+      </p:sp>
+    </p:spTree>
+    <p:extLst>
+      <p:ext uri="{BB962C8B-B14F-4D97-AF65-F5344CB8AC3E}">
+        <p14:creationId xmlns:p14="http://schemas.microsoft.com/office/powerpoint/2010/main" val="1919573543"/>
+      </p:ext>
+    </p:extLst>
+  </p:cSld>
+  <p:clrMapOvr>
+    <a:masterClrMapping/>
+  </p:clrMapOvr>
+</p:sld>
+</file>
+
+<file path=ppt/slides/slide41.xml><?xml version="1.0" encoding="utf-8"?>
+<p:sld xmlns:a="http://schemas.openxmlformats.org/drawingml/2006/main" xmlns:r="http://schemas.openxmlformats.org/officeDocument/2006/relationships" xmlns:p="http://schemas.openxmlformats.org/presentationml/2006/main">
+  <p:cSld>
+    <p:spTree>
+      <p:nvGrpSpPr>
+        <p:cNvPr id="1" name=""/>
+        <p:cNvGrpSpPr/>
+        <p:nvPr/>
+      </p:nvGrpSpPr>
+      <p:grpSpPr>
+        <a:xfrm>
+          <a:off x="0" y="0"/>
+          <a:ext cx="0" cy="0"/>
+          <a:chOff x="0" y="0"/>
+          <a:chExt cx="0" cy="0"/>
+        </a:xfrm>
+      </p:grpSpPr>
+      <p:sp>
+        <p:nvSpPr>
+          <p:cNvPr id="4" name="TextBox 3">
+            <a:extLst>
+              <a:ext uri="{FF2B5EF4-FFF2-40B4-BE49-F238E27FC236}">
+                <a16:creationId xmlns:a16="http://schemas.microsoft.com/office/drawing/2014/main" id="{18767206-9205-42D0-A2AE-5A1017D4CB08}"/>
+              </a:ext>
+            </a:extLst>
+          </p:cNvPr>
+          <p:cNvSpPr txBox="1"/>
+          <p:nvPr/>
+        </p:nvSpPr>
+        <p:spPr>
+          <a:xfrm>
+            <a:off x="278297" y="212034"/>
             <a:ext cx="11781182" cy="6186309"/>
           </a:xfrm>
           <a:prstGeom prst="rect">
@@ -12305,7 +12614,7 @@
 </p:sld>
 </file>
 
-<file path=ppt/slides/slide41.xml><?xml version="1.0" encoding="utf-8"?>
+<file path=ppt/slides/slide42.xml><?xml version="1.0" encoding="utf-8"?>
 <p:sld xmlns:a="http://schemas.openxmlformats.org/drawingml/2006/main" xmlns:r="http://schemas.openxmlformats.org/officeDocument/2006/relationships" xmlns:p="http://schemas.openxmlformats.org/presentationml/2006/main">
   <p:cSld>
     <p:spTree>
@@ -12517,168 +12826,6 @@
 </p:sld>
 </file>
 
-<file path=ppt/slides/slide42.xml><?xml version="1.0" encoding="utf-8"?>
-<p:sld xmlns:a="http://schemas.openxmlformats.org/drawingml/2006/main" xmlns:r="http://schemas.openxmlformats.org/officeDocument/2006/relationships" xmlns:p="http://schemas.openxmlformats.org/presentationml/2006/main">
-  <p:cSld>
-    <p:spTree>
-      <p:nvGrpSpPr>
-        <p:cNvPr id="1" name=""/>
-        <p:cNvGrpSpPr/>
-        <p:nvPr/>
-      </p:nvGrpSpPr>
-      <p:grpSpPr>
-        <a:xfrm>
-          <a:off x="0" y="0"/>
-          <a:ext cx="0" cy="0"/>
-          <a:chOff x="0" y="0"/>
-          <a:chExt cx="0" cy="0"/>
-        </a:xfrm>
-      </p:grpSpPr>
-      <p:sp>
-        <p:nvSpPr>
-          <p:cNvPr id="4" name="TextBox 3">
-            <a:extLst>
-              <a:ext uri="{FF2B5EF4-FFF2-40B4-BE49-F238E27FC236}">
-                <a16:creationId xmlns:a16="http://schemas.microsoft.com/office/drawing/2014/main" id="{18767206-9205-42D0-A2AE-5A1017D4CB08}"/>
-              </a:ext>
-            </a:extLst>
-          </p:cNvPr>
-          <p:cNvSpPr txBox="1"/>
-          <p:nvPr/>
-        </p:nvSpPr>
-        <p:spPr>
-          <a:xfrm>
-            <a:off x="278297" y="212034"/>
-            <a:ext cx="11781182" cy="5509200"/>
-          </a:xfrm>
-          <a:prstGeom prst="rect">
-            <a:avLst/>
-          </a:prstGeom>
-          <a:noFill/>
-        </p:spPr>
-        <p:txBody>
-          <a:bodyPr wrap="square" rtlCol="0">
-            <a:spAutoFit/>
-          </a:bodyPr>
-          <a:lstStyle/>
-          <a:p>
-            <a:r>
-              <a:rPr lang="en-GB" sz="2200" b="1" dirty="0"/>
-              <a:t>The solution</a:t>
-            </a:r>
-          </a:p>
-          <a:p>
-            <a:endParaRPr lang="en-GB" sz="2200" b="1" dirty="0"/>
-          </a:p>
-          <a:p>
-            <a:r>
-              <a:rPr lang="en-GB" sz="2200" dirty="0"/>
-              <a:t> In ASP.NET Core, background tasks can be implemented as hosted services. A hosted service is a class with background task logic that implements the </a:t>
-            </a:r>
-            <a:r>
-              <a:rPr lang="en-GB" sz="2200" dirty="0" err="1"/>
-              <a:t>IHostedService</a:t>
-            </a:r>
-            <a:r>
-              <a:rPr lang="en-GB" sz="2200" dirty="0"/>
-              <a:t> interface. You can host things such as: </a:t>
-            </a:r>
-          </a:p>
-          <a:p>
-            <a:endParaRPr lang="en-GB" sz="2200" dirty="0"/>
-          </a:p>
-          <a:p>
-            <a:pPr marL="342900" indent="-342900">
-              <a:buFont typeface="Arial" panose="020B0604020202020204" pitchFamily="34" charset="0"/>
-              <a:buChar char="•"/>
-            </a:pPr>
-            <a:r>
-              <a:rPr lang="en-GB" sz="2200" dirty="0"/>
-              <a:t>Background tasks that run on a timer.</a:t>
-            </a:r>
-          </a:p>
-          <a:p>
-            <a:pPr marL="342900" indent="-342900">
-              <a:buFont typeface="Arial" panose="020B0604020202020204" pitchFamily="34" charset="0"/>
-              <a:buChar char="•"/>
-            </a:pPr>
-            <a:r>
-              <a:rPr lang="en-GB" sz="2200" dirty="0"/>
-              <a:t>Hosted service that activates a scoped service. The scoped service can use dependency injection.</a:t>
-            </a:r>
-          </a:p>
-          <a:p>
-            <a:pPr marL="342900" indent="-342900">
-              <a:buFont typeface="Arial" panose="020B0604020202020204" pitchFamily="34" charset="0"/>
-              <a:buChar char="•"/>
-            </a:pPr>
-            <a:r>
-              <a:rPr lang="en-GB" sz="2200" dirty="0"/>
-              <a:t>Queued background tasks that run sequentially. </a:t>
-            </a:r>
-          </a:p>
-          <a:p>
-            <a:endParaRPr lang="en-GB" sz="2200" b="1" dirty="0"/>
-          </a:p>
-          <a:p>
-            <a:r>
-              <a:rPr lang="en-GB" sz="2200" dirty="0"/>
-              <a:t>The hosted service is activated once at app </a:t>
-            </a:r>
-            <a:r>
-              <a:rPr lang="en-GB" sz="2200" dirty="0" err="1"/>
-              <a:t>startup</a:t>
-            </a:r>
-            <a:r>
-              <a:rPr lang="en-GB" sz="2200" dirty="0"/>
-              <a:t> and gracefully shut down at app shutdown. If an error is thrown during background task execution, Dispose should be called even if </a:t>
-            </a:r>
-            <a:r>
-              <a:rPr lang="en-GB" sz="2200" dirty="0" err="1"/>
-              <a:t>StopAsync</a:t>
-            </a:r>
-            <a:r>
-              <a:rPr lang="en-GB" sz="2200" dirty="0"/>
-              <a:t> isn't called.</a:t>
-            </a:r>
-          </a:p>
-          <a:p>
-            <a:endParaRPr lang="en-GB" sz="2200" dirty="0"/>
-          </a:p>
-          <a:p>
-            <a:r>
-              <a:rPr lang="en-GB" sz="2200" dirty="0"/>
-              <a:t>Fairly simply to implement and Microsoft has excellent documentation on it: </a:t>
-            </a:r>
-            <a:br>
-              <a:rPr lang="en-GB" sz="2200" dirty="0"/>
-            </a:br>
-            <a:r>
-              <a:rPr lang="en-GB" sz="2200" dirty="0">
-                <a:hlinkClick r:id="rId2"/>
-              </a:rPr>
-              <a:t>https://docs.microsoft.com/en-us/aspnet/core/fundamentals/host/hosted-services?view=aspnetcore-2.1#queued-background-tasks</a:t>
-            </a:r>
-            <a:r>
-              <a:rPr lang="en-GB" sz="2200" dirty="0"/>
-              <a:t> </a:t>
-            </a:r>
-          </a:p>
-        </p:txBody>
-      </p:sp>
-    </p:spTree>
-    <p:extLst>
-      <p:ext uri="{BB962C8B-B14F-4D97-AF65-F5344CB8AC3E}">
-        <p14:creationId xmlns:p14="http://schemas.microsoft.com/office/powerpoint/2010/main" val="2054950243"/>
-      </p:ext>
-    </p:extLst>
-  </p:cSld>
-  <p:clrMapOvr>
-    <a:masterClrMapping/>
-  </p:clrMapOvr>
-</p:sld>
-</file>
-
 <file path=ppt/slides/slide43.xml><?xml version="1.0" encoding="utf-8"?>
 <p:sld xmlns:a="http://schemas.openxmlformats.org/drawingml/2006/main" xmlns:r="http://schemas.openxmlformats.org/officeDocument/2006/relationships" xmlns:p="http://schemas.openxmlformats.org/presentationml/2006/main">
   <p:cSld>
@@ -12711,7 +12858,7 @@
         <p:spPr>
           <a:xfrm>
             <a:off x="278297" y="212034"/>
-            <a:ext cx="11781182" cy="4832092"/>
+            <a:ext cx="11781182" cy="5509200"/>
           </a:xfrm>
           <a:prstGeom prst="rect">
             <a:avLst/>
@@ -12735,7 +12882,15 @@
           <a:p>
             <a:r>
               <a:rPr lang="en-GB" sz="2200" dirty="0"/>
-              <a:t>Other solutions include:</a:t>
+              <a:t> In ASP.NET Core, background tasks can be implemented as hosted services. A hosted service is a class with background task logic that implements the </a:t>
+            </a:r>
+            <a:r>
+              <a:rPr lang="en-GB" sz="2200" dirty="0" err="1"/>
+              <a:t>IHostedService</a:t>
+            </a:r>
+            <a:r>
+              <a:rPr lang="en-GB" sz="2200" dirty="0"/>
+              <a:t> interface. You can host things such as: </a:t>
             </a:r>
           </a:p>
           <a:p>
@@ -12748,15 +12903,7 @@
             </a:pPr>
             <a:r>
               <a:rPr lang="en-GB" sz="2200" dirty="0"/>
-              <a:t>Using a library like </a:t>
-            </a:r>
-            <a:r>
-              <a:rPr lang="en-GB" sz="2200" dirty="0" err="1"/>
-              <a:t>Hangfire</a:t>
-            </a:r>
-            <a:r>
-              <a:rPr lang="en-GB" sz="2200" dirty="0"/>
-              <a:t> which has a persistence layer for storing your tasks to be executed reliably. </a:t>
+              <a:t>Background tasks that run on a timer.</a:t>
             </a:r>
           </a:p>
           <a:p>
@@ -12764,7 +12911,10 @@
               <a:buFont typeface="Arial" panose="020B0604020202020204" pitchFamily="34" charset="0"/>
               <a:buChar char="•"/>
             </a:pPr>
-            <a:endParaRPr lang="en-GB" sz="2200" dirty="0"/>
+            <a:r>
+              <a:rPr lang="en-GB" sz="2200" dirty="0"/>
+              <a:t>Hosted service that activates a scoped service. The scoped service can use dependency injection.</a:t>
+            </a:r>
           </a:p>
           <a:p>
             <a:pPr marL="342900" indent="-342900">
@@ -12773,42 +12923,62 @@
             </a:pPr>
             <a:r>
               <a:rPr lang="en-GB" sz="2200" dirty="0"/>
-              <a:t>Using Azure Service Fabric actors to do this work instead. </a:t>
-            </a:r>
-          </a:p>
-          <a:p>
-            <a:pPr marL="342900" indent="-342900">
-              <a:buFont typeface="Arial" panose="020B0604020202020204" pitchFamily="34" charset="0"/>
-              <a:buChar char="•"/>
-            </a:pPr>
+              <a:t>Queued background tasks that run sequentially. </a:t>
+            </a:r>
+          </a:p>
+          <a:p>
+            <a:endParaRPr lang="en-GB" sz="2200" b="1" dirty="0"/>
+          </a:p>
+          <a:p>
+            <a:r>
+              <a:rPr lang="en-GB" sz="2200" dirty="0"/>
+              <a:t>The hosted service is activated once at app </a:t>
+            </a:r>
+            <a:r>
+              <a:rPr lang="en-GB" sz="2200" dirty="0" err="1"/>
+              <a:t>startup</a:t>
+            </a:r>
+            <a:r>
+              <a:rPr lang="en-GB" sz="2200" dirty="0"/>
+              <a:t> and gracefully shut down at app shutdown. If an error is thrown during background task execution, Dispose should be called even if </a:t>
+            </a:r>
+            <a:r>
+              <a:rPr lang="en-GB" sz="2200" dirty="0" err="1"/>
+              <a:t>StopAsync</a:t>
+            </a:r>
+            <a:r>
+              <a:rPr lang="en-GB" sz="2200" dirty="0"/>
+              <a:t> isn't called.</a:t>
+            </a:r>
+          </a:p>
+          <a:p>
             <a:endParaRPr lang="en-GB" sz="2200" dirty="0"/>
           </a:p>
           <a:p>
-            <a:pPr marL="342900" indent="-342900">
-              <a:buFont typeface="Arial" panose="020B0604020202020204" pitchFamily="34" charset="0"/>
-              <a:buChar char="•"/>
-            </a:pPr>
             <a:r>
               <a:rPr lang="en-GB" sz="2200" dirty="0"/>
-              <a:t>Using some other way of persisting the tasks in some way to a queue and processing them with a different system. </a:t>
+              <a:t>Fairly simply to implement and Microsoft has excellent documentation on it: </a:t>
             </a:r>
             <a:br>
               <a:rPr lang="en-GB" sz="2200" dirty="0"/>
             </a:br>
             <a:r>
+              <a:rPr lang="en-GB" sz="2200" dirty="0">
+                <a:hlinkClick r:id="rId2"/>
+              </a:rPr>
+              <a:t>https://docs.microsoft.com/en-us/aspnet/core/fundamentals/host/hosted-services?view=aspnetcore-2.1#queued-background-tasks</a:t>
+            </a:r>
+            <a:r>
               <a:rPr lang="en-GB" sz="2200" dirty="0"/>
-              <a:t>E.g.  using an Azure Storage Queue to store messages temporarily, then using an Azure Function to process messages in order from the queue. </a:t>
-            </a:r>
-          </a:p>
-          <a:p>
-            <a:endParaRPr lang="en-GB" sz="2200" b="1" dirty="0"/>
+              <a:t> </a:t>
+            </a:r>
           </a:p>
         </p:txBody>
       </p:sp>
     </p:spTree>
     <p:extLst>
       <p:ext uri="{BB962C8B-B14F-4D97-AF65-F5344CB8AC3E}">
-        <p14:creationId xmlns:p14="http://schemas.microsoft.com/office/powerpoint/2010/main" val="2683058289"/>
+        <p14:creationId xmlns:p14="http://schemas.microsoft.com/office/powerpoint/2010/main" val="2054950243"/>
       </p:ext>
     </p:extLst>
   </p:cSld>
@@ -12850,7 +13020,7 @@
         <p:spPr>
           <a:xfrm>
             <a:off x="278297" y="212034"/>
-            <a:ext cx="11781182" cy="6063198"/>
+            <a:ext cx="11781182" cy="4832092"/>
           </a:xfrm>
           <a:prstGeom prst="rect">
             <a:avLst/>
@@ -12865,7 +13035,7 @@
           <a:p>
             <a:r>
               <a:rPr lang="en-GB" sz="2200" b="1" dirty="0"/>
-              <a:t>Multithreading can kill your Azure Service Fabric actors</a:t>
+              <a:t>The solution</a:t>
             </a:r>
           </a:p>
           <a:p>
@@ -12874,56 +13044,8 @@
           <a:p>
             <a:r>
               <a:rPr lang="en-GB" sz="2200" dirty="0"/>
-              <a:t>From the </a:t>
-            </a:r>
-            <a:r>
-              <a:rPr lang="en-GB" sz="2200" dirty="0" err="1"/>
-              <a:t>the</a:t>
-            </a:r>
-            <a:r>
-              <a:rPr lang="en-GB" sz="2200" dirty="0"/>
-              <a:t> MSDN page for Service Fabric Reliable Actors:</a:t>
-            </a:r>
-          </a:p>
-          <a:p>
-            <a:endParaRPr lang="en-GB" sz="2200" dirty="0"/>
-          </a:p>
-          <a:p>
-            <a:r>
-              <a:rPr lang="en-GB" sz="2200" dirty="0"/>
-              <a:t>“</a:t>
-            </a:r>
-            <a:r>
-              <a:rPr lang="en-GB" dirty="0"/>
-              <a:t>The Reliable Actors API provides a </a:t>
-            </a:r>
-            <a:r>
-              <a:rPr lang="en-GB" b="1" dirty="0"/>
-              <a:t>single-threaded programming </a:t>
-            </a:r>
-            <a:r>
-              <a:rPr lang="en-GB" dirty="0"/>
-              <a:t>model built on the scalability and reliability guarantees provided by Service Fabric.”</a:t>
-            </a:r>
-            <a:endParaRPr lang="en-GB" sz="2200" dirty="0"/>
-          </a:p>
-          <a:p>
-            <a:endParaRPr lang="en-GB" sz="2200" dirty="0"/>
-          </a:p>
-          <a:p>
-            <a:r>
-              <a:rPr lang="en-GB" dirty="0"/>
-              <a:t>“An actor is an isolated, independent unit of compute and state with </a:t>
-            </a:r>
-            <a:r>
-              <a:rPr lang="en-GB" b="1" dirty="0"/>
-              <a:t>single-threaded execution</a:t>
-            </a:r>
-            <a:r>
-              <a:rPr lang="en-GB" dirty="0"/>
-              <a:t>.”</a:t>
-            </a:r>
-            <a:endParaRPr lang="en-GB" sz="2200" dirty="0"/>
+              <a:t>Other solutions include:</a:t>
+            </a:r>
           </a:p>
           <a:p>
             <a:endParaRPr lang="en-GB" sz="2200" dirty="0"/>
@@ -12935,45 +13057,67 @@
             </a:pPr>
             <a:r>
               <a:rPr lang="en-GB" sz="2200" dirty="0"/>
-              <a:t>Actors are activated on a thread when a request is made to them. </a:t>
-            </a:r>
-          </a:p>
-          <a:p>
-            <a:endParaRPr lang="en-GB" sz="2200" dirty="0"/>
+              <a:t>Using a library like </a:t>
+            </a:r>
+            <a:r>
+              <a:rPr lang="en-GB" sz="2200" dirty="0" err="1"/>
+              <a:t>Hangfire</a:t>
+            </a:r>
+            <a:r>
+              <a:rPr lang="en-GB" sz="2200" dirty="0"/>
+              <a:t> which has a persistence layer for storing your tasks to be executed reliably. </a:t>
+            </a:r>
           </a:p>
           <a:p>
             <a:pPr marL="342900" indent="-342900">
               <a:buFont typeface="Arial" panose="020B0604020202020204" pitchFamily="34" charset="0"/>
               <a:buChar char="•"/>
             </a:pPr>
-            <a:r>
-              <a:rPr lang="en-GB" sz="2200" dirty="0"/>
-              <a:t>An actor is deactivated and garbage collected when it hasn’t been used in some time. “Using” an actor involves either making a request or a reminder has been triggered. </a:t>
-            </a:r>
+            <a:endParaRPr lang="en-GB" sz="2200" dirty="0"/>
           </a:p>
           <a:p>
             <a:pPr marL="342900" indent="-342900">
               <a:buFont typeface="Arial" panose="020B0604020202020204" pitchFamily="34" charset="0"/>
               <a:buChar char="•"/>
             </a:pPr>
-            <a:endParaRPr lang="en-GB" sz="2200" dirty="0"/>
+            <a:r>
+              <a:rPr lang="en-GB" sz="2200" dirty="0"/>
+              <a:t>Using Azure Service Fabric actors to do this work instead. </a:t>
+            </a:r>
           </a:p>
           <a:p>
             <a:pPr marL="342900" indent="-342900">
               <a:buFont typeface="Arial" panose="020B0604020202020204" pitchFamily="34" charset="0"/>
               <a:buChar char="•"/>
             </a:pPr>
+            <a:endParaRPr lang="en-GB" sz="2200" dirty="0"/>
+          </a:p>
+          <a:p>
+            <a:pPr marL="342900" indent="-342900">
+              <a:buFont typeface="Arial" panose="020B0604020202020204" pitchFamily="34" charset="0"/>
+              <a:buChar char="•"/>
+            </a:pPr>
             <a:r>
               <a:rPr lang="en-GB" sz="2200" dirty="0"/>
-              <a:t>Creating another thread within the then means there is one less thread available to activate another actor. The actor runtime also has no knowledge of this thread. Not waiting for it to finish (fire and forget) is dangerous as the actor can be deactivated and even moved to another node, so your other thread can be killed without warning. </a:t>
-            </a:r>
+              <a:t>Using some other way of persisting the tasks in some way to a queue and processing them with a different system. </a:t>
+            </a:r>
+            <a:br>
+              <a:rPr lang="en-GB" sz="2200" dirty="0"/>
+            </a:br>
+            <a:r>
+              <a:rPr lang="en-GB" sz="2200" dirty="0"/>
+              <a:t>E.g.  using an Azure Storage Queue to store messages temporarily, then using an Azure Function to process messages in order from the queue. </a:t>
+            </a:r>
+          </a:p>
+          <a:p>
+            <a:endParaRPr lang="en-GB" sz="2200" b="1" dirty="0"/>
           </a:p>
         </p:txBody>
       </p:sp>
     </p:spTree>
     <p:extLst>
       <p:ext uri="{BB962C8B-B14F-4D97-AF65-F5344CB8AC3E}">
-        <p14:creationId xmlns:p14="http://schemas.microsoft.com/office/powerpoint/2010/main" val="4147862038"/>
+        <p14:creationId xmlns:p14="http://schemas.microsoft.com/office/powerpoint/2010/main" val="2683058289"/>
       </p:ext>
     </p:extLst>
   </p:cSld>
@@ -13015,7 +13159,7 @@
         <p:spPr>
           <a:xfrm>
             <a:off x="278297" y="212034"/>
-            <a:ext cx="11781182" cy="4493538"/>
+            <a:ext cx="11781182" cy="6063198"/>
           </a:xfrm>
           <a:prstGeom prst="rect">
             <a:avLst/>
@@ -13030,7 +13174,7 @@
           <a:p>
             <a:r>
               <a:rPr lang="en-GB" sz="2200" b="1" dirty="0"/>
-              <a:t>The solution</a:t>
+              <a:t>Multithreading can kill your Azure Service Fabric actors</a:t>
             </a:r>
           </a:p>
           <a:p>
@@ -13039,8 +13183,56 @@
           <a:p>
             <a:r>
               <a:rPr lang="en-GB" sz="2200" dirty="0"/>
-              <a:t>Here are some alternatives to using multiple threads in your actors:</a:t>
-            </a:r>
+              <a:t>From the </a:t>
+            </a:r>
+            <a:r>
+              <a:rPr lang="en-GB" sz="2200" dirty="0" err="1"/>
+              <a:t>the</a:t>
+            </a:r>
+            <a:r>
+              <a:rPr lang="en-GB" sz="2200" dirty="0"/>
+              <a:t> MSDN page for Service Fabric Reliable Actors:</a:t>
+            </a:r>
+          </a:p>
+          <a:p>
+            <a:endParaRPr lang="en-GB" sz="2200" dirty="0"/>
+          </a:p>
+          <a:p>
+            <a:r>
+              <a:rPr lang="en-GB" sz="2200" dirty="0"/>
+              <a:t>“</a:t>
+            </a:r>
+            <a:r>
+              <a:rPr lang="en-GB" dirty="0"/>
+              <a:t>The Reliable Actors API provides a </a:t>
+            </a:r>
+            <a:r>
+              <a:rPr lang="en-GB" b="1" dirty="0"/>
+              <a:t>single-threaded programming </a:t>
+            </a:r>
+            <a:r>
+              <a:rPr lang="en-GB" dirty="0"/>
+              <a:t>model built on the scalability and reliability guarantees provided by Service Fabric.”</a:t>
+            </a:r>
+            <a:endParaRPr lang="en-GB" sz="2200" dirty="0"/>
+          </a:p>
+          <a:p>
+            <a:endParaRPr lang="en-GB" sz="2200" dirty="0"/>
+          </a:p>
+          <a:p>
+            <a:r>
+              <a:rPr lang="en-GB" dirty="0"/>
+              <a:t>“An actor is an isolated, independent unit of compute and state with </a:t>
+            </a:r>
+            <a:r>
+              <a:rPr lang="en-GB" b="1" dirty="0"/>
+              <a:t>single-threaded execution</a:t>
+            </a:r>
+            <a:r>
+              <a:rPr lang="en-GB" dirty="0"/>
+              <a:t>.”</a:t>
+            </a:r>
+            <a:endParaRPr lang="en-GB" sz="2200" dirty="0"/>
           </a:p>
           <a:p>
             <a:endParaRPr lang="en-GB" sz="2200" dirty="0"/>
@@ -13052,60 +13244,45 @@
             </a:pPr>
             <a:r>
               <a:rPr lang="en-GB" sz="2200" dirty="0"/>
-              <a:t>Split the work amongst multiple actors. It’s worth remembering as well that an actor can create and communicate with other actors.</a:t>
-            </a:r>
+              <a:t>Actors are activated on a thread when a request is made to them. </a:t>
+            </a:r>
+          </a:p>
+          <a:p>
+            <a:endParaRPr lang="en-GB" sz="2200" dirty="0"/>
           </a:p>
           <a:p>
             <a:pPr marL="342900" indent="-342900">
               <a:buFont typeface="Arial" panose="020B0604020202020204" pitchFamily="34" charset="0"/>
               <a:buChar char="•"/>
             </a:pPr>
-            <a:endParaRPr lang="en-GB" sz="2200" dirty="0"/>
+            <a:r>
+              <a:rPr lang="en-GB" sz="2200" dirty="0"/>
+              <a:t>An actor is deactivated and garbage collected when it hasn’t been used in some time. “Using” an actor involves either making a request or a reminder has been triggered. </a:t>
+            </a:r>
           </a:p>
           <a:p>
             <a:pPr marL="342900" indent="-342900">
               <a:buFont typeface="Arial" panose="020B0604020202020204" pitchFamily="34" charset="0"/>
               <a:buChar char="•"/>
             </a:pPr>
-            <a:r>
-              <a:rPr lang="en-GB" sz="2200" dirty="0"/>
-              <a:t>Add a message to a queue to be processed by some other service. </a:t>
-            </a:r>
+            <a:endParaRPr lang="en-GB" sz="2200" dirty="0"/>
           </a:p>
           <a:p>
             <a:pPr marL="342900" indent="-342900">
               <a:buFont typeface="Arial" panose="020B0604020202020204" pitchFamily="34" charset="0"/>
               <a:buChar char="•"/>
             </a:pPr>
-            <a:endParaRPr lang="en-GB" sz="2200" dirty="0"/>
-          </a:p>
-          <a:p>
-            <a:pPr marL="342900" indent="-342900">
-              <a:buFont typeface="Arial" panose="020B0604020202020204" pitchFamily="34" charset="0"/>
-              <a:buChar char="•"/>
-            </a:pPr>
-            <a:r>
-              <a:rPr lang="en-GB" sz="2200" b="1" dirty="0"/>
-              <a:t>Why not just get the actor to do all the long-running work anyway?</a:t>
-            </a:r>
-            <a:br>
-              <a:rPr lang="en-GB" sz="2200" b="1" dirty="0"/>
-            </a:br>
             <a:r>
               <a:rPr lang="en-GB" sz="2200" dirty="0"/>
-              <a:t>If it’s a fire-and-forget task where performance isn’t a factor, you might as well just run it for as long as it needs to run. If performance is an issue, then consider another option.</a:t>
-            </a:r>
-            <a:br>
-              <a:rPr lang="en-GB" sz="2200" b="1" dirty="0"/>
-            </a:br>
-            <a:endParaRPr lang="en-GB" sz="2200" b="1" dirty="0"/>
+              <a:t>Creating another thread within the then means there is one less thread available to activate another actor. The actor runtime also has no knowledge of this thread. Not waiting for it to finish (fire and forget) is dangerous as the actor can be deactivated and even moved to another node, so your other thread can be killed without warning. </a:t>
+            </a:r>
           </a:p>
         </p:txBody>
       </p:sp>
     </p:spTree>
     <p:extLst>
       <p:ext uri="{BB962C8B-B14F-4D97-AF65-F5344CB8AC3E}">
-        <p14:creationId xmlns:p14="http://schemas.microsoft.com/office/powerpoint/2010/main" val="3980841386"/>
+        <p14:creationId xmlns:p14="http://schemas.microsoft.com/office/powerpoint/2010/main" val="4147862038"/>
       </p:ext>
     </p:extLst>
   </p:cSld>
@@ -13134,6 +13311,138 @@
       </p:grpSpPr>
       <p:sp>
         <p:nvSpPr>
+          <p:cNvPr id="4" name="TextBox 3">
+            <a:extLst>
+              <a:ext uri="{FF2B5EF4-FFF2-40B4-BE49-F238E27FC236}">
+                <a16:creationId xmlns:a16="http://schemas.microsoft.com/office/drawing/2014/main" id="{18767206-9205-42D0-A2AE-5A1017D4CB08}"/>
+              </a:ext>
+            </a:extLst>
+          </p:cNvPr>
+          <p:cNvSpPr txBox="1"/>
+          <p:nvPr/>
+        </p:nvSpPr>
+        <p:spPr>
+          <a:xfrm>
+            <a:off x="278297" y="212034"/>
+            <a:ext cx="11781182" cy="4493538"/>
+          </a:xfrm>
+          <a:prstGeom prst="rect">
+            <a:avLst/>
+          </a:prstGeom>
+          <a:noFill/>
+        </p:spPr>
+        <p:txBody>
+          <a:bodyPr wrap="square" rtlCol="0">
+            <a:spAutoFit/>
+          </a:bodyPr>
+          <a:lstStyle/>
+          <a:p>
+            <a:r>
+              <a:rPr lang="en-GB" sz="2200" b="1" dirty="0"/>
+              <a:t>The solution</a:t>
+            </a:r>
+          </a:p>
+          <a:p>
+            <a:endParaRPr lang="en-GB" sz="2200" b="1" dirty="0"/>
+          </a:p>
+          <a:p>
+            <a:r>
+              <a:rPr lang="en-GB" sz="2200" dirty="0"/>
+              <a:t>Here are some alternatives to using multiple threads in your actors:</a:t>
+            </a:r>
+          </a:p>
+          <a:p>
+            <a:endParaRPr lang="en-GB" sz="2200" dirty="0"/>
+          </a:p>
+          <a:p>
+            <a:pPr marL="342900" indent="-342900">
+              <a:buFont typeface="Arial" panose="020B0604020202020204" pitchFamily="34" charset="0"/>
+              <a:buChar char="•"/>
+            </a:pPr>
+            <a:r>
+              <a:rPr lang="en-GB" sz="2200" dirty="0"/>
+              <a:t>Split the work amongst multiple actors. It’s worth remembering as well that an actor can create and communicate with other actors.</a:t>
+            </a:r>
+          </a:p>
+          <a:p>
+            <a:pPr marL="342900" indent="-342900">
+              <a:buFont typeface="Arial" panose="020B0604020202020204" pitchFamily="34" charset="0"/>
+              <a:buChar char="•"/>
+            </a:pPr>
+            <a:endParaRPr lang="en-GB" sz="2200" dirty="0"/>
+          </a:p>
+          <a:p>
+            <a:pPr marL="342900" indent="-342900">
+              <a:buFont typeface="Arial" panose="020B0604020202020204" pitchFamily="34" charset="0"/>
+              <a:buChar char="•"/>
+            </a:pPr>
+            <a:r>
+              <a:rPr lang="en-GB" sz="2200" dirty="0"/>
+              <a:t>Add a message to a queue to be processed by some other service. </a:t>
+            </a:r>
+          </a:p>
+          <a:p>
+            <a:pPr marL="342900" indent="-342900">
+              <a:buFont typeface="Arial" panose="020B0604020202020204" pitchFamily="34" charset="0"/>
+              <a:buChar char="•"/>
+            </a:pPr>
+            <a:endParaRPr lang="en-GB" sz="2200" dirty="0"/>
+          </a:p>
+          <a:p>
+            <a:pPr marL="342900" indent="-342900">
+              <a:buFont typeface="Arial" panose="020B0604020202020204" pitchFamily="34" charset="0"/>
+              <a:buChar char="•"/>
+            </a:pPr>
+            <a:r>
+              <a:rPr lang="en-GB" sz="2200" b="1" dirty="0"/>
+              <a:t>Why not just get the actor to do all the long-running work anyway?</a:t>
+            </a:r>
+            <a:br>
+              <a:rPr lang="en-GB" sz="2200" b="1" dirty="0"/>
+            </a:br>
+            <a:r>
+              <a:rPr lang="en-GB" sz="2200" dirty="0"/>
+              <a:t>If it’s a fire-and-forget task where performance isn’t a factor, you might as well just run it for as long as it needs to run. If performance is an issue, then consider another option.</a:t>
+            </a:r>
+            <a:br>
+              <a:rPr lang="en-GB" sz="2200" b="1" dirty="0"/>
+            </a:br>
+            <a:endParaRPr lang="en-GB" sz="2200" b="1" dirty="0"/>
+          </a:p>
+        </p:txBody>
+      </p:sp>
+    </p:spTree>
+    <p:extLst>
+      <p:ext uri="{BB962C8B-B14F-4D97-AF65-F5344CB8AC3E}">
+        <p14:creationId xmlns:p14="http://schemas.microsoft.com/office/powerpoint/2010/main" val="3980841386"/>
+      </p:ext>
+    </p:extLst>
+  </p:cSld>
+  <p:clrMapOvr>
+    <a:masterClrMapping/>
+  </p:clrMapOvr>
+</p:sld>
+</file>
+
+<file path=ppt/slides/slide47.xml><?xml version="1.0" encoding="utf-8"?>
+<p:sld xmlns:a="http://schemas.openxmlformats.org/drawingml/2006/main" xmlns:r="http://schemas.openxmlformats.org/officeDocument/2006/relationships" xmlns:p="http://schemas.openxmlformats.org/presentationml/2006/main">
+  <p:cSld>
+    <p:spTree>
+      <p:nvGrpSpPr>
+        <p:cNvPr id="1" name=""/>
+        <p:cNvGrpSpPr/>
+        <p:nvPr/>
+      </p:nvGrpSpPr>
+      <p:grpSpPr>
+        <a:xfrm>
+          <a:off x="0" y="0"/>
+          <a:ext cx="0" cy="0"/>
+          <a:chOff x="0" y="0"/>
+          <a:chExt cx="0" cy="0"/>
+        </a:xfrm>
+      </p:grpSpPr>
+      <p:sp>
+        <p:nvSpPr>
           <p:cNvPr id="2" name="Title 1">
             <a:extLst>
               <a:ext uri="{FF2B5EF4-FFF2-40B4-BE49-F238E27FC236}">
@@ -13171,169 +13480,6 @@
     <p:extLst>
       <p:ext uri="{BB962C8B-B14F-4D97-AF65-F5344CB8AC3E}">
         <p14:creationId xmlns:p14="http://schemas.microsoft.com/office/powerpoint/2010/main" val="3154203515"/>
-      </p:ext>
-    </p:extLst>
-  </p:cSld>
-  <p:clrMapOvr>
-    <a:masterClrMapping/>
-  </p:clrMapOvr>
-</p:sld>
-</file>
-
-<file path=ppt/slides/slide47.xml><?xml version="1.0" encoding="utf-8"?>
-<p:sld xmlns:a="http://schemas.openxmlformats.org/drawingml/2006/main" xmlns:r="http://schemas.openxmlformats.org/officeDocument/2006/relationships" xmlns:p="http://schemas.openxmlformats.org/presentationml/2006/main">
-  <p:cSld>
-    <p:bg>
-      <p:bgPr>
-        <a:solidFill>
-          <a:srgbClr val="1E1E1E"/>
-        </a:solidFill>
-        <a:effectLst/>
-      </p:bgPr>
-    </p:bg>
-    <p:spTree>
-      <p:nvGrpSpPr>
-        <p:cNvPr id="1" name=""/>
-        <p:cNvGrpSpPr/>
-        <p:nvPr/>
-      </p:nvGrpSpPr>
-      <p:grpSpPr>
-        <a:xfrm>
-          <a:off x="0" y="0"/>
-          <a:ext cx="0" cy="0"/>
-          <a:chOff x="0" y="0"/>
-          <a:chExt cx="0" cy="0"/>
-        </a:xfrm>
-      </p:grpSpPr>
-      <p:sp>
-        <p:nvSpPr>
-          <p:cNvPr id="6" name="TextBox 5">
-            <a:extLst>
-              <a:ext uri="{FF2B5EF4-FFF2-40B4-BE49-F238E27FC236}">
-                <a16:creationId xmlns:a16="http://schemas.microsoft.com/office/drawing/2014/main" id="{2CDFC944-8A12-42CA-B4D7-7CEF50C368ED}"/>
-              </a:ext>
-            </a:extLst>
-          </p:cNvPr>
-          <p:cNvSpPr txBox="1"/>
-          <p:nvPr/>
-        </p:nvSpPr>
-        <p:spPr>
-          <a:xfrm>
-            <a:off x="624957" y="242596"/>
-            <a:ext cx="11364880" cy="400110"/>
-          </a:xfrm>
-          <a:prstGeom prst="rect">
-            <a:avLst/>
-          </a:prstGeom>
-          <a:noFill/>
-        </p:spPr>
-        <p:txBody>
-          <a:bodyPr wrap="square" rtlCol="0">
-            <a:spAutoFit/>
-          </a:bodyPr>
-          <a:lstStyle/>
-          <a:p>
-            <a:r>
-              <a:rPr lang="en-GB" sz="2000" dirty="0">
-                <a:solidFill>
-                  <a:schemeClr val="bg1"/>
-                </a:solidFill>
-              </a:rPr>
-              <a:t>Given the following methods…</a:t>
-            </a:r>
-          </a:p>
-        </p:txBody>
-      </p:sp>
-      <p:pic>
-        <p:nvPicPr>
-          <p:cNvPr id="3" name="Picture 2">
-            <a:extLst>
-              <a:ext uri="{FF2B5EF4-FFF2-40B4-BE49-F238E27FC236}">
-                <a16:creationId xmlns:a16="http://schemas.microsoft.com/office/drawing/2014/main" id="{3BA789B0-4DD2-416F-AC4F-1CB1017DBB57}"/>
-              </a:ext>
-            </a:extLst>
-          </p:cNvPr>
-          <p:cNvPicPr>
-            <a:picLocks noChangeAspect="1"/>
-          </p:cNvPicPr>
-          <p:nvPr/>
-        </p:nvPicPr>
-        <p:blipFill>
-          <a:blip r:embed="rId2"/>
-          <a:stretch>
-            <a:fillRect/>
-          </a:stretch>
-        </p:blipFill>
-        <p:spPr>
-          <a:xfrm>
-            <a:off x="804093" y="1066593"/>
-            <a:ext cx="10025626" cy="4141511"/>
-          </a:xfrm>
-          <a:prstGeom prst="rect">
-            <a:avLst/>
-          </a:prstGeom>
-        </p:spPr>
-      </p:pic>
-      <p:sp>
-        <p:nvSpPr>
-          <p:cNvPr id="7" name="TextBox 6">
-            <a:extLst>
-              <a:ext uri="{FF2B5EF4-FFF2-40B4-BE49-F238E27FC236}">
-                <a16:creationId xmlns:a16="http://schemas.microsoft.com/office/drawing/2014/main" id="{9D387ED8-A447-4926-8788-33094ACC87BC}"/>
-              </a:ext>
-            </a:extLst>
-          </p:cNvPr>
-          <p:cNvSpPr txBox="1"/>
-          <p:nvPr/>
-        </p:nvSpPr>
-        <p:spPr>
-          <a:xfrm>
-            <a:off x="624957" y="5431936"/>
-            <a:ext cx="11364880" cy="1015663"/>
-          </a:xfrm>
-          <a:prstGeom prst="rect">
-            <a:avLst/>
-          </a:prstGeom>
-          <a:noFill/>
-        </p:spPr>
-        <p:txBody>
-          <a:bodyPr wrap="square" rtlCol="0">
-            <a:spAutoFit/>
-          </a:bodyPr>
-          <a:lstStyle/>
-          <a:p>
-            <a:r>
-              <a:rPr lang="en-GB" sz="2000" dirty="0">
-                <a:solidFill>
-                  <a:schemeClr val="bg1"/>
-                </a:solidFill>
-              </a:rPr>
-              <a:t>Operation1Async just awaits a task which throws an exception.</a:t>
-            </a:r>
-          </a:p>
-          <a:p>
-            <a:endParaRPr lang="en-GB" sz="2000" dirty="0">
-              <a:solidFill>
-                <a:schemeClr val="bg1"/>
-              </a:solidFill>
-            </a:endParaRPr>
-          </a:p>
-          <a:p>
-            <a:r>
-              <a:rPr lang="en-GB" sz="2000" dirty="0">
-                <a:solidFill>
-                  <a:schemeClr val="bg1"/>
-                </a:solidFill>
-              </a:rPr>
-              <a:t>There is more than way of executing Operation1Async and each way might have different behaviours. </a:t>
-            </a:r>
-          </a:p>
-        </p:txBody>
-      </p:sp>
-    </p:spTree>
-    <p:extLst>
-      <p:ext uri="{BB962C8B-B14F-4D97-AF65-F5344CB8AC3E}">
-        <p14:creationId xmlns:p14="http://schemas.microsoft.com/office/powerpoint/2010/main" val="1728531898"/>
       </p:ext>
     </p:extLst>
   </p:cSld>
@@ -13383,7 +13529,7 @@
         <p:spPr>
           <a:xfrm>
             <a:off x="624957" y="242596"/>
-            <a:ext cx="11364880" cy="369332"/>
+            <a:ext cx="11364880" cy="400110"/>
           </a:xfrm>
           <a:prstGeom prst="rect">
             <a:avLst/>
@@ -13397,22 +13543,22 @@
           <a:lstStyle/>
           <a:p>
             <a:r>
-              <a:rPr lang="en-GB" dirty="0">
+              <a:rPr lang="en-GB" sz="2000" dirty="0">
                 <a:solidFill>
                   <a:schemeClr val="bg1"/>
                 </a:solidFill>
               </a:rPr>
-              <a:t>Question A </a:t>
+              <a:t>Given the following methods…</a:t>
             </a:r>
           </a:p>
         </p:txBody>
       </p:sp>
       <p:pic>
         <p:nvPicPr>
-          <p:cNvPr id="2" name="Picture 1">
-            <a:extLst>
-              <a:ext uri="{FF2B5EF4-FFF2-40B4-BE49-F238E27FC236}">
-                <a16:creationId xmlns:a16="http://schemas.microsoft.com/office/drawing/2014/main" id="{397E2F67-D1D2-4E88-93D5-7D621957D25C}"/>
+          <p:cNvPr id="3" name="Picture 2">
+            <a:extLst>
+              <a:ext uri="{FF2B5EF4-FFF2-40B4-BE49-F238E27FC236}">
+                <a16:creationId xmlns:a16="http://schemas.microsoft.com/office/drawing/2014/main" id="{3BA789B0-4DD2-416F-AC4F-1CB1017DBB57}"/>
               </a:ext>
             </a:extLst>
           </p:cNvPr>
@@ -13429,8 +13575,8 @@
         </p:blipFill>
         <p:spPr>
           <a:xfrm>
-            <a:off x="187635" y="1138648"/>
-            <a:ext cx="7127565" cy="4552685"/>
+            <a:off x="804093" y="1066593"/>
+            <a:ext cx="10025626" cy="4141511"/>
           </a:xfrm>
           <a:prstGeom prst="rect">
             <a:avLst/>
@@ -13439,10 +13585,10 @@
       </p:pic>
       <p:sp>
         <p:nvSpPr>
-          <p:cNvPr id="11" name="TextBox 10">
-            <a:extLst>
-              <a:ext uri="{FF2B5EF4-FFF2-40B4-BE49-F238E27FC236}">
-                <a16:creationId xmlns:a16="http://schemas.microsoft.com/office/drawing/2014/main" id="{8CFFC453-63D5-4985-9376-BE7589A7509A}"/>
+          <p:cNvPr id="7" name="TextBox 6">
+            <a:extLst>
+              <a:ext uri="{FF2B5EF4-FFF2-40B4-BE49-F238E27FC236}">
+                <a16:creationId xmlns:a16="http://schemas.microsoft.com/office/drawing/2014/main" id="{9D387ED8-A447-4926-8788-33094ACC87BC}"/>
               </a:ext>
             </a:extLst>
           </p:cNvPr>
@@ -13451,8 +13597,8 @@
         </p:nvSpPr>
         <p:spPr>
           <a:xfrm>
-            <a:off x="7594559" y="1134296"/>
-            <a:ext cx="4395277" cy="3693319"/>
+            <a:off x="624957" y="5431936"/>
+            <a:ext cx="11364880" cy="1015663"/>
           </a:xfrm>
           <a:prstGeom prst="rect">
             <a:avLst/>
@@ -13466,127 +13612,29 @@
           <a:lstStyle/>
           <a:p>
             <a:r>
-              <a:rPr lang="en-GB" dirty="0">
+              <a:rPr lang="en-GB" sz="2000" dirty="0">
                 <a:solidFill>
                   <a:schemeClr val="bg1"/>
                 </a:solidFill>
               </a:rPr>
-              <a:t>What will be the output of this method?</a:t>
-            </a:r>
-          </a:p>
-          <a:p>
-            <a:endParaRPr lang="en-GB" dirty="0">
+              <a:t>Operation1Async just awaits a task which throws an exception.</a:t>
+            </a:r>
+          </a:p>
+          <a:p>
+            <a:endParaRPr lang="en-GB" sz="2000" dirty="0">
               <a:solidFill>
                 <a:schemeClr val="bg1"/>
               </a:solidFill>
             </a:endParaRPr>
           </a:p>
           <a:p>
-            <a:pPr marL="342900" indent="-342900">
-              <a:buFont typeface="+mj-lt"/>
-              <a:buAutoNum type="alphaUcPeriod"/>
-            </a:pPr>
-            <a:r>
-              <a:rPr lang="en-GB" dirty="0" err="1">
+            <a:r>
+              <a:rPr lang="en-GB" sz="2000" dirty="0">
                 <a:solidFill>
                   <a:schemeClr val="bg1"/>
                 </a:solidFill>
               </a:rPr>
-              <a:t>AggregateException</a:t>
-            </a:r>
-            <a:br>
-              <a:rPr lang="en-GB" dirty="0">
-                <a:solidFill>
-                  <a:schemeClr val="bg1"/>
-                </a:solidFill>
-              </a:rPr>
-            </a:br>
-            <a:r>
-              <a:rPr lang="en-GB" dirty="0">
-                <a:solidFill>
-                  <a:schemeClr val="bg1"/>
-                </a:solidFill>
-              </a:rPr>
-              <a:t>One or more errors occurred. (This is a test exception)</a:t>
-            </a:r>
-            <a:br>
-              <a:rPr lang="en-GB" dirty="0">
-                <a:solidFill>
-                  <a:schemeClr val="bg1"/>
-                </a:solidFill>
-              </a:rPr>
-            </a:br>
-            <a:endParaRPr lang="en-GB" dirty="0">
-              <a:solidFill>
-                <a:schemeClr val="bg1"/>
-              </a:solidFill>
-            </a:endParaRPr>
-          </a:p>
-          <a:p>
-            <a:pPr marL="342900" indent="-342900">
-              <a:buFont typeface="+mj-lt"/>
-              <a:buAutoNum type="alphaUcPeriod"/>
-            </a:pPr>
-            <a:r>
-              <a:rPr lang="en-GB" dirty="0">
-                <a:solidFill>
-                  <a:schemeClr val="bg1"/>
-                </a:solidFill>
-              </a:rPr>
-              <a:t>Exception</a:t>
-            </a:r>
-          </a:p>
-          <a:p>
-            <a:r>
-              <a:rPr lang="en-GB" dirty="0">
-                <a:solidFill>
-                  <a:schemeClr val="bg1"/>
-                </a:solidFill>
-              </a:rPr>
-              <a:t>       This is a test exception</a:t>
-            </a:r>
-          </a:p>
-          <a:p>
-            <a:endParaRPr lang="en-GB" dirty="0">
-              <a:solidFill>
-                <a:schemeClr val="bg1"/>
-              </a:solidFill>
-            </a:endParaRPr>
-          </a:p>
-          <a:p>
-            <a:pPr marL="342900" indent="-342900">
-              <a:buAutoNum type="alphaUcPeriod" startAt="3"/>
-            </a:pPr>
-            <a:r>
-              <a:rPr lang="en-GB" dirty="0">
-                <a:solidFill>
-                  <a:schemeClr val="bg1"/>
-                </a:solidFill>
-              </a:rPr>
-              <a:t>An uncaught exception is thrown and can     be caught in the calling method</a:t>
-            </a:r>
-          </a:p>
-          <a:p>
-            <a:pPr marL="342900" indent="-342900">
-              <a:buAutoNum type="alphaUcPeriod" startAt="3"/>
-            </a:pPr>
-            <a:endParaRPr lang="en-GB" dirty="0">
-              <a:solidFill>
-                <a:schemeClr val="bg1"/>
-              </a:solidFill>
-            </a:endParaRPr>
-          </a:p>
-          <a:p>
-            <a:pPr marL="342900" indent="-342900">
-              <a:buAutoNum type="alphaUcPeriod" startAt="3"/>
-            </a:pPr>
-            <a:r>
-              <a:rPr lang="en-GB" dirty="0">
-                <a:solidFill>
-                  <a:schemeClr val="bg1"/>
-                </a:solidFill>
-              </a:rPr>
-              <a:t>None of the above.</a:t>
+              <a:t>There is more than way of executing Operation1Async and each way might have different behaviours. </a:t>
             </a:r>
           </a:p>
         </p:txBody>
@@ -13594,7 +13642,7 @@
     </p:spTree>
     <p:extLst>
       <p:ext uri="{BB962C8B-B14F-4D97-AF65-F5344CB8AC3E}">
-        <p14:creationId xmlns:p14="http://schemas.microsoft.com/office/powerpoint/2010/main" val="2687364993"/>
+        <p14:creationId xmlns:p14="http://schemas.microsoft.com/office/powerpoint/2010/main" val="1728531898"/>
       </p:ext>
     </p:extLst>
   </p:cSld>
@@ -13713,7 +13761,7 @@
         <p:spPr>
           <a:xfrm>
             <a:off x="7594559" y="1134296"/>
-            <a:ext cx="4395277" cy="1477328"/>
+            <a:ext cx="4395277" cy="3693319"/>
           </a:xfrm>
           <a:prstGeom prst="rect">
             <a:avLst/>
@@ -13732,7 +13780,7 @@
                   <a:schemeClr val="bg1"/>
                 </a:solidFill>
               </a:rPr>
-              <a:t>The answer is</a:t>
+              <a:t>What will be the output of this method?</a:t>
             </a:r>
           </a:p>
           <a:p>
@@ -13770,13 +13818,92 @@
               </a:rPr>
               <a:t>One or more errors occurred. (This is a test exception)</a:t>
             </a:r>
+            <a:br>
+              <a:rPr lang="en-GB" dirty="0">
+                <a:solidFill>
+                  <a:schemeClr val="bg1"/>
+                </a:solidFill>
+              </a:rPr>
+            </a:br>
+            <a:endParaRPr lang="en-GB" dirty="0">
+              <a:solidFill>
+                <a:schemeClr val="bg1"/>
+              </a:solidFill>
+            </a:endParaRPr>
+          </a:p>
+          <a:p>
+            <a:pPr marL="342900" indent="-342900">
+              <a:buFont typeface="+mj-lt"/>
+              <a:buAutoNum type="alphaUcPeriod"/>
+            </a:pPr>
+            <a:r>
+              <a:rPr lang="en-GB" dirty="0">
+                <a:solidFill>
+                  <a:schemeClr val="bg1"/>
+                </a:solidFill>
+              </a:rPr>
+              <a:t>Exception</a:t>
+            </a:r>
+          </a:p>
+          <a:p>
+            <a:r>
+              <a:rPr lang="en-GB" dirty="0">
+                <a:solidFill>
+                  <a:schemeClr val="bg1"/>
+                </a:solidFill>
+              </a:rPr>
+              <a:t>       This is a test exception</a:t>
+            </a:r>
+          </a:p>
+          <a:p>
+            <a:endParaRPr lang="en-GB" dirty="0">
+              <a:solidFill>
+                <a:schemeClr val="bg1"/>
+              </a:solidFill>
+            </a:endParaRPr>
+          </a:p>
+          <a:p>
+            <a:pPr marL="342900" indent="-342900">
+              <a:buAutoNum type="alphaUcPeriod" startAt="3"/>
+            </a:pPr>
+            <a:r>
+              <a:rPr lang="en-GB" dirty="0">
+                <a:solidFill>
+                  <a:schemeClr val="bg1"/>
+                </a:solidFill>
+              </a:rPr>
+              <a:t>An uncaught exception is thrown and can     be caught in the calling method</a:t>
+            </a:r>
+          </a:p>
+          <a:p>
+            <a:pPr marL="342900" indent="-342900">
+              <a:buAutoNum type="alphaUcPeriod" startAt="3"/>
+            </a:pPr>
+            <a:endParaRPr lang="en-GB" dirty="0">
+              <a:solidFill>
+                <a:schemeClr val="bg1"/>
+              </a:solidFill>
+            </a:endParaRPr>
+          </a:p>
+          <a:p>
+            <a:pPr marL="342900" indent="-342900">
+              <a:buAutoNum type="alphaUcPeriod" startAt="3"/>
+            </a:pPr>
+            <a:r>
+              <a:rPr lang="en-GB" dirty="0">
+                <a:solidFill>
+                  <a:schemeClr val="bg1"/>
+                </a:solidFill>
+              </a:rPr>
+              <a:t>None of the above.</a:t>
+            </a:r>
           </a:p>
         </p:txBody>
       </p:sp>
     </p:spTree>
     <p:extLst>
       <p:ext uri="{BB962C8B-B14F-4D97-AF65-F5344CB8AC3E}">
-        <p14:creationId xmlns:p14="http://schemas.microsoft.com/office/powerpoint/2010/main" val="2696141286"/>
+        <p14:creationId xmlns:p14="http://schemas.microsoft.com/office/powerpoint/2010/main" val="2687364993"/>
       </p:ext>
     </p:extLst>
   </p:cSld>
@@ -13910,171 +14037,17 @@
                   <a:schemeClr val="bg1"/>
                 </a:solidFill>
               </a:rPr>
-              <a:t>Question B </a:t>
-            </a:r>
-          </a:p>
-        </p:txBody>
-      </p:sp>
-      <p:sp>
-        <p:nvSpPr>
-          <p:cNvPr id="11" name="TextBox 10">
-            <a:extLst>
-              <a:ext uri="{FF2B5EF4-FFF2-40B4-BE49-F238E27FC236}">
-                <a16:creationId xmlns:a16="http://schemas.microsoft.com/office/drawing/2014/main" id="{8CFFC453-63D5-4985-9376-BE7589A7509A}"/>
-              </a:ext>
-            </a:extLst>
-          </p:cNvPr>
-          <p:cNvSpPr txBox="1"/>
-          <p:nvPr/>
-        </p:nvSpPr>
-        <p:spPr>
-          <a:xfrm>
-            <a:off x="7594559" y="1134296"/>
-            <a:ext cx="4395277" cy="3693319"/>
-          </a:xfrm>
-          <a:prstGeom prst="rect">
-            <a:avLst/>
-          </a:prstGeom>
-          <a:noFill/>
-        </p:spPr>
-        <p:txBody>
-          <a:bodyPr wrap="square" rtlCol="0">
-            <a:spAutoFit/>
-          </a:bodyPr>
-          <a:lstStyle/>
-          <a:p>
-            <a:r>
-              <a:rPr lang="en-GB" dirty="0">
-                <a:solidFill>
-                  <a:schemeClr val="bg1"/>
-                </a:solidFill>
-              </a:rPr>
-              <a:t>What will be the output of this method?</a:t>
-            </a:r>
-          </a:p>
-          <a:p>
-            <a:endParaRPr lang="en-GB" dirty="0">
-              <a:solidFill>
-                <a:schemeClr val="bg1"/>
-              </a:solidFill>
-            </a:endParaRPr>
-          </a:p>
-          <a:p>
-            <a:pPr marL="342900" indent="-342900">
-              <a:buFont typeface="+mj-lt"/>
-              <a:buAutoNum type="alphaUcPeriod"/>
-            </a:pPr>
-            <a:r>
-              <a:rPr lang="en-GB" dirty="0" err="1">
-                <a:solidFill>
-                  <a:schemeClr val="bg1"/>
-                </a:solidFill>
-              </a:rPr>
-              <a:t>AggregateException</a:t>
-            </a:r>
-            <a:br>
-              <a:rPr lang="en-GB" dirty="0">
-                <a:solidFill>
-                  <a:schemeClr val="bg1"/>
-                </a:solidFill>
-              </a:rPr>
-            </a:br>
-            <a:r>
-              <a:rPr lang="en-GB" dirty="0">
-                <a:solidFill>
-                  <a:schemeClr val="bg1"/>
-                </a:solidFill>
-              </a:rPr>
-              <a:t>One or more errors occurred. (This is a test exception)</a:t>
-            </a:r>
-            <a:br>
-              <a:rPr lang="en-GB" dirty="0">
-                <a:solidFill>
-                  <a:schemeClr val="bg1"/>
-                </a:solidFill>
-              </a:rPr>
-            </a:br>
-            <a:endParaRPr lang="en-GB" dirty="0">
-              <a:solidFill>
-                <a:schemeClr val="bg1"/>
-              </a:solidFill>
-            </a:endParaRPr>
-          </a:p>
-          <a:p>
-            <a:pPr marL="342900" indent="-342900">
-              <a:buFont typeface="+mj-lt"/>
-              <a:buAutoNum type="alphaUcPeriod"/>
-            </a:pPr>
-            <a:r>
-              <a:rPr lang="en-GB" dirty="0">
-                <a:solidFill>
-                  <a:schemeClr val="bg1"/>
-                </a:solidFill>
-              </a:rPr>
-              <a:t>Exception</a:t>
-            </a:r>
-          </a:p>
-          <a:p>
-            <a:r>
-              <a:rPr lang="en-GB" dirty="0">
-                <a:solidFill>
-                  <a:schemeClr val="bg1"/>
-                </a:solidFill>
-              </a:rPr>
-              <a:t>       This is a test exception</a:t>
-            </a:r>
-          </a:p>
-          <a:p>
-            <a:endParaRPr lang="en-GB" dirty="0">
-              <a:solidFill>
-                <a:schemeClr val="bg1"/>
-              </a:solidFill>
-            </a:endParaRPr>
-          </a:p>
-          <a:p>
-            <a:pPr marL="342900" indent="-342900">
-              <a:buAutoNum type="alphaUcPeriod" startAt="3"/>
-            </a:pPr>
-            <a:r>
-              <a:rPr lang="en-GB" dirty="0">
-                <a:solidFill>
-                  <a:schemeClr val="bg1"/>
-                </a:solidFill>
-              </a:rPr>
-              <a:t>An uncaught exception is thrown and can     be caught in the calling method</a:t>
-            </a:r>
-          </a:p>
-          <a:p>
-            <a:pPr marL="342900" indent="-342900">
-              <a:buAutoNum type="alphaUcPeriod" startAt="3"/>
-            </a:pPr>
-            <a:endParaRPr lang="en-GB" dirty="0">
-              <a:solidFill>
-                <a:schemeClr val="bg1"/>
-              </a:solidFill>
-            </a:endParaRPr>
-          </a:p>
-          <a:p>
-            <a:pPr marL="342900" indent="-342900">
-              <a:buAutoNum type="alphaUcPeriod" startAt="3"/>
-            </a:pPr>
-            <a:r>
-              <a:rPr lang="en-GB" dirty="0">
-                <a:solidFill>
-                  <a:schemeClr val="bg1"/>
-                </a:solidFill>
-              </a:rPr>
-              <a:t>None of the above.</a:t>
+              <a:t>Question A </a:t>
             </a:r>
           </a:p>
         </p:txBody>
       </p:sp>
       <p:pic>
         <p:nvPicPr>
-          <p:cNvPr id="3" name="Picture 2">
-            <a:extLst>
-              <a:ext uri="{FF2B5EF4-FFF2-40B4-BE49-F238E27FC236}">
-                <a16:creationId xmlns:a16="http://schemas.microsoft.com/office/drawing/2014/main" id="{432803C7-99F7-43EC-8962-4A640D9CB98B}"/>
+          <p:cNvPr id="2" name="Picture 1">
+            <a:extLst>
+              <a:ext uri="{FF2B5EF4-FFF2-40B4-BE49-F238E27FC236}">
+                <a16:creationId xmlns:a16="http://schemas.microsoft.com/office/drawing/2014/main" id="{397E2F67-D1D2-4E88-93D5-7D621957D25C}"/>
               </a:ext>
             </a:extLst>
           </p:cNvPr>
@@ -14091,18 +14064,93 @@
         </p:blipFill>
         <p:spPr>
           <a:xfrm>
-            <a:off x="318052" y="856001"/>
-            <a:ext cx="7276507" cy="5730720"/>
+            <a:off x="187635" y="1138648"/>
+            <a:ext cx="7127565" cy="4552685"/>
           </a:xfrm>
           <a:prstGeom prst="rect">
             <a:avLst/>
           </a:prstGeom>
         </p:spPr>
       </p:pic>
+      <p:sp>
+        <p:nvSpPr>
+          <p:cNvPr id="11" name="TextBox 10">
+            <a:extLst>
+              <a:ext uri="{FF2B5EF4-FFF2-40B4-BE49-F238E27FC236}">
+                <a16:creationId xmlns:a16="http://schemas.microsoft.com/office/drawing/2014/main" id="{8CFFC453-63D5-4985-9376-BE7589A7509A}"/>
+              </a:ext>
+            </a:extLst>
+          </p:cNvPr>
+          <p:cNvSpPr txBox="1"/>
+          <p:nvPr/>
+        </p:nvSpPr>
+        <p:spPr>
+          <a:xfrm>
+            <a:off x="7594559" y="1134296"/>
+            <a:ext cx="4395277" cy="1477328"/>
+          </a:xfrm>
+          <a:prstGeom prst="rect">
+            <a:avLst/>
+          </a:prstGeom>
+          <a:noFill/>
+        </p:spPr>
+        <p:txBody>
+          <a:bodyPr wrap="square" rtlCol="0">
+            <a:spAutoFit/>
+          </a:bodyPr>
+          <a:lstStyle/>
+          <a:p>
+            <a:r>
+              <a:rPr lang="en-GB" dirty="0">
+                <a:solidFill>
+                  <a:schemeClr val="bg1"/>
+                </a:solidFill>
+              </a:rPr>
+              <a:t>The answer is</a:t>
+            </a:r>
+          </a:p>
+          <a:p>
+            <a:endParaRPr lang="en-GB" dirty="0">
+              <a:solidFill>
+                <a:schemeClr val="bg1"/>
+              </a:solidFill>
+            </a:endParaRPr>
+          </a:p>
+          <a:p>
+            <a:pPr marL="342900" indent="-342900">
+              <a:buFont typeface="+mj-lt"/>
+              <a:buAutoNum type="alphaUcPeriod"/>
+            </a:pPr>
+            <a:r>
+              <a:rPr lang="en-GB" dirty="0" err="1">
+                <a:solidFill>
+                  <a:schemeClr val="bg1"/>
+                </a:solidFill>
+              </a:rPr>
+              <a:t>AggregateException</a:t>
+            </a:r>
+            <a:br>
+              <a:rPr lang="en-GB" dirty="0">
+                <a:solidFill>
+                  <a:schemeClr val="bg1"/>
+                </a:solidFill>
+              </a:rPr>
+            </a:br>
+            <a:r>
+              <a:rPr lang="en-GB" dirty="0">
+                <a:solidFill>
+                  <a:schemeClr val="bg1"/>
+                </a:solidFill>
+              </a:rPr>
+              <a:t>One or more errors occurred. (This is a test exception)</a:t>
+            </a:r>
+          </a:p>
+        </p:txBody>
+      </p:sp>
     </p:spTree>
     <p:extLst>
       <p:ext uri="{BB962C8B-B14F-4D97-AF65-F5344CB8AC3E}">
-        <p14:creationId xmlns:p14="http://schemas.microsoft.com/office/powerpoint/2010/main" val="3499656894"/>
+        <p14:creationId xmlns:p14="http://schemas.microsoft.com/office/powerpoint/2010/main" val="2696141286"/>
       </p:ext>
     </p:extLst>
   </p:cSld>
@@ -14191,7 +14239,7 @@
         <p:spPr>
           <a:xfrm>
             <a:off x="7594559" y="1134296"/>
-            <a:ext cx="4395277" cy="1477328"/>
+            <a:ext cx="4395277" cy="3693319"/>
           </a:xfrm>
           <a:prstGeom prst="rect">
             <a:avLst/>
@@ -14210,7 +14258,7 @@
                   <a:schemeClr val="bg1"/>
                 </a:solidFill>
               </a:rPr>
-              <a:t>The answer is</a:t>
+              <a:t>What will be the output of this method?</a:t>
             </a:r>
           </a:p>
           <a:p>
@@ -14247,6 +14295,85 @@
                 </a:solidFill>
               </a:rPr>
               <a:t>One or more errors occurred. (This is a test exception)</a:t>
+            </a:r>
+            <a:br>
+              <a:rPr lang="en-GB" dirty="0">
+                <a:solidFill>
+                  <a:schemeClr val="bg1"/>
+                </a:solidFill>
+              </a:rPr>
+            </a:br>
+            <a:endParaRPr lang="en-GB" dirty="0">
+              <a:solidFill>
+                <a:schemeClr val="bg1"/>
+              </a:solidFill>
+            </a:endParaRPr>
+          </a:p>
+          <a:p>
+            <a:pPr marL="342900" indent="-342900">
+              <a:buFont typeface="+mj-lt"/>
+              <a:buAutoNum type="alphaUcPeriod"/>
+            </a:pPr>
+            <a:r>
+              <a:rPr lang="en-GB" dirty="0">
+                <a:solidFill>
+                  <a:schemeClr val="bg1"/>
+                </a:solidFill>
+              </a:rPr>
+              <a:t>Exception</a:t>
+            </a:r>
+          </a:p>
+          <a:p>
+            <a:r>
+              <a:rPr lang="en-GB" dirty="0">
+                <a:solidFill>
+                  <a:schemeClr val="bg1"/>
+                </a:solidFill>
+              </a:rPr>
+              <a:t>       This is a test exception</a:t>
+            </a:r>
+          </a:p>
+          <a:p>
+            <a:endParaRPr lang="en-GB" dirty="0">
+              <a:solidFill>
+                <a:schemeClr val="bg1"/>
+              </a:solidFill>
+            </a:endParaRPr>
+          </a:p>
+          <a:p>
+            <a:pPr marL="342900" indent="-342900">
+              <a:buAutoNum type="alphaUcPeriod" startAt="3"/>
+            </a:pPr>
+            <a:r>
+              <a:rPr lang="en-GB" dirty="0">
+                <a:solidFill>
+                  <a:schemeClr val="bg1"/>
+                </a:solidFill>
+              </a:rPr>
+              <a:t>An uncaught exception is thrown and can     be caught in the calling method</a:t>
+            </a:r>
+          </a:p>
+          <a:p>
+            <a:pPr marL="342900" indent="-342900">
+              <a:buAutoNum type="alphaUcPeriod" startAt="3"/>
+            </a:pPr>
+            <a:endParaRPr lang="en-GB" dirty="0">
+              <a:solidFill>
+                <a:schemeClr val="bg1"/>
+              </a:solidFill>
+            </a:endParaRPr>
+          </a:p>
+          <a:p>
+            <a:pPr marL="342900" indent="-342900">
+              <a:buAutoNum type="alphaUcPeriod" startAt="3"/>
+            </a:pPr>
+            <a:r>
+              <a:rPr lang="en-GB" dirty="0">
+                <a:solidFill>
+                  <a:schemeClr val="bg1"/>
+                </a:solidFill>
+              </a:rPr>
+              <a:t>None of the above.</a:t>
             </a:r>
           </a:p>
         </p:txBody>
@@ -14284,7 +14411,7 @@
     </p:spTree>
     <p:extLst>
       <p:ext uri="{BB962C8B-B14F-4D97-AF65-F5344CB8AC3E}">
-        <p14:creationId xmlns:p14="http://schemas.microsoft.com/office/powerpoint/2010/main" val="3404830297"/>
+        <p14:creationId xmlns:p14="http://schemas.microsoft.com/office/powerpoint/2010/main" val="3499656894"/>
       </p:ext>
     </p:extLst>
   </p:cSld>
@@ -14353,17 +14480,92 @@
                   <a:schemeClr val="bg1"/>
                 </a:solidFill>
               </a:rPr>
-              <a:t>Question C </a:t>
+              <a:t>Question B </a:t>
+            </a:r>
+          </a:p>
+        </p:txBody>
+      </p:sp>
+      <p:sp>
+        <p:nvSpPr>
+          <p:cNvPr id="11" name="TextBox 10">
+            <a:extLst>
+              <a:ext uri="{FF2B5EF4-FFF2-40B4-BE49-F238E27FC236}">
+                <a16:creationId xmlns:a16="http://schemas.microsoft.com/office/drawing/2014/main" id="{8CFFC453-63D5-4985-9376-BE7589A7509A}"/>
+              </a:ext>
+            </a:extLst>
+          </p:cNvPr>
+          <p:cNvSpPr txBox="1"/>
+          <p:nvPr/>
+        </p:nvSpPr>
+        <p:spPr>
+          <a:xfrm>
+            <a:off x="7594559" y="1134296"/>
+            <a:ext cx="4395277" cy="1477328"/>
+          </a:xfrm>
+          <a:prstGeom prst="rect">
+            <a:avLst/>
+          </a:prstGeom>
+          <a:noFill/>
+        </p:spPr>
+        <p:txBody>
+          <a:bodyPr wrap="square" rtlCol="0">
+            <a:spAutoFit/>
+          </a:bodyPr>
+          <a:lstStyle/>
+          <a:p>
+            <a:r>
+              <a:rPr lang="en-GB" dirty="0">
+                <a:solidFill>
+                  <a:schemeClr val="bg1"/>
+                </a:solidFill>
+              </a:rPr>
+              <a:t>The answer is</a:t>
+            </a:r>
+          </a:p>
+          <a:p>
+            <a:endParaRPr lang="en-GB" dirty="0">
+              <a:solidFill>
+                <a:schemeClr val="bg1"/>
+              </a:solidFill>
+            </a:endParaRPr>
+          </a:p>
+          <a:p>
+            <a:pPr marL="342900" indent="-342900">
+              <a:buFont typeface="+mj-lt"/>
+              <a:buAutoNum type="alphaUcPeriod"/>
+            </a:pPr>
+            <a:r>
+              <a:rPr lang="en-GB" dirty="0" err="1">
+                <a:solidFill>
+                  <a:schemeClr val="bg1"/>
+                </a:solidFill>
+              </a:rPr>
+              <a:t>AggregateException</a:t>
+            </a:r>
+            <a:br>
+              <a:rPr lang="en-GB" dirty="0">
+                <a:solidFill>
+                  <a:schemeClr val="bg1"/>
+                </a:solidFill>
+              </a:rPr>
+            </a:br>
+            <a:r>
+              <a:rPr lang="en-GB" dirty="0">
+                <a:solidFill>
+                  <a:schemeClr val="bg1"/>
+                </a:solidFill>
+              </a:rPr>
+              <a:t>One or more errors occurred. (This is a test exception)</a:t>
             </a:r>
           </a:p>
         </p:txBody>
       </p:sp>
       <p:pic>
         <p:nvPicPr>
-          <p:cNvPr id="2" name="Picture 1">
-            <a:extLst>
-              <a:ext uri="{FF2B5EF4-FFF2-40B4-BE49-F238E27FC236}">
-                <a16:creationId xmlns:a16="http://schemas.microsoft.com/office/drawing/2014/main" id="{0BD97387-E99A-4C89-B42D-BC08349EDEC6}"/>
+          <p:cNvPr id="3" name="Picture 2">
+            <a:extLst>
+              <a:ext uri="{FF2B5EF4-FFF2-40B4-BE49-F238E27FC236}">
+                <a16:creationId xmlns:a16="http://schemas.microsoft.com/office/drawing/2014/main" id="{432803C7-99F7-43EC-8962-4A640D9CB98B}"/>
               </a:ext>
             </a:extLst>
           </p:cNvPr>
@@ -14380,172 +14582,18 @@
         </p:blipFill>
         <p:spPr>
           <a:xfrm>
-            <a:off x="182759" y="1134296"/>
-            <a:ext cx="7458242" cy="4137792"/>
+            <a:off x="318052" y="856001"/>
+            <a:ext cx="7276507" cy="5730720"/>
           </a:xfrm>
           <a:prstGeom prst="rect">
             <a:avLst/>
           </a:prstGeom>
         </p:spPr>
       </p:pic>
-      <p:sp>
-        <p:nvSpPr>
-          <p:cNvPr id="7" name="TextBox 6">
-            <a:extLst>
-              <a:ext uri="{FF2B5EF4-FFF2-40B4-BE49-F238E27FC236}">
-                <a16:creationId xmlns:a16="http://schemas.microsoft.com/office/drawing/2014/main" id="{03A1D1DE-A63C-4D8F-ADAD-04407E8AFDBC}"/>
-              </a:ext>
-            </a:extLst>
-          </p:cNvPr>
-          <p:cNvSpPr txBox="1"/>
-          <p:nvPr/>
-        </p:nvSpPr>
-        <p:spPr>
-          <a:xfrm>
-            <a:off x="7594559" y="1134296"/>
-            <a:ext cx="4395277" cy="3693319"/>
-          </a:xfrm>
-          <a:prstGeom prst="rect">
-            <a:avLst/>
-          </a:prstGeom>
-          <a:noFill/>
-        </p:spPr>
-        <p:txBody>
-          <a:bodyPr wrap="square" rtlCol="0">
-            <a:spAutoFit/>
-          </a:bodyPr>
-          <a:lstStyle/>
-          <a:p>
-            <a:r>
-              <a:rPr lang="en-GB" dirty="0">
-                <a:solidFill>
-                  <a:schemeClr val="bg1"/>
-                </a:solidFill>
-              </a:rPr>
-              <a:t>What will be the output of this method?</a:t>
-            </a:r>
-          </a:p>
-          <a:p>
-            <a:endParaRPr lang="en-GB" dirty="0">
-              <a:solidFill>
-                <a:schemeClr val="bg1"/>
-              </a:solidFill>
-            </a:endParaRPr>
-          </a:p>
-          <a:p>
-            <a:pPr marL="342900" indent="-342900">
-              <a:buFont typeface="+mj-lt"/>
-              <a:buAutoNum type="alphaUcPeriod"/>
-            </a:pPr>
-            <a:r>
-              <a:rPr lang="en-GB" dirty="0" err="1">
-                <a:solidFill>
-                  <a:schemeClr val="bg1"/>
-                </a:solidFill>
-              </a:rPr>
-              <a:t>AggregateException</a:t>
-            </a:r>
-            <a:br>
-              <a:rPr lang="en-GB" dirty="0">
-                <a:solidFill>
-                  <a:schemeClr val="bg1"/>
-                </a:solidFill>
-              </a:rPr>
-            </a:br>
-            <a:r>
-              <a:rPr lang="en-GB" dirty="0">
-                <a:solidFill>
-                  <a:schemeClr val="bg1"/>
-                </a:solidFill>
-              </a:rPr>
-              <a:t>One or more errors occurred. (This is a test exception)</a:t>
-            </a:r>
-            <a:br>
-              <a:rPr lang="en-GB" dirty="0">
-                <a:solidFill>
-                  <a:schemeClr val="bg1"/>
-                </a:solidFill>
-              </a:rPr>
-            </a:br>
-            <a:endParaRPr lang="en-GB" dirty="0">
-              <a:solidFill>
-                <a:schemeClr val="bg1"/>
-              </a:solidFill>
-            </a:endParaRPr>
-          </a:p>
-          <a:p>
-            <a:pPr marL="342900" indent="-342900">
-              <a:buFont typeface="+mj-lt"/>
-              <a:buAutoNum type="alphaUcPeriod"/>
-            </a:pPr>
-            <a:r>
-              <a:rPr lang="en-GB" dirty="0">
-                <a:solidFill>
-                  <a:schemeClr val="bg1"/>
-                </a:solidFill>
-              </a:rPr>
-              <a:t>Exception</a:t>
-            </a:r>
-          </a:p>
-          <a:p>
-            <a:r>
-              <a:rPr lang="en-GB" dirty="0">
-                <a:solidFill>
-                  <a:schemeClr val="bg1"/>
-                </a:solidFill>
-              </a:rPr>
-              <a:t>       This is a test exception</a:t>
-            </a:r>
-          </a:p>
-          <a:p>
-            <a:endParaRPr lang="en-GB" dirty="0">
-              <a:solidFill>
-                <a:schemeClr val="bg1"/>
-              </a:solidFill>
-            </a:endParaRPr>
-          </a:p>
-          <a:p>
-            <a:pPr marL="342900" indent="-342900">
-              <a:buAutoNum type="alphaUcPeriod" startAt="3"/>
-            </a:pPr>
-            <a:r>
-              <a:rPr lang="en-GB" dirty="0">
-                <a:solidFill>
-                  <a:schemeClr val="bg1"/>
-                </a:solidFill>
-              </a:rPr>
-              <a:t>An uncaught exception is thrown and can     be caught in the calling method</a:t>
-            </a:r>
-          </a:p>
-          <a:p>
-            <a:pPr marL="342900" indent="-342900">
-              <a:buAutoNum type="alphaUcPeriod" startAt="3"/>
-            </a:pPr>
-            <a:endParaRPr lang="en-GB" dirty="0">
-              <a:solidFill>
-                <a:schemeClr val="bg1"/>
-              </a:solidFill>
-            </a:endParaRPr>
-          </a:p>
-          <a:p>
-            <a:pPr marL="342900" indent="-342900">
-              <a:buAutoNum type="alphaUcPeriod" startAt="3"/>
-            </a:pPr>
-            <a:r>
-              <a:rPr lang="en-GB" dirty="0">
-                <a:solidFill>
-                  <a:schemeClr val="bg1"/>
-                </a:solidFill>
-              </a:rPr>
-              <a:t>None of the above.</a:t>
-            </a:r>
-          </a:p>
-        </p:txBody>
-      </p:sp>
     </p:spTree>
     <p:extLst>
       <p:ext uri="{BB962C8B-B14F-4D97-AF65-F5344CB8AC3E}">
-        <p14:creationId xmlns:p14="http://schemas.microsoft.com/office/powerpoint/2010/main" val="1418100917"/>
+        <p14:creationId xmlns:p14="http://schemas.microsoft.com/office/powerpoint/2010/main" val="3404830297"/>
       </p:ext>
     </p:extLst>
   </p:cSld>
@@ -14619,72 +14667,6 @@
           </a:p>
         </p:txBody>
       </p:sp>
-      <p:sp>
-        <p:nvSpPr>
-          <p:cNvPr id="11" name="TextBox 10">
-            <a:extLst>
-              <a:ext uri="{FF2B5EF4-FFF2-40B4-BE49-F238E27FC236}">
-                <a16:creationId xmlns:a16="http://schemas.microsoft.com/office/drawing/2014/main" id="{8CFFC453-63D5-4985-9376-BE7589A7509A}"/>
-              </a:ext>
-            </a:extLst>
-          </p:cNvPr>
-          <p:cNvSpPr txBox="1"/>
-          <p:nvPr/>
-        </p:nvSpPr>
-        <p:spPr>
-          <a:xfrm>
-            <a:off x="7594559" y="1134296"/>
-            <a:ext cx="4395277" cy="1200329"/>
-          </a:xfrm>
-          <a:prstGeom prst="rect">
-            <a:avLst/>
-          </a:prstGeom>
-          <a:noFill/>
-        </p:spPr>
-        <p:txBody>
-          <a:bodyPr wrap="square" rtlCol="0">
-            <a:spAutoFit/>
-          </a:bodyPr>
-          <a:lstStyle/>
-          <a:p>
-            <a:r>
-              <a:rPr lang="en-GB" dirty="0">
-                <a:solidFill>
-                  <a:schemeClr val="bg1"/>
-                </a:solidFill>
-              </a:rPr>
-              <a:t>The answer is </a:t>
-            </a:r>
-          </a:p>
-          <a:p>
-            <a:endParaRPr lang="en-GB" dirty="0">
-              <a:solidFill>
-                <a:schemeClr val="bg1"/>
-              </a:solidFill>
-            </a:endParaRPr>
-          </a:p>
-          <a:p>
-            <a:r>
-              <a:rPr lang="en-GB" dirty="0">
-                <a:solidFill>
-                  <a:schemeClr val="bg1"/>
-                </a:solidFill>
-              </a:rPr>
-              <a:t>B.    Exception</a:t>
-            </a:r>
-          </a:p>
-          <a:p>
-            <a:r>
-              <a:rPr lang="en-GB" dirty="0">
-                <a:solidFill>
-                  <a:schemeClr val="bg1"/>
-                </a:solidFill>
-              </a:rPr>
-              <a:t>       This is a test exception</a:t>
-            </a:r>
-          </a:p>
-        </p:txBody>
-      </p:sp>
       <p:pic>
         <p:nvPicPr>
           <p:cNvPr id="2" name="Picture 1">
@@ -14715,10 +14697,164 @@
           </a:prstGeom>
         </p:spPr>
       </p:pic>
+      <p:sp>
+        <p:nvSpPr>
+          <p:cNvPr id="7" name="TextBox 6">
+            <a:extLst>
+              <a:ext uri="{FF2B5EF4-FFF2-40B4-BE49-F238E27FC236}">
+                <a16:creationId xmlns:a16="http://schemas.microsoft.com/office/drawing/2014/main" id="{03A1D1DE-A63C-4D8F-ADAD-04407E8AFDBC}"/>
+              </a:ext>
+            </a:extLst>
+          </p:cNvPr>
+          <p:cNvSpPr txBox="1"/>
+          <p:nvPr/>
+        </p:nvSpPr>
+        <p:spPr>
+          <a:xfrm>
+            <a:off x="7594559" y="1134296"/>
+            <a:ext cx="4395277" cy="3693319"/>
+          </a:xfrm>
+          <a:prstGeom prst="rect">
+            <a:avLst/>
+          </a:prstGeom>
+          <a:noFill/>
+        </p:spPr>
+        <p:txBody>
+          <a:bodyPr wrap="square" rtlCol="0">
+            <a:spAutoFit/>
+          </a:bodyPr>
+          <a:lstStyle/>
+          <a:p>
+            <a:r>
+              <a:rPr lang="en-GB" dirty="0">
+                <a:solidFill>
+                  <a:schemeClr val="bg1"/>
+                </a:solidFill>
+              </a:rPr>
+              <a:t>What will be the output of this method?</a:t>
+            </a:r>
+          </a:p>
+          <a:p>
+            <a:endParaRPr lang="en-GB" dirty="0">
+              <a:solidFill>
+                <a:schemeClr val="bg1"/>
+              </a:solidFill>
+            </a:endParaRPr>
+          </a:p>
+          <a:p>
+            <a:pPr marL="342900" indent="-342900">
+              <a:buFont typeface="+mj-lt"/>
+              <a:buAutoNum type="alphaUcPeriod"/>
+            </a:pPr>
+            <a:r>
+              <a:rPr lang="en-GB" dirty="0" err="1">
+                <a:solidFill>
+                  <a:schemeClr val="bg1"/>
+                </a:solidFill>
+              </a:rPr>
+              <a:t>AggregateException</a:t>
+            </a:r>
+            <a:br>
+              <a:rPr lang="en-GB" dirty="0">
+                <a:solidFill>
+                  <a:schemeClr val="bg1"/>
+                </a:solidFill>
+              </a:rPr>
+            </a:br>
+            <a:r>
+              <a:rPr lang="en-GB" dirty="0">
+                <a:solidFill>
+                  <a:schemeClr val="bg1"/>
+                </a:solidFill>
+              </a:rPr>
+              <a:t>One or more errors occurred. (This is a test exception)</a:t>
+            </a:r>
+            <a:br>
+              <a:rPr lang="en-GB" dirty="0">
+                <a:solidFill>
+                  <a:schemeClr val="bg1"/>
+                </a:solidFill>
+              </a:rPr>
+            </a:br>
+            <a:endParaRPr lang="en-GB" dirty="0">
+              <a:solidFill>
+                <a:schemeClr val="bg1"/>
+              </a:solidFill>
+            </a:endParaRPr>
+          </a:p>
+          <a:p>
+            <a:pPr marL="342900" indent="-342900">
+              <a:buFont typeface="+mj-lt"/>
+              <a:buAutoNum type="alphaUcPeriod"/>
+            </a:pPr>
+            <a:r>
+              <a:rPr lang="en-GB" dirty="0">
+                <a:solidFill>
+                  <a:schemeClr val="bg1"/>
+                </a:solidFill>
+              </a:rPr>
+              <a:t>Exception</a:t>
+            </a:r>
+          </a:p>
+          <a:p>
+            <a:r>
+              <a:rPr lang="en-GB" dirty="0">
+                <a:solidFill>
+                  <a:schemeClr val="bg1"/>
+                </a:solidFill>
+              </a:rPr>
+              <a:t>       This is a test exception</a:t>
+            </a:r>
+          </a:p>
+          <a:p>
+            <a:endParaRPr lang="en-GB" dirty="0">
+              <a:solidFill>
+                <a:schemeClr val="bg1"/>
+              </a:solidFill>
+            </a:endParaRPr>
+          </a:p>
+          <a:p>
+            <a:pPr marL="342900" indent="-342900">
+              <a:buAutoNum type="alphaUcPeriod" startAt="3"/>
+            </a:pPr>
+            <a:r>
+              <a:rPr lang="en-GB" dirty="0">
+                <a:solidFill>
+                  <a:schemeClr val="bg1"/>
+                </a:solidFill>
+              </a:rPr>
+              <a:t>An uncaught exception is thrown and can     be caught in the calling method</a:t>
+            </a:r>
+          </a:p>
+          <a:p>
+            <a:pPr marL="342900" indent="-342900">
+              <a:buAutoNum type="alphaUcPeriod" startAt="3"/>
+            </a:pPr>
+            <a:endParaRPr lang="en-GB" dirty="0">
+              <a:solidFill>
+                <a:schemeClr val="bg1"/>
+              </a:solidFill>
+            </a:endParaRPr>
+          </a:p>
+          <a:p>
+            <a:pPr marL="342900" indent="-342900">
+              <a:buAutoNum type="alphaUcPeriod" startAt="3"/>
+            </a:pPr>
+            <a:r>
+              <a:rPr lang="en-GB" dirty="0">
+                <a:solidFill>
+                  <a:schemeClr val="bg1"/>
+                </a:solidFill>
+              </a:rPr>
+              <a:t>None of the above.</a:t>
+            </a:r>
+          </a:p>
+        </p:txBody>
+      </p:sp>
     </p:spTree>
     <p:extLst>
       <p:ext uri="{BB962C8B-B14F-4D97-AF65-F5344CB8AC3E}">
-        <p14:creationId xmlns:p14="http://schemas.microsoft.com/office/powerpoint/2010/main" val="1175724501"/>
+        <p14:creationId xmlns:p14="http://schemas.microsoft.com/office/powerpoint/2010/main" val="1418100917"/>
       </p:ext>
     </p:extLst>
   </p:cSld>
@@ -14787,17 +14923,83 @@
                   <a:schemeClr val="bg1"/>
                 </a:solidFill>
               </a:rPr>
-              <a:t>Question D </a:t>
+              <a:t>Question C </a:t>
+            </a:r>
+          </a:p>
+        </p:txBody>
+      </p:sp>
+      <p:sp>
+        <p:nvSpPr>
+          <p:cNvPr id="11" name="TextBox 10">
+            <a:extLst>
+              <a:ext uri="{FF2B5EF4-FFF2-40B4-BE49-F238E27FC236}">
+                <a16:creationId xmlns:a16="http://schemas.microsoft.com/office/drawing/2014/main" id="{8CFFC453-63D5-4985-9376-BE7589A7509A}"/>
+              </a:ext>
+            </a:extLst>
+          </p:cNvPr>
+          <p:cNvSpPr txBox="1"/>
+          <p:nvPr/>
+        </p:nvSpPr>
+        <p:spPr>
+          <a:xfrm>
+            <a:off x="7594559" y="1134296"/>
+            <a:ext cx="4395277" cy="1200329"/>
+          </a:xfrm>
+          <a:prstGeom prst="rect">
+            <a:avLst/>
+          </a:prstGeom>
+          <a:noFill/>
+        </p:spPr>
+        <p:txBody>
+          <a:bodyPr wrap="square" rtlCol="0">
+            <a:spAutoFit/>
+          </a:bodyPr>
+          <a:lstStyle/>
+          <a:p>
+            <a:r>
+              <a:rPr lang="en-GB" dirty="0">
+                <a:solidFill>
+                  <a:schemeClr val="bg1"/>
+                </a:solidFill>
+              </a:rPr>
+              <a:t>The answer is </a:t>
+            </a:r>
+          </a:p>
+          <a:p>
+            <a:endParaRPr lang="en-GB" dirty="0">
+              <a:solidFill>
+                <a:schemeClr val="bg1"/>
+              </a:solidFill>
+            </a:endParaRPr>
+          </a:p>
+          <a:p>
+            <a:r>
+              <a:rPr lang="en-GB" dirty="0">
+                <a:solidFill>
+                  <a:schemeClr val="bg1"/>
+                </a:solidFill>
+              </a:rPr>
+              <a:t>B.    Exception</a:t>
+            </a:r>
+          </a:p>
+          <a:p>
+            <a:r>
+              <a:rPr lang="en-GB" dirty="0">
+                <a:solidFill>
+                  <a:schemeClr val="bg1"/>
+                </a:solidFill>
+              </a:rPr>
+              <a:t>       This is a test exception</a:t>
             </a:r>
           </a:p>
         </p:txBody>
       </p:sp>
       <p:pic>
         <p:nvPicPr>
-          <p:cNvPr id="3" name="Picture 2">
-            <a:extLst>
-              <a:ext uri="{FF2B5EF4-FFF2-40B4-BE49-F238E27FC236}">
-                <a16:creationId xmlns:a16="http://schemas.microsoft.com/office/drawing/2014/main" id="{023A3C97-5944-49CC-9172-ACD496B4F256}"/>
+          <p:cNvPr id="2" name="Picture 1">
+            <a:extLst>
+              <a:ext uri="{FF2B5EF4-FFF2-40B4-BE49-F238E27FC236}">
+                <a16:creationId xmlns:a16="http://schemas.microsoft.com/office/drawing/2014/main" id="{0BD97387-E99A-4C89-B42D-BC08349EDEC6}"/>
               </a:ext>
             </a:extLst>
           </p:cNvPr>
@@ -14814,172 +15016,18 @@
         </p:blipFill>
         <p:spPr>
           <a:xfrm>
-            <a:off x="148167" y="1134296"/>
-            <a:ext cx="7567083" cy="4637890"/>
+            <a:off x="182759" y="1134296"/>
+            <a:ext cx="7458242" cy="4137792"/>
           </a:xfrm>
           <a:prstGeom prst="rect">
             <a:avLst/>
           </a:prstGeom>
         </p:spPr>
       </p:pic>
-      <p:sp>
-        <p:nvSpPr>
-          <p:cNvPr id="11" name="TextBox 10">
-            <a:extLst>
-              <a:ext uri="{FF2B5EF4-FFF2-40B4-BE49-F238E27FC236}">
-                <a16:creationId xmlns:a16="http://schemas.microsoft.com/office/drawing/2014/main" id="{8CFFC453-63D5-4985-9376-BE7589A7509A}"/>
-              </a:ext>
-            </a:extLst>
-          </p:cNvPr>
-          <p:cNvSpPr txBox="1"/>
-          <p:nvPr/>
-        </p:nvSpPr>
-        <p:spPr>
-          <a:xfrm>
-            <a:off x="7594559" y="1134296"/>
-            <a:ext cx="4395277" cy="3693319"/>
-          </a:xfrm>
-          <a:prstGeom prst="rect">
-            <a:avLst/>
-          </a:prstGeom>
-          <a:noFill/>
-        </p:spPr>
-        <p:txBody>
-          <a:bodyPr wrap="square" rtlCol="0">
-            <a:spAutoFit/>
-          </a:bodyPr>
-          <a:lstStyle/>
-          <a:p>
-            <a:r>
-              <a:rPr lang="en-GB" dirty="0">
-                <a:solidFill>
-                  <a:schemeClr val="bg1"/>
-                </a:solidFill>
-              </a:rPr>
-              <a:t>What will be the output of this method?</a:t>
-            </a:r>
-          </a:p>
-          <a:p>
-            <a:endParaRPr lang="en-GB" dirty="0">
-              <a:solidFill>
-                <a:schemeClr val="bg1"/>
-              </a:solidFill>
-            </a:endParaRPr>
-          </a:p>
-          <a:p>
-            <a:pPr marL="342900" indent="-342900">
-              <a:buFont typeface="+mj-lt"/>
-              <a:buAutoNum type="alphaUcPeriod"/>
-            </a:pPr>
-            <a:r>
-              <a:rPr lang="en-GB" dirty="0" err="1">
-                <a:solidFill>
-                  <a:schemeClr val="bg1"/>
-                </a:solidFill>
-              </a:rPr>
-              <a:t>AggregateException</a:t>
-            </a:r>
-            <a:br>
-              <a:rPr lang="en-GB" dirty="0">
-                <a:solidFill>
-                  <a:schemeClr val="bg1"/>
-                </a:solidFill>
-              </a:rPr>
-            </a:br>
-            <a:r>
-              <a:rPr lang="en-GB" dirty="0">
-                <a:solidFill>
-                  <a:schemeClr val="bg1"/>
-                </a:solidFill>
-              </a:rPr>
-              <a:t>One or more errors occurred. (This is a test exception)</a:t>
-            </a:r>
-            <a:br>
-              <a:rPr lang="en-GB" dirty="0">
-                <a:solidFill>
-                  <a:schemeClr val="bg1"/>
-                </a:solidFill>
-              </a:rPr>
-            </a:br>
-            <a:endParaRPr lang="en-GB" dirty="0">
-              <a:solidFill>
-                <a:schemeClr val="bg1"/>
-              </a:solidFill>
-            </a:endParaRPr>
-          </a:p>
-          <a:p>
-            <a:pPr marL="342900" indent="-342900">
-              <a:buFont typeface="+mj-lt"/>
-              <a:buAutoNum type="alphaUcPeriod"/>
-            </a:pPr>
-            <a:r>
-              <a:rPr lang="en-GB" dirty="0">
-                <a:solidFill>
-                  <a:schemeClr val="bg1"/>
-                </a:solidFill>
-              </a:rPr>
-              <a:t>Exception</a:t>
-            </a:r>
-          </a:p>
-          <a:p>
-            <a:r>
-              <a:rPr lang="en-GB" dirty="0">
-                <a:solidFill>
-                  <a:schemeClr val="bg1"/>
-                </a:solidFill>
-              </a:rPr>
-              <a:t>       This is a test exception</a:t>
-            </a:r>
-          </a:p>
-          <a:p>
-            <a:endParaRPr lang="en-GB" dirty="0">
-              <a:solidFill>
-                <a:schemeClr val="bg1"/>
-              </a:solidFill>
-            </a:endParaRPr>
-          </a:p>
-          <a:p>
-            <a:pPr marL="342900" indent="-342900">
-              <a:buAutoNum type="alphaUcPeriod" startAt="3"/>
-            </a:pPr>
-            <a:r>
-              <a:rPr lang="en-GB" dirty="0">
-                <a:solidFill>
-                  <a:schemeClr val="bg1"/>
-                </a:solidFill>
-              </a:rPr>
-              <a:t>An uncaught exception is thrown and can     be caught in the calling method</a:t>
-            </a:r>
-          </a:p>
-          <a:p>
-            <a:pPr marL="342900" indent="-342900">
-              <a:buAutoNum type="alphaUcPeriod" startAt="3"/>
-            </a:pPr>
-            <a:endParaRPr lang="en-GB" dirty="0">
-              <a:solidFill>
-                <a:schemeClr val="bg1"/>
-              </a:solidFill>
-            </a:endParaRPr>
-          </a:p>
-          <a:p>
-            <a:pPr marL="342900" indent="-342900">
-              <a:buAutoNum type="alphaUcPeriod" startAt="3"/>
-            </a:pPr>
-            <a:r>
-              <a:rPr lang="en-GB" dirty="0">
-                <a:solidFill>
-                  <a:schemeClr val="bg1"/>
-                </a:solidFill>
-              </a:rPr>
-              <a:t>None of the above.</a:t>
-            </a:r>
-          </a:p>
-        </p:txBody>
-      </p:sp>
     </p:spTree>
     <p:extLst>
       <p:ext uri="{BB962C8B-B14F-4D97-AF65-F5344CB8AC3E}">
-        <p14:creationId xmlns:p14="http://schemas.microsoft.com/office/powerpoint/2010/main" val="3125393616"/>
+        <p14:creationId xmlns:p14="http://schemas.microsoft.com/office/powerpoint/2010/main" val="1175724501"/>
       </p:ext>
     </p:extLst>
   </p:cSld>
@@ -15076,7 +15124,7 @@
         <p:spPr>
           <a:xfrm>
             <a:off x="148167" y="1134296"/>
-            <a:ext cx="7681383" cy="4707945"/>
+            <a:ext cx="7567083" cy="4637890"/>
           </a:xfrm>
           <a:prstGeom prst="rect">
             <a:avLst/>
@@ -15098,7 +15146,7 @@
         <p:spPr>
           <a:xfrm>
             <a:off x="7594559" y="1134296"/>
-            <a:ext cx="4395277" cy="1200329"/>
+            <a:ext cx="4395277" cy="3693319"/>
           </a:xfrm>
           <a:prstGeom prst="rect">
             <a:avLst/>
@@ -15117,7 +15165,7 @@
                   <a:schemeClr val="bg1"/>
                 </a:solidFill>
               </a:rPr>
-              <a:t>The answer is</a:t>
+              <a:t>What will be the output of this method?</a:t>
             </a:r>
           </a:p>
           <a:p>
@@ -15128,13 +15176,58 @@
             </a:endParaRPr>
           </a:p>
           <a:p>
-            <a:r>
+            <a:pPr marL="342900" indent="-342900">
+              <a:buFont typeface="+mj-lt"/>
+              <a:buAutoNum type="alphaUcPeriod"/>
+            </a:pPr>
+            <a:r>
+              <a:rPr lang="en-GB" dirty="0" err="1">
+                <a:solidFill>
+                  <a:schemeClr val="bg1"/>
+                </a:solidFill>
+              </a:rPr>
+              <a:t>AggregateException</a:t>
+            </a:r>
+            <a:br>
               <a:rPr lang="en-GB" dirty="0">
                 <a:solidFill>
                   <a:schemeClr val="bg1"/>
                 </a:solidFill>
               </a:rPr>
-              <a:t>B.    Exception</a:t>
+            </a:br>
+            <a:r>
+              <a:rPr lang="en-GB" dirty="0">
+                <a:solidFill>
+                  <a:schemeClr val="bg1"/>
+                </a:solidFill>
+              </a:rPr>
+              <a:t>One or more errors occurred. (This is a test exception)</a:t>
+            </a:r>
+            <a:br>
+              <a:rPr lang="en-GB" dirty="0">
+                <a:solidFill>
+                  <a:schemeClr val="bg1"/>
+                </a:solidFill>
+              </a:rPr>
+            </a:br>
+            <a:endParaRPr lang="en-GB" dirty="0">
+              <a:solidFill>
+                <a:schemeClr val="bg1"/>
+              </a:solidFill>
+            </a:endParaRPr>
+          </a:p>
+          <a:p>
+            <a:pPr marL="342900" indent="-342900">
+              <a:buFont typeface="+mj-lt"/>
+              <a:buAutoNum type="alphaUcPeriod"/>
+            </a:pPr>
+            <a:r>
+              <a:rPr lang="en-GB" dirty="0">
+                <a:solidFill>
+                  <a:schemeClr val="bg1"/>
+                </a:solidFill>
+              </a:rPr>
+              <a:t>Exception</a:t>
             </a:r>
           </a:p>
           <a:p>
@@ -15147,12 +15240,55 @@
               <a:t>       This is a test exception</a:t>
             </a:r>
           </a:p>
+          <a:p>
+            <a:endParaRPr lang="en-GB" dirty="0">
+              <a:solidFill>
+                <a:schemeClr val="bg1"/>
+              </a:solidFill>
+            </a:endParaRPr>
+          </a:p>
+          <a:p>
+            <a:pPr marL="342900" indent="-342900">
+              <a:buAutoNum type="alphaUcPeriod" startAt="3"/>
+            </a:pPr>
+            <a:r>
+              <a:rPr lang="en-GB" dirty="0">
+                <a:solidFill>
+                  <a:schemeClr val="bg1"/>
+                </a:solidFill>
+              </a:rPr>
+              <a:t>An uncaught exception is thrown and can     be caught in the calling method</a:t>
+            </a:r>
+          </a:p>
+          <a:p>
+            <a:pPr marL="342900" indent="-342900">
+              <a:buAutoNum type="alphaUcPeriod" startAt="3"/>
+            </a:pPr>
+            <a:endParaRPr lang="en-GB" dirty="0">
+              <a:solidFill>
+                <a:schemeClr val="bg1"/>
+              </a:solidFill>
+            </a:endParaRPr>
+          </a:p>
+          <a:p>
+            <a:pPr marL="342900" indent="-342900">
+              <a:buAutoNum type="alphaUcPeriod" startAt="3"/>
+            </a:pPr>
+            <a:r>
+              <a:rPr lang="en-GB" dirty="0">
+                <a:solidFill>
+                  <a:schemeClr val="bg1"/>
+                </a:solidFill>
+              </a:rPr>
+              <a:t>None of the above.</a:t>
+            </a:r>
+          </a:p>
         </p:txBody>
       </p:sp>
     </p:spTree>
     <p:extLst>
       <p:ext uri="{BB962C8B-B14F-4D97-AF65-F5344CB8AC3E}">
-        <p14:creationId xmlns:p14="http://schemas.microsoft.com/office/powerpoint/2010/main" val="2434182149"/>
+        <p14:creationId xmlns:p14="http://schemas.microsoft.com/office/powerpoint/2010/main" val="3125393616"/>
       </p:ext>
     </p:extLst>
   </p:cSld>
@@ -15221,17 +15357,17 @@
                   <a:schemeClr val="bg1"/>
                 </a:solidFill>
               </a:rPr>
-              <a:t>Question E </a:t>
+              <a:t>Question D </a:t>
             </a:r>
           </a:p>
         </p:txBody>
       </p:sp>
       <p:pic>
         <p:nvPicPr>
-          <p:cNvPr id="2" name="Picture 1">
-            <a:extLst>
-              <a:ext uri="{FF2B5EF4-FFF2-40B4-BE49-F238E27FC236}">
-                <a16:creationId xmlns:a16="http://schemas.microsoft.com/office/drawing/2014/main" id="{90A699AA-731A-4038-9820-EAAACC5CEBE5}"/>
+          <p:cNvPr id="3" name="Picture 2">
+            <a:extLst>
+              <a:ext uri="{FF2B5EF4-FFF2-40B4-BE49-F238E27FC236}">
+                <a16:creationId xmlns:a16="http://schemas.microsoft.com/office/drawing/2014/main" id="{023A3C97-5944-49CC-9172-ACD496B4F256}"/>
               </a:ext>
             </a:extLst>
           </p:cNvPr>
@@ -15248,8 +15384,8 @@
         </p:blipFill>
         <p:spPr>
           <a:xfrm>
-            <a:off x="319584" y="1134296"/>
-            <a:ext cx="7990594" cy="4950471"/>
+            <a:off x="148167" y="1134296"/>
+            <a:ext cx="7681383" cy="4707945"/>
           </a:xfrm>
           <a:prstGeom prst="rect">
             <a:avLst/>
@@ -15270,8 +15406,8 @@
         </p:nvSpPr>
         <p:spPr>
           <a:xfrm>
-            <a:off x="7594560" y="427262"/>
-            <a:ext cx="4395277" cy="3693319"/>
+            <a:off x="7594559" y="1134296"/>
+            <a:ext cx="4395277" cy="1200329"/>
           </a:xfrm>
           <a:prstGeom prst="rect">
             <a:avLst/>
@@ -15290,7 +15426,7 @@
                   <a:schemeClr val="bg1"/>
                 </a:solidFill>
               </a:rPr>
-              <a:t>What will be the output of this method?</a:t>
+              <a:t>The answer is</a:t>
             </a:r>
           </a:p>
           <a:p>
@@ -15301,58 +15437,13 @@
             </a:endParaRPr>
           </a:p>
           <a:p>
-            <a:pPr marL="342900" indent="-342900">
-              <a:buFont typeface="+mj-lt"/>
-              <a:buAutoNum type="alphaUcPeriod"/>
-            </a:pPr>
-            <a:r>
-              <a:rPr lang="en-GB" dirty="0" err="1">
-                <a:solidFill>
-                  <a:schemeClr val="bg1"/>
-                </a:solidFill>
-              </a:rPr>
-              <a:t>AggregateException</a:t>
-            </a:r>
-            <a:br>
+            <a:r>
               <a:rPr lang="en-GB" dirty="0">
                 <a:solidFill>
                   <a:schemeClr val="bg1"/>
                 </a:solidFill>
               </a:rPr>
-            </a:br>
-            <a:r>
-              <a:rPr lang="en-GB" dirty="0">
-                <a:solidFill>
-                  <a:schemeClr val="bg1"/>
-                </a:solidFill>
-              </a:rPr>
-              <a:t>One or more errors occurred. (This is a test exception)</a:t>
-            </a:r>
-            <a:br>
-              <a:rPr lang="en-GB" dirty="0">
-                <a:solidFill>
-                  <a:schemeClr val="bg1"/>
-                </a:solidFill>
-              </a:rPr>
-            </a:br>
-            <a:endParaRPr lang="en-GB" dirty="0">
-              <a:solidFill>
-                <a:schemeClr val="bg1"/>
-              </a:solidFill>
-            </a:endParaRPr>
-          </a:p>
-          <a:p>
-            <a:pPr marL="342900" indent="-342900">
-              <a:buFont typeface="+mj-lt"/>
-              <a:buAutoNum type="alphaUcPeriod"/>
-            </a:pPr>
-            <a:r>
-              <a:rPr lang="en-GB" dirty="0">
-                <a:solidFill>
-                  <a:schemeClr val="bg1"/>
-                </a:solidFill>
-              </a:rPr>
-              <a:t>Exception</a:t>
+              <a:t>B.    Exception</a:t>
             </a:r>
           </a:p>
           <a:p>
@@ -15365,55 +15456,12 @@
               <a:t>       This is a test exception</a:t>
             </a:r>
           </a:p>
-          <a:p>
-            <a:endParaRPr lang="en-GB" dirty="0">
-              <a:solidFill>
-                <a:schemeClr val="bg1"/>
-              </a:solidFill>
-            </a:endParaRPr>
-          </a:p>
-          <a:p>
-            <a:pPr marL="342900" indent="-342900">
-              <a:buAutoNum type="alphaUcPeriod" startAt="3"/>
-            </a:pPr>
-            <a:r>
-              <a:rPr lang="en-GB" dirty="0">
-                <a:solidFill>
-                  <a:schemeClr val="bg1"/>
-                </a:solidFill>
-              </a:rPr>
-              <a:t>An uncaught exception is thrown and can     be caught in the calling method</a:t>
-            </a:r>
-          </a:p>
-          <a:p>
-            <a:pPr marL="342900" indent="-342900">
-              <a:buAutoNum type="alphaUcPeriod" startAt="3"/>
-            </a:pPr>
-            <a:endParaRPr lang="en-GB" dirty="0">
-              <a:solidFill>
-                <a:schemeClr val="bg1"/>
-              </a:solidFill>
-            </a:endParaRPr>
-          </a:p>
-          <a:p>
-            <a:pPr marL="342900" indent="-342900">
-              <a:buAutoNum type="alphaUcPeriod" startAt="3"/>
-            </a:pPr>
-            <a:r>
-              <a:rPr lang="en-GB" dirty="0">
-                <a:solidFill>
-                  <a:schemeClr val="bg1"/>
-                </a:solidFill>
-              </a:rPr>
-              <a:t>None of the above.</a:t>
-            </a:r>
-          </a:p>
         </p:txBody>
       </p:sp>
     </p:spTree>
     <p:extLst>
       <p:ext uri="{BB962C8B-B14F-4D97-AF65-F5344CB8AC3E}">
-        <p14:creationId xmlns:p14="http://schemas.microsoft.com/office/powerpoint/2010/main" val="1187676409"/>
+        <p14:creationId xmlns:p14="http://schemas.microsoft.com/office/powerpoint/2010/main" val="2434182149"/>
       </p:ext>
     </p:extLst>
   </p:cSld>
@@ -15532,7 +15580,7 @@
         <p:spPr>
           <a:xfrm>
             <a:off x="7594560" y="427262"/>
-            <a:ext cx="4395277" cy="1200329"/>
+            <a:ext cx="4395277" cy="3693319"/>
           </a:xfrm>
           <a:prstGeom prst="rect">
             <a:avLst/>
@@ -15551,7 +15599,7 @@
                   <a:schemeClr val="bg1"/>
                 </a:solidFill>
               </a:rPr>
-              <a:t>The answer is</a:t>
+              <a:t>What will be the output of this method?</a:t>
             </a:r>
           </a:p>
           <a:p>
@@ -15562,13 +15610,58 @@
             </a:endParaRPr>
           </a:p>
           <a:p>
-            <a:r>
+            <a:pPr marL="342900" indent="-342900">
+              <a:buFont typeface="+mj-lt"/>
+              <a:buAutoNum type="alphaUcPeriod"/>
+            </a:pPr>
+            <a:r>
+              <a:rPr lang="en-GB" dirty="0" err="1">
+                <a:solidFill>
+                  <a:schemeClr val="bg1"/>
+                </a:solidFill>
+              </a:rPr>
+              <a:t>AggregateException</a:t>
+            </a:r>
+            <a:br>
               <a:rPr lang="en-GB" dirty="0">
                 <a:solidFill>
                   <a:schemeClr val="bg1"/>
                 </a:solidFill>
               </a:rPr>
-              <a:t>B.    Exception</a:t>
+            </a:br>
+            <a:r>
+              <a:rPr lang="en-GB" dirty="0">
+                <a:solidFill>
+                  <a:schemeClr val="bg1"/>
+                </a:solidFill>
+              </a:rPr>
+              <a:t>One or more errors occurred. (This is a test exception)</a:t>
+            </a:r>
+            <a:br>
+              <a:rPr lang="en-GB" dirty="0">
+                <a:solidFill>
+                  <a:schemeClr val="bg1"/>
+                </a:solidFill>
+              </a:rPr>
+            </a:br>
+            <a:endParaRPr lang="en-GB" dirty="0">
+              <a:solidFill>
+                <a:schemeClr val="bg1"/>
+              </a:solidFill>
+            </a:endParaRPr>
+          </a:p>
+          <a:p>
+            <a:pPr marL="342900" indent="-342900">
+              <a:buFont typeface="+mj-lt"/>
+              <a:buAutoNum type="alphaUcPeriod"/>
+            </a:pPr>
+            <a:r>
+              <a:rPr lang="en-GB" dirty="0">
+                <a:solidFill>
+                  <a:schemeClr val="bg1"/>
+                </a:solidFill>
+              </a:rPr>
+              <a:t>Exception</a:t>
             </a:r>
           </a:p>
           <a:p>
@@ -15581,12 +15674,55 @@
               <a:t>       This is a test exception</a:t>
             </a:r>
           </a:p>
+          <a:p>
+            <a:endParaRPr lang="en-GB" dirty="0">
+              <a:solidFill>
+                <a:schemeClr val="bg1"/>
+              </a:solidFill>
+            </a:endParaRPr>
+          </a:p>
+          <a:p>
+            <a:pPr marL="342900" indent="-342900">
+              <a:buAutoNum type="alphaUcPeriod" startAt="3"/>
+            </a:pPr>
+            <a:r>
+              <a:rPr lang="en-GB" dirty="0">
+                <a:solidFill>
+                  <a:schemeClr val="bg1"/>
+                </a:solidFill>
+              </a:rPr>
+              <a:t>An uncaught exception is thrown and can     be caught in the calling method</a:t>
+            </a:r>
+          </a:p>
+          <a:p>
+            <a:pPr marL="342900" indent="-342900">
+              <a:buAutoNum type="alphaUcPeriod" startAt="3"/>
+            </a:pPr>
+            <a:endParaRPr lang="en-GB" dirty="0">
+              <a:solidFill>
+                <a:schemeClr val="bg1"/>
+              </a:solidFill>
+            </a:endParaRPr>
+          </a:p>
+          <a:p>
+            <a:pPr marL="342900" indent="-342900">
+              <a:buAutoNum type="alphaUcPeriod" startAt="3"/>
+            </a:pPr>
+            <a:r>
+              <a:rPr lang="en-GB" dirty="0">
+                <a:solidFill>
+                  <a:schemeClr val="bg1"/>
+                </a:solidFill>
+              </a:rPr>
+              <a:t>None of the above.</a:t>
+            </a:r>
+          </a:p>
         </p:txBody>
       </p:sp>
     </p:spTree>
     <p:extLst>
       <p:ext uri="{BB962C8B-B14F-4D97-AF65-F5344CB8AC3E}">
-        <p14:creationId xmlns:p14="http://schemas.microsoft.com/office/powerpoint/2010/main" val="279637444"/>
+        <p14:creationId xmlns:p14="http://schemas.microsoft.com/office/powerpoint/2010/main" val="1187676409"/>
       </p:ext>
     </p:extLst>
   </p:cSld>
@@ -15655,171 +15791,17 @@
                   <a:schemeClr val="bg1"/>
                 </a:solidFill>
               </a:rPr>
-              <a:t>Question F </a:t>
-            </a:r>
-          </a:p>
-        </p:txBody>
-      </p:sp>
-      <p:sp>
-        <p:nvSpPr>
-          <p:cNvPr id="11" name="TextBox 10">
-            <a:extLst>
-              <a:ext uri="{FF2B5EF4-FFF2-40B4-BE49-F238E27FC236}">
-                <a16:creationId xmlns:a16="http://schemas.microsoft.com/office/drawing/2014/main" id="{8CFFC453-63D5-4985-9376-BE7589A7509A}"/>
-              </a:ext>
-            </a:extLst>
-          </p:cNvPr>
-          <p:cNvSpPr txBox="1"/>
-          <p:nvPr/>
-        </p:nvSpPr>
-        <p:spPr>
-          <a:xfrm>
-            <a:off x="7315200" y="611928"/>
-            <a:ext cx="4395277" cy="3693319"/>
-          </a:xfrm>
-          <a:prstGeom prst="rect">
-            <a:avLst/>
-          </a:prstGeom>
-          <a:noFill/>
-        </p:spPr>
-        <p:txBody>
-          <a:bodyPr wrap="square" rtlCol="0">
-            <a:spAutoFit/>
-          </a:bodyPr>
-          <a:lstStyle/>
-          <a:p>
-            <a:r>
-              <a:rPr lang="en-GB" dirty="0">
-                <a:solidFill>
-                  <a:schemeClr val="bg1"/>
-                </a:solidFill>
-              </a:rPr>
-              <a:t>What will be the output of this method?</a:t>
-            </a:r>
-          </a:p>
-          <a:p>
-            <a:endParaRPr lang="en-GB" dirty="0">
-              <a:solidFill>
-                <a:schemeClr val="bg1"/>
-              </a:solidFill>
-            </a:endParaRPr>
-          </a:p>
-          <a:p>
-            <a:pPr marL="342900" indent="-342900">
-              <a:buFont typeface="+mj-lt"/>
-              <a:buAutoNum type="alphaUcPeriod"/>
-            </a:pPr>
-            <a:r>
-              <a:rPr lang="en-GB" dirty="0" err="1">
-                <a:solidFill>
-                  <a:schemeClr val="bg1"/>
-                </a:solidFill>
-              </a:rPr>
-              <a:t>AggregateException</a:t>
-            </a:r>
-            <a:br>
-              <a:rPr lang="en-GB" dirty="0">
-                <a:solidFill>
-                  <a:schemeClr val="bg1"/>
-                </a:solidFill>
-              </a:rPr>
-            </a:br>
-            <a:r>
-              <a:rPr lang="en-GB" dirty="0">
-                <a:solidFill>
-                  <a:schemeClr val="bg1"/>
-                </a:solidFill>
-              </a:rPr>
-              <a:t>One or more errors occurred. (This is a test exception)</a:t>
-            </a:r>
-            <a:br>
-              <a:rPr lang="en-GB" dirty="0">
-                <a:solidFill>
-                  <a:schemeClr val="bg1"/>
-                </a:solidFill>
-              </a:rPr>
-            </a:br>
-            <a:endParaRPr lang="en-GB" dirty="0">
-              <a:solidFill>
-                <a:schemeClr val="bg1"/>
-              </a:solidFill>
-            </a:endParaRPr>
-          </a:p>
-          <a:p>
-            <a:pPr marL="342900" indent="-342900">
-              <a:buFont typeface="+mj-lt"/>
-              <a:buAutoNum type="alphaUcPeriod"/>
-            </a:pPr>
-            <a:r>
-              <a:rPr lang="en-GB" dirty="0">
-                <a:solidFill>
-                  <a:schemeClr val="bg1"/>
-                </a:solidFill>
-              </a:rPr>
-              <a:t>Exception</a:t>
-            </a:r>
-          </a:p>
-          <a:p>
-            <a:r>
-              <a:rPr lang="en-GB" dirty="0">
-                <a:solidFill>
-                  <a:schemeClr val="bg1"/>
-                </a:solidFill>
-              </a:rPr>
-              <a:t>       This is a test exception</a:t>
-            </a:r>
-          </a:p>
-          <a:p>
-            <a:endParaRPr lang="en-GB" dirty="0">
-              <a:solidFill>
-                <a:schemeClr val="bg1"/>
-              </a:solidFill>
-            </a:endParaRPr>
-          </a:p>
-          <a:p>
-            <a:pPr marL="342900" indent="-342900">
-              <a:buAutoNum type="alphaUcPeriod" startAt="3"/>
-            </a:pPr>
-            <a:r>
-              <a:rPr lang="en-GB" dirty="0">
-                <a:solidFill>
-                  <a:schemeClr val="bg1"/>
-                </a:solidFill>
-              </a:rPr>
-              <a:t>An uncaught exception is thrown and can     be caught in the calling method</a:t>
-            </a:r>
-          </a:p>
-          <a:p>
-            <a:pPr marL="342900" indent="-342900">
-              <a:buAutoNum type="alphaUcPeriod" startAt="3"/>
-            </a:pPr>
-            <a:endParaRPr lang="en-GB" dirty="0">
-              <a:solidFill>
-                <a:schemeClr val="bg1"/>
-              </a:solidFill>
-            </a:endParaRPr>
-          </a:p>
-          <a:p>
-            <a:pPr marL="342900" indent="-342900">
-              <a:buAutoNum type="alphaUcPeriod" startAt="3"/>
-            </a:pPr>
-            <a:r>
-              <a:rPr lang="en-GB" dirty="0">
-                <a:solidFill>
-                  <a:schemeClr val="bg1"/>
-                </a:solidFill>
-              </a:rPr>
-              <a:t>None of the above.</a:t>
+              <a:t>Question E </a:t>
             </a:r>
           </a:p>
         </p:txBody>
       </p:sp>
       <p:pic>
         <p:nvPicPr>
-          <p:cNvPr id="3" name="Picture 2">
-            <a:extLst>
-              <a:ext uri="{FF2B5EF4-FFF2-40B4-BE49-F238E27FC236}">
-                <a16:creationId xmlns:a16="http://schemas.microsoft.com/office/drawing/2014/main" id="{43E8D191-B02F-4E58-8780-AAD86241E0B7}"/>
+          <p:cNvPr id="2" name="Picture 1">
+            <a:extLst>
+              <a:ext uri="{FF2B5EF4-FFF2-40B4-BE49-F238E27FC236}">
+                <a16:creationId xmlns:a16="http://schemas.microsoft.com/office/drawing/2014/main" id="{90A699AA-731A-4038-9820-EAAACC5CEBE5}"/>
               </a:ext>
             </a:extLst>
           </p:cNvPr>
@@ -15836,18 +15818,84 @@
         </p:blipFill>
         <p:spPr>
           <a:xfrm>
-            <a:off x="251818" y="1041887"/>
-            <a:ext cx="6585240" cy="2022610"/>
+            <a:off x="319584" y="1134296"/>
+            <a:ext cx="7990594" cy="4950471"/>
           </a:xfrm>
           <a:prstGeom prst="rect">
             <a:avLst/>
           </a:prstGeom>
         </p:spPr>
       </p:pic>
+      <p:sp>
+        <p:nvSpPr>
+          <p:cNvPr id="11" name="TextBox 10">
+            <a:extLst>
+              <a:ext uri="{FF2B5EF4-FFF2-40B4-BE49-F238E27FC236}">
+                <a16:creationId xmlns:a16="http://schemas.microsoft.com/office/drawing/2014/main" id="{8CFFC453-63D5-4985-9376-BE7589A7509A}"/>
+              </a:ext>
+            </a:extLst>
+          </p:cNvPr>
+          <p:cNvSpPr txBox="1"/>
+          <p:nvPr/>
+        </p:nvSpPr>
+        <p:spPr>
+          <a:xfrm>
+            <a:off x="7594560" y="427262"/>
+            <a:ext cx="4395277" cy="1200329"/>
+          </a:xfrm>
+          <a:prstGeom prst="rect">
+            <a:avLst/>
+          </a:prstGeom>
+          <a:noFill/>
+        </p:spPr>
+        <p:txBody>
+          <a:bodyPr wrap="square" rtlCol="0">
+            <a:spAutoFit/>
+          </a:bodyPr>
+          <a:lstStyle/>
+          <a:p>
+            <a:r>
+              <a:rPr lang="en-GB" dirty="0">
+                <a:solidFill>
+                  <a:schemeClr val="bg1"/>
+                </a:solidFill>
+              </a:rPr>
+              <a:t>The answer is</a:t>
+            </a:r>
+          </a:p>
+          <a:p>
+            <a:endParaRPr lang="en-GB" dirty="0">
+              <a:solidFill>
+                <a:schemeClr val="bg1"/>
+              </a:solidFill>
+            </a:endParaRPr>
+          </a:p>
+          <a:p>
+            <a:r>
+              <a:rPr lang="en-GB" dirty="0">
+                <a:solidFill>
+                  <a:schemeClr val="bg1"/>
+                </a:solidFill>
+              </a:rPr>
+              <a:t>B.    Exception</a:t>
+            </a:r>
+          </a:p>
+          <a:p>
+            <a:r>
+              <a:rPr lang="en-GB" dirty="0">
+                <a:solidFill>
+                  <a:schemeClr val="bg1"/>
+                </a:solidFill>
+              </a:rPr>
+              <a:t>       This is a test exception</a:t>
+            </a:r>
+          </a:p>
+        </p:txBody>
+      </p:sp>
     </p:spTree>
     <p:extLst>
       <p:ext uri="{BB962C8B-B14F-4D97-AF65-F5344CB8AC3E}">
-        <p14:creationId xmlns:p14="http://schemas.microsoft.com/office/powerpoint/2010/main" val="4036305656"/>
+        <p14:creationId xmlns:p14="http://schemas.microsoft.com/office/powerpoint/2010/main" val="279637444"/>
       </p:ext>
     </p:extLst>
   </p:cSld>
@@ -15935,8 +15983,8 @@
         </p:nvSpPr>
         <p:spPr>
           <a:xfrm>
-            <a:off x="7072313" y="611928"/>
-            <a:ext cx="4917524" cy="2031325"/>
+            <a:off x="7315200" y="611928"/>
+            <a:ext cx="4395277" cy="3693319"/>
           </a:xfrm>
           <a:prstGeom prst="rect">
             <a:avLst/>
@@ -15955,7 +16003,7 @@
                   <a:schemeClr val="bg1"/>
                 </a:solidFill>
               </a:rPr>
-              <a:t>The answer is</a:t>
+              <a:t>What will be the output of this method?</a:t>
             </a:r>
           </a:p>
           <a:p>
@@ -15966,16 +16014,40 @@
             </a:endParaRPr>
           </a:p>
           <a:p>
-            <a:r>
+            <a:pPr marL="342900" indent="-342900">
+              <a:buFont typeface="+mj-lt"/>
+              <a:buAutoNum type="alphaUcPeriod"/>
+            </a:pPr>
+            <a:r>
+              <a:rPr lang="en-GB" dirty="0" err="1">
+                <a:solidFill>
+                  <a:schemeClr val="bg1"/>
+                </a:solidFill>
+              </a:rPr>
+              <a:t>AggregateException</a:t>
+            </a:r>
+            <a:br>
               <a:rPr lang="en-GB" dirty="0">
                 <a:solidFill>
                   <a:schemeClr val="bg1"/>
                 </a:solidFill>
               </a:rPr>
-              <a:t>D. None of the above.</a:t>
-            </a:r>
-          </a:p>
-          <a:p>
+            </a:br>
+            <a:r>
+              <a:rPr lang="en-GB" dirty="0">
+                <a:solidFill>
+                  <a:schemeClr val="bg1"/>
+                </a:solidFill>
+              </a:rPr>
+              <a:t>One or more errors occurred. (This is a test exception)</a:t>
+            </a:r>
+            <a:br>
+              <a:rPr lang="en-GB" dirty="0">
+                <a:solidFill>
+                  <a:schemeClr val="bg1"/>
+                </a:solidFill>
+              </a:rPr>
+            </a:br>
             <a:endParaRPr lang="en-GB" dirty="0">
               <a:solidFill>
                 <a:schemeClr val="bg1"/>
@@ -15983,13 +16055,70 @@
             </a:endParaRPr>
           </a:p>
           <a:p>
+            <a:pPr marL="342900" indent="-342900">
+              <a:buFont typeface="+mj-lt"/>
+              <a:buAutoNum type="alphaUcPeriod"/>
+            </a:pPr>
             <a:r>
               <a:rPr lang="en-GB" dirty="0">
                 <a:solidFill>
                   <a:schemeClr val="bg1"/>
                 </a:solidFill>
               </a:rPr>
-              <a:t>It will completely terminate the process. It won't throw a visible exception and will completely kill the application/debugger.</a:t>
+              <a:t>Exception</a:t>
+            </a:r>
+          </a:p>
+          <a:p>
+            <a:r>
+              <a:rPr lang="en-GB" dirty="0">
+                <a:solidFill>
+                  <a:schemeClr val="bg1"/>
+                </a:solidFill>
+              </a:rPr>
+              <a:t>       This is a test exception</a:t>
+            </a:r>
+          </a:p>
+          <a:p>
+            <a:endParaRPr lang="en-GB" dirty="0">
+              <a:solidFill>
+                <a:schemeClr val="bg1"/>
+              </a:solidFill>
+            </a:endParaRPr>
+          </a:p>
+          <a:p>
+            <a:pPr marL="342900" indent="-342900">
+              <a:buAutoNum type="alphaUcPeriod" startAt="3"/>
+            </a:pPr>
+            <a:r>
+              <a:rPr lang="en-GB" dirty="0">
+                <a:solidFill>
+                  <a:schemeClr val="bg1"/>
+                </a:solidFill>
+              </a:rPr>
+              <a:t>An uncaught exception is thrown and can     be caught in the calling method</a:t>
+            </a:r>
+          </a:p>
+          <a:p>
+            <a:pPr marL="342900" indent="-342900">
+              <a:buAutoNum type="alphaUcPeriod" startAt="3"/>
+            </a:pPr>
+            <a:endParaRPr lang="en-GB" dirty="0">
+              <a:solidFill>
+                <a:schemeClr val="bg1"/>
+              </a:solidFill>
+            </a:endParaRPr>
+          </a:p>
+          <a:p>
+            <a:pPr marL="342900" indent="-342900">
+              <a:buAutoNum type="alphaUcPeriod" startAt="3"/>
+            </a:pPr>
+            <a:r>
+              <a:rPr lang="en-GB" dirty="0">
+                <a:solidFill>
+                  <a:schemeClr val="bg1"/>
+                </a:solidFill>
+              </a:rPr>
+              <a:t>None of the above.</a:t>
             </a:r>
           </a:p>
         </p:txBody>
@@ -16027,7 +16156,7 @@
     </p:spTree>
     <p:extLst>
       <p:ext uri="{BB962C8B-B14F-4D97-AF65-F5344CB8AC3E}">
-        <p14:creationId xmlns:p14="http://schemas.microsoft.com/office/powerpoint/2010/main" val="1848199452"/>
+        <p14:creationId xmlns:p14="http://schemas.microsoft.com/office/powerpoint/2010/main" val="4036305656"/>
       </p:ext>
     </p:extLst>
   </p:cSld>
@@ -16205,7 +16334,7 @@
                   <a:schemeClr val="bg1"/>
                 </a:solidFill>
               </a:rPr>
-              <a:t>Question G </a:t>
+              <a:t>Question F </a:t>
             </a:r>
           </a:p>
         </p:txBody>
@@ -16224,8 +16353,8 @@
         </p:nvSpPr>
         <p:spPr>
           <a:xfrm>
-            <a:off x="7315200" y="611928"/>
-            <a:ext cx="4395277" cy="3693319"/>
+            <a:off x="7072313" y="611928"/>
+            <a:ext cx="4917524" cy="2031325"/>
           </a:xfrm>
           <a:prstGeom prst="rect">
             <a:avLst/>
@@ -16244,7 +16373,7 @@
                   <a:schemeClr val="bg1"/>
                 </a:solidFill>
               </a:rPr>
-              <a:t>What will be the output of this method?</a:t>
+              <a:t>The answer is</a:t>
             </a:r>
           </a:p>
           <a:p>
@@ -16255,121 +16384,40 @@
             </a:endParaRPr>
           </a:p>
           <a:p>
-            <a:pPr marL="342900" indent="-342900">
-              <a:buFont typeface="+mj-lt"/>
-              <a:buAutoNum type="alphaUcPeriod"/>
-            </a:pPr>
-            <a:r>
-              <a:rPr lang="en-GB" dirty="0" err="1">
-                <a:solidFill>
-                  <a:schemeClr val="bg1"/>
-                </a:solidFill>
-              </a:rPr>
-              <a:t>AggregateException</a:t>
-            </a:r>
-            <a:br>
+            <a:r>
               <a:rPr lang="en-GB" dirty="0">
                 <a:solidFill>
                   <a:schemeClr val="bg1"/>
                 </a:solidFill>
               </a:rPr>
-            </a:br>
+              <a:t>D. None of the above.</a:t>
+            </a:r>
+          </a:p>
+          <a:p>
+            <a:endParaRPr lang="en-GB" dirty="0">
+              <a:solidFill>
+                <a:schemeClr val="bg1"/>
+              </a:solidFill>
+            </a:endParaRPr>
+          </a:p>
+          <a:p>
             <a:r>
               <a:rPr lang="en-GB" dirty="0">
                 <a:solidFill>
                   <a:schemeClr val="bg1"/>
                 </a:solidFill>
               </a:rPr>
-              <a:t>One or more errors occurred. (This is a test exception)</a:t>
-            </a:r>
-            <a:br>
-              <a:rPr lang="en-GB" dirty="0">
-                <a:solidFill>
-                  <a:schemeClr val="bg1"/>
-                </a:solidFill>
-              </a:rPr>
-            </a:br>
-            <a:endParaRPr lang="en-GB" dirty="0">
-              <a:solidFill>
-                <a:schemeClr val="bg1"/>
-              </a:solidFill>
-            </a:endParaRPr>
-          </a:p>
-          <a:p>
-            <a:pPr marL="342900" indent="-342900">
-              <a:buFont typeface="+mj-lt"/>
-              <a:buAutoNum type="alphaUcPeriod"/>
-            </a:pPr>
-            <a:r>
-              <a:rPr lang="en-GB" dirty="0">
-                <a:solidFill>
-                  <a:schemeClr val="bg1"/>
-                </a:solidFill>
-              </a:rPr>
-              <a:t>Exception</a:t>
-            </a:r>
-          </a:p>
-          <a:p>
-            <a:r>
-              <a:rPr lang="en-GB" dirty="0">
-                <a:solidFill>
-                  <a:schemeClr val="bg1"/>
-                </a:solidFill>
-              </a:rPr>
-              <a:t>       This is a test exception</a:t>
-            </a:r>
-          </a:p>
-          <a:p>
-            <a:endParaRPr lang="en-GB" dirty="0">
-              <a:solidFill>
-                <a:schemeClr val="bg1"/>
-              </a:solidFill>
-            </a:endParaRPr>
-          </a:p>
-          <a:p>
-            <a:pPr marL="342900" indent="-342900">
-              <a:buAutoNum type="alphaUcPeriod" startAt="3"/>
-            </a:pPr>
-            <a:r>
-              <a:rPr lang="en-GB" dirty="0">
-                <a:solidFill>
-                  <a:schemeClr val="bg1"/>
-                </a:solidFill>
-              </a:rPr>
-              <a:t>An uncaught exception is thrown and can     be caught in the calling method</a:t>
-            </a:r>
-          </a:p>
-          <a:p>
-            <a:pPr marL="342900" indent="-342900">
-              <a:buAutoNum type="alphaUcPeriod" startAt="3"/>
-            </a:pPr>
-            <a:endParaRPr lang="en-GB" dirty="0">
-              <a:solidFill>
-                <a:schemeClr val="bg1"/>
-              </a:solidFill>
-            </a:endParaRPr>
-          </a:p>
-          <a:p>
-            <a:pPr marL="342900" indent="-342900">
-              <a:buAutoNum type="alphaUcPeriod" startAt="3"/>
-            </a:pPr>
-            <a:r>
-              <a:rPr lang="en-GB" dirty="0">
-                <a:solidFill>
-                  <a:schemeClr val="bg1"/>
-                </a:solidFill>
-              </a:rPr>
-              <a:t>None of the above.</a:t>
+              <a:t>It will completely terminate the process. It won't throw a visible exception and will completely kill the application/debugger.</a:t>
             </a:r>
           </a:p>
         </p:txBody>
       </p:sp>
       <p:pic>
         <p:nvPicPr>
-          <p:cNvPr id="4" name="Picture 3">
-            <a:extLst>
-              <a:ext uri="{FF2B5EF4-FFF2-40B4-BE49-F238E27FC236}">
-                <a16:creationId xmlns:a16="http://schemas.microsoft.com/office/drawing/2014/main" id="{69FDAEA4-F604-4A40-A20A-9E7E0E9E7C01}"/>
+          <p:cNvPr id="3" name="Picture 2">
+            <a:extLst>
+              <a:ext uri="{FF2B5EF4-FFF2-40B4-BE49-F238E27FC236}">
+                <a16:creationId xmlns:a16="http://schemas.microsoft.com/office/drawing/2014/main" id="{43E8D191-B02F-4E58-8780-AAD86241E0B7}"/>
               </a:ext>
             </a:extLst>
           </p:cNvPr>
@@ -16386,8 +16434,8 @@
         </p:blipFill>
         <p:spPr>
           <a:xfrm>
-            <a:off x="362130" y="1080051"/>
-            <a:ext cx="6673710" cy="1941443"/>
+            <a:off x="251818" y="1041887"/>
+            <a:ext cx="6585240" cy="2022610"/>
           </a:xfrm>
           <a:prstGeom prst="rect">
             <a:avLst/>
@@ -16397,7 +16445,7 @@
     </p:spTree>
     <p:extLst>
       <p:ext uri="{BB962C8B-B14F-4D97-AF65-F5344CB8AC3E}">
-        <p14:creationId xmlns:p14="http://schemas.microsoft.com/office/powerpoint/2010/main" val="2982457121"/>
+        <p14:creationId xmlns:p14="http://schemas.microsoft.com/office/powerpoint/2010/main" val="1848199452"/>
       </p:ext>
     </p:extLst>
   </p:cSld>
@@ -16486,7 +16534,7 @@
         <p:spPr>
           <a:xfrm>
             <a:off x="7315200" y="611928"/>
-            <a:ext cx="4395277" cy="2862322"/>
+            <a:ext cx="4395277" cy="3693319"/>
           </a:xfrm>
           <a:prstGeom prst="rect">
             <a:avLst/>
@@ -16517,6 +16565,78 @@
           </a:p>
           <a:p>
             <a:pPr marL="342900" indent="-342900">
+              <a:buFont typeface="+mj-lt"/>
+              <a:buAutoNum type="alphaUcPeriod"/>
+            </a:pPr>
+            <a:r>
+              <a:rPr lang="en-GB" dirty="0" err="1">
+                <a:solidFill>
+                  <a:schemeClr val="bg1"/>
+                </a:solidFill>
+              </a:rPr>
+              <a:t>AggregateException</a:t>
+            </a:r>
+            <a:br>
+              <a:rPr lang="en-GB" dirty="0">
+                <a:solidFill>
+                  <a:schemeClr val="bg1"/>
+                </a:solidFill>
+              </a:rPr>
+            </a:br>
+            <a:r>
+              <a:rPr lang="en-GB" dirty="0">
+                <a:solidFill>
+                  <a:schemeClr val="bg1"/>
+                </a:solidFill>
+              </a:rPr>
+              <a:t>One or more errors occurred. (This is a test exception)</a:t>
+            </a:r>
+            <a:br>
+              <a:rPr lang="en-GB" dirty="0">
+                <a:solidFill>
+                  <a:schemeClr val="bg1"/>
+                </a:solidFill>
+              </a:rPr>
+            </a:br>
+            <a:endParaRPr lang="en-GB" dirty="0">
+              <a:solidFill>
+                <a:schemeClr val="bg1"/>
+              </a:solidFill>
+            </a:endParaRPr>
+          </a:p>
+          <a:p>
+            <a:pPr marL="342900" indent="-342900">
+              <a:buFont typeface="+mj-lt"/>
+              <a:buAutoNum type="alphaUcPeriod"/>
+            </a:pPr>
+            <a:r>
+              <a:rPr lang="en-GB" dirty="0">
+                <a:solidFill>
+                  <a:schemeClr val="bg1"/>
+                </a:solidFill>
+              </a:rPr>
+              <a:t>Exception</a:t>
+            </a:r>
+          </a:p>
+          <a:p>
+            <a:r>
+              <a:rPr lang="en-GB" dirty="0">
+                <a:solidFill>
+                  <a:schemeClr val="bg1"/>
+                </a:solidFill>
+              </a:rPr>
+              <a:t>       This is a test exception</a:t>
+            </a:r>
+          </a:p>
+          <a:p>
+            <a:endParaRPr lang="en-GB" dirty="0">
+              <a:solidFill>
+                <a:schemeClr val="bg1"/>
+              </a:solidFill>
+            </a:endParaRPr>
+          </a:p>
+          <a:p>
+            <a:pPr marL="342900" indent="-342900">
               <a:buAutoNum type="alphaUcPeriod" startAt="3"/>
             </a:pPr>
             <a:r>
@@ -16529,6 +16649,9 @@
             </a:r>
           </a:p>
           <a:p>
+            <a:pPr marL="342900" indent="-342900">
+              <a:buAutoNum type="alphaUcPeriod" startAt="3"/>
+            </a:pPr>
             <a:endParaRPr lang="en-GB" dirty="0">
               <a:solidFill>
                 <a:schemeClr val="bg1"/>
@@ -16536,40 +16659,16 @@
             </a:endParaRPr>
           </a:p>
           <a:p>
+            <a:pPr marL="342900" indent="-342900">
+              <a:buAutoNum type="alphaUcPeriod" startAt="3"/>
+            </a:pPr>
             <a:r>
               <a:rPr lang="en-GB" dirty="0">
                 <a:solidFill>
                   <a:schemeClr val="bg1"/>
                 </a:solidFill>
               </a:rPr>
-              <a:t>It will throw the following uncaught exception:</a:t>
-            </a:r>
-          </a:p>
-          <a:p>
-            <a:endParaRPr lang="en-GB" dirty="0">
-              <a:solidFill>
-                <a:schemeClr val="bg1"/>
-              </a:solidFill>
-            </a:endParaRPr>
-          </a:p>
-          <a:p>
-            <a:r>
-              <a:rPr lang="en-GB" dirty="0">
-                <a:solidFill>
-                  <a:schemeClr val="bg1"/>
-                </a:solidFill>
-              </a:rPr>
-              <a:t>Exception</a:t>
-            </a:r>
-          </a:p>
-          <a:p>
-            <a:r>
-              <a:rPr lang="en-GB" dirty="0">
-                <a:solidFill>
-                  <a:schemeClr val="bg1"/>
-                </a:solidFill>
-              </a:rPr>
-              <a:t>This is a test exception</a:t>
+              <a:t>None of the above.</a:t>
             </a:r>
           </a:p>
         </p:txBody>
@@ -16607,7 +16706,7 @@
     </p:spTree>
     <p:extLst>
       <p:ext uri="{BB962C8B-B14F-4D97-AF65-F5344CB8AC3E}">
-        <p14:creationId xmlns:p14="http://schemas.microsoft.com/office/powerpoint/2010/main" val="1784624068"/>
+        <p14:creationId xmlns:p14="http://schemas.microsoft.com/office/powerpoint/2010/main" val="2982457121"/>
       </p:ext>
     </p:extLst>
   </p:cSld>
@@ -16656,7 +16755,7 @@
         </p:nvSpPr>
         <p:spPr>
           <a:xfrm>
-            <a:off x="7315200" y="340436"/>
+            <a:off x="624957" y="242596"/>
             <a:ext cx="11364880" cy="369332"/>
           </a:xfrm>
           <a:prstGeom prst="rect">
@@ -16676,7 +16775,7 @@
                   <a:schemeClr val="bg1"/>
                 </a:solidFill>
               </a:rPr>
-              <a:t>Question H </a:t>
+              <a:t>Question G </a:t>
             </a:r>
           </a:p>
         </p:txBody>
@@ -16695,8 +16794,8 @@
         </p:nvSpPr>
         <p:spPr>
           <a:xfrm>
-            <a:off x="7315200" y="1168519"/>
-            <a:ext cx="4395277" cy="3693319"/>
+            <a:off x="7315200" y="611928"/>
+            <a:ext cx="4395277" cy="2862322"/>
           </a:xfrm>
           <a:prstGeom prst="rect">
             <a:avLst/>
@@ -16727,39 +16826,35 @@
           </a:p>
           <a:p>
             <a:pPr marL="342900" indent="-342900">
-              <a:buFont typeface="+mj-lt"/>
-              <a:buAutoNum type="alphaUcPeriod"/>
-            </a:pPr>
-            <a:r>
-              <a:rPr lang="en-GB" dirty="0" err="1">
-                <a:solidFill>
-                  <a:schemeClr val="bg1"/>
-                </a:solidFill>
-              </a:rPr>
-              <a:t>AggregateException</a:t>
-            </a:r>
-            <a:br>
+              <a:buAutoNum type="alphaUcPeriod" startAt="3"/>
+            </a:pPr>
+            <a:r>
               <a:rPr lang="en-GB" dirty="0">
                 <a:solidFill>
                   <a:schemeClr val="bg1"/>
                 </a:solidFill>
               </a:rPr>
-            </a:br>
+              <a:t>An uncaught exception is thrown and can     be caught in the calling method</a:t>
+            </a:r>
+          </a:p>
+          <a:p>
+            <a:endParaRPr lang="en-GB" dirty="0">
+              <a:solidFill>
+                <a:schemeClr val="bg1"/>
+              </a:solidFill>
+            </a:endParaRPr>
+          </a:p>
+          <a:p>
             <a:r>
               <a:rPr lang="en-GB" dirty="0">
                 <a:solidFill>
                   <a:schemeClr val="bg1"/>
                 </a:solidFill>
               </a:rPr>
-              <a:t>One or more errors occurred. (This is a test exception)</a:t>
-            </a:r>
-            <a:br>
-              <a:rPr lang="en-GB" dirty="0">
-                <a:solidFill>
-                  <a:schemeClr val="bg1"/>
-                </a:solidFill>
-              </a:rPr>
-            </a:br>
+              <a:t>It will throw the following uncaught exception:</a:t>
+            </a:r>
+          </a:p>
+          <a:p>
             <a:endParaRPr lang="en-GB" dirty="0">
               <a:solidFill>
                 <a:schemeClr val="bg1"/>
@@ -16767,10 +16862,6 @@
             </a:endParaRPr>
           </a:p>
           <a:p>
-            <a:pPr marL="342900" indent="-342900">
-              <a:buFont typeface="+mj-lt"/>
-              <a:buAutoNum type="alphaUcPeriod"/>
-            </a:pPr>
             <a:r>
               <a:rPr lang="en-GB" dirty="0">
                 <a:solidFill>
@@ -16787,60 +16878,17 @@
                   <a:schemeClr val="bg1"/>
                 </a:solidFill>
               </a:rPr>
-              <a:t>       This is a test exception</a:t>
-            </a:r>
-          </a:p>
-          <a:p>
-            <a:endParaRPr lang="en-GB" dirty="0">
-              <a:solidFill>
-                <a:schemeClr val="bg1"/>
-              </a:solidFill>
-            </a:endParaRPr>
-          </a:p>
-          <a:p>
-            <a:pPr marL="342900" indent="-342900">
-              <a:buAutoNum type="alphaUcPeriod" startAt="3"/>
-            </a:pPr>
-            <a:r>
-              <a:rPr lang="en-GB" dirty="0">
-                <a:solidFill>
-                  <a:schemeClr val="bg1"/>
-                </a:solidFill>
-              </a:rPr>
-              <a:t>An uncaught exception is thrown and can     be caught in the calling method</a:t>
-            </a:r>
-          </a:p>
-          <a:p>
-            <a:pPr marL="342900" indent="-342900">
-              <a:buAutoNum type="alphaUcPeriod" startAt="3"/>
-            </a:pPr>
-            <a:endParaRPr lang="en-GB" dirty="0">
-              <a:solidFill>
-                <a:schemeClr val="bg1"/>
-              </a:solidFill>
-            </a:endParaRPr>
-          </a:p>
-          <a:p>
-            <a:pPr marL="342900" indent="-342900">
-              <a:buAutoNum type="alphaUcPeriod" startAt="3"/>
-            </a:pPr>
-            <a:r>
-              <a:rPr lang="en-GB" dirty="0">
-                <a:solidFill>
-                  <a:schemeClr val="bg1"/>
-                </a:solidFill>
-              </a:rPr>
-              <a:t>None of the above.</a:t>
+              <a:t>This is a test exception</a:t>
             </a:r>
           </a:p>
         </p:txBody>
       </p:sp>
       <p:pic>
         <p:nvPicPr>
-          <p:cNvPr id="2" name="Picture 1">
-            <a:extLst>
-              <a:ext uri="{FF2B5EF4-FFF2-40B4-BE49-F238E27FC236}">
-                <a16:creationId xmlns:a16="http://schemas.microsoft.com/office/drawing/2014/main" id="{998C0D28-FFB1-46DB-BB0B-98FF4377C9F5}"/>
+          <p:cNvPr id="4" name="Picture 3">
+            <a:extLst>
+              <a:ext uri="{FF2B5EF4-FFF2-40B4-BE49-F238E27FC236}">
+                <a16:creationId xmlns:a16="http://schemas.microsoft.com/office/drawing/2014/main" id="{69FDAEA4-F604-4A40-A20A-9E7E0E9E7C01}"/>
               </a:ext>
             </a:extLst>
           </p:cNvPr>
@@ -16857,8 +16905,8 @@
         </p:blipFill>
         <p:spPr>
           <a:xfrm>
-            <a:off x="477078" y="340436"/>
-            <a:ext cx="6301409" cy="6147341"/>
+            <a:off x="362130" y="1080051"/>
+            <a:ext cx="6673710" cy="1941443"/>
           </a:xfrm>
           <a:prstGeom prst="rect">
             <a:avLst/>
@@ -16868,7 +16916,7 @@
     </p:spTree>
     <p:extLst>
       <p:ext uri="{BB962C8B-B14F-4D97-AF65-F5344CB8AC3E}">
-        <p14:creationId xmlns:p14="http://schemas.microsoft.com/office/powerpoint/2010/main" val="3813329927"/>
+        <p14:creationId xmlns:p14="http://schemas.microsoft.com/office/powerpoint/2010/main" val="1784624068"/>
       </p:ext>
     </p:extLst>
   </p:cSld>
@@ -16957,7 +17005,7 @@
         <p:spPr>
           <a:xfrm>
             <a:off x="7315200" y="1168519"/>
-            <a:ext cx="4395277" cy="1477328"/>
+            <a:ext cx="4395277" cy="3693319"/>
           </a:xfrm>
           <a:prstGeom prst="rect">
             <a:avLst/>
@@ -16976,7 +17024,7 @@
                   <a:schemeClr val="bg1"/>
                 </a:solidFill>
               </a:rPr>
-              <a:t>The answer is</a:t>
+              <a:t>What will be the output of this method?</a:t>
             </a:r>
           </a:p>
           <a:p>
@@ -17013,6 +17061,85 @@
                 </a:solidFill>
               </a:rPr>
               <a:t>One or more errors occurred. (This is a test exception)</a:t>
+            </a:r>
+            <a:br>
+              <a:rPr lang="en-GB" dirty="0">
+                <a:solidFill>
+                  <a:schemeClr val="bg1"/>
+                </a:solidFill>
+              </a:rPr>
+            </a:br>
+            <a:endParaRPr lang="en-GB" dirty="0">
+              <a:solidFill>
+                <a:schemeClr val="bg1"/>
+              </a:solidFill>
+            </a:endParaRPr>
+          </a:p>
+          <a:p>
+            <a:pPr marL="342900" indent="-342900">
+              <a:buFont typeface="+mj-lt"/>
+              <a:buAutoNum type="alphaUcPeriod"/>
+            </a:pPr>
+            <a:r>
+              <a:rPr lang="en-GB" dirty="0">
+                <a:solidFill>
+                  <a:schemeClr val="bg1"/>
+                </a:solidFill>
+              </a:rPr>
+              <a:t>Exception</a:t>
+            </a:r>
+          </a:p>
+          <a:p>
+            <a:r>
+              <a:rPr lang="en-GB" dirty="0">
+                <a:solidFill>
+                  <a:schemeClr val="bg1"/>
+                </a:solidFill>
+              </a:rPr>
+              <a:t>       This is a test exception</a:t>
+            </a:r>
+          </a:p>
+          <a:p>
+            <a:endParaRPr lang="en-GB" dirty="0">
+              <a:solidFill>
+                <a:schemeClr val="bg1"/>
+              </a:solidFill>
+            </a:endParaRPr>
+          </a:p>
+          <a:p>
+            <a:pPr marL="342900" indent="-342900">
+              <a:buAutoNum type="alphaUcPeriod" startAt="3"/>
+            </a:pPr>
+            <a:r>
+              <a:rPr lang="en-GB" dirty="0">
+                <a:solidFill>
+                  <a:schemeClr val="bg1"/>
+                </a:solidFill>
+              </a:rPr>
+              <a:t>An uncaught exception is thrown and can     be caught in the calling method</a:t>
+            </a:r>
+          </a:p>
+          <a:p>
+            <a:pPr marL="342900" indent="-342900">
+              <a:buAutoNum type="alphaUcPeriod" startAt="3"/>
+            </a:pPr>
+            <a:endParaRPr lang="en-GB" dirty="0">
+              <a:solidFill>
+                <a:schemeClr val="bg1"/>
+              </a:solidFill>
+            </a:endParaRPr>
+          </a:p>
+          <a:p>
+            <a:pPr marL="342900" indent="-342900">
+              <a:buAutoNum type="alphaUcPeriod" startAt="3"/>
+            </a:pPr>
+            <a:r>
+              <a:rPr lang="en-GB" dirty="0">
+                <a:solidFill>
+                  <a:schemeClr val="bg1"/>
+                </a:solidFill>
+              </a:rPr>
+              <a:t>None of the above.</a:t>
             </a:r>
           </a:p>
         </p:txBody>
@@ -17050,7 +17177,7 @@
     </p:spTree>
     <p:extLst>
       <p:ext uri="{BB962C8B-B14F-4D97-AF65-F5344CB8AC3E}">
-        <p14:creationId xmlns:p14="http://schemas.microsoft.com/office/powerpoint/2010/main" val="3341191500"/>
+        <p14:creationId xmlns:p14="http://schemas.microsoft.com/office/powerpoint/2010/main" val="3813329927"/>
       </p:ext>
     </p:extLst>
   </p:cSld>
@@ -17119,7 +17246,7 @@
                   <a:schemeClr val="bg1"/>
                 </a:solidFill>
               </a:rPr>
-              <a:t>Question I </a:t>
+              <a:t>Question H </a:t>
             </a:r>
           </a:p>
         </p:txBody>
@@ -17139,7 +17266,7 @@
         <p:spPr>
           <a:xfrm>
             <a:off x="7315200" y="1168519"/>
-            <a:ext cx="4395277" cy="3693319"/>
+            <a:ext cx="4395277" cy="1477328"/>
           </a:xfrm>
           <a:prstGeom prst="rect">
             <a:avLst/>
@@ -17158,7 +17285,7 @@
                   <a:schemeClr val="bg1"/>
                 </a:solidFill>
               </a:rPr>
-              <a:t>What will be the output of this method?</a:t>
+              <a:t>The answer is</a:t>
             </a:r>
           </a:p>
           <a:p>
@@ -17196,94 +17323,15 @@
               </a:rPr>
               <a:t>One or more errors occurred. (This is a test exception)</a:t>
             </a:r>
-            <a:br>
-              <a:rPr lang="en-GB" dirty="0">
-                <a:solidFill>
-                  <a:schemeClr val="bg1"/>
-                </a:solidFill>
-              </a:rPr>
-            </a:br>
-            <a:endParaRPr lang="en-GB" dirty="0">
-              <a:solidFill>
-                <a:schemeClr val="bg1"/>
-              </a:solidFill>
-            </a:endParaRPr>
-          </a:p>
-          <a:p>
-            <a:pPr marL="342900" indent="-342900">
-              <a:buFont typeface="+mj-lt"/>
-              <a:buAutoNum type="alphaUcPeriod"/>
-            </a:pPr>
-            <a:r>
-              <a:rPr lang="en-GB" dirty="0">
-                <a:solidFill>
-                  <a:schemeClr val="bg1"/>
-                </a:solidFill>
-              </a:rPr>
-              <a:t>Exception</a:t>
-            </a:r>
-          </a:p>
-          <a:p>
-            <a:r>
-              <a:rPr lang="en-GB" dirty="0">
-                <a:solidFill>
-                  <a:schemeClr val="bg1"/>
-                </a:solidFill>
-              </a:rPr>
-              <a:t>       This is a test exception</a:t>
-            </a:r>
-          </a:p>
-          <a:p>
-            <a:endParaRPr lang="en-GB" dirty="0">
-              <a:solidFill>
-                <a:schemeClr val="bg1"/>
-              </a:solidFill>
-            </a:endParaRPr>
-          </a:p>
-          <a:p>
-            <a:pPr marL="342900" indent="-342900">
-              <a:buAutoNum type="alphaUcPeriod" startAt="3"/>
-            </a:pPr>
-            <a:r>
-              <a:rPr lang="en-GB" dirty="0">
-                <a:solidFill>
-                  <a:schemeClr val="bg1"/>
-                </a:solidFill>
-              </a:rPr>
-              <a:t>An uncaught exception is thrown and can     be caught in the calling method</a:t>
-            </a:r>
-          </a:p>
-          <a:p>
-            <a:pPr marL="342900" indent="-342900">
-              <a:buAutoNum type="alphaUcPeriod" startAt="3"/>
-            </a:pPr>
-            <a:endParaRPr lang="en-GB" dirty="0">
-              <a:solidFill>
-                <a:schemeClr val="bg1"/>
-              </a:solidFill>
-            </a:endParaRPr>
-          </a:p>
-          <a:p>
-            <a:pPr marL="342900" indent="-342900">
-              <a:buAutoNum type="alphaUcPeriod" startAt="3"/>
-            </a:pPr>
-            <a:r>
-              <a:rPr lang="en-GB" dirty="0">
-                <a:solidFill>
-                  <a:schemeClr val="bg1"/>
-                </a:solidFill>
-              </a:rPr>
-              <a:t>None of the above.</a:t>
-            </a:r>
           </a:p>
         </p:txBody>
       </p:sp>
       <p:pic>
         <p:nvPicPr>
-          <p:cNvPr id="3" name="Picture 2">
-            <a:extLst>
-              <a:ext uri="{FF2B5EF4-FFF2-40B4-BE49-F238E27FC236}">
-                <a16:creationId xmlns:a16="http://schemas.microsoft.com/office/drawing/2014/main" id="{1E68A627-623A-4C15-9AF8-EE50E57C2833}"/>
+          <p:cNvPr id="2" name="Picture 1">
+            <a:extLst>
+              <a:ext uri="{FF2B5EF4-FFF2-40B4-BE49-F238E27FC236}">
+                <a16:creationId xmlns:a16="http://schemas.microsoft.com/office/drawing/2014/main" id="{998C0D28-FFB1-46DB-BB0B-98FF4377C9F5}"/>
               </a:ext>
             </a:extLst>
           </p:cNvPr>
@@ -17300,8 +17348,8 @@
         </p:blipFill>
         <p:spPr>
           <a:xfrm>
-            <a:off x="337421" y="340436"/>
-            <a:ext cx="5586301" cy="1911103"/>
+            <a:off x="477078" y="340436"/>
+            <a:ext cx="6301409" cy="6147341"/>
           </a:xfrm>
           <a:prstGeom prst="rect">
             <a:avLst/>
@@ -17311,7 +17359,7 @@
     </p:spTree>
     <p:extLst>
       <p:ext uri="{BB962C8B-B14F-4D97-AF65-F5344CB8AC3E}">
-        <p14:creationId xmlns:p14="http://schemas.microsoft.com/office/powerpoint/2010/main" val="1300467980"/>
+        <p14:creationId xmlns:p14="http://schemas.microsoft.com/office/powerpoint/2010/main" val="3341191500"/>
       </p:ext>
     </p:extLst>
   </p:cSld>
@@ -17400,6 +17448,267 @@
         <p:spPr>
           <a:xfrm>
             <a:off x="7315200" y="1168519"/>
+            <a:ext cx="4395277" cy="3693319"/>
+          </a:xfrm>
+          <a:prstGeom prst="rect">
+            <a:avLst/>
+          </a:prstGeom>
+          <a:noFill/>
+        </p:spPr>
+        <p:txBody>
+          <a:bodyPr wrap="square" rtlCol="0">
+            <a:spAutoFit/>
+          </a:bodyPr>
+          <a:lstStyle/>
+          <a:p>
+            <a:r>
+              <a:rPr lang="en-GB" dirty="0">
+                <a:solidFill>
+                  <a:schemeClr val="bg1"/>
+                </a:solidFill>
+              </a:rPr>
+              <a:t>What will be the output of this method?</a:t>
+            </a:r>
+          </a:p>
+          <a:p>
+            <a:endParaRPr lang="en-GB" dirty="0">
+              <a:solidFill>
+                <a:schemeClr val="bg1"/>
+              </a:solidFill>
+            </a:endParaRPr>
+          </a:p>
+          <a:p>
+            <a:pPr marL="342900" indent="-342900">
+              <a:buFont typeface="+mj-lt"/>
+              <a:buAutoNum type="alphaUcPeriod"/>
+            </a:pPr>
+            <a:r>
+              <a:rPr lang="en-GB" dirty="0" err="1">
+                <a:solidFill>
+                  <a:schemeClr val="bg1"/>
+                </a:solidFill>
+              </a:rPr>
+              <a:t>AggregateException</a:t>
+            </a:r>
+            <a:br>
+              <a:rPr lang="en-GB" dirty="0">
+                <a:solidFill>
+                  <a:schemeClr val="bg1"/>
+                </a:solidFill>
+              </a:rPr>
+            </a:br>
+            <a:r>
+              <a:rPr lang="en-GB" dirty="0">
+                <a:solidFill>
+                  <a:schemeClr val="bg1"/>
+                </a:solidFill>
+              </a:rPr>
+              <a:t>One or more errors occurred. (This is a test exception)</a:t>
+            </a:r>
+            <a:br>
+              <a:rPr lang="en-GB" dirty="0">
+                <a:solidFill>
+                  <a:schemeClr val="bg1"/>
+                </a:solidFill>
+              </a:rPr>
+            </a:br>
+            <a:endParaRPr lang="en-GB" dirty="0">
+              <a:solidFill>
+                <a:schemeClr val="bg1"/>
+              </a:solidFill>
+            </a:endParaRPr>
+          </a:p>
+          <a:p>
+            <a:pPr marL="342900" indent="-342900">
+              <a:buFont typeface="+mj-lt"/>
+              <a:buAutoNum type="alphaUcPeriod"/>
+            </a:pPr>
+            <a:r>
+              <a:rPr lang="en-GB" dirty="0">
+                <a:solidFill>
+                  <a:schemeClr val="bg1"/>
+                </a:solidFill>
+              </a:rPr>
+              <a:t>Exception</a:t>
+            </a:r>
+          </a:p>
+          <a:p>
+            <a:r>
+              <a:rPr lang="en-GB" dirty="0">
+                <a:solidFill>
+                  <a:schemeClr val="bg1"/>
+                </a:solidFill>
+              </a:rPr>
+              <a:t>       This is a test exception</a:t>
+            </a:r>
+          </a:p>
+          <a:p>
+            <a:endParaRPr lang="en-GB" dirty="0">
+              <a:solidFill>
+                <a:schemeClr val="bg1"/>
+              </a:solidFill>
+            </a:endParaRPr>
+          </a:p>
+          <a:p>
+            <a:pPr marL="342900" indent="-342900">
+              <a:buAutoNum type="alphaUcPeriod" startAt="3"/>
+            </a:pPr>
+            <a:r>
+              <a:rPr lang="en-GB" dirty="0">
+                <a:solidFill>
+                  <a:schemeClr val="bg1"/>
+                </a:solidFill>
+              </a:rPr>
+              <a:t>An uncaught exception is thrown and can     be caught in the calling method</a:t>
+            </a:r>
+          </a:p>
+          <a:p>
+            <a:pPr marL="342900" indent="-342900">
+              <a:buAutoNum type="alphaUcPeriod" startAt="3"/>
+            </a:pPr>
+            <a:endParaRPr lang="en-GB" dirty="0">
+              <a:solidFill>
+                <a:schemeClr val="bg1"/>
+              </a:solidFill>
+            </a:endParaRPr>
+          </a:p>
+          <a:p>
+            <a:pPr marL="342900" indent="-342900">
+              <a:buAutoNum type="alphaUcPeriod" startAt="3"/>
+            </a:pPr>
+            <a:r>
+              <a:rPr lang="en-GB" dirty="0">
+                <a:solidFill>
+                  <a:schemeClr val="bg1"/>
+                </a:solidFill>
+              </a:rPr>
+              <a:t>None of the above.</a:t>
+            </a:r>
+          </a:p>
+        </p:txBody>
+      </p:sp>
+      <p:pic>
+        <p:nvPicPr>
+          <p:cNvPr id="3" name="Picture 2">
+            <a:extLst>
+              <a:ext uri="{FF2B5EF4-FFF2-40B4-BE49-F238E27FC236}">
+                <a16:creationId xmlns:a16="http://schemas.microsoft.com/office/drawing/2014/main" id="{1E68A627-623A-4C15-9AF8-EE50E57C2833}"/>
+              </a:ext>
+            </a:extLst>
+          </p:cNvPr>
+          <p:cNvPicPr>
+            <a:picLocks noChangeAspect="1"/>
+          </p:cNvPicPr>
+          <p:nvPr/>
+        </p:nvPicPr>
+        <p:blipFill>
+          <a:blip r:embed="rId2"/>
+          <a:stretch>
+            <a:fillRect/>
+          </a:stretch>
+        </p:blipFill>
+        <p:spPr>
+          <a:xfrm>
+            <a:off x="337421" y="340436"/>
+            <a:ext cx="5586301" cy="1911103"/>
+          </a:xfrm>
+          <a:prstGeom prst="rect">
+            <a:avLst/>
+          </a:prstGeom>
+        </p:spPr>
+      </p:pic>
+    </p:spTree>
+    <p:extLst>
+      <p:ext uri="{BB962C8B-B14F-4D97-AF65-F5344CB8AC3E}">
+        <p14:creationId xmlns:p14="http://schemas.microsoft.com/office/powerpoint/2010/main" val="1300467980"/>
+      </p:ext>
+    </p:extLst>
+  </p:cSld>
+  <p:clrMapOvr>
+    <a:masterClrMapping/>
+  </p:clrMapOvr>
+</p:sld>
+</file>
+
+<file path=ppt/slides/slide66.xml><?xml version="1.0" encoding="utf-8"?>
+<p:sld xmlns:a="http://schemas.openxmlformats.org/drawingml/2006/main" xmlns:r="http://schemas.openxmlformats.org/officeDocument/2006/relationships" xmlns:p="http://schemas.openxmlformats.org/presentationml/2006/main">
+  <p:cSld>
+    <p:bg>
+      <p:bgPr>
+        <a:solidFill>
+          <a:srgbClr val="1E1E1E"/>
+        </a:solidFill>
+        <a:effectLst/>
+      </p:bgPr>
+    </p:bg>
+    <p:spTree>
+      <p:nvGrpSpPr>
+        <p:cNvPr id="1" name=""/>
+        <p:cNvGrpSpPr/>
+        <p:nvPr/>
+      </p:nvGrpSpPr>
+      <p:grpSpPr>
+        <a:xfrm>
+          <a:off x="0" y="0"/>
+          <a:ext cx="0" cy="0"/>
+          <a:chOff x="0" y="0"/>
+          <a:chExt cx="0" cy="0"/>
+        </a:xfrm>
+      </p:grpSpPr>
+      <p:sp>
+        <p:nvSpPr>
+          <p:cNvPr id="6" name="TextBox 5">
+            <a:extLst>
+              <a:ext uri="{FF2B5EF4-FFF2-40B4-BE49-F238E27FC236}">
+                <a16:creationId xmlns:a16="http://schemas.microsoft.com/office/drawing/2014/main" id="{2CDFC944-8A12-42CA-B4D7-7CEF50C368ED}"/>
+              </a:ext>
+            </a:extLst>
+          </p:cNvPr>
+          <p:cNvSpPr txBox="1"/>
+          <p:nvPr/>
+        </p:nvSpPr>
+        <p:spPr>
+          <a:xfrm>
+            <a:off x="7315200" y="340436"/>
+            <a:ext cx="11364880" cy="369332"/>
+          </a:xfrm>
+          <a:prstGeom prst="rect">
+            <a:avLst/>
+          </a:prstGeom>
+          <a:noFill/>
+        </p:spPr>
+        <p:txBody>
+          <a:bodyPr wrap="square" rtlCol="0">
+            <a:spAutoFit/>
+          </a:bodyPr>
+          <a:lstStyle/>
+          <a:p>
+            <a:r>
+              <a:rPr lang="en-GB" dirty="0">
+                <a:solidFill>
+                  <a:schemeClr val="bg1"/>
+                </a:solidFill>
+              </a:rPr>
+              <a:t>Question I </a:t>
+            </a:r>
+          </a:p>
+        </p:txBody>
+      </p:sp>
+      <p:sp>
+        <p:nvSpPr>
+          <p:cNvPr id="11" name="TextBox 10">
+            <a:extLst>
+              <a:ext uri="{FF2B5EF4-FFF2-40B4-BE49-F238E27FC236}">
+                <a16:creationId xmlns:a16="http://schemas.microsoft.com/office/drawing/2014/main" id="{8CFFC453-63D5-4985-9376-BE7589A7509A}"/>
+              </a:ext>
+            </a:extLst>
+          </p:cNvPr>
+          <p:cNvSpPr txBox="1"/>
+          <p:nvPr/>
+        </p:nvSpPr>
+        <p:spPr>
+          <a:xfrm>
+            <a:off x="7315200" y="1168519"/>
             <a:ext cx="4395277" cy="1754326"/>
           </a:xfrm>
           <a:prstGeom prst="rect">
@@ -17492,261 +17801,6 @@
     <p:extLst>
       <p:ext uri="{BB962C8B-B14F-4D97-AF65-F5344CB8AC3E}">
         <p14:creationId xmlns:p14="http://schemas.microsoft.com/office/powerpoint/2010/main" val="197561650"/>
-      </p:ext>
-    </p:extLst>
-  </p:cSld>
-  <p:clrMapOvr>
-    <a:masterClrMapping/>
-  </p:clrMapOvr>
-</p:sld>
-</file>
-
-<file path=ppt/slides/slide66.xml><?xml version="1.0" encoding="utf-8"?>
-<p:sld xmlns:a="http://schemas.openxmlformats.org/drawingml/2006/main" xmlns:r="http://schemas.openxmlformats.org/officeDocument/2006/relationships" xmlns:p="http://schemas.openxmlformats.org/presentationml/2006/main">
-  <p:cSld>
-    <p:spTree>
-      <p:nvGrpSpPr>
-        <p:cNvPr id="1" name=""/>
-        <p:cNvGrpSpPr/>
-        <p:nvPr/>
-      </p:nvGrpSpPr>
-      <p:grpSpPr>
-        <a:xfrm>
-          <a:off x="0" y="0"/>
-          <a:ext cx="0" cy="0"/>
-          <a:chOff x="0" y="0"/>
-          <a:chExt cx="0" cy="0"/>
-        </a:xfrm>
-      </p:grpSpPr>
-      <p:sp>
-        <p:nvSpPr>
-          <p:cNvPr id="4" name="TextBox 3">
-            <a:extLst>
-              <a:ext uri="{FF2B5EF4-FFF2-40B4-BE49-F238E27FC236}">
-                <a16:creationId xmlns:a16="http://schemas.microsoft.com/office/drawing/2014/main" id="{18767206-9205-42D0-A2AE-5A1017D4CB08}"/>
-              </a:ext>
-            </a:extLst>
-          </p:cNvPr>
-          <p:cNvSpPr txBox="1"/>
-          <p:nvPr/>
-        </p:nvSpPr>
-        <p:spPr>
-          <a:xfrm>
-            <a:off x="278297" y="212034"/>
-            <a:ext cx="11781182" cy="6524863"/>
-          </a:xfrm>
-          <a:prstGeom prst="rect">
-            <a:avLst/>
-          </a:prstGeom>
-          <a:noFill/>
-        </p:spPr>
-        <p:txBody>
-          <a:bodyPr wrap="square" rtlCol="0">
-            <a:spAutoFit/>
-          </a:bodyPr>
-          <a:lstStyle/>
-          <a:p>
-            <a:r>
-              <a:rPr lang="en-GB" sz="2200" b="1" dirty="0"/>
-              <a:t>Dealing with exceptions</a:t>
-            </a:r>
-          </a:p>
-          <a:p>
-            <a:endParaRPr lang="en-GB" sz="2200" b="1" dirty="0"/>
-          </a:p>
-          <a:p>
-            <a:pPr marL="342900" indent="-342900">
-              <a:buFont typeface="Arial" panose="020B0604020202020204" pitchFamily="34" charset="0"/>
-              <a:buChar char="•"/>
-            </a:pPr>
-            <a:r>
-              <a:rPr lang="en-GB" sz="2200" dirty="0"/>
-              <a:t>Observing the completion of a failed task by using </a:t>
-            </a:r>
-            <a:r>
-              <a:rPr lang="en-GB" sz="2200" b="1" dirty="0"/>
-              <a:t>Wait()</a:t>
-            </a:r>
-            <a:r>
-              <a:rPr lang="en-GB" sz="2200" dirty="0"/>
-              <a:t>,</a:t>
-            </a:r>
-            <a:r>
-              <a:rPr lang="en-GB" sz="2200" b="1" dirty="0"/>
-              <a:t> Result, await </a:t>
-            </a:r>
-            <a:r>
-              <a:rPr lang="en-GB" sz="2200" dirty="0"/>
-              <a:t>or </a:t>
-            </a:r>
-            <a:r>
-              <a:rPr lang="en-GB" sz="2200" b="1" dirty="0" err="1"/>
-              <a:t>GetAwaiter</a:t>
-            </a:r>
-            <a:r>
-              <a:rPr lang="en-GB" sz="2200" b="1" dirty="0"/>
-              <a:t>().</a:t>
-            </a:r>
-            <a:r>
-              <a:rPr lang="en-GB" sz="2200" b="1" dirty="0" err="1"/>
-              <a:t>GetResult</a:t>
-            </a:r>
-            <a:r>
-              <a:rPr lang="en-GB" sz="2200" b="1" dirty="0"/>
-              <a:t>() </a:t>
-            </a:r>
-            <a:r>
-              <a:rPr lang="en-GB" sz="2200" dirty="0"/>
-              <a:t>will propagate its exception. At this point, you need to handle it with a try/catch block. </a:t>
-            </a:r>
-          </a:p>
-          <a:p>
-            <a:pPr marL="342900" indent="-342900">
-              <a:buFont typeface="Arial" panose="020B0604020202020204" pitchFamily="34" charset="0"/>
-              <a:buChar char="•"/>
-            </a:pPr>
-            <a:endParaRPr lang="en-GB" sz="2200" dirty="0"/>
-          </a:p>
-          <a:p>
-            <a:pPr marL="342900" indent="-342900">
-              <a:buFont typeface="Arial" panose="020B0604020202020204" pitchFamily="34" charset="0"/>
-              <a:buChar char="•"/>
-            </a:pPr>
-            <a:r>
-              <a:rPr lang="en-GB" sz="2200" dirty="0"/>
-              <a:t>If a task is the parent of attached child tasks, or if you are waiting on multiple tasks, multiple exceptions could be thrown. These are grouped as a single </a:t>
-            </a:r>
-            <a:r>
-              <a:rPr lang="en-GB" sz="2200" b="1" dirty="0" err="1"/>
-              <a:t>AggregateException</a:t>
-            </a:r>
-            <a:r>
-              <a:rPr lang="en-GB" sz="2200" dirty="0"/>
-              <a:t>.</a:t>
-            </a:r>
-          </a:p>
-          <a:p>
-            <a:endParaRPr lang="en-GB" sz="2200" b="1" dirty="0"/>
-          </a:p>
-          <a:p>
-            <a:pPr marL="342900" indent="-342900">
-              <a:buFont typeface="Arial" panose="020B0604020202020204" pitchFamily="34" charset="0"/>
-              <a:buChar char="•"/>
-            </a:pPr>
-            <a:r>
-              <a:rPr lang="en-GB" sz="2200" dirty="0"/>
-              <a:t>Exceptions thrown within a task are always accessible from the </a:t>
-            </a:r>
-            <a:r>
-              <a:rPr lang="en-GB" sz="2200" b="1" dirty="0"/>
-              <a:t>Exception property</a:t>
-            </a:r>
-            <a:r>
-              <a:rPr lang="en-GB" sz="2200" dirty="0"/>
-              <a:t>. This is of type </a:t>
-            </a:r>
-            <a:r>
-              <a:rPr lang="en-GB" sz="2200" b="1" dirty="0" err="1"/>
-              <a:t>AggregateException</a:t>
-            </a:r>
-            <a:r>
-              <a:rPr lang="en-GB" sz="2200" dirty="0"/>
-              <a:t>. </a:t>
-            </a:r>
-          </a:p>
-          <a:p>
-            <a:endParaRPr lang="en-GB" sz="2200" b="1" dirty="0"/>
-          </a:p>
-          <a:p>
-            <a:pPr marL="342900" indent="-342900">
-              <a:buFont typeface="Arial" panose="020B0604020202020204" pitchFamily="34" charset="0"/>
-              <a:buChar char="•"/>
-            </a:pPr>
-            <a:r>
-              <a:rPr lang="en-GB" sz="2200" b="1" dirty="0"/>
-              <a:t>Using await or </a:t>
-            </a:r>
-            <a:r>
-              <a:rPr lang="en-GB" sz="2200" b="1" dirty="0" err="1"/>
-              <a:t>GetAwaiter</a:t>
-            </a:r>
-            <a:r>
-              <a:rPr lang="en-GB" sz="2200" b="1" dirty="0"/>
-              <a:t>().</a:t>
-            </a:r>
-            <a:r>
-              <a:rPr lang="en-GB" sz="2200" b="1" dirty="0" err="1"/>
-              <a:t>GetResult</a:t>
-            </a:r>
-            <a:r>
-              <a:rPr lang="en-GB" sz="2200" b="1" dirty="0"/>
-              <a:t>() will not throw an </a:t>
-            </a:r>
-            <a:r>
-              <a:rPr lang="en-GB" sz="2200" b="1" dirty="0" err="1"/>
-              <a:t>AggregateException</a:t>
-            </a:r>
-            <a:r>
-              <a:rPr lang="en-GB" sz="2200" dirty="0"/>
-              <a:t>. It will instead propagate the first exception which was thrown, just like when writing synchronous code. This is another key benefit to using async/await. You don’t have to worry about </a:t>
-            </a:r>
-            <a:r>
-              <a:rPr lang="en-GB" sz="2200" dirty="0" err="1"/>
-              <a:t>AggregateExceptions</a:t>
-            </a:r>
-            <a:r>
-              <a:rPr lang="en-GB" sz="2200" dirty="0"/>
-              <a:t>!</a:t>
-            </a:r>
-          </a:p>
-          <a:p>
-            <a:pPr marL="342900" indent="-342900">
-              <a:buFont typeface="Arial" panose="020B0604020202020204" pitchFamily="34" charset="0"/>
-              <a:buChar char="•"/>
-            </a:pPr>
-            <a:endParaRPr lang="en-GB" sz="2200" dirty="0"/>
-          </a:p>
-          <a:p>
-            <a:pPr marL="342900" indent="-342900">
-              <a:buFont typeface="Arial" panose="020B0604020202020204" pitchFamily="34" charset="0"/>
-              <a:buChar char="•"/>
-            </a:pPr>
-            <a:r>
-              <a:rPr lang="en-GB" sz="2200" dirty="0"/>
-              <a:t>If you don’t observe the completion of a task which has thrown an exception, the garbage collector will trigger the </a:t>
-            </a:r>
-            <a:r>
-              <a:rPr lang="en-GB" sz="2200" b="1" dirty="0" err="1"/>
-              <a:t>UnobservedTaskException</a:t>
-            </a:r>
-            <a:r>
-              <a:rPr lang="en-GB" sz="2200" dirty="0"/>
-              <a:t> event on the </a:t>
-            </a:r>
-            <a:r>
-              <a:rPr lang="en-GB" sz="2200" b="1" dirty="0" err="1"/>
-              <a:t>TaskScheduler</a:t>
-            </a:r>
-            <a:r>
-              <a:rPr lang="en-GB" sz="2200" dirty="0"/>
-              <a:t>, which by default will </a:t>
-            </a:r>
-            <a:r>
-              <a:rPr lang="en-GB" sz="2200" b="1" dirty="0"/>
-              <a:t>completely terminate your process</a:t>
-            </a:r>
-            <a:r>
-              <a:rPr lang="en-GB" sz="2200" dirty="0"/>
-              <a:t>. This default behaviour can be overridden however. </a:t>
-            </a:r>
-            <a:endParaRPr lang="en-GB" sz="2200" b="1" dirty="0"/>
-          </a:p>
-        </p:txBody>
-      </p:sp>
-    </p:spTree>
-    <p:extLst>
-      <p:ext uri="{BB962C8B-B14F-4D97-AF65-F5344CB8AC3E}">
-        <p14:creationId xmlns:p14="http://schemas.microsoft.com/office/powerpoint/2010/main" val="25185311"/>
       </p:ext>
     </p:extLst>
   </p:cSld>

--- a/Async and await presentation.pptx
+++ b/Async and await presentation.pptx
@@ -3794,6 +3794,9 @@
             </a:r>
           </a:p>
           <a:p>
+            <a:endParaRPr lang="en-GB" sz="2800" dirty="0"/>
+          </a:p>
+          <a:p>
             <a:pPr marL="457200" indent="-457200">
               <a:buFont typeface="Arial" panose="020B0604020202020204" pitchFamily="34" charset="0"/>
               <a:buChar char="•"/>
@@ -3812,6 +3815,9 @@
             </a:r>
           </a:p>
           <a:p>
+            <a:endParaRPr lang="en-GB" sz="2800" dirty="0"/>
+          </a:p>
+          <a:p>
             <a:pPr marL="457200" indent="-457200">
               <a:buFont typeface="Arial" panose="020B0604020202020204" pitchFamily="34" charset="0"/>
               <a:buChar char="•"/>
@@ -3838,63 +3844,32 @@
             </a:r>
           </a:p>
           <a:p>
+            <a:endParaRPr lang="en-GB" sz="2800" dirty="0"/>
+          </a:p>
+          <a:p>
             <a:pPr marL="457200" indent="-457200">
               <a:buFont typeface="Arial" panose="020B0604020202020204" pitchFamily="34" charset="0"/>
               <a:buChar char="•"/>
             </a:pPr>
             <a:r>
               <a:rPr lang="en-GB" sz="2800" dirty="0"/>
-              <a:t>Unlike </a:t>
-            </a:r>
-            <a:r>
-              <a:rPr lang="en-GB" sz="2800" dirty="0" err="1"/>
-              <a:t>ThreadPool</a:t>
+              <a:t>Task allows you to find out when it finishes and to return a result., either </a:t>
+            </a:r>
+            <a:r>
+              <a:rPr lang="en-GB" sz="2800" b="1" dirty="0"/>
+              <a:t>synchronously</a:t>
             </a:r>
             <a:r>
               <a:rPr lang="en-GB" sz="2800" dirty="0"/>
-              <a:t>, Task allows you to find out when it finishes and to return a result., either synchronously or asynchronously.</a:t>
-            </a:r>
-          </a:p>
-          <a:p>
-            <a:pPr marL="457200" indent="-457200">
-              <a:buFont typeface="Arial" panose="020B0604020202020204" pitchFamily="34" charset="0"/>
-              <a:buChar char="•"/>
-            </a:pPr>
+              <a:t> or </a:t>
+            </a:r>
+            <a:r>
+              <a:rPr lang="en-GB" sz="2800" b="1" dirty="0"/>
+              <a:t>asynchronously</a:t>
+            </a:r>
             <a:r>
               <a:rPr lang="en-GB" sz="2800" dirty="0"/>
-              <a:t>Since tasks still run on the </a:t>
-            </a:r>
-            <a:r>
-              <a:rPr lang="en-GB" sz="2800" dirty="0" err="1"/>
-              <a:t>ThreadPool</a:t>
-            </a:r>
-            <a:r>
-              <a:rPr lang="en-GB" sz="2800" dirty="0"/>
-              <a:t>, they should not be used for long-running operations. Task does provide however a </a:t>
-            </a:r>
-            <a:r>
-              <a:rPr lang="en-GB" sz="2800" dirty="0" err="1"/>
-              <a:t>LongRunning</a:t>
-            </a:r>
-            <a:r>
-              <a:rPr lang="en-GB" sz="2800" dirty="0"/>
-              <a:t> option, which tells the </a:t>
-            </a:r>
-            <a:r>
-              <a:rPr lang="en-GB" sz="2800" dirty="0" err="1"/>
-              <a:t>TaskScheduler</a:t>
-            </a:r>
-            <a:r>
-              <a:rPr lang="en-GB" sz="2800" dirty="0"/>
-              <a:t> to create a new thread rather than running on the </a:t>
-            </a:r>
-            <a:r>
-              <a:rPr lang="en-GB" sz="2800" dirty="0" err="1"/>
-              <a:t>ThreadPool</a:t>
-            </a:r>
-            <a:r>
-              <a:rPr lang="en-GB" sz="2800" dirty="0"/>
-              <a:t>. We’ll go over long-running tasks a bit later.</a:t>
+              <a:t>.</a:t>
             </a:r>
           </a:p>
           <a:p>
@@ -3902,6 +3877,10 @@
             <a:br>
               <a:rPr lang="en-GB" sz="2800" b="1" dirty="0"/>
             </a:br>
+            <a:endParaRPr lang="en-GB" sz="2800" b="1" dirty="0"/>
+          </a:p>
+          <a:p>
+            <a:pPr algn="ctr"/>
             <a:r>
               <a:rPr lang="en-GB" sz="2800" b="1" dirty="0"/>
               <a:t>A Task represents a single operation which can be run asynchronously</a:t>
@@ -18077,7 +18056,7 @@
             <a:pPr algn="ctr"/>
             <a:r>
               <a:rPr lang="en-GB" sz="2400" b="1" dirty="0"/>
-              <a:t>So how do you write asynchronous code properly in C#? </a:t>
+              <a:t>So how do you write asynchronous code in C#? </a:t>
             </a:r>
             <a:endParaRPr lang="en-GB" sz="2400" dirty="0"/>
           </a:p>

--- a/Async and await presentation.pptx
+++ b/Async and await presentation.pptx
@@ -20,8 +20,8 @@
     <p:sldId id="261" r:id="rId14"/>
     <p:sldId id="325" r:id="rId15"/>
     <p:sldId id="317" r:id="rId16"/>
-    <p:sldId id="266" r:id="rId17"/>
-    <p:sldId id="297" r:id="rId18"/>
+    <p:sldId id="297" r:id="rId17"/>
+    <p:sldId id="326" r:id="rId18"/>
     <p:sldId id="318" r:id="rId19"/>
     <p:sldId id="265" r:id="rId20"/>
     <p:sldId id="267" r:id="rId21"/>
@@ -326,7 +326,7 @@
           <a:p>
             <a:fld id="{BFEF692B-FC3E-4552-B87F-4B5A00EB12B2}" type="datetimeFigureOut">
               <a:rPr lang="en-GB" smtClean="0"/>
-              <a:t>05/03/2020</a:t>
+              <a:t>06/03/2020</a:t>
             </a:fld>
             <a:endParaRPr lang="en-GB"/>
           </a:p>
@@ -526,7 +526,7 @@
           <a:p>
             <a:fld id="{BFEF692B-FC3E-4552-B87F-4B5A00EB12B2}" type="datetimeFigureOut">
               <a:rPr lang="en-GB" smtClean="0"/>
-              <a:t>05/03/2020</a:t>
+              <a:t>06/03/2020</a:t>
             </a:fld>
             <a:endParaRPr lang="en-GB"/>
           </a:p>
@@ -736,7 +736,7 @@
           <a:p>
             <a:fld id="{BFEF692B-FC3E-4552-B87F-4B5A00EB12B2}" type="datetimeFigureOut">
               <a:rPr lang="en-GB" smtClean="0"/>
-              <a:t>05/03/2020</a:t>
+              <a:t>06/03/2020</a:t>
             </a:fld>
             <a:endParaRPr lang="en-GB"/>
           </a:p>
@@ -936,7 +936,7 @@
           <a:p>
             <a:fld id="{BFEF692B-FC3E-4552-B87F-4B5A00EB12B2}" type="datetimeFigureOut">
               <a:rPr lang="en-GB" smtClean="0"/>
-              <a:t>05/03/2020</a:t>
+              <a:t>06/03/2020</a:t>
             </a:fld>
             <a:endParaRPr lang="en-GB"/>
           </a:p>
@@ -1212,7 +1212,7 @@
           <a:p>
             <a:fld id="{BFEF692B-FC3E-4552-B87F-4B5A00EB12B2}" type="datetimeFigureOut">
               <a:rPr lang="en-GB" smtClean="0"/>
-              <a:t>05/03/2020</a:t>
+              <a:t>06/03/2020</a:t>
             </a:fld>
             <a:endParaRPr lang="en-GB"/>
           </a:p>
@@ -1480,7 +1480,7 @@
           <a:p>
             <a:fld id="{BFEF692B-FC3E-4552-B87F-4B5A00EB12B2}" type="datetimeFigureOut">
               <a:rPr lang="en-GB" smtClean="0"/>
-              <a:t>05/03/2020</a:t>
+              <a:t>06/03/2020</a:t>
             </a:fld>
             <a:endParaRPr lang="en-GB"/>
           </a:p>
@@ -1895,7 +1895,7 @@
           <a:p>
             <a:fld id="{BFEF692B-FC3E-4552-B87F-4B5A00EB12B2}" type="datetimeFigureOut">
               <a:rPr lang="en-GB" smtClean="0"/>
-              <a:t>05/03/2020</a:t>
+              <a:t>06/03/2020</a:t>
             </a:fld>
             <a:endParaRPr lang="en-GB"/>
           </a:p>
@@ -2037,7 +2037,7 @@
           <a:p>
             <a:fld id="{BFEF692B-FC3E-4552-B87F-4B5A00EB12B2}" type="datetimeFigureOut">
               <a:rPr lang="en-GB" smtClean="0"/>
-              <a:t>05/03/2020</a:t>
+              <a:t>06/03/2020</a:t>
             </a:fld>
             <a:endParaRPr lang="en-GB"/>
           </a:p>
@@ -2150,7 +2150,7 @@
           <a:p>
             <a:fld id="{BFEF692B-FC3E-4552-B87F-4B5A00EB12B2}" type="datetimeFigureOut">
               <a:rPr lang="en-GB" smtClean="0"/>
-              <a:t>05/03/2020</a:t>
+              <a:t>06/03/2020</a:t>
             </a:fld>
             <a:endParaRPr lang="en-GB"/>
           </a:p>
@@ -2463,7 +2463,7 @@
           <a:p>
             <a:fld id="{BFEF692B-FC3E-4552-B87F-4B5A00EB12B2}" type="datetimeFigureOut">
               <a:rPr lang="en-GB" smtClean="0"/>
-              <a:t>05/03/2020</a:t>
+              <a:t>06/03/2020</a:t>
             </a:fld>
             <a:endParaRPr lang="en-GB"/>
           </a:p>
@@ -2752,7 +2752,7 @@
           <a:p>
             <a:fld id="{BFEF692B-FC3E-4552-B87F-4B5A00EB12B2}" type="datetimeFigureOut">
               <a:rPr lang="en-GB" smtClean="0"/>
-              <a:t>05/03/2020</a:t>
+              <a:t>06/03/2020</a:t>
             </a:fld>
             <a:endParaRPr lang="en-GB"/>
           </a:p>
@@ -2995,7 +2995,7 @@
           <a:p>
             <a:fld id="{BFEF692B-FC3E-4552-B87F-4B5A00EB12B2}" type="datetimeFigureOut">
               <a:rPr lang="en-GB" smtClean="0"/>
-              <a:t>05/03/2020</a:t>
+              <a:t>06/03/2020</a:t>
             </a:fld>
             <a:endParaRPr lang="en-GB"/>
           </a:p>
@@ -4368,8 +4368,8 @@
         </p:nvSpPr>
         <p:spPr>
           <a:xfrm>
-            <a:off x="145775" y="132522"/>
-            <a:ext cx="11781182" cy="6555641"/>
+            <a:off x="278297" y="212034"/>
+            <a:ext cx="11781182" cy="6186309"/>
           </a:xfrm>
           <a:prstGeom prst="rect">
             <a:avLst/>
@@ -4383,87 +4383,191 @@
           <a:lstStyle/>
           <a:p>
             <a:r>
-              <a:rPr lang="en-GB" sz="2800" b="1" dirty="0"/>
-              <a:t>Some (possibly confusing) facts about synchronous and asynchronous code</a:t>
-            </a:r>
-          </a:p>
-          <a:p>
-            <a:endParaRPr lang="en-GB" sz="2800" dirty="0"/>
-          </a:p>
-          <a:p>
-            <a:pPr marL="457200" indent="-457200">
+              <a:rPr lang="en-GB" sz="2200" b="1" dirty="0"/>
+              <a:t>Dealing with exceptions</a:t>
+            </a:r>
+          </a:p>
+          <a:p>
+            <a:endParaRPr lang="en-GB" sz="2200" b="1" dirty="0"/>
+          </a:p>
+          <a:p>
+            <a:pPr marL="342900" indent="-342900">
               <a:buFont typeface="Arial" panose="020B0604020202020204" pitchFamily="34" charset="0"/>
               <a:buChar char="•"/>
             </a:pPr>
             <a:r>
-              <a:rPr lang="en-GB" sz="2800" dirty="0"/>
-              <a:t>Synchronous code may or may not run in the same thread.</a:t>
-            </a:r>
-          </a:p>
-          <a:p>
-            <a:pPr marL="457200" indent="-457200">
+              <a:rPr lang="en-GB" sz="2200" dirty="0"/>
+              <a:t>Observing the completion of a failed task by using </a:t>
+            </a:r>
+            <a:r>
+              <a:rPr lang="en-GB" sz="2200" b="1" dirty="0"/>
+              <a:t>Wait()</a:t>
+            </a:r>
+            <a:r>
+              <a:rPr lang="en-GB" sz="2200" dirty="0"/>
+              <a:t>,</a:t>
+            </a:r>
+            <a:r>
+              <a:rPr lang="en-GB" sz="2200" b="1" dirty="0"/>
+              <a:t> Result, await </a:t>
+            </a:r>
+            <a:r>
+              <a:rPr lang="en-GB" sz="2200" dirty="0"/>
+              <a:t>or </a:t>
+            </a:r>
+            <a:r>
+              <a:rPr lang="en-GB" sz="2200" b="1" dirty="0" err="1"/>
+              <a:t>GetAwaiter</a:t>
+            </a:r>
+            <a:r>
+              <a:rPr lang="en-GB" sz="2200" b="1" dirty="0"/>
+              <a:t>().</a:t>
+            </a:r>
+            <a:r>
+              <a:rPr lang="en-GB" sz="2200" b="1" dirty="0" err="1"/>
+              <a:t>GetResult</a:t>
+            </a:r>
+            <a:r>
+              <a:rPr lang="en-GB" sz="2200" b="1" dirty="0"/>
+              <a:t>() </a:t>
+            </a:r>
+            <a:r>
+              <a:rPr lang="en-GB" sz="2200" dirty="0"/>
+              <a:t>will propagate its exception. At this point, you need to handle it with a try/catch block. </a:t>
+            </a:r>
+          </a:p>
+          <a:p>
+            <a:endParaRPr lang="en-GB" sz="2200" dirty="0"/>
+          </a:p>
+          <a:p>
+            <a:pPr marL="342900" indent="-342900">
               <a:buFont typeface="Arial" panose="020B0604020202020204" pitchFamily="34" charset="0"/>
               <a:buChar char="•"/>
             </a:pPr>
-            <a:endParaRPr lang="en-GB" sz="2800" dirty="0"/>
-          </a:p>
-          <a:p>
-            <a:pPr marL="457200" indent="-457200">
+            <a:r>
+              <a:rPr lang="en-GB" sz="2200" dirty="0"/>
+              <a:t>As a task needs to keep track of exceptions thrown in subtasks, any thrown exceptions are grouped as a single </a:t>
+            </a:r>
+            <a:r>
+              <a:rPr lang="en-GB" sz="2200" b="1" dirty="0" err="1"/>
+              <a:t>AggregateException</a:t>
+            </a:r>
+            <a:r>
+              <a:rPr lang="en-GB" sz="2200" dirty="0"/>
+              <a:t>. You need to then inspect the inner exceptions to determine the underlying cause of the issue. This can lead to ugly unwrapping logic when catching exceptions.</a:t>
+            </a:r>
+            <a:endParaRPr lang="en-GB" sz="2200" b="1" dirty="0"/>
+          </a:p>
+          <a:p>
+            <a:pPr marL="342900" indent="-342900">
               <a:buFont typeface="Arial" panose="020B0604020202020204" pitchFamily="34" charset="0"/>
               <a:buChar char="•"/>
             </a:pPr>
-            <a:r>
-              <a:rPr lang="en-GB" sz="2800" dirty="0"/>
-              <a:t>Synchronous operations can be performed sequentially, or simultaneously. </a:t>
-            </a:r>
-          </a:p>
-          <a:p>
-            <a:pPr marL="457200" indent="-457200">
+            <a:endParaRPr lang="en-GB" sz="2200" dirty="0"/>
+          </a:p>
+          <a:p>
+            <a:pPr marL="342900" indent="-342900">
               <a:buFont typeface="Arial" panose="020B0604020202020204" pitchFamily="34" charset="0"/>
               <a:buChar char="•"/>
             </a:pPr>
-            <a:endParaRPr lang="en-GB" sz="2800" dirty="0"/>
-          </a:p>
-          <a:p>
-            <a:pPr marL="457200" indent="-457200">
+            <a:r>
+              <a:rPr lang="en-GB" sz="2200" dirty="0"/>
+              <a:t>Exceptions thrown within a task are always accessible from the </a:t>
+            </a:r>
+            <a:r>
+              <a:rPr lang="en-GB" sz="2200" b="1" dirty="0"/>
+              <a:t>Exception property</a:t>
+            </a:r>
+            <a:r>
+              <a:rPr lang="en-GB" sz="2200" dirty="0"/>
+              <a:t>. This is of type </a:t>
+            </a:r>
+            <a:r>
+              <a:rPr lang="en-GB" sz="2200" b="1" dirty="0" err="1"/>
+              <a:t>AggregateException</a:t>
+            </a:r>
+            <a:r>
+              <a:rPr lang="en-GB" sz="2200" dirty="0"/>
+              <a:t>. </a:t>
+            </a:r>
+          </a:p>
+          <a:p>
+            <a:endParaRPr lang="en-GB" sz="2200" b="1" dirty="0"/>
+          </a:p>
+          <a:p>
+            <a:pPr marL="342900" indent="-342900">
               <a:buFont typeface="Arial" panose="020B0604020202020204" pitchFamily="34" charset="0"/>
               <a:buChar char="•"/>
             </a:pPr>
             <a:r>
-              <a:rPr lang="en-GB" sz="2800" dirty="0"/>
-              <a:t>Asynchronous operations may or may not run in multiple threads. </a:t>
-            </a:r>
-          </a:p>
-          <a:p>
-            <a:pPr marL="457200" indent="-457200">
-              <a:buFont typeface="Arial" panose="020B0604020202020204" pitchFamily="34" charset="0"/>
-              <a:buChar char="•"/>
-            </a:pPr>
-            <a:endParaRPr lang="en-GB" sz="2800" dirty="0"/>
-          </a:p>
-          <a:p>
-            <a:pPr marL="457200" indent="-457200">
-              <a:buFont typeface="Arial" panose="020B0604020202020204" pitchFamily="34" charset="0"/>
-              <a:buChar char="•"/>
-            </a:pPr>
-            <a:r>
-              <a:rPr lang="en-GB" sz="2800" dirty="0"/>
-              <a:t>Asynchronous operations can be just scheduled but never guaranteed to run at a certain time. </a:t>
-            </a:r>
-          </a:p>
-          <a:p>
-            <a:endParaRPr lang="en-GB" sz="2800" dirty="0"/>
-          </a:p>
-          <a:p>
-            <a:r>
-              <a:rPr lang="en-GB" sz="2800" dirty="0"/>
-              <a:t>Asynchrony has nothing to do with “other threads”, “background”, “simultaneous”, or “concurrent”. All of those things are irrelevant. </a:t>
-            </a:r>
-          </a:p>
-          <a:p>
-            <a:r>
-              <a:rPr lang="en-GB" sz="2800" dirty="0"/>
-              <a:t>It’s just a way to design code where you can avoid both resource contention and thread blocking. </a:t>
+              <a:rPr lang="en-GB" sz="2200" b="1" dirty="0"/>
+              <a:t>Using await or </a:t>
+            </a:r>
+            <a:r>
+              <a:rPr lang="en-GB" sz="2200" b="1" dirty="0" err="1"/>
+              <a:t>GetAwaiter</a:t>
+            </a:r>
+            <a:r>
+              <a:rPr lang="en-GB" sz="2200" b="1" dirty="0"/>
+              <a:t>().</a:t>
+            </a:r>
+            <a:r>
+              <a:rPr lang="en-GB" sz="2200" b="1" dirty="0" err="1"/>
+              <a:t>GetResult</a:t>
+            </a:r>
+            <a:r>
+              <a:rPr lang="en-GB" sz="2200" b="1" dirty="0"/>
+              <a:t>() will not throw an </a:t>
+            </a:r>
+            <a:r>
+              <a:rPr lang="en-GB" sz="2200" b="1" dirty="0" err="1"/>
+              <a:t>AggregateException</a:t>
+            </a:r>
+            <a:r>
+              <a:rPr lang="en-GB" sz="2200" dirty="0"/>
+              <a:t>. It will instead propagate the first exception which was thrown, just like when writing synchronous code. </a:t>
+            </a:r>
+            <a:br>
+              <a:rPr lang="en-GB" sz="2200" dirty="0"/>
+            </a:br>
+            <a:endParaRPr lang="en-GB" sz="2200" dirty="0"/>
+          </a:p>
+          <a:p>
+            <a:pPr algn="ctr"/>
+            <a:r>
+              <a:rPr lang="en-GB" sz="2200" b="1" dirty="0"/>
+              <a:t>If you absolutely must wait synchronously, use </a:t>
+            </a:r>
+            <a:r>
+              <a:rPr lang="en-GB" sz="2200" b="1" dirty="0" err="1"/>
+              <a:t>GetAwaiter</a:t>
+            </a:r>
+            <a:r>
+              <a:rPr lang="en-GB" sz="2200" b="1" dirty="0"/>
+              <a:t>().</a:t>
+            </a:r>
+            <a:r>
+              <a:rPr lang="en-GB" sz="2200" b="1" dirty="0" err="1"/>
+              <a:t>GetResult</a:t>
+            </a:r>
+            <a:r>
+              <a:rPr lang="en-GB" sz="2200" b="1" dirty="0"/>
+              <a:t>(). Otherwise, use await!</a:t>
+            </a:r>
+          </a:p>
+          <a:p>
+            <a:pPr algn="ctr"/>
+            <a:r>
+              <a:rPr lang="en-GB" sz="2200" b="1" dirty="0"/>
+              <a:t>Ideally, you should never have to worry about </a:t>
+            </a:r>
+            <a:r>
+              <a:rPr lang="en-GB" sz="2200" b="1" dirty="0" err="1"/>
+              <a:t>AggregateExceptions</a:t>
+            </a:r>
+            <a:r>
+              <a:rPr lang="en-GB" sz="2200" b="1" dirty="0"/>
+              <a:t>!</a:t>
             </a:r>
           </a:p>
         </p:txBody>
@@ -4471,7 +4575,7 @@
     </p:spTree>
     <p:extLst>
       <p:ext uri="{BB962C8B-B14F-4D97-AF65-F5344CB8AC3E}">
-        <p14:creationId xmlns:p14="http://schemas.microsoft.com/office/powerpoint/2010/main" val="777985352"/>
+        <p14:creationId xmlns:p14="http://schemas.microsoft.com/office/powerpoint/2010/main" val="25185311"/>
       </p:ext>
     </p:extLst>
   </p:cSld>
@@ -4513,7 +4617,7 @@
         <p:spPr>
           <a:xfrm>
             <a:off x="278297" y="212034"/>
-            <a:ext cx="11781182" cy="6524863"/>
+            <a:ext cx="11781182" cy="2123658"/>
           </a:xfrm>
           <a:prstGeom prst="rect">
             <a:avLst/>
@@ -4528,11 +4632,14 @@
           <a:p>
             <a:r>
               <a:rPr lang="en-GB" sz="2200" b="1" dirty="0"/>
-              <a:t>Dealing with exceptions</a:t>
+              <a:t>async void</a:t>
             </a:r>
           </a:p>
           <a:p>
             <a:endParaRPr lang="en-GB" sz="2200" b="1" dirty="0"/>
+          </a:p>
+          <a:p>
+            <a:endParaRPr lang="en-GB" sz="2200" dirty="0"/>
           </a:p>
           <a:p>
             <a:pPr marL="342900" indent="-342900">
@@ -4541,159 +4648,7 @@
             </a:pPr>
             <a:r>
               <a:rPr lang="en-GB" sz="2200" dirty="0"/>
-              <a:t>Observing the completion of a failed task by using </a:t>
-            </a:r>
-            <a:r>
-              <a:rPr lang="en-GB" sz="2200" b="1" dirty="0"/>
-              <a:t>Wait()</a:t>
-            </a:r>
-            <a:r>
-              <a:rPr lang="en-GB" sz="2200" dirty="0"/>
-              <a:t>,</a:t>
-            </a:r>
-            <a:r>
-              <a:rPr lang="en-GB" sz="2200" b="1" dirty="0"/>
-              <a:t> Result, await </a:t>
-            </a:r>
-            <a:r>
-              <a:rPr lang="en-GB" sz="2200" dirty="0"/>
-              <a:t>or </a:t>
-            </a:r>
-            <a:r>
-              <a:rPr lang="en-GB" sz="2200" b="1" dirty="0" err="1"/>
-              <a:t>GetAwaiter</a:t>
-            </a:r>
-            <a:r>
-              <a:rPr lang="en-GB" sz="2200" b="1" dirty="0"/>
-              <a:t>().</a:t>
-            </a:r>
-            <a:r>
-              <a:rPr lang="en-GB" sz="2200" b="1" dirty="0" err="1"/>
-              <a:t>GetResult</a:t>
-            </a:r>
-            <a:r>
-              <a:rPr lang="en-GB" sz="2200" b="1" dirty="0"/>
-              <a:t>() </a:t>
-            </a:r>
-            <a:r>
-              <a:rPr lang="en-GB" sz="2200" dirty="0"/>
-              <a:t>will propagate its exception. At this point, you need to handle it with a try/catch block. </a:t>
-            </a:r>
-          </a:p>
-          <a:p>
-            <a:pPr marL="342900" indent="-342900">
-              <a:buFont typeface="Arial" panose="020B0604020202020204" pitchFamily="34" charset="0"/>
-              <a:buChar char="•"/>
-            </a:pPr>
-            <a:endParaRPr lang="en-GB" sz="2200" dirty="0"/>
-          </a:p>
-          <a:p>
-            <a:pPr marL="342900" indent="-342900">
-              <a:buFont typeface="Arial" panose="020B0604020202020204" pitchFamily="34" charset="0"/>
-              <a:buChar char="•"/>
-            </a:pPr>
-            <a:r>
-              <a:rPr lang="en-GB" sz="2200" dirty="0"/>
-              <a:t>If a task is the parent of attached child tasks, or if you are waiting on multiple tasks, multiple exceptions could be thrown. These are grouped as a single </a:t>
-            </a:r>
-            <a:r>
-              <a:rPr lang="en-GB" sz="2200" b="1" dirty="0" err="1"/>
-              <a:t>AggregateException</a:t>
-            </a:r>
-            <a:r>
-              <a:rPr lang="en-GB" sz="2200" dirty="0"/>
-              <a:t>.</a:t>
-            </a:r>
-          </a:p>
-          <a:p>
-            <a:endParaRPr lang="en-GB" sz="2200" b="1" dirty="0"/>
-          </a:p>
-          <a:p>
-            <a:pPr marL="342900" indent="-342900">
-              <a:buFont typeface="Arial" panose="020B0604020202020204" pitchFamily="34" charset="0"/>
-              <a:buChar char="•"/>
-            </a:pPr>
-            <a:r>
-              <a:rPr lang="en-GB" sz="2200" dirty="0"/>
-              <a:t>Exceptions thrown within a task are always accessible from the </a:t>
-            </a:r>
-            <a:r>
-              <a:rPr lang="en-GB" sz="2200" b="1" dirty="0"/>
-              <a:t>Exception property</a:t>
-            </a:r>
-            <a:r>
-              <a:rPr lang="en-GB" sz="2200" dirty="0"/>
-              <a:t>. This is of type </a:t>
-            </a:r>
-            <a:r>
-              <a:rPr lang="en-GB" sz="2200" b="1" dirty="0" err="1"/>
-              <a:t>AggregateException</a:t>
-            </a:r>
-            <a:r>
-              <a:rPr lang="en-GB" sz="2200" dirty="0"/>
-              <a:t>. </a:t>
-            </a:r>
-          </a:p>
-          <a:p>
-            <a:endParaRPr lang="en-GB" sz="2200" b="1" dirty="0"/>
-          </a:p>
-          <a:p>
-            <a:pPr marL="342900" indent="-342900">
-              <a:buFont typeface="Arial" panose="020B0604020202020204" pitchFamily="34" charset="0"/>
-              <a:buChar char="•"/>
-            </a:pPr>
-            <a:r>
-              <a:rPr lang="en-GB" sz="2200" b="1" dirty="0"/>
-              <a:t>Using await or </a:t>
-            </a:r>
-            <a:r>
-              <a:rPr lang="en-GB" sz="2200" b="1" dirty="0" err="1"/>
-              <a:t>GetAwaiter</a:t>
-            </a:r>
-            <a:r>
-              <a:rPr lang="en-GB" sz="2200" b="1" dirty="0"/>
-              <a:t>().</a:t>
-            </a:r>
-            <a:r>
-              <a:rPr lang="en-GB" sz="2200" b="1" dirty="0" err="1"/>
-              <a:t>GetResult</a:t>
-            </a:r>
-            <a:r>
-              <a:rPr lang="en-GB" sz="2200" b="1" dirty="0"/>
-              <a:t>() will not throw an </a:t>
-            </a:r>
-            <a:r>
-              <a:rPr lang="en-GB" sz="2200" b="1" dirty="0" err="1"/>
-              <a:t>AggregateException</a:t>
-            </a:r>
-            <a:r>
-              <a:rPr lang="en-GB" sz="2200" dirty="0"/>
-              <a:t>. It will instead propagate the first exception which was thrown, just like when writing synchronous code. This is another key benefit to using async/await. You don’t have to worry about </a:t>
-            </a:r>
-            <a:r>
-              <a:rPr lang="en-GB" sz="2200" dirty="0" err="1"/>
-              <a:t>AggregateExceptions</a:t>
-            </a:r>
-            <a:r>
-              <a:rPr lang="en-GB" sz="2200" dirty="0"/>
-              <a:t>!</a:t>
-            </a:r>
-          </a:p>
-          <a:p>
-            <a:pPr marL="342900" indent="-342900">
-              <a:buFont typeface="Arial" panose="020B0604020202020204" pitchFamily="34" charset="0"/>
-              <a:buChar char="•"/>
-            </a:pPr>
-            <a:endParaRPr lang="en-GB" sz="2200" dirty="0"/>
-          </a:p>
-          <a:p>
-            <a:pPr marL="342900" indent="-342900">
-              <a:buFont typeface="Arial" panose="020B0604020202020204" pitchFamily="34" charset="0"/>
-              <a:buChar char="•"/>
-            </a:pPr>
-            <a:r>
-              <a:rPr lang="en-GB" sz="2200" dirty="0"/>
-              <a:t>If you don’t observe the completion of a task which has thrown an exception, the garbage collector will trigger the </a:t>
+              <a:t>the garbage collector will trigger the </a:t>
             </a:r>
             <a:r>
               <a:rPr lang="en-GB" sz="2200" b="1" dirty="0" err="1"/>
@@ -4726,7 +4681,7 @@
     </p:spTree>
     <p:extLst>
       <p:ext uri="{BB962C8B-B14F-4D97-AF65-F5344CB8AC3E}">
-        <p14:creationId xmlns:p14="http://schemas.microsoft.com/office/powerpoint/2010/main" val="25185311"/>
+        <p14:creationId xmlns:p14="http://schemas.microsoft.com/office/powerpoint/2010/main" val="4140557931"/>
       </p:ext>
     </p:extLst>
   </p:cSld>
@@ -5167,13 +5122,8 @@
             </a:pPr>
             <a:r>
               <a:rPr lang="en-GB" sz="2000" dirty="0"/>
-              <a:t>Mixing CPU-bound and I/O-bound code in </a:t>
-            </a:r>
-            <a:r>
-              <a:rPr lang="en-GB" sz="2000"/>
-              <a:t>the same method</a:t>
-            </a:r>
-            <a:endParaRPr lang="en-GB" sz="2000" dirty="0"/>
+              <a:t>Mixing CPU-bound and I/O-bound code in the same method</a:t>
+            </a:r>
           </a:p>
           <a:p>
             <a:endParaRPr lang="en-GB" sz="2000" dirty="0"/>
@@ -5185,7 +5135,7 @@
             </a:pPr>
             <a:r>
               <a:rPr lang="en-GB" sz="2000" dirty="0"/>
-              <a:t>Dealing with exceptions thrown when running tasks</a:t>
+              <a:t>Dealing with exceptions</a:t>
             </a:r>
           </a:p>
           <a:p>

--- a/Async and await presentation.pptx
+++ b/Async and await presentation.pptx
@@ -4632,7 +4632,7 @@
           <a:p>
             <a:r>
               <a:rPr lang="en-GB" sz="2200" b="1" dirty="0"/>
-              <a:t>async void</a:t>
+              <a:t>The dangers of async void</a:t>
             </a:r>
           </a:p>
           <a:p>
@@ -5152,14 +5152,10 @@
             </a:pPr>
             <a:r>
               <a:rPr lang="en-GB" sz="2000" dirty="0"/>
-              <a:t>Cancelling tasks</a:t>
-            </a:r>
-          </a:p>
-          <a:p>
-            <a:pPr marL="457200" indent="-457200">
-              <a:buFont typeface="Arial" panose="020B0604020202020204" pitchFamily="34" charset="0"/>
-              <a:buChar char="•"/>
-            </a:pPr>
+              <a:t>The dangers of async void</a:t>
+            </a:r>
+          </a:p>
+          <a:p>
             <a:endParaRPr lang="en-GB" sz="2000" dirty="0"/>
           </a:p>
           <a:p>

--- a/Async and await presentation.pptx
+++ b/Async and await presentation.pptx
@@ -21,56 +21,57 @@
     <p:sldId id="325" r:id="rId15"/>
     <p:sldId id="317" r:id="rId16"/>
     <p:sldId id="297" r:id="rId17"/>
-    <p:sldId id="326" r:id="rId18"/>
-    <p:sldId id="318" r:id="rId19"/>
-    <p:sldId id="265" r:id="rId20"/>
-    <p:sldId id="267" r:id="rId21"/>
-    <p:sldId id="268" r:id="rId22"/>
-    <p:sldId id="278" r:id="rId23"/>
-    <p:sldId id="279" r:id="rId24"/>
-    <p:sldId id="269" r:id="rId25"/>
-    <p:sldId id="280" r:id="rId26"/>
-    <p:sldId id="281" r:id="rId27"/>
-    <p:sldId id="295" r:id="rId28"/>
-    <p:sldId id="270" r:id="rId29"/>
-    <p:sldId id="282" r:id="rId30"/>
-    <p:sldId id="283" r:id="rId31"/>
-    <p:sldId id="274" r:id="rId32"/>
-    <p:sldId id="284" r:id="rId33"/>
-    <p:sldId id="285" r:id="rId34"/>
-    <p:sldId id="272" r:id="rId35"/>
-    <p:sldId id="273" r:id="rId36"/>
-    <p:sldId id="275" r:id="rId37"/>
-    <p:sldId id="276" r:id="rId38"/>
-    <p:sldId id="286" r:id="rId39"/>
-    <p:sldId id="290" r:id="rId40"/>
-    <p:sldId id="277" r:id="rId41"/>
-    <p:sldId id="287" r:id="rId42"/>
-    <p:sldId id="288" r:id="rId43"/>
-    <p:sldId id="289" r:id="rId44"/>
-    <p:sldId id="293" r:id="rId45"/>
-    <p:sldId id="292" r:id="rId46"/>
-    <p:sldId id="294" r:id="rId47"/>
-    <p:sldId id="296" r:id="rId48"/>
-    <p:sldId id="304" r:id="rId49"/>
-    <p:sldId id="298" r:id="rId50"/>
-    <p:sldId id="308" r:id="rId51"/>
-    <p:sldId id="299" r:id="rId52"/>
-    <p:sldId id="309" r:id="rId53"/>
-    <p:sldId id="300" r:id="rId54"/>
-    <p:sldId id="316" r:id="rId55"/>
-    <p:sldId id="301" r:id="rId56"/>
-    <p:sldId id="310" r:id="rId57"/>
-    <p:sldId id="302" r:id="rId58"/>
-    <p:sldId id="311" r:id="rId59"/>
-    <p:sldId id="303" r:id="rId60"/>
-    <p:sldId id="312" r:id="rId61"/>
-    <p:sldId id="305" r:id="rId62"/>
-    <p:sldId id="313" r:id="rId63"/>
-    <p:sldId id="306" r:id="rId64"/>
-    <p:sldId id="314" r:id="rId65"/>
-    <p:sldId id="307" r:id="rId66"/>
-    <p:sldId id="315" r:id="rId67"/>
+    <p:sldId id="327" r:id="rId18"/>
+    <p:sldId id="326" r:id="rId19"/>
+    <p:sldId id="318" r:id="rId20"/>
+    <p:sldId id="265" r:id="rId21"/>
+    <p:sldId id="267" r:id="rId22"/>
+    <p:sldId id="268" r:id="rId23"/>
+    <p:sldId id="278" r:id="rId24"/>
+    <p:sldId id="279" r:id="rId25"/>
+    <p:sldId id="269" r:id="rId26"/>
+    <p:sldId id="280" r:id="rId27"/>
+    <p:sldId id="281" r:id="rId28"/>
+    <p:sldId id="295" r:id="rId29"/>
+    <p:sldId id="270" r:id="rId30"/>
+    <p:sldId id="282" r:id="rId31"/>
+    <p:sldId id="283" r:id="rId32"/>
+    <p:sldId id="274" r:id="rId33"/>
+    <p:sldId id="284" r:id="rId34"/>
+    <p:sldId id="285" r:id="rId35"/>
+    <p:sldId id="272" r:id="rId36"/>
+    <p:sldId id="273" r:id="rId37"/>
+    <p:sldId id="275" r:id="rId38"/>
+    <p:sldId id="276" r:id="rId39"/>
+    <p:sldId id="286" r:id="rId40"/>
+    <p:sldId id="290" r:id="rId41"/>
+    <p:sldId id="277" r:id="rId42"/>
+    <p:sldId id="287" r:id="rId43"/>
+    <p:sldId id="288" r:id="rId44"/>
+    <p:sldId id="289" r:id="rId45"/>
+    <p:sldId id="293" r:id="rId46"/>
+    <p:sldId id="292" r:id="rId47"/>
+    <p:sldId id="294" r:id="rId48"/>
+    <p:sldId id="296" r:id="rId49"/>
+    <p:sldId id="304" r:id="rId50"/>
+    <p:sldId id="298" r:id="rId51"/>
+    <p:sldId id="308" r:id="rId52"/>
+    <p:sldId id="299" r:id="rId53"/>
+    <p:sldId id="309" r:id="rId54"/>
+    <p:sldId id="300" r:id="rId55"/>
+    <p:sldId id="316" r:id="rId56"/>
+    <p:sldId id="301" r:id="rId57"/>
+    <p:sldId id="310" r:id="rId58"/>
+    <p:sldId id="302" r:id="rId59"/>
+    <p:sldId id="311" r:id="rId60"/>
+    <p:sldId id="303" r:id="rId61"/>
+    <p:sldId id="312" r:id="rId62"/>
+    <p:sldId id="305" r:id="rId63"/>
+    <p:sldId id="313" r:id="rId64"/>
+    <p:sldId id="306" r:id="rId65"/>
+    <p:sldId id="314" r:id="rId66"/>
+    <p:sldId id="307" r:id="rId67"/>
+    <p:sldId id="315" r:id="rId68"/>
   </p:sldIdLst>
   <p:sldSz cx="12192000" cy="6858000"/>
   <p:notesSz cx="6858000" cy="9144000"/>
@@ -4384,7 +4385,7 @@
           <a:p>
             <a:r>
               <a:rPr lang="en-GB" sz="2200" b="1" dirty="0"/>
-              <a:t>Dealing with exceptions</a:t>
+              <a:t>When tasks throw exceptions…</a:t>
             </a:r>
           </a:p>
           <a:p>
@@ -4433,7 +4434,7 @@
             </a:r>
             <a:r>
               <a:rPr lang="en-GB" sz="2200" dirty="0"/>
-              <a:t>will propagate its exception. At this point, you need to handle it with a try/catch block. </a:t>
+              <a:t>will propagate its exception to where you’re waiting for the task to complete. At this point, you need to handle it with a try/catch block. </a:t>
             </a:r>
           </a:p>
           <a:p>
@@ -4604,84 +4605,43 @@
       </p:grpSpPr>
       <p:sp>
         <p:nvSpPr>
-          <p:cNvPr id="4" name="TextBox 3">
-            <a:extLst>
-              <a:ext uri="{FF2B5EF4-FFF2-40B4-BE49-F238E27FC236}">
-                <a16:creationId xmlns:a16="http://schemas.microsoft.com/office/drawing/2014/main" id="{18767206-9205-42D0-A2AE-5A1017D4CB08}"/>
-              </a:ext>
-            </a:extLst>
-          </p:cNvPr>
-          <p:cNvSpPr txBox="1"/>
-          <p:nvPr/>
+          <p:cNvPr id="2" name="Title 1">
+            <a:extLst>
+              <a:ext uri="{FF2B5EF4-FFF2-40B4-BE49-F238E27FC236}">
+                <a16:creationId xmlns:a16="http://schemas.microsoft.com/office/drawing/2014/main" id="{267862F2-D4D4-4F5B-B69F-65226C837768}"/>
+              </a:ext>
+            </a:extLst>
+          </p:cNvPr>
+          <p:cNvSpPr>
+            <a:spLocks noGrp="1"/>
+          </p:cNvSpPr>
+          <p:nvPr>
+            <p:ph type="ctrTitle"/>
+          </p:nvPr>
         </p:nvSpPr>
         <p:spPr>
           <a:xfrm>
-            <a:off x="278297" y="212034"/>
-            <a:ext cx="11781182" cy="2123658"/>
+            <a:off x="1524000" y="1122363"/>
+            <a:ext cx="9144000" cy="1991898"/>
           </a:xfrm>
-          <a:prstGeom prst="rect">
-            <a:avLst/>
-          </a:prstGeom>
-          <a:noFill/>
         </p:spPr>
         <p:txBody>
-          <a:bodyPr wrap="square" rtlCol="0">
-            <a:spAutoFit/>
+          <a:bodyPr>
+            <a:normAutofit/>
           </a:bodyPr>
           <a:lstStyle/>
           <a:p>
             <a:r>
-              <a:rPr lang="en-GB" sz="2200" b="1" dirty="0"/>
-              <a:t>The dangers of async void</a:t>
-            </a:r>
-          </a:p>
-          <a:p>
-            <a:endParaRPr lang="en-GB" sz="2200" b="1" dirty="0"/>
-          </a:p>
-          <a:p>
-            <a:endParaRPr lang="en-GB" sz="2200" dirty="0"/>
-          </a:p>
-          <a:p>
-            <a:pPr marL="342900" indent="-342900">
-              <a:buFont typeface="Arial" panose="020B0604020202020204" pitchFamily="34" charset="0"/>
-              <a:buChar char="•"/>
-            </a:pPr>
-            <a:r>
-              <a:rPr lang="en-GB" sz="2200" dirty="0"/>
-              <a:t>the garbage collector will trigger the </a:t>
-            </a:r>
-            <a:r>
-              <a:rPr lang="en-GB" sz="2200" b="1" dirty="0" err="1"/>
-              <a:t>UnobservedTaskException</a:t>
-            </a:r>
-            <a:r>
-              <a:rPr lang="en-GB" sz="2200" dirty="0"/>
-              <a:t> event on the </a:t>
-            </a:r>
-            <a:r>
-              <a:rPr lang="en-GB" sz="2200" b="1" dirty="0" err="1"/>
-              <a:t>TaskScheduler</a:t>
-            </a:r>
-            <a:r>
-              <a:rPr lang="en-GB" sz="2200" dirty="0"/>
-              <a:t>, which by default will </a:t>
-            </a:r>
-            <a:r>
-              <a:rPr lang="en-GB" sz="2200" b="1" dirty="0"/>
-              <a:t>completely terminate your process</a:t>
-            </a:r>
-            <a:r>
-              <a:rPr lang="en-GB" sz="2200" dirty="0"/>
-              <a:t>. This default behaviour can be overridden however. </a:t>
-            </a:r>
-            <a:endParaRPr lang="en-GB" sz="2200" b="1" dirty="0"/>
+              <a:rPr lang="en-GB" dirty="0"/>
+              <a:t>async void</a:t>
+            </a:r>
           </a:p>
         </p:txBody>
       </p:sp>
     </p:spTree>
     <p:extLst>
       <p:ext uri="{BB962C8B-B14F-4D97-AF65-F5344CB8AC3E}">
-        <p14:creationId xmlns:p14="http://schemas.microsoft.com/office/powerpoint/2010/main" val="4140557931"/>
+        <p14:creationId xmlns:p14="http://schemas.microsoft.com/office/powerpoint/2010/main" val="2184827539"/>
       </p:ext>
     </p:extLst>
   </p:cSld>
@@ -4722,8 +4682,8 @@
         </p:nvSpPr>
         <p:spPr>
           <a:xfrm>
-            <a:off x="145775" y="132522"/>
-            <a:ext cx="11781182" cy="5016758"/>
+            <a:off x="278297" y="212034"/>
+            <a:ext cx="11781182" cy="5170646"/>
           </a:xfrm>
           <a:prstGeom prst="rect">
             <a:avLst/>
@@ -4737,75 +4697,105 @@
           <a:lstStyle/>
           <a:p>
             <a:r>
-              <a:rPr lang="en-GB" sz="3200" b="1" dirty="0" err="1"/>
-              <a:t>Task.Run</a:t>
-            </a:r>
-            <a:endParaRPr lang="en-GB" sz="3200" b="1" dirty="0"/>
-          </a:p>
-          <a:p>
-            <a:endParaRPr lang="en-GB" sz="3200" b="1" dirty="0"/>
-          </a:p>
-          <a:p>
-            <a:r>
-              <a:rPr lang="en-GB" sz="3200" b="1" dirty="0" err="1"/>
-              <a:t>Task.Start</a:t>
-            </a:r>
-            <a:endParaRPr lang="en-GB" sz="3200" b="1" dirty="0"/>
-          </a:p>
-          <a:p>
-            <a:endParaRPr lang="en-GB" sz="3200" b="1" dirty="0"/>
-          </a:p>
-          <a:p>
-            <a:r>
-              <a:rPr lang="en-GB" sz="3200" b="1" dirty="0" err="1"/>
-              <a:t>Task.Wait</a:t>
-            </a:r>
-            <a:endParaRPr lang="en-GB" sz="3200" b="1" dirty="0"/>
-          </a:p>
-          <a:p>
-            <a:endParaRPr lang="en-GB" sz="3200" b="1" dirty="0"/>
-          </a:p>
-          <a:p>
-            <a:r>
-              <a:rPr lang="en-GB" sz="3200" b="1" dirty="0" err="1"/>
-              <a:t>Task.RunSynchronously</a:t>
-            </a:r>
-            <a:endParaRPr lang="en-GB" sz="3200" b="1" dirty="0"/>
-          </a:p>
-          <a:p>
-            <a:endParaRPr lang="en-GB" sz="3200" b="1" dirty="0"/>
-          </a:p>
-          <a:p>
-            <a:endParaRPr lang="en-GB" sz="3200" b="1" dirty="0"/>
-          </a:p>
-          <a:p>
-            <a:r>
-              <a:rPr lang="en-GB" sz="3200" b="1" dirty="0"/>
-              <a:t>Use </a:t>
-            </a:r>
-            <a:r>
-              <a:rPr lang="en-GB" sz="3200" b="1" dirty="0" err="1"/>
-              <a:t>Task.Delay</a:t>
-            </a:r>
-            <a:r>
-              <a:rPr lang="en-GB" sz="3200" b="1" dirty="0"/>
-              <a:t> instead of </a:t>
-            </a:r>
-            <a:r>
-              <a:rPr lang="en-GB" sz="3200" b="1" dirty="0" err="1"/>
-              <a:t>Thread.Sleep</a:t>
-            </a:r>
-            <a:r>
-              <a:rPr lang="en-GB" sz="3200" b="1" dirty="0"/>
-              <a:t> as it’s asynchronous</a:t>
-            </a:r>
+              <a:rPr lang="en-GB" sz="2200" b="1" dirty="0"/>
+              <a:t>The dangers of async void</a:t>
+            </a:r>
+          </a:p>
+          <a:p>
+            <a:endParaRPr lang="en-GB" sz="2200" b="1" dirty="0"/>
+          </a:p>
+          <a:p>
+            <a:r>
+              <a:rPr lang="en-GB" sz="2200" dirty="0"/>
+              <a:t>NOTES:</a:t>
+            </a:r>
+          </a:p>
+          <a:p>
+            <a:endParaRPr lang="en-GB" sz="2200" dirty="0"/>
+          </a:p>
+          <a:p>
+            <a:r>
+              <a:rPr lang="en-GB" sz="2200" dirty="0"/>
+              <a:t>Before .NET 4.5: </a:t>
+            </a:r>
+          </a:p>
+          <a:p>
+            <a:pPr marL="342900" indent="-342900">
+              <a:buFont typeface="Arial" panose="020B0604020202020204" pitchFamily="34" charset="0"/>
+              <a:buChar char="•"/>
+            </a:pPr>
+            <a:r>
+              <a:rPr lang="en-GB" sz="2200" dirty="0"/>
+              <a:t>When not using async void and an unobserved exception is thrown, the garbage collector will trigger the </a:t>
+            </a:r>
+            <a:r>
+              <a:rPr lang="en-GB" sz="2200" b="1" dirty="0" err="1"/>
+              <a:t>UnobservedTaskException</a:t>
+            </a:r>
+            <a:r>
+              <a:rPr lang="en-GB" sz="2200" dirty="0"/>
+              <a:t> event on the </a:t>
+            </a:r>
+            <a:r>
+              <a:rPr lang="en-GB" sz="2200" b="1" dirty="0" err="1"/>
+              <a:t>TaskScheduler</a:t>
+            </a:r>
+            <a:r>
+              <a:rPr lang="en-GB" sz="2200" dirty="0"/>
+              <a:t>, which by default will </a:t>
+            </a:r>
+            <a:r>
+              <a:rPr lang="en-GB" sz="2200" b="1" dirty="0"/>
+              <a:t>completely terminate your process</a:t>
+            </a:r>
+            <a:r>
+              <a:rPr lang="en-GB" sz="2200" dirty="0"/>
+              <a:t>. By default nowadays it won’t terminate your process and will instead be ignored. This default behaviour can be overridden however. </a:t>
+            </a:r>
+          </a:p>
+          <a:p>
+            <a:pPr marL="342900" indent="-342900">
+              <a:buFont typeface="Arial" panose="020B0604020202020204" pitchFamily="34" charset="0"/>
+              <a:buChar char="•"/>
+            </a:pPr>
+            <a:endParaRPr lang="en-GB" sz="2200" dirty="0"/>
+          </a:p>
+          <a:p>
+            <a:pPr marL="342900" indent="-342900">
+              <a:buFont typeface="Arial" panose="020B0604020202020204" pitchFamily="34" charset="0"/>
+              <a:buChar char="•"/>
+            </a:pPr>
+            <a:r>
+              <a:rPr lang="en-GB" sz="2200" dirty="0"/>
+              <a:t>With async void, the exception will still terminate your process.</a:t>
+            </a:r>
+          </a:p>
+          <a:p>
+            <a:pPr marL="342900" indent="-342900">
+              <a:buFont typeface="Arial" panose="020B0604020202020204" pitchFamily="34" charset="0"/>
+              <a:buChar char="•"/>
+            </a:pPr>
+            <a:endParaRPr lang="en-GB" sz="2200" dirty="0"/>
+          </a:p>
+          <a:p>
+            <a:pPr marL="342900" indent="-342900">
+              <a:buFont typeface="Arial" panose="020B0604020202020204" pitchFamily="34" charset="0"/>
+              <a:buChar char="•"/>
+            </a:pPr>
+            <a:r>
+              <a:rPr lang="en-GB" sz="2200" dirty="0"/>
+              <a:t>async void should only be used for top-level methods. Any unobserved exceptions thrown in those will be ignored and are fine. </a:t>
+            </a:r>
+          </a:p>
+          <a:p>
+            <a:endParaRPr lang="en-GB" sz="2200" dirty="0"/>
           </a:p>
         </p:txBody>
       </p:sp>
     </p:spTree>
     <p:extLst>
       <p:ext uri="{BB962C8B-B14F-4D97-AF65-F5344CB8AC3E}">
-        <p14:creationId xmlns:p14="http://schemas.microsoft.com/office/powerpoint/2010/main" val="1477074202"/>
+        <p14:creationId xmlns:p14="http://schemas.microsoft.com/office/powerpoint/2010/main" val="4140557931"/>
       </p:ext>
     </p:extLst>
   </p:cSld>
@@ -4847,7 +4837,7 @@
         <p:spPr>
           <a:xfrm>
             <a:off x="145775" y="132522"/>
-            <a:ext cx="11781182" cy="6986528"/>
+            <a:ext cx="11781182" cy="5016758"/>
           </a:xfrm>
           <a:prstGeom prst="rect">
             <a:avLst/>
@@ -4861,138 +4851,75 @@
           <a:lstStyle/>
           <a:p>
             <a:r>
-              <a:rPr lang="en-GB" sz="2800" b="1" dirty="0"/>
-              <a:t>Here’s an analogy…</a:t>
-            </a:r>
-          </a:p>
-          <a:p>
-            <a:endParaRPr lang="en-GB" sz="2800" b="1" dirty="0"/>
-          </a:p>
-          <a:p>
-            <a:r>
-              <a:rPr lang="en-GB" sz="2800" dirty="0"/>
-              <a:t>You’re in your kitchen at home, making a pasta dish and a dessert.</a:t>
-            </a:r>
-          </a:p>
-          <a:p>
-            <a:endParaRPr lang="en-GB" sz="2800" dirty="0"/>
-          </a:p>
-          <a:p>
-            <a:r>
-              <a:rPr lang="en-GB" sz="2800" dirty="0"/>
-              <a:t>The steps are simple:</a:t>
-            </a:r>
-          </a:p>
-          <a:p>
-            <a:pPr marL="457200" indent="-457200">
-              <a:buFont typeface="Arial" panose="020B0604020202020204" pitchFamily="34" charset="0"/>
-              <a:buChar char="•"/>
-            </a:pPr>
-            <a:r>
-              <a:rPr lang="en-GB" sz="2800" dirty="0"/>
-              <a:t>Heat a saucepan of water until it starts boiling (takes 5 mins)</a:t>
-            </a:r>
-          </a:p>
-          <a:p>
-            <a:pPr marL="457200" indent="-457200">
-              <a:buFont typeface="Arial" panose="020B0604020202020204" pitchFamily="34" charset="0"/>
-              <a:buChar char="•"/>
-            </a:pPr>
-            <a:r>
-              <a:rPr lang="en-GB" sz="2800" dirty="0"/>
-              <a:t>Cook fresh pasta (5 mins)</a:t>
-            </a:r>
-          </a:p>
-          <a:p>
-            <a:pPr marL="457200" indent="-457200">
-              <a:buFont typeface="Arial" panose="020B0604020202020204" pitchFamily="34" charset="0"/>
-              <a:buChar char="•"/>
-            </a:pPr>
-            <a:r>
-              <a:rPr lang="en-GB" sz="2800" dirty="0"/>
-              <a:t>Drain the water from the pasta (1 min)</a:t>
-            </a:r>
-          </a:p>
-          <a:p>
-            <a:pPr marL="457200" indent="-457200">
-              <a:buFont typeface="Arial" panose="020B0604020202020204" pitchFamily="34" charset="0"/>
-              <a:buChar char="•"/>
-            </a:pPr>
-            <a:r>
-              <a:rPr lang="en-GB" sz="2800" dirty="0"/>
-              <a:t>Place pasta in a dish and add sauce (1 min)</a:t>
-            </a:r>
-          </a:p>
-          <a:p>
-            <a:pPr marL="457200" indent="-457200">
-              <a:buFont typeface="Arial" panose="020B0604020202020204" pitchFamily="34" charset="0"/>
-              <a:buChar char="•"/>
-            </a:pPr>
-            <a:r>
-              <a:rPr lang="en-GB" sz="2800" dirty="0"/>
-              <a:t>Grate cheese (2 mins)</a:t>
-            </a:r>
-          </a:p>
-          <a:p>
-            <a:pPr marL="457200" indent="-457200">
-              <a:buFont typeface="Arial" panose="020B0604020202020204" pitchFamily="34" charset="0"/>
-              <a:buChar char="•"/>
-            </a:pPr>
-            <a:r>
-              <a:rPr lang="en-GB" sz="2800" dirty="0"/>
-              <a:t>Add cheese to pasta (1 min)</a:t>
-            </a:r>
-          </a:p>
-          <a:p>
-            <a:pPr marL="457200" indent="-457200">
-              <a:buFont typeface="Arial" panose="020B0604020202020204" pitchFamily="34" charset="0"/>
-              <a:buChar char="•"/>
-            </a:pPr>
-            <a:r>
-              <a:rPr lang="en-GB" sz="2800" dirty="0"/>
-              <a:t>Pre-heat oven to 200°C (15 mins) </a:t>
-            </a:r>
-          </a:p>
-          <a:p>
-            <a:pPr marL="457200" indent="-457200">
-              <a:buFont typeface="Arial" panose="020B0604020202020204" pitchFamily="34" charset="0"/>
-              <a:buChar char="•"/>
-            </a:pPr>
-            <a:r>
-              <a:rPr lang="en-GB" sz="2800" dirty="0"/>
-              <a:t>Place dish in oven and bake (15 mins)</a:t>
-            </a:r>
-          </a:p>
-          <a:p>
-            <a:pPr marL="457200" indent="-457200">
-              <a:buFont typeface="Arial" panose="020B0604020202020204" pitchFamily="34" charset="0"/>
-              <a:buChar char="•"/>
-            </a:pPr>
-            <a:r>
-              <a:rPr lang="en-GB" sz="2800" dirty="0"/>
-              <a:t>Prepare the dessert (20 mins)</a:t>
-            </a:r>
-          </a:p>
-          <a:p>
-            <a:pPr marL="457200" indent="-457200">
-              <a:buFont typeface="Arial" panose="020B0604020202020204" pitchFamily="34" charset="0"/>
-              <a:buChar char="•"/>
-            </a:pPr>
-            <a:endParaRPr lang="en-GB" sz="2800" dirty="0"/>
-          </a:p>
-          <a:p>
-            <a:pPr marL="457200" indent="-457200">
-              <a:buFont typeface="Arial" panose="020B0604020202020204" pitchFamily="34" charset="0"/>
-              <a:buChar char="•"/>
-            </a:pPr>
-            <a:endParaRPr lang="en-GB" sz="2800" dirty="0"/>
+              <a:rPr lang="en-GB" sz="3200" b="1" dirty="0" err="1"/>
+              <a:t>Task.Run</a:t>
+            </a:r>
+            <a:endParaRPr lang="en-GB" sz="3200" b="1" dirty="0"/>
+          </a:p>
+          <a:p>
+            <a:endParaRPr lang="en-GB" sz="3200" b="1" dirty="0"/>
+          </a:p>
+          <a:p>
+            <a:r>
+              <a:rPr lang="en-GB" sz="3200" b="1" dirty="0" err="1"/>
+              <a:t>Task.Start</a:t>
+            </a:r>
+            <a:endParaRPr lang="en-GB" sz="3200" b="1" dirty="0"/>
+          </a:p>
+          <a:p>
+            <a:endParaRPr lang="en-GB" sz="3200" b="1" dirty="0"/>
+          </a:p>
+          <a:p>
+            <a:r>
+              <a:rPr lang="en-GB" sz="3200" b="1" dirty="0" err="1"/>
+              <a:t>Task.Wait</a:t>
+            </a:r>
+            <a:endParaRPr lang="en-GB" sz="3200" b="1" dirty="0"/>
+          </a:p>
+          <a:p>
+            <a:endParaRPr lang="en-GB" sz="3200" b="1" dirty="0"/>
+          </a:p>
+          <a:p>
+            <a:r>
+              <a:rPr lang="en-GB" sz="3200" b="1" dirty="0" err="1"/>
+              <a:t>Task.RunSynchronously</a:t>
+            </a:r>
+            <a:endParaRPr lang="en-GB" sz="3200" b="1" dirty="0"/>
+          </a:p>
+          <a:p>
+            <a:endParaRPr lang="en-GB" sz="3200" b="1" dirty="0"/>
+          </a:p>
+          <a:p>
+            <a:endParaRPr lang="en-GB" sz="3200" b="1" dirty="0"/>
+          </a:p>
+          <a:p>
+            <a:r>
+              <a:rPr lang="en-GB" sz="3200" b="1" dirty="0"/>
+              <a:t>Use </a:t>
+            </a:r>
+            <a:r>
+              <a:rPr lang="en-GB" sz="3200" b="1" dirty="0" err="1"/>
+              <a:t>Task.Delay</a:t>
+            </a:r>
+            <a:r>
+              <a:rPr lang="en-GB" sz="3200" b="1" dirty="0"/>
+              <a:t> instead of </a:t>
+            </a:r>
+            <a:r>
+              <a:rPr lang="en-GB" sz="3200" b="1" dirty="0" err="1"/>
+              <a:t>Thread.Sleep</a:t>
+            </a:r>
+            <a:r>
+              <a:rPr lang="en-GB" sz="3200" b="1" dirty="0"/>
+              <a:t> as it’s asynchronous</a:t>
+            </a:r>
           </a:p>
         </p:txBody>
       </p:sp>
     </p:spTree>
     <p:extLst>
       <p:ext uri="{BB962C8B-B14F-4D97-AF65-F5344CB8AC3E}">
-        <p14:creationId xmlns:p14="http://schemas.microsoft.com/office/powerpoint/2010/main" val="3628257232"/>
+        <p14:creationId xmlns:p14="http://schemas.microsoft.com/office/powerpoint/2010/main" val="1477074202"/>
       </p:ext>
     </p:extLst>
   </p:cSld>
@@ -5034,7 +4961,7 @@
         <p:spPr>
           <a:xfrm>
             <a:off x="145775" y="132522"/>
-            <a:ext cx="11781182" cy="7109639"/>
+            <a:ext cx="11781182" cy="7725192"/>
           </a:xfrm>
           <a:prstGeom prst="rect">
             <a:avLst/>
@@ -5152,7 +5079,7 @@
             </a:pPr>
             <a:r>
               <a:rPr lang="en-GB" sz="2000" dirty="0"/>
-              <a:t>The dangers of async void</a:t>
+              <a:t>async void</a:t>
             </a:r>
           </a:p>
           <a:p>
@@ -5167,6 +5094,32 @@
               <a:rPr lang="en-GB" sz="2000" dirty="0"/>
               <a:t>Writing “fire-and-forget” background tasks</a:t>
             </a:r>
+          </a:p>
+          <a:p>
+            <a:pPr marL="457200" indent="-457200">
+              <a:buFont typeface="Arial" panose="020B0604020202020204" pitchFamily="34" charset="0"/>
+              <a:buChar char="•"/>
+            </a:pPr>
+            <a:endParaRPr lang="en-GB" sz="2000" dirty="0"/>
+          </a:p>
+          <a:p>
+            <a:pPr marL="457200" indent="-457200">
+              <a:buFont typeface="Arial" panose="020B0604020202020204" pitchFamily="34" charset="0"/>
+              <a:buChar char="•"/>
+            </a:pPr>
+            <a:r>
+              <a:rPr lang="en-GB" sz="2000" dirty="0" err="1"/>
+              <a:t>SynchronizationContext</a:t>
+            </a:r>
+            <a:r>
+              <a:rPr lang="en-GB" sz="2000" dirty="0"/>
+              <a:t>, deadlocks and </a:t>
+            </a:r>
+            <a:r>
+              <a:rPr lang="en-GB" sz="2000" dirty="0" err="1"/>
+              <a:t>ConfigureAwait</a:t>
+            </a:r>
+            <a:endParaRPr lang="en-GB" sz="2000" dirty="0"/>
           </a:p>
           <a:p>
             <a:pPr marL="457200" indent="-457200">
@@ -5246,7 +5199,7 @@
         <p:spPr>
           <a:xfrm>
             <a:off x="145775" y="132522"/>
-            <a:ext cx="11781182" cy="6124754"/>
+            <a:ext cx="11781182" cy="6986528"/>
           </a:xfrm>
           <a:prstGeom prst="rect">
             <a:avLst/>
@@ -5261,43 +5214,26 @@
           <a:p>
             <a:r>
               <a:rPr lang="en-GB" sz="2800" b="1" dirty="0"/>
-              <a:t>Some steps are performed by a person, others aren’t</a:t>
-            </a:r>
-          </a:p>
-          <a:p>
-            <a:br>
+              <a:t>Here’s an analogy…</a:t>
+            </a:r>
+          </a:p>
+          <a:p>
+            <a:endParaRPr lang="en-GB" sz="2800" b="1" dirty="0"/>
+          </a:p>
+          <a:p>
+            <a:r>
               <a:rPr lang="en-GB" sz="2800" dirty="0"/>
-            </a:br>
-            <a:r>
-              <a:rPr lang="en-GB" sz="2800" b="1" dirty="0">
-                <a:solidFill>
-                  <a:srgbClr val="00B050"/>
-                </a:solidFill>
-              </a:rPr>
-              <a:t>Green</a:t>
-            </a:r>
+              <a:t>You’re in your kitchen at home, making a pasta dish and a dessert.</a:t>
+            </a:r>
+          </a:p>
+          <a:p>
+            <a:endParaRPr lang="en-GB" sz="2800" dirty="0"/>
+          </a:p>
+          <a:p>
             <a:r>
               <a:rPr lang="en-GB" sz="2800" dirty="0"/>
-              <a:t> steps are ones which are completed by yourself</a:t>
-            </a:r>
-          </a:p>
-          <a:p>
-            <a:r>
-              <a:rPr lang="en-GB" sz="2800" b="1" dirty="0">
-                <a:solidFill>
-                  <a:schemeClr val="accent2"/>
-                </a:solidFill>
-              </a:rPr>
-              <a:t>Orange</a:t>
-            </a:r>
-            <a:r>
-              <a:rPr lang="en-GB" sz="2800" dirty="0"/>
-              <a:t> steps are ones which are out of your control once started</a:t>
-            </a:r>
-            <a:br>
-              <a:rPr lang="en-GB" sz="2800" dirty="0"/>
-            </a:br>
-            <a:endParaRPr lang="en-GB" sz="2800" dirty="0"/>
+              <a:t>The steps are simple:</a:t>
+            </a:r>
           </a:p>
           <a:p>
             <a:pPr marL="457200" indent="-457200">
@@ -5305,16 +5241,8 @@
               <a:buChar char="•"/>
             </a:pPr>
             <a:r>
-              <a:rPr lang="en-GB" sz="2800" b="1" dirty="0">
-                <a:solidFill>
-                  <a:schemeClr val="accent2"/>
-                </a:solidFill>
-              </a:rPr>
-              <a:t>Heat a saucepan of water until it starts boiling </a:t>
-            </a:r>
-            <a:r>
               <a:rPr lang="en-GB" sz="2800" dirty="0"/>
-              <a:t>(5 mins)</a:t>
+              <a:t>Heat a saucepan of water until it starts boiling (takes 5 mins)</a:t>
             </a:r>
           </a:p>
           <a:p>
@@ -5323,16 +5251,8 @@
               <a:buChar char="•"/>
             </a:pPr>
             <a:r>
-              <a:rPr lang="en-GB" sz="2800" b="1" dirty="0">
-                <a:solidFill>
-                  <a:srgbClr val="00B050"/>
-                </a:solidFill>
-              </a:rPr>
-              <a:t>Cook fresh pasta </a:t>
-            </a:r>
-            <a:r>
               <a:rPr lang="en-GB" sz="2800" dirty="0"/>
-              <a:t>(5 mins)</a:t>
+              <a:t>Cook fresh pasta (5 mins)</a:t>
             </a:r>
           </a:p>
           <a:p>
@@ -5341,16 +5261,8 @@
               <a:buChar char="•"/>
             </a:pPr>
             <a:r>
-              <a:rPr lang="en-GB" sz="2800" b="1" dirty="0">
-                <a:solidFill>
-                  <a:srgbClr val="00B050"/>
-                </a:solidFill>
-              </a:rPr>
-              <a:t>Drain the water from the pasta </a:t>
-            </a:r>
-            <a:r>
               <a:rPr lang="en-GB" sz="2800" dirty="0"/>
-              <a:t>(1 min)</a:t>
+              <a:t>Drain the water from the pasta (1 min)</a:t>
             </a:r>
           </a:p>
           <a:p>
@@ -5359,16 +5271,8 @@
               <a:buChar char="•"/>
             </a:pPr>
             <a:r>
-              <a:rPr lang="en-GB" sz="2800" b="1" dirty="0">
-                <a:solidFill>
-                  <a:srgbClr val="00B050"/>
-                </a:solidFill>
-              </a:rPr>
-              <a:t>Place pasta in a dish and add sauce </a:t>
-            </a:r>
-            <a:r>
               <a:rPr lang="en-GB" sz="2800" dirty="0"/>
-              <a:t>(1 min)</a:t>
+              <a:t>Place pasta in a dish and add sauce (1 min)</a:t>
             </a:r>
           </a:p>
           <a:p>
@@ -5377,16 +5281,8 @@
               <a:buChar char="•"/>
             </a:pPr>
             <a:r>
-              <a:rPr lang="en-GB" sz="2800" b="1" dirty="0">
-                <a:solidFill>
-                  <a:srgbClr val="00B050"/>
-                </a:solidFill>
-              </a:rPr>
-              <a:t>Grate cheese </a:t>
-            </a:r>
-            <a:r>
               <a:rPr lang="en-GB" sz="2800" dirty="0"/>
-              <a:t>(2 mins)</a:t>
+              <a:t>Grate cheese (2 mins)</a:t>
             </a:r>
           </a:p>
           <a:p>
@@ -5395,16 +5291,8 @@
               <a:buChar char="•"/>
             </a:pPr>
             <a:r>
-              <a:rPr lang="en-GB" sz="2800" b="1" dirty="0">
-                <a:solidFill>
-                  <a:srgbClr val="00B050"/>
-                </a:solidFill>
-              </a:rPr>
-              <a:t>Add cheese to pasta </a:t>
-            </a:r>
-            <a:r>
               <a:rPr lang="en-GB" sz="2800" dirty="0"/>
-              <a:t>(1 min)</a:t>
+              <a:t>Add cheese to pasta (1 min)</a:t>
             </a:r>
           </a:p>
           <a:p>
@@ -5413,16 +5301,8 @@
               <a:buChar char="•"/>
             </a:pPr>
             <a:r>
-              <a:rPr lang="en-GB" sz="2800" b="1" dirty="0">
-                <a:solidFill>
-                  <a:schemeClr val="accent2"/>
-                </a:solidFill>
-              </a:rPr>
-              <a:t>Pre-heat oven to 200°C </a:t>
-            </a:r>
-            <a:r>
               <a:rPr lang="en-GB" sz="2800" dirty="0"/>
-              <a:t>(15 mins) </a:t>
+              <a:t>Pre-heat oven to 200°C (15 mins) </a:t>
             </a:r>
           </a:p>
           <a:p>
@@ -5431,16 +5311,8 @@
               <a:buChar char="•"/>
             </a:pPr>
             <a:r>
-              <a:rPr lang="en-GB" sz="2800" b="1" dirty="0">
-                <a:solidFill>
-                  <a:schemeClr val="accent2"/>
-                </a:solidFill>
-              </a:rPr>
-              <a:t>Place dish in oven and bake </a:t>
-            </a:r>
-            <a:r>
               <a:rPr lang="en-GB" sz="2800" dirty="0"/>
-              <a:t>(15 mins)</a:t>
+              <a:t>Place dish in oven and bake (15 mins)</a:t>
             </a:r>
           </a:p>
           <a:p>
@@ -5449,24 +5321,30 @@
               <a:buChar char="•"/>
             </a:pPr>
             <a:r>
-              <a:rPr lang="en-GB" sz="2800" b="1" dirty="0">
-                <a:solidFill>
-                  <a:srgbClr val="00B050"/>
-                </a:solidFill>
-              </a:rPr>
-              <a:t>Prepare the dessert </a:t>
-            </a:r>
-            <a:r>
               <a:rPr lang="en-GB" sz="2800" dirty="0"/>
-              <a:t>(20 mins)</a:t>
-            </a:r>
+              <a:t>Prepare the dessert (20 mins)</a:t>
+            </a:r>
+          </a:p>
+          <a:p>
+            <a:pPr marL="457200" indent="-457200">
+              <a:buFont typeface="Arial" panose="020B0604020202020204" pitchFamily="34" charset="0"/>
+              <a:buChar char="•"/>
+            </a:pPr>
+            <a:endParaRPr lang="en-GB" sz="2800" dirty="0"/>
+          </a:p>
+          <a:p>
+            <a:pPr marL="457200" indent="-457200">
+              <a:buFont typeface="Arial" panose="020B0604020202020204" pitchFamily="34" charset="0"/>
+              <a:buChar char="•"/>
+            </a:pPr>
+            <a:endParaRPr lang="en-GB" sz="2800" dirty="0"/>
           </a:p>
         </p:txBody>
       </p:sp>
     </p:spTree>
     <p:extLst>
       <p:ext uri="{BB962C8B-B14F-4D97-AF65-F5344CB8AC3E}">
-        <p14:creationId xmlns:p14="http://schemas.microsoft.com/office/powerpoint/2010/main" val="2858153580"/>
+        <p14:creationId xmlns:p14="http://schemas.microsoft.com/office/powerpoint/2010/main" val="3628257232"/>
       </p:ext>
     </p:extLst>
   </p:cSld>
@@ -5508,6 +5386,268 @@
         <p:spPr>
           <a:xfrm>
             <a:off x="145775" y="132522"/>
+            <a:ext cx="11781182" cy="6124754"/>
+          </a:xfrm>
+          <a:prstGeom prst="rect">
+            <a:avLst/>
+          </a:prstGeom>
+          <a:noFill/>
+        </p:spPr>
+        <p:txBody>
+          <a:bodyPr wrap="square" rtlCol="0">
+            <a:spAutoFit/>
+          </a:bodyPr>
+          <a:lstStyle/>
+          <a:p>
+            <a:r>
+              <a:rPr lang="en-GB" sz="2800" b="1" dirty="0"/>
+              <a:t>Some steps are performed by a person, others aren’t</a:t>
+            </a:r>
+          </a:p>
+          <a:p>
+            <a:br>
+              <a:rPr lang="en-GB" sz="2800" dirty="0"/>
+            </a:br>
+            <a:r>
+              <a:rPr lang="en-GB" sz="2800" b="1" dirty="0">
+                <a:solidFill>
+                  <a:srgbClr val="00B050"/>
+                </a:solidFill>
+              </a:rPr>
+              <a:t>Green</a:t>
+            </a:r>
+            <a:r>
+              <a:rPr lang="en-GB" sz="2800" dirty="0"/>
+              <a:t> steps are ones which are completed by yourself</a:t>
+            </a:r>
+          </a:p>
+          <a:p>
+            <a:r>
+              <a:rPr lang="en-GB" sz="2800" b="1" dirty="0">
+                <a:solidFill>
+                  <a:schemeClr val="accent2"/>
+                </a:solidFill>
+              </a:rPr>
+              <a:t>Orange</a:t>
+            </a:r>
+            <a:r>
+              <a:rPr lang="en-GB" sz="2800" dirty="0"/>
+              <a:t> steps are ones which are out of your control once started</a:t>
+            </a:r>
+            <a:br>
+              <a:rPr lang="en-GB" sz="2800" dirty="0"/>
+            </a:br>
+            <a:endParaRPr lang="en-GB" sz="2800" dirty="0"/>
+          </a:p>
+          <a:p>
+            <a:pPr marL="457200" indent="-457200">
+              <a:buFont typeface="Arial" panose="020B0604020202020204" pitchFamily="34" charset="0"/>
+              <a:buChar char="•"/>
+            </a:pPr>
+            <a:r>
+              <a:rPr lang="en-GB" sz="2800" b="1" dirty="0">
+                <a:solidFill>
+                  <a:schemeClr val="accent2"/>
+                </a:solidFill>
+              </a:rPr>
+              <a:t>Heat a saucepan of water until it starts boiling </a:t>
+            </a:r>
+            <a:r>
+              <a:rPr lang="en-GB" sz="2800" dirty="0"/>
+              <a:t>(5 mins)</a:t>
+            </a:r>
+          </a:p>
+          <a:p>
+            <a:pPr marL="457200" indent="-457200">
+              <a:buFont typeface="Arial" panose="020B0604020202020204" pitchFamily="34" charset="0"/>
+              <a:buChar char="•"/>
+            </a:pPr>
+            <a:r>
+              <a:rPr lang="en-GB" sz="2800" b="1" dirty="0">
+                <a:solidFill>
+                  <a:srgbClr val="00B050"/>
+                </a:solidFill>
+              </a:rPr>
+              <a:t>Cook fresh pasta </a:t>
+            </a:r>
+            <a:r>
+              <a:rPr lang="en-GB" sz="2800" dirty="0"/>
+              <a:t>(5 mins)</a:t>
+            </a:r>
+          </a:p>
+          <a:p>
+            <a:pPr marL="457200" indent="-457200">
+              <a:buFont typeface="Arial" panose="020B0604020202020204" pitchFamily="34" charset="0"/>
+              <a:buChar char="•"/>
+            </a:pPr>
+            <a:r>
+              <a:rPr lang="en-GB" sz="2800" b="1" dirty="0">
+                <a:solidFill>
+                  <a:srgbClr val="00B050"/>
+                </a:solidFill>
+              </a:rPr>
+              <a:t>Drain the water from the pasta </a:t>
+            </a:r>
+            <a:r>
+              <a:rPr lang="en-GB" sz="2800" dirty="0"/>
+              <a:t>(1 min)</a:t>
+            </a:r>
+          </a:p>
+          <a:p>
+            <a:pPr marL="457200" indent="-457200">
+              <a:buFont typeface="Arial" panose="020B0604020202020204" pitchFamily="34" charset="0"/>
+              <a:buChar char="•"/>
+            </a:pPr>
+            <a:r>
+              <a:rPr lang="en-GB" sz="2800" b="1" dirty="0">
+                <a:solidFill>
+                  <a:srgbClr val="00B050"/>
+                </a:solidFill>
+              </a:rPr>
+              <a:t>Place pasta in a dish and add sauce </a:t>
+            </a:r>
+            <a:r>
+              <a:rPr lang="en-GB" sz="2800" dirty="0"/>
+              <a:t>(1 min)</a:t>
+            </a:r>
+          </a:p>
+          <a:p>
+            <a:pPr marL="457200" indent="-457200">
+              <a:buFont typeface="Arial" panose="020B0604020202020204" pitchFamily="34" charset="0"/>
+              <a:buChar char="•"/>
+            </a:pPr>
+            <a:r>
+              <a:rPr lang="en-GB" sz="2800" b="1" dirty="0">
+                <a:solidFill>
+                  <a:srgbClr val="00B050"/>
+                </a:solidFill>
+              </a:rPr>
+              <a:t>Grate cheese </a:t>
+            </a:r>
+            <a:r>
+              <a:rPr lang="en-GB" sz="2800" dirty="0"/>
+              <a:t>(2 mins)</a:t>
+            </a:r>
+          </a:p>
+          <a:p>
+            <a:pPr marL="457200" indent="-457200">
+              <a:buFont typeface="Arial" panose="020B0604020202020204" pitchFamily="34" charset="0"/>
+              <a:buChar char="•"/>
+            </a:pPr>
+            <a:r>
+              <a:rPr lang="en-GB" sz="2800" b="1" dirty="0">
+                <a:solidFill>
+                  <a:srgbClr val="00B050"/>
+                </a:solidFill>
+              </a:rPr>
+              <a:t>Add cheese to pasta </a:t>
+            </a:r>
+            <a:r>
+              <a:rPr lang="en-GB" sz="2800" dirty="0"/>
+              <a:t>(1 min)</a:t>
+            </a:r>
+          </a:p>
+          <a:p>
+            <a:pPr marL="457200" indent="-457200">
+              <a:buFont typeface="Arial" panose="020B0604020202020204" pitchFamily="34" charset="0"/>
+              <a:buChar char="•"/>
+            </a:pPr>
+            <a:r>
+              <a:rPr lang="en-GB" sz="2800" b="1" dirty="0">
+                <a:solidFill>
+                  <a:schemeClr val="accent2"/>
+                </a:solidFill>
+              </a:rPr>
+              <a:t>Pre-heat oven to 200°C </a:t>
